--- a/images/Images.pptx
+++ b/images/Images.pptx
@@ -9,6 +9,9 @@
     <p:sldId id="258" r:id="rId3"/>
     <p:sldId id="257" r:id="rId4"/>
     <p:sldId id="259" r:id="rId5"/>
+    <p:sldId id="260" r:id="rId6"/>
+    <p:sldId id="262" r:id="rId7"/>
+    <p:sldId id="261" r:id="rId8"/>
   </p:sldIdLst>
   <p:sldSz cx="12192000" cy="6858000"/>
   <p:notesSz cx="6858000" cy="9144000"/>
@@ -264,7 +267,7 @@
           <a:p>
             <a:fld id="{BA48513D-C823-C342-87AA-C2EB607FA67A}" type="datetimeFigureOut">
               <a:rPr lang="en-ES" smtClean="0"/>
-              <a:t>28/10/24</a:t>
+              <a:t>2/12/24</a:t>
             </a:fld>
             <a:endParaRPr lang="en-ES"/>
           </a:p>
@@ -464,7 +467,7 @@
           <a:p>
             <a:fld id="{BA48513D-C823-C342-87AA-C2EB607FA67A}" type="datetimeFigureOut">
               <a:rPr lang="en-ES" smtClean="0"/>
-              <a:t>28/10/24</a:t>
+              <a:t>2/12/24</a:t>
             </a:fld>
             <a:endParaRPr lang="en-ES"/>
           </a:p>
@@ -674,7 +677,7 @@
           <a:p>
             <a:fld id="{BA48513D-C823-C342-87AA-C2EB607FA67A}" type="datetimeFigureOut">
               <a:rPr lang="en-ES" smtClean="0"/>
-              <a:t>28/10/24</a:t>
+              <a:t>2/12/24</a:t>
             </a:fld>
             <a:endParaRPr lang="en-ES"/>
           </a:p>
@@ -874,7 +877,7 @@
           <a:p>
             <a:fld id="{BA48513D-C823-C342-87AA-C2EB607FA67A}" type="datetimeFigureOut">
               <a:rPr lang="en-ES" smtClean="0"/>
-              <a:t>28/10/24</a:t>
+              <a:t>2/12/24</a:t>
             </a:fld>
             <a:endParaRPr lang="en-ES"/>
           </a:p>
@@ -1150,7 +1153,7 @@
           <a:p>
             <a:fld id="{BA48513D-C823-C342-87AA-C2EB607FA67A}" type="datetimeFigureOut">
               <a:rPr lang="en-ES" smtClean="0"/>
-              <a:t>28/10/24</a:t>
+              <a:t>2/12/24</a:t>
             </a:fld>
             <a:endParaRPr lang="en-ES"/>
           </a:p>
@@ -1418,7 +1421,7 @@
           <a:p>
             <a:fld id="{BA48513D-C823-C342-87AA-C2EB607FA67A}" type="datetimeFigureOut">
               <a:rPr lang="en-ES" smtClean="0"/>
-              <a:t>28/10/24</a:t>
+              <a:t>2/12/24</a:t>
             </a:fld>
             <a:endParaRPr lang="en-ES"/>
           </a:p>
@@ -1833,7 +1836,7 @@
           <a:p>
             <a:fld id="{BA48513D-C823-C342-87AA-C2EB607FA67A}" type="datetimeFigureOut">
               <a:rPr lang="en-ES" smtClean="0"/>
-              <a:t>28/10/24</a:t>
+              <a:t>2/12/24</a:t>
             </a:fld>
             <a:endParaRPr lang="en-ES"/>
           </a:p>
@@ -1975,7 +1978,7 @@
           <a:p>
             <a:fld id="{BA48513D-C823-C342-87AA-C2EB607FA67A}" type="datetimeFigureOut">
               <a:rPr lang="en-ES" smtClean="0"/>
-              <a:t>28/10/24</a:t>
+              <a:t>2/12/24</a:t>
             </a:fld>
             <a:endParaRPr lang="en-ES"/>
           </a:p>
@@ -2088,7 +2091,7 @@
           <a:p>
             <a:fld id="{BA48513D-C823-C342-87AA-C2EB607FA67A}" type="datetimeFigureOut">
               <a:rPr lang="en-ES" smtClean="0"/>
-              <a:t>28/10/24</a:t>
+              <a:t>2/12/24</a:t>
             </a:fld>
             <a:endParaRPr lang="en-ES"/>
           </a:p>
@@ -2401,7 +2404,7 @@
           <a:p>
             <a:fld id="{BA48513D-C823-C342-87AA-C2EB607FA67A}" type="datetimeFigureOut">
               <a:rPr lang="en-ES" smtClean="0"/>
-              <a:t>28/10/24</a:t>
+              <a:t>2/12/24</a:t>
             </a:fld>
             <a:endParaRPr lang="en-ES"/>
           </a:p>
@@ -2690,7 +2693,7 @@
           <a:p>
             <a:fld id="{BA48513D-C823-C342-87AA-C2EB607FA67A}" type="datetimeFigureOut">
               <a:rPr lang="en-ES" smtClean="0"/>
-              <a:t>28/10/24</a:t>
+              <a:t>2/12/24</a:t>
             </a:fld>
             <a:endParaRPr lang="en-ES"/>
           </a:p>
@@ -2933,7 +2936,7 @@
           <a:p>
             <a:fld id="{BA48513D-C823-C342-87AA-C2EB607FA67A}" type="datetimeFigureOut">
               <a:rPr lang="en-ES" smtClean="0"/>
-              <a:t>28/10/24</a:t>
+              <a:t>2/12/24</a:t>
             </a:fld>
             <a:endParaRPr lang="en-ES"/>
           </a:p>
@@ -6469,8 +6472,8 @@
           </a:fontRef>
         </p:style>
       </p:cxnSp>
-      <mc:AlternateContent xmlns:mc="http://schemas.openxmlformats.org/markup-compatibility/2006">
-        <mc:Choice xmlns:a14="http://schemas.microsoft.com/office/drawing/2010/main" Requires="a14">
+      <mc:AlternateContent xmlns:mc="http://schemas.openxmlformats.org/markup-compatibility/2006" xmlns:a14="http://schemas.microsoft.com/office/drawing/2010/main">
+        <mc:Choice Requires="a14">
           <p:sp>
             <p:nvSpPr>
               <p:cNvPr id="18" name="TextBox 17">
@@ -6532,7 +6535,7 @@
             </p:txBody>
           </p:sp>
         </mc:Choice>
-        <mc:Fallback>
+        <mc:Fallback xmlns="">
           <p:sp>
             <p:nvSpPr>
               <p:cNvPr id="18" name="TextBox 17">
@@ -6577,8 +6580,8 @@
           </p:sp>
         </mc:Fallback>
       </mc:AlternateContent>
-      <mc:AlternateContent xmlns:mc="http://schemas.openxmlformats.org/markup-compatibility/2006">
-        <mc:Choice xmlns:a14="http://schemas.microsoft.com/office/drawing/2010/main" Requires="a14">
+      <mc:AlternateContent xmlns:mc="http://schemas.openxmlformats.org/markup-compatibility/2006" xmlns:a14="http://schemas.microsoft.com/office/drawing/2010/main">
+        <mc:Choice Requires="a14">
           <p:sp>
             <p:nvSpPr>
               <p:cNvPr id="19" name="TextBox 18">
@@ -6634,7 +6637,7 @@
             </p:txBody>
           </p:sp>
         </mc:Choice>
-        <mc:Fallback>
+        <mc:Fallback xmlns="">
           <p:sp>
             <p:nvSpPr>
               <p:cNvPr id="19" name="TextBox 18">
@@ -6926,6 +6929,2106 @@
     <p:extLst>
       <p:ext uri="{BB962C8B-B14F-4D97-AF65-F5344CB8AC3E}">
         <p14:creationId xmlns:p14="http://schemas.microsoft.com/office/powerpoint/2010/main" val="708505455"/>
+      </p:ext>
+    </p:extLst>
+  </p:cSld>
+  <p:clrMapOvr>
+    <a:masterClrMapping/>
+  </p:clrMapOvr>
+</p:sld>
+</file>
+
+<file path=ppt/slides/slide5.xml><?xml version="1.0" encoding="utf-8"?>
+<p:sld xmlns:a="http://schemas.openxmlformats.org/drawingml/2006/main" xmlns:r="http://schemas.openxmlformats.org/officeDocument/2006/relationships" xmlns:p="http://schemas.openxmlformats.org/presentationml/2006/main">
+  <p:cSld>
+    <p:spTree>
+      <p:nvGrpSpPr>
+        <p:cNvPr id="1" name="">
+          <a:extLst>
+            <a:ext uri="{FF2B5EF4-FFF2-40B4-BE49-F238E27FC236}">
+              <a16:creationId xmlns:a16="http://schemas.microsoft.com/office/drawing/2014/main" id="{A9905A78-7D09-3541-126B-9D35F04F814E}"/>
+            </a:ext>
+          </a:extLst>
+        </p:cNvPr>
+        <p:cNvGrpSpPr/>
+        <p:nvPr/>
+      </p:nvGrpSpPr>
+      <p:grpSpPr>
+        <a:xfrm>
+          <a:off x="0" y="0"/>
+          <a:ext cx="0" cy="0"/>
+          <a:chOff x="0" y="0"/>
+          <a:chExt cx="0" cy="0"/>
+        </a:xfrm>
+      </p:grpSpPr>
+      <p:sp>
+        <p:nvSpPr>
+          <p:cNvPr id="8" name="Oval 7">
+            <a:extLst>
+              <a:ext uri="{FF2B5EF4-FFF2-40B4-BE49-F238E27FC236}">
+                <a16:creationId xmlns:a16="http://schemas.microsoft.com/office/drawing/2014/main" id="{B36850BF-162B-DCE4-8516-FF015526DCB7}"/>
+              </a:ext>
+            </a:extLst>
+          </p:cNvPr>
+          <p:cNvSpPr/>
+          <p:nvPr/>
+        </p:nvSpPr>
+        <p:spPr>
+          <a:xfrm>
+            <a:off x="2303811" y="2686050"/>
+            <a:ext cx="2068164" cy="2064080"/>
+          </a:xfrm>
+          <a:prstGeom prst="ellipse">
+            <a:avLst/>
+          </a:prstGeom>
+          <a:gradFill flip="none" rotWithShape="1">
+            <a:gsLst>
+              <a:gs pos="100000">
+                <a:schemeClr val="accent1">
+                  <a:lumMod val="75000"/>
+                </a:schemeClr>
+              </a:gs>
+              <a:gs pos="14000">
+                <a:schemeClr val="accent1">
+                  <a:lumMod val="20000"/>
+                  <a:lumOff val="80000"/>
+                </a:schemeClr>
+              </a:gs>
+            </a:gsLst>
+            <a:path path="circle">
+              <a:fillToRect l="100000" b="100000"/>
+            </a:path>
+            <a:tileRect t="-100000" r="-100000"/>
+          </a:gradFill>
+          <a:ln w="38100" cap="flat" cmpd="sng" algn="ctr">
+            <a:solidFill>
+              <a:schemeClr val="tx1"/>
+            </a:solidFill>
+            <a:prstDash val="solid"/>
+            <a:round/>
+            <a:headEnd type="none" w="med" len="med"/>
+            <a:tailEnd type="none" w="med" len="med"/>
+          </a:ln>
+        </p:spPr>
+        <p:style>
+          <a:lnRef idx="0">
+            <a:scrgbClr r="0" g="0" b="0"/>
+          </a:lnRef>
+          <a:fillRef idx="0">
+            <a:scrgbClr r="0" g="0" b="0"/>
+          </a:fillRef>
+          <a:effectRef idx="0">
+            <a:scrgbClr r="0" g="0" b="0"/>
+          </a:effectRef>
+          <a:fontRef idx="minor">
+            <a:schemeClr val="dk1"/>
+          </a:fontRef>
+        </p:style>
+        <p:txBody>
+          <a:bodyPr rtlCol="0" anchor="ctr"/>
+          <a:lstStyle/>
+          <a:p>
+            <a:pPr algn="ctr"/>
+            <a:endParaRPr lang="en-ES" dirty="0"/>
+          </a:p>
+        </p:txBody>
+      </p:sp>
+      <p:cxnSp>
+        <p:nvCxnSpPr>
+          <p:cNvPr id="19" name="Straight Arrow Connector 18">
+            <a:extLst>
+              <a:ext uri="{FF2B5EF4-FFF2-40B4-BE49-F238E27FC236}">
+                <a16:creationId xmlns:a16="http://schemas.microsoft.com/office/drawing/2014/main" id="{CAC6AD92-7995-4551-D626-EA2FABCB0B7A}"/>
+              </a:ext>
+            </a:extLst>
+          </p:cNvPr>
+          <p:cNvCxnSpPr>
+            <a:cxnSpLocks/>
+          </p:cNvCxnSpPr>
+          <p:nvPr/>
+        </p:nvCxnSpPr>
+        <p:spPr>
+          <a:xfrm flipV="1">
+            <a:off x="3341605" y="1910184"/>
+            <a:ext cx="0" cy="939033"/>
+          </a:xfrm>
+          <a:prstGeom prst="straightConnector1">
+            <a:avLst/>
+          </a:prstGeom>
+          <a:ln w="38100">
+            <a:tailEnd type="triangle"/>
+          </a:ln>
+        </p:spPr>
+        <p:style>
+          <a:lnRef idx="2">
+            <a:schemeClr val="accent1"/>
+          </a:lnRef>
+          <a:fillRef idx="0">
+            <a:schemeClr val="accent1"/>
+          </a:fillRef>
+          <a:effectRef idx="1">
+            <a:schemeClr val="accent1"/>
+          </a:effectRef>
+          <a:fontRef idx="minor">
+            <a:schemeClr val="tx1"/>
+          </a:fontRef>
+        </p:style>
+      </p:cxnSp>
+      <p:sp>
+        <p:nvSpPr>
+          <p:cNvPr id="28" name="TextBox 27">
+            <a:extLst>
+              <a:ext uri="{FF2B5EF4-FFF2-40B4-BE49-F238E27FC236}">
+                <a16:creationId xmlns:a16="http://schemas.microsoft.com/office/drawing/2014/main" id="{71ACBD55-29E9-2C23-ADD8-E586196FD1D8}"/>
+              </a:ext>
+            </a:extLst>
+          </p:cNvPr>
+          <p:cNvSpPr txBox="1"/>
+          <p:nvPr/>
+        </p:nvSpPr>
+        <p:spPr>
+          <a:xfrm>
+            <a:off x="3377482" y="1815414"/>
+            <a:ext cx="481222" cy="584775"/>
+          </a:xfrm>
+          <a:prstGeom prst="rect">
+            <a:avLst/>
+          </a:prstGeom>
+          <a:noFill/>
+        </p:spPr>
+        <p:txBody>
+          <a:bodyPr wrap="square" rtlCol="0">
+            <a:spAutoFit/>
+          </a:bodyPr>
+          <a:lstStyle/>
+          <a:p>
+            <a:r>
+              <a:rPr lang="en-ES" sz="3200" dirty="0"/>
+              <a:t>w</a:t>
+            </a:r>
+            <a:endParaRPr lang="en-ES" dirty="0"/>
+          </a:p>
+        </p:txBody>
+      </p:sp>
+      <p:sp>
+        <p:nvSpPr>
+          <p:cNvPr id="29" name="TextBox 28">
+            <a:extLst>
+              <a:ext uri="{FF2B5EF4-FFF2-40B4-BE49-F238E27FC236}">
+                <a16:creationId xmlns:a16="http://schemas.microsoft.com/office/drawing/2014/main" id="{76B534E8-6CBB-B654-7F98-E1425C3A9DEB}"/>
+              </a:ext>
+            </a:extLst>
+          </p:cNvPr>
+          <p:cNvSpPr txBox="1"/>
+          <p:nvPr/>
+        </p:nvSpPr>
+        <p:spPr>
+          <a:xfrm>
+            <a:off x="3372405" y="1722395"/>
+            <a:ext cx="492443" cy="461665"/>
+          </a:xfrm>
+          <a:prstGeom prst="rect">
+            <a:avLst/>
+          </a:prstGeom>
+          <a:noFill/>
+        </p:spPr>
+        <p:txBody>
+          <a:bodyPr wrap="square" rtlCol="0">
+            <a:spAutoFit/>
+          </a:bodyPr>
+          <a:lstStyle/>
+          <a:p>
+            <a:r>
+              <a:rPr lang="en-ES" sz="2400" dirty="0"/>
+              <a:t>➝</a:t>
+            </a:r>
+          </a:p>
+        </p:txBody>
+      </p:sp>
+      <p:sp>
+        <p:nvSpPr>
+          <p:cNvPr id="30" name="TextBox 29">
+            <a:extLst>
+              <a:ext uri="{FF2B5EF4-FFF2-40B4-BE49-F238E27FC236}">
+                <a16:creationId xmlns:a16="http://schemas.microsoft.com/office/drawing/2014/main" id="{282B47E9-EE2D-8249-0691-CC8E4FDF0769}"/>
+              </a:ext>
+            </a:extLst>
+          </p:cNvPr>
+          <p:cNvSpPr txBox="1"/>
+          <p:nvPr/>
+        </p:nvSpPr>
+        <p:spPr>
+          <a:xfrm>
+            <a:off x="3548111" y="2905055"/>
+            <a:ext cx="421910" cy="584775"/>
+          </a:xfrm>
+          <a:prstGeom prst="rect">
+            <a:avLst/>
+          </a:prstGeom>
+          <a:noFill/>
+        </p:spPr>
+        <p:txBody>
+          <a:bodyPr wrap="none" rtlCol="0">
+            <a:spAutoFit/>
+          </a:bodyPr>
+          <a:lstStyle/>
+          <a:p>
+            <a:r>
+              <a:rPr lang="en-ES" sz="3200" dirty="0"/>
+              <a:t>σ</a:t>
+            </a:r>
+            <a:endParaRPr lang="en-ES" dirty="0"/>
+          </a:p>
+        </p:txBody>
+      </p:sp>
+      <p:sp>
+        <p:nvSpPr>
+          <p:cNvPr id="33" name="Arc 32">
+            <a:extLst>
+              <a:ext uri="{FF2B5EF4-FFF2-40B4-BE49-F238E27FC236}">
+                <a16:creationId xmlns:a16="http://schemas.microsoft.com/office/drawing/2014/main" id="{EE93F2CD-93BF-5CBC-2484-4AED71C8A222}"/>
+              </a:ext>
+            </a:extLst>
+          </p:cNvPr>
+          <p:cNvSpPr/>
+          <p:nvPr/>
+        </p:nvSpPr>
+        <p:spPr>
+          <a:xfrm>
+            <a:off x="2271713" y="3300418"/>
+            <a:ext cx="2128837" cy="771525"/>
+          </a:xfrm>
+          <a:prstGeom prst="arc">
+            <a:avLst>
+              <a:gd name="adj1" fmla="val 546407"/>
+              <a:gd name="adj2" fmla="val 10400285"/>
+            </a:avLst>
+          </a:prstGeom>
+          <a:ln w="38100">
+            <a:solidFill>
+              <a:schemeClr val="tx1"/>
+            </a:solidFill>
+            <a:prstDash val="dash"/>
+            <a:headEnd type="arrow" w="med" len="med"/>
+            <a:tailEnd type="none" w="med" len="med"/>
+          </a:ln>
+        </p:spPr>
+        <p:style>
+          <a:lnRef idx="2">
+            <a:schemeClr val="accent1"/>
+          </a:lnRef>
+          <a:fillRef idx="0">
+            <a:schemeClr val="accent1"/>
+          </a:fillRef>
+          <a:effectRef idx="1">
+            <a:schemeClr val="accent1"/>
+          </a:effectRef>
+          <a:fontRef idx="minor">
+            <a:schemeClr val="tx1"/>
+          </a:fontRef>
+        </p:style>
+        <p:txBody>
+          <a:bodyPr rtlCol="0" anchor="ctr"/>
+          <a:lstStyle/>
+          <a:p>
+            <a:pPr algn="ctr"/>
+            <a:endParaRPr lang="en-ES"/>
+          </a:p>
+        </p:txBody>
+      </p:sp>
+      <p:sp>
+        <p:nvSpPr>
+          <p:cNvPr id="34" name="Arc 33">
+            <a:extLst>
+              <a:ext uri="{FF2B5EF4-FFF2-40B4-BE49-F238E27FC236}">
+                <a16:creationId xmlns:a16="http://schemas.microsoft.com/office/drawing/2014/main" id="{12F179AD-A8CF-85F8-FAC6-D916DA73385C}"/>
+              </a:ext>
+            </a:extLst>
+          </p:cNvPr>
+          <p:cNvSpPr/>
+          <p:nvPr/>
+        </p:nvSpPr>
+        <p:spPr>
+          <a:xfrm>
+            <a:off x="3081130" y="2319130"/>
+            <a:ext cx="549966" cy="251791"/>
+          </a:xfrm>
+          <a:prstGeom prst="arc">
+            <a:avLst>
+              <a:gd name="adj1" fmla="val 1510068"/>
+              <a:gd name="adj2" fmla="val 20964950"/>
+            </a:avLst>
+          </a:prstGeom>
+          <a:ln w="38100">
+            <a:solidFill>
+              <a:schemeClr val="tx1"/>
+            </a:solidFill>
+            <a:prstDash val="solid"/>
+            <a:headEnd type="arrow" w="med" len="med"/>
+            <a:tailEnd type="none" w="med" len="med"/>
+          </a:ln>
+        </p:spPr>
+        <p:style>
+          <a:lnRef idx="2">
+            <a:schemeClr val="accent1"/>
+          </a:lnRef>
+          <a:fillRef idx="0">
+            <a:schemeClr val="accent1"/>
+          </a:fillRef>
+          <a:effectRef idx="1">
+            <a:schemeClr val="accent1"/>
+          </a:effectRef>
+          <a:fontRef idx="minor">
+            <a:schemeClr val="tx1"/>
+          </a:fontRef>
+        </p:style>
+        <p:txBody>
+          <a:bodyPr rtlCol="0" anchor="ctr"/>
+          <a:lstStyle/>
+          <a:p>
+            <a:pPr algn="ctr"/>
+            <a:endParaRPr lang="en-ES"/>
+          </a:p>
+        </p:txBody>
+      </p:sp>
+    </p:spTree>
+    <p:extLst>
+      <p:ext uri="{BB962C8B-B14F-4D97-AF65-F5344CB8AC3E}">
+        <p14:creationId xmlns:p14="http://schemas.microsoft.com/office/powerpoint/2010/main" val="2727744404"/>
+      </p:ext>
+    </p:extLst>
+  </p:cSld>
+  <p:clrMapOvr>
+    <a:masterClrMapping/>
+  </p:clrMapOvr>
+</p:sld>
+</file>
+
+<file path=ppt/slides/slide6.xml><?xml version="1.0" encoding="utf-8"?>
+<p:sld xmlns:a="http://schemas.openxmlformats.org/drawingml/2006/main" xmlns:r="http://schemas.openxmlformats.org/officeDocument/2006/relationships" xmlns:p="http://schemas.openxmlformats.org/presentationml/2006/main">
+  <p:cSld>
+    <p:spTree>
+      <p:nvGrpSpPr>
+        <p:cNvPr id="1" name="">
+          <a:extLst>
+            <a:ext uri="{FF2B5EF4-FFF2-40B4-BE49-F238E27FC236}">
+              <a16:creationId xmlns:a16="http://schemas.microsoft.com/office/drawing/2014/main" id="{626F113F-E0F4-DB94-6594-2C99C6E6B025}"/>
+            </a:ext>
+          </a:extLst>
+        </p:cNvPr>
+        <p:cNvGrpSpPr/>
+        <p:nvPr/>
+      </p:nvGrpSpPr>
+      <p:grpSpPr>
+        <a:xfrm>
+          <a:off x="0" y="0"/>
+          <a:ext cx="0" cy="0"/>
+          <a:chOff x="0" y="0"/>
+          <a:chExt cx="0" cy="0"/>
+        </a:xfrm>
+      </p:grpSpPr>
+      <p:sp>
+        <p:nvSpPr>
+          <p:cNvPr id="28" name="TextBox 27">
+            <a:extLst>
+              <a:ext uri="{FF2B5EF4-FFF2-40B4-BE49-F238E27FC236}">
+                <a16:creationId xmlns:a16="http://schemas.microsoft.com/office/drawing/2014/main" id="{F91D499D-EB81-2FAB-8F86-2A401CDF1FFC}"/>
+              </a:ext>
+            </a:extLst>
+          </p:cNvPr>
+          <p:cNvSpPr txBox="1"/>
+          <p:nvPr/>
+        </p:nvSpPr>
+        <p:spPr>
+          <a:xfrm>
+            <a:off x="2166198" y="1886667"/>
+            <a:ext cx="481222" cy="584775"/>
+          </a:xfrm>
+          <a:prstGeom prst="rect">
+            <a:avLst/>
+          </a:prstGeom>
+          <a:noFill/>
+        </p:spPr>
+        <p:txBody>
+          <a:bodyPr wrap="square" rtlCol="0">
+            <a:spAutoFit/>
+          </a:bodyPr>
+          <a:lstStyle/>
+          <a:p>
+            <a:r>
+              <a:rPr lang="en-ES" sz="3200" dirty="0"/>
+              <a:t>w</a:t>
+            </a:r>
+            <a:endParaRPr lang="en-ES" dirty="0"/>
+          </a:p>
+        </p:txBody>
+      </p:sp>
+      <p:sp>
+        <p:nvSpPr>
+          <p:cNvPr id="29" name="TextBox 28">
+            <a:extLst>
+              <a:ext uri="{FF2B5EF4-FFF2-40B4-BE49-F238E27FC236}">
+                <a16:creationId xmlns:a16="http://schemas.microsoft.com/office/drawing/2014/main" id="{28C2C59F-1A06-CD71-F728-631EF8B739D9}"/>
+              </a:ext>
+            </a:extLst>
+          </p:cNvPr>
+          <p:cNvSpPr txBox="1"/>
+          <p:nvPr/>
+        </p:nvSpPr>
+        <p:spPr>
+          <a:xfrm>
+            <a:off x="2161121" y="1793648"/>
+            <a:ext cx="492443" cy="461665"/>
+          </a:xfrm>
+          <a:prstGeom prst="rect">
+            <a:avLst/>
+          </a:prstGeom>
+          <a:noFill/>
+        </p:spPr>
+        <p:txBody>
+          <a:bodyPr wrap="square" rtlCol="0">
+            <a:spAutoFit/>
+          </a:bodyPr>
+          <a:lstStyle/>
+          <a:p>
+            <a:r>
+              <a:rPr lang="en-ES" sz="2400" dirty="0"/>
+              <a:t>➝</a:t>
+            </a:r>
+          </a:p>
+        </p:txBody>
+      </p:sp>
+      <p:sp>
+        <p:nvSpPr>
+          <p:cNvPr id="8" name="Oval 7">
+            <a:extLst>
+              <a:ext uri="{FF2B5EF4-FFF2-40B4-BE49-F238E27FC236}">
+                <a16:creationId xmlns:a16="http://schemas.microsoft.com/office/drawing/2014/main" id="{E297E46B-E2E5-41E3-2571-FC97CFC97E79}"/>
+              </a:ext>
+            </a:extLst>
+          </p:cNvPr>
+          <p:cNvSpPr/>
+          <p:nvPr/>
+        </p:nvSpPr>
+        <p:spPr>
+          <a:xfrm rot="19898773">
+            <a:off x="2487835" y="2638674"/>
+            <a:ext cx="2068164" cy="2064080"/>
+          </a:xfrm>
+          <a:prstGeom prst="ellipse">
+            <a:avLst/>
+          </a:prstGeom>
+          <a:gradFill flip="none" rotWithShape="1">
+            <a:gsLst>
+              <a:gs pos="100000">
+                <a:schemeClr val="accent1">
+                  <a:lumMod val="75000"/>
+                </a:schemeClr>
+              </a:gs>
+              <a:gs pos="14000">
+                <a:schemeClr val="accent1">
+                  <a:lumMod val="20000"/>
+                  <a:lumOff val="80000"/>
+                </a:schemeClr>
+              </a:gs>
+            </a:gsLst>
+            <a:path path="circle">
+              <a:fillToRect l="100000" b="100000"/>
+            </a:path>
+            <a:tileRect t="-100000" r="-100000"/>
+          </a:gradFill>
+          <a:ln w="38100" cap="flat" cmpd="sng" algn="ctr">
+            <a:solidFill>
+              <a:schemeClr val="tx1"/>
+            </a:solidFill>
+            <a:prstDash val="solid"/>
+            <a:round/>
+            <a:headEnd type="none" w="med" len="med"/>
+            <a:tailEnd type="none" w="med" len="med"/>
+          </a:ln>
+        </p:spPr>
+        <p:style>
+          <a:lnRef idx="0">
+            <a:scrgbClr r="0" g="0" b="0"/>
+          </a:lnRef>
+          <a:fillRef idx="0">
+            <a:scrgbClr r="0" g="0" b="0"/>
+          </a:fillRef>
+          <a:effectRef idx="0">
+            <a:scrgbClr r="0" g="0" b="0"/>
+          </a:effectRef>
+          <a:fontRef idx="minor">
+            <a:schemeClr val="dk1"/>
+          </a:fontRef>
+        </p:style>
+        <p:txBody>
+          <a:bodyPr rtlCol="0" anchor="ctr"/>
+          <a:lstStyle/>
+          <a:p>
+            <a:pPr algn="ctr"/>
+            <a:endParaRPr lang="en-ES" dirty="0"/>
+          </a:p>
+        </p:txBody>
+      </p:sp>
+      <p:cxnSp>
+        <p:nvCxnSpPr>
+          <p:cNvPr id="19" name="Straight Arrow Connector 18">
+            <a:extLst>
+              <a:ext uri="{FF2B5EF4-FFF2-40B4-BE49-F238E27FC236}">
+                <a16:creationId xmlns:a16="http://schemas.microsoft.com/office/drawing/2014/main" id="{47E48170-B536-9466-A524-35FB7E94CE69}"/>
+              </a:ext>
+            </a:extLst>
+          </p:cNvPr>
+          <p:cNvCxnSpPr>
+            <a:cxnSpLocks/>
+          </p:cNvCxnSpPr>
+          <p:nvPr/>
+        </p:nvCxnSpPr>
+        <p:spPr>
+          <a:xfrm rot="19898773" flipV="1">
+            <a:off x="2889563" y="2021609"/>
+            <a:ext cx="0" cy="939033"/>
+          </a:xfrm>
+          <a:prstGeom prst="straightConnector1">
+            <a:avLst/>
+          </a:prstGeom>
+          <a:ln w="38100">
+            <a:tailEnd type="triangle"/>
+          </a:ln>
+        </p:spPr>
+        <p:style>
+          <a:lnRef idx="2">
+            <a:schemeClr val="accent1"/>
+          </a:lnRef>
+          <a:fillRef idx="0">
+            <a:schemeClr val="accent1"/>
+          </a:fillRef>
+          <a:effectRef idx="1">
+            <a:schemeClr val="accent1"/>
+          </a:effectRef>
+          <a:fontRef idx="minor">
+            <a:schemeClr val="tx1"/>
+          </a:fontRef>
+        </p:style>
+      </p:cxnSp>
+      <p:sp>
+        <p:nvSpPr>
+          <p:cNvPr id="33" name="Arc 32">
+            <a:extLst>
+              <a:ext uri="{FF2B5EF4-FFF2-40B4-BE49-F238E27FC236}">
+                <a16:creationId xmlns:a16="http://schemas.microsoft.com/office/drawing/2014/main" id="{D5937DA5-B7EF-C550-8EE1-B553264B90BD}"/>
+              </a:ext>
+            </a:extLst>
+          </p:cNvPr>
+          <p:cNvSpPr/>
+          <p:nvPr/>
+        </p:nvSpPr>
+        <p:spPr>
+          <a:xfrm rot="19898773">
+            <a:off x="2411608" y="2902458"/>
+            <a:ext cx="2128837" cy="1348743"/>
+          </a:xfrm>
+          <a:prstGeom prst="arc">
+            <a:avLst>
+              <a:gd name="adj1" fmla="val 1278982"/>
+              <a:gd name="adj2" fmla="val 10400285"/>
+            </a:avLst>
+          </a:prstGeom>
+          <a:ln w="38100">
+            <a:solidFill>
+              <a:schemeClr val="tx1"/>
+            </a:solidFill>
+            <a:prstDash val="dash"/>
+            <a:headEnd type="arrow" w="med" len="med"/>
+            <a:tailEnd type="none" w="med" len="med"/>
+          </a:ln>
+        </p:spPr>
+        <p:style>
+          <a:lnRef idx="2">
+            <a:schemeClr val="accent1"/>
+          </a:lnRef>
+          <a:fillRef idx="0">
+            <a:schemeClr val="accent1"/>
+          </a:fillRef>
+          <a:effectRef idx="1">
+            <a:schemeClr val="accent1"/>
+          </a:effectRef>
+          <a:fontRef idx="minor">
+            <a:schemeClr val="tx1"/>
+          </a:fontRef>
+        </p:style>
+        <p:txBody>
+          <a:bodyPr rtlCol="0" anchor="ctr"/>
+          <a:lstStyle/>
+          <a:p>
+            <a:pPr algn="ctr"/>
+            <a:endParaRPr lang="en-ES"/>
+          </a:p>
+        </p:txBody>
+      </p:sp>
+      <p:sp>
+        <p:nvSpPr>
+          <p:cNvPr id="34" name="Arc 33">
+            <a:extLst>
+              <a:ext uri="{FF2B5EF4-FFF2-40B4-BE49-F238E27FC236}">
+                <a16:creationId xmlns:a16="http://schemas.microsoft.com/office/drawing/2014/main" id="{7E952548-FC50-BB72-6807-DA2AC650D8A8}"/>
+              </a:ext>
+            </a:extLst>
+          </p:cNvPr>
+          <p:cNvSpPr/>
+          <p:nvPr/>
+        </p:nvSpPr>
+        <p:spPr>
+          <a:xfrm rot="19898773">
+            <a:off x="2624166" y="2287720"/>
+            <a:ext cx="549966" cy="407799"/>
+          </a:xfrm>
+          <a:prstGeom prst="arc">
+            <a:avLst>
+              <a:gd name="adj1" fmla="val 1490579"/>
+              <a:gd name="adj2" fmla="val 20964950"/>
+            </a:avLst>
+          </a:prstGeom>
+          <a:ln w="38100">
+            <a:solidFill>
+              <a:schemeClr val="tx1"/>
+            </a:solidFill>
+            <a:prstDash val="solid"/>
+            <a:headEnd type="arrow" w="med" len="med"/>
+            <a:tailEnd type="none" w="med" len="med"/>
+          </a:ln>
+        </p:spPr>
+        <p:style>
+          <a:lnRef idx="2">
+            <a:schemeClr val="accent1"/>
+          </a:lnRef>
+          <a:fillRef idx="0">
+            <a:schemeClr val="accent1"/>
+          </a:fillRef>
+          <a:effectRef idx="1">
+            <a:schemeClr val="accent1"/>
+          </a:effectRef>
+          <a:fontRef idx="minor">
+            <a:schemeClr val="tx1"/>
+          </a:fontRef>
+        </p:style>
+        <p:txBody>
+          <a:bodyPr rtlCol="0" anchor="ctr"/>
+          <a:lstStyle/>
+          <a:p>
+            <a:pPr algn="ctr"/>
+            <a:endParaRPr lang="en-ES"/>
+          </a:p>
+        </p:txBody>
+      </p:sp>
+      <p:cxnSp>
+        <p:nvCxnSpPr>
+          <p:cNvPr id="3" name="Straight Arrow Connector 2">
+            <a:extLst>
+              <a:ext uri="{FF2B5EF4-FFF2-40B4-BE49-F238E27FC236}">
+                <a16:creationId xmlns:a16="http://schemas.microsoft.com/office/drawing/2014/main" id="{913159A8-EFB5-1CC5-D869-9191CE959BEA}"/>
+              </a:ext>
+            </a:extLst>
+          </p:cNvPr>
+          <p:cNvCxnSpPr>
+            <a:cxnSpLocks/>
+          </p:cNvCxnSpPr>
+          <p:nvPr/>
+        </p:nvCxnSpPr>
+        <p:spPr>
+          <a:xfrm flipV="1">
+            <a:off x="3531502" y="629391"/>
+            <a:ext cx="0" cy="3040084"/>
+          </a:xfrm>
+          <a:prstGeom prst="straightConnector1">
+            <a:avLst/>
+          </a:prstGeom>
+          <a:ln w="38100">
+            <a:tailEnd type="triangle"/>
+          </a:ln>
+        </p:spPr>
+        <p:style>
+          <a:lnRef idx="2">
+            <a:schemeClr val="accent1"/>
+          </a:lnRef>
+          <a:fillRef idx="0">
+            <a:schemeClr val="accent1"/>
+          </a:fillRef>
+          <a:effectRef idx="1">
+            <a:schemeClr val="accent1"/>
+          </a:effectRef>
+          <a:fontRef idx="minor">
+            <a:schemeClr val="tx1"/>
+          </a:fontRef>
+        </p:style>
+      </p:cxnSp>
+      <p:cxnSp>
+        <p:nvCxnSpPr>
+          <p:cNvPr id="7" name="Straight Arrow Connector 6">
+            <a:extLst>
+              <a:ext uri="{FF2B5EF4-FFF2-40B4-BE49-F238E27FC236}">
+                <a16:creationId xmlns:a16="http://schemas.microsoft.com/office/drawing/2014/main" id="{1380C8A2-3BC5-6AEF-1DD3-6F1827C3CDF0}"/>
+              </a:ext>
+            </a:extLst>
+          </p:cNvPr>
+          <p:cNvCxnSpPr>
+            <a:cxnSpLocks/>
+          </p:cNvCxnSpPr>
+          <p:nvPr/>
+        </p:nvCxnSpPr>
+        <p:spPr>
+          <a:xfrm flipH="1">
+            <a:off x="1935679" y="3655621"/>
+            <a:ext cx="1605720" cy="1260762"/>
+          </a:xfrm>
+          <a:prstGeom prst="straightConnector1">
+            <a:avLst/>
+          </a:prstGeom>
+          <a:ln w="38100">
+            <a:tailEnd type="triangle"/>
+          </a:ln>
+        </p:spPr>
+        <p:style>
+          <a:lnRef idx="2">
+            <a:schemeClr val="accent1"/>
+          </a:lnRef>
+          <a:fillRef idx="0">
+            <a:schemeClr val="accent1"/>
+          </a:fillRef>
+          <a:effectRef idx="1">
+            <a:schemeClr val="accent1"/>
+          </a:effectRef>
+          <a:fontRef idx="minor">
+            <a:schemeClr val="tx1"/>
+          </a:fontRef>
+        </p:style>
+      </p:cxnSp>
+      <p:cxnSp>
+        <p:nvCxnSpPr>
+          <p:cNvPr id="10" name="Straight Arrow Connector 9">
+            <a:extLst>
+              <a:ext uri="{FF2B5EF4-FFF2-40B4-BE49-F238E27FC236}">
+                <a16:creationId xmlns:a16="http://schemas.microsoft.com/office/drawing/2014/main" id="{0655789D-AF63-864B-898A-CEE279DB157E}"/>
+              </a:ext>
+            </a:extLst>
+          </p:cNvPr>
+          <p:cNvCxnSpPr>
+            <a:cxnSpLocks/>
+          </p:cNvCxnSpPr>
+          <p:nvPr/>
+        </p:nvCxnSpPr>
+        <p:spPr>
+          <a:xfrm>
+            <a:off x="3513120" y="3677394"/>
+            <a:ext cx="1783276" cy="0"/>
+          </a:xfrm>
+          <a:prstGeom prst="straightConnector1">
+            <a:avLst/>
+          </a:prstGeom>
+          <a:ln w="38100">
+            <a:tailEnd type="triangle"/>
+          </a:ln>
+        </p:spPr>
+        <p:style>
+          <a:lnRef idx="2">
+            <a:schemeClr val="accent1"/>
+          </a:lnRef>
+          <a:fillRef idx="0">
+            <a:schemeClr val="accent1"/>
+          </a:fillRef>
+          <a:effectRef idx="1">
+            <a:schemeClr val="accent1"/>
+          </a:effectRef>
+          <a:fontRef idx="minor">
+            <a:schemeClr val="tx1"/>
+          </a:fontRef>
+        </p:style>
+      </p:cxnSp>
+      <p:cxnSp>
+        <p:nvCxnSpPr>
+          <p:cNvPr id="14" name="Straight Arrow Connector 13">
+            <a:extLst>
+              <a:ext uri="{FF2B5EF4-FFF2-40B4-BE49-F238E27FC236}">
+                <a16:creationId xmlns:a16="http://schemas.microsoft.com/office/drawing/2014/main" id="{B28E979E-52E1-C7E4-1C4F-30E958AD4417}"/>
+              </a:ext>
+            </a:extLst>
+          </p:cNvPr>
+          <p:cNvCxnSpPr>
+            <a:cxnSpLocks/>
+          </p:cNvCxnSpPr>
+          <p:nvPr/>
+        </p:nvCxnSpPr>
+        <p:spPr>
+          <a:xfrm flipH="1">
+            <a:off x="2636322" y="1413164"/>
+            <a:ext cx="890649" cy="688769"/>
+          </a:xfrm>
+          <a:prstGeom prst="straightConnector1">
+            <a:avLst/>
+          </a:prstGeom>
+          <a:ln w="38100">
+            <a:prstDash val="sysDot"/>
+            <a:headEnd type="none" w="med" len="med"/>
+            <a:tailEnd type="none" w="med" len="med"/>
+          </a:ln>
+        </p:spPr>
+        <p:style>
+          <a:lnRef idx="2">
+            <a:schemeClr val="accent1"/>
+          </a:lnRef>
+          <a:fillRef idx="0">
+            <a:schemeClr val="accent1"/>
+          </a:fillRef>
+          <a:effectRef idx="1">
+            <a:schemeClr val="accent1"/>
+          </a:effectRef>
+          <a:fontRef idx="minor">
+            <a:schemeClr val="tx1"/>
+          </a:fontRef>
+        </p:style>
+      </p:cxnSp>
+      <p:cxnSp>
+        <p:nvCxnSpPr>
+          <p:cNvPr id="16" name="Straight Arrow Connector 15">
+            <a:extLst>
+              <a:ext uri="{FF2B5EF4-FFF2-40B4-BE49-F238E27FC236}">
+                <a16:creationId xmlns:a16="http://schemas.microsoft.com/office/drawing/2014/main" id="{0796D4F4-4BE7-0F5D-0F7E-344FC2405605}"/>
+              </a:ext>
+            </a:extLst>
+          </p:cNvPr>
+          <p:cNvCxnSpPr>
+            <a:cxnSpLocks/>
+          </p:cNvCxnSpPr>
+          <p:nvPr/>
+        </p:nvCxnSpPr>
+        <p:spPr>
+          <a:xfrm>
+            <a:off x="2648770" y="2072243"/>
+            <a:ext cx="0" cy="2262250"/>
+          </a:xfrm>
+          <a:prstGeom prst="straightConnector1">
+            <a:avLst/>
+          </a:prstGeom>
+          <a:ln w="38100">
+            <a:prstDash val="sysDot"/>
+            <a:headEnd type="none" w="med" len="med"/>
+            <a:tailEnd type="none" w="med" len="med"/>
+          </a:ln>
+        </p:spPr>
+        <p:style>
+          <a:lnRef idx="2">
+            <a:schemeClr val="accent1"/>
+          </a:lnRef>
+          <a:fillRef idx="0">
+            <a:schemeClr val="accent1"/>
+          </a:fillRef>
+          <a:effectRef idx="1">
+            <a:schemeClr val="accent1"/>
+          </a:effectRef>
+          <a:fontRef idx="minor">
+            <a:schemeClr val="tx1"/>
+          </a:fontRef>
+        </p:style>
+      </p:cxnSp>
+      <p:sp>
+        <p:nvSpPr>
+          <p:cNvPr id="18" name="TextBox 17">
+            <a:extLst>
+              <a:ext uri="{FF2B5EF4-FFF2-40B4-BE49-F238E27FC236}">
+                <a16:creationId xmlns:a16="http://schemas.microsoft.com/office/drawing/2014/main" id="{A8C541FA-990D-5E6E-CB42-49381EDD4293}"/>
+              </a:ext>
+            </a:extLst>
+          </p:cNvPr>
+          <p:cNvSpPr txBox="1"/>
+          <p:nvPr/>
+        </p:nvSpPr>
+        <p:spPr>
+          <a:xfrm>
+            <a:off x="1812336" y="4233110"/>
+            <a:ext cx="365806" cy="584775"/>
+          </a:xfrm>
+          <a:prstGeom prst="rect">
+            <a:avLst/>
+          </a:prstGeom>
+          <a:noFill/>
+        </p:spPr>
+        <p:txBody>
+          <a:bodyPr wrap="none" rtlCol="0">
+            <a:spAutoFit/>
+          </a:bodyPr>
+          <a:lstStyle/>
+          <a:p>
+            <a:r>
+              <a:rPr lang="en-ES" sz="3200" dirty="0"/>
+              <a:t>x</a:t>
+            </a:r>
+            <a:endParaRPr lang="en-ES" dirty="0"/>
+          </a:p>
+        </p:txBody>
+      </p:sp>
+      <p:sp>
+        <p:nvSpPr>
+          <p:cNvPr id="20" name="TextBox 19">
+            <a:extLst>
+              <a:ext uri="{FF2B5EF4-FFF2-40B4-BE49-F238E27FC236}">
+                <a16:creationId xmlns:a16="http://schemas.microsoft.com/office/drawing/2014/main" id="{14A68ABB-374E-B843-9644-823F05F7EC21}"/>
+              </a:ext>
+            </a:extLst>
+          </p:cNvPr>
+          <p:cNvSpPr txBox="1"/>
+          <p:nvPr/>
+        </p:nvSpPr>
+        <p:spPr>
+          <a:xfrm>
+            <a:off x="4921692" y="3043598"/>
+            <a:ext cx="370614" cy="584775"/>
+          </a:xfrm>
+          <a:prstGeom prst="rect">
+            <a:avLst/>
+          </a:prstGeom>
+          <a:noFill/>
+        </p:spPr>
+        <p:txBody>
+          <a:bodyPr wrap="none" rtlCol="0">
+            <a:spAutoFit/>
+          </a:bodyPr>
+          <a:lstStyle/>
+          <a:p>
+            <a:r>
+              <a:rPr lang="en-ES" sz="3200" dirty="0"/>
+              <a:t>y</a:t>
+            </a:r>
+            <a:endParaRPr lang="en-ES" dirty="0"/>
+          </a:p>
+        </p:txBody>
+      </p:sp>
+      <p:sp>
+        <p:nvSpPr>
+          <p:cNvPr id="21" name="TextBox 20">
+            <a:extLst>
+              <a:ext uri="{FF2B5EF4-FFF2-40B4-BE49-F238E27FC236}">
+                <a16:creationId xmlns:a16="http://schemas.microsoft.com/office/drawing/2014/main" id="{765E0D64-B109-0734-4510-0F606EBC0E8F}"/>
+              </a:ext>
+            </a:extLst>
+          </p:cNvPr>
+          <p:cNvSpPr txBox="1"/>
+          <p:nvPr/>
+        </p:nvSpPr>
+        <p:spPr>
+          <a:xfrm>
+            <a:off x="3625303" y="524050"/>
+            <a:ext cx="364202" cy="584775"/>
+          </a:xfrm>
+          <a:prstGeom prst="rect">
+            <a:avLst/>
+          </a:prstGeom>
+          <a:noFill/>
+        </p:spPr>
+        <p:txBody>
+          <a:bodyPr wrap="none" rtlCol="0">
+            <a:spAutoFit/>
+          </a:bodyPr>
+          <a:lstStyle/>
+          <a:p>
+            <a:r>
+              <a:rPr lang="en-ES" sz="3200" dirty="0"/>
+              <a:t>z</a:t>
+            </a:r>
+            <a:endParaRPr lang="en-ES" dirty="0"/>
+          </a:p>
+        </p:txBody>
+      </p:sp>
+      <p:sp>
+        <p:nvSpPr>
+          <p:cNvPr id="30" name="TextBox 29">
+            <a:extLst>
+              <a:ext uri="{FF2B5EF4-FFF2-40B4-BE49-F238E27FC236}">
+                <a16:creationId xmlns:a16="http://schemas.microsoft.com/office/drawing/2014/main" id="{AA1D099A-4CBC-1BDC-7E29-B3E7B409C7FF}"/>
+              </a:ext>
+            </a:extLst>
+          </p:cNvPr>
+          <p:cNvSpPr txBox="1"/>
+          <p:nvPr/>
+        </p:nvSpPr>
+        <p:spPr>
+          <a:xfrm>
+            <a:off x="3643114" y="2726924"/>
+            <a:ext cx="421910" cy="584775"/>
+          </a:xfrm>
+          <a:prstGeom prst="rect">
+            <a:avLst/>
+          </a:prstGeom>
+          <a:noFill/>
+        </p:spPr>
+        <p:txBody>
+          <a:bodyPr wrap="none" rtlCol="0">
+            <a:spAutoFit/>
+          </a:bodyPr>
+          <a:lstStyle/>
+          <a:p>
+            <a:r>
+              <a:rPr lang="en-ES" sz="3200" dirty="0"/>
+              <a:t>σ</a:t>
+            </a:r>
+            <a:endParaRPr lang="en-ES" dirty="0"/>
+          </a:p>
+        </p:txBody>
+      </p:sp>
+    </p:spTree>
+    <p:extLst>
+      <p:ext uri="{BB962C8B-B14F-4D97-AF65-F5344CB8AC3E}">
+        <p14:creationId xmlns:p14="http://schemas.microsoft.com/office/powerpoint/2010/main" val="264424654"/>
+      </p:ext>
+    </p:extLst>
+  </p:cSld>
+  <p:clrMapOvr>
+    <a:masterClrMapping/>
+  </p:clrMapOvr>
+</p:sld>
+</file>
+
+<file path=ppt/slides/slide7.xml><?xml version="1.0" encoding="utf-8"?>
+<p:sld xmlns:a="http://schemas.openxmlformats.org/drawingml/2006/main" xmlns:r="http://schemas.openxmlformats.org/officeDocument/2006/relationships" xmlns:p="http://schemas.openxmlformats.org/presentationml/2006/main">
+  <p:cSld>
+    <p:spTree>
+      <p:nvGrpSpPr>
+        <p:cNvPr id="1" name="">
+          <a:extLst>
+            <a:ext uri="{FF2B5EF4-FFF2-40B4-BE49-F238E27FC236}">
+              <a16:creationId xmlns:a16="http://schemas.microsoft.com/office/drawing/2014/main" id="{35A2CEAE-803B-E769-BC95-8B99D8626637}"/>
+            </a:ext>
+          </a:extLst>
+        </p:cNvPr>
+        <p:cNvGrpSpPr/>
+        <p:nvPr/>
+      </p:nvGrpSpPr>
+      <p:grpSpPr>
+        <a:xfrm>
+          <a:off x="0" y="0"/>
+          <a:ext cx="0" cy="0"/>
+          <a:chOff x="0" y="0"/>
+          <a:chExt cx="0" cy="0"/>
+        </a:xfrm>
+      </p:grpSpPr>
+      <p:sp>
+        <p:nvSpPr>
+          <p:cNvPr id="8" name="Oval 7">
+            <a:extLst>
+              <a:ext uri="{FF2B5EF4-FFF2-40B4-BE49-F238E27FC236}">
+                <a16:creationId xmlns:a16="http://schemas.microsoft.com/office/drawing/2014/main" id="{DAC2E50C-149F-99C1-CC75-2014F4A30FD1}"/>
+              </a:ext>
+            </a:extLst>
+          </p:cNvPr>
+          <p:cNvSpPr/>
+          <p:nvPr/>
+        </p:nvSpPr>
+        <p:spPr>
+          <a:xfrm>
+            <a:off x="2303811" y="2686050"/>
+            <a:ext cx="2068164" cy="2064080"/>
+          </a:xfrm>
+          <a:prstGeom prst="ellipse">
+            <a:avLst/>
+          </a:prstGeom>
+          <a:gradFill flip="none" rotWithShape="1">
+            <a:gsLst>
+              <a:gs pos="100000">
+                <a:schemeClr val="accent1">
+                  <a:lumMod val="75000"/>
+                </a:schemeClr>
+              </a:gs>
+              <a:gs pos="14000">
+                <a:schemeClr val="accent1">
+                  <a:lumMod val="20000"/>
+                  <a:lumOff val="80000"/>
+                </a:schemeClr>
+              </a:gs>
+            </a:gsLst>
+            <a:path path="circle">
+              <a:fillToRect l="100000" b="100000"/>
+            </a:path>
+            <a:tileRect t="-100000" r="-100000"/>
+          </a:gradFill>
+          <a:ln w="38100" cap="flat" cmpd="sng" algn="ctr">
+            <a:solidFill>
+              <a:schemeClr val="tx1"/>
+            </a:solidFill>
+            <a:prstDash val="solid"/>
+            <a:round/>
+            <a:headEnd type="none" w="med" len="med"/>
+            <a:tailEnd type="none" w="med" len="med"/>
+          </a:ln>
+        </p:spPr>
+        <p:style>
+          <a:lnRef idx="0">
+            <a:scrgbClr r="0" g="0" b="0"/>
+          </a:lnRef>
+          <a:fillRef idx="0">
+            <a:scrgbClr r="0" g="0" b="0"/>
+          </a:fillRef>
+          <a:effectRef idx="0">
+            <a:scrgbClr r="0" g="0" b="0"/>
+          </a:effectRef>
+          <a:fontRef idx="minor">
+            <a:schemeClr val="dk1"/>
+          </a:fontRef>
+        </p:style>
+        <p:txBody>
+          <a:bodyPr rtlCol="0" anchor="ctr"/>
+          <a:lstStyle/>
+          <a:p>
+            <a:pPr algn="ctr"/>
+            <a:endParaRPr lang="en-ES" dirty="0"/>
+          </a:p>
+        </p:txBody>
+      </p:sp>
+      <p:cxnSp>
+        <p:nvCxnSpPr>
+          <p:cNvPr id="19" name="Straight Arrow Connector 18">
+            <a:extLst>
+              <a:ext uri="{FF2B5EF4-FFF2-40B4-BE49-F238E27FC236}">
+                <a16:creationId xmlns:a16="http://schemas.microsoft.com/office/drawing/2014/main" id="{F95F96C8-3F88-3E89-B636-3C5F3ACB2EB7}"/>
+              </a:ext>
+            </a:extLst>
+          </p:cNvPr>
+          <p:cNvCxnSpPr>
+            <a:cxnSpLocks/>
+          </p:cNvCxnSpPr>
+          <p:nvPr/>
+        </p:nvCxnSpPr>
+        <p:spPr>
+          <a:xfrm flipV="1">
+            <a:off x="3341605" y="1910184"/>
+            <a:ext cx="0" cy="939033"/>
+          </a:xfrm>
+          <a:prstGeom prst="straightConnector1">
+            <a:avLst/>
+          </a:prstGeom>
+          <a:ln w="38100">
+            <a:tailEnd type="triangle"/>
+          </a:ln>
+        </p:spPr>
+        <p:style>
+          <a:lnRef idx="2">
+            <a:schemeClr val="accent1"/>
+          </a:lnRef>
+          <a:fillRef idx="0">
+            <a:schemeClr val="accent1"/>
+          </a:fillRef>
+          <a:effectRef idx="1">
+            <a:schemeClr val="accent1"/>
+          </a:effectRef>
+          <a:fontRef idx="minor">
+            <a:schemeClr val="tx1"/>
+          </a:fontRef>
+        </p:style>
+      </p:cxnSp>
+      <p:sp>
+        <p:nvSpPr>
+          <p:cNvPr id="28" name="TextBox 27">
+            <a:extLst>
+              <a:ext uri="{FF2B5EF4-FFF2-40B4-BE49-F238E27FC236}">
+                <a16:creationId xmlns:a16="http://schemas.microsoft.com/office/drawing/2014/main" id="{007B801B-CE07-ECB5-0509-057F1A8D0066}"/>
+              </a:ext>
+            </a:extLst>
+          </p:cNvPr>
+          <p:cNvSpPr txBox="1"/>
+          <p:nvPr/>
+        </p:nvSpPr>
+        <p:spPr>
+          <a:xfrm>
+            <a:off x="3377482" y="1815414"/>
+            <a:ext cx="481222" cy="584775"/>
+          </a:xfrm>
+          <a:prstGeom prst="rect">
+            <a:avLst/>
+          </a:prstGeom>
+          <a:noFill/>
+        </p:spPr>
+        <p:txBody>
+          <a:bodyPr wrap="square" rtlCol="0">
+            <a:spAutoFit/>
+          </a:bodyPr>
+          <a:lstStyle/>
+          <a:p>
+            <a:r>
+              <a:rPr lang="en-ES" sz="3200" dirty="0"/>
+              <a:t>w</a:t>
+            </a:r>
+            <a:endParaRPr lang="en-ES" dirty="0"/>
+          </a:p>
+        </p:txBody>
+      </p:sp>
+      <p:sp>
+        <p:nvSpPr>
+          <p:cNvPr id="29" name="TextBox 28">
+            <a:extLst>
+              <a:ext uri="{FF2B5EF4-FFF2-40B4-BE49-F238E27FC236}">
+                <a16:creationId xmlns:a16="http://schemas.microsoft.com/office/drawing/2014/main" id="{E71942EF-47A3-FFD8-167C-3728FAEABCDA}"/>
+              </a:ext>
+            </a:extLst>
+          </p:cNvPr>
+          <p:cNvSpPr txBox="1"/>
+          <p:nvPr/>
+        </p:nvSpPr>
+        <p:spPr>
+          <a:xfrm>
+            <a:off x="3372405" y="1722395"/>
+            <a:ext cx="492443" cy="461665"/>
+          </a:xfrm>
+          <a:prstGeom prst="rect">
+            <a:avLst/>
+          </a:prstGeom>
+          <a:noFill/>
+        </p:spPr>
+        <p:txBody>
+          <a:bodyPr wrap="square" rtlCol="0">
+            <a:spAutoFit/>
+          </a:bodyPr>
+          <a:lstStyle/>
+          <a:p>
+            <a:r>
+              <a:rPr lang="en-ES" sz="2400" dirty="0"/>
+              <a:t>➝</a:t>
+            </a:r>
+          </a:p>
+        </p:txBody>
+      </p:sp>
+      <p:sp>
+        <p:nvSpPr>
+          <p:cNvPr id="30" name="TextBox 29">
+            <a:extLst>
+              <a:ext uri="{FF2B5EF4-FFF2-40B4-BE49-F238E27FC236}">
+                <a16:creationId xmlns:a16="http://schemas.microsoft.com/office/drawing/2014/main" id="{4E6CA52D-2C16-AB16-F813-B2B0E5CD9CDF}"/>
+              </a:ext>
+            </a:extLst>
+          </p:cNvPr>
+          <p:cNvSpPr txBox="1"/>
+          <p:nvPr/>
+        </p:nvSpPr>
+        <p:spPr>
+          <a:xfrm>
+            <a:off x="2716838" y="2786302"/>
+            <a:ext cx="421910" cy="584775"/>
+          </a:xfrm>
+          <a:prstGeom prst="rect">
+            <a:avLst/>
+          </a:prstGeom>
+          <a:noFill/>
+        </p:spPr>
+        <p:txBody>
+          <a:bodyPr wrap="none" rtlCol="0">
+            <a:spAutoFit/>
+          </a:bodyPr>
+          <a:lstStyle/>
+          <a:p>
+            <a:r>
+              <a:rPr lang="en-ES" sz="3200" dirty="0"/>
+              <a:t>σ</a:t>
+            </a:r>
+            <a:endParaRPr lang="en-ES" dirty="0"/>
+          </a:p>
+        </p:txBody>
+      </p:sp>
+      <p:sp>
+        <p:nvSpPr>
+          <p:cNvPr id="33" name="Arc 32">
+            <a:extLst>
+              <a:ext uri="{FF2B5EF4-FFF2-40B4-BE49-F238E27FC236}">
+                <a16:creationId xmlns:a16="http://schemas.microsoft.com/office/drawing/2014/main" id="{FBA5D931-7317-A7CF-E89B-5272F1A81E43}"/>
+              </a:ext>
+            </a:extLst>
+          </p:cNvPr>
+          <p:cNvSpPr/>
+          <p:nvPr/>
+        </p:nvSpPr>
+        <p:spPr>
+          <a:xfrm>
+            <a:off x="2271713" y="3300418"/>
+            <a:ext cx="2128837" cy="771525"/>
+          </a:xfrm>
+          <a:prstGeom prst="arc">
+            <a:avLst>
+              <a:gd name="adj1" fmla="val 546407"/>
+              <a:gd name="adj2" fmla="val 10400285"/>
+            </a:avLst>
+          </a:prstGeom>
+          <a:ln w="38100">
+            <a:solidFill>
+              <a:schemeClr val="tx1"/>
+            </a:solidFill>
+            <a:prstDash val="dash"/>
+            <a:headEnd type="arrow" w="med" len="med"/>
+            <a:tailEnd type="none" w="med" len="med"/>
+          </a:ln>
+        </p:spPr>
+        <p:style>
+          <a:lnRef idx="2">
+            <a:schemeClr val="accent1"/>
+          </a:lnRef>
+          <a:fillRef idx="0">
+            <a:schemeClr val="accent1"/>
+          </a:fillRef>
+          <a:effectRef idx="1">
+            <a:schemeClr val="accent1"/>
+          </a:effectRef>
+          <a:fontRef idx="minor">
+            <a:schemeClr val="tx1"/>
+          </a:fontRef>
+        </p:style>
+        <p:txBody>
+          <a:bodyPr rtlCol="0" anchor="ctr"/>
+          <a:lstStyle/>
+          <a:p>
+            <a:pPr algn="ctr"/>
+            <a:endParaRPr lang="en-ES"/>
+          </a:p>
+        </p:txBody>
+      </p:sp>
+      <p:sp>
+        <p:nvSpPr>
+          <p:cNvPr id="34" name="Arc 33">
+            <a:extLst>
+              <a:ext uri="{FF2B5EF4-FFF2-40B4-BE49-F238E27FC236}">
+                <a16:creationId xmlns:a16="http://schemas.microsoft.com/office/drawing/2014/main" id="{38AE8036-DBE2-1AB2-C3B3-5D24E21ED151}"/>
+              </a:ext>
+            </a:extLst>
+          </p:cNvPr>
+          <p:cNvSpPr/>
+          <p:nvPr/>
+        </p:nvSpPr>
+        <p:spPr>
+          <a:xfrm>
+            <a:off x="3081130" y="2319130"/>
+            <a:ext cx="549966" cy="251791"/>
+          </a:xfrm>
+          <a:prstGeom prst="arc">
+            <a:avLst>
+              <a:gd name="adj1" fmla="val 1510068"/>
+              <a:gd name="adj2" fmla="val 20964950"/>
+            </a:avLst>
+          </a:prstGeom>
+          <a:ln w="38100">
+            <a:solidFill>
+              <a:schemeClr val="tx1"/>
+            </a:solidFill>
+            <a:prstDash val="solid"/>
+            <a:headEnd type="arrow" w="med" len="med"/>
+            <a:tailEnd type="none" w="med" len="med"/>
+          </a:ln>
+        </p:spPr>
+        <p:style>
+          <a:lnRef idx="2">
+            <a:schemeClr val="accent1"/>
+          </a:lnRef>
+          <a:fillRef idx="0">
+            <a:schemeClr val="accent1"/>
+          </a:fillRef>
+          <a:effectRef idx="1">
+            <a:schemeClr val="accent1"/>
+          </a:effectRef>
+          <a:fontRef idx="minor">
+            <a:schemeClr val="tx1"/>
+          </a:fontRef>
+        </p:style>
+        <p:txBody>
+          <a:bodyPr rtlCol="0" anchor="ctr"/>
+          <a:lstStyle/>
+          <a:p>
+            <a:pPr algn="ctr"/>
+            <a:endParaRPr lang="en-ES"/>
+          </a:p>
+        </p:txBody>
+      </p:sp>
+      <p:cxnSp>
+        <p:nvCxnSpPr>
+          <p:cNvPr id="36" name="Straight Arrow Connector 35">
+            <a:extLst>
+              <a:ext uri="{FF2B5EF4-FFF2-40B4-BE49-F238E27FC236}">
+                <a16:creationId xmlns:a16="http://schemas.microsoft.com/office/drawing/2014/main" id="{ACBCFEFB-1B39-C2A1-F1A7-EA135889A4BF}"/>
+              </a:ext>
+            </a:extLst>
+          </p:cNvPr>
+          <p:cNvCxnSpPr>
+            <a:cxnSpLocks/>
+          </p:cNvCxnSpPr>
+          <p:nvPr/>
+        </p:nvCxnSpPr>
+        <p:spPr>
+          <a:xfrm>
+            <a:off x="4948357" y="3688373"/>
+            <a:ext cx="997527" cy="0"/>
+          </a:xfrm>
+          <a:prstGeom prst="straightConnector1">
+            <a:avLst/>
+          </a:prstGeom>
+          <a:ln w="60325">
+            <a:solidFill>
+              <a:schemeClr val="tx1"/>
+            </a:solidFill>
+            <a:headEnd type="none" w="med" len="med"/>
+            <a:tailEnd type="arrow" w="med" len="med"/>
+          </a:ln>
+        </p:spPr>
+        <p:style>
+          <a:lnRef idx="2">
+            <a:schemeClr val="accent1"/>
+          </a:lnRef>
+          <a:fillRef idx="0">
+            <a:schemeClr val="accent1"/>
+          </a:fillRef>
+          <a:effectRef idx="1">
+            <a:schemeClr val="accent1"/>
+          </a:effectRef>
+          <a:fontRef idx="minor">
+            <a:schemeClr val="tx1"/>
+          </a:fontRef>
+        </p:style>
+      </p:cxnSp>
+      <p:sp>
+        <p:nvSpPr>
+          <p:cNvPr id="37" name="Block Arc 36">
+            <a:extLst>
+              <a:ext uri="{FF2B5EF4-FFF2-40B4-BE49-F238E27FC236}">
+                <a16:creationId xmlns:a16="http://schemas.microsoft.com/office/drawing/2014/main" id="{699C25B6-ED7C-639B-39A6-5B75B8BE3240}"/>
+              </a:ext>
+            </a:extLst>
+          </p:cNvPr>
+          <p:cNvSpPr/>
+          <p:nvPr/>
+        </p:nvSpPr>
+        <p:spPr>
+          <a:xfrm>
+            <a:off x="6264423" y="3070748"/>
+            <a:ext cx="640063" cy="647564"/>
+          </a:xfrm>
+          <a:custGeom>
+            <a:avLst/>
+            <a:gdLst>
+              <a:gd name="connsiteX0" fmla="*/ 4024547 w 4419600"/>
+              <a:gd name="connsiteY0" fmla="*/ 742496 h 3458308"/>
+              <a:gd name="connsiteX1" fmla="*/ 4351240 w 4419600"/>
+              <a:gd name="connsiteY1" fmla="*/ 1302389 h 3458308"/>
+              <a:gd name="connsiteX2" fmla="*/ 3911319 w 4419600"/>
+              <a:gd name="connsiteY2" fmla="*/ 1390060 h 3458308"/>
+              <a:gd name="connsiteX3" fmla="*/ 3622999 w 4419600"/>
+              <a:gd name="connsiteY3" fmla="*/ 960813 h 3458308"/>
+              <a:gd name="connsiteX4" fmla="*/ 4024547 w 4419600"/>
+              <a:gd name="connsiteY4" fmla="*/ 742496 h 3458308"/>
+              <a:gd name="connsiteX0" fmla="*/ 401548 w 739964"/>
+              <a:gd name="connsiteY0" fmla="*/ 0 h 647564"/>
+              <a:gd name="connsiteX1" fmla="*/ 739964 w 739964"/>
+              <a:gd name="connsiteY1" fmla="*/ 583339 h 647564"/>
+              <a:gd name="connsiteX2" fmla="*/ 288320 w 739964"/>
+              <a:gd name="connsiteY2" fmla="*/ 647564 h 647564"/>
+              <a:gd name="connsiteX3" fmla="*/ 0 w 739964"/>
+              <a:gd name="connsiteY3" fmla="*/ 218317 h 647564"/>
+              <a:gd name="connsiteX4" fmla="*/ 401548 w 739964"/>
+              <a:gd name="connsiteY4" fmla="*/ 0 h 647564"/>
+              <a:gd name="connsiteX0" fmla="*/ 296041 w 634457"/>
+              <a:gd name="connsiteY0" fmla="*/ 0 h 647564"/>
+              <a:gd name="connsiteX1" fmla="*/ 634457 w 634457"/>
+              <a:gd name="connsiteY1" fmla="*/ 583339 h 647564"/>
+              <a:gd name="connsiteX2" fmla="*/ 182813 w 634457"/>
+              <a:gd name="connsiteY2" fmla="*/ 647564 h 647564"/>
+              <a:gd name="connsiteX3" fmla="*/ 0 w 634457"/>
+              <a:gd name="connsiteY3" fmla="*/ 230040 h 647564"/>
+              <a:gd name="connsiteX4" fmla="*/ 296041 w 634457"/>
+              <a:gd name="connsiteY4" fmla="*/ 0 h 647564"/>
+              <a:gd name="connsiteX0" fmla="*/ 307764 w 646180"/>
+              <a:gd name="connsiteY0" fmla="*/ 0 h 647564"/>
+              <a:gd name="connsiteX1" fmla="*/ 646180 w 646180"/>
+              <a:gd name="connsiteY1" fmla="*/ 583339 h 647564"/>
+              <a:gd name="connsiteX2" fmla="*/ 194536 w 646180"/>
+              <a:gd name="connsiteY2" fmla="*/ 647564 h 647564"/>
+              <a:gd name="connsiteX3" fmla="*/ 0 w 646180"/>
+              <a:gd name="connsiteY3" fmla="*/ 124532 h 647564"/>
+              <a:gd name="connsiteX4" fmla="*/ 307764 w 646180"/>
+              <a:gd name="connsiteY4" fmla="*/ 0 h 647564"/>
+              <a:gd name="connsiteX0" fmla="*/ 326814 w 665230"/>
+              <a:gd name="connsiteY0" fmla="*/ 0 h 647564"/>
+              <a:gd name="connsiteX1" fmla="*/ 665230 w 665230"/>
+              <a:gd name="connsiteY1" fmla="*/ 583339 h 647564"/>
+              <a:gd name="connsiteX2" fmla="*/ 213586 w 665230"/>
+              <a:gd name="connsiteY2" fmla="*/ 647564 h 647564"/>
+              <a:gd name="connsiteX3" fmla="*/ 0 w 665230"/>
+              <a:gd name="connsiteY3" fmla="*/ 127707 h 647564"/>
+              <a:gd name="connsiteX4" fmla="*/ 326814 w 665230"/>
+              <a:gd name="connsiteY4" fmla="*/ 0 h 647564"/>
+              <a:gd name="connsiteX0" fmla="*/ 326814 w 665230"/>
+              <a:gd name="connsiteY0" fmla="*/ 0 h 647564"/>
+              <a:gd name="connsiteX1" fmla="*/ 665230 w 665230"/>
+              <a:gd name="connsiteY1" fmla="*/ 583339 h 647564"/>
+              <a:gd name="connsiteX2" fmla="*/ 213586 w 665230"/>
+              <a:gd name="connsiteY2" fmla="*/ 647564 h 647564"/>
+              <a:gd name="connsiteX3" fmla="*/ 0 w 665230"/>
+              <a:gd name="connsiteY3" fmla="*/ 127707 h 647564"/>
+              <a:gd name="connsiteX4" fmla="*/ 326814 w 665230"/>
+              <a:gd name="connsiteY4" fmla="*/ 0 h 647564"/>
+              <a:gd name="connsiteX0" fmla="*/ 326814 w 665230"/>
+              <a:gd name="connsiteY0" fmla="*/ 0 h 647564"/>
+              <a:gd name="connsiteX1" fmla="*/ 665230 w 665230"/>
+              <a:gd name="connsiteY1" fmla="*/ 583339 h 647564"/>
+              <a:gd name="connsiteX2" fmla="*/ 213586 w 665230"/>
+              <a:gd name="connsiteY2" fmla="*/ 647564 h 647564"/>
+              <a:gd name="connsiteX3" fmla="*/ 0 w 665230"/>
+              <a:gd name="connsiteY3" fmla="*/ 127707 h 647564"/>
+              <a:gd name="connsiteX4" fmla="*/ 326814 w 665230"/>
+              <a:gd name="connsiteY4" fmla="*/ 0 h 647564"/>
+              <a:gd name="connsiteX0" fmla="*/ 326814 w 665230"/>
+              <a:gd name="connsiteY0" fmla="*/ 0 h 647564"/>
+              <a:gd name="connsiteX1" fmla="*/ 665230 w 665230"/>
+              <a:gd name="connsiteY1" fmla="*/ 583339 h 647564"/>
+              <a:gd name="connsiteX2" fmla="*/ 213586 w 665230"/>
+              <a:gd name="connsiteY2" fmla="*/ 647564 h 647564"/>
+              <a:gd name="connsiteX3" fmla="*/ 0 w 665230"/>
+              <a:gd name="connsiteY3" fmla="*/ 127707 h 647564"/>
+              <a:gd name="connsiteX4" fmla="*/ 326814 w 665230"/>
+              <a:gd name="connsiteY4" fmla="*/ 0 h 647564"/>
+              <a:gd name="connsiteX0" fmla="*/ 326814 w 665230"/>
+              <a:gd name="connsiteY0" fmla="*/ 0 h 647564"/>
+              <a:gd name="connsiteX1" fmla="*/ 665230 w 665230"/>
+              <a:gd name="connsiteY1" fmla="*/ 583339 h 647564"/>
+              <a:gd name="connsiteX2" fmla="*/ 213586 w 665230"/>
+              <a:gd name="connsiteY2" fmla="*/ 647564 h 647564"/>
+              <a:gd name="connsiteX3" fmla="*/ 0 w 665230"/>
+              <a:gd name="connsiteY3" fmla="*/ 127707 h 647564"/>
+              <a:gd name="connsiteX4" fmla="*/ 326814 w 665230"/>
+              <a:gd name="connsiteY4" fmla="*/ 0 h 647564"/>
+              <a:gd name="connsiteX0" fmla="*/ 326814 w 665230"/>
+              <a:gd name="connsiteY0" fmla="*/ 0 h 647564"/>
+              <a:gd name="connsiteX1" fmla="*/ 665230 w 665230"/>
+              <a:gd name="connsiteY1" fmla="*/ 583339 h 647564"/>
+              <a:gd name="connsiteX2" fmla="*/ 213586 w 665230"/>
+              <a:gd name="connsiteY2" fmla="*/ 647564 h 647564"/>
+              <a:gd name="connsiteX3" fmla="*/ 0 w 665230"/>
+              <a:gd name="connsiteY3" fmla="*/ 127707 h 647564"/>
+              <a:gd name="connsiteX4" fmla="*/ 326814 w 665230"/>
+              <a:gd name="connsiteY4" fmla="*/ 0 h 647564"/>
+              <a:gd name="connsiteX0" fmla="*/ 326814 w 656841"/>
+              <a:gd name="connsiteY0" fmla="*/ 0 h 647564"/>
+              <a:gd name="connsiteX1" fmla="*/ 656841 w 656841"/>
+              <a:gd name="connsiteY1" fmla="*/ 541394 h 647564"/>
+              <a:gd name="connsiteX2" fmla="*/ 213586 w 656841"/>
+              <a:gd name="connsiteY2" fmla="*/ 647564 h 647564"/>
+              <a:gd name="connsiteX3" fmla="*/ 0 w 656841"/>
+              <a:gd name="connsiteY3" fmla="*/ 127707 h 647564"/>
+              <a:gd name="connsiteX4" fmla="*/ 326814 w 656841"/>
+              <a:gd name="connsiteY4" fmla="*/ 0 h 647564"/>
+              <a:gd name="connsiteX0" fmla="*/ 326814 w 656841"/>
+              <a:gd name="connsiteY0" fmla="*/ 0 h 647564"/>
+              <a:gd name="connsiteX1" fmla="*/ 656841 w 656841"/>
+              <a:gd name="connsiteY1" fmla="*/ 541394 h 647564"/>
+              <a:gd name="connsiteX2" fmla="*/ 213586 w 656841"/>
+              <a:gd name="connsiteY2" fmla="*/ 647564 h 647564"/>
+              <a:gd name="connsiteX3" fmla="*/ 0 w 656841"/>
+              <a:gd name="connsiteY3" fmla="*/ 127707 h 647564"/>
+              <a:gd name="connsiteX4" fmla="*/ 326814 w 656841"/>
+              <a:gd name="connsiteY4" fmla="*/ 0 h 647564"/>
+              <a:gd name="connsiteX0" fmla="*/ 326814 w 640063"/>
+              <a:gd name="connsiteY0" fmla="*/ 0 h 647564"/>
+              <a:gd name="connsiteX1" fmla="*/ 640063 w 640063"/>
+              <a:gd name="connsiteY1" fmla="*/ 520422 h 647564"/>
+              <a:gd name="connsiteX2" fmla="*/ 213586 w 640063"/>
+              <a:gd name="connsiteY2" fmla="*/ 647564 h 647564"/>
+              <a:gd name="connsiteX3" fmla="*/ 0 w 640063"/>
+              <a:gd name="connsiteY3" fmla="*/ 127707 h 647564"/>
+              <a:gd name="connsiteX4" fmla="*/ 326814 w 640063"/>
+              <a:gd name="connsiteY4" fmla="*/ 0 h 647564"/>
+            </a:gdLst>
+            <a:ahLst/>
+            <a:cxnLst>
+              <a:cxn ang="0">
+                <a:pos x="connsiteX0" y="connsiteY0"/>
+              </a:cxn>
+              <a:cxn ang="0">
+                <a:pos x="connsiteX1" y="connsiteY1"/>
+              </a:cxn>
+              <a:cxn ang="0">
+                <a:pos x="connsiteX2" y="connsiteY2"/>
+              </a:cxn>
+              <a:cxn ang="0">
+                <a:pos x="connsiteX3" y="connsiteY3"/>
+              </a:cxn>
+              <a:cxn ang="0">
+                <a:pos x="connsiteX4" y="connsiteY4"/>
+              </a:cxn>
+            </a:cxnLst>
+            <a:rect l="l" t="t" r="r" b="b"/>
+            <a:pathLst>
+              <a:path w="640063" h="647564">
+                <a:moveTo>
+                  <a:pt x="326814" y="0"/>
+                </a:moveTo>
+                <a:cubicBezTo>
+                  <a:pt x="477625" y="169842"/>
+                  <a:pt x="574831" y="320005"/>
+                  <a:pt x="640063" y="520422"/>
+                </a:cubicBezTo>
+                <a:cubicBezTo>
+                  <a:pt x="506006" y="587396"/>
+                  <a:pt x="391976" y="627865"/>
+                  <a:pt x="213586" y="647564"/>
+                </a:cubicBezTo>
+                <a:cubicBezTo>
+                  <a:pt x="183824" y="473565"/>
+                  <a:pt x="129008" y="307201"/>
+                  <a:pt x="0" y="127707"/>
+                </a:cubicBezTo>
+                <a:cubicBezTo>
+                  <a:pt x="167661" y="89332"/>
+                  <a:pt x="234654" y="67736"/>
+                  <a:pt x="326814" y="0"/>
+                </a:cubicBezTo>
+                <a:close/>
+              </a:path>
+            </a:pathLst>
+          </a:custGeom>
+          <a:solidFill>
+            <a:schemeClr val="accent1">
+              <a:lumMod val="40000"/>
+              <a:lumOff val="60000"/>
+            </a:schemeClr>
+          </a:solidFill>
+        </p:spPr>
+        <p:style>
+          <a:lnRef idx="2">
+            <a:schemeClr val="accent1">
+              <a:shade val="15000"/>
+            </a:schemeClr>
+          </a:lnRef>
+          <a:fillRef idx="1">
+            <a:schemeClr val="accent1"/>
+          </a:fillRef>
+          <a:effectRef idx="0">
+            <a:schemeClr val="accent1"/>
+          </a:effectRef>
+          <a:fontRef idx="minor">
+            <a:schemeClr val="lt1"/>
+          </a:fontRef>
+        </p:style>
+        <p:txBody>
+          <a:bodyPr rtlCol="0" anchor="ctr"/>
+          <a:lstStyle/>
+          <a:p>
+            <a:pPr algn="ctr"/>
+            <a:endParaRPr lang="en-ES">
+              <a:solidFill>
+                <a:schemeClr val="tx1"/>
+              </a:solidFill>
+            </a:endParaRPr>
+          </a:p>
+        </p:txBody>
+      </p:sp>
+      <p:sp>
+        <p:nvSpPr>
+          <p:cNvPr id="39" name="TextBox 38">
+            <a:extLst>
+              <a:ext uri="{FF2B5EF4-FFF2-40B4-BE49-F238E27FC236}">
+                <a16:creationId xmlns:a16="http://schemas.microsoft.com/office/drawing/2014/main" id="{B771B5A7-5711-56C6-99BB-588436C3F27A}"/>
+              </a:ext>
+            </a:extLst>
+          </p:cNvPr>
+          <p:cNvSpPr txBox="1"/>
+          <p:nvPr/>
+        </p:nvSpPr>
+        <p:spPr>
+          <a:xfrm>
+            <a:off x="7033443" y="2876179"/>
+            <a:ext cx="976549" cy="584775"/>
+          </a:xfrm>
+          <a:prstGeom prst="rect">
+            <a:avLst/>
+          </a:prstGeom>
+          <a:noFill/>
+        </p:spPr>
+        <p:txBody>
+          <a:bodyPr wrap="none" rtlCol="0">
+            <a:spAutoFit/>
+          </a:bodyPr>
+          <a:lstStyle/>
+          <a:p>
+            <a:r>
+              <a:rPr lang="en-GB" sz="3200" dirty="0"/>
+              <a:t>a</a:t>
+            </a:r>
+            <a:r>
+              <a:rPr lang="en-ES" sz="3200" dirty="0"/>
+              <a:t>·dθ</a:t>
+            </a:r>
+            <a:endParaRPr lang="en-ES" dirty="0"/>
+          </a:p>
+        </p:txBody>
+      </p:sp>
+      <p:sp>
+        <p:nvSpPr>
+          <p:cNvPr id="40" name="TextBox 39">
+            <a:extLst>
+              <a:ext uri="{FF2B5EF4-FFF2-40B4-BE49-F238E27FC236}">
+                <a16:creationId xmlns:a16="http://schemas.microsoft.com/office/drawing/2014/main" id="{0F919D8A-2D82-853A-F0E7-E5F307E05B55}"/>
+              </a:ext>
+            </a:extLst>
+          </p:cNvPr>
+          <p:cNvSpPr txBox="1"/>
+          <p:nvPr/>
+        </p:nvSpPr>
+        <p:spPr>
+          <a:xfrm>
+            <a:off x="6443381" y="3802298"/>
+            <a:ext cx="2165145" cy="584775"/>
+          </a:xfrm>
+          <a:prstGeom prst="rect">
+            <a:avLst/>
+          </a:prstGeom>
+          <a:noFill/>
+        </p:spPr>
+        <p:txBody>
+          <a:bodyPr wrap="none" rtlCol="0">
+            <a:spAutoFit/>
+          </a:bodyPr>
+          <a:lstStyle/>
+          <a:p>
+            <a:r>
+              <a:rPr lang="en-GB" sz="3200" dirty="0"/>
+              <a:t>a·sin(θ)</a:t>
+            </a:r>
+            <a:r>
+              <a:rPr lang="en-ES" sz="3200" dirty="0"/>
+              <a:t>wdt</a:t>
+            </a:r>
+            <a:endParaRPr lang="en-ES" dirty="0"/>
+          </a:p>
+        </p:txBody>
+      </p:sp>
+      <p:sp>
+        <p:nvSpPr>
+          <p:cNvPr id="41" name="Left Bracket 40">
+            <a:extLst>
+              <a:ext uri="{FF2B5EF4-FFF2-40B4-BE49-F238E27FC236}">
+                <a16:creationId xmlns:a16="http://schemas.microsoft.com/office/drawing/2014/main" id="{B950CEED-98CE-6564-2185-3E91CCC45076}"/>
+              </a:ext>
+            </a:extLst>
+          </p:cNvPr>
+          <p:cNvSpPr/>
+          <p:nvPr/>
+        </p:nvSpPr>
+        <p:spPr>
+          <a:xfrm rot="15255333">
+            <a:off x="6642990" y="3562481"/>
+            <a:ext cx="191984" cy="488207"/>
+          </a:xfrm>
+          <a:prstGeom prst="leftBracket">
+            <a:avLst/>
+          </a:prstGeom>
+          <a:ln w="38100"/>
+        </p:spPr>
+        <p:style>
+          <a:lnRef idx="2">
+            <a:schemeClr val="accent1"/>
+          </a:lnRef>
+          <a:fillRef idx="0">
+            <a:schemeClr val="accent1"/>
+          </a:fillRef>
+          <a:effectRef idx="1">
+            <a:schemeClr val="accent1"/>
+          </a:effectRef>
+          <a:fontRef idx="minor">
+            <a:schemeClr val="tx1"/>
+          </a:fontRef>
+        </p:style>
+        <p:txBody>
+          <a:bodyPr rtlCol="0" anchor="ctr"/>
+          <a:lstStyle/>
+          <a:p>
+            <a:pPr algn="ctr"/>
+            <a:endParaRPr lang="en-ES" dirty="0"/>
+          </a:p>
+        </p:txBody>
+      </p:sp>
+      <p:sp>
+        <p:nvSpPr>
+          <p:cNvPr id="42" name="Left Bracket 41">
+            <a:extLst>
+              <a:ext uri="{FF2B5EF4-FFF2-40B4-BE49-F238E27FC236}">
+                <a16:creationId xmlns:a16="http://schemas.microsoft.com/office/drawing/2014/main" id="{EE8650C3-A8CE-16B9-234C-B1910F6185AD}"/>
+              </a:ext>
+            </a:extLst>
+          </p:cNvPr>
+          <p:cNvSpPr/>
+          <p:nvPr/>
+        </p:nvSpPr>
+        <p:spPr>
+          <a:xfrm rot="8985613">
+            <a:off x="6794390" y="2939124"/>
+            <a:ext cx="207845" cy="607834"/>
+          </a:xfrm>
+          <a:prstGeom prst="leftBracket">
+            <a:avLst/>
+          </a:prstGeom>
+          <a:ln w="38100"/>
+        </p:spPr>
+        <p:style>
+          <a:lnRef idx="2">
+            <a:schemeClr val="accent1"/>
+          </a:lnRef>
+          <a:fillRef idx="0">
+            <a:schemeClr val="accent1"/>
+          </a:fillRef>
+          <a:effectRef idx="1">
+            <a:schemeClr val="accent1"/>
+          </a:effectRef>
+          <a:fontRef idx="minor">
+            <a:schemeClr val="tx1"/>
+          </a:fontRef>
+        </p:style>
+        <p:txBody>
+          <a:bodyPr rtlCol="0" anchor="ctr"/>
+          <a:lstStyle/>
+          <a:p>
+            <a:pPr algn="ctr"/>
+            <a:endParaRPr lang="en-ES" dirty="0"/>
+          </a:p>
+        </p:txBody>
+      </p:sp>
+      <p:sp>
+        <p:nvSpPr>
+          <p:cNvPr id="43" name="Block Arc 36">
+            <a:extLst>
+              <a:ext uri="{FF2B5EF4-FFF2-40B4-BE49-F238E27FC236}">
+                <a16:creationId xmlns:a16="http://schemas.microsoft.com/office/drawing/2014/main" id="{442B4252-5E0B-CFD8-62D9-0955CAD38200}"/>
+              </a:ext>
+            </a:extLst>
+          </p:cNvPr>
+          <p:cNvSpPr/>
+          <p:nvPr/>
+        </p:nvSpPr>
+        <p:spPr>
+          <a:xfrm>
+            <a:off x="3662740" y="3102425"/>
+            <a:ext cx="321434" cy="365512"/>
+          </a:xfrm>
+          <a:custGeom>
+            <a:avLst/>
+            <a:gdLst>
+              <a:gd name="connsiteX0" fmla="*/ 4024547 w 4419600"/>
+              <a:gd name="connsiteY0" fmla="*/ 742496 h 3458308"/>
+              <a:gd name="connsiteX1" fmla="*/ 4351240 w 4419600"/>
+              <a:gd name="connsiteY1" fmla="*/ 1302389 h 3458308"/>
+              <a:gd name="connsiteX2" fmla="*/ 3911319 w 4419600"/>
+              <a:gd name="connsiteY2" fmla="*/ 1390060 h 3458308"/>
+              <a:gd name="connsiteX3" fmla="*/ 3622999 w 4419600"/>
+              <a:gd name="connsiteY3" fmla="*/ 960813 h 3458308"/>
+              <a:gd name="connsiteX4" fmla="*/ 4024547 w 4419600"/>
+              <a:gd name="connsiteY4" fmla="*/ 742496 h 3458308"/>
+              <a:gd name="connsiteX0" fmla="*/ 401548 w 739964"/>
+              <a:gd name="connsiteY0" fmla="*/ 0 h 647564"/>
+              <a:gd name="connsiteX1" fmla="*/ 739964 w 739964"/>
+              <a:gd name="connsiteY1" fmla="*/ 583339 h 647564"/>
+              <a:gd name="connsiteX2" fmla="*/ 288320 w 739964"/>
+              <a:gd name="connsiteY2" fmla="*/ 647564 h 647564"/>
+              <a:gd name="connsiteX3" fmla="*/ 0 w 739964"/>
+              <a:gd name="connsiteY3" fmla="*/ 218317 h 647564"/>
+              <a:gd name="connsiteX4" fmla="*/ 401548 w 739964"/>
+              <a:gd name="connsiteY4" fmla="*/ 0 h 647564"/>
+              <a:gd name="connsiteX0" fmla="*/ 296041 w 634457"/>
+              <a:gd name="connsiteY0" fmla="*/ 0 h 647564"/>
+              <a:gd name="connsiteX1" fmla="*/ 634457 w 634457"/>
+              <a:gd name="connsiteY1" fmla="*/ 583339 h 647564"/>
+              <a:gd name="connsiteX2" fmla="*/ 182813 w 634457"/>
+              <a:gd name="connsiteY2" fmla="*/ 647564 h 647564"/>
+              <a:gd name="connsiteX3" fmla="*/ 0 w 634457"/>
+              <a:gd name="connsiteY3" fmla="*/ 230040 h 647564"/>
+              <a:gd name="connsiteX4" fmla="*/ 296041 w 634457"/>
+              <a:gd name="connsiteY4" fmla="*/ 0 h 647564"/>
+              <a:gd name="connsiteX0" fmla="*/ 307764 w 646180"/>
+              <a:gd name="connsiteY0" fmla="*/ 0 h 647564"/>
+              <a:gd name="connsiteX1" fmla="*/ 646180 w 646180"/>
+              <a:gd name="connsiteY1" fmla="*/ 583339 h 647564"/>
+              <a:gd name="connsiteX2" fmla="*/ 194536 w 646180"/>
+              <a:gd name="connsiteY2" fmla="*/ 647564 h 647564"/>
+              <a:gd name="connsiteX3" fmla="*/ 0 w 646180"/>
+              <a:gd name="connsiteY3" fmla="*/ 124532 h 647564"/>
+              <a:gd name="connsiteX4" fmla="*/ 307764 w 646180"/>
+              <a:gd name="connsiteY4" fmla="*/ 0 h 647564"/>
+              <a:gd name="connsiteX0" fmla="*/ 326814 w 665230"/>
+              <a:gd name="connsiteY0" fmla="*/ 0 h 647564"/>
+              <a:gd name="connsiteX1" fmla="*/ 665230 w 665230"/>
+              <a:gd name="connsiteY1" fmla="*/ 583339 h 647564"/>
+              <a:gd name="connsiteX2" fmla="*/ 213586 w 665230"/>
+              <a:gd name="connsiteY2" fmla="*/ 647564 h 647564"/>
+              <a:gd name="connsiteX3" fmla="*/ 0 w 665230"/>
+              <a:gd name="connsiteY3" fmla="*/ 127707 h 647564"/>
+              <a:gd name="connsiteX4" fmla="*/ 326814 w 665230"/>
+              <a:gd name="connsiteY4" fmla="*/ 0 h 647564"/>
+              <a:gd name="connsiteX0" fmla="*/ 326814 w 665230"/>
+              <a:gd name="connsiteY0" fmla="*/ 0 h 647564"/>
+              <a:gd name="connsiteX1" fmla="*/ 665230 w 665230"/>
+              <a:gd name="connsiteY1" fmla="*/ 583339 h 647564"/>
+              <a:gd name="connsiteX2" fmla="*/ 213586 w 665230"/>
+              <a:gd name="connsiteY2" fmla="*/ 647564 h 647564"/>
+              <a:gd name="connsiteX3" fmla="*/ 0 w 665230"/>
+              <a:gd name="connsiteY3" fmla="*/ 127707 h 647564"/>
+              <a:gd name="connsiteX4" fmla="*/ 326814 w 665230"/>
+              <a:gd name="connsiteY4" fmla="*/ 0 h 647564"/>
+              <a:gd name="connsiteX0" fmla="*/ 326814 w 665230"/>
+              <a:gd name="connsiteY0" fmla="*/ 0 h 647564"/>
+              <a:gd name="connsiteX1" fmla="*/ 665230 w 665230"/>
+              <a:gd name="connsiteY1" fmla="*/ 583339 h 647564"/>
+              <a:gd name="connsiteX2" fmla="*/ 213586 w 665230"/>
+              <a:gd name="connsiteY2" fmla="*/ 647564 h 647564"/>
+              <a:gd name="connsiteX3" fmla="*/ 0 w 665230"/>
+              <a:gd name="connsiteY3" fmla="*/ 127707 h 647564"/>
+              <a:gd name="connsiteX4" fmla="*/ 326814 w 665230"/>
+              <a:gd name="connsiteY4" fmla="*/ 0 h 647564"/>
+              <a:gd name="connsiteX0" fmla="*/ 326814 w 665230"/>
+              <a:gd name="connsiteY0" fmla="*/ 0 h 647564"/>
+              <a:gd name="connsiteX1" fmla="*/ 665230 w 665230"/>
+              <a:gd name="connsiteY1" fmla="*/ 583339 h 647564"/>
+              <a:gd name="connsiteX2" fmla="*/ 213586 w 665230"/>
+              <a:gd name="connsiteY2" fmla="*/ 647564 h 647564"/>
+              <a:gd name="connsiteX3" fmla="*/ 0 w 665230"/>
+              <a:gd name="connsiteY3" fmla="*/ 127707 h 647564"/>
+              <a:gd name="connsiteX4" fmla="*/ 326814 w 665230"/>
+              <a:gd name="connsiteY4" fmla="*/ 0 h 647564"/>
+              <a:gd name="connsiteX0" fmla="*/ 326814 w 665230"/>
+              <a:gd name="connsiteY0" fmla="*/ 0 h 647564"/>
+              <a:gd name="connsiteX1" fmla="*/ 665230 w 665230"/>
+              <a:gd name="connsiteY1" fmla="*/ 583339 h 647564"/>
+              <a:gd name="connsiteX2" fmla="*/ 213586 w 665230"/>
+              <a:gd name="connsiteY2" fmla="*/ 647564 h 647564"/>
+              <a:gd name="connsiteX3" fmla="*/ 0 w 665230"/>
+              <a:gd name="connsiteY3" fmla="*/ 127707 h 647564"/>
+              <a:gd name="connsiteX4" fmla="*/ 326814 w 665230"/>
+              <a:gd name="connsiteY4" fmla="*/ 0 h 647564"/>
+              <a:gd name="connsiteX0" fmla="*/ 326814 w 665230"/>
+              <a:gd name="connsiteY0" fmla="*/ 0 h 647564"/>
+              <a:gd name="connsiteX1" fmla="*/ 665230 w 665230"/>
+              <a:gd name="connsiteY1" fmla="*/ 583339 h 647564"/>
+              <a:gd name="connsiteX2" fmla="*/ 213586 w 665230"/>
+              <a:gd name="connsiteY2" fmla="*/ 647564 h 647564"/>
+              <a:gd name="connsiteX3" fmla="*/ 0 w 665230"/>
+              <a:gd name="connsiteY3" fmla="*/ 127707 h 647564"/>
+              <a:gd name="connsiteX4" fmla="*/ 326814 w 665230"/>
+              <a:gd name="connsiteY4" fmla="*/ 0 h 647564"/>
+              <a:gd name="connsiteX0" fmla="*/ 326814 w 656841"/>
+              <a:gd name="connsiteY0" fmla="*/ 0 h 647564"/>
+              <a:gd name="connsiteX1" fmla="*/ 656841 w 656841"/>
+              <a:gd name="connsiteY1" fmla="*/ 541394 h 647564"/>
+              <a:gd name="connsiteX2" fmla="*/ 213586 w 656841"/>
+              <a:gd name="connsiteY2" fmla="*/ 647564 h 647564"/>
+              <a:gd name="connsiteX3" fmla="*/ 0 w 656841"/>
+              <a:gd name="connsiteY3" fmla="*/ 127707 h 647564"/>
+              <a:gd name="connsiteX4" fmla="*/ 326814 w 656841"/>
+              <a:gd name="connsiteY4" fmla="*/ 0 h 647564"/>
+              <a:gd name="connsiteX0" fmla="*/ 326814 w 656841"/>
+              <a:gd name="connsiteY0" fmla="*/ 0 h 647564"/>
+              <a:gd name="connsiteX1" fmla="*/ 656841 w 656841"/>
+              <a:gd name="connsiteY1" fmla="*/ 541394 h 647564"/>
+              <a:gd name="connsiteX2" fmla="*/ 213586 w 656841"/>
+              <a:gd name="connsiteY2" fmla="*/ 647564 h 647564"/>
+              <a:gd name="connsiteX3" fmla="*/ 0 w 656841"/>
+              <a:gd name="connsiteY3" fmla="*/ 127707 h 647564"/>
+              <a:gd name="connsiteX4" fmla="*/ 326814 w 656841"/>
+              <a:gd name="connsiteY4" fmla="*/ 0 h 647564"/>
+              <a:gd name="connsiteX0" fmla="*/ 326814 w 640063"/>
+              <a:gd name="connsiteY0" fmla="*/ 0 h 647564"/>
+              <a:gd name="connsiteX1" fmla="*/ 640063 w 640063"/>
+              <a:gd name="connsiteY1" fmla="*/ 520422 h 647564"/>
+              <a:gd name="connsiteX2" fmla="*/ 213586 w 640063"/>
+              <a:gd name="connsiteY2" fmla="*/ 647564 h 647564"/>
+              <a:gd name="connsiteX3" fmla="*/ 0 w 640063"/>
+              <a:gd name="connsiteY3" fmla="*/ 127707 h 647564"/>
+              <a:gd name="connsiteX4" fmla="*/ 326814 w 640063"/>
+              <a:gd name="connsiteY4" fmla="*/ 0 h 647564"/>
+            </a:gdLst>
+            <a:ahLst/>
+            <a:cxnLst>
+              <a:cxn ang="0">
+                <a:pos x="connsiteX0" y="connsiteY0"/>
+              </a:cxn>
+              <a:cxn ang="0">
+                <a:pos x="connsiteX1" y="connsiteY1"/>
+              </a:cxn>
+              <a:cxn ang="0">
+                <a:pos x="connsiteX2" y="connsiteY2"/>
+              </a:cxn>
+              <a:cxn ang="0">
+                <a:pos x="connsiteX3" y="connsiteY3"/>
+              </a:cxn>
+              <a:cxn ang="0">
+                <a:pos x="connsiteX4" y="connsiteY4"/>
+              </a:cxn>
+            </a:cxnLst>
+            <a:rect l="l" t="t" r="r" b="b"/>
+            <a:pathLst>
+              <a:path w="640063" h="647564">
+                <a:moveTo>
+                  <a:pt x="326814" y="0"/>
+                </a:moveTo>
+                <a:cubicBezTo>
+                  <a:pt x="477625" y="169842"/>
+                  <a:pt x="574831" y="320005"/>
+                  <a:pt x="640063" y="520422"/>
+                </a:cubicBezTo>
+                <a:cubicBezTo>
+                  <a:pt x="506006" y="587396"/>
+                  <a:pt x="391976" y="627865"/>
+                  <a:pt x="213586" y="647564"/>
+                </a:cubicBezTo>
+                <a:cubicBezTo>
+                  <a:pt x="183824" y="473565"/>
+                  <a:pt x="129008" y="307201"/>
+                  <a:pt x="0" y="127707"/>
+                </a:cubicBezTo>
+                <a:cubicBezTo>
+                  <a:pt x="167661" y="89332"/>
+                  <a:pt x="234654" y="67736"/>
+                  <a:pt x="326814" y="0"/>
+                </a:cubicBezTo>
+                <a:close/>
+              </a:path>
+            </a:pathLst>
+          </a:custGeom>
+          <a:solidFill>
+            <a:schemeClr val="accent1">
+              <a:lumMod val="40000"/>
+              <a:lumOff val="60000"/>
+            </a:schemeClr>
+          </a:solidFill>
+        </p:spPr>
+        <p:style>
+          <a:lnRef idx="2">
+            <a:schemeClr val="accent1">
+              <a:shade val="15000"/>
+            </a:schemeClr>
+          </a:lnRef>
+          <a:fillRef idx="1">
+            <a:schemeClr val="accent1"/>
+          </a:fillRef>
+          <a:effectRef idx="0">
+            <a:schemeClr val="accent1"/>
+          </a:effectRef>
+          <a:fontRef idx="minor">
+            <a:schemeClr val="lt1"/>
+          </a:fontRef>
+        </p:style>
+        <p:txBody>
+          <a:bodyPr rtlCol="0" anchor="ctr"/>
+          <a:lstStyle/>
+          <a:p>
+            <a:pPr algn="ctr"/>
+            <a:endParaRPr lang="en-ES">
+              <a:solidFill>
+                <a:schemeClr val="tx1"/>
+              </a:solidFill>
+            </a:endParaRPr>
+          </a:p>
+        </p:txBody>
+      </p:sp>
+    </p:spTree>
+    <p:extLst>
+      <p:ext uri="{BB962C8B-B14F-4D97-AF65-F5344CB8AC3E}">
+        <p14:creationId xmlns:p14="http://schemas.microsoft.com/office/powerpoint/2010/main" val="2737878607"/>
       </p:ext>
     </p:extLst>
   </p:cSld>

--- a/images/Images.pptx
+++ b/images/Images.pptx
@@ -6,12 +6,17 @@
   </p:sldMasterIdLst>
   <p:sldIdLst>
     <p:sldId id="256" r:id="rId2"/>
-    <p:sldId id="258" r:id="rId3"/>
-    <p:sldId id="257" r:id="rId4"/>
-    <p:sldId id="259" r:id="rId5"/>
-    <p:sldId id="260" r:id="rId6"/>
-    <p:sldId id="262" r:id="rId7"/>
-    <p:sldId id="261" r:id="rId8"/>
+    <p:sldId id="267" r:id="rId3"/>
+    <p:sldId id="258" r:id="rId4"/>
+    <p:sldId id="257" r:id="rId5"/>
+    <p:sldId id="259" r:id="rId6"/>
+    <p:sldId id="260" r:id="rId7"/>
+    <p:sldId id="262" r:id="rId8"/>
+    <p:sldId id="261" r:id="rId9"/>
+    <p:sldId id="263" r:id="rId10"/>
+    <p:sldId id="264" r:id="rId11"/>
+    <p:sldId id="265" r:id="rId12"/>
+    <p:sldId id="266" r:id="rId13"/>
   </p:sldIdLst>
   <p:sldSz cx="12192000" cy="6858000"/>
   <p:notesSz cx="6858000" cy="9144000"/>
@@ -267,7 +272,7 @@
           <a:p>
             <a:fld id="{BA48513D-C823-C342-87AA-C2EB607FA67A}" type="datetimeFigureOut">
               <a:rPr lang="en-ES" smtClean="0"/>
-              <a:t>2/12/24</a:t>
+              <a:t>9/12/24</a:t>
             </a:fld>
             <a:endParaRPr lang="en-ES"/>
           </a:p>
@@ -467,7 +472,7 @@
           <a:p>
             <a:fld id="{BA48513D-C823-C342-87AA-C2EB607FA67A}" type="datetimeFigureOut">
               <a:rPr lang="en-ES" smtClean="0"/>
-              <a:t>2/12/24</a:t>
+              <a:t>9/12/24</a:t>
             </a:fld>
             <a:endParaRPr lang="en-ES"/>
           </a:p>
@@ -677,7 +682,7 @@
           <a:p>
             <a:fld id="{BA48513D-C823-C342-87AA-C2EB607FA67A}" type="datetimeFigureOut">
               <a:rPr lang="en-ES" smtClean="0"/>
-              <a:t>2/12/24</a:t>
+              <a:t>9/12/24</a:t>
             </a:fld>
             <a:endParaRPr lang="en-ES"/>
           </a:p>
@@ -877,7 +882,7 @@
           <a:p>
             <a:fld id="{BA48513D-C823-C342-87AA-C2EB607FA67A}" type="datetimeFigureOut">
               <a:rPr lang="en-ES" smtClean="0"/>
-              <a:t>2/12/24</a:t>
+              <a:t>9/12/24</a:t>
             </a:fld>
             <a:endParaRPr lang="en-ES"/>
           </a:p>
@@ -1153,7 +1158,7 @@
           <a:p>
             <a:fld id="{BA48513D-C823-C342-87AA-C2EB607FA67A}" type="datetimeFigureOut">
               <a:rPr lang="en-ES" smtClean="0"/>
-              <a:t>2/12/24</a:t>
+              <a:t>9/12/24</a:t>
             </a:fld>
             <a:endParaRPr lang="en-ES"/>
           </a:p>
@@ -1421,7 +1426,7 @@
           <a:p>
             <a:fld id="{BA48513D-C823-C342-87AA-C2EB607FA67A}" type="datetimeFigureOut">
               <a:rPr lang="en-ES" smtClean="0"/>
-              <a:t>2/12/24</a:t>
+              <a:t>9/12/24</a:t>
             </a:fld>
             <a:endParaRPr lang="en-ES"/>
           </a:p>
@@ -1836,7 +1841,7 @@
           <a:p>
             <a:fld id="{BA48513D-C823-C342-87AA-C2EB607FA67A}" type="datetimeFigureOut">
               <a:rPr lang="en-ES" smtClean="0"/>
-              <a:t>2/12/24</a:t>
+              <a:t>9/12/24</a:t>
             </a:fld>
             <a:endParaRPr lang="en-ES"/>
           </a:p>
@@ -1978,7 +1983,7 @@
           <a:p>
             <a:fld id="{BA48513D-C823-C342-87AA-C2EB607FA67A}" type="datetimeFigureOut">
               <a:rPr lang="en-ES" smtClean="0"/>
-              <a:t>2/12/24</a:t>
+              <a:t>9/12/24</a:t>
             </a:fld>
             <a:endParaRPr lang="en-ES"/>
           </a:p>
@@ -2091,7 +2096,7 @@
           <a:p>
             <a:fld id="{BA48513D-C823-C342-87AA-C2EB607FA67A}" type="datetimeFigureOut">
               <a:rPr lang="en-ES" smtClean="0"/>
-              <a:t>2/12/24</a:t>
+              <a:t>9/12/24</a:t>
             </a:fld>
             <a:endParaRPr lang="en-ES"/>
           </a:p>
@@ -2404,7 +2409,7 @@
           <a:p>
             <a:fld id="{BA48513D-C823-C342-87AA-C2EB607FA67A}" type="datetimeFigureOut">
               <a:rPr lang="en-ES" smtClean="0"/>
-              <a:t>2/12/24</a:t>
+              <a:t>9/12/24</a:t>
             </a:fld>
             <a:endParaRPr lang="en-ES"/>
           </a:p>
@@ -2693,7 +2698,7 @@
           <a:p>
             <a:fld id="{BA48513D-C823-C342-87AA-C2EB607FA67A}" type="datetimeFigureOut">
               <a:rPr lang="en-ES" smtClean="0"/>
-              <a:t>2/12/24</a:t>
+              <a:t>9/12/24</a:t>
             </a:fld>
             <a:endParaRPr lang="en-ES"/>
           </a:p>
@@ -2936,7 +2941,7 @@
           <a:p>
             <a:fld id="{BA48513D-C823-C342-87AA-C2EB607FA67A}" type="datetimeFigureOut">
               <a:rPr lang="en-ES" smtClean="0"/>
-              <a:t>2/12/24</a:t>
+              <a:t>9/12/24</a:t>
             </a:fld>
             <a:endParaRPr lang="en-ES"/>
           </a:p>
@@ -4194,7 +4199,7 @@
 </p:sld>
 </file>
 
-<file path=ppt/slides/slide2.xml><?xml version="1.0" encoding="utf-8"?>
+<file path=ppt/slides/slide10.xml><?xml version="1.0" encoding="utf-8"?>
 <p:sld xmlns:a="http://schemas.openxmlformats.org/drawingml/2006/main" xmlns:r="http://schemas.openxmlformats.org/officeDocument/2006/relationships" xmlns:p="http://schemas.openxmlformats.org/presentationml/2006/main">
   <p:cSld>
     <p:spTree>
@@ -4211,6 +4216,2964 @@
           <a:chExt cx="0" cy="0"/>
         </a:xfrm>
       </p:grpSpPr>
+      <p:grpSp>
+        <p:nvGrpSpPr>
+          <p:cNvPr id="21" name="Group 20">
+            <a:extLst>
+              <a:ext uri="{FF2B5EF4-FFF2-40B4-BE49-F238E27FC236}">
+                <a16:creationId xmlns:a16="http://schemas.microsoft.com/office/drawing/2014/main" id="{398CF618-67E6-E88E-6E5D-D7F37B7417AD}"/>
+              </a:ext>
+            </a:extLst>
+          </p:cNvPr>
+          <p:cNvGrpSpPr/>
+          <p:nvPr/>
+        </p:nvGrpSpPr>
+        <p:grpSpPr>
+          <a:xfrm>
+            <a:off x="2499707" y="2673194"/>
+            <a:ext cx="878983" cy="677794"/>
+            <a:chOff x="2499707" y="2673194"/>
+            <a:chExt cx="878983" cy="677794"/>
+          </a:xfrm>
+        </p:grpSpPr>
+        <p:sp>
+          <p:nvSpPr>
+            <p:cNvPr id="4" name="TextBox 3">
+              <a:extLst>
+                <a:ext uri="{FF2B5EF4-FFF2-40B4-BE49-F238E27FC236}">
+                  <a16:creationId xmlns:a16="http://schemas.microsoft.com/office/drawing/2014/main" id="{E819D1E0-E637-FD68-D259-5330D1C7C53B}"/>
+                </a:ext>
+              </a:extLst>
+            </p:cNvPr>
+            <p:cNvSpPr txBox="1"/>
+            <p:nvPr/>
+          </p:nvSpPr>
+          <p:spPr>
+            <a:xfrm>
+              <a:off x="2504784" y="2766213"/>
+              <a:ext cx="873906" cy="584775"/>
+            </a:xfrm>
+            <a:prstGeom prst="rect">
+              <a:avLst/>
+            </a:prstGeom>
+            <a:noFill/>
+          </p:spPr>
+          <p:txBody>
+            <a:bodyPr wrap="square" rtlCol="0">
+              <a:spAutoFit/>
+            </a:bodyPr>
+            <a:lstStyle/>
+            <a:p>
+              <a:r>
+                <a:rPr lang="en-ES" sz="3200" dirty="0"/>
+                <a:t>m</a:t>
+              </a:r>
+              <a:r>
+                <a:rPr lang="en-ES" sz="3200" baseline="-25000" dirty="0"/>
+                <a:t>1</a:t>
+              </a:r>
+              <a:endParaRPr lang="en-ES" baseline="-25000" dirty="0"/>
+            </a:p>
+          </p:txBody>
+        </p:sp>
+        <p:sp>
+          <p:nvSpPr>
+            <p:cNvPr id="5" name="TextBox 4">
+              <a:extLst>
+                <a:ext uri="{FF2B5EF4-FFF2-40B4-BE49-F238E27FC236}">
+                  <a16:creationId xmlns:a16="http://schemas.microsoft.com/office/drawing/2014/main" id="{385EE595-C4CF-9E3A-E5EC-CCAA42C55236}"/>
+                </a:ext>
+              </a:extLst>
+            </p:cNvPr>
+            <p:cNvSpPr txBox="1"/>
+            <p:nvPr/>
+          </p:nvSpPr>
+          <p:spPr>
+            <a:xfrm>
+              <a:off x="2499707" y="2673194"/>
+              <a:ext cx="492443" cy="461665"/>
+            </a:xfrm>
+            <a:prstGeom prst="rect">
+              <a:avLst/>
+            </a:prstGeom>
+            <a:noFill/>
+          </p:spPr>
+          <p:txBody>
+            <a:bodyPr wrap="square" rtlCol="0">
+              <a:spAutoFit/>
+            </a:bodyPr>
+            <a:lstStyle/>
+            <a:p>
+              <a:r>
+                <a:rPr lang="en-ES" sz="2400" dirty="0"/>
+                <a:t>➝</a:t>
+              </a:r>
+            </a:p>
+          </p:txBody>
+        </p:sp>
+      </p:grpSp>
+      <p:grpSp>
+        <p:nvGrpSpPr>
+          <p:cNvPr id="15" name="Group 14">
+            <a:extLst>
+              <a:ext uri="{FF2B5EF4-FFF2-40B4-BE49-F238E27FC236}">
+                <a16:creationId xmlns:a16="http://schemas.microsoft.com/office/drawing/2014/main" id="{04F9FA61-65B6-A9BE-64FF-38506F2F73BA}"/>
+              </a:ext>
+            </a:extLst>
+          </p:cNvPr>
+          <p:cNvGrpSpPr/>
+          <p:nvPr/>
+        </p:nvGrpSpPr>
+        <p:grpSpPr>
+          <a:xfrm>
+            <a:off x="4544645" y="2543235"/>
+            <a:ext cx="878985" cy="677796"/>
+            <a:chOff x="4982047" y="1023353"/>
+            <a:chExt cx="878985" cy="677796"/>
+          </a:xfrm>
+        </p:grpSpPr>
+        <p:sp>
+          <p:nvSpPr>
+            <p:cNvPr id="11" name="TextBox 10">
+              <a:extLst>
+                <a:ext uri="{FF2B5EF4-FFF2-40B4-BE49-F238E27FC236}">
+                  <a16:creationId xmlns:a16="http://schemas.microsoft.com/office/drawing/2014/main" id="{49AF5C57-429F-361C-E714-C26CDEEAF869}"/>
+                </a:ext>
+              </a:extLst>
+            </p:cNvPr>
+            <p:cNvSpPr txBox="1"/>
+            <p:nvPr/>
+          </p:nvSpPr>
+          <p:spPr>
+            <a:xfrm>
+              <a:off x="4987126" y="1116374"/>
+              <a:ext cx="873906" cy="584775"/>
+            </a:xfrm>
+            <a:prstGeom prst="rect">
+              <a:avLst/>
+            </a:prstGeom>
+            <a:noFill/>
+          </p:spPr>
+          <p:txBody>
+            <a:bodyPr wrap="square" rtlCol="0">
+              <a:spAutoFit/>
+            </a:bodyPr>
+            <a:lstStyle/>
+            <a:p>
+              <a:r>
+                <a:rPr lang="en-ES" sz="3200" dirty="0"/>
+                <a:t>m</a:t>
+              </a:r>
+              <a:r>
+                <a:rPr lang="en-ES" sz="3200" baseline="-25000" dirty="0"/>
+                <a:t>2</a:t>
+              </a:r>
+              <a:endParaRPr lang="en-ES" baseline="-25000" dirty="0"/>
+            </a:p>
+          </p:txBody>
+        </p:sp>
+        <p:sp>
+          <p:nvSpPr>
+            <p:cNvPr id="12" name="TextBox 11">
+              <a:extLst>
+                <a:ext uri="{FF2B5EF4-FFF2-40B4-BE49-F238E27FC236}">
+                  <a16:creationId xmlns:a16="http://schemas.microsoft.com/office/drawing/2014/main" id="{004D5674-AF1B-A1C9-ECF9-CEEE7DCFAABE}"/>
+                </a:ext>
+              </a:extLst>
+            </p:cNvPr>
+            <p:cNvSpPr txBox="1"/>
+            <p:nvPr/>
+          </p:nvSpPr>
+          <p:spPr>
+            <a:xfrm>
+              <a:off x="4982047" y="1023353"/>
+              <a:ext cx="492443" cy="461665"/>
+            </a:xfrm>
+            <a:prstGeom prst="rect">
+              <a:avLst/>
+            </a:prstGeom>
+            <a:noFill/>
+          </p:spPr>
+          <p:txBody>
+            <a:bodyPr wrap="square" rtlCol="0">
+              <a:spAutoFit/>
+            </a:bodyPr>
+            <a:lstStyle/>
+            <a:p>
+              <a:r>
+                <a:rPr lang="en-ES" sz="2400" dirty="0"/>
+                <a:t>➝</a:t>
+              </a:r>
+            </a:p>
+          </p:txBody>
+        </p:sp>
+      </p:grpSp>
+      <p:cxnSp>
+        <p:nvCxnSpPr>
+          <p:cNvPr id="16" name="Straight Arrow Connector 15">
+            <a:extLst>
+              <a:ext uri="{FF2B5EF4-FFF2-40B4-BE49-F238E27FC236}">
+                <a16:creationId xmlns:a16="http://schemas.microsoft.com/office/drawing/2014/main" id="{F01BE37D-5A70-798F-4C8D-ECDEDDC55F69}"/>
+              </a:ext>
+            </a:extLst>
+          </p:cNvPr>
+          <p:cNvCxnSpPr>
+            <a:cxnSpLocks/>
+          </p:cNvCxnSpPr>
+          <p:nvPr/>
+        </p:nvCxnSpPr>
+        <p:spPr>
+          <a:xfrm flipV="1">
+            <a:off x="2498318" y="1187744"/>
+            <a:ext cx="0" cy="2214218"/>
+          </a:xfrm>
+          <a:prstGeom prst="straightConnector1">
+            <a:avLst/>
+          </a:prstGeom>
+          <a:ln w="38100">
+            <a:tailEnd type="triangle"/>
+          </a:ln>
+        </p:spPr>
+        <p:style>
+          <a:lnRef idx="2">
+            <a:schemeClr val="accent1"/>
+          </a:lnRef>
+          <a:fillRef idx="0">
+            <a:schemeClr val="accent1"/>
+          </a:fillRef>
+          <a:effectRef idx="1">
+            <a:schemeClr val="accent1"/>
+          </a:effectRef>
+          <a:fontRef idx="minor">
+            <a:schemeClr val="tx1"/>
+          </a:fontRef>
+        </p:style>
+      </p:cxnSp>
+      <p:sp>
+        <p:nvSpPr>
+          <p:cNvPr id="19" name="TextBox 18">
+            <a:extLst>
+              <a:ext uri="{FF2B5EF4-FFF2-40B4-BE49-F238E27FC236}">
+                <a16:creationId xmlns:a16="http://schemas.microsoft.com/office/drawing/2014/main" id="{A90183F7-92BD-7F6D-D549-A220E9341283}"/>
+              </a:ext>
+            </a:extLst>
+          </p:cNvPr>
+          <p:cNvSpPr txBox="1"/>
+          <p:nvPr/>
+        </p:nvSpPr>
+        <p:spPr>
+          <a:xfrm>
+            <a:off x="2130463" y="970268"/>
+            <a:ext cx="370614" cy="584775"/>
+          </a:xfrm>
+          <a:prstGeom prst="rect">
+            <a:avLst/>
+          </a:prstGeom>
+          <a:noFill/>
+        </p:spPr>
+        <p:txBody>
+          <a:bodyPr wrap="none" rtlCol="0">
+            <a:spAutoFit/>
+          </a:bodyPr>
+          <a:lstStyle/>
+          <a:p>
+            <a:r>
+              <a:rPr lang="en-ES" sz="3200" dirty="0"/>
+              <a:t>y</a:t>
+            </a:r>
+            <a:endParaRPr lang="en-ES" dirty="0"/>
+          </a:p>
+        </p:txBody>
+      </p:sp>
+      <p:grpSp>
+        <p:nvGrpSpPr>
+          <p:cNvPr id="23" name="Group 22">
+            <a:extLst>
+              <a:ext uri="{FF2B5EF4-FFF2-40B4-BE49-F238E27FC236}">
+                <a16:creationId xmlns:a16="http://schemas.microsoft.com/office/drawing/2014/main" id="{233FD450-5138-3ED8-7308-0A2AF61D4533}"/>
+              </a:ext>
+            </a:extLst>
+          </p:cNvPr>
+          <p:cNvGrpSpPr/>
+          <p:nvPr/>
+        </p:nvGrpSpPr>
+        <p:grpSpPr>
+          <a:xfrm>
+            <a:off x="2222659" y="2849239"/>
+            <a:ext cx="549966" cy="660737"/>
+            <a:chOff x="4690772" y="1211142"/>
+            <a:chExt cx="549966" cy="660737"/>
+          </a:xfrm>
+        </p:grpSpPr>
+        <p:sp>
+          <p:nvSpPr>
+            <p:cNvPr id="24" name="Arc 23">
+              <a:extLst>
+                <a:ext uri="{FF2B5EF4-FFF2-40B4-BE49-F238E27FC236}">
+                  <a16:creationId xmlns:a16="http://schemas.microsoft.com/office/drawing/2014/main" id="{88125F11-F569-6A59-2C41-49515248CB38}"/>
+                </a:ext>
+              </a:extLst>
+            </p:cNvPr>
+            <p:cNvSpPr/>
+            <p:nvPr/>
+          </p:nvSpPr>
+          <p:spPr>
+            <a:xfrm>
+              <a:off x="4690772" y="1620088"/>
+              <a:ext cx="549966" cy="251791"/>
+            </a:xfrm>
+            <a:prstGeom prst="arc">
+              <a:avLst>
+                <a:gd name="adj1" fmla="val 2758053"/>
+                <a:gd name="adj2" fmla="val 2720473"/>
+              </a:avLst>
+            </a:prstGeom>
+            <a:ln w="38100">
+              <a:solidFill>
+                <a:schemeClr val="tx1"/>
+              </a:solidFill>
+              <a:prstDash val="solid"/>
+              <a:headEnd type="arrow" w="med" len="med"/>
+              <a:tailEnd type="none" w="med" len="med"/>
+            </a:ln>
+          </p:spPr>
+          <p:style>
+            <a:lnRef idx="2">
+              <a:schemeClr val="accent1"/>
+            </a:lnRef>
+            <a:fillRef idx="0">
+              <a:schemeClr val="accent1"/>
+            </a:fillRef>
+            <a:effectRef idx="1">
+              <a:schemeClr val="accent1"/>
+            </a:effectRef>
+            <a:fontRef idx="minor">
+              <a:schemeClr val="tx1"/>
+            </a:fontRef>
+          </p:style>
+          <p:txBody>
+            <a:bodyPr rtlCol="0" anchor="ctr"/>
+            <a:lstStyle/>
+            <a:p>
+              <a:pPr algn="ctr"/>
+              <a:endParaRPr lang="en-ES" dirty="0"/>
+            </a:p>
+          </p:txBody>
+        </p:sp>
+        <p:cxnSp>
+          <p:nvCxnSpPr>
+            <p:cNvPr id="25" name="Straight Arrow Connector 24">
+              <a:extLst>
+                <a:ext uri="{FF2B5EF4-FFF2-40B4-BE49-F238E27FC236}">
+                  <a16:creationId xmlns:a16="http://schemas.microsoft.com/office/drawing/2014/main" id="{9E48CE07-B300-1B61-EB27-CACA9BD82D5D}"/>
+                </a:ext>
+              </a:extLst>
+            </p:cNvPr>
+            <p:cNvCxnSpPr>
+              <a:cxnSpLocks/>
+            </p:cNvCxnSpPr>
+            <p:nvPr/>
+          </p:nvCxnSpPr>
+          <p:spPr>
+            <a:xfrm flipV="1">
+              <a:off x="4963661" y="1211142"/>
+              <a:ext cx="0" cy="538612"/>
+            </a:xfrm>
+            <a:prstGeom prst="straightConnector1">
+              <a:avLst/>
+            </a:prstGeom>
+            <a:ln w="53975">
+              <a:solidFill>
+                <a:srgbClr val="C00000"/>
+              </a:solidFill>
+              <a:tailEnd type="triangle"/>
+            </a:ln>
+          </p:spPr>
+          <p:style>
+            <a:lnRef idx="2">
+              <a:schemeClr val="accent1"/>
+            </a:lnRef>
+            <a:fillRef idx="0">
+              <a:schemeClr val="accent1"/>
+            </a:fillRef>
+            <a:effectRef idx="1">
+              <a:schemeClr val="accent1"/>
+            </a:effectRef>
+            <a:fontRef idx="minor">
+              <a:schemeClr val="tx1"/>
+            </a:fontRef>
+          </p:style>
+        </p:cxnSp>
+      </p:grpSp>
+      <p:sp>
+        <p:nvSpPr>
+          <p:cNvPr id="26" name="Arc 25">
+            <a:extLst>
+              <a:ext uri="{FF2B5EF4-FFF2-40B4-BE49-F238E27FC236}">
+                <a16:creationId xmlns:a16="http://schemas.microsoft.com/office/drawing/2014/main" id="{B50EB88E-7859-E45F-E149-21CC3FB3F9E2}"/>
+              </a:ext>
+            </a:extLst>
+          </p:cNvPr>
+          <p:cNvSpPr/>
+          <p:nvPr/>
+        </p:nvSpPr>
+        <p:spPr>
+          <a:xfrm>
+            <a:off x="4168878" y="2910348"/>
+            <a:ext cx="884903" cy="943897"/>
+          </a:xfrm>
+          <a:prstGeom prst="arc">
+            <a:avLst>
+              <a:gd name="adj1" fmla="val 5982391"/>
+              <a:gd name="adj2" fmla="val 10937819"/>
+            </a:avLst>
+          </a:prstGeom>
+          <a:ln w="38100">
+            <a:solidFill>
+              <a:schemeClr val="tx1"/>
+            </a:solidFill>
+            <a:prstDash val="sysDot"/>
+            <a:headEnd type="triangle"/>
+            <a:tailEnd type="none"/>
+          </a:ln>
+        </p:spPr>
+        <p:style>
+          <a:lnRef idx="2">
+            <a:schemeClr val="accent1"/>
+          </a:lnRef>
+          <a:fillRef idx="0">
+            <a:schemeClr val="accent1"/>
+          </a:fillRef>
+          <a:effectRef idx="1">
+            <a:schemeClr val="accent1"/>
+          </a:effectRef>
+          <a:fontRef idx="minor">
+            <a:schemeClr val="tx1"/>
+          </a:fontRef>
+        </p:style>
+        <p:txBody>
+          <a:bodyPr rtlCol="0" anchor="ctr"/>
+          <a:lstStyle/>
+          <a:p>
+            <a:pPr algn="ctr"/>
+            <a:endParaRPr lang="en-ES"/>
+          </a:p>
+        </p:txBody>
+      </p:sp>
+      <p:grpSp>
+        <p:nvGrpSpPr>
+          <p:cNvPr id="27" name="Group 26">
+            <a:extLst>
+              <a:ext uri="{FF2B5EF4-FFF2-40B4-BE49-F238E27FC236}">
+                <a16:creationId xmlns:a16="http://schemas.microsoft.com/office/drawing/2014/main" id="{365E1266-C062-86C0-1629-B54C020D5F3B}"/>
+              </a:ext>
+            </a:extLst>
+          </p:cNvPr>
+          <p:cNvGrpSpPr/>
+          <p:nvPr/>
+        </p:nvGrpSpPr>
+        <p:grpSpPr>
+          <a:xfrm>
+            <a:off x="3881141" y="3557710"/>
+            <a:ext cx="918312" cy="543739"/>
+            <a:chOff x="2499707" y="2648226"/>
+            <a:chExt cx="918312" cy="543739"/>
+          </a:xfrm>
+        </p:grpSpPr>
+        <p:sp>
+          <p:nvSpPr>
+            <p:cNvPr id="28" name="TextBox 27">
+              <a:extLst>
+                <a:ext uri="{FF2B5EF4-FFF2-40B4-BE49-F238E27FC236}">
+                  <a16:creationId xmlns:a16="http://schemas.microsoft.com/office/drawing/2014/main" id="{7448322A-55D3-5F3D-1BE9-269CE4BDE6B4}"/>
+                </a:ext>
+              </a:extLst>
+            </p:cNvPr>
+            <p:cNvSpPr txBox="1"/>
+            <p:nvPr/>
+          </p:nvSpPr>
+          <p:spPr>
+            <a:xfrm>
+              <a:off x="2544113" y="2648226"/>
+              <a:ext cx="873906" cy="543739"/>
+            </a:xfrm>
+            <a:prstGeom prst="rect">
+              <a:avLst/>
+            </a:prstGeom>
+            <a:noFill/>
+          </p:spPr>
+          <p:txBody>
+            <a:bodyPr wrap="square" rtlCol="0">
+              <a:spAutoFit/>
+            </a:bodyPr>
+            <a:lstStyle/>
+            <a:p>
+              <a:r>
+                <a:rPr lang="en-ES" sz="4400" baseline="-25000" dirty="0"/>
+                <a:t>𝝉</a:t>
+              </a:r>
+              <a:endParaRPr lang="en-ES" sz="2800" baseline="-25000" dirty="0"/>
+            </a:p>
+          </p:txBody>
+        </p:sp>
+        <p:sp>
+          <p:nvSpPr>
+            <p:cNvPr id="29" name="TextBox 28">
+              <a:extLst>
+                <a:ext uri="{FF2B5EF4-FFF2-40B4-BE49-F238E27FC236}">
+                  <a16:creationId xmlns:a16="http://schemas.microsoft.com/office/drawing/2014/main" id="{77A4CDA7-4619-99EA-BE9F-FD86E4E15DAD}"/>
+                </a:ext>
+              </a:extLst>
+            </p:cNvPr>
+            <p:cNvSpPr txBox="1"/>
+            <p:nvPr/>
+          </p:nvSpPr>
+          <p:spPr>
+            <a:xfrm>
+              <a:off x="2499707" y="2673194"/>
+              <a:ext cx="492443" cy="461665"/>
+            </a:xfrm>
+            <a:prstGeom prst="rect">
+              <a:avLst/>
+            </a:prstGeom>
+            <a:noFill/>
+          </p:spPr>
+          <p:txBody>
+            <a:bodyPr wrap="square" rtlCol="0">
+              <a:spAutoFit/>
+            </a:bodyPr>
+            <a:lstStyle/>
+            <a:p>
+              <a:r>
+                <a:rPr lang="en-ES" sz="2400" dirty="0"/>
+                <a:t>➝</a:t>
+              </a:r>
+            </a:p>
+          </p:txBody>
+        </p:sp>
+      </p:grpSp>
+      <p:cxnSp>
+        <p:nvCxnSpPr>
+          <p:cNvPr id="30" name="Straight Arrow Connector 29">
+            <a:extLst>
+              <a:ext uri="{FF2B5EF4-FFF2-40B4-BE49-F238E27FC236}">
+                <a16:creationId xmlns:a16="http://schemas.microsoft.com/office/drawing/2014/main" id="{1A08ECB2-1E41-81C7-231B-6367295A4775}"/>
+              </a:ext>
+            </a:extLst>
+          </p:cNvPr>
+          <p:cNvCxnSpPr>
+            <a:cxnSpLocks/>
+          </p:cNvCxnSpPr>
+          <p:nvPr/>
+        </p:nvCxnSpPr>
+        <p:spPr>
+          <a:xfrm>
+            <a:off x="2487510" y="3393188"/>
+            <a:ext cx="3166038" cy="0"/>
+          </a:xfrm>
+          <a:prstGeom prst="straightConnector1">
+            <a:avLst/>
+          </a:prstGeom>
+          <a:ln w="38100">
+            <a:tailEnd type="triangle"/>
+          </a:ln>
+        </p:spPr>
+        <p:style>
+          <a:lnRef idx="2">
+            <a:schemeClr val="accent1"/>
+          </a:lnRef>
+          <a:fillRef idx="0">
+            <a:schemeClr val="accent1"/>
+          </a:fillRef>
+          <a:effectRef idx="1">
+            <a:schemeClr val="accent1"/>
+          </a:effectRef>
+          <a:fontRef idx="minor">
+            <a:schemeClr val="tx1"/>
+          </a:fontRef>
+        </p:style>
+      </p:cxnSp>
+      <p:sp>
+        <p:nvSpPr>
+          <p:cNvPr id="31" name="TextBox 30">
+            <a:extLst>
+              <a:ext uri="{FF2B5EF4-FFF2-40B4-BE49-F238E27FC236}">
+                <a16:creationId xmlns:a16="http://schemas.microsoft.com/office/drawing/2014/main" id="{73E569A2-B9A6-590E-F81F-0EA0CC5E9E09}"/>
+              </a:ext>
+            </a:extLst>
+          </p:cNvPr>
+          <p:cNvSpPr txBox="1"/>
+          <p:nvPr/>
+        </p:nvSpPr>
+        <p:spPr>
+          <a:xfrm>
+            <a:off x="5403064" y="3312625"/>
+            <a:ext cx="365806" cy="584775"/>
+          </a:xfrm>
+          <a:prstGeom prst="rect">
+            <a:avLst/>
+          </a:prstGeom>
+          <a:noFill/>
+        </p:spPr>
+        <p:txBody>
+          <a:bodyPr wrap="none" rtlCol="0">
+            <a:spAutoFit/>
+          </a:bodyPr>
+          <a:lstStyle/>
+          <a:p>
+            <a:r>
+              <a:rPr lang="en-ES" sz="3200" dirty="0"/>
+              <a:t>x</a:t>
+            </a:r>
+            <a:endParaRPr lang="en-ES" dirty="0"/>
+          </a:p>
+        </p:txBody>
+      </p:sp>
+      <p:grpSp>
+        <p:nvGrpSpPr>
+          <p:cNvPr id="14" name="Group 13">
+            <a:extLst>
+              <a:ext uri="{FF2B5EF4-FFF2-40B4-BE49-F238E27FC236}">
+                <a16:creationId xmlns:a16="http://schemas.microsoft.com/office/drawing/2014/main" id="{9A3F45C7-5C79-62C5-6080-958836591EA5}"/>
+              </a:ext>
+            </a:extLst>
+          </p:cNvPr>
+          <p:cNvGrpSpPr/>
+          <p:nvPr/>
+        </p:nvGrpSpPr>
+        <p:grpSpPr>
+          <a:xfrm rot="16200000">
+            <a:off x="4105538" y="3060632"/>
+            <a:ext cx="549966" cy="660737"/>
+            <a:chOff x="4690772" y="1211142"/>
+            <a:chExt cx="549966" cy="660737"/>
+          </a:xfrm>
+        </p:grpSpPr>
+        <p:sp>
+          <p:nvSpPr>
+            <p:cNvPr id="13" name="Arc 12">
+              <a:extLst>
+                <a:ext uri="{FF2B5EF4-FFF2-40B4-BE49-F238E27FC236}">
+                  <a16:creationId xmlns:a16="http://schemas.microsoft.com/office/drawing/2014/main" id="{2DF7FD51-7DC9-0A24-568F-BA86D2084702}"/>
+                </a:ext>
+              </a:extLst>
+            </p:cNvPr>
+            <p:cNvSpPr/>
+            <p:nvPr/>
+          </p:nvSpPr>
+          <p:spPr>
+            <a:xfrm>
+              <a:off x="4690772" y="1620088"/>
+              <a:ext cx="549966" cy="251791"/>
+            </a:xfrm>
+            <a:prstGeom prst="arc">
+              <a:avLst>
+                <a:gd name="adj1" fmla="val 2758053"/>
+                <a:gd name="adj2" fmla="val 2720473"/>
+              </a:avLst>
+            </a:prstGeom>
+            <a:ln w="38100">
+              <a:solidFill>
+                <a:schemeClr val="tx1"/>
+              </a:solidFill>
+              <a:prstDash val="solid"/>
+              <a:headEnd type="arrow" w="med" len="med"/>
+              <a:tailEnd type="none" w="med" len="med"/>
+            </a:ln>
+          </p:spPr>
+          <p:style>
+            <a:lnRef idx="2">
+              <a:schemeClr val="accent1"/>
+            </a:lnRef>
+            <a:fillRef idx="0">
+              <a:schemeClr val="accent1"/>
+            </a:fillRef>
+            <a:effectRef idx="1">
+              <a:schemeClr val="accent1"/>
+            </a:effectRef>
+            <a:fontRef idx="minor">
+              <a:schemeClr val="tx1"/>
+            </a:fontRef>
+          </p:style>
+          <p:txBody>
+            <a:bodyPr rtlCol="0" anchor="ctr"/>
+            <a:lstStyle/>
+            <a:p>
+              <a:pPr algn="ctr"/>
+              <a:endParaRPr lang="en-ES" dirty="0"/>
+            </a:p>
+          </p:txBody>
+        </p:sp>
+        <p:cxnSp>
+          <p:nvCxnSpPr>
+            <p:cNvPr id="10" name="Straight Arrow Connector 9">
+              <a:extLst>
+                <a:ext uri="{FF2B5EF4-FFF2-40B4-BE49-F238E27FC236}">
+                  <a16:creationId xmlns:a16="http://schemas.microsoft.com/office/drawing/2014/main" id="{851C1FF3-8EED-27CC-2943-B6A22BE0F1E3}"/>
+                </a:ext>
+              </a:extLst>
+            </p:cNvPr>
+            <p:cNvCxnSpPr>
+              <a:cxnSpLocks/>
+            </p:cNvCxnSpPr>
+            <p:nvPr/>
+          </p:nvCxnSpPr>
+          <p:spPr>
+            <a:xfrm flipV="1">
+              <a:off x="4963661" y="1211142"/>
+              <a:ext cx="0" cy="538612"/>
+            </a:xfrm>
+            <a:prstGeom prst="straightConnector1">
+              <a:avLst/>
+            </a:prstGeom>
+            <a:ln w="53975">
+              <a:solidFill>
+                <a:srgbClr val="C00000"/>
+              </a:solidFill>
+              <a:tailEnd type="triangle"/>
+            </a:ln>
+          </p:spPr>
+          <p:style>
+            <a:lnRef idx="2">
+              <a:schemeClr val="accent1"/>
+            </a:lnRef>
+            <a:fillRef idx="0">
+              <a:schemeClr val="accent1"/>
+            </a:fillRef>
+            <a:effectRef idx="1">
+              <a:schemeClr val="accent1"/>
+            </a:effectRef>
+            <a:fontRef idx="minor">
+              <a:schemeClr val="tx1"/>
+            </a:fontRef>
+          </p:style>
+        </p:cxnSp>
+      </p:grpSp>
+    </p:spTree>
+    <p:extLst>
+      <p:ext uri="{BB962C8B-B14F-4D97-AF65-F5344CB8AC3E}">
+        <p14:creationId xmlns:p14="http://schemas.microsoft.com/office/powerpoint/2010/main" val="975232296"/>
+      </p:ext>
+    </p:extLst>
+  </p:cSld>
+  <p:clrMapOvr>
+    <a:masterClrMapping/>
+  </p:clrMapOvr>
+</p:sld>
+</file>
+
+<file path=ppt/slides/slide11.xml><?xml version="1.0" encoding="utf-8"?>
+<p:sld xmlns:a="http://schemas.openxmlformats.org/drawingml/2006/main" xmlns:r="http://schemas.openxmlformats.org/officeDocument/2006/relationships" xmlns:p="http://schemas.openxmlformats.org/presentationml/2006/main">
+  <p:cSld>
+    <p:spTree>
+      <p:nvGrpSpPr>
+        <p:cNvPr id="1" name="">
+          <a:extLst>
+            <a:ext uri="{FF2B5EF4-FFF2-40B4-BE49-F238E27FC236}">
+              <a16:creationId xmlns:a16="http://schemas.microsoft.com/office/drawing/2014/main" id="{681BFA17-D7DE-197B-A98A-02D16D7A097B}"/>
+            </a:ext>
+          </a:extLst>
+        </p:cNvPr>
+        <p:cNvGrpSpPr/>
+        <p:nvPr/>
+      </p:nvGrpSpPr>
+      <p:grpSpPr>
+        <a:xfrm>
+          <a:off x="0" y="0"/>
+          <a:ext cx="0" cy="0"/>
+          <a:chOff x="0" y="0"/>
+          <a:chExt cx="0" cy="0"/>
+        </a:xfrm>
+      </p:grpSpPr>
+      <p:grpSp>
+        <p:nvGrpSpPr>
+          <p:cNvPr id="21" name="Group 20">
+            <a:extLst>
+              <a:ext uri="{FF2B5EF4-FFF2-40B4-BE49-F238E27FC236}">
+                <a16:creationId xmlns:a16="http://schemas.microsoft.com/office/drawing/2014/main" id="{54F5996E-A09A-9140-A28E-CC5CE126D062}"/>
+              </a:ext>
+            </a:extLst>
+          </p:cNvPr>
+          <p:cNvGrpSpPr/>
+          <p:nvPr/>
+        </p:nvGrpSpPr>
+        <p:grpSpPr>
+          <a:xfrm>
+            <a:off x="2499707" y="2673194"/>
+            <a:ext cx="878983" cy="677794"/>
+            <a:chOff x="2499707" y="2673194"/>
+            <a:chExt cx="878983" cy="677794"/>
+          </a:xfrm>
+        </p:grpSpPr>
+        <p:sp>
+          <p:nvSpPr>
+            <p:cNvPr id="4" name="TextBox 3">
+              <a:extLst>
+                <a:ext uri="{FF2B5EF4-FFF2-40B4-BE49-F238E27FC236}">
+                  <a16:creationId xmlns:a16="http://schemas.microsoft.com/office/drawing/2014/main" id="{9C017A06-858A-2D40-E6B0-5906B185DF60}"/>
+                </a:ext>
+              </a:extLst>
+            </p:cNvPr>
+            <p:cNvSpPr txBox="1"/>
+            <p:nvPr/>
+          </p:nvSpPr>
+          <p:spPr>
+            <a:xfrm>
+              <a:off x="2504784" y="2766213"/>
+              <a:ext cx="873906" cy="584775"/>
+            </a:xfrm>
+            <a:prstGeom prst="rect">
+              <a:avLst/>
+            </a:prstGeom>
+            <a:noFill/>
+          </p:spPr>
+          <p:txBody>
+            <a:bodyPr wrap="square" rtlCol="0">
+              <a:spAutoFit/>
+            </a:bodyPr>
+            <a:lstStyle/>
+            <a:p>
+              <a:r>
+                <a:rPr lang="en-ES" sz="3200" dirty="0"/>
+                <a:t>m</a:t>
+              </a:r>
+              <a:r>
+                <a:rPr lang="en-ES" sz="3200" baseline="-25000" dirty="0"/>
+                <a:t>1</a:t>
+              </a:r>
+              <a:endParaRPr lang="en-ES" baseline="-25000" dirty="0"/>
+            </a:p>
+          </p:txBody>
+        </p:sp>
+        <p:sp>
+          <p:nvSpPr>
+            <p:cNvPr id="5" name="TextBox 4">
+              <a:extLst>
+                <a:ext uri="{FF2B5EF4-FFF2-40B4-BE49-F238E27FC236}">
+                  <a16:creationId xmlns:a16="http://schemas.microsoft.com/office/drawing/2014/main" id="{D5C208B3-1944-38E3-30E6-699659D69A83}"/>
+                </a:ext>
+              </a:extLst>
+            </p:cNvPr>
+            <p:cNvSpPr txBox="1"/>
+            <p:nvPr/>
+          </p:nvSpPr>
+          <p:spPr>
+            <a:xfrm>
+              <a:off x="2499707" y="2673194"/>
+              <a:ext cx="492443" cy="461665"/>
+            </a:xfrm>
+            <a:prstGeom prst="rect">
+              <a:avLst/>
+            </a:prstGeom>
+            <a:noFill/>
+          </p:spPr>
+          <p:txBody>
+            <a:bodyPr wrap="square" rtlCol="0">
+              <a:spAutoFit/>
+            </a:bodyPr>
+            <a:lstStyle/>
+            <a:p>
+              <a:r>
+                <a:rPr lang="en-ES" sz="2400" dirty="0"/>
+                <a:t>➝</a:t>
+              </a:r>
+            </a:p>
+          </p:txBody>
+        </p:sp>
+      </p:grpSp>
+      <p:grpSp>
+        <p:nvGrpSpPr>
+          <p:cNvPr id="15" name="Group 14">
+            <a:extLst>
+              <a:ext uri="{FF2B5EF4-FFF2-40B4-BE49-F238E27FC236}">
+                <a16:creationId xmlns:a16="http://schemas.microsoft.com/office/drawing/2014/main" id="{98467976-F3FB-D97E-E50A-5341E3C12A30}"/>
+              </a:ext>
+            </a:extLst>
+          </p:cNvPr>
+          <p:cNvGrpSpPr/>
+          <p:nvPr/>
+        </p:nvGrpSpPr>
+        <p:grpSpPr>
+          <a:xfrm>
+            <a:off x="3305781" y="2267931"/>
+            <a:ext cx="878985" cy="677796"/>
+            <a:chOff x="4982047" y="1023353"/>
+            <a:chExt cx="878985" cy="677796"/>
+          </a:xfrm>
+        </p:grpSpPr>
+        <p:sp>
+          <p:nvSpPr>
+            <p:cNvPr id="11" name="TextBox 10">
+              <a:extLst>
+                <a:ext uri="{FF2B5EF4-FFF2-40B4-BE49-F238E27FC236}">
+                  <a16:creationId xmlns:a16="http://schemas.microsoft.com/office/drawing/2014/main" id="{ED8579E6-8D48-141F-9693-1D163D20911F}"/>
+                </a:ext>
+              </a:extLst>
+            </p:cNvPr>
+            <p:cNvSpPr txBox="1"/>
+            <p:nvPr/>
+          </p:nvSpPr>
+          <p:spPr>
+            <a:xfrm>
+              <a:off x="4987126" y="1116374"/>
+              <a:ext cx="873906" cy="584775"/>
+            </a:xfrm>
+            <a:prstGeom prst="rect">
+              <a:avLst/>
+            </a:prstGeom>
+            <a:noFill/>
+          </p:spPr>
+          <p:txBody>
+            <a:bodyPr wrap="square" rtlCol="0">
+              <a:spAutoFit/>
+            </a:bodyPr>
+            <a:lstStyle/>
+            <a:p>
+              <a:r>
+                <a:rPr lang="en-ES" sz="3200" dirty="0"/>
+                <a:t>m</a:t>
+              </a:r>
+              <a:r>
+                <a:rPr lang="en-ES" sz="3200" baseline="-25000" dirty="0"/>
+                <a:t>2</a:t>
+              </a:r>
+              <a:endParaRPr lang="en-ES" baseline="-25000" dirty="0"/>
+            </a:p>
+          </p:txBody>
+        </p:sp>
+        <p:sp>
+          <p:nvSpPr>
+            <p:cNvPr id="12" name="TextBox 11">
+              <a:extLst>
+                <a:ext uri="{FF2B5EF4-FFF2-40B4-BE49-F238E27FC236}">
+                  <a16:creationId xmlns:a16="http://schemas.microsoft.com/office/drawing/2014/main" id="{B746F4B1-16F3-3EEE-305B-0F9C76CA9C8C}"/>
+                </a:ext>
+              </a:extLst>
+            </p:cNvPr>
+            <p:cNvSpPr txBox="1"/>
+            <p:nvPr/>
+          </p:nvSpPr>
+          <p:spPr>
+            <a:xfrm>
+              <a:off x="4982047" y="1023353"/>
+              <a:ext cx="492443" cy="461665"/>
+            </a:xfrm>
+            <a:prstGeom prst="rect">
+              <a:avLst/>
+            </a:prstGeom>
+            <a:noFill/>
+          </p:spPr>
+          <p:txBody>
+            <a:bodyPr wrap="square" rtlCol="0">
+              <a:spAutoFit/>
+            </a:bodyPr>
+            <a:lstStyle/>
+            <a:p>
+              <a:r>
+                <a:rPr lang="en-ES" sz="2400" dirty="0"/>
+                <a:t>➝</a:t>
+              </a:r>
+            </a:p>
+          </p:txBody>
+        </p:sp>
+      </p:grpSp>
+      <p:cxnSp>
+        <p:nvCxnSpPr>
+          <p:cNvPr id="16" name="Straight Arrow Connector 15">
+            <a:extLst>
+              <a:ext uri="{FF2B5EF4-FFF2-40B4-BE49-F238E27FC236}">
+                <a16:creationId xmlns:a16="http://schemas.microsoft.com/office/drawing/2014/main" id="{48421AFD-FBA9-DD81-5210-A708092C3176}"/>
+              </a:ext>
+            </a:extLst>
+          </p:cNvPr>
+          <p:cNvCxnSpPr>
+            <a:cxnSpLocks/>
+          </p:cNvCxnSpPr>
+          <p:nvPr/>
+        </p:nvCxnSpPr>
+        <p:spPr>
+          <a:xfrm flipV="1">
+            <a:off x="2498318" y="1187744"/>
+            <a:ext cx="0" cy="2214218"/>
+          </a:xfrm>
+          <a:prstGeom prst="straightConnector1">
+            <a:avLst/>
+          </a:prstGeom>
+          <a:ln w="38100">
+            <a:tailEnd type="triangle"/>
+          </a:ln>
+        </p:spPr>
+        <p:style>
+          <a:lnRef idx="2">
+            <a:schemeClr val="accent1"/>
+          </a:lnRef>
+          <a:fillRef idx="0">
+            <a:schemeClr val="accent1"/>
+          </a:fillRef>
+          <a:effectRef idx="1">
+            <a:schemeClr val="accent1"/>
+          </a:effectRef>
+          <a:fontRef idx="minor">
+            <a:schemeClr val="tx1"/>
+          </a:fontRef>
+        </p:style>
+      </p:cxnSp>
+      <p:sp>
+        <p:nvSpPr>
+          <p:cNvPr id="19" name="TextBox 18">
+            <a:extLst>
+              <a:ext uri="{FF2B5EF4-FFF2-40B4-BE49-F238E27FC236}">
+                <a16:creationId xmlns:a16="http://schemas.microsoft.com/office/drawing/2014/main" id="{E68F4A96-7FEC-0AD3-980B-1D72816A1A30}"/>
+              </a:ext>
+            </a:extLst>
+          </p:cNvPr>
+          <p:cNvSpPr txBox="1"/>
+          <p:nvPr/>
+        </p:nvSpPr>
+        <p:spPr>
+          <a:xfrm>
+            <a:off x="2130463" y="970268"/>
+            <a:ext cx="370614" cy="584775"/>
+          </a:xfrm>
+          <a:prstGeom prst="rect">
+            <a:avLst/>
+          </a:prstGeom>
+          <a:noFill/>
+        </p:spPr>
+        <p:txBody>
+          <a:bodyPr wrap="none" rtlCol="0">
+            <a:spAutoFit/>
+          </a:bodyPr>
+          <a:lstStyle/>
+          <a:p>
+            <a:r>
+              <a:rPr lang="en-ES" sz="3200" dirty="0"/>
+              <a:t>z</a:t>
+            </a:r>
+            <a:endParaRPr lang="en-ES" dirty="0"/>
+          </a:p>
+        </p:txBody>
+      </p:sp>
+      <p:grpSp>
+        <p:nvGrpSpPr>
+          <p:cNvPr id="14" name="Group 13">
+            <a:extLst>
+              <a:ext uri="{FF2B5EF4-FFF2-40B4-BE49-F238E27FC236}">
+                <a16:creationId xmlns:a16="http://schemas.microsoft.com/office/drawing/2014/main" id="{9B6FFAA6-D219-43DC-FCE2-7740046D2A14}"/>
+              </a:ext>
+            </a:extLst>
+          </p:cNvPr>
+          <p:cNvGrpSpPr/>
+          <p:nvPr/>
+        </p:nvGrpSpPr>
+        <p:grpSpPr>
+          <a:xfrm rot="10800000">
+            <a:off x="3899063" y="2411702"/>
+            <a:ext cx="549966" cy="660737"/>
+            <a:chOff x="4690772" y="1211142"/>
+            <a:chExt cx="549966" cy="660737"/>
+          </a:xfrm>
+        </p:grpSpPr>
+        <p:sp>
+          <p:nvSpPr>
+            <p:cNvPr id="13" name="Arc 12">
+              <a:extLst>
+                <a:ext uri="{FF2B5EF4-FFF2-40B4-BE49-F238E27FC236}">
+                  <a16:creationId xmlns:a16="http://schemas.microsoft.com/office/drawing/2014/main" id="{7CCF7401-39EA-B490-F5C2-56459319C94C}"/>
+                </a:ext>
+              </a:extLst>
+            </p:cNvPr>
+            <p:cNvSpPr/>
+            <p:nvPr/>
+          </p:nvSpPr>
+          <p:spPr>
+            <a:xfrm>
+              <a:off x="4690772" y="1620088"/>
+              <a:ext cx="549966" cy="251791"/>
+            </a:xfrm>
+            <a:prstGeom prst="arc">
+              <a:avLst>
+                <a:gd name="adj1" fmla="val 2758053"/>
+                <a:gd name="adj2" fmla="val 2720473"/>
+              </a:avLst>
+            </a:prstGeom>
+            <a:ln w="38100">
+              <a:solidFill>
+                <a:schemeClr val="tx1"/>
+              </a:solidFill>
+              <a:prstDash val="solid"/>
+              <a:headEnd type="arrow" w="med" len="med"/>
+              <a:tailEnd type="none" w="med" len="med"/>
+            </a:ln>
+          </p:spPr>
+          <p:style>
+            <a:lnRef idx="2">
+              <a:schemeClr val="accent1"/>
+            </a:lnRef>
+            <a:fillRef idx="0">
+              <a:schemeClr val="accent1"/>
+            </a:fillRef>
+            <a:effectRef idx="1">
+              <a:schemeClr val="accent1"/>
+            </a:effectRef>
+            <a:fontRef idx="minor">
+              <a:schemeClr val="tx1"/>
+            </a:fontRef>
+          </p:style>
+          <p:txBody>
+            <a:bodyPr rtlCol="0" anchor="ctr"/>
+            <a:lstStyle/>
+            <a:p>
+              <a:pPr algn="ctr"/>
+              <a:endParaRPr lang="en-ES" dirty="0"/>
+            </a:p>
+          </p:txBody>
+        </p:sp>
+        <p:cxnSp>
+          <p:nvCxnSpPr>
+            <p:cNvPr id="10" name="Straight Arrow Connector 9">
+              <a:extLst>
+                <a:ext uri="{FF2B5EF4-FFF2-40B4-BE49-F238E27FC236}">
+                  <a16:creationId xmlns:a16="http://schemas.microsoft.com/office/drawing/2014/main" id="{DAEF500A-C44D-8613-311F-A9107E37CCF7}"/>
+                </a:ext>
+              </a:extLst>
+            </p:cNvPr>
+            <p:cNvCxnSpPr>
+              <a:cxnSpLocks/>
+            </p:cNvCxnSpPr>
+            <p:nvPr/>
+          </p:nvCxnSpPr>
+          <p:spPr>
+            <a:xfrm flipV="1">
+              <a:off x="4963661" y="1211142"/>
+              <a:ext cx="0" cy="538612"/>
+            </a:xfrm>
+            <a:prstGeom prst="straightConnector1">
+              <a:avLst/>
+            </a:prstGeom>
+            <a:ln w="53975">
+              <a:solidFill>
+                <a:srgbClr val="C00000"/>
+              </a:solidFill>
+              <a:tailEnd type="triangle"/>
+            </a:ln>
+          </p:spPr>
+          <p:style>
+            <a:lnRef idx="2">
+              <a:schemeClr val="accent1"/>
+            </a:lnRef>
+            <a:fillRef idx="0">
+              <a:schemeClr val="accent1"/>
+            </a:fillRef>
+            <a:effectRef idx="1">
+              <a:schemeClr val="accent1"/>
+            </a:effectRef>
+            <a:fontRef idx="minor">
+              <a:schemeClr val="tx1"/>
+            </a:fontRef>
+          </p:style>
+        </p:cxnSp>
+      </p:grpSp>
+      <p:grpSp>
+        <p:nvGrpSpPr>
+          <p:cNvPr id="23" name="Group 22">
+            <a:extLst>
+              <a:ext uri="{FF2B5EF4-FFF2-40B4-BE49-F238E27FC236}">
+                <a16:creationId xmlns:a16="http://schemas.microsoft.com/office/drawing/2014/main" id="{D8296227-0D6D-5AB0-1A79-C6538BBEAA0D}"/>
+              </a:ext>
+            </a:extLst>
+          </p:cNvPr>
+          <p:cNvGrpSpPr/>
+          <p:nvPr/>
+        </p:nvGrpSpPr>
+        <p:grpSpPr>
+          <a:xfrm>
+            <a:off x="2222659" y="2849239"/>
+            <a:ext cx="549966" cy="660737"/>
+            <a:chOff x="4690772" y="1211142"/>
+            <a:chExt cx="549966" cy="660737"/>
+          </a:xfrm>
+        </p:grpSpPr>
+        <p:sp>
+          <p:nvSpPr>
+            <p:cNvPr id="24" name="Arc 23">
+              <a:extLst>
+                <a:ext uri="{FF2B5EF4-FFF2-40B4-BE49-F238E27FC236}">
+                  <a16:creationId xmlns:a16="http://schemas.microsoft.com/office/drawing/2014/main" id="{6995C07F-43C3-9716-72AA-62DACF828111}"/>
+                </a:ext>
+              </a:extLst>
+            </p:cNvPr>
+            <p:cNvSpPr/>
+            <p:nvPr/>
+          </p:nvSpPr>
+          <p:spPr>
+            <a:xfrm>
+              <a:off x="4690772" y="1620088"/>
+              <a:ext cx="549966" cy="251791"/>
+            </a:xfrm>
+            <a:prstGeom prst="arc">
+              <a:avLst>
+                <a:gd name="adj1" fmla="val 2758053"/>
+                <a:gd name="adj2" fmla="val 2720473"/>
+              </a:avLst>
+            </a:prstGeom>
+            <a:ln w="38100">
+              <a:solidFill>
+                <a:schemeClr val="tx1"/>
+              </a:solidFill>
+              <a:prstDash val="solid"/>
+              <a:headEnd type="arrow" w="med" len="med"/>
+              <a:tailEnd type="none" w="med" len="med"/>
+            </a:ln>
+          </p:spPr>
+          <p:style>
+            <a:lnRef idx="2">
+              <a:schemeClr val="accent1"/>
+            </a:lnRef>
+            <a:fillRef idx="0">
+              <a:schemeClr val="accent1"/>
+            </a:fillRef>
+            <a:effectRef idx="1">
+              <a:schemeClr val="accent1"/>
+            </a:effectRef>
+            <a:fontRef idx="minor">
+              <a:schemeClr val="tx1"/>
+            </a:fontRef>
+          </p:style>
+          <p:txBody>
+            <a:bodyPr rtlCol="0" anchor="ctr"/>
+            <a:lstStyle/>
+            <a:p>
+              <a:pPr algn="ctr"/>
+              <a:endParaRPr lang="en-ES" dirty="0"/>
+            </a:p>
+          </p:txBody>
+        </p:sp>
+        <p:cxnSp>
+          <p:nvCxnSpPr>
+            <p:cNvPr id="25" name="Straight Arrow Connector 24">
+              <a:extLst>
+                <a:ext uri="{FF2B5EF4-FFF2-40B4-BE49-F238E27FC236}">
+                  <a16:creationId xmlns:a16="http://schemas.microsoft.com/office/drawing/2014/main" id="{9B28B97E-7A29-03EE-D45C-70B19238A5D3}"/>
+                </a:ext>
+              </a:extLst>
+            </p:cNvPr>
+            <p:cNvCxnSpPr>
+              <a:cxnSpLocks/>
+            </p:cNvCxnSpPr>
+            <p:nvPr/>
+          </p:nvCxnSpPr>
+          <p:spPr>
+            <a:xfrm flipV="1">
+              <a:off x="4963661" y="1211142"/>
+              <a:ext cx="0" cy="538612"/>
+            </a:xfrm>
+            <a:prstGeom prst="straightConnector1">
+              <a:avLst/>
+            </a:prstGeom>
+            <a:ln w="53975">
+              <a:solidFill>
+                <a:srgbClr val="C00000"/>
+              </a:solidFill>
+              <a:tailEnd type="triangle"/>
+            </a:ln>
+          </p:spPr>
+          <p:style>
+            <a:lnRef idx="2">
+              <a:schemeClr val="accent1"/>
+            </a:lnRef>
+            <a:fillRef idx="0">
+              <a:schemeClr val="accent1"/>
+            </a:fillRef>
+            <a:effectRef idx="1">
+              <a:schemeClr val="accent1"/>
+            </a:effectRef>
+            <a:fontRef idx="minor">
+              <a:schemeClr val="tx1"/>
+            </a:fontRef>
+          </p:style>
+        </p:cxnSp>
+      </p:grpSp>
+      <p:sp>
+        <p:nvSpPr>
+          <p:cNvPr id="26" name="Arc 25">
+            <a:extLst>
+              <a:ext uri="{FF2B5EF4-FFF2-40B4-BE49-F238E27FC236}">
+                <a16:creationId xmlns:a16="http://schemas.microsoft.com/office/drawing/2014/main" id="{04FF0BFB-C398-6CD4-5CF5-0C515D8C4DCA}"/>
+              </a:ext>
+            </a:extLst>
+          </p:cNvPr>
+          <p:cNvSpPr/>
+          <p:nvPr/>
+        </p:nvSpPr>
+        <p:spPr>
+          <a:xfrm rot="16200000">
+            <a:off x="3746091" y="2153263"/>
+            <a:ext cx="884903" cy="943897"/>
+          </a:xfrm>
+          <a:prstGeom prst="arc">
+            <a:avLst>
+              <a:gd name="adj1" fmla="val 7216346"/>
+              <a:gd name="adj2" fmla="val 10937819"/>
+            </a:avLst>
+          </a:prstGeom>
+          <a:ln w="38100">
+            <a:solidFill>
+              <a:schemeClr val="tx1"/>
+            </a:solidFill>
+            <a:prstDash val="sysDot"/>
+            <a:headEnd type="triangle"/>
+            <a:tailEnd type="none"/>
+          </a:ln>
+        </p:spPr>
+        <p:style>
+          <a:lnRef idx="2">
+            <a:schemeClr val="accent1"/>
+          </a:lnRef>
+          <a:fillRef idx="0">
+            <a:schemeClr val="accent1"/>
+          </a:fillRef>
+          <a:effectRef idx="1">
+            <a:schemeClr val="accent1"/>
+          </a:effectRef>
+          <a:fontRef idx="minor">
+            <a:schemeClr val="tx1"/>
+          </a:fontRef>
+        </p:style>
+        <p:txBody>
+          <a:bodyPr rtlCol="0" anchor="ctr"/>
+          <a:lstStyle/>
+          <a:p>
+            <a:pPr algn="ctr"/>
+            <a:endParaRPr lang="en-ES"/>
+          </a:p>
+        </p:txBody>
+      </p:sp>
+      <p:grpSp>
+        <p:nvGrpSpPr>
+          <p:cNvPr id="27" name="Group 26">
+            <a:extLst>
+              <a:ext uri="{FF2B5EF4-FFF2-40B4-BE49-F238E27FC236}">
+                <a16:creationId xmlns:a16="http://schemas.microsoft.com/office/drawing/2014/main" id="{75E5E8A9-6A7D-CA6A-634C-91FC4C1A39C6}"/>
+              </a:ext>
+            </a:extLst>
+          </p:cNvPr>
+          <p:cNvGrpSpPr/>
+          <p:nvPr/>
+        </p:nvGrpSpPr>
+        <p:grpSpPr>
+          <a:xfrm>
+            <a:off x="4313763" y="2830123"/>
+            <a:ext cx="918312" cy="543739"/>
+            <a:chOff x="2499707" y="2648226"/>
+            <a:chExt cx="918312" cy="543739"/>
+          </a:xfrm>
+        </p:grpSpPr>
+        <p:sp>
+          <p:nvSpPr>
+            <p:cNvPr id="28" name="TextBox 27">
+              <a:extLst>
+                <a:ext uri="{FF2B5EF4-FFF2-40B4-BE49-F238E27FC236}">
+                  <a16:creationId xmlns:a16="http://schemas.microsoft.com/office/drawing/2014/main" id="{DCE81C5E-8383-9A97-1406-8D3C3359E315}"/>
+                </a:ext>
+              </a:extLst>
+            </p:cNvPr>
+            <p:cNvSpPr txBox="1"/>
+            <p:nvPr/>
+          </p:nvSpPr>
+          <p:spPr>
+            <a:xfrm>
+              <a:off x="2544113" y="2648226"/>
+              <a:ext cx="873906" cy="543739"/>
+            </a:xfrm>
+            <a:prstGeom prst="rect">
+              <a:avLst/>
+            </a:prstGeom>
+            <a:noFill/>
+          </p:spPr>
+          <p:txBody>
+            <a:bodyPr wrap="square" rtlCol="0">
+              <a:spAutoFit/>
+            </a:bodyPr>
+            <a:lstStyle/>
+            <a:p>
+              <a:r>
+                <a:rPr lang="en-ES" sz="4400" baseline="-25000" dirty="0"/>
+                <a:t>𝝉</a:t>
+              </a:r>
+              <a:endParaRPr lang="en-ES" sz="2800" baseline="-25000" dirty="0"/>
+            </a:p>
+          </p:txBody>
+        </p:sp>
+        <p:sp>
+          <p:nvSpPr>
+            <p:cNvPr id="29" name="TextBox 28">
+              <a:extLst>
+                <a:ext uri="{FF2B5EF4-FFF2-40B4-BE49-F238E27FC236}">
+                  <a16:creationId xmlns:a16="http://schemas.microsoft.com/office/drawing/2014/main" id="{5B7278A0-1CF2-8117-039F-332086CA18F0}"/>
+                </a:ext>
+              </a:extLst>
+            </p:cNvPr>
+            <p:cNvSpPr txBox="1"/>
+            <p:nvPr/>
+          </p:nvSpPr>
+          <p:spPr>
+            <a:xfrm>
+              <a:off x="2499707" y="2673194"/>
+              <a:ext cx="492443" cy="461665"/>
+            </a:xfrm>
+            <a:prstGeom prst="rect">
+              <a:avLst/>
+            </a:prstGeom>
+            <a:noFill/>
+          </p:spPr>
+          <p:txBody>
+            <a:bodyPr wrap="square" rtlCol="0">
+              <a:spAutoFit/>
+            </a:bodyPr>
+            <a:lstStyle/>
+            <a:p>
+              <a:r>
+                <a:rPr lang="en-ES" sz="2400" dirty="0"/>
+                <a:t>➝</a:t>
+              </a:r>
+            </a:p>
+          </p:txBody>
+        </p:sp>
+      </p:grpSp>
+      <p:cxnSp>
+        <p:nvCxnSpPr>
+          <p:cNvPr id="8" name="Straight Arrow Connector 7">
+            <a:extLst>
+              <a:ext uri="{FF2B5EF4-FFF2-40B4-BE49-F238E27FC236}">
+                <a16:creationId xmlns:a16="http://schemas.microsoft.com/office/drawing/2014/main" id="{ACAF3B6A-3082-5DE1-5786-0CF7784292FE}"/>
+              </a:ext>
+            </a:extLst>
+          </p:cNvPr>
+          <p:cNvCxnSpPr>
+            <a:cxnSpLocks/>
+          </p:cNvCxnSpPr>
+          <p:nvPr/>
+        </p:nvCxnSpPr>
+        <p:spPr>
+          <a:xfrm>
+            <a:off x="2487510" y="3393188"/>
+            <a:ext cx="3166038" cy="0"/>
+          </a:xfrm>
+          <a:prstGeom prst="straightConnector1">
+            <a:avLst/>
+          </a:prstGeom>
+          <a:ln w="38100">
+            <a:tailEnd type="triangle"/>
+          </a:ln>
+        </p:spPr>
+        <p:style>
+          <a:lnRef idx="2">
+            <a:schemeClr val="accent1"/>
+          </a:lnRef>
+          <a:fillRef idx="0">
+            <a:schemeClr val="accent1"/>
+          </a:fillRef>
+          <a:effectRef idx="1">
+            <a:schemeClr val="accent1"/>
+          </a:effectRef>
+          <a:fontRef idx="minor">
+            <a:schemeClr val="tx1"/>
+          </a:fontRef>
+        </p:style>
+      </p:cxnSp>
+      <p:sp>
+        <p:nvSpPr>
+          <p:cNvPr id="9" name="TextBox 8">
+            <a:extLst>
+              <a:ext uri="{FF2B5EF4-FFF2-40B4-BE49-F238E27FC236}">
+                <a16:creationId xmlns:a16="http://schemas.microsoft.com/office/drawing/2014/main" id="{0304AAD2-3EEE-1D27-3F97-DD14489F00E3}"/>
+              </a:ext>
+            </a:extLst>
+          </p:cNvPr>
+          <p:cNvSpPr txBox="1"/>
+          <p:nvPr/>
+        </p:nvSpPr>
+        <p:spPr>
+          <a:xfrm>
+            <a:off x="5403064" y="3312625"/>
+            <a:ext cx="370614" cy="584775"/>
+          </a:xfrm>
+          <a:prstGeom prst="rect">
+            <a:avLst/>
+          </a:prstGeom>
+          <a:noFill/>
+        </p:spPr>
+        <p:txBody>
+          <a:bodyPr wrap="none" rtlCol="0">
+            <a:spAutoFit/>
+          </a:bodyPr>
+          <a:lstStyle/>
+          <a:p>
+            <a:r>
+              <a:rPr lang="en-ES" sz="3200" dirty="0"/>
+              <a:t>y</a:t>
+            </a:r>
+            <a:endParaRPr lang="en-ES" dirty="0"/>
+          </a:p>
+        </p:txBody>
+      </p:sp>
+    </p:spTree>
+    <p:extLst>
+      <p:ext uri="{BB962C8B-B14F-4D97-AF65-F5344CB8AC3E}">
+        <p14:creationId xmlns:p14="http://schemas.microsoft.com/office/powerpoint/2010/main" val="3599675025"/>
+      </p:ext>
+    </p:extLst>
+  </p:cSld>
+  <p:clrMapOvr>
+    <a:masterClrMapping/>
+  </p:clrMapOvr>
+</p:sld>
+</file>
+
+<file path=ppt/slides/slide12.xml><?xml version="1.0" encoding="utf-8"?>
+<p:sld xmlns:a="http://schemas.openxmlformats.org/drawingml/2006/main" xmlns:r="http://schemas.openxmlformats.org/officeDocument/2006/relationships" xmlns:p="http://schemas.openxmlformats.org/presentationml/2006/main">
+  <p:cSld>
+    <p:spTree>
+      <p:nvGrpSpPr>
+        <p:cNvPr id="1" name="">
+          <a:extLst>
+            <a:ext uri="{FF2B5EF4-FFF2-40B4-BE49-F238E27FC236}">
+              <a16:creationId xmlns:a16="http://schemas.microsoft.com/office/drawing/2014/main" id="{783C90B4-942F-BC6C-202B-5807F96D0784}"/>
+            </a:ext>
+          </a:extLst>
+        </p:cNvPr>
+        <p:cNvGrpSpPr/>
+        <p:nvPr/>
+      </p:nvGrpSpPr>
+      <p:grpSpPr>
+        <a:xfrm>
+          <a:off x="0" y="0"/>
+          <a:ext cx="0" cy="0"/>
+          <a:chOff x="0" y="0"/>
+          <a:chExt cx="0" cy="0"/>
+        </a:xfrm>
+      </p:grpSpPr>
+      <p:grpSp>
+        <p:nvGrpSpPr>
+          <p:cNvPr id="21" name="Group 20">
+            <a:extLst>
+              <a:ext uri="{FF2B5EF4-FFF2-40B4-BE49-F238E27FC236}">
+                <a16:creationId xmlns:a16="http://schemas.microsoft.com/office/drawing/2014/main" id="{01E9098B-4402-EFA1-A8E4-E0D5206EF738}"/>
+              </a:ext>
+            </a:extLst>
+          </p:cNvPr>
+          <p:cNvGrpSpPr/>
+          <p:nvPr/>
+        </p:nvGrpSpPr>
+        <p:grpSpPr>
+          <a:xfrm>
+            <a:off x="2499707" y="2673194"/>
+            <a:ext cx="878983" cy="677794"/>
+            <a:chOff x="2499707" y="2673194"/>
+            <a:chExt cx="878983" cy="677794"/>
+          </a:xfrm>
+        </p:grpSpPr>
+        <p:sp>
+          <p:nvSpPr>
+            <p:cNvPr id="4" name="TextBox 3">
+              <a:extLst>
+                <a:ext uri="{FF2B5EF4-FFF2-40B4-BE49-F238E27FC236}">
+                  <a16:creationId xmlns:a16="http://schemas.microsoft.com/office/drawing/2014/main" id="{BCAE3A28-0C83-B435-D5D9-8164278D6788}"/>
+                </a:ext>
+              </a:extLst>
+            </p:cNvPr>
+            <p:cNvSpPr txBox="1"/>
+            <p:nvPr/>
+          </p:nvSpPr>
+          <p:spPr>
+            <a:xfrm>
+              <a:off x="2504784" y="2766213"/>
+              <a:ext cx="873906" cy="584775"/>
+            </a:xfrm>
+            <a:prstGeom prst="rect">
+              <a:avLst/>
+            </a:prstGeom>
+            <a:noFill/>
+          </p:spPr>
+          <p:txBody>
+            <a:bodyPr wrap="square" rtlCol="0">
+              <a:spAutoFit/>
+            </a:bodyPr>
+            <a:lstStyle/>
+            <a:p>
+              <a:r>
+                <a:rPr lang="en-ES" sz="3200" dirty="0"/>
+                <a:t>m</a:t>
+              </a:r>
+              <a:r>
+                <a:rPr lang="en-ES" sz="3200" baseline="-25000" dirty="0"/>
+                <a:t>1</a:t>
+              </a:r>
+              <a:endParaRPr lang="en-ES" baseline="-25000" dirty="0"/>
+            </a:p>
+          </p:txBody>
+        </p:sp>
+        <p:sp>
+          <p:nvSpPr>
+            <p:cNvPr id="5" name="TextBox 4">
+              <a:extLst>
+                <a:ext uri="{FF2B5EF4-FFF2-40B4-BE49-F238E27FC236}">
+                  <a16:creationId xmlns:a16="http://schemas.microsoft.com/office/drawing/2014/main" id="{2231DB57-FF2F-EC89-8458-113127576B3C}"/>
+                </a:ext>
+              </a:extLst>
+            </p:cNvPr>
+            <p:cNvSpPr txBox="1"/>
+            <p:nvPr/>
+          </p:nvSpPr>
+          <p:spPr>
+            <a:xfrm>
+              <a:off x="2499707" y="2673194"/>
+              <a:ext cx="492443" cy="461665"/>
+            </a:xfrm>
+            <a:prstGeom prst="rect">
+              <a:avLst/>
+            </a:prstGeom>
+            <a:noFill/>
+          </p:spPr>
+          <p:txBody>
+            <a:bodyPr wrap="square" rtlCol="0">
+              <a:spAutoFit/>
+            </a:bodyPr>
+            <a:lstStyle/>
+            <a:p>
+              <a:r>
+                <a:rPr lang="en-ES" sz="2400" dirty="0"/>
+                <a:t>➝</a:t>
+              </a:r>
+            </a:p>
+          </p:txBody>
+        </p:sp>
+      </p:grpSp>
+      <p:grpSp>
+        <p:nvGrpSpPr>
+          <p:cNvPr id="15" name="Group 14">
+            <a:extLst>
+              <a:ext uri="{FF2B5EF4-FFF2-40B4-BE49-F238E27FC236}">
+                <a16:creationId xmlns:a16="http://schemas.microsoft.com/office/drawing/2014/main" id="{8EA514AE-BF2B-0183-13F6-FCFF8DEE1BFD}"/>
+              </a:ext>
+            </a:extLst>
+          </p:cNvPr>
+          <p:cNvGrpSpPr/>
+          <p:nvPr/>
+        </p:nvGrpSpPr>
+        <p:grpSpPr>
+          <a:xfrm>
+            <a:off x="3217292" y="3398640"/>
+            <a:ext cx="878985" cy="677796"/>
+            <a:chOff x="4982047" y="1023353"/>
+            <a:chExt cx="878985" cy="677796"/>
+          </a:xfrm>
+        </p:grpSpPr>
+        <p:sp>
+          <p:nvSpPr>
+            <p:cNvPr id="11" name="TextBox 10">
+              <a:extLst>
+                <a:ext uri="{FF2B5EF4-FFF2-40B4-BE49-F238E27FC236}">
+                  <a16:creationId xmlns:a16="http://schemas.microsoft.com/office/drawing/2014/main" id="{DAB77C36-811A-0C3E-0265-091A51249BE0}"/>
+                </a:ext>
+              </a:extLst>
+            </p:cNvPr>
+            <p:cNvSpPr txBox="1"/>
+            <p:nvPr/>
+          </p:nvSpPr>
+          <p:spPr>
+            <a:xfrm>
+              <a:off x="4987126" y="1116374"/>
+              <a:ext cx="873906" cy="584775"/>
+            </a:xfrm>
+            <a:prstGeom prst="rect">
+              <a:avLst/>
+            </a:prstGeom>
+            <a:noFill/>
+          </p:spPr>
+          <p:txBody>
+            <a:bodyPr wrap="square" rtlCol="0">
+              <a:spAutoFit/>
+            </a:bodyPr>
+            <a:lstStyle/>
+            <a:p>
+              <a:r>
+                <a:rPr lang="en-ES" sz="3200" dirty="0"/>
+                <a:t>m</a:t>
+              </a:r>
+              <a:r>
+                <a:rPr lang="en-ES" sz="3200" baseline="-25000" dirty="0"/>
+                <a:t>2</a:t>
+              </a:r>
+              <a:endParaRPr lang="en-ES" baseline="-25000" dirty="0"/>
+            </a:p>
+          </p:txBody>
+        </p:sp>
+        <p:sp>
+          <p:nvSpPr>
+            <p:cNvPr id="12" name="TextBox 11">
+              <a:extLst>
+                <a:ext uri="{FF2B5EF4-FFF2-40B4-BE49-F238E27FC236}">
+                  <a16:creationId xmlns:a16="http://schemas.microsoft.com/office/drawing/2014/main" id="{C11EE719-7C87-5EE8-C9FB-47D506BFEF35}"/>
+                </a:ext>
+              </a:extLst>
+            </p:cNvPr>
+            <p:cNvSpPr txBox="1"/>
+            <p:nvPr/>
+          </p:nvSpPr>
+          <p:spPr>
+            <a:xfrm>
+              <a:off x="4982047" y="1023353"/>
+              <a:ext cx="492443" cy="461665"/>
+            </a:xfrm>
+            <a:prstGeom prst="rect">
+              <a:avLst/>
+            </a:prstGeom>
+            <a:noFill/>
+          </p:spPr>
+          <p:txBody>
+            <a:bodyPr wrap="square" rtlCol="0">
+              <a:spAutoFit/>
+            </a:bodyPr>
+            <a:lstStyle/>
+            <a:p>
+              <a:r>
+                <a:rPr lang="en-ES" sz="2400" dirty="0"/>
+                <a:t>➝</a:t>
+              </a:r>
+            </a:p>
+          </p:txBody>
+        </p:sp>
+      </p:grpSp>
+      <p:cxnSp>
+        <p:nvCxnSpPr>
+          <p:cNvPr id="16" name="Straight Arrow Connector 15">
+            <a:extLst>
+              <a:ext uri="{FF2B5EF4-FFF2-40B4-BE49-F238E27FC236}">
+                <a16:creationId xmlns:a16="http://schemas.microsoft.com/office/drawing/2014/main" id="{381B98C3-A253-144B-4478-60BD4E599472}"/>
+              </a:ext>
+            </a:extLst>
+          </p:cNvPr>
+          <p:cNvCxnSpPr>
+            <a:cxnSpLocks/>
+          </p:cNvCxnSpPr>
+          <p:nvPr/>
+        </p:nvCxnSpPr>
+        <p:spPr>
+          <a:xfrm flipV="1">
+            <a:off x="2498318" y="1187744"/>
+            <a:ext cx="0" cy="2214218"/>
+          </a:xfrm>
+          <a:prstGeom prst="straightConnector1">
+            <a:avLst/>
+          </a:prstGeom>
+          <a:ln w="38100">
+            <a:tailEnd type="triangle"/>
+          </a:ln>
+        </p:spPr>
+        <p:style>
+          <a:lnRef idx="2">
+            <a:schemeClr val="accent1"/>
+          </a:lnRef>
+          <a:fillRef idx="0">
+            <a:schemeClr val="accent1"/>
+          </a:fillRef>
+          <a:effectRef idx="1">
+            <a:schemeClr val="accent1"/>
+          </a:effectRef>
+          <a:fontRef idx="minor">
+            <a:schemeClr val="tx1"/>
+          </a:fontRef>
+        </p:style>
+      </p:cxnSp>
+      <p:cxnSp>
+        <p:nvCxnSpPr>
+          <p:cNvPr id="17" name="Straight Arrow Connector 16">
+            <a:extLst>
+              <a:ext uri="{FF2B5EF4-FFF2-40B4-BE49-F238E27FC236}">
+                <a16:creationId xmlns:a16="http://schemas.microsoft.com/office/drawing/2014/main" id="{7AE021A7-41ED-1D59-BB61-425AC757F7DB}"/>
+              </a:ext>
+            </a:extLst>
+          </p:cNvPr>
+          <p:cNvCxnSpPr>
+            <a:cxnSpLocks/>
+          </p:cNvCxnSpPr>
+          <p:nvPr/>
+        </p:nvCxnSpPr>
+        <p:spPr>
+          <a:xfrm>
+            <a:off x="2487510" y="3393188"/>
+            <a:ext cx="3166038" cy="0"/>
+          </a:xfrm>
+          <a:prstGeom prst="straightConnector1">
+            <a:avLst/>
+          </a:prstGeom>
+          <a:ln w="38100">
+            <a:tailEnd type="triangle"/>
+          </a:ln>
+        </p:spPr>
+        <p:style>
+          <a:lnRef idx="2">
+            <a:schemeClr val="accent1"/>
+          </a:lnRef>
+          <a:fillRef idx="0">
+            <a:schemeClr val="accent1"/>
+          </a:fillRef>
+          <a:effectRef idx="1">
+            <a:schemeClr val="accent1"/>
+          </a:effectRef>
+          <a:fontRef idx="minor">
+            <a:schemeClr val="tx1"/>
+          </a:fontRef>
+        </p:style>
+      </p:cxnSp>
+      <p:sp>
+        <p:nvSpPr>
+          <p:cNvPr id="18" name="TextBox 17">
+            <a:extLst>
+              <a:ext uri="{FF2B5EF4-FFF2-40B4-BE49-F238E27FC236}">
+                <a16:creationId xmlns:a16="http://schemas.microsoft.com/office/drawing/2014/main" id="{A07B4E88-9B5B-B627-9215-67CD0A70FD89}"/>
+              </a:ext>
+            </a:extLst>
+          </p:cNvPr>
+          <p:cNvSpPr txBox="1"/>
+          <p:nvPr/>
+        </p:nvSpPr>
+        <p:spPr>
+          <a:xfrm>
+            <a:off x="5403064" y="3312625"/>
+            <a:ext cx="370614" cy="584775"/>
+          </a:xfrm>
+          <a:prstGeom prst="rect">
+            <a:avLst/>
+          </a:prstGeom>
+          <a:noFill/>
+        </p:spPr>
+        <p:txBody>
+          <a:bodyPr wrap="none" rtlCol="0">
+            <a:spAutoFit/>
+          </a:bodyPr>
+          <a:lstStyle/>
+          <a:p>
+            <a:r>
+              <a:rPr lang="en-ES" sz="3200" dirty="0"/>
+              <a:t>y</a:t>
+            </a:r>
+            <a:endParaRPr lang="en-ES" dirty="0"/>
+          </a:p>
+        </p:txBody>
+      </p:sp>
+      <p:sp>
+        <p:nvSpPr>
+          <p:cNvPr id="19" name="TextBox 18">
+            <a:extLst>
+              <a:ext uri="{FF2B5EF4-FFF2-40B4-BE49-F238E27FC236}">
+                <a16:creationId xmlns:a16="http://schemas.microsoft.com/office/drawing/2014/main" id="{B6E6751F-48A5-59D9-97A1-28596F817E9A}"/>
+              </a:ext>
+            </a:extLst>
+          </p:cNvPr>
+          <p:cNvSpPr txBox="1"/>
+          <p:nvPr/>
+        </p:nvSpPr>
+        <p:spPr>
+          <a:xfrm>
+            <a:off x="2130463" y="970268"/>
+            <a:ext cx="370614" cy="584775"/>
+          </a:xfrm>
+          <a:prstGeom prst="rect">
+            <a:avLst/>
+          </a:prstGeom>
+          <a:noFill/>
+        </p:spPr>
+        <p:txBody>
+          <a:bodyPr wrap="none" rtlCol="0">
+            <a:spAutoFit/>
+          </a:bodyPr>
+          <a:lstStyle/>
+          <a:p>
+            <a:r>
+              <a:rPr lang="en-ES" sz="3200" dirty="0"/>
+              <a:t>z</a:t>
+            </a:r>
+            <a:endParaRPr lang="en-ES" dirty="0"/>
+          </a:p>
+        </p:txBody>
+      </p:sp>
+      <p:grpSp>
+        <p:nvGrpSpPr>
+          <p:cNvPr id="14" name="Group 13">
+            <a:extLst>
+              <a:ext uri="{FF2B5EF4-FFF2-40B4-BE49-F238E27FC236}">
+                <a16:creationId xmlns:a16="http://schemas.microsoft.com/office/drawing/2014/main" id="{4FE66DF8-9B3F-AAD9-C90D-0C78474702F9}"/>
+              </a:ext>
+            </a:extLst>
+          </p:cNvPr>
+          <p:cNvGrpSpPr/>
+          <p:nvPr/>
+        </p:nvGrpSpPr>
+        <p:grpSpPr>
+          <a:xfrm rot="10800000">
+            <a:off x="3889232" y="3758721"/>
+            <a:ext cx="549966" cy="660737"/>
+            <a:chOff x="4690772" y="1211142"/>
+            <a:chExt cx="549966" cy="660737"/>
+          </a:xfrm>
+        </p:grpSpPr>
+        <p:sp>
+          <p:nvSpPr>
+            <p:cNvPr id="13" name="Arc 12">
+              <a:extLst>
+                <a:ext uri="{FF2B5EF4-FFF2-40B4-BE49-F238E27FC236}">
+                  <a16:creationId xmlns:a16="http://schemas.microsoft.com/office/drawing/2014/main" id="{B6DA7E1C-9804-ECD3-46A8-68886C8AF348}"/>
+                </a:ext>
+              </a:extLst>
+            </p:cNvPr>
+            <p:cNvSpPr/>
+            <p:nvPr/>
+          </p:nvSpPr>
+          <p:spPr>
+            <a:xfrm>
+              <a:off x="4690772" y="1620088"/>
+              <a:ext cx="549966" cy="251791"/>
+            </a:xfrm>
+            <a:prstGeom prst="arc">
+              <a:avLst>
+                <a:gd name="adj1" fmla="val 2758053"/>
+                <a:gd name="adj2" fmla="val 2720473"/>
+              </a:avLst>
+            </a:prstGeom>
+            <a:ln w="38100">
+              <a:solidFill>
+                <a:schemeClr val="tx1"/>
+              </a:solidFill>
+              <a:prstDash val="solid"/>
+              <a:headEnd type="arrow" w="med" len="med"/>
+              <a:tailEnd type="none" w="med" len="med"/>
+            </a:ln>
+          </p:spPr>
+          <p:style>
+            <a:lnRef idx="2">
+              <a:schemeClr val="accent1"/>
+            </a:lnRef>
+            <a:fillRef idx="0">
+              <a:schemeClr val="accent1"/>
+            </a:fillRef>
+            <a:effectRef idx="1">
+              <a:schemeClr val="accent1"/>
+            </a:effectRef>
+            <a:fontRef idx="minor">
+              <a:schemeClr val="tx1"/>
+            </a:fontRef>
+          </p:style>
+          <p:txBody>
+            <a:bodyPr rtlCol="0" anchor="ctr"/>
+            <a:lstStyle/>
+            <a:p>
+              <a:pPr algn="ctr"/>
+              <a:endParaRPr lang="en-ES" dirty="0"/>
+            </a:p>
+          </p:txBody>
+        </p:sp>
+        <p:cxnSp>
+          <p:nvCxnSpPr>
+            <p:cNvPr id="10" name="Straight Arrow Connector 9">
+              <a:extLst>
+                <a:ext uri="{FF2B5EF4-FFF2-40B4-BE49-F238E27FC236}">
+                  <a16:creationId xmlns:a16="http://schemas.microsoft.com/office/drawing/2014/main" id="{A1FCB5B3-41D6-E7C0-2449-9DAFE1A85005}"/>
+                </a:ext>
+              </a:extLst>
+            </p:cNvPr>
+            <p:cNvCxnSpPr>
+              <a:cxnSpLocks/>
+            </p:cNvCxnSpPr>
+            <p:nvPr/>
+          </p:nvCxnSpPr>
+          <p:spPr>
+            <a:xfrm flipV="1">
+              <a:off x="4963661" y="1211142"/>
+              <a:ext cx="0" cy="538612"/>
+            </a:xfrm>
+            <a:prstGeom prst="straightConnector1">
+              <a:avLst/>
+            </a:prstGeom>
+            <a:ln w="53975">
+              <a:solidFill>
+                <a:srgbClr val="C00000"/>
+              </a:solidFill>
+              <a:tailEnd type="triangle"/>
+            </a:ln>
+          </p:spPr>
+          <p:style>
+            <a:lnRef idx="2">
+              <a:schemeClr val="accent1"/>
+            </a:lnRef>
+            <a:fillRef idx="0">
+              <a:schemeClr val="accent1"/>
+            </a:fillRef>
+            <a:effectRef idx="1">
+              <a:schemeClr val="accent1"/>
+            </a:effectRef>
+            <a:fontRef idx="minor">
+              <a:schemeClr val="tx1"/>
+            </a:fontRef>
+          </p:style>
+        </p:cxnSp>
+      </p:grpSp>
+      <p:grpSp>
+        <p:nvGrpSpPr>
+          <p:cNvPr id="23" name="Group 22">
+            <a:extLst>
+              <a:ext uri="{FF2B5EF4-FFF2-40B4-BE49-F238E27FC236}">
+                <a16:creationId xmlns:a16="http://schemas.microsoft.com/office/drawing/2014/main" id="{A3845AE0-8DB7-C2DD-7E08-93DA231B27F5}"/>
+              </a:ext>
+            </a:extLst>
+          </p:cNvPr>
+          <p:cNvGrpSpPr/>
+          <p:nvPr/>
+        </p:nvGrpSpPr>
+        <p:grpSpPr>
+          <a:xfrm>
+            <a:off x="2222659" y="2849239"/>
+            <a:ext cx="549966" cy="660737"/>
+            <a:chOff x="4690772" y="1211142"/>
+            <a:chExt cx="549966" cy="660737"/>
+          </a:xfrm>
+        </p:grpSpPr>
+        <p:sp>
+          <p:nvSpPr>
+            <p:cNvPr id="24" name="Arc 23">
+              <a:extLst>
+                <a:ext uri="{FF2B5EF4-FFF2-40B4-BE49-F238E27FC236}">
+                  <a16:creationId xmlns:a16="http://schemas.microsoft.com/office/drawing/2014/main" id="{CAFA6C45-0C29-0CCE-2FE3-2D5C03B11D05}"/>
+                </a:ext>
+              </a:extLst>
+            </p:cNvPr>
+            <p:cNvSpPr/>
+            <p:nvPr/>
+          </p:nvSpPr>
+          <p:spPr>
+            <a:xfrm>
+              <a:off x="4690772" y="1620088"/>
+              <a:ext cx="549966" cy="251791"/>
+            </a:xfrm>
+            <a:prstGeom prst="arc">
+              <a:avLst>
+                <a:gd name="adj1" fmla="val 2758053"/>
+                <a:gd name="adj2" fmla="val 2720473"/>
+              </a:avLst>
+            </a:prstGeom>
+            <a:ln w="38100">
+              <a:solidFill>
+                <a:schemeClr val="tx1"/>
+              </a:solidFill>
+              <a:prstDash val="solid"/>
+              <a:headEnd type="arrow" w="med" len="med"/>
+              <a:tailEnd type="none" w="med" len="med"/>
+            </a:ln>
+          </p:spPr>
+          <p:style>
+            <a:lnRef idx="2">
+              <a:schemeClr val="accent1"/>
+            </a:lnRef>
+            <a:fillRef idx="0">
+              <a:schemeClr val="accent1"/>
+            </a:fillRef>
+            <a:effectRef idx="1">
+              <a:schemeClr val="accent1"/>
+            </a:effectRef>
+            <a:fontRef idx="minor">
+              <a:schemeClr val="tx1"/>
+            </a:fontRef>
+          </p:style>
+          <p:txBody>
+            <a:bodyPr rtlCol="0" anchor="ctr"/>
+            <a:lstStyle/>
+            <a:p>
+              <a:pPr algn="ctr"/>
+              <a:endParaRPr lang="en-ES" dirty="0"/>
+            </a:p>
+          </p:txBody>
+        </p:sp>
+        <p:cxnSp>
+          <p:nvCxnSpPr>
+            <p:cNvPr id="25" name="Straight Arrow Connector 24">
+              <a:extLst>
+                <a:ext uri="{FF2B5EF4-FFF2-40B4-BE49-F238E27FC236}">
+                  <a16:creationId xmlns:a16="http://schemas.microsoft.com/office/drawing/2014/main" id="{7767FADB-4121-F438-8478-A2998DE46EE3}"/>
+                </a:ext>
+              </a:extLst>
+            </p:cNvPr>
+            <p:cNvCxnSpPr>
+              <a:cxnSpLocks/>
+            </p:cNvCxnSpPr>
+            <p:nvPr/>
+          </p:nvCxnSpPr>
+          <p:spPr>
+            <a:xfrm flipV="1">
+              <a:off x="4963661" y="1211142"/>
+              <a:ext cx="0" cy="538612"/>
+            </a:xfrm>
+            <a:prstGeom prst="straightConnector1">
+              <a:avLst/>
+            </a:prstGeom>
+            <a:ln w="53975">
+              <a:solidFill>
+                <a:srgbClr val="C00000"/>
+              </a:solidFill>
+              <a:tailEnd type="triangle"/>
+            </a:ln>
+          </p:spPr>
+          <p:style>
+            <a:lnRef idx="2">
+              <a:schemeClr val="accent1"/>
+            </a:lnRef>
+            <a:fillRef idx="0">
+              <a:schemeClr val="accent1"/>
+            </a:fillRef>
+            <a:effectRef idx="1">
+              <a:schemeClr val="accent1"/>
+            </a:effectRef>
+            <a:fontRef idx="minor">
+              <a:schemeClr val="tx1"/>
+            </a:fontRef>
+          </p:style>
+        </p:cxnSp>
+      </p:grpSp>
+      <p:sp>
+        <p:nvSpPr>
+          <p:cNvPr id="26" name="Arc 25">
+            <a:extLst>
+              <a:ext uri="{FF2B5EF4-FFF2-40B4-BE49-F238E27FC236}">
+                <a16:creationId xmlns:a16="http://schemas.microsoft.com/office/drawing/2014/main" id="{3AF417C1-3332-DB48-0A0D-5787D156854E}"/>
+              </a:ext>
+            </a:extLst>
+          </p:cNvPr>
+          <p:cNvSpPr/>
+          <p:nvPr/>
+        </p:nvSpPr>
+        <p:spPr>
+          <a:xfrm rot="16200000" flipV="1">
+            <a:off x="3741175" y="3515030"/>
+            <a:ext cx="884903" cy="875070"/>
+          </a:xfrm>
+          <a:prstGeom prst="arc">
+            <a:avLst>
+              <a:gd name="adj1" fmla="val 7216346"/>
+              <a:gd name="adj2" fmla="val 10937819"/>
+            </a:avLst>
+          </a:prstGeom>
+          <a:ln w="38100">
+            <a:solidFill>
+              <a:schemeClr val="tx1"/>
+            </a:solidFill>
+            <a:prstDash val="sysDot"/>
+            <a:headEnd type="triangle"/>
+            <a:tailEnd type="none"/>
+          </a:ln>
+        </p:spPr>
+        <p:style>
+          <a:lnRef idx="2">
+            <a:schemeClr val="accent1"/>
+          </a:lnRef>
+          <a:fillRef idx="0">
+            <a:schemeClr val="accent1"/>
+          </a:fillRef>
+          <a:effectRef idx="1">
+            <a:schemeClr val="accent1"/>
+          </a:effectRef>
+          <a:fontRef idx="minor">
+            <a:schemeClr val="tx1"/>
+          </a:fontRef>
+        </p:style>
+        <p:txBody>
+          <a:bodyPr rtlCol="0" anchor="ctr"/>
+          <a:lstStyle/>
+          <a:p>
+            <a:pPr algn="ctr"/>
+            <a:endParaRPr lang="en-ES"/>
+          </a:p>
+        </p:txBody>
+      </p:sp>
+      <p:grpSp>
+        <p:nvGrpSpPr>
+          <p:cNvPr id="27" name="Group 26">
+            <a:extLst>
+              <a:ext uri="{FF2B5EF4-FFF2-40B4-BE49-F238E27FC236}">
+                <a16:creationId xmlns:a16="http://schemas.microsoft.com/office/drawing/2014/main" id="{BD074534-2B2A-7B9C-BADD-0E48ED560949}"/>
+              </a:ext>
+            </a:extLst>
+          </p:cNvPr>
+          <p:cNvGrpSpPr/>
+          <p:nvPr/>
+        </p:nvGrpSpPr>
+        <p:grpSpPr>
+          <a:xfrm>
+            <a:off x="3605842" y="4245968"/>
+            <a:ext cx="918312" cy="543739"/>
+            <a:chOff x="2499707" y="2648226"/>
+            <a:chExt cx="918312" cy="543739"/>
+          </a:xfrm>
+        </p:grpSpPr>
+        <p:sp>
+          <p:nvSpPr>
+            <p:cNvPr id="28" name="TextBox 27">
+              <a:extLst>
+                <a:ext uri="{FF2B5EF4-FFF2-40B4-BE49-F238E27FC236}">
+                  <a16:creationId xmlns:a16="http://schemas.microsoft.com/office/drawing/2014/main" id="{B7FA2F43-A54B-C9C0-6A75-238E7D5BA0F1}"/>
+                </a:ext>
+              </a:extLst>
+            </p:cNvPr>
+            <p:cNvSpPr txBox="1"/>
+            <p:nvPr/>
+          </p:nvSpPr>
+          <p:spPr>
+            <a:xfrm>
+              <a:off x="2544113" y="2648226"/>
+              <a:ext cx="873906" cy="543739"/>
+            </a:xfrm>
+            <a:prstGeom prst="rect">
+              <a:avLst/>
+            </a:prstGeom>
+            <a:noFill/>
+          </p:spPr>
+          <p:txBody>
+            <a:bodyPr wrap="square" rtlCol="0">
+              <a:spAutoFit/>
+            </a:bodyPr>
+            <a:lstStyle/>
+            <a:p>
+              <a:r>
+                <a:rPr lang="en-ES" sz="4400" baseline="-25000" dirty="0"/>
+                <a:t>𝝉</a:t>
+              </a:r>
+              <a:endParaRPr lang="en-ES" sz="2800" baseline="-25000" dirty="0"/>
+            </a:p>
+          </p:txBody>
+        </p:sp>
+        <p:sp>
+          <p:nvSpPr>
+            <p:cNvPr id="29" name="TextBox 28">
+              <a:extLst>
+                <a:ext uri="{FF2B5EF4-FFF2-40B4-BE49-F238E27FC236}">
+                  <a16:creationId xmlns:a16="http://schemas.microsoft.com/office/drawing/2014/main" id="{CF1F81F6-36FC-B9D5-E79F-4D71E3963A3A}"/>
+                </a:ext>
+              </a:extLst>
+            </p:cNvPr>
+            <p:cNvSpPr txBox="1"/>
+            <p:nvPr/>
+          </p:nvSpPr>
+          <p:spPr>
+            <a:xfrm>
+              <a:off x="2499707" y="2673194"/>
+              <a:ext cx="492443" cy="461665"/>
+            </a:xfrm>
+            <a:prstGeom prst="rect">
+              <a:avLst/>
+            </a:prstGeom>
+            <a:noFill/>
+          </p:spPr>
+          <p:txBody>
+            <a:bodyPr wrap="square" rtlCol="0">
+              <a:spAutoFit/>
+            </a:bodyPr>
+            <a:lstStyle/>
+            <a:p>
+              <a:r>
+                <a:rPr lang="en-ES" sz="2400" dirty="0"/>
+                <a:t>➝</a:t>
+              </a:r>
+            </a:p>
+          </p:txBody>
+        </p:sp>
+      </p:grpSp>
+    </p:spTree>
+    <p:extLst>
+      <p:ext uri="{BB962C8B-B14F-4D97-AF65-F5344CB8AC3E}">
+        <p14:creationId xmlns:p14="http://schemas.microsoft.com/office/powerpoint/2010/main" val="963963032"/>
+      </p:ext>
+    </p:extLst>
+  </p:cSld>
+  <p:clrMapOvr>
+    <a:masterClrMapping/>
+  </p:clrMapOvr>
+</p:sld>
+</file>
+
+<file path=ppt/slides/slide2.xml><?xml version="1.0" encoding="utf-8"?>
+<p:sld xmlns:a="http://schemas.openxmlformats.org/drawingml/2006/main" xmlns:r="http://schemas.openxmlformats.org/officeDocument/2006/relationships" xmlns:p="http://schemas.openxmlformats.org/presentationml/2006/main">
+  <p:cSld>
+    <p:spTree>
+      <p:nvGrpSpPr>
+        <p:cNvPr id="1" name="">
+          <a:extLst>
+            <a:ext uri="{FF2B5EF4-FFF2-40B4-BE49-F238E27FC236}">
+              <a16:creationId xmlns:a16="http://schemas.microsoft.com/office/drawing/2014/main" id="{69889FA4-94A3-0B27-13B3-33BBDF7E2BCC}"/>
+            </a:ext>
+          </a:extLst>
+        </p:cNvPr>
+        <p:cNvGrpSpPr/>
+        <p:nvPr/>
+      </p:nvGrpSpPr>
+      <p:grpSpPr>
+        <a:xfrm>
+          <a:off x="0" y="0"/>
+          <a:ext cx="0" cy="0"/>
+          <a:chOff x="0" y="0"/>
+          <a:chExt cx="0" cy="0"/>
+        </a:xfrm>
+      </p:grpSpPr>
+      <p:cxnSp>
+        <p:nvCxnSpPr>
+          <p:cNvPr id="5" name="Straight Arrow Connector 4">
+            <a:extLst>
+              <a:ext uri="{FF2B5EF4-FFF2-40B4-BE49-F238E27FC236}">
+                <a16:creationId xmlns:a16="http://schemas.microsoft.com/office/drawing/2014/main" id="{7E0536D3-1CA6-04A9-A9F7-3EDD86528ECA}"/>
+              </a:ext>
+            </a:extLst>
+          </p:cNvPr>
+          <p:cNvCxnSpPr/>
+          <p:nvPr/>
+        </p:nvCxnSpPr>
+        <p:spPr>
+          <a:xfrm>
+            <a:off x="1728788" y="3371850"/>
+            <a:ext cx="8186737" cy="0"/>
+          </a:xfrm>
+          <a:prstGeom prst="straightConnector1">
+            <a:avLst/>
+          </a:prstGeom>
+          <a:ln w="38100">
+            <a:tailEnd type="triangle"/>
+          </a:ln>
+        </p:spPr>
+        <p:style>
+          <a:lnRef idx="2">
+            <a:schemeClr val="accent1"/>
+          </a:lnRef>
+          <a:fillRef idx="0">
+            <a:schemeClr val="accent1"/>
+          </a:fillRef>
+          <a:effectRef idx="1">
+            <a:schemeClr val="accent1"/>
+          </a:effectRef>
+          <a:fontRef idx="minor">
+            <a:schemeClr val="tx1"/>
+          </a:fontRef>
+        </p:style>
+      </p:cxnSp>
+      <p:sp>
+        <p:nvSpPr>
+          <p:cNvPr id="6" name="Oval 5">
+            <a:extLst>
+              <a:ext uri="{FF2B5EF4-FFF2-40B4-BE49-F238E27FC236}">
+                <a16:creationId xmlns:a16="http://schemas.microsoft.com/office/drawing/2014/main" id="{416352B9-0278-A5DB-7E2B-73367F043221}"/>
+              </a:ext>
+            </a:extLst>
+          </p:cNvPr>
+          <p:cNvSpPr/>
+          <p:nvPr/>
+        </p:nvSpPr>
+        <p:spPr>
+          <a:xfrm>
+            <a:off x="3598223" y="3277590"/>
+            <a:ext cx="166255" cy="178129"/>
+          </a:xfrm>
+          <a:prstGeom prst="ellipse">
+            <a:avLst/>
+          </a:prstGeom>
+        </p:spPr>
+        <p:style>
+          <a:lnRef idx="2">
+            <a:schemeClr val="accent1">
+              <a:shade val="15000"/>
+            </a:schemeClr>
+          </a:lnRef>
+          <a:fillRef idx="1">
+            <a:schemeClr val="accent1"/>
+          </a:fillRef>
+          <a:effectRef idx="0">
+            <a:schemeClr val="accent1"/>
+          </a:effectRef>
+          <a:fontRef idx="minor">
+            <a:schemeClr val="lt1"/>
+          </a:fontRef>
+        </p:style>
+        <p:txBody>
+          <a:bodyPr rtlCol="0" anchor="ctr"/>
+          <a:lstStyle/>
+          <a:p>
+            <a:pPr algn="ctr"/>
+            <a:endParaRPr lang="en-ES"/>
+          </a:p>
+        </p:txBody>
+      </p:sp>
+      <p:sp>
+        <p:nvSpPr>
+          <p:cNvPr id="7" name="TextBox 6">
+            <a:extLst>
+              <a:ext uri="{FF2B5EF4-FFF2-40B4-BE49-F238E27FC236}">
+                <a16:creationId xmlns:a16="http://schemas.microsoft.com/office/drawing/2014/main" id="{5AF0CA74-BFEF-38AC-32B2-CC690677145D}"/>
+              </a:ext>
+            </a:extLst>
+          </p:cNvPr>
+          <p:cNvSpPr txBox="1"/>
+          <p:nvPr/>
+        </p:nvSpPr>
+        <p:spPr>
+          <a:xfrm>
+            <a:off x="3313216" y="2766954"/>
+            <a:ext cx="486030" cy="584775"/>
+          </a:xfrm>
+          <a:prstGeom prst="rect">
+            <a:avLst/>
+          </a:prstGeom>
+          <a:noFill/>
+        </p:spPr>
+        <p:txBody>
+          <a:bodyPr wrap="none" rtlCol="0">
+            <a:spAutoFit/>
+          </a:bodyPr>
+          <a:lstStyle/>
+          <a:p>
+            <a:r>
+              <a:rPr lang="en-ES" sz="3200" dirty="0"/>
+              <a:t>Q</a:t>
+            </a:r>
+            <a:endParaRPr lang="en-ES" dirty="0"/>
+          </a:p>
+        </p:txBody>
+      </p:sp>
+      <p:sp>
+        <p:nvSpPr>
+          <p:cNvPr id="8" name="Oval 7">
+            <a:extLst>
+              <a:ext uri="{FF2B5EF4-FFF2-40B4-BE49-F238E27FC236}">
+                <a16:creationId xmlns:a16="http://schemas.microsoft.com/office/drawing/2014/main" id="{A174AE03-9BBD-DE77-305D-830E5C607F80}"/>
+              </a:ext>
+            </a:extLst>
+          </p:cNvPr>
+          <p:cNvSpPr/>
+          <p:nvPr/>
+        </p:nvSpPr>
+        <p:spPr>
+          <a:xfrm>
+            <a:off x="2303811" y="2006930"/>
+            <a:ext cx="2743200" cy="2743200"/>
+          </a:xfrm>
+          <a:prstGeom prst="ellipse">
+            <a:avLst/>
+          </a:prstGeom>
+          <a:noFill/>
+          <a:ln w="38100" cap="flat" cmpd="sng" algn="ctr">
+            <a:solidFill>
+              <a:srgbClr val="FF0000"/>
+            </a:solidFill>
+            <a:prstDash val="dash"/>
+            <a:round/>
+            <a:headEnd type="none" w="med" len="med"/>
+            <a:tailEnd type="none" w="med" len="med"/>
+          </a:ln>
+        </p:spPr>
+        <p:style>
+          <a:lnRef idx="0">
+            <a:scrgbClr r="0" g="0" b="0"/>
+          </a:lnRef>
+          <a:fillRef idx="0">
+            <a:scrgbClr r="0" g="0" b="0"/>
+          </a:fillRef>
+          <a:effectRef idx="0">
+            <a:scrgbClr r="0" g="0" b="0"/>
+          </a:effectRef>
+          <a:fontRef idx="minor">
+            <a:schemeClr val="dk1"/>
+          </a:fontRef>
+        </p:style>
+        <p:txBody>
+          <a:bodyPr rtlCol="0" anchor="ctr"/>
+          <a:lstStyle/>
+          <a:p>
+            <a:pPr algn="ctr"/>
+            <a:endParaRPr lang="en-ES"/>
+          </a:p>
+        </p:txBody>
+      </p:sp>
+      <p:sp>
+        <p:nvSpPr>
+          <p:cNvPr id="9" name="Oval 8">
+            <a:extLst>
+              <a:ext uri="{FF2B5EF4-FFF2-40B4-BE49-F238E27FC236}">
+                <a16:creationId xmlns:a16="http://schemas.microsoft.com/office/drawing/2014/main" id="{879E03BB-97C3-D26E-879C-39903F779F46}"/>
+              </a:ext>
+            </a:extLst>
+          </p:cNvPr>
+          <p:cNvSpPr/>
+          <p:nvPr/>
+        </p:nvSpPr>
+        <p:spPr>
+          <a:xfrm>
+            <a:off x="8393875" y="3275611"/>
+            <a:ext cx="166255" cy="178129"/>
+          </a:xfrm>
+          <a:prstGeom prst="ellipse">
+            <a:avLst/>
+          </a:prstGeom>
+        </p:spPr>
+        <p:style>
+          <a:lnRef idx="2">
+            <a:schemeClr val="accent1">
+              <a:shade val="15000"/>
+            </a:schemeClr>
+          </a:lnRef>
+          <a:fillRef idx="1">
+            <a:schemeClr val="accent1"/>
+          </a:fillRef>
+          <a:effectRef idx="0">
+            <a:schemeClr val="accent1"/>
+          </a:effectRef>
+          <a:fontRef idx="minor">
+            <a:schemeClr val="lt1"/>
+          </a:fontRef>
+        </p:style>
+        <p:txBody>
+          <a:bodyPr rtlCol="0" anchor="ctr"/>
+          <a:lstStyle/>
+          <a:p>
+            <a:pPr algn="ctr"/>
+            <a:endParaRPr lang="en-ES"/>
+          </a:p>
+        </p:txBody>
+      </p:sp>
+      <p:sp>
+        <p:nvSpPr>
+          <p:cNvPr id="10" name="TextBox 9">
+            <a:extLst>
+              <a:ext uri="{FF2B5EF4-FFF2-40B4-BE49-F238E27FC236}">
+                <a16:creationId xmlns:a16="http://schemas.microsoft.com/office/drawing/2014/main" id="{3E74B357-6356-AE37-B2C0-120DD01583F3}"/>
+              </a:ext>
+            </a:extLst>
+          </p:cNvPr>
+          <p:cNvSpPr txBox="1"/>
+          <p:nvPr/>
+        </p:nvSpPr>
+        <p:spPr>
+          <a:xfrm>
+            <a:off x="8455233" y="2731320"/>
+            <a:ext cx="415498" cy="584775"/>
+          </a:xfrm>
+          <a:prstGeom prst="rect">
+            <a:avLst/>
+          </a:prstGeom>
+          <a:noFill/>
+        </p:spPr>
+        <p:txBody>
+          <a:bodyPr wrap="none" rtlCol="0">
+            <a:spAutoFit/>
+          </a:bodyPr>
+          <a:lstStyle/>
+          <a:p>
+            <a:r>
+              <a:rPr lang="en-ES" sz="3200" dirty="0"/>
+              <a:t>q</a:t>
+            </a:r>
+            <a:endParaRPr lang="en-ES" dirty="0"/>
+          </a:p>
+        </p:txBody>
+      </p:sp>
+      <p:sp>
+        <p:nvSpPr>
+          <p:cNvPr id="11" name="Oval 10">
+            <a:extLst>
+              <a:ext uri="{FF2B5EF4-FFF2-40B4-BE49-F238E27FC236}">
+                <a16:creationId xmlns:a16="http://schemas.microsoft.com/office/drawing/2014/main" id="{C76BFBD9-26ED-C71D-2CB5-DB4FCD8EC4C2}"/>
+              </a:ext>
+            </a:extLst>
+          </p:cNvPr>
+          <p:cNvSpPr/>
+          <p:nvPr/>
+        </p:nvSpPr>
+        <p:spPr>
+          <a:xfrm>
+            <a:off x="4342410" y="3273631"/>
+            <a:ext cx="166255" cy="178129"/>
+          </a:xfrm>
+          <a:prstGeom prst="ellipse">
+            <a:avLst/>
+          </a:prstGeom>
+        </p:spPr>
+        <p:style>
+          <a:lnRef idx="2">
+            <a:schemeClr val="accent1">
+              <a:shade val="15000"/>
+            </a:schemeClr>
+          </a:lnRef>
+          <a:fillRef idx="1">
+            <a:schemeClr val="accent1"/>
+          </a:fillRef>
+          <a:effectRef idx="0">
+            <a:schemeClr val="accent1"/>
+          </a:effectRef>
+          <a:fontRef idx="minor">
+            <a:schemeClr val="lt1"/>
+          </a:fontRef>
+        </p:style>
+        <p:txBody>
+          <a:bodyPr rtlCol="0" anchor="ctr"/>
+          <a:lstStyle/>
+          <a:p>
+            <a:pPr algn="ctr"/>
+            <a:endParaRPr lang="en-ES"/>
+          </a:p>
+        </p:txBody>
+      </p:sp>
+      <p:sp>
+        <p:nvSpPr>
+          <p:cNvPr id="12" name="TextBox 11">
+            <a:extLst>
+              <a:ext uri="{FF2B5EF4-FFF2-40B4-BE49-F238E27FC236}">
+                <a16:creationId xmlns:a16="http://schemas.microsoft.com/office/drawing/2014/main" id="{53A5E995-2486-8581-86D1-86DFCE887A52}"/>
+              </a:ext>
+            </a:extLst>
+          </p:cNvPr>
+          <p:cNvSpPr txBox="1"/>
+          <p:nvPr/>
+        </p:nvSpPr>
+        <p:spPr>
+          <a:xfrm>
+            <a:off x="4391893" y="2729340"/>
+            <a:ext cx="502061" cy="584775"/>
+          </a:xfrm>
+          <a:prstGeom prst="rect">
+            <a:avLst/>
+          </a:prstGeom>
+          <a:noFill/>
+        </p:spPr>
+        <p:txBody>
+          <a:bodyPr wrap="none" rtlCol="0">
+            <a:spAutoFit/>
+          </a:bodyPr>
+          <a:lstStyle/>
+          <a:p>
+            <a:r>
+              <a:rPr lang="en-GB" sz="3200" dirty="0"/>
+              <a:t>q</a:t>
+            </a:r>
+            <a:r>
+              <a:rPr lang="en-ES" sz="3200" dirty="0"/>
+              <a:t>'</a:t>
+            </a:r>
+            <a:endParaRPr lang="en-ES" dirty="0"/>
+          </a:p>
+        </p:txBody>
+      </p:sp>
+      <p:sp>
+        <p:nvSpPr>
+          <p:cNvPr id="13" name="Left Bracket 12">
+            <a:extLst>
+              <a:ext uri="{FF2B5EF4-FFF2-40B4-BE49-F238E27FC236}">
+                <a16:creationId xmlns:a16="http://schemas.microsoft.com/office/drawing/2014/main" id="{901B6797-B2C5-8CC6-E87F-12A34EC8C021}"/>
+              </a:ext>
+            </a:extLst>
+          </p:cNvPr>
+          <p:cNvSpPr/>
+          <p:nvPr/>
+        </p:nvSpPr>
+        <p:spPr>
+          <a:xfrm rot="16200000">
+            <a:off x="6026728" y="2998519"/>
+            <a:ext cx="166255" cy="4809509"/>
+          </a:xfrm>
+          <a:prstGeom prst="leftBracket">
+            <a:avLst/>
+          </a:prstGeom>
+          <a:ln w="38100"/>
+        </p:spPr>
+        <p:style>
+          <a:lnRef idx="2">
+            <a:schemeClr val="accent1"/>
+          </a:lnRef>
+          <a:fillRef idx="0">
+            <a:schemeClr val="accent1"/>
+          </a:fillRef>
+          <a:effectRef idx="1">
+            <a:schemeClr val="accent1"/>
+          </a:effectRef>
+          <a:fontRef idx="minor">
+            <a:schemeClr val="tx1"/>
+          </a:fontRef>
+        </p:style>
+        <p:txBody>
+          <a:bodyPr rtlCol="0" anchor="ctr"/>
+          <a:lstStyle/>
+          <a:p>
+            <a:pPr algn="ctr"/>
+            <a:endParaRPr lang="en-ES" dirty="0"/>
+          </a:p>
+        </p:txBody>
+      </p:sp>
+      <p:sp>
+        <p:nvSpPr>
+          <p:cNvPr id="14" name="Left Bracket 13">
+            <a:extLst>
+              <a:ext uri="{FF2B5EF4-FFF2-40B4-BE49-F238E27FC236}">
+                <a16:creationId xmlns:a16="http://schemas.microsoft.com/office/drawing/2014/main" id="{B928EA57-D132-F49F-B3BC-E198CA32CF39}"/>
+              </a:ext>
+            </a:extLst>
+          </p:cNvPr>
+          <p:cNvSpPr/>
+          <p:nvPr/>
+        </p:nvSpPr>
+        <p:spPr>
+          <a:xfrm rot="16200000">
+            <a:off x="4273138" y="4213760"/>
+            <a:ext cx="168235" cy="1332018"/>
+          </a:xfrm>
+          <a:prstGeom prst="leftBracket">
+            <a:avLst/>
+          </a:prstGeom>
+          <a:ln w="38100"/>
+        </p:spPr>
+        <p:style>
+          <a:lnRef idx="2">
+            <a:schemeClr val="accent1"/>
+          </a:lnRef>
+          <a:fillRef idx="0">
+            <a:schemeClr val="accent1"/>
+          </a:fillRef>
+          <a:effectRef idx="1">
+            <a:schemeClr val="accent1"/>
+          </a:effectRef>
+          <a:fontRef idx="minor">
+            <a:schemeClr val="tx1"/>
+          </a:fontRef>
+        </p:style>
+        <p:txBody>
+          <a:bodyPr rtlCol="0" anchor="ctr"/>
+          <a:lstStyle/>
+          <a:p>
+            <a:pPr algn="ctr"/>
+            <a:endParaRPr lang="en-ES" dirty="0"/>
+          </a:p>
+        </p:txBody>
+      </p:sp>
+      <p:sp>
+        <p:nvSpPr>
+          <p:cNvPr id="15" name="Left Bracket 14">
+            <a:extLst>
+              <a:ext uri="{FF2B5EF4-FFF2-40B4-BE49-F238E27FC236}">
+                <a16:creationId xmlns:a16="http://schemas.microsoft.com/office/drawing/2014/main" id="{5FAB0A46-6D9D-CA8F-EFDF-C21BF408A283}"/>
+              </a:ext>
+            </a:extLst>
+          </p:cNvPr>
+          <p:cNvSpPr/>
+          <p:nvPr/>
+        </p:nvSpPr>
+        <p:spPr>
+          <a:xfrm rot="16200000">
+            <a:off x="3980215" y="3422070"/>
+            <a:ext cx="191984" cy="797627"/>
+          </a:xfrm>
+          <a:prstGeom prst="leftBracket">
+            <a:avLst/>
+          </a:prstGeom>
+          <a:ln w="38100"/>
+        </p:spPr>
+        <p:style>
+          <a:lnRef idx="2">
+            <a:schemeClr val="accent1"/>
+          </a:lnRef>
+          <a:fillRef idx="0">
+            <a:schemeClr val="accent1"/>
+          </a:fillRef>
+          <a:effectRef idx="1">
+            <a:schemeClr val="accent1"/>
+          </a:effectRef>
+          <a:fontRef idx="minor">
+            <a:schemeClr val="tx1"/>
+          </a:fontRef>
+        </p:style>
+        <p:txBody>
+          <a:bodyPr rtlCol="0" anchor="ctr"/>
+          <a:lstStyle/>
+          <a:p>
+            <a:pPr algn="ctr"/>
+            <a:endParaRPr lang="en-ES" dirty="0"/>
+          </a:p>
+        </p:txBody>
+      </p:sp>
+      <p:sp>
+        <p:nvSpPr>
+          <p:cNvPr id="16" name="TextBox 15">
+            <a:extLst>
+              <a:ext uri="{FF2B5EF4-FFF2-40B4-BE49-F238E27FC236}">
+                <a16:creationId xmlns:a16="http://schemas.microsoft.com/office/drawing/2014/main" id="{C903BB8F-207F-59E8-D0E1-6FD5922AC969}"/>
+              </a:ext>
+            </a:extLst>
+          </p:cNvPr>
+          <p:cNvSpPr txBox="1"/>
+          <p:nvPr/>
+        </p:nvSpPr>
+        <p:spPr>
+          <a:xfrm>
+            <a:off x="5864433" y="5413165"/>
+            <a:ext cx="415498" cy="584775"/>
+          </a:xfrm>
+          <a:prstGeom prst="rect">
+            <a:avLst/>
+          </a:prstGeom>
+          <a:noFill/>
+        </p:spPr>
+        <p:txBody>
+          <a:bodyPr wrap="none" rtlCol="0">
+            <a:spAutoFit/>
+          </a:bodyPr>
+          <a:lstStyle/>
+          <a:p>
+            <a:r>
+              <a:rPr lang="en-ES" sz="3200" dirty="0"/>
+              <a:t>d</a:t>
+            </a:r>
+            <a:endParaRPr lang="en-ES" dirty="0"/>
+          </a:p>
+        </p:txBody>
+      </p:sp>
+      <p:sp>
+        <p:nvSpPr>
+          <p:cNvPr id="17" name="TextBox 16">
+            <a:extLst>
+              <a:ext uri="{FF2B5EF4-FFF2-40B4-BE49-F238E27FC236}">
+                <a16:creationId xmlns:a16="http://schemas.microsoft.com/office/drawing/2014/main" id="{A229CB29-F312-EFA2-D2C7-F9B5ACD79377}"/>
+              </a:ext>
+            </a:extLst>
+          </p:cNvPr>
+          <p:cNvSpPr txBox="1"/>
+          <p:nvPr/>
+        </p:nvSpPr>
+        <p:spPr>
+          <a:xfrm>
+            <a:off x="3831773" y="3831768"/>
+            <a:ext cx="502061" cy="584775"/>
+          </a:xfrm>
+          <a:prstGeom prst="rect">
+            <a:avLst/>
+          </a:prstGeom>
+          <a:noFill/>
+        </p:spPr>
+        <p:txBody>
+          <a:bodyPr wrap="none" rtlCol="0">
+            <a:spAutoFit/>
+          </a:bodyPr>
+          <a:lstStyle/>
+          <a:p>
+            <a:r>
+              <a:rPr lang="en-ES" sz="3200" dirty="0"/>
+              <a:t>d'</a:t>
+            </a:r>
+          </a:p>
+        </p:txBody>
+      </p:sp>
+      <p:sp>
+        <p:nvSpPr>
+          <p:cNvPr id="18" name="TextBox 17">
+            <a:extLst>
+              <a:ext uri="{FF2B5EF4-FFF2-40B4-BE49-F238E27FC236}">
+                <a16:creationId xmlns:a16="http://schemas.microsoft.com/office/drawing/2014/main" id="{6A737DBC-C0D2-970A-B1F1-C5B5510F22B2}"/>
+              </a:ext>
+            </a:extLst>
+          </p:cNvPr>
+          <p:cNvSpPr txBox="1"/>
+          <p:nvPr/>
+        </p:nvSpPr>
+        <p:spPr>
+          <a:xfrm>
+            <a:off x="4176158" y="4805544"/>
+            <a:ext cx="402674" cy="584775"/>
+          </a:xfrm>
+          <a:prstGeom prst="rect">
+            <a:avLst/>
+          </a:prstGeom>
+          <a:noFill/>
+        </p:spPr>
+        <p:txBody>
+          <a:bodyPr wrap="none" rtlCol="0">
+            <a:spAutoFit/>
+          </a:bodyPr>
+          <a:lstStyle/>
+          <a:p>
+            <a:r>
+              <a:rPr lang="en-ES" sz="3200" dirty="0"/>
+              <a:t>a</a:t>
+            </a:r>
+            <a:endParaRPr lang="en-ES" dirty="0"/>
+          </a:p>
+        </p:txBody>
+      </p:sp>
+      <p:sp>
+        <p:nvSpPr>
+          <p:cNvPr id="2" name="TextBox 1">
+            <a:extLst>
+              <a:ext uri="{FF2B5EF4-FFF2-40B4-BE49-F238E27FC236}">
+                <a16:creationId xmlns:a16="http://schemas.microsoft.com/office/drawing/2014/main" id="{063B39E7-D5F1-0552-DD13-B087F95D5B30}"/>
+              </a:ext>
+            </a:extLst>
+          </p:cNvPr>
+          <p:cNvSpPr txBox="1"/>
+          <p:nvPr/>
+        </p:nvSpPr>
+        <p:spPr>
+          <a:xfrm>
+            <a:off x="2551216" y="1731821"/>
+            <a:ext cx="425116" cy="584775"/>
+          </a:xfrm>
+          <a:prstGeom prst="rect">
+            <a:avLst/>
+          </a:prstGeom>
+          <a:noFill/>
+        </p:spPr>
+        <p:txBody>
+          <a:bodyPr wrap="none" rtlCol="0">
+            <a:spAutoFit/>
+          </a:bodyPr>
+          <a:lstStyle/>
+          <a:p>
+            <a:r>
+              <a:rPr lang="en-ES" sz="3200" dirty="0"/>
+              <a:t>V</a:t>
+            </a:r>
+            <a:endParaRPr lang="en-ES" dirty="0"/>
+          </a:p>
+        </p:txBody>
+      </p:sp>
+    </p:spTree>
+    <p:extLst>
+      <p:ext uri="{BB962C8B-B14F-4D97-AF65-F5344CB8AC3E}">
+        <p14:creationId xmlns:p14="http://schemas.microsoft.com/office/powerpoint/2010/main" val="2209225578"/>
+      </p:ext>
+    </p:extLst>
+  </p:cSld>
+  <p:clrMapOvr>
+    <a:masterClrMapping/>
+  </p:clrMapOvr>
+</p:sld>
+</file>
+
+<file path=ppt/slides/slide3.xml><?xml version="1.0" encoding="utf-8"?>
+<p:sld xmlns:a="http://schemas.openxmlformats.org/drawingml/2006/main" xmlns:r="http://schemas.openxmlformats.org/officeDocument/2006/relationships" xmlns:p="http://schemas.openxmlformats.org/presentationml/2006/main">
+  <p:cSld>
+    <p:spTree>
+      <p:nvGrpSpPr>
+        <p:cNvPr id="1" name=""/>
+        <p:cNvGrpSpPr/>
+        <p:nvPr/>
+      </p:nvGrpSpPr>
+      <p:grpSpPr>
+        <a:xfrm>
+          <a:off x="0" y="0"/>
+          <a:ext cx="0" cy="0"/>
+          <a:chOff x="0" y="0"/>
+          <a:chExt cx="0" cy="0"/>
+        </a:xfrm>
+      </p:grpSpPr>
       <p:sp>
         <p:nvSpPr>
           <p:cNvPr id="2" name="Oval 1">
@@ -4625,7 +7588,7 @@
 </p:sld>
 </file>
 
-<file path=ppt/slides/slide3.xml><?xml version="1.0" encoding="utf-8"?>
+<file path=ppt/slides/slide4.xml><?xml version="1.0" encoding="utf-8"?>
 <p:sld xmlns:a="http://schemas.openxmlformats.org/drawingml/2006/main" xmlns:r="http://schemas.openxmlformats.org/officeDocument/2006/relationships" xmlns:p="http://schemas.openxmlformats.org/presentationml/2006/main">
   <p:cSld>
     <p:spTree>
@@ -5825,7 +8788,7 @@
 </p:sld>
 </file>
 
-<file path=ppt/slides/slide4.xml><?xml version="1.0" encoding="utf-8"?>
+<file path=ppt/slides/slide5.xml><?xml version="1.0" encoding="utf-8"?>
 <p:sld xmlns:a="http://schemas.openxmlformats.org/drawingml/2006/main" xmlns:r="http://schemas.openxmlformats.org/officeDocument/2006/relationships" xmlns:p="http://schemas.openxmlformats.org/presentationml/2006/main">
   <p:cSld>
     <p:spTree>
@@ -6938,7 +9901,7 @@
 </p:sld>
 </file>
 
-<file path=ppt/slides/slide5.xml><?xml version="1.0" encoding="utf-8"?>
+<file path=ppt/slides/slide6.xml><?xml version="1.0" encoding="utf-8"?>
 <p:sld xmlns:a="http://schemas.openxmlformats.org/drawingml/2006/main" xmlns:r="http://schemas.openxmlformats.org/officeDocument/2006/relationships" xmlns:p="http://schemas.openxmlformats.org/presentationml/2006/main">
   <p:cSld>
     <p:spTree>
@@ -7304,7 +10267,7 @@
 </p:sld>
 </file>
 
-<file path=ppt/slides/slide6.xml><?xml version="1.0" encoding="utf-8"?>
+<file path=ppt/slides/slide7.xml><?xml version="1.0" encoding="utf-8"?>
 <p:sld xmlns:a="http://schemas.openxmlformats.org/drawingml/2006/main" xmlns:r="http://schemas.openxmlformats.org/officeDocument/2006/relationships" xmlns:p="http://schemas.openxmlformats.org/presentationml/2006/main">
   <p:cSld>
     <p:spTree>
@@ -7987,7 +10950,7 @@
 </p:sld>
 </file>
 
-<file path=ppt/slides/slide7.xml><?xml version="1.0" encoding="utf-8"?>
+<file path=ppt/slides/slide8.xml><?xml version="1.0" encoding="utf-8"?>
 <p:sld xmlns:a="http://schemas.openxmlformats.org/drawingml/2006/main" xmlns:r="http://schemas.openxmlformats.org/officeDocument/2006/relationships" xmlns:p="http://schemas.openxmlformats.org/presentationml/2006/main">
   <p:cSld>
     <p:spTree>
@@ -9029,6 +11992,1019 @@
     <p:extLst>
       <p:ext uri="{BB962C8B-B14F-4D97-AF65-F5344CB8AC3E}">
         <p14:creationId xmlns:p14="http://schemas.microsoft.com/office/powerpoint/2010/main" val="2737878607"/>
+      </p:ext>
+    </p:extLst>
+  </p:cSld>
+  <p:clrMapOvr>
+    <a:masterClrMapping/>
+  </p:clrMapOvr>
+</p:sld>
+</file>
+
+<file path=ppt/slides/slide9.xml><?xml version="1.0" encoding="utf-8"?>
+<p:sld xmlns:a="http://schemas.openxmlformats.org/drawingml/2006/main" xmlns:r="http://schemas.openxmlformats.org/officeDocument/2006/relationships" xmlns:p="http://schemas.openxmlformats.org/presentationml/2006/main">
+  <p:cSld>
+    <p:spTree>
+      <p:nvGrpSpPr>
+        <p:cNvPr id="1" name=""/>
+        <p:cNvGrpSpPr/>
+        <p:nvPr/>
+      </p:nvGrpSpPr>
+      <p:grpSpPr>
+        <a:xfrm>
+          <a:off x="0" y="0"/>
+          <a:ext cx="0" cy="0"/>
+          <a:chOff x="0" y="0"/>
+          <a:chExt cx="0" cy="0"/>
+        </a:xfrm>
+      </p:grpSpPr>
+      <p:sp>
+        <p:nvSpPr>
+          <p:cNvPr id="22" name="Can 21">
+            <a:extLst>
+              <a:ext uri="{FF2B5EF4-FFF2-40B4-BE49-F238E27FC236}">
+                <a16:creationId xmlns:a16="http://schemas.microsoft.com/office/drawing/2014/main" id="{80B3E943-445B-F936-12D0-D3FAD8707844}"/>
+              </a:ext>
+            </a:extLst>
+          </p:cNvPr>
+          <p:cNvSpPr/>
+          <p:nvPr/>
+        </p:nvSpPr>
+        <p:spPr>
+          <a:xfrm>
+            <a:off x="2630920" y="1732530"/>
+            <a:ext cx="1816924" cy="3666321"/>
+          </a:xfrm>
+          <a:prstGeom prst="can">
+            <a:avLst/>
+          </a:prstGeom>
+          <a:gradFill flip="none" rotWithShape="1">
+            <a:gsLst>
+              <a:gs pos="0">
+                <a:schemeClr val="accent1">
+                  <a:lumMod val="5000"/>
+                  <a:lumOff val="95000"/>
+                </a:schemeClr>
+              </a:gs>
+              <a:gs pos="74000">
+                <a:schemeClr val="accent1">
+                  <a:lumMod val="45000"/>
+                  <a:lumOff val="55000"/>
+                </a:schemeClr>
+              </a:gs>
+              <a:gs pos="83000">
+                <a:schemeClr val="accent1">
+                  <a:lumMod val="45000"/>
+                  <a:lumOff val="55000"/>
+                </a:schemeClr>
+              </a:gs>
+              <a:gs pos="100000">
+                <a:schemeClr val="accent1">
+                  <a:lumMod val="30000"/>
+                  <a:lumOff val="70000"/>
+                </a:schemeClr>
+              </a:gs>
+            </a:gsLst>
+            <a:lin ang="10800000" scaled="1"/>
+            <a:tileRect/>
+          </a:gradFill>
+        </p:spPr>
+        <p:style>
+          <a:lnRef idx="2">
+            <a:schemeClr val="accent1">
+              <a:shade val="15000"/>
+            </a:schemeClr>
+          </a:lnRef>
+          <a:fillRef idx="1">
+            <a:schemeClr val="accent1"/>
+          </a:fillRef>
+          <a:effectRef idx="0">
+            <a:schemeClr val="accent1"/>
+          </a:effectRef>
+          <a:fontRef idx="minor">
+            <a:schemeClr val="lt1"/>
+          </a:fontRef>
+        </p:style>
+        <p:txBody>
+          <a:bodyPr rtlCol="0" anchor="ctr"/>
+          <a:lstStyle/>
+          <a:p>
+            <a:pPr algn="ctr"/>
+            <a:endParaRPr lang="en-ES"/>
+          </a:p>
+        </p:txBody>
+      </p:sp>
+      <p:cxnSp>
+        <p:nvCxnSpPr>
+          <p:cNvPr id="8" name="Straight Arrow Connector 7">
+            <a:extLst>
+              <a:ext uri="{FF2B5EF4-FFF2-40B4-BE49-F238E27FC236}">
+                <a16:creationId xmlns:a16="http://schemas.microsoft.com/office/drawing/2014/main" id="{07F70B38-E8A3-D7DF-F363-93F9932086BE}"/>
+              </a:ext>
+            </a:extLst>
+          </p:cNvPr>
+          <p:cNvCxnSpPr>
+            <a:cxnSpLocks/>
+          </p:cNvCxnSpPr>
+          <p:nvPr/>
+        </p:nvCxnSpPr>
+        <p:spPr>
+          <a:xfrm flipV="1">
+            <a:off x="3531502" y="477430"/>
+            <a:ext cx="0" cy="3192045"/>
+          </a:xfrm>
+          <a:prstGeom prst="straightConnector1">
+            <a:avLst/>
+          </a:prstGeom>
+          <a:ln w="38100">
+            <a:tailEnd type="triangle"/>
+          </a:ln>
+        </p:spPr>
+        <p:style>
+          <a:lnRef idx="2">
+            <a:schemeClr val="accent1"/>
+          </a:lnRef>
+          <a:fillRef idx="0">
+            <a:schemeClr val="accent1"/>
+          </a:fillRef>
+          <a:effectRef idx="1">
+            <a:schemeClr val="accent1"/>
+          </a:effectRef>
+          <a:fontRef idx="minor">
+            <a:schemeClr val="tx1"/>
+          </a:fontRef>
+        </p:style>
+      </p:cxnSp>
+      <p:cxnSp>
+        <p:nvCxnSpPr>
+          <p:cNvPr id="9" name="Straight Arrow Connector 8">
+            <a:extLst>
+              <a:ext uri="{FF2B5EF4-FFF2-40B4-BE49-F238E27FC236}">
+                <a16:creationId xmlns:a16="http://schemas.microsoft.com/office/drawing/2014/main" id="{B3CC1E23-28A9-6BCC-BE20-5C1B057C7AF4}"/>
+              </a:ext>
+            </a:extLst>
+          </p:cNvPr>
+          <p:cNvCxnSpPr>
+            <a:cxnSpLocks/>
+          </p:cNvCxnSpPr>
+          <p:nvPr/>
+        </p:nvCxnSpPr>
+        <p:spPr>
+          <a:xfrm flipH="1">
+            <a:off x="1935679" y="3655621"/>
+            <a:ext cx="1605720" cy="1260762"/>
+          </a:xfrm>
+          <a:prstGeom prst="straightConnector1">
+            <a:avLst/>
+          </a:prstGeom>
+          <a:ln w="38100">
+            <a:tailEnd type="triangle"/>
+          </a:ln>
+        </p:spPr>
+        <p:style>
+          <a:lnRef idx="2">
+            <a:schemeClr val="accent1"/>
+          </a:lnRef>
+          <a:fillRef idx="0">
+            <a:schemeClr val="accent1"/>
+          </a:fillRef>
+          <a:effectRef idx="1">
+            <a:schemeClr val="accent1"/>
+          </a:effectRef>
+          <a:fontRef idx="minor">
+            <a:schemeClr val="tx1"/>
+          </a:fontRef>
+        </p:style>
+      </p:cxnSp>
+      <p:cxnSp>
+        <p:nvCxnSpPr>
+          <p:cNvPr id="10" name="Straight Arrow Connector 9">
+            <a:extLst>
+              <a:ext uri="{FF2B5EF4-FFF2-40B4-BE49-F238E27FC236}">
+                <a16:creationId xmlns:a16="http://schemas.microsoft.com/office/drawing/2014/main" id="{7A76A70B-A609-E30A-E1B0-FA83F69C856B}"/>
+              </a:ext>
+            </a:extLst>
+          </p:cNvPr>
+          <p:cNvCxnSpPr>
+            <a:cxnSpLocks/>
+          </p:cNvCxnSpPr>
+          <p:nvPr/>
+        </p:nvCxnSpPr>
+        <p:spPr>
+          <a:xfrm>
+            <a:off x="3513120" y="3677394"/>
+            <a:ext cx="1783276" cy="0"/>
+          </a:xfrm>
+          <a:prstGeom prst="straightConnector1">
+            <a:avLst/>
+          </a:prstGeom>
+          <a:ln w="38100">
+            <a:tailEnd type="triangle"/>
+          </a:ln>
+        </p:spPr>
+        <p:style>
+          <a:lnRef idx="2">
+            <a:schemeClr val="accent1"/>
+          </a:lnRef>
+          <a:fillRef idx="0">
+            <a:schemeClr val="accent1"/>
+          </a:fillRef>
+          <a:effectRef idx="1">
+            <a:schemeClr val="accent1"/>
+          </a:effectRef>
+          <a:fontRef idx="minor">
+            <a:schemeClr val="tx1"/>
+          </a:fontRef>
+        </p:style>
+      </p:cxnSp>
+      <p:sp>
+        <p:nvSpPr>
+          <p:cNvPr id="13" name="TextBox 12">
+            <a:extLst>
+              <a:ext uri="{FF2B5EF4-FFF2-40B4-BE49-F238E27FC236}">
+                <a16:creationId xmlns:a16="http://schemas.microsoft.com/office/drawing/2014/main" id="{FACD9C23-894B-1D30-C745-03602F4000CA}"/>
+              </a:ext>
+            </a:extLst>
+          </p:cNvPr>
+          <p:cNvSpPr txBox="1"/>
+          <p:nvPr/>
+        </p:nvSpPr>
+        <p:spPr>
+          <a:xfrm>
+            <a:off x="1812336" y="4233110"/>
+            <a:ext cx="365806" cy="584775"/>
+          </a:xfrm>
+          <a:prstGeom prst="rect">
+            <a:avLst/>
+          </a:prstGeom>
+          <a:noFill/>
+        </p:spPr>
+        <p:txBody>
+          <a:bodyPr wrap="none" rtlCol="0">
+            <a:spAutoFit/>
+          </a:bodyPr>
+          <a:lstStyle/>
+          <a:p>
+            <a:r>
+              <a:rPr lang="en-ES" sz="3200" dirty="0"/>
+              <a:t>x</a:t>
+            </a:r>
+            <a:endParaRPr lang="en-ES" dirty="0"/>
+          </a:p>
+        </p:txBody>
+      </p:sp>
+      <p:sp>
+        <p:nvSpPr>
+          <p:cNvPr id="14" name="TextBox 13">
+            <a:extLst>
+              <a:ext uri="{FF2B5EF4-FFF2-40B4-BE49-F238E27FC236}">
+                <a16:creationId xmlns:a16="http://schemas.microsoft.com/office/drawing/2014/main" id="{3694A896-740D-849F-C810-84BB5A636B43}"/>
+              </a:ext>
+            </a:extLst>
+          </p:cNvPr>
+          <p:cNvSpPr txBox="1"/>
+          <p:nvPr/>
+        </p:nvSpPr>
+        <p:spPr>
+          <a:xfrm>
+            <a:off x="5246545" y="3103756"/>
+            <a:ext cx="370614" cy="584775"/>
+          </a:xfrm>
+          <a:prstGeom prst="rect">
+            <a:avLst/>
+          </a:prstGeom>
+          <a:noFill/>
+        </p:spPr>
+        <p:txBody>
+          <a:bodyPr wrap="none" rtlCol="0">
+            <a:spAutoFit/>
+          </a:bodyPr>
+          <a:lstStyle/>
+          <a:p>
+            <a:r>
+              <a:rPr lang="en-ES" sz="3200" dirty="0"/>
+              <a:t>y</a:t>
+            </a:r>
+            <a:endParaRPr lang="en-ES" dirty="0"/>
+          </a:p>
+        </p:txBody>
+      </p:sp>
+      <p:sp>
+        <p:nvSpPr>
+          <p:cNvPr id="15" name="TextBox 14">
+            <a:extLst>
+              <a:ext uri="{FF2B5EF4-FFF2-40B4-BE49-F238E27FC236}">
+                <a16:creationId xmlns:a16="http://schemas.microsoft.com/office/drawing/2014/main" id="{16C5A542-8C42-9ED6-850A-AD050661EC70}"/>
+              </a:ext>
+            </a:extLst>
+          </p:cNvPr>
+          <p:cNvSpPr txBox="1"/>
+          <p:nvPr/>
+        </p:nvSpPr>
+        <p:spPr>
+          <a:xfrm>
+            <a:off x="3153815" y="102637"/>
+            <a:ext cx="364202" cy="584775"/>
+          </a:xfrm>
+          <a:prstGeom prst="rect">
+            <a:avLst/>
+          </a:prstGeom>
+          <a:noFill/>
+        </p:spPr>
+        <p:txBody>
+          <a:bodyPr wrap="none" rtlCol="0">
+            <a:spAutoFit/>
+          </a:bodyPr>
+          <a:lstStyle/>
+          <a:p>
+            <a:r>
+              <a:rPr lang="en-ES" sz="3200" dirty="0"/>
+              <a:t>z</a:t>
+            </a:r>
+            <a:endParaRPr lang="en-ES" dirty="0"/>
+          </a:p>
+        </p:txBody>
+      </p:sp>
+      <p:grpSp>
+        <p:nvGrpSpPr>
+          <p:cNvPr id="21" name="Group 20">
+            <a:extLst>
+              <a:ext uri="{FF2B5EF4-FFF2-40B4-BE49-F238E27FC236}">
+                <a16:creationId xmlns:a16="http://schemas.microsoft.com/office/drawing/2014/main" id="{7F8B98D3-AD84-CECA-7DC4-157E2B25BA30}"/>
+              </a:ext>
+            </a:extLst>
+          </p:cNvPr>
+          <p:cNvGrpSpPr/>
+          <p:nvPr/>
+        </p:nvGrpSpPr>
+        <p:grpSpPr>
+          <a:xfrm>
+            <a:off x="3271113" y="844394"/>
+            <a:ext cx="783718" cy="1126822"/>
+            <a:chOff x="3081130" y="1722395"/>
+            <a:chExt cx="783718" cy="1126822"/>
+          </a:xfrm>
+        </p:grpSpPr>
+        <p:cxnSp>
+          <p:nvCxnSpPr>
+            <p:cNvPr id="17" name="Straight Arrow Connector 16">
+              <a:extLst>
+                <a:ext uri="{FF2B5EF4-FFF2-40B4-BE49-F238E27FC236}">
+                  <a16:creationId xmlns:a16="http://schemas.microsoft.com/office/drawing/2014/main" id="{A57B4F9A-8E31-FC46-AFDC-809784F81A04}"/>
+                </a:ext>
+              </a:extLst>
+            </p:cNvPr>
+            <p:cNvCxnSpPr>
+              <a:cxnSpLocks/>
+            </p:cNvCxnSpPr>
+            <p:nvPr/>
+          </p:nvCxnSpPr>
+          <p:spPr>
+            <a:xfrm flipV="1">
+              <a:off x="3341605" y="1910184"/>
+              <a:ext cx="0" cy="939033"/>
+            </a:xfrm>
+            <a:prstGeom prst="straightConnector1">
+              <a:avLst/>
+            </a:prstGeom>
+            <a:ln w="38100">
+              <a:tailEnd type="triangle"/>
+            </a:ln>
+          </p:spPr>
+          <p:style>
+            <a:lnRef idx="2">
+              <a:schemeClr val="accent1"/>
+            </a:lnRef>
+            <a:fillRef idx="0">
+              <a:schemeClr val="accent1"/>
+            </a:fillRef>
+            <a:effectRef idx="1">
+              <a:schemeClr val="accent1"/>
+            </a:effectRef>
+            <a:fontRef idx="minor">
+              <a:schemeClr val="tx1"/>
+            </a:fontRef>
+          </p:style>
+        </p:cxnSp>
+        <p:sp>
+          <p:nvSpPr>
+            <p:cNvPr id="18" name="TextBox 17">
+              <a:extLst>
+                <a:ext uri="{FF2B5EF4-FFF2-40B4-BE49-F238E27FC236}">
+                  <a16:creationId xmlns:a16="http://schemas.microsoft.com/office/drawing/2014/main" id="{E71F0E75-F2E4-CD96-7998-69239FE2D431}"/>
+                </a:ext>
+              </a:extLst>
+            </p:cNvPr>
+            <p:cNvSpPr txBox="1"/>
+            <p:nvPr/>
+          </p:nvSpPr>
+          <p:spPr>
+            <a:xfrm>
+              <a:off x="3377482" y="1815414"/>
+              <a:ext cx="481222" cy="584775"/>
+            </a:xfrm>
+            <a:prstGeom prst="rect">
+              <a:avLst/>
+            </a:prstGeom>
+            <a:noFill/>
+          </p:spPr>
+          <p:txBody>
+            <a:bodyPr wrap="square" rtlCol="0">
+              <a:spAutoFit/>
+            </a:bodyPr>
+            <a:lstStyle/>
+            <a:p>
+              <a:r>
+                <a:rPr lang="en-ES" sz="3200" dirty="0"/>
+                <a:t>w</a:t>
+              </a:r>
+              <a:endParaRPr lang="en-ES" dirty="0"/>
+            </a:p>
+          </p:txBody>
+        </p:sp>
+        <p:sp>
+          <p:nvSpPr>
+            <p:cNvPr id="19" name="TextBox 18">
+              <a:extLst>
+                <a:ext uri="{FF2B5EF4-FFF2-40B4-BE49-F238E27FC236}">
+                  <a16:creationId xmlns:a16="http://schemas.microsoft.com/office/drawing/2014/main" id="{1BD9E95E-A0A7-844C-47F9-8779FC495CC1}"/>
+                </a:ext>
+              </a:extLst>
+            </p:cNvPr>
+            <p:cNvSpPr txBox="1"/>
+            <p:nvPr/>
+          </p:nvSpPr>
+          <p:spPr>
+            <a:xfrm>
+              <a:off x="3372405" y="1722395"/>
+              <a:ext cx="492443" cy="461665"/>
+            </a:xfrm>
+            <a:prstGeom prst="rect">
+              <a:avLst/>
+            </a:prstGeom>
+            <a:noFill/>
+          </p:spPr>
+          <p:txBody>
+            <a:bodyPr wrap="square" rtlCol="0">
+              <a:spAutoFit/>
+            </a:bodyPr>
+            <a:lstStyle/>
+            <a:p>
+              <a:r>
+                <a:rPr lang="en-ES" sz="2400" dirty="0"/>
+                <a:t>➝</a:t>
+              </a:r>
+            </a:p>
+          </p:txBody>
+        </p:sp>
+        <p:sp>
+          <p:nvSpPr>
+            <p:cNvPr id="20" name="Arc 19">
+              <a:extLst>
+                <a:ext uri="{FF2B5EF4-FFF2-40B4-BE49-F238E27FC236}">
+                  <a16:creationId xmlns:a16="http://schemas.microsoft.com/office/drawing/2014/main" id="{1A79B766-DE35-1485-6F18-3C56E4D5E489}"/>
+                </a:ext>
+              </a:extLst>
+            </p:cNvPr>
+            <p:cNvSpPr/>
+            <p:nvPr/>
+          </p:nvSpPr>
+          <p:spPr>
+            <a:xfrm>
+              <a:off x="3081130" y="2319130"/>
+              <a:ext cx="549966" cy="251791"/>
+            </a:xfrm>
+            <a:prstGeom prst="arc">
+              <a:avLst>
+                <a:gd name="adj1" fmla="val 1510068"/>
+                <a:gd name="adj2" fmla="val 20964950"/>
+              </a:avLst>
+            </a:prstGeom>
+            <a:ln w="38100">
+              <a:solidFill>
+                <a:schemeClr val="tx1"/>
+              </a:solidFill>
+              <a:prstDash val="solid"/>
+              <a:headEnd type="arrow" w="med" len="med"/>
+              <a:tailEnd type="none" w="med" len="med"/>
+            </a:ln>
+          </p:spPr>
+          <p:style>
+            <a:lnRef idx="2">
+              <a:schemeClr val="accent1"/>
+            </a:lnRef>
+            <a:fillRef idx="0">
+              <a:schemeClr val="accent1"/>
+            </a:fillRef>
+            <a:effectRef idx="1">
+              <a:schemeClr val="accent1"/>
+            </a:effectRef>
+            <a:fontRef idx="minor">
+              <a:schemeClr val="tx1"/>
+            </a:fontRef>
+          </p:style>
+          <p:txBody>
+            <a:bodyPr rtlCol="0" anchor="ctr"/>
+            <a:lstStyle/>
+            <a:p>
+              <a:pPr algn="ctr"/>
+              <a:endParaRPr lang="en-ES"/>
+            </a:p>
+          </p:txBody>
+        </p:sp>
+      </p:grpSp>
+      <p:sp>
+        <p:nvSpPr>
+          <p:cNvPr id="24" name="TextBox 23">
+            <a:extLst>
+              <a:ext uri="{FF2B5EF4-FFF2-40B4-BE49-F238E27FC236}">
+                <a16:creationId xmlns:a16="http://schemas.microsoft.com/office/drawing/2014/main" id="{CD505208-224C-A5CD-CDDE-9D9E3F377094}"/>
+              </a:ext>
+            </a:extLst>
+          </p:cNvPr>
+          <p:cNvSpPr txBox="1"/>
+          <p:nvPr/>
+        </p:nvSpPr>
+        <p:spPr>
+          <a:xfrm>
+            <a:off x="3927469" y="3762196"/>
+            <a:ext cx="421910" cy="584775"/>
+          </a:xfrm>
+          <a:prstGeom prst="rect">
+            <a:avLst/>
+          </a:prstGeom>
+          <a:noFill/>
+        </p:spPr>
+        <p:txBody>
+          <a:bodyPr wrap="none" rtlCol="0">
+            <a:spAutoFit/>
+          </a:bodyPr>
+          <a:lstStyle/>
+          <a:p>
+            <a:r>
+              <a:rPr lang="en-ES" sz="3200" dirty="0"/>
+              <a:t>σ</a:t>
+            </a:r>
+            <a:endParaRPr lang="en-ES" dirty="0"/>
+          </a:p>
+        </p:txBody>
+      </p:sp>
+      <p:cxnSp>
+        <p:nvCxnSpPr>
+          <p:cNvPr id="26" name="Straight Arrow Connector 25">
+            <a:extLst>
+              <a:ext uri="{FF2B5EF4-FFF2-40B4-BE49-F238E27FC236}">
+                <a16:creationId xmlns:a16="http://schemas.microsoft.com/office/drawing/2014/main" id="{E559CAB3-AA63-1E87-3C34-E37F3C69FD9C}"/>
+              </a:ext>
+            </a:extLst>
+          </p:cNvPr>
+          <p:cNvCxnSpPr>
+            <a:cxnSpLocks/>
+          </p:cNvCxnSpPr>
+          <p:nvPr/>
+        </p:nvCxnSpPr>
+        <p:spPr>
+          <a:xfrm flipV="1">
+            <a:off x="3535386" y="2664373"/>
+            <a:ext cx="0" cy="1031378"/>
+          </a:xfrm>
+          <a:prstGeom prst="straightConnector1">
+            <a:avLst/>
+          </a:prstGeom>
+          <a:ln w="57150">
+            <a:solidFill>
+              <a:schemeClr val="tx1"/>
+            </a:solidFill>
+            <a:tailEnd type="triangle"/>
+          </a:ln>
+        </p:spPr>
+        <p:style>
+          <a:lnRef idx="2">
+            <a:schemeClr val="accent1"/>
+          </a:lnRef>
+          <a:fillRef idx="0">
+            <a:schemeClr val="accent1"/>
+          </a:fillRef>
+          <a:effectRef idx="1">
+            <a:schemeClr val="accent1"/>
+          </a:effectRef>
+          <a:fontRef idx="minor">
+            <a:schemeClr val="tx1"/>
+          </a:fontRef>
+        </p:style>
+      </p:cxnSp>
+      <p:sp>
+        <p:nvSpPr>
+          <p:cNvPr id="28" name="TextBox 27">
+            <a:extLst>
+              <a:ext uri="{FF2B5EF4-FFF2-40B4-BE49-F238E27FC236}">
+                <a16:creationId xmlns:a16="http://schemas.microsoft.com/office/drawing/2014/main" id="{B7BB9EBD-1C30-B6ED-F8D9-6C31D8FA9125}"/>
+              </a:ext>
+            </a:extLst>
+          </p:cNvPr>
+          <p:cNvSpPr txBox="1"/>
+          <p:nvPr/>
+        </p:nvSpPr>
+        <p:spPr>
+          <a:xfrm>
+            <a:off x="3570375" y="2398797"/>
+            <a:ext cx="450764" cy="584775"/>
+          </a:xfrm>
+          <a:prstGeom prst="rect">
+            <a:avLst/>
+          </a:prstGeom>
+          <a:noFill/>
+        </p:spPr>
+        <p:txBody>
+          <a:bodyPr wrap="none" rtlCol="0">
+            <a:spAutoFit/>
+          </a:bodyPr>
+          <a:lstStyle/>
+          <a:p>
+            <a:r>
+              <a:rPr lang="en-GB" sz="3200" dirty="0"/>
+              <a:t>z</a:t>
+            </a:r>
+            <a:r>
+              <a:rPr lang="en-ES" sz="3200" dirty="0"/>
+              <a:t>'</a:t>
+            </a:r>
+            <a:endParaRPr lang="en-ES" dirty="0"/>
+          </a:p>
+        </p:txBody>
+      </p:sp>
+      <p:grpSp>
+        <p:nvGrpSpPr>
+          <p:cNvPr id="33" name="Group 32">
+            <a:extLst>
+              <a:ext uri="{FF2B5EF4-FFF2-40B4-BE49-F238E27FC236}">
+                <a16:creationId xmlns:a16="http://schemas.microsoft.com/office/drawing/2014/main" id="{A0080567-B3E8-6AD8-128A-10D3F4DE0ADA}"/>
+              </a:ext>
+            </a:extLst>
+          </p:cNvPr>
+          <p:cNvGrpSpPr/>
+          <p:nvPr/>
+        </p:nvGrpSpPr>
+        <p:grpSpPr>
+          <a:xfrm>
+            <a:off x="2616740" y="2422186"/>
+            <a:ext cx="1835285" cy="609600"/>
+            <a:chOff x="5107021" y="1342417"/>
+            <a:chExt cx="1835285" cy="609600"/>
+          </a:xfrm>
+        </p:grpSpPr>
+        <p:sp>
+          <p:nvSpPr>
+            <p:cNvPr id="31" name="Oval 30">
+              <a:extLst>
+                <a:ext uri="{FF2B5EF4-FFF2-40B4-BE49-F238E27FC236}">
+                  <a16:creationId xmlns:a16="http://schemas.microsoft.com/office/drawing/2014/main" id="{083778A3-7DE1-75AD-E146-1946A438CD3D}"/>
+                </a:ext>
+              </a:extLst>
+            </p:cNvPr>
+            <p:cNvSpPr/>
+            <p:nvPr/>
+          </p:nvSpPr>
+          <p:spPr>
+            <a:xfrm>
+              <a:off x="5107021" y="1342417"/>
+              <a:ext cx="1828800" cy="476655"/>
+            </a:xfrm>
+            <a:prstGeom prst="ellipse">
+              <a:avLst/>
+            </a:prstGeom>
+            <a:noFill/>
+            <a:ln>
+              <a:prstDash val="sysDash"/>
+            </a:ln>
+          </p:spPr>
+          <p:style>
+            <a:lnRef idx="2">
+              <a:schemeClr val="accent1">
+                <a:shade val="15000"/>
+              </a:schemeClr>
+            </a:lnRef>
+            <a:fillRef idx="1">
+              <a:schemeClr val="accent1"/>
+            </a:fillRef>
+            <a:effectRef idx="0">
+              <a:schemeClr val="accent1"/>
+            </a:effectRef>
+            <a:fontRef idx="minor">
+              <a:schemeClr val="lt1"/>
+            </a:fontRef>
+          </p:style>
+          <p:txBody>
+            <a:bodyPr rtlCol="0" anchor="ctr"/>
+            <a:lstStyle/>
+            <a:p>
+              <a:pPr algn="ctr"/>
+              <a:endParaRPr lang="en-ES"/>
+            </a:p>
+          </p:txBody>
+        </p:sp>
+        <p:sp>
+          <p:nvSpPr>
+            <p:cNvPr id="32" name="Oval 31">
+              <a:extLst>
+                <a:ext uri="{FF2B5EF4-FFF2-40B4-BE49-F238E27FC236}">
+                  <a16:creationId xmlns:a16="http://schemas.microsoft.com/office/drawing/2014/main" id="{69005D1F-BDA2-DFED-FBFA-4F9B913C5C70}"/>
+                </a:ext>
+              </a:extLst>
+            </p:cNvPr>
+            <p:cNvSpPr/>
+            <p:nvPr/>
+          </p:nvSpPr>
+          <p:spPr>
+            <a:xfrm>
+              <a:off x="5113506" y="1475362"/>
+              <a:ext cx="1828800" cy="476655"/>
+            </a:xfrm>
+            <a:prstGeom prst="ellipse">
+              <a:avLst/>
+            </a:prstGeom>
+            <a:noFill/>
+            <a:ln>
+              <a:prstDash val="sysDash"/>
+            </a:ln>
+          </p:spPr>
+          <p:style>
+            <a:lnRef idx="2">
+              <a:schemeClr val="accent1">
+                <a:shade val="15000"/>
+              </a:schemeClr>
+            </a:lnRef>
+            <a:fillRef idx="1">
+              <a:schemeClr val="accent1"/>
+            </a:fillRef>
+            <a:effectRef idx="0">
+              <a:schemeClr val="accent1"/>
+            </a:effectRef>
+            <a:fontRef idx="minor">
+              <a:schemeClr val="lt1"/>
+            </a:fontRef>
+          </p:style>
+          <p:txBody>
+            <a:bodyPr rtlCol="0" anchor="ctr"/>
+            <a:lstStyle/>
+            <a:p>
+              <a:pPr algn="ctr"/>
+              <a:endParaRPr lang="en-ES"/>
+            </a:p>
+          </p:txBody>
+        </p:sp>
+      </p:grpSp>
+      <p:sp>
+        <p:nvSpPr>
+          <p:cNvPr id="34" name="Left Bracket 33">
+            <a:extLst>
+              <a:ext uri="{FF2B5EF4-FFF2-40B4-BE49-F238E27FC236}">
+                <a16:creationId xmlns:a16="http://schemas.microsoft.com/office/drawing/2014/main" id="{1E7C2054-8342-EEDF-D251-E19FBF0C1E6B}"/>
+              </a:ext>
+            </a:extLst>
+          </p:cNvPr>
+          <p:cNvSpPr/>
+          <p:nvPr/>
+        </p:nvSpPr>
+        <p:spPr>
+          <a:xfrm>
+            <a:off x="2411704" y="2641376"/>
+            <a:ext cx="156398" cy="199101"/>
+          </a:xfrm>
+          <a:prstGeom prst="leftBracket">
+            <a:avLst/>
+          </a:prstGeom>
+          <a:ln w="38100"/>
+        </p:spPr>
+        <p:style>
+          <a:lnRef idx="2">
+            <a:schemeClr val="accent1"/>
+          </a:lnRef>
+          <a:fillRef idx="0">
+            <a:schemeClr val="accent1"/>
+          </a:fillRef>
+          <a:effectRef idx="1">
+            <a:schemeClr val="accent1"/>
+          </a:effectRef>
+          <a:fontRef idx="minor">
+            <a:schemeClr val="tx1"/>
+          </a:fontRef>
+        </p:style>
+        <p:txBody>
+          <a:bodyPr rtlCol="0" anchor="ctr"/>
+          <a:lstStyle/>
+          <a:p>
+            <a:pPr algn="ctr"/>
+            <a:endParaRPr lang="en-ES" dirty="0"/>
+          </a:p>
+        </p:txBody>
+      </p:sp>
+      <p:sp>
+        <p:nvSpPr>
+          <p:cNvPr id="35" name="TextBox 34">
+            <a:extLst>
+              <a:ext uri="{FF2B5EF4-FFF2-40B4-BE49-F238E27FC236}">
+                <a16:creationId xmlns:a16="http://schemas.microsoft.com/office/drawing/2014/main" id="{EFAF11EC-7A15-21FD-1B99-37FC0C43EDE3}"/>
+              </a:ext>
+            </a:extLst>
+          </p:cNvPr>
+          <p:cNvSpPr txBox="1"/>
+          <p:nvPr/>
+        </p:nvSpPr>
+        <p:spPr>
+          <a:xfrm>
+            <a:off x="1780163" y="2344994"/>
+            <a:ext cx="988178" cy="584775"/>
+          </a:xfrm>
+          <a:prstGeom prst="rect">
+            <a:avLst/>
+          </a:prstGeom>
+          <a:noFill/>
+        </p:spPr>
+        <p:txBody>
+          <a:bodyPr wrap="square" rtlCol="0">
+            <a:spAutoFit/>
+          </a:bodyPr>
+          <a:lstStyle/>
+          <a:p>
+            <a:r>
+              <a:rPr lang="en-GB" sz="3200" dirty="0"/>
+              <a:t>d</a:t>
+            </a:r>
+            <a:r>
+              <a:rPr lang="en-ES" sz="3200" dirty="0"/>
+              <a:t>z'</a:t>
+            </a:r>
+            <a:endParaRPr lang="en-ES" sz="3200" baseline="-25000" dirty="0"/>
+          </a:p>
+        </p:txBody>
+      </p:sp>
+      <p:sp>
+        <p:nvSpPr>
+          <p:cNvPr id="36" name="Left Bracket 35">
+            <a:extLst>
+              <a:ext uri="{FF2B5EF4-FFF2-40B4-BE49-F238E27FC236}">
+                <a16:creationId xmlns:a16="http://schemas.microsoft.com/office/drawing/2014/main" id="{BCDF7685-657D-B3F2-1554-4AF4E72D2770}"/>
+              </a:ext>
+            </a:extLst>
+          </p:cNvPr>
+          <p:cNvSpPr/>
+          <p:nvPr/>
+        </p:nvSpPr>
+        <p:spPr>
+          <a:xfrm rot="10800000">
+            <a:off x="4511841" y="1985210"/>
+            <a:ext cx="213288" cy="3199933"/>
+          </a:xfrm>
+          <a:prstGeom prst="leftBracket">
+            <a:avLst/>
+          </a:prstGeom>
+          <a:ln w="38100"/>
+        </p:spPr>
+        <p:style>
+          <a:lnRef idx="2">
+            <a:schemeClr val="accent1"/>
+          </a:lnRef>
+          <a:fillRef idx="0">
+            <a:schemeClr val="accent1"/>
+          </a:fillRef>
+          <a:effectRef idx="1">
+            <a:schemeClr val="accent1"/>
+          </a:effectRef>
+          <a:fontRef idx="minor">
+            <a:schemeClr val="tx1"/>
+          </a:fontRef>
+        </p:style>
+        <p:txBody>
+          <a:bodyPr rtlCol="0" anchor="ctr"/>
+          <a:lstStyle/>
+          <a:p>
+            <a:pPr algn="ctr"/>
+            <a:endParaRPr lang="en-ES" dirty="0"/>
+          </a:p>
+        </p:txBody>
+      </p:sp>
+      <p:sp>
+        <p:nvSpPr>
+          <p:cNvPr id="37" name="Left Bracket 36">
+            <a:extLst>
+              <a:ext uri="{FF2B5EF4-FFF2-40B4-BE49-F238E27FC236}">
+                <a16:creationId xmlns:a16="http://schemas.microsoft.com/office/drawing/2014/main" id="{560C2E30-ECF5-996E-02BB-5FB0103131E6}"/>
+              </a:ext>
+            </a:extLst>
+          </p:cNvPr>
+          <p:cNvSpPr/>
+          <p:nvPr/>
+        </p:nvSpPr>
+        <p:spPr>
+          <a:xfrm rot="16200000">
+            <a:off x="3899587" y="5073524"/>
+            <a:ext cx="199382" cy="904818"/>
+          </a:xfrm>
+          <a:prstGeom prst="leftBracket">
+            <a:avLst/>
+          </a:prstGeom>
+          <a:ln w="38100"/>
+        </p:spPr>
+        <p:style>
+          <a:lnRef idx="2">
+            <a:schemeClr val="accent1"/>
+          </a:lnRef>
+          <a:fillRef idx="0">
+            <a:schemeClr val="accent1"/>
+          </a:fillRef>
+          <a:effectRef idx="1">
+            <a:schemeClr val="accent1"/>
+          </a:effectRef>
+          <a:fontRef idx="minor">
+            <a:schemeClr val="tx1"/>
+          </a:fontRef>
+        </p:style>
+        <p:txBody>
+          <a:bodyPr rtlCol="0" anchor="ctr"/>
+          <a:lstStyle/>
+          <a:p>
+            <a:pPr algn="ctr"/>
+            <a:endParaRPr lang="en-ES" dirty="0"/>
+          </a:p>
+        </p:txBody>
+      </p:sp>
+      <p:sp>
+        <p:nvSpPr>
+          <p:cNvPr id="38" name="TextBox 37">
+            <a:extLst>
+              <a:ext uri="{FF2B5EF4-FFF2-40B4-BE49-F238E27FC236}">
+                <a16:creationId xmlns:a16="http://schemas.microsoft.com/office/drawing/2014/main" id="{80F73788-7C4F-FABF-CCFD-A7971642894D}"/>
+              </a:ext>
+            </a:extLst>
+          </p:cNvPr>
+          <p:cNvSpPr txBox="1"/>
+          <p:nvPr/>
+        </p:nvSpPr>
+        <p:spPr>
+          <a:xfrm>
+            <a:off x="4685340" y="3175291"/>
+            <a:ext cx="389850" cy="584775"/>
+          </a:xfrm>
+          <a:prstGeom prst="rect">
+            <a:avLst/>
+          </a:prstGeom>
+          <a:noFill/>
+        </p:spPr>
+        <p:txBody>
+          <a:bodyPr wrap="none" rtlCol="0">
+            <a:spAutoFit/>
+          </a:bodyPr>
+          <a:lstStyle/>
+          <a:p>
+            <a:r>
+              <a:rPr lang="en-ES" sz="3200" dirty="0"/>
+              <a:t>L</a:t>
+            </a:r>
+            <a:endParaRPr lang="en-ES" dirty="0"/>
+          </a:p>
+        </p:txBody>
+      </p:sp>
+      <p:sp>
+        <p:nvSpPr>
+          <p:cNvPr id="39" name="TextBox 38">
+            <a:extLst>
+              <a:ext uri="{FF2B5EF4-FFF2-40B4-BE49-F238E27FC236}">
+                <a16:creationId xmlns:a16="http://schemas.microsoft.com/office/drawing/2014/main" id="{7B0363E2-9756-6738-8E3D-C98B634D53E8}"/>
+              </a:ext>
+            </a:extLst>
+          </p:cNvPr>
+          <p:cNvSpPr txBox="1"/>
+          <p:nvPr/>
+        </p:nvSpPr>
+        <p:spPr>
+          <a:xfrm>
+            <a:off x="3791149" y="5477018"/>
+            <a:ext cx="492094" cy="584775"/>
+          </a:xfrm>
+          <a:prstGeom prst="rect">
+            <a:avLst/>
+          </a:prstGeom>
+          <a:noFill/>
+        </p:spPr>
+        <p:txBody>
+          <a:bodyPr wrap="square" rtlCol="0">
+            <a:spAutoFit/>
+          </a:bodyPr>
+          <a:lstStyle/>
+          <a:p>
+            <a:r>
+              <a:rPr lang="en-ES" sz="3200" dirty="0"/>
+              <a:t>a</a:t>
+            </a:r>
+            <a:endParaRPr lang="en-ES" dirty="0"/>
+          </a:p>
+        </p:txBody>
+      </p:sp>
+    </p:spTree>
+    <p:extLst>
+      <p:ext uri="{BB962C8B-B14F-4D97-AF65-F5344CB8AC3E}">
+        <p14:creationId xmlns:p14="http://schemas.microsoft.com/office/powerpoint/2010/main" val="2923227112"/>
       </p:ext>
     </p:extLst>
   </p:cSld>

--- a/images/Images.pptx
+++ b/images/Images.pptx
@@ -17,6 +17,9 @@
     <p:sldId id="264" r:id="rId11"/>
     <p:sldId id="265" r:id="rId12"/>
     <p:sldId id="266" r:id="rId13"/>
+    <p:sldId id="268" r:id="rId14"/>
+    <p:sldId id="269" r:id="rId15"/>
+    <p:sldId id="270" r:id="rId16"/>
   </p:sldIdLst>
   <p:sldSz cx="12192000" cy="6858000"/>
   <p:notesSz cx="6858000" cy="9144000"/>
@@ -272,7 +275,7 @@
           <a:p>
             <a:fld id="{BA48513D-C823-C342-87AA-C2EB607FA67A}" type="datetimeFigureOut">
               <a:rPr lang="en-ES" smtClean="0"/>
-              <a:t>9/12/24</a:t>
+              <a:t>13/12/24</a:t>
             </a:fld>
             <a:endParaRPr lang="en-ES"/>
           </a:p>
@@ -472,7 +475,7 @@
           <a:p>
             <a:fld id="{BA48513D-C823-C342-87AA-C2EB607FA67A}" type="datetimeFigureOut">
               <a:rPr lang="en-ES" smtClean="0"/>
-              <a:t>9/12/24</a:t>
+              <a:t>13/12/24</a:t>
             </a:fld>
             <a:endParaRPr lang="en-ES"/>
           </a:p>
@@ -682,7 +685,7 @@
           <a:p>
             <a:fld id="{BA48513D-C823-C342-87AA-C2EB607FA67A}" type="datetimeFigureOut">
               <a:rPr lang="en-ES" smtClean="0"/>
-              <a:t>9/12/24</a:t>
+              <a:t>13/12/24</a:t>
             </a:fld>
             <a:endParaRPr lang="en-ES"/>
           </a:p>
@@ -882,7 +885,7 @@
           <a:p>
             <a:fld id="{BA48513D-C823-C342-87AA-C2EB607FA67A}" type="datetimeFigureOut">
               <a:rPr lang="en-ES" smtClean="0"/>
-              <a:t>9/12/24</a:t>
+              <a:t>13/12/24</a:t>
             </a:fld>
             <a:endParaRPr lang="en-ES"/>
           </a:p>
@@ -1158,7 +1161,7 @@
           <a:p>
             <a:fld id="{BA48513D-C823-C342-87AA-C2EB607FA67A}" type="datetimeFigureOut">
               <a:rPr lang="en-ES" smtClean="0"/>
-              <a:t>9/12/24</a:t>
+              <a:t>13/12/24</a:t>
             </a:fld>
             <a:endParaRPr lang="en-ES"/>
           </a:p>
@@ -1426,7 +1429,7 @@
           <a:p>
             <a:fld id="{BA48513D-C823-C342-87AA-C2EB607FA67A}" type="datetimeFigureOut">
               <a:rPr lang="en-ES" smtClean="0"/>
-              <a:t>9/12/24</a:t>
+              <a:t>13/12/24</a:t>
             </a:fld>
             <a:endParaRPr lang="en-ES"/>
           </a:p>
@@ -1841,7 +1844,7 @@
           <a:p>
             <a:fld id="{BA48513D-C823-C342-87AA-C2EB607FA67A}" type="datetimeFigureOut">
               <a:rPr lang="en-ES" smtClean="0"/>
-              <a:t>9/12/24</a:t>
+              <a:t>13/12/24</a:t>
             </a:fld>
             <a:endParaRPr lang="en-ES"/>
           </a:p>
@@ -1983,7 +1986,7 @@
           <a:p>
             <a:fld id="{BA48513D-C823-C342-87AA-C2EB607FA67A}" type="datetimeFigureOut">
               <a:rPr lang="en-ES" smtClean="0"/>
-              <a:t>9/12/24</a:t>
+              <a:t>13/12/24</a:t>
             </a:fld>
             <a:endParaRPr lang="en-ES"/>
           </a:p>
@@ -2096,7 +2099,7 @@
           <a:p>
             <a:fld id="{BA48513D-C823-C342-87AA-C2EB607FA67A}" type="datetimeFigureOut">
               <a:rPr lang="en-ES" smtClean="0"/>
-              <a:t>9/12/24</a:t>
+              <a:t>13/12/24</a:t>
             </a:fld>
             <a:endParaRPr lang="en-ES"/>
           </a:p>
@@ -2409,7 +2412,7 @@
           <a:p>
             <a:fld id="{BA48513D-C823-C342-87AA-C2EB607FA67A}" type="datetimeFigureOut">
               <a:rPr lang="en-ES" smtClean="0"/>
-              <a:t>9/12/24</a:t>
+              <a:t>13/12/24</a:t>
             </a:fld>
             <a:endParaRPr lang="en-ES"/>
           </a:p>
@@ -2698,7 +2701,7 @@
           <a:p>
             <a:fld id="{BA48513D-C823-C342-87AA-C2EB607FA67A}" type="datetimeFigureOut">
               <a:rPr lang="en-ES" smtClean="0"/>
-              <a:t>9/12/24</a:t>
+              <a:t>13/12/24</a:t>
             </a:fld>
             <a:endParaRPr lang="en-ES"/>
           </a:p>
@@ -2941,7 +2944,7 @@
           <a:p>
             <a:fld id="{BA48513D-C823-C342-87AA-C2EB607FA67A}" type="datetimeFigureOut">
               <a:rPr lang="en-ES" smtClean="0"/>
-              <a:t>9/12/24</a:t>
+              <a:t>13/12/24</a:t>
             </a:fld>
             <a:endParaRPr lang="en-ES"/>
           </a:p>
@@ -6491,6 +6494,1879 @@
     <p:extLst>
       <p:ext uri="{BB962C8B-B14F-4D97-AF65-F5344CB8AC3E}">
         <p14:creationId xmlns:p14="http://schemas.microsoft.com/office/powerpoint/2010/main" val="963963032"/>
+      </p:ext>
+    </p:extLst>
+  </p:cSld>
+  <p:clrMapOvr>
+    <a:masterClrMapping/>
+  </p:clrMapOvr>
+</p:sld>
+</file>
+
+<file path=ppt/slides/slide13.xml><?xml version="1.0" encoding="utf-8"?>
+<p:sld xmlns:a="http://schemas.openxmlformats.org/drawingml/2006/main" xmlns:r="http://schemas.openxmlformats.org/officeDocument/2006/relationships" xmlns:p="http://schemas.openxmlformats.org/presentationml/2006/main">
+  <p:cSld>
+    <p:spTree>
+      <p:nvGrpSpPr>
+        <p:cNvPr id="1" name=""/>
+        <p:cNvGrpSpPr/>
+        <p:nvPr/>
+      </p:nvGrpSpPr>
+      <p:grpSpPr>
+        <a:xfrm>
+          <a:off x="0" y="0"/>
+          <a:ext cx="0" cy="0"/>
+          <a:chOff x="0" y="0"/>
+          <a:chExt cx="0" cy="0"/>
+        </a:xfrm>
+      </p:grpSpPr>
+      <p:grpSp>
+        <p:nvGrpSpPr>
+          <p:cNvPr id="5" name="Group 4">
+            <a:extLst>
+              <a:ext uri="{FF2B5EF4-FFF2-40B4-BE49-F238E27FC236}">
+                <a16:creationId xmlns:a16="http://schemas.microsoft.com/office/drawing/2014/main" id="{6D68F618-2B2C-6981-20FA-6D8D580FB234}"/>
+              </a:ext>
+            </a:extLst>
+          </p:cNvPr>
+          <p:cNvGrpSpPr/>
+          <p:nvPr/>
+        </p:nvGrpSpPr>
+        <p:grpSpPr>
+          <a:xfrm>
+            <a:off x="1285874" y="1828796"/>
+            <a:ext cx="771526" cy="857254"/>
+            <a:chOff x="1228724" y="1857371"/>
+            <a:chExt cx="771526" cy="857254"/>
+          </a:xfrm>
+        </p:grpSpPr>
+        <p:sp>
+          <p:nvSpPr>
+            <p:cNvPr id="3" name="Oval 2">
+              <a:extLst>
+                <a:ext uri="{FF2B5EF4-FFF2-40B4-BE49-F238E27FC236}">
+                  <a16:creationId xmlns:a16="http://schemas.microsoft.com/office/drawing/2014/main" id="{0D4E23A1-9713-313A-34BA-D145534CF0D5}"/>
+                </a:ext>
+              </a:extLst>
+            </p:cNvPr>
+            <p:cNvSpPr/>
+            <p:nvPr/>
+          </p:nvSpPr>
+          <p:spPr>
+            <a:xfrm>
+              <a:off x="1514475" y="2214563"/>
+              <a:ext cx="485775" cy="500062"/>
+            </a:xfrm>
+            <a:prstGeom prst="ellipse">
+              <a:avLst/>
+            </a:prstGeom>
+            <a:noFill/>
+            <a:ln w="38100"/>
+          </p:spPr>
+          <p:style>
+            <a:lnRef idx="2">
+              <a:schemeClr val="accent1">
+                <a:shade val="15000"/>
+              </a:schemeClr>
+            </a:lnRef>
+            <a:fillRef idx="1">
+              <a:schemeClr val="accent1"/>
+            </a:fillRef>
+            <a:effectRef idx="0">
+              <a:schemeClr val="accent1"/>
+            </a:effectRef>
+            <a:fontRef idx="minor">
+              <a:schemeClr val="lt1"/>
+            </a:fontRef>
+          </p:style>
+          <p:txBody>
+            <a:bodyPr rtlCol="0" anchor="ctr"/>
+            <a:lstStyle/>
+            <a:p>
+              <a:pPr algn="ctr"/>
+              <a:endParaRPr lang="en-ES"/>
+            </a:p>
+          </p:txBody>
+        </p:sp>
+        <p:sp>
+          <p:nvSpPr>
+            <p:cNvPr id="4" name="TextBox 3">
+              <a:extLst>
+                <a:ext uri="{FF2B5EF4-FFF2-40B4-BE49-F238E27FC236}">
+                  <a16:creationId xmlns:a16="http://schemas.microsoft.com/office/drawing/2014/main" id="{5740B773-6C32-B3B7-6981-63592BBC4F42}"/>
+                </a:ext>
+              </a:extLst>
+            </p:cNvPr>
+            <p:cNvSpPr txBox="1"/>
+            <p:nvPr/>
+          </p:nvSpPr>
+          <p:spPr>
+            <a:xfrm>
+              <a:off x="1228724" y="1857371"/>
+              <a:ext cx="431528" cy="646331"/>
+            </a:xfrm>
+            <a:prstGeom prst="rect">
+              <a:avLst/>
+            </a:prstGeom>
+            <a:noFill/>
+          </p:spPr>
+          <p:txBody>
+            <a:bodyPr wrap="none" rtlCol="0">
+              <a:spAutoFit/>
+            </a:bodyPr>
+            <a:lstStyle/>
+            <a:p>
+              <a:r>
+                <a:rPr lang="en-ES" sz="3600" dirty="0"/>
+                <a:t>+</a:t>
+              </a:r>
+            </a:p>
+          </p:txBody>
+        </p:sp>
+      </p:grpSp>
+      <p:sp>
+        <p:nvSpPr>
+          <p:cNvPr id="6" name="TextBox 5">
+            <a:extLst>
+              <a:ext uri="{FF2B5EF4-FFF2-40B4-BE49-F238E27FC236}">
+                <a16:creationId xmlns:a16="http://schemas.microsoft.com/office/drawing/2014/main" id="{1CDA2BF8-B349-BB28-2DA2-2BAC14FA4935}"/>
+              </a:ext>
+            </a:extLst>
+          </p:cNvPr>
+          <p:cNvSpPr txBox="1"/>
+          <p:nvPr/>
+        </p:nvSpPr>
+        <p:spPr>
+          <a:xfrm>
+            <a:off x="500062" y="2328863"/>
+            <a:ext cx="1007007" cy="584775"/>
+          </a:xfrm>
+          <a:prstGeom prst="rect">
+            <a:avLst/>
+          </a:prstGeom>
+          <a:noFill/>
+        </p:spPr>
+        <p:txBody>
+          <a:bodyPr wrap="none" rtlCol="0">
+            <a:spAutoFit/>
+          </a:bodyPr>
+          <a:lstStyle/>
+          <a:p>
+            <a:r>
+              <a:rPr lang="en-ES" sz="3200" dirty="0"/>
+              <a:t>fmm</a:t>
+            </a:r>
+            <a:endParaRPr lang="en-ES" dirty="0"/>
+          </a:p>
+        </p:txBody>
+      </p:sp>
+      <p:sp>
+        <p:nvSpPr>
+          <p:cNvPr id="7" name="Rectangle 6">
+            <a:extLst>
+              <a:ext uri="{FF2B5EF4-FFF2-40B4-BE49-F238E27FC236}">
+                <a16:creationId xmlns:a16="http://schemas.microsoft.com/office/drawing/2014/main" id="{9433B74C-2C69-3E24-E8A0-1E527DAFF4EF}"/>
+              </a:ext>
+            </a:extLst>
+          </p:cNvPr>
+          <p:cNvSpPr/>
+          <p:nvPr/>
+        </p:nvSpPr>
+        <p:spPr>
+          <a:xfrm>
+            <a:off x="3457575" y="1428751"/>
+            <a:ext cx="228600" cy="857250"/>
+          </a:xfrm>
+          <a:prstGeom prst="rect">
+            <a:avLst/>
+          </a:prstGeom>
+          <a:noFill/>
+          <a:ln w="38100"/>
+        </p:spPr>
+        <p:style>
+          <a:lnRef idx="2">
+            <a:schemeClr val="accent1">
+              <a:shade val="15000"/>
+            </a:schemeClr>
+          </a:lnRef>
+          <a:fillRef idx="1">
+            <a:schemeClr val="accent1"/>
+          </a:fillRef>
+          <a:effectRef idx="0">
+            <a:schemeClr val="accent1"/>
+          </a:effectRef>
+          <a:fontRef idx="minor">
+            <a:schemeClr val="lt1"/>
+          </a:fontRef>
+        </p:style>
+        <p:txBody>
+          <a:bodyPr rtlCol="0" anchor="ctr"/>
+          <a:lstStyle/>
+          <a:p>
+            <a:pPr algn="ctr"/>
+            <a:endParaRPr lang="en-ES"/>
+          </a:p>
+        </p:txBody>
+      </p:sp>
+      <p:sp>
+        <p:nvSpPr>
+          <p:cNvPr id="8" name="Rectangle 7">
+            <a:extLst>
+              <a:ext uri="{FF2B5EF4-FFF2-40B4-BE49-F238E27FC236}">
+                <a16:creationId xmlns:a16="http://schemas.microsoft.com/office/drawing/2014/main" id="{F27C1F8C-9909-7763-8B44-11F86F7A134F}"/>
+              </a:ext>
+            </a:extLst>
+          </p:cNvPr>
+          <p:cNvSpPr/>
+          <p:nvPr/>
+        </p:nvSpPr>
+        <p:spPr>
+          <a:xfrm>
+            <a:off x="3461279" y="2724151"/>
+            <a:ext cx="228600" cy="857250"/>
+          </a:xfrm>
+          <a:prstGeom prst="rect">
+            <a:avLst/>
+          </a:prstGeom>
+          <a:noFill/>
+          <a:ln w="38100"/>
+        </p:spPr>
+        <p:style>
+          <a:lnRef idx="2">
+            <a:schemeClr val="accent1">
+              <a:shade val="15000"/>
+            </a:schemeClr>
+          </a:lnRef>
+          <a:fillRef idx="1">
+            <a:schemeClr val="accent1"/>
+          </a:fillRef>
+          <a:effectRef idx="0">
+            <a:schemeClr val="accent1"/>
+          </a:effectRef>
+          <a:fontRef idx="minor">
+            <a:schemeClr val="lt1"/>
+          </a:fontRef>
+        </p:style>
+        <p:txBody>
+          <a:bodyPr rtlCol="0" anchor="ctr"/>
+          <a:lstStyle/>
+          <a:p>
+            <a:pPr algn="ctr"/>
+            <a:endParaRPr lang="en-ES"/>
+          </a:p>
+        </p:txBody>
+      </p:sp>
+      <p:cxnSp>
+        <p:nvCxnSpPr>
+          <p:cNvPr id="10" name="Elbow Connector 9">
+            <a:extLst>
+              <a:ext uri="{FF2B5EF4-FFF2-40B4-BE49-F238E27FC236}">
+                <a16:creationId xmlns:a16="http://schemas.microsoft.com/office/drawing/2014/main" id="{B1AFDCE5-CC90-1CAE-7ADF-FC9C9A0C71D9}"/>
+              </a:ext>
+            </a:extLst>
+          </p:cNvPr>
+          <p:cNvCxnSpPr>
+            <a:cxnSpLocks/>
+            <a:stCxn id="3" idx="0"/>
+            <a:endCxn id="7" idx="0"/>
+          </p:cNvCxnSpPr>
+          <p:nvPr/>
+        </p:nvCxnSpPr>
+        <p:spPr>
+          <a:xfrm rot="5400000" flipH="1" flipV="1">
+            <a:off x="2314576" y="928689"/>
+            <a:ext cx="757237" cy="1757362"/>
+          </a:xfrm>
+          <a:prstGeom prst="bentConnector3">
+            <a:avLst>
+              <a:gd name="adj1" fmla="val 130189"/>
+            </a:avLst>
+          </a:prstGeom>
+          <a:ln w="38100">
+            <a:solidFill>
+              <a:schemeClr val="tx1"/>
+            </a:solidFill>
+          </a:ln>
+        </p:spPr>
+        <p:style>
+          <a:lnRef idx="1">
+            <a:schemeClr val="dk1"/>
+          </a:lnRef>
+          <a:fillRef idx="0">
+            <a:schemeClr val="dk1"/>
+          </a:fillRef>
+          <a:effectRef idx="0">
+            <a:schemeClr val="dk1"/>
+          </a:effectRef>
+          <a:fontRef idx="minor">
+            <a:schemeClr val="tx1"/>
+          </a:fontRef>
+        </p:style>
+      </p:cxnSp>
+      <p:cxnSp>
+        <p:nvCxnSpPr>
+          <p:cNvPr id="12" name="Elbow Connector 11">
+            <a:extLst>
+              <a:ext uri="{FF2B5EF4-FFF2-40B4-BE49-F238E27FC236}">
+                <a16:creationId xmlns:a16="http://schemas.microsoft.com/office/drawing/2014/main" id="{142D1CDB-DDB1-241F-BEBE-56457FD24D3B}"/>
+              </a:ext>
+            </a:extLst>
+          </p:cNvPr>
+          <p:cNvCxnSpPr>
+            <a:cxnSpLocks/>
+            <a:stCxn id="7" idx="2"/>
+            <a:endCxn id="8" idx="0"/>
+          </p:cNvCxnSpPr>
+          <p:nvPr/>
+        </p:nvCxnSpPr>
+        <p:spPr>
+          <a:xfrm rot="16200000" flipH="1">
+            <a:off x="3354652" y="2503224"/>
+            <a:ext cx="438150" cy="3704"/>
+          </a:xfrm>
+          <a:prstGeom prst="bentConnector3">
+            <a:avLst>
+              <a:gd name="adj1" fmla="val 50000"/>
+            </a:avLst>
+          </a:prstGeom>
+          <a:ln w="38100">
+            <a:solidFill>
+              <a:schemeClr val="tx1"/>
+            </a:solidFill>
+          </a:ln>
+        </p:spPr>
+        <p:style>
+          <a:lnRef idx="1">
+            <a:schemeClr val="dk1"/>
+          </a:lnRef>
+          <a:fillRef idx="0">
+            <a:schemeClr val="dk1"/>
+          </a:fillRef>
+          <a:effectRef idx="0">
+            <a:schemeClr val="dk1"/>
+          </a:effectRef>
+          <a:fontRef idx="minor">
+            <a:schemeClr val="tx1"/>
+          </a:fontRef>
+        </p:style>
+      </p:cxnSp>
+      <p:cxnSp>
+        <p:nvCxnSpPr>
+          <p:cNvPr id="15" name="Elbow Connector 14">
+            <a:extLst>
+              <a:ext uri="{FF2B5EF4-FFF2-40B4-BE49-F238E27FC236}">
+                <a16:creationId xmlns:a16="http://schemas.microsoft.com/office/drawing/2014/main" id="{E1391524-B8CB-FB4B-2D6E-38066110C156}"/>
+              </a:ext>
+            </a:extLst>
+          </p:cNvPr>
+          <p:cNvCxnSpPr>
+            <a:cxnSpLocks/>
+            <a:stCxn id="3" idx="4"/>
+            <a:endCxn id="8" idx="2"/>
+          </p:cNvCxnSpPr>
+          <p:nvPr/>
+        </p:nvCxnSpPr>
+        <p:spPr>
+          <a:xfrm rot="16200000" flipH="1">
+            <a:off x="2247371" y="2253192"/>
+            <a:ext cx="895351" cy="1761066"/>
+          </a:xfrm>
+          <a:prstGeom prst="bentConnector3">
+            <a:avLst>
+              <a:gd name="adj1" fmla="val 125532"/>
+            </a:avLst>
+          </a:prstGeom>
+          <a:ln w="38100">
+            <a:solidFill>
+              <a:schemeClr val="tx1"/>
+            </a:solidFill>
+          </a:ln>
+        </p:spPr>
+        <p:style>
+          <a:lnRef idx="1">
+            <a:schemeClr val="dk1"/>
+          </a:lnRef>
+          <a:fillRef idx="0">
+            <a:schemeClr val="dk1"/>
+          </a:fillRef>
+          <a:effectRef idx="0">
+            <a:schemeClr val="dk1"/>
+          </a:effectRef>
+          <a:fontRef idx="minor">
+            <a:schemeClr val="tx1"/>
+          </a:fontRef>
+        </p:style>
+      </p:cxnSp>
+      <p:cxnSp>
+        <p:nvCxnSpPr>
+          <p:cNvPr id="19" name="Straight Arrow Connector 18">
+            <a:extLst>
+              <a:ext uri="{FF2B5EF4-FFF2-40B4-BE49-F238E27FC236}">
+                <a16:creationId xmlns:a16="http://schemas.microsoft.com/office/drawing/2014/main" id="{D3E42462-F366-D604-AB1C-48F61F2E48C9}"/>
+              </a:ext>
+            </a:extLst>
+          </p:cNvPr>
+          <p:cNvCxnSpPr>
+            <a:cxnSpLocks/>
+          </p:cNvCxnSpPr>
+          <p:nvPr/>
+        </p:nvCxnSpPr>
+        <p:spPr>
+          <a:xfrm>
+            <a:off x="2753127" y="1199547"/>
+            <a:ext cx="142875" cy="0"/>
+          </a:xfrm>
+          <a:prstGeom prst="straightConnector1">
+            <a:avLst/>
+          </a:prstGeom>
+          <a:ln w="73025">
+            <a:solidFill>
+              <a:schemeClr val="tx1"/>
+            </a:solidFill>
+            <a:tailEnd type="triangle"/>
+          </a:ln>
+        </p:spPr>
+        <p:style>
+          <a:lnRef idx="1">
+            <a:schemeClr val="dk1"/>
+          </a:lnRef>
+          <a:fillRef idx="0">
+            <a:schemeClr val="dk1"/>
+          </a:fillRef>
+          <a:effectRef idx="0">
+            <a:schemeClr val="dk1"/>
+          </a:effectRef>
+          <a:fontRef idx="minor">
+            <a:schemeClr val="tx1"/>
+          </a:fontRef>
+        </p:style>
+      </p:cxnSp>
+      <p:sp>
+        <p:nvSpPr>
+          <p:cNvPr id="21" name="TextBox 20">
+            <a:extLst>
+              <a:ext uri="{FF2B5EF4-FFF2-40B4-BE49-F238E27FC236}">
+                <a16:creationId xmlns:a16="http://schemas.microsoft.com/office/drawing/2014/main" id="{24E7B425-AB1A-BE65-7727-A35EE5AAAE5D}"/>
+              </a:ext>
+            </a:extLst>
+          </p:cNvPr>
+          <p:cNvSpPr txBox="1"/>
+          <p:nvPr/>
+        </p:nvSpPr>
+        <p:spPr>
+          <a:xfrm>
+            <a:off x="2515129" y="516996"/>
+            <a:ext cx="460382" cy="584775"/>
+          </a:xfrm>
+          <a:prstGeom prst="rect">
+            <a:avLst/>
+          </a:prstGeom>
+          <a:noFill/>
+        </p:spPr>
+        <p:txBody>
+          <a:bodyPr wrap="none" rtlCol="0">
+            <a:spAutoFit/>
+          </a:bodyPr>
+          <a:lstStyle/>
+          <a:p>
+            <a:r>
+              <a:rPr lang="en-ES" sz="3200" dirty="0"/>
+              <a:t>φ</a:t>
+            </a:r>
+          </a:p>
+        </p:txBody>
+      </p:sp>
+      <p:sp>
+        <p:nvSpPr>
+          <p:cNvPr id="22" name="TextBox 21">
+            <a:extLst>
+              <a:ext uri="{FF2B5EF4-FFF2-40B4-BE49-F238E27FC236}">
+                <a16:creationId xmlns:a16="http://schemas.microsoft.com/office/drawing/2014/main" id="{2723AFDD-507F-9629-781C-763537465D3D}"/>
+              </a:ext>
+            </a:extLst>
+          </p:cNvPr>
+          <p:cNvSpPr txBox="1"/>
+          <p:nvPr/>
+        </p:nvSpPr>
+        <p:spPr>
+          <a:xfrm>
+            <a:off x="3742796" y="2845329"/>
+            <a:ext cx="577402" cy="584775"/>
+          </a:xfrm>
+          <a:prstGeom prst="rect">
+            <a:avLst/>
+          </a:prstGeom>
+          <a:noFill/>
+        </p:spPr>
+        <p:txBody>
+          <a:bodyPr wrap="none" rtlCol="0">
+            <a:spAutoFit/>
+          </a:bodyPr>
+          <a:lstStyle/>
+          <a:p>
+            <a:r>
+              <a:rPr lang="en-ES" sz="3200" dirty="0"/>
+              <a:t>R</a:t>
+            </a:r>
+            <a:r>
+              <a:rPr lang="en-ES" sz="3200" baseline="-25000" dirty="0"/>
+              <a:t>e</a:t>
+            </a:r>
+          </a:p>
+        </p:txBody>
+      </p:sp>
+      <p:sp>
+        <p:nvSpPr>
+          <p:cNvPr id="23" name="TextBox 22">
+            <a:extLst>
+              <a:ext uri="{FF2B5EF4-FFF2-40B4-BE49-F238E27FC236}">
+                <a16:creationId xmlns:a16="http://schemas.microsoft.com/office/drawing/2014/main" id="{70394010-775A-3372-0B7D-630379F1D856}"/>
+              </a:ext>
+            </a:extLst>
+          </p:cNvPr>
+          <p:cNvSpPr txBox="1"/>
+          <p:nvPr/>
+        </p:nvSpPr>
+        <p:spPr>
+          <a:xfrm>
+            <a:off x="3751263" y="1532996"/>
+            <a:ext cx="1248803" cy="584775"/>
+          </a:xfrm>
+          <a:prstGeom prst="rect">
+            <a:avLst/>
+          </a:prstGeom>
+          <a:noFill/>
+        </p:spPr>
+        <p:txBody>
+          <a:bodyPr wrap="none" rtlCol="0">
+            <a:spAutoFit/>
+          </a:bodyPr>
+          <a:lstStyle/>
+          <a:p>
+            <a:r>
+              <a:rPr lang="en-ES" sz="3200" dirty="0"/>
+              <a:t>H</a:t>
+            </a:r>
+            <a:r>
+              <a:rPr lang="en-GB" sz="3200" baseline="-25000" dirty="0"/>
+              <a:t>F</a:t>
+            </a:r>
+            <a:r>
+              <a:rPr lang="en-ES" sz="3200" baseline="-25000" dirty="0"/>
+              <a:t>e</a:t>
+            </a:r>
+            <a:r>
+              <a:rPr lang="en-ES" sz="3200" dirty="0"/>
+              <a:t>(B)</a:t>
+            </a:r>
+            <a:endParaRPr lang="en-ES" sz="3200" baseline="-25000" dirty="0"/>
+          </a:p>
+        </p:txBody>
+      </p:sp>
+    </p:spTree>
+    <p:extLst>
+      <p:ext uri="{BB962C8B-B14F-4D97-AF65-F5344CB8AC3E}">
+        <p14:creationId xmlns:p14="http://schemas.microsoft.com/office/powerpoint/2010/main" val="2365552285"/>
+      </p:ext>
+    </p:extLst>
+  </p:cSld>
+  <p:clrMapOvr>
+    <a:masterClrMapping/>
+  </p:clrMapOvr>
+</p:sld>
+</file>
+
+<file path=ppt/slides/slide14.xml><?xml version="1.0" encoding="utf-8"?>
+<p:sld xmlns:a="http://schemas.openxmlformats.org/drawingml/2006/main" xmlns:r="http://schemas.openxmlformats.org/officeDocument/2006/relationships" xmlns:p="http://schemas.openxmlformats.org/presentationml/2006/main">
+  <p:cSld>
+    <p:spTree>
+      <p:nvGrpSpPr>
+        <p:cNvPr id="1" name="">
+          <a:extLst>
+            <a:ext uri="{FF2B5EF4-FFF2-40B4-BE49-F238E27FC236}">
+              <a16:creationId xmlns:a16="http://schemas.microsoft.com/office/drawing/2014/main" id="{021D2198-3F92-BF71-7B93-4F668D313911}"/>
+            </a:ext>
+          </a:extLst>
+        </p:cNvPr>
+        <p:cNvGrpSpPr/>
+        <p:nvPr/>
+      </p:nvGrpSpPr>
+      <p:grpSpPr>
+        <a:xfrm>
+          <a:off x="0" y="0"/>
+          <a:ext cx="0" cy="0"/>
+          <a:chOff x="0" y="0"/>
+          <a:chExt cx="0" cy="0"/>
+        </a:xfrm>
+      </p:grpSpPr>
+      <p:grpSp>
+        <p:nvGrpSpPr>
+          <p:cNvPr id="5" name="Group 4">
+            <a:extLst>
+              <a:ext uri="{FF2B5EF4-FFF2-40B4-BE49-F238E27FC236}">
+                <a16:creationId xmlns:a16="http://schemas.microsoft.com/office/drawing/2014/main" id="{AD9FC555-6949-C638-AFC4-EB687F27CE59}"/>
+              </a:ext>
+            </a:extLst>
+          </p:cNvPr>
+          <p:cNvGrpSpPr/>
+          <p:nvPr/>
+        </p:nvGrpSpPr>
+        <p:grpSpPr>
+          <a:xfrm>
+            <a:off x="1285874" y="1828796"/>
+            <a:ext cx="771526" cy="857254"/>
+            <a:chOff x="1228724" y="1857371"/>
+            <a:chExt cx="771526" cy="857254"/>
+          </a:xfrm>
+        </p:grpSpPr>
+        <p:sp>
+          <p:nvSpPr>
+            <p:cNvPr id="3" name="Oval 2">
+              <a:extLst>
+                <a:ext uri="{FF2B5EF4-FFF2-40B4-BE49-F238E27FC236}">
+                  <a16:creationId xmlns:a16="http://schemas.microsoft.com/office/drawing/2014/main" id="{E1DD9253-7AEC-3726-4686-96B5C8A30228}"/>
+                </a:ext>
+              </a:extLst>
+            </p:cNvPr>
+            <p:cNvSpPr/>
+            <p:nvPr/>
+          </p:nvSpPr>
+          <p:spPr>
+            <a:xfrm>
+              <a:off x="1514475" y="2214563"/>
+              <a:ext cx="485775" cy="500062"/>
+            </a:xfrm>
+            <a:prstGeom prst="ellipse">
+              <a:avLst/>
+            </a:prstGeom>
+            <a:noFill/>
+            <a:ln w="38100"/>
+          </p:spPr>
+          <p:style>
+            <a:lnRef idx="2">
+              <a:schemeClr val="accent1">
+                <a:shade val="15000"/>
+              </a:schemeClr>
+            </a:lnRef>
+            <a:fillRef idx="1">
+              <a:schemeClr val="accent1"/>
+            </a:fillRef>
+            <a:effectRef idx="0">
+              <a:schemeClr val="accent1"/>
+            </a:effectRef>
+            <a:fontRef idx="minor">
+              <a:schemeClr val="lt1"/>
+            </a:fontRef>
+          </p:style>
+          <p:txBody>
+            <a:bodyPr rtlCol="0" anchor="ctr"/>
+            <a:lstStyle/>
+            <a:p>
+              <a:pPr algn="ctr"/>
+              <a:endParaRPr lang="en-ES"/>
+            </a:p>
+          </p:txBody>
+        </p:sp>
+        <p:sp>
+          <p:nvSpPr>
+            <p:cNvPr id="4" name="TextBox 3">
+              <a:extLst>
+                <a:ext uri="{FF2B5EF4-FFF2-40B4-BE49-F238E27FC236}">
+                  <a16:creationId xmlns:a16="http://schemas.microsoft.com/office/drawing/2014/main" id="{A1AFB512-8EFC-43A3-90E5-F9C0223D0A0A}"/>
+                </a:ext>
+              </a:extLst>
+            </p:cNvPr>
+            <p:cNvSpPr txBox="1"/>
+            <p:nvPr/>
+          </p:nvSpPr>
+          <p:spPr>
+            <a:xfrm>
+              <a:off x="1228724" y="1857371"/>
+              <a:ext cx="431528" cy="646331"/>
+            </a:xfrm>
+            <a:prstGeom prst="rect">
+              <a:avLst/>
+            </a:prstGeom>
+            <a:noFill/>
+          </p:spPr>
+          <p:txBody>
+            <a:bodyPr wrap="none" rtlCol="0">
+              <a:spAutoFit/>
+            </a:bodyPr>
+            <a:lstStyle/>
+            <a:p>
+              <a:r>
+                <a:rPr lang="en-ES" sz="3600" dirty="0"/>
+                <a:t>+</a:t>
+              </a:r>
+            </a:p>
+          </p:txBody>
+        </p:sp>
+      </p:grpSp>
+      <p:sp>
+        <p:nvSpPr>
+          <p:cNvPr id="6" name="TextBox 5">
+            <a:extLst>
+              <a:ext uri="{FF2B5EF4-FFF2-40B4-BE49-F238E27FC236}">
+                <a16:creationId xmlns:a16="http://schemas.microsoft.com/office/drawing/2014/main" id="{79B6A099-3EB7-2190-7947-DE6CA1A58E05}"/>
+              </a:ext>
+            </a:extLst>
+          </p:cNvPr>
+          <p:cNvSpPr txBox="1"/>
+          <p:nvPr/>
+        </p:nvSpPr>
+        <p:spPr>
+          <a:xfrm>
+            <a:off x="151720" y="2611891"/>
+            <a:ext cx="1446230" cy="584775"/>
+          </a:xfrm>
+          <a:prstGeom prst="rect">
+            <a:avLst/>
+          </a:prstGeom>
+          <a:noFill/>
+        </p:spPr>
+        <p:txBody>
+          <a:bodyPr wrap="none" rtlCol="0">
+            <a:spAutoFit/>
+          </a:bodyPr>
+          <a:lstStyle/>
+          <a:p>
+            <a:r>
+              <a:rPr lang="en-GB" sz="3200" dirty="0"/>
+              <a:t>f</a:t>
+            </a:r>
+            <a:r>
+              <a:rPr lang="en-ES" sz="3200" dirty="0"/>
+              <a:t>mm=0</a:t>
+            </a:r>
+            <a:endParaRPr lang="en-ES" dirty="0"/>
+          </a:p>
+        </p:txBody>
+      </p:sp>
+      <p:sp>
+        <p:nvSpPr>
+          <p:cNvPr id="7" name="Rectangle 6">
+            <a:extLst>
+              <a:ext uri="{FF2B5EF4-FFF2-40B4-BE49-F238E27FC236}">
+                <a16:creationId xmlns:a16="http://schemas.microsoft.com/office/drawing/2014/main" id="{C202A17F-700F-3191-B5FD-5183378F9AAF}"/>
+              </a:ext>
+            </a:extLst>
+          </p:cNvPr>
+          <p:cNvSpPr/>
+          <p:nvPr/>
+        </p:nvSpPr>
+        <p:spPr>
+          <a:xfrm>
+            <a:off x="3457575" y="1428751"/>
+            <a:ext cx="228600" cy="857250"/>
+          </a:xfrm>
+          <a:prstGeom prst="rect">
+            <a:avLst/>
+          </a:prstGeom>
+          <a:noFill/>
+          <a:ln w="38100"/>
+        </p:spPr>
+        <p:style>
+          <a:lnRef idx="2">
+            <a:schemeClr val="accent1">
+              <a:shade val="15000"/>
+            </a:schemeClr>
+          </a:lnRef>
+          <a:fillRef idx="1">
+            <a:schemeClr val="accent1"/>
+          </a:fillRef>
+          <a:effectRef idx="0">
+            <a:schemeClr val="accent1"/>
+          </a:effectRef>
+          <a:fontRef idx="minor">
+            <a:schemeClr val="lt1"/>
+          </a:fontRef>
+        </p:style>
+        <p:txBody>
+          <a:bodyPr rtlCol="0" anchor="ctr"/>
+          <a:lstStyle/>
+          <a:p>
+            <a:pPr algn="ctr"/>
+            <a:endParaRPr lang="en-ES"/>
+          </a:p>
+        </p:txBody>
+      </p:sp>
+      <p:sp>
+        <p:nvSpPr>
+          <p:cNvPr id="8" name="Rectangle 7">
+            <a:extLst>
+              <a:ext uri="{FF2B5EF4-FFF2-40B4-BE49-F238E27FC236}">
+                <a16:creationId xmlns:a16="http://schemas.microsoft.com/office/drawing/2014/main" id="{67BA8FE9-5043-9A54-8AA2-94614F05CBFD}"/>
+              </a:ext>
+            </a:extLst>
+          </p:cNvPr>
+          <p:cNvSpPr/>
+          <p:nvPr/>
+        </p:nvSpPr>
+        <p:spPr>
+          <a:xfrm>
+            <a:off x="3461279" y="2724151"/>
+            <a:ext cx="228600" cy="857250"/>
+          </a:xfrm>
+          <a:prstGeom prst="rect">
+            <a:avLst/>
+          </a:prstGeom>
+          <a:noFill/>
+          <a:ln w="38100"/>
+        </p:spPr>
+        <p:style>
+          <a:lnRef idx="2">
+            <a:schemeClr val="accent1">
+              <a:shade val="15000"/>
+            </a:schemeClr>
+          </a:lnRef>
+          <a:fillRef idx="1">
+            <a:schemeClr val="accent1"/>
+          </a:fillRef>
+          <a:effectRef idx="0">
+            <a:schemeClr val="accent1"/>
+          </a:effectRef>
+          <a:fontRef idx="minor">
+            <a:schemeClr val="lt1"/>
+          </a:fontRef>
+        </p:style>
+        <p:txBody>
+          <a:bodyPr rtlCol="0" anchor="ctr"/>
+          <a:lstStyle/>
+          <a:p>
+            <a:pPr algn="ctr"/>
+            <a:endParaRPr lang="en-ES"/>
+          </a:p>
+        </p:txBody>
+      </p:sp>
+      <p:cxnSp>
+        <p:nvCxnSpPr>
+          <p:cNvPr id="10" name="Elbow Connector 9">
+            <a:extLst>
+              <a:ext uri="{FF2B5EF4-FFF2-40B4-BE49-F238E27FC236}">
+                <a16:creationId xmlns:a16="http://schemas.microsoft.com/office/drawing/2014/main" id="{007F7A44-F27E-F324-940D-B5601D47B535}"/>
+              </a:ext>
+            </a:extLst>
+          </p:cNvPr>
+          <p:cNvCxnSpPr>
+            <a:cxnSpLocks/>
+            <a:stCxn id="3" idx="0"/>
+            <a:endCxn id="7" idx="0"/>
+          </p:cNvCxnSpPr>
+          <p:nvPr/>
+        </p:nvCxnSpPr>
+        <p:spPr>
+          <a:xfrm rot="5400000" flipH="1" flipV="1">
+            <a:off x="2314576" y="928689"/>
+            <a:ext cx="757237" cy="1757362"/>
+          </a:xfrm>
+          <a:prstGeom prst="bentConnector3">
+            <a:avLst>
+              <a:gd name="adj1" fmla="val 130189"/>
+            </a:avLst>
+          </a:prstGeom>
+          <a:ln w="38100">
+            <a:solidFill>
+              <a:schemeClr val="tx1"/>
+            </a:solidFill>
+          </a:ln>
+        </p:spPr>
+        <p:style>
+          <a:lnRef idx="1">
+            <a:schemeClr val="dk1"/>
+          </a:lnRef>
+          <a:fillRef idx="0">
+            <a:schemeClr val="dk1"/>
+          </a:fillRef>
+          <a:effectRef idx="0">
+            <a:schemeClr val="dk1"/>
+          </a:effectRef>
+          <a:fontRef idx="minor">
+            <a:schemeClr val="tx1"/>
+          </a:fontRef>
+        </p:style>
+      </p:cxnSp>
+      <p:cxnSp>
+        <p:nvCxnSpPr>
+          <p:cNvPr id="12" name="Elbow Connector 11">
+            <a:extLst>
+              <a:ext uri="{FF2B5EF4-FFF2-40B4-BE49-F238E27FC236}">
+                <a16:creationId xmlns:a16="http://schemas.microsoft.com/office/drawing/2014/main" id="{F67D3F4A-69C1-BE8F-4EDD-5A10AD22898D}"/>
+              </a:ext>
+            </a:extLst>
+          </p:cNvPr>
+          <p:cNvCxnSpPr>
+            <a:cxnSpLocks/>
+            <a:stCxn id="7" idx="2"/>
+            <a:endCxn id="8" idx="0"/>
+          </p:cNvCxnSpPr>
+          <p:nvPr/>
+        </p:nvCxnSpPr>
+        <p:spPr>
+          <a:xfrm rot="16200000" flipH="1">
+            <a:off x="3354652" y="2503224"/>
+            <a:ext cx="438150" cy="3704"/>
+          </a:xfrm>
+          <a:prstGeom prst="bentConnector3">
+            <a:avLst>
+              <a:gd name="adj1" fmla="val 50000"/>
+            </a:avLst>
+          </a:prstGeom>
+          <a:ln w="38100">
+            <a:solidFill>
+              <a:schemeClr val="tx1"/>
+            </a:solidFill>
+          </a:ln>
+        </p:spPr>
+        <p:style>
+          <a:lnRef idx="1">
+            <a:schemeClr val="dk1"/>
+          </a:lnRef>
+          <a:fillRef idx="0">
+            <a:schemeClr val="dk1"/>
+          </a:fillRef>
+          <a:effectRef idx="0">
+            <a:schemeClr val="dk1"/>
+          </a:effectRef>
+          <a:fontRef idx="minor">
+            <a:schemeClr val="tx1"/>
+          </a:fontRef>
+        </p:style>
+      </p:cxnSp>
+      <p:cxnSp>
+        <p:nvCxnSpPr>
+          <p:cNvPr id="15" name="Elbow Connector 14">
+            <a:extLst>
+              <a:ext uri="{FF2B5EF4-FFF2-40B4-BE49-F238E27FC236}">
+                <a16:creationId xmlns:a16="http://schemas.microsoft.com/office/drawing/2014/main" id="{0D34456C-4793-EA82-391D-FA0BB9C12DB9}"/>
+              </a:ext>
+            </a:extLst>
+          </p:cNvPr>
+          <p:cNvCxnSpPr>
+            <a:cxnSpLocks/>
+            <a:stCxn id="3" idx="4"/>
+            <a:endCxn id="8" idx="2"/>
+          </p:cNvCxnSpPr>
+          <p:nvPr/>
+        </p:nvCxnSpPr>
+        <p:spPr>
+          <a:xfrm rot="16200000" flipH="1">
+            <a:off x="2247371" y="2253192"/>
+            <a:ext cx="895351" cy="1761066"/>
+          </a:xfrm>
+          <a:prstGeom prst="bentConnector3">
+            <a:avLst>
+              <a:gd name="adj1" fmla="val 125532"/>
+            </a:avLst>
+          </a:prstGeom>
+          <a:ln w="38100">
+            <a:solidFill>
+              <a:schemeClr val="tx1"/>
+            </a:solidFill>
+          </a:ln>
+        </p:spPr>
+        <p:style>
+          <a:lnRef idx="1">
+            <a:schemeClr val="dk1"/>
+          </a:lnRef>
+          <a:fillRef idx="0">
+            <a:schemeClr val="dk1"/>
+          </a:fillRef>
+          <a:effectRef idx="0">
+            <a:schemeClr val="dk1"/>
+          </a:effectRef>
+          <a:fontRef idx="minor">
+            <a:schemeClr val="tx1"/>
+          </a:fontRef>
+        </p:style>
+      </p:cxnSp>
+      <p:cxnSp>
+        <p:nvCxnSpPr>
+          <p:cNvPr id="19" name="Straight Arrow Connector 18">
+            <a:extLst>
+              <a:ext uri="{FF2B5EF4-FFF2-40B4-BE49-F238E27FC236}">
+                <a16:creationId xmlns:a16="http://schemas.microsoft.com/office/drawing/2014/main" id="{92D7B5EB-28DE-382A-7ACF-057D7CDB60AE}"/>
+              </a:ext>
+            </a:extLst>
+          </p:cNvPr>
+          <p:cNvCxnSpPr>
+            <a:cxnSpLocks/>
+          </p:cNvCxnSpPr>
+          <p:nvPr/>
+        </p:nvCxnSpPr>
+        <p:spPr>
+          <a:xfrm>
+            <a:off x="2753127" y="1199547"/>
+            <a:ext cx="142875" cy="0"/>
+          </a:xfrm>
+          <a:prstGeom prst="straightConnector1">
+            <a:avLst/>
+          </a:prstGeom>
+          <a:ln w="73025">
+            <a:solidFill>
+              <a:schemeClr val="tx1"/>
+            </a:solidFill>
+            <a:tailEnd type="triangle"/>
+          </a:ln>
+        </p:spPr>
+        <p:style>
+          <a:lnRef idx="1">
+            <a:schemeClr val="dk1"/>
+          </a:lnRef>
+          <a:fillRef idx="0">
+            <a:schemeClr val="dk1"/>
+          </a:fillRef>
+          <a:effectRef idx="0">
+            <a:schemeClr val="dk1"/>
+          </a:effectRef>
+          <a:fontRef idx="minor">
+            <a:schemeClr val="tx1"/>
+          </a:fontRef>
+        </p:style>
+      </p:cxnSp>
+      <p:sp>
+        <p:nvSpPr>
+          <p:cNvPr id="21" name="TextBox 20">
+            <a:extLst>
+              <a:ext uri="{FF2B5EF4-FFF2-40B4-BE49-F238E27FC236}">
+                <a16:creationId xmlns:a16="http://schemas.microsoft.com/office/drawing/2014/main" id="{B4F033C7-45C9-B572-C226-9CE714C00564}"/>
+              </a:ext>
+            </a:extLst>
+          </p:cNvPr>
+          <p:cNvSpPr txBox="1"/>
+          <p:nvPr/>
+        </p:nvSpPr>
+        <p:spPr>
+          <a:xfrm>
+            <a:off x="2515129" y="516996"/>
+            <a:ext cx="460382" cy="584775"/>
+          </a:xfrm>
+          <a:prstGeom prst="rect">
+            <a:avLst/>
+          </a:prstGeom>
+          <a:noFill/>
+        </p:spPr>
+        <p:txBody>
+          <a:bodyPr wrap="none" rtlCol="0">
+            <a:spAutoFit/>
+          </a:bodyPr>
+          <a:lstStyle/>
+          <a:p>
+            <a:r>
+              <a:rPr lang="en-ES" sz="3200" dirty="0"/>
+              <a:t>φ</a:t>
+            </a:r>
+          </a:p>
+        </p:txBody>
+      </p:sp>
+      <p:sp>
+        <p:nvSpPr>
+          <p:cNvPr id="22" name="TextBox 21">
+            <a:extLst>
+              <a:ext uri="{FF2B5EF4-FFF2-40B4-BE49-F238E27FC236}">
+                <a16:creationId xmlns:a16="http://schemas.microsoft.com/office/drawing/2014/main" id="{C8DA1606-C641-420B-AEA8-EFE7FB26D782}"/>
+              </a:ext>
+            </a:extLst>
+          </p:cNvPr>
+          <p:cNvSpPr txBox="1"/>
+          <p:nvPr/>
+        </p:nvSpPr>
+        <p:spPr>
+          <a:xfrm>
+            <a:off x="3742796" y="2845329"/>
+            <a:ext cx="503664" cy="584775"/>
+          </a:xfrm>
+          <a:prstGeom prst="rect">
+            <a:avLst/>
+          </a:prstGeom>
+          <a:noFill/>
+        </p:spPr>
+        <p:txBody>
+          <a:bodyPr wrap="none" rtlCol="0">
+            <a:spAutoFit/>
+          </a:bodyPr>
+          <a:lstStyle/>
+          <a:p>
+            <a:r>
+              <a:rPr lang="en-ES" sz="3200" dirty="0"/>
+              <a:t>R</a:t>
+            </a:r>
+            <a:r>
+              <a:rPr lang="en-ES" sz="3200" baseline="-25000" dirty="0"/>
+              <a:t>l</a:t>
+            </a:r>
+          </a:p>
+        </p:txBody>
+      </p:sp>
+      <p:sp>
+        <p:nvSpPr>
+          <p:cNvPr id="23" name="TextBox 22">
+            <a:extLst>
+              <a:ext uri="{FF2B5EF4-FFF2-40B4-BE49-F238E27FC236}">
+                <a16:creationId xmlns:a16="http://schemas.microsoft.com/office/drawing/2014/main" id="{AF1DC6C7-41ED-BB3A-6195-A95CE20370D2}"/>
+              </a:ext>
+            </a:extLst>
+          </p:cNvPr>
+          <p:cNvSpPr txBox="1"/>
+          <p:nvPr/>
+        </p:nvSpPr>
+        <p:spPr>
+          <a:xfrm>
+            <a:off x="3751263" y="1532996"/>
+            <a:ext cx="1248803" cy="584775"/>
+          </a:xfrm>
+          <a:prstGeom prst="rect">
+            <a:avLst/>
+          </a:prstGeom>
+          <a:noFill/>
+        </p:spPr>
+        <p:txBody>
+          <a:bodyPr wrap="none" rtlCol="0">
+            <a:spAutoFit/>
+          </a:bodyPr>
+          <a:lstStyle/>
+          <a:p>
+            <a:r>
+              <a:rPr lang="en-ES" sz="3200" dirty="0"/>
+              <a:t>H</a:t>
+            </a:r>
+            <a:r>
+              <a:rPr lang="en-GB" sz="3200" baseline="-25000" dirty="0"/>
+              <a:t>F</a:t>
+            </a:r>
+            <a:r>
+              <a:rPr lang="en-ES" sz="3200" baseline="-25000" dirty="0"/>
+              <a:t>e</a:t>
+            </a:r>
+            <a:r>
+              <a:rPr lang="en-ES" sz="3200" dirty="0"/>
+              <a:t>(B)</a:t>
+            </a:r>
+            <a:endParaRPr lang="en-ES" sz="3200" baseline="-25000" dirty="0"/>
+          </a:p>
+        </p:txBody>
+      </p:sp>
+    </p:spTree>
+    <p:extLst>
+      <p:ext uri="{BB962C8B-B14F-4D97-AF65-F5344CB8AC3E}">
+        <p14:creationId xmlns:p14="http://schemas.microsoft.com/office/powerpoint/2010/main" val="3980787269"/>
+      </p:ext>
+    </p:extLst>
+  </p:cSld>
+  <p:clrMapOvr>
+    <a:masterClrMapping/>
+  </p:clrMapOvr>
+</p:sld>
+</file>
+
+<file path=ppt/slides/slide15.xml><?xml version="1.0" encoding="utf-8"?>
+<p:sld xmlns:a="http://schemas.openxmlformats.org/drawingml/2006/main" xmlns:r="http://schemas.openxmlformats.org/officeDocument/2006/relationships" xmlns:p="http://schemas.openxmlformats.org/presentationml/2006/main">
+  <p:cSld>
+    <p:spTree>
+      <p:nvGrpSpPr>
+        <p:cNvPr id="1" name="">
+          <a:extLst>
+            <a:ext uri="{FF2B5EF4-FFF2-40B4-BE49-F238E27FC236}">
+              <a16:creationId xmlns:a16="http://schemas.microsoft.com/office/drawing/2014/main" id="{99FFBEA0-20A1-3DAF-5302-36E9CD803E4B}"/>
+            </a:ext>
+          </a:extLst>
+        </p:cNvPr>
+        <p:cNvGrpSpPr/>
+        <p:nvPr/>
+      </p:nvGrpSpPr>
+      <p:grpSpPr>
+        <a:xfrm>
+          <a:off x="0" y="0"/>
+          <a:ext cx="0" cy="0"/>
+          <a:chOff x="0" y="0"/>
+          <a:chExt cx="0" cy="0"/>
+        </a:xfrm>
+      </p:grpSpPr>
+      <p:grpSp>
+        <p:nvGrpSpPr>
+          <p:cNvPr id="5" name="Group 4">
+            <a:extLst>
+              <a:ext uri="{FF2B5EF4-FFF2-40B4-BE49-F238E27FC236}">
+                <a16:creationId xmlns:a16="http://schemas.microsoft.com/office/drawing/2014/main" id="{D535B6B9-7D5B-A83E-9508-46C6221B982C}"/>
+              </a:ext>
+            </a:extLst>
+          </p:cNvPr>
+          <p:cNvGrpSpPr/>
+          <p:nvPr/>
+        </p:nvGrpSpPr>
+        <p:grpSpPr>
+          <a:xfrm>
+            <a:off x="1285874" y="1828796"/>
+            <a:ext cx="771526" cy="857254"/>
+            <a:chOff x="1228724" y="1857371"/>
+            <a:chExt cx="771526" cy="857254"/>
+          </a:xfrm>
+        </p:grpSpPr>
+        <p:sp>
+          <p:nvSpPr>
+            <p:cNvPr id="3" name="Oval 2">
+              <a:extLst>
+                <a:ext uri="{FF2B5EF4-FFF2-40B4-BE49-F238E27FC236}">
+                  <a16:creationId xmlns:a16="http://schemas.microsoft.com/office/drawing/2014/main" id="{CA4DD5BE-F6F6-66B9-5750-3DDE3A53E4FC}"/>
+                </a:ext>
+              </a:extLst>
+            </p:cNvPr>
+            <p:cNvSpPr/>
+            <p:nvPr/>
+          </p:nvSpPr>
+          <p:spPr>
+            <a:xfrm>
+              <a:off x="1514475" y="2214563"/>
+              <a:ext cx="485775" cy="500062"/>
+            </a:xfrm>
+            <a:prstGeom prst="ellipse">
+              <a:avLst/>
+            </a:prstGeom>
+            <a:noFill/>
+            <a:ln w="38100"/>
+          </p:spPr>
+          <p:style>
+            <a:lnRef idx="2">
+              <a:schemeClr val="accent1">
+                <a:shade val="15000"/>
+              </a:schemeClr>
+            </a:lnRef>
+            <a:fillRef idx="1">
+              <a:schemeClr val="accent1"/>
+            </a:fillRef>
+            <a:effectRef idx="0">
+              <a:schemeClr val="accent1"/>
+            </a:effectRef>
+            <a:fontRef idx="minor">
+              <a:schemeClr val="lt1"/>
+            </a:fontRef>
+          </p:style>
+          <p:txBody>
+            <a:bodyPr rtlCol="0" anchor="ctr"/>
+            <a:lstStyle/>
+            <a:p>
+              <a:pPr algn="ctr"/>
+              <a:endParaRPr lang="en-ES"/>
+            </a:p>
+          </p:txBody>
+        </p:sp>
+        <p:sp>
+          <p:nvSpPr>
+            <p:cNvPr id="4" name="TextBox 3">
+              <a:extLst>
+                <a:ext uri="{FF2B5EF4-FFF2-40B4-BE49-F238E27FC236}">
+                  <a16:creationId xmlns:a16="http://schemas.microsoft.com/office/drawing/2014/main" id="{2B582E26-687D-9766-2582-2D0C0092842E}"/>
+                </a:ext>
+              </a:extLst>
+            </p:cNvPr>
+            <p:cNvSpPr txBox="1"/>
+            <p:nvPr/>
+          </p:nvSpPr>
+          <p:spPr>
+            <a:xfrm>
+              <a:off x="1228724" y="1857371"/>
+              <a:ext cx="431528" cy="646331"/>
+            </a:xfrm>
+            <a:prstGeom prst="rect">
+              <a:avLst/>
+            </a:prstGeom>
+            <a:noFill/>
+          </p:spPr>
+          <p:txBody>
+            <a:bodyPr wrap="none" rtlCol="0">
+              <a:spAutoFit/>
+            </a:bodyPr>
+            <a:lstStyle/>
+            <a:p>
+              <a:r>
+                <a:rPr lang="en-ES" sz="3600" dirty="0"/>
+                <a:t>+</a:t>
+              </a:r>
+            </a:p>
+          </p:txBody>
+        </p:sp>
+      </p:grpSp>
+      <p:sp>
+        <p:nvSpPr>
+          <p:cNvPr id="6" name="TextBox 5">
+            <a:extLst>
+              <a:ext uri="{FF2B5EF4-FFF2-40B4-BE49-F238E27FC236}">
+                <a16:creationId xmlns:a16="http://schemas.microsoft.com/office/drawing/2014/main" id="{D7CA5454-0258-3EAF-A0AC-4B84EA1E37E0}"/>
+              </a:ext>
+            </a:extLst>
+          </p:cNvPr>
+          <p:cNvSpPr txBox="1"/>
+          <p:nvPr/>
+        </p:nvSpPr>
+        <p:spPr>
+          <a:xfrm>
+            <a:off x="151720" y="2611891"/>
+            <a:ext cx="1446230" cy="584775"/>
+          </a:xfrm>
+          <a:prstGeom prst="rect">
+            <a:avLst/>
+          </a:prstGeom>
+          <a:noFill/>
+        </p:spPr>
+        <p:txBody>
+          <a:bodyPr wrap="none" rtlCol="0">
+            <a:spAutoFit/>
+          </a:bodyPr>
+          <a:lstStyle/>
+          <a:p>
+            <a:r>
+              <a:rPr lang="en-GB" sz="3200" dirty="0"/>
+              <a:t>f</a:t>
+            </a:r>
+            <a:r>
+              <a:rPr lang="en-ES" sz="3200" dirty="0"/>
+              <a:t>mm=0</a:t>
+            </a:r>
+            <a:endParaRPr lang="en-ES" dirty="0"/>
+          </a:p>
+        </p:txBody>
+      </p:sp>
+      <p:sp>
+        <p:nvSpPr>
+          <p:cNvPr id="7" name="Rectangle 6">
+            <a:extLst>
+              <a:ext uri="{FF2B5EF4-FFF2-40B4-BE49-F238E27FC236}">
+                <a16:creationId xmlns:a16="http://schemas.microsoft.com/office/drawing/2014/main" id="{8508AC69-4D69-0C62-BE33-6254F1124399}"/>
+              </a:ext>
+            </a:extLst>
+          </p:cNvPr>
+          <p:cNvSpPr/>
+          <p:nvPr/>
+        </p:nvSpPr>
+        <p:spPr>
+          <a:xfrm>
+            <a:off x="3457575" y="1428751"/>
+            <a:ext cx="228600" cy="857250"/>
+          </a:xfrm>
+          <a:prstGeom prst="rect">
+            <a:avLst/>
+          </a:prstGeom>
+          <a:noFill/>
+          <a:ln w="38100"/>
+        </p:spPr>
+        <p:style>
+          <a:lnRef idx="2">
+            <a:schemeClr val="accent1">
+              <a:shade val="15000"/>
+            </a:schemeClr>
+          </a:lnRef>
+          <a:fillRef idx="1">
+            <a:schemeClr val="accent1"/>
+          </a:fillRef>
+          <a:effectRef idx="0">
+            <a:schemeClr val="accent1"/>
+          </a:effectRef>
+          <a:fontRef idx="minor">
+            <a:schemeClr val="lt1"/>
+          </a:fontRef>
+        </p:style>
+        <p:txBody>
+          <a:bodyPr rtlCol="0" anchor="ctr"/>
+          <a:lstStyle/>
+          <a:p>
+            <a:pPr algn="ctr"/>
+            <a:endParaRPr lang="en-ES"/>
+          </a:p>
+        </p:txBody>
+      </p:sp>
+      <p:sp>
+        <p:nvSpPr>
+          <p:cNvPr id="8" name="Rectangle 7">
+            <a:extLst>
+              <a:ext uri="{FF2B5EF4-FFF2-40B4-BE49-F238E27FC236}">
+                <a16:creationId xmlns:a16="http://schemas.microsoft.com/office/drawing/2014/main" id="{02F947B2-8BF8-EA93-F275-AF67024DBF45}"/>
+              </a:ext>
+            </a:extLst>
+          </p:cNvPr>
+          <p:cNvSpPr/>
+          <p:nvPr/>
+        </p:nvSpPr>
+        <p:spPr>
+          <a:xfrm>
+            <a:off x="3461279" y="2724151"/>
+            <a:ext cx="228600" cy="857250"/>
+          </a:xfrm>
+          <a:prstGeom prst="rect">
+            <a:avLst/>
+          </a:prstGeom>
+          <a:noFill/>
+          <a:ln w="38100"/>
+        </p:spPr>
+        <p:style>
+          <a:lnRef idx="2">
+            <a:schemeClr val="accent1">
+              <a:shade val="15000"/>
+            </a:schemeClr>
+          </a:lnRef>
+          <a:fillRef idx="1">
+            <a:schemeClr val="accent1"/>
+          </a:fillRef>
+          <a:effectRef idx="0">
+            <a:schemeClr val="accent1"/>
+          </a:effectRef>
+          <a:fontRef idx="minor">
+            <a:schemeClr val="lt1"/>
+          </a:fontRef>
+        </p:style>
+        <p:txBody>
+          <a:bodyPr rtlCol="0" anchor="ctr"/>
+          <a:lstStyle/>
+          <a:p>
+            <a:pPr algn="ctr"/>
+            <a:endParaRPr lang="en-ES"/>
+          </a:p>
+        </p:txBody>
+      </p:sp>
+      <p:cxnSp>
+        <p:nvCxnSpPr>
+          <p:cNvPr id="10" name="Elbow Connector 9">
+            <a:extLst>
+              <a:ext uri="{FF2B5EF4-FFF2-40B4-BE49-F238E27FC236}">
+                <a16:creationId xmlns:a16="http://schemas.microsoft.com/office/drawing/2014/main" id="{A9DB73C6-1EB7-25BD-49CA-A6795E78E97D}"/>
+              </a:ext>
+            </a:extLst>
+          </p:cNvPr>
+          <p:cNvCxnSpPr>
+            <a:cxnSpLocks/>
+            <a:stCxn id="3" idx="0"/>
+            <a:endCxn id="7" idx="0"/>
+          </p:cNvCxnSpPr>
+          <p:nvPr/>
+        </p:nvCxnSpPr>
+        <p:spPr>
+          <a:xfrm rot="5400000" flipH="1" flipV="1">
+            <a:off x="2314576" y="928689"/>
+            <a:ext cx="757237" cy="1757362"/>
+          </a:xfrm>
+          <a:prstGeom prst="bentConnector3">
+            <a:avLst>
+              <a:gd name="adj1" fmla="val 130189"/>
+            </a:avLst>
+          </a:prstGeom>
+          <a:ln w="38100">
+            <a:solidFill>
+              <a:schemeClr val="tx1"/>
+            </a:solidFill>
+          </a:ln>
+        </p:spPr>
+        <p:style>
+          <a:lnRef idx="1">
+            <a:schemeClr val="dk1"/>
+          </a:lnRef>
+          <a:fillRef idx="0">
+            <a:schemeClr val="dk1"/>
+          </a:fillRef>
+          <a:effectRef idx="0">
+            <a:schemeClr val="dk1"/>
+          </a:effectRef>
+          <a:fontRef idx="minor">
+            <a:schemeClr val="tx1"/>
+          </a:fontRef>
+        </p:style>
+      </p:cxnSp>
+      <p:cxnSp>
+        <p:nvCxnSpPr>
+          <p:cNvPr id="12" name="Elbow Connector 11">
+            <a:extLst>
+              <a:ext uri="{FF2B5EF4-FFF2-40B4-BE49-F238E27FC236}">
+                <a16:creationId xmlns:a16="http://schemas.microsoft.com/office/drawing/2014/main" id="{A3C3340F-0CCB-06C4-3079-FAAAA6F95363}"/>
+              </a:ext>
+            </a:extLst>
+          </p:cNvPr>
+          <p:cNvCxnSpPr>
+            <a:cxnSpLocks/>
+            <a:stCxn id="7" idx="2"/>
+            <a:endCxn id="8" idx="0"/>
+          </p:cNvCxnSpPr>
+          <p:nvPr/>
+        </p:nvCxnSpPr>
+        <p:spPr>
+          <a:xfrm rot="16200000" flipH="1">
+            <a:off x="3354652" y="2503224"/>
+            <a:ext cx="438150" cy="3704"/>
+          </a:xfrm>
+          <a:prstGeom prst="bentConnector3">
+            <a:avLst>
+              <a:gd name="adj1" fmla="val 50000"/>
+            </a:avLst>
+          </a:prstGeom>
+          <a:ln w="38100">
+            <a:solidFill>
+              <a:schemeClr val="tx1"/>
+            </a:solidFill>
+          </a:ln>
+        </p:spPr>
+        <p:style>
+          <a:lnRef idx="1">
+            <a:schemeClr val="dk1"/>
+          </a:lnRef>
+          <a:fillRef idx="0">
+            <a:schemeClr val="dk1"/>
+          </a:fillRef>
+          <a:effectRef idx="0">
+            <a:schemeClr val="dk1"/>
+          </a:effectRef>
+          <a:fontRef idx="minor">
+            <a:schemeClr val="tx1"/>
+          </a:fontRef>
+        </p:style>
+      </p:cxnSp>
+      <p:cxnSp>
+        <p:nvCxnSpPr>
+          <p:cNvPr id="15" name="Elbow Connector 14">
+            <a:extLst>
+              <a:ext uri="{FF2B5EF4-FFF2-40B4-BE49-F238E27FC236}">
+                <a16:creationId xmlns:a16="http://schemas.microsoft.com/office/drawing/2014/main" id="{4A2B6AAC-7158-8E80-E822-332545DBF8AE}"/>
+              </a:ext>
+            </a:extLst>
+          </p:cNvPr>
+          <p:cNvCxnSpPr>
+            <a:cxnSpLocks/>
+            <a:stCxn id="3" idx="4"/>
+            <a:endCxn id="2" idx="2"/>
+          </p:cNvCxnSpPr>
+          <p:nvPr/>
+        </p:nvCxnSpPr>
+        <p:spPr>
+          <a:xfrm rot="16200000" flipH="1">
+            <a:off x="1616000" y="2884563"/>
+            <a:ext cx="2159001" cy="1761974"/>
+          </a:xfrm>
+          <a:prstGeom prst="bentConnector3">
+            <a:avLst>
+              <a:gd name="adj1" fmla="val 110588"/>
+            </a:avLst>
+          </a:prstGeom>
+          <a:ln w="38100">
+            <a:solidFill>
+              <a:schemeClr val="tx1"/>
+            </a:solidFill>
+          </a:ln>
+        </p:spPr>
+        <p:style>
+          <a:lnRef idx="1">
+            <a:schemeClr val="dk1"/>
+          </a:lnRef>
+          <a:fillRef idx="0">
+            <a:schemeClr val="dk1"/>
+          </a:fillRef>
+          <a:effectRef idx="0">
+            <a:schemeClr val="dk1"/>
+          </a:effectRef>
+          <a:fontRef idx="minor">
+            <a:schemeClr val="tx1"/>
+          </a:fontRef>
+        </p:style>
+      </p:cxnSp>
+      <p:cxnSp>
+        <p:nvCxnSpPr>
+          <p:cNvPr id="19" name="Straight Arrow Connector 18">
+            <a:extLst>
+              <a:ext uri="{FF2B5EF4-FFF2-40B4-BE49-F238E27FC236}">
+                <a16:creationId xmlns:a16="http://schemas.microsoft.com/office/drawing/2014/main" id="{15272A8E-5C3D-4415-9703-86C43CBA6007}"/>
+              </a:ext>
+            </a:extLst>
+          </p:cNvPr>
+          <p:cNvCxnSpPr>
+            <a:cxnSpLocks/>
+          </p:cNvCxnSpPr>
+          <p:nvPr/>
+        </p:nvCxnSpPr>
+        <p:spPr>
+          <a:xfrm>
+            <a:off x="2753127" y="1199547"/>
+            <a:ext cx="142875" cy="0"/>
+          </a:xfrm>
+          <a:prstGeom prst="straightConnector1">
+            <a:avLst/>
+          </a:prstGeom>
+          <a:ln w="73025">
+            <a:solidFill>
+              <a:schemeClr val="tx1"/>
+            </a:solidFill>
+            <a:tailEnd type="triangle"/>
+          </a:ln>
+        </p:spPr>
+        <p:style>
+          <a:lnRef idx="1">
+            <a:schemeClr val="dk1"/>
+          </a:lnRef>
+          <a:fillRef idx="0">
+            <a:schemeClr val="dk1"/>
+          </a:fillRef>
+          <a:effectRef idx="0">
+            <a:schemeClr val="dk1"/>
+          </a:effectRef>
+          <a:fontRef idx="minor">
+            <a:schemeClr val="tx1"/>
+          </a:fontRef>
+        </p:style>
+      </p:cxnSp>
+      <p:sp>
+        <p:nvSpPr>
+          <p:cNvPr id="21" name="TextBox 20">
+            <a:extLst>
+              <a:ext uri="{FF2B5EF4-FFF2-40B4-BE49-F238E27FC236}">
+                <a16:creationId xmlns:a16="http://schemas.microsoft.com/office/drawing/2014/main" id="{C9E4E778-C39A-A06B-4BC4-4505E3309CF3}"/>
+              </a:ext>
+            </a:extLst>
+          </p:cNvPr>
+          <p:cNvSpPr txBox="1"/>
+          <p:nvPr/>
+        </p:nvSpPr>
+        <p:spPr>
+          <a:xfrm>
+            <a:off x="2515129" y="516996"/>
+            <a:ext cx="460382" cy="584775"/>
+          </a:xfrm>
+          <a:prstGeom prst="rect">
+            <a:avLst/>
+          </a:prstGeom>
+          <a:noFill/>
+        </p:spPr>
+        <p:txBody>
+          <a:bodyPr wrap="none" rtlCol="0">
+            <a:spAutoFit/>
+          </a:bodyPr>
+          <a:lstStyle/>
+          <a:p>
+            <a:r>
+              <a:rPr lang="en-ES" sz="3200" dirty="0"/>
+              <a:t>φ</a:t>
+            </a:r>
+          </a:p>
+        </p:txBody>
+      </p:sp>
+      <p:sp>
+        <p:nvSpPr>
+          <p:cNvPr id="22" name="TextBox 21">
+            <a:extLst>
+              <a:ext uri="{FF2B5EF4-FFF2-40B4-BE49-F238E27FC236}">
+                <a16:creationId xmlns:a16="http://schemas.microsoft.com/office/drawing/2014/main" id="{0F5FF090-EB57-4BA7-42F5-71EA5965D1E4}"/>
+              </a:ext>
+            </a:extLst>
+          </p:cNvPr>
+          <p:cNvSpPr txBox="1"/>
+          <p:nvPr/>
+        </p:nvSpPr>
+        <p:spPr>
+          <a:xfrm>
+            <a:off x="3742796" y="2845329"/>
+            <a:ext cx="503664" cy="584775"/>
+          </a:xfrm>
+          <a:prstGeom prst="rect">
+            <a:avLst/>
+          </a:prstGeom>
+          <a:noFill/>
+        </p:spPr>
+        <p:txBody>
+          <a:bodyPr wrap="none" rtlCol="0">
+            <a:spAutoFit/>
+          </a:bodyPr>
+          <a:lstStyle/>
+          <a:p>
+            <a:r>
+              <a:rPr lang="en-ES" sz="3200" dirty="0"/>
+              <a:t>R</a:t>
+            </a:r>
+            <a:r>
+              <a:rPr lang="en-ES" sz="3200" baseline="-25000" dirty="0"/>
+              <a:t>l</a:t>
+            </a:r>
+          </a:p>
+        </p:txBody>
+      </p:sp>
+      <p:sp>
+        <p:nvSpPr>
+          <p:cNvPr id="23" name="TextBox 22">
+            <a:extLst>
+              <a:ext uri="{FF2B5EF4-FFF2-40B4-BE49-F238E27FC236}">
+                <a16:creationId xmlns:a16="http://schemas.microsoft.com/office/drawing/2014/main" id="{A39B76A4-52DA-ECEF-34C7-97F1055250F9}"/>
+              </a:ext>
+            </a:extLst>
+          </p:cNvPr>
+          <p:cNvSpPr txBox="1"/>
+          <p:nvPr/>
+        </p:nvSpPr>
+        <p:spPr>
+          <a:xfrm>
+            <a:off x="3751263" y="1532996"/>
+            <a:ext cx="1248803" cy="584775"/>
+          </a:xfrm>
+          <a:prstGeom prst="rect">
+            <a:avLst/>
+          </a:prstGeom>
+          <a:noFill/>
+        </p:spPr>
+        <p:txBody>
+          <a:bodyPr wrap="none" rtlCol="0">
+            <a:spAutoFit/>
+          </a:bodyPr>
+          <a:lstStyle/>
+          <a:p>
+            <a:r>
+              <a:rPr lang="en-ES" sz="3200" dirty="0"/>
+              <a:t>H</a:t>
+            </a:r>
+            <a:r>
+              <a:rPr lang="en-GB" sz="3200" baseline="-25000" dirty="0"/>
+              <a:t>F</a:t>
+            </a:r>
+            <a:r>
+              <a:rPr lang="en-ES" sz="3200" baseline="-25000" dirty="0"/>
+              <a:t>e</a:t>
+            </a:r>
+            <a:r>
+              <a:rPr lang="en-ES" sz="3200" dirty="0"/>
+              <a:t>(B)</a:t>
+            </a:r>
+            <a:endParaRPr lang="en-ES" sz="3200" baseline="-25000" dirty="0"/>
+          </a:p>
+        </p:txBody>
+      </p:sp>
+      <p:sp>
+        <p:nvSpPr>
+          <p:cNvPr id="2" name="Rectangle 1">
+            <a:extLst>
+              <a:ext uri="{FF2B5EF4-FFF2-40B4-BE49-F238E27FC236}">
+                <a16:creationId xmlns:a16="http://schemas.microsoft.com/office/drawing/2014/main" id="{0BE81064-6EA6-DB58-0C8E-CC5689425E82}"/>
+              </a:ext>
+            </a:extLst>
+          </p:cNvPr>
+          <p:cNvSpPr/>
+          <p:nvPr/>
+        </p:nvSpPr>
+        <p:spPr>
+          <a:xfrm>
+            <a:off x="3462187" y="3987801"/>
+            <a:ext cx="228600" cy="857250"/>
+          </a:xfrm>
+          <a:prstGeom prst="rect">
+            <a:avLst/>
+          </a:prstGeom>
+          <a:noFill/>
+          <a:ln w="38100"/>
+        </p:spPr>
+        <p:style>
+          <a:lnRef idx="2">
+            <a:schemeClr val="accent1">
+              <a:shade val="15000"/>
+            </a:schemeClr>
+          </a:lnRef>
+          <a:fillRef idx="1">
+            <a:schemeClr val="accent1"/>
+          </a:fillRef>
+          <a:effectRef idx="0">
+            <a:schemeClr val="accent1"/>
+          </a:effectRef>
+          <a:fontRef idx="minor">
+            <a:schemeClr val="lt1"/>
+          </a:fontRef>
+        </p:style>
+        <p:txBody>
+          <a:bodyPr rtlCol="0" anchor="ctr"/>
+          <a:lstStyle/>
+          <a:p>
+            <a:pPr algn="ctr"/>
+            <a:endParaRPr lang="en-ES"/>
+          </a:p>
+        </p:txBody>
+      </p:sp>
+      <p:sp>
+        <p:nvSpPr>
+          <p:cNvPr id="9" name="TextBox 8">
+            <a:extLst>
+              <a:ext uri="{FF2B5EF4-FFF2-40B4-BE49-F238E27FC236}">
+                <a16:creationId xmlns:a16="http://schemas.microsoft.com/office/drawing/2014/main" id="{3E50DF7D-CEE4-B040-78D8-CE266FFCFE57}"/>
+              </a:ext>
+            </a:extLst>
+          </p:cNvPr>
+          <p:cNvSpPr txBox="1"/>
+          <p:nvPr/>
+        </p:nvSpPr>
+        <p:spPr>
+          <a:xfrm>
+            <a:off x="3743704" y="4108979"/>
+            <a:ext cx="577402" cy="584775"/>
+          </a:xfrm>
+          <a:prstGeom prst="rect">
+            <a:avLst/>
+          </a:prstGeom>
+          <a:noFill/>
+        </p:spPr>
+        <p:txBody>
+          <a:bodyPr wrap="none" rtlCol="0">
+            <a:spAutoFit/>
+          </a:bodyPr>
+          <a:lstStyle/>
+          <a:p>
+            <a:r>
+              <a:rPr lang="en-ES" sz="3200" dirty="0"/>
+              <a:t>R</a:t>
+            </a:r>
+            <a:r>
+              <a:rPr lang="en-ES" sz="3200" baseline="-25000" dirty="0"/>
+              <a:t>e</a:t>
+            </a:r>
+          </a:p>
+        </p:txBody>
+      </p:sp>
+      <p:cxnSp>
+        <p:nvCxnSpPr>
+          <p:cNvPr id="13" name="Elbow Connector 12">
+            <a:extLst>
+              <a:ext uri="{FF2B5EF4-FFF2-40B4-BE49-F238E27FC236}">
+                <a16:creationId xmlns:a16="http://schemas.microsoft.com/office/drawing/2014/main" id="{A39BE957-36A3-94E5-FF2B-C128E8AA134D}"/>
+              </a:ext>
+            </a:extLst>
+          </p:cNvPr>
+          <p:cNvCxnSpPr>
+            <a:cxnSpLocks/>
+            <a:stCxn id="8" idx="2"/>
+            <a:endCxn id="2" idx="0"/>
+          </p:cNvCxnSpPr>
+          <p:nvPr/>
+        </p:nvCxnSpPr>
+        <p:spPr>
+          <a:xfrm rot="16200000" flipH="1">
+            <a:off x="3372833" y="3784147"/>
+            <a:ext cx="406400" cy="908"/>
+          </a:xfrm>
+          <a:prstGeom prst="bentConnector3">
+            <a:avLst>
+              <a:gd name="adj1" fmla="val 50000"/>
+            </a:avLst>
+          </a:prstGeom>
+          <a:ln w="38100">
+            <a:solidFill>
+              <a:schemeClr val="tx1"/>
+            </a:solidFill>
+          </a:ln>
+        </p:spPr>
+        <p:style>
+          <a:lnRef idx="1">
+            <a:schemeClr val="dk1"/>
+          </a:lnRef>
+          <a:fillRef idx="0">
+            <a:schemeClr val="dk1"/>
+          </a:fillRef>
+          <a:effectRef idx="0">
+            <a:schemeClr val="dk1"/>
+          </a:effectRef>
+          <a:fontRef idx="minor">
+            <a:schemeClr val="tx1"/>
+          </a:fontRef>
+        </p:style>
+      </p:cxnSp>
+    </p:spTree>
+    <p:extLst>
+      <p:ext uri="{BB962C8B-B14F-4D97-AF65-F5344CB8AC3E}">
+        <p14:creationId xmlns:p14="http://schemas.microsoft.com/office/powerpoint/2010/main" val="2485803412"/>
       </p:ext>
     </p:extLst>
   </p:cSld>

--- a/images/Images.pptx
+++ b/images/Images.pptx
@@ -284,7 +284,7 @@
           <a:p>
             <a:fld id="{BA48513D-C823-C342-87AA-C2EB607FA67A}" type="datetimeFigureOut">
               <a:rPr lang="en-ES" smtClean="0"/>
-              <a:t>19/12/24</a:t>
+              <a:t>7/1/25</a:t>
             </a:fld>
             <a:endParaRPr lang="en-ES"/>
           </a:p>
@@ -484,7 +484,7 @@
           <a:p>
             <a:fld id="{BA48513D-C823-C342-87AA-C2EB607FA67A}" type="datetimeFigureOut">
               <a:rPr lang="en-ES" smtClean="0"/>
-              <a:t>19/12/24</a:t>
+              <a:t>7/1/25</a:t>
             </a:fld>
             <a:endParaRPr lang="en-ES"/>
           </a:p>
@@ -694,7 +694,7 @@
           <a:p>
             <a:fld id="{BA48513D-C823-C342-87AA-C2EB607FA67A}" type="datetimeFigureOut">
               <a:rPr lang="en-ES" smtClean="0"/>
-              <a:t>19/12/24</a:t>
+              <a:t>7/1/25</a:t>
             </a:fld>
             <a:endParaRPr lang="en-ES"/>
           </a:p>
@@ -894,7 +894,7 @@
           <a:p>
             <a:fld id="{BA48513D-C823-C342-87AA-C2EB607FA67A}" type="datetimeFigureOut">
               <a:rPr lang="en-ES" smtClean="0"/>
-              <a:t>19/12/24</a:t>
+              <a:t>7/1/25</a:t>
             </a:fld>
             <a:endParaRPr lang="en-ES"/>
           </a:p>
@@ -1170,7 +1170,7 @@
           <a:p>
             <a:fld id="{BA48513D-C823-C342-87AA-C2EB607FA67A}" type="datetimeFigureOut">
               <a:rPr lang="en-ES" smtClean="0"/>
-              <a:t>19/12/24</a:t>
+              <a:t>7/1/25</a:t>
             </a:fld>
             <a:endParaRPr lang="en-ES"/>
           </a:p>
@@ -1438,7 +1438,7 @@
           <a:p>
             <a:fld id="{BA48513D-C823-C342-87AA-C2EB607FA67A}" type="datetimeFigureOut">
               <a:rPr lang="en-ES" smtClean="0"/>
-              <a:t>19/12/24</a:t>
+              <a:t>7/1/25</a:t>
             </a:fld>
             <a:endParaRPr lang="en-ES"/>
           </a:p>
@@ -1853,7 +1853,7 @@
           <a:p>
             <a:fld id="{BA48513D-C823-C342-87AA-C2EB607FA67A}" type="datetimeFigureOut">
               <a:rPr lang="en-ES" smtClean="0"/>
-              <a:t>19/12/24</a:t>
+              <a:t>7/1/25</a:t>
             </a:fld>
             <a:endParaRPr lang="en-ES"/>
           </a:p>
@@ -1995,7 +1995,7 @@
           <a:p>
             <a:fld id="{BA48513D-C823-C342-87AA-C2EB607FA67A}" type="datetimeFigureOut">
               <a:rPr lang="en-ES" smtClean="0"/>
-              <a:t>19/12/24</a:t>
+              <a:t>7/1/25</a:t>
             </a:fld>
             <a:endParaRPr lang="en-ES"/>
           </a:p>
@@ -2108,7 +2108,7 @@
           <a:p>
             <a:fld id="{BA48513D-C823-C342-87AA-C2EB607FA67A}" type="datetimeFigureOut">
               <a:rPr lang="en-ES" smtClean="0"/>
-              <a:t>19/12/24</a:t>
+              <a:t>7/1/25</a:t>
             </a:fld>
             <a:endParaRPr lang="en-ES"/>
           </a:p>
@@ -2421,7 +2421,7 @@
           <a:p>
             <a:fld id="{BA48513D-C823-C342-87AA-C2EB607FA67A}" type="datetimeFigureOut">
               <a:rPr lang="en-ES" smtClean="0"/>
-              <a:t>19/12/24</a:t>
+              <a:t>7/1/25</a:t>
             </a:fld>
             <a:endParaRPr lang="en-ES"/>
           </a:p>
@@ -2710,7 +2710,7 @@
           <a:p>
             <a:fld id="{BA48513D-C823-C342-87AA-C2EB607FA67A}" type="datetimeFigureOut">
               <a:rPr lang="en-ES" smtClean="0"/>
-              <a:t>19/12/24</a:t>
+              <a:t>7/1/25</a:t>
             </a:fld>
             <a:endParaRPr lang="en-ES"/>
           </a:p>
@@ -2953,7 +2953,7 @@
           <a:p>
             <a:fld id="{BA48513D-C823-C342-87AA-C2EB607FA67A}" type="datetimeFigureOut">
               <a:rPr lang="en-ES" smtClean="0"/>
-              <a:t>19/12/24</a:t>
+              <a:t>7/1/25</a:t>
             </a:fld>
             <a:endParaRPr lang="en-ES"/>
           </a:p>

--- a/images/Images.pptx
+++ b/images/Images.pptx
@@ -12,29 +12,30 @@
     <p:sldId id="284" r:id="rId6"/>
     <p:sldId id="285" r:id="rId7"/>
     <p:sldId id="256" r:id="rId8"/>
-    <p:sldId id="267" r:id="rId9"/>
-    <p:sldId id="258" r:id="rId10"/>
-    <p:sldId id="257" r:id="rId11"/>
-    <p:sldId id="259" r:id="rId12"/>
-    <p:sldId id="260" r:id="rId13"/>
-    <p:sldId id="262" r:id="rId14"/>
-    <p:sldId id="261" r:id="rId15"/>
-    <p:sldId id="263" r:id="rId16"/>
-    <p:sldId id="264" r:id="rId17"/>
-    <p:sldId id="265" r:id="rId18"/>
-    <p:sldId id="266" r:id="rId19"/>
-    <p:sldId id="268" r:id="rId20"/>
-    <p:sldId id="269" r:id="rId21"/>
-    <p:sldId id="270" r:id="rId22"/>
-    <p:sldId id="271" r:id="rId23"/>
-    <p:sldId id="272" r:id="rId24"/>
-    <p:sldId id="273" r:id="rId25"/>
-    <p:sldId id="274" r:id="rId26"/>
-    <p:sldId id="275" r:id="rId27"/>
-    <p:sldId id="276" r:id="rId28"/>
-    <p:sldId id="277" r:id="rId29"/>
-    <p:sldId id="278" r:id="rId30"/>
-    <p:sldId id="279" r:id="rId31"/>
+    <p:sldId id="286" r:id="rId9"/>
+    <p:sldId id="267" r:id="rId10"/>
+    <p:sldId id="258" r:id="rId11"/>
+    <p:sldId id="257" r:id="rId12"/>
+    <p:sldId id="259" r:id="rId13"/>
+    <p:sldId id="260" r:id="rId14"/>
+    <p:sldId id="262" r:id="rId15"/>
+    <p:sldId id="261" r:id="rId16"/>
+    <p:sldId id="263" r:id="rId17"/>
+    <p:sldId id="264" r:id="rId18"/>
+    <p:sldId id="265" r:id="rId19"/>
+    <p:sldId id="266" r:id="rId20"/>
+    <p:sldId id="268" r:id="rId21"/>
+    <p:sldId id="269" r:id="rId22"/>
+    <p:sldId id="270" r:id="rId23"/>
+    <p:sldId id="271" r:id="rId24"/>
+    <p:sldId id="272" r:id="rId25"/>
+    <p:sldId id="273" r:id="rId26"/>
+    <p:sldId id="274" r:id="rId27"/>
+    <p:sldId id="275" r:id="rId28"/>
+    <p:sldId id="276" r:id="rId29"/>
+    <p:sldId id="277" r:id="rId30"/>
+    <p:sldId id="278" r:id="rId31"/>
+    <p:sldId id="279" r:id="rId32"/>
   </p:sldIdLst>
   <p:sldSz cx="12192000" cy="6858000"/>
   <p:notesSz cx="6858000" cy="9144000"/>
@@ -290,7 +291,7 @@
           <a:p>
             <a:fld id="{BA48513D-C823-C342-87AA-C2EB607FA67A}" type="datetimeFigureOut">
               <a:rPr lang="en-ES" smtClean="0"/>
-              <a:t>2/10/25</a:t>
+              <a:t>5/10/25</a:t>
             </a:fld>
             <a:endParaRPr lang="en-ES"/>
           </a:p>
@@ -490,7 +491,7 @@
           <a:p>
             <a:fld id="{BA48513D-C823-C342-87AA-C2EB607FA67A}" type="datetimeFigureOut">
               <a:rPr lang="en-ES" smtClean="0"/>
-              <a:t>2/10/25</a:t>
+              <a:t>5/10/25</a:t>
             </a:fld>
             <a:endParaRPr lang="en-ES"/>
           </a:p>
@@ -700,7 +701,7 @@
           <a:p>
             <a:fld id="{BA48513D-C823-C342-87AA-C2EB607FA67A}" type="datetimeFigureOut">
               <a:rPr lang="en-ES" smtClean="0"/>
-              <a:t>2/10/25</a:t>
+              <a:t>5/10/25</a:t>
             </a:fld>
             <a:endParaRPr lang="en-ES"/>
           </a:p>
@@ -900,7 +901,7 @@
           <a:p>
             <a:fld id="{BA48513D-C823-C342-87AA-C2EB607FA67A}" type="datetimeFigureOut">
               <a:rPr lang="en-ES" smtClean="0"/>
-              <a:t>2/10/25</a:t>
+              <a:t>5/10/25</a:t>
             </a:fld>
             <a:endParaRPr lang="en-ES"/>
           </a:p>
@@ -1176,7 +1177,7 @@
           <a:p>
             <a:fld id="{BA48513D-C823-C342-87AA-C2EB607FA67A}" type="datetimeFigureOut">
               <a:rPr lang="en-ES" smtClean="0"/>
-              <a:t>2/10/25</a:t>
+              <a:t>5/10/25</a:t>
             </a:fld>
             <a:endParaRPr lang="en-ES"/>
           </a:p>
@@ -1444,7 +1445,7 @@
           <a:p>
             <a:fld id="{BA48513D-C823-C342-87AA-C2EB607FA67A}" type="datetimeFigureOut">
               <a:rPr lang="en-ES" smtClean="0"/>
-              <a:t>2/10/25</a:t>
+              <a:t>5/10/25</a:t>
             </a:fld>
             <a:endParaRPr lang="en-ES"/>
           </a:p>
@@ -1859,7 +1860,7 @@
           <a:p>
             <a:fld id="{BA48513D-C823-C342-87AA-C2EB607FA67A}" type="datetimeFigureOut">
               <a:rPr lang="en-ES" smtClean="0"/>
-              <a:t>2/10/25</a:t>
+              <a:t>5/10/25</a:t>
             </a:fld>
             <a:endParaRPr lang="en-ES"/>
           </a:p>
@@ -2001,7 +2002,7 @@
           <a:p>
             <a:fld id="{BA48513D-C823-C342-87AA-C2EB607FA67A}" type="datetimeFigureOut">
               <a:rPr lang="en-ES" smtClean="0"/>
-              <a:t>2/10/25</a:t>
+              <a:t>5/10/25</a:t>
             </a:fld>
             <a:endParaRPr lang="en-ES"/>
           </a:p>
@@ -2114,7 +2115,7 @@
           <a:p>
             <a:fld id="{BA48513D-C823-C342-87AA-C2EB607FA67A}" type="datetimeFigureOut">
               <a:rPr lang="en-ES" smtClean="0"/>
-              <a:t>2/10/25</a:t>
+              <a:t>5/10/25</a:t>
             </a:fld>
             <a:endParaRPr lang="en-ES"/>
           </a:p>
@@ -2427,7 +2428,7 @@
           <a:p>
             <a:fld id="{BA48513D-C823-C342-87AA-C2EB607FA67A}" type="datetimeFigureOut">
               <a:rPr lang="en-ES" smtClean="0"/>
-              <a:t>2/10/25</a:t>
+              <a:t>5/10/25</a:t>
             </a:fld>
             <a:endParaRPr lang="en-ES"/>
           </a:p>
@@ -2716,7 +2717,7 @@
           <a:p>
             <a:fld id="{BA48513D-C823-C342-87AA-C2EB607FA67A}" type="datetimeFigureOut">
               <a:rPr lang="en-ES" smtClean="0"/>
-              <a:t>2/10/25</a:t>
+              <a:t>5/10/25</a:t>
             </a:fld>
             <a:endParaRPr lang="en-ES"/>
           </a:p>
@@ -2959,7 +2960,7 @@
           <a:p>
             <a:fld id="{BA48513D-C823-C342-87AA-C2EB607FA67A}" type="datetimeFigureOut">
               <a:rPr lang="en-ES" smtClean="0"/>
-              <a:t>2/10/25</a:t>
+              <a:t>5/10/25</a:t>
             </a:fld>
             <a:endParaRPr lang="en-ES"/>
           </a:p>
@@ -4366,6 +4367,437 @@
   <p:cSld>
     <p:spTree>
       <p:nvGrpSpPr>
+        <p:cNvPr id="1" name=""/>
+        <p:cNvGrpSpPr/>
+        <p:nvPr/>
+      </p:nvGrpSpPr>
+      <p:grpSpPr>
+        <a:xfrm>
+          <a:off x="0" y="0"/>
+          <a:ext cx="0" cy="0"/>
+          <a:chOff x="0" y="0"/>
+          <a:chExt cx="0" cy="0"/>
+        </a:xfrm>
+      </p:grpSpPr>
+      <p:sp>
+        <p:nvSpPr>
+          <p:cNvPr id="2" name="Oval 1">
+            <a:extLst>
+              <a:ext uri="{FF2B5EF4-FFF2-40B4-BE49-F238E27FC236}">
+                <a16:creationId xmlns:a16="http://schemas.microsoft.com/office/drawing/2014/main" id="{C5C56796-F427-EE52-61B4-F6BBBEC511FE}"/>
+              </a:ext>
+            </a:extLst>
+          </p:cNvPr>
+          <p:cNvSpPr/>
+          <p:nvPr/>
+        </p:nvSpPr>
+        <p:spPr>
+          <a:xfrm>
+            <a:off x="7111345" y="3275611"/>
+            <a:ext cx="166255" cy="178129"/>
+          </a:xfrm>
+          <a:prstGeom prst="ellipse">
+            <a:avLst/>
+          </a:prstGeom>
+        </p:spPr>
+        <p:style>
+          <a:lnRef idx="2">
+            <a:schemeClr val="accent1">
+              <a:shade val="15000"/>
+            </a:schemeClr>
+          </a:lnRef>
+          <a:fillRef idx="1">
+            <a:schemeClr val="accent1"/>
+          </a:fillRef>
+          <a:effectRef idx="0">
+            <a:schemeClr val="accent1"/>
+          </a:effectRef>
+          <a:fontRef idx="minor">
+            <a:schemeClr val="lt1"/>
+          </a:fontRef>
+        </p:style>
+        <p:txBody>
+          <a:bodyPr rtlCol="0" anchor="ctr"/>
+          <a:lstStyle/>
+          <a:p>
+            <a:pPr algn="ctr"/>
+            <a:endParaRPr lang="en-ES"/>
+          </a:p>
+        </p:txBody>
+      </p:sp>
+      <p:sp>
+        <p:nvSpPr>
+          <p:cNvPr id="3" name="TextBox 2">
+            <a:extLst>
+              <a:ext uri="{FF2B5EF4-FFF2-40B4-BE49-F238E27FC236}">
+                <a16:creationId xmlns:a16="http://schemas.microsoft.com/office/drawing/2014/main" id="{3BA0DF6D-B6E1-9D37-1949-58A6E46A6C13}"/>
+              </a:ext>
+            </a:extLst>
+          </p:cNvPr>
+          <p:cNvSpPr txBox="1"/>
+          <p:nvPr/>
+        </p:nvSpPr>
+        <p:spPr>
+          <a:xfrm>
+            <a:off x="7172703" y="2731320"/>
+            <a:ext cx="415498" cy="584775"/>
+          </a:xfrm>
+          <a:prstGeom prst="rect">
+            <a:avLst/>
+          </a:prstGeom>
+          <a:noFill/>
+        </p:spPr>
+        <p:txBody>
+          <a:bodyPr wrap="none" rtlCol="0">
+            <a:spAutoFit/>
+          </a:bodyPr>
+          <a:lstStyle/>
+          <a:p>
+            <a:r>
+              <a:rPr lang="en-ES" sz="3200" dirty="0"/>
+              <a:t>q</a:t>
+            </a:r>
+            <a:endParaRPr lang="en-ES" dirty="0"/>
+          </a:p>
+        </p:txBody>
+      </p:sp>
+      <p:sp>
+        <p:nvSpPr>
+          <p:cNvPr id="4" name="Oval 3">
+            <a:extLst>
+              <a:ext uri="{FF2B5EF4-FFF2-40B4-BE49-F238E27FC236}">
+                <a16:creationId xmlns:a16="http://schemas.microsoft.com/office/drawing/2014/main" id="{ED8EFFB6-2049-F2EB-706B-18FF5BADA445}"/>
+              </a:ext>
+            </a:extLst>
+          </p:cNvPr>
+          <p:cNvSpPr/>
+          <p:nvPr/>
+        </p:nvSpPr>
+        <p:spPr>
+          <a:xfrm>
+            <a:off x="6313714" y="3273631"/>
+            <a:ext cx="166255" cy="178129"/>
+          </a:xfrm>
+          <a:prstGeom prst="ellipse">
+            <a:avLst/>
+          </a:prstGeom>
+        </p:spPr>
+        <p:style>
+          <a:lnRef idx="2">
+            <a:schemeClr val="accent1">
+              <a:shade val="15000"/>
+            </a:schemeClr>
+          </a:lnRef>
+          <a:fillRef idx="1">
+            <a:schemeClr val="accent1"/>
+          </a:fillRef>
+          <a:effectRef idx="0">
+            <a:schemeClr val="accent1"/>
+          </a:effectRef>
+          <a:fontRef idx="minor">
+            <a:schemeClr val="lt1"/>
+          </a:fontRef>
+        </p:style>
+        <p:txBody>
+          <a:bodyPr rtlCol="0" anchor="ctr"/>
+          <a:lstStyle/>
+          <a:p>
+            <a:pPr algn="ctr"/>
+            <a:endParaRPr lang="en-ES"/>
+          </a:p>
+        </p:txBody>
+      </p:sp>
+      <p:sp>
+        <p:nvSpPr>
+          <p:cNvPr id="5" name="TextBox 4">
+            <a:extLst>
+              <a:ext uri="{FF2B5EF4-FFF2-40B4-BE49-F238E27FC236}">
+                <a16:creationId xmlns:a16="http://schemas.microsoft.com/office/drawing/2014/main" id="{2AA7CB2E-0AE0-D989-6A5B-D082B38D7E4F}"/>
+              </a:ext>
+            </a:extLst>
+          </p:cNvPr>
+          <p:cNvSpPr txBox="1"/>
+          <p:nvPr/>
+        </p:nvSpPr>
+        <p:spPr>
+          <a:xfrm>
+            <a:off x="5793180" y="2729340"/>
+            <a:ext cx="554960" cy="584775"/>
+          </a:xfrm>
+          <a:prstGeom prst="rect">
+            <a:avLst/>
+          </a:prstGeom>
+          <a:noFill/>
+        </p:spPr>
+        <p:txBody>
+          <a:bodyPr wrap="none" rtlCol="0">
+            <a:spAutoFit/>
+          </a:bodyPr>
+          <a:lstStyle/>
+          <a:p>
+            <a:r>
+              <a:rPr lang="en-GB" sz="3200" dirty="0"/>
+              <a:t>-q</a:t>
+            </a:r>
+            <a:endParaRPr lang="en-ES" dirty="0"/>
+          </a:p>
+        </p:txBody>
+      </p:sp>
+      <p:sp>
+        <p:nvSpPr>
+          <p:cNvPr id="6" name="Left Bracket 5">
+            <a:extLst>
+              <a:ext uri="{FF2B5EF4-FFF2-40B4-BE49-F238E27FC236}">
+                <a16:creationId xmlns:a16="http://schemas.microsoft.com/office/drawing/2014/main" id="{8A50DEEA-92F3-2775-ADEA-D7E62912F2EB}"/>
+              </a:ext>
+            </a:extLst>
+          </p:cNvPr>
+          <p:cNvSpPr/>
+          <p:nvPr/>
+        </p:nvSpPr>
+        <p:spPr>
+          <a:xfrm rot="16200000">
+            <a:off x="6699661" y="3243945"/>
+            <a:ext cx="191984" cy="797627"/>
+          </a:xfrm>
+          <a:prstGeom prst="leftBracket">
+            <a:avLst/>
+          </a:prstGeom>
+          <a:ln w="38100"/>
+        </p:spPr>
+        <p:style>
+          <a:lnRef idx="2">
+            <a:schemeClr val="accent1"/>
+          </a:lnRef>
+          <a:fillRef idx="0">
+            <a:schemeClr val="accent1"/>
+          </a:fillRef>
+          <a:effectRef idx="1">
+            <a:schemeClr val="accent1"/>
+          </a:effectRef>
+          <a:fontRef idx="minor">
+            <a:schemeClr val="tx1"/>
+          </a:fontRef>
+        </p:style>
+        <p:txBody>
+          <a:bodyPr rtlCol="0" anchor="ctr"/>
+          <a:lstStyle/>
+          <a:p>
+            <a:pPr algn="ctr"/>
+            <a:endParaRPr lang="en-ES" dirty="0"/>
+          </a:p>
+        </p:txBody>
+      </p:sp>
+      <p:sp>
+        <p:nvSpPr>
+          <p:cNvPr id="7" name="TextBox 6">
+            <a:extLst>
+              <a:ext uri="{FF2B5EF4-FFF2-40B4-BE49-F238E27FC236}">
+                <a16:creationId xmlns:a16="http://schemas.microsoft.com/office/drawing/2014/main" id="{662999D2-BA3C-98A6-5A1D-4C6AFDFE0AD9}"/>
+              </a:ext>
+            </a:extLst>
+          </p:cNvPr>
+          <p:cNvSpPr txBox="1"/>
+          <p:nvPr/>
+        </p:nvSpPr>
+        <p:spPr>
+          <a:xfrm>
+            <a:off x="6551219" y="3653643"/>
+            <a:ext cx="426720" cy="584775"/>
+          </a:xfrm>
+          <a:prstGeom prst="rect">
+            <a:avLst/>
+          </a:prstGeom>
+          <a:noFill/>
+        </p:spPr>
+        <p:txBody>
+          <a:bodyPr wrap="none" rtlCol="0">
+            <a:spAutoFit/>
+          </a:bodyPr>
+          <a:lstStyle/>
+          <a:p>
+            <a:r>
+              <a:rPr lang="en-ES" sz="3200" dirty="0"/>
+              <a:t>Δ</a:t>
+            </a:r>
+          </a:p>
+        </p:txBody>
+      </p:sp>
+      <p:cxnSp>
+        <p:nvCxnSpPr>
+          <p:cNvPr id="8" name="Straight Arrow Connector 7">
+            <a:extLst>
+              <a:ext uri="{FF2B5EF4-FFF2-40B4-BE49-F238E27FC236}">
+                <a16:creationId xmlns:a16="http://schemas.microsoft.com/office/drawing/2014/main" id="{5E17C56C-AFF4-2736-6D42-B09AAF0DF81F}"/>
+              </a:ext>
+            </a:extLst>
+          </p:cNvPr>
+          <p:cNvCxnSpPr>
+            <a:cxnSpLocks/>
+          </p:cNvCxnSpPr>
+          <p:nvPr/>
+        </p:nvCxnSpPr>
+        <p:spPr>
+          <a:xfrm>
+            <a:off x="4667003" y="3371850"/>
+            <a:ext cx="997527" cy="0"/>
+          </a:xfrm>
+          <a:prstGeom prst="straightConnector1">
+            <a:avLst/>
+          </a:prstGeom>
+          <a:ln w="60325">
+            <a:solidFill>
+              <a:schemeClr val="tx1"/>
+            </a:solidFill>
+            <a:headEnd type="none" w="med" len="med"/>
+            <a:tailEnd type="arrow" w="med" len="med"/>
+          </a:ln>
+        </p:spPr>
+        <p:style>
+          <a:lnRef idx="2">
+            <a:schemeClr val="accent1"/>
+          </a:lnRef>
+          <a:fillRef idx="0">
+            <a:schemeClr val="accent1"/>
+          </a:fillRef>
+          <a:effectRef idx="1">
+            <a:schemeClr val="accent1"/>
+          </a:effectRef>
+          <a:fontRef idx="minor">
+            <a:schemeClr val="tx1"/>
+          </a:fontRef>
+        </p:style>
+      </p:cxnSp>
+      <p:cxnSp>
+        <p:nvCxnSpPr>
+          <p:cNvPr id="11" name="Straight Arrow Connector 10">
+            <a:extLst>
+              <a:ext uri="{FF2B5EF4-FFF2-40B4-BE49-F238E27FC236}">
+                <a16:creationId xmlns:a16="http://schemas.microsoft.com/office/drawing/2014/main" id="{B2FE33F4-F770-8FBF-1A11-0A5BE54847DF}"/>
+              </a:ext>
+            </a:extLst>
+          </p:cNvPr>
+          <p:cNvCxnSpPr>
+            <a:cxnSpLocks/>
+          </p:cNvCxnSpPr>
+          <p:nvPr/>
+        </p:nvCxnSpPr>
+        <p:spPr>
+          <a:xfrm>
+            <a:off x="3384468" y="3371850"/>
+            <a:ext cx="712519" cy="0"/>
+          </a:xfrm>
+          <a:prstGeom prst="straightConnector1">
+            <a:avLst/>
+          </a:prstGeom>
+          <a:ln w="38100">
+            <a:tailEnd type="triangle"/>
+          </a:ln>
+        </p:spPr>
+        <p:style>
+          <a:lnRef idx="2">
+            <a:schemeClr val="accent1"/>
+          </a:lnRef>
+          <a:fillRef idx="0">
+            <a:schemeClr val="accent1"/>
+          </a:fillRef>
+          <a:effectRef idx="1">
+            <a:schemeClr val="accent1"/>
+          </a:effectRef>
+          <a:fontRef idx="minor">
+            <a:schemeClr val="tx1"/>
+          </a:fontRef>
+        </p:style>
+      </p:cxnSp>
+      <p:sp>
+        <p:nvSpPr>
+          <p:cNvPr id="14" name="TextBox 13">
+            <a:extLst>
+              <a:ext uri="{FF2B5EF4-FFF2-40B4-BE49-F238E27FC236}">
+                <a16:creationId xmlns:a16="http://schemas.microsoft.com/office/drawing/2014/main" id="{3179048C-3800-89A7-7967-8078AEC13DBF}"/>
+              </a:ext>
+            </a:extLst>
+          </p:cNvPr>
+          <p:cNvSpPr txBox="1"/>
+          <p:nvPr/>
+        </p:nvSpPr>
+        <p:spPr>
+          <a:xfrm>
+            <a:off x="3477498" y="2705590"/>
+            <a:ext cx="415498" cy="584775"/>
+          </a:xfrm>
+          <a:prstGeom prst="rect">
+            <a:avLst/>
+          </a:prstGeom>
+          <a:noFill/>
+        </p:spPr>
+        <p:txBody>
+          <a:bodyPr wrap="none" rtlCol="0">
+            <a:spAutoFit/>
+          </a:bodyPr>
+          <a:lstStyle/>
+          <a:p>
+            <a:r>
+              <a:rPr lang="en-ES" sz="3200" dirty="0"/>
+              <a:t>p</a:t>
+            </a:r>
+            <a:endParaRPr lang="en-ES" dirty="0"/>
+          </a:p>
+        </p:txBody>
+      </p:sp>
+      <p:sp>
+        <p:nvSpPr>
+          <p:cNvPr id="15" name="TextBox 14">
+            <a:extLst>
+              <a:ext uri="{FF2B5EF4-FFF2-40B4-BE49-F238E27FC236}">
+                <a16:creationId xmlns:a16="http://schemas.microsoft.com/office/drawing/2014/main" id="{FEA8168F-9B89-A3E9-E063-DCB8ED3F5950}"/>
+              </a:ext>
+            </a:extLst>
+          </p:cNvPr>
+          <p:cNvSpPr txBox="1"/>
+          <p:nvPr/>
+        </p:nvSpPr>
+        <p:spPr>
+          <a:xfrm>
+            <a:off x="3443845" y="2612571"/>
+            <a:ext cx="492443" cy="461665"/>
+          </a:xfrm>
+          <a:prstGeom prst="rect">
+            <a:avLst/>
+          </a:prstGeom>
+          <a:noFill/>
+        </p:spPr>
+        <p:txBody>
+          <a:bodyPr wrap="none" rtlCol="0">
+            <a:spAutoFit/>
+          </a:bodyPr>
+          <a:lstStyle/>
+          <a:p>
+            <a:r>
+              <a:rPr lang="en-ES" sz="2400" dirty="0"/>
+              <a:t>➝</a:t>
+            </a:r>
+          </a:p>
+        </p:txBody>
+      </p:sp>
+    </p:spTree>
+    <p:extLst>
+      <p:ext uri="{BB962C8B-B14F-4D97-AF65-F5344CB8AC3E}">
+        <p14:creationId xmlns:p14="http://schemas.microsoft.com/office/powerpoint/2010/main" val="230410921"/>
+      </p:ext>
+    </p:extLst>
+  </p:cSld>
+  <p:clrMapOvr>
+    <a:masterClrMapping/>
+  </p:clrMapOvr>
+</p:sld>
+</file>
+
+<file path=ppt/slides/slide11.xml><?xml version="1.0" encoding="utf-8"?>
+<p:sld xmlns:a="http://schemas.openxmlformats.org/drawingml/2006/main" xmlns:r="http://schemas.openxmlformats.org/officeDocument/2006/relationships" xmlns:p="http://schemas.openxmlformats.org/presentationml/2006/main">
+  <p:cSld>
+    <p:spTree>
+      <p:nvGrpSpPr>
         <p:cNvPr id="1" name="">
           <a:extLst>
             <a:ext uri="{FF2B5EF4-FFF2-40B4-BE49-F238E27FC236}">
@@ -5561,7 +5993,7 @@
 </p:sld>
 </file>
 
-<file path=ppt/slides/slide11.xml><?xml version="1.0" encoding="utf-8"?>
+<file path=ppt/slides/slide12.xml><?xml version="1.0" encoding="utf-8"?>
 <p:sld xmlns:a="http://schemas.openxmlformats.org/drawingml/2006/main" xmlns:r="http://schemas.openxmlformats.org/officeDocument/2006/relationships" xmlns:p="http://schemas.openxmlformats.org/presentationml/2006/main">
   <p:cSld>
     <p:spTree>
@@ -6674,7 +7106,7 @@
 </p:sld>
 </file>
 
-<file path=ppt/slides/slide12.xml><?xml version="1.0" encoding="utf-8"?>
+<file path=ppt/slides/slide13.xml><?xml version="1.0" encoding="utf-8"?>
 <p:sld xmlns:a="http://schemas.openxmlformats.org/drawingml/2006/main" xmlns:r="http://schemas.openxmlformats.org/officeDocument/2006/relationships" xmlns:p="http://schemas.openxmlformats.org/presentationml/2006/main">
   <p:cSld>
     <p:spTree>
@@ -7040,7 +7472,7 @@
 </p:sld>
 </file>
 
-<file path=ppt/slides/slide13.xml><?xml version="1.0" encoding="utf-8"?>
+<file path=ppt/slides/slide14.xml><?xml version="1.0" encoding="utf-8"?>
 <p:sld xmlns:a="http://schemas.openxmlformats.org/drawingml/2006/main" xmlns:r="http://schemas.openxmlformats.org/officeDocument/2006/relationships" xmlns:p="http://schemas.openxmlformats.org/presentationml/2006/main">
   <p:cSld>
     <p:spTree>
@@ -7723,7 +8155,7 @@
 </p:sld>
 </file>
 
-<file path=ppt/slides/slide14.xml><?xml version="1.0" encoding="utf-8"?>
+<file path=ppt/slides/slide15.xml><?xml version="1.0" encoding="utf-8"?>
 <p:sld xmlns:a="http://schemas.openxmlformats.org/drawingml/2006/main" xmlns:r="http://schemas.openxmlformats.org/officeDocument/2006/relationships" xmlns:p="http://schemas.openxmlformats.org/presentationml/2006/main">
   <p:cSld>
     <p:spTree>
@@ -8774,7 +9206,7 @@
 </p:sld>
 </file>
 
-<file path=ppt/slides/slide15.xml><?xml version="1.0" encoding="utf-8"?>
+<file path=ppt/slides/slide16.xml><?xml version="1.0" encoding="utf-8"?>
 <p:sld xmlns:a="http://schemas.openxmlformats.org/drawingml/2006/main" xmlns:r="http://schemas.openxmlformats.org/officeDocument/2006/relationships" xmlns:p="http://schemas.openxmlformats.org/presentationml/2006/main">
   <p:cSld>
     <p:spTree>
@@ -9787,7 +10219,7 @@
 </p:sld>
 </file>
 
-<file path=ppt/slides/slide16.xml><?xml version="1.0" encoding="utf-8"?>
+<file path=ppt/slides/slide17.xml><?xml version="1.0" encoding="utf-8"?>
 <p:sld xmlns:a="http://schemas.openxmlformats.org/drawingml/2006/main" xmlns:r="http://schemas.openxmlformats.org/officeDocument/2006/relationships" xmlns:p="http://schemas.openxmlformats.org/presentationml/2006/main">
   <p:cSld>
     <p:spTree>
@@ -10550,7 +10982,7 @@
 </p:sld>
 </file>
 
-<file path=ppt/slides/slide17.xml><?xml version="1.0" encoding="utf-8"?>
+<file path=ppt/slides/slide18.xml><?xml version="1.0" encoding="utf-8"?>
 <p:sld xmlns:a="http://schemas.openxmlformats.org/drawingml/2006/main" xmlns:r="http://schemas.openxmlformats.org/officeDocument/2006/relationships" xmlns:p="http://schemas.openxmlformats.org/presentationml/2006/main">
   <p:cSld>
     <p:spTree>
@@ -11319,7 +11751,7 @@
 </p:sld>
 </file>
 
-<file path=ppt/slides/slide18.xml><?xml version="1.0" encoding="utf-8"?>
+<file path=ppt/slides/slide19.xml><?xml version="1.0" encoding="utf-8"?>
 <p:sld xmlns:a="http://schemas.openxmlformats.org/drawingml/2006/main" xmlns:r="http://schemas.openxmlformats.org/officeDocument/2006/relationships" xmlns:p="http://schemas.openxmlformats.org/presentationml/2006/main">
   <p:cSld>
     <p:spTree>
@@ -12088,7 +12520,1456 @@
 </p:sld>
 </file>
 
-<file path=ppt/slides/slide19.xml><?xml version="1.0" encoding="utf-8"?>
+<file path=ppt/slides/slide2.xml><?xml version="1.0" encoding="utf-8"?>
+<p:sld xmlns:a="http://schemas.openxmlformats.org/drawingml/2006/main" xmlns:r="http://schemas.openxmlformats.org/officeDocument/2006/relationships" xmlns:p="http://schemas.openxmlformats.org/presentationml/2006/main">
+  <p:cSld>
+    <p:spTree>
+      <p:nvGrpSpPr>
+        <p:cNvPr id="1" name="">
+          <a:extLst>
+            <a:ext uri="{FF2B5EF4-FFF2-40B4-BE49-F238E27FC236}">
+              <a16:creationId xmlns:a16="http://schemas.microsoft.com/office/drawing/2014/main" id="{C9C37103-DC63-5195-15A1-347639A24472}"/>
+            </a:ext>
+          </a:extLst>
+        </p:cNvPr>
+        <p:cNvGrpSpPr/>
+        <p:nvPr/>
+      </p:nvGrpSpPr>
+      <p:grpSpPr>
+        <a:xfrm>
+          <a:off x="0" y="0"/>
+          <a:ext cx="0" cy="0"/>
+          <a:chOff x="0" y="0"/>
+          <a:chExt cx="0" cy="0"/>
+        </a:xfrm>
+      </p:grpSpPr>
+      <p:sp>
+        <p:nvSpPr>
+          <p:cNvPr id="2" name="Title 1">
+            <a:extLst>
+              <a:ext uri="{FF2B5EF4-FFF2-40B4-BE49-F238E27FC236}">
+                <a16:creationId xmlns:a16="http://schemas.microsoft.com/office/drawing/2014/main" id="{2C855AD1-D50F-D045-AE97-ECD7E6A24D1A}"/>
+              </a:ext>
+            </a:extLst>
+          </p:cNvPr>
+          <p:cNvSpPr>
+            <a:spLocks noGrp="1"/>
+          </p:cNvSpPr>
+          <p:nvPr>
+            <p:ph type="title"/>
+          </p:nvPr>
+        </p:nvSpPr>
+        <p:spPr/>
+        <p:txBody>
+          <a:bodyPr/>
+          <a:lstStyle/>
+          <a:p>
+            <a:r>
+              <a:rPr lang="en-ES" dirty="0"/>
+              <a:t>B1.S1.2</a:t>
+            </a:r>
+          </a:p>
+        </p:txBody>
+      </p:sp>
+      <p:sp>
+        <p:nvSpPr>
+          <p:cNvPr id="3" name="Pie 2">
+            <a:extLst>
+              <a:ext uri="{FF2B5EF4-FFF2-40B4-BE49-F238E27FC236}">
+                <a16:creationId xmlns:a16="http://schemas.microsoft.com/office/drawing/2014/main" id="{09316E81-ED00-99A8-74C7-A1B90526EBE2}"/>
+              </a:ext>
+            </a:extLst>
+          </p:cNvPr>
+          <p:cNvSpPr/>
+          <p:nvPr/>
+        </p:nvSpPr>
+        <p:spPr>
+          <a:xfrm>
+            <a:off x="1433456" y="2918012"/>
+            <a:ext cx="4155141" cy="4222378"/>
+          </a:xfrm>
+          <a:prstGeom prst="pie">
+            <a:avLst>
+              <a:gd name="adj1" fmla="val 10766858"/>
+              <a:gd name="adj2" fmla="val 4033"/>
+            </a:avLst>
+          </a:prstGeom>
+          <a:solidFill>
+            <a:schemeClr val="accent4">
+              <a:lumMod val="40000"/>
+              <a:lumOff val="60000"/>
+            </a:schemeClr>
+          </a:solidFill>
+        </p:spPr>
+        <p:style>
+          <a:lnRef idx="2">
+            <a:schemeClr val="accent1">
+              <a:shade val="15000"/>
+            </a:schemeClr>
+          </a:lnRef>
+          <a:fillRef idx="1">
+            <a:schemeClr val="accent1"/>
+          </a:fillRef>
+          <a:effectRef idx="0">
+            <a:schemeClr val="accent1"/>
+          </a:effectRef>
+          <a:fontRef idx="minor">
+            <a:schemeClr val="lt1"/>
+          </a:fontRef>
+        </p:style>
+        <p:txBody>
+          <a:bodyPr rtlCol="0" anchor="ctr"/>
+          <a:lstStyle/>
+          <a:p>
+            <a:pPr algn="ctr"/>
+            <a:endParaRPr lang="en-ES">
+              <a:solidFill>
+                <a:schemeClr val="tx1"/>
+              </a:solidFill>
+            </a:endParaRPr>
+          </a:p>
+        </p:txBody>
+      </p:sp>
+      <p:sp>
+        <p:nvSpPr>
+          <p:cNvPr id="4" name="Oval 3">
+            <a:extLst>
+              <a:ext uri="{FF2B5EF4-FFF2-40B4-BE49-F238E27FC236}">
+                <a16:creationId xmlns:a16="http://schemas.microsoft.com/office/drawing/2014/main" id="{2550CF0A-890E-8281-8E8A-C7005607E13A}"/>
+              </a:ext>
+            </a:extLst>
+          </p:cNvPr>
+          <p:cNvSpPr/>
+          <p:nvPr/>
+        </p:nvSpPr>
+        <p:spPr>
+          <a:xfrm>
+            <a:off x="1433456" y="4554892"/>
+            <a:ext cx="4155141" cy="948614"/>
+          </a:xfrm>
+          <a:prstGeom prst="ellipse">
+            <a:avLst/>
+          </a:prstGeom>
+          <a:solidFill>
+            <a:schemeClr val="accent4">
+              <a:lumMod val="40000"/>
+              <a:lumOff val="60000"/>
+            </a:schemeClr>
+          </a:solidFill>
+          <a:ln>
+            <a:noFill/>
+          </a:ln>
+        </p:spPr>
+        <p:style>
+          <a:lnRef idx="2">
+            <a:schemeClr val="accent1">
+              <a:shade val="15000"/>
+            </a:schemeClr>
+          </a:lnRef>
+          <a:fillRef idx="1">
+            <a:schemeClr val="accent1"/>
+          </a:fillRef>
+          <a:effectRef idx="0">
+            <a:schemeClr val="accent1"/>
+          </a:effectRef>
+          <a:fontRef idx="minor">
+            <a:schemeClr val="lt1"/>
+          </a:fontRef>
+        </p:style>
+        <p:txBody>
+          <a:bodyPr rtlCol="0" anchor="ctr"/>
+          <a:lstStyle/>
+          <a:p>
+            <a:pPr algn="ctr"/>
+            <a:endParaRPr lang="en-ES"/>
+          </a:p>
+        </p:txBody>
+      </p:sp>
+      <p:sp>
+        <p:nvSpPr>
+          <p:cNvPr id="5" name="Arc 4">
+            <a:extLst>
+              <a:ext uri="{FF2B5EF4-FFF2-40B4-BE49-F238E27FC236}">
+                <a16:creationId xmlns:a16="http://schemas.microsoft.com/office/drawing/2014/main" id="{5C6A1C15-53B7-496E-84B0-7169FFC2E6B7}"/>
+              </a:ext>
+            </a:extLst>
+          </p:cNvPr>
+          <p:cNvSpPr/>
+          <p:nvPr/>
+        </p:nvSpPr>
+        <p:spPr>
+          <a:xfrm>
+            <a:off x="1433457" y="2918012"/>
+            <a:ext cx="4155141" cy="4222377"/>
+          </a:xfrm>
+          <a:prstGeom prst="arc">
+            <a:avLst>
+              <a:gd name="adj1" fmla="val 10778025"/>
+              <a:gd name="adj2" fmla="val 0"/>
+            </a:avLst>
+          </a:prstGeom>
+          <a:ln w="38100">
+            <a:solidFill>
+              <a:schemeClr val="tx1"/>
+            </a:solidFill>
+          </a:ln>
+        </p:spPr>
+        <p:style>
+          <a:lnRef idx="2">
+            <a:schemeClr val="accent1"/>
+          </a:lnRef>
+          <a:fillRef idx="0">
+            <a:schemeClr val="accent1"/>
+          </a:fillRef>
+          <a:effectRef idx="1">
+            <a:schemeClr val="accent1"/>
+          </a:effectRef>
+          <a:fontRef idx="minor">
+            <a:schemeClr val="tx1"/>
+          </a:fontRef>
+        </p:style>
+        <p:txBody>
+          <a:bodyPr rtlCol="0" anchor="ctr"/>
+          <a:lstStyle/>
+          <a:p>
+            <a:pPr algn="ctr"/>
+            <a:endParaRPr lang="en-ES"/>
+          </a:p>
+        </p:txBody>
+      </p:sp>
+      <p:sp>
+        <p:nvSpPr>
+          <p:cNvPr id="6" name="Arc 5">
+            <a:extLst>
+              <a:ext uri="{FF2B5EF4-FFF2-40B4-BE49-F238E27FC236}">
+                <a16:creationId xmlns:a16="http://schemas.microsoft.com/office/drawing/2014/main" id="{5160BAA1-70E8-938B-6BDD-EC025B43B0B1}"/>
+              </a:ext>
+            </a:extLst>
+          </p:cNvPr>
+          <p:cNvSpPr/>
+          <p:nvPr/>
+        </p:nvSpPr>
+        <p:spPr>
+          <a:xfrm>
+            <a:off x="1433457" y="4554893"/>
+            <a:ext cx="4155141" cy="948613"/>
+          </a:xfrm>
+          <a:prstGeom prst="arc">
+            <a:avLst>
+              <a:gd name="adj1" fmla="val 10778025"/>
+              <a:gd name="adj2" fmla="val 0"/>
+            </a:avLst>
+          </a:prstGeom>
+          <a:ln w="38100">
+            <a:solidFill>
+              <a:schemeClr val="tx1"/>
+            </a:solidFill>
+            <a:prstDash val="dash"/>
+          </a:ln>
+        </p:spPr>
+        <p:style>
+          <a:lnRef idx="2">
+            <a:schemeClr val="accent1"/>
+          </a:lnRef>
+          <a:fillRef idx="0">
+            <a:schemeClr val="accent1"/>
+          </a:fillRef>
+          <a:effectRef idx="1">
+            <a:schemeClr val="accent1"/>
+          </a:effectRef>
+          <a:fontRef idx="minor">
+            <a:schemeClr val="tx1"/>
+          </a:fontRef>
+        </p:style>
+        <p:txBody>
+          <a:bodyPr rtlCol="0" anchor="ctr"/>
+          <a:lstStyle/>
+          <a:p>
+            <a:pPr algn="ctr"/>
+            <a:endParaRPr lang="en-ES"/>
+          </a:p>
+        </p:txBody>
+      </p:sp>
+      <p:sp>
+        <p:nvSpPr>
+          <p:cNvPr id="7" name="Arc 6">
+            <a:extLst>
+              <a:ext uri="{FF2B5EF4-FFF2-40B4-BE49-F238E27FC236}">
+                <a16:creationId xmlns:a16="http://schemas.microsoft.com/office/drawing/2014/main" id="{DB4EF742-A090-1805-5DD9-C5546877BC35}"/>
+              </a:ext>
+            </a:extLst>
+          </p:cNvPr>
+          <p:cNvSpPr/>
+          <p:nvPr/>
+        </p:nvSpPr>
+        <p:spPr>
+          <a:xfrm>
+            <a:off x="1433457" y="4554893"/>
+            <a:ext cx="4155141" cy="948613"/>
+          </a:xfrm>
+          <a:prstGeom prst="arc">
+            <a:avLst>
+              <a:gd name="adj1" fmla="val 21583761"/>
+              <a:gd name="adj2" fmla="val 10776216"/>
+            </a:avLst>
+          </a:prstGeom>
+          <a:ln w="38100">
+            <a:solidFill>
+              <a:schemeClr val="tx1"/>
+            </a:solidFill>
+            <a:prstDash val="solid"/>
+          </a:ln>
+        </p:spPr>
+        <p:style>
+          <a:lnRef idx="2">
+            <a:schemeClr val="accent1"/>
+          </a:lnRef>
+          <a:fillRef idx="0">
+            <a:schemeClr val="accent1"/>
+          </a:fillRef>
+          <a:effectRef idx="1">
+            <a:schemeClr val="accent1"/>
+          </a:effectRef>
+          <a:fontRef idx="minor">
+            <a:schemeClr val="tx1"/>
+          </a:fontRef>
+        </p:style>
+        <p:txBody>
+          <a:bodyPr rtlCol="0" anchor="ctr"/>
+          <a:lstStyle/>
+          <a:p>
+            <a:pPr algn="ctr"/>
+            <a:endParaRPr lang="en-ES"/>
+          </a:p>
+        </p:txBody>
+      </p:sp>
+      <p:sp>
+        <p:nvSpPr>
+          <p:cNvPr id="8" name="Oval 7">
+            <a:extLst>
+              <a:ext uri="{FF2B5EF4-FFF2-40B4-BE49-F238E27FC236}">
+                <a16:creationId xmlns:a16="http://schemas.microsoft.com/office/drawing/2014/main" id="{7A9363B4-DF01-E150-82B0-0FCA77C1C5FD}"/>
+              </a:ext>
+            </a:extLst>
+          </p:cNvPr>
+          <p:cNvSpPr/>
+          <p:nvPr/>
+        </p:nvSpPr>
+        <p:spPr>
+          <a:xfrm>
+            <a:off x="3419634" y="2994731"/>
+            <a:ext cx="167337" cy="69668"/>
+          </a:xfrm>
+          <a:prstGeom prst="ellipse">
+            <a:avLst/>
+          </a:prstGeom>
+        </p:spPr>
+        <p:style>
+          <a:lnRef idx="2">
+            <a:schemeClr val="accent1">
+              <a:shade val="15000"/>
+            </a:schemeClr>
+          </a:lnRef>
+          <a:fillRef idx="1">
+            <a:schemeClr val="accent1"/>
+          </a:fillRef>
+          <a:effectRef idx="0">
+            <a:schemeClr val="accent1"/>
+          </a:effectRef>
+          <a:fontRef idx="minor">
+            <a:schemeClr val="lt1"/>
+          </a:fontRef>
+        </p:style>
+        <p:txBody>
+          <a:bodyPr rtlCol="0" anchor="ctr"/>
+          <a:lstStyle/>
+          <a:p>
+            <a:pPr algn="ctr"/>
+            <a:endParaRPr lang="en-ES"/>
+          </a:p>
+        </p:txBody>
+      </p:sp>
+      <p:sp>
+        <p:nvSpPr>
+          <p:cNvPr id="9" name="Oval 8">
+            <a:extLst>
+              <a:ext uri="{FF2B5EF4-FFF2-40B4-BE49-F238E27FC236}">
+                <a16:creationId xmlns:a16="http://schemas.microsoft.com/office/drawing/2014/main" id="{FB49C907-F857-56ED-24B1-562263F086B6}"/>
+              </a:ext>
+            </a:extLst>
+          </p:cNvPr>
+          <p:cNvSpPr/>
+          <p:nvPr/>
+        </p:nvSpPr>
+        <p:spPr>
+          <a:xfrm>
+            <a:off x="3419634" y="4957904"/>
+            <a:ext cx="167337" cy="69668"/>
+          </a:xfrm>
+          <a:prstGeom prst="ellipse">
+            <a:avLst/>
+          </a:prstGeom>
+        </p:spPr>
+        <p:style>
+          <a:lnRef idx="2">
+            <a:schemeClr val="accent1">
+              <a:shade val="15000"/>
+            </a:schemeClr>
+          </a:lnRef>
+          <a:fillRef idx="1">
+            <a:schemeClr val="accent1"/>
+          </a:fillRef>
+          <a:effectRef idx="0">
+            <a:schemeClr val="accent1"/>
+          </a:effectRef>
+          <a:fontRef idx="minor">
+            <a:schemeClr val="lt1"/>
+          </a:fontRef>
+        </p:style>
+        <p:txBody>
+          <a:bodyPr rtlCol="0" anchor="ctr"/>
+          <a:lstStyle/>
+          <a:p>
+            <a:pPr algn="ctr"/>
+            <a:endParaRPr lang="en-ES"/>
+          </a:p>
+        </p:txBody>
+      </p:sp>
+      <p:sp>
+        <p:nvSpPr>
+          <p:cNvPr id="11" name="TextBox 10">
+            <a:extLst>
+              <a:ext uri="{FF2B5EF4-FFF2-40B4-BE49-F238E27FC236}">
+                <a16:creationId xmlns:a16="http://schemas.microsoft.com/office/drawing/2014/main" id="{BC1AE886-0269-55E1-6972-61F189366C57}"/>
+              </a:ext>
+            </a:extLst>
+          </p:cNvPr>
+          <p:cNvSpPr txBox="1"/>
+          <p:nvPr/>
+        </p:nvSpPr>
+        <p:spPr>
+          <a:xfrm>
+            <a:off x="2919597" y="2310040"/>
+            <a:ext cx="510076" cy="646331"/>
+          </a:xfrm>
+          <a:prstGeom prst="rect">
+            <a:avLst/>
+          </a:prstGeom>
+          <a:noFill/>
+        </p:spPr>
+        <p:txBody>
+          <a:bodyPr wrap="none" rtlCol="0">
+            <a:spAutoFit/>
+          </a:bodyPr>
+          <a:lstStyle/>
+          <a:p>
+            <a:r>
+              <a:rPr lang="en-ES" sz="3600" dirty="0"/>
+              <a:t>N</a:t>
+            </a:r>
+          </a:p>
+        </p:txBody>
+      </p:sp>
+      <p:sp>
+        <p:nvSpPr>
+          <p:cNvPr id="12" name="TextBox 11">
+            <a:extLst>
+              <a:ext uri="{FF2B5EF4-FFF2-40B4-BE49-F238E27FC236}">
+                <a16:creationId xmlns:a16="http://schemas.microsoft.com/office/drawing/2014/main" id="{724EBCBB-BAC7-9A1F-D4A7-C8981C1E253D}"/>
+              </a:ext>
+            </a:extLst>
+          </p:cNvPr>
+          <p:cNvSpPr txBox="1"/>
+          <p:nvPr/>
+        </p:nvSpPr>
+        <p:spPr>
+          <a:xfrm>
+            <a:off x="2896734" y="4857175"/>
+            <a:ext cx="522900" cy="646331"/>
+          </a:xfrm>
+          <a:prstGeom prst="rect">
+            <a:avLst/>
+          </a:prstGeom>
+          <a:noFill/>
+        </p:spPr>
+        <p:txBody>
+          <a:bodyPr wrap="none" rtlCol="0">
+            <a:spAutoFit/>
+          </a:bodyPr>
+          <a:lstStyle/>
+          <a:p>
+            <a:r>
+              <a:rPr lang="en-ES" sz="3600" dirty="0"/>
+              <a:t>O</a:t>
+            </a:r>
+          </a:p>
+        </p:txBody>
+      </p:sp>
+      <p:sp>
+        <p:nvSpPr>
+          <p:cNvPr id="13" name="Oval 12">
+            <a:extLst>
+              <a:ext uri="{FF2B5EF4-FFF2-40B4-BE49-F238E27FC236}">
+                <a16:creationId xmlns:a16="http://schemas.microsoft.com/office/drawing/2014/main" id="{322D8EC8-818D-2FD2-93C7-4DCB0E0893A1}"/>
+              </a:ext>
+            </a:extLst>
+          </p:cNvPr>
+          <p:cNvSpPr/>
+          <p:nvPr/>
+        </p:nvSpPr>
+        <p:spPr>
+          <a:xfrm rot="2766453">
+            <a:off x="4400372" y="3642708"/>
+            <a:ext cx="167337" cy="69668"/>
+          </a:xfrm>
+          <a:prstGeom prst="ellipse">
+            <a:avLst/>
+          </a:prstGeom>
+        </p:spPr>
+        <p:style>
+          <a:lnRef idx="2">
+            <a:schemeClr val="accent1">
+              <a:shade val="15000"/>
+            </a:schemeClr>
+          </a:lnRef>
+          <a:fillRef idx="1">
+            <a:schemeClr val="accent1"/>
+          </a:fillRef>
+          <a:effectRef idx="0">
+            <a:schemeClr val="accent1"/>
+          </a:effectRef>
+          <a:fontRef idx="minor">
+            <a:schemeClr val="lt1"/>
+          </a:fontRef>
+        </p:style>
+        <p:txBody>
+          <a:bodyPr rtlCol="0" anchor="ctr"/>
+          <a:lstStyle/>
+          <a:p>
+            <a:pPr algn="ctr"/>
+            <a:endParaRPr lang="en-ES"/>
+          </a:p>
+        </p:txBody>
+      </p:sp>
+      <p:sp>
+        <p:nvSpPr>
+          <p:cNvPr id="14" name="Arc 13">
+            <a:extLst>
+              <a:ext uri="{FF2B5EF4-FFF2-40B4-BE49-F238E27FC236}">
+                <a16:creationId xmlns:a16="http://schemas.microsoft.com/office/drawing/2014/main" id="{788039F9-6F13-8097-318F-A9E4FDBD5E07}"/>
+              </a:ext>
+            </a:extLst>
+          </p:cNvPr>
+          <p:cNvSpPr/>
+          <p:nvPr/>
+        </p:nvSpPr>
+        <p:spPr>
+          <a:xfrm>
+            <a:off x="1021973" y="2961043"/>
+            <a:ext cx="4001845" cy="4450977"/>
+          </a:xfrm>
+          <a:prstGeom prst="arc">
+            <a:avLst>
+              <a:gd name="adj1" fmla="val 17045662"/>
+              <a:gd name="adj2" fmla="val 18774423"/>
+            </a:avLst>
+          </a:prstGeom>
+          <a:ln w="38100">
+            <a:solidFill>
+              <a:schemeClr val="tx1"/>
+            </a:solidFill>
+          </a:ln>
+        </p:spPr>
+        <p:style>
+          <a:lnRef idx="2">
+            <a:schemeClr val="accent1"/>
+          </a:lnRef>
+          <a:fillRef idx="0">
+            <a:schemeClr val="accent1"/>
+          </a:fillRef>
+          <a:effectRef idx="1">
+            <a:schemeClr val="accent1"/>
+          </a:effectRef>
+          <a:fontRef idx="minor">
+            <a:schemeClr val="tx1"/>
+          </a:fontRef>
+        </p:style>
+        <p:txBody>
+          <a:bodyPr rtlCol="0" anchor="ctr"/>
+          <a:lstStyle/>
+          <a:p>
+            <a:pPr algn="ctr"/>
+            <a:endParaRPr lang="en-ES"/>
+          </a:p>
+        </p:txBody>
+      </p:sp>
+      <p:cxnSp>
+        <p:nvCxnSpPr>
+          <p:cNvPr id="16" name="Straight Connector 15">
+            <a:extLst>
+              <a:ext uri="{FF2B5EF4-FFF2-40B4-BE49-F238E27FC236}">
+                <a16:creationId xmlns:a16="http://schemas.microsoft.com/office/drawing/2014/main" id="{44BBA49D-0D71-3BED-1ACD-F3EB4C050F8D}"/>
+              </a:ext>
+            </a:extLst>
+          </p:cNvPr>
+          <p:cNvCxnSpPr>
+            <a:cxnSpLocks/>
+          </p:cNvCxnSpPr>
+          <p:nvPr/>
+        </p:nvCxnSpPr>
+        <p:spPr>
+          <a:xfrm flipV="1">
+            <a:off x="3506993" y="3064399"/>
+            <a:ext cx="0" cy="1893505"/>
+          </a:xfrm>
+          <a:prstGeom prst="line">
+            <a:avLst/>
+          </a:prstGeom>
+          <a:ln w="38100"/>
+        </p:spPr>
+        <p:style>
+          <a:lnRef idx="2">
+            <a:schemeClr val="accent1"/>
+          </a:lnRef>
+          <a:fillRef idx="0">
+            <a:schemeClr val="accent1"/>
+          </a:fillRef>
+          <a:effectRef idx="1">
+            <a:schemeClr val="accent1"/>
+          </a:effectRef>
+          <a:fontRef idx="minor">
+            <a:schemeClr val="tx1"/>
+          </a:fontRef>
+        </p:style>
+      </p:cxnSp>
+      <p:cxnSp>
+        <p:nvCxnSpPr>
+          <p:cNvPr id="19" name="Straight Connector 18">
+            <a:extLst>
+              <a:ext uri="{FF2B5EF4-FFF2-40B4-BE49-F238E27FC236}">
+                <a16:creationId xmlns:a16="http://schemas.microsoft.com/office/drawing/2014/main" id="{6C288BBB-8476-FC27-7A5A-C6C4422C0C68}"/>
+              </a:ext>
+            </a:extLst>
+          </p:cNvPr>
+          <p:cNvCxnSpPr>
+            <a:cxnSpLocks/>
+            <a:stCxn id="9" idx="7"/>
+            <a:endCxn id="13" idx="4"/>
+          </p:cNvCxnSpPr>
+          <p:nvPr/>
+        </p:nvCxnSpPr>
+        <p:spPr>
+          <a:xfrm flipV="1">
+            <a:off x="3562465" y="3701693"/>
+            <a:ext cx="896473" cy="1266414"/>
+          </a:xfrm>
+          <a:prstGeom prst="line">
+            <a:avLst/>
+          </a:prstGeom>
+          <a:ln w="38100">
+            <a:tailEnd type="triangle"/>
+          </a:ln>
+        </p:spPr>
+        <p:style>
+          <a:lnRef idx="2">
+            <a:schemeClr val="accent1"/>
+          </a:lnRef>
+          <a:fillRef idx="0">
+            <a:schemeClr val="accent1"/>
+          </a:fillRef>
+          <a:effectRef idx="1">
+            <a:schemeClr val="accent1"/>
+          </a:effectRef>
+          <a:fontRef idx="minor">
+            <a:schemeClr val="tx1"/>
+          </a:fontRef>
+        </p:style>
+      </p:cxnSp>
+      <p:grpSp>
+        <p:nvGrpSpPr>
+          <p:cNvPr id="23" name="Group 22">
+            <a:extLst>
+              <a:ext uri="{FF2B5EF4-FFF2-40B4-BE49-F238E27FC236}">
+                <a16:creationId xmlns:a16="http://schemas.microsoft.com/office/drawing/2014/main" id="{D9E60F76-4DDA-DD52-F378-CBA81B55D2D5}"/>
+              </a:ext>
+            </a:extLst>
+          </p:cNvPr>
+          <p:cNvGrpSpPr/>
+          <p:nvPr/>
+        </p:nvGrpSpPr>
+        <p:grpSpPr>
+          <a:xfrm>
+            <a:off x="4212716" y="3869196"/>
+            <a:ext cx="492443" cy="732608"/>
+            <a:chOff x="6765974" y="1862976"/>
+            <a:chExt cx="492443" cy="732608"/>
+          </a:xfrm>
+        </p:grpSpPr>
+        <p:sp>
+          <p:nvSpPr>
+            <p:cNvPr id="21" name="TextBox 20">
+              <a:extLst>
+                <a:ext uri="{FF2B5EF4-FFF2-40B4-BE49-F238E27FC236}">
+                  <a16:creationId xmlns:a16="http://schemas.microsoft.com/office/drawing/2014/main" id="{2201616C-9A24-84E2-F584-C74920985373}"/>
+                </a:ext>
+              </a:extLst>
+            </p:cNvPr>
+            <p:cNvSpPr txBox="1"/>
+            <p:nvPr/>
+          </p:nvSpPr>
+          <p:spPr>
+            <a:xfrm>
+              <a:off x="6817922" y="1949253"/>
+              <a:ext cx="338554" cy="646331"/>
+            </a:xfrm>
+            <a:prstGeom prst="rect">
+              <a:avLst/>
+            </a:prstGeom>
+            <a:noFill/>
+          </p:spPr>
+          <p:txBody>
+            <a:bodyPr wrap="none" rtlCol="0">
+              <a:spAutoFit/>
+            </a:bodyPr>
+            <a:lstStyle/>
+            <a:p>
+              <a:r>
+                <a:rPr lang="en-ES" sz="3600" dirty="0"/>
+                <a:t>r</a:t>
+              </a:r>
+              <a:endParaRPr lang="en-ES" sz="3600" baseline="-25000" dirty="0"/>
+            </a:p>
+          </p:txBody>
+        </p:sp>
+        <p:sp>
+          <p:nvSpPr>
+            <p:cNvPr id="22" name="TextBox 21">
+              <a:extLst>
+                <a:ext uri="{FF2B5EF4-FFF2-40B4-BE49-F238E27FC236}">
+                  <a16:creationId xmlns:a16="http://schemas.microsoft.com/office/drawing/2014/main" id="{63ECEDFA-0FEB-914E-3AA2-BADC696A90F5}"/>
+                </a:ext>
+              </a:extLst>
+            </p:cNvPr>
+            <p:cNvSpPr txBox="1"/>
+            <p:nvPr/>
+          </p:nvSpPr>
+          <p:spPr>
+            <a:xfrm>
+              <a:off x="6765974" y="1862976"/>
+              <a:ext cx="492443" cy="461665"/>
+            </a:xfrm>
+            <a:prstGeom prst="rect">
+              <a:avLst/>
+            </a:prstGeom>
+            <a:noFill/>
+          </p:spPr>
+          <p:txBody>
+            <a:bodyPr wrap="square" rtlCol="0">
+              <a:spAutoFit/>
+            </a:bodyPr>
+            <a:lstStyle/>
+            <a:p>
+              <a:r>
+                <a:rPr lang="en-ES" sz="2400" dirty="0"/>
+                <a:t>➝</a:t>
+              </a:r>
+            </a:p>
+          </p:txBody>
+        </p:sp>
+      </p:grpSp>
+      <p:sp>
+        <p:nvSpPr>
+          <p:cNvPr id="25" name="TextBox 24">
+            <a:extLst>
+              <a:ext uri="{FF2B5EF4-FFF2-40B4-BE49-F238E27FC236}">
+                <a16:creationId xmlns:a16="http://schemas.microsoft.com/office/drawing/2014/main" id="{B24F304A-4BC6-5985-7719-03D18059EAC9}"/>
+              </a:ext>
+            </a:extLst>
+          </p:cNvPr>
+          <p:cNvSpPr txBox="1"/>
+          <p:nvPr/>
+        </p:nvSpPr>
+        <p:spPr>
+          <a:xfrm>
+            <a:off x="3589028" y="3717153"/>
+            <a:ext cx="437940" cy="646331"/>
+          </a:xfrm>
+          <a:prstGeom prst="rect">
+            <a:avLst/>
+          </a:prstGeom>
+          <a:noFill/>
+        </p:spPr>
+        <p:txBody>
+          <a:bodyPr wrap="none" rtlCol="0">
+            <a:spAutoFit/>
+          </a:bodyPr>
+          <a:lstStyle/>
+          <a:p>
+            <a:r>
+              <a:rPr lang="en-ES" sz="3600" dirty="0"/>
+              <a:t>θ</a:t>
+            </a:r>
+          </a:p>
+        </p:txBody>
+      </p:sp>
+      <p:sp>
+        <p:nvSpPr>
+          <p:cNvPr id="26" name="Arc 25">
+            <a:extLst>
+              <a:ext uri="{FF2B5EF4-FFF2-40B4-BE49-F238E27FC236}">
+                <a16:creationId xmlns:a16="http://schemas.microsoft.com/office/drawing/2014/main" id="{2D82B2C3-C8B9-E23E-F3C2-C3F98C7BE8C9}"/>
+              </a:ext>
+            </a:extLst>
+          </p:cNvPr>
+          <p:cNvSpPr/>
+          <p:nvPr/>
+        </p:nvSpPr>
+        <p:spPr>
+          <a:xfrm>
+            <a:off x="2276854" y="4149883"/>
+            <a:ext cx="1913383" cy="2060914"/>
+          </a:xfrm>
+          <a:prstGeom prst="arc">
+            <a:avLst>
+              <a:gd name="adj1" fmla="val 17045662"/>
+              <a:gd name="adj2" fmla="val 18774423"/>
+            </a:avLst>
+          </a:prstGeom>
+          <a:ln w="38100">
+            <a:solidFill>
+              <a:schemeClr val="tx1"/>
+            </a:solidFill>
+          </a:ln>
+        </p:spPr>
+        <p:style>
+          <a:lnRef idx="2">
+            <a:schemeClr val="accent1"/>
+          </a:lnRef>
+          <a:fillRef idx="0">
+            <a:schemeClr val="accent1"/>
+          </a:fillRef>
+          <a:effectRef idx="1">
+            <a:schemeClr val="accent1"/>
+          </a:effectRef>
+          <a:fontRef idx="minor">
+            <a:schemeClr val="tx1"/>
+          </a:fontRef>
+        </p:style>
+        <p:txBody>
+          <a:bodyPr rtlCol="0" anchor="ctr"/>
+          <a:lstStyle/>
+          <a:p>
+            <a:pPr algn="ctr"/>
+            <a:endParaRPr lang="en-ES"/>
+          </a:p>
+        </p:txBody>
+      </p:sp>
+      <p:sp>
+        <p:nvSpPr>
+          <p:cNvPr id="39" name="TextBox 38">
+            <a:extLst>
+              <a:ext uri="{FF2B5EF4-FFF2-40B4-BE49-F238E27FC236}">
+                <a16:creationId xmlns:a16="http://schemas.microsoft.com/office/drawing/2014/main" id="{B2BAF4B9-A177-A300-8020-4419082225D1}"/>
+              </a:ext>
+            </a:extLst>
+          </p:cNvPr>
+          <p:cNvSpPr txBox="1"/>
+          <p:nvPr/>
+        </p:nvSpPr>
+        <p:spPr>
+          <a:xfrm>
+            <a:off x="7831510" y="4575962"/>
+            <a:ext cx="437940" cy="646331"/>
+          </a:xfrm>
+          <a:prstGeom prst="rect">
+            <a:avLst/>
+          </a:prstGeom>
+          <a:noFill/>
+        </p:spPr>
+        <p:txBody>
+          <a:bodyPr wrap="square" rtlCol="0">
+            <a:spAutoFit/>
+          </a:bodyPr>
+          <a:lstStyle/>
+          <a:p>
+            <a:r>
+              <a:rPr lang="en-ES" sz="3600" dirty="0"/>
+              <a:t>θ</a:t>
+            </a:r>
+          </a:p>
+        </p:txBody>
+      </p:sp>
+      <p:sp>
+        <p:nvSpPr>
+          <p:cNvPr id="27" name="Arc 26">
+            <a:extLst>
+              <a:ext uri="{FF2B5EF4-FFF2-40B4-BE49-F238E27FC236}">
+                <a16:creationId xmlns:a16="http://schemas.microsoft.com/office/drawing/2014/main" id="{D44EBBCE-8353-A21D-D2A4-6CB3D2F0D917}"/>
+              </a:ext>
+            </a:extLst>
+          </p:cNvPr>
+          <p:cNvSpPr/>
+          <p:nvPr/>
+        </p:nvSpPr>
+        <p:spPr>
+          <a:xfrm>
+            <a:off x="5023818" y="2428545"/>
+            <a:ext cx="6261087" cy="6149921"/>
+          </a:xfrm>
+          <a:prstGeom prst="arc">
+            <a:avLst>
+              <a:gd name="adj1" fmla="val 16235464"/>
+              <a:gd name="adj2" fmla="val 19178223"/>
+            </a:avLst>
+          </a:prstGeom>
+          <a:ln w="38100">
+            <a:solidFill>
+              <a:schemeClr val="tx1"/>
+            </a:solidFill>
+          </a:ln>
+        </p:spPr>
+        <p:style>
+          <a:lnRef idx="2">
+            <a:schemeClr val="accent1"/>
+          </a:lnRef>
+          <a:fillRef idx="0">
+            <a:schemeClr val="accent1"/>
+          </a:fillRef>
+          <a:effectRef idx="1">
+            <a:schemeClr val="accent1"/>
+          </a:effectRef>
+          <a:fontRef idx="minor">
+            <a:schemeClr val="tx1"/>
+          </a:fontRef>
+        </p:style>
+        <p:txBody>
+          <a:bodyPr rtlCol="0" anchor="ctr"/>
+          <a:lstStyle/>
+          <a:p>
+            <a:pPr algn="ctr"/>
+            <a:endParaRPr lang="en-ES"/>
+          </a:p>
+        </p:txBody>
+      </p:sp>
+      <p:sp>
+        <p:nvSpPr>
+          <p:cNvPr id="28" name="Oval 27">
+            <a:extLst>
+              <a:ext uri="{FF2B5EF4-FFF2-40B4-BE49-F238E27FC236}">
+                <a16:creationId xmlns:a16="http://schemas.microsoft.com/office/drawing/2014/main" id="{696F848F-7651-1E4E-DA9B-C9BCFBF483B3}"/>
+              </a:ext>
+            </a:extLst>
+          </p:cNvPr>
+          <p:cNvSpPr/>
+          <p:nvPr/>
+        </p:nvSpPr>
+        <p:spPr>
+          <a:xfrm>
+            <a:off x="8076712" y="5367642"/>
+            <a:ext cx="252148" cy="214956"/>
+          </a:xfrm>
+          <a:prstGeom prst="ellipse">
+            <a:avLst/>
+          </a:prstGeom>
+        </p:spPr>
+        <p:style>
+          <a:lnRef idx="2">
+            <a:schemeClr val="accent1">
+              <a:shade val="15000"/>
+            </a:schemeClr>
+          </a:lnRef>
+          <a:fillRef idx="1">
+            <a:schemeClr val="accent1"/>
+          </a:fillRef>
+          <a:effectRef idx="0">
+            <a:schemeClr val="accent1"/>
+          </a:effectRef>
+          <a:fontRef idx="minor">
+            <a:schemeClr val="lt1"/>
+          </a:fontRef>
+        </p:style>
+        <p:txBody>
+          <a:bodyPr rtlCol="0" anchor="ctr"/>
+          <a:lstStyle/>
+          <a:p>
+            <a:pPr algn="ctr"/>
+            <a:endParaRPr lang="en-ES"/>
+          </a:p>
+        </p:txBody>
+      </p:sp>
+      <p:cxnSp>
+        <p:nvCxnSpPr>
+          <p:cNvPr id="29" name="Straight Connector 28">
+            <a:extLst>
+              <a:ext uri="{FF2B5EF4-FFF2-40B4-BE49-F238E27FC236}">
+                <a16:creationId xmlns:a16="http://schemas.microsoft.com/office/drawing/2014/main" id="{623DC22B-FD40-A3D2-E338-EA3A9A6CFFCC}"/>
+              </a:ext>
+            </a:extLst>
+          </p:cNvPr>
+          <p:cNvCxnSpPr>
+            <a:cxnSpLocks/>
+            <a:stCxn id="28" idx="0"/>
+            <a:endCxn id="27" idx="0"/>
+          </p:cNvCxnSpPr>
+          <p:nvPr/>
+        </p:nvCxnSpPr>
+        <p:spPr>
+          <a:xfrm flipH="1" flipV="1">
+            <a:off x="8187178" y="2428714"/>
+            <a:ext cx="15609" cy="2938928"/>
+          </a:xfrm>
+          <a:prstGeom prst="line">
+            <a:avLst/>
+          </a:prstGeom>
+          <a:ln w="38100"/>
+        </p:spPr>
+        <p:style>
+          <a:lnRef idx="2">
+            <a:schemeClr val="accent1"/>
+          </a:lnRef>
+          <a:fillRef idx="0">
+            <a:schemeClr val="accent1"/>
+          </a:fillRef>
+          <a:effectRef idx="1">
+            <a:schemeClr val="accent1"/>
+          </a:effectRef>
+          <a:fontRef idx="minor">
+            <a:schemeClr val="tx1"/>
+          </a:fontRef>
+        </p:style>
+      </p:cxnSp>
+      <p:cxnSp>
+        <p:nvCxnSpPr>
+          <p:cNvPr id="32" name="Straight Connector 31">
+            <a:extLst>
+              <a:ext uri="{FF2B5EF4-FFF2-40B4-BE49-F238E27FC236}">
+                <a16:creationId xmlns:a16="http://schemas.microsoft.com/office/drawing/2014/main" id="{88E08202-D14E-073B-7532-0E6ADB19F65C}"/>
+              </a:ext>
+            </a:extLst>
+          </p:cNvPr>
+          <p:cNvCxnSpPr>
+            <a:cxnSpLocks/>
+            <a:stCxn id="28" idx="7"/>
+            <a:endCxn id="27" idx="2"/>
+          </p:cNvCxnSpPr>
+          <p:nvPr/>
+        </p:nvCxnSpPr>
+        <p:spPr>
+          <a:xfrm flipV="1">
+            <a:off x="8291934" y="3530674"/>
+            <a:ext cx="2263730" cy="1868448"/>
+          </a:xfrm>
+          <a:prstGeom prst="line">
+            <a:avLst/>
+          </a:prstGeom>
+          <a:ln w="38100"/>
+        </p:spPr>
+        <p:style>
+          <a:lnRef idx="2">
+            <a:schemeClr val="accent1"/>
+          </a:lnRef>
+          <a:fillRef idx="0">
+            <a:schemeClr val="accent1"/>
+          </a:fillRef>
+          <a:effectRef idx="1">
+            <a:schemeClr val="accent1"/>
+          </a:effectRef>
+          <a:fontRef idx="minor">
+            <a:schemeClr val="tx1"/>
+          </a:fontRef>
+        </p:style>
+      </p:cxnSp>
+      <p:sp>
+        <p:nvSpPr>
+          <p:cNvPr id="35" name="Arc 34">
+            <a:extLst>
+              <a:ext uri="{FF2B5EF4-FFF2-40B4-BE49-F238E27FC236}">
+                <a16:creationId xmlns:a16="http://schemas.microsoft.com/office/drawing/2014/main" id="{9D38E17D-1317-E71A-9CB5-1E7A4C94D7FB}"/>
+              </a:ext>
+            </a:extLst>
+          </p:cNvPr>
+          <p:cNvSpPr/>
+          <p:nvPr/>
+        </p:nvSpPr>
+        <p:spPr>
+          <a:xfrm>
+            <a:off x="7675213" y="4907486"/>
+            <a:ext cx="1087215" cy="1125839"/>
+          </a:xfrm>
+          <a:prstGeom prst="arc">
+            <a:avLst>
+              <a:gd name="adj1" fmla="val 16235464"/>
+              <a:gd name="adj2" fmla="val 19178223"/>
+            </a:avLst>
+          </a:prstGeom>
+          <a:ln w="38100">
+            <a:solidFill>
+              <a:schemeClr val="tx1"/>
+            </a:solidFill>
+          </a:ln>
+        </p:spPr>
+        <p:style>
+          <a:lnRef idx="2">
+            <a:schemeClr val="accent1"/>
+          </a:lnRef>
+          <a:fillRef idx="0">
+            <a:schemeClr val="accent1"/>
+          </a:fillRef>
+          <a:effectRef idx="1">
+            <a:schemeClr val="accent1"/>
+          </a:effectRef>
+          <a:fontRef idx="minor">
+            <a:schemeClr val="tx1"/>
+          </a:fontRef>
+        </p:style>
+        <p:txBody>
+          <a:bodyPr rtlCol="0" anchor="ctr"/>
+          <a:lstStyle/>
+          <a:p>
+            <a:pPr algn="ctr"/>
+            <a:endParaRPr lang="en-ES"/>
+          </a:p>
+        </p:txBody>
+      </p:sp>
+      <p:cxnSp>
+        <p:nvCxnSpPr>
+          <p:cNvPr id="40" name="Straight Connector 39">
+            <a:extLst>
+              <a:ext uri="{FF2B5EF4-FFF2-40B4-BE49-F238E27FC236}">
+                <a16:creationId xmlns:a16="http://schemas.microsoft.com/office/drawing/2014/main" id="{6DACE6DE-EDE6-32E9-FD03-901EB2FA79DD}"/>
+              </a:ext>
+            </a:extLst>
+          </p:cNvPr>
+          <p:cNvCxnSpPr>
+            <a:cxnSpLocks/>
+          </p:cNvCxnSpPr>
+          <p:nvPr/>
+        </p:nvCxnSpPr>
+        <p:spPr>
+          <a:xfrm flipV="1">
+            <a:off x="8247005" y="2962299"/>
+            <a:ext cx="1124415" cy="2436822"/>
+          </a:xfrm>
+          <a:prstGeom prst="line">
+            <a:avLst/>
+          </a:prstGeom>
+          <a:ln w="38100"/>
+        </p:spPr>
+        <p:style>
+          <a:lnRef idx="2">
+            <a:schemeClr val="accent1"/>
+          </a:lnRef>
+          <a:fillRef idx="0">
+            <a:schemeClr val="accent1"/>
+          </a:fillRef>
+          <a:effectRef idx="1">
+            <a:schemeClr val="accent1"/>
+          </a:effectRef>
+          <a:fontRef idx="minor">
+            <a:schemeClr val="tx1"/>
+          </a:fontRef>
+        </p:style>
+      </p:cxnSp>
+      <p:cxnSp>
+        <p:nvCxnSpPr>
+          <p:cNvPr id="45" name="Straight Connector 44">
+            <a:extLst>
+              <a:ext uri="{FF2B5EF4-FFF2-40B4-BE49-F238E27FC236}">
+                <a16:creationId xmlns:a16="http://schemas.microsoft.com/office/drawing/2014/main" id="{2C8B9186-E5DB-FE3C-2430-CA05B30D55DB}"/>
+              </a:ext>
+            </a:extLst>
+          </p:cNvPr>
+          <p:cNvCxnSpPr>
+            <a:cxnSpLocks/>
+            <a:stCxn id="27" idx="0"/>
+            <a:endCxn id="27" idx="2"/>
+          </p:cNvCxnSpPr>
+          <p:nvPr/>
+        </p:nvCxnSpPr>
+        <p:spPr>
+          <a:xfrm>
+            <a:off x="8187178" y="2428714"/>
+            <a:ext cx="2368487" cy="1101960"/>
+          </a:xfrm>
+          <a:prstGeom prst="line">
+            <a:avLst/>
+          </a:prstGeom>
+          <a:ln w="38100"/>
+        </p:spPr>
+        <p:style>
+          <a:lnRef idx="2">
+            <a:schemeClr val="accent1"/>
+          </a:lnRef>
+          <a:fillRef idx="0">
+            <a:schemeClr val="accent1"/>
+          </a:fillRef>
+          <a:effectRef idx="1">
+            <a:schemeClr val="accent1"/>
+          </a:effectRef>
+          <a:fontRef idx="minor">
+            <a:schemeClr val="tx1"/>
+          </a:fontRef>
+        </p:style>
+      </p:cxnSp>
+      <p:sp>
+        <p:nvSpPr>
+          <p:cNvPr id="49" name="TextBox 48">
+            <a:extLst>
+              <a:ext uri="{FF2B5EF4-FFF2-40B4-BE49-F238E27FC236}">
+                <a16:creationId xmlns:a16="http://schemas.microsoft.com/office/drawing/2014/main" id="{6C35533C-2F76-27FB-2FD9-2ADDE81760FB}"/>
+              </a:ext>
+            </a:extLst>
+          </p:cNvPr>
+          <p:cNvSpPr txBox="1"/>
+          <p:nvPr/>
+        </p:nvSpPr>
+        <p:spPr>
+          <a:xfrm>
+            <a:off x="8923895" y="3698799"/>
+            <a:ext cx="910662" cy="646331"/>
+          </a:xfrm>
+          <a:prstGeom prst="rect">
+            <a:avLst/>
+          </a:prstGeom>
+          <a:noFill/>
+        </p:spPr>
+        <p:txBody>
+          <a:bodyPr wrap="square" rtlCol="0">
+            <a:spAutoFit/>
+          </a:bodyPr>
+          <a:lstStyle/>
+          <a:p>
+            <a:r>
+              <a:rPr lang="en-ES" sz="3600" dirty="0"/>
+              <a:t>θ/2</a:t>
+            </a:r>
+          </a:p>
+        </p:txBody>
+      </p:sp>
+      <p:sp>
+        <p:nvSpPr>
+          <p:cNvPr id="52" name="Arc 51">
+            <a:extLst>
+              <a:ext uri="{FF2B5EF4-FFF2-40B4-BE49-F238E27FC236}">
+                <a16:creationId xmlns:a16="http://schemas.microsoft.com/office/drawing/2014/main" id="{A93F4E1C-D374-23D6-5C42-25A6D2DB28C2}"/>
+              </a:ext>
+            </a:extLst>
+          </p:cNvPr>
+          <p:cNvSpPr/>
+          <p:nvPr/>
+        </p:nvSpPr>
+        <p:spPr>
+          <a:xfrm>
+            <a:off x="6978790" y="4309012"/>
+            <a:ext cx="2428602" cy="2329182"/>
+          </a:xfrm>
+          <a:prstGeom prst="arc">
+            <a:avLst>
+              <a:gd name="adj1" fmla="val 17770735"/>
+              <a:gd name="adj2" fmla="val 19178223"/>
+            </a:avLst>
+          </a:prstGeom>
+          <a:ln w="38100">
+            <a:solidFill>
+              <a:schemeClr val="tx1"/>
+            </a:solidFill>
+          </a:ln>
+        </p:spPr>
+        <p:style>
+          <a:lnRef idx="2">
+            <a:schemeClr val="accent1"/>
+          </a:lnRef>
+          <a:fillRef idx="0">
+            <a:schemeClr val="accent1"/>
+          </a:fillRef>
+          <a:effectRef idx="1">
+            <a:schemeClr val="accent1"/>
+          </a:effectRef>
+          <a:fontRef idx="minor">
+            <a:schemeClr val="tx1"/>
+          </a:fontRef>
+        </p:style>
+        <p:txBody>
+          <a:bodyPr rtlCol="0" anchor="ctr"/>
+          <a:lstStyle/>
+          <a:p>
+            <a:pPr algn="ctr"/>
+            <a:endParaRPr lang="en-ES"/>
+          </a:p>
+        </p:txBody>
+      </p:sp>
+      <p:sp>
+        <p:nvSpPr>
+          <p:cNvPr id="53" name="Left Brace 52">
+            <a:extLst>
+              <a:ext uri="{FF2B5EF4-FFF2-40B4-BE49-F238E27FC236}">
+                <a16:creationId xmlns:a16="http://schemas.microsoft.com/office/drawing/2014/main" id="{EEBEADDA-4708-71AE-C04C-07AD989EC4E2}"/>
+              </a:ext>
+            </a:extLst>
+          </p:cNvPr>
+          <p:cNvSpPr/>
+          <p:nvPr/>
+        </p:nvSpPr>
+        <p:spPr>
+          <a:xfrm>
+            <a:off x="7602470" y="2446120"/>
+            <a:ext cx="304800" cy="3036119"/>
+          </a:xfrm>
+          <a:prstGeom prst="leftBrace">
+            <a:avLst/>
+          </a:prstGeom>
+        </p:spPr>
+        <p:style>
+          <a:lnRef idx="2">
+            <a:schemeClr val="accent1"/>
+          </a:lnRef>
+          <a:fillRef idx="0">
+            <a:schemeClr val="accent1"/>
+          </a:fillRef>
+          <a:effectRef idx="1">
+            <a:schemeClr val="accent1"/>
+          </a:effectRef>
+          <a:fontRef idx="minor">
+            <a:schemeClr val="tx1"/>
+          </a:fontRef>
+        </p:style>
+        <p:txBody>
+          <a:bodyPr rtlCol="0" anchor="ctr"/>
+          <a:lstStyle/>
+          <a:p>
+            <a:pPr algn="ctr"/>
+            <a:endParaRPr lang="en-ES"/>
+          </a:p>
+        </p:txBody>
+      </p:sp>
+      <p:sp>
+        <p:nvSpPr>
+          <p:cNvPr id="54" name="TextBox 53">
+            <a:extLst>
+              <a:ext uri="{FF2B5EF4-FFF2-40B4-BE49-F238E27FC236}">
+                <a16:creationId xmlns:a16="http://schemas.microsoft.com/office/drawing/2014/main" id="{6AA8751F-6753-0C32-755E-AFAE08EAEE67}"/>
+              </a:ext>
+            </a:extLst>
+          </p:cNvPr>
+          <p:cNvSpPr txBox="1"/>
+          <p:nvPr/>
+        </p:nvSpPr>
+        <p:spPr>
+          <a:xfrm>
+            <a:off x="7215825" y="3593096"/>
+            <a:ext cx="429926" cy="646331"/>
+          </a:xfrm>
+          <a:prstGeom prst="rect">
+            <a:avLst/>
+          </a:prstGeom>
+          <a:noFill/>
+        </p:spPr>
+        <p:txBody>
+          <a:bodyPr wrap="none" rtlCol="0">
+            <a:spAutoFit/>
+          </a:bodyPr>
+          <a:lstStyle/>
+          <a:p>
+            <a:r>
+              <a:rPr lang="en-ES" sz="3600" dirty="0"/>
+              <a:t>a</a:t>
+            </a:r>
+          </a:p>
+        </p:txBody>
+      </p:sp>
+      <p:sp>
+        <p:nvSpPr>
+          <p:cNvPr id="55" name="Left Brace 54">
+            <a:extLst>
+              <a:ext uri="{FF2B5EF4-FFF2-40B4-BE49-F238E27FC236}">
+                <a16:creationId xmlns:a16="http://schemas.microsoft.com/office/drawing/2014/main" id="{CDD0697A-62F8-2B60-9263-AD3D5323509E}"/>
+              </a:ext>
+            </a:extLst>
+          </p:cNvPr>
+          <p:cNvSpPr/>
+          <p:nvPr/>
+        </p:nvSpPr>
+        <p:spPr>
+          <a:xfrm rot="6941951">
+            <a:off x="9420309" y="1239921"/>
+            <a:ext cx="360267" cy="2639443"/>
+          </a:xfrm>
+          <a:prstGeom prst="leftBrace">
+            <a:avLst/>
+          </a:prstGeom>
+        </p:spPr>
+        <p:style>
+          <a:lnRef idx="2">
+            <a:schemeClr val="accent1"/>
+          </a:lnRef>
+          <a:fillRef idx="0">
+            <a:schemeClr val="accent1"/>
+          </a:fillRef>
+          <a:effectRef idx="1">
+            <a:schemeClr val="accent1"/>
+          </a:effectRef>
+          <a:fontRef idx="minor">
+            <a:schemeClr val="tx1"/>
+          </a:fontRef>
+        </p:style>
+        <p:txBody>
+          <a:bodyPr rtlCol="0" anchor="ctr"/>
+          <a:lstStyle/>
+          <a:p>
+            <a:pPr algn="ctr"/>
+            <a:endParaRPr lang="en-ES"/>
+          </a:p>
+        </p:txBody>
+      </p:sp>
+      <p:sp>
+        <p:nvSpPr>
+          <p:cNvPr id="56" name="TextBox 55">
+            <a:extLst>
+              <a:ext uri="{FF2B5EF4-FFF2-40B4-BE49-F238E27FC236}">
+                <a16:creationId xmlns:a16="http://schemas.microsoft.com/office/drawing/2014/main" id="{AA711C45-FDA9-252C-0272-E423179CB38D}"/>
+              </a:ext>
+            </a:extLst>
+          </p:cNvPr>
+          <p:cNvSpPr txBox="1"/>
+          <p:nvPr/>
+        </p:nvSpPr>
+        <p:spPr>
+          <a:xfrm>
+            <a:off x="9564336" y="1830351"/>
+            <a:ext cx="465192" cy="646331"/>
+          </a:xfrm>
+          <a:prstGeom prst="rect">
+            <a:avLst/>
+          </a:prstGeom>
+          <a:noFill/>
+        </p:spPr>
+        <p:txBody>
+          <a:bodyPr wrap="none" rtlCol="0">
+            <a:spAutoFit/>
+          </a:bodyPr>
+          <a:lstStyle/>
+          <a:p>
+            <a:r>
+              <a:rPr lang="en-ES" sz="3600" dirty="0"/>
+              <a:t>R</a:t>
+            </a:r>
+          </a:p>
+        </p:txBody>
+      </p:sp>
+    </p:spTree>
+    <p:extLst>
+      <p:ext uri="{BB962C8B-B14F-4D97-AF65-F5344CB8AC3E}">
+        <p14:creationId xmlns:p14="http://schemas.microsoft.com/office/powerpoint/2010/main" val="358445491"/>
+      </p:ext>
+    </p:extLst>
+  </p:cSld>
+  <p:clrMapOvr>
+    <a:masterClrMapping/>
+  </p:clrMapOvr>
+</p:sld>
+</file>
+
+<file path=ppt/slides/slide20.xml><?xml version="1.0" encoding="utf-8"?>
 <p:sld xmlns:a="http://schemas.openxmlformats.org/drawingml/2006/main" xmlns:r="http://schemas.openxmlformats.org/officeDocument/2006/relationships" xmlns:p="http://schemas.openxmlformats.org/presentationml/2006/main">
   <p:cSld>
     <p:spTree>
@@ -12661,1456 +14542,7 @@
 </p:sld>
 </file>
 
-<file path=ppt/slides/slide2.xml><?xml version="1.0" encoding="utf-8"?>
-<p:sld xmlns:a="http://schemas.openxmlformats.org/drawingml/2006/main" xmlns:r="http://schemas.openxmlformats.org/officeDocument/2006/relationships" xmlns:p="http://schemas.openxmlformats.org/presentationml/2006/main">
-  <p:cSld>
-    <p:spTree>
-      <p:nvGrpSpPr>
-        <p:cNvPr id="1" name="">
-          <a:extLst>
-            <a:ext uri="{FF2B5EF4-FFF2-40B4-BE49-F238E27FC236}">
-              <a16:creationId xmlns:a16="http://schemas.microsoft.com/office/drawing/2014/main" id="{C9C37103-DC63-5195-15A1-347639A24472}"/>
-            </a:ext>
-          </a:extLst>
-        </p:cNvPr>
-        <p:cNvGrpSpPr/>
-        <p:nvPr/>
-      </p:nvGrpSpPr>
-      <p:grpSpPr>
-        <a:xfrm>
-          <a:off x="0" y="0"/>
-          <a:ext cx="0" cy="0"/>
-          <a:chOff x="0" y="0"/>
-          <a:chExt cx="0" cy="0"/>
-        </a:xfrm>
-      </p:grpSpPr>
-      <p:sp>
-        <p:nvSpPr>
-          <p:cNvPr id="2" name="Title 1">
-            <a:extLst>
-              <a:ext uri="{FF2B5EF4-FFF2-40B4-BE49-F238E27FC236}">
-                <a16:creationId xmlns:a16="http://schemas.microsoft.com/office/drawing/2014/main" id="{2C855AD1-D50F-D045-AE97-ECD7E6A24D1A}"/>
-              </a:ext>
-            </a:extLst>
-          </p:cNvPr>
-          <p:cNvSpPr>
-            <a:spLocks noGrp="1"/>
-          </p:cNvSpPr>
-          <p:nvPr>
-            <p:ph type="title"/>
-          </p:nvPr>
-        </p:nvSpPr>
-        <p:spPr/>
-        <p:txBody>
-          <a:bodyPr/>
-          <a:lstStyle/>
-          <a:p>
-            <a:r>
-              <a:rPr lang="en-ES" dirty="0"/>
-              <a:t>B1.S1.2</a:t>
-            </a:r>
-          </a:p>
-        </p:txBody>
-      </p:sp>
-      <p:sp>
-        <p:nvSpPr>
-          <p:cNvPr id="3" name="Pie 2">
-            <a:extLst>
-              <a:ext uri="{FF2B5EF4-FFF2-40B4-BE49-F238E27FC236}">
-                <a16:creationId xmlns:a16="http://schemas.microsoft.com/office/drawing/2014/main" id="{09316E81-ED00-99A8-74C7-A1B90526EBE2}"/>
-              </a:ext>
-            </a:extLst>
-          </p:cNvPr>
-          <p:cNvSpPr/>
-          <p:nvPr/>
-        </p:nvSpPr>
-        <p:spPr>
-          <a:xfrm>
-            <a:off x="1433456" y="2918012"/>
-            <a:ext cx="4155141" cy="4222378"/>
-          </a:xfrm>
-          <a:prstGeom prst="pie">
-            <a:avLst>
-              <a:gd name="adj1" fmla="val 10766858"/>
-              <a:gd name="adj2" fmla="val 4033"/>
-            </a:avLst>
-          </a:prstGeom>
-          <a:solidFill>
-            <a:schemeClr val="accent4">
-              <a:lumMod val="40000"/>
-              <a:lumOff val="60000"/>
-            </a:schemeClr>
-          </a:solidFill>
-        </p:spPr>
-        <p:style>
-          <a:lnRef idx="2">
-            <a:schemeClr val="accent1">
-              <a:shade val="15000"/>
-            </a:schemeClr>
-          </a:lnRef>
-          <a:fillRef idx="1">
-            <a:schemeClr val="accent1"/>
-          </a:fillRef>
-          <a:effectRef idx="0">
-            <a:schemeClr val="accent1"/>
-          </a:effectRef>
-          <a:fontRef idx="minor">
-            <a:schemeClr val="lt1"/>
-          </a:fontRef>
-        </p:style>
-        <p:txBody>
-          <a:bodyPr rtlCol="0" anchor="ctr"/>
-          <a:lstStyle/>
-          <a:p>
-            <a:pPr algn="ctr"/>
-            <a:endParaRPr lang="en-ES">
-              <a:solidFill>
-                <a:schemeClr val="tx1"/>
-              </a:solidFill>
-            </a:endParaRPr>
-          </a:p>
-        </p:txBody>
-      </p:sp>
-      <p:sp>
-        <p:nvSpPr>
-          <p:cNvPr id="4" name="Oval 3">
-            <a:extLst>
-              <a:ext uri="{FF2B5EF4-FFF2-40B4-BE49-F238E27FC236}">
-                <a16:creationId xmlns:a16="http://schemas.microsoft.com/office/drawing/2014/main" id="{2550CF0A-890E-8281-8E8A-C7005607E13A}"/>
-              </a:ext>
-            </a:extLst>
-          </p:cNvPr>
-          <p:cNvSpPr/>
-          <p:nvPr/>
-        </p:nvSpPr>
-        <p:spPr>
-          <a:xfrm>
-            <a:off x="1433456" y="4554892"/>
-            <a:ext cx="4155141" cy="948614"/>
-          </a:xfrm>
-          <a:prstGeom prst="ellipse">
-            <a:avLst/>
-          </a:prstGeom>
-          <a:solidFill>
-            <a:schemeClr val="accent4">
-              <a:lumMod val="40000"/>
-              <a:lumOff val="60000"/>
-            </a:schemeClr>
-          </a:solidFill>
-          <a:ln>
-            <a:noFill/>
-          </a:ln>
-        </p:spPr>
-        <p:style>
-          <a:lnRef idx="2">
-            <a:schemeClr val="accent1">
-              <a:shade val="15000"/>
-            </a:schemeClr>
-          </a:lnRef>
-          <a:fillRef idx="1">
-            <a:schemeClr val="accent1"/>
-          </a:fillRef>
-          <a:effectRef idx="0">
-            <a:schemeClr val="accent1"/>
-          </a:effectRef>
-          <a:fontRef idx="minor">
-            <a:schemeClr val="lt1"/>
-          </a:fontRef>
-        </p:style>
-        <p:txBody>
-          <a:bodyPr rtlCol="0" anchor="ctr"/>
-          <a:lstStyle/>
-          <a:p>
-            <a:pPr algn="ctr"/>
-            <a:endParaRPr lang="en-ES"/>
-          </a:p>
-        </p:txBody>
-      </p:sp>
-      <p:sp>
-        <p:nvSpPr>
-          <p:cNvPr id="5" name="Arc 4">
-            <a:extLst>
-              <a:ext uri="{FF2B5EF4-FFF2-40B4-BE49-F238E27FC236}">
-                <a16:creationId xmlns:a16="http://schemas.microsoft.com/office/drawing/2014/main" id="{5C6A1C15-53B7-496E-84B0-7169FFC2E6B7}"/>
-              </a:ext>
-            </a:extLst>
-          </p:cNvPr>
-          <p:cNvSpPr/>
-          <p:nvPr/>
-        </p:nvSpPr>
-        <p:spPr>
-          <a:xfrm>
-            <a:off x="1433457" y="2918012"/>
-            <a:ext cx="4155141" cy="4222377"/>
-          </a:xfrm>
-          <a:prstGeom prst="arc">
-            <a:avLst>
-              <a:gd name="adj1" fmla="val 10778025"/>
-              <a:gd name="adj2" fmla="val 0"/>
-            </a:avLst>
-          </a:prstGeom>
-          <a:ln w="38100">
-            <a:solidFill>
-              <a:schemeClr val="tx1"/>
-            </a:solidFill>
-          </a:ln>
-        </p:spPr>
-        <p:style>
-          <a:lnRef idx="2">
-            <a:schemeClr val="accent1"/>
-          </a:lnRef>
-          <a:fillRef idx="0">
-            <a:schemeClr val="accent1"/>
-          </a:fillRef>
-          <a:effectRef idx="1">
-            <a:schemeClr val="accent1"/>
-          </a:effectRef>
-          <a:fontRef idx="minor">
-            <a:schemeClr val="tx1"/>
-          </a:fontRef>
-        </p:style>
-        <p:txBody>
-          <a:bodyPr rtlCol="0" anchor="ctr"/>
-          <a:lstStyle/>
-          <a:p>
-            <a:pPr algn="ctr"/>
-            <a:endParaRPr lang="en-ES"/>
-          </a:p>
-        </p:txBody>
-      </p:sp>
-      <p:sp>
-        <p:nvSpPr>
-          <p:cNvPr id="6" name="Arc 5">
-            <a:extLst>
-              <a:ext uri="{FF2B5EF4-FFF2-40B4-BE49-F238E27FC236}">
-                <a16:creationId xmlns:a16="http://schemas.microsoft.com/office/drawing/2014/main" id="{5160BAA1-70E8-938B-6BDD-EC025B43B0B1}"/>
-              </a:ext>
-            </a:extLst>
-          </p:cNvPr>
-          <p:cNvSpPr/>
-          <p:nvPr/>
-        </p:nvSpPr>
-        <p:spPr>
-          <a:xfrm>
-            <a:off x="1433457" y="4554893"/>
-            <a:ext cx="4155141" cy="948613"/>
-          </a:xfrm>
-          <a:prstGeom prst="arc">
-            <a:avLst>
-              <a:gd name="adj1" fmla="val 10778025"/>
-              <a:gd name="adj2" fmla="val 0"/>
-            </a:avLst>
-          </a:prstGeom>
-          <a:ln w="38100">
-            <a:solidFill>
-              <a:schemeClr val="tx1"/>
-            </a:solidFill>
-            <a:prstDash val="dash"/>
-          </a:ln>
-        </p:spPr>
-        <p:style>
-          <a:lnRef idx="2">
-            <a:schemeClr val="accent1"/>
-          </a:lnRef>
-          <a:fillRef idx="0">
-            <a:schemeClr val="accent1"/>
-          </a:fillRef>
-          <a:effectRef idx="1">
-            <a:schemeClr val="accent1"/>
-          </a:effectRef>
-          <a:fontRef idx="minor">
-            <a:schemeClr val="tx1"/>
-          </a:fontRef>
-        </p:style>
-        <p:txBody>
-          <a:bodyPr rtlCol="0" anchor="ctr"/>
-          <a:lstStyle/>
-          <a:p>
-            <a:pPr algn="ctr"/>
-            <a:endParaRPr lang="en-ES"/>
-          </a:p>
-        </p:txBody>
-      </p:sp>
-      <p:sp>
-        <p:nvSpPr>
-          <p:cNvPr id="7" name="Arc 6">
-            <a:extLst>
-              <a:ext uri="{FF2B5EF4-FFF2-40B4-BE49-F238E27FC236}">
-                <a16:creationId xmlns:a16="http://schemas.microsoft.com/office/drawing/2014/main" id="{DB4EF742-A090-1805-5DD9-C5546877BC35}"/>
-              </a:ext>
-            </a:extLst>
-          </p:cNvPr>
-          <p:cNvSpPr/>
-          <p:nvPr/>
-        </p:nvSpPr>
-        <p:spPr>
-          <a:xfrm>
-            <a:off x="1433457" y="4554893"/>
-            <a:ext cx="4155141" cy="948613"/>
-          </a:xfrm>
-          <a:prstGeom prst="arc">
-            <a:avLst>
-              <a:gd name="adj1" fmla="val 21583761"/>
-              <a:gd name="adj2" fmla="val 10776216"/>
-            </a:avLst>
-          </a:prstGeom>
-          <a:ln w="38100">
-            <a:solidFill>
-              <a:schemeClr val="tx1"/>
-            </a:solidFill>
-            <a:prstDash val="solid"/>
-          </a:ln>
-        </p:spPr>
-        <p:style>
-          <a:lnRef idx="2">
-            <a:schemeClr val="accent1"/>
-          </a:lnRef>
-          <a:fillRef idx="0">
-            <a:schemeClr val="accent1"/>
-          </a:fillRef>
-          <a:effectRef idx="1">
-            <a:schemeClr val="accent1"/>
-          </a:effectRef>
-          <a:fontRef idx="minor">
-            <a:schemeClr val="tx1"/>
-          </a:fontRef>
-        </p:style>
-        <p:txBody>
-          <a:bodyPr rtlCol="0" anchor="ctr"/>
-          <a:lstStyle/>
-          <a:p>
-            <a:pPr algn="ctr"/>
-            <a:endParaRPr lang="en-ES"/>
-          </a:p>
-        </p:txBody>
-      </p:sp>
-      <p:sp>
-        <p:nvSpPr>
-          <p:cNvPr id="8" name="Oval 7">
-            <a:extLst>
-              <a:ext uri="{FF2B5EF4-FFF2-40B4-BE49-F238E27FC236}">
-                <a16:creationId xmlns:a16="http://schemas.microsoft.com/office/drawing/2014/main" id="{7A9363B4-DF01-E150-82B0-0FCA77C1C5FD}"/>
-              </a:ext>
-            </a:extLst>
-          </p:cNvPr>
-          <p:cNvSpPr/>
-          <p:nvPr/>
-        </p:nvSpPr>
-        <p:spPr>
-          <a:xfrm>
-            <a:off x="3419634" y="2994731"/>
-            <a:ext cx="167337" cy="69668"/>
-          </a:xfrm>
-          <a:prstGeom prst="ellipse">
-            <a:avLst/>
-          </a:prstGeom>
-        </p:spPr>
-        <p:style>
-          <a:lnRef idx="2">
-            <a:schemeClr val="accent1">
-              <a:shade val="15000"/>
-            </a:schemeClr>
-          </a:lnRef>
-          <a:fillRef idx="1">
-            <a:schemeClr val="accent1"/>
-          </a:fillRef>
-          <a:effectRef idx="0">
-            <a:schemeClr val="accent1"/>
-          </a:effectRef>
-          <a:fontRef idx="minor">
-            <a:schemeClr val="lt1"/>
-          </a:fontRef>
-        </p:style>
-        <p:txBody>
-          <a:bodyPr rtlCol="0" anchor="ctr"/>
-          <a:lstStyle/>
-          <a:p>
-            <a:pPr algn="ctr"/>
-            <a:endParaRPr lang="en-ES"/>
-          </a:p>
-        </p:txBody>
-      </p:sp>
-      <p:sp>
-        <p:nvSpPr>
-          <p:cNvPr id="9" name="Oval 8">
-            <a:extLst>
-              <a:ext uri="{FF2B5EF4-FFF2-40B4-BE49-F238E27FC236}">
-                <a16:creationId xmlns:a16="http://schemas.microsoft.com/office/drawing/2014/main" id="{FB49C907-F857-56ED-24B1-562263F086B6}"/>
-              </a:ext>
-            </a:extLst>
-          </p:cNvPr>
-          <p:cNvSpPr/>
-          <p:nvPr/>
-        </p:nvSpPr>
-        <p:spPr>
-          <a:xfrm>
-            <a:off x="3419634" y="4957904"/>
-            <a:ext cx="167337" cy="69668"/>
-          </a:xfrm>
-          <a:prstGeom prst="ellipse">
-            <a:avLst/>
-          </a:prstGeom>
-        </p:spPr>
-        <p:style>
-          <a:lnRef idx="2">
-            <a:schemeClr val="accent1">
-              <a:shade val="15000"/>
-            </a:schemeClr>
-          </a:lnRef>
-          <a:fillRef idx="1">
-            <a:schemeClr val="accent1"/>
-          </a:fillRef>
-          <a:effectRef idx="0">
-            <a:schemeClr val="accent1"/>
-          </a:effectRef>
-          <a:fontRef idx="minor">
-            <a:schemeClr val="lt1"/>
-          </a:fontRef>
-        </p:style>
-        <p:txBody>
-          <a:bodyPr rtlCol="0" anchor="ctr"/>
-          <a:lstStyle/>
-          <a:p>
-            <a:pPr algn="ctr"/>
-            <a:endParaRPr lang="en-ES"/>
-          </a:p>
-        </p:txBody>
-      </p:sp>
-      <p:sp>
-        <p:nvSpPr>
-          <p:cNvPr id="11" name="TextBox 10">
-            <a:extLst>
-              <a:ext uri="{FF2B5EF4-FFF2-40B4-BE49-F238E27FC236}">
-                <a16:creationId xmlns:a16="http://schemas.microsoft.com/office/drawing/2014/main" id="{BC1AE886-0269-55E1-6972-61F189366C57}"/>
-              </a:ext>
-            </a:extLst>
-          </p:cNvPr>
-          <p:cNvSpPr txBox="1"/>
-          <p:nvPr/>
-        </p:nvSpPr>
-        <p:spPr>
-          <a:xfrm>
-            <a:off x="2919597" y="2310040"/>
-            <a:ext cx="510076" cy="646331"/>
-          </a:xfrm>
-          <a:prstGeom prst="rect">
-            <a:avLst/>
-          </a:prstGeom>
-          <a:noFill/>
-        </p:spPr>
-        <p:txBody>
-          <a:bodyPr wrap="none" rtlCol="0">
-            <a:spAutoFit/>
-          </a:bodyPr>
-          <a:lstStyle/>
-          <a:p>
-            <a:r>
-              <a:rPr lang="en-ES" sz="3600" dirty="0"/>
-              <a:t>N</a:t>
-            </a:r>
-          </a:p>
-        </p:txBody>
-      </p:sp>
-      <p:sp>
-        <p:nvSpPr>
-          <p:cNvPr id="12" name="TextBox 11">
-            <a:extLst>
-              <a:ext uri="{FF2B5EF4-FFF2-40B4-BE49-F238E27FC236}">
-                <a16:creationId xmlns:a16="http://schemas.microsoft.com/office/drawing/2014/main" id="{724EBCBB-BAC7-9A1F-D4A7-C8981C1E253D}"/>
-              </a:ext>
-            </a:extLst>
-          </p:cNvPr>
-          <p:cNvSpPr txBox="1"/>
-          <p:nvPr/>
-        </p:nvSpPr>
-        <p:spPr>
-          <a:xfrm>
-            <a:off x="2896734" y="4857175"/>
-            <a:ext cx="522900" cy="646331"/>
-          </a:xfrm>
-          <a:prstGeom prst="rect">
-            <a:avLst/>
-          </a:prstGeom>
-          <a:noFill/>
-        </p:spPr>
-        <p:txBody>
-          <a:bodyPr wrap="none" rtlCol="0">
-            <a:spAutoFit/>
-          </a:bodyPr>
-          <a:lstStyle/>
-          <a:p>
-            <a:r>
-              <a:rPr lang="en-ES" sz="3600" dirty="0"/>
-              <a:t>O</a:t>
-            </a:r>
-          </a:p>
-        </p:txBody>
-      </p:sp>
-      <p:sp>
-        <p:nvSpPr>
-          <p:cNvPr id="13" name="Oval 12">
-            <a:extLst>
-              <a:ext uri="{FF2B5EF4-FFF2-40B4-BE49-F238E27FC236}">
-                <a16:creationId xmlns:a16="http://schemas.microsoft.com/office/drawing/2014/main" id="{322D8EC8-818D-2FD2-93C7-4DCB0E0893A1}"/>
-              </a:ext>
-            </a:extLst>
-          </p:cNvPr>
-          <p:cNvSpPr/>
-          <p:nvPr/>
-        </p:nvSpPr>
-        <p:spPr>
-          <a:xfrm rot="2766453">
-            <a:off x="4400372" y="3642708"/>
-            <a:ext cx="167337" cy="69668"/>
-          </a:xfrm>
-          <a:prstGeom prst="ellipse">
-            <a:avLst/>
-          </a:prstGeom>
-        </p:spPr>
-        <p:style>
-          <a:lnRef idx="2">
-            <a:schemeClr val="accent1">
-              <a:shade val="15000"/>
-            </a:schemeClr>
-          </a:lnRef>
-          <a:fillRef idx="1">
-            <a:schemeClr val="accent1"/>
-          </a:fillRef>
-          <a:effectRef idx="0">
-            <a:schemeClr val="accent1"/>
-          </a:effectRef>
-          <a:fontRef idx="minor">
-            <a:schemeClr val="lt1"/>
-          </a:fontRef>
-        </p:style>
-        <p:txBody>
-          <a:bodyPr rtlCol="0" anchor="ctr"/>
-          <a:lstStyle/>
-          <a:p>
-            <a:pPr algn="ctr"/>
-            <a:endParaRPr lang="en-ES"/>
-          </a:p>
-        </p:txBody>
-      </p:sp>
-      <p:sp>
-        <p:nvSpPr>
-          <p:cNvPr id="14" name="Arc 13">
-            <a:extLst>
-              <a:ext uri="{FF2B5EF4-FFF2-40B4-BE49-F238E27FC236}">
-                <a16:creationId xmlns:a16="http://schemas.microsoft.com/office/drawing/2014/main" id="{788039F9-6F13-8097-318F-A9E4FDBD5E07}"/>
-              </a:ext>
-            </a:extLst>
-          </p:cNvPr>
-          <p:cNvSpPr/>
-          <p:nvPr/>
-        </p:nvSpPr>
-        <p:spPr>
-          <a:xfrm>
-            <a:off x="1021973" y="2961043"/>
-            <a:ext cx="4001845" cy="4450977"/>
-          </a:xfrm>
-          <a:prstGeom prst="arc">
-            <a:avLst>
-              <a:gd name="adj1" fmla="val 17045662"/>
-              <a:gd name="adj2" fmla="val 18774423"/>
-            </a:avLst>
-          </a:prstGeom>
-          <a:ln w="38100">
-            <a:solidFill>
-              <a:schemeClr val="tx1"/>
-            </a:solidFill>
-          </a:ln>
-        </p:spPr>
-        <p:style>
-          <a:lnRef idx="2">
-            <a:schemeClr val="accent1"/>
-          </a:lnRef>
-          <a:fillRef idx="0">
-            <a:schemeClr val="accent1"/>
-          </a:fillRef>
-          <a:effectRef idx="1">
-            <a:schemeClr val="accent1"/>
-          </a:effectRef>
-          <a:fontRef idx="minor">
-            <a:schemeClr val="tx1"/>
-          </a:fontRef>
-        </p:style>
-        <p:txBody>
-          <a:bodyPr rtlCol="0" anchor="ctr"/>
-          <a:lstStyle/>
-          <a:p>
-            <a:pPr algn="ctr"/>
-            <a:endParaRPr lang="en-ES"/>
-          </a:p>
-        </p:txBody>
-      </p:sp>
-      <p:cxnSp>
-        <p:nvCxnSpPr>
-          <p:cNvPr id="16" name="Straight Connector 15">
-            <a:extLst>
-              <a:ext uri="{FF2B5EF4-FFF2-40B4-BE49-F238E27FC236}">
-                <a16:creationId xmlns:a16="http://schemas.microsoft.com/office/drawing/2014/main" id="{44BBA49D-0D71-3BED-1ACD-F3EB4C050F8D}"/>
-              </a:ext>
-            </a:extLst>
-          </p:cNvPr>
-          <p:cNvCxnSpPr>
-            <a:cxnSpLocks/>
-          </p:cNvCxnSpPr>
-          <p:nvPr/>
-        </p:nvCxnSpPr>
-        <p:spPr>
-          <a:xfrm flipV="1">
-            <a:off x="3506993" y="3064399"/>
-            <a:ext cx="0" cy="1893505"/>
-          </a:xfrm>
-          <a:prstGeom prst="line">
-            <a:avLst/>
-          </a:prstGeom>
-          <a:ln w="38100"/>
-        </p:spPr>
-        <p:style>
-          <a:lnRef idx="2">
-            <a:schemeClr val="accent1"/>
-          </a:lnRef>
-          <a:fillRef idx="0">
-            <a:schemeClr val="accent1"/>
-          </a:fillRef>
-          <a:effectRef idx="1">
-            <a:schemeClr val="accent1"/>
-          </a:effectRef>
-          <a:fontRef idx="minor">
-            <a:schemeClr val="tx1"/>
-          </a:fontRef>
-        </p:style>
-      </p:cxnSp>
-      <p:cxnSp>
-        <p:nvCxnSpPr>
-          <p:cNvPr id="19" name="Straight Connector 18">
-            <a:extLst>
-              <a:ext uri="{FF2B5EF4-FFF2-40B4-BE49-F238E27FC236}">
-                <a16:creationId xmlns:a16="http://schemas.microsoft.com/office/drawing/2014/main" id="{6C288BBB-8476-FC27-7A5A-C6C4422C0C68}"/>
-              </a:ext>
-            </a:extLst>
-          </p:cNvPr>
-          <p:cNvCxnSpPr>
-            <a:cxnSpLocks/>
-            <a:stCxn id="9" idx="7"/>
-            <a:endCxn id="13" idx="4"/>
-          </p:cNvCxnSpPr>
-          <p:nvPr/>
-        </p:nvCxnSpPr>
-        <p:spPr>
-          <a:xfrm flipV="1">
-            <a:off x="3562465" y="3701693"/>
-            <a:ext cx="896473" cy="1266414"/>
-          </a:xfrm>
-          <a:prstGeom prst="line">
-            <a:avLst/>
-          </a:prstGeom>
-          <a:ln w="38100">
-            <a:tailEnd type="triangle"/>
-          </a:ln>
-        </p:spPr>
-        <p:style>
-          <a:lnRef idx="2">
-            <a:schemeClr val="accent1"/>
-          </a:lnRef>
-          <a:fillRef idx="0">
-            <a:schemeClr val="accent1"/>
-          </a:fillRef>
-          <a:effectRef idx="1">
-            <a:schemeClr val="accent1"/>
-          </a:effectRef>
-          <a:fontRef idx="minor">
-            <a:schemeClr val="tx1"/>
-          </a:fontRef>
-        </p:style>
-      </p:cxnSp>
-      <p:grpSp>
-        <p:nvGrpSpPr>
-          <p:cNvPr id="23" name="Group 22">
-            <a:extLst>
-              <a:ext uri="{FF2B5EF4-FFF2-40B4-BE49-F238E27FC236}">
-                <a16:creationId xmlns:a16="http://schemas.microsoft.com/office/drawing/2014/main" id="{D9E60F76-4DDA-DD52-F378-CBA81B55D2D5}"/>
-              </a:ext>
-            </a:extLst>
-          </p:cNvPr>
-          <p:cNvGrpSpPr/>
-          <p:nvPr/>
-        </p:nvGrpSpPr>
-        <p:grpSpPr>
-          <a:xfrm>
-            <a:off x="4212716" y="3869196"/>
-            <a:ext cx="492443" cy="732608"/>
-            <a:chOff x="6765974" y="1862976"/>
-            <a:chExt cx="492443" cy="732608"/>
-          </a:xfrm>
-        </p:grpSpPr>
-        <p:sp>
-          <p:nvSpPr>
-            <p:cNvPr id="21" name="TextBox 20">
-              <a:extLst>
-                <a:ext uri="{FF2B5EF4-FFF2-40B4-BE49-F238E27FC236}">
-                  <a16:creationId xmlns:a16="http://schemas.microsoft.com/office/drawing/2014/main" id="{2201616C-9A24-84E2-F584-C74920985373}"/>
-                </a:ext>
-              </a:extLst>
-            </p:cNvPr>
-            <p:cNvSpPr txBox="1"/>
-            <p:nvPr/>
-          </p:nvSpPr>
-          <p:spPr>
-            <a:xfrm>
-              <a:off x="6817922" y="1949253"/>
-              <a:ext cx="338554" cy="646331"/>
-            </a:xfrm>
-            <a:prstGeom prst="rect">
-              <a:avLst/>
-            </a:prstGeom>
-            <a:noFill/>
-          </p:spPr>
-          <p:txBody>
-            <a:bodyPr wrap="none" rtlCol="0">
-              <a:spAutoFit/>
-            </a:bodyPr>
-            <a:lstStyle/>
-            <a:p>
-              <a:r>
-                <a:rPr lang="en-ES" sz="3600" dirty="0"/>
-                <a:t>r</a:t>
-              </a:r>
-              <a:endParaRPr lang="en-ES" sz="3600" baseline="-25000" dirty="0"/>
-            </a:p>
-          </p:txBody>
-        </p:sp>
-        <p:sp>
-          <p:nvSpPr>
-            <p:cNvPr id="22" name="TextBox 21">
-              <a:extLst>
-                <a:ext uri="{FF2B5EF4-FFF2-40B4-BE49-F238E27FC236}">
-                  <a16:creationId xmlns:a16="http://schemas.microsoft.com/office/drawing/2014/main" id="{63ECEDFA-0FEB-914E-3AA2-BADC696A90F5}"/>
-                </a:ext>
-              </a:extLst>
-            </p:cNvPr>
-            <p:cNvSpPr txBox="1"/>
-            <p:nvPr/>
-          </p:nvSpPr>
-          <p:spPr>
-            <a:xfrm>
-              <a:off x="6765974" y="1862976"/>
-              <a:ext cx="492443" cy="461665"/>
-            </a:xfrm>
-            <a:prstGeom prst="rect">
-              <a:avLst/>
-            </a:prstGeom>
-            <a:noFill/>
-          </p:spPr>
-          <p:txBody>
-            <a:bodyPr wrap="square" rtlCol="0">
-              <a:spAutoFit/>
-            </a:bodyPr>
-            <a:lstStyle/>
-            <a:p>
-              <a:r>
-                <a:rPr lang="en-ES" sz="2400" dirty="0"/>
-                <a:t>➝</a:t>
-              </a:r>
-            </a:p>
-          </p:txBody>
-        </p:sp>
-      </p:grpSp>
-      <p:sp>
-        <p:nvSpPr>
-          <p:cNvPr id="25" name="TextBox 24">
-            <a:extLst>
-              <a:ext uri="{FF2B5EF4-FFF2-40B4-BE49-F238E27FC236}">
-                <a16:creationId xmlns:a16="http://schemas.microsoft.com/office/drawing/2014/main" id="{B24F304A-4BC6-5985-7719-03D18059EAC9}"/>
-              </a:ext>
-            </a:extLst>
-          </p:cNvPr>
-          <p:cNvSpPr txBox="1"/>
-          <p:nvPr/>
-        </p:nvSpPr>
-        <p:spPr>
-          <a:xfrm>
-            <a:off x="3589028" y="3717153"/>
-            <a:ext cx="437940" cy="646331"/>
-          </a:xfrm>
-          <a:prstGeom prst="rect">
-            <a:avLst/>
-          </a:prstGeom>
-          <a:noFill/>
-        </p:spPr>
-        <p:txBody>
-          <a:bodyPr wrap="none" rtlCol="0">
-            <a:spAutoFit/>
-          </a:bodyPr>
-          <a:lstStyle/>
-          <a:p>
-            <a:r>
-              <a:rPr lang="en-ES" sz="3600" dirty="0"/>
-              <a:t>θ</a:t>
-            </a:r>
-          </a:p>
-        </p:txBody>
-      </p:sp>
-      <p:sp>
-        <p:nvSpPr>
-          <p:cNvPr id="26" name="Arc 25">
-            <a:extLst>
-              <a:ext uri="{FF2B5EF4-FFF2-40B4-BE49-F238E27FC236}">
-                <a16:creationId xmlns:a16="http://schemas.microsoft.com/office/drawing/2014/main" id="{2D82B2C3-C8B9-E23E-F3C2-C3F98C7BE8C9}"/>
-              </a:ext>
-            </a:extLst>
-          </p:cNvPr>
-          <p:cNvSpPr/>
-          <p:nvPr/>
-        </p:nvSpPr>
-        <p:spPr>
-          <a:xfrm>
-            <a:off x="2276854" y="4149883"/>
-            <a:ext cx="1913383" cy="2060914"/>
-          </a:xfrm>
-          <a:prstGeom prst="arc">
-            <a:avLst>
-              <a:gd name="adj1" fmla="val 17045662"/>
-              <a:gd name="adj2" fmla="val 18774423"/>
-            </a:avLst>
-          </a:prstGeom>
-          <a:ln w="38100">
-            <a:solidFill>
-              <a:schemeClr val="tx1"/>
-            </a:solidFill>
-          </a:ln>
-        </p:spPr>
-        <p:style>
-          <a:lnRef idx="2">
-            <a:schemeClr val="accent1"/>
-          </a:lnRef>
-          <a:fillRef idx="0">
-            <a:schemeClr val="accent1"/>
-          </a:fillRef>
-          <a:effectRef idx="1">
-            <a:schemeClr val="accent1"/>
-          </a:effectRef>
-          <a:fontRef idx="minor">
-            <a:schemeClr val="tx1"/>
-          </a:fontRef>
-        </p:style>
-        <p:txBody>
-          <a:bodyPr rtlCol="0" anchor="ctr"/>
-          <a:lstStyle/>
-          <a:p>
-            <a:pPr algn="ctr"/>
-            <a:endParaRPr lang="en-ES"/>
-          </a:p>
-        </p:txBody>
-      </p:sp>
-      <p:sp>
-        <p:nvSpPr>
-          <p:cNvPr id="39" name="TextBox 38">
-            <a:extLst>
-              <a:ext uri="{FF2B5EF4-FFF2-40B4-BE49-F238E27FC236}">
-                <a16:creationId xmlns:a16="http://schemas.microsoft.com/office/drawing/2014/main" id="{B2BAF4B9-A177-A300-8020-4419082225D1}"/>
-              </a:ext>
-            </a:extLst>
-          </p:cNvPr>
-          <p:cNvSpPr txBox="1"/>
-          <p:nvPr/>
-        </p:nvSpPr>
-        <p:spPr>
-          <a:xfrm>
-            <a:off x="7831510" y="4575962"/>
-            <a:ext cx="437940" cy="646331"/>
-          </a:xfrm>
-          <a:prstGeom prst="rect">
-            <a:avLst/>
-          </a:prstGeom>
-          <a:noFill/>
-        </p:spPr>
-        <p:txBody>
-          <a:bodyPr wrap="square" rtlCol="0">
-            <a:spAutoFit/>
-          </a:bodyPr>
-          <a:lstStyle/>
-          <a:p>
-            <a:r>
-              <a:rPr lang="en-ES" sz="3600" dirty="0"/>
-              <a:t>θ</a:t>
-            </a:r>
-          </a:p>
-        </p:txBody>
-      </p:sp>
-      <p:sp>
-        <p:nvSpPr>
-          <p:cNvPr id="27" name="Arc 26">
-            <a:extLst>
-              <a:ext uri="{FF2B5EF4-FFF2-40B4-BE49-F238E27FC236}">
-                <a16:creationId xmlns:a16="http://schemas.microsoft.com/office/drawing/2014/main" id="{D44EBBCE-8353-A21D-D2A4-6CB3D2F0D917}"/>
-              </a:ext>
-            </a:extLst>
-          </p:cNvPr>
-          <p:cNvSpPr/>
-          <p:nvPr/>
-        </p:nvSpPr>
-        <p:spPr>
-          <a:xfrm>
-            <a:off x="5023818" y="2428545"/>
-            <a:ext cx="6261087" cy="6149921"/>
-          </a:xfrm>
-          <a:prstGeom prst="arc">
-            <a:avLst>
-              <a:gd name="adj1" fmla="val 16235464"/>
-              <a:gd name="adj2" fmla="val 19178223"/>
-            </a:avLst>
-          </a:prstGeom>
-          <a:ln w="38100">
-            <a:solidFill>
-              <a:schemeClr val="tx1"/>
-            </a:solidFill>
-          </a:ln>
-        </p:spPr>
-        <p:style>
-          <a:lnRef idx="2">
-            <a:schemeClr val="accent1"/>
-          </a:lnRef>
-          <a:fillRef idx="0">
-            <a:schemeClr val="accent1"/>
-          </a:fillRef>
-          <a:effectRef idx="1">
-            <a:schemeClr val="accent1"/>
-          </a:effectRef>
-          <a:fontRef idx="minor">
-            <a:schemeClr val="tx1"/>
-          </a:fontRef>
-        </p:style>
-        <p:txBody>
-          <a:bodyPr rtlCol="0" anchor="ctr"/>
-          <a:lstStyle/>
-          <a:p>
-            <a:pPr algn="ctr"/>
-            <a:endParaRPr lang="en-ES"/>
-          </a:p>
-        </p:txBody>
-      </p:sp>
-      <p:sp>
-        <p:nvSpPr>
-          <p:cNvPr id="28" name="Oval 27">
-            <a:extLst>
-              <a:ext uri="{FF2B5EF4-FFF2-40B4-BE49-F238E27FC236}">
-                <a16:creationId xmlns:a16="http://schemas.microsoft.com/office/drawing/2014/main" id="{696F848F-7651-1E4E-DA9B-C9BCFBF483B3}"/>
-              </a:ext>
-            </a:extLst>
-          </p:cNvPr>
-          <p:cNvSpPr/>
-          <p:nvPr/>
-        </p:nvSpPr>
-        <p:spPr>
-          <a:xfrm>
-            <a:off x="8076712" y="5367642"/>
-            <a:ext cx="252148" cy="214956"/>
-          </a:xfrm>
-          <a:prstGeom prst="ellipse">
-            <a:avLst/>
-          </a:prstGeom>
-        </p:spPr>
-        <p:style>
-          <a:lnRef idx="2">
-            <a:schemeClr val="accent1">
-              <a:shade val="15000"/>
-            </a:schemeClr>
-          </a:lnRef>
-          <a:fillRef idx="1">
-            <a:schemeClr val="accent1"/>
-          </a:fillRef>
-          <a:effectRef idx="0">
-            <a:schemeClr val="accent1"/>
-          </a:effectRef>
-          <a:fontRef idx="minor">
-            <a:schemeClr val="lt1"/>
-          </a:fontRef>
-        </p:style>
-        <p:txBody>
-          <a:bodyPr rtlCol="0" anchor="ctr"/>
-          <a:lstStyle/>
-          <a:p>
-            <a:pPr algn="ctr"/>
-            <a:endParaRPr lang="en-ES"/>
-          </a:p>
-        </p:txBody>
-      </p:sp>
-      <p:cxnSp>
-        <p:nvCxnSpPr>
-          <p:cNvPr id="29" name="Straight Connector 28">
-            <a:extLst>
-              <a:ext uri="{FF2B5EF4-FFF2-40B4-BE49-F238E27FC236}">
-                <a16:creationId xmlns:a16="http://schemas.microsoft.com/office/drawing/2014/main" id="{623DC22B-FD40-A3D2-E338-EA3A9A6CFFCC}"/>
-              </a:ext>
-            </a:extLst>
-          </p:cNvPr>
-          <p:cNvCxnSpPr>
-            <a:cxnSpLocks/>
-            <a:stCxn id="28" idx="0"/>
-            <a:endCxn id="27" idx="0"/>
-          </p:cNvCxnSpPr>
-          <p:nvPr/>
-        </p:nvCxnSpPr>
-        <p:spPr>
-          <a:xfrm flipH="1" flipV="1">
-            <a:off x="8187178" y="2428714"/>
-            <a:ext cx="15609" cy="2938928"/>
-          </a:xfrm>
-          <a:prstGeom prst="line">
-            <a:avLst/>
-          </a:prstGeom>
-          <a:ln w="38100"/>
-        </p:spPr>
-        <p:style>
-          <a:lnRef idx="2">
-            <a:schemeClr val="accent1"/>
-          </a:lnRef>
-          <a:fillRef idx="0">
-            <a:schemeClr val="accent1"/>
-          </a:fillRef>
-          <a:effectRef idx="1">
-            <a:schemeClr val="accent1"/>
-          </a:effectRef>
-          <a:fontRef idx="minor">
-            <a:schemeClr val="tx1"/>
-          </a:fontRef>
-        </p:style>
-      </p:cxnSp>
-      <p:cxnSp>
-        <p:nvCxnSpPr>
-          <p:cNvPr id="32" name="Straight Connector 31">
-            <a:extLst>
-              <a:ext uri="{FF2B5EF4-FFF2-40B4-BE49-F238E27FC236}">
-                <a16:creationId xmlns:a16="http://schemas.microsoft.com/office/drawing/2014/main" id="{88E08202-D14E-073B-7532-0E6ADB19F65C}"/>
-              </a:ext>
-            </a:extLst>
-          </p:cNvPr>
-          <p:cNvCxnSpPr>
-            <a:cxnSpLocks/>
-            <a:stCxn id="28" idx="7"/>
-            <a:endCxn id="27" idx="2"/>
-          </p:cNvCxnSpPr>
-          <p:nvPr/>
-        </p:nvCxnSpPr>
-        <p:spPr>
-          <a:xfrm flipV="1">
-            <a:off x="8291934" y="3530674"/>
-            <a:ext cx="2263730" cy="1868448"/>
-          </a:xfrm>
-          <a:prstGeom prst="line">
-            <a:avLst/>
-          </a:prstGeom>
-          <a:ln w="38100"/>
-        </p:spPr>
-        <p:style>
-          <a:lnRef idx="2">
-            <a:schemeClr val="accent1"/>
-          </a:lnRef>
-          <a:fillRef idx="0">
-            <a:schemeClr val="accent1"/>
-          </a:fillRef>
-          <a:effectRef idx="1">
-            <a:schemeClr val="accent1"/>
-          </a:effectRef>
-          <a:fontRef idx="minor">
-            <a:schemeClr val="tx1"/>
-          </a:fontRef>
-        </p:style>
-      </p:cxnSp>
-      <p:sp>
-        <p:nvSpPr>
-          <p:cNvPr id="35" name="Arc 34">
-            <a:extLst>
-              <a:ext uri="{FF2B5EF4-FFF2-40B4-BE49-F238E27FC236}">
-                <a16:creationId xmlns:a16="http://schemas.microsoft.com/office/drawing/2014/main" id="{9D38E17D-1317-E71A-9CB5-1E7A4C94D7FB}"/>
-              </a:ext>
-            </a:extLst>
-          </p:cNvPr>
-          <p:cNvSpPr/>
-          <p:nvPr/>
-        </p:nvSpPr>
-        <p:spPr>
-          <a:xfrm>
-            <a:off x="7675213" y="4907486"/>
-            <a:ext cx="1087215" cy="1125839"/>
-          </a:xfrm>
-          <a:prstGeom prst="arc">
-            <a:avLst>
-              <a:gd name="adj1" fmla="val 16235464"/>
-              <a:gd name="adj2" fmla="val 19178223"/>
-            </a:avLst>
-          </a:prstGeom>
-          <a:ln w="38100">
-            <a:solidFill>
-              <a:schemeClr val="tx1"/>
-            </a:solidFill>
-          </a:ln>
-        </p:spPr>
-        <p:style>
-          <a:lnRef idx="2">
-            <a:schemeClr val="accent1"/>
-          </a:lnRef>
-          <a:fillRef idx="0">
-            <a:schemeClr val="accent1"/>
-          </a:fillRef>
-          <a:effectRef idx="1">
-            <a:schemeClr val="accent1"/>
-          </a:effectRef>
-          <a:fontRef idx="minor">
-            <a:schemeClr val="tx1"/>
-          </a:fontRef>
-        </p:style>
-        <p:txBody>
-          <a:bodyPr rtlCol="0" anchor="ctr"/>
-          <a:lstStyle/>
-          <a:p>
-            <a:pPr algn="ctr"/>
-            <a:endParaRPr lang="en-ES"/>
-          </a:p>
-        </p:txBody>
-      </p:sp>
-      <p:cxnSp>
-        <p:nvCxnSpPr>
-          <p:cNvPr id="40" name="Straight Connector 39">
-            <a:extLst>
-              <a:ext uri="{FF2B5EF4-FFF2-40B4-BE49-F238E27FC236}">
-                <a16:creationId xmlns:a16="http://schemas.microsoft.com/office/drawing/2014/main" id="{6DACE6DE-EDE6-32E9-FD03-901EB2FA79DD}"/>
-              </a:ext>
-            </a:extLst>
-          </p:cNvPr>
-          <p:cNvCxnSpPr>
-            <a:cxnSpLocks/>
-          </p:cNvCxnSpPr>
-          <p:nvPr/>
-        </p:nvCxnSpPr>
-        <p:spPr>
-          <a:xfrm flipV="1">
-            <a:off x="8247005" y="2962299"/>
-            <a:ext cx="1124415" cy="2436822"/>
-          </a:xfrm>
-          <a:prstGeom prst="line">
-            <a:avLst/>
-          </a:prstGeom>
-          <a:ln w="38100"/>
-        </p:spPr>
-        <p:style>
-          <a:lnRef idx="2">
-            <a:schemeClr val="accent1"/>
-          </a:lnRef>
-          <a:fillRef idx="0">
-            <a:schemeClr val="accent1"/>
-          </a:fillRef>
-          <a:effectRef idx="1">
-            <a:schemeClr val="accent1"/>
-          </a:effectRef>
-          <a:fontRef idx="minor">
-            <a:schemeClr val="tx1"/>
-          </a:fontRef>
-        </p:style>
-      </p:cxnSp>
-      <p:cxnSp>
-        <p:nvCxnSpPr>
-          <p:cNvPr id="45" name="Straight Connector 44">
-            <a:extLst>
-              <a:ext uri="{FF2B5EF4-FFF2-40B4-BE49-F238E27FC236}">
-                <a16:creationId xmlns:a16="http://schemas.microsoft.com/office/drawing/2014/main" id="{2C8B9186-E5DB-FE3C-2430-CA05B30D55DB}"/>
-              </a:ext>
-            </a:extLst>
-          </p:cNvPr>
-          <p:cNvCxnSpPr>
-            <a:cxnSpLocks/>
-            <a:stCxn id="27" idx="0"/>
-            <a:endCxn id="27" idx="2"/>
-          </p:cNvCxnSpPr>
-          <p:nvPr/>
-        </p:nvCxnSpPr>
-        <p:spPr>
-          <a:xfrm>
-            <a:off x="8187178" y="2428714"/>
-            <a:ext cx="2368487" cy="1101960"/>
-          </a:xfrm>
-          <a:prstGeom prst="line">
-            <a:avLst/>
-          </a:prstGeom>
-          <a:ln w="38100"/>
-        </p:spPr>
-        <p:style>
-          <a:lnRef idx="2">
-            <a:schemeClr val="accent1"/>
-          </a:lnRef>
-          <a:fillRef idx="0">
-            <a:schemeClr val="accent1"/>
-          </a:fillRef>
-          <a:effectRef idx="1">
-            <a:schemeClr val="accent1"/>
-          </a:effectRef>
-          <a:fontRef idx="minor">
-            <a:schemeClr val="tx1"/>
-          </a:fontRef>
-        </p:style>
-      </p:cxnSp>
-      <p:sp>
-        <p:nvSpPr>
-          <p:cNvPr id="49" name="TextBox 48">
-            <a:extLst>
-              <a:ext uri="{FF2B5EF4-FFF2-40B4-BE49-F238E27FC236}">
-                <a16:creationId xmlns:a16="http://schemas.microsoft.com/office/drawing/2014/main" id="{6C35533C-2F76-27FB-2FD9-2ADDE81760FB}"/>
-              </a:ext>
-            </a:extLst>
-          </p:cNvPr>
-          <p:cNvSpPr txBox="1"/>
-          <p:nvPr/>
-        </p:nvSpPr>
-        <p:spPr>
-          <a:xfrm>
-            <a:off x="8923895" y="3698799"/>
-            <a:ext cx="910662" cy="646331"/>
-          </a:xfrm>
-          <a:prstGeom prst="rect">
-            <a:avLst/>
-          </a:prstGeom>
-          <a:noFill/>
-        </p:spPr>
-        <p:txBody>
-          <a:bodyPr wrap="square" rtlCol="0">
-            <a:spAutoFit/>
-          </a:bodyPr>
-          <a:lstStyle/>
-          <a:p>
-            <a:r>
-              <a:rPr lang="en-ES" sz="3600" dirty="0"/>
-              <a:t>θ/2</a:t>
-            </a:r>
-          </a:p>
-        </p:txBody>
-      </p:sp>
-      <p:sp>
-        <p:nvSpPr>
-          <p:cNvPr id="52" name="Arc 51">
-            <a:extLst>
-              <a:ext uri="{FF2B5EF4-FFF2-40B4-BE49-F238E27FC236}">
-                <a16:creationId xmlns:a16="http://schemas.microsoft.com/office/drawing/2014/main" id="{A93F4E1C-D374-23D6-5C42-25A6D2DB28C2}"/>
-              </a:ext>
-            </a:extLst>
-          </p:cNvPr>
-          <p:cNvSpPr/>
-          <p:nvPr/>
-        </p:nvSpPr>
-        <p:spPr>
-          <a:xfrm>
-            <a:off x="6978790" y="4309012"/>
-            <a:ext cx="2428602" cy="2329182"/>
-          </a:xfrm>
-          <a:prstGeom prst="arc">
-            <a:avLst>
-              <a:gd name="adj1" fmla="val 17770735"/>
-              <a:gd name="adj2" fmla="val 19178223"/>
-            </a:avLst>
-          </a:prstGeom>
-          <a:ln w="38100">
-            <a:solidFill>
-              <a:schemeClr val="tx1"/>
-            </a:solidFill>
-          </a:ln>
-        </p:spPr>
-        <p:style>
-          <a:lnRef idx="2">
-            <a:schemeClr val="accent1"/>
-          </a:lnRef>
-          <a:fillRef idx="0">
-            <a:schemeClr val="accent1"/>
-          </a:fillRef>
-          <a:effectRef idx="1">
-            <a:schemeClr val="accent1"/>
-          </a:effectRef>
-          <a:fontRef idx="minor">
-            <a:schemeClr val="tx1"/>
-          </a:fontRef>
-        </p:style>
-        <p:txBody>
-          <a:bodyPr rtlCol="0" anchor="ctr"/>
-          <a:lstStyle/>
-          <a:p>
-            <a:pPr algn="ctr"/>
-            <a:endParaRPr lang="en-ES"/>
-          </a:p>
-        </p:txBody>
-      </p:sp>
-      <p:sp>
-        <p:nvSpPr>
-          <p:cNvPr id="53" name="Left Brace 52">
-            <a:extLst>
-              <a:ext uri="{FF2B5EF4-FFF2-40B4-BE49-F238E27FC236}">
-                <a16:creationId xmlns:a16="http://schemas.microsoft.com/office/drawing/2014/main" id="{EEBEADDA-4708-71AE-C04C-07AD989EC4E2}"/>
-              </a:ext>
-            </a:extLst>
-          </p:cNvPr>
-          <p:cNvSpPr/>
-          <p:nvPr/>
-        </p:nvSpPr>
-        <p:spPr>
-          <a:xfrm>
-            <a:off x="7602470" y="2446120"/>
-            <a:ext cx="304800" cy="3036119"/>
-          </a:xfrm>
-          <a:prstGeom prst="leftBrace">
-            <a:avLst/>
-          </a:prstGeom>
-        </p:spPr>
-        <p:style>
-          <a:lnRef idx="2">
-            <a:schemeClr val="accent1"/>
-          </a:lnRef>
-          <a:fillRef idx="0">
-            <a:schemeClr val="accent1"/>
-          </a:fillRef>
-          <a:effectRef idx="1">
-            <a:schemeClr val="accent1"/>
-          </a:effectRef>
-          <a:fontRef idx="minor">
-            <a:schemeClr val="tx1"/>
-          </a:fontRef>
-        </p:style>
-        <p:txBody>
-          <a:bodyPr rtlCol="0" anchor="ctr"/>
-          <a:lstStyle/>
-          <a:p>
-            <a:pPr algn="ctr"/>
-            <a:endParaRPr lang="en-ES"/>
-          </a:p>
-        </p:txBody>
-      </p:sp>
-      <p:sp>
-        <p:nvSpPr>
-          <p:cNvPr id="54" name="TextBox 53">
-            <a:extLst>
-              <a:ext uri="{FF2B5EF4-FFF2-40B4-BE49-F238E27FC236}">
-                <a16:creationId xmlns:a16="http://schemas.microsoft.com/office/drawing/2014/main" id="{6AA8751F-6753-0C32-755E-AFAE08EAEE67}"/>
-              </a:ext>
-            </a:extLst>
-          </p:cNvPr>
-          <p:cNvSpPr txBox="1"/>
-          <p:nvPr/>
-        </p:nvSpPr>
-        <p:spPr>
-          <a:xfrm>
-            <a:off x="7215825" y="3593096"/>
-            <a:ext cx="429926" cy="646331"/>
-          </a:xfrm>
-          <a:prstGeom prst="rect">
-            <a:avLst/>
-          </a:prstGeom>
-          <a:noFill/>
-        </p:spPr>
-        <p:txBody>
-          <a:bodyPr wrap="none" rtlCol="0">
-            <a:spAutoFit/>
-          </a:bodyPr>
-          <a:lstStyle/>
-          <a:p>
-            <a:r>
-              <a:rPr lang="en-ES" sz="3600" dirty="0"/>
-              <a:t>a</a:t>
-            </a:r>
-          </a:p>
-        </p:txBody>
-      </p:sp>
-      <p:sp>
-        <p:nvSpPr>
-          <p:cNvPr id="55" name="Left Brace 54">
-            <a:extLst>
-              <a:ext uri="{FF2B5EF4-FFF2-40B4-BE49-F238E27FC236}">
-                <a16:creationId xmlns:a16="http://schemas.microsoft.com/office/drawing/2014/main" id="{CDD0697A-62F8-2B60-9263-AD3D5323509E}"/>
-              </a:ext>
-            </a:extLst>
-          </p:cNvPr>
-          <p:cNvSpPr/>
-          <p:nvPr/>
-        </p:nvSpPr>
-        <p:spPr>
-          <a:xfrm rot="6941951">
-            <a:off x="9420309" y="1239921"/>
-            <a:ext cx="360267" cy="2639443"/>
-          </a:xfrm>
-          <a:prstGeom prst="leftBrace">
-            <a:avLst/>
-          </a:prstGeom>
-        </p:spPr>
-        <p:style>
-          <a:lnRef idx="2">
-            <a:schemeClr val="accent1"/>
-          </a:lnRef>
-          <a:fillRef idx="0">
-            <a:schemeClr val="accent1"/>
-          </a:fillRef>
-          <a:effectRef idx="1">
-            <a:schemeClr val="accent1"/>
-          </a:effectRef>
-          <a:fontRef idx="minor">
-            <a:schemeClr val="tx1"/>
-          </a:fontRef>
-        </p:style>
-        <p:txBody>
-          <a:bodyPr rtlCol="0" anchor="ctr"/>
-          <a:lstStyle/>
-          <a:p>
-            <a:pPr algn="ctr"/>
-            <a:endParaRPr lang="en-ES"/>
-          </a:p>
-        </p:txBody>
-      </p:sp>
-      <p:sp>
-        <p:nvSpPr>
-          <p:cNvPr id="56" name="TextBox 55">
-            <a:extLst>
-              <a:ext uri="{FF2B5EF4-FFF2-40B4-BE49-F238E27FC236}">
-                <a16:creationId xmlns:a16="http://schemas.microsoft.com/office/drawing/2014/main" id="{AA711C45-FDA9-252C-0272-E423179CB38D}"/>
-              </a:ext>
-            </a:extLst>
-          </p:cNvPr>
-          <p:cNvSpPr txBox="1"/>
-          <p:nvPr/>
-        </p:nvSpPr>
-        <p:spPr>
-          <a:xfrm>
-            <a:off x="9564336" y="1830351"/>
-            <a:ext cx="465192" cy="646331"/>
-          </a:xfrm>
-          <a:prstGeom prst="rect">
-            <a:avLst/>
-          </a:prstGeom>
-          <a:noFill/>
-        </p:spPr>
-        <p:txBody>
-          <a:bodyPr wrap="none" rtlCol="0">
-            <a:spAutoFit/>
-          </a:bodyPr>
-          <a:lstStyle/>
-          <a:p>
-            <a:r>
-              <a:rPr lang="en-ES" sz="3600" dirty="0"/>
-              <a:t>R</a:t>
-            </a:r>
-          </a:p>
-        </p:txBody>
-      </p:sp>
-    </p:spTree>
-    <p:extLst>
-      <p:ext uri="{BB962C8B-B14F-4D97-AF65-F5344CB8AC3E}">
-        <p14:creationId xmlns:p14="http://schemas.microsoft.com/office/powerpoint/2010/main" val="358445491"/>
-      </p:ext>
-    </p:extLst>
-  </p:cSld>
-  <p:clrMapOvr>
-    <a:masterClrMapping/>
-  </p:clrMapOvr>
-</p:sld>
-</file>
-
-<file path=ppt/slides/slide20.xml><?xml version="1.0" encoding="utf-8"?>
+<file path=ppt/slides/slide21.xml><?xml version="1.0" encoding="utf-8"?>
 <p:sld xmlns:a="http://schemas.openxmlformats.org/drawingml/2006/main" xmlns:r="http://schemas.openxmlformats.org/officeDocument/2006/relationships" xmlns:p="http://schemas.openxmlformats.org/presentationml/2006/main">
   <p:cSld>
     <p:spTree>
@@ -14693,7 +15125,7 @@
 </p:sld>
 </file>
 
-<file path=ppt/slides/slide21.xml><?xml version="1.0" encoding="utf-8"?>
+<file path=ppt/slides/slide22.xml><?xml version="1.0" encoding="utf-8"?>
 <p:sld xmlns:a="http://schemas.openxmlformats.org/drawingml/2006/main" xmlns:r="http://schemas.openxmlformats.org/officeDocument/2006/relationships" xmlns:p="http://schemas.openxmlformats.org/presentationml/2006/main">
   <p:cSld>
     <p:spTree>
@@ -15410,7 +15842,7 @@
 </p:sld>
 </file>
 
-<file path=ppt/slides/slide22.xml><?xml version="1.0" encoding="utf-8"?>
+<file path=ppt/slides/slide23.xml><?xml version="1.0" encoding="utf-8"?>
 <p:sld xmlns:a="http://schemas.openxmlformats.org/drawingml/2006/main" xmlns:r="http://schemas.openxmlformats.org/officeDocument/2006/relationships" xmlns:p="http://schemas.openxmlformats.org/presentationml/2006/main">
   <p:cSld>
     <p:spTree>
@@ -16024,7 +16456,7 @@
 </p:sld>
 </file>
 
-<file path=ppt/slides/slide23.xml><?xml version="1.0" encoding="utf-8"?>
+<file path=ppt/slides/slide24.xml><?xml version="1.0" encoding="utf-8"?>
 <p:sld xmlns:a="http://schemas.openxmlformats.org/drawingml/2006/main" xmlns:r="http://schemas.openxmlformats.org/officeDocument/2006/relationships" xmlns:p="http://schemas.openxmlformats.org/presentationml/2006/main">
   <p:cSld>
     <p:spTree>
@@ -16688,7 +17120,7 @@
 </p:sld>
 </file>
 
-<file path=ppt/slides/slide24.xml><?xml version="1.0" encoding="utf-8"?>
+<file path=ppt/slides/slide25.xml><?xml version="1.0" encoding="utf-8"?>
 <p:sld xmlns:a="http://schemas.openxmlformats.org/drawingml/2006/main" xmlns:r="http://schemas.openxmlformats.org/officeDocument/2006/relationships" xmlns:p="http://schemas.openxmlformats.org/presentationml/2006/main">
   <p:cSld>
     <p:spTree>
@@ -18021,7 +18453,7 @@
 </p:sld>
 </file>
 
-<file path=ppt/slides/slide25.xml><?xml version="1.0" encoding="utf-8"?>
+<file path=ppt/slides/slide26.xml><?xml version="1.0" encoding="utf-8"?>
 <p:sld xmlns:a="http://schemas.openxmlformats.org/drawingml/2006/main" xmlns:r="http://schemas.openxmlformats.org/officeDocument/2006/relationships" xmlns:p="http://schemas.openxmlformats.org/presentationml/2006/main">
   <p:cSld>
     <p:spTree>
@@ -19106,7 +19538,7 @@
 </p:sld>
 </file>
 
-<file path=ppt/slides/slide26.xml><?xml version="1.0" encoding="utf-8"?>
+<file path=ppt/slides/slide27.xml><?xml version="1.0" encoding="utf-8"?>
 <p:sld xmlns:a="http://schemas.openxmlformats.org/drawingml/2006/main" xmlns:r="http://schemas.openxmlformats.org/officeDocument/2006/relationships" xmlns:p="http://schemas.openxmlformats.org/presentationml/2006/main">
   <p:cSld>
     <p:spTree>
@@ -20527,7 +20959,7 @@
 </p:sld>
 </file>
 
-<file path=ppt/slides/slide27.xml><?xml version="1.0" encoding="utf-8"?>
+<file path=ppt/slides/slide28.xml><?xml version="1.0" encoding="utf-8"?>
 <p:sld xmlns:a="http://schemas.openxmlformats.org/drawingml/2006/main" xmlns:r="http://schemas.openxmlformats.org/officeDocument/2006/relationships" xmlns:p="http://schemas.openxmlformats.org/presentationml/2006/main">
   <p:cSld>
     <p:spTree>
@@ -21289,7 +21721,7 @@
 </p:sld>
 </file>
 
-<file path=ppt/slides/slide28.xml><?xml version="1.0" encoding="utf-8"?>
+<file path=ppt/slides/slide29.xml><?xml version="1.0" encoding="utf-8"?>
 <p:sld xmlns:a="http://schemas.openxmlformats.org/drawingml/2006/main" xmlns:r="http://schemas.openxmlformats.org/officeDocument/2006/relationships" xmlns:p="http://schemas.openxmlformats.org/presentationml/2006/main">
   <p:cSld>
     <p:spTree>
@@ -22414,7 +22846,1160 @@
 </p:sld>
 </file>
 
-<file path=ppt/slides/slide29.xml><?xml version="1.0" encoding="utf-8"?>
+<file path=ppt/slides/slide3.xml><?xml version="1.0" encoding="utf-8"?>
+<p:sld xmlns:a="http://schemas.openxmlformats.org/drawingml/2006/main" xmlns:r="http://schemas.openxmlformats.org/officeDocument/2006/relationships" xmlns:p="http://schemas.openxmlformats.org/presentationml/2006/main">
+  <p:cSld>
+    <p:spTree>
+      <p:nvGrpSpPr>
+        <p:cNvPr id="1" name=""/>
+        <p:cNvGrpSpPr/>
+        <p:nvPr/>
+      </p:nvGrpSpPr>
+      <p:grpSpPr>
+        <a:xfrm>
+          <a:off x="0" y="0"/>
+          <a:ext cx="0" cy="0"/>
+          <a:chOff x="0" y="0"/>
+          <a:chExt cx="0" cy="0"/>
+        </a:xfrm>
+      </p:grpSpPr>
+      <p:sp>
+        <p:nvSpPr>
+          <p:cNvPr id="2" name="Title 1">
+            <a:extLst>
+              <a:ext uri="{FF2B5EF4-FFF2-40B4-BE49-F238E27FC236}">
+                <a16:creationId xmlns:a16="http://schemas.microsoft.com/office/drawing/2014/main" id="{D39B841F-54C7-3AE1-E545-FD824C8DAF7F}"/>
+              </a:ext>
+            </a:extLst>
+          </p:cNvPr>
+          <p:cNvSpPr>
+            <a:spLocks noGrp="1"/>
+          </p:cNvSpPr>
+          <p:nvPr>
+            <p:ph type="title"/>
+          </p:nvPr>
+        </p:nvSpPr>
+        <p:spPr/>
+        <p:txBody>
+          <a:bodyPr/>
+          <a:lstStyle/>
+          <a:p>
+            <a:r>
+              <a:rPr lang="en-ES" dirty="0"/>
+              <a:t>B1.S2.1</a:t>
+            </a:r>
+          </a:p>
+        </p:txBody>
+      </p:sp>
+      <p:sp>
+        <p:nvSpPr>
+          <p:cNvPr id="5" name="Arc 4">
+            <a:extLst>
+              <a:ext uri="{FF2B5EF4-FFF2-40B4-BE49-F238E27FC236}">
+                <a16:creationId xmlns:a16="http://schemas.microsoft.com/office/drawing/2014/main" id="{C62C6161-AC50-592A-79A8-62650346F24E}"/>
+              </a:ext>
+            </a:extLst>
+          </p:cNvPr>
+          <p:cNvSpPr/>
+          <p:nvPr/>
+        </p:nvSpPr>
+        <p:spPr>
+          <a:xfrm rot="16200000">
+            <a:off x="492552" y="2918012"/>
+            <a:ext cx="4155141" cy="4222377"/>
+          </a:xfrm>
+          <a:prstGeom prst="arc">
+            <a:avLst>
+              <a:gd name="adj1" fmla="val 16259988"/>
+              <a:gd name="adj2" fmla="val 5404610"/>
+            </a:avLst>
+          </a:prstGeom>
+          <a:ln w="38100">
+            <a:gradFill>
+              <a:gsLst>
+                <a:gs pos="51000">
+                  <a:schemeClr val="accent1">
+                    <a:lumMod val="5000"/>
+                    <a:lumOff val="95000"/>
+                  </a:schemeClr>
+                </a:gs>
+                <a:gs pos="100000">
+                  <a:schemeClr val="accent1">
+                    <a:lumMod val="45000"/>
+                    <a:lumOff val="55000"/>
+                  </a:schemeClr>
+                </a:gs>
+                <a:gs pos="0">
+                  <a:srgbClr val="FF0000"/>
+                </a:gs>
+              </a:gsLst>
+              <a:lin ang="5400000" scaled="1"/>
+            </a:gradFill>
+          </a:ln>
+        </p:spPr>
+        <p:style>
+          <a:lnRef idx="2">
+            <a:schemeClr val="accent1"/>
+          </a:lnRef>
+          <a:fillRef idx="0">
+            <a:schemeClr val="accent1"/>
+          </a:fillRef>
+          <a:effectRef idx="1">
+            <a:schemeClr val="accent1"/>
+          </a:effectRef>
+          <a:fontRef idx="minor">
+            <a:schemeClr val="tx1"/>
+          </a:fontRef>
+        </p:style>
+        <p:txBody>
+          <a:bodyPr rtlCol="0" anchor="ctr"/>
+          <a:lstStyle/>
+          <a:p>
+            <a:pPr algn="ctr"/>
+            <a:endParaRPr lang="en-ES"/>
+          </a:p>
+        </p:txBody>
+      </p:sp>
+      <p:cxnSp>
+        <p:nvCxnSpPr>
+          <p:cNvPr id="10" name="Straight Arrow Connector 9">
+            <a:extLst>
+              <a:ext uri="{FF2B5EF4-FFF2-40B4-BE49-F238E27FC236}">
+                <a16:creationId xmlns:a16="http://schemas.microsoft.com/office/drawing/2014/main" id="{8E1BDB21-2D8F-C9C2-3B07-F77D99022865}"/>
+              </a:ext>
+            </a:extLst>
+          </p:cNvPr>
+          <p:cNvCxnSpPr>
+            <a:cxnSpLocks/>
+          </p:cNvCxnSpPr>
+          <p:nvPr/>
+        </p:nvCxnSpPr>
+        <p:spPr>
+          <a:xfrm flipV="1">
+            <a:off x="2589628" y="1817132"/>
+            <a:ext cx="0" cy="3223735"/>
+          </a:xfrm>
+          <a:prstGeom prst="straightConnector1">
+            <a:avLst/>
+          </a:prstGeom>
+          <a:ln w="38100">
+            <a:solidFill>
+              <a:schemeClr val="tx1"/>
+            </a:solidFill>
+            <a:tailEnd type="triangle"/>
+          </a:ln>
+        </p:spPr>
+        <p:style>
+          <a:lnRef idx="2">
+            <a:schemeClr val="accent1"/>
+          </a:lnRef>
+          <a:fillRef idx="0">
+            <a:schemeClr val="accent1"/>
+          </a:fillRef>
+          <a:effectRef idx="1">
+            <a:schemeClr val="accent1"/>
+          </a:effectRef>
+          <a:fontRef idx="minor">
+            <a:schemeClr val="tx1"/>
+          </a:fontRef>
+        </p:style>
+      </p:cxnSp>
+      <p:sp>
+        <p:nvSpPr>
+          <p:cNvPr id="15" name="TextBox 14">
+            <a:extLst>
+              <a:ext uri="{FF2B5EF4-FFF2-40B4-BE49-F238E27FC236}">
+                <a16:creationId xmlns:a16="http://schemas.microsoft.com/office/drawing/2014/main" id="{724436C1-324F-AAF1-C132-967FFB014398}"/>
+              </a:ext>
+            </a:extLst>
+          </p:cNvPr>
+          <p:cNvSpPr txBox="1"/>
+          <p:nvPr/>
+        </p:nvSpPr>
+        <p:spPr>
+          <a:xfrm>
+            <a:off x="2054698" y="1817132"/>
+            <a:ext cx="393056" cy="646331"/>
+          </a:xfrm>
+          <a:prstGeom prst="rect">
+            <a:avLst/>
+          </a:prstGeom>
+          <a:noFill/>
+        </p:spPr>
+        <p:txBody>
+          <a:bodyPr wrap="none" rtlCol="0">
+            <a:spAutoFit/>
+          </a:bodyPr>
+          <a:lstStyle/>
+          <a:p>
+            <a:r>
+              <a:rPr lang="en-ES" sz="3600" dirty="0"/>
+              <a:t>y</a:t>
+            </a:r>
+          </a:p>
+        </p:txBody>
+      </p:sp>
+      <p:cxnSp>
+        <p:nvCxnSpPr>
+          <p:cNvPr id="17" name="Straight Arrow Connector 16">
+            <a:extLst>
+              <a:ext uri="{FF2B5EF4-FFF2-40B4-BE49-F238E27FC236}">
+                <a16:creationId xmlns:a16="http://schemas.microsoft.com/office/drawing/2014/main" id="{5B01AE06-DAE3-451D-0620-065E77F3FD38}"/>
+              </a:ext>
+            </a:extLst>
+          </p:cNvPr>
+          <p:cNvCxnSpPr>
+            <a:cxnSpLocks/>
+          </p:cNvCxnSpPr>
+          <p:nvPr/>
+        </p:nvCxnSpPr>
+        <p:spPr>
+          <a:xfrm>
+            <a:off x="2589628" y="5040867"/>
+            <a:ext cx="3225269" cy="0"/>
+          </a:xfrm>
+          <a:prstGeom prst="straightConnector1">
+            <a:avLst/>
+          </a:prstGeom>
+          <a:ln w="38100">
+            <a:solidFill>
+              <a:schemeClr val="tx1"/>
+            </a:solidFill>
+            <a:tailEnd type="triangle"/>
+          </a:ln>
+        </p:spPr>
+        <p:style>
+          <a:lnRef idx="2">
+            <a:schemeClr val="accent1"/>
+          </a:lnRef>
+          <a:fillRef idx="0">
+            <a:schemeClr val="accent1"/>
+          </a:fillRef>
+          <a:effectRef idx="1">
+            <a:schemeClr val="accent1"/>
+          </a:effectRef>
+          <a:fontRef idx="minor">
+            <a:schemeClr val="tx1"/>
+          </a:fontRef>
+        </p:style>
+      </p:cxnSp>
+      <p:sp>
+        <p:nvSpPr>
+          <p:cNvPr id="18" name="TextBox 17">
+            <a:extLst>
+              <a:ext uri="{FF2B5EF4-FFF2-40B4-BE49-F238E27FC236}">
+                <a16:creationId xmlns:a16="http://schemas.microsoft.com/office/drawing/2014/main" id="{10908EA1-8301-F8A5-2AA4-12299B055323}"/>
+              </a:ext>
+            </a:extLst>
+          </p:cNvPr>
+          <p:cNvSpPr txBox="1"/>
+          <p:nvPr/>
+        </p:nvSpPr>
+        <p:spPr>
+          <a:xfrm>
+            <a:off x="5392791" y="5040867"/>
+            <a:ext cx="567868" cy="646331"/>
+          </a:xfrm>
+          <a:prstGeom prst="rect">
+            <a:avLst/>
+          </a:prstGeom>
+          <a:noFill/>
+        </p:spPr>
+        <p:txBody>
+          <a:bodyPr wrap="square" rtlCol="0">
+            <a:spAutoFit/>
+          </a:bodyPr>
+          <a:lstStyle/>
+          <a:p>
+            <a:r>
+              <a:rPr lang="en-ES" sz="3600" dirty="0"/>
+              <a:t>x</a:t>
+            </a:r>
+          </a:p>
+        </p:txBody>
+      </p:sp>
+      <p:sp>
+        <p:nvSpPr>
+          <p:cNvPr id="24" name="TextBox 23">
+            <a:extLst>
+              <a:ext uri="{FF2B5EF4-FFF2-40B4-BE49-F238E27FC236}">
+                <a16:creationId xmlns:a16="http://schemas.microsoft.com/office/drawing/2014/main" id="{619EBB20-CB39-E643-A01C-4EDC9B94301E}"/>
+              </a:ext>
+            </a:extLst>
+          </p:cNvPr>
+          <p:cNvSpPr txBox="1"/>
+          <p:nvPr/>
+        </p:nvSpPr>
+        <p:spPr>
+          <a:xfrm>
+            <a:off x="3338760" y="2417283"/>
+            <a:ext cx="2207656" cy="646331"/>
+          </a:xfrm>
+          <a:prstGeom prst="rect">
+            <a:avLst/>
+          </a:prstGeom>
+          <a:noFill/>
+        </p:spPr>
+        <p:txBody>
+          <a:bodyPr wrap="none" rtlCol="0">
+            <a:spAutoFit/>
+          </a:bodyPr>
+          <a:lstStyle/>
+          <a:p>
+            <a:r>
+              <a:rPr lang="en-ES" sz="3600" dirty="0"/>
+              <a:t>λ= λ</a:t>
+            </a:r>
+            <a:r>
+              <a:rPr lang="en-ES" sz="3600" baseline="-25000" dirty="0"/>
+              <a:t>0</a:t>
+            </a:r>
+            <a:r>
+              <a:rPr lang="en-ES" sz="3600" dirty="0"/>
+              <a:t>cosɸ’</a:t>
+            </a:r>
+          </a:p>
+        </p:txBody>
+      </p:sp>
+      <p:sp>
+        <p:nvSpPr>
+          <p:cNvPr id="30" name="Arc 29">
+            <a:extLst>
+              <a:ext uri="{FF2B5EF4-FFF2-40B4-BE49-F238E27FC236}">
+                <a16:creationId xmlns:a16="http://schemas.microsoft.com/office/drawing/2014/main" id="{471F2308-244C-599C-E8D1-D81CA02C565C}"/>
+              </a:ext>
+            </a:extLst>
+          </p:cNvPr>
+          <p:cNvSpPr/>
+          <p:nvPr/>
+        </p:nvSpPr>
+        <p:spPr>
+          <a:xfrm>
+            <a:off x="2027258" y="4415634"/>
+            <a:ext cx="1085728" cy="1125962"/>
+          </a:xfrm>
+          <a:prstGeom prst="arc">
+            <a:avLst>
+              <a:gd name="adj1" fmla="val 19745494"/>
+              <a:gd name="adj2" fmla="val 414981"/>
+            </a:avLst>
+          </a:prstGeom>
+          <a:ln w="38100">
+            <a:solidFill>
+              <a:schemeClr val="tx1"/>
+            </a:solidFill>
+          </a:ln>
+        </p:spPr>
+        <p:style>
+          <a:lnRef idx="2">
+            <a:schemeClr val="accent1"/>
+          </a:lnRef>
+          <a:fillRef idx="0">
+            <a:schemeClr val="accent1"/>
+          </a:fillRef>
+          <a:effectRef idx="1">
+            <a:schemeClr val="accent1"/>
+          </a:effectRef>
+          <a:fontRef idx="minor">
+            <a:schemeClr val="tx1"/>
+          </a:fontRef>
+        </p:style>
+        <p:txBody>
+          <a:bodyPr rtlCol="0" anchor="ctr"/>
+          <a:lstStyle/>
+          <a:p>
+            <a:pPr algn="ctr"/>
+            <a:endParaRPr lang="en-ES"/>
+          </a:p>
+        </p:txBody>
+      </p:sp>
+      <p:cxnSp>
+        <p:nvCxnSpPr>
+          <p:cNvPr id="31" name="Straight Arrow Connector 30">
+            <a:extLst>
+              <a:ext uri="{FF2B5EF4-FFF2-40B4-BE49-F238E27FC236}">
+                <a16:creationId xmlns:a16="http://schemas.microsoft.com/office/drawing/2014/main" id="{DAB80AE4-2DA9-5C87-2446-D9AD483D5F7C}"/>
+              </a:ext>
+            </a:extLst>
+          </p:cNvPr>
+          <p:cNvCxnSpPr>
+            <a:cxnSpLocks/>
+          </p:cNvCxnSpPr>
+          <p:nvPr/>
+        </p:nvCxnSpPr>
+        <p:spPr>
+          <a:xfrm flipV="1">
+            <a:off x="2589628" y="3834198"/>
+            <a:ext cx="1708441" cy="1195002"/>
+          </a:xfrm>
+          <a:prstGeom prst="straightConnector1">
+            <a:avLst/>
+          </a:prstGeom>
+          <a:ln w="38100">
+            <a:solidFill>
+              <a:schemeClr val="tx1"/>
+            </a:solidFill>
+            <a:tailEnd type="none"/>
+          </a:ln>
+        </p:spPr>
+        <p:style>
+          <a:lnRef idx="2">
+            <a:schemeClr val="accent1"/>
+          </a:lnRef>
+          <a:fillRef idx="0">
+            <a:schemeClr val="accent1"/>
+          </a:fillRef>
+          <a:effectRef idx="1">
+            <a:schemeClr val="accent1"/>
+          </a:effectRef>
+          <a:fontRef idx="minor">
+            <a:schemeClr val="tx1"/>
+          </a:fontRef>
+        </p:style>
+      </p:cxnSp>
+      <p:sp>
+        <p:nvSpPr>
+          <p:cNvPr id="36" name="TextBox 35">
+            <a:extLst>
+              <a:ext uri="{FF2B5EF4-FFF2-40B4-BE49-F238E27FC236}">
+                <a16:creationId xmlns:a16="http://schemas.microsoft.com/office/drawing/2014/main" id="{361442C0-CDFC-75EA-BF49-A961B88188D3}"/>
+              </a:ext>
+            </a:extLst>
+          </p:cNvPr>
+          <p:cNvSpPr txBox="1"/>
+          <p:nvPr/>
+        </p:nvSpPr>
+        <p:spPr>
+          <a:xfrm>
+            <a:off x="3254860" y="4431699"/>
+            <a:ext cx="562975" cy="646331"/>
+          </a:xfrm>
+          <a:prstGeom prst="rect">
+            <a:avLst/>
+          </a:prstGeom>
+          <a:noFill/>
+        </p:spPr>
+        <p:txBody>
+          <a:bodyPr wrap="none" rtlCol="0">
+            <a:spAutoFit/>
+          </a:bodyPr>
+          <a:lstStyle/>
+          <a:p>
+            <a:r>
+              <a:rPr lang="en-ES" sz="3600" dirty="0"/>
+              <a:t>ɸ’</a:t>
+            </a:r>
+          </a:p>
+        </p:txBody>
+      </p:sp>
+      <p:sp>
+        <p:nvSpPr>
+          <p:cNvPr id="41" name="TextBox 40">
+            <a:extLst>
+              <a:ext uri="{FF2B5EF4-FFF2-40B4-BE49-F238E27FC236}">
+                <a16:creationId xmlns:a16="http://schemas.microsoft.com/office/drawing/2014/main" id="{21DF65AF-0014-9838-1F9C-FA788DF430E2}"/>
+              </a:ext>
+            </a:extLst>
+          </p:cNvPr>
+          <p:cNvSpPr txBox="1"/>
+          <p:nvPr/>
+        </p:nvSpPr>
+        <p:spPr>
+          <a:xfrm>
+            <a:off x="8895270" y="2869329"/>
+            <a:ext cx="393056" cy="646331"/>
+          </a:xfrm>
+          <a:prstGeom prst="rect">
+            <a:avLst/>
+          </a:prstGeom>
+          <a:noFill/>
+        </p:spPr>
+        <p:txBody>
+          <a:bodyPr wrap="none" rtlCol="0">
+            <a:spAutoFit/>
+          </a:bodyPr>
+          <a:lstStyle/>
+          <a:p>
+            <a:r>
+              <a:rPr lang="en-ES" sz="3600" dirty="0"/>
+              <a:t>y</a:t>
+            </a:r>
+          </a:p>
+        </p:txBody>
+      </p:sp>
+      <p:sp>
+        <p:nvSpPr>
+          <p:cNvPr id="37" name="Arc 36">
+            <a:extLst>
+              <a:ext uri="{FF2B5EF4-FFF2-40B4-BE49-F238E27FC236}">
+                <a16:creationId xmlns:a16="http://schemas.microsoft.com/office/drawing/2014/main" id="{E8940850-8C44-3553-B1C6-4AC24BCEB1E8}"/>
+              </a:ext>
+            </a:extLst>
+          </p:cNvPr>
+          <p:cNvSpPr/>
+          <p:nvPr/>
+        </p:nvSpPr>
+        <p:spPr>
+          <a:xfrm rot="15416767">
+            <a:off x="7308147" y="2797188"/>
+            <a:ext cx="1884148" cy="4222377"/>
+          </a:xfrm>
+          <a:prstGeom prst="arc">
+            <a:avLst>
+              <a:gd name="adj1" fmla="val 16931934"/>
+              <a:gd name="adj2" fmla="val 6161777"/>
+            </a:avLst>
+          </a:prstGeom>
+          <a:ln w="38100">
+            <a:gradFill>
+              <a:gsLst>
+                <a:gs pos="72000">
+                  <a:schemeClr val="accent1">
+                    <a:lumMod val="5000"/>
+                    <a:lumOff val="95000"/>
+                  </a:schemeClr>
+                </a:gs>
+                <a:gs pos="100000">
+                  <a:schemeClr val="accent1">
+                    <a:lumMod val="45000"/>
+                    <a:lumOff val="55000"/>
+                  </a:schemeClr>
+                </a:gs>
+                <a:gs pos="0">
+                  <a:srgbClr val="FF0000"/>
+                </a:gs>
+              </a:gsLst>
+              <a:lin ang="5400000" scaled="1"/>
+            </a:gradFill>
+          </a:ln>
+        </p:spPr>
+        <p:style>
+          <a:lnRef idx="2">
+            <a:schemeClr val="accent1"/>
+          </a:lnRef>
+          <a:fillRef idx="0">
+            <a:schemeClr val="accent1"/>
+          </a:fillRef>
+          <a:effectRef idx="1">
+            <a:schemeClr val="accent1"/>
+          </a:effectRef>
+          <a:fontRef idx="minor">
+            <a:schemeClr val="tx1"/>
+          </a:fontRef>
+        </p:style>
+        <p:txBody>
+          <a:bodyPr rtlCol="0" anchor="ctr"/>
+          <a:lstStyle/>
+          <a:p>
+            <a:pPr algn="ctr"/>
+            <a:endParaRPr lang="en-ES"/>
+          </a:p>
+        </p:txBody>
+      </p:sp>
+      <p:cxnSp>
+        <p:nvCxnSpPr>
+          <p:cNvPr id="38" name="Straight Arrow Connector 37">
+            <a:extLst>
+              <a:ext uri="{FF2B5EF4-FFF2-40B4-BE49-F238E27FC236}">
+                <a16:creationId xmlns:a16="http://schemas.microsoft.com/office/drawing/2014/main" id="{7F40F7C0-8F9F-5467-0AA1-54322A1B012E}"/>
+              </a:ext>
+            </a:extLst>
+          </p:cNvPr>
+          <p:cNvCxnSpPr>
+            <a:cxnSpLocks/>
+          </p:cNvCxnSpPr>
+          <p:nvPr/>
+        </p:nvCxnSpPr>
+        <p:spPr>
+          <a:xfrm flipV="1">
+            <a:off x="8226694" y="2417283"/>
+            <a:ext cx="23527" cy="2491093"/>
+          </a:xfrm>
+          <a:prstGeom prst="straightConnector1">
+            <a:avLst/>
+          </a:prstGeom>
+          <a:ln w="38100">
+            <a:solidFill>
+              <a:schemeClr val="tx1"/>
+            </a:solidFill>
+            <a:tailEnd type="triangle"/>
+          </a:ln>
+        </p:spPr>
+        <p:style>
+          <a:lnRef idx="2">
+            <a:schemeClr val="accent1"/>
+          </a:lnRef>
+          <a:fillRef idx="0">
+            <a:schemeClr val="accent1"/>
+          </a:fillRef>
+          <a:effectRef idx="1">
+            <a:schemeClr val="accent1"/>
+          </a:effectRef>
+          <a:fontRef idx="minor">
+            <a:schemeClr val="tx1"/>
+          </a:fontRef>
+        </p:style>
+      </p:cxnSp>
+      <p:cxnSp>
+        <p:nvCxnSpPr>
+          <p:cNvPr id="42" name="Straight Arrow Connector 41">
+            <a:extLst>
+              <a:ext uri="{FF2B5EF4-FFF2-40B4-BE49-F238E27FC236}">
+                <a16:creationId xmlns:a16="http://schemas.microsoft.com/office/drawing/2014/main" id="{3FF65B0D-2128-48A2-C6BF-EEFBDF5032C2}"/>
+              </a:ext>
+            </a:extLst>
+          </p:cNvPr>
+          <p:cNvCxnSpPr>
+            <a:cxnSpLocks/>
+          </p:cNvCxnSpPr>
+          <p:nvPr/>
+        </p:nvCxnSpPr>
+        <p:spPr>
+          <a:xfrm>
+            <a:off x="8226694" y="4908376"/>
+            <a:ext cx="3225269" cy="0"/>
+          </a:xfrm>
+          <a:prstGeom prst="straightConnector1">
+            <a:avLst/>
+          </a:prstGeom>
+          <a:ln w="38100">
+            <a:solidFill>
+              <a:schemeClr val="tx1"/>
+            </a:solidFill>
+            <a:tailEnd type="triangle"/>
+          </a:ln>
+        </p:spPr>
+        <p:style>
+          <a:lnRef idx="2">
+            <a:schemeClr val="accent1"/>
+          </a:lnRef>
+          <a:fillRef idx="0">
+            <a:schemeClr val="accent1"/>
+          </a:fillRef>
+          <a:effectRef idx="1">
+            <a:schemeClr val="accent1"/>
+          </a:effectRef>
+          <a:fontRef idx="minor">
+            <a:schemeClr val="tx1"/>
+          </a:fontRef>
+        </p:style>
+      </p:cxnSp>
+      <p:sp>
+        <p:nvSpPr>
+          <p:cNvPr id="43" name="TextBox 42">
+            <a:extLst>
+              <a:ext uri="{FF2B5EF4-FFF2-40B4-BE49-F238E27FC236}">
+                <a16:creationId xmlns:a16="http://schemas.microsoft.com/office/drawing/2014/main" id="{62972613-7A40-EEAD-36D6-D99B33FD04D6}"/>
+              </a:ext>
+            </a:extLst>
+          </p:cNvPr>
+          <p:cNvSpPr txBox="1"/>
+          <p:nvPr/>
+        </p:nvSpPr>
+        <p:spPr>
+          <a:xfrm>
+            <a:off x="11069866" y="4895265"/>
+            <a:ext cx="567868" cy="646331"/>
+          </a:xfrm>
+          <a:prstGeom prst="rect">
+            <a:avLst/>
+          </a:prstGeom>
+          <a:noFill/>
+        </p:spPr>
+        <p:txBody>
+          <a:bodyPr wrap="square" rtlCol="0">
+            <a:spAutoFit/>
+          </a:bodyPr>
+          <a:lstStyle/>
+          <a:p>
+            <a:r>
+              <a:rPr lang="en-ES" sz="3600" dirty="0"/>
+              <a:t>x</a:t>
+            </a:r>
+          </a:p>
+        </p:txBody>
+      </p:sp>
+      <p:cxnSp>
+        <p:nvCxnSpPr>
+          <p:cNvPr id="58" name="Straight Arrow Connector 57">
+            <a:extLst>
+              <a:ext uri="{FF2B5EF4-FFF2-40B4-BE49-F238E27FC236}">
+                <a16:creationId xmlns:a16="http://schemas.microsoft.com/office/drawing/2014/main" id="{CCA5B95B-998E-A1C6-47D1-5E353C95FAF5}"/>
+              </a:ext>
+            </a:extLst>
+          </p:cNvPr>
+          <p:cNvCxnSpPr>
+            <a:cxnSpLocks/>
+          </p:cNvCxnSpPr>
+          <p:nvPr/>
+        </p:nvCxnSpPr>
+        <p:spPr>
+          <a:xfrm flipV="1">
+            <a:off x="8231487" y="3513799"/>
+            <a:ext cx="951382" cy="1419145"/>
+          </a:xfrm>
+          <a:prstGeom prst="straightConnector1">
+            <a:avLst/>
+          </a:prstGeom>
+          <a:ln w="38100">
+            <a:solidFill>
+              <a:schemeClr val="tx1"/>
+            </a:solidFill>
+            <a:tailEnd type="triangle"/>
+          </a:ln>
+        </p:spPr>
+        <p:style>
+          <a:lnRef idx="2">
+            <a:schemeClr val="accent1"/>
+          </a:lnRef>
+          <a:fillRef idx="0">
+            <a:schemeClr val="accent1"/>
+          </a:fillRef>
+          <a:effectRef idx="1">
+            <a:schemeClr val="accent1"/>
+          </a:effectRef>
+          <a:fontRef idx="minor">
+            <a:schemeClr val="tx1"/>
+          </a:fontRef>
+        </p:style>
+      </p:cxnSp>
+      <p:sp>
+        <p:nvSpPr>
+          <p:cNvPr id="61" name="TextBox 60">
+            <a:extLst>
+              <a:ext uri="{FF2B5EF4-FFF2-40B4-BE49-F238E27FC236}">
+                <a16:creationId xmlns:a16="http://schemas.microsoft.com/office/drawing/2014/main" id="{7C0742B9-49F1-60CA-F189-435AEC7AC1F2}"/>
+              </a:ext>
+            </a:extLst>
+          </p:cNvPr>
+          <p:cNvSpPr txBox="1"/>
+          <p:nvPr/>
+        </p:nvSpPr>
+        <p:spPr>
+          <a:xfrm>
+            <a:off x="8375794" y="2033395"/>
+            <a:ext cx="386644" cy="646331"/>
+          </a:xfrm>
+          <a:prstGeom prst="rect">
+            <a:avLst/>
+          </a:prstGeom>
+          <a:noFill/>
+        </p:spPr>
+        <p:txBody>
+          <a:bodyPr wrap="none" rtlCol="0">
+            <a:spAutoFit/>
+          </a:bodyPr>
+          <a:lstStyle/>
+          <a:p>
+            <a:r>
+              <a:rPr lang="en-ES" sz="3600" dirty="0"/>
+              <a:t>z</a:t>
+            </a:r>
+          </a:p>
+        </p:txBody>
+      </p:sp>
+      <p:sp>
+        <p:nvSpPr>
+          <p:cNvPr id="63" name="Oval 62">
+            <a:extLst>
+              <a:ext uri="{FF2B5EF4-FFF2-40B4-BE49-F238E27FC236}">
+                <a16:creationId xmlns:a16="http://schemas.microsoft.com/office/drawing/2014/main" id="{4C5C545A-0A5E-81E3-07A4-D107F0ADC87A}"/>
+              </a:ext>
+            </a:extLst>
+          </p:cNvPr>
+          <p:cNvSpPr/>
+          <p:nvPr/>
+        </p:nvSpPr>
+        <p:spPr>
+          <a:xfrm>
+            <a:off x="8196111" y="3083404"/>
+            <a:ext cx="95519" cy="87688"/>
+          </a:xfrm>
+          <a:prstGeom prst="ellipse">
+            <a:avLst/>
+          </a:prstGeom>
+        </p:spPr>
+        <p:style>
+          <a:lnRef idx="2">
+            <a:schemeClr val="accent1">
+              <a:shade val="15000"/>
+            </a:schemeClr>
+          </a:lnRef>
+          <a:fillRef idx="1">
+            <a:schemeClr val="accent1"/>
+          </a:fillRef>
+          <a:effectRef idx="0">
+            <a:schemeClr val="accent1"/>
+          </a:effectRef>
+          <a:fontRef idx="minor">
+            <a:schemeClr val="lt1"/>
+          </a:fontRef>
+        </p:style>
+        <p:txBody>
+          <a:bodyPr rtlCol="0" anchor="ctr"/>
+          <a:lstStyle/>
+          <a:p>
+            <a:pPr algn="ctr"/>
+            <a:endParaRPr lang="en-ES"/>
+          </a:p>
+        </p:txBody>
+      </p:sp>
+      <p:sp>
+        <p:nvSpPr>
+          <p:cNvPr id="64" name="Oval 63">
+            <a:extLst>
+              <a:ext uri="{FF2B5EF4-FFF2-40B4-BE49-F238E27FC236}">
+                <a16:creationId xmlns:a16="http://schemas.microsoft.com/office/drawing/2014/main" id="{B9DECD15-6A90-8F2A-42EE-A001068C177B}"/>
+              </a:ext>
+            </a:extLst>
+          </p:cNvPr>
+          <p:cNvSpPr/>
+          <p:nvPr/>
+        </p:nvSpPr>
+        <p:spPr>
+          <a:xfrm>
+            <a:off x="10236623" y="4342107"/>
+            <a:ext cx="95519" cy="87688"/>
+          </a:xfrm>
+          <a:prstGeom prst="ellipse">
+            <a:avLst/>
+          </a:prstGeom>
+        </p:spPr>
+        <p:style>
+          <a:lnRef idx="2">
+            <a:schemeClr val="accent1">
+              <a:shade val="15000"/>
+            </a:schemeClr>
+          </a:lnRef>
+          <a:fillRef idx="1">
+            <a:schemeClr val="accent1"/>
+          </a:fillRef>
+          <a:effectRef idx="0">
+            <a:schemeClr val="accent1"/>
+          </a:effectRef>
+          <a:fontRef idx="minor">
+            <a:schemeClr val="lt1"/>
+          </a:fontRef>
+        </p:style>
+        <p:txBody>
+          <a:bodyPr rtlCol="0" anchor="ctr"/>
+          <a:lstStyle/>
+          <a:p>
+            <a:pPr algn="ctr"/>
+            <a:endParaRPr lang="en-ES"/>
+          </a:p>
+        </p:txBody>
+      </p:sp>
+      <p:sp>
+        <p:nvSpPr>
+          <p:cNvPr id="65" name="Oval 64">
+            <a:extLst>
+              <a:ext uri="{FF2B5EF4-FFF2-40B4-BE49-F238E27FC236}">
+                <a16:creationId xmlns:a16="http://schemas.microsoft.com/office/drawing/2014/main" id="{CBEA7EF2-4DF1-77C2-309F-A3BFC3B20BE1}"/>
+              </a:ext>
+            </a:extLst>
+          </p:cNvPr>
+          <p:cNvSpPr/>
+          <p:nvPr/>
+        </p:nvSpPr>
+        <p:spPr>
+          <a:xfrm>
+            <a:off x="6940473" y="4342107"/>
+            <a:ext cx="95519" cy="87688"/>
+          </a:xfrm>
+          <a:prstGeom prst="ellipse">
+            <a:avLst/>
+          </a:prstGeom>
+        </p:spPr>
+        <p:style>
+          <a:lnRef idx="2">
+            <a:schemeClr val="accent1">
+              <a:shade val="15000"/>
+            </a:schemeClr>
+          </a:lnRef>
+          <a:fillRef idx="1">
+            <a:schemeClr val="accent1"/>
+          </a:fillRef>
+          <a:effectRef idx="0">
+            <a:schemeClr val="accent1"/>
+          </a:effectRef>
+          <a:fontRef idx="minor">
+            <a:schemeClr val="lt1"/>
+          </a:fontRef>
+        </p:style>
+        <p:txBody>
+          <a:bodyPr rtlCol="0" anchor="ctr"/>
+          <a:lstStyle/>
+          <a:p>
+            <a:pPr algn="ctr"/>
+            <a:endParaRPr lang="en-ES"/>
+          </a:p>
+        </p:txBody>
+      </p:sp>
+      <p:cxnSp>
+        <p:nvCxnSpPr>
+          <p:cNvPr id="66" name="Straight Arrow Connector 65">
+            <a:extLst>
+              <a:ext uri="{FF2B5EF4-FFF2-40B4-BE49-F238E27FC236}">
+                <a16:creationId xmlns:a16="http://schemas.microsoft.com/office/drawing/2014/main" id="{4E6E89EA-DB65-0D6F-D0E7-B4A7A3669132}"/>
+              </a:ext>
+            </a:extLst>
+          </p:cNvPr>
+          <p:cNvCxnSpPr>
+            <a:cxnSpLocks/>
+          </p:cNvCxnSpPr>
+          <p:nvPr/>
+        </p:nvCxnSpPr>
+        <p:spPr>
+          <a:xfrm flipH="1" flipV="1">
+            <a:off x="7510690" y="2665527"/>
+            <a:ext cx="699409" cy="438811"/>
+          </a:xfrm>
+          <a:prstGeom prst="straightConnector1">
+            <a:avLst/>
+          </a:prstGeom>
+          <a:ln w="38100">
+            <a:solidFill>
+              <a:schemeClr val="tx1"/>
+            </a:solidFill>
+            <a:tailEnd type="triangle"/>
+          </a:ln>
+        </p:spPr>
+        <p:style>
+          <a:lnRef idx="2">
+            <a:schemeClr val="accent1"/>
+          </a:lnRef>
+          <a:fillRef idx="0">
+            <a:schemeClr val="accent1"/>
+          </a:fillRef>
+          <a:effectRef idx="1">
+            <a:schemeClr val="accent1"/>
+          </a:effectRef>
+          <a:fontRef idx="minor">
+            <a:schemeClr val="tx1"/>
+          </a:fontRef>
+        </p:style>
+      </p:cxnSp>
+      <p:cxnSp>
+        <p:nvCxnSpPr>
+          <p:cNvPr id="70" name="Straight Arrow Connector 69">
+            <a:extLst>
+              <a:ext uri="{FF2B5EF4-FFF2-40B4-BE49-F238E27FC236}">
+                <a16:creationId xmlns:a16="http://schemas.microsoft.com/office/drawing/2014/main" id="{057A2C09-DEA6-0010-6F4A-38BA466EE131}"/>
+              </a:ext>
+            </a:extLst>
+          </p:cNvPr>
+          <p:cNvCxnSpPr>
+            <a:cxnSpLocks/>
+            <a:endCxn id="63" idx="5"/>
+          </p:cNvCxnSpPr>
+          <p:nvPr/>
+        </p:nvCxnSpPr>
+        <p:spPr>
+          <a:xfrm flipH="1" flipV="1">
+            <a:off x="8277642" y="3158250"/>
+            <a:ext cx="1987588" cy="1217979"/>
+          </a:xfrm>
+          <a:prstGeom prst="straightConnector1">
+            <a:avLst/>
+          </a:prstGeom>
+          <a:ln w="38100">
+            <a:solidFill>
+              <a:schemeClr val="tx1"/>
+            </a:solidFill>
+            <a:prstDash val="dash"/>
+            <a:tailEnd type="none"/>
+          </a:ln>
+        </p:spPr>
+        <p:style>
+          <a:lnRef idx="2">
+            <a:schemeClr val="accent1"/>
+          </a:lnRef>
+          <a:fillRef idx="0">
+            <a:schemeClr val="accent1"/>
+          </a:fillRef>
+          <a:effectRef idx="1">
+            <a:schemeClr val="accent1"/>
+          </a:effectRef>
+          <a:fontRef idx="minor">
+            <a:schemeClr val="tx1"/>
+          </a:fontRef>
+        </p:style>
+      </p:cxnSp>
+      <p:cxnSp>
+        <p:nvCxnSpPr>
+          <p:cNvPr id="73" name="Straight Arrow Connector 72">
+            <a:extLst>
+              <a:ext uri="{FF2B5EF4-FFF2-40B4-BE49-F238E27FC236}">
+                <a16:creationId xmlns:a16="http://schemas.microsoft.com/office/drawing/2014/main" id="{574AE1CD-877A-3333-9F4B-5AB770D75161}"/>
+              </a:ext>
+            </a:extLst>
+          </p:cNvPr>
+          <p:cNvCxnSpPr>
+            <a:cxnSpLocks/>
+          </p:cNvCxnSpPr>
+          <p:nvPr/>
+        </p:nvCxnSpPr>
+        <p:spPr>
+          <a:xfrm flipH="1">
+            <a:off x="7632706" y="3151452"/>
+            <a:ext cx="585558" cy="600339"/>
+          </a:xfrm>
+          <a:prstGeom prst="straightConnector1">
+            <a:avLst/>
+          </a:prstGeom>
+          <a:ln w="38100">
+            <a:solidFill>
+              <a:schemeClr val="tx1"/>
+            </a:solidFill>
+            <a:tailEnd type="triangle"/>
+          </a:ln>
+        </p:spPr>
+        <p:style>
+          <a:lnRef idx="2">
+            <a:schemeClr val="accent1"/>
+          </a:lnRef>
+          <a:fillRef idx="0">
+            <a:schemeClr val="accent1"/>
+          </a:fillRef>
+          <a:effectRef idx="1">
+            <a:schemeClr val="accent1"/>
+          </a:effectRef>
+          <a:fontRef idx="minor">
+            <a:schemeClr val="tx1"/>
+          </a:fontRef>
+        </p:style>
+      </p:cxnSp>
+      <p:cxnSp>
+        <p:nvCxnSpPr>
+          <p:cNvPr id="76" name="Straight Arrow Connector 75">
+            <a:extLst>
+              <a:ext uri="{FF2B5EF4-FFF2-40B4-BE49-F238E27FC236}">
+                <a16:creationId xmlns:a16="http://schemas.microsoft.com/office/drawing/2014/main" id="{5EA5187D-0BEF-3AE5-F182-07B473F575C7}"/>
+              </a:ext>
+            </a:extLst>
+          </p:cNvPr>
+          <p:cNvCxnSpPr>
+            <a:cxnSpLocks/>
+            <a:endCxn id="65" idx="7"/>
+          </p:cNvCxnSpPr>
+          <p:nvPr/>
+        </p:nvCxnSpPr>
+        <p:spPr>
+          <a:xfrm flipH="1">
+            <a:off x="7022004" y="3801830"/>
+            <a:ext cx="551549" cy="553119"/>
+          </a:xfrm>
+          <a:prstGeom prst="straightConnector1">
+            <a:avLst/>
+          </a:prstGeom>
+          <a:ln w="38100">
+            <a:solidFill>
+              <a:schemeClr val="tx1"/>
+            </a:solidFill>
+            <a:prstDash val="dash"/>
+            <a:tailEnd type="none"/>
+          </a:ln>
+        </p:spPr>
+        <p:style>
+          <a:lnRef idx="2">
+            <a:schemeClr val="accent1"/>
+          </a:lnRef>
+          <a:fillRef idx="0">
+            <a:schemeClr val="accent1"/>
+          </a:fillRef>
+          <a:effectRef idx="1">
+            <a:schemeClr val="accent1"/>
+          </a:effectRef>
+          <a:fontRef idx="minor">
+            <a:schemeClr val="tx1"/>
+          </a:fontRef>
+        </p:style>
+      </p:cxnSp>
+      <p:sp>
+        <p:nvSpPr>
+          <p:cNvPr id="88" name="TextBox 87">
+            <a:extLst>
+              <a:ext uri="{FF2B5EF4-FFF2-40B4-BE49-F238E27FC236}">
+                <a16:creationId xmlns:a16="http://schemas.microsoft.com/office/drawing/2014/main" id="{62F315E5-15F5-F32A-79B4-8EB5B351B1F7}"/>
+              </a:ext>
+            </a:extLst>
+          </p:cNvPr>
+          <p:cNvSpPr txBox="1"/>
+          <p:nvPr/>
+        </p:nvSpPr>
+        <p:spPr>
+          <a:xfrm>
+            <a:off x="6086094" y="2322249"/>
+            <a:ext cx="1804276" cy="369332"/>
+          </a:xfrm>
+          <a:prstGeom prst="rect">
+            <a:avLst/>
+          </a:prstGeom>
+          <a:noFill/>
+        </p:spPr>
+        <p:txBody>
+          <a:bodyPr wrap="none" rtlCol="0">
+            <a:spAutoFit/>
+          </a:bodyPr>
+          <a:lstStyle/>
+          <a:p>
+            <a:r>
+              <a:rPr lang="en-ES" dirty="0"/>
+              <a:t>Ez&gt;0  Ey&lt;0  Ex&lt;0</a:t>
+            </a:r>
+          </a:p>
+        </p:txBody>
+      </p:sp>
+      <p:sp>
+        <p:nvSpPr>
+          <p:cNvPr id="89" name="TextBox 88">
+            <a:extLst>
+              <a:ext uri="{FF2B5EF4-FFF2-40B4-BE49-F238E27FC236}">
+                <a16:creationId xmlns:a16="http://schemas.microsoft.com/office/drawing/2014/main" id="{6F7CE4F5-D0BA-E3E3-F65E-E299F8461623}"/>
+              </a:ext>
+            </a:extLst>
+          </p:cNvPr>
+          <p:cNvSpPr txBox="1"/>
+          <p:nvPr/>
+        </p:nvSpPr>
+        <p:spPr>
+          <a:xfrm>
+            <a:off x="6038727" y="3227768"/>
+            <a:ext cx="1804276" cy="369332"/>
+          </a:xfrm>
+          <a:prstGeom prst="rect">
+            <a:avLst/>
+          </a:prstGeom>
+          <a:noFill/>
+        </p:spPr>
+        <p:txBody>
+          <a:bodyPr wrap="none" rtlCol="0">
+            <a:spAutoFit/>
+          </a:bodyPr>
+          <a:lstStyle/>
+          <a:p>
+            <a:r>
+              <a:rPr lang="en-ES" dirty="0"/>
+              <a:t>Ez&lt;0  Ey&gt;0  Ex&lt;0</a:t>
+            </a:r>
+          </a:p>
+        </p:txBody>
+      </p:sp>
+    </p:spTree>
+    <p:extLst>
+      <p:ext uri="{BB962C8B-B14F-4D97-AF65-F5344CB8AC3E}">
+        <p14:creationId xmlns:p14="http://schemas.microsoft.com/office/powerpoint/2010/main" val="650413243"/>
+      </p:ext>
+    </p:extLst>
+  </p:cSld>
+  <p:clrMapOvr>
+    <a:masterClrMapping/>
+  </p:clrMapOvr>
+</p:sld>
+</file>
+
+<file path=ppt/slides/slide30.xml><?xml version="1.0" encoding="utf-8"?>
 <p:sld xmlns:a="http://schemas.openxmlformats.org/drawingml/2006/main" xmlns:r="http://schemas.openxmlformats.org/officeDocument/2006/relationships" xmlns:p="http://schemas.openxmlformats.org/presentationml/2006/main">
   <p:cSld>
     <p:spTree>
@@ -24523,1160 +26108,7 @@
 </p:sld>
 </file>
 
-<file path=ppt/slides/slide3.xml><?xml version="1.0" encoding="utf-8"?>
-<p:sld xmlns:a="http://schemas.openxmlformats.org/drawingml/2006/main" xmlns:r="http://schemas.openxmlformats.org/officeDocument/2006/relationships" xmlns:p="http://schemas.openxmlformats.org/presentationml/2006/main">
-  <p:cSld>
-    <p:spTree>
-      <p:nvGrpSpPr>
-        <p:cNvPr id="1" name=""/>
-        <p:cNvGrpSpPr/>
-        <p:nvPr/>
-      </p:nvGrpSpPr>
-      <p:grpSpPr>
-        <a:xfrm>
-          <a:off x="0" y="0"/>
-          <a:ext cx="0" cy="0"/>
-          <a:chOff x="0" y="0"/>
-          <a:chExt cx="0" cy="0"/>
-        </a:xfrm>
-      </p:grpSpPr>
-      <p:sp>
-        <p:nvSpPr>
-          <p:cNvPr id="2" name="Title 1">
-            <a:extLst>
-              <a:ext uri="{FF2B5EF4-FFF2-40B4-BE49-F238E27FC236}">
-                <a16:creationId xmlns:a16="http://schemas.microsoft.com/office/drawing/2014/main" id="{D39B841F-54C7-3AE1-E545-FD824C8DAF7F}"/>
-              </a:ext>
-            </a:extLst>
-          </p:cNvPr>
-          <p:cNvSpPr>
-            <a:spLocks noGrp="1"/>
-          </p:cNvSpPr>
-          <p:nvPr>
-            <p:ph type="title"/>
-          </p:nvPr>
-        </p:nvSpPr>
-        <p:spPr/>
-        <p:txBody>
-          <a:bodyPr/>
-          <a:lstStyle/>
-          <a:p>
-            <a:r>
-              <a:rPr lang="en-ES" dirty="0"/>
-              <a:t>B1.S2.1</a:t>
-            </a:r>
-          </a:p>
-        </p:txBody>
-      </p:sp>
-      <p:sp>
-        <p:nvSpPr>
-          <p:cNvPr id="5" name="Arc 4">
-            <a:extLst>
-              <a:ext uri="{FF2B5EF4-FFF2-40B4-BE49-F238E27FC236}">
-                <a16:creationId xmlns:a16="http://schemas.microsoft.com/office/drawing/2014/main" id="{C62C6161-AC50-592A-79A8-62650346F24E}"/>
-              </a:ext>
-            </a:extLst>
-          </p:cNvPr>
-          <p:cNvSpPr/>
-          <p:nvPr/>
-        </p:nvSpPr>
-        <p:spPr>
-          <a:xfrm rot="16200000">
-            <a:off x="492552" y="2918012"/>
-            <a:ext cx="4155141" cy="4222377"/>
-          </a:xfrm>
-          <a:prstGeom prst="arc">
-            <a:avLst>
-              <a:gd name="adj1" fmla="val 16259988"/>
-              <a:gd name="adj2" fmla="val 5404610"/>
-            </a:avLst>
-          </a:prstGeom>
-          <a:ln w="38100">
-            <a:gradFill>
-              <a:gsLst>
-                <a:gs pos="51000">
-                  <a:schemeClr val="accent1">
-                    <a:lumMod val="5000"/>
-                    <a:lumOff val="95000"/>
-                  </a:schemeClr>
-                </a:gs>
-                <a:gs pos="100000">
-                  <a:schemeClr val="accent1">
-                    <a:lumMod val="45000"/>
-                    <a:lumOff val="55000"/>
-                  </a:schemeClr>
-                </a:gs>
-                <a:gs pos="0">
-                  <a:srgbClr val="FF0000"/>
-                </a:gs>
-              </a:gsLst>
-              <a:lin ang="5400000" scaled="1"/>
-            </a:gradFill>
-          </a:ln>
-        </p:spPr>
-        <p:style>
-          <a:lnRef idx="2">
-            <a:schemeClr val="accent1"/>
-          </a:lnRef>
-          <a:fillRef idx="0">
-            <a:schemeClr val="accent1"/>
-          </a:fillRef>
-          <a:effectRef idx="1">
-            <a:schemeClr val="accent1"/>
-          </a:effectRef>
-          <a:fontRef idx="minor">
-            <a:schemeClr val="tx1"/>
-          </a:fontRef>
-        </p:style>
-        <p:txBody>
-          <a:bodyPr rtlCol="0" anchor="ctr"/>
-          <a:lstStyle/>
-          <a:p>
-            <a:pPr algn="ctr"/>
-            <a:endParaRPr lang="en-ES"/>
-          </a:p>
-        </p:txBody>
-      </p:sp>
-      <p:cxnSp>
-        <p:nvCxnSpPr>
-          <p:cNvPr id="10" name="Straight Arrow Connector 9">
-            <a:extLst>
-              <a:ext uri="{FF2B5EF4-FFF2-40B4-BE49-F238E27FC236}">
-                <a16:creationId xmlns:a16="http://schemas.microsoft.com/office/drawing/2014/main" id="{8E1BDB21-2D8F-C9C2-3B07-F77D99022865}"/>
-              </a:ext>
-            </a:extLst>
-          </p:cNvPr>
-          <p:cNvCxnSpPr>
-            <a:cxnSpLocks/>
-          </p:cNvCxnSpPr>
-          <p:nvPr/>
-        </p:nvCxnSpPr>
-        <p:spPr>
-          <a:xfrm flipV="1">
-            <a:off x="2589628" y="1817132"/>
-            <a:ext cx="0" cy="3223735"/>
-          </a:xfrm>
-          <a:prstGeom prst="straightConnector1">
-            <a:avLst/>
-          </a:prstGeom>
-          <a:ln w="38100">
-            <a:solidFill>
-              <a:schemeClr val="tx1"/>
-            </a:solidFill>
-            <a:tailEnd type="triangle"/>
-          </a:ln>
-        </p:spPr>
-        <p:style>
-          <a:lnRef idx="2">
-            <a:schemeClr val="accent1"/>
-          </a:lnRef>
-          <a:fillRef idx="0">
-            <a:schemeClr val="accent1"/>
-          </a:fillRef>
-          <a:effectRef idx="1">
-            <a:schemeClr val="accent1"/>
-          </a:effectRef>
-          <a:fontRef idx="minor">
-            <a:schemeClr val="tx1"/>
-          </a:fontRef>
-        </p:style>
-      </p:cxnSp>
-      <p:sp>
-        <p:nvSpPr>
-          <p:cNvPr id="15" name="TextBox 14">
-            <a:extLst>
-              <a:ext uri="{FF2B5EF4-FFF2-40B4-BE49-F238E27FC236}">
-                <a16:creationId xmlns:a16="http://schemas.microsoft.com/office/drawing/2014/main" id="{724436C1-324F-AAF1-C132-967FFB014398}"/>
-              </a:ext>
-            </a:extLst>
-          </p:cNvPr>
-          <p:cNvSpPr txBox="1"/>
-          <p:nvPr/>
-        </p:nvSpPr>
-        <p:spPr>
-          <a:xfrm>
-            <a:off x="2054698" y="1817132"/>
-            <a:ext cx="393056" cy="646331"/>
-          </a:xfrm>
-          <a:prstGeom prst="rect">
-            <a:avLst/>
-          </a:prstGeom>
-          <a:noFill/>
-        </p:spPr>
-        <p:txBody>
-          <a:bodyPr wrap="none" rtlCol="0">
-            <a:spAutoFit/>
-          </a:bodyPr>
-          <a:lstStyle/>
-          <a:p>
-            <a:r>
-              <a:rPr lang="en-ES" sz="3600" dirty="0"/>
-              <a:t>y</a:t>
-            </a:r>
-          </a:p>
-        </p:txBody>
-      </p:sp>
-      <p:cxnSp>
-        <p:nvCxnSpPr>
-          <p:cNvPr id="17" name="Straight Arrow Connector 16">
-            <a:extLst>
-              <a:ext uri="{FF2B5EF4-FFF2-40B4-BE49-F238E27FC236}">
-                <a16:creationId xmlns:a16="http://schemas.microsoft.com/office/drawing/2014/main" id="{5B01AE06-DAE3-451D-0620-065E77F3FD38}"/>
-              </a:ext>
-            </a:extLst>
-          </p:cNvPr>
-          <p:cNvCxnSpPr>
-            <a:cxnSpLocks/>
-          </p:cNvCxnSpPr>
-          <p:nvPr/>
-        </p:nvCxnSpPr>
-        <p:spPr>
-          <a:xfrm>
-            <a:off x="2589628" y="5040867"/>
-            <a:ext cx="3225269" cy="0"/>
-          </a:xfrm>
-          <a:prstGeom prst="straightConnector1">
-            <a:avLst/>
-          </a:prstGeom>
-          <a:ln w="38100">
-            <a:solidFill>
-              <a:schemeClr val="tx1"/>
-            </a:solidFill>
-            <a:tailEnd type="triangle"/>
-          </a:ln>
-        </p:spPr>
-        <p:style>
-          <a:lnRef idx="2">
-            <a:schemeClr val="accent1"/>
-          </a:lnRef>
-          <a:fillRef idx="0">
-            <a:schemeClr val="accent1"/>
-          </a:fillRef>
-          <a:effectRef idx="1">
-            <a:schemeClr val="accent1"/>
-          </a:effectRef>
-          <a:fontRef idx="minor">
-            <a:schemeClr val="tx1"/>
-          </a:fontRef>
-        </p:style>
-      </p:cxnSp>
-      <p:sp>
-        <p:nvSpPr>
-          <p:cNvPr id="18" name="TextBox 17">
-            <a:extLst>
-              <a:ext uri="{FF2B5EF4-FFF2-40B4-BE49-F238E27FC236}">
-                <a16:creationId xmlns:a16="http://schemas.microsoft.com/office/drawing/2014/main" id="{10908EA1-8301-F8A5-2AA4-12299B055323}"/>
-              </a:ext>
-            </a:extLst>
-          </p:cNvPr>
-          <p:cNvSpPr txBox="1"/>
-          <p:nvPr/>
-        </p:nvSpPr>
-        <p:spPr>
-          <a:xfrm>
-            <a:off x="5392791" y="5040867"/>
-            <a:ext cx="567868" cy="646331"/>
-          </a:xfrm>
-          <a:prstGeom prst="rect">
-            <a:avLst/>
-          </a:prstGeom>
-          <a:noFill/>
-        </p:spPr>
-        <p:txBody>
-          <a:bodyPr wrap="square" rtlCol="0">
-            <a:spAutoFit/>
-          </a:bodyPr>
-          <a:lstStyle/>
-          <a:p>
-            <a:r>
-              <a:rPr lang="en-ES" sz="3600" dirty="0"/>
-              <a:t>x</a:t>
-            </a:r>
-          </a:p>
-        </p:txBody>
-      </p:sp>
-      <p:sp>
-        <p:nvSpPr>
-          <p:cNvPr id="24" name="TextBox 23">
-            <a:extLst>
-              <a:ext uri="{FF2B5EF4-FFF2-40B4-BE49-F238E27FC236}">
-                <a16:creationId xmlns:a16="http://schemas.microsoft.com/office/drawing/2014/main" id="{619EBB20-CB39-E643-A01C-4EDC9B94301E}"/>
-              </a:ext>
-            </a:extLst>
-          </p:cNvPr>
-          <p:cNvSpPr txBox="1"/>
-          <p:nvPr/>
-        </p:nvSpPr>
-        <p:spPr>
-          <a:xfrm>
-            <a:off x="3338760" y="2417283"/>
-            <a:ext cx="2207656" cy="646331"/>
-          </a:xfrm>
-          <a:prstGeom prst="rect">
-            <a:avLst/>
-          </a:prstGeom>
-          <a:noFill/>
-        </p:spPr>
-        <p:txBody>
-          <a:bodyPr wrap="none" rtlCol="0">
-            <a:spAutoFit/>
-          </a:bodyPr>
-          <a:lstStyle/>
-          <a:p>
-            <a:r>
-              <a:rPr lang="en-ES" sz="3600" dirty="0"/>
-              <a:t>λ= λ</a:t>
-            </a:r>
-            <a:r>
-              <a:rPr lang="en-ES" sz="3600" baseline="-25000" dirty="0"/>
-              <a:t>0</a:t>
-            </a:r>
-            <a:r>
-              <a:rPr lang="en-ES" sz="3600" dirty="0"/>
-              <a:t>cosɸ’</a:t>
-            </a:r>
-          </a:p>
-        </p:txBody>
-      </p:sp>
-      <p:sp>
-        <p:nvSpPr>
-          <p:cNvPr id="30" name="Arc 29">
-            <a:extLst>
-              <a:ext uri="{FF2B5EF4-FFF2-40B4-BE49-F238E27FC236}">
-                <a16:creationId xmlns:a16="http://schemas.microsoft.com/office/drawing/2014/main" id="{471F2308-244C-599C-E8D1-D81CA02C565C}"/>
-              </a:ext>
-            </a:extLst>
-          </p:cNvPr>
-          <p:cNvSpPr/>
-          <p:nvPr/>
-        </p:nvSpPr>
-        <p:spPr>
-          <a:xfrm>
-            <a:off x="2027258" y="4415634"/>
-            <a:ext cx="1085728" cy="1125962"/>
-          </a:xfrm>
-          <a:prstGeom prst="arc">
-            <a:avLst>
-              <a:gd name="adj1" fmla="val 19745494"/>
-              <a:gd name="adj2" fmla="val 414981"/>
-            </a:avLst>
-          </a:prstGeom>
-          <a:ln w="38100">
-            <a:solidFill>
-              <a:schemeClr val="tx1"/>
-            </a:solidFill>
-          </a:ln>
-        </p:spPr>
-        <p:style>
-          <a:lnRef idx="2">
-            <a:schemeClr val="accent1"/>
-          </a:lnRef>
-          <a:fillRef idx="0">
-            <a:schemeClr val="accent1"/>
-          </a:fillRef>
-          <a:effectRef idx="1">
-            <a:schemeClr val="accent1"/>
-          </a:effectRef>
-          <a:fontRef idx="minor">
-            <a:schemeClr val="tx1"/>
-          </a:fontRef>
-        </p:style>
-        <p:txBody>
-          <a:bodyPr rtlCol="0" anchor="ctr"/>
-          <a:lstStyle/>
-          <a:p>
-            <a:pPr algn="ctr"/>
-            <a:endParaRPr lang="en-ES"/>
-          </a:p>
-        </p:txBody>
-      </p:sp>
-      <p:cxnSp>
-        <p:nvCxnSpPr>
-          <p:cNvPr id="31" name="Straight Arrow Connector 30">
-            <a:extLst>
-              <a:ext uri="{FF2B5EF4-FFF2-40B4-BE49-F238E27FC236}">
-                <a16:creationId xmlns:a16="http://schemas.microsoft.com/office/drawing/2014/main" id="{DAB80AE4-2DA9-5C87-2446-D9AD483D5F7C}"/>
-              </a:ext>
-            </a:extLst>
-          </p:cNvPr>
-          <p:cNvCxnSpPr>
-            <a:cxnSpLocks/>
-          </p:cNvCxnSpPr>
-          <p:nvPr/>
-        </p:nvCxnSpPr>
-        <p:spPr>
-          <a:xfrm flipV="1">
-            <a:off x="2589628" y="3834198"/>
-            <a:ext cx="1708441" cy="1195002"/>
-          </a:xfrm>
-          <a:prstGeom prst="straightConnector1">
-            <a:avLst/>
-          </a:prstGeom>
-          <a:ln w="38100">
-            <a:solidFill>
-              <a:schemeClr val="tx1"/>
-            </a:solidFill>
-            <a:tailEnd type="none"/>
-          </a:ln>
-        </p:spPr>
-        <p:style>
-          <a:lnRef idx="2">
-            <a:schemeClr val="accent1"/>
-          </a:lnRef>
-          <a:fillRef idx="0">
-            <a:schemeClr val="accent1"/>
-          </a:fillRef>
-          <a:effectRef idx="1">
-            <a:schemeClr val="accent1"/>
-          </a:effectRef>
-          <a:fontRef idx="minor">
-            <a:schemeClr val="tx1"/>
-          </a:fontRef>
-        </p:style>
-      </p:cxnSp>
-      <p:sp>
-        <p:nvSpPr>
-          <p:cNvPr id="36" name="TextBox 35">
-            <a:extLst>
-              <a:ext uri="{FF2B5EF4-FFF2-40B4-BE49-F238E27FC236}">
-                <a16:creationId xmlns:a16="http://schemas.microsoft.com/office/drawing/2014/main" id="{361442C0-CDFC-75EA-BF49-A961B88188D3}"/>
-              </a:ext>
-            </a:extLst>
-          </p:cNvPr>
-          <p:cNvSpPr txBox="1"/>
-          <p:nvPr/>
-        </p:nvSpPr>
-        <p:spPr>
-          <a:xfrm>
-            <a:off x="3254860" y="4431699"/>
-            <a:ext cx="562975" cy="646331"/>
-          </a:xfrm>
-          <a:prstGeom prst="rect">
-            <a:avLst/>
-          </a:prstGeom>
-          <a:noFill/>
-        </p:spPr>
-        <p:txBody>
-          <a:bodyPr wrap="none" rtlCol="0">
-            <a:spAutoFit/>
-          </a:bodyPr>
-          <a:lstStyle/>
-          <a:p>
-            <a:r>
-              <a:rPr lang="en-ES" sz="3600" dirty="0"/>
-              <a:t>ɸ’</a:t>
-            </a:r>
-          </a:p>
-        </p:txBody>
-      </p:sp>
-      <p:sp>
-        <p:nvSpPr>
-          <p:cNvPr id="41" name="TextBox 40">
-            <a:extLst>
-              <a:ext uri="{FF2B5EF4-FFF2-40B4-BE49-F238E27FC236}">
-                <a16:creationId xmlns:a16="http://schemas.microsoft.com/office/drawing/2014/main" id="{21DF65AF-0014-9838-1F9C-FA788DF430E2}"/>
-              </a:ext>
-            </a:extLst>
-          </p:cNvPr>
-          <p:cNvSpPr txBox="1"/>
-          <p:nvPr/>
-        </p:nvSpPr>
-        <p:spPr>
-          <a:xfrm>
-            <a:off x="8895270" y="2869329"/>
-            <a:ext cx="393056" cy="646331"/>
-          </a:xfrm>
-          <a:prstGeom prst="rect">
-            <a:avLst/>
-          </a:prstGeom>
-          <a:noFill/>
-        </p:spPr>
-        <p:txBody>
-          <a:bodyPr wrap="none" rtlCol="0">
-            <a:spAutoFit/>
-          </a:bodyPr>
-          <a:lstStyle/>
-          <a:p>
-            <a:r>
-              <a:rPr lang="en-ES" sz="3600" dirty="0"/>
-              <a:t>y</a:t>
-            </a:r>
-          </a:p>
-        </p:txBody>
-      </p:sp>
-      <p:sp>
-        <p:nvSpPr>
-          <p:cNvPr id="37" name="Arc 36">
-            <a:extLst>
-              <a:ext uri="{FF2B5EF4-FFF2-40B4-BE49-F238E27FC236}">
-                <a16:creationId xmlns:a16="http://schemas.microsoft.com/office/drawing/2014/main" id="{E8940850-8C44-3553-B1C6-4AC24BCEB1E8}"/>
-              </a:ext>
-            </a:extLst>
-          </p:cNvPr>
-          <p:cNvSpPr/>
-          <p:nvPr/>
-        </p:nvSpPr>
-        <p:spPr>
-          <a:xfrm rot="15416767">
-            <a:off x="7308147" y="2797188"/>
-            <a:ext cx="1884148" cy="4222377"/>
-          </a:xfrm>
-          <a:prstGeom prst="arc">
-            <a:avLst>
-              <a:gd name="adj1" fmla="val 16931934"/>
-              <a:gd name="adj2" fmla="val 6161777"/>
-            </a:avLst>
-          </a:prstGeom>
-          <a:ln w="38100">
-            <a:gradFill>
-              <a:gsLst>
-                <a:gs pos="72000">
-                  <a:schemeClr val="accent1">
-                    <a:lumMod val="5000"/>
-                    <a:lumOff val="95000"/>
-                  </a:schemeClr>
-                </a:gs>
-                <a:gs pos="100000">
-                  <a:schemeClr val="accent1">
-                    <a:lumMod val="45000"/>
-                    <a:lumOff val="55000"/>
-                  </a:schemeClr>
-                </a:gs>
-                <a:gs pos="0">
-                  <a:srgbClr val="FF0000"/>
-                </a:gs>
-              </a:gsLst>
-              <a:lin ang="5400000" scaled="1"/>
-            </a:gradFill>
-          </a:ln>
-        </p:spPr>
-        <p:style>
-          <a:lnRef idx="2">
-            <a:schemeClr val="accent1"/>
-          </a:lnRef>
-          <a:fillRef idx="0">
-            <a:schemeClr val="accent1"/>
-          </a:fillRef>
-          <a:effectRef idx="1">
-            <a:schemeClr val="accent1"/>
-          </a:effectRef>
-          <a:fontRef idx="minor">
-            <a:schemeClr val="tx1"/>
-          </a:fontRef>
-        </p:style>
-        <p:txBody>
-          <a:bodyPr rtlCol="0" anchor="ctr"/>
-          <a:lstStyle/>
-          <a:p>
-            <a:pPr algn="ctr"/>
-            <a:endParaRPr lang="en-ES"/>
-          </a:p>
-        </p:txBody>
-      </p:sp>
-      <p:cxnSp>
-        <p:nvCxnSpPr>
-          <p:cNvPr id="38" name="Straight Arrow Connector 37">
-            <a:extLst>
-              <a:ext uri="{FF2B5EF4-FFF2-40B4-BE49-F238E27FC236}">
-                <a16:creationId xmlns:a16="http://schemas.microsoft.com/office/drawing/2014/main" id="{7F40F7C0-8F9F-5467-0AA1-54322A1B012E}"/>
-              </a:ext>
-            </a:extLst>
-          </p:cNvPr>
-          <p:cNvCxnSpPr>
-            <a:cxnSpLocks/>
-          </p:cNvCxnSpPr>
-          <p:nvPr/>
-        </p:nvCxnSpPr>
-        <p:spPr>
-          <a:xfrm flipV="1">
-            <a:off x="8226694" y="2417283"/>
-            <a:ext cx="23527" cy="2491093"/>
-          </a:xfrm>
-          <a:prstGeom prst="straightConnector1">
-            <a:avLst/>
-          </a:prstGeom>
-          <a:ln w="38100">
-            <a:solidFill>
-              <a:schemeClr val="tx1"/>
-            </a:solidFill>
-            <a:tailEnd type="triangle"/>
-          </a:ln>
-        </p:spPr>
-        <p:style>
-          <a:lnRef idx="2">
-            <a:schemeClr val="accent1"/>
-          </a:lnRef>
-          <a:fillRef idx="0">
-            <a:schemeClr val="accent1"/>
-          </a:fillRef>
-          <a:effectRef idx="1">
-            <a:schemeClr val="accent1"/>
-          </a:effectRef>
-          <a:fontRef idx="minor">
-            <a:schemeClr val="tx1"/>
-          </a:fontRef>
-        </p:style>
-      </p:cxnSp>
-      <p:cxnSp>
-        <p:nvCxnSpPr>
-          <p:cNvPr id="42" name="Straight Arrow Connector 41">
-            <a:extLst>
-              <a:ext uri="{FF2B5EF4-FFF2-40B4-BE49-F238E27FC236}">
-                <a16:creationId xmlns:a16="http://schemas.microsoft.com/office/drawing/2014/main" id="{3FF65B0D-2128-48A2-C6BF-EEFBDF5032C2}"/>
-              </a:ext>
-            </a:extLst>
-          </p:cNvPr>
-          <p:cNvCxnSpPr>
-            <a:cxnSpLocks/>
-          </p:cNvCxnSpPr>
-          <p:nvPr/>
-        </p:nvCxnSpPr>
-        <p:spPr>
-          <a:xfrm>
-            <a:off x="8226694" y="4908376"/>
-            <a:ext cx="3225269" cy="0"/>
-          </a:xfrm>
-          <a:prstGeom prst="straightConnector1">
-            <a:avLst/>
-          </a:prstGeom>
-          <a:ln w="38100">
-            <a:solidFill>
-              <a:schemeClr val="tx1"/>
-            </a:solidFill>
-            <a:tailEnd type="triangle"/>
-          </a:ln>
-        </p:spPr>
-        <p:style>
-          <a:lnRef idx="2">
-            <a:schemeClr val="accent1"/>
-          </a:lnRef>
-          <a:fillRef idx="0">
-            <a:schemeClr val="accent1"/>
-          </a:fillRef>
-          <a:effectRef idx="1">
-            <a:schemeClr val="accent1"/>
-          </a:effectRef>
-          <a:fontRef idx="minor">
-            <a:schemeClr val="tx1"/>
-          </a:fontRef>
-        </p:style>
-      </p:cxnSp>
-      <p:sp>
-        <p:nvSpPr>
-          <p:cNvPr id="43" name="TextBox 42">
-            <a:extLst>
-              <a:ext uri="{FF2B5EF4-FFF2-40B4-BE49-F238E27FC236}">
-                <a16:creationId xmlns:a16="http://schemas.microsoft.com/office/drawing/2014/main" id="{62972613-7A40-EEAD-36D6-D99B33FD04D6}"/>
-              </a:ext>
-            </a:extLst>
-          </p:cNvPr>
-          <p:cNvSpPr txBox="1"/>
-          <p:nvPr/>
-        </p:nvSpPr>
-        <p:spPr>
-          <a:xfrm>
-            <a:off x="11069866" y="4895265"/>
-            <a:ext cx="567868" cy="646331"/>
-          </a:xfrm>
-          <a:prstGeom prst="rect">
-            <a:avLst/>
-          </a:prstGeom>
-          <a:noFill/>
-        </p:spPr>
-        <p:txBody>
-          <a:bodyPr wrap="square" rtlCol="0">
-            <a:spAutoFit/>
-          </a:bodyPr>
-          <a:lstStyle/>
-          <a:p>
-            <a:r>
-              <a:rPr lang="en-ES" sz="3600" dirty="0"/>
-              <a:t>x</a:t>
-            </a:r>
-          </a:p>
-        </p:txBody>
-      </p:sp>
-      <p:cxnSp>
-        <p:nvCxnSpPr>
-          <p:cNvPr id="58" name="Straight Arrow Connector 57">
-            <a:extLst>
-              <a:ext uri="{FF2B5EF4-FFF2-40B4-BE49-F238E27FC236}">
-                <a16:creationId xmlns:a16="http://schemas.microsoft.com/office/drawing/2014/main" id="{CCA5B95B-998E-A1C6-47D1-5E353C95FAF5}"/>
-              </a:ext>
-            </a:extLst>
-          </p:cNvPr>
-          <p:cNvCxnSpPr>
-            <a:cxnSpLocks/>
-          </p:cNvCxnSpPr>
-          <p:nvPr/>
-        </p:nvCxnSpPr>
-        <p:spPr>
-          <a:xfrm flipV="1">
-            <a:off x="8231487" y="3513799"/>
-            <a:ext cx="951382" cy="1419145"/>
-          </a:xfrm>
-          <a:prstGeom prst="straightConnector1">
-            <a:avLst/>
-          </a:prstGeom>
-          <a:ln w="38100">
-            <a:solidFill>
-              <a:schemeClr val="tx1"/>
-            </a:solidFill>
-            <a:tailEnd type="triangle"/>
-          </a:ln>
-        </p:spPr>
-        <p:style>
-          <a:lnRef idx="2">
-            <a:schemeClr val="accent1"/>
-          </a:lnRef>
-          <a:fillRef idx="0">
-            <a:schemeClr val="accent1"/>
-          </a:fillRef>
-          <a:effectRef idx="1">
-            <a:schemeClr val="accent1"/>
-          </a:effectRef>
-          <a:fontRef idx="minor">
-            <a:schemeClr val="tx1"/>
-          </a:fontRef>
-        </p:style>
-      </p:cxnSp>
-      <p:sp>
-        <p:nvSpPr>
-          <p:cNvPr id="61" name="TextBox 60">
-            <a:extLst>
-              <a:ext uri="{FF2B5EF4-FFF2-40B4-BE49-F238E27FC236}">
-                <a16:creationId xmlns:a16="http://schemas.microsoft.com/office/drawing/2014/main" id="{7C0742B9-49F1-60CA-F189-435AEC7AC1F2}"/>
-              </a:ext>
-            </a:extLst>
-          </p:cNvPr>
-          <p:cNvSpPr txBox="1"/>
-          <p:nvPr/>
-        </p:nvSpPr>
-        <p:spPr>
-          <a:xfrm>
-            <a:off x="8375794" y="2033395"/>
-            <a:ext cx="386644" cy="646331"/>
-          </a:xfrm>
-          <a:prstGeom prst="rect">
-            <a:avLst/>
-          </a:prstGeom>
-          <a:noFill/>
-        </p:spPr>
-        <p:txBody>
-          <a:bodyPr wrap="none" rtlCol="0">
-            <a:spAutoFit/>
-          </a:bodyPr>
-          <a:lstStyle/>
-          <a:p>
-            <a:r>
-              <a:rPr lang="en-ES" sz="3600" dirty="0"/>
-              <a:t>z</a:t>
-            </a:r>
-          </a:p>
-        </p:txBody>
-      </p:sp>
-      <p:sp>
-        <p:nvSpPr>
-          <p:cNvPr id="63" name="Oval 62">
-            <a:extLst>
-              <a:ext uri="{FF2B5EF4-FFF2-40B4-BE49-F238E27FC236}">
-                <a16:creationId xmlns:a16="http://schemas.microsoft.com/office/drawing/2014/main" id="{4C5C545A-0A5E-81E3-07A4-D107F0ADC87A}"/>
-              </a:ext>
-            </a:extLst>
-          </p:cNvPr>
-          <p:cNvSpPr/>
-          <p:nvPr/>
-        </p:nvSpPr>
-        <p:spPr>
-          <a:xfrm>
-            <a:off x="8196111" y="3083404"/>
-            <a:ext cx="95519" cy="87688"/>
-          </a:xfrm>
-          <a:prstGeom prst="ellipse">
-            <a:avLst/>
-          </a:prstGeom>
-        </p:spPr>
-        <p:style>
-          <a:lnRef idx="2">
-            <a:schemeClr val="accent1">
-              <a:shade val="15000"/>
-            </a:schemeClr>
-          </a:lnRef>
-          <a:fillRef idx="1">
-            <a:schemeClr val="accent1"/>
-          </a:fillRef>
-          <a:effectRef idx="0">
-            <a:schemeClr val="accent1"/>
-          </a:effectRef>
-          <a:fontRef idx="minor">
-            <a:schemeClr val="lt1"/>
-          </a:fontRef>
-        </p:style>
-        <p:txBody>
-          <a:bodyPr rtlCol="0" anchor="ctr"/>
-          <a:lstStyle/>
-          <a:p>
-            <a:pPr algn="ctr"/>
-            <a:endParaRPr lang="en-ES"/>
-          </a:p>
-        </p:txBody>
-      </p:sp>
-      <p:sp>
-        <p:nvSpPr>
-          <p:cNvPr id="64" name="Oval 63">
-            <a:extLst>
-              <a:ext uri="{FF2B5EF4-FFF2-40B4-BE49-F238E27FC236}">
-                <a16:creationId xmlns:a16="http://schemas.microsoft.com/office/drawing/2014/main" id="{B9DECD15-6A90-8F2A-42EE-A001068C177B}"/>
-              </a:ext>
-            </a:extLst>
-          </p:cNvPr>
-          <p:cNvSpPr/>
-          <p:nvPr/>
-        </p:nvSpPr>
-        <p:spPr>
-          <a:xfrm>
-            <a:off x="10236623" y="4342107"/>
-            <a:ext cx="95519" cy="87688"/>
-          </a:xfrm>
-          <a:prstGeom prst="ellipse">
-            <a:avLst/>
-          </a:prstGeom>
-        </p:spPr>
-        <p:style>
-          <a:lnRef idx="2">
-            <a:schemeClr val="accent1">
-              <a:shade val="15000"/>
-            </a:schemeClr>
-          </a:lnRef>
-          <a:fillRef idx="1">
-            <a:schemeClr val="accent1"/>
-          </a:fillRef>
-          <a:effectRef idx="0">
-            <a:schemeClr val="accent1"/>
-          </a:effectRef>
-          <a:fontRef idx="minor">
-            <a:schemeClr val="lt1"/>
-          </a:fontRef>
-        </p:style>
-        <p:txBody>
-          <a:bodyPr rtlCol="0" anchor="ctr"/>
-          <a:lstStyle/>
-          <a:p>
-            <a:pPr algn="ctr"/>
-            <a:endParaRPr lang="en-ES"/>
-          </a:p>
-        </p:txBody>
-      </p:sp>
-      <p:sp>
-        <p:nvSpPr>
-          <p:cNvPr id="65" name="Oval 64">
-            <a:extLst>
-              <a:ext uri="{FF2B5EF4-FFF2-40B4-BE49-F238E27FC236}">
-                <a16:creationId xmlns:a16="http://schemas.microsoft.com/office/drawing/2014/main" id="{CBEA7EF2-4DF1-77C2-309F-A3BFC3B20BE1}"/>
-              </a:ext>
-            </a:extLst>
-          </p:cNvPr>
-          <p:cNvSpPr/>
-          <p:nvPr/>
-        </p:nvSpPr>
-        <p:spPr>
-          <a:xfrm>
-            <a:off x="6940473" y="4342107"/>
-            <a:ext cx="95519" cy="87688"/>
-          </a:xfrm>
-          <a:prstGeom prst="ellipse">
-            <a:avLst/>
-          </a:prstGeom>
-        </p:spPr>
-        <p:style>
-          <a:lnRef idx="2">
-            <a:schemeClr val="accent1">
-              <a:shade val="15000"/>
-            </a:schemeClr>
-          </a:lnRef>
-          <a:fillRef idx="1">
-            <a:schemeClr val="accent1"/>
-          </a:fillRef>
-          <a:effectRef idx="0">
-            <a:schemeClr val="accent1"/>
-          </a:effectRef>
-          <a:fontRef idx="minor">
-            <a:schemeClr val="lt1"/>
-          </a:fontRef>
-        </p:style>
-        <p:txBody>
-          <a:bodyPr rtlCol="0" anchor="ctr"/>
-          <a:lstStyle/>
-          <a:p>
-            <a:pPr algn="ctr"/>
-            <a:endParaRPr lang="en-ES"/>
-          </a:p>
-        </p:txBody>
-      </p:sp>
-      <p:cxnSp>
-        <p:nvCxnSpPr>
-          <p:cNvPr id="66" name="Straight Arrow Connector 65">
-            <a:extLst>
-              <a:ext uri="{FF2B5EF4-FFF2-40B4-BE49-F238E27FC236}">
-                <a16:creationId xmlns:a16="http://schemas.microsoft.com/office/drawing/2014/main" id="{4E6E89EA-DB65-0D6F-D0E7-B4A7A3669132}"/>
-              </a:ext>
-            </a:extLst>
-          </p:cNvPr>
-          <p:cNvCxnSpPr>
-            <a:cxnSpLocks/>
-          </p:cNvCxnSpPr>
-          <p:nvPr/>
-        </p:nvCxnSpPr>
-        <p:spPr>
-          <a:xfrm flipH="1" flipV="1">
-            <a:off x="7510690" y="2665527"/>
-            <a:ext cx="699409" cy="438811"/>
-          </a:xfrm>
-          <a:prstGeom prst="straightConnector1">
-            <a:avLst/>
-          </a:prstGeom>
-          <a:ln w="38100">
-            <a:solidFill>
-              <a:schemeClr val="tx1"/>
-            </a:solidFill>
-            <a:tailEnd type="triangle"/>
-          </a:ln>
-        </p:spPr>
-        <p:style>
-          <a:lnRef idx="2">
-            <a:schemeClr val="accent1"/>
-          </a:lnRef>
-          <a:fillRef idx="0">
-            <a:schemeClr val="accent1"/>
-          </a:fillRef>
-          <a:effectRef idx="1">
-            <a:schemeClr val="accent1"/>
-          </a:effectRef>
-          <a:fontRef idx="minor">
-            <a:schemeClr val="tx1"/>
-          </a:fontRef>
-        </p:style>
-      </p:cxnSp>
-      <p:cxnSp>
-        <p:nvCxnSpPr>
-          <p:cNvPr id="70" name="Straight Arrow Connector 69">
-            <a:extLst>
-              <a:ext uri="{FF2B5EF4-FFF2-40B4-BE49-F238E27FC236}">
-                <a16:creationId xmlns:a16="http://schemas.microsoft.com/office/drawing/2014/main" id="{057A2C09-DEA6-0010-6F4A-38BA466EE131}"/>
-              </a:ext>
-            </a:extLst>
-          </p:cNvPr>
-          <p:cNvCxnSpPr>
-            <a:cxnSpLocks/>
-            <a:endCxn id="63" idx="5"/>
-          </p:cNvCxnSpPr>
-          <p:nvPr/>
-        </p:nvCxnSpPr>
-        <p:spPr>
-          <a:xfrm flipH="1" flipV="1">
-            <a:off x="8277642" y="3158250"/>
-            <a:ext cx="1987588" cy="1217979"/>
-          </a:xfrm>
-          <a:prstGeom prst="straightConnector1">
-            <a:avLst/>
-          </a:prstGeom>
-          <a:ln w="38100">
-            <a:solidFill>
-              <a:schemeClr val="tx1"/>
-            </a:solidFill>
-            <a:prstDash val="dash"/>
-            <a:tailEnd type="none"/>
-          </a:ln>
-        </p:spPr>
-        <p:style>
-          <a:lnRef idx="2">
-            <a:schemeClr val="accent1"/>
-          </a:lnRef>
-          <a:fillRef idx="0">
-            <a:schemeClr val="accent1"/>
-          </a:fillRef>
-          <a:effectRef idx="1">
-            <a:schemeClr val="accent1"/>
-          </a:effectRef>
-          <a:fontRef idx="minor">
-            <a:schemeClr val="tx1"/>
-          </a:fontRef>
-        </p:style>
-      </p:cxnSp>
-      <p:cxnSp>
-        <p:nvCxnSpPr>
-          <p:cNvPr id="73" name="Straight Arrow Connector 72">
-            <a:extLst>
-              <a:ext uri="{FF2B5EF4-FFF2-40B4-BE49-F238E27FC236}">
-                <a16:creationId xmlns:a16="http://schemas.microsoft.com/office/drawing/2014/main" id="{574AE1CD-877A-3333-9F4B-5AB770D75161}"/>
-              </a:ext>
-            </a:extLst>
-          </p:cNvPr>
-          <p:cNvCxnSpPr>
-            <a:cxnSpLocks/>
-          </p:cNvCxnSpPr>
-          <p:nvPr/>
-        </p:nvCxnSpPr>
-        <p:spPr>
-          <a:xfrm flipH="1">
-            <a:off x="7632706" y="3151452"/>
-            <a:ext cx="585558" cy="600339"/>
-          </a:xfrm>
-          <a:prstGeom prst="straightConnector1">
-            <a:avLst/>
-          </a:prstGeom>
-          <a:ln w="38100">
-            <a:solidFill>
-              <a:schemeClr val="tx1"/>
-            </a:solidFill>
-            <a:tailEnd type="triangle"/>
-          </a:ln>
-        </p:spPr>
-        <p:style>
-          <a:lnRef idx="2">
-            <a:schemeClr val="accent1"/>
-          </a:lnRef>
-          <a:fillRef idx="0">
-            <a:schemeClr val="accent1"/>
-          </a:fillRef>
-          <a:effectRef idx="1">
-            <a:schemeClr val="accent1"/>
-          </a:effectRef>
-          <a:fontRef idx="minor">
-            <a:schemeClr val="tx1"/>
-          </a:fontRef>
-        </p:style>
-      </p:cxnSp>
-      <p:cxnSp>
-        <p:nvCxnSpPr>
-          <p:cNvPr id="76" name="Straight Arrow Connector 75">
-            <a:extLst>
-              <a:ext uri="{FF2B5EF4-FFF2-40B4-BE49-F238E27FC236}">
-                <a16:creationId xmlns:a16="http://schemas.microsoft.com/office/drawing/2014/main" id="{5EA5187D-0BEF-3AE5-F182-07B473F575C7}"/>
-              </a:ext>
-            </a:extLst>
-          </p:cNvPr>
-          <p:cNvCxnSpPr>
-            <a:cxnSpLocks/>
-            <a:endCxn id="65" idx="7"/>
-          </p:cNvCxnSpPr>
-          <p:nvPr/>
-        </p:nvCxnSpPr>
-        <p:spPr>
-          <a:xfrm flipH="1">
-            <a:off x="7022004" y="3801830"/>
-            <a:ext cx="551549" cy="553119"/>
-          </a:xfrm>
-          <a:prstGeom prst="straightConnector1">
-            <a:avLst/>
-          </a:prstGeom>
-          <a:ln w="38100">
-            <a:solidFill>
-              <a:schemeClr val="tx1"/>
-            </a:solidFill>
-            <a:prstDash val="dash"/>
-            <a:tailEnd type="none"/>
-          </a:ln>
-        </p:spPr>
-        <p:style>
-          <a:lnRef idx="2">
-            <a:schemeClr val="accent1"/>
-          </a:lnRef>
-          <a:fillRef idx="0">
-            <a:schemeClr val="accent1"/>
-          </a:fillRef>
-          <a:effectRef idx="1">
-            <a:schemeClr val="accent1"/>
-          </a:effectRef>
-          <a:fontRef idx="minor">
-            <a:schemeClr val="tx1"/>
-          </a:fontRef>
-        </p:style>
-      </p:cxnSp>
-      <p:sp>
-        <p:nvSpPr>
-          <p:cNvPr id="88" name="TextBox 87">
-            <a:extLst>
-              <a:ext uri="{FF2B5EF4-FFF2-40B4-BE49-F238E27FC236}">
-                <a16:creationId xmlns:a16="http://schemas.microsoft.com/office/drawing/2014/main" id="{62F315E5-15F5-F32A-79B4-8EB5B351B1F7}"/>
-              </a:ext>
-            </a:extLst>
-          </p:cNvPr>
-          <p:cNvSpPr txBox="1"/>
-          <p:nvPr/>
-        </p:nvSpPr>
-        <p:spPr>
-          <a:xfrm>
-            <a:off x="6086094" y="2322249"/>
-            <a:ext cx="1804276" cy="369332"/>
-          </a:xfrm>
-          <a:prstGeom prst="rect">
-            <a:avLst/>
-          </a:prstGeom>
-          <a:noFill/>
-        </p:spPr>
-        <p:txBody>
-          <a:bodyPr wrap="none" rtlCol="0">
-            <a:spAutoFit/>
-          </a:bodyPr>
-          <a:lstStyle/>
-          <a:p>
-            <a:r>
-              <a:rPr lang="en-ES" dirty="0"/>
-              <a:t>Ez&gt;0  Ey&lt;0  Ex&lt;0</a:t>
-            </a:r>
-          </a:p>
-        </p:txBody>
-      </p:sp>
-      <p:sp>
-        <p:nvSpPr>
-          <p:cNvPr id="89" name="TextBox 88">
-            <a:extLst>
-              <a:ext uri="{FF2B5EF4-FFF2-40B4-BE49-F238E27FC236}">
-                <a16:creationId xmlns:a16="http://schemas.microsoft.com/office/drawing/2014/main" id="{6F7CE4F5-D0BA-E3E3-F65E-E299F8461623}"/>
-              </a:ext>
-            </a:extLst>
-          </p:cNvPr>
-          <p:cNvSpPr txBox="1"/>
-          <p:nvPr/>
-        </p:nvSpPr>
-        <p:spPr>
-          <a:xfrm>
-            <a:off x="6038727" y="3227768"/>
-            <a:ext cx="1804276" cy="369332"/>
-          </a:xfrm>
-          <a:prstGeom prst="rect">
-            <a:avLst/>
-          </a:prstGeom>
-          <a:noFill/>
-        </p:spPr>
-        <p:txBody>
-          <a:bodyPr wrap="none" rtlCol="0">
-            <a:spAutoFit/>
-          </a:bodyPr>
-          <a:lstStyle/>
-          <a:p>
-            <a:r>
-              <a:rPr lang="en-ES" dirty="0"/>
-              <a:t>Ez&lt;0  Ey&gt;0  Ex&lt;0</a:t>
-            </a:r>
-          </a:p>
-        </p:txBody>
-      </p:sp>
-    </p:spTree>
-    <p:extLst>
-      <p:ext uri="{BB962C8B-B14F-4D97-AF65-F5344CB8AC3E}">
-        <p14:creationId xmlns:p14="http://schemas.microsoft.com/office/powerpoint/2010/main" val="650413243"/>
-      </p:ext>
-    </p:extLst>
-  </p:cSld>
-  <p:clrMapOvr>
-    <a:masterClrMapping/>
-  </p:clrMapOvr>
-</p:sld>
-</file>
-
-<file path=ppt/slides/slide30.xml><?xml version="1.0" encoding="utf-8"?>
+<file path=ppt/slides/slide31.xml><?xml version="1.0" encoding="utf-8"?>
 <p:sld xmlns:a="http://schemas.openxmlformats.org/drawingml/2006/main" xmlns:r="http://schemas.openxmlformats.org/officeDocument/2006/relationships" xmlns:p="http://schemas.openxmlformats.org/presentationml/2006/main">
   <p:cSld>
     <p:spTree>
@@ -31289,42 +31721,6 @@
       </p:sp>
       <p:sp>
         <p:nvSpPr>
-          <p:cNvPr id="7" name="TextBox 6">
-            <a:extLst>
-              <a:ext uri="{FF2B5EF4-FFF2-40B4-BE49-F238E27FC236}">
-                <a16:creationId xmlns:a16="http://schemas.microsoft.com/office/drawing/2014/main" id="{6D0F102D-A9A4-A290-BE60-20C8F96E2CD2}"/>
-              </a:ext>
-            </a:extLst>
-          </p:cNvPr>
-          <p:cNvSpPr txBox="1"/>
-          <p:nvPr/>
-        </p:nvSpPr>
-        <p:spPr>
-          <a:xfrm>
-            <a:off x="3313216" y="2766954"/>
-            <a:ext cx="404278" cy="584775"/>
-          </a:xfrm>
-          <a:prstGeom prst="rect">
-            <a:avLst/>
-          </a:prstGeom>
-          <a:noFill/>
-        </p:spPr>
-        <p:txBody>
-          <a:bodyPr wrap="none" rtlCol="0">
-            <a:spAutoFit/>
-          </a:bodyPr>
-          <a:lstStyle/>
-          <a:p>
-            <a:r>
-              <a:rPr lang="en-ES" sz="3200" dirty="0"/>
-              <a:t>0</a:t>
-            </a:r>
-            <a:endParaRPr lang="en-ES" dirty="0"/>
-          </a:p>
-        </p:txBody>
-      </p:sp>
-      <p:sp>
-        <p:nvSpPr>
           <p:cNvPr id="8" name="Oval 7">
             <a:extLst>
               <a:ext uri="{FF2B5EF4-FFF2-40B4-BE49-F238E27FC236}">
@@ -31336,19 +31732,43 @@
           <p:nvPr/>
         </p:nvSpPr>
         <p:spPr>
-          <a:xfrm>
+          <a:xfrm rot="1306733">
             <a:off x="2303811" y="2006930"/>
             <a:ext cx="2743200" cy="2743200"/>
           </a:xfrm>
           <a:prstGeom prst="ellipse">
             <a:avLst/>
           </a:prstGeom>
-          <a:noFill/>
+          <a:gradFill flip="none" rotWithShape="1">
+            <a:gsLst>
+              <a:gs pos="0">
+                <a:schemeClr val="accent1">
+                  <a:lumMod val="0"/>
+                  <a:lumOff val="100000"/>
+                </a:schemeClr>
+              </a:gs>
+              <a:gs pos="51000">
+                <a:schemeClr val="accent1">
+                  <a:lumMod val="0"/>
+                  <a:lumOff val="100000"/>
+                </a:schemeClr>
+              </a:gs>
+              <a:gs pos="78000">
+                <a:schemeClr val="bg1">
+                  <a:lumMod val="75000"/>
+                </a:schemeClr>
+              </a:gs>
+            </a:gsLst>
+            <a:path path="circle">
+              <a:fillToRect l="50000" t="-80000" r="50000" b="180000"/>
+            </a:path>
+            <a:tileRect/>
+          </a:gradFill>
           <a:ln w="38100" cap="flat" cmpd="sng" algn="ctr">
             <a:solidFill>
-              <a:srgbClr val="FF0000"/>
+              <a:schemeClr val="tx1"/>
             </a:solidFill>
-            <a:prstDash val="dash"/>
+            <a:prstDash val="solid"/>
             <a:round/>
             <a:headEnd type="none" w="med" len="med"/>
             <a:tailEnd type="none" w="med" len="med"/>
@@ -31461,92 +31881,6 @@
       </p:sp>
       <p:sp>
         <p:nvSpPr>
-          <p:cNvPr id="11" name="Oval 10">
-            <a:extLst>
-              <a:ext uri="{FF2B5EF4-FFF2-40B4-BE49-F238E27FC236}">
-                <a16:creationId xmlns:a16="http://schemas.microsoft.com/office/drawing/2014/main" id="{3A1812EE-59DF-0F82-16A6-D32B312FA4D8}"/>
-              </a:ext>
-            </a:extLst>
-          </p:cNvPr>
-          <p:cNvSpPr/>
-          <p:nvPr/>
-        </p:nvSpPr>
-        <p:spPr>
-          <a:xfrm>
-            <a:off x="4342410" y="3273631"/>
-            <a:ext cx="166255" cy="178129"/>
-          </a:xfrm>
-          <a:prstGeom prst="ellipse">
-            <a:avLst/>
-          </a:prstGeom>
-        </p:spPr>
-        <p:style>
-          <a:lnRef idx="2">
-            <a:schemeClr val="accent1">
-              <a:shade val="15000"/>
-            </a:schemeClr>
-          </a:lnRef>
-          <a:fillRef idx="1">
-            <a:schemeClr val="accent1"/>
-          </a:fillRef>
-          <a:effectRef idx="0">
-            <a:schemeClr val="accent1"/>
-          </a:effectRef>
-          <a:fontRef idx="minor">
-            <a:schemeClr val="lt1"/>
-          </a:fontRef>
-        </p:style>
-        <p:txBody>
-          <a:bodyPr rtlCol="0" anchor="ctr"/>
-          <a:lstStyle/>
-          <a:p>
-            <a:pPr algn="ctr"/>
-            <a:endParaRPr lang="en-ES"/>
-          </a:p>
-        </p:txBody>
-      </p:sp>
-      <p:sp>
-        <p:nvSpPr>
-          <p:cNvPr id="12" name="TextBox 11">
-            <a:extLst>
-              <a:ext uri="{FF2B5EF4-FFF2-40B4-BE49-F238E27FC236}">
-                <a16:creationId xmlns:a16="http://schemas.microsoft.com/office/drawing/2014/main" id="{8E3F20AF-1F69-0D9C-D1A4-917DF45C6E0E}"/>
-              </a:ext>
-            </a:extLst>
-          </p:cNvPr>
-          <p:cNvSpPr txBox="1"/>
-          <p:nvPr/>
-        </p:nvSpPr>
-        <p:spPr>
-          <a:xfrm>
-            <a:off x="4391893" y="2729340"/>
-            <a:ext cx="502061" cy="584775"/>
-          </a:xfrm>
-          <a:prstGeom prst="rect">
-            <a:avLst/>
-          </a:prstGeom>
-          <a:noFill/>
-        </p:spPr>
-        <p:txBody>
-          <a:bodyPr wrap="none" rtlCol="0">
-            <a:spAutoFit/>
-          </a:bodyPr>
-          <a:lstStyle/>
-          <a:p>
-            <a:r>
-              <a:rPr lang="en-GB" sz="3200" dirty="0"/>
-              <a:t>q</a:t>
-            </a:r>
-            <a:r>
-              <a:rPr lang="en-ES" sz="3200" dirty="0"/>
-              <a:t>'</a:t>
-            </a:r>
-            <a:endParaRPr lang="en-ES" dirty="0"/>
-          </a:p>
-        </p:txBody>
-      </p:sp>
-      <p:sp>
-        <p:nvSpPr>
           <p:cNvPr id="13" name="Left Bracket 12">
             <a:extLst>
               <a:ext uri="{FF2B5EF4-FFF2-40B4-BE49-F238E27FC236}">
@@ -31637,51 +31971,6 @@
       </p:sp>
       <p:sp>
         <p:nvSpPr>
-          <p:cNvPr id="15" name="Left Bracket 14">
-            <a:extLst>
-              <a:ext uri="{FF2B5EF4-FFF2-40B4-BE49-F238E27FC236}">
-                <a16:creationId xmlns:a16="http://schemas.microsoft.com/office/drawing/2014/main" id="{B2B67B9B-5CB4-CF2F-85C3-5489187A380D}"/>
-              </a:ext>
-            </a:extLst>
-          </p:cNvPr>
-          <p:cNvSpPr/>
-          <p:nvPr/>
-        </p:nvSpPr>
-        <p:spPr>
-          <a:xfrm rot="16200000">
-            <a:off x="3980215" y="3422070"/>
-            <a:ext cx="191984" cy="797627"/>
-          </a:xfrm>
-          <a:prstGeom prst="leftBracket">
-            <a:avLst/>
-          </a:prstGeom>
-          <a:ln w="38100"/>
-        </p:spPr>
-        <p:style>
-          <a:lnRef idx="2">
-            <a:schemeClr val="accent1"/>
-          </a:lnRef>
-          <a:fillRef idx="0">
-            <a:schemeClr val="accent1"/>
-          </a:fillRef>
-          <a:effectRef idx="1">
-            <a:schemeClr val="accent1"/>
-          </a:effectRef>
-          <a:fontRef idx="minor">
-            <a:schemeClr val="tx1"/>
-          </a:fontRef>
-        </p:style>
-        <p:txBody>
-          <a:bodyPr rtlCol="0" anchor="ctr"/>
-          <a:lstStyle/>
-          <a:p>
-            <a:pPr algn="ctr"/>
-            <a:endParaRPr lang="en-ES" dirty="0"/>
-          </a:p>
-        </p:txBody>
-      </p:sp>
-      <p:sp>
-        <p:nvSpPr>
           <p:cNvPr id="16" name="TextBox 15">
             <a:extLst>
               <a:ext uri="{FF2B5EF4-FFF2-40B4-BE49-F238E27FC236}">
@@ -31713,41 +32002,6 @@
               <a:t>d</a:t>
             </a:r>
             <a:endParaRPr lang="en-ES" dirty="0"/>
-          </a:p>
-        </p:txBody>
-      </p:sp>
-      <p:sp>
-        <p:nvSpPr>
-          <p:cNvPr id="17" name="TextBox 16">
-            <a:extLst>
-              <a:ext uri="{FF2B5EF4-FFF2-40B4-BE49-F238E27FC236}">
-                <a16:creationId xmlns:a16="http://schemas.microsoft.com/office/drawing/2014/main" id="{C5BBEB25-E4F1-E513-5EDA-2AA4F0159D58}"/>
-              </a:ext>
-            </a:extLst>
-          </p:cNvPr>
-          <p:cNvSpPr txBox="1"/>
-          <p:nvPr/>
-        </p:nvSpPr>
-        <p:spPr>
-          <a:xfrm>
-            <a:off x="3831773" y="3831768"/>
-            <a:ext cx="502061" cy="584775"/>
-          </a:xfrm>
-          <a:prstGeom prst="rect">
-            <a:avLst/>
-          </a:prstGeom>
-          <a:noFill/>
-        </p:spPr>
-        <p:txBody>
-          <a:bodyPr wrap="none" rtlCol="0">
-            <a:spAutoFit/>
-          </a:bodyPr>
-          <a:lstStyle/>
-          <a:p>
-            <a:r>
-              <a:rPr lang="en-ES" sz="3200" dirty="0"/>
-              <a:t>d'</a:t>
-            </a:r>
           </a:p>
         </p:txBody>
       </p:sp>
@@ -31829,7 +32083,7 @@
             </a:prstGeom>
             <a:ln w="38100">
               <a:solidFill>
-                <a:srgbClr val="FF0000"/>
+                <a:schemeClr val="tx1"/>
               </a:solidFill>
             </a:ln>
           </p:spPr>
@@ -31872,7 +32126,7 @@
             </a:prstGeom>
             <a:ln w="38100">
               <a:solidFill>
-                <a:srgbClr val="FF0000"/>
+                <a:schemeClr val="tx1"/>
               </a:solidFill>
             </a:ln>
           </p:spPr>
@@ -31915,7 +32169,7 @@
             </a:prstGeom>
             <a:ln w="38100">
               <a:solidFill>
-                <a:srgbClr val="FF0000"/>
+                <a:schemeClr val="tx1"/>
               </a:solidFill>
             </a:ln>
           </p:spPr>
@@ -31958,6 +32212,898 @@
             </a:prstGeom>
             <a:ln w="38100">
               <a:solidFill>
+                <a:schemeClr val="tx1"/>
+              </a:solidFill>
+            </a:ln>
+          </p:spPr>
+          <p:style>
+            <a:lnRef idx="2">
+              <a:schemeClr val="accent1"/>
+            </a:lnRef>
+            <a:fillRef idx="0">
+              <a:schemeClr val="accent1"/>
+            </a:fillRef>
+            <a:effectRef idx="1">
+              <a:schemeClr val="accent1"/>
+            </a:effectRef>
+            <a:fontRef idx="minor">
+              <a:schemeClr val="tx1"/>
+            </a:fontRef>
+          </p:style>
+        </p:cxnSp>
+      </p:grpSp>
+      <p:sp>
+        <p:nvSpPr>
+          <p:cNvPr id="26" name="Arc 25">
+            <a:extLst>
+              <a:ext uri="{FF2B5EF4-FFF2-40B4-BE49-F238E27FC236}">
+                <a16:creationId xmlns:a16="http://schemas.microsoft.com/office/drawing/2014/main" id="{0AC7F613-72D9-5702-FA27-26CC98802EC1}"/>
+              </a:ext>
+            </a:extLst>
+          </p:cNvPr>
+          <p:cNvSpPr/>
+          <p:nvPr/>
+        </p:nvSpPr>
+        <p:spPr>
+          <a:xfrm>
+            <a:off x="2612570" y="4180114"/>
+            <a:ext cx="1721923" cy="1626919"/>
+          </a:xfrm>
+          <a:prstGeom prst="arc">
+            <a:avLst>
+              <a:gd name="adj1" fmla="val 10736342"/>
+              <a:gd name="adj2" fmla="val 13215760"/>
+            </a:avLst>
+          </a:prstGeom>
+          <a:ln w="38100">
+            <a:solidFill>
+              <a:schemeClr val="tx1"/>
+            </a:solidFill>
+          </a:ln>
+        </p:spPr>
+        <p:style>
+          <a:lnRef idx="2">
+            <a:schemeClr val="accent1"/>
+          </a:lnRef>
+          <a:fillRef idx="0">
+            <a:schemeClr val="accent1"/>
+          </a:fillRef>
+          <a:effectRef idx="1">
+            <a:schemeClr val="accent1"/>
+          </a:effectRef>
+          <a:fontRef idx="minor">
+            <a:schemeClr val="tx1"/>
+          </a:fontRef>
+        </p:style>
+        <p:txBody>
+          <a:bodyPr rtlCol="0" anchor="ctr"/>
+          <a:lstStyle/>
+          <a:p>
+            <a:pPr algn="ctr"/>
+            <a:endParaRPr lang="en-ES"/>
+          </a:p>
+        </p:txBody>
+      </p:sp>
+      <p:sp>
+        <p:nvSpPr>
+          <p:cNvPr id="2" name="Title 1">
+            <a:extLst>
+              <a:ext uri="{FF2B5EF4-FFF2-40B4-BE49-F238E27FC236}">
+                <a16:creationId xmlns:a16="http://schemas.microsoft.com/office/drawing/2014/main" id="{DF347802-9280-DEBB-5D4F-6FE0C77A1DA6}"/>
+              </a:ext>
+            </a:extLst>
+          </p:cNvPr>
+          <p:cNvSpPr>
+            <a:spLocks noGrp="1"/>
+          </p:cNvSpPr>
+          <p:nvPr>
+            <p:ph type="title"/>
+          </p:nvPr>
+        </p:nvSpPr>
+        <p:spPr/>
+        <p:txBody>
+          <a:bodyPr/>
+          <a:lstStyle/>
+          <a:p>
+            <a:r>
+              <a:rPr lang="en-ES" dirty="0"/>
+              <a:t>B2.S3.2</a:t>
+            </a:r>
+          </a:p>
+        </p:txBody>
+      </p:sp>
+    </p:spTree>
+    <p:extLst>
+      <p:ext uri="{BB962C8B-B14F-4D97-AF65-F5344CB8AC3E}">
+        <p14:creationId xmlns:p14="http://schemas.microsoft.com/office/powerpoint/2010/main" val="428675493"/>
+      </p:ext>
+    </p:extLst>
+  </p:cSld>
+  <p:clrMapOvr>
+    <a:masterClrMapping/>
+  </p:clrMapOvr>
+</p:sld>
+</file>
+
+<file path=ppt/slides/slide8.xml><?xml version="1.0" encoding="utf-8"?>
+<p:sld xmlns:a="http://schemas.openxmlformats.org/drawingml/2006/main" xmlns:r="http://schemas.openxmlformats.org/officeDocument/2006/relationships" xmlns:p="http://schemas.openxmlformats.org/presentationml/2006/main">
+  <p:cSld>
+    <p:spTree>
+      <p:nvGrpSpPr>
+        <p:cNvPr id="1" name="">
+          <a:extLst>
+            <a:ext uri="{FF2B5EF4-FFF2-40B4-BE49-F238E27FC236}">
+              <a16:creationId xmlns:a16="http://schemas.microsoft.com/office/drawing/2014/main" id="{C87D9CA7-F0BA-1AF5-9EB6-863A4BA2F16A}"/>
+            </a:ext>
+          </a:extLst>
+        </p:cNvPr>
+        <p:cNvGrpSpPr/>
+        <p:nvPr/>
+      </p:nvGrpSpPr>
+      <p:grpSpPr>
+        <a:xfrm>
+          <a:off x="0" y="0"/>
+          <a:ext cx="0" cy="0"/>
+          <a:chOff x="0" y="0"/>
+          <a:chExt cx="0" cy="0"/>
+        </a:xfrm>
+      </p:grpSpPr>
+      <p:cxnSp>
+        <p:nvCxnSpPr>
+          <p:cNvPr id="5" name="Straight Arrow Connector 4">
+            <a:extLst>
+              <a:ext uri="{FF2B5EF4-FFF2-40B4-BE49-F238E27FC236}">
+                <a16:creationId xmlns:a16="http://schemas.microsoft.com/office/drawing/2014/main" id="{1656816A-9B9F-2599-1851-DF59CD743B00}"/>
+              </a:ext>
+            </a:extLst>
+          </p:cNvPr>
+          <p:cNvCxnSpPr/>
+          <p:nvPr/>
+        </p:nvCxnSpPr>
+        <p:spPr>
+          <a:xfrm>
+            <a:off x="1728788" y="3371850"/>
+            <a:ext cx="8186737" cy="0"/>
+          </a:xfrm>
+          <a:prstGeom prst="straightConnector1">
+            <a:avLst/>
+          </a:prstGeom>
+          <a:ln w="38100">
+            <a:tailEnd type="triangle"/>
+          </a:ln>
+        </p:spPr>
+        <p:style>
+          <a:lnRef idx="2">
+            <a:schemeClr val="accent1"/>
+          </a:lnRef>
+          <a:fillRef idx="0">
+            <a:schemeClr val="accent1"/>
+          </a:fillRef>
+          <a:effectRef idx="1">
+            <a:schemeClr val="accent1"/>
+          </a:effectRef>
+          <a:fontRef idx="minor">
+            <a:schemeClr val="tx1"/>
+          </a:fontRef>
+        </p:style>
+      </p:cxnSp>
+      <p:sp>
+        <p:nvSpPr>
+          <p:cNvPr id="6" name="Oval 5">
+            <a:extLst>
+              <a:ext uri="{FF2B5EF4-FFF2-40B4-BE49-F238E27FC236}">
+                <a16:creationId xmlns:a16="http://schemas.microsoft.com/office/drawing/2014/main" id="{B1749D66-0763-87A7-7A05-4C6998EAE0CB}"/>
+              </a:ext>
+            </a:extLst>
+          </p:cNvPr>
+          <p:cNvSpPr/>
+          <p:nvPr/>
+        </p:nvSpPr>
+        <p:spPr>
+          <a:xfrm>
+            <a:off x="3598223" y="3277590"/>
+            <a:ext cx="166255" cy="178129"/>
+          </a:xfrm>
+          <a:prstGeom prst="ellipse">
+            <a:avLst/>
+          </a:prstGeom>
+        </p:spPr>
+        <p:style>
+          <a:lnRef idx="2">
+            <a:schemeClr val="accent1">
+              <a:shade val="15000"/>
+            </a:schemeClr>
+          </a:lnRef>
+          <a:fillRef idx="1">
+            <a:schemeClr val="accent1"/>
+          </a:fillRef>
+          <a:effectRef idx="0">
+            <a:schemeClr val="accent1"/>
+          </a:effectRef>
+          <a:fontRef idx="minor">
+            <a:schemeClr val="lt1"/>
+          </a:fontRef>
+        </p:style>
+        <p:txBody>
+          <a:bodyPr rtlCol="0" anchor="ctr"/>
+          <a:lstStyle/>
+          <a:p>
+            <a:pPr algn="ctr"/>
+            <a:endParaRPr lang="en-ES"/>
+          </a:p>
+        </p:txBody>
+      </p:sp>
+      <p:sp>
+        <p:nvSpPr>
+          <p:cNvPr id="7" name="TextBox 6">
+            <a:extLst>
+              <a:ext uri="{FF2B5EF4-FFF2-40B4-BE49-F238E27FC236}">
+                <a16:creationId xmlns:a16="http://schemas.microsoft.com/office/drawing/2014/main" id="{56B7917C-524A-84BA-2A39-66433BCFB7B9}"/>
+              </a:ext>
+            </a:extLst>
+          </p:cNvPr>
+          <p:cNvSpPr txBox="1"/>
+          <p:nvPr/>
+        </p:nvSpPr>
+        <p:spPr>
+          <a:xfrm>
+            <a:off x="3313216" y="2766954"/>
+            <a:ext cx="404278" cy="584775"/>
+          </a:xfrm>
+          <a:prstGeom prst="rect">
+            <a:avLst/>
+          </a:prstGeom>
+          <a:noFill/>
+        </p:spPr>
+        <p:txBody>
+          <a:bodyPr wrap="none" rtlCol="0">
+            <a:spAutoFit/>
+          </a:bodyPr>
+          <a:lstStyle/>
+          <a:p>
+            <a:r>
+              <a:rPr lang="en-ES" sz="3200" dirty="0"/>
+              <a:t>0</a:t>
+            </a:r>
+            <a:endParaRPr lang="en-ES" dirty="0"/>
+          </a:p>
+        </p:txBody>
+      </p:sp>
+      <p:sp>
+        <p:nvSpPr>
+          <p:cNvPr id="8" name="Oval 7">
+            <a:extLst>
+              <a:ext uri="{FF2B5EF4-FFF2-40B4-BE49-F238E27FC236}">
+                <a16:creationId xmlns:a16="http://schemas.microsoft.com/office/drawing/2014/main" id="{88B51CAD-D0DD-B8EB-7098-1332EAA3A80B}"/>
+              </a:ext>
+            </a:extLst>
+          </p:cNvPr>
+          <p:cNvSpPr/>
+          <p:nvPr/>
+        </p:nvSpPr>
+        <p:spPr>
+          <a:xfrm>
+            <a:off x="2303811" y="2006930"/>
+            <a:ext cx="2743200" cy="2743200"/>
+          </a:xfrm>
+          <a:prstGeom prst="ellipse">
+            <a:avLst/>
+          </a:prstGeom>
+          <a:noFill/>
+          <a:ln w="38100" cap="flat" cmpd="sng" algn="ctr">
+            <a:solidFill>
+              <a:srgbClr val="FF0000"/>
+            </a:solidFill>
+            <a:prstDash val="dash"/>
+            <a:round/>
+            <a:headEnd type="none" w="med" len="med"/>
+            <a:tailEnd type="none" w="med" len="med"/>
+          </a:ln>
+        </p:spPr>
+        <p:style>
+          <a:lnRef idx="0">
+            <a:scrgbClr r="0" g="0" b="0"/>
+          </a:lnRef>
+          <a:fillRef idx="0">
+            <a:scrgbClr r="0" g="0" b="0"/>
+          </a:fillRef>
+          <a:effectRef idx="0">
+            <a:scrgbClr r="0" g="0" b="0"/>
+          </a:effectRef>
+          <a:fontRef idx="minor">
+            <a:schemeClr val="dk1"/>
+          </a:fontRef>
+        </p:style>
+        <p:txBody>
+          <a:bodyPr rtlCol="0" anchor="ctr"/>
+          <a:lstStyle/>
+          <a:p>
+            <a:pPr algn="ctr"/>
+            <a:endParaRPr lang="en-ES"/>
+          </a:p>
+        </p:txBody>
+      </p:sp>
+      <p:sp>
+        <p:nvSpPr>
+          <p:cNvPr id="9" name="Oval 8">
+            <a:extLst>
+              <a:ext uri="{FF2B5EF4-FFF2-40B4-BE49-F238E27FC236}">
+                <a16:creationId xmlns:a16="http://schemas.microsoft.com/office/drawing/2014/main" id="{2CCDB5C8-FBD8-CBC3-0303-D2E410F2DE8D}"/>
+              </a:ext>
+            </a:extLst>
+          </p:cNvPr>
+          <p:cNvSpPr/>
+          <p:nvPr/>
+        </p:nvSpPr>
+        <p:spPr>
+          <a:xfrm>
+            <a:off x="8393875" y="3275611"/>
+            <a:ext cx="166255" cy="178129"/>
+          </a:xfrm>
+          <a:prstGeom prst="ellipse">
+            <a:avLst/>
+          </a:prstGeom>
+        </p:spPr>
+        <p:style>
+          <a:lnRef idx="2">
+            <a:schemeClr val="accent1">
+              <a:shade val="15000"/>
+            </a:schemeClr>
+          </a:lnRef>
+          <a:fillRef idx="1">
+            <a:schemeClr val="accent1"/>
+          </a:fillRef>
+          <a:effectRef idx="0">
+            <a:schemeClr val="accent1"/>
+          </a:effectRef>
+          <a:fontRef idx="minor">
+            <a:schemeClr val="lt1"/>
+          </a:fontRef>
+        </p:style>
+        <p:txBody>
+          <a:bodyPr rtlCol="0" anchor="ctr"/>
+          <a:lstStyle/>
+          <a:p>
+            <a:pPr algn="ctr"/>
+            <a:endParaRPr lang="en-ES"/>
+          </a:p>
+        </p:txBody>
+      </p:sp>
+      <p:sp>
+        <p:nvSpPr>
+          <p:cNvPr id="10" name="TextBox 9">
+            <a:extLst>
+              <a:ext uri="{FF2B5EF4-FFF2-40B4-BE49-F238E27FC236}">
+                <a16:creationId xmlns:a16="http://schemas.microsoft.com/office/drawing/2014/main" id="{AE96C1FE-4CEB-2361-5200-C4032B79470A}"/>
+              </a:ext>
+            </a:extLst>
+          </p:cNvPr>
+          <p:cNvSpPr txBox="1"/>
+          <p:nvPr/>
+        </p:nvSpPr>
+        <p:spPr>
+          <a:xfrm>
+            <a:off x="8455233" y="2731320"/>
+            <a:ext cx="415498" cy="584775"/>
+          </a:xfrm>
+          <a:prstGeom prst="rect">
+            <a:avLst/>
+          </a:prstGeom>
+          <a:noFill/>
+        </p:spPr>
+        <p:txBody>
+          <a:bodyPr wrap="none" rtlCol="0">
+            <a:spAutoFit/>
+          </a:bodyPr>
+          <a:lstStyle/>
+          <a:p>
+            <a:r>
+              <a:rPr lang="en-ES" sz="3200" dirty="0"/>
+              <a:t>q</a:t>
+            </a:r>
+            <a:endParaRPr lang="en-ES" dirty="0"/>
+          </a:p>
+        </p:txBody>
+      </p:sp>
+      <p:sp>
+        <p:nvSpPr>
+          <p:cNvPr id="11" name="Oval 10">
+            <a:extLst>
+              <a:ext uri="{FF2B5EF4-FFF2-40B4-BE49-F238E27FC236}">
+                <a16:creationId xmlns:a16="http://schemas.microsoft.com/office/drawing/2014/main" id="{9E9F1C1C-44CA-995F-1505-E2A8EC493E21}"/>
+              </a:ext>
+            </a:extLst>
+          </p:cNvPr>
+          <p:cNvSpPr/>
+          <p:nvPr/>
+        </p:nvSpPr>
+        <p:spPr>
+          <a:xfrm>
+            <a:off x="4342410" y="3273631"/>
+            <a:ext cx="166255" cy="178129"/>
+          </a:xfrm>
+          <a:prstGeom prst="ellipse">
+            <a:avLst/>
+          </a:prstGeom>
+        </p:spPr>
+        <p:style>
+          <a:lnRef idx="2">
+            <a:schemeClr val="accent1">
+              <a:shade val="15000"/>
+            </a:schemeClr>
+          </a:lnRef>
+          <a:fillRef idx="1">
+            <a:schemeClr val="accent1"/>
+          </a:fillRef>
+          <a:effectRef idx="0">
+            <a:schemeClr val="accent1"/>
+          </a:effectRef>
+          <a:fontRef idx="minor">
+            <a:schemeClr val="lt1"/>
+          </a:fontRef>
+        </p:style>
+        <p:txBody>
+          <a:bodyPr rtlCol="0" anchor="ctr"/>
+          <a:lstStyle/>
+          <a:p>
+            <a:pPr algn="ctr"/>
+            <a:endParaRPr lang="en-ES"/>
+          </a:p>
+        </p:txBody>
+      </p:sp>
+      <p:sp>
+        <p:nvSpPr>
+          <p:cNvPr id="12" name="TextBox 11">
+            <a:extLst>
+              <a:ext uri="{FF2B5EF4-FFF2-40B4-BE49-F238E27FC236}">
+                <a16:creationId xmlns:a16="http://schemas.microsoft.com/office/drawing/2014/main" id="{022B93F8-D77E-765A-358C-F49B163DD173}"/>
+              </a:ext>
+            </a:extLst>
+          </p:cNvPr>
+          <p:cNvSpPr txBox="1"/>
+          <p:nvPr/>
+        </p:nvSpPr>
+        <p:spPr>
+          <a:xfrm>
+            <a:off x="4391893" y="2729340"/>
+            <a:ext cx="502061" cy="584775"/>
+          </a:xfrm>
+          <a:prstGeom prst="rect">
+            <a:avLst/>
+          </a:prstGeom>
+          <a:noFill/>
+        </p:spPr>
+        <p:txBody>
+          <a:bodyPr wrap="none" rtlCol="0">
+            <a:spAutoFit/>
+          </a:bodyPr>
+          <a:lstStyle/>
+          <a:p>
+            <a:r>
+              <a:rPr lang="en-GB" sz="3200" dirty="0"/>
+              <a:t>q</a:t>
+            </a:r>
+            <a:r>
+              <a:rPr lang="en-ES" sz="3200" dirty="0"/>
+              <a:t>'</a:t>
+            </a:r>
+            <a:endParaRPr lang="en-ES" dirty="0"/>
+          </a:p>
+        </p:txBody>
+      </p:sp>
+      <p:sp>
+        <p:nvSpPr>
+          <p:cNvPr id="13" name="Left Bracket 12">
+            <a:extLst>
+              <a:ext uri="{FF2B5EF4-FFF2-40B4-BE49-F238E27FC236}">
+                <a16:creationId xmlns:a16="http://schemas.microsoft.com/office/drawing/2014/main" id="{DF07E9FE-A568-EE40-F92A-81BAD823B452}"/>
+              </a:ext>
+            </a:extLst>
+          </p:cNvPr>
+          <p:cNvSpPr/>
+          <p:nvPr/>
+        </p:nvSpPr>
+        <p:spPr>
+          <a:xfrm rot="16200000">
+            <a:off x="6026728" y="2998519"/>
+            <a:ext cx="166255" cy="4809509"/>
+          </a:xfrm>
+          <a:prstGeom prst="leftBracket">
+            <a:avLst/>
+          </a:prstGeom>
+          <a:ln w="38100"/>
+        </p:spPr>
+        <p:style>
+          <a:lnRef idx="2">
+            <a:schemeClr val="accent1"/>
+          </a:lnRef>
+          <a:fillRef idx="0">
+            <a:schemeClr val="accent1"/>
+          </a:fillRef>
+          <a:effectRef idx="1">
+            <a:schemeClr val="accent1"/>
+          </a:effectRef>
+          <a:fontRef idx="minor">
+            <a:schemeClr val="tx1"/>
+          </a:fontRef>
+        </p:style>
+        <p:txBody>
+          <a:bodyPr rtlCol="0" anchor="ctr"/>
+          <a:lstStyle/>
+          <a:p>
+            <a:pPr algn="ctr"/>
+            <a:endParaRPr lang="en-ES" dirty="0"/>
+          </a:p>
+        </p:txBody>
+      </p:sp>
+      <p:sp>
+        <p:nvSpPr>
+          <p:cNvPr id="14" name="Left Bracket 13">
+            <a:extLst>
+              <a:ext uri="{FF2B5EF4-FFF2-40B4-BE49-F238E27FC236}">
+                <a16:creationId xmlns:a16="http://schemas.microsoft.com/office/drawing/2014/main" id="{880DAB91-9F5E-B2BA-C55B-422F924F6943}"/>
+              </a:ext>
+            </a:extLst>
+          </p:cNvPr>
+          <p:cNvSpPr/>
+          <p:nvPr/>
+        </p:nvSpPr>
+        <p:spPr>
+          <a:xfrm rot="16200000">
+            <a:off x="4273138" y="4213760"/>
+            <a:ext cx="168235" cy="1332018"/>
+          </a:xfrm>
+          <a:prstGeom prst="leftBracket">
+            <a:avLst/>
+          </a:prstGeom>
+          <a:ln w="38100"/>
+        </p:spPr>
+        <p:style>
+          <a:lnRef idx="2">
+            <a:schemeClr val="accent1"/>
+          </a:lnRef>
+          <a:fillRef idx="0">
+            <a:schemeClr val="accent1"/>
+          </a:fillRef>
+          <a:effectRef idx="1">
+            <a:schemeClr val="accent1"/>
+          </a:effectRef>
+          <a:fontRef idx="minor">
+            <a:schemeClr val="tx1"/>
+          </a:fontRef>
+        </p:style>
+        <p:txBody>
+          <a:bodyPr rtlCol="0" anchor="ctr"/>
+          <a:lstStyle/>
+          <a:p>
+            <a:pPr algn="ctr"/>
+            <a:endParaRPr lang="en-ES" dirty="0"/>
+          </a:p>
+        </p:txBody>
+      </p:sp>
+      <p:sp>
+        <p:nvSpPr>
+          <p:cNvPr id="15" name="Left Bracket 14">
+            <a:extLst>
+              <a:ext uri="{FF2B5EF4-FFF2-40B4-BE49-F238E27FC236}">
+                <a16:creationId xmlns:a16="http://schemas.microsoft.com/office/drawing/2014/main" id="{B2A2C19F-5B5F-3473-72CB-A70CA808D63A}"/>
+              </a:ext>
+            </a:extLst>
+          </p:cNvPr>
+          <p:cNvSpPr/>
+          <p:nvPr/>
+        </p:nvSpPr>
+        <p:spPr>
+          <a:xfrm rot="16200000">
+            <a:off x="3980215" y="3422070"/>
+            <a:ext cx="191984" cy="797627"/>
+          </a:xfrm>
+          <a:prstGeom prst="leftBracket">
+            <a:avLst/>
+          </a:prstGeom>
+          <a:ln w="38100"/>
+        </p:spPr>
+        <p:style>
+          <a:lnRef idx="2">
+            <a:schemeClr val="accent1"/>
+          </a:lnRef>
+          <a:fillRef idx="0">
+            <a:schemeClr val="accent1"/>
+          </a:fillRef>
+          <a:effectRef idx="1">
+            <a:schemeClr val="accent1"/>
+          </a:effectRef>
+          <a:fontRef idx="minor">
+            <a:schemeClr val="tx1"/>
+          </a:fontRef>
+        </p:style>
+        <p:txBody>
+          <a:bodyPr rtlCol="0" anchor="ctr"/>
+          <a:lstStyle/>
+          <a:p>
+            <a:pPr algn="ctr"/>
+            <a:endParaRPr lang="en-ES" dirty="0"/>
+          </a:p>
+        </p:txBody>
+      </p:sp>
+      <p:sp>
+        <p:nvSpPr>
+          <p:cNvPr id="16" name="TextBox 15">
+            <a:extLst>
+              <a:ext uri="{FF2B5EF4-FFF2-40B4-BE49-F238E27FC236}">
+                <a16:creationId xmlns:a16="http://schemas.microsoft.com/office/drawing/2014/main" id="{84267E76-C9CC-9853-69FB-9D5214B80566}"/>
+              </a:ext>
+            </a:extLst>
+          </p:cNvPr>
+          <p:cNvSpPr txBox="1"/>
+          <p:nvPr/>
+        </p:nvSpPr>
+        <p:spPr>
+          <a:xfrm>
+            <a:off x="5864433" y="5413165"/>
+            <a:ext cx="415498" cy="584775"/>
+          </a:xfrm>
+          <a:prstGeom prst="rect">
+            <a:avLst/>
+          </a:prstGeom>
+          <a:noFill/>
+        </p:spPr>
+        <p:txBody>
+          <a:bodyPr wrap="none" rtlCol="0">
+            <a:spAutoFit/>
+          </a:bodyPr>
+          <a:lstStyle/>
+          <a:p>
+            <a:r>
+              <a:rPr lang="en-ES" sz="3200" dirty="0"/>
+              <a:t>d</a:t>
+            </a:r>
+            <a:endParaRPr lang="en-ES" dirty="0"/>
+          </a:p>
+        </p:txBody>
+      </p:sp>
+      <p:sp>
+        <p:nvSpPr>
+          <p:cNvPr id="17" name="TextBox 16">
+            <a:extLst>
+              <a:ext uri="{FF2B5EF4-FFF2-40B4-BE49-F238E27FC236}">
+                <a16:creationId xmlns:a16="http://schemas.microsoft.com/office/drawing/2014/main" id="{5B419FE3-E773-BFA9-C535-DEB1F8A4A0C4}"/>
+              </a:ext>
+            </a:extLst>
+          </p:cNvPr>
+          <p:cNvSpPr txBox="1"/>
+          <p:nvPr/>
+        </p:nvSpPr>
+        <p:spPr>
+          <a:xfrm>
+            <a:off x="3831773" y="3831768"/>
+            <a:ext cx="502061" cy="584775"/>
+          </a:xfrm>
+          <a:prstGeom prst="rect">
+            <a:avLst/>
+          </a:prstGeom>
+          <a:noFill/>
+        </p:spPr>
+        <p:txBody>
+          <a:bodyPr wrap="none" rtlCol="0">
+            <a:spAutoFit/>
+          </a:bodyPr>
+          <a:lstStyle/>
+          <a:p>
+            <a:r>
+              <a:rPr lang="en-ES" sz="3200" dirty="0"/>
+              <a:t>d'</a:t>
+            </a:r>
+          </a:p>
+        </p:txBody>
+      </p:sp>
+      <p:sp>
+        <p:nvSpPr>
+          <p:cNvPr id="18" name="TextBox 17">
+            <a:extLst>
+              <a:ext uri="{FF2B5EF4-FFF2-40B4-BE49-F238E27FC236}">
+                <a16:creationId xmlns:a16="http://schemas.microsoft.com/office/drawing/2014/main" id="{521201C8-FD99-9146-43B1-0B8DA910BCB3}"/>
+              </a:ext>
+            </a:extLst>
+          </p:cNvPr>
+          <p:cNvSpPr txBox="1"/>
+          <p:nvPr/>
+        </p:nvSpPr>
+        <p:spPr>
+          <a:xfrm>
+            <a:off x="4176158" y="4805544"/>
+            <a:ext cx="402674" cy="584775"/>
+          </a:xfrm>
+          <a:prstGeom prst="rect">
+            <a:avLst/>
+          </a:prstGeom>
+          <a:noFill/>
+        </p:spPr>
+        <p:txBody>
+          <a:bodyPr wrap="none" rtlCol="0">
+            <a:spAutoFit/>
+          </a:bodyPr>
+          <a:lstStyle/>
+          <a:p>
+            <a:r>
+              <a:rPr lang="en-ES" sz="3200" dirty="0"/>
+              <a:t>a</a:t>
+            </a:r>
+            <a:endParaRPr lang="en-ES" dirty="0"/>
+          </a:p>
+        </p:txBody>
+      </p:sp>
+      <p:grpSp>
+        <p:nvGrpSpPr>
+          <p:cNvPr id="25" name="Group 24">
+            <a:extLst>
+              <a:ext uri="{FF2B5EF4-FFF2-40B4-BE49-F238E27FC236}">
+                <a16:creationId xmlns:a16="http://schemas.microsoft.com/office/drawing/2014/main" id="{D08B19FC-5B6A-9EC5-5B81-E29E4AC4554C}"/>
+              </a:ext>
+            </a:extLst>
+          </p:cNvPr>
+          <p:cNvGrpSpPr/>
+          <p:nvPr/>
+        </p:nvGrpSpPr>
+        <p:grpSpPr>
+          <a:xfrm>
+            <a:off x="2396837" y="5011387"/>
+            <a:ext cx="476989" cy="164275"/>
+            <a:chOff x="2325585" y="5248894"/>
+            <a:chExt cx="476989" cy="164275"/>
+          </a:xfrm>
+        </p:grpSpPr>
+        <p:cxnSp>
+          <p:nvCxnSpPr>
+            <p:cNvPr id="20" name="Straight Connector 19">
+              <a:extLst>
+                <a:ext uri="{FF2B5EF4-FFF2-40B4-BE49-F238E27FC236}">
+                  <a16:creationId xmlns:a16="http://schemas.microsoft.com/office/drawing/2014/main" id="{36BE8F27-CC15-F70E-0644-8FD7DB93D06F}"/>
+                </a:ext>
+              </a:extLst>
+            </p:cNvPr>
+            <p:cNvCxnSpPr/>
+            <p:nvPr/>
+          </p:nvCxnSpPr>
+          <p:spPr>
+            <a:xfrm>
+              <a:off x="2327561" y="5248894"/>
+              <a:ext cx="475013" cy="0"/>
+            </a:xfrm>
+            <a:prstGeom prst="line">
+              <a:avLst/>
+            </a:prstGeom>
+            <a:ln w="38100">
+              <a:solidFill>
+                <a:srgbClr val="FF0000"/>
+              </a:solidFill>
+            </a:ln>
+          </p:spPr>
+          <p:style>
+            <a:lnRef idx="2">
+              <a:schemeClr val="accent1"/>
+            </a:lnRef>
+            <a:fillRef idx="0">
+              <a:schemeClr val="accent1"/>
+            </a:fillRef>
+            <a:effectRef idx="1">
+              <a:schemeClr val="accent1"/>
+            </a:effectRef>
+            <a:fontRef idx="minor">
+              <a:schemeClr val="tx1"/>
+            </a:fontRef>
+          </p:style>
+        </p:cxnSp>
+        <p:cxnSp>
+          <p:nvCxnSpPr>
+            <p:cNvPr id="21" name="Straight Connector 20">
+              <a:extLst>
+                <a:ext uri="{FF2B5EF4-FFF2-40B4-BE49-F238E27FC236}">
+                  <a16:creationId xmlns:a16="http://schemas.microsoft.com/office/drawing/2014/main" id="{21A0C07E-2A1D-6720-7AE8-BC6A5AB39FC8}"/>
+                </a:ext>
+              </a:extLst>
+            </p:cNvPr>
+            <p:cNvCxnSpPr>
+              <a:cxnSpLocks/>
+            </p:cNvCxnSpPr>
+            <p:nvPr/>
+          </p:nvCxnSpPr>
+          <p:spPr>
+            <a:xfrm flipV="1">
+              <a:off x="2325585" y="5248894"/>
+              <a:ext cx="120732" cy="164275"/>
+            </a:xfrm>
+            <a:prstGeom prst="line">
+              <a:avLst/>
+            </a:prstGeom>
+            <a:ln w="38100">
+              <a:solidFill>
+                <a:srgbClr val="FF0000"/>
+              </a:solidFill>
+            </a:ln>
+          </p:spPr>
+          <p:style>
+            <a:lnRef idx="2">
+              <a:schemeClr val="accent1"/>
+            </a:lnRef>
+            <a:fillRef idx="0">
+              <a:schemeClr val="accent1"/>
+            </a:fillRef>
+            <a:effectRef idx="1">
+              <a:schemeClr val="accent1"/>
+            </a:effectRef>
+            <a:fontRef idx="minor">
+              <a:schemeClr val="tx1"/>
+            </a:fontRef>
+          </p:style>
+        </p:cxnSp>
+        <p:cxnSp>
+          <p:nvCxnSpPr>
+            <p:cNvPr id="23" name="Straight Connector 22">
+              <a:extLst>
+                <a:ext uri="{FF2B5EF4-FFF2-40B4-BE49-F238E27FC236}">
+                  <a16:creationId xmlns:a16="http://schemas.microsoft.com/office/drawing/2014/main" id="{5F31C2B2-51B3-86EB-5759-31E12D76434F}"/>
+                </a:ext>
+              </a:extLst>
+            </p:cNvPr>
+            <p:cNvCxnSpPr>
+              <a:cxnSpLocks/>
+            </p:cNvCxnSpPr>
+            <p:nvPr/>
+          </p:nvCxnSpPr>
+          <p:spPr>
+            <a:xfrm flipV="1">
+              <a:off x="2477985" y="5248894"/>
+              <a:ext cx="120732" cy="164275"/>
+            </a:xfrm>
+            <a:prstGeom prst="line">
+              <a:avLst/>
+            </a:prstGeom>
+            <a:ln w="38100">
+              <a:solidFill>
+                <a:srgbClr val="FF0000"/>
+              </a:solidFill>
+            </a:ln>
+          </p:spPr>
+          <p:style>
+            <a:lnRef idx="2">
+              <a:schemeClr val="accent1"/>
+            </a:lnRef>
+            <a:fillRef idx="0">
+              <a:schemeClr val="accent1"/>
+            </a:fillRef>
+            <a:effectRef idx="1">
+              <a:schemeClr val="accent1"/>
+            </a:effectRef>
+            <a:fontRef idx="minor">
+              <a:schemeClr val="tx1"/>
+            </a:fontRef>
+          </p:style>
+        </p:cxnSp>
+        <p:cxnSp>
+          <p:nvCxnSpPr>
+            <p:cNvPr id="24" name="Straight Connector 23">
+              <a:extLst>
+                <a:ext uri="{FF2B5EF4-FFF2-40B4-BE49-F238E27FC236}">
+                  <a16:creationId xmlns:a16="http://schemas.microsoft.com/office/drawing/2014/main" id="{7B6D0B5E-50C3-A8E2-60E7-E99864BC7CC8}"/>
+                </a:ext>
+              </a:extLst>
+            </p:cNvPr>
+            <p:cNvCxnSpPr>
+              <a:cxnSpLocks/>
+            </p:cNvCxnSpPr>
+            <p:nvPr/>
+          </p:nvCxnSpPr>
+          <p:spPr>
+            <a:xfrm flipV="1">
+              <a:off x="2630385" y="5248894"/>
+              <a:ext cx="120732" cy="164275"/>
+            </a:xfrm>
+            <a:prstGeom prst="line">
+              <a:avLst/>
+            </a:prstGeom>
+            <a:ln w="38100">
+              <a:solidFill>
                 <a:srgbClr val="FF0000"/>
               </a:solidFill>
             </a:ln>
@@ -31983,7 +33129,7 @@
           <p:cNvPr id="26" name="Arc 25">
             <a:extLst>
               <a:ext uri="{FF2B5EF4-FFF2-40B4-BE49-F238E27FC236}">
-                <a16:creationId xmlns:a16="http://schemas.microsoft.com/office/drawing/2014/main" id="{0AC7F613-72D9-5702-FA27-26CC98802EC1}"/>
+                <a16:creationId xmlns:a16="http://schemas.microsoft.com/office/drawing/2014/main" id="{2F7D18A0-199C-E6F3-A035-C4A941C21EFA}"/>
               </a:ext>
             </a:extLst>
           </p:cNvPr>
@@ -32030,10 +33176,63 @@
           </a:p>
         </p:txBody>
       </p:sp>
+      <p:sp>
+        <p:nvSpPr>
+          <p:cNvPr id="2" name="Title 1">
+            <a:extLst>
+              <a:ext uri="{FF2B5EF4-FFF2-40B4-BE49-F238E27FC236}">
+                <a16:creationId xmlns:a16="http://schemas.microsoft.com/office/drawing/2014/main" id="{AE789401-54E5-C6E2-EB23-4426071E96B3}"/>
+              </a:ext>
+            </a:extLst>
+          </p:cNvPr>
+          <p:cNvSpPr txBox="1">
+            <a:spLocks/>
+          </p:cNvSpPr>
+          <p:nvPr/>
+        </p:nvSpPr>
+        <p:spPr>
+          <a:xfrm>
+            <a:off x="838200" y="365125"/>
+            <a:ext cx="10515600" cy="1325563"/>
+          </a:xfrm>
+          <a:prstGeom prst="rect">
+            <a:avLst/>
+          </a:prstGeom>
+        </p:spPr>
+        <p:txBody>
+          <a:bodyPr/>
+          <a:lstStyle>
+            <a:lvl1pPr algn="l" defTabSz="914400" rtl="0" eaLnBrk="1" latinLnBrk="0" hangingPunct="1">
+              <a:lnSpc>
+                <a:spcPct val="90000"/>
+              </a:lnSpc>
+              <a:spcBef>
+                <a:spcPct val="0"/>
+              </a:spcBef>
+              <a:buNone/>
+              <a:defRPr sz="4400" kern="1200">
+                <a:solidFill>
+                  <a:schemeClr val="tx1"/>
+                </a:solidFill>
+                <a:latin typeface="+mj-lt"/>
+                <a:ea typeface="+mj-ea"/>
+                <a:cs typeface="+mj-cs"/>
+              </a:defRPr>
+            </a:lvl1pPr>
+          </a:lstStyle>
+          <a:p>
+            <a:r>
+              <a:rPr lang="en-ES"/>
+              <a:t>B2.S3.2</a:t>
+            </a:r>
+            <a:endParaRPr lang="en-ES" dirty="0"/>
+          </a:p>
+        </p:txBody>
+      </p:sp>
     </p:spTree>
     <p:extLst>
       <p:ext uri="{BB962C8B-B14F-4D97-AF65-F5344CB8AC3E}">
-        <p14:creationId xmlns:p14="http://schemas.microsoft.com/office/powerpoint/2010/main" val="428675493"/>
+        <p14:creationId xmlns:p14="http://schemas.microsoft.com/office/powerpoint/2010/main" val="778027288"/>
       </p:ext>
     </p:extLst>
   </p:cSld>
@@ -32043,7 +33242,7 @@
 </p:sld>
 </file>
 
-<file path=ppt/slides/slide8.xml><?xml version="1.0" encoding="utf-8"?>
+<file path=ppt/slides/slide9.xml><?xml version="1.0" encoding="utf-8"?>
 <p:sld xmlns:a="http://schemas.openxmlformats.org/drawingml/2006/main" xmlns:r="http://schemas.openxmlformats.org/officeDocument/2006/relationships" xmlns:p="http://schemas.openxmlformats.org/presentationml/2006/main">
   <p:cSld>
     <p:spTree>
@@ -32166,7 +33365,7 @@
         <p:spPr>
           <a:xfrm>
             <a:off x="3313216" y="2766954"/>
-            <a:ext cx="486030" cy="584775"/>
+            <a:ext cx="630301" cy="584775"/>
           </a:xfrm>
           <a:prstGeom prst="rect">
             <a:avLst/>
@@ -32183,7 +33382,11 @@
               <a:rPr lang="en-ES" sz="3200" dirty="0"/>
               <a:t>Q</a:t>
             </a:r>
-            <a:endParaRPr lang="en-ES" dirty="0"/>
+            <a:r>
+              <a:rPr lang="en-ES" sz="3200" baseline="-25000" dirty="0"/>
+              <a:t>c</a:t>
+            </a:r>
+            <a:endParaRPr lang="en-ES" baseline="-25000" dirty="0"/>
           </a:p>
         </p:txBody>
       </p:sp>
@@ -32687,441 +33890,63 @@
           </a:p>
         </p:txBody>
       </p:sp>
+      <p:sp>
+        <p:nvSpPr>
+          <p:cNvPr id="3" name="Title 1">
+            <a:extLst>
+              <a:ext uri="{FF2B5EF4-FFF2-40B4-BE49-F238E27FC236}">
+                <a16:creationId xmlns:a16="http://schemas.microsoft.com/office/drawing/2014/main" id="{66F2875F-A8EC-019C-8AAE-F2FCAAF7F0F1}"/>
+              </a:ext>
+            </a:extLst>
+          </p:cNvPr>
+          <p:cNvSpPr txBox="1">
+            <a:spLocks/>
+          </p:cNvSpPr>
+          <p:nvPr/>
+        </p:nvSpPr>
+        <p:spPr>
+          <a:xfrm>
+            <a:off x="838200" y="365125"/>
+            <a:ext cx="10515600" cy="1325563"/>
+          </a:xfrm>
+          <a:prstGeom prst="rect">
+            <a:avLst/>
+          </a:prstGeom>
+        </p:spPr>
+        <p:txBody>
+          <a:bodyPr/>
+          <a:lstStyle>
+            <a:lvl1pPr algn="l" defTabSz="914400" rtl="0" eaLnBrk="1" latinLnBrk="0" hangingPunct="1">
+              <a:lnSpc>
+                <a:spcPct val="90000"/>
+              </a:lnSpc>
+              <a:spcBef>
+                <a:spcPct val="0"/>
+              </a:spcBef>
+              <a:buNone/>
+              <a:defRPr sz="4400" kern="1200">
+                <a:solidFill>
+                  <a:schemeClr val="tx1"/>
+                </a:solidFill>
+                <a:latin typeface="+mj-lt"/>
+                <a:ea typeface="+mj-ea"/>
+                <a:cs typeface="+mj-cs"/>
+              </a:defRPr>
+            </a:lvl1pPr>
+          </a:lstStyle>
+          <a:p>
+            <a:r>
+              <a:rPr lang="en-ES"/>
+              <a:t>B2.S3.2</a:t>
+            </a:r>
+            <a:endParaRPr lang="en-ES" dirty="0"/>
+          </a:p>
+        </p:txBody>
+      </p:sp>
     </p:spTree>
     <p:extLst>
       <p:ext uri="{BB962C8B-B14F-4D97-AF65-F5344CB8AC3E}">
         <p14:creationId xmlns:p14="http://schemas.microsoft.com/office/powerpoint/2010/main" val="2209225578"/>
-      </p:ext>
-    </p:extLst>
-  </p:cSld>
-  <p:clrMapOvr>
-    <a:masterClrMapping/>
-  </p:clrMapOvr>
-</p:sld>
-</file>
-
-<file path=ppt/slides/slide9.xml><?xml version="1.0" encoding="utf-8"?>
-<p:sld xmlns:a="http://schemas.openxmlformats.org/drawingml/2006/main" xmlns:r="http://schemas.openxmlformats.org/officeDocument/2006/relationships" xmlns:p="http://schemas.openxmlformats.org/presentationml/2006/main">
-  <p:cSld>
-    <p:spTree>
-      <p:nvGrpSpPr>
-        <p:cNvPr id="1" name=""/>
-        <p:cNvGrpSpPr/>
-        <p:nvPr/>
-      </p:nvGrpSpPr>
-      <p:grpSpPr>
-        <a:xfrm>
-          <a:off x="0" y="0"/>
-          <a:ext cx="0" cy="0"/>
-          <a:chOff x="0" y="0"/>
-          <a:chExt cx="0" cy="0"/>
-        </a:xfrm>
-      </p:grpSpPr>
-      <p:sp>
-        <p:nvSpPr>
-          <p:cNvPr id="2" name="Oval 1">
-            <a:extLst>
-              <a:ext uri="{FF2B5EF4-FFF2-40B4-BE49-F238E27FC236}">
-                <a16:creationId xmlns:a16="http://schemas.microsoft.com/office/drawing/2014/main" id="{C5C56796-F427-EE52-61B4-F6BBBEC511FE}"/>
-              </a:ext>
-            </a:extLst>
-          </p:cNvPr>
-          <p:cNvSpPr/>
-          <p:nvPr/>
-        </p:nvSpPr>
-        <p:spPr>
-          <a:xfrm>
-            <a:off x="7111345" y="3275611"/>
-            <a:ext cx="166255" cy="178129"/>
-          </a:xfrm>
-          <a:prstGeom prst="ellipse">
-            <a:avLst/>
-          </a:prstGeom>
-        </p:spPr>
-        <p:style>
-          <a:lnRef idx="2">
-            <a:schemeClr val="accent1">
-              <a:shade val="15000"/>
-            </a:schemeClr>
-          </a:lnRef>
-          <a:fillRef idx="1">
-            <a:schemeClr val="accent1"/>
-          </a:fillRef>
-          <a:effectRef idx="0">
-            <a:schemeClr val="accent1"/>
-          </a:effectRef>
-          <a:fontRef idx="minor">
-            <a:schemeClr val="lt1"/>
-          </a:fontRef>
-        </p:style>
-        <p:txBody>
-          <a:bodyPr rtlCol="0" anchor="ctr"/>
-          <a:lstStyle/>
-          <a:p>
-            <a:pPr algn="ctr"/>
-            <a:endParaRPr lang="en-ES"/>
-          </a:p>
-        </p:txBody>
-      </p:sp>
-      <p:sp>
-        <p:nvSpPr>
-          <p:cNvPr id="3" name="TextBox 2">
-            <a:extLst>
-              <a:ext uri="{FF2B5EF4-FFF2-40B4-BE49-F238E27FC236}">
-                <a16:creationId xmlns:a16="http://schemas.microsoft.com/office/drawing/2014/main" id="{3BA0DF6D-B6E1-9D37-1949-58A6E46A6C13}"/>
-              </a:ext>
-            </a:extLst>
-          </p:cNvPr>
-          <p:cNvSpPr txBox="1"/>
-          <p:nvPr/>
-        </p:nvSpPr>
-        <p:spPr>
-          <a:xfrm>
-            <a:off x="7172703" y="2731320"/>
-            <a:ext cx="415498" cy="584775"/>
-          </a:xfrm>
-          <a:prstGeom prst="rect">
-            <a:avLst/>
-          </a:prstGeom>
-          <a:noFill/>
-        </p:spPr>
-        <p:txBody>
-          <a:bodyPr wrap="none" rtlCol="0">
-            <a:spAutoFit/>
-          </a:bodyPr>
-          <a:lstStyle/>
-          <a:p>
-            <a:r>
-              <a:rPr lang="en-ES" sz="3200" dirty="0"/>
-              <a:t>q</a:t>
-            </a:r>
-            <a:endParaRPr lang="en-ES" dirty="0"/>
-          </a:p>
-        </p:txBody>
-      </p:sp>
-      <p:sp>
-        <p:nvSpPr>
-          <p:cNvPr id="4" name="Oval 3">
-            <a:extLst>
-              <a:ext uri="{FF2B5EF4-FFF2-40B4-BE49-F238E27FC236}">
-                <a16:creationId xmlns:a16="http://schemas.microsoft.com/office/drawing/2014/main" id="{ED8EFFB6-2049-F2EB-706B-18FF5BADA445}"/>
-              </a:ext>
-            </a:extLst>
-          </p:cNvPr>
-          <p:cNvSpPr/>
-          <p:nvPr/>
-        </p:nvSpPr>
-        <p:spPr>
-          <a:xfrm>
-            <a:off x="6313714" y="3273631"/>
-            <a:ext cx="166255" cy="178129"/>
-          </a:xfrm>
-          <a:prstGeom prst="ellipse">
-            <a:avLst/>
-          </a:prstGeom>
-        </p:spPr>
-        <p:style>
-          <a:lnRef idx="2">
-            <a:schemeClr val="accent1">
-              <a:shade val="15000"/>
-            </a:schemeClr>
-          </a:lnRef>
-          <a:fillRef idx="1">
-            <a:schemeClr val="accent1"/>
-          </a:fillRef>
-          <a:effectRef idx="0">
-            <a:schemeClr val="accent1"/>
-          </a:effectRef>
-          <a:fontRef idx="minor">
-            <a:schemeClr val="lt1"/>
-          </a:fontRef>
-        </p:style>
-        <p:txBody>
-          <a:bodyPr rtlCol="0" anchor="ctr"/>
-          <a:lstStyle/>
-          <a:p>
-            <a:pPr algn="ctr"/>
-            <a:endParaRPr lang="en-ES"/>
-          </a:p>
-        </p:txBody>
-      </p:sp>
-      <p:sp>
-        <p:nvSpPr>
-          <p:cNvPr id="5" name="TextBox 4">
-            <a:extLst>
-              <a:ext uri="{FF2B5EF4-FFF2-40B4-BE49-F238E27FC236}">
-                <a16:creationId xmlns:a16="http://schemas.microsoft.com/office/drawing/2014/main" id="{2AA7CB2E-0AE0-D989-6A5B-D082B38D7E4F}"/>
-              </a:ext>
-            </a:extLst>
-          </p:cNvPr>
-          <p:cNvSpPr txBox="1"/>
-          <p:nvPr/>
-        </p:nvSpPr>
-        <p:spPr>
-          <a:xfrm>
-            <a:off x="5793180" y="2729340"/>
-            <a:ext cx="554960" cy="584775"/>
-          </a:xfrm>
-          <a:prstGeom prst="rect">
-            <a:avLst/>
-          </a:prstGeom>
-          <a:noFill/>
-        </p:spPr>
-        <p:txBody>
-          <a:bodyPr wrap="none" rtlCol="0">
-            <a:spAutoFit/>
-          </a:bodyPr>
-          <a:lstStyle/>
-          <a:p>
-            <a:r>
-              <a:rPr lang="en-GB" sz="3200" dirty="0"/>
-              <a:t>-q</a:t>
-            </a:r>
-            <a:endParaRPr lang="en-ES" dirty="0"/>
-          </a:p>
-        </p:txBody>
-      </p:sp>
-      <p:sp>
-        <p:nvSpPr>
-          <p:cNvPr id="6" name="Left Bracket 5">
-            <a:extLst>
-              <a:ext uri="{FF2B5EF4-FFF2-40B4-BE49-F238E27FC236}">
-                <a16:creationId xmlns:a16="http://schemas.microsoft.com/office/drawing/2014/main" id="{8A50DEEA-92F3-2775-ADEA-D7E62912F2EB}"/>
-              </a:ext>
-            </a:extLst>
-          </p:cNvPr>
-          <p:cNvSpPr/>
-          <p:nvPr/>
-        </p:nvSpPr>
-        <p:spPr>
-          <a:xfrm rot="16200000">
-            <a:off x="6699661" y="3243945"/>
-            <a:ext cx="191984" cy="797627"/>
-          </a:xfrm>
-          <a:prstGeom prst="leftBracket">
-            <a:avLst/>
-          </a:prstGeom>
-          <a:ln w="38100"/>
-        </p:spPr>
-        <p:style>
-          <a:lnRef idx="2">
-            <a:schemeClr val="accent1"/>
-          </a:lnRef>
-          <a:fillRef idx="0">
-            <a:schemeClr val="accent1"/>
-          </a:fillRef>
-          <a:effectRef idx="1">
-            <a:schemeClr val="accent1"/>
-          </a:effectRef>
-          <a:fontRef idx="minor">
-            <a:schemeClr val="tx1"/>
-          </a:fontRef>
-        </p:style>
-        <p:txBody>
-          <a:bodyPr rtlCol="0" anchor="ctr"/>
-          <a:lstStyle/>
-          <a:p>
-            <a:pPr algn="ctr"/>
-            <a:endParaRPr lang="en-ES" dirty="0"/>
-          </a:p>
-        </p:txBody>
-      </p:sp>
-      <p:sp>
-        <p:nvSpPr>
-          <p:cNvPr id="7" name="TextBox 6">
-            <a:extLst>
-              <a:ext uri="{FF2B5EF4-FFF2-40B4-BE49-F238E27FC236}">
-                <a16:creationId xmlns:a16="http://schemas.microsoft.com/office/drawing/2014/main" id="{662999D2-BA3C-98A6-5A1D-4C6AFDFE0AD9}"/>
-              </a:ext>
-            </a:extLst>
-          </p:cNvPr>
-          <p:cNvSpPr txBox="1"/>
-          <p:nvPr/>
-        </p:nvSpPr>
-        <p:spPr>
-          <a:xfrm>
-            <a:off x="6551219" y="3653643"/>
-            <a:ext cx="426720" cy="584775"/>
-          </a:xfrm>
-          <a:prstGeom prst="rect">
-            <a:avLst/>
-          </a:prstGeom>
-          <a:noFill/>
-        </p:spPr>
-        <p:txBody>
-          <a:bodyPr wrap="none" rtlCol="0">
-            <a:spAutoFit/>
-          </a:bodyPr>
-          <a:lstStyle/>
-          <a:p>
-            <a:r>
-              <a:rPr lang="en-ES" sz="3200" dirty="0"/>
-              <a:t>Δ</a:t>
-            </a:r>
-          </a:p>
-        </p:txBody>
-      </p:sp>
-      <p:cxnSp>
-        <p:nvCxnSpPr>
-          <p:cNvPr id="8" name="Straight Arrow Connector 7">
-            <a:extLst>
-              <a:ext uri="{FF2B5EF4-FFF2-40B4-BE49-F238E27FC236}">
-                <a16:creationId xmlns:a16="http://schemas.microsoft.com/office/drawing/2014/main" id="{5E17C56C-AFF4-2736-6D42-B09AAF0DF81F}"/>
-              </a:ext>
-            </a:extLst>
-          </p:cNvPr>
-          <p:cNvCxnSpPr>
-            <a:cxnSpLocks/>
-          </p:cNvCxnSpPr>
-          <p:nvPr/>
-        </p:nvCxnSpPr>
-        <p:spPr>
-          <a:xfrm>
-            <a:off x="4667003" y="3371850"/>
-            <a:ext cx="997527" cy="0"/>
-          </a:xfrm>
-          <a:prstGeom prst="straightConnector1">
-            <a:avLst/>
-          </a:prstGeom>
-          <a:ln w="60325">
-            <a:solidFill>
-              <a:schemeClr val="tx1"/>
-            </a:solidFill>
-            <a:headEnd type="none" w="med" len="med"/>
-            <a:tailEnd type="arrow" w="med" len="med"/>
-          </a:ln>
-        </p:spPr>
-        <p:style>
-          <a:lnRef idx="2">
-            <a:schemeClr val="accent1"/>
-          </a:lnRef>
-          <a:fillRef idx="0">
-            <a:schemeClr val="accent1"/>
-          </a:fillRef>
-          <a:effectRef idx="1">
-            <a:schemeClr val="accent1"/>
-          </a:effectRef>
-          <a:fontRef idx="minor">
-            <a:schemeClr val="tx1"/>
-          </a:fontRef>
-        </p:style>
-      </p:cxnSp>
-      <p:cxnSp>
-        <p:nvCxnSpPr>
-          <p:cNvPr id="11" name="Straight Arrow Connector 10">
-            <a:extLst>
-              <a:ext uri="{FF2B5EF4-FFF2-40B4-BE49-F238E27FC236}">
-                <a16:creationId xmlns:a16="http://schemas.microsoft.com/office/drawing/2014/main" id="{B2FE33F4-F770-8FBF-1A11-0A5BE54847DF}"/>
-              </a:ext>
-            </a:extLst>
-          </p:cNvPr>
-          <p:cNvCxnSpPr>
-            <a:cxnSpLocks/>
-          </p:cNvCxnSpPr>
-          <p:nvPr/>
-        </p:nvCxnSpPr>
-        <p:spPr>
-          <a:xfrm>
-            <a:off x="3384468" y="3371850"/>
-            <a:ext cx="712519" cy="0"/>
-          </a:xfrm>
-          <a:prstGeom prst="straightConnector1">
-            <a:avLst/>
-          </a:prstGeom>
-          <a:ln w="38100">
-            <a:tailEnd type="triangle"/>
-          </a:ln>
-        </p:spPr>
-        <p:style>
-          <a:lnRef idx="2">
-            <a:schemeClr val="accent1"/>
-          </a:lnRef>
-          <a:fillRef idx="0">
-            <a:schemeClr val="accent1"/>
-          </a:fillRef>
-          <a:effectRef idx="1">
-            <a:schemeClr val="accent1"/>
-          </a:effectRef>
-          <a:fontRef idx="minor">
-            <a:schemeClr val="tx1"/>
-          </a:fontRef>
-        </p:style>
-      </p:cxnSp>
-      <p:sp>
-        <p:nvSpPr>
-          <p:cNvPr id="14" name="TextBox 13">
-            <a:extLst>
-              <a:ext uri="{FF2B5EF4-FFF2-40B4-BE49-F238E27FC236}">
-                <a16:creationId xmlns:a16="http://schemas.microsoft.com/office/drawing/2014/main" id="{3179048C-3800-89A7-7967-8078AEC13DBF}"/>
-              </a:ext>
-            </a:extLst>
-          </p:cNvPr>
-          <p:cNvSpPr txBox="1"/>
-          <p:nvPr/>
-        </p:nvSpPr>
-        <p:spPr>
-          <a:xfrm>
-            <a:off x="3477498" y="2705590"/>
-            <a:ext cx="415498" cy="584775"/>
-          </a:xfrm>
-          <a:prstGeom prst="rect">
-            <a:avLst/>
-          </a:prstGeom>
-          <a:noFill/>
-        </p:spPr>
-        <p:txBody>
-          <a:bodyPr wrap="none" rtlCol="0">
-            <a:spAutoFit/>
-          </a:bodyPr>
-          <a:lstStyle/>
-          <a:p>
-            <a:r>
-              <a:rPr lang="en-ES" sz="3200" dirty="0"/>
-              <a:t>p</a:t>
-            </a:r>
-            <a:endParaRPr lang="en-ES" dirty="0"/>
-          </a:p>
-        </p:txBody>
-      </p:sp>
-      <p:sp>
-        <p:nvSpPr>
-          <p:cNvPr id="15" name="TextBox 14">
-            <a:extLst>
-              <a:ext uri="{FF2B5EF4-FFF2-40B4-BE49-F238E27FC236}">
-                <a16:creationId xmlns:a16="http://schemas.microsoft.com/office/drawing/2014/main" id="{FEA8168F-9B89-A3E9-E063-DCB8ED3F5950}"/>
-              </a:ext>
-            </a:extLst>
-          </p:cNvPr>
-          <p:cNvSpPr txBox="1"/>
-          <p:nvPr/>
-        </p:nvSpPr>
-        <p:spPr>
-          <a:xfrm>
-            <a:off x="3443845" y="2612571"/>
-            <a:ext cx="492443" cy="461665"/>
-          </a:xfrm>
-          <a:prstGeom prst="rect">
-            <a:avLst/>
-          </a:prstGeom>
-          <a:noFill/>
-        </p:spPr>
-        <p:txBody>
-          <a:bodyPr wrap="none" rtlCol="0">
-            <a:spAutoFit/>
-          </a:bodyPr>
-          <a:lstStyle/>
-          <a:p>
-            <a:r>
-              <a:rPr lang="en-ES" sz="2400" dirty="0"/>
-              <a:t>➝</a:t>
-            </a:r>
-          </a:p>
-        </p:txBody>
-      </p:sp>
-    </p:spTree>
-    <p:extLst>
-      <p:ext uri="{BB962C8B-B14F-4D97-AF65-F5344CB8AC3E}">
-        <p14:creationId xmlns:p14="http://schemas.microsoft.com/office/powerpoint/2010/main" val="230410921"/>
       </p:ext>
     </p:extLst>
   </p:cSld>

--- a/images/Images.pptx
+++ b/images/Images.pptx
@@ -13,29 +13,32 @@
     <p:sldId id="285" r:id="rId7"/>
     <p:sldId id="256" r:id="rId8"/>
     <p:sldId id="286" r:id="rId9"/>
-    <p:sldId id="267" r:id="rId10"/>
-    <p:sldId id="258" r:id="rId11"/>
-    <p:sldId id="257" r:id="rId12"/>
-    <p:sldId id="259" r:id="rId13"/>
-    <p:sldId id="260" r:id="rId14"/>
-    <p:sldId id="262" r:id="rId15"/>
-    <p:sldId id="261" r:id="rId16"/>
-    <p:sldId id="263" r:id="rId17"/>
-    <p:sldId id="264" r:id="rId18"/>
-    <p:sldId id="265" r:id="rId19"/>
-    <p:sldId id="266" r:id="rId20"/>
-    <p:sldId id="268" r:id="rId21"/>
-    <p:sldId id="269" r:id="rId22"/>
-    <p:sldId id="270" r:id="rId23"/>
-    <p:sldId id="271" r:id="rId24"/>
-    <p:sldId id="272" r:id="rId25"/>
-    <p:sldId id="273" r:id="rId26"/>
-    <p:sldId id="274" r:id="rId27"/>
-    <p:sldId id="275" r:id="rId28"/>
-    <p:sldId id="276" r:id="rId29"/>
-    <p:sldId id="277" r:id="rId30"/>
-    <p:sldId id="278" r:id="rId31"/>
-    <p:sldId id="279" r:id="rId32"/>
+    <p:sldId id="288" r:id="rId10"/>
+    <p:sldId id="287" r:id="rId11"/>
+    <p:sldId id="258" r:id="rId12"/>
+    <p:sldId id="257" r:id="rId13"/>
+    <p:sldId id="289" r:id="rId14"/>
+    <p:sldId id="290" r:id="rId15"/>
+    <p:sldId id="259" r:id="rId16"/>
+    <p:sldId id="260" r:id="rId17"/>
+    <p:sldId id="262" r:id="rId18"/>
+    <p:sldId id="261" r:id="rId19"/>
+    <p:sldId id="263" r:id="rId20"/>
+    <p:sldId id="264" r:id="rId21"/>
+    <p:sldId id="265" r:id="rId22"/>
+    <p:sldId id="266" r:id="rId23"/>
+    <p:sldId id="268" r:id="rId24"/>
+    <p:sldId id="269" r:id="rId25"/>
+    <p:sldId id="270" r:id="rId26"/>
+    <p:sldId id="271" r:id="rId27"/>
+    <p:sldId id="272" r:id="rId28"/>
+    <p:sldId id="273" r:id="rId29"/>
+    <p:sldId id="274" r:id="rId30"/>
+    <p:sldId id="275" r:id="rId31"/>
+    <p:sldId id="276" r:id="rId32"/>
+    <p:sldId id="277" r:id="rId33"/>
+    <p:sldId id="278" r:id="rId34"/>
+    <p:sldId id="279" r:id="rId35"/>
   </p:sldIdLst>
   <p:sldSz cx="12192000" cy="6858000"/>
   <p:notesSz cx="6858000" cy="9144000"/>
@@ -291,7 +294,7 @@
           <a:p>
             <a:fld id="{BA48513D-C823-C342-87AA-C2EB607FA67A}" type="datetimeFigureOut">
               <a:rPr lang="en-ES" smtClean="0"/>
-              <a:t>5/10/25</a:t>
+              <a:t>6/10/25</a:t>
             </a:fld>
             <a:endParaRPr lang="en-ES"/>
           </a:p>
@@ -491,7 +494,7 @@
           <a:p>
             <a:fld id="{BA48513D-C823-C342-87AA-C2EB607FA67A}" type="datetimeFigureOut">
               <a:rPr lang="en-ES" smtClean="0"/>
-              <a:t>5/10/25</a:t>
+              <a:t>6/10/25</a:t>
             </a:fld>
             <a:endParaRPr lang="en-ES"/>
           </a:p>
@@ -701,7 +704,7 @@
           <a:p>
             <a:fld id="{BA48513D-C823-C342-87AA-C2EB607FA67A}" type="datetimeFigureOut">
               <a:rPr lang="en-ES" smtClean="0"/>
-              <a:t>5/10/25</a:t>
+              <a:t>6/10/25</a:t>
             </a:fld>
             <a:endParaRPr lang="en-ES"/>
           </a:p>
@@ -901,7 +904,7 @@
           <a:p>
             <a:fld id="{BA48513D-C823-C342-87AA-C2EB607FA67A}" type="datetimeFigureOut">
               <a:rPr lang="en-ES" smtClean="0"/>
-              <a:t>5/10/25</a:t>
+              <a:t>6/10/25</a:t>
             </a:fld>
             <a:endParaRPr lang="en-ES"/>
           </a:p>
@@ -1177,7 +1180,7 @@
           <a:p>
             <a:fld id="{BA48513D-C823-C342-87AA-C2EB607FA67A}" type="datetimeFigureOut">
               <a:rPr lang="en-ES" smtClean="0"/>
-              <a:t>5/10/25</a:t>
+              <a:t>6/10/25</a:t>
             </a:fld>
             <a:endParaRPr lang="en-ES"/>
           </a:p>
@@ -1445,7 +1448,7 @@
           <a:p>
             <a:fld id="{BA48513D-C823-C342-87AA-C2EB607FA67A}" type="datetimeFigureOut">
               <a:rPr lang="en-ES" smtClean="0"/>
-              <a:t>5/10/25</a:t>
+              <a:t>6/10/25</a:t>
             </a:fld>
             <a:endParaRPr lang="en-ES"/>
           </a:p>
@@ -1860,7 +1863,7 @@
           <a:p>
             <a:fld id="{BA48513D-C823-C342-87AA-C2EB607FA67A}" type="datetimeFigureOut">
               <a:rPr lang="en-ES" smtClean="0"/>
-              <a:t>5/10/25</a:t>
+              <a:t>6/10/25</a:t>
             </a:fld>
             <a:endParaRPr lang="en-ES"/>
           </a:p>
@@ -2002,7 +2005,7 @@
           <a:p>
             <a:fld id="{BA48513D-C823-C342-87AA-C2EB607FA67A}" type="datetimeFigureOut">
               <a:rPr lang="en-ES" smtClean="0"/>
-              <a:t>5/10/25</a:t>
+              <a:t>6/10/25</a:t>
             </a:fld>
             <a:endParaRPr lang="en-ES"/>
           </a:p>
@@ -2115,7 +2118,7 @@
           <a:p>
             <a:fld id="{BA48513D-C823-C342-87AA-C2EB607FA67A}" type="datetimeFigureOut">
               <a:rPr lang="en-ES" smtClean="0"/>
-              <a:t>5/10/25</a:t>
+              <a:t>6/10/25</a:t>
             </a:fld>
             <a:endParaRPr lang="en-ES"/>
           </a:p>
@@ -2428,7 +2431,7 @@
           <a:p>
             <a:fld id="{BA48513D-C823-C342-87AA-C2EB607FA67A}" type="datetimeFigureOut">
               <a:rPr lang="en-ES" smtClean="0"/>
-              <a:t>5/10/25</a:t>
+              <a:t>6/10/25</a:t>
             </a:fld>
             <a:endParaRPr lang="en-ES"/>
           </a:p>
@@ -2717,7 +2720,7 @@
           <a:p>
             <a:fld id="{BA48513D-C823-C342-87AA-C2EB607FA67A}" type="datetimeFigureOut">
               <a:rPr lang="en-ES" smtClean="0"/>
-              <a:t>5/10/25</a:t>
+              <a:t>6/10/25</a:t>
             </a:fld>
             <a:endParaRPr lang="en-ES"/>
           </a:p>
@@ -2960,7 +2963,7 @@
           <a:p>
             <a:fld id="{BA48513D-C823-C342-87AA-C2EB607FA67A}" type="datetimeFigureOut">
               <a:rPr lang="en-ES" smtClean="0"/>
-              <a:t>5/10/25</a:t>
+              <a:t>6/10/25</a:t>
             </a:fld>
             <a:endParaRPr lang="en-ES"/>
           </a:p>
@@ -4367,6 +4370,719 @@
   <p:cSld>
     <p:spTree>
       <p:nvGrpSpPr>
+        <p:cNvPr id="1" name="">
+          <a:extLst>
+            <a:ext uri="{FF2B5EF4-FFF2-40B4-BE49-F238E27FC236}">
+              <a16:creationId xmlns:a16="http://schemas.microsoft.com/office/drawing/2014/main" id="{EA5EABA7-4DEC-071B-9D0F-51AFA905EB27}"/>
+            </a:ext>
+          </a:extLst>
+        </p:cNvPr>
+        <p:cNvGrpSpPr/>
+        <p:nvPr/>
+      </p:nvGrpSpPr>
+      <p:grpSpPr>
+        <a:xfrm>
+          <a:off x="0" y="0"/>
+          <a:ext cx="0" cy="0"/>
+          <a:chOff x="0" y="0"/>
+          <a:chExt cx="0" cy="0"/>
+        </a:xfrm>
+      </p:grpSpPr>
+      <p:cxnSp>
+        <p:nvCxnSpPr>
+          <p:cNvPr id="5" name="Straight Arrow Connector 4">
+            <a:extLst>
+              <a:ext uri="{FF2B5EF4-FFF2-40B4-BE49-F238E27FC236}">
+                <a16:creationId xmlns:a16="http://schemas.microsoft.com/office/drawing/2014/main" id="{B30B63D3-DDB2-D905-A717-7BD0BF2192CF}"/>
+              </a:ext>
+            </a:extLst>
+          </p:cNvPr>
+          <p:cNvCxnSpPr/>
+          <p:nvPr/>
+        </p:nvCxnSpPr>
+        <p:spPr>
+          <a:xfrm>
+            <a:off x="1728788" y="3371850"/>
+            <a:ext cx="8186737" cy="0"/>
+          </a:xfrm>
+          <a:prstGeom prst="straightConnector1">
+            <a:avLst/>
+          </a:prstGeom>
+          <a:ln w="38100">
+            <a:tailEnd type="triangle"/>
+          </a:ln>
+        </p:spPr>
+        <p:style>
+          <a:lnRef idx="2">
+            <a:schemeClr val="accent1"/>
+          </a:lnRef>
+          <a:fillRef idx="0">
+            <a:schemeClr val="accent1"/>
+          </a:fillRef>
+          <a:effectRef idx="1">
+            <a:schemeClr val="accent1"/>
+          </a:effectRef>
+          <a:fontRef idx="minor">
+            <a:schemeClr val="tx1"/>
+          </a:fontRef>
+        </p:style>
+      </p:cxnSp>
+      <p:sp>
+        <p:nvSpPr>
+          <p:cNvPr id="6" name="Oval 5">
+            <a:extLst>
+              <a:ext uri="{FF2B5EF4-FFF2-40B4-BE49-F238E27FC236}">
+                <a16:creationId xmlns:a16="http://schemas.microsoft.com/office/drawing/2014/main" id="{5F604417-D13A-4A30-6AC3-36118C0791AE}"/>
+              </a:ext>
+            </a:extLst>
+          </p:cNvPr>
+          <p:cNvSpPr/>
+          <p:nvPr/>
+        </p:nvSpPr>
+        <p:spPr>
+          <a:xfrm>
+            <a:off x="3598223" y="3277590"/>
+            <a:ext cx="166255" cy="178129"/>
+          </a:xfrm>
+          <a:prstGeom prst="ellipse">
+            <a:avLst/>
+          </a:prstGeom>
+        </p:spPr>
+        <p:style>
+          <a:lnRef idx="2">
+            <a:schemeClr val="accent1">
+              <a:shade val="15000"/>
+            </a:schemeClr>
+          </a:lnRef>
+          <a:fillRef idx="1">
+            <a:schemeClr val="accent1"/>
+          </a:fillRef>
+          <a:effectRef idx="0">
+            <a:schemeClr val="accent1"/>
+          </a:effectRef>
+          <a:fontRef idx="minor">
+            <a:schemeClr val="lt1"/>
+          </a:fontRef>
+        </p:style>
+        <p:txBody>
+          <a:bodyPr rtlCol="0" anchor="ctr"/>
+          <a:lstStyle/>
+          <a:p>
+            <a:pPr algn="ctr"/>
+            <a:endParaRPr lang="en-ES"/>
+          </a:p>
+        </p:txBody>
+      </p:sp>
+      <p:sp>
+        <p:nvSpPr>
+          <p:cNvPr id="7" name="TextBox 6">
+            <a:extLst>
+              <a:ext uri="{FF2B5EF4-FFF2-40B4-BE49-F238E27FC236}">
+                <a16:creationId xmlns:a16="http://schemas.microsoft.com/office/drawing/2014/main" id="{2F3275B9-165D-5E68-3309-EE0A2901F956}"/>
+              </a:ext>
+            </a:extLst>
+          </p:cNvPr>
+          <p:cNvSpPr txBox="1"/>
+          <p:nvPr/>
+        </p:nvSpPr>
+        <p:spPr>
+          <a:xfrm>
+            <a:off x="3313216" y="2766954"/>
+            <a:ext cx="630301" cy="584775"/>
+          </a:xfrm>
+          <a:prstGeom prst="rect">
+            <a:avLst/>
+          </a:prstGeom>
+          <a:noFill/>
+        </p:spPr>
+        <p:txBody>
+          <a:bodyPr wrap="none" rtlCol="0">
+            <a:spAutoFit/>
+          </a:bodyPr>
+          <a:lstStyle/>
+          <a:p>
+            <a:r>
+              <a:rPr lang="en-ES" sz="3200" dirty="0"/>
+              <a:t>Q</a:t>
+            </a:r>
+            <a:r>
+              <a:rPr lang="en-ES" sz="3200" baseline="-25000" dirty="0"/>
+              <a:t>c</a:t>
+            </a:r>
+            <a:endParaRPr lang="en-ES" baseline="-25000" dirty="0"/>
+          </a:p>
+        </p:txBody>
+      </p:sp>
+      <p:sp>
+        <p:nvSpPr>
+          <p:cNvPr id="8" name="Oval 7">
+            <a:extLst>
+              <a:ext uri="{FF2B5EF4-FFF2-40B4-BE49-F238E27FC236}">
+                <a16:creationId xmlns:a16="http://schemas.microsoft.com/office/drawing/2014/main" id="{755B5718-F23C-5A2A-ECDC-54B17A4FB3B2}"/>
+              </a:ext>
+            </a:extLst>
+          </p:cNvPr>
+          <p:cNvSpPr/>
+          <p:nvPr/>
+        </p:nvSpPr>
+        <p:spPr>
+          <a:xfrm>
+            <a:off x="2303811" y="2006930"/>
+            <a:ext cx="2743200" cy="2743200"/>
+          </a:xfrm>
+          <a:prstGeom prst="ellipse">
+            <a:avLst/>
+          </a:prstGeom>
+          <a:noFill/>
+          <a:ln w="38100" cap="flat" cmpd="sng" algn="ctr">
+            <a:solidFill>
+              <a:srgbClr val="FF0000"/>
+            </a:solidFill>
+            <a:prstDash val="dash"/>
+            <a:round/>
+            <a:headEnd type="none" w="med" len="med"/>
+            <a:tailEnd type="none" w="med" len="med"/>
+          </a:ln>
+        </p:spPr>
+        <p:style>
+          <a:lnRef idx="0">
+            <a:scrgbClr r="0" g="0" b="0"/>
+          </a:lnRef>
+          <a:fillRef idx="0">
+            <a:scrgbClr r="0" g="0" b="0"/>
+          </a:fillRef>
+          <a:effectRef idx="0">
+            <a:scrgbClr r="0" g="0" b="0"/>
+          </a:effectRef>
+          <a:fontRef idx="minor">
+            <a:schemeClr val="dk1"/>
+          </a:fontRef>
+        </p:style>
+        <p:txBody>
+          <a:bodyPr rtlCol="0" anchor="ctr"/>
+          <a:lstStyle/>
+          <a:p>
+            <a:pPr algn="ctr"/>
+            <a:endParaRPr lang="en-ES"/>
+          </a:p>
+        </p:txBody>
+      </p:sp>
+      <p:sp>
+        <p:nvSpPr>
+          <p:cNvPr id="9" name="Oval 8">
+            <a:extLst>
+              <a:ext uri="{FF2B5EF4-FFF2-40B4-BE49-F238E27FC236}">
+                <a16:creationId xmlns:a16="http://schemas.microsoft.com/office/drawing/2014/main" id="{E65A5592-2C11-4CC9-7D35-CC10E5D25EC1}"/>
+              </a:ext>
+            </a:extLst>
+          </p:cNvPr>
+          <p:cNvSpPr/>
+          <p:nvPr/>
+        </p:nvSpPr>
+        <p:spPr>
+          <a:xfrm>
+            <a:off x="8393875" y="3275611"/>
+            <a:ext cx="166255" cy="178129"/>
+          </a:xfrm>
+          <a:prstGeom prst="ellipse">
+            <a:avLst/>
+          </a:prstGeom>
+        </p:spPr>
+        <p:style>
+          <a:lnRef idx="2">
+            <a:schemeClr val="accent1">
+              <a:shade val="15000"/>
+            </a:schemeClr>
+          </a:lnRef>
+          <a:fillRef idx="1">
+            <a:schemeClr val="accent1"/>
+          </a:fillRef>
+          <a:effectRef idx="0">
+            <a:schemeClr val="accent1"/>
+          </a:effectRef>
+          <a:fontRef idx="minor">
+            <a:schemeClr val="lt1"/>
+          </a:fontRef>
+        </p:style>
+        <p:txBody>
+          <a:bodyPr rtlCol="0" anchor="ctr"/>
+          <a:lstStyle/>
+          <a:p>
+            <a:pPr algn="ctr"/>
+            <a:endParaRPr lang="en-ES"/>
+          </a:p>
+        </p:txBody>
+      </p:sp>
+      <p:sp>
+        <p:nvSpPr>
+          <p:cNvPr id="10" name="TextBox 9">
+            <a:extLst>
+              <a:ext uri="{FF2B5EF4-FFF2-40B4-BE49-F238E27FC236}">
+                <a16:creationId xmlns:a16="http://schemas.microsoft.com/office/drawing/2014/main" id="{EC20D06F-6472-B335-1DAC-325F571EF48E}"/>
+              </a:ext>
+            </a:extLst>
+          </p:cNvPr>
+          <p:cNvSpPr txBox="1"/>
+          <p:nvPr/>
+        </p:nvSpPr>
+        <p:spPr>
+          <a:xfrm>
+            <a:off x="8455233" y="2731320"/>
+            <a:ext cx="415498" cy="584775"/>
+          </a:xfrm>
+          <a:prstGeom prst="rect">
+            <a:avLst/>
+          </a:prstGeom>
+          <a:noFill/>
+        </p:spPr>
+        <p:txBody>
+          <a:bodyPr wrap="none" rtlCol="0">
+            <a:spAutoFit/>
+          </a:bodyPr>
+          <a:lstStyle/>
+          <a:p>
+            <a:r>
+              <a:rPr lang="en-ES" sz="3200" dirty="0"/>
+              <a:t>q</a:t>
+            </a:r>
+            <a:endParaRPr lang="en-ES" dirty="0"/>
+          </a:p>
+        </p:txBody>
+      </p:sp>
+      <p:sp>
+        <p:nvSpPr>
+          <p:cNvPr id="11" name="Oval 10">
+            <a:extLst>
+              <a:ext uri="{FF2B5EF4-FFF2-40B4-BE49-F238E27FC236}">
+                <a16:creationId xmlns:a16="http://schemas.microsoft.com/office/drawing/2014/main" id="{66F53C13-5125-EDE2-F888-7D57C40B04B0}"/>
+              </a:ext>
+            </a:extLst>
+          </p:cNvPr>
+          <p:cNvSpPr/>
+          <p:nvPr/>
+        </p:nvSpPr>
+        <p:spPr>
+          <a:xfrm>
+            <a:off x="4342410" y="3273631"/>
+            <a:ext cx="166255" cy="178129"/>
+          </a:xfrm>
+          <a:prstGeom prst="ellipse">
+            <a:avLst/>
+          </a:prstGeom>
+        </p:spPr>
+        <p:style>
+          <a:lnRef idx="2">
+            <a:schemeClr val="accent1">
+              <a:shade val="15000"/>
+            </a:schemeClr>
+          </a:lnRef>
+          <a:fillRef idx="1">
+            <a:schemeClr val="accent1"/>
+          </a:fillRef>
+          <a:effectRef idx="0">
+            <a:schemeClr val="accent1"/>
+          </a:effectRef>
+          <a:fontRef idx="minor">
+            <a:schemeClr val="lt1"/>
+          </a:fontRef>
+        </p:style>
+        <p:txBody>
+          <a:bodyPr rtlCol="0" anchor="ctr"/>
+          <a:lstStyle/>
+          <a:p>
+            <a:pPr algn="ctr"/>
+            <a:endParaRPr lang="en-ES"/>
+          </a:p>
+        </p:txBody>
+      </p:sp>
+      <p:sp>
+        <p:nvSpPr>
+          <p:cNvPr id="12" name="TextBox 11">
+            <a:extLst>
+              <a:ext uri="{FF2B5EF4-FFF2-40B4-BE49-F238E27FC236}">
+                <a16:creationId xmlns:a16="http://schemas.microsoft.com/office/drawing/2014/main" id="{9D3337ED-B28F-A449-58DB-395F689F69E1}"/>
+              </a:ext>
+            </a:extLst>
+          </p:cNvPr>
+          <p:cNvSpPr txBox="1"/>
+          <p:nvPr/>
+        </p:nvSpPr>
+        <p:spPr>
+          <a:xfrm>
+            <a:off x="4391893" y="2729340"/>
+            <a:ext cx="502061" cy="584775"/>
+          </a:xfrm>
+          <a:prstGeom prst="rect">
+            <a:avLst/>
+          </a:prstGeom>
+          <a:noFill/>
+        </p:spPr>
+        <p:txBody>
+          <a:bodyPr wrap="none" rtlCol="0">
+            <a:spAutoFit/>
+          </a:bodyPr>
+          <a:lstStyle/>
+          <a:p>
+            <a:r>
+              <a:rPr lang="en-GB" sz="3200" dirty="0"/>
+              <a:t>q</a:t>
+            </a:r>
+            <a:r>
+              <a:rPr lang="en-ES" sz="3200" dirty="0"/>
+              <a:t>'</a:t>
+            </a:r>
+            <a:endParaRPr lang="en-ES" dirty="0"/>
+          </a:p>
+        </p:txBody>
+      </p:sp>
+      <p:sp>
+        <p:nvSpPr>
+          <p:cNvPr id="13" name="Left Bracket 12">
+            <a:extLst>
+              <a:ext uri="{FF2B5EF4-FFF2-40B4-BE49-F238E27FC236}">
+                <a16:creationId xmlns:a16="http://schemas.microsoft.com/office/drawing/2014/main" id="{695F2753-C447-4B91-33ED-2B2411ACF217}"/>
+              </a:ext>
+            </a:extLst>
+          </p:cNvPr>
+          <p:cNvSpPr/>
+          <p:nvPr/>
+        </p:nvSpPr>
+        <p:spPr>
+          <a:xfrm rot="16200000">
+            <a:off x="6026728" y="2998519"/>
+            <a:ext cx="166255" cy="4809509"/>
+          </a:xfrm>
+          <a:prstGeom prst="leftBracket">
+            <a:avLst/>
+          </a:prstGeom>
+          <a:ln w="38100"/>
+        </p:spPr>
+        <p:style>
+          <a:lnRef idx="2">
+            <a:schemeClr val="accent1"/>
+          </a:lnRef>
+          <a:fillRef idx="0">
+            <a:schemeClr val="accent1"/>
+          </a:fillRef>
+          <a:effectRef idx="1">
+            <a:schemeClr val="accent1"/>
+          </a:effectRef>
+          <a:fontRef idx="minor">
+            <a:schemeClr val="tx1"/>
+          </a:fontRef>
+        </p:style>
+        <p:txBody>
+          <a:bodyPr rtlCol="0" anchor="ctr"/>
+          <a:lstStyle/>
+          <a:p>
+            <a:pPr algn="ctr"/>
+            <a:endParaRPr lang="en-ES" dirty="0"/>
+          </a:p>
+        </p:txBody>
+      </p:sp>
+      <p:sp>
+        <p:nvSpPr>
+          <p:cNvPr id="14" name="Left Bracket 13">
+            <a:extLst>
+              <a:ext uri="{FF2B5EF4-FFF2-40B4-BE49-F238E27FC236}">
+                <a16:creationId xmlns:a16="http://schemas.microsoft.com/office/drawing/2014/main" id="{DAA49AC4-8329-F348-1016-E201C23EF09A}"/>
+              </a:ext>
+            </a:extLst>
+          </p:cNvPr>
+          <p:cNvSpPr/>
+          <p:nvPr/>
+        </p:nvSpPr>
+        <p:spPr>
+          <a:xfrm rot="16200000">
+            <a:off x="4273138" y="4213760"/>
+            <a:ext cx="168235" cy="1332018"/>
+          </a:xfrm>
+          <a:prstGeom prst="leftBracket">
+            <a:avLst/>
+          </a:prstGeom>
+          <a:ln w="38100"/>
+        </p:spPr>
+        <p:style>
+          <a:lnRef idx="2">
+            <a:schemeClr val="accent1"/>
+          </a:lnRef>
+          <a:fillRef idx="0">
+            <a:schemeClr val="accent1"/>
+          </a:fillRef>
+          <a:effectRef idx="1">
+            <a:schemeClr val="accent1"/>
+          </a:effectRef>
+          <a:fontRef idx="minor">
+            <a:schemeClr val="tx1"/>
+          </a:fontRef>
+        </p:style>
+        <p:txBody>
+          <a:bodyPr rtlCol="0" anchor="ctr"/>
+          <a:lstStyle/>
+          <a:p>
+            <a:pPr algn="ctr"/>
+            <a:endParaRPr lang="en-ES" dirty="0"/>
+          </a:p>
+        </p:txBody>
+      </p:sp>
+      <p:sp>
+        <p:nvSpPr>
+          <p:cNvPr id="15" name="Left Bracket 14">
+            <a:extLst>
+              <a:ext uri="{FF2B5EF4-FFF2-40B4-BE49-F238E27FC236}">
+                <a16:creationId xmlns:a16="http://schemas.microsoft.com/office/drawing/2014/main" id="{8F51AFEC-32CB-7C7A-CCF2-6240AF626561}"/>
+              </a:ext>
+            </a:extLst>
+          </p:cNvPr>
+          <p:cNvSpPr/>
+          <p:nvPr/>
+        </p:nvSpPr>
+        <p:spPr>
+          <a:xfrm rot="16200000">
+            <a:off x="3980215" y="3422070"/>
+            <a:ext cx="191984" cy="797627"/>
+          </a:xfrm>
+          <a:prstGeom prst="leftBracket">
+            <a:avLst/>
+          </a:prstGeom>
+          <a:ln w="38100"/>
+        </p:spPr>
+        <p:style>
+          <a:lnRef idx="2">
+            <a:schemeClr val="accent1"/>
+          </a:lnRef>
+          <a:fillRef idx="0">
+            <a:schemeClr val="accent1"/>
+          </a:fillRef>
+          <a:effectRef idx="1">
+            <a:schemeClr val="accent1"/>
+          </a:effectRef>
+          <a:fontRef idx="minor">
+            <a:schemeClr val="tx1"/>
+          </a:fontRef>
+        </p:style>
+        <p:txBody>
+          <a:bodyPr rtlCol="0" anchor="ctr"/>
+          <a:lstStyle/>
+          <a:p>
+            <a:pPr algn="ctr"/>
+            <a:endParaRPr lang="en-ES" dirty="0"/>
+          </a:p>
+        </p:txBody>
+      </p:sp>
+      <p:sp>
+        <p:nvSpPr>
+          <p:cNvPr id="16" name="TextBox 15">
+            <a:extLst>
+              <a:ext uri="{FF2B5EF4-FFF2-40B4-BE49-F238E27FC236}">
+                <a16:creationId xmlns:a16="http://schemas.microsoft.com/office/drawing/2014/main" id="{E5D56181-D8E9-873F-F780-671F1A267DE6}"/>
+              </a:ext>
+            </a:extLst>
+          </p:cNvPr>
+          <p:cNvSpPr txBox="1"/>
+          <p:nvPr/>
+        </p:nvSpPr>
+        <p:spPr>
+          <a:xfrm>
+            <a:off x="5864433" y="5413165"/>
+            <a:ext cx="415498" cy="584775"/>
+          </a:xfrm>
+          <a:prstGeom prst="rect">
+            <a:avLst/>
+          </a:prstGeom>
+          <a:noFill/>
+        </p:spPr>
+        <p:txBody>
+          <a:bodyPr wrap="none" rtlCol="0">
+            <a:spAutoFit/>
+          </a:bodyPr>
+          <a:lstStyle/>
+          <a:p>
+            <a:r>
+              <a:rPr lang="en-ES" sz="3200" dirty="0"/>
+              <a:t>d</a:t>
+            </a:r>
+            <a:endParaRPr lang="en-ES" dirty="0"/>
+          </a:p>
+        </p:txBody>
+      </p:sp>
+      <p:sp>
+        <p:nvSpPr>
+          <p:cNvPr id="17" name="TextBox 16">
+            <a:extLst>
+              <a:ext uri="{FF2B5EF4-FFF2-40B4-BE49-F238E27FC236}">
+                <a16:creationId xmlns:a16="http://schemas.microsoft.com/office/drawing/2014/main" id="{F9BF26F2-5FCA-6918-3AA4-81C1A42DBD34}"/>
+              </a:ext>
+            </a:extLst>
+          </p:cNvPr>
+          <p:cNvSpPr txBox="1"/>
+          <p:nvPr/>
+        </p:nvSpPr>
+        <p:spPr>
+          <a:xfrm>
+            <a:off x="3831773" y="3831768"/>
+            <a:ext cx="502061" cy="584775"/>
+          </a:xfrm>
+          <a:prstGeom prst="rect">
+            <a:avLst/>
+          </a:prstGeom>
+          <a:noFill/>
+        </p:spPr>
+        <p:txBody>
+          <a:bodyPr wrap="none" rtlCol="0">
+            <a:spAutoFit/>
+          </a:bodyPr>
+          <a:lstStyle/>
+          <a:p>
+            <a:r>
+              <a:rPr lang="en-ES" sz="3200" dirty="0"/>
+              <a:t>d'</a:t>
+            </a:r>
+          </a:p>
+        </p:txBody>
+      </p:sp>
+      <p:sp>
+        <p:nvSpPr>
+          <p:cNvPr id="18" name="TextBox 17">
+            <a:extLst>
+              <a:ext uri="{FF2B5EF4-FFF2-40B4-BE49-F238E27FC236}">
+                <a16:creationId xmlns:a16="http://schemas.microsoft.com/office/drawing/2014/main" id="{F90EA41E-C95E-9953-6895-01B5262093E7}"/>
+              </a:ext>
+            </a:extLst>
+          </p:cNvPr>
+          <p:cNvSpPr txBox="1"/>
+          <p:nvPr/>
+        </p:nvSpPr>
+        <p:spPr>
+          <a:xfrm>
+            <a:off x="4176158" y="4805544"/>
+            <a:ext cx="402674" cy="584775"/>
+          </a:xfrm>
+          <a:prstGeom prst="rect">
+            <a:avLst/>
+          </a:prstGeom>
+          <a:noFill/>
+        </p:spPr>
+        <p:txBody>
+          <a:bodyPr wrap="none" rtlCol="0">
+            <a:spAutoFit/>
+          </a:bodyPr>
+          <a:lstStyle/>
+          <a:p>
+            <a:r>
+              <a:rPr lang="en-ES" sz="3200" dirty="0"/>
+              <a:t>a</a:t>
+            </a:r>
+            <a:endParaRPr lang="en-ES" dirty="0"/>
+          </a:p>
+        </p:txBody>
+      </p:sp>
+      <p:sp>
+        <p:nvSpPr>
+          <p:cNvPr id="2" name="TextBox 1">
+            <a:extLst>
+              <a:ext uri="{FF2B5EF4-FFF2-40B4-BE49-F238E27FC236}">
+                <a16:creationId xmlns:a16="http://schemas.microsoft.com/office/drawing/2014/main" id="{E90FE0F2-F289-0683-EA74-E3FB378CACCA}"/>
+              </a:ext>
+            </a:extLst>
+          </p:cNvPr>
+          <p:cNvSpPr txBox="1"/>
+          <p:nvPr/>
+        </p:nvSpPr>
+        <p:spPr>
+          <a:xfrm>
+            <a:off x="2551216" y="1731821"/>
+            <a:ext cx="425116" cy="584775"/>
+          </a:xfrm>
+          <a:prstGeom prst="rect">
+            <a:avLst/>
+          </a:prstGeom>
+          <a:noFill/>
+        </p:spPr>
+        <p:txBody>
+          <a:bodyPr wrap="none" rtlCol="0">
+            <a:spAutoFit/>
+          </a:bodyPr>
+          <a:lstStyle/>
+          <a:p>
+            <a:r>
+              <a:rPr lang="en-ES" sz="3200" dirty="0"/>
+              <a:t>V</a:t>
+            </a:r>
+            <a:endParaRPr lang="en-ES" dirty="0"/>
+          </a:p>
+        </p:txBody>
+      </p:sp>
+      <p:sp>
+        <p:nvSpPr>
+          <p:cNvPr id="3" name="Title 1">
+            <a:extLst>
+              <a:ext uri="{FF2B5EF4-FFF2-40B4-BE49-F238E27FC236}">
+                <a16:creationId xmlns:a16="http://schemas.microsoft.com/office/drawing/2014/main" id="{7E493776-20C2-D6CC-3CBB-B2622B86BD65}"/>
+              </a:ext>
+            </a:extLst>
+          </p:cNvPr>
+          <p:cNvSpPr txBox="1">
+            <a:spLocks/>
+          </p:cNvSpPr>
+          <p:nvPr/>
+        </p:nvSpPr>
+        <p:spPr>
+          <a:xfrm>
+            <a:off x="838200" y="365125"/>
+            <a:ext cx="10515600" cy="1325563"/>
+          </a:xfrm>
+          <a:prstGeom prst="rect">
+            <a:avLst/>
+          </a:prstGeom>
+        </p:spPr>
+        <p:txBody>
+          <a:bodyPr/>
+          <a:lstStyle>
+            <a:lvl1pPr algn="l" defTabSz="914400" rtl="0" eaLnBrk="1" latinLnBrk="0" hangingPunct="1">
+              <a:lnSpc>
+                <a:spcPct val="90000"/>
+              </a:lnSpc>
+              <a:spcBef>
+                <a:spcPct val="0"/>
+              </a:spcBef>
+              <a:buNone/>
+              <a:defRPr sz="4400" kern="1200">
+                <a:solidFill>
+                  <a:schemeClr val="tx1"/>
+                </a:solidFill>
+                <a:latin typeface="+mj-lt"/>
+                <a:ea typeface="+mj-ea"/>
+                <a:cs typeface="+mj-cs"/>
+              </a:defRPr>
+            </a:lvl1pPr>
+          </a:lstStyle>
+          <a:p>
+            <a:r>
+              <a:rPr lang="en-ES" dirty="0"/>
+              <a:t>B2.S3.2</a:t>
+            </a:r>
+          </a:p>
+        </p:txBody>
+      </p:sp>
+    </p:spTree>
+    <p:extLst>
+      <p:ext uri="{BB962C8B-B14F-4D97-AF65-F5344CB8AC3E}">
+        <p14:creationId xmlns:p14="http://schemas.microsoft.com/office/powerpoint/2010/main" val="3718064103"/>
+      </p:ext>
+    </p:extLst>
+  </p:cSld>
+  <p:clrMapOvr>
+    <a:masterClrMapping/>
+  </p:clrMapOvr>
+</p:sld>
+</file>
+
+<file path=ppt/slides/slide11.xml><?xml version="1.0" encoding="utf-8"?>
+<p:sld xmlns:a="http://schemas.openxmlformats.org/drawingml/2006/main" xmlns:r="http://schemas.openxmlformats.org/officeDocument/2006/relationships" xmlns:p="http://schemas.openxmlformats.org/presentationml/2006/main">
+  <p:cSld>
+    <p:spTree>
+      <p:nvGrpSpPr>
         <p:cNvPr id="1" name=""/>
         <p:cNvGrpSpPr/>
         <p:nvPr/>
@@ -4776,6 +5492,58 @@
             <a:r>
               <a:rPr lang="en-ES" sz="2400" dirty="0"/>
               <a:t>➝</a:t>
+            </a:r>
+          </a:p>
+        </p:txBody>
+      </p:sp>
+      <p:sp>
+        <p:nvSpPr>
+          <p:cNvPr id="9" name="Title 1">
+            <a:extLst>
+              <a:ext uri="{FF2B5EF4-FFF2-40B4-BE49-F238E27FC236}">
+                <a16:creationId xmlns:a16="http://schemas.microsoft.com/office/drawing/2014/main" id="{92C8C8D4-60DE-28A6-00FF-97623BA6FE05}"/>
+              </a:ext>
+            </a:extLst>
+          </p:cNvPr>
+          <p:cNvSpPr txBox="1">
+            <a:spLocks/>
+          </p:cNvSpPr>
+          <p:nvPr/>
+        </p:nvSpPr>
+        <p:spPr>
+          <a:xfrm>
+            <a:off x="838200" y="365125"/>
+            <a:ext cx="10515600" cy="1325563"/>
+          </a:xfrm>
+          <a:prstGeom prst="rect">
+            <a:avLst/>
+          </a:prstGeom>
+        </p:spPr>
+        <p:txBody>
+          <a:bodyPr/>
+          <a:lstStyle>
+            <a:lvl1pPr algn="l" defTabSz="914400" rtl="0" eaLnBrk="1" latinLnBrk="0" hangingPunct="1">
+              <a:lnSpc>
+                <a:spcPct val="90000"/>
+              </a:lnSpc>
+              <a:spcBef>
+                <a:spcPct val="0"/>
+              </a:spcBef>
+              <a:buNone/>
+              <a:defRPr sz="4400" kern="1200">
+                <a:solidFill>
+                  <a:schemeClr val="tx1"/>
+                </a:solidFill>
+                <a:latin typeface="+mj-lt"/>
+                <a:ea typeface="+mj-ea"/>
+                <a:cs typeface="+mj-cs"/>
+              </a:defRPr>
+            </a:lvl1pPr>
+          </a:lstStyle>
+          <a:p>
+            <a:r>
+              <a:rPr lang="en-ES" dirty="0"/>
+              <a:t>B2.S3.2</a:t>
             </a:r>
           </a:p>
         </p:txBody>
@@ -4793,7 +5561,7 @@
 </p:sld>
 </file>
 
-<file path=ppt/slides/slide11.xml><?xml version="1.0" encoding="utf-8"?>
+<file path=ppt/slides/slide12.xml><?xml version="1.0" encoding="utf-8"?>
 <p:sld xmlns:a="http://schemas.openxmlformats.org/drawingml/2006/main" xmlns:r="http://schemas.openxmlformats.org/officeDocument/2006/relationships" xmlns:p="http://schemas.openxmlformats.org/presentationml/2006/main">
   <p:cSld>
     <p:spTree>
@@ -5980,6 +6748,58 @@
           </a:p>
         </p:txBody>
       </p:sp>
+      <p:sp>
+        <p:nvSpPr>
+          <p:cNvPr id="9" name="Title 1">
+            <a:extLst>
+              <a:ext uri="{FF2B5EF4-FFF2-40B4-BE49-F238E27FC236}">
+                <a16:creationId xmlns:a16="http://schemas.microsoft.com/office/drawing/2014/main" id="{B8E9C17C-495A-0162-FDD5-BF8EA4581F40}"/>
+              </a:ext>
+            </a:extLst>
+          </p:cNvPr>
+          <p:cNvSpPr txBox="1">
+            <a:spLocks/>
+          </p:cNvSpPr>
+          <p:nvPr/>
+        </p:nvSpPr>
+        <p:spPr>
+          <a:xfrm>
+            <a:off x="838200" y="365125"/>
+            <a:ext cx="10515600" cy="1325563"/>
+          </a:xfrm>
+          <a:prstGeom prst="rect">
+            <a:avLst/>
+          </a:prstGeom>
+        </p:spPr>
+        <p:txBody>
+          <a:bodyPr/>
+          <a:lstStyle>
+            <a:lvl1pPr algn="l" defTabSz="914400" rtl="0" eaLnBrk="1" latinLnBrk="0" hangingPunct="1">
+              <a:lnSpc>
+                <a:spcPct val="90000"/>
+              </a:lnSpc>
+              <a:spcBef>
+                <a:spcPct val="0"/>
+              </a:spcBef>
+              <a:buNone/>
+              <a:defRPr sz="4400" kern="1200">
+                <a:solidFill>
+                  <a:schemeClr val="tx1"/>
+                </a:solidFill>
+                <a:latin typeface="+mj-lt"/>
+                <a:ea typeface="+mj-ea"/>
+                <a:cs typeface="+mj-cs"/>
+              </a:defRPr>
+            </a:lvl1pPr>
+          </a:lstStyle>
+          <a:p>
+            <a:r>
+              <a:rPr lang="en-ES" dirty="0"/>
+              <a:t>B2.S3.2</a:t>
+            </a:r>
+          </a:p>
+        </p:txBody>
+      </p:sp>
     </p:spTree>
     <p:extLst>
       <p:ext uri="{BB962C8B-B14F-4D97-AF65-F5344CB8AC3E}">
@@ -5993,7 +6813,2492 @@
 </p:sld>
 </file>
 
-<file path=ppt/slides/slide12.xml><?xml version="1.0" encoding="utf-8"?>
+<file path=ppt/slides/slide13.xml><?xml version="1.0" encoding="utf-8"?>
+<p:sld xmlns:a="http://schemas.openxmlformats.org/drawingml/2006/main" xmlns:r="http://schemas.openxmlformats.org/officeDocument/2006/relationships" xmlns:p="http://schemas.openxmlformats.org/presentationml/2006/main">
+  <p:cSld>
+    <p:spTree>
+      <p:nvGrpSpPr>
+        <p:cNvPr id="1" name="">
+          <a:extLst>
+            <a:ext uri="{FF2B5EF4-FFF2-40B4-BE49-F238E27FC236}">
+              <a16:creationId xmlns:a16="http://schemas.microsoft.com/office/drawing/2014/main" id="{8BD90A45-12B3-E6FF-72E5-CEF888A5A20B}"/>
+            </a:ext>
+          </a:extLst>
+        </p:cNvPr>
+        <p:cNvGrpSpPr/>
+        <p:nvPr/>
+      </p:nvGrpSpPr>
+      <p:grpSpPr>
+        <a:xfrm>
+          <a:off x="0" y="0"/>
+          <a:ext cx="0" cy="0"/>
+          <a:chOff x="0" y="0"/>
+          <a:chExt cx="0" cy="0"/>
+        </a:xfrm>
+      </p:grpSpPr>
+      <p:cxnSp>
+        <p:nvCxnSpPr>
+          <p:cNvPr id="5" name="Straight Arrow Connector 4">
+            <a:extLst>
+              <a:ext uri="{FF2B5EF4-FFF2-40B4-BE49-F238E27FC236}">
+                <a16:creationId xmlns:a16="http://schemas.microsoft.com/office/drawing/2014/main" id="{6825F995-C247-A1D9-E205-232195DB3933}"/>
+              </a:ext>
+            </a:extLst>
+          </p:cNvPr>
+          <p:cNvCxnSpPr/>
+          <p:nvPr/>
+        </p:nvCxnSpPr>
+        <p:spPr>
+          <a:xfrm>
+            <a:off x="1728788" y="3371850"/>
+            <a:ext cx="8186737" cy="0"/>
+          </a:xfrm>
+          <a:prstGeom prst="straightConnector1">
+            <a:avLst/>
+          </a:prstGeom>
+          <a:ln w="38100">
+            <a:tailEnd type="triangle"/>
+          </a:ln>
+        </p:spPr>
+        <p:style>
+          <a:lnRef idx="2">
+            <a:schemeClr val="accent1"/>
+          </a:lnRef>
+          <a:fillRef idx="0">
+            <a:schemeClr val="accent1"/>
+          </a:fillRef>
+          <a:effectRef idx="1">
+            <a:schemeClr val="accent1"/>
+          </a:effectRef>
+          <a:fontRef idx="minor">
+            <a:schemeClr val="tx1"/>
+          </a:fontRef>
+        </p:style>
+      </p:cxnSp>
+      <p:sp>
+        <p:nvSpPr>
+          <p:cNvPr id="6" name="Oval 5">
+            <a:extLst>
+              <a:ext uri="{FF2B5EF4-FFF2-40B4-BE49-F238E27FC236}">
+                <a16:creationId xmlns:a16="http://schemas.microsoft.com/office/drawing/2014/main" id="{827B03E8-82FD-F08F-861C-6D0A33F4A319}"/>
+              </a:ext>
+            </a:extLst>
+          </p:cNvPr>
+          <p:cNvSpPr/>
+          <p:nvPr/>
+        </p:nvSpPr>
+        <p:spPr>
+          <a:xfrm>
+            <a:off x="3598223" y="3277590"/>
+            <a:ext cx="166255" cy="178129"/>
+          </a:xfrm>
+          <a:prstGeom prst="ellipse">
+            <a:avLst/>
+          </a:prstGeom>
+        </p:spPr>
+        <p:style>
+          <a:lnRef idx="2">
+            <a:schemeClr val="accent1">
+              <a:shade val="15000"/>
+            </a:schemeClr>
+          </a:lnRef>
+          <a:fillRef idx="1">
+            <a:schemeClr val="accent1"/>
+          </a:fillRef>
+          <a:effectRef idx="0">
+            <a:schemeClr val="accent1"/>
+          </a:effectRef>
+          <a:fontRef idx="minor">
+            <a:schemeClr val="lt1"/>
+          </a:fontRef>
+        </p:style>
+        <p:txBody>
+          <a:bodyPr rtlCol="0" anchor="ctr"/>
+          <a:lstStyle/>
+          <a:p>
+            <a:pPr algn="ctr"/>
+            <a:endParaRPr lang="en-ES"/>
+          </a:p>
+        </p:txBody>
+      </p:sp>
+      <p:sp>
+        <p:nvSpPr>
+          <p:cNvPr id="7" name="TextBox 6">
+            <a:extLst>
+              <a:ext uri="{FF2B5EF4-FFF2-40B4-BE49-F238E27FC236}">
+                <a16:creationId xmlns:a16="http://schemas.microsoft.com/office/drawing/2014/main" id="{6128E831-3A42-0120-92F8-C880FC005015}"/>
+              </a:ext>
+            </a:extLst>
+          </p:cNvPr>
+          <p:cNvSpPr txBox="1"/>
+          <p:nvPr/>
+        </p:nvSpPr>
+        <p:spPr>
+          <a:xfrm>
+            <a:off x="3313216" y="2766954"/>
+            <a:ext cx="404278" cy="584775"/>
+          </a:xfrm>
+          <a:prstGeom prst="rect">
+            <a:avLst/>
+          </a:prstGeom>
+          <a:noFill/>
+        </p:spPr>
+        <p:txBody>
+          <a:bodyPr wrap="none" rtlCol="0">
+            <a:spAutoFit/>
+          </a:bodyPr>
+          <a:lstStyle/>
+          <a:p>
+            <a:r>
+              <a:rPr lang="en-ES" sz="3200" dirty="0"/>
+              <a:t>0</a:t>
+            </a:r>
+            <a:endParaRPr lang="en-ES" dirty="0"/>
+          </a:p>
+        </p:txBody>
+      </p:sp>
+      <p:sp>
+        <p:nvSpPr>
+          <p:cNvPr id="8" name="Oval 7">
+            <a:extLst>
+              <a:ext uri="{FF2B5EF4-FFF2-40B4-BE49-F238E27FC236}">
+                <a16:creationId xmlns:a16="http://schemas.microsoft.com/office/drawing/2014/main" id="{30F9E7BA-7FE5-20FC-71DE-2D0BC33C02AC}"/>
+              </a:ext>
+            </a:extLst>
+          </p:cNvPr>
+          <p:cNvSpPr/>
+          <p:nvPr/>
+        </p:nvSpPr>
+        <p:spPr>
+          <a:xfrm>
+            <a:off x="2303811" y="2006930"/>
+            <a:ext cx="2743200" cy="2743200"/>
+          </a:xfrm>
+          <a:prstGeom prst="ellipse">
+            <a:avLst/>
+          </a:prstGeom>
+          <a:noFill/>
+          <a:ln w="38100" cap="flat" cmpd="sng" algn="ctr">
+            <a:solidFill>
+              <a:srgbClr val="FF0000"/>
+            </a:solidFill>
+            <a:prstDash val="dash"/>
+            <a:round/>
+            <a:headEnd type="none" w="med" len="med"/>
+            <a:tailEnd type="none" w="med" len="med"/>
+          </a:ln>
+        </p:spPr>
+        <p:style>
+          <a:lnRef idx="0">
+            <a:scrgbClr r="0" g="0" b="0"/>
+          </a:lnRef>
+          <a:fillRef idx="0">
+            <a:scrgbClr r="0" g="0" b="0"/>
+          </a:fillRef>
+          <a:effectRef idx="0">
+            <a:scrgbClr r="0" g="0" b="0"/>
+          </a:effectRef>
+          <a:fontRef idx="minor">
+            <a:schemeClr val="dk1"/>
+          </a:fontRef>
+        </p:style>
+        <p:txBody>
+          <a:bodyPr rtlCol="0" anchor="ctr"/>
+          <a:lstStyle/>
+          <a:p>
+            <a:pPr algn="ctr"/>
+            <a:endParaRPr lang="en-ES"/>
+          </a:p>
+        </p:txBody>
+      </p:sp>
+      <p:sp>
+        <p:nvSpPr>
+          <p:cNvPr id="13" name="Left Bracket 12">
+            <a:extLst>
+              <a:ext uri="{FF2B5EF4-FFF2-40B4-BE49-F238E27FC236}">
+                <a16:creationId xmlns:a16="http://schemas.microsoft.com/office/drawing/2014/main" id="{64A3FA9E-BB46-6723-058D-BA156DFD9ADA}"/>
+              </a:ext>
+            </a:extLst>
+          </p:cNvPr>
+          <p:cNvSpPr/>
+          <p:nvPr/>
+        </p:nvSpPr>
+        <p:spPr>
+          <a:xfrm rot="16200000">
+            <a:off x="6026728" y="2998519"/>
+            <a:ext cx="166255" cy="4809509"/>
+          </a:xfrm>
+          <a:prstGeom prst="leftBracket">
+            <a:avLst/>
+          </a:prstGeom>
+          <a:ln w="38100"/>
+        </p:spPr>
+        <p:style>
+          <a:lnRef idx="2">
+            <a:schemeClr val="accent1"/>
+          </a:lnRef>
+          <a:fillRef idx="0">
+            <a:schemeClr val="accent1"/>
+          </a:fillRef>
+          <a:effectRef idx="1">
+            <a:schemeClr val="accent1"/>
+          </a:effectRef>
+          <a:fontRef idx="minor">
+            <a:schemeClr val="tx1"/>
+          </a:fontRef>
+        </p:style>
+        <p:txBody>
+          <a:bodyPr rtlCol="0" anchor="ctr"/>
+          <a:lstStyle/>
+          <a:p>
+            <a:pPr algn="ctr"/>
+            <a:endParaRPr lang="en-ES" dirty="0"/>
+          </a:p>
+        </p:txBody>
+      </p:sp>
+      <p:sp>
+        <p:nvSpPr>
+          <p:cNvPr id="14" name="Left Bracket 13">
+            <a:extLst>
+              <a:ext uri="{FF2B5EF4-FFF2-40B4-BE49-F238E27FC236}">
+                <a16:creationId xmlns:a16="http://schemas.microsoft.com/office/drawing/2014/main" id="{F710CCB9-C85E-76BC-0CE1-43602100ABE6}"/>
+              </a:ext>
+            </a:extLst>
+          </p:cNvPr>
+          <p:cNvSpPr/>
+          <p:nvPr/>
+        </p:nvSpPr>
+        <p:spPr>
+          <a:xfrm rot="16200000">
+            <a:off x="4273138" y="4213760"/>
+            <a:ext cx="168235" cy="1332018"/>
+          </a:xfrm>
+          <a:prstGeom prst="leftBracket">
+            <a:avLst/>
+          </a:prstGeom>
+          <a:ln w="38100"/>
+        </p:spPr>
+        <p:style>
+          <a:lnRef idx="2">
+            <a:schemeClr val="accent1"/>
+          </a:lnRef>
+          <a:fillRef idx="0">
+            <a:schemeClr val="accent1"/>
+          </a:fillRef>
+          <a:effectRef idx="1">
+            <a:schemeClr val="accent1"/>
+          </a:effectRef>
+          <a:fontRef idx="minor">
+            <a:schemeClr val="tx1"/>
+          </a:fontRef>
+        </p:style>
+        <p:txBody>
+          <a:bodyPr rtlCol="0" anchor="ctr"/>
+          <a:lstStyle/>
+          <a:p>
+            <a:pPr algn="ctr"/>
+            <a:endParaRPr lang="en-ES" dirty="0"/>
+          </a:p>
+        </p:txBody>
+      </p:sp>
+      <p:sp>
+        <p:nvSpPr>
+          <p:cNvPr id="15" name="Left Bracket 14">
+            <a:extLst>
+              <a:ext uri="{FF2B5EF4-FFF2-40B4-BE49-F238E27FC236}">
+                <a16:creationId xmlns:a16="http://schemas.microsoft.com/office/drawing/2014/main" id="{65C92FDB-B78F-0A83-E2CA-3B8EB4322D5C}"/>
+              </a:ext>
+            </a:extLst>
+          </p:cNvPr>
+          <p:cNvSpPr/>
+          <p:nvPr/>
+        </p:nvSpPr>
+        <p:spPr>
+          <a:xfrm rot="16200000">
+            <a:off x="3916552" y="3760850"/>
+            <a:ext cx="178127" cy="656442"/>
+          </a:xfrm>
+          <a:prstGeom prst="leftBracket">
+            <a:avLst/>
+          </a:prstGeom>
+          <a:ln w="38100"/>
+        </p:spPr>
+        <p:style>
+          <a:lnRef idx="2">
+            <a:schemeClr val="accent1"/>
+          </a:lnRef>
+          <a:fillRef idx="0">
+            <a:schemeClr val="accent1"/>
+          </a:fillRef>
+          <a:effectRef idx="1">
+            <a:schemeClr val="accent1"/>
+          </a:effectRef>
+          <a:fontRef idx="minor">
+            <a:schemeClr val="tx1"/>
+          </a:fontRef>
+        </p:style>
+        <p:txBody>
+          <a:bodyPr rtlCol="0" anchor="ctr"/>
+          <a:lstStyle/>
+          <a:p>
+            <a:pPr algn="ctr"/>
+            <a:endParaRPr lang="en-ES" dirty="0"/>
+          </a:p>
+        </p:txBody>
+      </p:sp>
+      <p:sp>
+        <p:nvSpPr>
+          <p:cNvPr id="16" name="TextBox 15">
+            <a:extLst>
+              <a:ext uri="{FF2B5EF4-FFF2-40B4-BE49-F238E27FC236}">
+                <a16:creationId xmlns:a16="http://schemas.microsoft.com/office/drawing/2014/main" id="{2BA29E65-CDE6-4B14-90B1-907AD22CAAA9}"/>
+              </a:ext>
+            </a:extLst>
+          </p:cNvPr>
+          <p:cNvSpPr txBox="1"/>
+          <p:nvPr/>
+        </p:nvSpPr>
+        <p:spPr>
+          <a:xfrm>
+            <a:off x="5864433" y="5413165"/>
+            <a:ext cx="415498" cy="584775"/>
+          </a:xfrm>
+          <a:prstGeom prst="rect">
+            <a:avLst/>
+          </a:prstGeom>
+          <a:noFill/>
+        </p:spPr>
+        <p:txBody>
+          <a:bodyPr wrap="none" rtlCol="0">
+            <a:spAutoFit/>
+          </a:bodyPr>
+          <a:lstStyle/>
+          <a:p>
+            <a:r>
+              <a:rPr lang="en-ES" sz="3200" dirty="0"/>
+              <a:t>d</a:t>
+            </a:r>
+            <a:endParaRPr lang="en-ES" dirty="0"/>
+          </a:p>
+        </p:txBody>
+      </p:sp>
+      <p:sp>
+        <p:nvSpPr>
+          <p:cNvPr id="17" name="TextBox 16">
+            <a:extLst>
+              <a:ext uri="{FF2B5EF4-FFF2-40B4-BE49-F238E27FC236}">
+                <a16:creationId xmlns:a16="http://schemas.microsoft.com/office/drawing/2014/main" id="{BC4FD1E5-1F14-06AA-E61C-F6197A944B08}"/>
+              </a:ext>
+            </a:extLst>
+          </p:cNvPr>
+          <p:cNvSpPr txBox="1"/>
+          <p:nvPr/>
+        </p:nvSpPr>
+        <p:spPr>
+          <a:xfrm>
+            <a:off x="3799115" y="4069276"/>
+            <a:ext cx="502061" cy="584775"/>
+          </a:xfrm>
+          <a:prstGeom prst="rect">
+            <a:avLst/>
+          </a:prstGeom>
+          <a:noFill/>
+        </p:spPr>
+        <p:txBody>
+          <a:bodyPr wrap="none" rtlCol="0">
+            <a:spAutoFit/>
+          </a:bodyPr>
+          <a:lstStyle/>
+          <a:p>
+            <a:r>
+              <a:rPr lang="en-ES" sz="3200" dirty="0"/>
+              <a:t>d'</a:t>
+            </a:r>
+          </a:p>
+        </p:txBody>
+      </p:sp>
+      <p:sp>
+        <p:nvSpPr>
+          <p:cNvPr id="18" name="TextBox 17">
+            <a:extLst>
+              <a:ext uri="{FF2B5EF4-FFF2-40B4-BE49-F238E27FC236}">
+                <a16:creationId xmlns:a16="http://schemas.microsoft.com/office/drawing/2014/main" id="{F536A298-31A2-8C97-CF3C-CC9F6574F54B}"/>
+              </a:ext>
+            </a:extLst>
+          </p:cNvPr>
+          <p:cNvSpPr txBox="1"/>
+          <p:nvPr/>
+        </p:nvSpPr>
+        <p:spPr>
+          <a:xfrm>
+            <a:off x="4176158" y="4805544"/>
+            <a:ext cx="402674" cy="584775"/>
+          </a:xfrm>
+          <a:prstGeom prst="rect">
+            <a:avLst/>
+          </a:prstGeom>
+          <a:noFill/>
+        </p:spPr>
+        <p:txBody>
+          <a:bodyPr wrap="none" rtlCol="0">
+            <a:spAutoFit/>
+          </a:bodyPr>
+          <a:lstStyle/>
+          <a:p>
+            <a:r>
+              <a:rPr lang="en-ES" sz="3200" dirty="0"/>
+              <a:t>a</a:t>
+            </a:r>
+            <a:endParaRPr lang="en-ES" dirty="0"/>
+          </a:p>
+        </p:txBody>
+      </p:sp>
+      <p:grpSp>
+        <p:nvGrpSpPr>
+          <p:cNvPr id="25" name="Group 24">
+            <a:extLst>
+              <a:ext uri="{FF2B5EF4-FFF2-40B4-BE49-F238E27FC236}">
+                <a16:creationId xmlns:a16="http://schemas.microsoft.com/office/drawing/2014/main" id="{F4AFD0D6-D14D-F6F7-8A0B-4072F066E07A}"/>
+              </a:ext>
+            </a:extLst>
+          </p:cNvPr>
+          <p:cNvGrpSpPr/>
+          <p:nvPr/>
+        </p:nvGrpSpPr>
+        <p:grpSpPr>
+          <a:xfrm>
+            <a:off x="2396837" y="5011387"/>
+            <a:ext cx="476989" cy="164275"/>
+            <a:chOff x="2325585" y="5248894"/>
+            <a:chExt cx="476989" cy="164275"/>
+          </a:xfrm>
+        </p:grpSpPr>
+        <p:cxnSp>
+          <p:nvCxnSpPr>
+            <p:cNvPr id="20" name="Straight Connector 19">
+              <a:extLst>
+                <a:ext uri="{FF2B5EF4-FFF2-40B4-BE49-F238E27FC236}">
+                  <a16:creationId xmlns:a16="http://schemas.microsoft.com/office/drawing/2014/main" id="{135B7363-C1FB-3173-D4CB-C74B586F7872}"/>
+                </a:ext>
+              </a:extLst>
+            </p:cNvPr>
+            <p:cNvCxnSpPr/>
+            <p:nvPr/>
+          </p:nvCxnSpPr>
+          <p:spPr>
+            <a:xfrm>
+              <a:off x="2327561" y="5248894"/>
+              <a:ext cx="475013" cy="0"/>
+            </a:xfrm>
+            <a:prstGeom prst="line">
+              <a:avLst/>
+            </a:prstGeom>
+            <a:ln w="38100">
+              <a:solidFill>
+                <a:srgbClr val="FF0000"/>
+              </a:solidFill>
+            </a:ln>
+          </p:spPr>
+          <p:style>
+            <a:lnRef idx="2">
+              <a:schemeClr val="accent1"/>
+            </a:lnRef>
+            <a:fillRef idx="0">
+              <a:schemeClr val="accent1"/>
+            </a:fillRef>
+            <a:effectRef idx="1">
+              <a:schemeClr val="accent1"/>
+            </a:effectRef>
+            <a:fontRef idx="minor">
+              <a:schemeClr val="tx1"/>
+            </a:fontRef>
+          </p:style>
+        </p:cxnSp>
+        <p:cxnSp>
+          <p:nvCxnSpPr>
+            <p:cNvPr id="21" name="Straight Connector 20">
+              <a:extLst>
+                <a:ext uri="{FF2B5EF4-FFF2-40B4-BE49-F238E27FC236}">
+                  <a16:creationId xmlns:a16="http://schemas.microsoft.com/office/drawing/2014/main" id="{B41A480D-F9ED-3623-282C-1F9CE0533043}"/>
+                </a:ext>
+              </a:extLst>
+            </p:cNvPr>
+            <p:cNvCxnSpPr>
+              <a:cxnSpLocks/>
+            </p:cNvCxnSpPr>
+            <p:nvPr/>
+          </p:nvCxnSpPr>
+          <p:spPr>
+            <a:xfrm flipV="1">
+              <a:off x="2325585" y="5248894"/>
+              <a:ext cx="120732" cy="164275"/>
+            </a:xfrm>
+            <a:prstGeom prst="line">
+              <a:avLst/>
+            </a:prstGeom>
+            <a:ln w="38100">
+              <a:solidFill>
+                <a:srgbClr val="FF0000"/>
+              </a:solidFill>
+            </a:ln>
+          </p:spPr>
+          <p:style>
+            <a:lnRef idx="2">
+              <a:schemeClr val="accent1"/>
+            </a:lnRef>
+            <a:fillRef idx="0">
+              <a:schemeClr val="accent1"/>
+            </a:fillRef>
+            <a:effectRef idx="1">
+              <a:schemeClr val="accent1"/>
+            </a:effectRef>
+            <a:fontRef idx="minor">
+              <a:schemeClr val="tx1"/>
+            </a:fontRef>
+          </p:style>
+        </p:cxnSp>
+        <p:cxnSp>
+          <p:nvCxnSpPr>
+            <p:cNvPr id="23" name="Straight Connector 22">
+              <a:extLst>
+                <a:ext uri="{FF2B5EF4-FFF2-40B4-BE49-F238E27FC236}">
+                  <a16:creationId xmlns:a16="http://schemas.microsoft.com/office/drawing/2014/main" id="{7F99C83D-7862-3D91-E75C-5590959EF042}"/>
+                </a:ext>
+              </a:extLst>
+            </p:cNvPr>
+            <p:cNvCxnSpPr>
+              <a:cxnSpLocks/>
+            </p:cNvCxnSpPr>
+            <p:nvPr/>
+          </p:nvCxnSpPr>
+          <p:spPr>
+            <a:xfrm flipV="1">
+              <a:off x="2477985" y="5248894"/>
+              <a:ext cx="120732" cy="164275"/>
+            </a:xfrm>
+            <a:prstGeom prst="line">
+              <a:avLst/>
+            </a:prstGeom>
+            <a:ln w="38100">
+              <a:solidFill>
+                <a:srgbClr val="FF0000"/>
+              </a:solidFill>
+            </a:ln>
+          </p:spPr>
+          <p:style>
+            <a:lnRef idx="2">
+              <a:schemeClr val="accent1"/>
+            </a:lnRef>
+            <a:fillRef idx="0">
+              <a:schemeClr val="accent1"/>
+            </a:fillRef>
+            <a:effectRef idx="1">
+              <a:schemeClr val="accent1"/>
+            </a:effectRef>
+            <a:fontRef idx="minor">
+              <a:schemeClr val="tx1"/>
+            </a:fontRef>
+          </p:style>
+        </p:cxnSp>
+        <p:cxnSp>
+          <p:nvCxnSpPr>
+            <p:cNvPr id="24" name="Straight Connector 23">
+              <a:extLst>
+                <a:ext uri="{FF2B5EF4-FFF2-40B4-BE49-F238E27FC236}">
+                  <a16:creationId xmlns:a16="http://schemas.microsoft.com/office/drawing/2014/main" id="{9BFD2FA4-6B5C-6FE7-4EAF-D82D29F2C643}"/>
+                </a:ext>
+              </a:extLst>
+            </p:cNvPr>
+            <p:cNvCxnSpPr>
+              <a:cxnSpLocks/>
+            </p:cNvCxnSpPr>
+            <p:nvPr/>
+          </p:nvCxnSpPr>
+          <p:spPr>
+            <a:xfrm flipV="1">
+              <a:off x="2630385" y="5248894"/>
+              <a:ext cx="120732" cy="164275"/>
+            </a:xfrm>
+            <a:prstGeom prst="line">
+              <a:avLst/>
+            </a:prstGeom>
+            <a:ln w="38100">
+              <a:solidFill>
+                <a:srgbClr val="FF0000"/>
+              </a:solidFill>
+            </a:ln>
+          </p:spPr>
+          <p:style>
+            <a:lnRef idx="2">
+              <a:schemeClr val="accent1"/>
+            </a:lnRef>
+            <a:fillRef idx="0">
+              <a:schemeClr val="accent1"/>
+            </a:fillRef>
+            <a:effectRef idx="1">
+              <a:schemeClr val="accent1"/>
+            </a:effectRef>
+            <a:fontRef idx="minor">
+              <a:schemeClr val="tx1"/>
+            </a:fontRef>
+          </p:style>
+        </p:cxnSp>
+      </p:grpSp>
+      <p:sp>
+        <p:nvSpPr>
+          <p:cNvPr id="26" name="Arc 25">
+            <a:extLst>
+              <a:ext uri="{FF2B5EF4-FFF2-40B4-BE49-F238E27FC236}">
+                <a16:creationId xmlns:a16="http://schemas.microsoft.com/office/drawing/2014/main" id="{4452DAC9-7CF5-C230-9E03-A2DDF52B5AB9}"/>
+              </a:ext>
+            </a:extLst>
+          </p:cNvPr>
+          <p:cNvSpPr/>
+          <p:nvPr/>
+        </p:nvSpPr>
+        <p:spPr>
+          <a:xfrm>
+            <a:off x="2612570" y="4180114"/>
+            <a:ext cx="1721923" cy="1626919"/>
+          </a:xfrm>
+          <a:prstGeom prst="arc">
+            <a:avLst>
+              <a:gd name="adj1" fmla="val 10736342"/>
+              <a:gd name="adj2" fmla="val 13215760"/>
+            </a:avLst>
+          </a:prstGeom>
+          <a:ln w="38100">
+            <a:solidFill>
+              <a:srgbClr val="FF0000"/>
+            </a:solidFill>
+          </a:ln>
+        </p:spPr>
+        <p:style>
+          <a:lnRef idx="2">
+            <a:schemeClr val="accent1"/>
+          </a:lnRef>
+          <a:fillRef idx="0">
+            <a:schemeClr val="accent1"/>
+          </a:fillRef>
+          <a:effectRef idx="1">
+            <a:schemeClr val="accent1"/>
+          </a:effectRef>
+          <a:fontRef idx="minor">
+            <a:schemeClr val="tx1"/>
+          </a:fontRef>
+        </p:style>
+        <p:txBody>
+          <a:bodyPr rtlCol="0" anchor="ctr"/>
+          <a:lstStyle/>
+          <a:p>
+            <a:pPr algn="ctr"/>
+            <a:endParaRPr lang="en-ES"/>
+          </a:p>
+        </p:txBody>
+      </p:sp>
+      <p:sp>
+        <p:nvSpPr>
+          <p:cNvPr id="9" name="Title 1">
+            <a:extLst>
+              <a:ext uri="{FF2B5EF4-FFF2-40B4-BE49-F238E27FC236}">
+                <a16:creationId xmlns:a16="http://schemas.microsoft.com/office/drawing/2014/main" id="{F13EC94B-399B-E38E-37E0-45E79477B9A7}"/>
+              </a:ext>
+            </a:extLst>
+          </p:cNvPr>
+          <p:cNvSpPr txBox="1">
+            <a:spLocks/>
+          </p:cNvSpPr>
+          <p:nvPr/>
+        </p:nvSpPr>
+        <p:spPr>
+          <a:xfrm>
+            <a:off x="838200" y="365125"/>
+            <a:ext cx="10515600" cy="1325563"/>
+          </a:xfrm>
+          <a:prstGeom prst="rect">
+            <a:avLst/>
+          </a:prstGeom>
+        </p:spPr>
+        <p:txBody>
+          <a:bodyPr/>
+          <a:lstStyle>
+            <a:lvl1pPr algn="l" defTabSz="914400" rtl="0" eaLnBrk="1" latinLnBrk="0" hangingPunct="1">
+              <a:lnSpc>
+                <a:spcPct val="90000"/>
+              </a:lnSpc>
+              <a:spcBef>
+                <a:spcPct val="0"/>
+              </a:spcBef>
+              <a:buNone/>
+              <a:defRPr sz="4400" kern="1200">
+                <a:solidFill>
+                  <a:schemeClr val="tx1"/>
+                </a:solidFill>
+                <a:latin typeface="+mj-lt"/>
+                <a:ea typeface="+mj-ea"/>
+                <a:cs typeface="+mj-cs"/>
+              </a:defRPr>
+            </a:lvl1pPr>
+          </a:lstStyle>
+          <a:p>
+            <a:r>
+              <a:rPr lang="en-ES" dirty="0"/>
+              <a:t>B2.S3.2</a:t>
+            </a:r>
+          </a:p>
+        </p:txBody>
+      </p:sp>
+      <p:cxnSp>
+        <p:nvCxnSpPr>
+          <p:cNvPr id="10" name="Straight Arrow Connector 9">
+            <a:extLst>
+              <a:ext uri="{FF2B5EF4-FFF2-40B4-BE49-F238E27FC236}">
+                <a16:creationId xmlns:a16="http://schemas.microsoft.com/office/drawing/2014/main" id="{6C7713CC-28F8-C6E2-F247-65CC3CDEF2ED}"/>
+              </a:ext>
+            </a:extLst>
+          </p:cNvPr>
+          <p:cNvCxnSpPr>
+            <a:cxnSpLocks/>
+          </p:cNvCxnSpPr>
+          <p:nvPr/>
+        </p:nvCxnSpPr>
+        <p:spPr>
+          <a:xfrm>
+            <a:off x="8295413" y="3361167"/>
+            <a:ext cx="402771" cy="0"/>
+          </a:xfrm>
+          <a:prstGeom prst="straightConnector1">
+            <a:avLst/>
+          </a:prstGeom>
+          <a:ln w="76200">
+            <a:solidFill>
+              <a:schemeClr val="tx1"/>
+            </a:solidFill>
+            <a:tailEnd type="triangle"/>
+          </a:ln>
+        </p:spPr>
+        <p:style>
+          <a:lnRef idx="2">
+            <a:schemeClr val="accent1"/>
+          </a:lnRef>
+          <a:fillRef idx="0">
+            <a:schemeClr val="accent1"/>
+          </a:fillRef>
+          <a:effectRef idx="1">
+            <a:schemeClr val="accent1"/>
+          </a:effectRef>
+          <a:fontRef idx="minor">
+            <a:schemeClr val="tx1"/>
+          </a:fontRef>
+        </p:style>
+      </p:cxnSp>
+      <p:grpSp>
+        <p:nvGrpSpPr>
+          <p:cNvPr id="32" name="Group 31">
+            <a:extLst>
+              <a:ext uri="{FF2B5EF4-FFF2-40B4-BE49-F238E27FC236}">
+                <a16:creationId xmlns:a16="http://schemas.microsoft.com/office/drawing/2014/main" id="{048EAFAF-9BA3-FDFE-9ACF-AAAB636FF3E8}"/>
+              </a:ext>
+            </a:extLst>
+          </p:cNvPr>
+          <p:cNvGrpSpPr/>
+          <p:nvPr/>
+        </p:nvGrpSpPr>
+        <p:grpSpPr>
+          <a:xfrm>
+            <a:off x="8242691" y="2481532"/>
+            <a:ext cx="492443" cy="714419"/>
+            <a:chOff x="6807375" y="1908879"/>
+            <a:chExt cx="492443" cy="714419"/>
+          </a:xfrm>
+        </p:grpSpPr>
+        <p:sp>
+          <p:nvSpPr>
+            <p:cNvPr id="33" name="TextBox 32">
+              <a:extLst>
+                <a:ext uri="{FF2B5EF4-FFF2-40B4-BE49-F238E27FC236}">
+                  <a16:creationId xmlns:a16="http://schemas.microsoft.com/office/drawing/2014/main" id="{B8ACA039-C6A0-C25B-1CCC-BC285DD48FE8}"/>
+                </a:ext>
+              </a:extLst>
+            </p:cNvPr>
+            <p:cNvSpPr txBox="1"/>
+            <p:nvPr/>
+          </p:nvSpPr>
+          <p:spPr>
+            <a:xfrm>
+              <a:off x="6807375" y="1976967"/>
+              <a:ext cx="444352" cy="646331"/>
+            </a:xfrm>
+            <a:prstGeom prst="rect">
+              <a:avLst/>
+            </a:prstGeom>
+            <a:noFill/>
+          </p:spPr>
+          <p:txBody>
+            <a:bodyPr wrap="none" rtlCol="0">
+              <a:spAutoFit/>
+            </a:bodyPr>
+            <a:lstStyle/>
+            <a:p>
+              <a:r>
+                <a:rPr lang="en-ES" sz="3600" dirty="0"/>
+                <a:t>p</a:t>
+              </a:r>
+              <a:endParaRPr lang="en-ES" sz="3600" baseline="-25000" dirty="0"/>
+            </a:p>
+          </p:txBody>
+        </p:sp>
+        <p:sp>
+          <p:nvSpPr>
+            <p:cNvPr id="34" name="TextBox 33">
+              <a:extLst>
+                <a:ext uri="{FF2B5EF4-FFF2-40B4-BE49-F238E27FC236}">
+                  <a16:creationId xmlns:a16="http://schemas.microsoft.com/office/drawing/2014/main" id="{FC18C7D2-4027-C551-6594-979890F6D6D3}"/>
+                </a:ext>
+              </a:extLst>
+            </p:cNvPr>
+            <p:cNvSpPr txBox="1"/>
+            <p:nvPr/>
+          </p:nvSpPr>
+          <p:spPr>
+            <a:xfrm>
+              <a:off x="6807375" y="1908879"/>
+              <a:ext cx="492443" cy="461665"/>
+            </a:xfrm>
+            <a:prstGeom prst="rect">
+              <a:avLst/>
+            </a:prstGeom>
+            <a:noFill/>
+          </p:spPr>
+          <p:txBody>
+            <a:bodyPr wrap="square" rtlCol="0">
+              <a:spAutoFit/>
+            </a:bodyPr>
+            <a:lstStyle/>
+            <a:p>
+              <a:r>
+                <a:rPr lang="en-ES" sz="2400" dirty="0"/>
+                <a:t>➝</a:t>
+              </a:r>
+            </a:p>
+          </p:txBody>
+        </p:sp>
+      </p:grpSp>
+      <p:cxnSp>
+        <p:nvCxnSpPr>
+          <p:cNvPr id="35" name="Straight Arrow Connector 34">
+            <a:extLst>
+              <a:ext uri="{FF2B5EF4-FFF2-40B4-BE49-F238E27FC236}">
+                <a16:creationId xmlns:a16="http://schemas.microsoft.com/office/drawing/2014/main" id="{FD3AFA48-7635-1EC1-8093-705313FB6501}"/>
+              </a:ext>
+            </a:extLst>
+          </p:cNvPr>
+          <p:cNvCxnSpPr>
+            <a:cxnSpLocks/>
+          </p:cNvCxnSpPr>
+          <p:nvPr/>
+        </p:nvCxnSpPr>
+        <p:spPr>
+          <a:xfrm>
+            <a:off x="4305081" y="3371183"/>
+            <a:ext cx="402771" cy="0"/>
+          </a:xfrm>
+          <a:prstGeom prst="straightConnector1">
+            <a:avLst/>
+          </a:prstGeom>
+          <a:ln w="76200">
+            <a:solidFill>
+              <a:schemeClr val="tx1"/>
+            </a:solidFill>
+            <a:tailEnd type="triangle"/>
+          </a:ln>
+        </p:spPr>
+        <p:style>
+          <a:lnRef idx="2">
+            <a:schemeClr val="accent1"/>
+          </a:lnRef>
+          <a:fillRef idx="0">
+            <a:schemeClr val="accent1"/>
+          </a:fillRef>
+          <a:effectRef idx="1">
+            <a:schemeClr val="accent1"/>
+          </a:effectRef>
+          <a:fontRef idx="minor">
+            <a:schemeClr val="tx1"/>
+          </a:fontRef>
+        </p:style>
+      </p:cxnSp>
+      <p:grpSp>
+        <p:nvGrpSpPr>
+          <p:cNvPr id="36" name="Group 35">
+            <a:extLst>
+              <a:ext uri="{FF2B5EF4-FFF2-40B4-BE49-F238E27FC236}">
+                <a16:creationId xmlns:a16="http://schemas.microsoft.com/office/drawing/2014/main" id="{FD7CB7C4-3DAB-2646-6107-B8F267E6776A}"/>
+              </a:ext>
+            </a:extLst>
+          </p:cNvPr>
+          <p:cNvGrpSpPr/>
+          <p:nvPr/>
+        </p:nvGrpSpPr>
+        <p:grpSpPr>
+          <a:xfrm>
+            <a:off x="4370182" y="2588364"/>
+            <a:ext cx="536494" cy="714419"/>
+            <a:chOff x="6807375" y="1908879"/>
+            <a:chExt cx="536494" cy="714419"/>
+          </a:xfrm>
+        </p:grpSpPr>
+        <p:sp>
+          <p:nvSpPr>
+            <p:cNvPr id="37" name="TextBox 36">
+              <a:extLst>
+                <a:ext uri="{FF2B5EF4-FFF2-40B4-BE49-F238E27FC236}">
+                  <a16:creationId xmlns:a16="http://schemas.microsoft.com/office/drawing/2014/main" id="{EDCEFE6C-C440-0D8B-B05F-7F527EF13A4C}"/>
+                </a:ext>
+              </a:extLst>
+            </p:cNvPr>
+            <p:cNvSpPr txBox="1"/>
+            <p:nvPr/>
+          </p:nvSpPr>
+          <p:spPr>
+            <a:xfrm>
+              <a:off x="6807375" y="1976967"/>
+              <a:ext cx="536494" cy="646331"/>
+            </a:xfrm>
+            <a:prstGeom prst="rect">
+              <a:avLst/>
+            </a:prstGeom>
+            <a:noFill/>
+          </p:spPr>
+          <p:txBody>
+            <a:bodyPr wrap="none" rtlCol="0">
+              <a:spAutoFit/>
+            </a:bodyPr>
+            <a:lstStyle/>
+            <a:p>
+              <a:r>
+                <a:rPr lang="en-ES" sz="3600" dirty="0"/>
+                <a:t>p'</a:t>
+              </a:r>
+              <a:endParaRPr lang="en-ES" sz="3600" baseline="-25000" dirty="0"/>
+            </a:p>
+          </p:txBody>
+        </p:sp>
+        <p:sp>
+          <p:nvSpPr>
+            <p:cNvPr id="38" name="TextBox 37">
+              <a:extLst>
+                <a:ext uri="{FF2B5EF4-FFF2-40B4-BE49-F238E27FC236}">
+                  <a16:creationId xmlns:a16="http://schemas.microsoft.com/office/drawing/2014/main" id="{66DD7653-60D8-9F54-E7B5-FDB7C18160FE}"/>
+                </a:ext>
+              </a:extLst>
+            </p:cNvPr>
+            <p:cNvSpPr txBox="1"/>
+            <p:nvPr/>
+          </p:nvSpPr>
+          <p:spPr>
+            <a:xfrm>
+              <a:off x="6807375" y="1908879"/>
+              <a:ext cx="492443" cy="461665"/>
+            </a:xfrm>
+            <a:prstGeom prst="rect">
+              <a:avLst/>
+            </a:prstGeom>
+            <a:noFill/>
+          </p:spPr>
+          <p:txBody>
+            <a:bodyPr wrap="square" rtlCol="0">
+              <a:spAutoFit/>
+            </a:bodyPr>
+            <a:lstStyle/>
+            <a:p>
+              <a:r>
+                <a:rPr lang="en-ES" sz="2400" dirty="0"/>
+                <a:t>➝</a:t>
+              </a:r>
+            </a:p>
+          </p:txBody>
+        </p:sp>
+      </p:grpSp>
+      <p:sp>
+        <p:nvSpPr>
+          <p:cNvPr id="39" name="Oval 38">
+            <a:extLst>
+              <a:ext uri="{FF2B5EF4-FFF2-40B4-BE49-F238E27FC236}">
+                <a16:creationId xmlns:a16="http://schemas.microsoft.com/office/drawing/2014/main" id="{BB20B94A-411C-9E84-662C-62BF4BA5AB2F}"/>
+              </a:ext>
+            </a:extLst>
+          </p:cNvPr>
+          <p:cNvSpPr/>
+          <p:nvPr/>
+        </p:nvSpPr>
+        <p:spPr>
+          <a:xfrm>
+            <a:off x="4249447" y="3277590"/>
+            <a:ext cx="166255" cy="178129"/>
+          </a:xfrm>
+          <a:prstGeom prst="ellipse">
+            <a:avLst/>
+          </a:prstGeom>
+        </p:spPr>
+        <p:style>
+          <a:lnRef idx="2">
+            <a:schemeClr val="accent1">
+              <a:shade val="15000"/>
+            </a:schemeClr>
+          </a:lnRef>
+          <a:fillRef idx="1">
+            <a:schemeClr val="accent1"/>
+          </a:fillRef>
+          <a:effectRef idx="0">
+            <a:schemeClr val="accent1"/>
+          </a:effectRef>
+          <a:fontRef idx="minor">
+            <a:schemeClr val="lt1"/>
+          </a:fontRef>
+        </p:style>
+        <p:txBody>
+          <a:bodyPr rtlCol="0" anchor="ctr"/>
+          <a:lstStyle/>
+          <a:p>
+            <a:pPr algn="ctr"/>
+            <a:endParaRPr lang="en-ES"/>
+          </a:p>
+        </p:txBody>
+      </p:sp>
+      <p:sp>
+        <p:nvSpPr>
+          <p:cNvPr id="40" name="TextBox 39">
+            <a:extLst>
+              <a:ext uri="{FF2B5EF4-FFF2-40B4-BE49-F238E27FC236}">
+                <a16:creationId xmlns:a16="http://schemas.microsoft.com/office/drawing/2014/main" id="{58C54DAD-07BD-9AB3-07F7-4FC0E33F002D}"/>
+              </a:ext>
+            </a:extLst>
+          </p:cNvPr>
+          <p:cNvSpPr txBox="1"/>
+          <p:nvPr/>
+        </p:nvSpPr>
+        <p:spPr>
+          <a:xfrm>
+            <a:off x="3831218" y="2732141"/>
+            <a:ext cx="704039" cy="584775"/>
+          </a:xfrm>
+          <a:prstGeom prst="rect">
+            <a:avLst/>
+          </a:prstGeom>
+          <a:noFill/>
+        </p:spPr>
+        <p:txBody>
+          <a:bodyPr wrap="none" rtlCol="0">
+            <a:spAutoFit/>
+          </a:bodyPr>
+          <a:lstStyle/>
+          <a:p>
+            <a:r>
+              <a:rPr lang="en-ES" sz="3200" dirty="0"/>
+              <a:t>Q'</a:t>
+            </a:r>
+            <a:r>
+              <a:rPr lang="en-ES" sz="3200" baseline="-25000" dirty="0"/>
+              <a:t>T</a:t>
+            </a:r>
+            <a:endParaRPr lang="en-ES" baseline="-25000" dirty="0"/>
+          </a:p>
+        </p:txBody>
+      </p:sp>
+    </p:spTree>
+    <p:extLst>
+      <p:ext uri="{BB962C8B-B14F-4D97-AF65-F5344CB8AC3E}">
+        <p14:creationId xmlns:p14="http://schemas.microsoft.com/office/powerpoint/2010/main" val="138714402"/>
+      </p:ext>
+    </p:extLst>
+  </p:cSld>
+  <p:clrMapOvr>
+    <a:masterClrMapping/>
+  </p:clrMapOvr>
+</p:sld>
+</file>
+
+<file path=ppt/slides/slide14.xml><?xml version="1.0" encoding="utf-8"?>
+<p:sld xmlns:a="http://schemas.openxmlformats.org/drawingml/2006/main" xmlns:r="http://schemas.openxmlformats.org/officeDocument/2006/relationships" xmlns:p="http://schemas.openxmlformats.org/presentationml/2006/main">
+  <p:cSld>
+    <p:spTree>
+      <p:nvGrpSpPr>
+        <p:cNvPr id="1" name="">
+          <a:extLst>
+            <a:ext uri="{FF2B5EF4-FFF2-40B4-BE49-F238E27FC236}">
+              <a16:creationId xmlns:a16="http://schemas.microsoft.com/office/drawing/2014/main" id="{746075D9-B264-825B-532B-B180860E63AF}"/>
+            </a:ext>
+          </a:extLst>
+        </p:cNvPr>
+        <p:cNvGrpSpPr/>
+        <p:nvPr/>
+      </p:nvGrpSpPr>
+      <p:grpSpPr>
+        <a:xfrm>
+          <a:off x="0" y="0"/>
+          <a:ext cx="0" cy="0"/>
+          <a:chOff x="0" y="0"/>
+          <a:chExt cx="0" cy="0"/>
+        </a:xfrm>
+      </p:grpSpPr>
+      <p:cxnSp>
+        <p:nvCxnSpPr>
+          <p:cNvPr id="5" name="Straight Arrow Connector 4">
+            <a:extLst>
+              <a:ext uri="{FF2B5EF4-FFF2-40B4-BE49-F238E27FC236}">
+                <a16:creationId xmlns:a16="http://schemas.microsoft.com/office/drawing/2014/main" id="{B5763DD9-993C-3514-E675-95E24402EB2D}"/>
+              </a:ext>
+            </a:extLst>
+          </p:cNvPr>
+          <p:cNvCxnSpPr/>
+          <p:nvPr/>
+        </p:nvCxnSpPr>
+        <p:spPr>
+          <a:xfrm>
+            <a:off x="1728788" y="3371850"/>
+            <a:ext cx="8186737" cy="0"/>
+          </a:xfrm>
+          <a:prstGeom prst="straightConnector1">
+            <a:avLst/>
+          </a:prstGeom>
+          <a:ln w="38100">
+            <a:tailEnd type="triangle"/>
+          </a:ln>
+        </p:spPr>
+        <p:style>
+          <a:lnRef idx="2">
+            <a:schemeClr val="accent1"/>
+          </a:lnRef>
+          <a:fillRef idx="0">
+            <a:schemeClr val="accent1"/>
+          </a:fillRef>
+          <a:effectRef idx="1">
+            <a:schemeClr val="accent1"/>
+          </a:effectRef>
+          <a:fontRef idx="minor">
+            <a:schemeClr val="tx1"/>
+          </a:fontRef>
+        </p:style>
+      </p:cxnSp>
+      <p:sp>
+        <p:nvSpPr>
+          <p:cNvPr id="6" name="Oval 5">
+            <a:extLst>
+              <a:ext uri="{FF2B5EF4-FFF2-40B4-BE49-F238E27FC236}">
+                <a16:creationId xmlns:a16="http://schemas.microsoft.com/office/drawing/2014/main" id="{4ABC2F58-A019-92D9-6FD2-20C8F41FB173}"/>
+              </a:ext>
+            </a:extLst>
+          </p:cNvPr>
+          <p:cNvSpPr/>
+          <p:nvPr/>
+        </p:nvSpPr>
+        <p:spPr>
+          <a:xfrm>
+            <a:off x="3598223" y="3277590"/>
+            <a:ext cx="166255" cy="178129"/>
+          </a:xfrm>
+          <a:prstGeom prst="ellipse">
+            <a:avLst/>
+          </a:prstGeom>
+        </p:spPr>
+        <p:style>
+          <a:lnRef idx="2">
+            <a:schemeClr val="accent1">
+              <a:shade val="15000"/>
+            </a:schemeClr>
+          </a:lnRef>
+          <a:fillRef idx="1">
+            <a:schemeClr val="accent1"/>
+          </a:fillRef>
+          <a:effectRef idx="0">
+            <a:schemeClr val="accent1"/>
+          </a:effectRef>
+          <a:fontRef idx="minor">
+            <a:schemeClr val="lt1"/>
+          </a:fontRef>
+        </p:style>
+        <p:txBody>
+          <a:bodyPr rtlCol="0" anchor="ctr"/>
+          <a:lstStyle/>
+          <a:p>
+            <a:pPr algn="ctr"/>
+            <a:endParaRPr lang="en-ES"/>
+          </a:p>
+        </p:txBody>
+      </p:sp>
+      <p:sp>
+        <p:nvSpPr>
+          <p:cNvPr id="7" name="TextBox 6">
+            <a:extLst>
+              <a:ext uri="{FF2B5EF4-FFF2-40B4-BE49-F238E27FC236}">
+                <a16:creationId xmlns:a16="http://schemas.microsoft.com/office/drawing/2014/main" id="{26DF3C7A-0632-AEFC-D827-6BFB079255A9}"/>
+              </a:ext>
+            </a:extLst>
+          </p:cNvPr>
+          <p:cNvSpPr txBox="1"/>
+          <p:nvPr/>
+        </p:nvSpPr>
+        <p:spPr>
+          <a:xfrm>
+            <a:off x="3264205" y="2786408"/>
+            <a:ext cx="404278" cy="584775"/>
+          </a:xfrm>
+          <a:prstGeom prst="rect">
+            <a:avLst/>
+          </a:prstGeom>
+          <a:noFill/>
+        </p:spPr>
+        <p:txBody>
+          <a:bodyPr wrap="none" rtlCol="0">
+            <a:spAutoFit/>
+          </a:bodyPr>
+          <a:lstStyle/>
+          <a:p>
+            <a:r>
+              <a:rPr lang="en-ES" sz="3200" dirty="0"/>
+              <a:t>0</a:t>
+            </a:r>
+            <a:endParaRPr lang="en-ES" dirty="0"/>
+          </a:p>
+        </p:txBody>
+      </p:sp>
+      <p:sp>
+        <p:nvSpPr>
+          <p:cNvPr id="8" name="Oval 7">
+            <a:extLst>
+              <a:ext uri="{FF2B5EF4-FFF2-40B4-BE49-F238E27FC236}">
+                <a16:creationId xmlns:a16="http://schemas.microsoft.com/office/drawing/2014/main" id="{20A35E1E-B36B-E23D-6EBD-E993B7DEA20C}"/>
+              </a:ext>
+            </a:extLst>
+          </p:cNvPr>
+          <p:cNvSpPr/>
+          <p:nvPr/>
+        </p:nvSpPr>
+        <p:spPr>
+          <a:xfrm>
+            <a:off x="1832260" y="1514059"/>
+            <a:ext cx="3672446" cy="3694216"/>
+          </a:xfrm>
+          <a:prstGeom prst="ellipse">
+            <a:avLst/>
+          </a:prstGeom>
+          <a:noFill/>
+          <a:ln w="38100" cap="flat" cmpd="sng" algn="ctr">
+            <a:solidFill>
+              <a:srgbClr val="FF0000"/>
+            </a:solidFill>
+            <a:prstDash val="dash"/>
+            <a:round/>
+            <a:headEnd type="none" w="med" len="med"/>
+            <a:tailEnd type="none" w="med" len="med"/>
+          </a:ln>
+        </p:spPr>
+        <p:style>
+          <a:lnRef idx="0">
+            <a:scrgbClr r="0" g="0" b="0"/>
+          </a:lnRef>
+          <a:fillRef idx="0">
+            <a:scrgbClr r="0" g="0" b="0"/>
+          </a:fillRef>
+          <a:effectRef idx="0">
+            <a:scrgbClr r="0" g="0" b="0"/>
+          </a:effectRef>
+          <a:fontRef idx="minor">
+            <a:schemeClr val="dk1"/>
+          </a:fontRef>
+        </p:style>
+        <p:txBody>
+          <a:bodyPr rtlCol="0" anchor="ctr"/>
+          <a:lstStyle/>
+          <a:p>
+            <a:pPr algn="ctr"/>
+            <a:endParaRPr lang="en-ES"/>
+          </a:p>
+        </p:txBody>
+      </p:sp>
+      <p:sp>
+        <p:nvSpPr>
+          <p:cNvPr id="13" name="Left Bracket 12">
+            <a:extLst>
+              <a:ext uri="{FF2B5EF4-FFF2-40B4-BE49-F238E27FC236}">
+                <a16:creationId xmlns:a16="http://schemas.microsoft.com/office/drawing/2014/main" id="{C14AD376-A594-A0DA-BDB3-0958643FC146}"/>
+              </a:ext>
+            </a:extLst>
+          </p:cNvPr>
+          <p:cNvSpPr/>
+          <p:nvPr/>
+        </p:nvSpPr>
+        <p:spPr>
+          <a:xfrm rot="16200000">
+            <a:off x="6026728" y="3542807"/>
+            <a:ext cx="166255" cy="4809509"/>
+          </a:xfrm>
+          <a:prstGeom prst="leftBracket">
+            <a:avLst/>
+          </a:prstGeom>
+          <a:ln w="38100"/>
+        </p:spPr>
+        <p:style>
+          <a:lnRef idx="2">
+            <a:schemeClr val="accent1"/>
+          </a:lnRef>
+          <a:fillRef idx="0">
+            <a:schemeClr val="accent1"/>
+          </a:fillRef>
+          <a:effectRef idx="1">
+            <a:schemeClr val="accent1"/>
+          </a:effectRef>
+          <a:fontRef idx="minor">
+            <a:schemeClr val="tx1"/>
+          </a:fontRef>
+        </p:style>
+        <p:txBody>
+          <a:bodyPr rtlCol="0" anchor="ctr"/>
+          <a:lstStyle/>
+          <a:p>
+            <a:pPr algn="ctr"/>
+            <a:endParaRPr lang="en-ES" dirty="0"/>
+          </a:p>
+        </p:txBody>
+      </p:sp>
+      <p:sp>
+        <p:nvSpPr>
+          <p:cNvPr id="14" name="Left Bracket 13">
+            <a:extLst>
+              <a:ext uri="{FF2B5EF4-FFF2-40B4-BE49-F238E27FC236}">
+                <a16:creationId xmlns:a16="http://schemas.microsoft.com/office/drawing/2014/main" id="{D905BA6B-123B-52BB-96A1-32BACAD88736}"/>
+              </a:ext>
+            </a:extLst>
+          </p:cNvPr>
+          <p:cNvSpPr/>
+          <p:nvPr/>
+        </p:nvSpPr>
+        <p:spPr>
+          <a:xfrm rot="16200000">
+            <a:off x="4273138" y="4758048"/>
+            <a:ext cx="168235" cy="1332018"/>
+          </a:xfrm>
+          <a:prstGeom prst="leftBracket">
+            <a:avLst/>
+          </a:prstGeom>
+          <a:ln w="38100"/>
+        </p:spPr>
+        <p:style>
+          <a:lnRef idx="2">
+            <a:schemeClr val="accent1"/>
+          </a:lnRef>
+          <a:fillRef idx="0">
+            <a:schemeClr val="accent1"/>
+          </a:fillRef>
+          <a:effectRef idx="1">
+            <a:schemeClr val="accent1"/>
+          </a:effectRef>
+          <a:fontRef idx="minor">
+            <a:schemeClr val="tx1"/>
+          </a:fontRef>
+        </p:style>
+        <p:txBody>
+          <a:bodyPr rtlCol="0" anchor="ctr"/>
+          <a:lstStyle/>
+          <a:p>
+            <a:pPr algn="ctr"/>
+            <a:endParaRPr lang="en-ES" dirty="0"/>
+          </a:p>
+        </p:txBody>
+      </p:sp>
+      <p:sp>
+        <p:nvSpPr>
+          <p:cNvPr id="15" name="Left Bracket 14">
+            <a:extLst>
+              <a:ext uri="{FF2B5EF4-FFF2-40B4-BE49-F238E27FC236}">
+                <a16:creationId xmlns:a16="http://schemas.microsoft.com/office/drawing/2014/main" id="{C38797DC-B676-8C5B-8C35-36A21D773294}"/>
+              </a:ext>
+            </a:extLst>
+          </p:cNvPr>
+          <p:cNvSpPr/>
+          <p:nvPr/>
+        </p:nvSpPr>
+        <p:spPr>
+          <a:xfrm rot="16200000">
+            <a:off x="3916552" y="3967680"/>
+            <a:ext cx="178127" cy="656442"/>
+          </a:xfrm>
+          <a:prstGeom prst="leftBracket">
+            <a:avLst/>
+          </a:prstGeom>
+          <a:ln w="38100"/>
+        </p:spPr>
+        <p:style>
+          <a:lnRef idx="2">
+            <a:schemeClr val="accent1"/>
+          </a:lnRef>
+          <a:fillRef idx="0">
+            <a:schemeClr val="accent1"/>
+          </a:fillRef>
+          <a:effectRef idx="1">
+            <a:schemeClr val="accent1"/>
+          </a:effectRef>
+          <a:fontRef idx="minor">
+            <a:schemeClr val="tx1"/>
+          </a:fontRef>
+        </p:style>
+        <p:txBody>
+          <a:bodyPr rtlCol="0" anchor="ctr"/>
+          <a:lstStyle/>
+          <a:p>
+            <a:pPr algn="ctr"/>
+            <a:endParaRPr lang="en-ES" dirty="0"/>
+          </a:p>
+        </p:txBody>
+      </p:sp>
+      <p:sp>
+        <p:nvSpPr>
+          <p:cNvPr id="16" name="TextBox 15">
+            <a:extLst>
+              <a:ext uri="{FF2B5EF4-FFF2-40B4-BE49-F238E27FC236}">
+                <a16:creationId xmlns:a16="http://schemas.microsoft.com/office/drawing/2014/main" id="{F793FF0A-8937-08D2-1310-3B4A47DBAA49}"/>
+              </a:ext>
+            </a:extLst>
+          </p:cNvPr>
+          <p:cNvSpPr txBox="1"/>
+          <p:nvPr/>
+        </p:nvSpPr>
+        <p:spPr>
+          <a:xfrm>
+            <a:off x="5864433" y="5957453"/>
+            <a:ext cx="415498" cy="584775"/>
+          </a:xfrm>
+          <a:prstGeom prst="rect">
+            <a:avLst/>
+          </a:prstGeom>
+          <a:noFill/>
+        </p:spPr>
+        <p:txBody>
+          <a:bodyPr wrap="none" rtlCol="0">
+            <a:spAutoFit/>
+          </a:bodyPr>
+          <a:lstStyle/>
+          <a:p>
+            <a:r>
+              <a:rPr lang="en-ES" sz="3200" dirty="0"/>
+              <a:t>d</a:t>
+            </a:r>
+            <a:endParaRPr lang="en-ES" dirty="0"/>
+          </a:p>
+        </p:txBody>
+      </p:sp>
+      <p:sp>
+        <p:nvSpPr>
+          <p:cNvPr id="17" name="TextBox 16">
+            <a:extLst>
+              <a:ext uri="{FF2B5EF4-FFF2-40B4-BE49-F238E27FC236}">
+                <a16:creationId xmlns:a16="http://schemas.microsoft.com/office/drawing/2014/main" id="{3A2A4A39-E45D-AC6A-09BA-6EBB1012D984}"/>
+              </a:ext>
+            </a:extLst>
+          </p:cNvPr>
+          <p:cNvSpPr txBox="1"/>
+          <p:nvPr/>
+        </p:nvSpPr>
+        <p:spPr>
+          <a:xfrm>
+            <a:off x="3799115" y="4276106"/>
+            <a:ext cx="502061" cy="584775"/>
+          </a:xfrm>
+          <a:prstGeom prst="rect">
+            <a:avLst/>
+          </a:prstGeom>
+          <a:noFill/>
+        </p:spPr>
+        <p:txBody>
+          <a:bodyPr wrap="none" rtlCol="0">
+            <a:spAutoFit/>
+          </a:bodyPr>
+          <a:lstStyle/>
+          <a:p>
+            <a:r>
+              <a:rPr lang="en-ES" sz="3200" dirty="0"/>
+              <a:t>d'</a:t>
+            </a:r>
+          </a:p>
+        </p:txBody>
+      </p:sp>
+      <p:sp>
+        <p:nvSpPr>
+          <p:cNvPr id="18" name="TextBox 17">
+            <a:extLst>
+              <a:ext uri="{FF2B5EF4-FFF2-40B4-BE49-F238E27FC236}">
+                <a16:creationId xmlns:a16="http://schemas.microsoft.com/office/drawing/2014/main" id="{7AFAE7BA-7A0A-C319-82A4-AA88835A3320}"/>
+              </a:ext>
+            </a:extLst>
+          </p:cNvPr>
+          <p:cNvSpPr txBox="1"/>
+          <p:nvPr/>
+        </p:nvSpPr>
+        <p:spPr>
+          <a:xfrm>
+            <a:off x="4176158" y="5349832"/>
+            <a:ext cx="402674" cy="584775"/>
+          </a:xfrm>
+          <a:prstGeom prst="rect">
+            <a:avLst/>
+          </a:prstGeom>
+          <a:noFill/>
+        </p:spPr>
+        <p:txBody>
+          <a:bodyPr wrap="none" rtlCol="0">
+            <a:spAutoFit/>
+          </a:bodyPr>
+          <a:lstStyle/>
+          <a:p>
+            <a:r>
+              <a:rPr lang="en-ES" sz="3200" dirty="0"/>
+              <a:t>a</a:t>
+            </a:r>
+            <a:endParaRPr lang="en-ES" dirty="0"/>
+          </a:p>
+        </p:txBody>
+      </p:sp>
+      <p:sp>
+        <p:nvSpPr>
+          <p:cNvPr id="9" name="Title 1">
+            <a:extLst>
+              <a:ext uri="{FF2B5EF4-FFF2-40B4-BE49-F238E27FC236}">
+                <a16:creationId xmlns:a16="http://schemas.microsoft.com/office/drawing/2014/main" id="{934B5B96-0088-F82B-5A7B-D18FA389AB89}"/>
+              </a:ext>
+            </a:extLst>
+          </p:cNvPr>
+          <p:cNvSpPr txBox="1">
+            <a:spLocks/>
+          </p:cNvSpPr>
+          <p:nvPr/>
+        </p:nvSpPr>
+        <p:spPr>
+          <a:xfrm>
+            <a:off x="838200" y="365125"/>
+            <a:ext cx="10515600" cy="1325563"/>
+          </a:xfrm>
+          <a:prstGeom prst="rect">
+            <a:avLst/>
+          </a:prstGeom>
+        </p:spPr>
+        <p:txBody>
+          <a:bodyPr/>
+          <a:lstStyle>
+            <a:lvl1pPr algn="l" defTabSz="914400" rtl="0" eaLnBrk="1" latinLnBrk="0" hangingPunct="1">
+              <a:lnSpc>
+                <a:spcPct val="90000"/>
+              </a:lnSpc>
+              <a:spcBef>
+                <a:spcPct val="0"/>
+              </a:spcBef>
+              <a:buNone/>
+              <a:defRPr sz="4400" kern="1200">
+                <a:solidFill>
+                  <a:schemeClr val="tx1"/>
+                </a:solidFill>
+                <a:latin typeface="+mj-lt"/>
+                <a:ea typeface="+mj-ea"/>
+                <a:cs typeface="+mj-cs"/>
+              </a:defRPr>
+            </a:lvl1pPr>
+          </a:lstStyle>
+          <a:p>
+            <a:r>
+              <a:rPr lang="en-ES" dirty="0"/>
+              <a:t>B2.S3.2</a:t>
+            </a:r>
+          </a:p>
+        </p:txBody>
+      </p:sp>
+      <p:cxnSp>
+        <p:nvCxnSpPr>
+          <p:cNvPr id="10" name="Straight Arrow Connector 9">
+            <a:extLst>
+              <a:ext uri="{FF2B5EF4-FFF2-40B4-BE49-F238E27FC236}">
+                <a16:creationId xmlns:a16="http://schemas.microsoft.com/office/drawing/2014/main" id="{7A1D212A-2AB5-CCC3-A44B-C7E9FA75A584}"/>
+              </a:ext>
+            </a:extLst>
+          </p:cNvPr>
+          <p:cNvCxnSpPr>
+            <a:cxnSpLocks/>
+          </p:cNvCxnSpPr>
+          <p:nvPr/>
+        </p:nvCxnSpPr>
+        <p:spPr>
+          <a:xfrm>
+            <a:off x="8295413" y="3361167"/>
+            <a:ext cx="402771" cy="0"/>
+          </a:xfrm>
+          <a:prstGeom prst="straightConnector1">
+            <a:avLst/>
+          </a:prstGeom>
+          <a:ln w="76200">
+            <a:solidFill>
+              <a:schemeClr val="tx1"/>
+            </a:solidFill>
+            <a:tailEnd type="triangle"/>
+          </a:ln>
+        </p:spPr>
+        <p:style>
+          <a:lnRef idx="2">
+            <a:schemeClr val="accent1"/>
+          </a:lnRef>
+          <a:fillRef idx="0">
+            <a:schemeClr val="accent1"/>
+          </a:fillRef>
+          <a:effectRef idx="1">
+            <a:schemeClr val="accent1"/>
+          </a:effectRef>
+          <a:fontRef idx="minor">
+            <a:schemeClr val="tx1"/>
+          </a:fontRef>
+        </p:style>
+      </p:cxnSp>
+      <p:grpSp>
+        <p:nvGrpSpPr>
+          <p:cNvPr id="32" name="Group 31">
+            <a:extLst>
+              <a:ext uri="{FF2B5EF4-FFF2-40B4-BE49-F238E27FC236}">
+                <a16:creationId xmlns:a16="http://schemas.microsoft.com/office/drawing/2014/main" id="{0618F7BC-A860-C613-EC4D-281DDB03791A}"/>
+              </a:ext>
+            </a:extLst>
+          </p:cNvPr>
+          <p:cNvGrpSpPr/>
+          <p:nvPr/>
+        </p:nvGrpSpPr>
+        <p:grpSpPr>
+          <a:xfrm>
+            <a:off x="8295413" y="3460253"/>
+            <a:ext cx="492443" cy="714419"/>
+            <a:chOff x="6807375" y="1908879"/>
+            <a:chExt cx="492443" cy="714419"/>
+          </a:xfrm>
+        </p:grpSpPr>
+        <p:sp>
+          <p:nvSpPr>
+            <p:cNvPr id="33" name="TextBox 32">
+              <a:extLst>
+                <a:ext uri="{FF2B5EF4-FFF2-40B4-BE49-F238E27FC236}">
+                  <a16:creationId xmlns:a16="http://schemas.microsoft.com/office/drawing/2014/main" id="{F9423E74-077D-F3D4-3EC5-AE7876EF297A}"/>
+                </a:ext>
+              </a:extLst>
+            </p:cNvPr>
+            <p:cNvSpPr txBox="1"/>
+            <p:nvPr/>
+          </p:nvSpPr>
+          <p:spPr>
+            <a:xfrm>
+              <a:off x="6807375" y="1976967"/>
+              <a:ext cx="444352" cy="646331"/>
+            </a:xfrm>
+            <a:prstGeom prst="rect">
+              <a:avLst/>
+            </a:prstGeom>
+            <a:noFill/>
+          </p:spPr>
+          <p:txBody>
+            <a:bodyPr wrap="none" rtlCol="0">
+              <a:spAutoFit/>
+            </a:bodyPr>
+            <a:lstStyle/>
+            <a:p>
+              <a:r>
+                <a:rPr lang="en-ES" sz="3600" dirty="0"/>
+                <a:t>p</a:t>
+              </a:r>
+              <a:endParaRPr lang="en-ES" sz="3600" baseline="-25000" dirty="0"/>
+            </a:p>
+          </p:txBody>
+        </p:sp>
+        <p:sp>
+          <p:nvSpPr>
+            <p:cNvPr id="34" name="TextBox 33">
+              <a:extLst>
+                <a:ext uri="{FF2B5EF4-FFF2-40B4-BE49-F238E27FC236}">
+                  <a16:creationId xmlns:a16="http://schemas.microsoft.com/office/drawing/2014/main" id="{22ABE09D-0045-36A9-6F90-714DD6995365}"/>
+                </a:ext>
+              </a:extLst>
+            </p:cNvPr>
+            <p:cNvSpPr txBox="1"/>
+            <p:nvPr/>
+          </p:nvSpPr>
+          <p:spPr>
+            <a:xfrm>
+              <a:off x="6807375" y="1908879"/>
+              <a:ext cx="492443" cy="461665"/>
+            </a:xfrm>
+            <a:prstGeom prst="rect">
+              <a:avLst/>
+            </a:prstGeom>
+            <a:noFill/>
+          </p:spPr>
+          <p:txBody>
+            <a:bodyPr wrap="square" rtlCol="0">
+              <a:spAutoFit/>
+            </a:bodyPr>
+            <a:lstStyle/>
+            <a:p>
+              <a:r>
+                <a:rPr lang="en-ES" sz="2400" dirty="0"/>
+                <a:t>➝</a:t>
+              </a:r>
+            </a:p>
+          </p:txBody>
+        </p:sp>
+      </p:grpSp>
+      <p:cxnSp>
+        <p:nvCxnSpPr>
+          <p:cNvPr id="35" name="Straight Arrow Connector 34">
+            <a:extLst>
+              <a:ext uri="{FF2B5EF4-FFF2-40B4-BE49-F238E27FC236}">
+                <a16:creationId xmlns:a16="http://schemas.microsoft.com/office/drawing/2014/main" id="{6CA5ED51-2612-EC3D-5D32-F3007D904DDE}"/>
+              </a:ext>
+            </a:extLst>
+          </p:cNvPr>
+          <p:cNvCxnSpPr>
+            <a:cxnSpLocks/>
+          </p:cNvCxnSpPr>
+          <p:nvPr/>
+        </p:nvCxnSpPr>
+        <p:spPr>
+          <a:xfrm>
+            <a:off x="4305081" y="3371183"/>
+            <a:ext cx="402771" cy="0"/>
+          </a:xfrm>
+          <a:prstGeom prst="straightConnector1">
+            <a:avLst/>
+          </a:prstGeom>
+          <a:ln w="76200">
+            <a:solidFill>
+              <a:schemeClr val="tx1"/>
+            </a:solidFill>
+            <a:tailEnd type="triangle"/>
+          </a:ln>
+        </p:spPr>
+        <p:style>
+          <a:lnRef idx="2">
+            <a:schemeClr val="accent1"/>
+          </a:lnRef>
+          <a:fillRef idx="0">
+            <a:schemeClr val="accent1"/>
+          </a:fillRef>
+          <a:effectRef idx="1">
+            <a:schemeClr val="accent1"/>
+          </a:effectRef>
+          <a:fontRef idx="minor">
+            <a:schemeClr val="tx1"/>
+          </a:fontRef>
+        </p:style>
+      </p:cxnSp>
+      <p:grpSp>
+        <p:nvGrpSpPr>
+          <p:cNvPr id="36" name="Group 35">
+            <a:extLst>
+              <a:ext uri="{FF2B5EF4-FFF2-40B4-BE49-F238E27FC236}">
+                <a16:creationId xmlns:a16="http://schemas.microsoft.com/office/drawing/2014/main" id="{D1654F4F-7C49-BECF-17CD-5741369D18A2}"/>
+              </a:ext>
+            </a:extLst>
+          </p:cNvPr>
+          <p:cNvGrpSpPr/>
+          <p:nvPr/>
+        </p:nvGrpSpPr>
+        <p:grpSpPr>
+          <a:xfrm>
+            <a:off x="4439605" y="3333875"/>
+            <a:ext cx="536494" cy="714419"/>
+            <a:chOff x="6807375" y="1908879"/>
+            <a:chExt cx="536494" cy="714419"/>
+          </a:xfrm>
+        </p:grpSpPr>
+        <p:sp>
+          <p:nvSpPr>
+            <p:cNvPr id="37" name="TextBox 36">
+              <a:extLst>
+                <a:ext uri="{FF2B5EF4-FFF2-40B4-BE49-F238E27FC236}">
+                  <a16:creationId xmlns:a16="http://schemas.microsoft.com/office/drawing/2014/main" id="{698B3DF1-CE3D-9021-24F0-3D2D302A83C2}"/>
+                </a:ext>
+              </a:extLst>
+            </p:cNvPr>
+            <p:cNvSpPr txBox="1"/>
+            <p:nvPr/>
+          </p:nvSpPr>
+          <p:spPr>
+            <a:xfrm>
+              <a:off x="6807375" y="1976967"/>
+              <a:ext cx="536494" cy="646331"/>
+            </a:xfrm>
+            <a:prstGeom prst="rect">
+              <a:avLst/>
+            </a:prstGeom>
+            <a:noFill/>
+          </p:spPr>
+          <p:txBody>
+            <a:bodyPr wrap="none" rtlCol="0">
+              <a:spAutoFit/>
+            </a:bodyPr>
+            <a:lstStyle/>
+            <a:p>
+              <a:r>
+                <a:rPr lang="en-ES" sz="3600" dirty="0"/>
+                <a:t>p'</a:t>
+              </a:r>
+              <a:endParaRPr lang="en-ES" sz="3600" baseline="-25000" dirty="0"/>
+            </a:p>
+          </p:txBody>
+        </p:sp>
+        <p:sp>
+          <p:nvSpPr>
+            <p:cNvPr id="38" name="TextBox 37">
+              <a:extLst>
+                <a:ext uri="{FF2B5EF4-FFF2-40B4-BE49-F238E27FC236}">
+                  <a16:creationId xmlns:a16="http://schemas.microsoft.com/office/drawing/2014/main" id="{34FF0838-5957-CD49-9DA3-C81C0431F8AA}"/>
+                </a:ext>
+              </a:extLst>
+            </p:cNvPr>
+            <p:cNvSpPr txBox="1"/>
+            <p:nvPr/>
+          </p:nvSpPr>
+          <p:spPr>
+            <a:xfrm>
+              <a:off x="6807375" y="1908879"/>
+              <a:ext cx="492443" cy="461665"/>
+            </a:xfrm>
+            <a:prstGeom prst="rect">
+              <a:avLst/>
+            </a:prstGeom>
+            <a:noFill/>
+          </p:spPr>
+          <p:txBody>
+            <a:bodyPr wrap="square" rtlCol="0">
+              <a:spAutoFit/>
+            </a:bodyPr>
+            <a:lstStyle/>
+            <a:p>
+              <a:r>
+                <a:rPr lang="en-ES" sz="2400" dirty="0"/>
+                <a:t>➝</a:t>
+              </a:r>
+            </a:p>
+          </p:txBody>
+        </p:sp>
+      </p:grpSp>
+      <p:sp>
+        <p:nvSpPr>
+          <p:cNvPr id="39" name="Oval 38">
+            <a:extLst>
+              <a:ext uri="{FF2B5EF4-FFF2-40B4-BE49-F238E27FC236}">
+                <a16:creationId xmlns:a16="http://schemas.microsoft.com/office/drawing/2014/main" id="{A1E35302-89CD-CA7C-D6A9-E8787064145F}"/>
+              </a:ext>
+            </a:extLst>
+          </p:cNvPr>
+          <p:cNvSpPr/>
+          <p:nvPr/>
+        </p:nvSpPr>
+        <p:spPr>
+          <a:xfrm>
+            <a:off x="4249447" y="3277590"/>
+            <a:ext cx="166255" cy="178129"/>
+          </a:xfrm>
+          <a:prstGeom prst="ellipse">
+            <a:avLst/>
+          </a:prstGeom>
+        </p:spPr>
+        <p:style>
+          <a:lnRef idx="2">
+            <a:schemeClr val="accent1">
+              <a:shade val="15000"/>
+            </a:schemeClr>
+          </a:lnRef>
+          <a:fillRef idx="1">
+            <a:schemeClr val="accent1"/>
+          </a:fillRef>
+          <a:effectRef idx="0">
+            <a:schemeClr val="accent1"/>
+          </a:effectRef>
+          <a:fontRef idx="minor">
+            <a:schemeClr val="lt1"/>
+          </a:fontRef>
+        </p:style>
+        <p:txBody>
+          <a:bodyPr rtlCol="0" anchor="ctr"/>
+          <a:lstStyle/>
+          <a:p>
+            <a:pPr algn="ctr"/>
+            <a:endParaRPr lang="en-ES"/>
+          </a:p>
+        </p:txBody>
+      </p:sp>
+      <p:sp>
+        <p:nvSpPr>
+          <p:cNvPr id="40" name="TextBox 39">
+            <a:extLst>
+              <a:ext uri="{FF2B5EF4-FFF2-40B4-BE49-F238E27FC236}">
+                <a16:creationId xmlns:a16="http://schemas.microsoft.com/office/drawing/2014/main" id="{B1A319F1-61BE-99FC-8CE0-606D58918292}"/>
+              </a:ext>
+            </a:extLst>
+          </p:cNvPr>
+          <p:cNvSpPr txBox="1"/>
+          <p:nvPr/>
+        </p:nvSpPr>
+        <p:spPr>
+          <a:xfrm>
+            <a:off x="3824138" y="3385797"/>
+            <a:ext cx="704039" cy="584775"/>
+          </a:xfrm>
+          <a:prstGeom prst="rect">
+            <a:avLst/>
+          </a:prstGeom>
+          <a:noFill/>
+        </p:spPr>
+        <p:txBody>
+          <a:bodyPr wrap="none" rtlCol="0">
+            <a:spAutoFit/>
+          </a:bodyPr>
+          <a:lstStyle/>
+          <a:p>
+            <a:r>
+              <a:rPr lang="en-ES" sz="3200" dirty="0"/>
+              <a:t>Q'</a:t>
+            </a:r>
+            <a:r>
+              <a:rPr lang="en-ES" sz="3200" baseline="-25000" dirty="0"/>
+              <a:t>T</a:t>
+            </a:r>
+            <a:endParaRPr lang="en-ES" baseline="-25000" dirty="0"/>
+          </a:p>
+        </p:txBody>
+      </p:sp>
+      <p:cxnSp>
+        <p:nvCxnSpPr>
+          <p:cNvPr id="3" name="Straight Arrow Connector 2">
+            <a:extLst>
+              <a:ext uri="{FF2B5EF4-FFF2-40B4-BE49-F238E27FC236}">
+                <a16:creationId xmlns:a16="http://schemas.microsoft.com/office/drawing/2014/main" id="{8AA5560C-D58A-C2D3-D49B-D5ED93468D1C}"/>
+              </a:ext>
+            </a:extLst>
+          </p:cNvPr>
+          <p:cNvCxnSpPr>
+            <a:stCxn id="6" idx="7"/>
+          </p:cNvCxnSpPr>
+          <p:nvPr/>
+        </p:nvCxnSpPr>
+        <p:spPr>
+          <a:xfrm flipV="1">
+            <a:off x="3740131" y="1828800"/>
+            <a:ext cx="945695" cy="1474876"/>
+          </a:xfrm>
+          <a:prstGeom prst="straightConnector1">
+            <a:avLst/>
+          </a:prstGeom>
+          <a:ln w="38100">
+            <a:tailEnd type="triangle"/>
+          </a:ln>
+        </p:spPr>
+        <p:style>
+          <a:lnRef idx="2">
+            <a:schemeClr val="dk1"/>
+          </a:lnRef>
+          <a:fillRef idx="0">
+            <a:schemeClr val="dk1"/>
+          </a:fillRef>
+          <a:effectRef idx="1">
+            <a:schemeClr val="dk1"/>
+          </a:effectRef>
+          <a:fontRef idx="minor">
+            <a:schemeClr val="tx1"/>
+          </a:fontRef>
+        </p:style>
+      </p:cxnSp>
+      <p:cxnSp>
+        <p:nvCxnSpPr>
+          <p:cNvPr id="4" name="Straight Arrow Connector 3">
+            <a:extLst>
+              <a:ext uri="{FF2B5EF4-FFF2-40B4-BE49-F238E27FC236}">
+                <a16:creationId xmlns:a16="http://schemas.microsoft.com/office/drawing/2014/main" id="{DB35CC31-AF1B-E747-5FB0-282B93A6AD92}"/>
+              </a:ext>
+            </a:extLst>
+          </p:cNvPr>
+          <p:cNvCxnSpPr>
+            <a:cxnSpLocks/>
+          </p:cNvCxnSpPr>
+          <p:nvPr/>
+        </p:nvCxnSpPr>
+        <p:spPr>
+          <a:xfrm flipV="1">
+            <a:off x="4354347" y="1845099"/>
+            <a:ext cx="353031" cy="1432491"/>
+          </a:xfrm>
+          <a:prstGeom prst="straightConnector1">
+            <a:avLst/>
+          </a:prstGeom>
+          <a:ln w="38100">
+            <a:tailEnd type="triangle"/>
+          </a:ln>
+        </p:spPr>
+        <p:style>
+          <a:lnRef idx="2">
+            <a:schemeClr val="dk1"/>
+          </a:lnRef>
+          <a:fillRef idx="0">
+            <a:schemeClr val="dk1"/>
+          </a:fillRef>
+          <a:effectRef idx="1">
+            <a:schemeClr val="dk1"/>
+          </a:effectRef>
+          <a:fontRef idx="minor">
+            <a:schemeClr val="tx1"/>
+          </a:fontRef>
+        </p:style>
+      </p:cxnSp>
+      <p:cxnSp>
+        <p:nvCxnSpPr>
+          <p:cNvPr id="19" name="Straight Arrow Connector 18">
+            <a:extLst>
+              <a:ext uri="{FF2B5EF4-FFF2-40B4-BE49-F238E27FC236}">
+                <a16:creationId xmlns:a16="http://schemas.microsoft.com/office/drawing/2014/main" id="{14C43FB9-0C95-FB13-EEA0-773ED439882E}"/>
+              </a:ext>
+            </a:extLst>
+          </p:cNvPr>
+          <p:cNvCxnSpPr>
+            <a:cxnSpLocks/>
+          </p:cNvCxnSpPr>
+          <p:nvPr/>
+        </p:nvCxnSpPr>
+        <p:spPr>
+          <a:xfrm flipH="1" flipV="1">
+            <a:off x="4707378" y="1867120"/>
+            <a:ext cx="3588035" cy="1490784"/>
+          </a:xfrm>
+          <a:prstGeom prst="straightConnector1">
+            <a:avLst/>
+          </a:prstGeom>
+          <a:ln w="38100">
+            <a:tailEnd type="triangle"/>
+          </a:ln>
+        </p:spPr>
+        <p:style>
+          <a:lnRef idx="2">
+            <a:schemeClr val="dk1"/>
+          </a:lnRef>
+          <a:fillRef idx="0">
+            <a:schemeClr val="dk1"/>
+          </a:fillRef>
+          <a:effectRef idx="1">
+            <a:schemeClr val="dk1"/>
+          </a:effectRef>
+          <a:fontRef idx="minor">
+            <a:schemeClr val="tx1"/>
+          </a:fontRef>
+        </p:style>
+      </p:cxnSp>
+      <p:sp>
+        <p:nvSpPr>
+          <p:cNvPr id="29" name="Arc 28">
+            <a:extLst>
+              <a:ext uri="{FF2B5EF4-FFF2-40B4-BE49-F238E27FC236}">
+                <a16:creationId xmlns:a16="http://schemas.microsoft.com/office/drawing/2014/main" id="{7D55EED7-4859-7187-68F3-D5FF8D930EE5}"/>
+              </a:ext>
+            </a:extLst>
+          </p:cNvPr>
+          <p:cNvSpPr/>
+          <p:nvPr/>
+        </p:nvSpPr>
+        <p:spPr>
+          <a:xfrm>
+            <a:off x="3157914" y="2903743"/>
+            <a:ext cx="945695" cy="978523"/>
+          </a:xfrm>
+          <a:prstGeom prst="arc">
+            <a:avLst>
+              <a:gd name="adj1" fmla="val 18429455"/>
+              <a:gd name="adj2" fmla="val 0"/>
+            </a:avLst>
+          </a:prstGeom>
+        </p:spPr>
+        <p:style>
+          <a:lnRef idx="2">
+            <a:schemeClr val="dk1"/>
+          </a:lnRef>
+          <a:fillRef idx="0">
+            <a:schemeClr val="dk1"/>
+          </a:fillRef>
+          <a:effectRef idx="1">
+            <a:schemeClr val="dk1"/>
+          </a:effectRef>
+          <a:fontRef idx="minor">
+            <a:schemeClr val="tx1"/>
+          </a:fontRef>
+        </p:style>
+        <p:txBody>
+          <a:bodyPr rtlCol="0" anchor="ctr"/>
+          <a:lstStyle/>
+          <a:p>
+            <a:pPr algn="ctr"/>
+            <a:endParaRPr lang="en-ES"/>
+          </a:p>
+        </p:txBody>
+      </p:sp>
+      <p:sp>
+        <p:nvSpPr>
+          <p:cNvPr id="30" name="Arc 29">
+            <a:extLst>
+              <a:ext uri="{FF2B5EF4-FFF2-40B4-BE49-F238E27FC236}">
+                <a16:creationId xmlns:a16="http://schemas.microsoft.com/office/drawing/2014/main" id="{1A47E815-8CED-D086-4531-C7C5A506E9F7}"/>
+              </a:ext>
+            </a:extLst>
+          </p:cNvPr>
+          <p:cNvSpPr/>
+          <p:nvPr/>
+        </p:nvSpPr>
+        <p:spPr>
+          <a:xfrm>
+            <a:off x="3834289" y="2883673"/>
+            <a:ext cx="945695" cy="978523"/>
+          </a:xfrm>
+          <a:prstGeom prst="arc">
+            <a:avLst>
+              <a:gd name="adj1" fmla="val 17247110"/>
+              <a:gd name="adj2" fmla="val 0"/>
+            </a:avLst>
+          </a:prstGeom>
+        </p:spPr>
+        <p:style>
+          <a:lnRef idx="2">
+            <a:schemeClr val="dk1"/>
+          </a:lnRef>
+          <a:fillRef idx="0">
+            <a:schemeClr val="dk1"/>
+          </a:fillRef>
+          <a:effectRef idx="1">
+            <a:schemeClr val="dk1"/>
+          </a:effectRef>
+          <a:fontRef idx="minor">
+            <a:schemeClr val="tx1"/>
+          </a:fontRef>
+        </p:style>
+        <p:txBody>
+          <a:bodyPr rtlCol="0" anchor="ctr"/>
+          <a:lstStyle/>
+          <a:p>
+            <a:pPr algn="ctr"/>
+            <a:endParaRPr lang="en-ES"/>
+          </a:p>
+        </p:txBody>
+      </p:sp>
+      <p:sp>
+        <p:nvSpPr>
+          <p:cNvPr id="31" name="Arc 30">
+            <a:extLst>
+              <a:ext uri="{FF2B5EF4-FFF2-40B4-BE49-F238E27FC236}">
+                <a16:creationId xmlns:a16="http://schemas.microsoft.com/office/drawing/2014/main" id="{5BE644F9-641C-1D86-E45C-CDD6DB614DA7}"/>
+              </a:ext>
+            </a:extLst>
+          </p:cNvPr>
+          <p:cNvSpPr/>
+          <p:nvPr/>
+        </p:nvSpPr>
+        <p:spPr>
+          <a:xfrm>
+            <a:off x="7794070" y="2877440"/>
+            <a:ext cx="945695" cy="978523"/>
+          </a:xfrm>
+          <a:prstGeom prst="arc">
+            <a:avLst>
+              <a:gd name="adj1" fmla="val 10684801"/>
+              <a:gd name="adj2" fmla="val 90851"/>
+            </a:avLst>
+          </a:prstGeom>
+        </p:spPr>
+        <p:style>
+          <a:lnRef idx="2">
+            <a:schemeClr val="dk1"/>
+          </a:lnRef>
+          <a:fillRef idx="0">
+            <a:schemeClr val="dk1"/>
+          </a:fillRef>
+          <a:effectRef idx="1">
+            <a:schemeClr val="dk1"/>
+          </a:effectRef>
+          <a:fontRef idx="minor">
+            <a:schemeClr val="tx1"/>
+          </a:fontRef>
+        </p:style>
+        <p:txBody>
+          <a:bodyPr rtlCol="0" anchor="ctr"/>
+          <a:lstStyle/>
+          <a:p>
+            <a:pPr algn="ctr"/>
+            <a:endParaRPr lang="en-ES"/>
+          </a:p>
+        </p:txBody>
+      </p:sp>
+      <p:sp>
+        <p:nvSpPr>
+          <p:cNvPr id="41" name="TextBox 40">
+            <a:extLst>
+              <a:ext uri="{FF2B5EF4-FFF2-40B4-BE49-F238E27FC236}">
+                <a16:creationId xmlns:a16="http://schemas.microsoft.com/office/drawing/2014/main" id="{3238E962-FF65-B813-4469-188C808539BC}"/>
+              </a:ext>
+            </a:extLst>
+          </p:cNvPr>
+          <p:cNvSpPr txBox="1"/>
+          <p:nvPr/>
+        </p:nvSpPr>
+        <p:spPr>
+          <a:xfrm>
+            <a:off x="3796230" y="2148094"/>
+            <a:ext cx="402674" cy="584775"/>
+          </a:xfrm>
+          <a:prstGeom prst="rect">
+            <a:avLst/>
+          </a:prstGeom>
+          <a:noFill/>
+        </p:spPr>
+        <p:txBody>
+          <a:bodyPr wrap="none" rtlCol="0">
+            <a:spAutoFit/>
+          </a:bodyPr>
+          <a:lstStyle/>
+          <a:p>
+            <a:r>
+              <a:rPr lang="en-ES" sz="3200" dirty="0"/>
+              <a:t>a</a:t>
+            </a:r>
+            <a:endParaRPr lang="en-ES" dirty="0"/>
+          </a:p>
+        </p:txBody>
+      </p:sp>
+      <p:sp>
+        <p:nvSpPr>
+          <p:cNvPr id="42" name="TextBox 41">
+            <a:extLst>
+              <a:ext uri="{FF2B5EF4-FFF2-40B4-BE49-F238E27FC236}">
+                <a16:creationId xmlns:a16="http://schemas.microsoft.com/office/drawing/2014/main" id="{18244AAC-C1D9-5580-9896-3C2DB3626517}"/>
+              </a:ext>
+            </a:extLst>
+          </p:cNvPr>
+          <p:cNvSpPr txBox="1"/>
+          <p:nvPr/>
+        </p:nvSpPr>
+        <p:spPr>
+          <a:xfrm>
+            <a:off x="4526880" y="2233915"/>
+            <a:ext cx="502061" cy="584775"/>
+          </a:xfrm>
+          <a:prstGeom prst="rect">
+            <a:avLst/>
+          </a:prstGeom>
+          <a:noFill/>
+        </p:spPr>
+        <p:txBody>
+          <a:bodyPr wrap="none" rtlCol="0">
+            <a:spAutoFit/>
+          </a:bodyPr>
+          <a:lstStyle/>
+          <a:p>
+            <a:r>
+              <a:rPr lang="en-ES" sz="3200" dirty="0"/>
+              <a:t>ρ'</a:t>
+            </a:r>
+            <a:endParaRPr lang="en-ES" dirty="0"/>
+          </a:p>
+        </p:txBody>
+      </p:sp>
+      <p:sp>
+        <p:nvSpPr>
+          <p:cNvPr id="43" name="TextBox 42">
+            <a:extLst>
+              <a:ext uri="{FF2B5EF4-FFF2-40B4-BE49-F238E27FC236}">
+                <a16:creationId xmlns:a16="http://schemas.microsoft.com/office/drawing/2014/main" id="{1A846634-6D63-BDF9-6FCD-D5FBD3492ED1}"/>
+              </a:ext>
+            </a:extLst>
+          </p:cNvPr>
+          <p:cNvSpPr txBox="1"/>
+          <p:nvPr/>
+        </p:nvSpPr>
+        <p:spPr>
+          <a:xfrm>
+            <a:off x="6147326" y="1941527"/>
+            <a:ext cx="415498" cy="584775"/>
+          </a:xfrm>
+          <a:prstGeom prst="rect">
+            <a:avLst/>
+          </a:prstGeom>
+          <a:noFill/>
+        </p:spPr>
+        <p:txBody>
+          <a:bodyPr wrap="none" rtlCol="0">
+            <a:spAutoFit/>
+          </a:bodyPr>
+          <a:lstStyle/>
+          <a:p>
+            <a:r>
+              <a:rPr lang="en-ES" sz="3200" dirty="0"/>
+              <a:t>ρ</a:t>
+            </a:r>
+            <a:endParaRPr lang="en-ES" dirty="0"/>
+          </a:p>
+        </p:txBody>
+      </p:sp>
+      <p:sp>
+        <p:nvSpPr>
+          <p:cNvPr id="44" name="TextBox 43">
+            <a:extLst>
+              <a:ext uri="{FF2B5EF4-FFF2-40B4-BE49-F238E27FC236}">
+                <a16:creationId xmlns:a16="http://schemas.microsoft.com/office/drawing/2014/main" id="{6F6045CE-3BF0-D6DC-832D-98206D58E99D}"/>
+              </a:ext>
+            </a:extLst>
+          </p:cNvPr>
+          <p:cNvSpPr txBox="1"/>
+          <p:nvPr/>
+        </p:nvSpPr>
+        <p:spPr>
+          <a:xfrm>
+            <a:off x="8496798" y="2432027"/>
+            <a:ext cx="415498" cy="584775"/>
+          </a:xfrm>
+          <a:prstGeom prst="rect">
+            <a:avLst/>
+          </a:prstGeom>
+          <a:noFill/>
+        </p:spPr>
+        <p:txBody>
+          <a:bodyPr wrap="square" rtlCol="0">
+            <a:spAutoFit/>
+          </a:bodyPr>
+          <a:lstStyle/>
+          <a:p>
+            <a:r>
+              <a:rPr lang="en-ES" sz="3200" dirty="0"/>
+              <a:t>⍺</a:t>
+            </a:r>
+            <a:endParaRPr lang="en-ES" dirty="0"/>
+          </a:p>
+        </p:txBody>
+      </p:sp>
+      <p:sp>
+        <p:nvSpPr>
+          <p:cNvPr id="45" name="TextBox 44">
+            <a:extLst>
+              <a:ext uri="{FF2B5EF4-FFF2-40B4-BE49-F238E27FC236}">
+                <a16:creationId xmlns:a16="http://schemas.microsoft.com/office/drawing/2014/main" id="{D4AC2595-AD3B-5512-E78F-F26795CE09D9}"/>
+              </a:ext>
+            </a:extLst>
+          </p:cNvPr>
+          <p:cNvSpPr txBox="1"/>
+          <p:nvPr/>
+        </p:nvSpPr>
+        <p:spPr>
+          <a:xfrm>
+            <a:off x="4666393" y="2693148"/>
+            <a:ext cx="654224" cy="584775"/>
+          </a:xfrm>
+          <a:prstGeom prst="rect">
+            <a:avLst/>
+          </a:prstGeom>
+          <a:noFill/>
+        </p:spPr>
+        <p:txBody>
+          <a:bodyPr wrap="square" rtlCol="0">
+            <a:spAutoFit/>
+          </a:bodyPr>
+          <a:lstStyle/>
+          <a:p>
+            <a:r>
+              <a:rPr lang="en-ES" sz="3200" dirty="0"/>
+              <a:t>⍺'</a:t>
+            </a:r>
+            <a:endParaRPr lang="en-ES" dirty="0"/>
+          </a:p>
+        </p:txBody>
+      </p:sp>
+      <p:sp>
+        <p:nvSpPr>
+          <p:cNvPr id="46" name="TextBox 45">
+            <a:extLst>
+              <a:ext uri="{FF2B5EF4-FFF2-40B4-BE49-F238E27FC236}">
+                <a16:creationId xmlns:a16="http://schemas.microsoft.com/office/drawing/2014/main" id="{E8E8DA0B-B177-A9AB-DA9D-8949C80F2BEF}"/>
+              </a:ext>
+            </a:extLst>
+          </p:cNvPr>
+          <p:cNvSpPr txBox="1"/>
+          <p:nvPr/>
+        </p:nvSpPr>
+        <p:spPr>
+          <a:xfrm>
+            <a:off x="6849965" y="2844225"/>
+            <a:ext cx="415498" cy="584775"/>
+          </a:xfrm>
+          <a:prstGeom prst="rect">
+            <a:avLst/>
+          </a:prstGeom>
+          <a:noFill/>
+        </p:spPr>
+        <p:txBody>
+          <a:bodyPr wrap="square" rtlCol="0">
+            <a:spAutoFit/>
+          </a:bodyPr>
+          <a:lstStyle/>
+          <a:p>
+            <a:r>
+              <a:rPr lang="en-ES" sz="3200" dirty="0"/>
+              <a:t>Ω</a:t>
+            </a:r>
+            <a:endParaRPr lang="en-ES" dirty="0"/>
+          </a:p>
+        </p:txBody>
+      </p:sp>
+      <p:sp>
+        <p:nvSpPr>
+          <p:cNvPr id="47" name="TextBox 46">
+            <a:extLst>
+              <a:ext uri="{FF2B5EF4-FFF2-40B4-BE49-F238E27FC236}">
+                <a16:creationId xmlns:a16="http://schemas.microsoft.com/office/drawing/2014/main" id="{FD3C8573-153D-6267-B911-54F81F8B671A}"/>
+              </a:ext>
+            </a:extLst>
+          </p:cNvPr>
+          <p:cNvSpPr txBox="1"/>
+          <p:nvPr/>
+        </p:nvSpPr>
+        <p:spPr>
+          <a:xfrm>
+            <a:off x="3950245" y="2735200"/>
+            <a:ext cx="415498" cy="584775"/>
+          </a:xfrm>
+          <a:prstGeom prst="rect">
+            <a:avLst/>
+          </a:prstGeom>
+          <a:noFill/>
+        </p:spPr>
+        <p:txBody>
+          <a:bodyPr wrap="square" rtlCol="0">
+            <a:spAutoFit/>
+          </a:bodyPr>
+          <a:lstStyle/>
+          <a:p>
+            <a:r>
+              <a:rPr lang="en-ES" sz="3200" dirty="0"/>
+              <a:t>θ</a:t>
+            </a:r>
+            <a:endParaRPr lang="en-ES" dirty="0"/>
+          </a:p>
+        </p:txBody>
+      </p:sp>
+    </p:spTree>
+    <p:extLst>
+      <p:ext uri="{BB962C8B-B14F-4D97-AF65-F5344CB8AC3E}">
+        <p14:creationId xmlns:p14="http://schemas.microsoft.com/office/powerpoint/2010/main" val="2989394183"/>
+      </p:ext>
+    </p:extLst>
+  </p:cSld>
+  <p:clrMapOvr>
+    <a:masterClrMapping/>
+  </p:clrMapOvr>
+</p:sld>
+</file>
+
+<file path=ppt/slides/slide15.xml><?xml version="1.0" encoding="utf-8"?>
 <p:sld xmlns:a="http://schemas.openxmlformats.org/drawingml/2006/main" xmlns:r="http://schemas.openxmlformats.org/officeDocument/2006/relationships" xmlns:p="http://schemas.openxmlformats.org/presentationml/2006/main">
   <p:cSld>
     <p:spTree>
@@ -7106,7 +10411,7 @@
 </p:sld>
 </file>
 
-<file path=ppt/slides/slide13.xml><?xml version="1.0" encoding="utf-8"?>
+<file path=ppt/slides/slide16.xml><?xml version="1.0" encoding="utf-8"?>
 <p:sld xmlns:a="http://schemas.openxmlformats.org/drawingml/2006/main" xmlns:r="http://schemas.openxmlformats.org/officeDocument/2006/relationships" xmlns:p="http://schemas.openxmlformats.org/presentationml/2006/main">
   <p:cSld>
     <p:spTree>
@@ -7472,7 +10777,7 @@
 </p:sld>
 </file>
 
-<file path=ppt/slides/slide14.xml><?xml version="1.0" encoding="utf-8"?>
+<file path=ppt/slides/slide17.xml><?xml version="1.0" encoding="utf-8"?>
 <p:sld xmlns:a="http://schemas.openxmlformats.org/drawingml/2006/main" xmlns:r="http://schemas.openxmlformats.org/officeDocument/2006/relationships" xmlns:p="http://schemas.openxmlformats.org/presentationml/2006/main">
   <p:cSld>
     <p:spTree>
@@ -8155,7 +11460,7 @@
 </p:sld>
 </file>
 
-<file path=ppt/slides/slide15.xml><?xml version="1.0" encoding="utf-8"?>
+<file path=ppt/slides/slide18.xml><?xml version="1.0" encoding="utf-8"?>
 <p:sld xmlns:a="http://schemas.openxmlformats.org/drawingml/2006/main" xmlns:r="http://schemas.openxmlformats.org/officeDocument/2006/relationships" xmlns:p="http://schemas.openxmlformats.org/presentationml/2006/main">
   <p:cSld>
     <p:spTree>
@@ -9206,7 +12511,7 @@
 </p:sld>
 </file>
 
-<file path=ppt/slides/slide16.xml><?xml version="1.0" encoding="utf-8"?>
+<file path=ppt/slides/slide19.xml><?xml version="1.0" encoding="utf-8"?>
 <p:sld xmlns:a="http://schemas.openxmlformats.org/drawingml/2006/main" xmlns:r="http://schemas.openxmlformats.org/officeDocument/2006/relationships" xmlns:p="http://schemas.openxmlformats.org/presentationml/2006/main">
   <p:cSld>
     <p:spTree>
@@ -10219,7 +13524,1456 @@
 </p:sld>
 </file>
 
-<file path=ppt/slides/slide17.xml><?xml version="1.0" encoding="utf-8"?>
+<file path=ppt/slides/slide2.xml><?xml version="1.0" encoding="utf-8"?>
+<p:sld xmlns:a="http://schemas.openxmlformats.org/drawingml/2006/main" xmlns:r="http://schemas.openxmlformats.org/officeDocument/2006/relationships" xmlns:p="http://schemas.openxmlformats.org/presentationml/2006/main">
+  <p:cSld>
+    <p:spTree>
+      <p:nvGrpSpPr>
+        <p:cNvPr id="1" name="">
+          <a:extLst>
+            <a:ext uri="{FF2B5EF4-FFF2-40B4-BE49-F238E27FC236}">
+              <a16:creationId xmlns:a16="http://schemas.microsoft.com/office/drawing/2014/main" id="{C9C37103-DC63-5195-15A1-347639A24472}"/>
+            </a:ext>
+          </a:extLst>
+        </p:cNvPr>
+        <p:cNvGrpSpPr/>
+        <p:nvPr/>
+      </p:nvGrpSpPr>
+      <p:grpSpPr>
+        <a:xfrm>
+          <a:off x="0" y="0"/>
+          <a:ext cx="0" cy="0"/>
+          <a:chOff x="0" y="0"/>
+          <a:chExt cx="0" cy="0"/>
+        </a:xfrm>
+      </p:grpSpPr>
+      <p:sp>
+        <p:nvSpPr>
+          <p:cNvPr id="2" name="Title 1">
+            <a:extLst>
+              <a:ext uri="{FF2B5EF4-FFF2-40B4-BE49-F238E27FC236}">
+                <a16:creationId xmlns:a16="http://schemas.microsoft.com/office/drawing/2014/main" id="{2C855AD1-D50F-D045-AE97-ECD7E6A24D1A}"/>
+              </a:ext>
+            </a:extLst>
+          </p:cNvPr>
+          <p:cNvSpPr>
+            <a:spLocks noGrp="1"/>
+          </p:cNvSpPr>
+          <p:nvPr>
+            <p:ph type="title"/>
+          </p:nvPr>
+        </p:nvSpPr>
+        <p:spPr/>
+        <p:txBody>
+          <a:bodyPr/>
+          <a:lstStyle/>
+          <a:p>
+            <a:r>
+              <a:rPr lang="en-ES" dirty="0"/>
+              <a:t>B1.S1.2</a:t>
+            </a:r>
+          </a:p>
+        </p:txBody>
+      </p:sp>
+      <p:sp>
+        <p:nvSpPr>
+          <p:cNvPr id="3" name="Pie 2">
+            <a:extLst>
+              <a:ext uri="{FF2B5EF4-FFF2-40B4-BE49-F238E27FC236}">
+                <a16:creationId xmlns:a16="http://schemas.microsoft.com/office/drawing/2014/main" id="{09316E81-ED00-99A8-74C7-A1B90526EBE2}"/>
+              </a:ext>
+            </a:extLst>
+          </p:cNvPr>
+          <p:cNvSpPr/>
+          <p:nvPr/>
+        </p:nvSpPr>
+        <p:spPr>
+          <a:xfrm>
+            <a:off x="1433456" y="2918012"/>
+            <a:ext cx="4155141" cy="4222378"/>
+          </a:xfrm>
+          <a:prstGeom prst="pie">
+            <a:avLst>
+              <a:gd name="adj1" fmla="val 10766858"/>
+              <a:gd name="adj2" fmla="val 4033"/>
+            </a:avLst>
+          </a:prstGeom>
+          <a:solidFill>
+            <a:schemeClr val="accent4">
+              <a:lumMod val="40000"/>
+              <a:lumOff val="60000"/>
+            </a:schemeClr>
+          </a:solidFill>
+        </p:spPr>
+        <p:style>
+          <a:lnRef idx="2">
+            <a:schemeClr val="accent1">
+              <a:shade val="15000"/>
+            </a:schemeClr>
+          </a:lnRef>
+          <a:fillRef idx="1">
+            <a:schemeClr val="accent1"/>
+          </a:fillRef>
+          <a:effectRef idx="0">
+            <a:schemeClr val="accent1"/>
+          </a:effectRef>
+          <a:fontRef idx="minor">
+            <a:schemeClr val="lt1"/>
+          </a:fontRef>
+        </p:style>
+        <p:txBody>
+          <a:bodyPr rtlCol="0" anchor="ctr"/>
+          <a:lstStyle/>
+          <a:p>
+            <a:pPr algn="ctr"/>
+            <a:endParaRPr lang="en-ES">
+              <a:solidFill>
+                <a:schemeClr val="tx1"/>
+              </a:solidFill>
+            </a:endParaRPr>
+          </a:p>
+        </p:txBody>
+      </p:sp>
+      <p:sp>
+        <p:nvSpPr>
+          <p:cNvPr id="4" name="Oval 3">
+            <a:extLst>
+              <a:ext uri="{FF2B5EF4-FFF2-40B4-BE49-F238E27FC236}">
+                <a16:creationId xmlns:a16="http://schemas.microsoft.com/office/drawing/2014/main" id="{2550CF0A-890E-8281-8E8A-C7005607E13A}"/>
+              </a:ext>
+            </a:extLst>
+          </p:cNvPr>
+          <p:cNvSpPr/>
+          <p:nvPr/>
+        </p:nvSpPr>
+        <p:spPr>
+          <a:xfrm>
+            <a:off x="1433456" y="4554892"/>
+            <a:ext cx="4155141" cy="948614"/>
+          </a:xfrm>
+          <a:prstGeom prst="ellipse">
+            <a:avLst/>
+          </a:prstGeom>
+          <a:solidFill>
+            <a:schemeClr val="accent4">
+              <a:lumMod val="40000"/>
+              <a:lumOff val="60000"/>
+            </a:schemeClr>
+          </a:solidFill>
+          <a:ln>
+            <a:noFill/>
+          </a:ln>
+        </p:spPr>
+        <p:style>
+          <a:lnRef idx="2">
+            <a:schemeClr val="accent1">
+              <a:shade val="15000"/>
+            </a:schemeClr>
+          </a:lnRef>
+          <a:fillRef idx="1">
+            <a:schemeClr val="accent1"/>
+          </a:fillRef>
+          <a:effectRef idx="0">
+            <a:schemeClr val="accent1"/>
+          </a:effectRef>
+          <a:fontRef idx="minor">
+            <a:schemeClr val="lt1"/>
+          </a:fontRef>
+        </p:style>
+        <p:txBody>
+          <a:bodyPr rtlCol="0" anchor="ctr"/>
+          <a:lstStyle/>
+          <a:p>
+            <a:pPr algn="ctr"/>
+            <a:endParaRPr lang="en-ES"/>
+          </a:p>
+        </p:txBody>
+      </p:sp>
+      <p:sp>
+        <p:nvSpPr>
+          <p:cNvPr id="5" name="Arc 4">
+            <a:extLst>
+              <a:ext uri="{FF2B5EF4-FFF2-40B4-BE49-F238E27FC236}">
+                <a16:creationId xmlns:a16="http://schemas.microsoft.com/office/drawing/2014/main" id="{5C6A1C15-53B7-496E-84B0-7169FFC2E6B7}"/>
+              </a:ext>
+            </a:extLst>
+          </p:cNvPr>
+          <p:cNvSpPr/>
+          <p:nvPr/>
+        </p:nvSpPr>
+        <p:spPr>
+          <a:xfrm>
+            <a:off x="1433457" y="2918012"/>
+            <a:ext cx="4155141" cy="4222377"/>
+          </a:xfrm>
+          <a:prstGeom prst="arc">
+            <a:avLst>
+              <a:gd name="adj1" fmla="val 10778025"/>
+              <a:gd name="adj2" fmla="val 0"/>
+            </a:avLst>
+          </a:prstGeom>
+          <a:ln w="38100">
+            <a:solidFill>
+              <a:schemeClr val="tx1"/>
+            </a:solidFill>
+          </a:ln>
+        </p:spPr>
+        <p:style>
+          <a:lnRef idx="2">
+            <a:schemeClr val="accent1"/>
+          </a:lnRef>
+          <a:fillRef idx="0">
+            <a:schemeClr val="accent1"/>
+          </a:fillRef>
+          <a:effectRef idx="1">
+            <a:schemeClr val="accent1"/>
+          </a:effectRef>
+          <a:fontRef idx="minor">
+            <a:schemeClr val="tx1"/>
+          </a:fontRef>
+        </p:style>
+        <p:txBody>
+          <a:bodyPr rtlCol="0" anchor="ctr"/>
+          <a:lstStyle/>
+          <a:p>
+            <a:pPr algn="ctr"/>
+            <a:endParaRPr lang="en-ES"/>
+          </a:p>
+        </p:txBody>
+      </p:sp>
+      <p:sp>
+        <p:nvSpPr>
+          <p:cNvPr id="6" name="Arc 5">
+            <a:extLst>
+              <a:ext uri="{FF2B5EF4-FFF2-40B4-BE49-F238E27FC236}">
+                <a16:creationId xmlns:a16="http://schemas.microsoft.com/office/drawing/2014/main" id="{5160BAA1-70E8-938B-6BDD-EC025B43B0B1}"/>
+              </a:ext>
+            </a:extLst>
+          </p:cNvPr>
+          <p:cNvSpPr/>
+          <p:nvPr/>
+        </p:nvSpPr>
+        <p:spPr>
+          <a:xfrm>
+            <a:off x="1433457" y="4554893"/>
+            <a:ext cx="4155141" cy="948613"/>
+          </a:xfrm>
+          <a:prstGeom prst="arc">
+            <a:avLst>
+              <a:gd name="adj1" fmla="val 10778025"/>
+              <a:gd name="adj2" fmla="val 0"/>
+            </a:avLst>
+          </a:prstGeom>
+          <a:ln w="38100">
+            <a:solidFill>
+              <a:schemeClr val="tx1"/>
+            </a:solidFill>
+            <a:prstDash val="dash"/>
+          </a:ln>
+        </p:spPr>
+        <p:style>
+          <a:lnRef idx="2">
+            <a:schemeClr val="accent1"/>
+          </a:lnRef>
+          <a:fillRef idx="0">
+            <a:schemeClr val="accent1"/>
+          </a:fillRef>
+          <a:effectRef idx="1">
+            <a:schemeClr val="accent1"/>
+          </a:effectRef>
+          <a:fontRef idx="minor">
+            <a:schemeClr val="tx1"/>
+          </a:fontRef>
+        </p:style>
+        <p:txBody>
+          <a:bodyPr rtlCol="0" anchor="ctr"/>
+          <a:lstStyle/>
+          <a:p>
+            <a:pPr algn="ctr"/>
+            <a:endParaRPr lang="en-ES"/>
+          </a:p>
+        </p:txBody>
+      </p:sp>
+      <p:sp>
+        <p:nvSpPr>
+          <p:cNvPr id="7" name="Arc 6">
+            <a:extLst>
+              <a:ext uri="{FF2B5EF4-FFF2-40B4-BE49-F238E27FC236}">
+                <a16:creationId xmlns:a16="http://schemas.microsoft.com/office/drawing/2014/main" id="{DB4EF742-A090-1805-5DD9-C5546877BC35}"/>
+              </a:ext>
+            </a:extLst>
+          </p:cNvPr>
+          <p:cNvSpPr/>
+          <p:nvPr/>
+        </p:nvSpPr>
+        <p:spPr>
+          <a:xfrm>
+            <a:off x="1433457" y="4554893"/>
+            <a:ext cx="4155141" cy="948613"/>
+          </a:xfrm>
+          <a:prstGeom prst="arc">
+            <a:avLst>
+              <a:gd name="adj1" fmla="val 21583761"/>
+              <a:gd name="adj2" fmla="val 10776216"/>
+            </a:avLst>
+          </a:prstGeom>
+          <a:ln w="38100">
+            <a:solidFill>
+              <a:schemeClr val="tx1"/>
+            </a:solidFill>
+            <a:prstDash val="solid"/>
+          </a:ln>
+        </p:spPr>
+        <p:style>
+          <a:lnRef idx="2">
+            <a:schemeClr val="accent1"/>
+          </a:lnRef>
+          <a:fillRef idx="0">
+            <a:schemeClr val="accent1"/>
+          </a:fillRef>
+          <a:effectRef idx="1">
+            <a:schemeClr val="accent1"/>
+          </a:effectRef>
+          <a:fontRef idx="minor">
+            <a:schemeClr val="tx1"/>
+          </a:fontRef>
+        </p:style>
+        <p:txBody>
+          <a:bodyPr rtlCol="0" anchor="ctr"/>
+          <a:lstStyle/>
+          <a:p>
+            <a:pPr algn="ctr"/>
+            <a:endParaRPr lang="en-ES"/>
+          </a:p>
+        </p:txBody>
+      </p:sp>
+      <p:sp>
+        <p:nvSpPr>
+          <p:cNvPr id="8" name="Oval 7">
+            <a:extLst>
+              <a:ext uri="{FF2B5EF4-FFF2-40B4-BE49-F238E27FC236}">
+                <a16:creationId xmlns:a16="http://schemas.microsoft.com/office/drawing/2014/main" id="{7A9363B4-DF01-E150-82B0-0FCA77C1C5FD}"/>
+              </a:ext>
+            </a:extLst>
+          </p:cNvPr>
+          <p:cNvSpPr/>
+          <p:nvPr/>
+        </p:nvSpPr>
+        <p:spPr>
+          <a:xfrm>
+            <a:off x="3419634" y="2994731"/>
+            <a:ext cx="167337" cy="69668"/>
+          </a:xfrm>
+          <a:prstGeom prst="ellipse">
+            <a:avLst/>
+          </a:prstGeom>
+        </p:spPr>
+        <p:style>
+          <a:lnRef idx="2">
+            <a:schemeClr val="accent1">
+              <a:shade val="15000"/>
+            </a:schemeClr>
+          </a:lnRef>
+          <a:fillRef idx="1">
+            <a:schemeClr val="accent1"/>
+          </a:fillRef>
+          <a:effectRef idx="0">
+            <a:schemeClr val="accent1"/>
+          </a:effectRef>
+          <a:fontRef idx="minor">
+            <a:schemeClr val="lt1"/>
+          </a:fontRef>
+        </p:style>
+        <p:txBody>
+          <a:bodyPr rtlCol="0" anchor="ctr"/>
+          <a:lstStyle/>
+          <a:p>
+            <a:pPr algn="ctr"/>
+            <a:endParaRPr lang="en-ES"/>
+          </a:p>
+        </p:txBody>
+      </p:sp>
+      <p:sp>
+        <p:nvSpPr>
+          <p:cNvPr id="9" name="Oval 8">
+            <a:extLst>
+              <a:ext uri="{FF2B5EF4-FFF2-40B4-BE49-F238E27FC236}">
+                <a16:creationId xmlns:a16="http://schemas.microsoft.com/office/drawing/2014/main" id="{FB49C907-F857-56ED-24B1-562263F086B6}"/>
+              </a:ext>
+            </a:extLst>
+          </p:cNvPr>
+          <p:cNvSpPr/>
+          <p:nvPr/>
+        </p:nvSpPr>
+        <p:spPr>
+          <a:xfrm>
+            <a:off x="3419634" y="4957904"/>
+            <a:ext cx="167337" cy="69668"/>
+          </a:xfrm>
+          <a:prstGeom prst="ellipse">
+            <a:avLst/>
+          </a:prstGeom>
+        </p:spPr>
+        <p:style>
+          <a:lnRef idx="2">
+            <a:schemeClr val="accent1">
+              <a:shade val="15000"/>
+            </a:schemeClr>
+          </a:lnRef>
+          <a:fillRef idx="1">
+            <a:schemeClr val="accent1"/>
+          </a:fillRef>
+          <a:effectRef idx="0">
+            <a:schemeClr val="accent1"/>
+          </a:effectRef>
+          <a:fontRef idx="minor">
+            <a:schemeClr val="lt1"/>
+          </a:fontRef>
+        </p:style>
+        <p:txBody>
+          <a:bodyPr rtlCol="0" anchor="ctr"/>
+          <a:lstStyle/>
+          <a:p>
+            <a:pPr algn="ctr"/>
+            <a:endParaRPr lang="en-ES"/>
+          </a:p>
+        </p:txBody>
+      </p:sp>
+      <p:sp>
+        <p:nvSpPr>
+          <p:cNvPr id="11" name="TextBox 10">
+            <a:extLst>
+              <a:ext uri="{FF2B5EF4-FFF2-40B4-BE49-F238E27FC236}">
+                <a16:creationId xmlns:a16="http://schemas.microsoft.com/office/drawing/2014/main" id="{BC1AE886-0269-55E1-6972-61F189366C57}"/>
+              </a:ext>
+            </a:extLst>
+          </p:cNvPr>
+          <p:cNvSpPr txBox="1"/>
+          <p:nvPr/>
+        </p:nvSpPr>
+        <p:spPr>
+          <a:xfrm>
+            <a:off x="2919597" y="2310040"/>
+            <a:ext cx="510076" cy="646331"/>
+          </a:xfrm>
+          <a:prstGeom prst="rect">
+            <a:avLst/>
+          </a:prstGeom>
+          <a:noFill/>
+        </p:spPr>
+        <p:txBody>
+          <a:bodyPr wrap="none" rtlCol="0">
+            <a:spAutoFit/>
+          </a:bodyPr>
+          <a:lstStyle/>
+          <a:p>
+            <a:r>
+              <a:rPr lang="en-ES" sz="3600" dirty="0"/>
+              <a:t>N</a:t>
+            </a:r>
+          </a:p>
+        </p:txBody>
+      </p:sp>
+      <p:sp>
+        <p:nvSpPr>
+          <p:cNvPr id="12" name="TextBox 11">
+            <a:extLst>
+              <a:ext uri="{FF2B5EF4-FFF2-40B4-BE49-F238E27FC236}">
+                <a16:creationId xmlns:a16="http://schemas.microsoft.com/office/drawing/2014/main" id="{724EBCBB-BAC7-9A1F-D4A7-C8981C1E253D}"/>
+              </a:ext>
+            </a:extLst>
+          </p:cNvPr>
+          <p:cNvSpPr txBox="1"/>
+          <p:nvPr/>
+        </p:nvSpPr>
+        <p:spPr>
+          <a:xfrm>
+            <a:off x="2896734" y="4857175"/>
+            <a:ext cx="522900" cy="646331"/>
+          </a:xfrm>
+          <a:prstGeom prst="rect">
+            <a:avLst/>
+          </a:prstGeom>
+          <a:noFill/>
+        </p:spPr>
+        <p:txBody>
+          <a:bodyPr wrap="none" rtlCol="0">
+            <a:spAutoFit/>
+          </a:bodyPr>
+          <a:lstStyle/>
+          <a:p>
+            <a:r>
+              <a:rPr lang="en-ES" sz="3600" dirty="0"/>
+              <a:t>O</a:t>
+            </a:r>
+          </a:p>
+        </p:txBody>
+      </p:sp>
+      <p:sp>
+        <p:nvSpPr>
+          <p:cNvPr id="13" name="Oval 12">
+            <a:extLst>
+              <a:ext uri="{FF2B5EF4-FFF2-40B4-BE49-F238E27FC236}">
+                <a16:creationId xmlns:a16="http://schemas.microsoft.com/office/drawing/2014/main" id="{322D8EC8-818D-2FD2-93C7-4DCB0E0893A1}"/>
+              </a:ext>
+            </a:extLst>
+          </p:cNvPr>
+          <p:cNvSpPr/>
+          <p:nvPr/>
+        </p:nvSpPr>
+        <p:spPr>
+          <a:xfrm rot="2766453">
+            <a:off x="4400372" y="3642708"/>
+            <a:ext cx="167337" cy="69668"/>
+          </a:xfrm>
+          <a:prstGeom prst="ellipse">
+            <a:avLst/>
+          </a:prstGeom>
+        </p:spPr>
+        <p:style>
+          <a:lnRef idx="2">
+            <a:schemeClr val="accent1">
+              <a:shade val="15000"/>
+            </a:schemeClr>
+          </a:lnRef>
+          <a:fillRef idx="1">
+            <a:schemeClr val="accent1"/>
+          </a:fillRef>
+          <a:effectRef idx="0">
+            <a:schemeClr val="accent1"/>
+          </a:effectRef>
+          <a:fontRef idx="minor">
+            <a:schemeClr val="lt1"/>
+          </a:fontRef>
+        </p:style>
+        <p:txBody>
+          <a:bodyPr rtlCol="0" anchor="ctr"/>
+          <a:lstStyle/>
+          <a:p>
+            <a:pPr algn="ctr"/>
+            <a:endParaRPr lang="en-ES"/>
+          </a:p>
+        </p:txBody>
+      </p:sp>
+      <p:sp>
+        <p:nvSpPr>
+          <p:cNvPr id="14" name="Arc 13">
+            <a:extLst>
+              <a:ext uri="{FF2B5EF4-FFF2-40B4-BE49-F238E27FC236}">
+                <a16:creationId xmlns:a16="http://schemas.microsoft.com/office/drawing/2014/main" id="{788039F9-6F13-8097-318F-A9E4FDBD5E07}"/>
+              </a:ext>
+            </a:extLst>
+          </p:cNvPr>
+          <p:cNvSpPr/>
+          <p:nvPr/>
+        </p:nvSpPr>
+        <p:spPr>
+          <a:xfrm>
+            <a:off x="1021973" y="2961043"/>
+            <a:ext cx="4001845" cy="4450977"/>
+          </a:xfrm>
+          <a:prstGeom prst="arc">
+            <a:avLst>
+              <a:gd name="adj1" fmla="val 17045662"/>
+              <a:gd name="adj2" fmla="val 18774423"/>
+            </a:avLst>
+          </a:prstGeom>
+          <a:ln w="38100">
+            <a:solidFill>
+              <a:schemeClr val="tx1"/>
+            </a:solidFill>
+          </a:ln>
+        </p:spPr>
+        <p:style>
+          <a:lnRef idx="2">
+            <a:schemeClr val="accent1"/>
+          </a:lnRef>
+          <a:fillRef idx="0">
+            <a:schemeClr val="accent1"/>
+          </a:fillRef>
+          <a:effectRef idx="1">
+            <a:schemeClr val="accent1"/>
+          </a:effectRef>
+          <a:fontRef idx="minor">
+            <a:schemeClr val="tx1"/>
+          </a:fontRef>
+        </p:style>
+        <p:txBody>
+          <a:bodyPr rtlCol="0" anchor="ctr"/>
+          <a:lstStyle/>
+          <a:p>
+            <a:pPr algn="ctr"/>
+            <a:endParaRPr lang="en-ES"/>
+          </a:p>
+        </p:txBody>
+      </p:sp>
+      <p:cxnSp>
+        <p:nvCxnSpPr>
+          <p:cNvPr id="16" name="Straight Connector 15">
+            <a:extLst>
+              <a:ext uri="{FF2B5EF4-FFF2-40B4-BE49-F238E27FC236}">
+                <a16:creationId xmlns:a16="http://schemas.microsoft.com/office/drawing/2014/main" id="{44BBA49D-0D71-3BED-1ACD-F3EB4C050F8D}"/>
+              </a:ext>
+            </a:extLst>
+          </p:cNvPr>
+          <p:cNvCxnSpPr>
+            <a:cxnSpLocks/>
+          </p:cNvCxnSpPr>
+          <p:nvPr/>
+        </p:nvCxnSpPr>
+        <p:spPr>
+          <a:xfrm flipV="1">
+            <a:off x="3506993" y="3064399"/>
+            <a:ext cx="0" cy="1893505"/>
+          </a:xfrm>
+          <a:prstGeom prst="line">
+            <a:avLst/>
+          </a:prstGeom>
+          <a:ln w="38100"/>
+        </p:spPr>
+        <p:style>
+          <a:lnRef idx="2">
+            <a:schemeClr val="accent1"/>
+          </a:lnRef>
+          <a:fillRef idx="0">
+            <a:schemeClr val="accent1"/>
+          </a:fillRef>
+          <a:effectRef idx="1">
+            <a:schemeClr val="accent1"/>
+          </a:effectRef>
+          <a:fontRef idx="minor">
+            <a:schemeClr val="tx1"/>
+          </a:fontRef>
+        </p:style>
+      </p:cxnSp>
+      <p:cxnSp>
+        <p:nvCxnSpPr>
+          <p:cNvPr id="19" name="Straight Connector 18">
+            <a:extLst>
+              <a:ext uri="{FF2B5EF4-FFF2-40B4-BE49-F238E27FC236}">
+                <a16:creationId xmlns:a16="http://schemas.microsoft.com/office/drawing/2014/main" id="{6C288BBB-8476-FC27-7A5A-C6C4422C0C68}"/>
+              </a:ext>
+            </a:extLst>
+          </p:cNvPr>
+          <p:cNvCxnSpPr>
+            <a:cxnSpLocks/>
+            <a:stCxn id="9" idx="7"/>
+            <a:endCxn id="13" idx="4"/>
+          </p:cNvCxnSpPr>
+          <p:nvPr/>
+        </p:nvCxnSpPr>
+        <p:spPr>
+          <a:xfrm flipV="1">
+            <a:off x="3562465" y="3701693"/>
+            <a:ext cx="896473" cy="1266414"/>
+          </a:xfrm>
+          <a:prstGeom prst="line">
+            <a:avLst/>
+          </a:prstGeom>
+          <a:ln w="38100">
+            <a:tailEnd type="triangle"/>
+          </a:ln>
+        </p:spPr>
+        <p:style>
+          <a:lnRef idx="2">
+            <a:schemeClr val="accent1"/>
+          </a:lnRef>
+          <a:fillRef idx="0">
+            <a:schemeClr val="accent1"/>
+          </a:fillRef>
+          <a:effectRef idx="1">
+            <a:schemeClr val="accent1"/>
+          </a:effectRef>
+          <a:fontRef idx="minor">
+            <a:schemeClr val="tx1"/>
+          </a:fontRef>
+        </p:style>
+      </p:cxnSp>
+      <p:grpSp>
+        <p:nvGrpSpPr>
+          <p:cNvPr id="23" name="Group 22">
+            <a:extLst>
+              <a:ext uri="{FF2B5EF4-FFF2-40B4-BE49-F238E27FC236}">
+                <a16:creationId xmlns:a16="http://schemas.microsoft.com/office/drawing/2014/main" id="{D9E60F76-4DDA-DD52-F378-CBA81B55D2D5}"/>
+              </a:ext>
+            </a:extLst>
+          </p:cNvPr>
+          <p:cNvGrpSpPr/>
+          <p:nvPr/>
+        </p:nvGrpSpPr>
+        <p:grpSpPr>
+          <a:xfrm>
+            <a:off x="4212716" y="3869196"/>
+            <a:ext cx="492443" cy="732608"/>
+            <a:chOff x="6765974" y="1862976"/>
+            <a:chExt cx="492443" cy="732608"/>
+          </a:xfrm>
+        </p:grpSpPr>
+        <p:sp>
+          <p:nvSpPr>
+            <p:cNvPr id="21" name="TextBox 20">
+              <a:extLst>
+                <a:ext uri="{FF2B5EF4-FFF2-40B4-BE49-F238E27FC236}">
+                  <a16:creationId xmlns:a16="http://schemas.microsoft.com/office/drawing/2014/main" id="{2201616C-9A24-84E2-F584-C74920985373}"/>
+                </a:ext>
+              </a:extLst>
+            </p:cNvPr>
+            <p:cNvSpPr txBox="1"/>
+            <p:nvPr/>
+          </p:nvSpPr>
+          <p:spPr>
+            <a:xfrm>
+              <a:off x="6817922" y="1949253"/>
+              <a:ext cx="338554" cy="646331"/>
+            </a:xfrm>
+            <a:prstGeom prst="rect">
+              <a:avLst/>
+            </a:prstGeom>
+            <a:noFill/>
+          </p:spPr>
+          <p:txBody>
+            <a:bodyPr wrap="none" rtlCol="0">
+              <a:spAutoFit/>
+            </a:bodyPr>
+            <a:lstStyle/>
+            <a:p>
+              <a:r>
+                <a:rPr lang="en-ES" sz="3600" dirty="0"/>
+                <a:t>r</a:t>
+              </a:r>
+              <a:endParaRPr lang="en-ES" sz="3600" baseline="-25000" dirty="0"/>
+            </a:p>
+          </p:txBody>
+        </p:sp>
+        <p:sp>
+          <p:nvSpPr>
+            <p:cNvPr id="22" name="TextBox 21">
+              <a:extLst>
+                <a:ext uri="{FF2B5EF4-FFF2-40B4-BE49-F238E27FC236}">
+                  <a16:creationId xmlns:a16="http://schemas.microsoft.com/office/drawing/2014/main" id="{63ECEDFA-0FEB-914E-3AA2-BADC696A90F5}"/>
+                </a:ext>
+              </a:extLst>
+            </p:cNvPr>
+            <p:cNvSpPr txBox="1"/>
+            <p:nvPr/>
+          </p:nvSpPr>
+          <p:spPr>
+            <a:xfrm>
+              <a:off x="6765974" y="1862976"/>
+              <a:ext cx="492443" cy="461665"/>
+            </a:xfrm>
+            <a:prstGeom prst="rect">
+              <a:avLst/>
+            </a:prstGeom>
+            <a:noFill/>
+          </p:spPr>
+          <p:txBody>
+            <a:bodyPr wrap="square" rtlCol="0">
+              <a:spAutoFit/>
+            </a:bodyPr>
+            <a:lstStyle/>
+            <a:p>
+              <a:r>
+                <a:rPr lang="en-ES" sz="2400" dirty="0"/>
+                <a:t>➝</a:t>
+              </a:r>
+            </a:p>
+          </p:txBody>
+        </p:sp>
+      </p:grpSp>
+      <p:sp>
+        <p:nvSpPr>
+          <p:cNvPr id="25" name="TextBox 24">
+            <a:extLst>
+              <a:ext uri="{FF2B5EF4-FFF2-40B4-BE49-F238E27FC236}">
+                <a16:creationId xmlns:a16="http://schemas.microsoft.com/office/drawing/2014/main" id="{B24F304A-4BC6-5985-7719-03D18059EAC9}"/>
+              </a:ext>
+            </a:extLst>
+          </p:cNvPr>
+          <p:cNvSpPr txBox="1"/>
+          <p:nvPr/>
+        </p:nvSpPr>
+        <p:spPr>
+          <a:xfrm>
+            <a:off x="3589028" y="3717153"/>
+            <a:ext cx="437940" cy="646331"/>
+          </a:xfrm>
+          <a:prstGeom prst="rect">
+            <a:avLst/>
+          </a:prstGeom>
+          <a:noFill/>
+        </p:spPr>
+        <p:txBody>
+          <a:bodyPr wrap="none" rtlCol="0">
+            <a:spAutoFit/>
+          </a:bodyPr>
+          <a:lstStyle/>
+          <a:p>
+            <a:r>
+              <a:rPr lang="en-ES" sz="3600" dirty="0"/>
+              <a:t>θ</a:t>
+            </a:r>
+          </a:p>
+        </p:txBody>
+      </p:sp>
+      <p:sp>
+        <p:nvSpPr>
+          <p:cNvPr id="26" name="Arc 25">
+            <a:extLst>
+              <a:ext uri="{FF2B5EF4-FFF2-40B4-BE49-F238E27FC236}">
+                <a16:creationId xmlns:a16="http://schemas.microsoft.com/office/drawing/2014/main" id="{2D82B2C3-C8B9-E23E-F3C2-C3F98C7BE8C9}"/>
+              </a:ext>
+            </a:extLst>
+          </p:cNvPr>
+          <p:cNvSpPr/>
+          <p:nvPr/>
+        </p:nvSpPr>
+        <p:spPr>
+          <a:xfrm>
+            <a:off x="2276854" y="4149883"/>
+            <a:ext cx="1913383" cy="2060914"/>
+          </a:xfrm>
+          <a:prstGeom prst="arc">
+            <a:avLst>
+              <a:gd name="adj1" fmla="val 17045662"/>
+              <a:gd name="adj2" fmla="val 18774423"/>
+            </a:avLst>
+          </a:prstGeom>
+          <a:ln w="38100">
+            <a:solidFill>
+              <a:schemeClr val="tx1"/>
+            </a:solidFill>
+          </a:ln>
+        </p:spPr>
+        <p:style>
+          <a:lnRef idx="2">
+            <a:schemeClr val="accent1"/>
+          </a:lnRef>
+          <a:fillRef idx="0">
+            <a:schemeClr val="accent1"/>
+          </a:fillRef>
+          <a:effectRef idx="1">
+            <a:schemeClr val="accent1"/>
+          </a:effectRef>
+          <a:fontRef idx="minor">
+            <a:schemeClr val="tx1"/>
+          </a:fontRef>
+        </p:style>
+        <p:txBody>
+          <a:bodyPr rtlCol="0" anchor="ctr"/>
+          <a:lstStyle/>
+          <a:p>
+            <a:pPr algn="ctr"/>
+            <a:endParaRPr lang="en-ES"/>
+          </a:p>
+        </p:txBody>
+      </p:sp>
+      <p:sp>
+        <p:nvSpPr>
+          <p:cNvPr id="39" name="TextBox 38">
+            <a:extLst>
+              <a:ext uri="{FF2B5EF4-FFF2-40B4-BE49-F238E27FC236}">
+                <a16:creationId xmlns:a16="http://schemas.microsoft.com/office/drawing/2014/main" id="{B2BAF4B9-A177-A300-8020-4419082225D1}"/>
+              </a:ext>
+            </a:extLst>
+          </p:cNvPr>
+          <p:cNvSpPr txBox="1"/>
+          <p:nvPr/>
+        </p:nvSpPr>
+        <p:spPr>
+          <a:xfrm>
+            <a:off x="7831510" y="4575962"/>
+            <a:ext cx="437940" cy="646331"/>
+          </a:xfrm>
+          <a:prstGeom prst="rect">
+            <a:avLst/>
+          </a:prstGeom>
+          <a:noFill/>
+        </p:spPr>
+        <p:txBody>
+          <a:bodyPr wrap="square" rtlCol="0">
+            <a:spAutoFit/>
+          </a:bodyPr>
+          <a:lstStyle/>
+          <a:p>
+            <a:r>
+              <a:rPr lang="en-ES" sz="3600" dirty="0"/>
+              <a:t>θ</a:t>
+            </a:r>
+          </a:p>
+        </p:txBody>
+      </p:sp>
+      <p:sp>
+        <p:nvSpPr>
+          <p:cNvPr id="27" name="Arc 26">
+            <a:extLst>
+              <a:ext uri="{FF2B5EF4-FFF2-40B4-BE49-F238E27FC236}">
+                <a16:creationId xmlns:a16="http://schemas.microsoft.com/office/drawing/2014/main" id="{D44EBBCE-8353-A21D-D2A4-6CB3D2F0D917}"/>
+              </a:ext>
+            </a:extLst>
+          </p:cNvPr>
+          <p:cNvSpPr/>
+          <p:nvPr/>
+        </p:nvSpPr>
+        <p:spPr>
+          <a:xfrm>
+            <a:off x="5023818" y="2428545"/>
+            <a:ext cx="6261087" cy="6149921"/>
+          </a:xfrm>
+          <a:prstGeom prst="arc">
+            <a:avLst>
+              <a:gd name="adj1" fmla="val 16235464"/>
+              <a:gd name="adj2" fmla="val 19178223"/>
+            </a:avLst>
+          </a:prstGeom>
+          <a:ln w="38100">
+            <a:solidFill>
+              <a:schemeClr val="tx1"/>
+            </a:solidFill>
+          </a:ln>
+        </p:spPr>
+        <p:style>
+          <a:lnRef idx="2">
+            <a:schemeClr val="accent1"/>
+          </a:lnRef>
+          <a:fillRef idx="0">
+            <a:schemeClr val="accent1"/>
+          </a:fillRef>
+          <a:effectRef idx="1">
+            <a:schemeClr val="accent1"/>
+          </a:effectRef>
+          <a:fontRef idx="minor">
+            <a:schemeClr val="tx1"/>
+          </a:fontRef>
+        </p:style>
+        <p:txBody>
+          <a:bodyPr rtlCol="0" anchor="ctr"/>
+          <a:lstStyle/>
+          <a:p>
+            <a:pPr algn="ctr"/>
+            <a:endParaRPr lang="en-ES"/>
+          </a:p>
+        </p:txBody>
+      </p:sp>
+      <p:sp>
+        <p:nvSpPr>
+          <p:cNvPr id="28" name="Oval 27">
+            <a:extLst>
+              <a:ext uri="{FF2B5EF4-FFF2-40B4-BE49-F238E27FC236}">
+                <a16:creationId xmlns:a16="http://schemas.microsoft.com/office/drawing/2014/main" id="{696F848F-7651-1E4E-DA9B-C9BCFBF483B3}"/>
+              </a:ext>
+            </a:extLst>
+          </p:cNvPr>
+          <p:cNvSpPr/>
+          <p:nvPr/>
+        </p:nvSpPr>
+        <p:spPr>
+          <a:xfrm>
+            <a:off x="8076712" y="5367642"/>
+            <a:ext cx="252148" cy="214956"/>
+          </a:xfrm>
+          <a:prstGeom prst="ellipse">
+            <a:avLst/>
+          </a:prstGeom>
+        </p:spPr>
+        <p:style>
+          <a:lnRef idx="2">
+            <a:schemeClr val="accent1">
+              <a:shade val="15000"/>
+            </a:schemeClr>
+          </a:lnRef>
+          <a:fillRef idx="1">
+            <a:schemeClr val="accent1"/>
+          </a:fillRef>
+          <a:effectRef idx="0">
+            <a:schemeClr val="accent1"/>
+          </a:effectRef>
+          <a:fontRef idx="minor">
+            <a:schemeClr val="lt1"/>
+          </a:fontRef>
+        </p:style>
+        <p:txBody>
+          <a:bodyPr rtlCol="0" anchor="ctr"/>
+          <a:lstStyle/>
+          <a:p>
+            <a:pPr algn="ctr"/>
+            <a:endParaRPr lang="en-ES"/>
+          </a:p>
+        </p:txBody>
+      </p:sp>
+      <p:cxnSp>
+        <p:nvCxnSpPr>
+          <p:cNvPr id="29" name="Straight Connector 28">
+            <a:extLst>
+              <a:ext uri="{FF2B5EF4-FFF2-40B4-BE49-F238E27FC236}">
+                <a16:creationId xmlns:a16="http://schemas.microsoft.com/office/drawing/2014/main" id="{623DC22B-FD40-A3D2-E338-EA3A9A6CFFCC}"/>
+              </a:ext>
+            </a:extLst>
+          </p:cNvPr>
+          <p:cNvCxnSpPr>
+            <a:cxnSpLocks/>
+            <a:stCxn id="28" idx="0"/>
+            <a:endCxn id="27" idx="0"/>
+          </p:cNvCxnSpPr>
+          <p:nvPr/>
+        </p:nvCxnSpPr>
+        <p:spPr>
+          <a:xfrm flipH="1" flipV="1">
+            <a:off x="8187178" y="2428714"/>
+            <a:ext cx="15609" cy="2938928"/>
+          </a:xfrm>
+          <a:prstGeom prst="line">
+            <a:avLst/>
+          </a:prstGeom>
+          <a:ln w="38100"/>
+        </p:spPr>
+        <p:style>
+          <a:lnRef idx="2">
+            <a:schemeClr val="accent1"/>
+          </a:lnRef>
+          <a:fillRef idx="0">
+            <a:schemeClr val="accent1"/>
+          </a:fillRef>
+          <a:effectRef idx="1">
+            <a:schemeClr val="accent1"/>
+          </a:effectRef>
+          <a:fontRef idx="minor">
+            <a:schemeClr val="tx1"/>
+          </a:fontRef>
+        </p:style>
+      </p:cxnSp>
+      <p:cxnSp>
+        <p:nvCxnSpPr>
+          <p:cNvPr id="32" name="Straight Connector 31">
+            <a:extLst>
+              <a:ext uri="{FF2B5EF4-FFF2-40B4-BE49-F238E27FC236}">
+                <a16:creationId xmlns:a16="http://schemas.microsoft.com/office/drawing/2014/main" id="{88E08202-D14E-073B-7532-0E6ADB19F65C}"/>
+              </a:ext>
+            </a:extLst>
+          </p:cNvPr>
+          <p:cNvCxnSpPr>
+            <a:cxnSpLocks/>
+            <a:stCxn id="28" idx="7"/>
+            <a:endCxn id="27" idx="2"/>
+          </p:cNvCxnSpPr>
+          <p:nvPr/>
+        </p:nvCxnSpPr>
+        <p:spPr>
+          <a:xfrm flipV="1">
+            <a:off x="8291934" y="3530674"/>
+            <a:ext cx="2263730" cy="1868448"/>
+          </a:xfrm>
+          <a:prstGeom prst="line">
+            <a:avLst/>
+          </a:prstGeom>
+          <a:ln w="38100"/>
+        </p:spPr>
+        <p:style>
+          <a:lnRef idx="2">
+            <a:schemeClr val="accent1"/>
+          </a:lnRef>
+          <a:fillRef idx="0">
+            <a:schemeClr val="accent1"/>
+          </a:fillRef>
+          <a:effectRef idx="1">
+            <a:schemeClr val="accent1"/>
+          </a:effectRef>
+          <a:fontRef idx="minor">
+            <a:schemeClr val="tx1"/>
+          </a:fontRef>
+        </p:style>
+      </p:cxnSp>
+      <p:sp>
+        <p:nvSpPr>
+          <p:cNvPr id="35" name="Arc 34">
+            <a:extLst>
+              <a:ext uri="{FF2B5EF4-FFF2-40B4-BE49-F238E27FC236}">
+                <a16:creationId xmlns:a16="http://schemas.microsoft.com/office/drawing/2014/main" id="{9D38E17D-1317-E71A-9CB5-1E7A4C94D7FB}"/>
+              </a:ext>
+            </a:extLst>
+          </p:cNvPr>
+          <p:cNvSpPr/>
+          <p:nvPr/>
+        </p:nvSpPr>
+        <p:spPr>
+          <a:xfrm>
+            <a:off x="7675213" y="4907486"/>
+            <a:ext cx="1087215" cy="1125839"/>
+          </a:xfrm>
+          <a:prstGeom prst="arc">
+            <a:avLst>
+              <a:gd name="adj1" fmla="val 16235464"/>
+              <a:gd name="adj2" fmla="val 19178223"/>
+            </a:avLst>
+          </a:prstGeom>
+          <a:ln w="38100">
+            <a:solidFill>
+              <a:schemeClr val="tx1"/>
+            </a:solidFill>
+          </a:ln>
+        </p:spPr>
+        <p:style>
+          <a:lnRef idx="2">
+            <a:schemeClr val="accent1"/>
+          </a:lnRef>
+          <a:fillRef idx="0">
+            <a:schemeClr val="accent1"/>
+          </a:fillRef>
+          <a:effectRef idx="1">
+            <a:schemeClr val="accent1"/>
+          </a:effectRef>
+          <a:fontRef idx="minor">
+            <a:schemeClr val="tx1"/>
+          </a:fontRef>
+        </p:style>
+        <p:txBody>
+          <a:bodyPr rtlCol="0" anchor="ctr"/>
+          <a:lstStyle/>
+          <a:p>
+            <a:pPr algn="ctr"/>
+            <a:endParaRPr lang="en-ES"/>
+          </a:p>
+        </p:txBody>
+      </p:sp>
+      <p:cxnSp>
+        <p:nvCxnSpPr>
+          <p:cNvPr id="40" name="Straight Connector 39">
+            <a:extLst>
+              <a:ext uri="{FF2B5EF4-FFF2-40B4-BE49-F238E27FC236}">
+                <a16:creationId xmlns:a16="http://schemas.microsoft.com/office/drawing/2014/main" id="{6DACE6DE-EDE6-32E9-FD03-901EB2FA79DD}"/>
+              </a:ext>
+            </a:extLst>
+          </p:cNvPr>
+          <p:cNvCxnSpPr>
+            <a:cxnSpLocks/>
+          </p:cNvCxnSpPr>
+          <p:nvPr/>
+        </p:nvCxnSpPr>
+        <p:spPr>
+          <a:xfrm flipV="1">
+            <a:off x="8247005" y="2962299"/>
+            <a:ext cx="1124415" cy="2436822"/>
+          </a:xfrm>
+          <a:prstGeom prst="line">
+            <a:avLst/>
+          </a:prstGeom>
+          <a:ln w="38100"/>
+        </p:spPr>
+        <p:style>
+          <a:lnRef idx="2">
+            <a:schemeClr val="accent1"/>
+          </a:lnRef>
+          <a:fillRef idx="0">
+            <a:schemeClr val="accent1"/>
+          </a:fillRef>
+          <a:effectRef idx="1">
+            <a:schemeClr val="accent1"/>
+          </a:effectRef>
+          <a:fontRef idx="minor">
+            <a:schemeClr val="tx1"/>
+          </a:fontRef>
+        </p:style>
+      </p:cxnSp>
+      <p:cxnSp>
+        <p:nvCxnSpPr>
+          <p:cNvPr id="45" name="Straight Connector 44">
+            <a:extLst>
+              <a:ext uri="{FF2B5EF4-FFF2-40B4-BE49-F238E27FC236}">
+                <a16:creationId xmlns:a16="http://schemas.microsoft.com/office/drawing/2014/main" id="{2C8B9186-E5DB-FE3C-2430-CA05B30D55DB}"/>
+              </a:ext>
+            </a:extLst>
+          </p:cNvPr>
+          <p:cNvCxnSpPr>
+            <a:cxnSpLocks/>
+            <a:stCxn id="27" idx="0"/>
+            <a:endCxn id="27" idx="2"/>
+          </p:cNvCxnSpPr>
+          <p:nvPr/>
+        </p:nvCxnSpPr>
+        <p:spPr>
+          <a:xfrm>
+            <a:off x="8187178" y="2428714"/>
+            <a:ext cx="2368487" cy="1101960"/>
+          </a:xfrm>
+          <a:prstGeom prst="line">
+            <a:avLst/>
+          </a:prstGeom>
+          <a:ln w="38100"/>
+        </p:spPr>
+        <p:style>
+          <a:lnRef idx="2">
+            <a:schemeClr val="accent1"/>
+          </a:lnRef>
+          <a:fillRef idx="0">
+            <a:schemeClr val="accent1"/>
+          </a:fillRef>
+          <a:effectRef idx="1">
+            <a:schemeClr val="accent1"/>
+          </a:effectRef>
+          <a:fontRef idx="minor">
+            <a:schemeClr val="tx1"/>
+          </a:fontRef>
+        </p:style>
+      </p:cxnSp>
+      <p:sp>
+        <p:nvSpPr>
+          <p:cNvPr id="49" name="TextBox 48">
+            <a:extLst>
+              <a:ext uri="{FF2B5EF4-FFF2-40B4-BE49-F238E27FC236}">
+                <a16:creationId xmlns:a16="http://schemas.microsoft.com/office/drawing/2014/main" id="{6C35533C-2F76-27FB-2FD9-2ADDE81760FB}"/>
+              </a:ext>
+            </a:extLst>
+          </p:cNvPr>
+          <p:cNvSpPr txBox="1"/>
+          <p:nvPr/>
+        </p:nvSpPr>
+        <p:spPr>
+          <a:xfrm>
+            <a:off x="8923895" y="3698799"/>
+            <a:ext cx="910662" cy="646331"/>
+          </a:xfrm>
+          <a:prstGeom prst="rect">
+            <a:avLst/>
+          </a:prstGeom>
+          <a:noFill/>
+        </p:spPr>
+        <p:txBody>
+          <a:bodyPr wrap="square" rtlCol="0">
+            <a:spAutoFit/>
+          </a:bodyPr>
+          <a:lstStyle/>
+          <a:p>
+            <a:r>
+              <a:rPr lang="en-ES" sz="3600" dirty="0"/>
+              <a:t>θ/2</a:t>
+            </a:r>
+          </a:p>
+        </p:txBody>
+      </p:sp>
+      <p:sp>
+        <p:nvSpPr>
+          <p:cNvPr id="52" name="Arc 51">
+            <a:extLst>
+              <a:ext uri="{FF2B5EF4-FFF2-40B4-BE49-F238E27FC236}">
+                <a16:creationId xmlns:a16="http://schemas.microsoft.com/office/drawing/2014/main" id="{A93F4E1C-D374-23D6-5C42-25A6D2DB28C2}"/>
+              </a:ext>
+            </a:extLst>
+          </p:cNvPr>
+          <p:cNvSpPr/>
+          <p:nvPr/>
+        </p:nvSpPr>
+        <p:spPr>
+          <a:xfrm>
+            <a:off x="6978790" y="4309012"/>
+            <a:ext cx="2428602" cy="2329182"/>
+          </a:xfrm>
+          <a:prstGeom prst="arc">
+            <a:avLst>
+              <a:gd name="adj1" fmla="val 17770735"/>
+              <a:gd name="adj2" fmla="val 19178223"/>
+            </a:avLst>
+          </a:prstGeom>
+          <a:ln w="38100">
+            <a:solidFill>
+              <a:schemeClr val="tx1"/>
+            </a:solidFill>
+          </a:ln>
+        </p:spPr>
+        <p:style>
+          <a:lnRef idx="2">
+            <a:schemeClr val="accent1"/>
+          </a:lnRef>
+          <a:fillRef idx="0">
+            <a:schemeClr val="accent1"/>
+          </a:fillRef>
+          <a:effectRef idx="1">
+            <a:schemeClr val="accent1"/>
+          </a:effectRef>
+          <a:fontRef idx="minor">
+            <a:schemeClr val="tx1"/>
+          </a:fontRef>
+        </p:style>
+        <p:txBody>
+          <a:bodyPr rtlCol="0" anchor="ctr"/>
+          <a:lstStyle/>
+          <a:p>
+            <a:pPr algn="ctr"/>
+            <a:endParaRPr lang="en-ES"/>
+          </a:p>
+        </p:txBody>
+      </p:sp>
+      <p:sp>
+        <p:nvSpPr>
+          <p:cNvPr id="53" name="Left Brace 52">
+            <a:extLst>
+              <a:ext uri="{FF2B5EF4-FFF2-40B4-BE49-F238E27FC236}">
+                <a16:creationId xmlns:a16="http://schemas.microsoft.com/office/drawing/2014/main" id="{EEBEADDA-4708-71AE-C04C-07AD989EC4E2}"/>
+              </a:ext>
+            </a:extLst>
+          </p:cNvPr>
+          <p:cNvSpPr/>
+          <p:nvPr/>
+        </p:nvSpPr>
+        <p:spPr>
+          <a:xfrm>
+            <a:off x="7602470" y="2446120"/>
+            <a:ext cx="304800" cy="3036119"/>
+          </a:xfrm>
+          <a:prstGeom prst="leftBrace">
+            <a:avLst/>
+          </a:prstGeom>
+        </p:spPr>
+        <p:style>
+          <a:lnRef idx="2">
+            <a:schemeClr val="accent1"/>
+          </a:lnRef>
+          <a:fillRef idx="0">
+            <a:schemeClr val="accent1"/>
+          </a:fillRef>
+          <a:effectRef idx="1">
+            <a:schemeClr val="accent1"/>
+          </a:effectRef>
+          <a:fontRef idx="minor">
+            <a:schemeClr val="tx1"/>
+          </a:fontRef>
+        </p:style>
+        <p:txBody>
+          <a:bodyPr rtlCol="0" anchor="ctr"/>
+          <a:lstStyle/>
+          <a:p>
+            <a:pPr algn="ctr"/>
+            <a:endParaRPr lang="en-ES"/>
+          </a:p>
+        </p:txBody>
+      </p:sp>
+      <p:sp>
+        <p:nvSpPr>
+          <p:cNvPr id="54" name="TextBox 53">
+            <a:extLst>
+              <a:ext uri="{FF2B5EF4-FFF2-40B4-BE49-F238E27FC236}">
+                <a16:creationId xmlns:a16="http://schemas.microsoft.com/office/drawing/2014/main" id="{6AA8751F-6753-0C32-755E-AFAE08EAEE67}"/>
+              </a:ext>
+            </a:extLst>
+          </p:cNvPr>
+          <p:cNvSpPr txBox="1"/>
+          <p:nvPr/>
+        </p:nvSpPr>
+        <p:spPr>
+          <a:xfrm>
+            <a:off x="7215825" y="3593096"/>
+            <a:ext cx="429926" cy="646331"/>
+          </a:xfrm>
+          <a:prstGeom prst="rect">
+            <a:avLst/>
+          </a:prstGeom>
+          <a:noFill/>
+        </p:spPr>
+        <p:txBody>
+          <a:bodyPr wrap="none" rtlCol="0">
+            <a:spAutoFit/>
+          </a:bodyPr>
+          <a:lstStyle/>
+          <a:p>
+            <a:r>
+              <a:rPr lang="en-ES" sz="3600" dirty="0"/>
+              <a:t>a</a:t>
+            </a:r>
+          </a:p>
+        </p:txBody>
+      </p:sp>
+      <p:sp>
+        <p:nvSpPr>
+          <p:cNvPr id="55" name="Left Brace 54">
+            <a:extLst>
+              <a:ext uri="{FF2B5EF4-FFF2-40B4-BE49-F238E27FC236}">
+                <a16:creationId xmlns:a16="http://schemas.microsoft.com/office/drawing/2014/main" id="{CDD0697A-62F8-2B60-9263-AD3D5323509E}"/>
+              </a:ext>
+            </a:extLst>
+          </p:cNvPr>
+          <p:cNvSpPr/>
+          <p:nvPr/>
+        </p:nvSpPr>
+        <p:spPr>
+          <a:xfrm rot="6941951">
+            <a:off x="9420309" y="1239921"/>
+            <a:ext cx="360267" cy="2639443"/>
+          </a:xfrm>
+          <a:prstGeom prst="leftBrace">
+            <a:avLst/>
+          </a:prstGeom>
+        </p:spPr>
+        <p:style>
+          <a:lnRef idx="2">
+            <a:schemeClr val="accent1"/>
+          </a:lnRef>
+          <a:fillRef idx="0">
+            <a:schemeClr val="accent1"/>
+          </a:fillRef>
+          <a:effectRef idx="1">
+            <a:schemeClr val="accent1"/>
+          </a:effectRef>
+          <a:fontRef idx="minor">
+            <a:schemeClr val="tx1"/>
+          </a:fontRef>
+        </p:style>
+        <p:txBody>
+          <a:bodyPr rtlCol="0" anchor="ctr"/>
+          <a:lstStyle/>
+          <a:p>
+            <a:pPr algn="ctr"/>
+            <a:endParaRPr lang="en-ES"/>
+          </a:p>
+        </p:txBody>
+      </p:sp>
+      <p:sp>
+        <p:nvSpPr>
+          <p:cNvPr id="56" name="TextBox 55">
+            <a:extLst>
+              <a:ext uri="{FF2B5EF4-FFF2-40B4-BE49-F238E27FC236}">
+                <a16:creationId xmlns:a16="http://schemas.microsoft.com/office/drawing/2014/main" id="{AA711C45-FDA9-252C-0272-E423179CB38D}"/>
+              </a:ext>
+            </a:extLst>
+          </p:cNvPr>
+          <p:cNvSpPr txBox="1"/>
+          <p:nvPr/>
+        </p:nvSpPr>
+        <p:spPr>
+          <a:xfrm>
+            <a:off x="9564336" y="1830351"/>
+            <a:ext cx="465192" cy="646331"/>
+          </a:xfrm>
+          <a:prstGeom prst="rect">
+            <a:avLst/>
+          </a:prstGeom>
+          <a:noFill/>
+        </p:spPr>
+        <p:txBody>
+          <a:bodyPr wrap="none" rtlCol="0">
+            <a:spAutoFit/>
+          </a:bodyPr>
+          <a:lstStyle/>
+          <a:p>
+            <a:r>
+              <a:rPr lang="en-ES" sz="3600" dirty="0"/>
+              <a:t>R</a:t>
+            </a:r>
+          </a:p>
+        </p:txBody>
+      </p:sp>
+    </p:spTree>
+    <p:extLst>
+      <p:ext uri="{BB962C8B-B14F-4D97-AF65-F5344CB8AC3E}">
+        <p14:creationId xmlns:p14="http://schemas.microsoft.com/office/powerpoint/2010/main" val="358445491"/>
+      </p:ext>
+    </p:extLst>
+  </p:cSld>
+  <p:clrMapOvr>
+    <a:masterClrMapping/>
+  </p:clrMapOvr>
+</p:sld>
+</file>
+
+<file path=ppt/slides/slide20.xml><?xml version="1.0" encoding="utf-8"?>
 <p:sld xmlns:a="http://schemas.openxmlformats.org/drawingml/2006/main" xmlns:r="http://schemas.openxmlformats.org/officeDocument/2006/relationships" xmlns:p="http://schemas.openxmlformats.org/presentationml/2006/main">
   <p:cSld>
     <p:spTree>
@@ -10982,7 +15736,7 @@
 </p:sld>
 </file>
 
-<file path=ppt/slides/slide18.xml><?xml version="1.0" encoding="utf-8"?>
+<file path=ppt/slides/slide21.xml><?xml version="1.0" encoding="utf-8"?>
 <p:sld xmlns:a="http://schemas.openxmlformats.org/drawingml/2006/main" xmlns:r="http://schemas.openxmlformats.org/officeDocument/2006/relationships" xmlns:p="http://schemas.openxmlformats.org/presentationml/2006/main">
   <p:cSld>
     <p:spTree>
@@ -11751,7 +16505,7 @@
 </p:sld>
 </file>
 
-<file path=ppt/slides/slide19.xml><?xml version="1.0" encoding="utf-8"?>
+<file path=ppt/slides/slide22.xml><?xml version="1.0" encoding="utf-8"?>
 <p:sld xmlns:a="http://schemas.openxmlformats.org/drawingml/2006/main" xmlns:r="http://schemas.openxmlformats.org/officeDocument/2006/relationships" xmlns:p="http://schemas.openxmlformats.org/presentationml/2006/main">
   <p:cSld>
     <p:spTree>
@@ -12520,1456 +17274,7 @@
 </p:sld>
 </file>
 
-<file path=ppt/slides/slide2.xml><?xml version="1.0" encoding="utf-8"?>
-<p:sld xmlns:a="http://schemas.openxmlformats.org/drawingml/2006/main" xmlns:r="http://schemas.openxmlformats.org/officeDocument/2006/relationships" xmlns:p="http://schemas.openxmlformats.org/presentationml/2006/main">
-  <p:cSld>
-    <p:spTree>
-      <p:nvGrpSpPr>
-        <p:cNvPr id="1" name="">
-          <a:extLst>
-            <a:ext uri="{FF2B5EF4-FFF2-40B4-BE49-F238E27FC236}">
-              <a16:creationId xmlns:a16="http://schemas.microsoft.com/office/drawing/2014/main" id="{C9C37103-DC63-5195-15A1-347639A24472}"/>
-            </a:ext>
-          </a:extLst>
-        </p:cNvPr>
-        <p:cNvGrpSpPr/>
-        <p:nvPr/>
-      </p:nvGrpSpPr>
-      <p:grpSpPr>
-        <a:xfrm>
-          <a:off x="0" y="0"/>
-          <a:ext cx="0" cy="0"/>
-          <a:chOff x="0" y="0"/>
-          <a:chExt cx="0" cy="0"/>
-        </a:xfrm>
-      </p:grpSpPr>
-      <p:sp>
-        <p:nvSpPr>
-          <p:cNvPr id="2" name="Title 1">
-            <a:extLst>
-              <a:ext uri="{FF2B5EF4-FFF2-40B4-BE49-F238E27FC236}">
-                <a16:creationId xmlns:a16="http://schemas.microsoft.com/office/drawing/2014/main" id="{2C855AD1-D50F-D045-AE97-ECD7E6A24D1A}"/>
-              </a:ext>
-            </a:extLst>
-          </p:cNvPr>
-          <p:cNvSpPr>
-            <a:spLocks noGrp="1"/>
-          </p:cNvSpPr>
-          <p:nvPr>
-            <p:ph type="title"/>
-          </p:nvPr>
-        </p:nvSpPr>
-        <p:spPr/>
-        <p:txBody>
-          <a:bodyPr/>
-          <a:lstStyle/>
-          <a:p>
-            <a:r>
-              <a:rPr lang="en-ES" dirty="0"/>
-              <a:t>B1.S1.2</a:t>
-            </a:r>
-          </a:p>
-        </p:txBody>
-      </p:sp>
-      <p:sp>
-        <p:nvSpPr>
-          <p:cNvPr id="3" name="Pie 2">
-            <a:extLst>
-              <a:ext uri="{FF2B5EF4-FFF2-40B4-BE49-F238E27FC236}">
-                <a16:creationId xmlns:a16="http://schemas.microsoft.com/office/drawing/2014/main" id="{09316E81-ED00-99A8-74C7-A1B90526EBE2}"/>
-              </a:ext>
-            </a:extLst>
-          </p:cNvPr>
-          <p:cNvSpPr/>
-          <p:nvPr/>
-        </p:nvSpPr>
-        <p:spPr>
-          <a:xfrm>
-            <a:off x="1433456" y="2918012"/>
-            <a:ext cx="4155141" cy="4222378"/>
-          </a:xfrm>
-          <a:prstGeom prst="pie">
-            <a:avLst>
-              <a:gd name="adj1" fmla="val 10766858"/>
-              <a:gd name="adj2" fmla="val 4033"/>
-            </a:avLst>
-          </a:prstGeom>
-          <a:solidFill>
-            <a:schemeClr val="accent4">
-              <a:lumMod val="40000"/>
-              <a:lumOff val="60000"/>
-            </a:schemeClr>
-          </a:solidFill>
-        </p:spPr>
-        <p:style>
-          <a:lnRef idx="2">
-            <a:schemeClr val="accent1">
-              <a:shade val="15000"/>
-            </a:schemeClr>
-          </a:lnRef>
-          <a:fillRef idx="1">
-            <a:schemeClr val="accent1"/>
-          </a:fillRef>
-          <a:effectRef idx="0">
-            <a:schemeClr val="accent1"/>
-          </a:effectRef>
-          <a:fontRef idx="minor">
-            <a:schemeClr val="lt1"/>
-          </a:fontRef>
-        </p:style>
-        <p:txBody>
-          <a:bodyPr rtlCol="0" anchor="ctr"/>
-          <a:lstStyle/>
-          <a:p>
-            <a:pPr algn="ctr"/>
-            <a:endParaRPr lang="en-ES">
-              <a:solidFill>
-                <a:schemeClr val="tx1"/>
-              </a:solidFill>
-            </a:endParaRPr>
-          </a:p>
-        </p:txBody>
-      </p:sp>
-      <p:sp>
-        <p:nvSpPr>
-          <p:cNvPr id="4" name="Oval 3">
-            <a:extLst>
-              <a:ext uri="{FF2B5EF4-FFF2-40B4-BE49-F238E27FC236}">
-                <a16:creationId xmlns:a16="http://schemas.microsoft.com/office/drawing/2014/main" id="{2550CF0A-890E-8281-8E8A-C7005607E13A}"/>
-              </a:ext>
-            </a:extLst>
-          </p:cNvPr>
-          <p:cNvSpPr/>
-          <p:nvPr/>
-        </p:nvSpPr>
-        <p:spPr>
-          <a:xfrm>
-            <a:off x="1433456" y="4554892"/>
-            <a:ext cx="4155141" cy="948614"/>
-          </a:xfrm>
-          <a:prstGeom prst="ellipse">
-            <a:avLst/>
-          </a:prstGeom>
-          <a:solidFill>
-            <a:schemeClr val="accent4">
-              <a:lumMod val="40000"/>
-              <a:lumOff val="60000"/>
-            </a:schemeClr>
-          </a:solidFill>
-          <a:ln>
-            <a:noFill/>
-          </a:ln>
-        </p:spPr>
-        <p:style>
-          <a:lnRef idx="2">
-            <a:schemeClr val="accent1">
-              <a:shade val="15000"/>
-            </a:schemeClr>
-          </a:lnRef>
-          <a:fillRef idx="1">
-            <a:schemeClr val="accent1"/>
-          </a:fillRef>
-          <a:effectRef idx="0">
-            <a:schemeClr val="accent1"/>
-          </a:effectRef>
-          <a:fontRef idx="minor">
-            <a:schemeClr val="lt1"/>
-          </a:fontRef>
-        </p:style>
-        <p:txBody>
-          <a:bodyPr rtlCol="0" anchor="ctr"/>
-          <a:lstStyle/>
-          <a:p>
-            <a:pPr algn="ctr"/>
-            <a:endParaRPr lang="en-ES"/>
-          </a:p>
-        </p:txBody>
-      </p:sp>
-      <p:sp>
-        <p:nvSpPr>
-          <p:cNvPr id="5" name="Arc 4">
-            <a:extLst>
-              <a:ext uri="{FF2B5EF4-FFF2-40B4-BE49-F238E27FC236}">
-                <a16:creationId xmlns:a16="http://schemas.microsoft.com/office/drawing/2014/main" id="{5C6A1C15-53B7-496E-84B0-7169FFC2E6B7}"/>
-              </a:ext>
-            </a:extLst>
-          </p:cNvPr>
-          <p:cNvSpPr/>
-          <p:nvPr/>
-        </p:nvSpPr>
-        <p:spPr>
-          <a:xfrm>
-            <a:off x="1433457" y="2918012"/>
-            <a:ext cx="4155141" cy="4222377"/>
-          </a:xfrm>
-          <a:prstGeom prst="arc">
-            <a:avLst>
-              <a:gd name="adj1" fmla="val 10778025"/>
-              <a:gd name="adj2" fmla="val 0"/>
-            </a:avLst>
-          </a:prstGeom>
-          <a:ln w="38100">
-            <a:solidFill>
-              <a:schemeClr val="tx1"/>
-            </a:solidFill>
-          </a:ln>
-        </p:spPr>
-        <p:style>
-          <a:lnRef idx="2">
-            <a:schemeClr val="accent1"/>
-          </a:lnRef>
-          <a:fillRef idx="0">
-            <a:schemeClr val="accent1"/>
-          </a:fillRef>
-          <a:effectRef idx="1">
-            <a:schemeClr val="accent1"/>
-          </a:effectRef>
-          <a:fontRef idx="minor">
-            <a:schemeClr val="tx1"/>
-          </a:fontRef>
-        </p:style>
-        <p:txBody>
-          <a:bodyPr rtlCol="0" anchor="ctr"/>
-          <a:lstStyle/>
-          <a:p>
-            <a:pPr algn="ctr"/>
-            <a:endParaRPr lang="en-ES"/>
-          </a:p>
-        </p:txBody>
-      </p:sp>
-      <p:sp>
-        <p:nvSpPr>
-          <p:cNvPr id="6" name="Arc 5">
-            <a:extLst>
-              <a:ext uri="{FF2B5EF4-FFF2-40B4-BE49-F238E27FC236}">
-                <a16:creationId xmlns:a16="http://schemas.microsoft.com/office/drawing/2014/main" id="{5160BAA1-70E8-938B-6BDD-EC025B43B0B1}"/>
-              </a:ext>
-            </a:extLst>
-          </p:cNvPr>
-          <p:cNvSpPr/>
-          <p:nvPr/>
-        </p:nvSpPr>
-        <p:spPr>
-          <a:xfrm>
-            <a:off x="1433457" y="4554893"/>
-            <a:ext cx="4155141" cy="948613"/>
-          </a:xfrm>
-          <a:prstGeom prst="arc">
-            <a:avLst>
-              <a:gd name="adj1" fmla="val 10778025"/>
-              <a:gd name="adj2" fmla="val 0"/>
-            </a:avLst>
-          </a:prstGeom>
-          <a:ln w="38100">
-            <a:solidFill>
-              <a:schemeClr val="tx1"/>
-            </a:solidFill>
-            <a:prstDash val="dash"/>
-          </a:ln>
-        </p:spPr>
-        <p:style>
-          <a:lnRef idx="2">
-            <a:schemeClr val="accent1"/>
-          </a:lnRef>
-          <a:fillRef idx="0">
-            <a:schemeClr val="accent1"/>
-          </a:fillRef>
-          <a:effectRef idx="1">
-            <a:schemeClr val="accent1"/>
-          </a:effectRef>
-          <a:fontRef idx="minor">
-            <a:schemeClr val="tx1"/>
-          </a:fontRef>
-        </p:style>
-        <p:txBody>
-          <a:bodyPr rtlCol="0" anchor="ctr"/>
-          <a:lstStyle/>
-          <a:p>
-            <a:pPr algn="ctr"/>
-            <a:endParaRPr lang="en-ES"/>
-          </a:p>
-        </p:txBody>
-      </p:sp>
-      <p:sp>
-        <p:nvSpPr>
-          <p:cNvPr id="7" name="Arc 6">
-            <a:extLst>
-              <a:ext uri="{FF2B5EF4-FFF2-40B4-BE49-F238E27FC236}">
-                <a16:creationId xmlns:a16="http://schemas.microsoft.com/office/drawing/2014/main" id="{DB4EF742-A090-1805-5DD9-C5546877BC35}"/>
-              </a:ext>
-            </a:extLst>
-          </p:cNvPr>
-          <p:cNvSpPr/>
-          <p:nvPr/>
-        </p:nvSpPr>
-        <p:spPr>
-          <a:xfrm>
-            <a:off x="1433457" y="4554893"/>
-            <a:ext cx="4155141" cy="948613"/>
-          </a:xfrm>
-          <a:prstGeom prst="arc">
-            <a:avLst>
-              <a:gd name="adj1" fmla="val 21583761"/>
-              <a:gd name="adj2" fmla="val 10776216"/>
-            </a:avLst>
-          </a:prstGeom>
-          <a:ln w="38100">
-            <a:solidFill>
-              <a:schemeClr val="tx1"/>
-            </a:solidFill>
-            <a:prstDash val="solid"/>
-          </a:ln>
-        </p:spPr>
-        <p:style>
-          <a:lnRef idx="2">
-            <a:schemeClr val="accent1"/>
-          </a:lnRef>
-          <a:fillRef idx="0">
-            <a:schemeClr val="accent1"/>
-          </a:fillRef>
-          <a:effectRef idx="1">
-            <a:schemeClr val="accent1"/>
-          </a:effectRef>
-          <a:fontRef idx="minor">
-            <a:schemeClr val="tx1"/>
-          </a:fontRef>
-        </p:style>
-        <p:txBody>
-          <a:bodyPr rtlCol="0" anchor="ctr"/>
-          <a:lstStyle/>
-          <a:p>
-            <a:pPr algn="ctr"/>
-            <a:endParaRPr lang="en-ES"/>
-          </a:p>
-        </p:txBody>
-      </p:sp>
-      <p:sp>
-        <p:nvSpPr>
-          <p:cNvPr id="8" name="Oval 7">
-            <a:extLst>
-              <a:ext uri="{FF2B5EF4-FFF2-40B4-BE49-F238E27FC236}">
-                <a16:creationId xmlns:a16="http://schemas.microsoft.com/office/drawing/2014/main" id="{7A9363B4-DF01-E150-82B0-0FCA77C1C5FD}"/>
-              </a:ext>
-            </a:extLst>
-          </p:cNvPr>
-          <p:cNvSpPr/>
-          <p:nvPr/>
-        </p:nvSpPr>
-        <p:spPr>
-          <a:xfrm>
-            <a:off x="3419634" y="2994731"/>
-            <a:ext cx="167337" cy="69668"/>
-          </a:xfrm>
-          <a:prstGeom prst="ellipse">
-            <a:avLst/>
-          </a:prstGeom>
-        </p:spPr>
-        <p:style>
-          <a:lnRef idx="2">
-            <a:schemeClr val="accent1">
-              <a:shade val="15000"/>
-            </a:schemeClr>
-          </a:lnRef>
-          <a:fillRef idx="1">
-            <a:schemeClr val="accent1"/>
-          </a:fillRef>
-          <a:effectRef idx="0">
-            <a:schemeClr val="accent1"/>
-          </a:effectRef>
-          <a:fontRef idx="minor">
-            <a:schemeClr val="lt1"/>
-          </a:fontRef>
-        </p:style>
-        <p:txBody>
-          <a:bodyPr rtlCol="0" anchor="ctr"/>
-          <a:lstStyle/>
-          <a:p>
-            <a:pPr algn="ctr"/>
-            <a:endParaRPr lang="en-ES"/>
-          </a:p>
-        </p:txBody>
-      </p:sp>
-      <p:sp>
-        <p:nvSpPr>
-          <p:cNvPr id="9" name="Oval 8">
-            <a:extLst>
-              <a:ext uri="{FF2B5EF4-FFF2-40B4-BE49-F238E27FC236}">
-                <a16:creationId xmlns:a16="http://schemas.microsoft.com/office/drawing/2014/main" id="{FB49C907-F857-56ED-24B1-562263F086B6}"/>
-              </a:ext>
-            </a:extLst>
-          </p:cNvPr>
-          <p:cNvSpPr/>
-          <p:nvPr/>
-        </p:nvSpPr>
-        <p:spPr>
-          <a:xfrm>
-            <a:off x="3419634" y="4957904"/>
-            <a:ext cx="167337" cy="69668"/>
-          </a:xfrm>
-          <a:prstGeom prst="ellipse">
-            <a:avLst/>
-          </a:prstGeom>
-        </p:spPr>
-        <p:style>
-          <a:lnRef idx="2">
-            <a:schemeClr val="accent1">
-              <a:shade val="15000"/>
-            </a:schemeClr>
-          </a:lnRef>
-          <a:fillRef idx="1">
-            <a:schemeClr val="accent1"/>
-          </a:fillRef>
-          <a:effectRef idx="0">
-            <a:schemeClr val="accent1"/>
-          </a:effectRef>
-          <a:fontRef idx="minor">
-            <a:schemeClr val="lt1"/>
-          </a:fontRef>
-        </p:style>
-        <p:txBody>
-          <a:bodyPr rtlCol="0" anchor="ctr"/>
-          <a:lstStyle/>
-          <a:p>
-            <a:pPr algn="ctr"/>
-            <a:endParaRPr lang="en-ES"/>
-          </a:p>
-        </p:txBody>
-      </p:sp>
-      <p:sp>
-        <p:nvSpPr>
-          <p:cNvPr id="11" name="TextBox 10">
-            <a:extLst>
-              <a:ext uri="{FF2B5EF4-FFF2-40B4-BE49-F238E27FC236}">
-                <a16:creationId xmlns:a16="http://schemas.microsoft.com/office/drawing/2014/main" id="{BC1AE886-0269-55E1-6972-61F189366C57}"/>
-              </a:ext>
-            </a:extLst>
-          </p:cNvPr>
-          <p:cNvSpPr txBox="1"/>
-          <p:nvPr/>
-        </p:nvSpPr>
-        <p:spPr>
-          <a:xfrm>
-            <a:off x="2919597" y="2310040"/>
-            <a:ext cx="510076" cy="646331"/>
-          </a:xfrm>
-          <a:prstGeom prst="rect">
-            <a:avLst/>
-          </a:prstGeom>
-          <a:noFill/>
-        </p:spPr>
-        <p:txBody>
-          <a:bodyPr wrap="none" rtlCol="0">
-            <a:spAutoFit/>
-          </a:bodyPr>
-          <a:lstStyle/>
-          <a:p>
-            <a:r>
-              <a:rPr lang="en-ES" sz="3600" dirty="0"/>
-              <a:t>N</a:t>
-            </a:r>
-          </a:p>
-        </p:txBody>
-      </p:sp>
-      <p:sp>
-        <p:nvSpPr>
-          <p:cNvPr id="12" name="TextBox 11">
-            <a:extLst>
-              <a:ext uri="{FF2B5EF4-FFF2-40B4-BE49-F238E27FC236}">
-                <a16:creationId xmlns:a16="http://schemas.microsoft.com/office/drawing/2014/main" id="{724EBCBB-BAC7-9A1F-D4A7-C8981C1E253D}"/>
-              </a:ext>
-            </a:extLst>
-          </p:cNvPr>
-          <p:cNvSpPr txBox="1"/>
-          <p:nvPr/>
-        </p:nvSpPr>
-        <p:spPr>
-          <a:xfrm>
-            <a:off x="2896734" y="4857175"/>
-            <a:ext cx="522900" cy="646331"/>
-          </a:xfrm>
-          <a:prstGeom prst="rect">
-            <a:avLst/>
-          </a:prstGeom>
-          <a:noFill/>
-        </p:spPr>
-        <p:txBody>
-          <a:bodyPr wrap="none" rtlCol="0">
-            <a:spAutoFit/>
-          </a:bodyPr>
-          <a:lstStyle/>
-          <a:p>
-            <a:r>
-              <a:rPr lang="en-ES" sz="3600" dirty="0"/>
-              <a:t>O</a:t>
-            </a:r>
-          </a:p>
-        </p:txBody>
-      </p:sp>
-      <p:sp>
-        <p:nvSpPr>
-          <p:cNvPr id="13" name="Oval 12">
-            <a:extLst>
-              <a:ext uri="{FF2B5EF4-FFF2-40B4-BE49-F238E27FC236}">
-                <a16:creationId xmlns:a16="http://schemas.microsoft.com/office/drawing/2014/main" id="{322D8EC8-818D-2FD2-93C7-4DCB0E0893A1}"/>
-              </a:ext>
-            </a:extLst>
-          </p:cNvPr>
-          <p:cNvSpPr/>
-          <p:nvPr/>
-        </p:nvSpPr>
-        <p:spPr>
-          <a:xfrm rot="2766453">
-            <a:off x="4400372" y="3642708"/>
-            <a:ext cx="167337" cy="69668"/>
-          </a:xfrm>
-          <a:prstGeom prst="ellipse">
-            <a:avLst/>
-          </a:prstGeom>
-        </p:spPr>
-        <p:style>
-          <a:lnRef idx="2">
-            <a:schemeClr val="accent1">
-              <a:shade val="15000"/>
-            </a:schemeClr>
-          </a:lnRef>
-          <a:fillRef idx="1">
-            <a:schemeClr val="accent1"/>
-          </a:fillRef>
-          <a:effectRef idx="0">
-            <a:schemeClr val="accent1"/>
-          </a:effectRef>
-          <a:fontRef idx="minor">
-            <a:schemeClr val="lt1"/>
-          </a:fontRef>
-        </p:style>
-        <p:txBody>
-          <a:bodyPr rtlCol="0" anchor="ctr"/>
-          <a:lstStyle/>
-          <a:p>
-            <a:pPr algn="ctr"/>
-            <a:endParaRPr lang="en-ES"/>
-          </a:p>
-        </p:txBody>
-      </p:sp>
-      <p:sp>
-        <p:nvSpPr>
-          <p:cNvPr id="14" name="Arc 13">
-            <a:extLst>
-              <a:ext uri="{FF2B5EF4-FFF2-40B4-BE49-F238E27FC236}">
-                <a16:creationId xmlns:a16="http://schemas.microsoft.com/office/drawing/2014/main" id="{788039F9-6F13-8097-318F-A9E4FDBD5E07}"/>
-              </a:ext>
-            </a:extLst>
-          </p:cNvPr>
-          <p:cNvSpPr/>
-          <p:nvPr/>
-        </p:nvSpPr>
-        <p:spPr>
-          <a:xfrm>
-            <a:off x="1021973" y="2961043"/>
-            <a:ext cx="4001845" cy="4450977"/>
-          </a:xfrm>
-          <a:prstGeom prst="arc">
-            <a:avLst>
-              <a:gd name="adj1" fmla="val 17045662"/>
-              <a:gd name="adj2" fmla="val 18774423"/>
-            </a:avLst>
-          </a:prstGeom>
-          <a:ln w="38100">
-            <a:solidFill>
-              <a:schemeClr val="tx1"/>
-            </a:solidFill>
-          </a:ln>
-        </p:spPr>
-        <p:style>
-          <a:lnRef idx="2">
-            <a:schemeClr val="accent1"/>
-          </a:lnRef>
-          <a:fillRef idx="0">
-            <a:schemeClr val="accent1"/>
-          </a:fillRef>
-          <a:effectRef idx="1">
-            <a:schemeClr val="accent1"/>
-          </a:effectRef>
-          <a:fontRef idx="minor">
-            <a:schemeClr val="tx1"/>
-          </a:fontRef>
-        </p:style>
-        <p:txBody>
-          <a:bodyPr rtlCol="0" anchor="ctr"/>
-          <a:lstStyle/>
-          <a:p>
-            <a:pPr algn="ctr"/>
-            <a:endParaRPr lang="en-ES"/>
-          </a:p>
-        </p:txBody>
-      </p:sp>
-      <p:cxnSp>
-        <p:nvCxnSpPr>
-          <p:cNvPr id="16" name="Straight Connector 15">
-            <a:extLst>
-              <a:ext uri="{FF2B5EF4-FFF2-40B4-BE49-F238E27FC236}">
-                <a16:creationId xmlns:a16="http://schemas.microsoft.com/office/drawing/2014/main" id="{44BBA49D-0D71-3BED-1ACD-F3EB4C050F8D}"/>
-              </a:ext>
-            </a:extLst>
-          </p:cNvPr>
-          <p:cNvCxnSpPr>
-            <a:cxnSpLocks/>
-          </p:cNvCxnSpPr>
-          <p:nvPr/>
-        </p:nvCxnSpPr>
-        <p:spPr>
-          <a:xfrm flipV="1">
-            <a:off x="3506993" y="3064399"/>
-            <a:ext cx="0" cy="1893505"/>
-          </a:xfrm>
-          <a:prstGeom prst="line">
-            <a:avLst/>
-          </a:prstGeom>
-          <a:ln w="38100"/>
-        </p:spPr>
-        <p:style>
-          <a:lnRef idx="2">
-            <a:schemeClr val="accent1"/>
-          </a:lnRef>
-          <a:fillRef idx="0">
-            <a:schemeClr val="accent1"/>
-          </a:fillRef>
-          <a:effectRef idx="1">
-            <a:schemeClr val="accent1"/>
-          </a:effectRef>
-          <a:fontRef idx="minor">
-            <a:schemeClr val="tx1"/>
-          </a:fontRef>
-        </p:style>
-      </p:cxnSp>
-      <p:cxnSp>
-        <p:nvCxnSpPr>
-          <p:cNvPr id="19" name="Straight Connector 18">
-            <a:extLst>
-              <a:ext uri="{FF2B5EF4-FFF2-40B4-BE49-F238E27FC236}">
-                <a16:creationId xmlns:a16="http://schemas.microsoft.com/office/drawing/2014/main" id="{6C288BBB-8476-FC27-7A5A-C6C4422C0C68}"/>
-              </a:ext>
-            </a:extLst>
-          </p:cNvPr>
-          <p:cNvCxnSpPr>
-            <a:cxnSpLocks/>
-            <a:stCxn id="9" idx="7"/>
-            <a:endCxn id="13" idx="4"/>
-          </p:cNvCxnSpPr>
-          <p:nvPr/>
-        </p:nvCxnSpPr>
-        <p:spPr>
-          <a:xfrm flipV="1">
-            <a:off x="3562465" y="3701693"/>
-            <a:ext cx="896473" cy="1266414"/>
-          </a:xfrm>
-          <a:prstGeom prst="line">
-            <a:avLst/>
-          </a:prstGeom>
-          <a:ln w="38100">
-            <a:tailEnd type="triangle"/>
-          </a:ln>
-        </p:spPr>
-        <p:style>
-          <a:lnRef idx="2">
-            <a:schemeClr val="accent1"/>
-          </a:lnRef>
-          <a:fillRef idx="0">
-            <a:schemeClr val="accent1"/>
-          </a:fillRef>
-          <a:effectRef idx="1">
-            <a:schemeClr val="accent1"/>
-          </a:effectRef>
-          <a:fontRef idx="minor">
-            <a:schemeClr val="tx1"/>
-          </a:fontRef>
-        </p:style>
-      </p:cxnSp>
-      <p:grpSp>
-        <p:nvGrpSpPr>
-          <p:cNvPr id="23" name="Group 22">
-            <a:extLst>
-              <a:ext uri="{FF2B5EF4-FFF2-40B4-BE49-F238E27FC236}">
-                <a16:creationId xmlns:a16="http://schemas.microsoft.com/office/drawing/2014/main" id="{D9E60F76-4DDA-DD52-F378-CBA81B55D2D5}"/>
-              </a:ext>
-            </a:extLst>
-          </p:cNvPr>
-          <p:cNvGrpSpPr/>
-          <p:nvPr/>
-        </p:nvGrpSpPr>
-        <p:grpSpPr>
-          <a:xfrm>
-            <a:off x="4212716" y="3869196"/>
-            <a:ext cx="492443" cy="732608"/>
-            <a:chOff x="6765974" y="1862976"/>
-            <a:chExt cx="492443" cy="732608"/>
-          </a:xfrm>
-        </p:grpSpPr>
-        <p:sp>
-          <p:nvSpPr>
-            <p:cNvPr id="21" name="TextBox 20">
-              <a:extLst>
-                <a:ext uri="{FF2B5EF4-FFF2-40B4-BE49-F238E27FC236}">
-                  <a16:creationId xmlns:a16="http://schemas.microsoft.com/office/drawing/2014/main" id="{2201616C-9A24-84E2-F584-C74920985373}"/>
-                </a:ext>
-              </a:extLst>
-            </p:cNvPr>
-            <p:cNvSpPr txBox="1"/>
-            <p:nvPr/>
-          </p:nvSpPr>
-          <p:spPr>
-            <a:xfrm>
-              <a:off x="6817922" y="1949253"/>
-              <a:ext cx="338554" cy="646331"/>
-            </a:xfrm>
-            <a:prstGeom prst="rect">
-              <a:avLst/>
-            </a:prstGeom>
-            <a:noFill/>
-          </p:spPr>
-          <p:txBody>
-            <a:bodyPr wrap="none" rtlCol="0">
-              <a:spAutoFit/>
-            </a:bodyPr>
-            <a:lstStyle/>
-            <a:p>
-              <a:r>
-                <a:rPr lang="en-ES" sz="3600" dirty="0"/>
-                <a:t>r</a:t>
-              </a:r>
-              <a:endParaRPr lang="en-ES" sz="3600" baseline="-25000" dirty="0"/>
-            </a:p>
-          </p:txBody>
-        </p:sp>
-        <p:sp>
-          <p:nvSpPr>
-            <p:cNvPr id="22" name="TextBox 21">
-              <a:extLst>
-                <a:ext uri="{FF2B5EF4-FFF2-40B4-BE49-F238E27FC236}">
-                  <a16:creationId xmlns:a16="http://schemas.microsoft.com/office/drawing/2014/main" id="{63ECEDFA-0FEB-914E-3AA2-BADC696A90F5}"/>
-                </a:ext>
-              </a:extLst>
-            </p:cNvPr>
-            <p:cNvSpPr txBox="1"/>
-            <p:nvPr/>
-          </p:nvSpPr>
-          <p:spPr>
-            <a:xfrm>
-              <a:off x="6765974" y="1862976"/>
-              <a:ext cx="492443" cy="461665"/>
-            </a:xfrm>
-            <a:prstGeom prst="rect">
-              <a:avLst/>
-            </a:prstGeom>
-            <a:noFill/>
-          </p:spPr>
-          <p:txBody>
-            <a:bodyPr wrap="square" rtlCol="0">
-              <a:spAutoFit/>
-            </a:bodyPr>
-            <a:lstStyle/>
-            <a:p>
-              <a:r>
-                <a:rPr lang="en-ES" sz="2400" dirty="0"/>
-                <a:t>➝</a:t>
-              </a:r>
-            </a:p>
-          </p:txBody>
-        </p:sp>
-      </p:grpSp>
-      <p:sp>
-        <p:nvSpPr>
-          <p:cNvPr id="25" name="TextBox 24">
-            <a:extLst>
-              <a:ext uri="{FF2B5EF4-FFF2-40B4-BE49-F238E27FC236}">
-                <a16:creationId xmlns:a16="http://schemas.microsoft.com/office/drawing/2014/main" id="{B24F304A-4BC6-5985-7719-03D18059EAC9}"/>
-              </a:ext>
-            </a:extLst>
-          </p:cNvPr>
-          <p:cNvSpPr txBox="1"/>
-          <p:nvPr/>
-        </p:nvSpPr>
-        <p:spPr>
-          <a:xfrm>
-            <a:off x="3589028" y="3717153"/>
-            <a:ext cx="437940" cy="646331"/>
-          </a:xfrm>
-          <a:prstGeom prst="rect">
-            <a:avLst/>
-          </a:prstGeom>
-          <a:noFill/>
-        </p:spPr>
-        <p:txBody>
-          <a:bodyPr wrap="none" rtlCol="0">
-            <a:spAutoFit/>
-          </a:bodyPr>
-          <a:lstStyle/>
-          <a:p>
-            <a:r>
-              <a:rPr lang="en-ES" sz="3600" dirty="0"/>
-              <a:t>θ</a:t>
-            </a:r>
-          </a:p>
-        </p:txBody>
-      </p:sp>
-      <p:sp>
-        <p:nvSpPr>
-          <p:cNvPr id="26" name="Arc 25">
-            <a:extLst>
-              <a:ext uri="{FF2B5EF4-FFF2-40B4-BE49-F238E27FC236}">
-                <a16:creationId xmlns:a16="http://schemas.microsoft.com/office/drawing/2014/main" id="{2D82B2C3-C8B9-E23E-F3C2-C3F98C7BE8C9}"/>
-              </a:ext>
-            </a:extLst>
-          </p:cNvPr>
-          <p:cNvSpPr/>
-          <p:nvPr/>
-        </p:nvSpPr>
-        <p:spPr>
-          <a:xfrm>
-            <a:off x="2276854" y="4149883"/>
-            <a:ext cx="1913383" cy="2060914"/>
-          </a:xfrm>
-          <a:prstGeom prst="arc">
-            <a:avLst>
-              <a:gd name="adj1" fmla="val 17045662"/>
-              <a:gd name="adj2" fmla="val 18774423"/>
-            </a:avLst>
-          </a:prstGeom>
-          <a:ln w="38100">
-            <a:solidFill>
-              <a:schemeClr val="tx1"/>
-            </a:solidFill>
-          </a:ln>
-        </p:spPr>
-        <p:style>
-          <a:lnRef idx="2">
-            <a:schemeClr val="accent1"/>
-          </a:lnRef>
-          <a:fillRef idx="0">
-            <a:schemeClr val="accent1"/>
-          </a:fillRef>
-          <a:effectRef idx="1">
-            <a:schemeClr val="accent1"/>
-          </a:effectRef>
-          <a:fontRef idx="minor">
-            <a:schemeClr val="tx1"/>
-          </a:fontRef>
-        </p:style>
-        <p:txBody>
-          <a:bodyPr rtlCol="0" anchor="ctr"/>
-          <a:lstStyle/>
-          <a:p>
-            <a:pPr algn="ctr"/>
-            <a:endParaRPr lang="en-ES"/>
-          </a:p>
-        </p:txBody>
-      </p:sp>
-      <p:sp>
-        <p:nvSpPr>
-          <p:cNvPr id="39" name="TextBox 38">
-            <a:extLst>
-              <a:ext uri="{FF2B5EF4-FFF2-40B4-BE49-F238E27FC236}">
-                <a16:creationId xmlns:a16="http://schemas.microsoft.com/office/drawing/2014/main" id="{B2BAF4B9-A177-A300-8020-4419082225D1}"/>
-              </a:ext>
-            </a:extLst>
-          </p:cNvPr>
-          <p:cNvSpPr txBox="1"/>
-          <p:nvPr/>
-        </p:nvSpPr>
-        <p:spPr>
-          <a:xfrm>
-            <a:off x="7831510" y="4575962"/>
-            <a:ext cx="437940" cy="646331"/>
-          </a:xfrm>
-          <a:prstGeom prst="rect">
-            <a:avLst/>
-          </a:prstGeom>
-          <a:noFill/>
-        </p:spPr>
-        <p:txBody>
-          <a:bodyPr wrap="square" rtlCol="0">
-            <a:spAutoFit/>
-          </a:bodyPr>
-          <a:lstStyle/>
-          <a:p>
-            <a:r>
-              <a:rPr lang="en-ES" sz="3600" dirty="0"/>
-              <a:t>θ</a:t>
-            </a:r>
-          </a:p>
-        </p:txBody>
-      </p:sp>
-      <p:sp>
-        <p:nvSpPr>
-          <p:cNvPr id="27" name="Arc 26">
-            <a:extLst>
-              <a:ext uri="{FF2B5EF4-FFF2-40B4-BE49-F238E27FC236}">
-                <a16:creationId xmlns:a16="http://schemas.microsoft.com/office/drawing/2014/main" id="{D44EBBCE-8353-A21D-D2A4-6CB3D2F0D917}"/>
-              </a:ext>
-            </a:extLst>
-          </p:cNvPr>
-          <p:cNvSpPr/>
-          <p:nvPr/>
-        </p:nvSpPr>
-        <p:spPr>
-          <a:xfrm>
-            <a:off x="5023818" y="2428545"/>
-            <a:ext cx="6261087" cy="6149921"/>
-          </a:xfrm>
-          <a:prstGeom prst="arc">
-            <a:avLst>
-              <a:gd name="adj1" fmla="val 16235464"/>
-              <a:gd name="adj2" fmla="val 19178223"/>
-            </a:avLst>
-          </a:prstGeom>
-          <a:ln w="38100">
-            <a:solidFill>
-              <a:schemeClr val="tx1"/>
-            </a:solidFill>
-          </a:ln>
-        </p:spPr>
-        <p:style>
-          <a:lnRef idx="2">
-            <a:schemeClr val="accent1"/>
-          </a:lnRef>
-          <a:fillRef idx="0">
-            <a:schemeClr val="accent1"/>
-          </a:fillRef>
-          <a:effectRef idx="1">
-            <a:schemeClr val="accent1"/>
-          </a:effectRef>
-          <a:fontRef idx="minor">
-            <a:schemeClr val="tx1"/>
-          </a:fontRef>
-        </p:style>
-        <p:txBody>
-          <a:bodyPr rtlCol="0" anchor="ctr"/>
-          <a:lstStyle/>
-          <a:p>
-            <a:pPr algn="ctr"/>
-            <a:endParaRPr lang="en-ES"/>
-          </a:p>
-        </p:txBody>
-      </p:sp>
-      <p:sp>
-        <p:nvSpPr>
-          <p:cNvPr id="28" name="Oval 27">
-            <a:extLst>
-              <a:ext uri="{FF2B5EF4-FFF2-40B4-BE49-F238E27FC236}">
-                <a16:creationId xmlns:a16="http://schemas.microsoft.com/office/drawing/2014/main" id="{696F848F-7651-1E4E-DA9B-C9BCFBF483B3}"/>
-              </a:ext>
-            </a:extLst>
-          </p:cNvPr>
-          <p:cNvSpPr/>
-          <p:nvPr/>
-        </p:nvSpPr>
-        <p:spPr>
-          <a:xfrm>
-            <a:off x="8076712" y="5367642"/>
-            <a:ext cx="252148" cy="214956"/>
-          </a:xfrm>
-          <a:prstGeom prst="ellipse">
-            <a:avLst/>
-          </a:prstGeom>
-        </p:spPr>
-        <p:style>
-          <a:lnRef idx="2">
-            <a:schemeClr val="accent1">
-              <a:shade val="15000"/>
-            </a:schemeClr>
-          </a:lnRef>
-          <a:fillRef idx="1">
-            <a:schemeClr val="accent1"/>
-          </a:fillRef>
-          <a:effectRef idx="0">
-            <a:schemeClr val="accent1"/>
-          </a:effectRef>
-          <a:fontRef idx="minor">
-            <a:schemeClr val="lt1"/>
-          </a:fontRef>
-        </p:style>
-        <p:txBody>
-          <a:bodyPr rtlCol="0" anchor="ctr"/>
-          <a:lstStyle/>
-          <a:p>
-            <a:pPr algn="ctr"/>
-            <a:endParaRPr lang="en-ES"/>
-          </a:p>
-        </p:txBody>
-      </p:sp>
-      <p:cxnSp>
-        <p:nvCxnSpPr>
-          <p:cNvPr id="29" name="Straight Connector 28">
-            <a:extLst>
-              <a:ext uri="{FF2B5EF4-FFF2-40B4-BE49-F238E27FC236}">
-                <a16:creationId xmlns:a16="http://schemas.microsoft.com/office/drawing/2014/main" id="{623DC22B-FD40-A3D2-E338-EA3A9A6CFFCC}"/>
-              </a:ext>
-            </a:extLst>
-          </p:cNvPr>
-          <p:cNvCxnSpPr>
-            <a:cxnSpLocks/>
-            <a:stCxn id="28" idx="0"/>
-            <a:endCxn id="27" idx="0"/>
-          </p:cNvCxnSpPr>
-          <p:nvPr/>
-        </p:nvCxnSpPr>
-        <p:spPr>
-          <a:xfrm flipH="1" flipV="1">
-            <a:off x="8187178" y="2428714"/>
-            <a:ext cx="15609" cy="2938928"/>
-          </a:xfrm>
-          <a:prstGeom prst="line">
-            <a:avLst/>
-          </a:prstGeom>
-          <a:ln w="38100"/>
-        </p:spPr>
-        <p:style>
-          <a:lnRef idx="2">
-            <a:schemeClr val="accent1"/>
-          </a:lnRef>
-          <a:fillRef idx="0">
-            <a:schemeClr val="accent1"/>
-          </a:fillRef>
-          <a:effectRef idx="1">
-            <a:schemeClr val="accent1"/>
-          </a:effectRef>
-          <a:fontRef idx="minor">
-            <a:schemeClr val="tx1"/>
-          </a:fontRef>
-        </p:style>
-      </p:cxnSp>
-      <p:cxnSp>
-        <p:nvCxnSpPr>
-          <p:cNvPr id="32" name="Straight Connector 31">
-            <a:extLst>
-              <a:ext uri="{FF2B5EF4-FFF2-40B4-BE49-F238E27FC236}">
-                <a16:creationId xmlns:a16="http://schemas.microsoft.com/office/drawing/2014/main" id="{88E08202-D14E-073B-7532-0E6ADB19F65C}"/>
-              </a:ext>
-            </a:extLst>
-          </p:cNvPr>
-          <p:cNvCxnSpPr>
-            <a:cxnSpLocks/>
-            <a:stCxn id="28" idx="7"/>
-            <a:endCxn id="27" idx="2"/>
-          </p:cNvCxnSpPr>
-          <p:nvPr/>
-        </p:nvCxnSpPr>
-        <p:spPr>
-          <a:xfrm flipV="1">
-            <a:off x="8291934" y="3530674"/>
-            <a:ext cx="2263730" cy="1868448"/>
-          </a:xfrm>
-          <a:prstGeom prst="line">
-            <a:avLst/>
-          </a:prstGeom>
-          <a:ln w="38100"/>
-        </p:spPr>
-        <p:style>
-          <a:lnRef idx="2">
-            <a:schemeClr val="accent1"/>
-          </a:lnRef>
-          <a:fillRef idx="0">
-            <a:schemeClr val="accent1"/>
-          </a:fillRef>
-          <a:effectRef idx="1">
-            <a:schemeClr val="accent1"/>
-          </a:effectRef>
-          <a:fontRef idx="minor">
-            <a:schemeClr val="tx1"/>
-          </a:fontRef>
-        </p:style>
-      </p:cxnSp>
-      <p:sp>
-        <p:nvSpPr>
-          <p:cNvPr id="35" name="Arc 34">
-            <a:extLst>
-              <a:ext uri="{FF2B5EF4-FFF2-40B4-BE49-F238E27FC236}">
-                <a16:creationId xmlns:a16="http://schemas.microsoft.com/office/drawing/2014/main" id="{9D38E17D-1317-E71A-9CB5-1E7A4C94D7FB}"/>
-              </a:ext>
-            </a:extLst>
-          </p:cNvPr>
-          <p:cNvSpPr/>
-          <p:nvPr/>
-        </p:nvSpPr>
-        <p:spPr>
-          <a:xfrm>
-            <a:off x="7675213" y="4907486"/>
-            <a:ext cx="1087215" cy="1125839"/>
-          </a:xfrm>
-          <a:prstGeom prst="arc">
-            <a:avLst>
-              <a:gd name="adj1" fmla="val 16235464"/>
-              <a:gd name="adj2" fmla="val 19178223"/>
-            </a:avLst>
-          </a:prstGeom>
-          <a:ln w="38100">
-            <a:solidFill>
-              <a:schemeClr val="tx1"/>
-            </a:solidFill>
-          </a:ln>
-        </p:spPr>
-        <p:style>
-          <a:lnRef idx="2">
-            <a:schemeClr val="accent1"/>
-          </a:lnRef>
-          <a:fillRef idx="0">
-            <a:schemeClr val="accent1"/>
-          </a:fillRef>
-          <a:effectRef idx="1">
-            <a:schemeClr val="accent1"/>
-          </a:effectRef>
-          <a:fontRef idx="minor">
-            <a:schemeClr val="tx1"/>
-          </a:fontRef>
-        </p:style>
-        <p:txBody>
-          <a:bodyPr rtlCol="0" anchor="ctr"/>
-          <a:lstStyle/>
-          <a:p>
-            <a:pPr algn="ctr"/>
-            <a:endParaRPr lang="en-ES"/>
-          </a:p>
-        </p:txBody>
-      </p:sp>
-      <p:cxnSp>
-        <p:nvCxnSpPr>
-          <p:cNvPr id="40" name="Straight Connector 39">
-            <a:extLst>
-              <a:ext uri="{FF2B5EF4-FFF2-40B4-BE49-F238E27FC236}">
-                <a16:creationId xmlns:a16="http://schemas.microsoft.com/office/drawing/2014/main" id="{6DACE6DE-EDE6-32E9-FD03-901EB2FA79DD}"/>
-              </a:ext>
-            </a:extLst>
-          </p:cNvPr>
-          <p:cNvCxnSpPr>
-            <a:cxnSpLocks/>
-          </p:cNvCxnSpPr>
-          <p:nvPr/>
-        </p:nvCxnSpPr>
-        <p:spPr>
-          <a:xfrm flipV="1">
-            <a:off x="8247005" y="2962299"/>
-            <a:ext cx="1124415" cy="2436822"/>
-          </a:xfrm>
-          <a:prstGeom prst="line">
-            <a:avLst/>
-          </a:prstGeom>
-          <a:ln w="38100"/>
-        </p:spPr>
-        <p:style>
-          <a:lnRef idx="2">
-            <a:schemeClr val="accent1"/>
-          </a:lnRef>
-          <a:fillRef idx="0">
-            <a:schemeClr val="accent1"/>
-          </a:fillRef>
-          <a:effectRef idx="1">
-            <a:schemeClr val="accent1"/>
-          </a:effectRef>
-          <a:fontRef idx="minor">
-            <a:schemeClr val="tx1"/>
-          </a:fontRef>
-        </p:style>
-      </p:cxnSp>
-      <p:cxnSp>
-        <p:nvCxnSpPr>
-          <p:cNvPr id="45" name="Straight Connector 44">
-            <a:extLst>
-              <a:ext uri="{FF2B5EF4-FFF2-40B4-BE49-F238E27FC236}">
-                <a16:creationId xmlns:a16="http://schemas.microsoft.com/office/drawing/2014/main" id="{2C8B9186-E5DB-FE3C-2430-CA05B30D55DB}"/>
-              </a:ext>
-            </a:extLst>
-          </p:cNvPr>
-          <p:cNvCxnSpPr>
-            <a:cxnSpLocks/>
-            <a:stCxn id="27" idx="0"/>
-            <a:endCxn id="27" idx="2"/>
-          </p:cNvCxnSpPr>
-          <p:nvPr/>
-        </p:nvCxnSpPr>
-        <p:spPr>
-          <a:xfrm>
-            <a:off x="8187178" y="2428714"/>
-            <a:ext cx="2368487" cy="1101960"/>
-          </a:xfrm>
-          <a:prstGeom prst="line">
-            <a:avLst/>
-          </a:prstGeom>
-          <a:ln w="38100"/>
-        </p:spPr>
-        <p:style>
-          <a:lnRef idx="2">
-            <a:schemeClr val="accent1"/>
-          </a:lnRef>
-          <a:fillRef idx="0">
-            <a:schemeClr val="accent1"/>
-          </a:fillRef>
-          <a:effectRef idx="1">
-            <a:schemeClr val="accent1"/>
-          </a:effectRef>
-          <a:fontRef idx="minor">
-            <a:schemeClr val="tx1"/>
-          </a:fontRef>
-        </p:style>
-      </p:cxnSp>
-      <p:sp>
-        <p:nvSpPr>
-          <p:cNvPr id="49" name="TextBox 48">
-            <a:extLst>
-              <a:ext uri="{FF2B5EF4-FFF2-40B4-BE49-F238E27FC236}">
-                <a16:creationId xmlns:a16="http://schemas.microsoft.com/office/drawing/2014/main" id="{6C35533C-2F76-27FB-2FD9-2ADDE81760FB}"/>
-              </a:ext>
-            </a:extLst>
-          </p:cNvPr>
-          <p:cNvSpPr txBox="1"/>
-          <p:nvPr/>
-        </p:nvSpPr>
-        <p:spPr>
-          <a:xfrm>
-            <a:off x="8923895" y="3698799"/>
-            <a:ext cx="910662" cy="646331"/>
-          </a:xfrm>
-          <a:prstGeom prst="rect">
-            <a:avLst/>
-          </a:prstGeom>
-          <a:noFill/>
-        </p:spPr>
-        <p:txBody>
-          <a:bodyPr wrap="square" rtlCol="0">
-            <a:spAutoFit/>
-          </a:bodyPr>
-          <a:lstStyle/>
-          <a:p>
-            <a:r>
-              <a:rPr lang="en-ES" sz="3600" dirty="0"/>
-              <a:t>θ/2</a:t>
-            </a:r>
-          </a:p>
-        </p:txBody>
-      </p:sp>
-      <p:sp>
-        <p:nvSpPr>
-          <p:cNvPr id="52" name="Arc 51">
-            <a:extLst>
-              <a:ext uri="{FF2B5EF4-FFF2-40B4-BE49-F238E27FC236}">
-                <a16:creationId xmlns:a16="http://schemas.microsoft.com/office/drawing/2014/main" id="{A93F4E1C-D374-23D6-5C42-25A6D2DB28C2}"/>
-              </a:ext>
-            </a:extLst>
-          </p:cNvPr>
-          <p:cNvSpPr/>
-          <p:nvPr/>
-        </p:nvSpPr>
-        <p:spPr>
-          <a:xfrm>
-            <a:off x="6978790" y="4309012"/>
-            <a:ext cx="2428602" cy="2329182"/>
-          </a:xfrm>
-          <a:prstGeom prst="arc">
-            <a:avLst>
-              <a:gd name="adj1" fmla="val 17770735"/>
-              <a:gd name="adj2" fmla="val 19178223"/>
-            </a:avLst>
-          </a:prstGeom>
-          <a:ln w="38100">
-            <a:solidFill>
-              <a:schemeClr val="tx1"/>
-            </a:solidFill>
-          </a:ln>
-        </p:spPr>
-        <p:style>
-          <a:lnRef idx="2">
-            <a:schemeClr val="accent1"/>
-          </a:lnRef>
-          <a:fillRef idx="0">
-            <a:schemeClr val="accent1"/>
-          </a:fillRef>
-          <a:effectRef idx="1">
-            <a:schemeClr val="accent1"/>
-          </a:effectRef>
-          <a:fontRef idx="minor">
-            <a:schemeClr val="tx1"/>
-          </a:fontRef>
-        </p:style>
-        <p:txBody>
-          <a:bodyPr rtlCol="0" anchor="ctr"/>
-          <a:lstStyle/>
-          <a:p>
-            <a:pPr algn="ctr"/>
-            <a:endParaRPr lang="en-ES"/>
-          </a:p>
-        </p:txBody>
-      </p:sp>
-      <p:sp>
-        <p:nvSpPr>
-          <p:cNvPr id="53" name="Left Brace 52">
-            <a:extLst>
-              <a:ext uri="{FF2B5EF4-FFF2-40B4-BE49-F238E27FC236}">
-                <a16:creationId xmlns:a16="http://schemas.microsoft.com/office/drawing/2014/main" id="{EEBEADDA-4708-71AE-C04C-07AD989EC4E2}"/>
-              </a:ext>
-            </a:extLst>
-          </p:cNvPr>
-          <p:cNvSpPr/>
-          <p:nvPr/>
-        </p:nvSpPr>
-        <p:spPr>
-          <a:xfrm>
-            <a:off x="7602470" y="2446120"/>
-            <a:ext cx="304800" cy="3036119"/>
-          </a:xfrm>
-          <a:prstGeom prst="leftBrace">
-            <a:avLst/>
-          </a:prstGeom>
-        </p:spPr>
-        <p:style>
-          <a:lnRef idx="2">
-            <a:schemeClr val="accent1"/>
-          </a:lnRef>
-          <a:fillRef idx="0">
-            <a:schemeClr val="accent1"/>
-          </a:fillRef>
-          <a:effectRef idx="1">
-            <a:schemeClr val="accent1"/>
-          </a:effectRef>
-          <a:fontRef idx="minor">
-            <a:schemeClr val="tx1"/>
-          </a:fontRef>
-        </p:style>
-        <p:txBody>
-          <a:bodyPr rtlCol="0" anchor="ctr"/>
-          <a:lstStyle/>
-          <a:p>
-            <a:pPr algn="ctr"/>
-            <a:endParaRPr lang="en-ES"/>
-          </a:p>
-        </p:txBody>
-      </p:sp>
-      <p:sp>
-        <p:nvSpPr>
-          <p:cNvPr id="54" name="TextBox 53">
-            <a:extLst>
-              <a:ext uri="{FF2B5EF4-FFF2-40B4-BE49-F238E27FC236}">
-                <a16:creationId xmlns:a16="http://schemas.microsoft.com/office/drawing/2014/main" id="{6AA8751F-6753-0C32-755E-AFAE08EAEE67}"/>
-              </a:ext>
-            </a:extLst>
-          </p:cNvPr>
-          <p:cNvSpPr txBox="1"/>
-          <p:nvPr/>
-        </p:nvSpPr>
-        <p:spPr>
-          <a:xfrm>
-            <a:off x="7215825" y="3593096"/>
-            <a:ext cx="429926" cy="646331"/>
-          </a:xfrm>
-          <a:prstGeom prst="rect">
-            <a:avLst/>
-          </a:prstGeom>
-          <a:noFill/>
-        </p:spPr>
-        <p:txBody>
-          <a:bodyPr wrap="none" rtlCol="0">
-            <a:spAutoFit/>
-          </a:bodyPr>
-          <a:lstStyle/>
-          <a:p>
-            <a:r>
-              <a:rPr lang="en-ES" sz="3600" dirty="0"/>
-              <a:t>a</a:t>
-            </a:r>
-          </a:p>
-        </p:txBody>
-      </p:sp>
-      <p:sp>
-        <p:nvSpPr>
-          <p:cNvPr id="55" name="Left Brace 54">
-            <a:extLst>
-              <a:ext uri="{FF2B5EF4-FFF2-40B4-BE49-F238E27FC236}">
-                <a16:creationId xmlns:a16="http://schemas.microsoft.com/office/drawing/2014/main" id="{CDD0697A-62F8-2B60-9263-AD3D5323509E}"/>
-              </a:ext>
-            </a:extLst>
-          </p:cNvPr>
-          <p:cNvSpPr/>
-          <p:nvPr/>
-        </p:nvSpPr>
-        <p:spPr>
-          <a:xfrm rot="6941951">
-            <a:off x="9420309" y="1239921"/>
-            <a:ext cx="360267" cy="2639443"/>
-          </a:xfrm>
-          <a:prstGeom prst="leftBrace">
-            <a:avLst/>
-          </a:prstGeom>
-        </p:spPr>
-        <p:style>
-          <a:lnRef idx="2">
-            <a:schemeClr val="accent1"/>
-          </a:lnRef>
-          <a:fillRef idx="0">
-            <a:schemeClr val="accent1"/>
-          </a:fillRef>
-          <a:effectRef idx="1">
-            <a:schemeClr val="accent1"/>
-          </a:effectRef>
-          <a:fontRef idx="minor">
-            <a:schemeClr val="tx1"/>
-          </a:fontRef>
-        </p:style>
-        <p:txBody>
-          <a:bodyPr rtlCol="0" anchor="ctr"/>
-          <a:lstStyle/>
-          <a:p>
-            <a:pPr algn="ctr"/>
-            <a:endParaRPr lang="en-ES"/>
-          </a:p>
-        </p:txBody>
-      </p:sp>
-      <p:sp>
-        <p:nvSpPr>
-          <p:cNvPr id="56" name="TextBox 55">
-            <a:extLst>
-              <a:ext uri="{FF2B5EF4-FFF2-40B4-BE49-F238E27FC236}">
-                <a16:creationId xmlns:a16="http://schemas.microsoft.com/office/drawing/2014/main" id="{AA711C45-FDA9-252C-0272-E423179CB38D}"/>
-              </a:ext>
-            </a:extLst>
-          </p:cNvPr>
-          <p:cNvSpPr txBox="1"/>
-          <p:nvPr/>
-        </p:nvSpPr>
-        <p:spPr>
-          <a:xfrm>
-            <a:off x="9564336" y="1830351"/>
-            <a:ext cx="465192" cy="646331"/>
-          </a:xfrm>
-          <a:prstGeom prst="rect">
-            <a:avLst/>
-          </a:prstGeom>
-          <a:noFill/>
-        </p:spPr>
-        <p:txBody>
-          <a:bodyPr wrap="none" rtlCol="0">
-            <a:spAutoFit/>
-          </a:bodyPr>
-          <a:lstStyle/>
-          <a:p>
-            <a:r>
-              <a:rPr lang="en-ES" sz="3600" dirty="0"/>
-              <a:t>R</a:t>
-            </a:r>
-          </a:p>
-        </p:txBody>
-      </p:sp>
-    </p:spTree>
-    <p:extLst>
-      <p:ext uri="{BB962C8B-B14F-4D97-AF65-F5344CB8AC3E}">
-        <p14:creationId xmlns:p14="http://schemas.microsoft.com/office/powerpoint/2010/main" val="358445491"/>
-      </p:ext>
-    </p:extLst>
-  </p:cSld>
-  <p:clrMapOvr>
-    <a:masterClrMapping/>
-  </p:clrMapOvr>
-</p:sld>
-</file>
-
-<file path=ppt/slides/slide20.xml><?xml version="1.0" encoding="utf-8"?>
+<file path=ppt/slides/slide23.xml><?xml version="1.0" encoding="utf-8"?>
 <p:sld xmlns:a="http://schemas.openxmlformats.org/drawingml/2006/main" xmlns:r="http://schemas.openxmlformats.org/officeDocument/2006/relationships" xmlns:p="http://schemas.openxmlformats.org/presentationml/2006/main">
   <p:cSld>
     <p:spTree>
@@ -14542,7 +17847,7 @@
 </p:sld>
 </file>
 
-<file path=ppt/slides/slide21.xml><?xml version="1.0" encoding="utf-8"?>
+<file path=ppt/slides/slide24.xml><?xml version="1.0" encoding="utf-8"?>
 <p:sld xmlns:a="http://schemas.openxmlformats.org/drawingml/2006/main" xmlns:r="http://schemas.openxmlformats.org/officeDocument/2006/relationships" xmlns:p="http://schemas.openxmlformats.org/presentationml/2006/main">
   <p:cSld>
     <p:spTree>
@@ -15125,7 +18430,7 @@
 </p:sld>
 </file>
 
-<file path=ppt/slides/slide22.xml><?xml version="1.0" encoding="utf-8"?>
+<file path=ppt/slides/slide25.xml><?xml version="1.0" encoding="utf-8"?>
 <p:sld xmlns:a="http://schemas.openxmlformats.org/drawingml/2006/main" xmlns:r="http://schemas.openxmlformats.org/officeDocument/2006/relationships" xmlns:p="http://schemas.openxmlformats.org/presentationml/2006/main">
   <p:cSld>
     <p:spTree>
@@ -15842,7 +19147,7 @@
 </p:sld>
 </file>
 
-<file path=ppt/slides/slide23.xml><?xml version="1.0" encoding="utf-8"?>
+<file path=ppt/slides/slide26.xml><?xml version="1.0" encoding="utf-8"?>
 <p:sld xmlns:a="http://schemas.openxmlformats.org/drawingml/2006/main" xmlns:r="http://schemas.openxmlformats.org/officeDocument/2006/relationships" xmlns:p="http://schemas.openxmlformats.org/presentationml/2006/main">
   <p:cSld>
     <p:spTree>
@@ -16456,7 +19761,7 @@
 </p:sld>
 </file>
 
-<file path=ppt/slides/slide24.xml><?xml version="1.0" encoding="utf-8"?>
+<file path=ppt/slides/slide27.xml><?xml version="1.0" encoding="utf-8"?>
 <p:sld xmlns:a="http://schemas.openxmlformats.org/drawingml/2006/main" xmlns:r="http://schemas.openxmlformats.org/officeDocument/2006/relationships" xmlns:p="http://schemas.openxmlformats.org/presentationml/2006/main">
   <p:cSld>
     <p:spTree>
@@ -17120,7 +20425,7 @@
 </p:sld>
 </file>
 
-<file path=ppt/slides/slide25.xml><?xml version="1.0" encoding="utf-8"?>
+<file path=ppt/slides/slide28.xml><?xml version="1.0" encoding="utf-8"?>
 <p:sld xmlns:a="http://schemas.openxmlformats.org/drawingml/2006/main" xmlns:r="http://schemas.openxmlformats.org/officeDocument/2006/relationships" xmlns:p="http://schemas.openxmlformats.org/presentationml/2006/main">
   <p:cSld>
     <p:spTree>
@@ -18453,7 +21758,7 @@
 </p:sld>
 </file>
 
-<file path=ppt/slides/slide26.xml><?xml version="1.0" encoding="utf-8"?>
+<file path=ppt/slides/slide29.xml><?xml version="1.0" encoding="utf-8"?>
 <p:sld xmlns:a="http://schemas.openxmlformats.org/drawingml/2006/main" xmlns:r="http://schemas.openxmlformats.org/officeDocument/2006/relationships" xmlns:p="http://schemas.openxmlformats.org/presentationml/2006/main">
   <p:cSld>
     <p:spTree>
@@ -19538,7 +22843,1160 @@
 </p:sld>
 </file>
 
-<file path=ppt/slides/slide27.xml><?xml version="1.0" encoding="utf-8"?>
+<file path=ppt/slides/slide3.xml><?xml version="1.0" encoding="utf-8"?>
+<p:sld xmlns:a="http://schemas.openxmlformats.org/drawingml/2006/main" xmlns:r="http://schemas.openxmlformats.org/officeDocument/2006/relationships" xmlns:p="http://schemas.openxmlformats.org/presentationml/2006/main">
+  <p:cSld>
+    <p:spTree>
+      <p:nvGrpSpPr>
+        <p:cNvPr id="1" name=""/>
+        <p:cNvGrpSpPr/>
+        <p:nvPr/>
+      </p:nvGrpSpPr>
+      <p:grpSpPr>
+        <a:xfrm>
+          <a:off x="0" y="0"/>
+          <a:ext cx="0" cy="0"/>
+          <a:chOff x="0" y="0"/>
+          <a:chExt cx="0" cy="0"/>
+        </a:xfrm>
+      </p:grpSpPr>
+      <p:sp>
+        <p:nvSpPr>
+          <p:cNvPr id="2" name="Title 1">
+            <a:extLst>
+              <a:ext uri="{FF2B5EF4-FFF2-40B4-BE49-F238E27FC236}">
+                <a16:creationId xmlns:a16="http://schemas.microsoft.com/office/drawing/2014/main" id="{D39B841F-54C7-3AE1-E545-FD824C8DAF7F}"/>
+              </a:ext>
+            </a:extLst>
+          </p:cNvPr>
+          <p:cNvSpPr>
+            <a:spLocks noGrp="1"/>
+          </p:cNvSpPr>
+          <p:nvPr>
+            <p:ph type="title"/>
+          </p:nvPr>
+        </p:nvSpPr>
+        <p:spPr/>
+        <p:txBody>
+          <a:bodyPr/>
+          <a:lstStyle/>
+          <a:p>
+            <a:r>
+              <a:rPr lang="en-ES" dirty="0"/>
+              <a:t>B1.S2.1</a:t>
+            </a:r>
+          </a:p>
+        </p:txBody>
+      </p:sp>
+      <p:sp>
+        <p:nvSpPr>
+          <p:cNvPr id="5" name="Arc 4">
+            <a:extLst>
+              <a:ext uri="{FF2B5EF4-FFF2-40B4-BE49-F238E27FC236}">
+                <a16:creationId xmlns:a16="http://schemas.microsoft.com/office/drawing/2014/main" id="{C62C6161-AC50-592A-79A8-62650346F24E}"/>
+              </a:ext>
+            </a:extLst>
+          </p:cNvPr>
+          <p:cNvSpPr/>
+          <p:nvPr/>
+        </p:nvSpPr>
+        <p:spPr>
+          <a:xfrm rot="16200000">
+            <a:off x="492552" y="2918012"/>
+            <a:ext cx="4155141" cy="4222377"/>
+          </a:xfrm>
+          <a:prstGeom prst="arc">
+            <a:avLst>
+              <a:gd name="adj1" fmla="val 16259988"/>
+              <a:gd name="adj2" fmla="val 5404610"/>
+            </a:avLst>
+          </a:prstGeom>
+          <a:ln w="38100">
+            <a:gradFill>
+              <a:gsLst>
+                <a:gs pos="51000">
+                  <a:schemeClr val="accent1">
+                    <a:lumMod val="5000"/>
+                    <a:lumOff val="95000"/>
+                  </a:schemeClr>
+                </a:gs>
+                <a:gs pos="100000">
+                  <a:schemeClr val="accent1">
+                    <a:lumMod val="45000"/>
+                    <a:lumOff val="55000"/>
+                  </a:schemeClr>
+                </a:gs>
+                <a:gs pos="0">
+                  <a:srgbClr val="FF0000"/>
+                </a:gs>
+              </a:gsLst>
+              <a:lin ang="5400000" scaled="1"/>
+            </a:gradFill>
+          </a:ln>
+        </p:spPr>
+        <p:style>
+          <a:lnRef idx="2">
+            <a:schemeClr val="accent1"/>
+          </a:lnRef>
+          <a:fillRef idx="0">
+            <a:schemeClr val="accent1"/>
+          </a:fillRef>
+          <a:effectRef idx="1">
+            <a:schemeClr val="accent1"/>
+          </a:effectRef>
+          <a:fontRef idx="minor">
+            <a:schemeClr val="tx1"/>
+          </a:fontRef>
+        </p:style>
+        <p:txBody>
+          <a:bodyPr rtlCol="0" anchor="ctr"/>
+          <a:lstStyle/>
+          <a:p>
+            <a:pPr algn="ctr"/>
+            <a:endParaRPr lang="en-ES"/>
+          </a:p>
+        </p:txBody>
+      </p:sp>
+      <p:cxnSp>
+        <p:nvCxnSpPr>
+          <p:cNvPr id="10" name="Straight Arrow Connector 9">
+            <a:extLst>
+              <a:ext uri="{FF2B5EF4-FFF2-40B4-BE49-F238E27FC236}">
+                <a16:creationId xmlns:a16="http://schemas.microsoft.com/office/drawing/2014/main" id="{8E1BDB21-2D8F-C9C2-3B07-F77D99022865}"/>
+              </a:ext>
+            </a:extLst>
+          </p:cNvPr>
+          <p:cNvCxnSpPr>
+            <a:cxnSpLocks/>
+          </p:cNvCxnSpPr>
+          <p:nvPr/>
+        </p:nvCxnSpPr>
+        <p:spPr>
+          <a:xfrm flipV="1">
+            <a:off x="2589628" y="1817132"/>
+            <a:ext cx="0" cy="3223735"/>
+          </a:xfrm>
+          <a:prstGeom prst="straightConnector1">
+            <a:avLst/>
+          </a:prstGeom>
+          <a:ln w="38100">
+            <a:solidFill>
+              <a:schemeClr val="tx1"/>
+            </a:solidFill>
+            <a:tailEnd type="triangle"/>
+          </a:ln>
+        </p:spPr>
+        <p:style>
+          <a:lnRef idx="2">
+            <a:schemeClr val="accent1"/>
+          </a:lnRef>
+          <a:fillRef idx="0">
+            <a:schemeClr val="accent1"/>
+          </a:fillRef>
+          <a:effectRef idx="1">
+            <a:schemeClr val="accent1"/>
+          </a:effectRef>
+          <a:fontRef idx="minor">
+            <a:schemeClr val="tx1"/>
+          </a:fontRef>
+        </p:style>
+      </p:cxnSp>
+      <p:sp>
+        <p:nvSpPr>
+          <p:cNvPr id="15" name="TextBox 14">
+            <a:extLst>
+              <a:ext uri="{FF2B5EF4-FFF2-40B4-BE49-F238E27FC236}">
+                <a16:creationId xmlns:a16="http://schemas.microsoft.com/office/drawing/2014/main" id="{724436C1-324F-AAF1-C132-967FFB014398}"/>
+              </a:ext>
+            </a:extLst>
+          </p:cNvPr>
+          <p:cNvSpPr txBox="1"/>
+          <p:nvPr/>
+        </p:nvSpPr>
+        <p:spPr>
+          <a:xfrm>
+            <a:off x="2054698" y="1817132"/>
+            <a:ext cx="393056" cy="646331"/>
+          </a:xfrm>
+          <a:prstGeom prst="rect">
+            <a:avLst/>
+          </a:prstGeom>
+          <a:noFill/>
+        </p:spPr>
+        <p:txBody>
+          <a:bodyPr wrap="none" rtlCol="0">
+            <a:spAutoFit/>
+          </a:bodyPr>
+          <a:lstStyle/>
+          <a:p>
+            <a:r>
+              <a:rPr lang="en-ES" sz="3600" dirty="0"/>
+              <a:t>y</a:t>
+            </a:r>
+          </a:p>
+        </p:txBody>
+      </p:sp>
+      <p:cxnSp>
+        <p:nvCxnSpPr>
+          <p:cNvPr id="17" name="Straight Arrow Connector 16">
+            <a:extLst>
+              <a:ext uri="{FF2B5EF4-FFF2-40B4-BE49-F238E27FC236}">
+                <a16:creationId xmlns:a16="http://schemas.microsoft.com/office/drawing/2014/main" id="{5B01AE06-DAE3-451D-0620-065E77F3FD38}"/>
+              </a:ext>
+            </a:extLst>
+          </p:cNvPr>
+          <p:cNvCxnSpPr>
+            <a:cxnSpLocks/>
+          </p:cNvCxnSpPr>
+          <p:nvPr/>
+        </p:nvCxnSpPr>
+        <p:spPr>
+          <a:xfrm>
+            <a:off x="2589628" y="5040867"/>
+            <a:ext cx="3225269" cy="0"/>
+          </a:xfrm>
+          <a:prstGeom prst="straightConnector1">
+            <a:avLst/>
+          </a:prstGeom>
+          <a:ln w="38100">
+            <a:solidFill>
+              <a:schemeClr val="tx1"/>
+            </a:solidFill>
+            <a:tailEnd type="triangle"/>
+          </a:ln>
+        </p:spPr>
+        <p:style>
+          <a:lnRef idx="2">
+            <a:schemeClr val="accent1"/>
+          </a:lnRef>
+          <a:fillRef idx="0">
+            <a:schemeClr val="accent1"/>
+          </a:fillRef>
+          <a:effectRef idx="1">
+            <a:schemeClr val="accent1"/>
+          </a:effectRef>
+          <a:fontRef idx="minor">
+            <a:schemeClr val="tx1"/>
+          </a:fontRef>
+        </p:style>
+      </p:cxnSp>
+      <p:sp>
+        <p:nvSpPr>
+          <p:cNvPr id="18" name="TextBox 17">
+            <a:extLst>
+              <a:ext uri="{FF2B5EF4-FFF2-40B4-BE49-F238E27FC236}">
+                <a16:creationId xmlns:a16="http://schemas.microsoft.com/office/drawing/2014/main" id="{10908EA1-8301-F8A5-2AA4-12299B055323}"/>
+              </a:ext>
+            </a:extLst>
+          </p:cNvPr>
+          <p:cNvSpPr txBox="1"/>
+          <p:nvPr/>
+        </p:nvSpPr>
+        <p:spPr>
+          <a:xfrm>
+            <a:off x="5392791" y="5040867"/>
+            <a:ext cx="567868" cy="646331"/>
+          </a:xfrm>
+          <a:prstGeom prst="rect">
+            <a:avLst/>
+          </a:prstGeom>
+          <a:noFill/>
+        </p:spPr>
+        <p:txBody>
+          <a:bodyPr wrap="square" rtlCol="0">
+            <a:spAutoFit/>
+          </a:bodyPr>
+          <a:lstStyle/>
+          <a:p>
+            <a:r>
+              <a:rPr lang="en-ES" sz="3600" dirty="0"/>
+              <a:t>x</a:t>
+            </a:r>
+          </a:p>
+        </p:txBody>
+      </p:sp>
+      <p:sp>
+        <p:nvSpPr>
+          <p:cNvPr id="24" name="TextBox 23">
+            <a:extLst>
+              <a:ext uri="{FF2B5EF4-FFF2-40B4-BE49-F238E27FC236}">
+                <a16:creationId xmlns:a16="http://schemas.microsoft.com/office/drawing/2014/main" id="{619EBB20-CB39-E643-A01C-4EDC9B94301E}"/>
+              </a:ext>
+            </a:extLst>
+          </p:cNvPr>
+          <p:cNvSpPr txBox="1"/>
+          <p:nvPr/>
+        </p:nvSpPr>
+        <p:spPr>
+          <a:xfrm>
+            <a:off x="3338760" y="2417283"/>
+            <a:ext cx="2207656" cy="646331"/>
+          </a:xfrm>
+          <a:prstGeom prst="rect">
+            <a:avLst/>
+          </a:prstGeom>
+          <a:noFill/>
+        </p:spPr>
+        <p:txBody>
+          <a:bodyPr wrap="none" rtlCol="0">
+            <a:spAutoFit/>
+          </a:bodyPr>
+          <a:lstStyle/>
+          <a:p>
+            <a:r>
+              <a:rPr lang="en-ES" sz="3600" dirty="0"/>
+              <a:t>λ= λ</a:t>
+            </a:r>
+            <a:r>
+              <a:rPr lang="en-ES" sz="3600" baseline="-25000" dirty="0"/>
+              <a:t>0</a:t>
+            </a:r>
+            <a:r>
+              <a:rPr lang="en-ES" sz="3600" dirty="0"/>
+              <a:t>cosɸ’</a:t>
+            </a:r>
+          </a:p>
+        </p:txBody>
+      </p:sp>
+      <p:sp>
+        <p:nvSpPr>
+          <p:cNvPr id="30" name="Arc 29">
+            <a:extLst>
+              <a:ext uri="{FF2B5EF4-FFF2-40B4-BE49-F238E27FC236}">
+                <a16:creationId xmlns:a16="http://schemas.microsoft.com/office/drawing/2014/main" id="{471F2308-244C-599C-E8D1-D81CA02C565C}"/>
+              </a:ext>
+            </a:extLst>
+          </p:cNvPr>
+          <p:cNvSpPr/>
+          <p:nvPr/>
+        </p:nvSpPr>
+        <p:spPr>
+          <a:xfrm>
+            <a:off x="2027258" y="4415634"/>
+            <a:ext cx="1085728" cy="1125962"/>
+          </a:xfrm>
+          <a:prstGeom prst="arc">
+            <a:avLst>
+              <a:gd name="adj1" fmla="val 19745494"/>
+              <a:gd name="adj2" fmla="val 414981"/>
+            </a:avLst>
+          </a:prstGeom>
+          <a:ln w="38100">
+            <a:solidFill>
+              <a:schemeClr val="tx1"/>
+            </a:solidFill>
+          </a:ln>
+        </p:spPr>
+        <p:style>
+          <a:lnRef idx="2">
+            <a:schemeClr val="accent1"/>
+          </a:lnRef>
+          <a:fillRef idx="0">
+            <a:schemeClr val="accent1"/>
+          </a:fillRef>
+          <a:effectRef idx="1">
+            <a:schemeClr val="accent1"/>
+          </a:effectRef>
+          <a:fontRef idx="minor">
+            <a:schemeClr val="tx1"/>
+          </a:fontRef>
+        </p:style>
+        <p:txBody>
+          <a:bodyPr rtlCol="0" anchor="ctr"/>
+          <a:lstStyle/>
+          <a:p>
+            <a:pPr algn="ctr"/>
+            <a:endParaRPr lang="en-ES"/>
+          </a:p>
+        </p:txBody>
+      </p:sp>
+      <p:cxnSp>
+        <p:nvCxnSpPr>
+          <p:cNvPr id="31" name="Straight Arrow Connector 30">
+            <a:extLst>
+              <a:ext uri="{FF2B5EF4-FFF2-40B4-BE49-F238E27FC236}">
+                <a16:creationId xmlns:a16="http://schemas.microsoft.com/office/drawing/2014/main" id="{DAB80AE4-2DA9-5C87-2446-D9AD483D5F7C}"/>
+              </a:ext>
+            </a:extLst>
+          </p:cNvPr>
+          <p:cNvCxnSpPr>
+            <a:cxnSpLocks/>
+          </p:cNvCxnSpPr>
+          <p:nvPr/>
+        </p:nvCxnSpPr>
+        <p:spPr>
+          <a:xfrm flipV="1">
+            <a:off x="2589628" y="3834198"/>
+            <a:ext cx="1708441" cy="1195002"/>
+          </a:xfrm>
+          <a:prstGeom prst="straightConnector1">
+            <a:avLst/>
+          </a:prstGeom>
+          <a:ln w="38100">
+            <a:solidFill>
+              <a:schemeClr val="tx1"/>
+            </a:solidFill>
+            <a:tailEnd type="none"/>
+          </a:ln>
+        </p:spPr>
+        <p:style>
+          <a:lnRef idx="2">
+            <a:schemeClr val="accent1"/>
+          </a:lnRef>
+          <a:fillRef idx="0">
+            <a:schemeClr val="accent1"/>
+          </a:fillRef>
+          <a:effectRef idx="1">
+            <a:schemeClr val="accent1"/>
+          </a:effectRef>
+          <a:fontRef idx="minor">
+            <a:schemeClr val="tx1"/>
+          </a:fontRef>
+        </p:style>
+      </p:cxnSp>
+      <p:sp>
+        <p:nvSpPr>
+          <p:cNvPr id="36" name="TextBox 35">
+            <a:extLst>
+              <a:ext uri="{FF2B5EF4-FFF2-40B4-BE49-F238E27FC236}">
+                <a16:creationId xmlns:a16="http://schemas.microsoft.com/office/drawing/2014/main" id="{361442C0-CDFC-75EA-BF49-A961B88188D3}"/>
+              </a:ext>
+            </a:extLst>
+          </p:cNvPr>
+          <p:cNvSpPr txBox="1"/>
+          <p:nvPr/>
+        </p:nvSpPr>
+        <p:spPr>
+          <a:xfrm>
+            <a:off x="3254860" y="4431699"/>
+            <a:ext cx="562975" cy="646331"/>
+          </a:xfrm>
+          <a:prstGeom prst="rect">
+            <a:avLst/>
+          </a:prstGeom>
+          <a:noFill/>
+        </p:spPr>
+        <p:txBody>
+          <a:bodyPr wrap="none" rtlCol="0">
+            <a:spAutoFit/>
+          </a:bodyPr>
+          <a:lstStyle/>
+          <a:p>
+            <a:r>
+              <a:rPr lang="en-ES" sz="3600" dirty="0"/>
+              <a:t>ɸ’</a:t>
+            </a:r>
+          </a:p>
+        </p:txBody>
+      </p:sp>
+      <p:sp>
+        <p:nvSpPr>
+          <p:cNvPr id="41" name="TextBox 40">
+            <a:extLst>
+              <a:ext uri="{FF2B5EF4-FFF2-40B4-BE49-F238E27FC236}">
+                <a16:creationId xmlns:a16="http://schemas.microsoft.com/office/drawing/2014/main" id="{21DF65AF-0014-9838-1F9C-FA788DF430E2}"/>
+              </a:ext>
+            </a:extLst>
+          </p:cNvPr>
+          <p:cNvSpPr txBox="1"/>
+          <p:nvPr/>
+        </p:nvSpPr>
+        <p:spPr>
+          <a:xfrm>
+            <a:off x="8895270" y="2869329"/>
+            <a:ext cx="393056" cy="646331"/>
+          </a:xfrm>
+          <a:prstGeom prst="rect">
+            <a:avLst/>
+          </a:prstGeom>
+          <a:noFill/>
+        </p:spPr>
+        <p:txBody>
+          <a:bodyPr wrap="none" rtlCol="0">
+            <a:spAutoFit/>
+          </a:bodyPr>
+          <a:lstStyle/>
+          <a:p>
+            <a:r>
+              <a:rPr lang="en-ES" sz="3600" dirty="0"/>
+              <a:t>y</a:t>
+            </a:r>
+          </a:p>
+        </p:txBody>
+      </p:sp>
+      <p:sp>
+        <p:nvSpPr>
+          <p:cNvPr id="37" name="Arc 36">
+            <a:extLst>
+              <a:ext uri="{FF2B5EF4-FFF2-40B4-BE49-F238E27FC236}">
+                <a16:creationId xmlns:a16="http://schemas.microsoft.com/office/drawing/2014/main" id="{E8940850-8C44-3553-B1C6-4AC24BCEB1E8}"/>
+              </a:ext>
+            </a:extLst>
+          </p:cNvPr>
+          <p:cNvSpPr/>
+          <p:nvPr/>
+        </p:nvSpPr>
+        <p:spPr>
+          <a:xfrm rot="15416767">
+            <a:off x="7308147" y="2797188"/>
+            <a:ext cx="1884148" cy="4222377"/>
+          </a:xfrm>
+          <a:prstGeom prst="arc">
+            <a:avLst>
+              <a:gd name="adj1" fmla="val 16931934"/>
+              <a:gd name="adj2" fmla="val 6161777"/>
+            </a:avLst>
+          </a:prstGeom>
+          <a:ln w="38100">
+            <a:gradFill>
+              <a:gsLst>
+                <a:gs pos="72000">
+                  <a:schemeClr val="accent1">
+                    <a:lumMod val="5000"/>
+                    <a:lumOff val="95000"/>
+                  </a:schemeClr>
+                </a:gs>
+                <a:gs pos="100000">
+                  <a:schemeClr val="accent1">
+                    <a:lumMod val="45000"/>
+                    <a:lumOff val="55000"/>
+                  </a:schemeClr>
+                </a:gs>
+                <a:gs pos="0">
+                  <a:srgbClr val="FF0000"/>
+                </a:gs>
+              </a:gsLst>
+              <a:lin ang="5400000" scaled="1"/>
+            </a:gradFill>
+          </a:ln>
+        </p:spPr>
+        <p:style>
+          <a:lnRef idx="2">
+            <a:schemeClr val="accent1"/>
+          </a:lnRef>
+          <a:fillRef idx="0">
+            <a:schemeClr val="accent1"/>
+          </a:fillRef>
+          <a:effectRef idx="1">
+            <a:schemeClr val="accent1"/>
+          </a:effectRef>
+          <a:fontRef idx="minor">
+            <a:schemeClr val="tx1"/>
+          </a:fontRef>
+        </p:style>
+        <p:txBody>
+          <a:bodyPr rtlCol="0" anchor="ctr"/>
+          <a:lstStyle/>
+          <a:p>
+            <a:pPr algn="ctr"/>
+            <a:endParaRPr lang="en-ES"/>
+          </a:p>
+        </p:txBody>
+      </p:sp>
+      <p:cxnSp>
+        <p:nvCxnSpPr>
+          <p:cNvPr id="38" name="Straight Arrow Connector 37">
+            <a:extLst>
+              <a:ext uri="{FF2B5EF4-FFF2-40B4-BE49-F238E27FC236}">
+                <a16:creationId xmlns:a16="http://schemas.microsoft.com/office/drawing/2014/main" id="{7F40F7C0-8F9F-5467-0AA1-54322A1B012E}"/>
+              </a:ext>
+            </a:extLst>
+          </p:cNvPr>
+          <p:cNvCxnSpPr>
+            <a:cxnSpLocks/>
+          </p:cNvCxnSpPr>
+          <p:nvPr/>
+        </p:nvCxnSpPr>
+        <p:spPr>
+          <a:xfrm flipV="1">
+            <a:off x="8226694" y="2417283"/>
+            <a:ext cx="23527" cy="2491093"/>
+          </a:xfrm>
+          <a:prstGeom prst="straightConnector1">
+            <a:avLst/>
+          </a:prstGeom>
+          <a:ln w="38100">
+            <a:solidFill>
+              <a:schemeClr val="tx1"/>
+            </a:solidFill>
+            <a:tailEnd type="triangle"/>
+          </a:ln>
+        </p:spPr>
+        <p:style>
+          <a:lnRef idx="2">
+            <a:schemeClr val="accent1"/>
+          </a:lnRef>
+          <a:fillRef idx="0">
+            <a:schemeClr val="accent1"/>
+          </a:fillRef>
+          <a:effectRef idx="1">
+            <a:schemeClr val="accent1"/>
+          </a:effectRef>
+          <a:fontRef idx="minor">
+            <a:schemeClr val="tx1"/>
+          </a:fontRef>
+        </p:style>
+      </p:cxnSp>
+      <p:cxnSp>
+        <p:nvCxnSpPr>
+          <p:cNvPr id="42" name="Straight Arrow Connector 41">
+            <a:extLst>
+              <a:ext uri="{FF2B5EF4-FFF2-40B4-BE49-F238E27FC236}">
+                <a16:creationId xmlns:a16="http://schemas.microsoft.com/office/drawing/2014/main" id="{3FF65B0D-2128-48A2-C6BF-EEFBDF5032C2}"/>
+              </a:ext>
+            </a:extLst>
+          </p:cNvPr>
+          <p:cNvCxnSpPr>
+            <a:cxnSpLocks/>
+          </p:cNvCxnSpPr>
+          <p:nvPr/>
+        </p:nvCxnSpPr>
+        <p:spPr>
+          <a:xfrm>
+            <a:off x="8226694" y="4908376"/>
+            <a:ext cx="3225269" cy="0"/>
+          </a:xfrm>
+          <a:prstGeom prst="straightConnector1">
+            <a:avLst/>
+          </a:prstGeom>
+          <a:ln w="38100">
+            <a:solidFill>
+              <a:schemeClr val="tx1"/>
+            </a:solidFill>
+            <a:tailEnd type="triangle"/>
+          </a:ln>
+        </p:spPr>
+        <p:style>
+          <a:lnRef idx="2">
+            <a:schemeClr val="accent1"/>
+          </a:lnRef>
+          <a:fillRef idx="0">
+            <a:schemeClr val="accent1"/>
+          </a:fillRef>
+          <a:effectRef idx="1">
+            <a:schemeClr val="accent1"/>
+          </a:effectRef>
+          <a:fontRef idx="minor">
+            <a:schemeClr val="tx1"/>
+          </a:fontRef>
+        </p:style>
+      </p:cxnSp>
+      <p:sp>
+        <p:nvSpPr>
+          <p:cNvPr id="43" name="TextBox 42">
+            <a:extLst>
+              <a:ext uri="{FF2B5EF4-FFF2-40B4-BE49-F238E27FC236}">
+                <a16:creationId xmlns:a16="http://schemas.microsoft.com/office/drawing/2014/main" id="{62972613-7A40-EEAD-36D6-D99B33FD04D6}"/>
+              </a:ext>
+            </a:extLst>
+          </p:cNvPr>
+          <p:cNvSpPr txBox="1"/>
+          <p:nvPr/>
+        </p:nvSpPr>
+        <p:spPr>
+          <a:xfrm>
+            <a:off x="11069866" y="4895265"/>
+            <a:ext cx="567868" cy="646331"/>
+          </a:xfrm>
+          <a:prstGeom prst="rect">
+            <a:avLst/>
+          </a:prstGeom>
+          <a:noFill/>
+        </p:spPr>
+        <p:txBody>
+          <a:bodyPr wrap="square" rtlCol="0">
+            <a:spAutoFit/>
+          </a:bodyPr>
+          <a:lstStyle/>
+          <a:p>
+            <a:r>
+              <a:rPr lang="en-ES" sz="3600" dirty="0"/>
+              <a:t>x</a:t>
+            </a:r>
+          </a:p>
+        </p:txBody>
+      </p:sp>
+      <p:cxnSp>
+        <p:nvCxnSpPr>
+          <p:cNvPr id="58" name="Straight Arrow Connector 57">
+            <a:extLst>
+              <a:ext uri="{FF2B5EF4-FFF2-40B4-BE49-F238E27FC236}">
+                <a16:creationId xmlns:a16="http://schemas.microsoft.com/office/drawing/2014/main" id="{CCA5B95B-998E-A1C6-47D1-5E353C95FAF5}"/>
+              </a:ext>
+            </a:extLst>
+          </p:cNvPr>
+          <p:cNvCxnSpPr>
+            <a:cxnSpLocks/>
+          </p:cNvCxnSpPr>
+          <p:nvPr/>
+        </p:nvCxnSpPr>
+        <p:spPr>
+          <a:xfrm flipV="1">
+            <a:off x="8231487" y="3513799"/>
+            <a:ext cx="951382" cy="1419145"/>
+          </a:xfrm>
+          <a:prstGeom prst="straightConnector1">
+            <a:avLst/>
+          </a:prstGeom>
+          <a:ln w="38100">
+            <a:solidFill>
+              <a:schemeClr val="tx1"/>
+            </a:solidFill>
+            <a:tailEnd type="triangle"/>
+          </a:ln>
+        </p:spPr>
+        <p:style>
+          <a:lnRef idx="2">
+            <a:schemeClr val="accent1"/>
+          </a:lnRef>
+          <a:fillRef idx="0">
+            <a:schemeClr val="accent1"/>
+          </a:fillRef>
+          <a:effectRef idx="1">
+            <a:schemeClr val="accent1"/>
+          </a:effectRef>
+          <a:fontRef idx="minor">
+            <a:schemeClr val="tx1"/>
+          </a:fontRef>
+        </p:style>
+      </p:cxnSp>
+      <p:sp>
+        <p:nvSpPr>
+          <p:cNvPr id="61" name="TextBox 60">
+            <a:extLst>
+              <a:ext uri="{FF2B5EF4-FFF2-40B4-BE49-F238E27FC236}">
+                <a16:creationId xmlns:a16="http://schemas.microsoft.com/office/drawing/2014/main" id="{7C0742B9-49F1-60CA-F189-435AEC7AC1F2}"/>
+              </a:ext>
+            </a:extLst>
+          </p:cNvPr>
+          <p:cNvSpPr txBox="1"/>
+          <p:nvPr/>
+        </p:nvSpPr>
+        <p:spPr>
+          <a:xfrm>
+            <a:off x="8375794" y="2033395"/>
+            <a:ext cx="386644" cy="646331"/>
+          </a:xfrm>
+          <a:prstGeom prst="rect">
+            <a:avLst/>
+          </a:prstGeom>
+          <a:noFill/>
+        </p:spPr>
+        <p:txBody>
+          <a:bodyPr wrap="none" rtlCol="0">
+            <a:spAutoFit/>
+          </a:bodyPr>
+          <a:lstStyle/>
+          <a:p>
+            <a:r>
+              <a:rPr lang="en-ES" sz="3600" dirty="0"/>
+              <a:t>z</a:t>
+            </a:r>
+          </a:p>
+        </p:txBody>
+      </p:sp>
+      <p:sp>
+        <p:nvSpPr>
+          <p:cNvPr id="63" name="Oval 62">
+            <a:extLst>
+              <a:ext uri="{FF2B5EF4-FFF2-40B4-BE49-F238E27FC236}">
+                <a16:creationId xmlns:a16="http://schemas.microsoft.com/office/drawing/2014/main" id="{4C5C545A-0A5E-81E3-07A4-D107F0ADC87A}"/>
+              </a:ext>
+            </a:extLst>
+          </p:cNvPr>
+          <p:cNvSpPr/>
+          <p:nvPr/>
+        </p:nvSpPr>
+        <p:spPr>
+          <a:xfrm>
+            <a:off x="8196111" y="3083404"/>
+            <a:ext cx="95519" cy="87688"/>
+          </a:xfrm>
+          <a:prstGeom prst="ellipse">
+            <a:avLst/>
+          </a:prstGeom>
+        </p:spPr>
+        <p:style>
+          <a:lnRef idx="2">
+            <a:schemeClr val="accent1">
+              <a:shade val="15000"/>
+            </a:schemeClr>
+          </a:lnRef>
+          <a:fillRef idx="1">
+            <a:schemeClr val="accent1"/>
+          </a:fillRef>
+          <a:effectRef idx="0">
+            <a:schemeClr val="accent1"/>
+          </a:effectRef>
+          <a:fontRef idx="minor">
+            <a:schemeClr val="lt1"/>
+          </a:fontRef>
+        </p:style>
+        <p:txBody>
+          <a:bodyPr rtlCol="0" anchor="ctr"/>
+          <a:lstStyle/>
+          <a:p>
+            <a:pPr algn="ctr"/>
+            <a:endParaRPr lang="en-ES"/>
+          </a:p>
+        </p:txBody>
+      </p:sp>
+      <p:sp>
+        <p:nvSpPr>
+          <p:cNvPr id="64" name="Oval 63">
+            <a:extLst>
+              <a:ext uri="{FF2B5EF4-FFF2-40B4-BE49-F238E27FC236}">
+                <a16:creationId xmlns:a16="http://schemas.microsoft.com/office/drawing/2014/main" id="{B9DECD15-6A90-8F2A-42EE-A001068C177B}"/>
+              </a:ext>
+            </a:extLst>
+          </p:cNvPr>
+          <p:cNvSpPr/>
+          <p:nvPr/>
+        </p:nvSpPr>
+        <p:spPr>
+          <a:xfrm>
+            <a:off x="10236623" y="4342107"/>
+            <a:ext cx="95519" cy="87688"/>
+          </a:xfrm>
+          <a:prstGeom prst="ellipse">
+            <a:avLst/>
+          </a:prstGeom>
+        </p:spPr>
+        <p:style>
+          <a:lnRef idx="2">
+            <a:schemeClr val="accent1">
+              <a:shade val="15000"/>
+            </a:schemeClr>
+          </a:lnRef>
+          <a:fillRef idx="1">
+            <a:schemeClr val="accent1"/>
+          </a:fillRef>
+          <a:effectRef idx="0">
+            <a:schemeClr val="accent1"/>
+          </a:effectRef>
+          <a:fontRef idx="minor">
+            <a:schemeClr val="lt1"/>
+          </a:fontRef>
+        </p:style>
+        <p:txBody>
+          <a:bodyPr rtlCol="0" anchor="ctr"/>
+          <a:lstStyle/>
+          <a:p>
+            <a:pPr algn="ctr"/>
+            <a:endParaRPr lang="en-ES"/>
+          </a:p>
+        </p:txBody>
+      </p:sp>
+      <p:sp>
+        <p:nvSpPr>
+          <p:cNvPr id="65" name="Oval 64">
+            <a:extLst>
+              <a:ext uri="{FF2B5EF4-FFF2-40B4-BE49-F238E27FC236}">
+                <a16:creationId xmlns:a16="http://schemas.microsoft.com/office/drawing/2014/main" id="{CBEA7EF2-4DF1-77C2-309F-A3BFC3B20BE1}"/>
+              </a:ext>
+            </a:extLst>
+          </p:cNvPr>
+          <p:cNvSpPr/>
+          <p:nvPr/>
+        </p:nvSpPr>
+        <p:spPr>
+          <a:xfrm>
+            <a:off x="6940473" y="4342107"/>
+            <a:ext cx="95519" cy="87688"/>
+          </a:xfrm>
+          <a:prstGeom prst="ellipse">
+            <a:avLst/>
+          </a:prstGeom>
+        </p:spPr>
+        <p:style>
+          <a:lnRef idx="2">
+            <a:schemeClr val="accent1">
+              <a:shade val="15000"/>
+            </a:schemeClr>
+          </a:lnRef>
+          <a:fillRef idx="1">
+            <a:schemeClr val="accent1"/>
+          </a:fillRef>
+          <a:effectRef idx="0">
+            <a:schemeClr val="accent1"/>
+          </a:effectRef>
+          <a:fontRef idx="minor">
+            <a:schemeClr val="lt1"/>
+          </a:fontRef>
+        </p:style>
+        <p:txBody>
+          <a:bodyPr rtlCol="0" anchor="ctr"/>
+          <a:lstStyle/>
+          <a:p>
+            <a:pPr algn="ctr"/>
+            <a:endParaRPr lang="en-ES"/>
+          </a:p>
+        </p:txBody>
+      </p:sp>
+      <p:cxnSp>
+        <p:nvCxnSpPr>
+          <p:cNvPr id="66" name="Straight Arrow Connector 65">
+            <a:extLst>
+              <a:ext uri="{FF2B5EF4-FFF2-40B4-BE49-F238E27FC236}">
+                <a16:creationId xmlns:a16="http://schemas.microsoft.com/office/drawing/2014/main" id="{4E6E89EA-DB65-0D6F-D0E7-B4A7A3669132}"/>
+              </a:ext>
+            </a:extLst>
+          </p:cNvPr>
+          <p:cNvCxnSpPr>
+            <a:cxnSpLocks/>
+          </p:cNvCxnSpPr>
+          <p:nvPr/>
+        </p:nvCxnSpPr>
+        <p:spPr>
+          <a:xfrm flipH="1" flipV="1">
+            <a:off x="7510690" y="2665527"/>
+            <a:ext cx="699409" cy="438811"/>
+          </a:xfrm>
+          <a:prstGeom prst="straightConnector1">
+            <a:avLst/>
+          </a:prstGeom>
+          <a:ln w="38100">
+            <a:solidFill>
+              <a:schemeClr val="tx1"/>
+            </a:solidFill>
+            <a:tailEnd type="triangle"/>
+          </a:ln>
+        </p:spPr>
+        <p:style>
+          <a:lnRef idx="2">
+            <a:schemeClr val="accent1"/>
+          </a:lnRef>
+          <a:fillRef idx="0">
+            <a:schemeClr val="accent1"/>
+          </a:fillRef>
+          <a:effectRef idx="1">
+            <a:schemeClr val="accent1"/>
+          </a:effectRef>
+          <a:fontRef idx="minor">
+            <a:schemeClr val="tx1"/>
+          </a:fontRef>
+        </p:style>
+      </p:cxnSp>
+      <p:cxnSp>
+        <p:nvCxnSpPr>
+          <p:cNvPr id="70" name="Straight Arrow Connector 69">
+            <a:extLst>
+              <a:ext uri="{FF2B5EF4-FFF2-40B4-BE49-F238E27FC236}">
+                <a16:creationId xmlns:a16="http://schemas.microsoft.com/office/drawing/2014/main" id="{057A2C09-DEA6-0010-6F4A-38BA466EE131}"/>
+              </a:ext>
+            </a:extLst>
+          </p:cNvPr>
+          <p:cNvCxnSpPr>
+            <a:cxnSpLocks/>
+            <a:endCxn id="63" idx="5"/>
+          </p:cNvCxnSpPr>
+          <p:nvPr/>
+        </p:nvCxnSpPr>
+        <p:spPr>
+          <a:xfrm flipH="1" flipV="1">
+            <a:off x="8277642" y="3158250"/>
+            <a:ext cx="1987588" cy="1217979"/>
+          </a:xfrm>
+          <a:prstGeom prst="straightConnector1">
+            <a:avLst/>
+          </a:prstGeom>
+          <a:ln w="38100">
+            <a:solidFill>
+              <a:schemeClr val="tx1"/>
+            </a:solidFill>
+            <a:prstDash val="dash"/>
+            <a:tailEnd type="none"/>
+          </a:ln>
+        </p:spPr>
+        <p:style>
+          <a:lnRef idx="2">
+            <a:schemeClr val="accent1"/>
+          </a:lnRef>
+          <a:fillRef idx="0">
+            <a:schemeClr val="accent1"/>
+          </a:fillRef>
+          <a:effectRef idx="1">
+            <a:schemeClr val="accent1"/>
+          </a:effectRef>
+          <a:fontRef idx="minor">
+            <a:schemeClr val="tx1"/>
+          </a:fontRef>
+        </p:style>
+      </p:cxnSp>
+      <p:cxnSp>
+        <p:nvCxnSpPr>
+          <p:cNvPr id="73" name="Straight Arrow Connector 72">
+            <a:extLst>
+              <a:ext uri="{FF2B5EF4-FFF2-40B4-BE49-F238E27FC236}">
+                <a16:creationId xmlns:a16="http://schemas.microsoft.com/office/drawing/2014/main" id="{574AE1CD-877A-3333-9F4B-5AB770D75161}"/>
+              </a:ext>
+            </a:extLst>
+          </p:cNvPr>
+          <p:cNvCxnSpPr>
+            <a:cxnSpLocks/>
+          </p:cNvCxnSpPr>
+          <p:nvPr/>
+        </p:nvCxnSpPr>
+        <p:spPr>
+          <a:xfrm flipH="1">
+            <a:off x="7632706" y="3151452"/>
+            <a:ext cx="585558" cy="600339"/>
+          </a:xfrm>
+          <a:prstGeom prst="straightConnector1">
+            <a:avLst/>
+          </a:prstGeom>
+          <a:ln w="38100">
+            <a:solidFill>
+              <a:schemeClr val="tx1"/>
+            </a:solidFill>
+            <a:tailEnd type="triangle"/>
+          </a:ln>
+        </p:spPr>
+        <p:style>
+          <a:lnRef idx="2">
+            <a:schemeClr val="accent1"/>
+          </a:lnRef>
+          <a:fillRef idx="0">
+            <a:schemeClr val="accent1"/>
+          </a:fillRef>
+          <a:effectRef idx="1">
+            <a:schemeClr val="accent1"/>
+          </a:effectRef>
+          <a:fontRef idx="minor">
+            <a:schemeClr val="tx1"/>
+          </a:fontRef>
+        </p:style>
+      </p:cxnSp>
+      <p:cxnSp>
+        <p:nvCxnSpPr>
+          <p:cNvPr id="76" name="Straight Arrow Connector 75">
+            <a:extLst>
+              <a:ext uri="{FF2B5EF4-FFF2-40B4-BE49-F238E27FC236}">
+                <a16:creationId xmlns:a16="http://schemas.microsoft.com/office/drawing/2014/main" id="{5EA5187D-0BEF-3AE5-F182-07B473F575C7}"/>
+              </a:ext>
+            </a:extLst>
+          </p:cNvPr>
+          <p:cNvCxnSpPr>
+            <a:cxnSpLocks/>
+            <a:endCxn id="65" idx="7"/>
+          </p:cNvCxnSpPr>
+          <p:nvPr/>
+        </p:nvCxnSpPr>
+        <p:spPr>
+          <a:xfrm flipH="1">
+            <a:off x="7022004" y="3801830"/>
+            <a:ext cx="551549" cy="553119"/>
+          </a:xfrm>
+          <a:prstGeom prst="straightConnector1">
+            <a:avLst/>
+          </a:prstGeom>
+          <a:ln w="38100">
+            <a:solidFill>
+              <a:schemeClr val="tx1"/>
+            </a:solidFill>
+            <a:prstDash val="dash"/>
+            <a:tailEnd type="none"/>
+          </a:ln>
+        </p:spPr>
+        <p:style>
+          <a:lnRef idx="2">
+            <a:schemeClr val="accent1"/>
+          </a:lnRef>
+          <a:fillRef idx="0">
+            <a:schemeClr val="accent1"/>
+          </a:fillRef>
+          <a:effectRef idx="1">
+            <a:schemeClr val="accent1"/>
+          </a:effectRef>
+          <a:fontRef idx="minor">
+            <a:schemeClr val="tx1"/>
+          </a:fontRef>
+        </p:style>
+      </p:cxnSp>
+      <p:sp>
+        <p:nvSpPr>
+          <p:cNvPr id="88" name="TextBox 87">
+            <a:extLst>
+              <a:ext uri="{FF2B5EF4-FFF2-40B4-BE49-F238E27FC236}">
+                <a16:creationId xmlns:a16="http://schemas.microsoft.com/office/drawing/2014/main" id="{62F315E5-15F5-F32A-79B4-8EB5B351B1F7}"/>
+              </a:ext>
+            </a:extLst>
+          </p:cNvPr>
+          <p:cNvSpPr txBox="1"/>
+          <p:nvPr/>
+        </p:nvSpPr>
+        <p:spPr>
+          <a:xfrm>
+            <a:off x="6086094" y="2322249"/>
+            <a:ext cx="1804276" cy="369332"/>
+          </a:xfrm>
+          <a:prstGeom prst="rect">
+            <a:avLst/>
+          </a:prstGeom>
+          <a:noFill/>
+        </p:spPr>
+        <p:txBody>
+          <a:bodyPr wrap="none" rtlCol="0">
+            <a:spAutoFit/>
+          </a:bodyPr>
+          <a:lstStyle/>
+          <a:p>
+            <a:r>
+              <a:rPr lang="en-ES" dirty="0"/>
+              <a:t>Ez&gt;0  Ey&lt;0  Ex&lt;0</a:t>
+            </a:r>
+          </a:p>
+        </p:txBody>
+      </p:sp>
+      <p:sp>
+        <p:nvSpPr>
+          <p:cNvPr id="89" name="TextBox 88">
+            <a:extLst>
+              <a:ext uri="{FF2B5EF4-FFF2-40B4-BE49-F238E27FC236}">
+                <a16:creationId xmlns:a16="http://schemas.microsoft.com/office/drawing/2014/main" id="{6F7CE4F5-D0BA-E3E3-F65E-E299F8461623}"/>
+              </a:ext>
+            </a:extLst>
+          </p:cNvPr>
+          <p:cNvSpPr txBox="1"/>
+          <p:nvPr/>
+        </p:nvSpPr>
+        <p:spPr>
+          <a:xfrm>
+            <a:off x="6038727" y="3227768"/>
+            <a:ext cx="1804276" cy="369332"/>
+          </a:xfrm>
+          <a:prstGeom prst="rect">
+            <a:avLst/>
+          </a:prstGeom>
+          <a:noFill/>
+        </p:spPr>
+        <p:txBody>
+          <a:bodyPr wrap="none" rtlCol="0">
+            <a:spAutoFit/>
+          </a:bodyPr>
+          <a:lstStyle/>
+          <a:p>
+            <a:r>
+              <a:rPr lang="en-ES" dirty="0"/>
+              <a:t>Ez&lt;0  Ey&gt;0  Ex&lt;0</a:t>
+            </a:r>
+          </a:p>
+        </p:txBody>
+      </p:sp>
+    </p:spTree>
+    <p:extLst>
+      <p:ext uri="{BB962C8B-B14F-4D97-AF65-F5344CB8AC3E}">
+        <p14:creationId xmlns:p14="http://schemas.microsoft.com/office/powerpoint/2010/main" val="650413243"/>
+      </p:ext>
+    </p:extLst>
+  </p:cSld>
+  <p:clrMapOvr>
+    <a:masterClrMapping/>
+  </p:clrMapOvr>
+</p:sld>
+</file>
+
+<file path=ppt/slides/slide30.xml><?xml version="1.0" encoding="utf-8"?>
 <p:sld xmlns:a="http://schemas.openxmlformats.org/drawingml/2006/main" xmlns:r="http://schemas.openxmlformats.org/officeDocument/2006/relationships" xmlns:p="http://schemas.openxmlformats.org/presentationml/2006/main">
   <p:cSld>
     <p:spTree>
@@ -20959,7 +25417,7 @@
 </p:sld>
 </file>
 
-<file path=ppt/slides/slide28.xml><?xml version="1.0" encoding="utf-8"?>
+<file path=ppt/slides/slide31.xml><?xml version="1.0" encoding="utf-8"?>
 <p:sld xmlns:a="http://schemas.openxmlformats.org/drawingml/2006/main" xmlns:r="http://schemas.openxmlformats.org/officeDocument/2006/relationships" xmlns:p="http://schemas.openxmlformats.org/presentationml/2006/main">
   <p:cSld>
     <p:spTree>
@@ -21721,7 +26179,7 @@
 </p:sld>
 </file>
 
-<file path=ppt/slides/slide29.xml><?xml version="1.0" encoding="utf-8"?>
+<file path=ppt/slides/slide32.xml><?xml version="1.0" encoding="utf-8"?>
 <p:sld xmlns:a="http://schemas.openxmlformats.org/drawingml/2006/main" xmlns:r="http://schemas.openxmlformats.org/officeDocument/2006/relationships" xmlns:p="http://schemas.openxmlformats.org/presentationml/2006/main">
   <p:cSld>
     <p:spTree>
@@ -22846,1160 +27304,7 @@
 </p:sld>
 </file>
 
-<file path=ppt/slides/slide3.xml><?xml version="1.0" encoding="utf-8"?>
-<p:sld xmlns:a="http://schemas.openxmlformats.org/drawingml/2006/main" xmlns:r="http://schemas.openxmlformats.org/officeDocument/2006/relationships" xmlns:p="http://schemas.openxmlformats.org/presentationml/2006/main">
-  <p:cSld>
-    <p:spTree>
-      <p:nvGrpSpPr>
-        <p:cNvPr id="1" name=""/>
-        <p:cNvGrpSpPr/>
-        <p:nvPr/>
-      </p:nvGrpSpPr>
-      <p:grpSpPr>
-        <a:xfrm>
-          <a:off x="0" y="0"/>
-          <a:ext cx="0" cy="0"/>
-          <a:chOff x="0" y="0"/>
-          <a:chExt cx="0" cy="0"/>
-        </a:xfrm>
-      </p:grpSpPr>
-      <p:sp>
-        <p:nvSpPr>
-          <p:cNvPr id="2" name="Title 1">
-            <a:extLst>
-              <a:ext uri="{FF2B5EF4-FFF2-40B4-BE49-F238E27FC236}">
-                <a16:creationId xmlns:a16="http://schemas.microsoft.com/office/drawing/2014/main" id="{D39B841F-54C7-3AE1-E545-FD824C8DAF7F}"/>
-              </a:ext>
-            </a:extLst>
-          </p:cNvPr>
-          <p:cNvSpPr>
-            <a:spLocks noGrp="1"/>
-          </p:cNvSpPr>
-          <p:nvPr>
-            <p:ph type="title"/>
-          </p:nvPr>
-        </p:nvSpPr>
-        <p:spPr/>
-        <p:txBody>
-          <a:bodyPr/>
-          <a:lstStyle/>
-          <a:p>
-            <a:r>
-              <a:rPr lang="en-ES" dirty="0"/>
-              <a:t>B1.S2.1</a:t>
-            </a:r>
-          </a:p>
-        </p:txBody>
-      </p:sp>
-      <p:sp>
-        <p:nvSpPr>
-          <p:cNvPr id="5" name="Arc 4">
-            <a:extLst>
-              <a:ext uri="{FF2B5EF4-FFF2-40B4-BE49-F238E27FC236}">
-                <a16:creationId xmlns:a16="http://schemas.microsoft.com/office/drawing/2014/main" id="{C62C6161-AC50-592A-79A8-62650346F24E}"/>
-              </a:ext>
-            </a:extLst>
-          </p:cNvPr>
-          <p:cNvSpPr/>
-          <p:nvPr/>
-        </p:nvSpPr>
-        <p:spPr>
-          <a:xfrm rot="16200000">
-            <a:off x="492552" y="2918012"/>
-            <a:ext cx="4155141" cy="4222377"/>
-          </a:xfrm>
-          <a:prstGeom prst="arc">
-            <a:avLst>
-              <a:gd name="adj1" fmla="val 16259988"/>
-              <a:gd name="adj2" fmla="val 5404610"/>
-            </a:avLst>
-          </a:prstGeom>
-          <a:ln w="38100">
-            <a:gradFill>
-              <a:gsLst>
-                <a:gs pos="51000">
-                  <a:schemeClr val="accent1">
-                    <a:lumMod val="5000"/>
-                    <a:lumOff val="95000"/>
-                  </a:schemeClr>
-                </a:gs>
-                <a:gs pos="100000">
-                  <a:schemeClr val="accent1">
-                    <a:lumMod val="45000"/>
-                    <a:lumOff val="55000"/>
-                  </a:schemeClr>
-                </a:gs>
-                <a:gs pos="0">
-                  <a:srgbClr val="FF0000"/>
-                </a:gs>
-              </a:gsLst>
-              <a:lin ang="5400000" scaled="1"/>
-            </a:gradFill>
-          </a:ln>
-        </p:spPr>
-        <p:style>
-          <a:lnRef idx="2">
-            <a:schemeClr val="accent1"/>
-          </a:lnRef>
-          <a:fillRef idx="0">
-            <a:schemeClr val="accent1"/>
-          </a:fillRef>
-          <a:effectRef idx="1">
-            <a:schemeClr val="accent1"/>
-          </a:effectRef>
-          <a:fontRef idx="minor">
-            <a:schemeClr val="tx1"/>
-          </a:fontRef>
-        </p:style>
-        <p:txBody>
-          <a:bodyPr rtlCol="0" anchor="ctr"/>
-          <a:lstStyle/>
-          <a:p>
-            <a:pPr algn="ctr"/>
-            <a:endParaRPr lang="en-ES"/>
-          </a:p>
-        </p:txBody>
-      </p:sp>
-      <p:cxnSp>
-        <p:nvCxnSpPr>
-          <p:cNvPr id="10" name="Straight Arrow Connector 9">
-            <a:extLst>
-              <a:ext uri="{FF2B5EF4-FFF2-40B4-BE49-F238E27FC236}">
-                <a16:creationId xmlns:a16="http://schemas.microsoft.com/office/drawing/2014/main" id="{8E1BDB21-2D8F-C9C2-3B07-F77D99022865}"/>
-              </a:ext>
-            </a:extLst>
-          </p:cNvPr>
-          <p:cNvCxnSpPr>
-            <a:cxnSpLocks/>
-          </p:cNvCxnSpPr>
-          <p:nvPr/>
-        </p:nvCxnSpPr>
-        <p:spPr>
-          <a:xfrm flipV="1">
-            <a:off x="2589628" y="1817132"/>
-            <a:ext cx="0" cy="3223735"/>
-          </a:xfrm>
-          <a:prstGeom prst="straightConnector1">
-            <a:avLst/>
-          </a:prstGeom>
-          <a:ln w="38100">
-            <a:solidFill>
-              <a:schemeClr val="tx1"/>
-            </a:solidFill>
-            <a:tailEnd type="triangle"/>
-          </a:ln>
-        </p:spPr>
-        <p:style>
-          <a:lnRef idx="2">
-            <a:schemeClr val="accent1"/>
-          </a:lnRef>
-          <a:fillRef idx="0">
-            <a:schemeClr val="accent1"/>
-          </a:fillRef>
-          <a:effectRef idx="1">
-            <a:schemeClr val="accent1"/>
-          </a:effectRef>
-          <a:fontRef idx="minor">
-            <a:schemeClr val="tx1"/>
-          </a:fontRef>
-        </p:style>
-      </p:cxnSp>
-      <p:sp>
-        <p:nvSpPr>
-          <p:cNvPr id="15" name="TextBox 14">
-            <a:extLst>
-              <a:ext uri="{FF2B5EF4-FFF2-40B4-BE49-F238E27FC236}">
-                <a16:creationId xmlns:a16="http://schemas.microsoft.com/office/drawing/2014/main" id="{724436C1-324F-AAF1-C132-967FFB014398}"/>
-              </a:ext>
-            </a:extLst>
-          </p:cNvPr>
-          <p:cNvSpPr txBox="1"/>
-          <p:nvPr/>
-        </p:nvSpPr>
-        <p:spPr>
-          <a:xfrm>
-            <a:off x="2054698" y="1817132"/>
-            <a:ext cx="393056" cy="646331"/>
-          </a:xfrm>
-          <a:prstGeom prst="rect">
-            <a:avLst/>
-          </a:prstGeom>
-          <a:noFill/>
-        </p:spPr>
-        <p:txBody>
-          <a:bodyPr wrap="none" rtlCol="0">
-            <a:spAutoFit/>
-          </a:bodyPr>
-          <a:lstStyle/>
-          <a:p>
-            <a:r>
-              <a:rPr lang="en-ES" sz="3600" dirty="0"/>
-              <a:t>y</a:t>
-            </a:r>
-          </a:p>
-        </p:txBody>
-      </p:sp>
-      <p:cxnSp>
-        <p:nvCxnSpPr>
-          <p:cNvPr id="17" name="Straight Arrow Connector 16">
-            <a:extLst>
-              <a:ext uri="{FF2B5EF4-FFF2-40B4-BE49-F238E27FC236}">
-                <a16:creationId xmlns:a16="http://schemas.microsoft.com/office/drawing/2014/main" id="{5B01AE06-DAE3-451D-0620-065E77F3FD38}"/>
-              </a:ext>
-            </a:extLst>
-          </p:cNvPr>
-          <p:cNvCxnSpPr>
-            <a:cxnSpLocks/>
-          </p:cNvCxnSpPr>
-          <p:nvPr/>
-        </p:nvCxnSpPr>
-        <p:spPr>
-          <a:xfrm>
-            <a:off x="2589628" y="5040867"/>
-            <a:ext cx="3225269" cy="0"/>
-          </a:xfrm>
-          <a:prstGeom prst="straightConnector1">
-            <a:avLst/>
-          </a:prstGeom>
-          <a:ln w="38100">
-            <a:solidFill>
-              <a:schemeClr val="tx1"/>
-            </a:solidFill>
-            <a:tailEnd type="triangle"/>
-          </a:ln>
-        </p:spPr>
-        <p:style>
-          <a:lnRef idx="2">
-            <a:schemeClr val="accent1"/>
-          </a:lnRef>
-          <a:fillRef idx="0">
-            <a:schemeClr val="accent1"/>
-          </a:fillRef>
-          <a:effectRef idx="1">
-            <a:schemeClr val="accent1"/>
-          </a:effectRef>
-          <a:fontRef idx="minor">
-            <a:schemeClr val="tx1"/>
-          </a:fontRef>
-        </p:style>
-      </p:cxnSp>
-      <p:sp>
-        <p:nvSpPr>
-          <p:cNvPr id="18" name="TextBox 17">
-            <a:extLst>
-              <a:ext uri="{FF2B5EF4-FFF2-40B4-BE49-F238E27FC236}">
-                <a16:creationId xmlns:a16="http://schemas.microsoft.com/office/drawing/2014/main" id="{10908EA1-8301-F8A5-2AA4-12299B055323}"/>
-              </a:ext>
-            </a:extLst>
-          </p:cNvPr>
-          <p:cNvSpPr txBox="1"/>
-          <p:nvPr/>
-        </p:nvSpPr>
-        <p:spPr>
-          <a:xfrm>
-            <a:off x="5392791" y="5040867"/>
-            <a:ext cx="567868" cy="646331"/>
-          </a:xfrm>
-          <a:prstGeom prst="rect">
-            <a:avLst/>
-          </a:prstGeom>
-          <a:noFill/>
-        </p:spPr>
-        <p:txBody>
-          <a:bodyPr wrap="square" rtlCol="0">
-            <a:spAutoFit/>
-          </a:bodyPr>
-          <a:lstStyle/>
-          <a:p>
-            <a:r>
-              <a:rPr lang="en-ES" sz="3600" dirty="0"/>
-              <a:t>x</a:t>
-            </a:r>
-          </a:p>
-        </p:txBody>
-      </p:sp>
-      <p:sp>
-        <p:nvSpPr>
-          <p:cNvPr id="24" name="TextBox 23">
-            <a:extLst>
-              <a:ext uri="{FF2B5EF4-FFF2-40B4-BE49-F238E27FC236}">
-                <a16:creationId xmlns:a16="http://schemas.microsoft.com/office/drawing/2014/main" id="{619EBB20-CB39-E643-A01C-4EDC9B94301E}"/>
-              </a:ext>
-            </a:extLst>
-          </p:cNvPr>
-          <p:cNvSpPr txBox="1"/>
-          <p:nvPr/>
-        </p:nvSpPr>
-        <p:spPr>
-          <a:xfrm>
-            <a:off x="3338760" y="2417283"/>
-            <a:ext cx="2207656" cy="646331"/>
-          </a:xfrm>
-          <a:prstGeom prst="rect">
-            <a:avLst/>
-          </a:prstGeom>
-          <a:noFill/>
-        </p:spPr>
-        <p:txBody>
-          <a:bodyPr wrap="none" rtlCol="0">
-            <a:spAutoFit/>
-          </a:bodyPr>
-          <a:lstStyle/>
-          <a:p>
-            <a:r>
-              <a:rPr lang="en-ES" sz="3600" dirty="0"/>
-              <a:t>λ= λ</a:t>
-            </a:r>
-            <a:r>
-              <a:rPr lang="en-ES" sz="3600" baseline="-25000" dirty="0"/>
-              <a:t>0</a:t>
-            </a:r>
-            <a:r>
-              <a:rPr lang="en-ES" sz="3600" dirty="0"/>
-              <a:t>cosɸ’</a:t>
-            </a:r>
-          </a:p>
-        </p:txBody>
-      </p:sp>
-      <p:sp>
-        <p:nvSpPr>
-          <p:cNvPr id="30" name="Arc 29">
-            <a:extLst>
-              <a:ext uri="{FF2B5EF4-FFF2-40B4-BE49-F238E27FC236}">
-                <a16:creationId xmlns:a16="http://schemas.microsoft.com/office/drawing/2014/main" id="{471F2308-244C-599C-E8D1-D81CA02C565C}"/>
-              </a:ext>
-            </a:extLst>
-          </p:cNvPr>
-          <p:cNvSpPr/>
-          <p:nvPr/>
-        </p:nvSpPr>
-        <p:spPr>
-          <a:xfrm>
-            <a:off x="2027258" y="4415634"/>
-            <a:ext cx="1085728" cy="1125962"/>
-          </a:xfrm>
-          <a:prstGeom prst="arc">
-            <a:avLst>
-              <a:gd name="adj1" fmla="val 19745494"/>
-              <a:gd name="adj2" fmla="val 414981"/>
-            </a:avLst>
-          </a:prstGeom>
-          <a:ln w="38100">
-            <a:solidFill>
-              <a:schemeClr val="tx1"/>
-            </a:solidFill>
-          </a:ln>
-        </p:spPr>
-        <p:style>
-          <a:lnRef idx="2">
-            <a:schemeClr val="accent1"/>
-          </a:lnRef>
-          <a:fillRef idx="0">
-            <a:schemeClr val="accent1"/>
-          </a:fillRef>
-          <a:effectRef idx="1">
-            <a:schemeClr val="accent1"/>
-          </a:effectRef>
-          <a:fontRef idx="minor">
-            <a:schemeClr val="tx1"/>
-          </a:fontRef>
-        </p:style>
-        <p:txBody>
-          <a:bodyPr rtlCol="0" anchor="ctr"/>
-          <a:lstStyle/>
-          <a:p>
-            <a:pPr algn="ctr"/>
-            <a:endParaRPr lang="en-ES"/>
-          </a:p>
-        </p:txBody>
-      </p:sp>
-      <p:cxnSp>
-        <p:nvCxnSpPr>
-          <p:cNvPr id="31" name="Straight Arrow Connector 30">
-            <a:extLst>
-              <a:ext uri="{FF2B5EF4-FFF2-40B4-BE49-F238E27FC236}">
-                <a16:creationId xmlns:a16="http://schemas.microsoft.com/office/drawing/2014/main" id="{DAB80AE4-2DA9-5C87-2446-D9AD483D5F7C}"/>
-              </a:ext>
-            </a:extLst>
-          </p:cNvPr>
-          <p:cNvCxnSpPr>
-            <a:cxnSpLocks/>
-          </p:cNvCxnSpPr>
-          <p:nvPr/>
-        </p:nvCxnSpPr>
-        <p:spPr>
-          <a:xfrm flipV="1">
-            <a:off x="2589628" y="3834198"/>
-            <a:ext cx="1708441" cy="1195002"/>
-          </a:xfrm>
-          <a:prstGeom prst="straightConnector1">
-            <a:avLst/>
-          </a:prstGeom>
-          <a:ln w="38100">
-            <a:solidFill>
-              <a:schemeClr val="tx1"/>
-            </a:solidFill>
-            <a:tailEnd type="none"/>
-          </a:ln>
-        </p:spPr>
-        <p:style>
-          <a:lnRef idx="2">
-            <a:schemeClr val="accent1"/>
-          </a:lnRef>
-          <a:fillRef idx="0">
-            <a:schemeClr val="accent1"/>
-          </a:fillRef>
-          <a:effectRef idx="1">
-            <a:schemeClr val="accent1"/>
-          </a:effectRef>
-          <a:fontRef idx="minor">
-            <a:schemeClr val="tx1"/>
-          </a:fontRef>
-        </p:style>
-      </p:cxnSp>
-      <p:sp>
-        <p:nvSpPr>
-          <p:cNvPr id="36" name="TextBox 35">
-            <a:extLst>
-              <a:ext uri="{FF2B5EF4-FFF2-40B4-BE49-F238E27FC236}">
-                <a16:creationId xmlns:a16="http://schemas.microsoft.com/office/drawing/2014/main" id="{361442C0-CDFC-75EA-BF49-A961B88188D3}"/>
-              </a:ext>
-            </a:extLst>
-          </p:cNvPr>
-          <p:cNvSpPr txBox="1"/>
-          <p:nvPr/>
-        </p:nvSpPr>
-        <p:spPr>
-          <a:xfrm>
-            <a:off x="3254860" y="4431699"/>
-            <a:ext cx="562975" cy="646331"/>
-          </a:xfrm>
-          <a:prstGeom prst="rect">
-            <a:avLst/>
-          </a:prstGeom>
-          <a:noFill/>
-        </p:spPr>
-        <p:txBody>
-          <a:bodyPr wrap="none" rtlCol="0">
-            <a:spAutoFit/>
-          </a:bodyPr>
-          <a:lstStyle/>
-          <a:p>
-            <a:r>
-              <a:rPr lang="en-ES" sz="3600" dirty="0"/>
-              <a:t>ɸ’</a:t>
-            </a:r>
-          </a:p>
-        </p:txBody>
-      </p:sp>
-      <p:sp>
-        <p:nvSpPr>
-          <p:cNvPr id="41" name="TextBox 40">
-            <a:extLst>
-              <a:ext uri="{FF2B5EF4-FFF2-40B4-BE49-F238E27FC236}">
-                <a16:creationId xmlns:a16="http://schemas.microsoft.com/office/drawing/2014/main" id="{21DF65AF-0014-9838-1F9C-FA788DF430E2}"/>
-              </a:ext>
-            </a:extLst>
-          </p:cNvPr>
-          <p:cNvSpPr txBox="1"/>
-          <p:nvPr/>
-        </p:nvSpPr>
-        <p:spPr>
-          <a:xfrm>
-            <a:off x="8895270" y="2869329"/>
-            <a:ext cx="393056" cy="646331"/>
-          </a:xfrm>
-          <a:prstGeom prst="rect">
-            <a:avLst/>
-          </a:prstGeom>
-          <a:noFill/>
-        </p:spPr>
-        <p:txBody>
-          <a:bodyPr wrap="none" rtlCol="0">
-            <a:spAutoFit/>
-          </a:bodyPr>
-          <a:lstStyle/>
-          <a:p>
-            <a:r>
-              <a:rPr lang="en-ES" sz="3600" dirty="0"/>
-              <a:t>y</a:t>
-            </a:r>
-          </a:p>
-        </p:txBody>
-      </p:sp>
-      <p:sp>
-        <p:nvSpPr>
-          <p:cNvPr id="37" name="Arc 36">
-            <a:extLst>
-              <a:ext uri="{FF2B5EF4-FFF2-40B4-BE49-F238E27FC236}">
-                <a16:creationId xmlns:a16="http://schemas.microsoft.com/office/drawing/2014/main" id="{E8940850-8C44-3553-B1C6-4AC24BCEB1E8}"/>
-              </a:ext>
-            </a:extLst>
-          </p:cNvPr>
-          <p:cNvSpPr/>
-          <p:nvPr/>
-        </p:nvSpPr>
-        <p:spPr>
-          <a:xfrm rot="15416767">
-            <a:off x="7308147" y="2797188"/>
-            <a:ext cx="1884148" cy="4222377"/>
-          </a:xfrm>
-          <a:prstGeom prst="arc">
-            <a:avLst>
-              <a:gd name="adj1" fmla="val 16931934"/>
-              <a:gd name="adj2" fmla="val 6161777"/>
-            </a:avLst>
-          </a:prstGeom>
-          <a:ln w="38100">
-            <a:gradFill>
-              <a:gsLst>
-                <a:gs pos="72000">
-                  <a:schemeClr val="accent1">
-                    <a:lumMod val="5000"/>
-                    <a:lumOff val="95000"/>
-                  </a:schemeClr>
-                </a:gs>
-                <a:gs pos="100000">
-                  <a:schemeClr val="accent1">
-                    <a:lumMod val="45000"/>
-                    <a:lumOff val="55000"/>
-                  </a:schemeClr>
-                </a:gs>
-                <a:gs pos="0">
-                  <a:srgbClr val="FF0000"/>
-                </a:gs>
-              </a:gsLst>
-              <a:lin ang="5400000" scaled="1"/>
-            </a:gradFill>
-          </a:ln>
-        </p:spPr>
-        <p:style>
-          <a:lnRef idx="2">
-            <a:schemeClr val="accent1"/>
-          </a:lnRef>
-          <a:fillRef idx="0">
-            <a:schemeClr val="accent1"/>
-          </a:fillRef>
-          <a:effectRef idx="1">
-            <a:schemeClr val="accent1"/>
-          </a:effectRef>
-          <a:fontRef idx="minor">
-            <a:schemeClr val="tx1"/>
-          </a:fontRef>
-        </p:style>
-        <p:txBody>
-          <a:bodyPr rtlCol="0" anchor="ctr"/>
-          <a:lstStyle/>
-          <a:p>
-            <a:pPr algn="ctr"/>
-            <a:endParaRPr lang="en-ES"/>
-          </a:p>
-        </p:txBody>
-      </p:sp>
-      <p:cxnSp>
-        <p:nvCxnSpPr>
-          <p:cNvPr id="38" name="Straight Arrow Connector 37">
-            <a:extLst>
-              <a:ext uri="{FF2B5EF4-FFF2-40B4-BE49-F238E27FC236}">
-                <a16:creationId xmlns:a16="http://schemas.microsoft.com/office/drawing/2014/main" id="{7F40F7C0-8F9F-5467-0AA1-54322A1B012E}"/>
-              </a:ext>
-            </a:extLst>
-          </p:cNvPr>
-          <p:cNvCxnSpPr>
-            <a:cxnSpLocks/>
-          </p:cNvCxnSpPr>
-          <p:nvPr/>
-        </p:nvCxnSpPr>
-        <p:spPr>
-          <a:xfrm flipV="1">
-            <a:off x="8226694" y="2417283"/>
-            <a:ext cx="23527" cy="2491093"/>
-          </a:xfrm>
-          <a:prstGeom prst="straightConnector1">
-            <a:avLst/>
-          </a:prstGeom>
-          <a:ln w="38100">
-            <a:solidFill>
-              <a:schemeClr val="tx1"/>
-            </a:solidFill>
-            <a:tailEnd type="triangle"/>
-          </a:ln>
-        </p:spPr>
-        <p:style>
-          <a:lnRef idx="2">
-            <a:schemeClr val="accent1"/>
-          </a:lnRef>
-          <a:fillRef idx="0">
-            <a:schemeClr val="accent1"/>
-          </a:fillRef>
-          <a:effectRef idx="1">
-            <a:schemeClr val="accent1"/>
-          </a:effectRef>
-          <a:fontRef idx="minor">
-            <a:schemeClr val="tx1"/>
-          </a:fontRef>
-        </p:style>
-      </p:cxnSp>
-      <p:cxnSp>
-        <p:nvCxnSpPr>
-          <p:cNvPr id="42" name="Straight Arrow Connector 41">
-            <a:extLst>
-              <a:ext uri="{FF2B5EF4-FFF2-40B4-BE49-F238E27FC236}">
-                <a16:creationId xmlns:a16="http://schemas.microsoft.com/office/drawing/2014/main" id="{3FF65B0D-2128-48A2-C6BF-EEFBDF5032C2}"/>
-              </a:ext>
-            </a:extLst>
-          </p:cNvPr>
-          <p:cNvCxnSpPr>
-            <a:cxnSpLocks/>
-          </p:cNvCxnSpPr>
-          <p:nvPr/>
-        </p:nvCxnSpPr>
-        <p:spPr>
-          <a:xfrm>
-            <a:off x="8226694" y="4908376"/>
-            <a:ext cx="3225269" cy="0"/>
-          </a:xfrm>
-          <a:prstGeom prst="straightConnector1">
-            <a:avLst/>
-          </a:prstGeom>
-          <a:ln w="38100">
-            <a:solidFill>
-              <a:schemeClr val="tx1"/>
-            </a:solidFill>
-            <a:tailEnd type="triangle"/>
-          </a:ln>
-        </p:spPr>
-        <p:style>
-          <a:lnRef idx="2">
-            <a:schemeClr val="accent1"/>
-          </a:lnRef>
-          <a:fillRef idx="0">
-            <a:schemeClr val="accent1"/>
-          </a:fillRef>
-          <a:effectRef idx="1">
-            <a:schemeClr val="accent1"/>
-          </a:effectRef>
-          <a:fontRef idx="minor">
-            <a:schemeClr val="tx1"/>
-          </a:fontRef>
-        </p:style>
-      </p:cxnSp>
-      <p:sp>
-        <p:nvSpPr>
-          <p:cNvPr id="43" name="TextBox 42">
-            <a:extLst>
-              <a:ext uri="{FF2B5EF4-FFF2-40B4-BE49-F238E27FC236}">
-                <a16:creationId xmlns:a16="http://schemas.microsoft.com/office/drawing/2014/main" id="{62972613-7A40-EEAD-36D6-D99B33FD04D6}"/>
-              </a:ext>
-            </a:extLst>
-          </p:cNvPr>
-          <p:cNvSpPr txBox="1"/>
-          <p:nvPr/>
-        </p:nvSpPr>
-        <p:spPr>
-          <a:xfrm>
-            <a:off x="11069866" y="4895265"/>
-            <a:ext cx="567868" cy="646331"/>
-          </a:xfrm>
-          <a:prstGeom prst="rect">
-            <a:avLst/>
-          </a:prstGeom>
-          <a:noFill/>
-        </p:spPr>
-        <p:txBody>
-          <a:bodyPr wrap="square" rtlCol="0">
-            <a:spAutoFit/>
-          </a:bodyPr>
-          <a:lstStyle/>
-          <a:p>
-            <a:r>
-              <a:rPr lang="en-ES" sz="3600" dirty="0"/>
-              <a:t>x</a:t>
-            </a:r>
-          </a:p>
-        </p:txBody>
-      </p:sp>
-      <p:cxnSp>
-        <p:nvCxnSpPr>
-          <p:cNvPr id="58" name="Straight Arrow Connector 57">
-            <a:extLst>
-              <a:ext uri="{FF2B5EF4-FFF2-40B4-BE49-F238E27FC236}">
-                <a16:creationId xmlns:a16="http://schemas.microsoft.com/office/drawing/2014/main" id="{CCA5B95B-998E-A1C6-47D1-5E353C95FAF5}"/>
-              </a:ext>
-            </a:extLst>
-          </p:cNvPr>
-          <p:cNvCxnSpPr>
-            <a:cxnSpLocks/>
-          </p:cNvCxnSpPr>
-          <p:nvPr/>
-        </p:nvCxnSpPr>
-        <p:spPr>
-          <a:xfrm flipV="1">
-            <a:off x="8231487" y="3513799"/>
-            <a:ext cx="951382" cy="1419145"/>
-          </a:xfrm>
-          <a:prstGeom prst="straightConnector1">
-            <a:avLst/>
-          </a:prstGeom>
-          <a:ln w="38100">
-            <a:solidFill>
-              <a:schemeClr val="tx1"/>
-            </a:solidFill>
-            <a:tailEnd type="triangle"/>
-          </a:ln>
-        </p:spPr>
-        <p:style>
-          <a:lnRef idx="2">
-            <a:schemeClr val="accent1"/>
-          </a:lnRef>
-          <a:fillRef idx="0">
-            <a:schemeClr val="accent1"/>
-          </a:fillRef>
-          <a:effectRef idx="1">
-            <a:schemeClr val="accent1"/>
-          </a:effectRef>
-          <a:fontRef idx="minor">
-            <a:schemeClr val="tx1"/>
-          </a:fontRef>
-        </p:style>
-      </p:cxnSp>
-      <p:sp>
-        <p:nvSpPr>
-          <p:cNvPr id="61" name="TextBox 60">
-            <a:extLst>
-              <a:ext uri="{FF2B5EF4-FFF2-40B4-BE49-F238E27FC236}">
-                <a16:creationId xmlns:a16="http://schemas.microsoft.com/office/drawing/2014/main" id="{7C0742B9-49F1-60CA-F189-435AEC7AC1F2}"/>
-              </a:ext>
-            </a:extLst>
-          </p:cNvPr>
-          <p:cNvSpPr txBox="1"/>
-          <p:nvPr/>
-        </p:nvSpPr>
-        <p:spPr>
-          <a:xfrm>
-            <a:off x="8375794" y="2033395"/>
-            <a:ext cx="386644" cy="646331"/>
-          </a:xfrm>
-          <a:prstGeom prst="rect">
-            <a:avLst/>
-          </a:prstGeom>
-          <a:noFill/>
-        </p:spPr>
-        <p:txBody>
-          <a:bodyPr wrap="none" rtlCol="0">
-            <a:spAutoFit/>
-          </a:bodyPr>
-          <a:lstStyle/>
-          <a:p>
-            <a:r>
-              <a:rPr lang="en-ES" sz="3600" dirty="0"/>
-              <a:t>z</a:t>
-            </a:r>
-          </a:p>
-        </p:txBody>
-      </p:sp>
-      <p:sp>
-        <p:nvSpPr>
-          <p:cNvPr id="63" name="Oval 62">
-            <a:extLst>
-              <a:ext uri="{FF2B5EF4-FFF2-40B4-BE49-F238E27FC236}">
-                <a16:creationId xmlns:a16="http://schemas.microsoft.com/office/drawing/2014/main" id="{4C5C545A-0A5E-81E3-07A4-D107F0ADC87A}"/>
-              </a:ext>
-            </a:extLst>
-          </p:cNvPr>
-          <p:cNvSpPr/>
-          <p:nvPr/>
-        </p:nvSpPr>
-        <p:spPr>
-          <a:xfrm>
-            <a:off x="8196111" y="3083404"/>
-            <a:ext cx="95519" cy="87688"/>
-          </a:xfrm>
-          <a:prstGeom prst="ellipse">
-            <a:avLst/>
-          </a:prstGeom>
-        </p:spPr>
-        <p:style>
-          <a:lnRef idx="2">
-            <a:schemeClr val="accent1">
-              <a:shade val="15000"/>
-            </a:schemeClr>
-          </a:lnRef>
-          <a:fillRef idx="1">
-            <a:schemeClr val="accent1"/>
-          </a:fillRef>
-          <a:effectRef idx="0">
-            <a:schemeClr val="accent1"/>
-          </a:effectRef>
-          <a:fontRef idx="minor">
-            <a:schemeClr val="lt1"/>
-          </a:fontRef>
-        </p:style>
-        <p:txBody>
-          <a:bodyPr rtlCol="0" anchor="ctr"/>
-          <a:lstStyle/>
-          <a:p>
-            <a:pPr algn="ctr"/>
-            <a:endParaRPr lang="en-ES"/>
-          </a:p>
-        </p:txBody>
-      </p:sp>
-      <p:sp>
-        <p:nvSpPr>
-          <p:cNvPr id="64" name="Oval 63">
-            <a:extLst>
-              <a:ext uri="{FF2B5EF4-FFF2-40B4-BE49-F238E27FC236}">
-                <a16:creationId xmlns:a16="http://schemas.microsoft.com/office/drawing/2014/main" id="{B9DECD15-6A90-8F2A-42EE-A001068C177B}"/>
-              </a:ext>
-            </a:extLst>
-          </p:cNvPr>
-          <p:cNvSpPr/>
-          <p:nvPr/>
-        </p:nvSpPr>
-        <p:spPr>
-          <a:xfrm>
-            <a:off x="10236623" y="4342107"/>
-            <a:ext cx="95519" cy="87688"/>
-          </a:xfrm>
-          <a:prstGeom prst="ellipse">
-            <a:avLst/>
-          </a:prstGeom>
-        </p:spPr>
-        <p:style>
-          <a:lnRef idx="2">
-            <a:schemeClr val="accent1">
-              <a:shade val="15000"/>
-            </a:schemeClr>
-          </a:lnRef>
-          <a:fillRef idx="1">
-            <a:schemeClr val="accent1"/>
-          </a:fillRef>
-          <a:effectRef idx="0">
-            <a:schemeClr val="accent1"/>
-          </a:effectRef>
-          <a:fontRef idx="minor">
-            <a:schemeClr val="lt1"/>
-          </a:fontRef>
-        </p:style>
-        <p:txBody>
-          <a:bodyPr rtlCol="0" anchor="ctr"/>
-          <a:lstStyle/>
-          <a:p>
-            <a:pPr algn="ctr"/>
-            <a:endParaRPr lang="en-ES"/>
-          </a:p>
-        </p:txBody>
-      </p:sp>
-      <p:sp>
-        <p:nvSpPr>
-          <p:cNvPr id="65" name="Oval 64">
-            <a:extLst>
-              <a:ext uri="{FF2B5EF4-FFF2-40B4-BE49-F238E27FC236}">
-                <a16:creationId xmlns:a16="http://schemas.microsoft.com/office/drawing/2014/main" id="{CBEA7EF2-4DF1-77C2-309F-A3BFC3B20BE1}"/>
-              </a:ext>
-            </a:extLst>
-          </p:cNvPr>
-          <p:cNvSpPr/>
-          <p:nvPr/>
-        </p:nvSpPr>
-        <p:spPr>
-          <a:xfrm>
-            <a:off x="6940473" y="4342107"/>
-            <a:ext cx="95519" cy="87688"/>
-          </a:xfrm>
-          <a:prstGeom prst="ellipse">
-            <a:avLst/>
-          </a:prstGeom>
-        </p:spPr>
-        <p:style>
-          <a:lnRef idx="2">
-            <a:schemeClr val="accent1">
-              <a:shade val="15000"/>
-            </a:schemeClr>
-          </a:lnRef>
-          <a:fillRef idx="1">
-            <a:schemeClr val="accent1"/>
-          </a:fillRef>
-          <a:effectRef idx="0">
-            <a:schemeClr val="accent1"/>
-          </a:effectRef>
-          <a:fontRef idx="minor">
-            <a:schemeClr val="lt1"/>
-          </a:fontRef>
-        </p:style>
-        <p:txBody>
-          <a:bodyPr rtlCol="0" anchor="ctr"/>
-          <a:lstStyle/>
-          <a:p>
-            <a:pPr algn="ctr"/>
-            <a:endParaRPr lang="en-ES"/>
-          </a:p>
-        </p:txBody>
-      </p:sp>
-      <p:cxnSp>
-        <p:nvCxnSpPr>
-          <p:cNvPr id="66" name="Straight Arrow Connector 65">
-            <a:extLst>
-              <a:ext uri="{FF2B5EF4-FFF2-40B4-BE49-F238E27FC236}">
-                <a16:creationId xmlns:a16="http://schemas.microsoft.com/office/drawing/2014/main" id="{4E6E89EA-DB65-0D6F-D0E7-B4A7A3669132}"/>
-              </a:ext>
-            </a:extLst>
-          </p:cNvPr>
-          <p:cNvCxnSpPr>
-            <a:cxnSpLocks/>
-          </p:cNvCxnSpPr>
-          <p:nvPr/>
-        </p:nvCxnSpPr>
-        <p:spPr>
-          <a:xfrm flipH="1" flipV="1">
-            <a:off x="7510690" y="2665527"/>
-            <a:ext cx="699409" cy="438811"/>
-          </a:xfrm>
-          <a:prstGeom prst="straightConnector1">
-            <a:avLst/>
-          </a:prstGeom>
-          <a:ln w="38100">
-            <a:solidFill>
-              <a:schemeClr val="tx1"/>
-            </a:solidFill>
-            <a:tailEnd type="triangle"/>
-          </a:ln>
-        </p:spPr>
-        <p:style>
-          <a:lnRef idx="2">
-            <a:schemeClr val="accent1"/>
-          </a:lnRef>
-          <a:fillRef idx="0">
-            <a:schemeClr val="accent1"/>
-          </a:fillRef>
-          <a:effectRef idx="1">
-            <a:schemeClr val="accent1"/>
-          </a:effectRef>
-          <a:fontRef idx="minor">
-            <a:schemeClr val="tx1"/>
-          </a:fontRef>
-        </p:style>
-      </p:cxnSp>
-      <p:cxnSp>
-        <p:nvCxnSpPr>
-          <p:cNvPr id="70" name="Straight Arrow Connector 69">
-            <a:extLst>
-              <a:ext uri="{FF2B5EF4-FFF2-40B4-BE49-F238E27FC236}">
-                <a16:creationId xmlns:a16="http://schemas.microsoft.com/office/drawing/2014/main" id="{057A2C09-DEA6-0010-6F4A-38BA466EE131}"/>
-              </a:ext>
-            </a:extLst>
-          </p:cNvPr>
-          <p:cNvCxnSpPr>
-            <a:cxnSpLocks/>
-            <a:endCxn id="63" idx="5"/>
-          </p:cNvCxnSpPr>
-          <p:nvPr/>
-        </p:nvCxnSpPr>
-        <p:spPr>
-          <a:xfrm flipH="1" flipV="1">
-            <a:off x="8277642" y="3158250"/>
-            <a:ext cx="1987588" cy="1217979"/>
-          </a:xfrm>
-          <a:prstGeom prst="straightConnector1">
-            <a:avLst/>
-          </a:prstGeom>
-          <a:ln w="38100">
-            <a:solidFill>
-              <a:schemeClr val="tx1"/>
-            </a:solidFill>
-            <a:prstDash val="dash"/>
-            <a:tailEnd type="none"/>
-          </a:ln>
-        </p:spPr>
-        <p:style>
-          <a:lnRef idx="2">
-            <a:schemeClr val="accent1"/>
-          </a:lnRef>
-          <a:fillRef idx="0">
-            <a:schemeClr val="accent1"/>
-          </a:fillRef>
-          <a:effectRef idx="1">
-            <a:schemeClr val="accent1"/>
-          </a:effectRef>
-          <a:fontRef idx="minor">
-            <a:schemeClr val="tx1"/>
-          </a:fontRef>
-        </p:style>
-      </p:cxnSp>
-      <p:cxnSp>
-        <p:nvCxnSpPr>
-          <p:cNvPr id="73" name="Straight Arrow Connector 72">
-            <a:extLst>
-              <a:ext uri="{FF2B5EF4-FFF2-40B4-BE49-F238E27FC236}">
-                <a16:creationId xmlns:a16="http://schemas.microsoft.com/office/drawing/2014/main" id="{574AE1CD-877A-3333-9F4B-5AB770D75161}"/>
-              </a:ext>
-            </a:extLst>
-          </p:cNvPr>
-          <p:cNvCxnSpPr>
-            <a:cxnSpLocks/>
-          </p:cNvCxnSpPr>
-          <p:nvPr/>
-        </p:nvCxnSpPr>
-        <p:spPr>
-          <a:xfrm flipH="1">
-            <a:off x="7632706" y="3151452"/>
-            <a:ext cx="585558" cy="600339"/>
-          </a:xfrm>
-          <a:prstGeom prst="straightConnector1">
-            <a:avLst/>
-          </a:prstGeom>
-          <a:ln w="38100">
-            <a:solidFill>
-              <a:schemeClr val="tx1"/>
-            </a:solidFill>
-            <a:tailEnd type="triangle"/>
-          </a:ln>
-        </p:spPr>
-        <p:style>
-          <a:lnRef idx="2">
-            <a:schemeClr val="accent1"/>
-          </a:lnRef>
-          <a:fillRef idx="0">
-            <a:schemeClr val="accent1"/>
-          </a:fillRef>
-          <a:effectRef idx="1">
-            <a:schemeClr val="accent1"/>
-          </a:effectRef>
-          <a:fontRef idx="minor">
-            <a:schemeClr val="tx1"/>
-          </a:fontRef>
-        </p:style>
-      </p:cxnSp>
-      <p:cxnSp>
-        <p:nvCxnSpPr>
-          <p:cNvPr id="76" name="Straight Arrow Connector 75">
-            <a:extLst>
-              <a:ext uri="{FF2B5EF4-FFF2-40B4-BE49-F238E27FC236}">
-                <a16:creationId xmlns:a16="http://schemas.microsoft.com/office/drawing/2014/main" id="{5EA5187D-0BEF-3AE5-F182-07B473F575C7}"/>
-              </a:ext>
-            </a:extLst>
-          </p:cNvPr>
-          <p:cNvCxnSpPr>
-            <a:cxnSpLocks/>
-            <a:endCxn id="65" idx="7"/>
-          </p:cNvCxnSpPr>
-          <p:nvPr/>
-        </p:nvCxnSpPr>
-        <p:spPr>
-          <a:xfrm flipH="1">
-            <a:off x="7022004" y="3801830"/>
-            <a:ext cx="551549" cy="553119"/>
-          </a:xfrm>
-          <a:prstGeom prst="straightConnector1">
-            <a:avLst/>
-          </a:prstGeom>
-          <a:ln w="38100">
-            <a:solidFill>
-              <a:schemeClr val="tx1"/>
-            </a:solidFill>
-            <a:prstDash val="dash"/>
-            <a:tailEnd type="none"/>
-          </a:ln>
-        </p:spPr>
-        <p:style>
-          <a:lnRef idx="2">
-            <a:schemeClr val="accent1"/>
-          </a:lnRef>
-          <a:fillRef idx="0">
-            <a:schemeClr val="accent1"/>
-          </a:fillRef>
-          <a:effectRef idx="1">
-            <a:schemeClr val="accent1"/>
-          </a:effectRef>
-          <a:fontRef idx="minor">
-            <a:schemeClr val="tx1"/>
-          </a:fontRef>
-        </p:style>
-      </p:cxnSp>
-      <p:sp>
-        <p:nvSpPr>
-          <p:cNvPr id="88" name="TextBox 87">
-            <a:extLst>
-              <a:ext uri="{FF2B5EF4-FFF2-40B4-BE49-F238E27FC236}">
-                <a16:creationId xmlns:a16="http://schemas.microsoft.com/office/drawing/2014/main" id="{62F315E5-15F5-F32A-79B4-8EB5B351B1F7}"/>
-              </a:ext>
-            </a:extLst>
-          </p:cNvPr>
-          <p:cNvSpPr txBox="1"/>
-          <p:nvPr/>
-        </p:nvSpPr>
-        <p:spPr>
-          <a:xfrm>
-            <a:off x="6086094" y="2322249"/>
-            <a:ext cx="1804276" cy="369332"/>
-          </a:xfrm>
-          <a:prstGeom prst="rect">
-            <a:avLst/>
-          </a:prstGeom>
-          <a:noFill/>
-        </p:spPr>
-        <p:txBody>
-          <a:bodyPr wrap="none" rtlCol="0">
-            <a:spAutoFit/>
-          </a:bodyPr>
-          <a:lstStyle/>
-          <a:p>
-            <a:r>
-              <a:rPr lang="en-ES" dirty="0"/>
-              <a:t>Ez&gt;0  Ey&lt;0  Ex&lt;0</a:t>
-            </a:r>
-          </a:p>
-        </p:txBody>
-      </p:sp>
-      <p:sp>
-        <p:nvSpPr>
-          <p:cNvPr id="89" name="TextBox 88">
-            <a:extLst>
-              <a:ext uri="{FF2B5EF4-FFF2-40B4-BE49-F238E27FC236}">
-                <a16:creationId xmlns:a16="http://schemas.microsoft.com/office/drawing/2014/main" id="{6F7CE4F5-D0BA-E3E3-F65E-E299F8461623}"/>
-              </a:ext>
-            </a:extLst>
-          </p:cNvPr>
-          <p:cNvSpPr txBox="1"/>
-          <p:nvPr/>
-        </p:nvSpPr>
-        <p:spPr>
-          <a:xfrm>
-            <a:off x="6038727" y="3227768"/>
-            <a:ext cx="1804276" cy="369332"/>
-          </a:xfrm>
-          <a:prstGeom prst="rect">
-            <a:avLst/>
-          </a:prstGeom>
-          <a:noFill/>
-        </p:spPr>
-        <p:txBody>
-          <a:bodyPr wrap="none" rtlCol="0">
-            <a:spAutoFit/>
-          </a:bodyPr>
-          <a:lstStyle/>
-          <a:p>
-            <a:r>
-              <a:rPr lang="en-ES" dirty="0"/>
-              <a:t>Ez&lt;0  Ey&gt;0  Ex&lt;0</a:t>
-            </a:r>
-          </a:p>
-        </p:txBody>
-      </p:sp>
-    </p:spTree>
-    <p:extLst>
-      <p:ext uri="{BB962C8B-B14F-4D97-AF65-F5344CB8AC3E}">
-        <p14:creationId xmlns:p14="http://schemas.microsoft.com/office/powerpoint/2010/main" val="650413243"/>
-      </p:ext>
-    </p:extLst>
-  </p:cSld>
-  <p:clrMapOvr>
-    <a:masterClrMapping/>
-  </p:clrMapOvr>
-</p:sld>
-</file>
-
-<file path=ppt/slides/slide30.xml><?xml version="1.0" encoding="utf-8"?>
+<file path=ppt/slides/slide33.xml><?xml version="1.0" encoding="utf-8"?>
 <p:sld xmlns:a="http://schemas.openxmlformats.org/drawingml/2006/main" xmlns:r="http://schemas.openxmlformats.org/officeDocument/2006/relationships" xmlns:p="http://schemas.openxmlformats.org/presentationml/2006/main">
   <p:cSld>
     <p:spTree>
@@ -26108,7 +29413,7 @@
 </p:sld>
 </file>
 
-<file path=ppt/slides/slide31.xml><?xml version="1.0" encoding="utf-8"?>
+<file path=ppt/slides/slide34.xml><?xml version="1.0" encoding="utf-8"?>
 <p:sld xmlns:a="http://schemas.openxmlformats.org/drawingml/2006/main" xmlns:r="http://schemas.openxmlformats.org/officeDocument/2006/relationships" xmlns:p="http://schemas.openxmlformats.org/presentationml/2006/main">
   <p:cSld>
     <p:spTree>
@@ -33250,7 +36555,7 @@
         <p:cNvPr id="1" name="">
           <a:extLst>
             <a:ext uri="{FF2B5EF4-FFF2-40B4-BE49-F238E27FC236}">
-              <a16:creationId xmlns:a16="http://schemas.microsoft.com/office/drawing/2014/main" id="{69889FA4-94A3-0B27-13B3-33BBDF7E2BCC}"/>
+              <a16:creationId xmlns:a16="http://schemas.microsoft.com/office/drawing/2014/main" id="{17F0E028-5395-54B7-7BAE-40EEA1CD1CF8}"/>
             </a:ext>
           </a:extLst>
         </p:cNvPr>
@@ -33270,7 +36575,7 @@
           <p:cNvPr id="5" name="Straight Arrow Connector 4">
             <a:extLst>
               <a:ext uri="{FF2B5EF4-FFF2-40B4-BE49-F238E27FC236}">
-                <a16:creationId xmlns:a16="http://schemas.microsoft.com/office/drawing/2014/main" id="{7E0536D3-1CA6-04A9-A9F7-3EDD86528ECA}"/>
+                <a16:creationId xmlns:a16="http://schemas.microsoft.com/office/drawing/2014/main" id="{F91B4999-8D1C-A5E6-5DEE-F900E9248934}"/>
               </a:ext>
             </a:extLst>
           </p:cNvPr>
@@ -33309,7 +36614,7 @@
           <p:cNvPr id="6" name="Oval 5">
             <a:extLst>
               <a:ext uri="{FF2B5EF4-FFF2-40B4-BE49-F238E27FC236}">
-                <a16:creationId xmlns:a16="http://schemas.microsoft.com/office/drawing/2014/main" id="{416352B9-0278-A5DB-7E2B-73367F043221}"/>
+                <a16:creationId xmlns:a16="http://schemas.microsoft.com/office/drawing/2014/main" id="{48A4ECB9-89FE-0530-E92D-D9C75CA1120E}"/>
               </a:ext>
             </a:extLst>
           </p:cNvPr>
@@ -33352,50 +36657,10 @@
       </p:sp>
       <p:sp>
         <p:nvSpPr>
-          <p:cNvPr id="7" name="TextBox 6">
-            <a:extLst>
-              <a:ext uri="{FF2B5EF4-FFF2-40B4-BE49-F238E27FC236}">
-                <a16:creationId xmlns:a16="http://schemas.microsoft.com/office/drawing/2014/main" id="{5AF0CA74-BFEF-38AC-32B2-CC690677145D}"/>
-              </a:ext>
-            </a:extLst>
-          </p:cNvPr>
-          <p:cNvSpPr txBox="1"/>
-          <p:nvPr/>
-        </p:nvSpPr>
-        <p:spPr>
-          <a:xfrm>
-            <a:off x="3313216" y="2766954"/>
-            <a:ext cx="630301" cy="584775"/>
-          </a:xfrm>
-          <a:prstGeom prst="rect">
-            <a:avLst/>
-          </a:prstGeom>
-          <a:noFill/>
-        </p:spPr>
-        <p:txBody>
-          <a:bodyPr wrap="none" rtlCol="0">
-            <a:spAutoFit/>
-          </a:bodyPr>
-          <a:lstStyle/>
-          <a:p>
-            <a:r>
-              <a:rPr lang="en-ES" sz="3200" dirty="0"/>
-              <a:t>Q</a:t>
-            </a:r>
-            <a:r>
-              <a:rPr lang="en-ES" sz="3200" baseline="-25000" dirty="0"/>
-              <a:t>c</a:t>
-            </a:r>
-            <a:endParaRPr lang="en-ES" baseline="-25000" dirty="0"/>
-          </a:p>
-        </p:txBody>
-      </p:sp>
-      <p:sp>
-        <p:nvSpPr>
           <p:cNvPr id="8" name="Oval 7">
             <a:extLst>
               <a:ext uri="{FF2B5EF4-FFF2-40B4-BE49-F238E27FC236}">
-                <a16:creationId xmlns:a16="http://schemas.microsoft.com/office/drawing/2014/main" id="{A174AE03-9BBD-DE77-305D-830E5C607F80}"/>
+                <a16:creationId xmlns:a16="http://schemas.microsoft.com/office/drawing/2014/main" id="{BA0A8A43-9104-9091-3A91-2DA5C713F727}"/>
               </a:ext>
             </a:extLst>
           </p:cNvPr>
@@ -33403,19 +36668,43 @@
           <p:nvPr/>
         </p:nvSpPr>
         <p:spPr>
-          <a:xfrm>
+          <a:xfrm rot="1306733">
             <a:off x="2303811" y="2006930"/>
             <a:ext cx="2743200" cy="2743200"/>
           </a:xfrm>
           <a:prstGeom prst="ellipse">
             <a:avLst/>
           </a:prstGeom>
-          <a:noFill/>
+          <a:gradFill flip="none" rotWithShape="1">
+            <a:gsLst>
+              <a:gs pos="0">
+                <a:schemeClr val="accent1">
+                  <a:lumMod val="0"/>
+                  <a:lumOff val="100000"/>
+                </a:schemeClr>
+              </a:gs>
+              <a:gs pos="51000">
+                <a:schemeClr val="accent1">
+                  <a:lumMod val="0"/>
+                  <a:lumOff val="100000"/>
+                </a:schemeClr>
+              </a:gs>
+              <a:gs pos="78000">
+                <a:schemeClr val="bg1">
+                  <a:lumMod val="75000"/>
+                </a:schemeClr>
+              </a:gs>
+            </a:gsLst>
+            <a:path path="circle">
+              <a:fillToRect l="50000" t="-80000" r="50000" b="180000"/>
+            </a:path>
+            <a:tileRect/>
+          </a:gradFill>
           <a:ln w="38100" cap="flat" cmpd="sng" algn="ctr">
             <a:solidFill>
-              <a:srgbClr val="FF0000"/>
+              <a:schemeClr val="tx1"/>
             </a:solidFill>
-            <a:prstDash val="dash"/>
+            <a:prstDash val="solid"/>
             <a:round/>
             <a:headEnd type="none" w="med" len="med"/>
             <a:tailEnd type="none" w="med" len="med"/>
@@ -33446,178 +36735,10 @@
       </p:sp>
       <p:sp>
         <p:nvSpPr>
-          <p:cNvPr id="9" name="Oval 8">
-            <a:extLst>
-              <a:ext uri="{FF2B5EF4-FFF2-40B4-BE49-F238E27FC236}">
-                <a16:creationId xmlns:a16="http://schemas.microsoft.com/office/drawing/2014/main" id="{879E03BB-97C3-D26E-879C-39903F779F46}"/>
-              </a:ext>
-            </a:extLst>
-          </p:cNvPr>
-          <p:cNvSpPr/>
-          <p:nvPr/>
-        </p:nvSpPr>
-        <p:spPr>
-          <a:xfrm>
-            <a:off x="8393875" y="3275611"/>
-            <a:ext cx="166255" cy="178129"/>
-          </a:xfrm>
-          <a:prstGeom prst="ellipse">
-            <a:avLst/>
-          </a:prstGeom>
-        </p:spPr>
-        <p:style>
-          <a:lnRef idx="2">
-            <a:schemeClr val="accent1">
-              <a:shade val="15000"/>
-            </a:schemeClr>
-          </a:lnRef>
-          <a:fillRef idx="1">
-            <a:schemeClr val="accent1"/>
-          </a:fillRef>
-          <a:effectRef idx="0">
-            <a:schemeClr val="accent1"/>
-          </a:effectRef>
-          <a:fontRef idx="minor">
-            <a:schemeClr val="lt1"/>
-          </a:fontRef>
-        </p:style>
-        <p:txBody>
-          <a:bodyPr rtlCol="0" anchor="ctr"/>
-          <a:lstStyle/>
-          <a:p>
-            <a:pPr algn="ctr"/>
-            <a:endParaRPr lang="en-ES"/>
-          </a:p>
-        </p:txBody>
-      </p:sp>
-      <p:sp>
-        <p:nvSpPr>
-          <p:cNvPr id="10" name="TextBox 9">
-            <a:extLst>
-              <a:ext uri="{FF2B5EF4-FFF2-40B4-BE49-F238E27FC236}">
-                <a16:creationId xmlns:a16="http://schemas.microsoft.com/office/drawing/2014/main" id="{3E74B357-6356-AE37-B2C0-120DD01583F3}"/>
-              </a:ext>
-            </a:extLst>
-          </p:cNvPr>
-          <p:cNvSpPr txBox="1"/>
-          <p:nvPr/>
-        </p:nvSpPr>
-        <p:spPr>
-          <a:xfrm>
-            <a:off x="8455233" y="2731320"/>
-            <a:ext cx="415498" cy="584775"/>
-          </a:xfrm>
-          <a:prstGeom prst="rect">
-            <a:avLst/>
-          </a:prstGeom>
-          <a:noFill/>
-        </p:spPr>
-        <p:txBody>
-          <a:bodyPr wrap="none" rtlCol="0">
-            <a:spAutoFit/>
-          </a:bodyPr>
-          <a:lstStyle/>
-          <a:p>
-            <a:r>
-              <a:rPr lang="en-ES" sz="3200" dirty="0"/>
-              <a:t>q</a:t>
-            </a:r>
-            <a:endParaRPr lang="en-ES" dirty="0"/>
-          </a:p>
-        </p:txBody>
-      </p:sp>
-      <p:sp>
-        <p:nvSpPr>
-          <p:cNvPr id="11" name="Oval 10">
-            <a:extLst>
-              <a:ext uri="{FF2B5EF4-FFF2-40B4-BE49-F238E27FC236}">
-                <a16:creationId xmlns:a16="http://schemas.microsoft.com/office/drawing/2014/main" id="{C76BFBD9-26ED-C71D-2CB5-DB4FCD8EC4C2}"/>
-              </a:ext>
-            </a:extLst>
-          </p:cNvPr>
-          <p:cNvSpPr/>
-          <p:nvPr/>
-        </p:nvSpPr>
-        <p:spPr>
-          <a:xfrm>
-            <a:off x="4342410" y="3273631"/>
-            <a:ext cx="166255" cy="178129"/>
-          </a:xfrm>
-          <a:prstGeom prst="ellipse">
-            <a:avLst/>
-          </a:prstGeom>
-        </p:spPr>
-        <p:style>
-          <a:lnRef idx="2">
-            <a:schemeClr val="accent1">
-              <a:shade val="15000"/>
-            </a:schemeClr>
-          </a:lnRef>
-          <a:fillRef idx="1">
-            <a:schemeClr val="accent1"/>
-          </a:fillRef>
-          <a:effectRef idx="0">
-            <a:schemeClr val="accent1"/>
-          </a:effectRef>
-          <a:fontRef idx="minor">
-            <a:schemeClr val="lt1"/>
-          </a:fontRef>
-        </p:style>
-        <p:txBody>
-          <a:bodyPr rtlCol="0" anchor="ctr"/>
-          <a:lstStyle/>
-          <a:p>
-            <a:pPr algn="ctr"/>
-            <a:endParaRPr lang="en-ES"/>
-          </a:p>
-        </p:txBody>
-      </p:sp>
-      <p:sp>
-        <p:nvSpPr>
-          <p:cNvPr id="12" name="TextBox 11">
-            <a:extLst>
-              <a:ext uri="{FF2B5EF4-FFF2-40B4-BE49-F238E27FC236}">
-                <a16:creationId xmlns:a16="http://schemas.microsoft.com/office/drawing/2014/main" id="{53A5E995-2486-8581-86D1-86DFCE887A52}"/>
-              </a:ext>
-            </a:extLst>
-          </p:cNvPr>
-          <p:cNvSpPr txBox="1"/>
-          <p:nvPr/>
-        </p:nvSpPr>
-        <p:spPr>
-          <a:xfrm>
-            <a:off x="4391893" y="2729340"/>
-            <a:ext cx="502061" cy="584775"/>
-          </a:xfrm>
-          <a:prstGeom prst="rect">
-            <a:avLst/>
-          </a:prstGeom>
-          <a:noFill/>
-        </p:spPr>
-        <p:txBody>
-          <a:bodyPr wrap="none" rtlCol="0">
-            <a:spAutoFit/>
-          </a:bodyPr>
-          <a:lstStyle/>
-          <a:p>
-            <a:r>
-              <a:rPr lang="en-GB" sz="3200" dirty="0"/>
-              <a:t>q</a:t>
-            </a:r>
-            <a:r>
-              <a:rPr lang="en-ES" sz="3200" dirty="0"/>
-              <a:t>'</a:t>
-            </a:r>
-            <a:endParaRPr lang="en-ES" dirty="0"/>
-          </a:p>
-        </p:txBody>
-      </p:sp>
-      <p:sp>
-        <p:nvSpPr>
           <p:cNvPr id="13" name="Left Bracket 12">
             <a:extLst>
               <a:ext uri="{FF2B5EF4-FFF2-40B4-BE49-F238E27FC236}">
-                <a16:creationId xmlns:a16="http://schemas.microsoft.com/office/drawing/2014/main" id="{901B6797-B2C5-8CC6-E87F-12A34EC8C021}"/>
+                <a16:creationId xmlns:a16="http://schemas.microsoft.com/office/drawing/2014/main" id="{FEC87CDB-E423-8628-A4EB-C7593548A430}"/>
               </a:ext>
             </a:extLst>
           </p:cNvPr>
@@ -33662,7 +36783,7 @@
           <p:cNvPr id="14" name="Left Bracket 13">
             <a:extLst>
               <a:ext uri="{FF2B5EF4-FFF2-40B4-BE49-F238E27FC236}">
-                <a16:creationId xmlns:a16="http://schemas.microsoft.com/office/drawing/2014/main" id="{B928EA57-D132-F49F-B3BC-E198CA32CF39}"/>
+                <a16:creationId xmlns:a16="http://schemas.microsoft.com/office/drawing/2014/main" id="{11B6C7EE-5901-3819-5251-7AAE6700190A}"/>
               </a:ext>
             </a:extLst>
           </p:cNvPr>
@@ -33704,10 +36825,273 @@
       </p:sp>
       <p:sp>
         <p:nvSpPr>
-          <p:cNvPr id="15" name="Left Bracket 14">
-            <a:extLst>
-              <a:ext uri="{FF2B5EF4-FFF2-40B4-BE49-F238E27FC236}">
-                <a16:creationId xmlns:a16="http://schemas.microsoft.com/office/drawing/2014/main" id="{5FAB0A46-6D9D-CA8F-EFDF-C21BF408A283}"/>
+          <p:cNvPr id="16" name="TextBox 15">
+            <a:extLst>
+              <a:ext uri="{FF2B5EF4-FFF2-40B4-BE49-F238E27FC236}">
+                <a16:creationId xmlns:a16="http://schemas.microsoft.com/office/drawing/2014/main" id="{4AFF0E63-C42D-DC91-6C3A-19FA57731BC5}"/>
+              </a:ext>
+            </a:extLst>
+          </p:cNvPr>
+          <p:cNvSpPr txBox="1"/>
+          <p:nvPr/>
+        </p:nvSpPr>
+        <p:spPr>
+          <a:xfrm>
+            <a:off x="5864433" y="5413165"/>
+            <a:ext cx="415498" cy="584775"/>
+          </a:xfrm>
+          <a:prstGeom prst="rect">
+            <a:avLst/>
+          </a:prstGeom>
+          <a:noFill/>
+        </p:spPr>
+        <p:txBody>
+          <a:bodyPr wrap="none" rtlCol="0">
+            <a:spAutoFit/>
+          </a:bodyPr>
+          <a:lstStyle/>
+          <a:p>
+            <a:r>
+              <a:rPr lang="en-ES" sz="3200" dirty="0"/>
+              <a:t>d</a:t>
+            </a:r>
+            <a:endParaRPr lang="en-ES" dirty="0"/>
+          </a:p>
+        </p:txBody>
+      </p:sp>
+      <p:sp>
+        <p:nvSpPr>
+          <p:cNvPr id="18" name="TextBox 17">
+            <a:extLst>
+              <a:ext uri="{FF2B5EF4-FFF2-40B4-BE49-F238E27FC236}">
+                <a16:creationId xmlns:a16="http://schemas.microsoft.com/office/drawing/2014/main" id="{D9A33F38-EBAD-4FBB-FEAA-D1EC08F2DB66}"/>
+              </a:ext>
+            </a:extLst>
+          </p:cNvPr>
+          <p:cNvSpPr txBox="1"/>
+          <p:nvPr/>
+        </p:nvSpPr>
+        <p:spPr>
+          <a:xfrm>
+            <a:off x="4176158" y="4805544"/>
+            <a:ext cx="402674" cy="584775"/>
+          </a:xfrm>
+          <a:prstGeom prst="rect">
+            <a:avLst/>
+          </a:prstGeom>
+          <a:noFill/>
+        </p:spPr>
+        <p:txBody>
+          <a:bodyPr wrap="none" rtlCol="0">
+            <a:spAutoFit/>
+          </a:bodyPr>
+          <a:lstStyle/>
+          <a:p>
+            <a:r>
+              <a:rPr lang="en-ES" sz="3200" dirty="0"/>
+              <a:t>a</a:t>
+            </a:r>
+            <a:endParaRPr lang="en-ES" dirty="0"/>
+          </a:p>
+        </p:txBody>
+      </p:sp>
+      <p:grpSp>
+        <p:nvGrpSpPr>
+          <p:cNvPr id="25" name="Group 24">
+            <a:extLst>
+              <a:ext uri="{FF2B5EF4-FFF2-40B4-BE49-F238E27FC236}">
+                <a16:creationId xmlns:a16="http://schemas.microsoft.com/office/drawing/2014/main" id="{D51006C2-03FC-31E4-7322-107656802A73}"/>
+              </a:ext>
+            </a:extLst>
+          </p:cNvPr>
+          <p:cNvGrpSpPr/>
+          <p:nvPr/>
+        </p:nvGrpSpPr>
+        <p:grpSpPr>
+          <a:xfrm>
+            <a:off x="2396837" y="5011387"/>
+            <a:ext cx="476989" cy="164275"/>
+            <a:chOff x="2325585" y="5248894"/>
+            <a:chExt cx="476989" cy="164275"/>
+          </a:xfrm>
+        </p:grpSpPr>
+        <p:cxnSp>
+          <p:nvCxnSpPr>
+            <p:cNvPr id="20" name="Straight Connector 19">
+              <a:extLst>
+                <a:ext uri="{FF2B5EF4-FFF2-40B4-BE49-F238E27FC236}">
+                  <a16:creationId xmlns:a16="http://schemas.microsoft.com/office/drawing/2014/main" id="{D74C6A82-1617-4C19-C602-84733210A2DE}"/>
+                </a:ext>
+              </a:extLst>
+            </p:cNvPr>
+            <p:cNvCxnSpPr/>
+            <p:nvPr/>
+          </p:nvCxnSpPr>
+          <p:spPr>
+            <a:xfrm>
+              <a:off x="2327561" y="5248894"/>
+              <a:ext cx="475013" cy="0"/>
+            </a:xfrm>
+            <a:prstGeom prst="line">
+              <a:avLst/>
+            </a:prstGeom>
+            <a:ln w="38100">
+              <a:solidFill>
+                <a:schemeClr val="tx1"/>
+              </a:solidFill>
+            </a:ln>
+          </p:spPr>
+          <p:style>
+            <a:lnRef idx="2">
+              <a:schemeClr val="accent1"/>
+            </a:lnRef>
+            <a:fillRef idx="0">
+              <a:schemeClr val="accent1"/>
+            </a:fillRef>
+            <a:effectRef idx="1">
+              <a:schemeClr val="accent1"/>
+            </a:effectRef>
+            <a:fontRef idx="minor">
+              <a:schemeClr val="tx1"/>
+            </a:fontRef>
+          </p:style>
+        </p:cxnSp>
+        <p:cxnSp>
+          <p:nvCxnSpPr>
+            <p:cNvPr id="21" name="Straight Connector 20">
+              <a:extLst>
+                <a:ext uri="{FF2B5EF4-FFF2-40B4-BE49-F238E27FC236}">
+                  <a16:creationId xmlns:a16="http://schemas.microsoft.com/office/drawing/2014/main" id="{D8E9D098-2DF8-5E40-FE80-176E5FA4326F}"/>
+                </a:ext>
+              </a:extLst>
+            </p:cNvPr>
+            <p:cNvCxnSpPr>
+              <a:cxnSpLocks/>
+            </p:cNvCxnSpPr>
+            <p:nvPr/>
+          </p:nvCxnSpPr>
+          <p:spPr>
+            <a:xfrm flipV="1">
+              <a:off x="2325585" y="5248894"/>
+              <a:ext cx="120732" cy="164275"/>
+            </a:xfrm>
+            <a:prstGeom prst="line">
+              <a:avLst/>
+            </a:prstGeom>
+            <a:ln w="38100">
+              <a:solidFill>
+                <a:schemeClr val="tx1"/>
+              </a:solidFill>
+            </a:ln>
+          </p:spPr>
+          <p:style>
+            <a:lnRef idx="2">
+              <a:schemeClr val="accent1"/>
+            </a:lnRef>
+            <a:fillRef idx="0">
+              <a:schemeClr val="accent1"/>
+            </a:fillRef>
+            <a:effectRef idx="1">
+              <a:schemeClr val="accent1"/>
+            </a:effectRef>
+            <a:fontRef idx="minor">
+              <a:schemeClr val="tx1"/>
+            </a:fontRef>
+          </p:style>
+        </p:cxnSp>
+        <p:cxnSp>
+          <p:nvCxnSpPr>
+            <p:cNvPr id="23" name="Straight Connector 22">
+              <a:extLst>
+                <a:ext uri="{FF2B5EF4-FFF2-40B4-BE49-F238E27FC236}">
+                  <a16:creationId xmlns:a16="http://schemas.microsoft.com/office/drawing/2014/main" id="{1AC72D70-DB0C-C8C6-5025-5B21F2D546C5}"/>
+                </a:ext>
+              </a:extLst>
+            </p:cNvPr>
+            <p:cNvCxnSpPr>
+              <a:cxnSpLocks/>
+            </p:cNvCxnSpPr>
+            <p:nvPr/>
+          </p:nvCxnSpPr>
+          <p:spPr>
+            <a:xfrm flipV="1">
+              <a:off x="2477985" y="5248894"/>
+              <a:ext cx="120732" cy="164275"/>
+            </a:xfrm>
+            <a:prstGeom prst="line">
+              <a:avLst/>
+            </a:prstGeom>
+            <a:ln w="38100">
+              <a:solidFill>
+                <a:schemeClr val="tx1"/>
+              </a:solidFill>
+            </a:ln>
+          </p:spPr>
+          <p:style>
+            <a:lnRef idx="2">
+              <a:schemeClr val="accent1"/>
+            </a:lnRef>
+            <a:fillRef idx="0">
+              <a:schemeClr val="accent1"/>
+            </a:fillRef>
+            <a:effectRef idx="1">
+              <a:schemeClr val="accent1"/>
+            </a:effectRef>
+            <a:fontRef idx="minor">
+              <a:schemeClr val="tx1"/>
+            </a:fontRef>
+          </p:style>
+        </p:cxnSp>
+        <p:cxnSp>
+          <p:nvCxnSpPr>
+            <p:cNvPr id="24" name="Straight Connector 23">
+              <a:extLst>
+                <a:ext uri="{FF2B5EF4-FFF2-40B4-BE49-F238E27FC236}">
+                  <a16:creationId xmlns:a16="http://schemas.microsoft.com/office/drawing/2014/main" id="{B1C8CEF7-E6EB-9D94-3AA9-04263D907132}"/>
+                </a:ext>
+              </a:extLst>
+            </p:cNvPr>
+            <p:cNvCxnSpPr>
+              <a:cxnSpLocks/>
+            </p:cNvCxnSpPr>
+            <p:nvPr/>
+          </p:nvCxnSpPr>
+          <p:spPr>
+            <a:xfrm flipV="1">
+              <a:off x="2630385" y="5248894"/>
+              <a:ext cx="120732" cy="164275"/>
+            </a:xfrm>
+            <a:prstGeom prst="line">
+              <a:avLst/>
+            </a:prstGeom>
+            <a:ln w="38100">
+              <a:solidFill>
+                <a:schemeClr val="tx1"/>
+              </a:solidFill>
+            </a:ln>
+          </p:spPr>
+          <p:style>
+            <a:lnRef idx="2">
+              <a:schemeClr val="accent1"/>
+            </a:lnRef>
+            <a:fillRef idx="0">
+              <a:schemeClr val="accent1"/>
+            </a:fillRef>
+            <a:effectRef idx="1">
+              <a:schemeClr val="accent1"/>
+            </a:effectRef>
+            <a:fontRef idx="minor">
+              <a:schemeClr val="tx1"/>
+            </a:fontRef>
+          </p:style>
+        </p:cxnSp>
+      </p:grpSp>
+      <p:sp>
+        <p:nvSpPr>
+          <p:cNvPr id="26" name="Arc 25">
+            <a:extLst>
+              <a:ext uri="{FF2B5EF4-FFF2-40B4-BE49-F238E27FC236}">
+                <a16:creationId xmlns:a16="http://schemas.microsoft.com/office/drawing/2014/main" id="{58497FC4-AFC2-F0D1-AF26-FA0D84683CE1}"/>
               </a:ext>
             </a:extLst>
           </p:cNvPr>
@@ -33715,14 +37099,21 @@
           <p:nvPr/>
         </p:nvSpPr>
         <p:spPr>
-          <a:xfrm rot="16200000">
-            <a:off x="3980215" y="3422070"/>
-            <a:ext cx="191984" cy="797627"/>
-          </a:xfrm>
-          <a:prstGeom prst="leftBracket">
-            <a:avLst/>
-          </a:prstGeom>
-          <a:ln w="38100"/>
+          <a:xfrm>
+            <a:off x="2612570" y="4180114"/>
+            <a:ext cx="1721923" cy="1626919"/>
+          </a:xfrm>
+          <a:prstGeom prst="arc">
+            <a:avLst>
+              <a:gd name="adj1" fmla="val 10736342"/>
+              <a:gd name="adj2" fmla="val 13215760"/>
+            </a:avLst>
+          </a:prstGeom>
+          <a:ln w="38100">
+            <a:solidFill>
+              <a:schemeClr val="tx1"/>
+            </a:solidFill>
+          </a:ln>
         </p:spPr>
         <p:style>
           <a:lnRef idx="2">
@@ -33743,210 +37134,178 @@
           <a:lstStyle/>
           <a:p>
             <a:pPr algn="ctr"/>
-            <a:endParaRPr lang="en-ES" dirty="0"/>
-          </a:p>
-        </p:txBody>
-      </p:sp>
-      <p:sp>
-        <p:nvSpPr>
-          <p:cNvPr id="16" name="TextBox 15">
-            <a:extLst>
-              <a:ext uri="{FF2B5EF4-FFF2-40B4-BE49-F238E27FC236}">
-                <a16:creationId xmlns:a16="http://schemas.microsoft.com/office/drawing/2014/main" id="{C903BB8F-207F-59E8-D0E1-6FD5922AC969}"/>
-              </a:ext>
-            </a:extLst>
-          </p:cNvPr>
-          <p:cNvSpPr txBox="1"/>
-          <p:nvPr/>
-        </p:nvSpPr>
-        <p:spPr>
-          <a:xfrm>
-            <a:off x="5864433" y="5413165"/>
-            <a:ext cx="415498" cy="584775"/>
-          </a:xfrm>
-          <a:prstGeom prst="rect">
-            <a:avLst/>
-          </a:prstGeom>
-          <a:noFill/>
-        </p:spPr>
-        <p:txBody>
-          <a:bodyPr wrap="none" rtlCol="0">
-            <a:spAutoFit/>
-          </a:bodyPr>
+            <a:endParaRPr lang="en-ES"/>
+          </a:p>
+        </p:txBody>
+      </p:sp>
+      <p:sp>
+        <p:nvSpPr>
+          <p:cNvPr id="2" name="Title 1">
+            <a:extLst>
+              <a:ext uri="{FF2B5EF4-FFF2-40B4-BE49-F238E27FC236}">
+                <a16:creationId xmlns:a16="http://schemas.microsoft.com/office/drawing/2014/main" id="{FFAC7286-4C07-603E-109C-49A7106537DD}"/>
+              </a:ext>
+            </a:extLst>
+          </p:cNvPr>
+          <p:cNvSpPr>
+            <a:spLocks noGrp="1"/>
+          </p:cNvSpPr>
+          <p:nvPr>
+            <p:ph type="title"/>
+          </p:nvPr>
+        </p:nvSpPr>
+        <p:spPr/>
+        <p:txBody>
+          <a:bodyPr/>
           <a:lstStyle/>
           <a:p>
             <a:r>
-              <a:rPr lang="en-ES" sz="3200" dirty="0"/>
-              <a:t>d</a:t>
+              <a:rPr lang="en-ES" dirty="0"/>
+              <a:t>B2.S3.3</a:t>
             </a:r>
-            <a:endParaRPr lang="en-ES" dirty="0"/>
-          </a:p>
-        </p:txBody>
-      </p:sp>
-      <p:sp>
-        <p:nvSpPr>
-          <p:cNvPr id="17" name="TextBox 16">
-            <a:extLst>
-              <a:ext uri="{FF2B5EF4-FFF2-40B4-BE49-F238E27FC236}">
-                <a16:creationId xmlns:a16="http://schemas.microsoft.com/office/drawing/2014/main" id="{A229CB29-F312-EFA2-D2C7-F9B5ACD79377}"/>
-              </a:ext>
-            </a:extLst>
-          </p:cNvPr>
-          <p:cNvSpPr txBox="1"/>
-          <p:nvPr/>
-        </p:nvSpPr>
-        <p:spPr>
-          <a:xfrm>
-            <a:off x="3831773" y="3831768"/>
-            <a:ext cx="502061" cy="584775"/>
-          </a:xfrm>
-          <a:prstGeom prst="rect">
-            <a:avLst/>
-          </a:prstGeom>
-          <a:noFill/>
-        </p:spPr>
-        <p:txBody>
-          <a:bodyPr wrap="none" rtlCol="0">
-            <a:spAutoFit/>
-          </a:bodyPr>
-          <a:lstStyle/>
-          <a:p>
-            <a:r>
-              <a:rPr lang="en-ES" sz="3200" dirty="0"/>
-              <a:t>d'</a:t>
-            </a:r>
-          </a:p>
-        </p:txBody>
-      </p:sp>
-      <p:sp>
-        <p:nvSpPr>
-          <p:cNvPr id="18" name="TextBox 17">
-            <a:extLst>
-              <a:ext uri="{FF2B5EF4-FFF2-40B4-BE49-F238E27FC236}">
-                <a16:creationId xmlns:a16="http://schemas.microsoft.com/office/drawing/2014/main" id="{6A737DBC-C0D2-970A-B1F1-C5B5510F22B2}"/>
-              </a:ext>
-            </a:extLst>
-          </p:cNvPr>
-          <p:cNvSpPr txBox="1"/>
-          <p:nvPr/>
-        </p:nvSpPr>
-        <p:spPr>
-          <a:xfrm>
-            <a:off x="4176158" y="4805544"/>
-            <a:ext cx="402674" cy="584775"/>
-          </a:xfrm>
-          <a:prstGeom prst="rect">
-            <a:avLst/>
-          </a:prstGeom>
-          <a:noFill/>
-        </p:spPr>
-        <p:txBody>
-          <a:bodyPr wrap="none" rtlCol="0">
-            <a:spAutoFit/>
-          </a:bodyPr>
-          <a:lstStyle/>
-          <a:p>
-            <a:r>
-              <a:rPr lang="en-ES" sz="3200" dirty="0"/>
-              <a:t>a</a:t>
-            </a:r>
-            <a:endParaRPr lang="en-ES" dirty="0"/>
-          </a:p>
-        </p:txBody>
-      </p:sp>
-      <p:sp>
-        <p:nvSpPr>
-          <p:cNvPr id="2" name="TextBox 1">
-            <a:extLst>
-              <a:ext uri="{FF2B5EF4-FFF2-40B4-BE49-F238E27FC236}">
-                <a16:creationId xmlns:a16="http://schemas.microsoft.com/office/drawing/2014/main" id="{063B39E7-D5F1-0552-DD13-B087F95D5B30}"/>
-              </a:ext>
-            </a:extLst>
-          </p:cNvPr>
-          <p:cNvSpPr txBox="1"/>
-          <p:nvPr/>
-        </p:nvSpPr>
-        <p:spPr>
-          <a:xfrm>
-            <a:off x="2551216" y="1731821"/>
-            <a:ext cx="425116" cy="584775"/>
-          </a:xfrm>
-          <a:prstGeom prst="rect">
-            <a:avLst/>
-          </a:prstGeom>
-          <a:noFill/>
-        </p:spPr>
-        <p:txBody>
-          <a:bodyPr wrap="none" rtlCol="0">
-            <a:spAutoFit/>
-          </a:bodyPr>
-          <a:lstStyle/>
-          <a:p>
-            <a:r>
-              <a:rPr lang="en-ES" sz="3200" dirty="0"/>
-              <a:t>V</a:t>
-            </a:r>
-            <a:endParaRPr lang="en-ES" dirty="0"/>
-          </a:p>
-        </p:txBody>
-      </p:sp>
-      <p:sp>
-        <p:nvSpPr>
-          <p:cNvPr id="3" name="Title 1">
-            <a:extLst>
-              <a:ext uri="{FF2B5EF4-FFF2-40B4-BE49-F238E27FC236}">
-                <a16:creationId xmlns:a16="http://schemas.microsoft.com/office/drawing/2014/main" id="{66F2875F-A8EC-019C-8AAE-F2FCAAF7F0F1}"/>
-              </a:ext>
-            </a:extLst>
-          </p:cNvPr>
-          <p:cNvSpPr txBox="1">
-            <a:spLocks/>
-          </p:cNvSpPr>
-          <p:nvPr/>
-        </p:nvSpPr>
-        <p:spPr>
-          <a:xfrm>
-            <a:off x="838200" y="365125"/>
-            <a:ext cx="10515600" cy="1325563"/>
-          </a:xfrm>
-          <a:prstGeom prst="rect">
-            <a:avLst/>
-          </a:prstGeom>
-        </p:spPr>
-        <p:txBody>
-          <a:bodyPr/>
-          <a:lstStyle>
-            <a:lvl1pPr algn="l" defTabSz="914400" rtl="0" eaLnBrk="1" latinLnBrk="0" hangingPunct="1">
-              <a:lnSpc>
-                <a:spcPct val="90000"/>
-              </a:lnSpc>
-              <a:spcBef>
-                <a:spcPct val="0"/>
-              </a:spcBef>
-              <a:buNone/>
-              <a:defRPr sz="4400" kern="1200">
-                <a:solidFill>
-                  <a:schemeClr val="tx1"/>
-                </a:solidFill>
-                <a:latin typeface="+mj-lt"/>
-                <a:ea typeface="+mj-ea"/>
-                <a:cs typeface="+mj-cs"/>
-              </a:defRPr>
-            </a:lvl1pPr>
-          </a:lstStyle>
-          <a:p>
-            <a:r>
-              <a:rPr lang="en-ES"/>
-              <a:t>B2.S3.2</a:t>
-            </a:r>
-            <a:endParaRPr lang="en-ES" dirty="0"/>
-          </a:p>
-        </p:txBody>
-      </p:sp>
+          </a:p>
+        </p:txBody>
+      </p:sp>
+      <p:cxnSp>
+        <p:nvCxnSpPr>
+          <p:cNvPr id="4" name="Straight Arrow Connector 3">
+            <a:extLst>
+              <a:ext uri="{FF2B5EF4-FFF2-40B4-BE49-F238E27FC236}">
+                <a16:creationId xmlns:a16="http://schemas.microsoft.com/office/drawing/2014/main" id="{85AADE78-E113-DEC9-AD9D-160B067C4587}"/>
+              </a:ext>
+            </a:extLst>
+          </p:cNvPr>
+          <p:cNvCxnSpPr>
+            <a:cxnSpLocks/>
+          </p:cNvCxnSpPr>
+          <p:nvPr/>
+        </p:nvCxnSpPr>
+        <p:spPr>
+          <a:xfrm>
+            <a:off x="8273640" y="3371850"/>
+            <a:ext cx="402771" cy="0"/>
+          </a:xfrm>
+          <a:prstGeom prst="straightConnector1">
+            <a:avLst/>
+          </a:prstGeom>
+          <a:ln w="76200">
+            <a:solidFill>
+              <a:schemeClr val="tx1"/>
+            </a:solidFill>
+            <a:tailEnd type="triangle"/>
+          </a:ln>
+        </p:spPr>
+        <p:style>
+          <a:lnRef idx="2">
+            <a:schemeClr val="accent1"/>
+          </a:lnRef>
+          <a:fillRef idx="0">
+            <a:schemeClr val="accent1"/>
+          </a:fillRef>
+          <a:effectRef idx="1">
+            <a:schemeClr val="accent1"/>
+          </a:effectRef>
+          <a:fontRef idx="minor">
+            <a:schemeClr val="tx1"/>
+          </a:fontRef>
+        </p:style>
+      </p:cxnSp>
+      <p:grpSp>
+        <p:nvGrpSpPr>
+          <p:cNvPr id="11" name="Group 10">
+            <a:extLst>
+              <a:ext uri="{FF2B5EF4-FFF2-40B4-BE49-F238E27FC236}">
+                <a16:creationId xmlns:a16="http://schemas.microsoft.com/office/drawing/2014/main" id="{499544AB-2EE1-43E3-7383-03F01B10AF1C}"/>
+              </a:ext>
+            </a:extLst>
+          </p:cNvPr>
+          <p:cNvGrpSpPr/>
+          <p:nvPr/>
+        </p:nvGrpSpPr>
+        <p:grpSpPr>
+          <a:xfrm>
+            <a:off x="8220918" y="2492215"/>
+            <a:ext cx="492443" cy="714419"/>
+            <a:chOff x="6807375" y="1908879"/>
+            <a:chExt cx="492443" cy="714419"/>
+          </a:xfrm>
+        </p:grpSpPr>
+        <p:sp>
+          <p:nvSpPr>
+            <p:cNvPr id="12" name="TextBox 11">
+              <a:extLst>
+                <a:ext uri="{FF2B5EF4-FFF2-40B4-BE49-F238E27FC236}">
+                  <a16:creationId xmlns:a16="http://schemas.microsoft.com/office/drawing/2014/main" id="{31223301-A876-C3D4-F1BD-1536006F187A}"/>
+                </a:ext>
+              </a:extLst>
+            </p:cNvPr>
+            <p:cNvSpPr txBox="1"/>
+            <p:nvPr/>
+          </p:nvSpPr>
+          <p:spPr>
+            <a:xfrm>
+              <a:off x="6807375" y="1976967"/>
+              <a:ext cx="444352" cy="646331"/>
+            </a:xfrm>
+            <a:prstGeom prst="rect">
+              <a:avLst/>
+            </a:prstGeom>
+            <a:noFill/>
+          </p:spPr>
+          <p:txBody>
+            <a:bodyPr wrap="none" rtlCol="0">
+              <a:spAutoFit/>
+            </a:bodyPr>
+            <a:lstStyle/>
+            <a:p>
+              <a:r>
+                <a:rPr lang="en-ES" sz="3600" dirty="0"/>
+                <a:t>p</a:t>
+              </a:r>
+              <a:endParaRPr lang="en-ES" sz="3600" baseline="-25000" dirty="0"/>
+            </a:p>
+          </p:txBody>
+        </p:sp>
+        <p:sp>
+          <p:nvSpPr>
+            <p:cNvPr id="15" name="TextBox 14">
+              <a:extLst>
+                <a:ext uri="{FF2B5EF4-FFF2-40B4-BE49-F238E27FC236}">
+                  <a16:creationId xmlns:a16="http://schemas.microsoft.com/office/drawing/2014/main" id="{D3A09910-D6BB-DDC0-501A-723DE574B347}"/>
+                </a:ext>
+              </a:extLst>
+            </p:cNvPr>
+            <p:cNvSpPr txBox="1"/>
+            <p:nvPr/>
+          </p:nvSpPr>
+          <p:spPr>
+            <a:xfrm>
+              <a:off x="6807375" y="1908879"/>
+              <a:ext cx="492443" cy="461665"/>
+            </a:xfrm>
+            <a:prstGeom prst="rect">
+              <a:avLst/>
+            </a:prstGeom>
+            <a:noFill/>
+          </p:spPr>
+          <p:txBody>
+            <a:bodyPr wrap="square" rtlCol="0">
+              <a:spAutoFit/>
+            </a:bodyPr>
+            <a:lstStyle/>
+            <a:p>
+              <a:r>
+                <a:rPr lang="en-ES" sz="2400" dirty="0"/>
+                <a:t>➝</a:t>
+              </a:r>
+            </a:p>
+          </p:txBody>
+        </p:sp>
+      </p:grpSp>
     </p:spTree>
     <p:extLst>
       <p:ext uri="{BB962C8B-B14F-4D97-AF65-F5344CB8AC3E}">
-        <p14:creationId xmlns:p14="http://schemas.microsoft.com/office/powerpoint/2010/main" val="2209225578"/>
+        <p14:creationId xmlns:p14="http://schemas.microsoft.com/office/powerpoint/2010/main" val="2999156905"/>
       </p:ext>
     </p:extLst>
   </p:cSld>

--- a/images/Images.pptx
+++ b/images/Images.pptx
@@ -19,26 +19,28 @@
     <p:sldId id="257" r:id="rId13"/>
     <p:sldId id="289" r:id="rId14"/>
     <p:sldId id="290" r:id="rId15"/>
-    <p:sldId id="259" r:id="rId16"/>
-    <p:sldId id="260" r:id="rId17"/>
-    <p:sldId id="262" r:id="rId18"/>
-    <p:sldId id="261" r:id="rId19"/>
-    <p:sldId id="263" r:id="rId20"/>
-    <p:sldId id="264" r:id="rId21"/>
-    <p:sldId id="265" r:id="rId22"/>
-    <p:sldId id="266" r:id="rId23"/>
-    <p:sldId id="268" r:id="rId24"/>
-    <p:sldId id="269" r:id="rId25"/>
-    <p:sldId id="270" r:id="rId26"/>
-    <p:sldId id="271" r:id="rId27"/>
-    <p:sldId id="272" r:id="rId28"/>
-    <p:sldId id="273" r:id="rId29"/>
-    <p:sldId id="274" r:id="rId30"/>
-    <p:sldId id="275" r:id="rId31"/>
-    <p:sldId id="276" r:id="rId32"/>
-    <p:sldId id="277" r:id="rId33"/>
-    <p:sldId id="278" r:id="rId34"/>
-    <p:sldId id="279" r:id="rId35"/>
+    <p:sldId id="291" r:id="rId16"/>
+    <p:sldId id="292" r:id="rId17"/>
+    <p:sldId id="259" r:id="rId18"/>
+    <p:sldId id="260" r:id="rId19"/>
+    <p:sldId id="262" r:id="rId20"/>
+    <p:sldId id="261" r:id="rId21"/>
+    <p:sldId id="263" r:id="rId22"/>
+    <p:sldId id="264" r:id="rId23"/>
+    <p:sldId id="265" r:id="rId24"/>
+    <p:sldId id="266" r:id="rId25"/>
+    <p:sldId id="268" r:id="rId26"/>
+    <p:sldId id="269" r:id="rId27"/>
+    <p:sldId id="270" r:id="rId28"/>
+    <p:sldId id="271" r:id="rId29"/>
+    <p:sldId id="272" r:id="rId30"/>
+    <p:sldId id="273" r:id="rId31"/>
+    <p:sldId id="274" r:id="rId32"/>
+    <p:sldId id="275" r:id="rId33"/>
+    <p:sldId id="276" r:id="rId34"/>
+    <p:sldId id="277" r:id="rId35"/>
+    <p:sldId id="278" r:id="rId36"/>
+    <p:sldId id="279" r:id="rId37"/>
   </p:sldIdLst>
   <p:sldSz cx="12192000" cy="6858000"/>
   <p:notesSz cx="6858000" cy="9144000"/>
@@ -294,7 +296,7 @@
           <a:p>
             <a:fld id="{BA48513D-C823-C342-87AA-C2EB607FA67A}" type="datetimeFigureOut">
               <a:rPr lang="en-ES" smtClean="0"/>
-              <a:t>6/10/25</a:t>
+              <a:t>7/10/25</a:t>
             </a:fld>
             <a:endParaRPr lang="en-ES"/>
           </a:p>
@@ -494,7 +496,7 @@
           <a:p>
             <a:fld id="{BA48513D-C823-C342-87AA-C2EB607FA67A}" type="datetimeFigureOut">
               <a:rPr lang="en-ES" smtClean="0"/>
-              <a:t>6/10/25</a:t>
+              <a:t>7/10/25</a:t>
             </a:fld>
             <a:endParaRPr lang="en-ES"/>
           </a:p>
@@ -704,7 +706,7 @@
           <a:p>
             <a:fld id="{BA48513D-C823-C342-87AA-C2EB607FA67A}" type="datetimeFigureOut">
               <a:rPr lang="en-ES" smtClean="0"/>
-              <a:t>6/10/25</a:t>
+              <a:t>7/10/25</a:t>
             </a:fld>
             <a:endParaRPr lang="en-ES"/>
           </a:p>
@@ -904,7 +906,7 @@
           <a:p>
             <a:fld id="{BA48513D-C823-C342-87AA-C2EB607FA67A}" type="datetimeFigureOut">
               <a:rPr lang="en-ES" smtClean="0"/>
-              <a:t>6/10/25</a:t>
+              <a:t>7/10/25</a:t>
             </a:fld>
             <a:endParaRPr lang="en-ES"/>
           </a:p>
@@ -1180,7 +1182,7 @@
           <a:p>
             <a:fld id="{BA48513D-C823-C342-87AA-C2EB607FA67A}" type="datetimeFigureOut">
               <a:rPr lang="en-ES" smtClean="0"/>
-              <a:t>6/10/25</a:t>
+              <a:t>7/10/25</a:t>
             </a:fld>
             <a:endParaRPr lang="en-ES"/>
           </a:p>
@@ -1448,7 +1450,7 @@
           <a:p>
             <a:fld id="{BA48513D-C823-C342-87AA-C2EB607FA67A}" type="datetimeFigureOut">
               <a:rPr lang="en-ES" smtClean="0"/>
-              <a:t>6/10/25</a:t>
+              <a:t>7/10/25</a:t>
             </a:fld>
             <a:endParaRPr lang="en-ES"/>
           </a:p>
@@ -1863,7 +1865,7 @@
           <a:p>
             <a:fld id="{BA48513D-C823-C342-87AA-C2EB607FA67A}" type="datetimeFigureOut">
               <a:rPr lang="en-ES" smtClean="0"/>
-              <a:t>6/10/25</a:t>
+              <a:t>7/10/25</a:t>
             </a:fld>
             <a:endParaRPr lang="en-ES"/>
           </a:p>
@@ -2005,7 +2007,7 @@
           <a:p>
             <a:fld id="{BA48513D-C823-C342-87AA-C2EB607FA67A}" type="datetimeFigureOut">
               <a:rPr lang="en-ES" smtClean="0"/>
-              <a:t>6/10/25</a:t>
+              <a:t>7/10/25</a:t>
             </a:fld>
             <a:endParaRPr lang="en-ES"/>
           </a:p>
@@ -2118,7 +2120,7 @@
           <a:p>
             <a:fld id="{BA48513D-C823-C342-87AA-C2EB607FA67A}" type="datetimeFigureOut">
               <a:rPr lang="en-ES" smtClean="0"/>
-              <a:t>6/10/25</a:t>
+              <a:t>7/10/25</a:t>
             </a:fld>
             <a:endParaRPr lang="en-ES"/>
           </a:p>
@@ -2431,7 +2433,7 @@
           <a:p>
             <a:fld id="{BA48513D-C823-C342-87AA-C2EB607FA67A}" type="datetimeFigureOut">
               <a:rPr lang="en-ES" smtClean="0"/>
-              <a:t>6/10/25</a:t>
+              <a:t>7/10/25</a:t>
             </a:fld>
             <a:endParaRPr lang="en-ES"/>
           </a:p>
@@ -2720,7 +2722,7 @@
           <a:p>
             <a:fld id="{BA48513D-C823-C342-87AA-C2EB607FA67A}" type="datetimeFigureOut">
               <a:rPr lang="en-ES" smtClean="0"/>
-              <a:t>6/10/25</a:t>
+              <a:t>7/10/25</a:t>
             </a:fld>
             <a:endParaRPr lang="en-ES"/>
           </a:p>
@@ -2963,7 +2965,7 @@
           <a:p>
             <a:fld id="{BA48513D-C823-C342-87AA-C2EB607FA67A}" type="datetimeFigureOut">
               <a:rPr lang="en-ES" smtClean="0"/>
-              <a:t>6/10/25</a:t>
+              <a:t>7/10/25</a:t>
             </a:fld>
             <a:endParaRPr lang="en-ES"/>
           </a:p>
@@ -9303,6 +9305,1757 @@
   <p:cSld>
     <p:spTree>
       <p:nvGrpSpPr>
+        <p:cNvPr id="1" name="">
+          <a:extLst>
+            <a:ext uri="{FF2B5EF4-FFF2-40B4-BE49-F238E27FC236}">
+              <a16:creationId xmlns:a16="http://schemas.microsoft.com/office/drawing/2014/main" id="{13D4C58B-F1B4-D0D3-36DE-F10D3DEA8197}"/>
+            </a:ext>
+          </a:extLst>
+        </p:cNvPr>
+        <p:cNvGrpSpPr/>
+        <p:nvPr/>
+      </p:nvGrpSpPr>
+      <p:grpSpPr>
+        <a:xfrm>
+          <a:off x="0" y="0"/>
+          <a:ext cx="0" cy="0"/>
+          <a:chOff x="0" y="0"/>
+          <a:chExt cx="0" cy="0"/>
+        </a:xfrm>
+      </p:grpSpPr>
+      <p:cxnSp>
+        <p:nvCxnSpPr>
+          <p:cNvPr id="5" name="Straight Arrow Connector 4">
+            <a:extLst>
+              <a:ext uri="{FF2B5EF4-FFF2-40B4-BE49-F238E27FC236}">
+                <a16:creationId xmlns:a16="http://schemas.microsoft.com/office/drawing/2014/main" id="{53E10824-F862-54E0-4E0B-615C9B137BB2}"/>
+              </a:ext>
+            </a:extLst>
+          </p:cNvPr>
+          <p:cNvCxnSpPr>
+            <a:cxnSpLocks/>
+          </p:cNvCxnSpPr>
+          <p:nvPr/>
+        </p:nvCxnSpPr>
+        <p:spPr>
+          <a:xfrm>
+            <a:off x="1728788" y="3371850"/>
+            <a:ext cx="7371669" cy="57150"/>
+          </a:xfrm>
+          <a:prstGeom prst="straightConnector1">
+            <a:avLst/>
+          </a:prstGeom>
+          <a:ln w="38100">
+            <a:tailEnd type="triangle"/>
+          </a:ln>
+        </p:spPr>
+        <p:style>
+          <a:lnRef idx="2">
+            <a:schemeClr val="accent1"/>
+          </a:lnRef>
+          <a:fillRef idx="0">
+            <a:schemeClr val="accent1"/>
+          </a:fillRef>
+          <a:effectRef idx="1">
+            <a:schemeClr val="accent1"/>
+          </a:effectRef>
+          <a:fontRef idx="minor">
+            <a:schemeClr val="tx1"/>
+          </a:fontRef>
+        </p:style>
+      </p:cxnSp>
+      <p:sp>
+        <p:nvSpPr>
+          <p:cNvPr id="6" name="Oval 5">
+            <a:extLst>
+              <a:ext uri="{FF2B5EF4-FFF2-40B4-BE49-F238E27FC236}">
+                <a16:creationId xmlns:a16="http://schemas.microsoft.com/office/drawing/2014/main" id="{839B425D-92DA-E284-4EB0-A1A29EC83699}"/>
+              </a:ext>
+            </a:extLst>
+          </p:cNvPr>
+          <p:cNvSpPr/>
+          <p:nvPr/>
+        </p:nvSpPr>
+        <p:spPr>
+          <a:xfrm>
+            <a:off x="3598223" y="3277590"/>
+            <a:ext cx="166255" cy="178129"/>
+          </a:xfrm>
+          <a:prstGeom prst="ellipse">
+            <a:avLst/>
+          </a:prstGeom>
+        </p:spPr>
+        <p:style>
+          <a:lnRef idx="2">
+            <a:schemeClr val="accent1">
+              <a:shade val="15000"/>
+            </a:schemeClr>
+          </a:lnRef>
+          <a:fillRef idx="1">
+            <a:schemeClr val="accent1"/>
+          </a:fillRef>
+          <a:effectRef idx="0">
+            <a:schemeClr val="accent1"/>
+          </a:effectRef>
+          <a:fontRef idx="minor">
+            <a:schemeClr val="lt1"/>
+          </a:fontRef>
+        </p:style>
+        <p:txBody>
+          <a:bodyPr rtlCol="0" anchor="ctr"/>
+          <a:lstStyle/>
+          <a:p>
+            <a:pPr algn="ctr"/>
+            <a:endParaRPr lang="en-ES"/>
+          </a:p>
+        </p:txBody>
+      </p:sp>
+      <p:sp>
+        <p:nvSpPr>
+          <p:cNvPr id="8" name="Oval 7">
+            <a:extLst>
+              <a:ext uri="{FF2B5EF4-FFF2-40B4-BE49-F238E27FC236}">
+                <a16:creationId xmlns:a16="http://schemas.microsoft.com/office/drawing/2014/main" id="{805A3DCF-4E47-1458-BF2D-49A7F1DE22D1}"/>
+              </a:ext>
+            </a:extLst>
+          </p:cNvPr>
+          <p:cNvSpPr/>
+          <p:nvPr/>
+        </p:nvSpPr>
+        <p:spPr>
+          <a:xfrm rot="1306733">
+            <a:off x="2303811" y="2006930"/>
+            <a:ext cx="2743200" cy="2743200"/>
+          </a:xfrm>
+          <a:prstGeom prst="ellipse">
+            <a:avLst/>
+          </a:prstGeom>
+          <a:gradFill flip="none" rotWithShape="1">
+            <a:gsLst>
+              <a:gs pos="0">
+                <a:schemeClr val="accent1">
+                  <a:lumMod val="0"/>
+                  <a:lumOff val="100000"/>
+                </a:schemeClr>
+              </a:gs>
+              <a:gs pos="51000">
+                <a:schemeClr val="accent1">
+                  <a:lumMod val="0"/>
+                  <a:lumOff val="100000"/>
+                </a:schemeClr>
+              </a:gs>
+              <a:gs pos="78000">
+                <a:schemeClr val="bg1">
+                  <a:lumMod val="75000"/>
+                </a:schemeClr>
+              </a:gs>
+            </a:gsLst>
+            <a:path path="circle">
+              <a:fillToRect l="50000" t="-80000" r="50000" b="180000"/>
+            </a:path>
+            <a:tileRect/>
+          </a:gradFill>
+          <a:ln w="38100" cap="flat" cmpd="sng" algn="ctr">
+            <a:solidFill>
+              <a:schemeClr val="tx1"/>
+            </a:solidFill>
+            <a:prstDash val="solid"/>
+            <a:round/>
+            <a:headEnd type="none" w="med" len="med"/>
+            <a:tailEnd type="none" w="med" len="med"/>
+          </a:ln>
+        </p:spPr>
+        <p:style>
+          <a:lnRef idx="0">
+            <a:scrgbClr r="0" g="0" b="0"/>
+          </a:lnRef>
+          <a:fillRef idx="0">
+            <a:scrgbClr r="0" g="0" b="0"/>
+          </a:fillRef>
+          <a:effectRef idx="0">
+            <a:scrgbClr r="0" g="0" b="0"/>
+          </a:effectRef>
+          <a:fontRef idx="minor">
+            <a:schemeClr val="dk1"/>
+          </a:fontRef>
+        </p:style>
+        <p:txBody>
+          <a:bodyPr rtlCol="0" anchor="ctr"/>
+          <a:lstStyle/>
+          <a:p>
+            <a:pPr algn="ctr"/>
+            <a:endParaRPr lang="en-ES"/>
+          </a:p>
+        </p:txBody>
+      </p:sp>
+      <p:sp>
+        <p:nvSpPr>
+          <p:cNvPr id="13" name="Left Bracket 12">
+            <a:extLst>
+              <a:ext uri="{FF2B5EF4-FFF2-40B4-BE49-F238E27FC236}">
+                <a16:creationId xmlns:a16="http://schemas.microsoft.com/office/drawing/2014/main" id="{632F96D0-C79E-A7F3-2838-A5D0FD386AFC}"/>
+              </a:ext>
+            </a:extLst>
+          </p:cNvPr>
+          <p:cNvSpPr/>
+          <p:nvPr/>
+        </p:nvSpPr>
+        <p:spPr>
+          <a:xfrm rot="16200000">
+            <a:off x="4912488" y="4075413"/>
+            <a:ext cx="160057" cy="2574830"/>
+          </a:xfrm>
+          <a:prstGeom prst="leftBracket">
+            <a:avLst/>
+          </a:prstGeom>
+          <a:ln w="38100"/>
+        </p:spPr>
+        <p:style>
+          <a:lnRef idx="2">
+            <a:schemeClr val="accent1"/>
+          </a:lnRef>
+          <a:fillRef idx="0">
+            <a:schemeClr val="accent1"/>
+          </a:fillRef>
+          <a:effectRef idx="1">
+            <a:schemeClr val="accent1"/>
+          </a:effectRef>
+          <a:fontRef idx="minor">
+            <a:schemeClr val="tx1"/>
+          </a:fontRef>
+        </p:style>
+        <p:txBody>
+          <a:bodyPr rtlCol="0" anchor="ctr"/>
+          <a:lstStyle/>
+          <a:p>
+            <a:pPr algn="ctr"/>
+            <a:endParaRPr lang="en-ES" dirty="0"/>
+          </a:p>
+        </p:txBody>
+      </p:sp>
+      <p:sp>
+        <p:nvSpPr>
+          <p:cNvPr id="14" name="Left Bracket 13">
+            <a:extLst>
+              <a:ext uri="{FF2B5EF4-FFF2-40B4-BE49-F238E27FC236}">
+                <a16:creationId xmlns:a16="http://schemas.microsoft.com/office/drawing/2014/main" id="{169D7876-41E0-DFCF-FEBD-A01CED3DC083}"/>
+              </a:ext>
+            </a:extLst>
+          </p:cNvPr>
+          <p:cNvSpPr/>
+          <p:nvPr/>
+        </p:nvSpPr>
+        <p:spPr>
+          <a:xfrm rot="16200000">
+            <a:off x="4273138" y="4213760"/>
+            <a:ext cx="168235" cy="1332018"/>
+          </a:xfrm>
+          <a:prstGeom prst="leftBracket">
+            <a:avLst/>
+          </a:prstGeom>
+          <a:ln w="38100"/>
+        </p:spPr>
+        <p:style>
+          <a:lnRef idx="2">
+            <a:schemeClr val="accent1"/>
+          </a:lnRef>
+          <a:fillRef idx="0">
+            <a:schemeClr val="accent1"/>
+          </a:fillRef>
+          <a:effectRef idx="1">
+            <a:schemeClr val="accent1"/>
+          </a:effectRef>
+          <a:fontRef idx="minor">
+            <a:schemeClr val="tx1"/>
+          </a:fontRef>
+        </p:style>
+        <p:txBody>
+          <a:bodyPr rtlCol="0" anchor="ctr"/>
+          <a:lstStyle/>
+          <a:p>
+            <a:pPr algn="ctr"/>
+            <a:endParaRPr lang="en-ES" dirty="0"/>
+          </a:p>
+        </p:txBody>
+      </p:sp>
+      <p:sp>
+        <p:nvSpPr>
+          <p:cNvPr id="16" name="TextBox 15">
+            <a:extLst>
+              <a:ext uri="{FF2B5EF4-FFF2-40B4-BE49-F238E27FC236}">
+                <a16:creationId xmlns:a16="http://schemas.microsoft.com/office/drawing/2014/main" id="{8865AE9A-6893-F71A-D235-734A919BFBCE}"/>
+              </a:ext>
+            </a:extLst>
+          </p:cNvPr>
+          <p:cNvSpPr txBox="1"/>
+          <p:nvPr/>
+        </p:nvSpPr>
+        <p:spPr>
+          <a:xfrm>
+            <a:off x="4782856" y="5346775"/>
+            <a:ext cx="622286" cy="584775"/>
+          </a:xfrm>
+          <a:prstGeom prst="rect">
+            <a:avLst/>
+          </a:prstGeom>
+          <a:noFill/>
+        </p:spPr>
+        <p:txBody>
+          <a:bodyPr wrap="none" rtlCol="0">
+            <a:spAutoFit/>
+          </a:bodyPr>
+          <a:lstStyle/>
+          <a:p>
+            <a:r>
+              <a:rPr lang="en-ES" sz="3200" dirty="0"/>
+              <a:t>2a</a:t>
+            </a:r>
+            <a:endParaRPr lang="en-ES" dirty="0"/>
+          </a:p>
+        </p:txBody>
+      </p:sp>
+      <p:sp>
+        <p:nvSpPr>
+          <p:cNvPr id="18" name="TextBox 17">
+            <a:extLst>
+              <a:ext uri="{FF2B5EF4-FFF2-40B4-BE49-F238E27FC236}">
+                <a16:creationId xmlns:a16="http://schemas.microsoft.com/office/drawing/2014/main" id="{9E8AF4CB-727E-ABEA-491E-DAD832404655}"/>
+              </a:ext>
+            </a:extLst>
+          </p:cNvPr>
+          <p:cNvSpPr txBox="1"/>
+          <p:nvPr/>
+        </p:nvSpPr>
+        <p:spPr>
+          <a:xfrm>
+            <a:off x="4176158" y="4805544"/>
+            <a:ext cx="402674" cy="584775"/>
+          </a:xfrm>
+          <a:prstGeom prst="rect">
+            <a:avLst/>
+          </a:prstGeom>
+          <a:noFill/>
+        </p:spPr>
+        <p:txBody>
+          <a:bodyPr wrap="none" rtlCol="0">
+            <a:spAutoFit/>
+          </a:bodyPr>
+          <a:lstStyle/>
+          <a:p>
+            <a:r>
+              <a:rPr lang="en-ES" sz="3200" dirty="0"/>
+              <a:t>a</a:t>
+            </a:r>
+            <a:endParaRPr lang="en-ES" dirty="0"/>
+          </a:p>
+        </p:txBody>
+      </p:sp>
+      <p:grpSp>
+        <p:nvGrpSpPr>
+          <p:cNvPr id="25" name="Group 24">
+            <a:extLst>
+              <a:ext uri="{FF2B5EF4-FFF2-40B4-BE49-F238E27FC236}">
+                <a16:creationId xmlns:a16="http://schemas.microsoft.com/office/drawing/2014/main" id="{3AE74486-B8F6-7A75-2660-46A54E8365ED}"/>
+              </a:ext>
+            </a:extLst>
+          </p:cNvPr>
+          <p:cNvGrpSpPr/>
+          <p:nvPr/>
+        </p:nvGrpSpPr>
+        <p:grpSpPr>
+          <a:xfrm>
+            <a:off x="2396837" y="5011387"/>
+            <a:ext cx="476989" cy="164275"/>
+            <a:chOff x="2325585" y="5248894"/>
+            <a:chExt cx="476989" cy="164275"/>
+          </a:xfrm>
+        </p:grpSpPr>
+        <p:cxnSp>
+          <p:nvCxnSpPr>
+            <p:cNvPr id="20" name="Straight Connector 19">
+              <a:extLst>
+                <a:ext uri="{FF2B5EF4-FFF2-40B4-BE49-F238E27FC236}">
+                  <a16:creationId xmlns:a16="http://schemas.microsoft.com/office/drawing/2014/main" id="{C5D47759-6207-BD08-854F-9BC31063F4B0}"/>
+                </a:ext>
+              </a:extLst>
+            </p:cNvPr>
+            <p:cNvCxnSpPr/>
+            <p:nvPr/>
+          </p:nvCxnSpPr>
+          <p:spPr>
+            <a:xfrm>
+              <a:off x="2327561" y="5248894"/>
+              <a:ext cx="475013" cy="0"/>
+            </a:xfrm>
+            <a:prstGeom prst="line">
+              <a:avLst/>
+            </a:prstGeom>
+            <a:ln w="38100">
+              <a:solidFill>
+                <a:schemeClr val="tx1"/>
+              </a:solidFill>
+            </a:ln>
+          </p:spPr>
+          <p:style>
+            <a:lnRef idx="2">
+              <a:schemeClr val="accent1"/>
+            </a:lnRef>
+            <a:fillRef idx="0">
+              <a:schemeClr val="accent1"/>
+            </a:fillRef>
+            <a:effectRef idx="1">
+              <a:schemeClr val="accent1"/>
+            </a:effectRef>
+            <a:fontRef idx="minor">
+              <a:schemeClr val="tx1"/>
+            </a:fontRef>
+          </p:style>
+        </p:cxnSp>
+        <p:cxnSp>
+          <p:nvCxnSpPr>
+            <p:cNvPr id="21" name="Straight Connector 20">
+              <a:extLst>
+                <a:ext uri="{FF2B5EF4-FFF2-40B4-BE49-F238E27FC236}">
+                  <a16:creationId xmlns:a16="http://schemas.microsoft.com/office/drawing/2014/main" id="{2F213D21-0DC4-2594-C7F1-0BC9DC64B960}"/>
+                </a:ext>
+              </a:extLst>
+            </p:cNvPr>
+            <p:cNvCxnSpPr>
+              <a:cxnSpLocks/>
+            </p:cNvCxnSpPr>
+            <p:nvPr/>
+          </p:nvCxnSpPr>
+          <p:spPr>
+            <a:xfrm flipV="1">
+              <a:off x="2325585" y="5248894"/>
+              <a:ext cx="120732" cy="164275"/>
+            </a:xfrm>
+            <a:prstGeom prst="line">
+              <a:avLst/>
+            </a:prstGeom>
+            <a:ln w="38100">
+              <a:solidFill>
+                <a:schemeClr val="tx1"/>
+              </a:solidFill>
+            </a:ln>
+          </p:spPr>
+          <p:style>
+            <a:lnRef idx="2">
+              <a:schemeClr val="accent1"/>
+            </a:lnRef>
+            <a:fillRef idx="0">
+              <a:schemeClr val="accent1"/>
+            </a:fillRef>
+            <a:effectRef idx="1">
+              <a:schemeClr val="accent1"/>
+            </a:effectRef>
+            <a:fontRef idx="minor">
+              <a:schemeClr val="tx1"/>
+            </a:fontRef>
+          </p:style>
+        </p:cxnSp>
+        <p:cxnSp>
+          <p:nvCxnSpPr>
+            <p:cNvPr id="23" name="Straight Connector 22">
+              <a:extLst>
+                <a:ext uri="{FF2B5EF4-FFF2-40B4-BE49-F238E27FC236}">
+                  <a16:creationId xmlns:a16="http://schemas.microsoft.com/office/drawing/2014/main" id="{04A51959-3224-3F98-DC7A-585BC8A008DD}"/>
+                </a:ext>
+              </a:extLst>
+            </p:cNvPr>
+            <p:cNvCxnSpPr>
+              <a:cxnSpLocks/>
+            </p:cNvCxnSpPr>
+            <p:nvPr/>
+          </p:nvCxnSpPr>
+          <p:spPr>
+            <a:xfrm flipV="1">
+              <a:off x="2477985" y="5248894"/>
+              <a:ext cx="120732" cy="164275"/>
+            </a:xfrm>
+            <a:prstGeom prst="line">
+              <a:avLst/>
+            </a:prstGeom>
+            <a:ln w="38100">
+              <a:solidFill>
+                <a:schemeClr val="tx1"/>
+              </a:solidFill>
+            </a:ln>
+          </p:spPr>
+          <p:style>
+            <a:lnRef idx="2">
+              <a:schemeClr val="accent1"/>
+            </a:lnRef>
+            <a:fillRef idx="0">
+              <a:schemeClr val="accent1"/>
+            </a:fillRef>
+            <a:effectRef idx="1">
+              <a:schemeClr val="accent1"/>
+            </a:effectRef>
+            <a:fontRef idx="minor">
+              <a:schemeClr val="tx1"/>
+            </a:fontRef>
+          </p:style>
+        </p:cxnSp>
+        <p:cxnSp>
+          <p:nvCxnSpPr>
+            <p:cNvPr id="24" name="Straight Connector 23">
+              <a:extLst>
+                <a:ext uri="{FF2B5EF4-FFF2-40B4-BE49-F238E27FC236}">
+                  <a16:creationId xmlns:a16="http://schemas.microsoft.com/office/drawing/2014/main" id="{AD935FBA-C630-6CAB-2510-4F559014EEA8}"/>
+                </a:ext>
+              </a:extLst>
+            </p:cNvPr>
+            <p:cNvCxnSpPr>
+              <a:cxnSpLocks/>
+            </p:cNvCxnSpPr>
+            <p:nvPr/>
+          </p:nvCxnSpPr>
+          <p:spPr>
+            <a:xfrm flipV="1">
+              <a:off x="2630385" y="5248894"/>
+              <a:ext cx="120732" cy="164275"/>
+            </a:xfrm>
+            <a:prstGeom prst="line">
+              <a:avLst/>
+            </a:prstGeom>
+            <a:ln w="38100">
+              <a:solidFill>
+                <a:schemeClr val="tx1"/>
+              </a:solidFill>
+            </a:ln>
+          </p:spPr>
+          <p:style>
+            <a:lnRef idx="2">
+              <a:schemeClr val="accent1"/>
+            </a:lnRef>
+            <a:fillRef idx="0">
+              <a:schemeClr val="accent1"/>
+            </a:fillRef>
+            <a:effectRef idx="1">
+              <a:schemeClr val="accent1"/>
+            </a:effectRef>
+            <a:fontRef idx="minor">
+              <a:schemeClr val="tx1"/>
+            </a:fontRef>
+          </p:style>
+        </p:cxnSp>
+      </p:grpSp>
+      <p:sp>
+        <p:nvSpPr>
+          <p:cNvPr id="26" name="Arc 25">
+            <a:extLst>
+              <a:ext uri="{FF2B5EF4-FFF2-40B4-BE49-F238E27FC236}">
+                <a16:creationId xmlns:a16="http://schemas.microsoft.com/office/drawing/2014/main" id="{D6D540A3-5A4D-0ABB-72B7-15557E669A3E}"/>
+              </a:ext>
+            </a:extLst>
+          </p:cNvPr>
+          <p:cNvSpPr/>
+          <p:nvPr/>
+        </p:nvSpPr>
+        <p:spPr>
+          <a:xfrm>
+            <a:off x="2612570" y="4180114"/>
+            <a:ext cx="1721923" cy="1626919"/>
+          </a:xfrm>
+          <a:prstGeom prst="arc">
+            <a:avLst>
+              <a:gd name="adj1" fmla="val 10736342"/>
+              <a:gd name="adj2" fmla="val 13215760"/>
+            </a:avLst>
+          </a:prstGeom>
+          <a:ln w="38100">
+            <a:solidFill>
+              <a:schemeClr val="tx1"/>
+            </a:solidFill>
+          </a:ln>
+        </p:spPr>
+        <p:style>
+          <a:lnRef idx="2">
+            <a:schemeClr val="accent1"/>
+          </a:lnRef>
+          <a:fillRef idx="0">
+            <a:schemeClr val="accent1"/>
+          </a:fillRef>
+          <a:effectRef idx="1">
+            <a:schemeClr val="accent1"/>
+          </a:effectRef>
+          <a:fontRef idx="minor">
+            <a:schemeClr val="tx1"/>
+          </a:fontRef>
+        </p:style>
+        <p:txBody>
+          <a:bodyPr rtlCol="0" anchor="ctr"/>
+          <a:lstStyle/>
+          <a:p>
+            <a:pPr algn="ctr"/>
+            <a:endParaRPr lang="en-ES"/>
+          </a:p>
+        </p:txBody>
+      </p:sp>
+      <p:sp>
+        <p:nvSpPr>
+          <p:cNvPr id="2" name="Title 1">
+            <a:extLst>
+              <a:ext uri="{FF2B5EF4-FFF2-40B4-BE49-F238E27FC236}">
+                <a16:creationId xmlns:a16="http://schemas.microsoft.com/office/drawing/2014/main" id="{74B3CF6A-DCF4-E0A4-6D1E-D162EA3B22E8}"/>
+              </a:ext>
+            </a:extLst>
+          </p:cNvPr>
+          <p:cNvSpPr>
+            <a:spLocks noGrp="1"/>
+          </p:cNvSpPr>
+          <p:nvPr>
+            <p:ph type="title"/>
+          </p:nvPr>
+        </p:nvSpPr>
+        <p:spPr/>
+        <p:txBody>
+          <a:bodyPr/>
+          <a:lstStyle/>
+          <a:p>
+            <a:r>
+              <a:rPr lang="en-ES" dirty="0"/>
+              <a:t>B2.S4.1</a:t>
+            </a:r>
+          </a:p>
+        </p:txBody>
+      </p:sp>
+      <p:sp>
+        <p:nvSpPr>
+          <p:cNvPr id="3" name="Left Bracket 2">
+            <a:extLst>
+              <a:ext uri="{FF2B5EF4-FFF2-40B4-BE49-F238E27FC236}">
+                <a16:creationId xmlns:a16="http://schemas.microsoft.com/office/drawing/2014/main" id="{2A6D04B5-C551-8C14-8CDF-C0F029B57189}"/>
+              </a:ext>
+            </a:extLst>
+          </p:cNvPr>
+          <p:cNvSpPr/>
+          <p:nvPr/>
+        </p:nvSpPr>
+        <p:spPr>
+          <a:xfrm rot="16200000">
+            <a:off x="6883595" y="4692730"/>
+            <a:ext cx="168235" cy="1332018"/>
+          </a:xfrm>
+          <a:prstGeom prst="leftBracket">
+            <a:avLst/>
+          </a:prstGeom>
+          <a:ln w="38100"/>
+        </p:spPr>
+        <p:style>
+          <a:lnRef idx="2">
+            <a:schemeClr val="accent1"/>
+          </a:lnRef>
+          <a:fillRef idx="0">
+            <a:schemeClr val="accent1"/>
+          </a:fillRef>
+          <a:effectRef idx="1">
+            <a:schemeClr val="accent1"/>
+          </a:effectRef>
+          <a:fontRef idx="minor">
+            <a:schemeClr val="tx1"/>
+          </a:fontRef>
+        </p:style>
+        <p:txBody>
+          <a:bodyPr rtlCol="0" anchor="ctr"/>
+          <a:lstStyle/>
+          <a:p>
+            <a:pPr algn="ctr"/>
+            <a:endParaRPr lang="en-ES" dirty="0"/>
+          </a:p>
+        </p:txBody>
+      </p:sp>
+      <p:sp>
+        <p:nvSpPr>
+          <p:cNvPr id="7" name="TextBox 6">
+            <a:extLst>
+              <a:ext uri="{FF2B5EF4-FFF2-40B4-BE49-F238E27FC236}">
+                <a16:creationId xmlns:a16="http://schemas.microsoft.com/office/drawing/2014/main" id="{D3BB5F68-1FC7-5EDA-1BB6-C11CA105A47C}"/>
+              </a:ext>
+            </a:extLst>
+          </p:cNvPr>
+          <p:cNvSpPr txBox="1"/>
+          <p:nvPr/>
+        </p:nvSpPr>
+        <p:spPr>
+          <a:xfrm>
+            <a:off x="6786615" y="5284514"/>
+            <a:ext cx="402674" cy="584775"/>
+          </a:xfrm>
+          <a:prstGeom prst="rect">
+            <a:avLst/>
+          </a:prstGeom>
+          <a:noFill/>
+        </p:spPr>
+        <p:txBody>
+          <a:bodyPr wrap="none" rtlCol="0">
+            <a:spAutoFit/>
+          </a:bodyPr>
+          <a:lstStyle/>
+          <a:p>
+            <a:r>
+              <a:rPr lang="en-ES" sz="3200" dirty="0"/>
+              <a:t>a</a:t>
+            </a:r>
+            <a:endParaRPr lang="en-ES" dirty="0"/>
+          </a:p>
+        </p:txBody>
+      </p:sp>
+      <p:sp>
+        <p:nvSpPr>
+          <p:cNvPr id="10" name="TextBox 9">
+            <a:extLst>
+              <a:ext uri="{FF2B5EF4-FFF2-40B4-BE49-F238E27FC236}">
+                <a16:creationId xmlns:a16="http://schemas.microsoft.com/office/drawing/2014/main" id="{969184E9-85B9-E4CE-DB01-690D8F67337C}"/>
+              </a:ext>
+            </a:extLst>
+          </p:cNvPr>
+          <p:cNvSpPr txBox="1"/>
+          <p:nvPr/>
+        </p:nvSpPr>
+        <p:spPr>
+          <a:xfrm>
+            <a:off x="8703598" y="2844225"/>
+            <a:ext cx="364202" cy="584775"/>
+          </a:xfrm>
+          <a:prstGeom prst="rect">
+            <a:avLst/>
+          </a:prstGeom>
+          <a:noFill/>
+        </p:spPr>
+        <p:txBody>
+          <a:bodyPr wrap="none" rtlCol="0">
+            <a:spAutoFit/>
+          </a:bodyPr>
+          <a:lstStyle/>
+          <a:p>
+            <a:r>
+              <a:rPr lang="en-ES" sz="3200" dirty="0"/>
+              <a:t>z</a:t>
+            </a:r>
+            <a:endParaRPr lang="en-ES" dirty="0"/>
+          </a:p>
+        </p:txBody>
+      </p:sp>
+      <p:cxnSp>
+        <p:nvCxnSpPr>
+          <p:cNvPr id="19" name="Straight Connector 18">
+            <a:extLst>
+              <a:ext uri="{FF2B5EF4-FFF2-40B4-BE49-F238E27FC236}">
+                <a16:creationId xmlns:a16="http://schemas.microsoft.com/office/drawing/2014/main" id="{7DA4C9CE-3B2C-DE00-825C-CC6347F6A70D}"/>
+              </a:ext>
+            </a:extLst>
+          </p:cNvPr>
+          <p:cNvCxnSpPr/>
+          <p:nvPr/>
+        </p:nvCxnSpPr>
+        <p:spPr>
+          <a:xfrm>
+            <a:off x="6279932" y="3404783"/>
+            <a:ext cx="1353790" cy="0"/>
+          </a:xfrm>
+          <a:prstGeom prst="line">
+            <a:avLst/>
+          </a:prstGeom>
+          <a:ln w="95250">
+            <a:solidFill>
+              <a:schemeClr val="tx1"/>
+            </a:solidFill>
+          </a:ln>
+        </p:spPr>
+        <p:style>
+          <a:lnRef idx="2">
+            <a:schemeClr val="accent1"/>
+          </a:lnRef>
+          <a:fillRef idx="0">
+            <a:schemeClr val="accent1"/>
+          </a:fillRef>
+          <a:effectRef idx="1">
+            <a:schemeClr val="accent1"/>
+          </a:effectRef>
+          <a:fontRef idx="minor">
+            <a:schemeClr val="tx1"/>
+          </a:fontRef>
+        </p:style>
+      </p:cxnSp>
+      <p:sp>
+        <p:nvSpPr>
+          <p:cNvPr id="22" name="TextBox 21">
+            <a:extLst>
+              <a:ext uri="{FF2B5EF4-FFF2-40B4-BE49-F238E27FC236}">
+                <a16:creationId xmlns:a16="http://schemas.microsoft.com/office/drawing/2014/main" id="{500A75AF-5BE5-D86A-EF54-A25FED8CDF94}"/>
+              </a:ext>
+            </a:extLst>
+          </p:cNvPr>
+          <p:cNvSpPr txBox="1"/>
+          <p:nvPr/>
+        </p:nvSpPr>
+        <p:spPr>
+          <a:xfrm>
+            <a:off x="6808730" y="2839673"/>
+            <a:ext cx="370614" cy="584775"/>
+          </a:xfrm>
+          <a:prstGeom prst="rect">
+            <a:avLst/>
+          </a:prstGeom>
+          <a:noFill/>
+        </p:spPr>
+        <p:txBody>
+          <a:bodyPr wrap="none" rtlCol="0">
+            <a:spAutoFit/>
+          </a:bodyPr>
+          <a:lstStyle/>
+          <a:p>
+            <a:r>
+              <a:rPr lang="en-ES" sz="3200" dirty="0"/>
+              <a:t>λ</a:t>
+            </a:r>
+            <a:endParaRPr lang="en-ES" dirty="0"/>
+          </a:p>
+        </p:txBody>
+      </p:sp>
+    </p:spTree>
+    <p:extLst>
+      <p:ext uri="{BB962C8B-B14F-4D97-AF65-F5344CB8AC3E}">
+        <p14:creationId xmlns:p14="http://schemas.microsoft.com/office/powerpoint/2010/main" val="43436598"/>
+      </p:ext>
+    </p:extLst>
+  </p:cSld>
+  <p:clrMapOvr>
+    <a:masterClrMapping/>
+  </p:clrMapOvr>
+</p:sld>
+</file>
+
+<file path=ppt/slides/slide16.xml><?xml version="1.0" encoding="utf-8"?>
+<p:sld xmlns:a="http://schemas.openxmlformats.org/drawingml/2006/main" xmlns:r="http://schemas.openxmlformats.org/officeDocument/2006/relationships" xmlns:p="http://schemas.openxmlformats.org/presentationml/2006/main">
+  <p:cSld>
+    <p:spTree>
+      <p:nvGrpSpPr>
+        <p:cNvPr id="1" name="">
+          <a:extLst>
+            <a:ext uri="{FF2B5EF4-FFF2-40B4-BE49-F238E27FC236}">
+              <a16:creationId xmlns:a16="http://schemas.microsoft.com/office/drawing/2014/main" id="{A3F2A3EE-F8F8-AA0D-985C-FB8B4FFB1CFD}"/>
+            </a:ext>
+          </a:extLst>
+        </p:cNvPr>
+        <p:cNvGrpSpPr/>
+        <p:nvPr/>
+      </p:nvGrpSpPr>
+      <p:grpSpPr>
+        <a:xfrm>
+          <a:off x="0" y="0"/>
+          <a:ext cx="0" cy="0"/>
+          <a:chOff x="0" y="0"/>
+          <a:chExt cx="0" cy="0"/>
+        </a:xfrm>
+      </p:grpSpPr>
+      <p:cxnSp>
+        <p:nvCxnSpPr>
+          <p:cNvPr id="5" name="Straight Arrow Connector 4">
+            <a:extLst>
+              <a:ext uri="{FF2B5EF4-FFF2-40B4-BE49-F238E27FC236}">
+                <a16:creationId xmlns:a16="http://schemas.microsoft.com/office/drawing/2014/main" id="{F82A3F1F-6E6F-2F80-AA36-D8C299273A00}"/>
+              </a:ext>
+            </a:extLst>
+          </p:cNvPr>
+          <p:cNvCxnSpPr>
+            <a:cxnSpLocks/>
+          </p:cNvCxnSpPr>
+          <p:nvPr/>
+        </p:nvCxnSpPr>
+        <p:spPr>
+          <a:xfrm>
+            <a:off x="1728788" y="3371850"/>
+            <a:ext cx="7371669" cy="57150"/>
+          </a:xfrm>
+          <a:prstGeom prst="straightConnector1">
+            <a:avLst/>
+          </a:prstGeom>
+          <a:ln w="38100">
+            <a:tailEnd type="triangle"/>
+          </a:ln>
+        </p:spPr>
+        <p:style>
+          <a:lnRef idx="2">
+            <a:schemeClr val="accent1"/>
+          </a:lnRef>
+          <a:fillRef idx="0">
+            <a:schemeClr val="accent1"/>
+          </a:fillRef>
+          <a:effectRef idx="1">
+            <a:schemeClr val="accent1"/>
+          </a:effectRef>
+          <a:fontRef idx="minor">
+            <a:schemeClr val="tx1"/>
+          </a:fontRef>
+        </p:style>
+      </p:cxnSp>
+      <p:sp>
+        <p:nvSpPr>
+          <p:cNvPr id="6" name="Oval 5">
+            <a:extLst>
+              <a:ext uri="{FF2B5EF4-FFF2-40B4-BE49-F238E27FC236}">
+                <a16:creationId xmlns:a16="http://schemas.microsoft.com/office/drawing/2014/main" id="{88C6CE50-1640-509A-0A98-6B7269448927}"/>
+              </a:ext>
+            </a:extLst>
+          </p:cNvPr>
+          <p:cNvSpPr/>
+          <p:nvPr/>
+        </p:nvSpPr>
+        <p:spPr>
+          <a:xfrm>
+            <a:off x="3598223" y="3277590"/>
+            <a:ext cx="166255" cy="178129"/>
+          </a:xfrm>
+          <a:prstGeom prst="ellipse">
+            <a:avLst/>
+          </a:prstGeom>
+        </p:spPr>
+        <p:style>
+          <a:lnRef idx="2">
+            <a:schemeClr val="accent1">
+              <a:shade val="15000"/>
+            </a:schemeClr>
+          </a:lnRef>
+          <a:fillRef idx="1">
+            <a:schemeClr val="accent1"/>
+          </a:fillRef>
+          <a:effectRef idx="0">
+            <a:schemeClr val="accent1"/>
+          </a:effectRef>
+          <a:fontRef idx="minor">
+            <a:schemeClr val="lt1"/>
+          </a:fontRef>
+        </p:style>
+        <p:txBody>
+          <a:bodyPr rtlCol="0" anchor="ctr"/>
+          <a:lstStyle/>
+          <a:p>
+            <a:pPr algn="ctr"/>
+            <a:endParaRPr lang="en-ES"/>
+          </a:p>
+        </p:txBody>
+      </p:sp>
+      <p:sp>
+        <p:nvSpPr>
+          <p:cNvPr id="8" name="Oval 7">
+            <a:extLst>
+              <a:ext uri="{FF2B5EF4-FFF2-40B4-BE49-F238E27FC236}">
+                <a16:creationId xmlns:a16="http://schemas.microsoft.com/office/drawing/2014/main" id="{D1798EFF-6FDF-E731-39AA-41030A6739E5}"/>
+              </a:ext>
+            </a:extLst>
+          </p:cNvPr>
+          <p:cNvSpPr/>
+          <p:nvPr/>
+        </p:nvSpPr>
+        <p:spPr>
+          <a:xfrm rot="1306733">
+            <a:off x="2303811" y="2006930"/>
+            <a:ext cx="2743200" cy="2743200"/>
+          </a:xfrm>
+          <a:prstGeom prst="ellipse">
+            <a:avLst/>
+          </a:prstGeom>
+          <a:gradFill flip="none" rotWithShape="1">
+            <a:gsLst>
+              <a:gs pos="0">
+                <a:schemeClr val="accent1">
+                  <a:lumMod val="0"/>
+                  <a:lumOff val="100000"/>
+                </a:schemeClr>
+              </a:gs>
+              <a:gs pos="51000">
+                <a:schemeClr val="accent1">
+                  <a:lumMod val="0"/>
+                  <a:lumOff val="100000"/>
+                </a:schemeClr>
+              </a:gs>
+              <a:gs pos="78000">
+                <a:schemeClr val="bg1">
+                  <a:lumMod val="75000"/>
+                </a:schemeClr>
+              </a:gs>
+            </a:gsLst>
+            <a:path path="circle">
+              <a:fillToRect l="50000" t="-80000" r="50000" b="180000"/>
+            </a:path>
+            <a:tileRect/>
+          </a:gradFill>
+          <a:ln w="38100" cap="flat" cmpd="sng" algn="ctr">
+            <a:solidFill>
+              <a:schemeClr val="tx1"/>
+            </a:solidFill>
+            <a:prstDash val="solid"/>
+            <a:round/>
+            <a:headEnd type="none" w="med" len="med"/>
+            <a:tailEnd type="none" w="med" len="med"/>
+          </a:ln>
+        </p:spPr>
+        <p:style>
+          <a:lnRef idx="0">
+            <a:scrgbClr r="0" g="0" b="0"/>
+          </a:lnRef>
+          <a:fillRef idx="0">
+            <a:scrgbClr r="0" g="0" b="0"/>
+          </a:fillRef>
+          <a:effectRef idx="0">
+            <a:scrgbClr r="0" g="0" b="0"/>
+          </a:effectRef>
+          <a:fontRef idx="minor">
+            <a:schemeClr val="dk1"/>
+          </a:fontRef>
+        </p:style>
+        <p:txBody>
+          <a:bodyPr rtlCol="0" anchor="ctr"/>
+          <a:lstStyle/>
+          <a:p>
+            <a:pPr algn="ctr"/>
+            <a:endParaRPr lang="en-ES"/>
+          </a:p>
+        </p:txBody>
+      </p:sp>
+      <p:sp>
+        <p:nvSpPr>
+          <p:cNvPr id="13" name="Left Bracket 12">
+            <a:extLst>
+              <a:ext uri="{FF2B5EF4-FFF2-40B4-BE49-F238E27FC236}">
+                <a16:creationId xmlns:a16="http://schemas.microsoft.com/office/drawing/2014/main" id="{CB20E56C-F19C-F0A7-EEA8-909A043ACD98}"/>
+              </a:ext>
+            </a:extLst>
+          </p:cNvPr>
+          <p:cNvSpPr/>
+          <p:nvPr/>
+        </p:nvSpPr>
+        <p:spPr>
+          <a:xfrm rot="16200000">
+            <a:off x="5071652" y="3847628"/>
+            <a:ext cx="177172" cy="2937193"/>
+          </a:xfrm>
+          <a:prstGeom prst="leftBracket">
+            <a:avLst/>
+          </a:prstGeom>
+          <a:ln w="38100"/>
+        </p:spPr>
+        <p:style>
+          <a:lnRef idx="2">
+            <a:schemeClr val="accent1"/>
+          </a:lnRef>
+          <a:fillRef idx="0">
+            <a:schemeClr val="accent1"/>
+          </a:fillRef>
+          <a:effectRef idx="1">
+            <a:schemeClr val="accent1"/>
+          </a:effectRef>
+          <a:fontRef idx="minor">
+            <a:schemeClr val="tx1"/>
+          </a:fontRef>
+        </p:style>
+        <p:txBody>
+          <a:bodyPr rtlCol="0" anchor="ctr"/>
+          <a:lstStyle/>
+          <a:p>
+            <a:pPr algn="ctr"/>
+            <a:endParaRPr lang="en-ES" dirty="0"/>
+          </a:p>
+        </p:txBody>
+      </p:sp>
+      <p:sp>
+        <p:nvSpPr>
+          <p:cNvPr id="14" name="Left Bracket 13">
+            <a:extLst>
+              <a:ext uri="{FF2B5EF4-FFF2-40B4-BE49-F238E27FC236}">
+                <a16:creationId xmlns:a16="http://schemas.microsoft.com/office/drawing/2014/main" id="{0A12FCC6-0317-069E-D3B6-23938887ABE2}"/>
+              </a:ext>
+            </a:extLst>
+          </p:cNvPr>
+          <p:cNvSpPr/>
+          <p:nvPr/>
+        </p:nvSpPr>
+        <p:spPr>
+          <a:xfrm rot="16200000">
+            <a:off x="4253035" y="4172350"/>
+            <a:ext cx="229748" cy="1353325"/>
+          </a:xfrm>
+          <a:prstGeom prst="leftBracket">
+            <a:avLst/>
+          </a:prstGeom>
+          <a:ln w="38100"/>
+        </p:spPr>
+        <p:style>
+          <a:lnRef idx="2">
+            <a:schemeClr val="accent1"/>
+          </a:lnRef>
+          <a:fillRef idx="0">
+            <a:schemeClr val="accent1"/>
+          </a:fillRef>
+          <a:effectRef idx="1">
+            <a:schemeClr val="accent1"/>
+          </a:effectRef>
+          <a:fontRef idx="minor">
+            <a:schemeClr val="tx1"/>
+          </a:fontRef>
+        </p:style>
+        <p:txBody>
+          <a:bodyPr rtlCol="0" anchor="ctr"/>
+          <a:lstStyle/>
+          <a:p>
+            <a:pPr algn="ctr"/>
+            <a:endParaRPr lang="en-ES" dirty="0"/>
+          </a:p>
+        </p:txBody>
+      </p:sp>
+      <p:sp>
+        <p:nvSpPr>
+          <p:cNvPr id="16" name="TextBox 15">
+            <a:extLst>
+              <a:ext uri="{FF2B5EF4-FFF2-40B4-BE49-F238E27FC236}">
+                <a16:creationId xmlns:a16="http://schemas.microsoft.com/office/drawing/2014/main" id="{1BFC52FA-D29A-47EB-AB85-8D05C6E06EA8}"/>
+              </a:ext>
+            </a:extLst>
+          </p:cNvPr>
+          <p:cNvSpPr txBox="1"/>
+          <p:nvPr/>
+        </p:nvSpPr>
+        <p:spPr>
+          <a:xfrm>
+            <a:off x="5044570" y="5313535"/>
+            <a:ext cx="364202" cy="584775"/>
+          </a:xfrm>
+          <a:prstGeom prst="rect">
+            <a:avLst/>
+          </a:prstGeom>
+          <a:noFill/>
+        </p:spPr>
+        <p:txBody>
+          <a:bodyPr wrap="none" rtlCol="0">
+            <a:spAutoFit/>
+          </a:bodyPr>
+          <a:lstStyle/>
+          <a:p>
+            <a:r>
+              <a:rPr lang="en-ES" sz="3200" dirty="0"/>
+              <a:t>z</a:t>
+            </a:r>
+            <a:endParaRPr lang="en-ES" dirty="0"/>
+          </a:p>
+        </p:txBody>
+      </p:sp>
+      <p:sp>
+        <p:nvSpPr>
+          <p:cNvPr id="18" name="TextBox 17">
+            <a:extLst>
+              <a:ext uri="{FF2B5EF4-FFF2-40B4-BE49-F238E27FC236}">
+                <a16:creationId xmlns:a16="http://schemas.microsoft.com/office/drawing/2014/main" id="{14742EC7-D722-CD77-E250-18E439C790DF}"/>
+              </a:ext>
+            </a:extLst>
+          </p:cNvPr>
+          <p:cNvSpPr txBox="1"/>
+          <p:nvPr/>
+        </p:nvSpPr>
+        <p:spPr>
+          <a:xfrm>
+            <a:off x="4176158" y="4805544"/>
+            <a:ext cx="402674" cy="584775"/>
+          </a:xfrm>
+          <a:prstGeom prst="rect">
+            <a:avLst/>
+          </a:prstGeom>
+          <a:noFill/>
+        </p:spPr>
+        <p:txBody>
+          <a:bodyPr wrap="none" rtlCol="0">
+            <a:spAutoFit/>
+          </a:bodyPr>
+          <a:lstStyle/>
+          <a:p>
+            <a:r>
+              <a:rPr lang="en-ES" sz="3200" dirty="0"/>
+              <a:t>a</a:t>
+            </a:r>
+            <a:endParaRPr lang="en-ES" dirty="0"/>
+          </a:p>
+        </p:txBody>
+      </p:sp>
+      <p:grpSp>
+        <p:nvGrpSpPr>
+          <p:cNvPr id="25" name="Group 24">
+            <a:extLst>
+              <a:ext uri="{FF2B5EF4-FFF2-40B4-BE49-F238E27FC236}">
+                <a16:creationId xmlns:a16="http://schemas.microsoft.com/office/drawing/2014/main" id="{F7CB7DC7-0C2C-DCFA-D4C6-A6723C357CA8}"/>
+              </a:ext>
+            </a:extLst>
+          </p:cNvPr>
+          <p:cNvGrpSpPr/>
+          <p:nvPr/>
+        </p:nvGrpSpPr>
+        <p:grpSpPr>
+          <a:xfrm>
+            <a:off x="2396837" y="5011387"/>
+            <a:ext cx="476989" cy="164275"/>
+            <a:chOff x="2325585" y="5248894"/>
+            <a:chExt cx="476989" cy="164275"/>
+          </a:xfrm>
+        </p:grpSpPr>
+        <p:cxnSp>
+          <p:nvCxnSpPr>
+            <p:cNvPr id="20" name="Straight Connector 19">
+              <a:extLst>
+                <a:ext uri="{FF2B5EF4-FFF2-40B4-BE49-F238E27FC236}">
+                  <a16:creationId xmlns:a16="http://schemas.microsoft.com/office/drawing/2014/main" id="{041061D2-DCCA-D6B1-D562-CC5A0C8A14CF}"/>
+                </a:ext>
+              </a:extLst>
+            </p:cNvPr>
+            <p:cNvCxnSpPr/>
+            <p:nvPr/>
+          </p:nvCxnSpPr>
+          <p:spPr>
+            <a:xfrm>
+              <a:off x="2327561" y="5248894"/>
+              <a:ext cx="475013" cy="0"/>
+            </a:xfrm>
+            <a:prstGeom prst="line">
+              <a:avLst/>
+            </a:prstGeom>
+            <a:ln w="38100">
+              <a:solidFill>
+                <a:schemeClr val="tx1"/>
+              </a:solidFill>
+            </a:ln>
+          </p:spPr>
+          <p:style>
+            <a:lnRef idx="2">
+              <a:schemeClr val="accent1"/>
+            </a:lnRef>
+            <a:fillRef idx="0">
+              <a:schemeClr val="accent1"/>
+            </a:fillRef>
+            <a:effectRef idx="1">
+              <a:schemeClr val="accent1"/>
+            </a:effectRef>
+            <a:fontRef idx="minor">
+              <a:schemeClr val="tx1"/>
+            </a:fontRef>
+          </p:style>
+        </p:cxnSp>
+        <p:cxnSp>
+          <p:nvCxnSpPr>
+            <p:cNvPr id="21" name="Straight Connector 20">
+              <a:extLst>
+                <a:ext uri="{FF2B5EF4-FFF2-40B4-BE49-F238E27FC236}">
+                  <a16:creationId xmlns:a16="http://schemas.microsoft.com/office/drawing/2014/main" id="{2561E810-4B38-C3F4-60D0-5FDB4D1582AE}"/>
+                </a:ext>
+              </a:extLst>
+            </p:cNvPr>
+            <p:cNvCxnSpPr>
+              <a:cxnSpLocks/>
+            </p:cNvCxnSpPr>
+            <p:nvPr/>
+          </p:nvCxnSpPr>
+          <p:spPr>
+            <a:xfrm flipV="1">
+              <a:off x="2325585" y="5248894"/>
+              <a:ext cx="120732" cy="164275"/>
+            </a:xfrm>
+            <a:prstGeom prst="line">
+              <a:avLst/>
+            </a:prstGeom>
+            <a:ln w="38100">
+              <a:solidFill>
+                <a:schemeClr val="tx1"/>
+              </a:solidFill>
+            </a:ln>
+          </p:spPr>
+          <p:style>
+            <a:lnRef idx="2">
+              <a:schemeClr val="accent1"/>
+            </a:lnRef>
+            <a:fillRef idx="0">
+              <a:schemeClr val="accent1"/>
+            </a:fillRef>
+            <a:effectRef idx="1">
+              <a:schemeClr val="accent1"/>
+            </a:effectRef>
+            <a:fontRef idx="minor">
+              <a:schemeClr val="tx1"/>
+            </a:fontRef>
+          </p:style>
+        </p:cxnSp>
+        <p:cxnSp>
+          <p:nvCxnSpPr>
+            <p:cNvPr id="23" name="Straight Connector 22">
+              <a:extLst>
+                <a:ext uri="{FF2B5EF4-FFF2-40B4-BE49-F238E27FC236}">
+                  <a16:creationId xmlns:a16="http://schemas.microsoft.com/office/drawing/2014/main" id="{DF3CB99F-4CF7-DDFE-878A-939B99D06940}"/>
+                </a:ext>
+              </a:extLst>
+            </p:cNvPr>
+            <p:cNvCxnSpPr>
+              <a:cxnSpLocks/>
+            </p:cNvCxnSpPr>
+            <p:nvPr/>
+          </p:nvCxnSpPr>
+          <p:spPr>
+            <a:xfrm flipV="1">
+              <a:off x="2477985" y="5248894"/>
+              <a:ext cx="120732" cy="164275"/>
+            </a:xfrm>
+            <a:prstGeom prst="line">
+              <a:avLst/>
+            </a:prstGeom>
+            <a:ln w="38100">
+              <a:solidFill>
+                <a:schemeClr val="tx1"/>
+              </a:solidFill>
+            </a:ln>
+          </p:spPr>
+          <p:style>
+            <a:lnRef idx="2">
+              <a:schemeClr val="accent1"/>
+            </a:lnRef>
+            <a:fillRef idx="0">
+              <a:schemeClr val="accent1"/>
+            </a:fillRef>
+            <a:effectRef idx="1">
+              <a:schemeClr val="accent1"/>
+            </a:effectRef>
+            <a:fontRef idx="minor">
+              <a:schemeClr val="tx1"/>
+            </a:fontRef>
+          </p:style>
+        </p:cxnSp>
+        <p:cxnSp>
+          <p:nvCxnSpPr>
+            <p:cNvPr id="24" name="Straight Connector 23">
+              <a:extLst>
+                <a:ext uri="{FF2B5EF4-FFF2-40B4-BE49-F238E27FC236}">
+                  <a16:creationId xmlns:a16="http://schemas.microsoft.com/office/drawing/2014/main" id="{9EE0CEBA-DCD4-38A7-0868-71A1C410B031}"/>
+                </a:ext>
+              </a:extLst>
+            </p:cNvPr>
+            <p:cNvCxnSpPr>
+              <a:cxnSpLocks/>
+            </p:cNvCxnSpPr>
+            <p:nvPr/>
+          </p:nvCxnSpPr>
+          <p:spPr>
+            <a:xfrm flipV="1">
+              <a:off x="2630385" y="5248894"/>
+              <a:ext cx="120732" cy="164275"/>
+            </a:xfrm>
+            <a:prstGeom prst="line">
+              <a:avLst/>
+            </a:prstGeom>
+            <a:ln w="38100">
+              <a:solidFill>
+                <a:schemeClr val="tx1"/>
+              </a:solidFill>
+            </a:ln>
+          </p:spPr>
+          <p:style>
+            <a:lnRef idx="2">
+              <a:schemeClr val="accent1"/>
+            </a:lnRef>
+            <a:fillRef idx="0">
+              <a:schemeClr val="accent1"/>
+            </a:fillRef>
+            <a:effectRef idx="1">
+              <a:schemeClr val="accent1"/>
+            </a:effectRef>
+            <a:fontRef idx="minor">
+              <a:schemeClr val="tx1"/>
+            </a:fontRef>
+          </p:style>
+        </p:cxnSp>
+      </p:grpSp>
+      <p:sp>
+        <p:nvSpPr>
+          <p:cNvPr id="26" name="Arc 25">
+            <a:extLst>
+              <a:ext uri="{FF2B5EF4-FFF2-40B4-BE49-F238E27FC236}">
+                <a16:creationId xmlns:a16="http://schemas.microsoft.com/office/drawing/2014/main" id="{F86879A8-53B5-C453-6242-27CC899E9010}"/>
+              </a:ext>
+            </a:extLst>
+          </p:cNvPr>
+          <p:cNvSpPr/>
+          <p:nvPr/>
+        </p:nvSpPr>
+        <p:spPr>
+          <a:xfrm>
+            <a:off x="2612570" y="4180114"/>
+            <a:ext cx="1721923" cy="1626919"/>
+          </a:xfrm>
+          <a:prstGeom prst="arc">
+            <a:avLst>
+              <a:gd name="adj1" fmla="val 10736342"/>
+              <a:gd name="adj2" fmla="val 13215760"/>
+            </a:avLst>
+          </a:prstGeom>
+          <a:ln w="38100">
+            <a:solidFill>
+              <a:schemeClr val="tx1"/>
+            </a:solidFill>
+          </a:ln>
+        </p:spPr>
+        <p:style>
+          <a:lnRef idx="2">
+            <a:schemeClr val="accent1"/>
+          </a:lnRef>
+          <a:fillRef idx="0">
+            <a:schemeClr val="accent1"/>
+          </a:fillRef>
+          <a:effectRef idx="1">
+            <a:schemeClr val="accent1"/>
+          </a:effectRef>
+          <a:fontRef idx="minor">
+            <a:schemeClr val="tx1"/>
+          </a:fontRef>
+        </p:style>
+        <p:txBody>
+          <a:bodyPr rtlCol="0" anchor="ctr"/>
+          <a:lstStyle/>
+          <a:p>
+            <a:pPr algn="ctr"/>
+            <a:endParaRPr lang="en-ES"/>
+          </a:p>
+        </p:txBody>
+      </p:sp>
+      <p:sp>
+        <p:nvSpPr>
+          <p:cNvPr id="2" name="Title 1">
+            <a:extLst>
+              <a:ext uri="{FF2B5EF4-FFF2-40B4-BE49-F238E27FC236}">
+                <a16:creationId xmlns:a16="http://schemas.microsoft.com/office/drawing/2014/main" id="{B7796B67-B1F9-A610-B9D5-DFE64C2BDD69}"/>
+              </a:ext>
+            </a:extLst>
+          </p:cNvPr>
+          <p:cNvSpPr>
+            <a:spLocks noGrp="1"/>
+          </p:cNvSpPr>
+          <p:nvPr>
+            <p:ph type="title"/>
+          </p:nvPr>
+        </p:nvSpPr>
+        <p:spPr/>
+        <p:txBody>
+          <a:bodyPr/>
+          <a:lstStyle/>
+          <a:p>
+            <a:r>
+              <a:rPr lang="en-ES" dirty="0"/>
+              <a:t>B2.S4.1</a:t>
+            </a:r>
+          </a:p>
+        </p:txBody>
+      </p:sp>
+      <p:sp>
+        <p:nvSpPr>
+          <p:cNvPr id="10" name="TextBox 9">
+            <a:extLst>
+              <a:ext uri="{FF2B5EF4-FFF2-40B4-BE49-F238E27FC236}">
+                <a16:creationId xmlns:a16="http://schemas.microsoft.com/office/drawing/2014/main" id="{46F489E5-BCC2-0424-7D1A-2D922F595C9E}"/>
+              </a:ext>
+            </a:extLst>
+          </p:cNvPr>
+          <p:cNvSpPr txBox="1"/>
+          <p:nvPr/>
+        </p:nvSpPr>
+        <p:spPr>
+          <a:xfrm>
+            <a:off x="8703598" y="2844225"/>
+            <a:ext cx="364202" cy="584775"/>
+          </a:xfrm>
+          <a:prstGeom prst="rect">
+            <a:avLst/>
+          </a:prstGeom>
+          <a:noFill/>
+        </p:spPr>
+        <p:txBody>
+          <a:bodyPr wrap="none" rtlCol="0">
+            <a:spAutoFit/>
+          </a:bodyPr>
+          <a:lstStyle/>
+          <a:p>
+            <a:r>
+              <a:rPr lang="en-ES" sz="3200" dirty="0"/>
+              <a:t>z</a:t>
+            </a:r>
+            <a:endParaRPr lang="en-ES" dirty="0"/>
+          </a:p>
+        </p:txBody>
+      </p:sp>
+      <p:cxnSp>
+        <p:nvCxnSpPr>
+          <p:cNvPr id="19" name="Straight Connector 18">
+            <a:extLst>
+              <a:ext uri="{FF2B5EF4-FFF2-40B4-BE49-F238E27FC236}">
+                <a16:creationId xmlns:a16="http://schemas.microsoft.com/office/drawing/2014/main" id="{40A28675-F96D-02C1-4A6A-6B0731C31760}"/>
+              </a:ext>
+            </a:extLst>
+          </p:cNvPr>
+          <p:cNvCxnSpPr/>
+          <p:nvPr/>
+        </p:nvCxnSpPr>
+        <p:spPr>
+          <a:xfrm>
+            <a:off x="6279932" y="3404783"/>
+            <a:ext cx="1353790" cy="0"/>
+          </a:xfrm>
+          <a:prstGeom prst="line">
+            <a:avLst/>
+          </a:prstGeom>
+          <a:ln w="95250">
+            <a:solidFill>
+              <a:schemeClr val="tx1"/>
+            </a:solidFill>
+          </a:ln>
+        </p:spPr>
+        <p:style>
+          <a:lnRef idx="2">
+            <a:schemeClr val="accent1"/>
+          </a:lnRef>
+          <a:fillRef idx="0">
+            <a:schemeClr val="accent1"/>
+          </a:fillRef>
+          <a:effectRef idx="1">
+            <a:schemeClr val="accent1"/>
+          </a:effectRef>
+          <a:fontRef idx="minor">
+            <a:schemeClr val="tx1"/>
+          </a:fontRef>
+        </p:style>
+      </p:cxnSp>
+      <p:sp>
+        <p:nvSpPr>
+          <p:cNvPr id="22" name="TextBox 21">
+            <a:extLst>
+              <a:ext uri="{FF2B5EF4-FFF2-40B4-BE49-F238E27FC236}">
+                <a16:creationId xmlns:a16="http://schemas.microsoft.com/office/drawing/2014/main" id="{7657D6C0-94ED-DA24-48D7-6EBF07002998}"/>
+              </a:ext>
+            </a:extLst>
+          </p:cNvPr>
+          <p:cNvSpPr txBox="1"/>
+          <p:nvPr/>
+        </p:nvSpPr>
+        <p:spPr>
+          <a:xfrm>
+            <a:off x="6450235" y="2629848"/>
+            <a:ext cx="646331" cy="584775"/>
+          </a:xfrm>
+          <a:prstGeom prst="rect">
+            <a:avLst/>
+          </a:prstGeom>
+          <a:noFill/>
+        </p:spPr>
+        <p:txBody>
+          <a:bodyPr wrap="none" rtlCol="0">
+            <a:spAutoFit/>
+          </a:bodyPr>
+          <a:lstStyle/>
+          <a:p>
+            <a:r>
+              <a:rPr lang="en-ES" sz="3200" dirty="0"/>
+              <a:t>dq</a:t>
+            </a:r>
+            <a:endParaRPr lang="en-ES" dirty="0"/>
+          </a:p>
+        </p:txBody>
+      </p:sp>
+      <p:grpSp>
+        <p:nvGrpSpPr>
+          <p:cNvPr id="17" name="Group 16">
+            <a:extLst>
+              <a:ext uri="{FF2B5EF4-FFF2-40B4-BE49-F238E27FC236}">
+                <a16:creationId xmlns:a16="http://schemas.microsoft.com/office/drawing/2014/main" id="{06041FB6-4CB9-AC49-6DBE-20213160A718}"/>
+              </a:ext>
+            </a:extLst>
+          </p:cNvPr>
+          <p:cNvGrpSpPr/>
+          <p:nvPr/>
+        </p:nvGrpSpPr>
+        <p:grpSpPr>
+          <a:xfrm>
+            <a:off x="6628835" y="3255206"/>
+            <a:ext cx="306515" cy="308114"/>
+            <a:chOff x="5973417" y="2236303"/>
+            <a:chExt cx="306515" cy="308114"/>
+          </a:xfrm>
+        </p:grpSpPr>
+        <p:cxnSp>
+          <p:nvCxnSpPr>
+            <p:cNvPr id="12" name="Straight Connector 11">
+              <a:extLst>
+                <a:ext uri="{FF2B5EF4-FFF2-40B4-BE49-F238E27FC236}">
+                  <a16:creationId xmlns:a16="http://schemas.microsoft.com/office/drawing/2014/main" id="{FBE246FD-1259-6E6E-54F9-897758CA1FD6}"/>
+                </a:ext>
+              </a:extLst>
+            </p:cNvPr>
+            <p:cNvCxnSpPr/>
+            <p:nvPr/>
+          </p:nvCxnSpPr>
+          <p:spPr>
+            <a:xfrm>
+              <a:off x="5973417" y="2236304"/>
+              <a:ext cx="0" cy="308113"/>
+            </a:xfrm>
+            <a:prstGeom prst="line">
+              <a:avLst/>
+            </a:prstGeom>
+            <a:ln w="38100"/>
+          </p:spPr>
+          <p:style>
+            <a:lnRef idx="2">
+              <a:schemeClr val="dk1"/>
+            </a:lnRef>
+            <a:fillRef idx="0">
+              <a:schemeClr val="dk1"/>
+            </a:fillRef>
+            <a:effectRef idx="1">
+              <a:schemeClr val="dk1"/>
+            </a:effectRef>
+            <a:fontRef idx="minor">
+              <a:schemeClr val="tx1"/>
+            </a:fontRef>
+          </p:style>
+        </p:cxnSp>
+        <p:cxnSp>
+          <p:nvCxnSpPr>
+            <p:cNvPr id="15" name="Straight Connector 14">
+              <a:extLst>
+                <a:ext uri="{FF2B5EF4-FFF2-40B4-BE49-F238E27FC236}">
+                  <a16:creationId xmlns:a16="http://schemas.microsoft.com/office/drawing/2014/main" id="{D9B4797B-BE05-D882-E682-BA2C39FBD544}"/>
+                </a:ext>
+              </a:extLst>
+            </p:cNvPr>
+            <p:cNvCxnSpPr/>
+            <p:nvPr/>
+          </p:nvCxnSpPr>
+          <p:spPr>
+            <a:xfrm>
+              <a:off x="6279932" y="2236303"/>
+              <a:ext cx="0" cy="308113"/>
+            </a:xfrm>
+            <a:prstGeom prst="line">
+              <a:avLst/>
+            </a:prstGeom>
+            <a:ln w="38100"/>
+          </p:spPr>
+          <p:style>
+            <a:lnRef idx="2">
+              <a:schemeClr val="dk1"/>
+            </a:lnRef>
+            <a:fillRef idx="0">
+              <a:schemeClr val="dk1"/>
+            </a:fillRef>
+            <a:effectRef idx="1">
+              <a:schemeClr val="dk1"/>
+            </a:effectRef>
+            <a:fontRef idx="minor">
+              <a:schemeClr val="tx1"/>
+            </a:fontRef>
+          </p:style>
+        </p:cxnSp>
+      </p:grpSp>
+      <p:sp>
+        <p:nvSpPr>
+          <p:cNvPr id="27" name="Left Bracket 26">
+            <a:extLst>
+              <a:ext uri="{FF2B5EF4-FFF2-40B4-BE49-F238E27FC236}">
+                <a16:creationId xmlns:a16="http://schemas.microsoft.com/office/drawing/2014/main" id="{692CA6A3-C943-CBA0-68C3-6684473F19FE}"/>
+              </a:ext>
+            </a:extLst>
+          </p:cNvPr>
+          <p:cNvSpPr/>
+          <p:nvPr/>
+        </p:nvSpPr>
+        <p:spPr>
+          <a:xfrm rot="16200000">
+            <a:off x="6693509" y="3670641"/>
+            <a:ext cx="177172" cy="306516"/>
+          </a:xfrm>
+          <a:prstGeom prst="leftBracket">
+            <a:avLst/>
+          </a:prstGeom>
+          <a:ln w="38100"/>
+        </p:spPr>
+        <p:style>
+          <a:lnRef idx="2">
+            <a:schemeClr val="accent1"/>
+          </a:lnRef>
+          <a:fillRef idx="0">
+            <a:schemeClr val="accent1"/>
+          </a:fillRef>
+          <a:effectRef idx="1">
+            <a:schemeClr val="accent1"/>
+          </a:effectRef>
+          <a:fontRef idx="minor">
+            <a:schemeClr val="tx1"/>
+          </a:fontRef>
+        </p:style>
+        <p:txBody>
+          <a:bodyPr rtlCol="0" anchor="ctr"/>
+          <a:lstStyle/>
+          <a:p>
+            <a:pPr algn="ctr"/>
+            <a:endParaRPr lang="en-ES" dirty="0"/>
+          </a:p>
+        </p:txBody>
+      </p:sp>
+      <p:sp>
+        <p:nvSpPr>
+          <p:cNvPr id="28" name="TextBox 27">
+            <a:extLst>
+              <a:ext uri="{FF2B5EF4-FFF2-40B4-BE49-F238E27FC236}">
+                <a16:creationId xmlns:a16="http://schemas.microsoft.com/office/drawing/2014/main" id="{7BD9D2C9-B923-7A6B-287F-6B1E6EDB8E21}"/>
+              </a:ext>
+            </a:extLst>
+          </p:cNvPr>
+          <p:cNvSpPr txBox="1"/>
+          <p:nvPr/>
+        </p:nvSpPr>
+        <p:spPr>
+          <a:xfrm>
+            <a:off x="6475882" y="3891333"/>
+            <a:ext cx="595035" cy="584775"/>
+          </a:xfrm>
+          <a:prstGeom prst="rect">
+            <a:avLst/>
+          </a:prstGeom>
+          <a:noFill/>
+        </p:spPr>
+        <p:txBody>
+          <a:bodyPr wrap="none" rtlCol="0">
+            <a:spAutoFit/>
+          </a:bodyPr>
+          <a:lstStyle/>
+          <a:p>
+            <a:r>
+              <a:rPr lang="en-ES" sz="3200" dirty="0"/>
+              <a:t>dz</a:t>
+            </a:r>
+            <a:endParaRPr lang="en-ES" dirty="0"/>
+          </a:p>
+        </p:txBody>
+      </p:sp>
+    </p:spTree>
+    <p:extLst>
+      <p:ext uri="{BB962C8B-B14F-4D97-AF65-F5344CB8AC3E}">
+        <p14:creationId xmlns:p14="http://schemas.microsoft.com/office/powerpoint/2010/main" val="2022837555"/>
+      </p:ext>
+    </p:extLst>
+  </p:cSld>
+  <p:clrMapOvr>
+    <a:masterClrMapping/>
+  </p:clrMapOvr>
+</p:sld>
+</file>
+
+<file path=ppt/slides/slide17.xml><?xml version="1.0" encoding="utf-8"?>
+<p:sld xmlns:a="http://schemas.openxmlformats.org/drawingml/2006/main" xmlns:r="http://schemas.openxmlformats.org/officeDocument/2006/relationships" xmlns:p="http://schemas.openxmlformats.org/presentationml/2006/main">
+  <p:cSld>
+    <p:spTree>
+      <p:nvGrpSpPr>
         <p:cNvPr id="1" name=""/>
         <p:cNvGrpSpPr/>
         <p:nvPr/>
@@ -10411,7 +12164,7 @@
 </p:sld>
 </file>
 
-<file path=ppt/slides/slide16.xml><?xml version="1.0" encoding="utf-8"?>
+<file path=ppt/slides/slide18.xml><?xml version="1.0" encoding="utf-8"?>
 <p:sld xmlns:a="http://schemas.openxmlformats.org/drawingml/2006/main" xmlns:r="http://schemas.openxmlformats.org/officeDocument/2006/relationships" xmlns:p="http://schemas.openxmlformats.org/presentationml/2006/main">
   <p:cSld>
     <p:spTree>
@@ -10777,7 +12530,7 @@
 </p:sld>
 </file>
 
-<file path=ppt/slides/slide17.xml><?xml version="1.0" encoding="utf-8"?>
+<file path=ppt/slides/slide19.xml><?xml version="1.0" encoding="utf-8"?>
 <p:sld xmlns:a="http://schemas.openxmlformats.org/drawingml/2006/main" xmlns:r="http://schemas.openxmlformats.org/officeDocument/2006/relationships" xmlns:p="http://schemas.openxmlformats.org/presentationml/2006/main">
   <p:cSld>
     <p:spTree>
@@ -11460,7 +13213,1456 @@
 </p:sld>
 </file>
 
-<file path=ppt/slides/slide18.xml><?xml version="1.0" encoding="utf-8"?>
+<file path=ppt/slides/slide2.xml><?xml version="1.0" encoding="utf-8"?>
+<p:sld xmlns:a="http://schemas.openxmlformats.org/drawingml/2006/main" xmlns:r="http://schemas.openxmlformats.org/officeDocument/2006/relationships" xmlns:p="http://schemas.openxmlformats.org/presentationml/2006/main">
+  <p:cSld>
+    <p:spTree>
+      <p:nvGrpSpPr>
+        <p:cNvPr id="1" name="">
+          <a:extLst>
+            <a:ext uri="{FF2B5EF4-FFF2-40B4-BE49-F238E27FC236}">
+              <a16:creationId xmlns:a16="http://schemas.microsoft.com/office/drawing/2014/main" id="{C9C37103-DC63-5195-15A1-347639A24472}"/>
+            </a:ext>
+          </a:extLst>
+        </p:cNvPr>
+        <p:cNvGrpSpPr/>
+        <p:nvPr/>
+      </p:nvGrpSpPr>
+      <p:grpSpPr>
+        <a:xfrm>
+          <a:off x="0" y="0"/>
+          <a:ext cx="0" cy="0"/>
+          <a:chOff x="0" y="0"/>
+          <a:chExt cx="0" cy="0"/>
+        </a:xfrm>
+      </p:grpSpPr>
+      <p:sp>
+        <p:nvSpPr>
+          <p:cNvPr id="2" name="Title 1">
+            <a:extLst>
+              <a:ext uri="{FF2B5EF4-FFF2-40B4-BE49-F238E27FC236}">
+                <a16:creationId xmlns:a16="http://schemas.microsoft.com/office/drawing/2014/main" id="{2C855AD1-D50F-D045-AE97-ECD7E6A24D1A}"/>
+              </a:ext>
+            </a:extLst>
+          </p:cNvPr>
+          <p:cNvSpPr>
+            <a:spLocks noGrp="1"/>
+          </p:cNvSpPr>
+          <p:nvPr>
+            <p:ph type="title"/>
+          </p:nvPr>
+        </p:nvSpPr>
+        <p:spPr/>
+        <p:txBody>
+          <a:bodyPr/>
+          <a:lstStyle/>
+          <a:p>
+            <a:r>
+              <a:rPr lang="en-ES" dirty="0"/>
+              <a:t>B1.S1.2</a:t>
+            </a:r>
+          </a:p>
+        </p:txBody>
+      </p:sp>
+      <p:sp>
+        <p:nvSpPr>
+          <p:cNvPr id="3" name="Pie 2">
+            <a:extLst>
+              <a:ext uri="{FF2B5EF4-FFF2-40B4-BE49-F238E27FC236}">
+                <a16:creationId xmlns:a16="http://schemas.microsoft.com/office/drawing/2014/main" id="{09316E81-ED00-99A8-74C7-A1B90526EBE2}"/>
+              </a:ext>
+            </a:extLst>
+          </p:cNvPr>
+          <p:cNvSpPr/>
+          <p:nvPr/>
+        </p:nvSpPr>
+        <p:spPr>
+          <a:xfrm>
+            <a:off x="1433456" y="2918012"/>
+            <a:ext cx="4155141" cy="4222378"/>
+          </a:xfrm>
+          <a:prstGeom prst="pie">
+            <a:avLst>
+              <a:gd name="adj1" fmla="val 10766858"/>
+              <a:gd name="adj2" fmla="val 4033"/>
+            </a:avLst>
+          </a:prstGeom>
+          <a:solidFill>
+            <a:schemeClr val="accent4">
+              <a:lumMod val="40000"/>
+              <a:lumOff val="60000"/>
+            </a:schemeClr>
+          </a:solidFill>
+        </p:spPr>
+        <p:style>
+          <a:lnRef idx="2">
+            <a:schemeClr val="accent1">
+              <a:shade val="15000"/>
+            </a:schemeClr>
+          </a:lnRef>
+          <a:fillRef idx="1">
+            <a:schemeClr val="accent1"/>
+          </a:fillRef>
+          <a:effectRef idx="0">
+            <a:schemeClr val="accent1"/>
+          </a:effectRef>
+          <a:fontRef idx="minor">
+            <a:schemeClr val="lt1"/>
+          </a:fontRef>
+        </p:style>
+        <p:txBody>
+          <a:bodyPr rtlCol="0" anchor="ctr"/>
+          <a:lstStyle/>
+          <a:p>
+            <a:pPr algn="ctr"/>
+            <a:endParaRPr lang="en-ES">
+              <a:solidFill>
+                <a:schemeClr val="tx1"/>
+              </a:solidFill>
+            </a:endParaRPr>
+          </a:p>
+        </p:txBody>
+      </p:sp>
+      <p:sp>
+        <p:nvSpPr>
+          <p:cNvPr id="4" name="Oval 3">
+            <a:extLst>
+              <a:ext uri="{FF2B5EF4-FFF2-40B4-BE49-F238E27FC236}">
+                <a16:creationId xmlns:a16="http://schemas.microsoft.com/office/drawing/2014/main" id="{2550CF0A-890E-8281-8E8A-C7005607E13A}"/>
+              </a:ext>
+            </a:extLst>
+          </p:cNvPr>
+          <p:cNvSpPr/>
+          <p:nvPr/>
+        </p:nvSpPr>
+        <p:spPr>
+          <a:xfrm>
+            <a:off x="1433456" y="4554892"/>
+            <a:ext cx="4155141" cy="948614"/>
+          </a:xfrm>
+          <a:prstGeom prst="ellipse">
+            <a:avLst/>
+          </a:prstGeom>
+          <a:solidFill>
+            <a:schemeClr val="accent4">
+              <a:lumMod val="40000"/>
+              <a:lumOff val="60000"/>
+            </a:schemeClr>
+          </a:solidFill>
+          <a:ln>
+            <a:noFill/>
+          </a:ln>
+        </p:spPr>
+        <p:style>
+          <a:lnRef idx="2">
+            <a:schemeClr val="accent1">
+              <a:shade val="15000"/>
+            </a:schemeClr>
+          </a:lnRef>
+          <a:fillRef idx="1">
+            <a:schemeClr val="accent1"/>
+          </a:fillRef>
+          <a:effectRef idx="0">
+            <a:schemeClr val="accent1"/>
+          </a:effectRef>
+          <a:fontRef idx="minor">
+            <a:schemeClr val="lt1"/>
+          </a:fontRef>
+        </p:style>
+        <p:txBody>
+          <a:bodyPr rtlCol="0" anchor="ctr"/>
+          <a:lstStyle/>
+          <a:p>
+            <a:pPr algn="ctr"/>
+            <a:endParaRPr lang="en-ES"/>
+          </a:p>
+        </p:txBody>
+      </p:sp>
+      <p:sp>
+        <p:nvSpPr>
+          <p:cNvPr id="5" name="Arc 4">
+            <a:extLst>
+              <a:ext uri="{FF2B5EF4-FFF2-40B4-BE49-F238E27FC236}">
+                <a16:creationId xmlns:a16="http://schemas.microsoft.com/office/drawing/2014/main" id="{5C6A1C15-53B7-496E-84B0-7169FFC2E6B7}"/>
+              </a:ext>
+            </a:extLst>
+          </p:cNvPr>
+          <p:cNvSpPr/>
+          <p:nvPr/>
+        </p:nvSpPr>
+        <p:spPr>
+          <a:xfrm>
+            <a:off x="1433457" y="2918012"/>
+            <a:ext cx="4155141" cy="4222377"/>
+          </a:xfrm>
+          <a:prstGeom prst="arc">
+            <a:avLst>
+              <a:gd name="adj1" fmla="val 10778025"/>
+              <a:gd name="adj2" fmla="val 0"/>
+            </a:avLst>
+          </a:prstGeom>
+          <a:ln w="38100">
+            <a:solidFill>
+              <a:schemeClr val="tx1"/>
+            </a:solidFill>
+          </a:ln>
+        </p:spPr>
+        <p:style>
+          <a:lnRef idx="2">
+            <a:schemeClr val="accent1"/>
+          </a:lnRef>
+          <a:fillRef idx="0">
+            <a:schemeClr val="accent1"/>
+          </a:fillRef>
+          <a:effectRef idx="1">
+            <a:schemeClr val="accent1"/>
+          </a:effectRef>
+          <a:fontRef idx="minor">
+            <a:schemeClr val="tx1"/>
+          </a:fontRef>
+        </p:style>
+        <p:txBody>
+          <a:bodyPr rtlCol="0" anchor="ctr"/>
+          <a:lstStyle/>
+          <a:p>
+            <a:pPr algn="ctr"/>
+            <a:endParaRPr lang="en-ES"/>
+          </a:p>
+        </p:txBody>
+      </p:sp>
+      <p:sp>
+        <p:nvSpPr>
+          <p:cNvPr id="6" name="Arc 5">
+            <a:extLst>
+              <a:ext uri="{FF2B5EF4-FFF2-40B4-BE49-F238E27FC236}">
+                <a16:creationId xmlns:a16="http://schemas.microsoft.com/office/drawing/2014/main" id="{5160BAA1-70E8-938B-6BDD-EC025B43B0B1}"/>
+              </a:ext>
+            </a:extLst>
+          </p:cNvPr>
+          <p:cNvSpPr/>
+          <p:nvPr/>
+        </p:nvSpPr>
+        <p:spPr>
+          <a:xfrm>
+            <a:off x="1433457" y="4554893"/>
+            <a:ext cx="4155141" cy="948613"/>
+          </a:xfrm>
+          <a:prstGeom prst="arc">
+            <a:avLst>
+              <a:gd name="adj1" fmla="val 10778025"/>
+              <a:gd name="adj2" fmla="val 0"/>
+            </a:avLst>
+          </a:prstGeom>
+          <a:ln w="38100">
+            <a:solidFill>
+              <a:schemeClr val="tx1"/>
+            </a:solidFill>
+            <a:prstDash val="dash"/>
+          </a:ln>
+        </p:spPr>
+        <p:style>
+          <a:lnRef idx="2">
+            <a:schemeClr val="accent1"/>
+          </a:lnRef>
+          <a:fillRef idx="0">
+            <a:schemeClr val="accent1"/>
+          </a:fillRef>
+          <a:effectRef idx="1">
+            <a:schemeClr val="accent1"/>
+          </a:effectRef>
+          <a:fontRef idx="minor">
+            <a:schemeClr val="tx1"/>
+          </a:fontRef>
+        </p:style>
+        <p:txBody>
+          <a:bodyPr rtlCol="0" anchor="ctr"/>
+          <a:lstStyle/>
+          <a:p>
+            <a:pPr algn="ctr"/>
+            <a:endParaRPr lang="en-ES"/>
+          </a:p>
+        </p:txBody>
+      </p:sp>
+      <p:sp>
+        <p:nvSpPr>
+          <p:cNvPr id="7" name="Arc 6">
+            <a:extLst>
+              <a:ext uri="{FF2B5EF4-FFF2-40B4-BE49-F238E27FC236}">
+                <a16:creationId xmlns:a16="http://schemas.microsoft.com/office/drawing/2014/main" id="{DB4EF742-A090-1805-5DD9-C5546877BC35}"/>
+              </a:ext>
+            </a:extLst>
+          </p:cNvPr>
+          <p:cNvSpPr/>
+          <p:nvPr/>
+        </p:nvSpPr>
+        <p:spPr>
+          <a:xfrm>
+            <a:off x="1433457" y="4554893"/>
+            <a:ext cx="4155141" cy="948613"/>
+          </a:xfrm>
+          <a:prstGeom prst="arc">
+            <a:avLst>
+              <a:gd name="adj1" fmla="val 21583761"/>
+              <a:gd name="adj2" fmla="val 10776216"/>
+            </a:avLst>
+          </a:prstGeom>
+          <a:ln w="38100">
+            <a:solidFill>
+              <a:schemeClr val="tx1"/>
+            </a:solidFill>
+            <a:prstDash val="solid"/>
+          </a:ln>
+        </p:spPr>
+        <p:style>
+          <a:lnRef idx="2">
+            <a:schemeClr val="accent1"/>
+          </a:lnRef>
+          <a:fillRef idx="0">
+            <a:schemeClr val="accent1"/>
+          </a:fillRef>
+          <a:effectRef idx="1">
+            <a:schemeClr val="accent1"/>
+          </a:effectRef>
+          <a:fontRef idx="minor">
+            <a:schemeClr val="tx1"/>
+          </a:fontRef>
+        </p:style>
+        <p:txBody>
+          <a:bodyPr rtlCol="0" anchor="ctr"/>
+          <a:lstStyle/>
+          <a:p>
+            <a:pPr algn="ctr"/>
+            <a:endParaRPr lang="en-ES"/>
+          </a:p>
+        </p:txBody>
+      </p:sp>
+      <p:sp>
+        <p:nvSpPr>
+          <p:cNvPr id="8" name="Oval 7">
+            <a:extLst>
+              <a:ext uri="{FF2B5EF4-FFF2-40B4-BE49-F238E27FC236}">
+                <a16:creationId xmlns:a16="http://schemas.microsoft.com/office/drawing/2014/main" id="{7A9363B4-DF01-E150-82B0-0FCA77C1C5FD}"/>
+              </a:ext>
+            </a:extLst>
+          </p:cNvPr>
+          <p:cNvSpPr/>
+          <p:nvPr/>
+        </p:nvSpPr>
+        <p:spPr>
+          <a:xfrm>
+            <a:off x="3419634" y="2994731"/>
+            <a:ext cx="167337" cy="69668"/>
+          </a:xfrm>
+          <a:prstGeom prst="ellipse">
+            <a:avLst/>
+          </a:prstGeom>
+        </p:spPr>
+        <p:style>
+          <a:lnRef idx="2">
+            <a:schemeClr val="accent1">
+              <a:shade val="15000"/>
+            </a:schemeClr>
+          </a:lnRef>
+          <a:fillRef idx="1">
+            <a:schemeClr val="accent1"/>
+          </a:fillRef>
+          <a:effectRef idx="0">
+            <a:schemeClr val="accent1"/>
+          </a:effectRef>
+          <a:fontRef idx="minor">
+            <a:schemeClr val="lt1"/>
+          </a:fontRef>
+        </p:style>
+        <p:txBody>
+          <a:bodyPr rtlCol="0" anchor="ctr"/>
+          <a:lstStyle/>
+          <a:p>
+            <a:pPr algn="ctr"/>
+            <a:endParaRPr lang="en-ES"/>
+          </a:p>
+        </p:txBody>
+      </p:sp>
+      <p:sp>
+        <p:nvSpPr>
+          <p:cNvPr id="9" name="Oval 8">
+            <a:extLst>
+              <a:ext uri="{FF2B5EF4-FFF2-40B4-BE49-F238E27FC236}">
+                <a16:creationId xmlns:a16="http://schemas.microsoft.com/office/drawing/2014/main" id="{FB49C907-F857-56ED-24B1-562263F086B6}"/>
+              </a:ext>
+            </a:extLst>
+          </p:cNvPr>
+          <p:cNvSpPr/>
+          <p:nvPr/>
+        </p:nvSpPr>
+        <p:spPr>
+          <a:xfrm>
+            <a:off x="3419634" y="4957904"/>
+            <a:ext cx="167337" cy="69668"/>
+          </a:xfrm>
+          <a:prstGeom prst="ellipse">
+            <a:avLst/>
+          </a:prstGeom>
+        </p:spPr>
+        <p:style>
+          <a:lnRef idx="2">
+            <a:schemeClr val="accent1">
+              <a:shade val="15000"/>
+            </a:schemeClr>
+          </a:lnRef>
+          <a:fillRef idx="1">
+            <a:schemeClr val="accent1"/>
+          </a:fillRef>
+          <a:effectRef idx="0">
+            <a:schemeClr val="accent1"/>
+          </a:effectRef>
+          <a:fontRef idx="minor">
+            <a:schemeClr val="lt1"/>
+          </a:fontRef>
+        </p:style>
+        <p:txBody>
+          <a:bodyPr rtlCol="0" anchor="ctr"/>
+          <a:lstStyle/>
+          <a:p>
+            <a:pPr algn="ctr"/>
+            <a:endParaRPr lang="en-ES"/>
+          </a:p>
+        </p:txBody>
+      </p:sp>
+      <p:sp>
+        <p:nvSpPr>
+          <p:cNvPr id="11" name="TextBox 10">
+            <a:extLst>
+              <a:ext uri="{FF2B5EF4-FFF2-40B4-BE49-F238E27FC236}">
+                <a16:creationId xmlns:a16="http://schemas.microsoft.com/office/drawing/2014/main" id="{BC1AE886-0269-55E1-6972-61F189366C57}"/>
+              </a:ext>
+            </a:extLst>
+          </p:cNvPr>
+          <p:cNvSpPr txBox="1"/>
+          <p:nvPr/>
+        </p:nvSpPr>
+        <p:spPr>
+          <a:xfrm>
+            <a:off x="2919597" y="2310040"/>
+            <a:ext cx="510076" cy="646331"/>
+          </a:xfrm>
+          <a:prstGeom prst="rect">
+            <a:avLst/>
+          </a:prstGeom>
+          <a:noFill/>
+        </p:spPr>
+        <p:txBody>
+          <a:bodyPr wrap="none" rtlCol="0">
+            <a:spAutoFit/>
+          </a:bodyPr>
+          <a:lstStyle/>
+          <a:p>
+            <a:r>
+              <a:rPr lang="en-ES" sz="3600" dirty="0"/>
+              <a:t>N</a:t>
+            </a:r>
+          </a:p>
+        </p:txBody>
+      </p:sp>
+      <p:sp>
+        <p:nvSpPr>
+          <p:cNvPr id="12" name="TextBox 11">
+            <a:extLst>
+              <a:ext uri="{FF2B5EF4-FFF2-40B4-BE49-F238E27FC236}">
+                <a16:creationId xmlns:a16="http://schemas.microsoft.com/office/drawing/2014/main" id="{724EBCBB-BAC7-9A1F-D4A7-C8981C1E253D}"/>
+              </a:ext>
+            </a:extLst>
+          </p:cNvPr>
+          <p:cNvSpPr txBox="1"/>
+          <p:nvPr/>
+        </p:nvSpPr>
+        <p:spPr>
+          <a:xfrm>
+            <a:off x="2896734" y="4857175"/>
+            <a:ext cx="522900" cy="646331"/>
+          </a:xfrm>
+          <a:prstGeom prst="rect">
+            <a:avLst/>
+          </a:prstGeom>
+          <a:noFill/>
+        </p:spPr>
+        <p:txBody>
+          <a:bodyPr wrap="none" rtlCol="0">
+            <a:spAutoFit/>
+          </a:bodyPr>
+          <a:lstStyle/>
+          <a:p>
+            <a:r>
+              <a:rPr lang="en-ES" sz="3600" dirty="0"/>
+              <a:t>O</a:t>
+            </a:r>
+          </a:p>
+        </p:txBody>
+      </p:sp>
+      <p:sp>
+        <p:nvSpPr>
+          <p:cNvPr id="13" name="Oval 12">
+            <a:extLst>
+              <a:ext uri="{FF2B5EF4-FFF2-40B4-BE49-F238E27FC236}">
+                <a16:creationId xmlns:a16="http://schemas.microsoft.com/office/drawing/2014/main" id="{322D8EC8-818D-2FD2-93C7-4DCB0E0893A1}"/>
+              </a:ext>
+            </a:extLst>
+          </p:cNvPr>
+          <p:cNvSpPr/>
+          <p:nvPr/>
+        </p:nvSpPr>
+        <p:spPr>
+          <a:xfrm rot="2766453">
+            <a:off x="4400372" y="3642708"/>
+            <a:ext cx="167337" cy="69668"/>
+          </a:xfrm>
+          <a:prstGeom prst="ellipse">
+            <a:avLst/>
+          </a:prstGeom>
+        </p:spPr>
+        <p:style>
+          <a:lnRef idx="2">
+            <a:schemeClr val="accent1">
+              <a:shade val="15000"/>
+            </a:schemeClr>
+          </a:lnRef>
+          <a:fillRef idx="1">
+            <a:schemeClr val="accent1"/>
+          </a:fillRef>
+          <a:effectRef idx="0">
+            <a:schemeClr val="accent1"/>
+          </a:effectRef>
+          <a:fontRef idx="minor">
+            <a:schemeClr val="lt1"/>
+          </a:fontRef>
+        </p:style>
+        <p:txBody>
+          <a:bodyPr rtlCol="0" anchor="ctr"/>
+          <a:lstStyle/>
+          <a:p>
+            <a:pPr algn="ctr"/>
+            <a:endParaRPr lang="en-ES"/>
+          </a:p>
+        </p:txBody>
+      </p:sp>
+      <p:sp>
+        <p:nvSpPr>
+          <p:cNvPr id="14" name="Arc 13">
+            <a:extLst>
+              <a:ext uri="{FF2B5EF4-FFF2-40B4-BE49-F238E27FC236}">
+                <a16:creationId xmlns:a16="http://schemas.microsoft.com/office/drawing/2014/main" id="{788039F9-6F13-8097-318F-A9E4FDBD5E07}"/>
+              </a:ext>
+            </a:extLst>
+          </p:cNvPr>
+          <p:cNvSpPr/>
+          <p:nvPr/>
+        </p:nvSpPr>
+        <p:spPr>
+          <a:xfrm>
+            <a:off x="1021973" y="2961043"/>
+            <a:ext cx="4001845" cy="4450977"/>
+          </a:xfrm>
+          <a:prstGeom prst="arc">
+            <a:avLst>
+              <a:gd name="adj1" fmla="val 17045662"/>
+              <a:gd name="adj2" fmla="val 18774423"/>
+            </a:avLst>
+          </a:prstGeom>
+          <a:ln w="38100">
+            <a:solidFill>
+              <a:schemeClr val="tx1"/>
+            </a:solidFill>
+          </a:ln>
+        </p:spPr>
+        <p:style>
+          <a:lnRef idx="2">
+            <a:schemeClr val="accent1"/>
+          </a:lnRef>
+          <a:fillRef idx="0">
+            <a:schemeClr val="accent1"/>
+          </a:fillRef>
+          <a:effectRef idx="1">
+            <a:schemeClr val="accent1"/>
+          </a:effectRef>
+          <a:fontRef idx="minor">
+            <a:schemeClr val="tx1"/>
+          </a:fontRef>
+        </p:style>
+        <p:txBody>
+          <a:bodyPr rtlCol="0" anchor="ctr"/>
+          <a:lstStyle/>
+          <a:p>
+            <a:pPr algn="ctr"/>
+            <a:endParaRPr lang="en-ES"/>
+          </a:p>
+        </p:txBody>
+      </p:sp>
+      <p:cxnSp>
+        <p:nvCxnSpPr>
+          <p:cNvPr id="16" name="Straight Connector 15">
+            <a:extLst>
+              <a:ext uri="{FF2B5EF4-FFF2-40B4-BE49-F238E27FC236}">
+                <a16:creationId xmlns:a16="http://schemas.microsoft.com/office/drawing/2014/main" id="{44BBA49D-0D71-3BED-1ACD-F3EB4C050F8D}"/>
+              </a:ext>
+            </a:extLst>
+          </p:cNvPr>
+          <p:cNvCxnSpPr>
+            <a:cxnSpLocks/>
+          </p:cNvCxnSpPr>
+          <p:nvPr/>
+        </p:nvCxnSpPr>
+        <p:spPr>
+          <a:xfrm flipV="1">
+            <a:off x="3506993" y="3064399"/>
+            <a:ext cx="0" cy="1893505"/>
+          </a:xfrm>
+          <a:prstGeom prst="line">
+            <a:avLst/>
+          </a:prstGeom>
+          <a:ln w="38100"/>
+        </p:spPr>
+        <p:style>
+          <a:lnRef idx="2">
+            <a:schemeClr val="accent1"/>
+          </a:lnRef>
+          <a:fillRef idx="0">
+            <a:schemeClr val="accent1"/>
+          </a:fillRef>
+          <a:effectRef idx="1">
+            <a:schemeClr val="accent1"/>
+          </a:effectRef>
+          <a:fontRef idx="minor">
+            <a:schemeClr val="tx1"/>
+          </a:fontRef>
+        </p:style>
+      </p:cxnSp>
+      <p:cxnSp>
+        <p:nvCxnSpPr>
+          <p:cNvPr id="19" name="Straight Connector 18">
+            <a:extLst>
+              <a:ext uri="{FF2B5EF4-FFF2-40B4-BE49-F238E27FC236}">
+                <a16:creationId xmlns:a16="http://schemas.microsoft.com/office/drawing/2014/main" id="{6C288BBB-8476-FC27-7A5A-C6C4422C0C68}"/>
+              </a:ext>
+            </a:extLst>
+          </p:cNvPr>
+          <p:cNvCxnSpPr>
+            <a:cxnSpLocks/>
+            <a:stCxn id="9" idx="7"/>
+            <a:endCxn id="13" idx="4"/>
+          </p:cNvCxnSpPr>
+          <p:nvPr/>
+        </p:nvCxnSpPr>
+        <p:spPr>
+          <a:xfrm flipV="1">
+            <a:off x="3562465" y="3701693"/>
+            <a:ext cx="896473" cy="1266414"/>
+          </a:xfrm>
+          <a:prstGeom prst="line">
+            <a:avLst/>
+          </a:prstGeom>
+          <a:ln w="38100">
+            <a:tailEnd type="triangle"/>
+          </a:ln>
+        </p:spPr>
+        <p:style>
+          <a:lnRef idx="2">
+            <a:schemeClr val="accent1"/>
+          </a:lnRef>
+          <a:fillRef idx="0">
+            <a:schemeClr val="accent1"/>
+          </a:fillRef>
+          <a:effectRef idx="1">
+            <a:schemeClr val="accent1"/>
+          </a:effectRef>
+          <a:fontRef idx="minor">
+            <a:schemeClr val="tx1"/>
+          </a:fontRef>
+        </p:style>
+      </p:cxnSp>
+      <p:grpSp>
+        <p:nvGrpSpPr>
+          <p:cNvPr id="23" name="Group 22">
+            <a:extLst>
+              <a:ext uri="{FF2B5EF4-FFF2-40B4-BE49-F238E27FC236}">
+                <a16:creationId xmlns:a16="http://schemas.microsoft.com/office/drawing/2014/main" id="{D9E60F76-4DDA-DD52-F378-CBA81B55D2D5}"/>
+              </a:ext>
+            </a:extLst>
+          </p:cNvPr>
+          <p:cNvGrpSpPr/>
+          <p:nvPr/>
+        </p:nvGrpSpPr>
+        <p:grpSpPr>
+          <a:xfrm>
+            <a:off x="4212716" y="3869196"/>
+            <a:ext cx="492443" cy="732608"/>
+            <a:chOff x="6765974" y="1862976"/>
+            <a:chExt cx="492443" cy="732608"/>
+          </a:xfrm>
+        </p:grpSpPr>
+        <p:sp>
+          <p:nvSpPr>
+            <p:cNvPr id="21" name="TextBox 20">
+              <a:extLst>
+                <a:ext uri="{FF2B5EF4-FFF2-40B4-BE49-F238E27FC236}">
+                  <a16:creationId xmlns:a16="http://schemas.microsoft.com/office/drawing/2014/main" id="{2201616C-9A24-84E2-F584-C74920985373}"/>
+                </a:ext>
+              </a:extLst>
+            </p:cNvPr>
+            <p:cNvSpPr txBox="1"/>
+            <p:nvPr/>
+          </p:nvSpPr>
+          <p:spPr>
+            <a:xfrm>
+              <a:off x="6817922" y="1949253"/>
+              <a:ext cx="338554" cy="646331"/>
+            </a:xfrm>
+            <a:prstGeom prst="rect">
+              <a:avLst/>
+            </a:prstGeom>
+            <a:noFill/>
+          </p:spPr>
+          <p:txBody>
+            <a:bodyPr wrap="none" rtlCol="0">
+              <a:spAutoFit/>
+            </a:bodyPr>
+            <a:lstStyle/>
+            <a:p>
+              <a:r>
+                <a:rPr lang="en-ES" sz="3600" dirty="0"/>
+                <a:t>r</a:t>
+              </a:r>
+              <a:endParaRPr lang="en-ES" sz="3600" baseline="-25000" dirty="0"/>
+            </a:p>
+          </p:txBody>
+        </p:sp>
+        <p:sp>
+          <p:nvSpPr>
+            <p:cNvPr id="22" name="TextBox 21">
+              <a:extLst>
+                <a:ext uri="{FF2B5EF4-FFF2-40B4-BE49-F238E27FC236}">
+                  <a16:creationId xmlns:a16="http://schemas.microsoft.com/office/drawing/2014/main" id="{63ECEDFA-0FEB-914E-3AA2-BADC696A90F5}"/>
+                </a:ext>
+              </a:extLst>
+            </p:cNvPr>
+            <p:cNvSpPr txBox="1"/>
+            <p:nvPr/>
+          </p:nvSpPr>
+          <p:spPr>
+            <a:xfrm>
+              <a:off x="6765974" y="1862976"/>
+              <a:ext cx="492443" cy="461665"/>
+            </a:xfrm>
+            <a:prstGeom prst="rect">
+              <a:avLst/>
+            </a:prstGeom>
+            <a:noFill/>
+          </p:spPr>
+          <p:txBody>
+            <a:bodyPr wrap="square" rtlCol="0">
+              <a:spAutoFit/>
+            </a:bodyPr>
+            <a:lstStyle/>
+            <a:p>
+              <a:r>
+                <a:rPr lang="en-ES" sz="2400" dirty="0"/>
+                <a:t>➝</a:t>
+              </a:r>
+            </a:p>
+          </p:txBody>
+        </p:sp>
+      </p:grpSp>
+      <p:sp>
+        <p:nvSpPr>
+          <p:cNvPr id="25" name="TextBox 24">
+            <a:extLst>
+              <a:ext uri="{FF2B5EF4-FFF2-40B4-BE49-F238E27FC236}">
+                <a16:creationId xmlns:a16="http://schemas.microsoft.com/office/drawing/2014/main" id="{B24F304A-4BC6-5985-7719-03D18059EAC9}"/>
+              </a:ext>
+            </a:extLst>
+          </p:cNvPr>
+          <p:cNvSpPr txBox="1"/>
+          <p:nvPr/>
+        </p:nvSpPr>
+        <p:spPr>
+          <a:xfrm>
+            <a:off x="3589028" y="3717153"/>
+            <a:ext cx="437940" cy="646331"/>
+          </a:xfrm>
+          <a:prstGeom prst="rect">
+            <a:avLst/>
+          </a:prstGeom>
+          <a:noFill/>
+        </p:spPr>
+        <p:txBody>
+          <a:bodyPr wrap="none" rtlCol="0">
+            <a:spAutoFit/>
+          </a:bodyPr>
+          <a:lstStyle/>
+          <a:p>
+            <a:r>
+              <a:rPr lang="en-ES" sz="3600" dirty="0"/>
+              <a:t>θ</a:t>
+            </a:r>
+          </a:p>
+        </p:txBody>
+      </p:sp>
+      <p:sp>
+        <p:nvSpPr>
+          <p:cNvPr id="26" name="Arc 25">
+            <a:extLst>
+              <a:ext uri="{FF2B5EF4-FFF2-40B4-BE49-F238E27FC236}">
+                <a16:creationId xmlns:a16="http://schemas.microsoft.com/office/drawing/2014/main" id="{2D82B2C3-C8B9-E23E-F3C2-C3F98C7BE8C9}"/>
+              </a:ext>
+            </a:extLst>
+          </p:cNvPr>
+          <p:cNvSpPr/>
+          <p:nvPr/>
+        </p:nvSpPr>
+        <p:spPr>
+          <a:xfrm>
+            <a:off x="2276854" y="4149883"/>
+            <a:ext cx="1913383" cy="2060914"/>
+          </a:xfrm>
+          <a:prstGeom prst="arc">
+            <a:avLst>
+              <a:gd name="adj1" fmla="val 17045662"/>
+              <a:gd name="adj2" fmla="val 18774423"/>
+            </a:avLst>
+          </a:prstGeom>
+          <a:ln w="38100">
+            <a:solidFill>
+              <a:schemeClr val="tx1"/>
+            </a:solidFill>
+          </a:ln>
+        </p:spPr>
+        <p:style>
+          <a:lnRef idx="2">
+            <a:schemeClr val="accent1"/>
+          </a:lnRef>
+          <a:fillRef idx="0">
+            <a:schemeClr val="accent1"/>
+          </a:fillRef>
+          <a:effectRef idx="1">
+            <a:schemeClr val="accent1"/>
+          </a:effectRef>
+          <a:fontRef idx="minor">
+            <a:schemeClr val="tx1"/>
+          </a:fontRef>
+        </p:style>
+        <p:txBody>
+          <a:bodyPr rtlCol="0" anchor="ctr"/>
+          <a:lstStyle/>
+          <a:p>
+            <a:pPr algn="ctr"/>
+            <a:endParaRPr lang="en-ES"/>
+          </a:p>
+        </p:txBody>
+      </p:sp>
+      <p:sp>
+        <p:nvSpPr>
+          <p:cNvPr id="39" name="TextBox 38">
+            <a:extLst>
+              <a:ext uri="{FF2B5EF4-FFF2-40B4-BE49-F238E27FC236}">
+                <a16:creationId xmlns:a16="http://schemas.microsoft.com/office/drawing/2014/main" id="{B2BAF4B9-A177-A300-8020-4419082225D1}"/>
+              </a:ext>
+            </a:extLst>
+          </p:cNvPr>
+          <p:cNvSpPr txBox="1"/>
+          <p:nvPr/>
+        </p:nvSpPr>
+        <p:spPr>
+          <a:xfrm>
+            <a:off x="7831510" y="4575962"/>
+            <a:ext cx="437940" cy="646331"/>
+          </a:xfrm>
+          <a:prstGeom prst="rect">
+            <a:avLst/>
+          </a:prstGeom>
+          <a:noFill/>
+        </p:spPr>
+        <p:txBody>
+          <a:bodyPr wrap="square" rtlCol="0">
+            <a:spAutoFit/>
+          </a:bodyPr>
+          <a:lstStyle/>
+          <a:p>
+            <a:r>
+              <a:rPr lang="en-ES" sz="3600" dirty="0"/>
+              <a:t>θ</a:t>
+            </a:r>
+          </a:p>
+        </p:txBody>
+      </p:sp>
+      <p:sp>
+        <p:nvSpPr>
+          <p:cNvPr id="27" name="Arc 26">
+            <a:extLst>
+              <a:ext uri="{FF2B5EF4-FFF2-40B4-BE49-F238E27FC236}">
+                <a16:creationId xmlns:a16="http://schemas.microsoft.com/office/drawing/2014/main" id="{D44EBBCE-8353-A21D-D2A4-6CB3D2F0D917}"/>
+              </a:ext>
+            </a:extLst>
+          </p:cNvPr>
+          <p:cNvSpPr/>
+          <p:nvPr/>
+        </p:nvSpPr>
+        <p:spPr>
+          <a:xfrm>
+            <a:off x="5023818" y="2428545"/>
+            <a:ext cx="6261087" cy="6149921"/>
+          </a:xfrm>
+          <a:prstGeom prst="arc">
+            <a:avLst>
+              <a:gd name="adj1" fmla="val 16235464"/>
+              <a:gd name="adj2" fmla="val 19178223"/>
+            </a:avLst>
+          </a:prstGeom>
+          <a:ln w="38100">
+            <a:solidFill>
+              <a:schemeClr val="tx1"/>
+            </a:solidFill>
+          </a:ln>
+        </p:spPr>
+        <p:style>
+          <a:lnRef idx="2">
+            <a:schemeClr val="accent1"/>
+          </a:lnRef>
+          <a:fillRef idx="0">
+            <a:schemeClr val="accent1"/>
+          </a:fillRef>
+          <a:effectRef idx="1">
+            <a:schemeClr val="accent1"/>
+          </a:effectRef>
+          <a:fontRef idx="minor">
+            <a:schemeClr val="tx1"/>
+          </a:fontRef>
+        </p:style>
+        <p:txBody>
+          <a:bodyPr rtlCol="0" anchor="ctr"/>
+          <a:lstStyle/>
+          <a:p>
+            <a:pPr algn="ctr"/>
+            <a:endParaRPr lang="en-ES"/>
+          </a:p>
+        </p:txBody>
+      </p:sp>
+      <p:sp>
+        <p:nvSpPr>
+          <p:cNvPr id="28" name="Oval 27">
+            <a:extLst>
+              <a:ext uri="{FF2B5EF4-FFF2-40B4-BE49-F238E27FC236}">
+                <a16:creationId xmlns:a16="http://schemas.microsoft.com/office/drawing/2014/main" id="{696F848F-7651-1E4E-DA9B-C9BCFBF483B3}"/>
+              </a:ext>
+            </a:extLst>
+          </p:cNvPr>
+          <p:cNvSpPr/>
+          <p:nvPr/>
+        </p:nvSpPr>
+        <p:spPr>
+          <a:xfrm>
+            <a:off x="8076712" y="5367642"/>
+            <a:ext cx="252148" cy="214956"/>
+          </a:xfrm>
+          <a:prstGeom prst="ellipse">
+            <a:avLst/>
+          </a:prstGeom>
+        </p:spPr>
+        <p:style>
+          <a:lnRef idx="2">
+            <a:schemeClr val="accent1">
+              <a:shade val="15000"/>
+            </a:schemeClr>
+          </a:lnRef>
+          <a:fillRef idx="1">
+            <a:schemeClr val="accent1"/>
+          </a:fillRef>
+          <a:effectRef idx="0">
+            <a:schemeClr val="accent1"/>
+          </a:effectRef>
+          <a:fontRef idx="minor">
+            <a:schemeClr val="lt1"/>
+          </a:fontRef>
+        </p:style>
+        <p:txBody>
+          <a:bodyPr rtlCol="0" anchor="ctr"/>
+          <a:lstStyle/>
+          <a:p>
+            <a:pPr algn="ctr"/>
+            <a:endParaRPr lang="en-ES"/>
+          </a:p>
+        </p:txBody>
+      </p:sp>
+      <p:cxnSp>
+        <p:nvCxnSpPr>
+          <p:cNvPr id="29" name="Straight Connector 28">
+            <a:extLst>
+              <a:ext uri="{FF2B5EF4-FFF2-40B4-BE49-F238E27FC236}">
+                <a16:creationId xmlns:a16="http://schemas.microsoft.com/office/drawing/2014/main" id="{623DC22B-FD40-A3D2-E338-EA3A9A6CFFCC}"/>
+              </a:ext>
+            </a:extLst>
+          </p:cNvPr>
+          <p:cNvCxnSpPr>
+            <a:cxnSpLocks/>
+            <a:stCxn id="28" idx="0"/>
+            <a:endCxn id="27" idx="0"/>
+          </p:cNvCxnSpPr>
+          <p:nvPr/>
+        </p:nvCxnSpPr>
+        <p:spPr>
+          <a:xfrm flipH="1" flipV="1">
+            <a:off x="8187178" y="2428714"/>
+            <a:ext cx="15609" cy="2938928"/>
+          </a:xfrm>
+          <a:prstGeom prst="line">
+            <a:avLst/>
+          </a:prstGeom>
+          <a:ln w="38100"/>
+        </p:spPr>
+        <p:style>
+          <a:lnRef idx="2">
+            <a:schemeClr val="accent1"/>
+          </a:lnRef>
+          <a:fillRef idx="0">
+            <a:schemeClr val="accent1"/>
+          </a:fillRef>
+          <a:effectRef idx="1">
+            <a:schemeClr val="accent1"/>
+          </a:effectRef>
+          <a:fontRef idx="minor">
+            <a:schemeClr val="tx1"/>
+          </a:fontRef>
+        </p:style>
+      </p:cxnSp>
+      <p:cxnSp>
+        <p:nvCxnSpPr>
+          <p:cNvPr id="32" name="Straight Connector 31">
+            <a:extLst>
+              <a:ext uri="{FF2B5EF4-FFF2-40B4-BE49-F238E27FC236}">
+                <a16:creationId xmlns:a16="http://schemas.microsoft.com/office/drawing/2014/main" id="{88E08202-D14E-073B-7532-0E6ADB19F65C}"/>
+              </a:ext>
+            </a:extLst>
+          </p:cNvPr>
+          <p:cNvCxnSpPr>
+            <a:cxnSpLocks/>
+            <a:stCxn id="28" idx="7"/>
+            <a:endCxn id="27" idx="2"/>
+          </p:cNvCxnSpPr>
+          <p:nvPr/>
+        </p:nvCxnSpPr>
+        <p:spPr>
+          <a:xfrm flipV="1">
+            <a:off x="8291934" y="3530674"/>
+            <a:ext cx="2263730" cy="1868448"/>
+          </a:xfrm>
+          <a:prstGeom prst="line">
+            <a:avLst/>
+          </a:prstGeom>
+          <a:ln w="38100"/>
+        </p:spPr>
+        <p:style>
+          <a:lnRef idx="2">
+            <a:schemeClr val="accent1"/>
+          </a:lnRef>
+          <a:fillRef idx="0">
+            <a:schemeClr val="accent1"/>
+          </a:fillRef>
+          <a:effectRef idx="1">
+            <a:schemeClr val="accent1"/>
+          </a:effectRef>
+          <a:fontRef idx="minor">
+            <a:schemeClr val="tx1"/>
+          </a:fontRef>
+        </p:style>
+      </p:cxnSp>
+      <p:sp>
+        <p:nvSpPr>
+          <p:cNvPr id="35" name="Arc 34">
+            <a:extLst>
+              <a:ext uri="{FF2B5EF4-FFF2-40B4-BE49-F238E27FC236}">
+                <a16:creationId xmlns:a16="http://schemas.microsoft.com/office/drawing/2014/main" id="{9D38E17D-1317-E71A-9CB5-1E7A4C94D7FB}"/>
+              </a:ext>
+            </a:extLst>
+          </p:cNvPr>
+          <p:cNvSpPr/>
+          <p:nvPr/>
+        </p:nvSpPr>
+        <p:spPr>
+          <a:xfrm>
+            <a:off x="7675213" y="4907486"/>
+            <a:ext cx="1087215" cy="1125839"/>
+          </a:xfrm>
+          <a:prstGeom prst="arc">
+            <a:avLst>
+              <a:gd name="adj1" fmla="val 16235464"/>
+              <a:gd name="adj2" fmla="val 19178223"/>
+            </a:avLst>
+          </a:prstGeom>
+          <a:ln w="38100">
+            <a:solidFill>
+              <a:schemeClr val="tx1"/>
+            </a:solidFill>
+          </a:ln>
+        </p:spPr>
+        <p:style>
+          <a:lnRef idx="2">
+            <a:schemeClr val="accent1"/>
+          </a:lnRef>
+          <a:fillRef idx="0">
+            <a:schemeClr val="accent1"/>
+          </a:fillRef>
+          <a:effectRef idx="1">
+            <a:schemeClr val="accent1"/>
+          </a:effectRef>
+          <a:fontRef idx="minor">
+            <a:schemeClr val="tx1"/>
+          </a:fontRef>
+        </p:style>
+        <p:txBody>
+          <a:bodyPr rtlCol="0" anchor="ctr"/>
+          <a:lstStyle/>
+          <a:p>
+            <a:pPr algn="ctr"/>
+            <a:endParaRPr lang="en-ES"/>
+          </a:p>
+        </p:txBody>
+      </p:sp>
+      <p:cxnSp>
+        <p:nvCxnSpPr>
+          <p:cNvPr id="40" name="Straight Connector 39">
+            <a:extLst>
+              <a:ext uri="{FF2B5EF4-FFF2-40B4-BE49-F238E27FC236}">
+                <a16:creationId xmlns:a16="http://schemas.microsoft.com/office/drawing/2014/main" id="{6DACE6DE-EDE6-32E9-FD03-901EB2FA79DD}"/>
+              </a:ext>
+            </a:extLst>
+          </p:cNvPr>
+          <p:cNvCxnSpPr>
+            <a:cxnSpLocks/>
+          </p:cNvCxnSpPr>
+          <p:nvPr/>
+        </p:nvCxnSpPr>
+        <p:spPr>
+          <a:xfrm flipV="1">
+            <a:off x="8247005" y="2962299"/>
+            <a:ext cx="1124415" cy="2436822"/>
+          </a:xfrm>
+          <a:prstGeom prst="line">
+            <a:avLst/>
+          </a:prstGeom>
+          <a:ln w="38100"/>
+        </p:spPr>
+        <p:style>
+          <a:lnRef idx="2">
+            <a:schemeClr val="accent1"/>
+          </a:lnRef>
+          <a:fillRef idx="0">
+            <a:schemeClr val="accent1"/>
+          </a:fillRef>
+          <a:effectRef idx="1">
+            <a:schemeClr val="accent1"/>
+          </a:effectRef>
+          <a:fontRef idx="minor">
+            <a:schemeClr val="tx1"/>
+          </a:fontRef>
+        </p:style>
+      </p:cxnSp>
+      <p:cxnSp>
+        <p:nvCxnSpPr>
+          <p:cNvPr id="45" name="Straight Connector 44">
+            <a:extLst>
+              <a:ext uri="{FF2B5EF4-FFF2-40B4-BE49-F238E27FC236}">
+                <a16:creationId xmlns:a16="http://schemas.microsoft.com/office/drawing/2014/main" id="{2C8B9186-E5DB-FE3C-2430-CA05B30D55DB}"/>
+              </a:ext>
+            </a:extLst>
+          </p:cNvPr>
+          <p:cNvCxnSpPr>
+            <a:cxnSpLocks/>
+            <a:stCxn id="27" idx="0"/>
+            <a:endCxn id="27" idx="2"/>
+          </p:cNvCxnSpPr>
+          <p:nvPr/>
+        </p:nvCxnSpPr>
+        <p:spPr>
+          <a:xfrm>
+            <a:off x="8187178" y="2428714"/>
+            <a:ext cx="2368487" cy="1101960"/>
+          </a:xfrm>
+          <a:prstGeom prst="line">
+            <a:avLst/>
+          </a:prstGeom>
+          <a:ln w="38100"/>
+        </p:spPr>
+        <p:style>
+          <a:lnRef idx="2">
+            <a:schemeClr val="accent1"/>
+          </a:lnRef>
+          <a:fillRef idx="0">
+            <a:schemeClr val="accent1"/>
+          </a:fillRef>
+          <a:effectRef idx="1">
+            <a:schemeClr val="accent1"/>
+          </a:effectRef>
+          <a:fontRef idx="minor">
+            <a:schemeClr val="tx1"/>
+          </a:fontRef>
+        </p:style>
+      </p:cxnSp>
+      <p:sp>
+        <p:nvSpPr>
+          <p:cNvPr id="49" name="TextBox 48">
+            <a:extLst>
+              <a:ext uri="{FF2B5EF4-FFF2-40B4-BE49-F238E27FC236}">
+                <a16:creationId xmlns:a16="http://schemas.microsoft.com/office/drawing/2014/main" id="{6C35533C-2F76-27FB-2FD9-2ADDE81760FB}"/>
+              </a:ext>
+            </a:extLst>
+          </p:cNvPr>
+          <p:cNvSpPr txBox="1"/>
+          <p:nvPr/>
+        </p:nvSpPr>
+        <p:spPr>
+          <a:xfrm>
+            <a:off x="8923895" y="3698799"/>
+            <a:ext cx="910662" cy="646331"/>
+          </a:xfrm>
+          <a:prstGeom prst="rect">
+            <a:avLst/>
+          </a:prstGeom>
+          <a:noFill/>
+        </p:spPr>
+        <p:txBody>
+          <a:bodyPr wrap="square" rtlCol="0">
+            <a:spAutoFit/>
+          </a:bodyPr>
+          <a:lstStyle/>
+          <a:p>
+            <a:r>
+              <a:rPr lang="en-ES" sz="3600" dirty="0"/>
+              <a:t>θ/2</a:t>
+            </a:r>
+          </a:p>
+        </p:txBody>
+      </p:sp>
+      <p:sp>
+        <p:nvSpPr>
+          <p:cNvPr id="52" name="Arc 51">
+            <a:extLst>
+              <a:ext uri="{FF2B5EF4-FFF2-40B4-BE49-F238E27FC236}">
+                <a16:creationId xmlns:a16="http://schemas.microsoft.com/office/drawing/2014/main" id="{A93F4E1C-D374-23D6-5C42-25A6D2DB28C2}"/>
+              </a:ext>
+            </a:extLst>
+          </p:cNvPr>
+          <p:cNvSpPr/>
+          <p:nvPr/>
+        </p:nvSpPr>
+        <p:spPr>
+          <a:xfrm>
+            <a:off x="6978790" y="4309012"/>
+            <a:ext cx="2428602" cy="2329182"/>
+          </a:xfrm>
+          <a:prstGeom prst="arc">
+            <a:avLst>
+              <a:gd name="adj1" fmla="val 17770735"/>
+              <a:gd name="adj2" fmla="val 19178223"/>
+            </a:avLst>
+          </a:prstGeom>
+          <a:ln w="38100">
+            <a:solidFill>
+              <a:schemeClr val="tx1"/>
+            </a:solidFill>
+          </a:ln>
+        </p:spPr>
+        <p:style>
+          <a:lnRef idx="2">
+            <a:schemeClr val="accent1"/>
+          </a:lnRef>
+          <a:fillRef idx="0">
+            <a:schemeClr val="accent1"/>
+          </a:fillRef>
+          <a:effectRef idx="1">
+            <a:schemeClr val="accent1"/>
+          </a:effectRef>
+          <a:fontRef idx="minor">
+            <a:schemeClr val="tx1"/>
+          </a:fontRef>
+        </p:style>
+        <p:txBody>
+          <a:bodyPr rtlCol="0" anchor="ctr"/>
+          <a:lstStyle/>
+          <a:p>
+            <a:pPr algn="ctr"/>
+            <a:endParaRPr lang="en-ES"/>
+          </a:p>
+        </p:txBody>
+      </p:sp>
+      <p:sp>
+        <p:nvSpPr>
+          <p:cNvPr id="53" name="Left Brace 52">
+            <a:extLst>
+              <a:ext uri="{FF2B5EF4-FFF2-40B4-BE49-F238E27FC236}">
+                <a16:creationId xmlns:a16="http://schemas.microsoft.com/office/drawing/2014/main" id="{EEBEADDA-4708-71AE-C04C-07AD989EC4E2}"/>
+              </a:ext>
+            </a:extLst>
+          </p:cNvPr>
+          <p:cNvSpPr/>
+          <p:nvPr/>
+        </p:nvSpPr>
+        <p:spPr>
+          <a:xfrm>
+            <a:off x="7602470" y="2446120"/>
+            <a:ext cx="304800" cy="3036119"/>
+          </a:xfrm>
+          <a:prstGeom prst="leftBrace">
+            <a:avLst/>
+          </a:prstGeom>
+        </p:spPr>
+        <p:style>
+          <a:lnRef idx="2">
+            <a:schemeClr val="accent1"/>
+          </a:lnRef>
+          <a:fillRef idx="0">
+            <a:schemeClr val="accent1"/>
+          </a:fillRef>
+          <a:effectRef idx="1">
+            <a:schemeClr val="accent1"/>
+          </a:effectRef>
+          <a:fontRef idx="minor">
+            <a:schemeClr val="tx1"/>
+          </a:fontRef>
+        </p:style>
+        <p:txBody>
+          <a:bodyPr rtlCol="0" anchor="ctr"/>
+          <a:lstStyle/>
+          <a:p>
+            <a:pPr algn="ctr"/>
+            <a:endParaRPr lang="en-ES"/>
+          </a:p>
+        </p:txBody>
+      </p:sp>
+      <p:sp>
+        <p:nvSpPr>
+          <p:cNvPr id="54" name="TextBox 53">
+            <a:extLst>
+              <a:ext uri="{FF2B5EF4-FFF2-40B4-BE49-F238E27FC236}">
+                <a16:creationId xmlns:a16="http://schemas.microsoft.com/office/drawing/2014/main" id="{6AA8751F-6753-0C32-755E-AFAE08EAEE67}"/>
+              </a:ext>
+            </a:extLst>
+          </p:cNvPr>
+          <p:cNvSpPr txBox="1"/>
+          <p:nvPr/>
+        </p:nvSpPr>
+        <p:spPr>
+          <a:xfrm>
+            <a:off x="7215825" y="3593096"/>
+            <a:ext cx="429926" cy="646331"/>
+          </a:xfrm>
+          <a:prstGeom prst="rect">
+            <a:avLst/>
+          </a:prstGeom>
+          <a:noFill/>
+        </p:spPr>
+        <p:txBody>
+          <a:bodyPr wrap="none" rtlCol="0">
+            <a:spAutoFit/>
+          </a:bodyPr>
+          <a:lstStyle/>
+          <a:p>
+            <a:r>
+              <a:rPr lang="en-ES" sz="3600" dirty="0"/>
+              <a:t>a</a:t>
+            </a:r>
+          </a:p>
+        </p:txBody>
+      </p:sp>
+      <p:sp>
+        <p:nvSpPr>
+          <p:cNvPr id="55" name="Left Brace 54">
+            <a:extLst>
+              <a:ext uri="{FF2B5EF4-FFF2-40B4-BE49-F238E27FC236}">
+                <a16:creationId xmlns:a16="http://schemas.microsoft.com/office/drawing/2014/main" id="{CDD0697A-62F8-2B60-9263-AD3D5323509E}"/>
+              </a:ext>
+            </a:extLst>
+          </p:cNvPr>
+          <p:cNvSpPr/>
+          <p:nvPr/>
+        </p:nvSpPr>
+        <p:spPr>
+          <a:xfrm rot="6941951">
+            <a:off x="9420309" y="1239921"/>
+            <a:ext cx="360267" cy="2639443"/>
+          </a:xfrm>
+          <a:prstGeom prst="leftBrace">
+            <a:avLst/>
+          </a:prstGeom>
+        </p:spPr>
+        <p:style>
+          <a:lnRef idx="2">
+            <a:schemeClr val="accent1"/>
+          </a:lnRef>
+          <a:fillRef idx="0">
+            <a:schemeClr val="accent1"/>
+          </a:fillRef>
+          <a:effectRef idx="1">
+            <a:schemeClr val="accent1"/>
+          </a:effectRef>
+          <a:fontRef idx="minor">
+            <a:schemeClr val="tx1"/>
+          </a:fontRef>
+        </p:style>
+        <p:txBody>
+          <a:bodyPr rtlCol="0" anchor="ctr"/>
+          <a:lstStyle/>
+          <a:p>
+            <a:pPr algn="ctr"/>
+            <a:endParaRPr lang="en-ES"/>
+          </a:p>
+        </p:txBody>
+      </p:sp>
+      <p:sp>
+        <p:nvSpPr>
+          <p:cNvPr id="56" name="TextBox 55">
+            <a:extLst>
+              <a:ext uri="{FF2B5EF4-FFF2-40B4-BE49-F238E27FC236}">
+                <a16:creationId xmlns:a16="http://schemas.microsoft.com/office/drawing/2014/main" id="{AA711C45-FDA9-252C-0272-E423179CB38D}"/>
+              </a:ext>
+            </a:extLst>
+          </p:cNvPr>
+          <p:cNvSpPr txBox="1"/>
+          <p:nvPr/>
+        </p:nvSpPr>
+        <p:spPr>
+          <a:xfrm>
+            <a:off x="9564336" y="1830351"/>
+            <a:ext cx="465192" cy="646331"/>
+          </a:xfrm>
+          <a:prstGeom prst="rect">
+            <a:avLst/>
+          </a:prstGeom>
+          <a:noFill/>
+        </p:spPr>
+        <p:txBody>
+          <a:bodyPr wrap="none" rtlCol="0">
+            <a:spAutoFit/>
+          </a:bodyPr>
+          <a:lstStyle/>
+          <a:p>
+            <a:r>
+              <a:rPr lang="en-ES" sz="3600" dirty="0"/>
+              <a:t>R</a:t>
+            </a:r>
+          </a:p>
+        </p:txBody>
+      </p:sp>
+    </p:spTree>
+    <p:extLst>
+      <p:ext uri="{BB962C8B-B14F-4D97-AF65-F5344CB8AC3E}">
+        <p14:creationId xmlns:p14="http://schemas.microsoft.com/office/powerpoint/2010/main" val="358445491"/>
+      </p:ext>
+    </p:extLst>
+  </p:cSld>
+  <p:clrMapOvr>
+    <a:masterClrMapping/>
+  </p:clrMapOvr>
+</p:sld>
+</file>
+
+<file path=ppt/slides/slide20.xml><?xml version="1.0" encoding="utf-8"?>
 <p:sld xmlns:a="http://schemas.openxmlformats.org/drawingml/2006/main" xmlns:r="http://schemas.openxmlformats.org/officeDocument/2006/relationships" xmlns:p="http://schemas.openxmlformats.org/presentationml/2006/main">
   <p:cSld>
     <p:spTree>
@@ -12511,7 +15713,7 @@
 </p:sld>
 </file>
 
-<file path=ppt/slides/slide19.xml><?xml version="1.0" encoding="utf-8"?>
+<file path=ppt/slides/slide21.xml><?xml version="1.0" encoding="utf-8"?>
 <p:sld xmlns:a="http://schemas.openxmlformats.org/drawingml/2006/main" xmlns:r="http://schemas.openxmlformats.org/officeDocument/2006/relationships" xmlns:p="http://schemas.openxmlformats.org/presentationml/2006/main">
   <p:cSld>
     <p:spTree>
@@ -13524,1456 +16726,7 @@
 </p:sld>
 </file>
 
-<file path=ppt/slides/slide2.xml><?xml version="1.0" encoding="utf-8"?>
-<p:sld xmlns:a="http://schemas.openxmlformats.org/drawingml/2006/main" xmlns:r="http://schemas.openxmlformats.org/officeDocument/2006/relationships" xmlns:p="http://schemas.openxmlformats.org/presentationml/2006/main">
-  <p:cSld>
-    <p:spTree>
-      <p:nvGrpSpPr>
-        <p:cNvPr id="1" name="">
-          <a:extLst>
-            <a:ext uri="{FF2B5EF4-FFF2-40B4-BE49-F238E27FC236}">
-              <a16:creationId xmlns:a16="http://schemas.microsoft.com/office/drawing/2014/main" id="{C9C37103-DC63-5195-15A1-347639A24472}"/>
-            </a:ext>
-          </a:extLst>
-        </p:cNvPr>
-        <p:cNvGrpSpPr/>
-        <p:nvPr/>
-      </p:nvGrpSpPr>
-      <p:grpSpPr>
-        <a:xfrm>
-          <a:off x="0" y="0"/>
-          <a:ext cx="0" cy="0"/>
-          <a:chOff x="0" y="0"/>
-          <a:chExt cx="0" cy="0"/>
-        </a:xfrm>
-      </p:grpSpPr>
-      <p:sp>
-        <p:nvSpPr>
-          <p:cNvPr id="2" name="Title 1">
-            <a:extLst>
-              <a:ext uri="{FF2B5EF4-FFF2-40B4-BE49-F238E27FC236}">
-                <a16:creationId xmlns:a16="http://schemas.microsoft.com/office/drawing/2014/main" id="{2C855AD1-D50F-D045-AE97-ECD7E6A24D1A}"/>
-              </a:ext>
-            </a:extLst>
-          </p:cNvPr>
-          <p:cNvSpPr>
-            <a:spLocks noGrp="1"/>
-          </p:cNvSpPr>
-          <p:nvPr>
-            <p:ph type="title"/>
-          </p:nvPr>
-        </p:nvSpPr>
-        <p:spPr/>
-        <p:txBody>
-          <a:bodyPr/>
-          <a:lstStyle/>
-          <a:p>
-            <a:r>
-              <a:rPr lang="en-ES" dirty="0"/>
-              <a:t>B1.S1.2</a:t>
-            </a:r>
-          </a:p>
-        </p:txBody>
-      </p:sp>
-      <p:sp>
-        <p:nvSpPr>
-          <p:cNvPr id="3" name="Pie 2">
-            <a:extLst>
-              <a:ext uri="{FF2B5EF4-FFF2-40B4-BE49-F238E27FC236}">
-                <a16:creationId xmlns:a16="http://schemas.microsoft.com/office/drawing/2014/main" id="{09316E81-ED00-99A8-74C7-A1B90526EBE2}"/>
-              </a:ext>
-            </a:extLst>
-          </p:cNvPr>
-          <p:cNvSpPr/>
-          <p:nvPr/>
-        </p:nvSpPr>
-        <p:spPr>
-          <a:xfrm>
-            <a:off x="1433456" y="2918012"/>
-            <a:ext cx="4155141" cy="4222378"/>
-          </a:xfrm>
-          <a:prstGeom prst="pie">
-            <a:avLst>
-              <a:gd name="adj1" fmla="val 10766858"/>
-              <a:gd name="adj2" fmla="val 4033"/>
-            </a:avLst>
-          </a:prstGeom>
-          <a:solidFill>
-            <a:schemeClr val="accent4">
-              <a:lumMod val="40000"/>
-              <a:lumOff val="60000"/>
-            </a:schemeClr>
-          </a:solidFill>
-        </p:spPr>
-        <p:style>
-          <a:lnRef idx="2">
-            <a:schemeClr val="accent1">
-              <a:shade val="15000"/>
-            </a:schemeClr>
-          </a:lnRef>
-          <a:fillRef idx="1">
-            <a:schemeClr val="accent1"/>
-          </a:fillRef>
-          <a:effectRef idx="0">
-            <a:schemeClr val="accent1"/>
-          </a:effectRef>
-          <a:fontRef idx="minor">
-            <a:schemeClr val="lt1"/>
-          </a:fontRef>
-        </p:style>
-        <p:txBody>
-          <a:bodyPr rtlCol="0" anchor="ctr"/>
-          <a:lstStyle/>
-          <a:p>
-            <a:pPr algn="ctr"/>
-            <a:endParaRPr lang="en-ES">
-              <a:solidFill>
-                <a:schemeClr val="tx1"/>
-              </a:solidFill>
-            </a:endParaRPr>
-          </a:p>
-        </p:txBody>
-      </p:sp>
-      <p:sp>
-        <p:nvSpPr>
-          <p:cNvPr id="4" name="Oval 3">
-            <a:extLst>
-              <a:ext uri="{FF2B5EF4-FFF2-40B4-BE49-F238E27FC236}">
-                <a16:creationId xmlns:a16="http://schemas.microsoft.com/office/drawing/2014/main" id="{2550CF0A-890E-8281-8E8A-C7005607E13A}"/>
-              </a:ext>
-            </a:extLst>
-          </p:cNvPr>
-          <p:cNvSpPr/>
-          <p:nvPr/>
-        </p:nvSpPr>
-        <p:spPr>
-          <a:xfrm>
-            <a:off x="1433456" y="4554892"/>
-            <a:ext cx="4155141" cy="948614"/>
-          </a:xfrm>
-          <a:prstGeom prst="ellipse">
-            <a:avLst/>
-          </a:prstGeom>
-          <a:solidFill>
-            <a:schemeClr val="accent4">
-              <a:lumMod val="40000"/>
-              <a:lumOff val="60000"/>
-            </a:schemeClr>
-          </a:solidFill>
-          <a:ln>
-            <a:noFill/>
-          </a:ln>
-        </p:spPr>
-        <p:style>
-          <a:lnRef idx="2">
-            <a:schemeClr val="accent1">
-              <a:shade val="15000"/>
-            </a:schemeClr>
-          </a:lnRef>
-          <a:fillRef idx="1">
-            <a:schemeClr val="accent1"/>
-          </a:fillRef>
-          <a:effectRef idx="0">
-            <a:schemeClr val="accent1"/>
-          </a:effectRef>
-          <a:fontRef idx="minor">
-            <a:schemeClr val="lt1"/>
-          </a:fontRef>
-        </p:style>
-        <p:txBody>
-          <a:bodyPr rtlCol="0" anchor="ctr"/>
-          <a:lstStyle/>
-          <a:p>
-            <a:pPr algn="ctr"/>
-            <a:endParaRPr lang="en-ES"/>
-          </a:p>
-        </p:txBody>
-      </p:sp>
-      <p:sp>
-        <p:nvSpPr>
-          <p:cNvPr id="5" name="Arc 4">
-            <a:extLst>
-              <a:ext uri="{FF2B5EF4-FFF2-40B4-BE49-F238E27FC236}">
-                <a16:creationId xmlns:a16="http://schemas.microsoft.com/office/drawing/2014/main" id="{5C6A1C15-53B7-496E-84B0-7169FFC2E6B7}"/>
-              </a:ext>
-            </a:extLst>
-          </p:cNvPr>
-          <p:cNvSpPr/>
-          <p:nvPr/>
-        </p:nvSpPr>
-        <p:spPr>
-          <a:xfrm>
-            <a:off x="1433457" y="2918012"/>
-            <a:ext cx="4155141" cy="4222377"/>
-          </a:xfrm>
-          <a:prstGeom prst="arc">
-            <a:avLst>
-              <a:gd name="adj1" fmla="val 10778025"/>
-              <a:gd name="adj2" fmla="val 0"/>
-            </a:avLst>
-          </a:prstGeom>
-          <a:ln w="38100">
-            <a:solidFill>
-              <a:schemeClr val="tx1"/>
-            </a:solidFill>
-          </a:ln>
-        </p:spPr>
-        <p:style>
-          <a:lnRef idx="2">
-            <a:schemeClr val="accent1"/>
-          </a:lnRef>
-          <a:fillRef idx="0">
-            <a:schemeClr val="accent1"/>
-          </a:fillRef>
-          <a:effectRef idx="1">
-            <a:schemeClr val="accent1"/>
-          </a:effectRef>
-          <a:fontRef idx="minor">
-            <a:schemeClr val="tx1"/>
-          </a:fontRef>
-        </p:style>
-        <p:txBody>
-          <a:bodyPr rtlCol="0" anchor="ctr"/>
-          <a:lstStyle/>
-          <a:p>
-            <a:pPr algn="ctr"/>
-            <a:endParaRPr lang="en-ES"/>
-          </a:p>
-        </p:txBody>
-      </p:sp>
-      <p:sp>
-        <p:nvSpPr>
-          <p:cNvPr id="6" name="Arc 5">
-            <a:extLst>
-              <a:ext uri="{FF2B5EF4-FFF2-40B4-BE49-F238E27FC236}">
-                <a16:creationId xmlns:a16="http://schemas.microsoft.com/office/drawing/2014/main" id="{5160BAA1-70E8-938B-6BDD-EC025B43B0B1}"/>
-              </a:ext>
-            </a:extLst>
-          </p:cNvPr>
-          <p:cNvSpPr/>
-          <p:nvPr/>
-        </p:nvSpPr>
-        <p:spPr>
-          <a:xfrm>
-            <a:off x="1433457" y="4554893"/>
-            <a:ext cx="4155141" cy="948613"/>
-          </a:xfrm>
-          <a:prstGeom prst="arc">
-            <a:avLst>
-              <a:gd name="adj1" fmla="val 10778025"/>
-              <a:gd name="adj2" fmla="val 0"/>
-            </a:avLst>
-          </a:prstGeom>
-          <a:ln w="38100">
-            <a:solidFill>
-              <a:schemeClr val="tx1"/>
-            </a:solidFill>
-            <a:prstDash val="dash"/>
-          </a:ln>
-        </p:spPr>
-        <p:style>
-          <a:lnRef idx="2">
-            <a:schemeClr val="accent1"/>
-          </a:lnRef>
-          <a:fillRef idx="0">
-            <a:schemeClr val="accent1"/>
-          </a:fillRef>
-          <a:effectRef idx="1">
-            <a:schemeClr val="accent1"/>
-          </a:effectRef>
-          <a:fontRef idx="minor">
-            <a:schemeClr val="tx1"/>
-          </a:fontRef>
-        </p:style>
-        <p:txBody>
-          <a:bodyPr rtlCol="0" anchor="ctr"/>
-          <a:lstStyle/>
-          <a:p>
-            <a:pPr algn="ctr"/>
-            <a:endParaRPr lang="en-ES"/>
-          </a:p>
-        </p:txBody>
-      </p:sp>
-      <p:sp>
-        <p:nvSpPr>
-          <p:cNvPr id="7" name="Arc 6">
-            <a:extLst>
-              <a:ext uri="{FF2B5EF4-FFF2-40B4-BE49-F238E27FC236}">
-                <a16:creationId xmlns:a16="http://schemas.microsoft.com/office/drawing/2014/main" id="{DB4EF742-A090-1805-5DD9-C5546877BC35}"/>
-              </a:ext>
-            </a:extLst>
-          </p:cNvPr>
-          <p:cNvSpPr/>
-          <p:nvPr/>
-        </p:nvSpPr>
-        <p:spPr>
-          <a:xfrm>
-            <a:off x="1433457" y="4554893"/>
-            <a:ext cx="4155141" cy="948613"/>
-          </a:xfrm>
-          <a:prstGeom prst="arc">
-            <a:avLst>
-              <a:gd name="adj1" fmla="val 21583761"/>
-              <a:gd name="adj2" fmla="val 10776216"/>
-            </a:avLst>
-          </a:prstGeom>
-          <a:ln w="38100">
-            <a:solidFill>
-              <a:schemeClr val="tx1"/>
-            </a:solidFill>
-            <a:prstDash val="solid"/>
-          </a:ln>
-        </p:spPr>
-        <p:style>
-          <a:lnRef idx="2">
-            <a:schemeClr val="accent1"/>
-          </a:lnRef>
-          <a:fillRef idx="0">
-            <a:schemeClr val="accent1"/>
-          </a:fillRef>
-          <a:effectRef idx="1">
-            <a:schemeClr val="accent1"/>
-          </a:effectRef>
-          <a:fontRef idx="minor">
-            <a:schemeClr val="tx1"/>
-          </a:fontRef>
-        </p:style>
-        <p:txBody>
-          <a:bodyPr rtlCol="0" anchor="ctr"/>
-          <a:lstStyle/>
-          <a:p>
-            <a:pPr algn="ctr"/>
-            <a:endParaRPr lang="en-ES"/>
-          </a:p>
-        </p:txBody>
-      </p:sp>
-      <p:sp>
-        <p:nvSpPr>
-          <p:cNvPr id="8" name="Oval 7">
-            <a:extLst>
-              <a:ext uri="{FF2B5EF4-FFF2-40B4-BE49-F238E27FC236}">
-                <a16:creationId xmlns:a16="http://schemas.microsoft.com/office/drawing/2014/main" id="{7A9363B4-DF01-E150-82B0-0FCA77C1C5FD}"/>
-              </a:ext>
-            </a:extLst>
-          </p:cNvPr>
-          <p:cNvSpPr/>
-          <p:nvPr/>
-        </p:nvSpPr>
-        <p:spPr>
-          <a:xfrm>
-            <a:off x="3419634" y="2994731"/>
-            <a:ext cx="167337" cy="69668"/>
-          </a:xfrm>
-          <a:prstGeom prst="ellipse">
-            <a:avLst/>
-          </a:prstGeom>
-        </p:spPr>
-        <p:style>
-          <a:lnRef idx="2">
-            <a:schemeClr val="accent1">
-              <a:shade val="15000"/>
-            </a:schemeClr>
-          </a:lnRef>
-          <a:fillRef idx="1">
-            <a:schemeClr val="accent1"/>
-          </a:fillRef>
-          <a:effectRef idx="0">
-            <a:schemeClr val="accent1"/>
-          </a:effectRef>
-          <a:fontRef idx="minor">
-            <a:schemeClr val="lt1"/>
-          </a:fontRef>
-        </p:style>
-        <p:txBody>
-          <a:bodyPr rtlCol="0" anchor="ctr"/>
-          <a:lstStyle/>
-          <a:p>
-            <a:pPr algn="ctr"/>
-            <a:endParaRPr lang="en-ES"/>
-          </a:p>
-        </p:txBody>
-      </p:sp>
-      <p:sp>
-        <p:nvSpPr>
-          <p:cNvPr id="9" name="Oval 8">
-            <a:extLst>
-              <a:ext uri="{FF2B5EF4-FFF2-40B4-BE49-F238E27FC236}">
-                <a16:creationId xmlns:a16="http://schemas.microsoft.com/office/drawing/2014/main" id="{FB49C907-F857-56ED-24B1-562263F086B6}"/>
-              </a:ext>
-            </a:extLst>
-          </p:cNvPr>
-          <p:cNvSpPr/>
-          <p:nvPr/>
-        </p:nvSpPr>
-        <p:spPr>
-          <a:xfrm>
-            <a:off x="3419634" y="4957904"/>
-            <a:ext cx="167337" cy="69668"/>
-          </a:xfrm>
-          <a:prstGeom prst="ellipse">
-            <a:avLst/>
-          </a:prstGeom>
-        </p:spPr>
-        <p:style>
-          <a:lnRef idx="2">
-            <a:schemeClr val="accent1">
-              <a:shade val="15000"/>
-            </a:schemeClr>
-          </a:lnRef>
-          <a:fillRef idx="1">
-            <a:schemeClr val="accent1"/>
-          </a:fillRef>
-          <a:effectRef idx="0">
-            <a:schemeClr val="accent1"/>
-          </a:effectRef>
-          <a:fontRef idx="minor">
-            <a:schemeClr val="lt1"/>
-          </a:fontRef>
-        </p:style>
-        <p:txBody>
-          <a:bodyPr rtlCol="0" anchor="ctr"/>
-          <a:lstStyle/>
-          <a:p>
-            <a:pPr algn="ctr"/>
-            <a:endParaRPr lang="en-ES"/>
-          </a:p>
-        </p:txBody>
-      </p:sp>
-      <p:sp>
-        <p:nvSpPr>
-          <p:cNvPr id="11" name="TextBox 10">
-            <a:extLst>
-              <a:ext uri="{FF2B5EF4-FFF2-40B4-BE49-F238E27FC236}">
-                <a16:creationId xmlns:a16="http://schemas.microsoft.com/office/drawing/2014/main" id="{BC1AE886-0269-55E1-6972-61F189366C57}"/>
-              </a:ext>
-            </a:extLst>
-          </p:cNvPr>
-          <p:cNvSpPr txBox="1"/>
-          <p:nvPr/>
-        </p:nvSpPr>
-        <p:spPr>
-          <a:xfrm>
-            <a:off x="2919597" y="2310040"/>
-            <a:ext cx="510076" cy="646331"/>
-          </a:xfrm>
-          <a:prstGeom prst="rect">
-            <a:avLst/>
-          </a:prstGeom>
-          <a:noFill/>
-        </p:spPr>
-        <p:txBody>
-          <a:bodyPr wrap="none" rtlCol="0">
-            <a:spAutoFit/>
-          </a:bodyPr>
-          <a:lstStyle/>
-          <a:p>
-            <a:r>
-              <a:rPr lang="en-ES" sz="3600" dirty="0"/>
-              <a:t>N</a:t>
-            </a:r>
-          </a:p>
-        </p:txBody>
-      </p:sp>
-      <p:sp>
-        <p:nvSpPr>
-          <p:cNvPr id="12" name="TextBox 11">
-            <a:extLst>
-              <a:ext uri="{FF2B5EF4-FFF2-40B4-BE49-F238E27FC236}">
-                <a16:creationId xmlns:a16="http://schemas.microsoft.com/office/drawing/2014/main" id="{724EBCBB-BAC7-9A1F-D4A7-C8981C1E253D}"/>
-              </a:ext>
-            </a:extLst>
-          </p:cNvPr>
-          <p:cNvSpPr txBox="1"/>
-          <p:nvPr/>
-        </p:nvSpPr>
-        <p:spPr>
-          <a:xfrm>
-            <a:off x="2896734" y="4857175"/>
-            <a:ext cx="522900" cy="646331"/>
-          </a:xfrm>
-          <a:prstGeom prst="rect">
-            <a:avLst/>
-          </a:prstGeom>
-          <a:noFill/>
-        </p:spPr>
-        <p:txBody>
-          <a:bodyPr wrap="none" rtlCol="0">
-            <a:spAutoFit/>
-          </a:bodyPr>
-          <a:lstStyle/>
-          <a:p>
-            <a:r>
-              <a:rPr lang="en-ES" sz="3600" dirty="0"/>
-              <a:t>O</a:t>
-            </a:r>
-          </a:p>
-        </p:txBody>
-      </p:sp>
-      <p:sp>
-        <p:nvSpPr>
-          <p:cNvPr id="13" name="Oval 12">
-            <a:extLst>
-              <a:ext uri="{FF2B5EF4-FFF2-40B4-BE49-F238E27FC236}">
-                <a16:creationId xmlns:a16="http://schemas.microsoft.com/office/drawing/2014/main" id="{322D8EC8-818D-2FD2-93C7-4DCB0E0893A1}"/>
-              </a:ext>
-            </a:extLst>
-          </p:cNvPr>
-          <p:cNvSpPr/>
-          <p:nvPr/>
-        </p:nvSpPr>
-        <p:spPr>
-          <a:xfrm rot="2766453">
-            <a:off x="4400372" y="3642708"/>
-            <a:ext cx="167337" cy="69668"/>
-          </a:xfrm>
-          <a:prstGeom prst="ellipse">
-            <a:avLst/>
-          </a:prstGeom>
-        </p:spPr>
-        <p:style>
-          <a:lnRef idx="2">
-            <a:schemeClr val="accent1">
-              <a:shade val="15000"/>
-            </a:schemeClr>
-          </a:lnRef>
-          <a:fillRef idx="1">
-            <a:schemeClr val="accent1"/>
-          </a:fillRef>
-          <a:effectRef idx="0">
-            <a:schemeClr val="accent1"/>
-          </a:effectRef>
-          <a:fontRef idx="minor">
-            <a:schemeClr val="lt1"/>
-          </a:fontRef>
-        </p:style>
-        <p:txBody>
-          <a:bodyPr rtlCol="0" anchor="ctr"/>
-          <a:lstStyle/>
-          <a:p>
-            <a:pPr algn="ctr"/>
-            <a:endParaRPr lang="en-ES"/>
-          </a:p>
-        </p:txBody>
-      </p:sp>
-      <p:sp>
-        <p:nvSpPr>
-          <p:cNvPr id="14" name="Arc 13">
-            <a:extLst>
-              <a:ext uri="{FF2B5EF4-FFF2-40B4-BE49-F238E27FC236}">
-                <a16:creationId xmlns:a16="http://schemas.microsoft.com/office/drawing/2014/main" id="{788039F9-6F13-8097-318F-A9E4FDBD5E07}"/>
-              </a:ext>
-            </a:extLst>
-          </p:cNvPr>
-          <p:cNvSpPr/>
-          <p:nvPr/>
-        </p:nvSpPr>
-        <p:spPr>
-          <a:xfrm>
-            <a:off x="1021973" y="2961043"/>
-            <a:ext cx="4001845" cy="4450977"/>
-          </a:xfrm>
-          <a:prstGeom prst="arc">
-            <a:avLst>
-              <a:gd name="adj1" fmla="val 17045662"/>
-              <a:gd name="adj2" fmla="val 18774423"/>
-            </a:avLst>
-          </a:prstGeom>
-          <a:ln w="38100">
-            <a:solidFill>
-              <a:schemeClr val="tx1"/>
-            </a:solidFill>
-          </a:ln>
-        </p:spPr>
-        <p:style>
-          <a:lnRef idx="2">
-            <a:schemeClr val="accent1"/>
-          </a:lnRef>
-          <a:fillRef idx="0">
-            <a:schemeClr val="accent1"/>
-          </a:fillRef>
-          <a:effectRef idx="1">
-            <a:schemeClr val="accent1"/>
-          </a:effectRef>
-          <a:fontRef idx="minor">
-            <a:schemeClr val="tx1"/>
-          </a:fontRef>
-        </p:style>
-        <p:txBody>
-          <a:bodyPr rtlCol="0" anchor="ctr"/>
-          <a:lstStyle/>
-          <a:p>
-            <a:pPr algn="ctr"/>
-            <a:endParaRPr lang="en-ES"/>
-          </a:p>
-        </p:txBody>
-      </p:sp>
-      <p:cxnSp>
-        <p:nvCxnSpPr>
-          <p:cNvPr id="16" name="Straight Connector 15">
-            <a:extLst>
-              <a:ext uri="{FF2B5EF4-FFF2-40B4-BE49-F238E27FC236}">
-                <a16:creationId xmlns:a16="http://schemas.microsoft.com/office/drawing/2014/main" id="{44BBA49D-0D71-3BED-1ACD-F3EB4C050F8D}"/>
-              </a:ext>
-            </a:extLst>
-          </p:cNvPr>
-          <p:cNvCxnSpPr>
-            <a:cxnSpLocks/>
-          </p:cNvCxnSpPr>
-          <p:nvPr/>
-        </p:nvCxnSpPr>
-        <p:spPr>
-          <a:xfrm flipV="1">
-            <a:off x="3506993" y="3064399"/>
-            <a:ext cx="0" cy="1893505"/>
-          </a:xfrm>
-          <a:prstGeom prst="line">
-            <a:avLst/>
-          </a:prstGeom>
-          <a:ln w="38100"/>
-        </p:spPr>
-        <p:style>
-          <a:lnRef idx="2">
-            <a:schemeClr val="accent1"/>
-          </a:lnRef>
-          <a:fillRef idx="0">
-            <a:schemeClr val="accent1"/>
-          </a:fillRef>
-          <a:effectRef idx="1">
-            <a:schemeClr val="accent1"/>
-          </a:effectRef>
-          <a:fontRef idx="minor">
-            <a:schemeClr val="tx1"/>
-          </a:fontRef>
-        </p:style>
-      </p:cxnSp>
-      <p:cxnSp>
-        <p:nvCxnSpPr>
-          <p:cNvPr id="19" name="Straight Connector 18">
-            <a:extLst>
-              <a:ext uri="{FF2B5EF4-FFF2-40B4-BE49-F238E27FC236}">
-                <a16:creationId xmlns:a16="http://schemas.microsoft.com/office/drawing/2014/main" id="{6C288BBB-8476-FC27-7A5A-C6C4422C0C68}"/>
-              </a:ext>
-            </a:extLst>
-          </p:cNvPr>
-          <p:cNvCxnSpPr>
-            <a:cxnSpLocks/>
-            <a:stCxn id="9" idx="7"/>
-            <a:endCxn id="13" idx="4"/>
-          </p:cNvCxnSpPr>
-          <p:nvPr/>
-        </p:nvCxnSpPr>
-        <p:spPr>
-          <a:xfrm flipV="1">
-            <a:off x="3562465" y="3701693"/>
-            <a:ext cx="896473" cy="1266414"/>
-          </a:xfrm>
-          <a:prstGeom prst="line">
-            <a:avLst/>
-          </a:prstGeom>
-          <a:ln w="38100">
-            <a:tailEnd type="triangle"/>
-          </a:ln>
-        </p:spPr>
-        <p:style>
-          <a:lnRef idx="2">
-            <a:schemeClr val="accent1"/>
-          </a:lnRef>
-          <a:fillRef idx="0">
-            <a:schemeClr val="accent1"/>
-          </a:fillRef>
-          <a:effectRef idx="1">
-            <a:schemeClr val="accent1"/>
-          </a:effectRef>
-          <a:fontRef idx="minor">
-            <a:schemeClr val="tx1"/>
-          </a:fontRef>
-        </p:style>
-      </p:cxnSp>
-      <p:grpSp>
-        <p:nvGrpSpPr>
-          <p:cNvPr id="23" name="Group 22">
-            <a:extLst>
-              <a:ext uri="{FF2B5EF4-FFF2-40B4-BE49-F238E27FC236}">
-                <a16:creationId xmlns:a16="http://schemas.microsoft.com/office/drawing/2014/main" id="{D9E60F76-4DDA-DD52-F378-CBA81B55D2D5}"/>
-              </a:ext>
-            </a:extLst>
-          </p:cNvPr>
-          <p:cNvGrpSpPr/>
-          <p:nvPr/>
-        </p:nvGrpSpPr>
-        <p:grpSpPr>
-          <a:xfrm>
-            <a:off x="4212716" y="3869196"/>
-            <a:ext cx="492443" cy="732608"/>
-            <a:chOff x="6765974" y="1862976"/>
-            <a:chExt cx="492443" cy="732608"/>
-          </a:xfrm>
-        </p:grpSpPr>
-        <p:sp>
-          <p:nvSpPr>
-            <p:cNvPr id="21" name="TextBox 20">
-              <a:extLst>
-                <a:ext uri="{FF2B5EF4-FFF2-40B4-BE49-F238E27FC236}">
-                  <a16:creationId xmlns:a16="http://schemas.microsoft.com/office/drawing/2014/main" id="{2201616C-9A24-84E2-F584-C74920985373}"/>
-                </a:ext>
-              </a:extLst>
-            </p:cNvPr>
-            <p:cNvSpPr txBox="1"/>
-            <p:nvPr/>
-          </p:nvSpPr>
-          <p:spPr>
-            <a:xfrm>
-              <a:off x="6817922" y="1949253"/>
-              <a:ext cx="338554" cy="646331"/>
-            </a:xfrm>
-            <a:prstGeom prst="rect">
-              <a:avLst/>
-            </a:prstGeom>
-            <a:noFill/>
-          </p:spPr>
-          <p:txBody>
-            <a:bodyPr wrap="none" rtlCol="0">
-              <a:spAutoFit/>
-            </a:bodyPr>
-            <a:lstStyle/>
-            <a:p>
-              <a:r>
-                <a:rPr lang="en-ES" sz="3600" dirty="0"/>
-                <a:t>r</a:t>
-              </a:r>
-              <a:endParaRPr lang="en-ES" sz="3600" baseline="-25000" dirty="0"/>
-            </a:p>
-          </p:txBody>
-        </p:sp>
-        <p:sp>
-          <p:nvSpPr>
-            <p:cNvPr id="22" name="TextBox 21">
-              <a:extLst>
-                <a:ext uri="{FF2B5EF4-FFF2-40B4-BE49-F238E27FC236}">
-                  <a16:creationId xmlns:a16="http://schemas.microsoft.com/office/drawing/2014/main" id="{63ECEDFA-0FEB-914E-3AA2-BADC696A90F5}"/>
-                </a:ext>
-              </a:extLst>
-            </p:cNvPr>
-            <p:cNvSpPr txBox="1"/>
-            <p:nvPr/>
-          </p:nvSpPr>
-          <p:spPr>
-            <a:xfrm>
-              <a:off x="6765974" y="1862976"/>
-              <a:ext cx="492443" cy="461665"/>
-            </a:xfrm>
-            <a:prstGeom prst="rect">
-              <a:avLst/>
-            </a:prstGeom>
-            <a:noFill/>
-          </p:spPr>
-          <p:txBody>
-            <a:bodyPr wrap="square" rtlCol="0">
-              <a:spAutoFit/>
-            </a:bodyPr>
-            <a:lstStyle/>
-            <a:p>
-              <a:r>
-                <a:rPr lang="en-ES" sz="2400" dirty="0"/>
-                <a:t>➝</a:t>
-              </a:r>
-            </a:p>
-          </p:txBody>
-        </p:sp>
-      </p:grpSp>
-      <p:sp>
-        <p:nvSpPr>
-          <p:cNvPr id="25" name="TextBox 24">
-            <a:extLst>
-              <a:ext uri="{FF2B5EF4-FFF2-40B4-BE49-F238E27FC236}">
-                <a16:creationId xmlns:a16="http://schemas.microsoft.com/office/drawing/2014/main" id="{B24F304A-4BC6-5985-7719-03D18059EAC9}"/>
-              </a:ext>
-            </a:extLst>
-          </p:cNvPr>
-          <p:cNvSpPr txBox="1"/>
-          <p:nvPr/>
-        </p:nvSpPr>
-        <p:spPr>
-          <a:xfrm>
-            <a:off x="3589028" y="3717153"/>
-            <a:ext cx="437940" cy="646331"/>
-          </a:xfrm>
-          <a:prstGeom prst="rect">
-            <a:avLst/>
-          </a:prstGeom>
-          <a:noFill/>
-        </p:spPr>
-        <p:txBody>
-          <a:bodyPr wrap="none" rtlCol="0">
-            <a:spAutoFit/>
-          </a:bodyPr>
-          <a:lstStyle/>
-          <a:p>
-            <a:r>
-              <a:rPr lang="en-ES" sz="3600" dirty="0"/>
-              <a:t>θ</a:t>
-            </a:r>
-          </a:p>
-        </p:txBody>
-      </p:sp>
-      <p:sp>
-        <p:nvSpPr>
-          <p:cNvPr id="26" name="Arc 25">
-            <a:extLst>
-              <a:ext uri="{FF2B5EF4-FFF2-40B4-BE49-F238E27FC236}">
-                <a16:creationId xmlns:a16="http://schemas.microsoft.com/office/drawing/2014/main" id="{2D82B2C3-C8B9-E23E-F3C2-C3F98C7BE8C9}"/>
-              </a:ext>
-            </a:extLst>
-          </p:cNvPr>
-          <p:cNvSpPr/>
-          <p:nvPr/>
-        </p:nvSpPr>
-        <p:spPr>
-          <a:xfrm>
-            <a:off x="2276854" y="4149883"/>
-            <a:ext cx="1913383" cy="2060914"/>
-          </a:xfrm>
-          <a:prstGeom prst="arc">
-            <a:avLst>
-              <a:gd name="adj1" fmla="val 17045662"/>
-              <a:gd name="adj2" fmla="val 18774423"/>
-            </a:avLst>
-          </a:prstGeom>
-          <a:ln w="38100">
-            <a:solidFill>
-              <a:schemeClr val="tx1"/>
-            </a:solidFill>
-          </a:ln>
-        </p:spPr>
-        <p:style>
-          <a:lnRef idx="2">
-            <a:schemeClr val="accent1"/>
-          </a:lnRef>
-          <a:fillRef idx="0">
-            <a:schemeClr val="accent1"/>
-          </a:fillRef>
-          <a:effectRef idx="1">
-            <a:schemeClr val="accent1"/>
-          </a:effectRef>
-          <a:fontRef idx="minor">
-            <a:schemeClr val="tx1"/>
-          </a:fontRef>
-        </p:style>
-        <p:txBody>
-          <a:bodyPr rtlCol="0" anchor="ctr"/>
-          <a:lstStyle/>
-          <a:p>
-            <a:pPr algn="ctr"/>
-            <a:endParaRPr lang="en-ES"/>
-          </a:p>
-        </p:txBody>
-      </p:sp>
-      <p:sp>
-        <p:nvSpPr>
-          <p:cNvPr id="39" name="TextBox 38">
-            <a:extLst>
-              <a:ext uri="{FF2B5EF4-FFF2-40B4-BE49-F238E27FC236}">
-                <a16:creationId xmlns:a16="http://schemas.microsoft.com/office/drawing/2014/main" id="{B2BAF4B9-A177-A300-8020-4419082225D1}"/>
-              </a:ext>
-            </a:extLst>
-          </p:cNvPr>
-          <p:cNvSpPr txBox="1"/>
-          <p:nvPr/>
-        </p:nvSpPr>
-        <p:spPr>
-          <a:xfrm>
-            <a:off x="7831510" y="4575962"/>
-            <a:ext cx="437940" cy="646331"/>
-          </a:xfrm>
-          <a:prstGeom prst="rect">
-            <a:avLst/>
-          </a:prstGeom>
-          <a:noFill/>
-        </p:spPr>
-        <p:txBody>
-          <a:bodyPr wrap="square" rtlCol="0">
-            <a:spAutoFit/>
-          </a:bodyPr>
-          <a:lstStyle/>
-          <a:p>
-            <a:r>
-              <a:rPr lang="en-ES" sz="3600" dirty="0"/>
-              <a:t>θ</a:t>
-            </a:r>
-          </a:p>
-        </p:txBody>
-      </p:sp>
-      <p:sp>
-        <p:nvSpPr>
-          <p:cNvPr id="27" name="Arc 26">
-            <a:extLst>
-              <a:ext uri="{FF2B5EF4-FFF2-40B4-BE49-F238E27FC236}">
-                <a16:creationId xmlns:a16="http://schemas.microsoft.com/office/drawing/2014/main" id="{D44EBBCE-8353-A21D-D2A4-6CB3D2F0D917}"/>
-              </a:ext>
-            </a:extLst>
-          </p:cNvPr>
-          <p:cNvSpPr/>
-          <p:nvPr/>
-        </p:nvSpPr>
-        <p:spPr>
-          <a:xfrm>
-            <a:off x="5023818" y="2428545"/>
-            <a:ext cx="6261087" cy="6149921"/>
-          </a:xfrm>
-          <a:prstGeom prst="arc">
-            <a:avLst>
-              <a:gd name="adj1" fmla="val 16235464"/>
-              <a:gd name="adj2" fmla="val 19178223"/>
-            </a:avLst>
-          </a:prstGeom>
-          <a:ln w="38100">
-            <a:solidFill>
-              <a:schemeClr val="tx1"/>
-            </a:solidFill>
-          </a:ln>
-        </p:spPr>
-        <p:style>
-          <a:lnRef idx="2">
-            <a:schemeClr val="accent1"/>
-          </a:lnRef>
-          <a:fillRef idx="0">
-            <a:schemeClr val="accent1"/>
-          </a:fillRef>
-          <a:effectRef idx="1">
-            <a:schemeClr val="accent1"/>
-          </a:effectRef>
-          <a:fontRef idx="minor">
-            <a:schemeClr val="tx1"/>
-          </a:fontRef>
-        </p:style>
-        <p:txBody>
-          <a:bodyPr rtlCol="0" anchor="ctr"/>
-          <a:lstStyle/>
-          <a:p>
-            <a:pPr algn="ctr"/>
-            <a:endParaRPr lang="en-ES"/>
-          </a:p>
-        </p:txBody>
-      </p:sp>
-      <p:sp>
-        <p:nvSpPr>
-          <p:cNvPr id="28" name="Oval 27">
-            <a:extLst>
-              <a:ext uri="{FF2B5EF4-FFF2-40B4-BE49-F238E27FC236}">
-                <a16:creationId xmlns:a16="http://schemas.microsoft.com/office/drawing/2014/main" id="{696F848F-7651-1E4E-DA9B-C9BCFBF483B3}"/>
-              </a:ext>
-            </a:extLst>
-          </p:cNvPr>
-          <p:cNvSpPr/>
-          <p:nvPr/>
-        </p:nvSpPr>
-        <p:spPr>
-          <a:xfrm>
-            <a:off x="8076712" y="5367642"/>
-            <a:ext cx="252148" cy="214956"/>
-          </a:xfrm>
-          <a:prstGeom prst="ellipse">
-            <a:avLst/>
-          </a:prstGeom>
-        </p:spPr>
-        <p:style>
-          <a:lnRef idx="2">
-            <a:schemeClr val="accent1">
-              <a:shade val="15000"/>
-            </a:schemeClr>
-          </a:lnRef>
-          <a:fillRef idx="1">
-            <a:schemeClr val="accent1"/>
-          </a:fillRef>
-          <a:effectRef idx="0">
-            <a:schemeClr val="accent1"/>
-          </a:effectRef>
-          <a:fontRef idx="minor">
-            <a:schemeClr val="lt1"/>
-          </a:fontRef>
-        </p:style>
-        <p:txBody>
-          <a:bodyPr rtlCol="0" anchor="ctr"/>
-          <a:lstStyle/>
-          <a:p>
-            <a:pPr algn="ctr"/>
-            <a:endParaRPr lang="en-ES"/>
-          </a:p>
-        </p:txBody>
-      </p:sp>
-      <p:cxnSp>
-        <p:nvCxnSpPr>
-          <p:cNvPr id="29" name="Straight Connector 28">
-            <a:extLst>
-              <a:ext uri="{FF2B5EF4-FFF2-40B4-BE49-F238E27FC236}">
-                <a16:creationId xmlns:a16="http://schemas.microsoft.com/office/drawing/2014/main" id="{623DC22B-FD40-A3D2-E338-EA3A9A6CFFCC}"/>
-              </a:ext>
-            </a:extLst>
-          </p:cNvPr>
-          <p:cNvCxnSpPr>
-            <a:cxnSpLocks/>
-            <a:stCxn id="28" idx="0"/>
-            <a:endCxn id="27" idx="0"/>
-          </p:cNvCxnSpPr>
-          <p:nvPr/>
-        </p:nvCxnSpPr>
-        <p:spPr>
-          <a:xfrm flipH="1" flipV="1">
-            <a:off x="8187178" y="2428714"/>
-            <a:ext cx="15609" cy="2938928"/>
-          </a:xfrm>
-          <a:prstGeom prst="line">
-            <a:avLst/>
-          </a:prstGeom>
-          <a:ln w="38100"/>
-        </p:spPr>
-        <p:style>
-          <a:lnRef idx="2">
-            <a:schemeClr val="accent1"/>
-          </a:lnRef>
-          <a:fillRef idx="0">
-            <a:schemeClr val="accent1"/>
-          </a:fillRef>
-          <a:effectRef idx="1">
-            <a:schemeClr val="accent1"/>
-          </a:effectRef>
-          <a:fontRef idx="minor">
-            <a:schemeClr val="tx1"/>
-          </a:fontRef>
-        </p:style>
-      </p:cxnSp>
-      <p:cxnSp>
-        <p:nvCxnSpPr>
-          <p:cNvPr id="32" name="Straight Connector 31">
-            <a:extLst>
-              <a:ext uri="{FF2B5EF4-FFF2-40B4-BE49-F238E27FC236}">
-                <a16:creationId xmlns:a16="http://schemas.microsoft.com/office/drawing/2014/main" id="{88E08202-D14E-073B-7532-0E6ADB19F65C}"/>
-              </a:ext>
-            </a:extLst>
-          </p:cNvPr>
-          <p:cNvCxnSpPr>
-            <a:cxnSpLocks/>
-            <a:stCxn id="28" idx="7"/>
-            <a:endCxn id="27" idx="2"/>
-          </p:cNvCxnSpPr>
-          <p:nvPr/>
-        </p:nvCxnSpPr>
-        <p:spPr>
-          <a:xfrm flipV="1">
-            <a:off x="8291934" y="3530674"/>
-            <a:ext cx="2263730" cy="1868448"/>
-          </a:xfrm>
-          <a:prstGeom prst="line">
-            <a:avLst/>
-          </a:prstGeom>
-          <a:ln w="38100"/>
-        </p:spPr>
-        <p:style>
-          <a:lnRef idx="2">
-            <a:schemeClr val="accent1"/>
-          </a:lnRef>
-          <a:fillRef idx="0">
-            <a:schemeClr val="accent1"/>
-          </a:fillRef>
-          <a:effectRef idx="1">
-            <a:schemeClr val="accent1"/>
-          </a:effectRef>
-          <a:fontRef idx="minor">
-            <a:schemeClr val="tx1"/>
-          </a:fontRef>
-        </p:style>
-      </p:cxnSp>
-      <p:sp>
-        <p:nvSpPr>
-          <p:cNvPr id="35" name="Arc 34">
-            <a:extLst>
-              <a:ext uri="{FF2B5EF4-FFF2-40B4-BE49-F238E27FC236}">
-                <a16:creationId xmlns:a16="http://schemas.microsoft.com/office/drawing/2014/main" id="{9D38E17D-1317-E71A-9CB5-1E7A4C94D7FB}"/>
-              </a:ext>
-            </a:extLst>
-          </p:cNvPr>
-          <p:cNvSpPr/>
-          <p:nvPr/>
-        </p:nvSpPr>
-        <p:spPr>
-          <a:xfrm>
-            <a:off x="7675213" y="4907486"/>
-            <a:ext cx="1087215" cy="1125839"/>
-          </a:xfrm>
-          <a:prstGeom prst="arc">
-            <a:avLst>
-              <a:gd name="adj1" fmla="val 16235464"/>
-              <a:gd name="adj2" fmla="val 19178223"/>
-            </a:avLst>
-          </a:prstGeom>
-          <a:ln w="38100">
-            <a:solidFill>
-              <a:schemeClr val="tx1"/>
-            </a:solidFill>
-          </a:ln>
-        </p:spPr>
-        <p:style>
-          <a:lnRef idx="2">
-            <a:schemeClr val="accent1"/>
-          </a:lnRef>
-          <a:fillRef idx="0">
-            <a:schemeClr val="accent1"/>
-          </a:fillRef>
-          <a:effectRef idx="1">
-            <a:schemeClr val="accent1"/>
-          </a:effectRef>
-          <a:fontRef idx="minor">
-            <a:schemeClr val="tx1"/>
-          </a:fontRef>
-        </p:style>
-        <p:txBody>
-          <a:bodyPr rtlCol="0" anchor="ctr"/>
-          <a:lstStyle/>
-          <a:p>
-            <a:pPr algn="ctr"/>
-            <a:endParaRPr lang="en-ES"/>
-          </a:p>
-        </p:txBody>
-      </p:sp>
-      <p:cxnSp>
-        <p:nvCxnSpPr>
-          <p:cNvPr id="40" name="Straight Connector 39">
-            <a:extLst>
-              <a:ext uri="{FF2B5EF4-FFF2-40B4-BE49-F238E27FC236}">
-                <a16:creationId xmlns:a16="http://schemas.microsoft.com/office/drawing/2014/main" id="{6DACE6DE-EDE6-32E9-FD03-901EB2FA79DD}"/>
-              </a:ext>
-            </a:extLst>
-          </p:cNvPr>
-          <p:cNvCxnSpPr>
-            <a:cxnSpLocks/>
-          </p:cNvCxnSpPr>
-          <p:nvPr/>
-        </p:nvCxnSpPr>
-        <p:spPr>
-          <a:xfrm flipV="1">
-            <a:off x="8247005" y="2962299"/>
-            <a:ext cx="1124415" cy="2436822"/>
-          </a:xfrm>
-          <a:prstGeom prst="line">
-            <a:avLst/>
-          </a:prstGeom>
-          <a:ln w="38100"/>
-        </p:spPr>
-        <p:style>
-          <a:lnRef idx="2">
-            <a:schemeClr val="accent1"/>
-          </a:lnRef>
-          <a:fillRef idx="0">
-            <a:schemeClr val="accent1"/>
-          </a:fillRef>
-          <a:effectRef idx="1">
-            <a:schemeClr val="accent1"/>
-          </a:effectRef>
-          <a:fontRef idx="minor">
-            <a:schemeClr val="tx1"/>
-          </a:fontRef>
-        </p:style>
-      </p:cxnSp>
-      <p:cxnSp>
-        <p:nvCxnSpPr>
-          <p:cNvPr id="45" name="Straight Connector 44">
-            <a:extLst>
-              <a:ext uri="{FF2B5EF4-FFF2-40B4-BE49-F238E27FC236}">
-                <a16:creationId xmlns:a16="http://schemas.microsoft.com/office/drawing/2014/main" id="{2C8B9186-E5DB-FE3C-2430-CA05B30D55DB}"/>
-              </a:ext>
-            </a:extLst>
-          </p:cNvPr>
-          <p:cNvCxnSpPr>
-            <a:cxnSpLocks/>
-            <a:stCxn id="27" idx="0"/>
-            <a:endCxn id="27" idx="2"/>
-          </p:cNvCxnSpPr>
-          <p:nvPr/>
-        </p:nvCxnSpPr>
-        <p:spPr>
-          <a:xfrm>
-            <a:off x="8187178" y="2428714"/>
-            <a:ext cx="2368487" cy="1101960"/>
-          </a:xfrm>
-          <a:prstGeom prst="line">
-            <a:avLst/>
-          </a:prstGeom>
-          <a:ln w="38100"/>
-        </p:spPr>
-        <p:style>
-          <a:lnRef idx="2">
-            <a:schemeClr val="accent1"/>
-          </a:lnRef>
-          <a:fillRef idx="0">
-            <a:schemeClr val="accent1"/>
-          </a:fillRef>
-          <a:effectRef idx="1">
-            <a:schemeClr val="accent1"/>
-          </a:effectRef>
-          <a:fontRef idx="minor">
-            <a:schemeClr val="tx1"/>
-          </a:fontRef>
-        </p:style>
-      </p:cxnSp>
-      <p:sp>
-        <p:nvSpPr>
-          <p:cNvPr id="49" name="TextBox 48">
-            <a:extLst>
-              <a:ext uri="{FF2B5EF4-FFF2-40B4-BE49-F238E27FC236}">
-                <a16:creationId xmlns:a16="http://schemas.microsoft.com/office/drawing/2014/main" id="{6C35533C-2F76-27FB-2FD9-2ADDE81760FB}"/>
-              </a:ext>
-            </a:extLst>
-          </p:cNvPr>
-          <p:cNvSpPr txBox="1"/>
-          <p:nvPr/>
-        </p:nvSpPr>
-        <p:spPr>
-          <a:xfrm>
-            <a:off x="8923895" y="3698799"/>
-            <a:ext cx="910662" cy="646331"/>
-          </a:xfrm>
-          <a:prstGeom prst="rect">
-            <a:avLst/>
-          </a:prstGeom>
-          <a:noFill/>
-        </p:spPr>
-        <p:txBody>
-          <a:bodyPr wrap="square" rtlCol="0">
-            <a:spAutoFit/>
-          </a:bodyPr>
-          <a:lstStyle/>
-          <a:p>
-            <a:r>
-              <a:rPr lang="en-ES" sz="3600" dirty="0"/>
-              <a:t>θ/2</a:t>
-            </a:r>
-          </a:p>
-        </p:txBody>
-      </p:sp>
-      <p:sp>
-        <p:nvSpPr>
-          <p:cNvPr id="52" name="Arc 51">
-            <a:extLst>
-              <a:ext uri="{FF2B5EF4-FFF2-40B4-BE49-F238E27FC236}">
-                <a16:creationId xmlns:a16="http://schemas.microsoft.com/office/drawing/2014/main" id="{A93F4E1C-D374-23D6-5C42-25A6D2DB28C2}"/>
-              </a:ext>
-            </a:extLst>
-          </p:cNvPr>
-          <p:cNvSpPr/>
-          <p:nvPr/>
-        </p:nvSpPr>
-        <p:spPr>
-          <a:xfrm>
-            <a:off x="6978790" y="4309012"/>
-            <a:ext cx="2428602" cy="2329182"/>
-          </a:xfrm>
-          <a:prstGeom prst="arc">
-            <a:avLst>
-              <a:gd name="adj1" fmla="val 17770735"/>
-              <a:gd name="adj2" fmla="val 19178223"/>
-            </a:avLst>
-          </a:prstGeom>
-          <a:ln w="38100">
-            <a:solidFill>
-              <a:schemeClr val="tx1"/>
-            </a:solidFill>
-          </a:ln>
-        </p:spPr>
-        <p:style>
-          <a:lnRef idx="2">
-            <a:schemeClr val="accent1"/>
-          </a:lnRef>
-          <a:fillRef idx="0">
-            <a:schemeClr val="accent1"/>
-          </a:fillRef>
-          <a:effectRef idx="1">
-            <a:schemeClr val="accent1"/>
-          </a:effectRef>
-          <a:fontRef idx="minor">
-            <a:schemeClr val="tx1"/>
-          </a:fontRef>
-        </p:style>
-        <p:txBody>
-          <a:bodyPr rtlCol="0" anchor="ctr"/>
-          <a:lstStyle/>
-          <a:p>
-            <a:pPr algn="ctr"/>
-            <a:endParaRPr lang="en-ES"/>
-          </a:p>
-        </p:txBody>
-      </p:sp>
-      <p:sp>
-        <p:nvSpPr>
-          <p:cNvPr id="53" name="Left Brace 52">
-            <a:extLst>
-              <a:ext uri="{FF2B5EF4-FFF2-40B4-BE49-F238E27FC236}">
-                <a16:creationId xmlns:a16="http://schemas.microsoft.com/office/drawing/2014/main" id="{EEBEADDA-4708-71AE-C04C-07AD989EC4E2}"/>
-              </a:ext>
-            </a:extLst>
-          </p:cNvPr>
-          <p:cNvSpPr/>
-          <p:nvPr/>
-        </p:nvSpPr>
-        <p:spPr>
-          <a:xfrm>
-            <a:off x="7602470" y="2446120"/>
-            <a:ext cx="304800" cy="3036119"/>
-          </a:xfrm>
-          <a:prstGeom prst="leftBrace">
-            <a:avLst/>
-          </a:prstGeom>
-        </p:spPr>
-        <p:style>
-          <a:lnRef idx="2">
-            <a:schemeClr val="accent1"/>
-          </a:lnRef>
-          <a:fillRef idx="0">
-            <a:schemeClr val="accent1"/>
-          </a:fillRef>
-          <a:effectRef idx="1">
-            <a:schemeClr val="accent1"/>
-          </a:effectRef>
-          <a:fontRef idx="minor">
-            <a:schemeClr val="tx1"/>
-          </a:fontRef>
-        </p:style>
-        <p:txBody>
-          <a:bodyPr rtlCol="0" anchor="ctr"/>
-          <a:lstStyle/>
-          <a:p>
-            <a:pPr algn="ctr"/>
-            <a:endParaRPr lang="en-ES"/>
-          </a:p>
-        </p:txBody>
-      </p:sp>
-      <p:sp>
-        <p:nvSpPr>
-          <p:cNvPr id="54" name="TextBox 53">
-            <a:extLst>
-              <a:ext uri="{FF2B5EF4-FFF2-40B4-BE49-F238E27FC236}">
-                <a16:creationId xmlns:a16="http://schemas.microsoft.com/office/drawing/2014/main" id="{6AA8751F-6753-0C32-755E-AFAE08EAEE67}"/>
-              </a:ext>
-            </a:extLst>
-          </p:cNvPr>
-          <p:cNvSpPr txBox="1"/>
-          <p:nvPr/>
-        </p:nvSpPr>
-        <p:spPr>
-          <a:xfrm>
-            <a:off x="7215825" y="3593096"/>
-            <a:ext cx="429926" cy="646331"/>
-          </a:xfrm>
-          <a:prstGeom prst="rect">
-            <a:avLst/>
-          </a:prstGeom>
-          <a:noFill/>
-        </p:spPr>
-        <p:txBody>
-          <a:bodyPr wrap="none" rtlCol="0">
-            <a:spAutoFit/>
-          </a:bodyPr>
-          <a:lstStyle/>
-          <a:p>
-            <a:r>
-              <a:rPr lang="en-ES" sz="3600" dirty="0"/>
-              <a:t>a</a:t>
-            </a:r>
-          </a:p>
-        </p:txBody>
-      </p:sp>
-      <p:sp>
-        <p:nvSpPr>
-          <p:cNvPr id="55" name="Left Brace 54">
-            <a:extLst>
-              <a:ext uri="{FF2B5EF4-FFF2-40B4-BE49-F238E27FC236}">
-                <a16:creationId xmlns:a16="http://schemas.microsoft.com/office/drawing/2014/main" id="{CDD0697A-62F8-2B60-9263-AD3D5323509E}"/>
-              </a:ext>
-            </a:extLst>
-          </p:cNvPr>
-          <p:cNvSpPr/>
-          <p:nvPr/>
-        </p:nvSpPr>
-        <p:spPr>
-          <a:xfrm rot="6941951">
-            <a:off x="9420309" y="1239921"/>
-            <a:ext cx="360267" cy="2639443"/>
-          </a:xfrm>
-          <a:prstGeom prst="leftBrace">
-            <a:avLst/>
-          </a:prstGeom>
-        </p:spPr>
-        <p:style>
-          <a:lnRef idx="2">
-            <a:schemeClr val="accent1"/>
-          </a:lnRef>
-          <a:fillRef idx="0">
-            <a:schemeClr val="accent1"/>
-          </a:fillRef>
-          <a:effectRef idx="1">
-            <a:schemeClr val="accent1"/>
-          </a:effectRef>
-          <a:fontRef idx="minor">
-            <a:schemeClr val="tx1"/>
-          </a:fontRef>
-        </p:style>
-        <p:txBody>
-          <a:bodyPr rtlCol="0" anchor="ctr"/>
-          <a:lstStyle/>
-          <a:p>
-            <a:pPr algn="ctr"/>
-            <a:endParaRPr lang="en-ES"/>
-          </a:p>
-        </p:txBody>
-      </p:sp>
-      <p:sp>
-        <p:nvSpPr>
-          <p:cNvPr id="56" name="TextBox 55">
-            <a:extLst>
-              <a:ext uri="{FF2B5EF4-FFF2-40B4-BE49-F238E27FC236}">
-                <a16:creationId xmlns:a16="http://schemas.microsoft.com/office/drawing/2014/main" id="{AA711C45-FDA9-252C-0272-E423179CB38D}"/>
-              </a:ext>
-            </a:extLst>
-          </p:cNvPr>
-          <p:cNvSpPr txBox="1"/>
-          <p:nvPr/>
-        </p:nvSpPr>
-        <p:spPr>
-          <a:xfrm>
-            <a:off x="9564336" y="1830351"/>
-            <a:ext cx="465192" cy="646331"/>
-          </a:xfrm>
-          <a:prstGeom prst="rect">
-            <a:avLst/>
-          </a:prstGeom>
-          <a:noFill/>
-        </p:spPr>
-        <p:txBody>
-          <a:bodyPr wrap="none" rtlCol="0">
-            <a:spAutoFit/>
-          </a:bodyPr>
-          <a:lstStyle/>
-          <a:p>
-            <a:r>
-              <a:rPr lang="en-ES" sz="3600" dirty="0"/>
-              <a:t>R</a:t>
-            </a:r>
-          </a:p>
-        </p:txBody>
-      </p:sp>
-    </p:spTree>
-    <p:extLst>
-      <p:ext uri="{BB962C8B-B14F-4D97-AF65-F5344CB8AC3E}">
-        <p14:creationId xmlns:p14="http://schemas.microsoft.com/office/powerpoint/2010/main" val="358445491"/>
-      </p:ext>
-    </p:extLst>
-  </p:cSld>
-  <p:clrMapOvr>
-    <a:masterClrMapping/>
-  </p:clrMapOvr>
-</p:sld>
-</file>
-
-<file path=ppt/slides/slide20.xml><?xml version="1.0" encoding="utf-8"?>
+<file path=ppt/slides/slide22.xml><?xml version="1.0" encoding="utf-8"?>
 <p:sld xmlns:a="http://schemas.openxmlformats.org/drawingml/2006/main" xmlns:r="http://schemas.openxmlformats.org/officeDocument/2006/relationships" xmlns:p="http://schemas.openxmlformats.org/presentationml/2006/main">
   <p:cSld>
     <p:spTree>
@@ -15736,7 +17489,7 @@
 </p:sld>
 </file>
 
-<file path=ppt/slides/slide21.xml><?xml version="1.0" encoding="utf-8"?>
+<file path=ppt/slides/slide23.xml><?xml version="1.0" encoding="utf-8"?>
 <p:sld xmlns:a="http://schemas.openxmlformats.org/drawingml/2006/main" xmlns:r="http://schemas.openxmlformats.org/officeDocument/2006/relationships" xmlns:p="http://schemas.openxmlformats.org/presentationml/2006/main">
   <p:cSld>
     <p:spTree>
@@ -16505,7 +18258,7 @@
 </p:sld>
 </file>
 
-<file path=ppt/slides/slide22.xml><?xml version="1.0" encoding="utf-8"?>
+<file path=ppt/slides/slide24.xml><?xml version="1.0" encoding="utf-8"?>
 <p:sld xmlns:a="http://schemas.openxmlformats.org/drawingml/2006/main" xmlns:r="http://schemas.openxmlformats.org/officeDocument/2006/relationships" xmlns:p="http://schemas.openxmlformats.org/presentationml/2006/main">
   <p:cSld>
     <p:spTree>
@@ -17274,7 +19027,7 @@
 </p:sld>
 </file>
 
-<file path=ppt/slides/slide23.xml><?xml version="1.0" encoding="utf-8"?>
+<file path=ppt/slides/slide25.xml><?xml version="1.0" encoding="utf-8"?>
 <p:sld xmlns:a="http://schemas.openxmlformats.org/drawingml/2006/main" xmlns:r="http://schemas.openxmlformats.org/officeDocument/2006/relationships" xmlns:p="http://schemas.openxmlformats.org/presentationml/2006/main">
   <p:cSld>
     <p:spTree>
@@ -17847,7 +19600,7 @@
 </p:sld>
 </file>
 
-<file path=ppt/slides/slide24.xml><?xml version="1.0" encoding="utf-8"?>
+<file path=ppt/slides/slide26.xml><?xml version="1.0" encoding="utf-8"?>
 <p:sld xmlns:a="http://schemas.openxmlformats.org/drawingml/2006/main" xmlns:r="http://schemas.openxmlformats.org/officeDocument/2006/relationships" xmlns:p="http://schemas.openxmlformats.org/presentationml/2006/main">
   <p:cSld>
     <p:spTree>
@@ -18430,7 +20183,7 @@
 </p:sld>
 </file>
 
-<file path=ppt/slides/slide25.xml><?xml version="1.0" encoding="utf-8"?>
+<file path=ppt/slides/slide27.xml><?xml version="1.0" encoding="utf-8"?>
 <p:sld xmlns:a="http://schemas.openxmlformats.org/drawingml/2006/main" xmlns:r="http://schemas.openxmlformats.org/officeDocument/2006/relationships" xmlns:p="http://schemas.openxmlformats.org/presentationml/2006/main">
   <p:cSld>
     <p:spTree>
@@ -19147,7 +20900,7 @@
 </p:sld>
 </file>
 
-<file path=ppt/slides/slide26.xml><?xml version="1.0" encoding="utf-8"?>
+<file path=ppt/slides/slide28.xml><?xml version="1.0" encoding="utf-8"?>
 <p:sld xmlns:a="http://schemas.openxmlformats.org/drawingml/2006/main" xmlns:r="http://schemas.openxmlformats.org/officeDocument/2006/relationships" xmlns:p="http://schemas.openxmlformats.org/presentationml/2006/main">
   <p:cSld>
     <p:spTree>
@@ -19761,7 +21514,7 @@
 </p:sld>
 </file>
 
-<file path=ppt/slides/slide27.xml><?xml version="1.0" encoding="utf-8"?>
+<file path=ppt/slides/slide29.xml><?xml version="1.0" encoding="utf-8"?>
 <p:sld xmlns:a="http://schemas.openxmlformats.org/drawingml/2006/main" xmlns:r="http://schemas.openxmlformats.org/officeDocument/2006/relationships" xmlns:p="http://schemas.openxmlformats.org/presentationml/2006/main">
   <p:cSld>
     <p:spTree>
@@ -20425,7 +22178,1160 @@
 </p:sld>
 </file>
 
-<file path=ppt/slides/slide28.xml><?xml version="1.0" encoding="utf-8"?>
+<file path=ppt/slides/slide3.xml><?xml version="1.0" encoding="utf-8"?>
+<p:sld xmlns:a="http://schemas.openxmlformats.org/drawingml/2006/main" xmlns:r="http://schemas.openxmlformats.org/officeDocument/2006/relationships" xmlns:p="http://schemas.openxmlformats.org/presentationml/2006/main">
+  <p:cSld>
+    <p:spTree>
+      <p:nvGrpSpPr>
+        <p:cNvPr id="1" name=""/>
+        <p:cNvGrpSpPr/>
+        <p:nvPr/>
+      </p:nvGrpSpPr>
+      <p:grpSpPr>
+        <a:xfrm>
+          <a:off x="0" y="0"/>
+          <a:ext cx="0" cy="0"/>
+          <a:chOff x="0" y="0"/>
+          <a:chExt cx="0" cy="0"/>
+        </a:xfrm>
+      </p:grpSpPr>
+      <p:sp>
+        <p:nvSpPr>
+          <p:cNvPr id="2" name="Title 1">
+            <a:extLst>
+              <a:ext uri="{FF2B5EF4-FFF2-40B4-BE49-F238E27FC236}">
+                <a16:creationId xmlns:a16="http://schemas.microsoft.com/office/drawing/2014/main" id="{D39B841F-54C7-3AE1-E545-FD824C8DAF7F}"/>
+              </a:ext>
+            </a:extLst>
+          </p:cNvPr>
+          <p:cNvSpPr>
+            <a:spLocks noGrp="1"/>
+          </p:cNvSpPr>
+          <p:nvPr>
+            <p:ph type="title"/>
+          </p:nvPr>
+        </p:nvSpPr>
+        <p:spPr/>
+        <p:txBody>
+          <a:bodyPr/>
+          <a:lstStyle/>
+          <a:p>
+            <a:r>
+              <a:rPr lang="en-ES" dirty="0"/>
+              <a:t>B1.S2.1</a:t>
+            </a:r>
+          </a:p>
+        </p:txBody>
+      </p:sp>
+      <p:sp>
+        <p:nvSpPr>
+          <p:cNvPr id="5" name="Arc 4">
+            <a:extLst>
+              <a:ext uri="{FF2B5EF4-FFF2-40B4-BE49-F238E27FC236}">
+                <a16:creationId xmlns:a16="http://schemas.microsoft.com/office/drawing/2014/main" id="{C62C6161-AC50-592A-79A8-62650346F24E}"/>
+              </a:ext>
+            </a:extLst>
+          </p:cNvPr>
+          <p:cNvSpPr/>
+          <p:nvPr/>
+        </p:nvSpPr>
+        <p:spPr>
+          <a:xfrm rot="16200000">
+            <a:off x="492552" y="2918012"/>
+            <a:ext cx="4155141" cy="4222377"/>
+          </a:xfrm>
+          <a:prstGeom prst="arc">
+            <a:avLst>
+              <a:gd name="adj1" fmla="val 16259988"/>
+              <a:gd name="adj2" fmla="val 5404610"/>
+            </a:avLst>
+          </a:prstGeom>
+          <a:ln w="38100">
+            <a:gradFill>
+              <a:gsLst>
+                <a:gs pos="51000">
+                  <a:schemeClr val="accent1">
+                    <a:lumMod val="5000"/>
+                    <a:lumOff val="95000"/>
+                  </a:schemeClr>
+                </a:gs>
+                <a:gs pos="100000">
+                  <a:schemeClr val="accent1">
+                    <a:lumMod val="45000"/>
+                    <a:lumOff val="55000"/>
+                  </a:schemeClr>
+                </a:gs>
+                <a:gs pos="0">
+                  <a:srgbClr val="FF0000"/>
+                </a:gs>
+              </a:gsLst>
+              <a:lin ang="5400000" scaled="1"/>
+            </a:gradFill>
+          </a:ln>
+        </p:spPr>
+        <p:style>
+          <a:lnRef idx="2">
+            <a:schemeClr val="accent1"/>
+          </a:lnRef>
+          <a:fillRef idx="0">
+            <a:schemeClr val="accent1"/>
+          </a:fillRef>
+          <a:effectRef idx="1">
+            <a:schemeClr val="accent1"/>
+          </a:effectRef>
+          <a:fontRef idx="minor">
+            <a:schemeClr val="tx1"/>
+          </a:fontRef>
+        </p:style>
+        <p:txBody>
+          <a:bodyPr rtlCol="0" anchor="ctr"/>
+          <a:lstStyle/>
+          <a:p>
+            <a:pPr algn="ctr"/>
+            <a:endParaRPr lang="en-ES"/>
+          </a:p>
+        </p:txBody>
+      </p:sp>
+      <p:cxnSp>
+        <p:nvCxnSpPr>
+          <p:cNvPr id="10" name="Straight Arrow Connector 9">
+            <a:extLst>
+              <a:ext uri="{FF2B5EF4-FFF2-40B4-BE49-F238E27FC236}">
+                <a16:creationId xmlns:a16="http://schemas.microsoft.com/office/drawing/2014/main" id="{8E1BDB21-2D8F-C9C2-3B07-F77D99022865}"/>
+              </a:ext>
+            </a:extLst>
+          </p:cNvPr>
+          <p:cNvCxnSpPr>
+            <a:cxnSpLocks/>
+          </p:cNvCxnSpPr>
+          <p:nvPr/>
+        </p:nvCxnSpPr>
+        <p:spPr>
+          <a:xfrm flipV="1">
+            <a:off x="2589628" y="1817132"/>
+            <a:ext cx="0" cy="3223735"/>
+          </a:xfrm>
+          <a:prstGeom prst="straightConnector1">
+            <a:avLst/>
+          </a:prstGeom>
+          <a:ln w="38100">
+            <a:solidFill>
+              <a:schemeClr val="tx1"/>
+            </a:solidFill>
+            <a:tailEnd type="triangle"/>
+          </a:ln>
+        </p:spPr>
+        <p:style>
+          <a:lnRef idx="2">
+            <a:schemeClr val="accent1"/>
+          </a:lnRef>
+          <a:fillRef idx="0">
+            <a:schemeClr val="accent1"/>
+          </a:fillRef>
+          <a:effectRef idx="1">
+            <a:schemeClr val="accent1"/>
+          </a:effectRef>
+          <a:fontRef idx="minor">
+            <a:schemeClr val="tx1"/>
+          </a:fontRef>
+        </p:style>
+      </p:cxnSp>
+      <p:sp>
+        <p:nvSpPr>
+          <p:cNvPr id="15" name="TextBox 14">
+            <a:extLst>
+              <a:ext uri="{FF2B5EF4-FFF2-40B4-BE49-F238E27FC236}">
+                <a16:creationId xmlns:a16="http://schemas.microsoft.com/office/drawing/2014/main" id="{724436C1-324F-AAF1-C132-967FFB014398}"/>
+              </a:ext>
+            </a:extLst>
+          </p:cNvPr>
+          <p:cNvSpPr txBox="1"/>
+          <p:nvPr/>
+        </p:nvSpPr>
+        <p:spPr>
+          <a:xfrm>
+            <a:off x="2054698" y="1817132"/>
+            <a:ext cx="393056" cy="646331"/>
+          </a:xfrm>
+          <a:prstGeom prst="rect">
+            <a:avLst/>
+          </a:prstGeom>
+          <a:noFill/>
+        </p:spPr>
+        <p:txBody>
+          <a:bodyPr wrap="none" rtlCol="0">
+            <a:spAutoFit/>
+          </a:bodyPr>
+          <a:lstStyle/>
+          <a:p>
+            <a:r>
+              <a:rPr lang="en-ES" sz="3600" dirty="0"/>
+              <a:t>y</a:t>
+            </a:r>
+          </a:p>
+        </p:txBody>
+      </p:sp>
+      <p:cxnSp>
+        <p:nvCxnSpPr>
+          <p:cNvPr id="17" name="Straight Arrow Connector 16">
+            <a:extLst>
+              <a:ext uri="{FF2B5EF4-FFF2-40B4-BE49-F238E27FC236}">
+                <a16:creationId xmlns:a16="http://schemas.microsoft.com/office/drawing/2014/main" id="{5B01AE06-DAE3-451D-0620-065E77F3FD38}"/>
+              </a:ext>
+            </a:extLst>
+          </p:cNvPr>
+          <p:cNvCxnSpPr>
+            <a:cxnSpLocks/>
+          </p:cNvCxnSpPr>
+          <p:nvPr/>
+        </p:nvCxnSpPr>
+        <p:spPr>
+          <a:xfrm>
+            <a:off x="2589628" y="5040867"/>
+            <a:ext cx="3225269" cy="0"/>
+          </a:xfrm>
+          <a:prstGeom prst="straightConnector1">
+            <a:avLst/>
+          </a:prstGeom>
+          <a:ln w="38100">
+            <a:solidFill>
+              <a:schemeClr val="tx1"/>
+            </a:solidFill>
+            <a:tailEnd type="triangle"/>
+          </a:ln>
+        </p:spPr>
+        <p:style>
+          <a:lnRef idx="2">
+            <a:schemeClr val="accent1"/>
+          </a:lnRef>
+          <a:fillRef idx="0">
+            <a:schemeClr val="accent1"/>
+          </a:fillRef>
+          <a:effectRef idx="1">
+            <a:schemeClr val="accent1"/>
+          </a:effectRef>
+          <a:fontRef idx="minor">
+            <a:schemeClr val="tx1"/>
+          </a:fontRef>
+        </p:style>
+      </p:cxnSp>
+      <p:sp>
+        <p:nvSpPr>
+          <p:cNvPr id="18" name="TextBox 17">
+            <a:extLst>
+              <a:ext uri="{FF2B5EF4-FFF2-40B4-BE49-F238E27FC236}">
+                <a16:creationId xmlns:a16="http://schemas.microsoft.com/office/drawing/2014/main" id="{10908EA1-8301-F8A5-2AA4-12299B055323}"/>
+              </a:ext>
+            </a:extLst>
+          </p:cNvPr>
+          <p:cNvSpPr txBox="1"/>
+          <p:nvPr/>
+        </p:nvSpPr>
+        <p:spPr>
+          <a:xfrm>
+            <a:off x="5392791" y="5040867"/>
+            <a:ext cx="567868" cy="646331"/>
+          </a:xfrm>
+          <a:prstGeom prst="rect">
+            <a:avLst/>
+          </a:prstGeom>
+          <a:noFill/>
+        </p:spPr>
+        <p:txBody>
+          <a:bodyPr wrap="square" rtlCol="0">
+            <a:spAutoFit/>
+          </a:bodyPr>
+          <a:lstStyle/>
+          <a:p>
+            <a:r>
+              <a:rPr lang="en-ES" sz="3600" dirty="0"/>
+              <a:t>x</a:t>
+            </a:r>
+          </a:p>
+        </p:txBody>
+      </p:sp>
+      <p:sp>
+        <p:nvSpPr>
+          <p:cNvPr id="24" name="TextBox 23">
+            <a:extLst>
+              <a:ext uri="{FF2B5EF4-FFF2-40B4-BE49-F238E27FC236}">
+                <a16:creationId xmlns:a16="http://schemas.microsoft.com/office/drawing/2014/main" id="{619EBB20-CB39-E643-A01C-4EDC9B94301E}"/>
+              </a:ext>
+            </a:extLst>
+          </p:cNvPr>
+          <p:cNvSpPr txBox="1"/>
+          <p:nvPr/>
+        </p:nvSpPr>
+        <p:spPr>
+          <a:xfrm>
+            <a:off x="3338760" y="2417283"/>
+            <a:ext cx="2207656" cy="646331"/>
+          </a:xfrm>
+          <a:prstGeom prst="rect">
+            <a:avLst/>
+          </a:prstGeom>
+          <a:noFill/>
+        </p:spPr>
+        <p:txBody>
+          <a:bodyPr wrap="none" rtlCol="0">
+            <a:spAutoFit/>
+          </a:bodyPr>
+          <a:lstStyle/>
+          <a:p>
+            <a:r>
+              <a:rPr lang="en-ES" sz="3600" dirty="0"/>
+              <a:t>λ= λ</a:t>
+            </a:r>
+            <a:r>
+              <a:rPr lang="en-ES" sz="3600" baseline="-25000" dirty="0"/>
+              <a:t>0</a:t>
+            </a:r>
+            <a:r>
+              <a:rPr lang="en-ES" sz="3600" dirty="0"/>
+              <a:t>cosɸ’</a:t>
+            </a:r>
+          </a:p>
+        </p:txBody>
+      </p:sp>
+      <p:sp>
+        <p:nvSpPr>
+          <p:cNvPr id="30" name="Arc 29">
+            <a:extLst>
+              <a:ext uri="{FF2B5EF4-FFF2-40B4-BE49-F238E27FC236}">
+                <a16:creationId xmlns:a16="http://schemas.microsoft.com/office/drawing/2014/main" id="{471F2308-244C-599C-E8D1-D81CA02C565C}"/>
+              </a:ext>
+            </a:extLst>
+          </p:cNvPr>
+          <p:cNvSpPr/>
+          <p:nvPr/>
+        </p:nvSpPr>
+        <p:spPr>
+          <a:xfrm>
+            <a:off x="2027258" y="4415634"/>
+            <a:ext cx="1085728" cy="1125962"/>
+          </a:xfrm>
+          <a:prstGeom prst="arc">
+            <a:avLst>
+              <a:gd name="adj1" fmla="val 19745494"/>
+              <a:gd name="adj2" fmla="val 414981"/>
+            </a:avLst>
+          </a:prstGeom>
+          <a:ln w="38100">
+            <a:solidFill>
+              <a:schemeClr val="tx1"/>
+            </a:solidFill>
+          </a:ln>
+        </p:spPr>
+        <p:style>
+          <a:lnRef idx="2">
+            <a:schemeClr val="accent1"/>
+          </a:lnRef>
+          <a:fillRef idx="0">
+            <a:schemeClr val="accent1"/>
+          </a:fillRef>
+          <a:effectRef idx="1">
+            <a:schemeClr val="accent1"/>
+          </a:effectRef>
+          <a:fontRef idx="minor">
+            <a:schemeClr val="tx1"/>
+          </a:fontRef>
+        </p:style>
+        <p:txBody>
+          <a:bodyPr rtlCol="0" anchor="ctr"/>
+          <a:lstStyle/>
+          <a:p>
+            <a:pPr algn="ctr"/>
+            <a:endParaRPr lang="en-ES"/>
+          </a:p>
+        </p:txBody>
+      </p:sp>
+      <p:cxnSp>
+        <p:nvCxnSpPr>
+          <p:cNvPr id="31" name="Straight Arrow Connector 30">
+            <a:extLst>
+              <a:ext uri="{FF2B5EF4-FFF2-40B4-BE49-F238E27FC236}">
+                <a16:creationId xmlns:a16="http://schemas.microsoft.com/office/drawing/2014/main" id="{DAB80AE4-2DA9-5C87-2446-D9AD483D5F7C}"/>
+              </a:ext>
+            </a:extLst>
+          </p:cNvPr>
+          <p:cNvCxnSpPr>
+            <a:cxnSpLocks/>
+          </p:cNvCxnSpPr>
+          <p:nvPr/>
+        </p:nvCxnSpPr>
+        <p:spPr>
+          <a:xfrm flipV="1">
+            <a:off x="2589628" y="3834198"/>
+            <a:ext cx="1708441" cy="1195002"/>
+          </a:xfrm>
+          <a:prstGeom prst="straightConnector1">
+            <a:avLst/>
+          </a:prstGeom>
+          <a:ln w="38100">
+            <a:solidFill>
+              <a:schemeClr val="tx1"/>
+            </a:solidFill>
+            <a:tailEnd type="none"/>
+          </a:ln>
+        </p:spPr>
+        <p:style>
+          <a:lnRef idx="2">
+            <a:schemeClr val="accent1"/>
+          </a:lnRef>
+          <a:fillRef idx="0">
+            <a:schemeClr val="accent1"/>
+          </a:fillRef>
+          <a:effectRef idx="1">
+            <a:schemeClr val="accent1"/>
+          </a:effectRef>
+          <a:fontRef idx="minor">
+            <a:schemeClr val="tx1"/>
+          </a:fontRef>
+        </p:style>
+      </p:cxnSp>
+      <p:sp>
+        <p:nvSpPr>
+          <p:cNvPr id="36" name="TextBox 35">
+            <a:extLst>
+              <a:ext uri="{FF2B5EF4-FFF2-40B4-BE49-F238E27FC236}">
+                <a16:creationId xmlns:a16="http://schemas.microsoft.com/office/drawing/2014/main" id="{361442C0-CDFC-75EA-BF49-A961B88188D3}"/>
+              </a:ext>
+            </a:extLst>
+          </p:cNvPr>
+          <p:cNvSpPr txBox="1"/>
+          <p:nvPr/>
+        </p:nvSpPr>
+        <p:spPr>
+          <a:xfrm>
+            <a:off x="3254860" y="4431699"/>
+            <a:ext cx="562975" cy="646331"/>
+          </a:xfrm>
+          <a:prstGeom prst="rect">
+            <a:avLst/>
+          </a:prstGeom>
+          <a:noFill/>
+        </p:spPr>
+        <p:txBody>
+          <a:bodyPr wrap="none" rtlCol="0">
+            <a:spAutoFit/>
+          </a:bodyPr>
+          <a:lstStyle/>
+          <a:p>
+            <a:r>
+              <a:rPr lang="en-ES" sz="3600" dirty="0"/>
+              <a:t>ɸ’</a:t>
+            </a:r>
+          </a:p>
+        </p:txBody>
+      </p:sp>
+      <p:sp>
+        <p:nvSpPr>
+          <p:cNvPr id="41" name="TextBox 40">
+            <a:extLst>
+              <a:ext uri="{FF2B5EF4-FFF2-40B4-BE49-F238E27FC236}">
+                <a16:creationId xmlns:a16="http://schemas.microsoft.com/office/drawing/2014/main" id="{21DF65AF-0014-9838-1F9C-FA788DF430E2}"/>
+              </a:ext>
+            </a:extLst>
+          </p:cNvPr>
+          <p:cNvSpPr txBox="1"/>
+          <p:nvPr/>
+        </p:nvSpPr>
+        <p:spPr>
+          <a:xfrm>
+            <a:off x="8895270" y="2869329"/>
+            <a:ext cx="393056" cy="646331"/>
+          </a:xfrm>
+          <a:prstGeom prst="rect">
+            <a:avLst/>
+          </a:prstGeom>
+          <a:noFill/>
+        </p:spPr>
+        <p:txBody>
+          <a:bodyPr wrap="none" rtlCol="0">
+            <a:spAutoFit/>
+          </a:bodyPr>
+          <a:lstStyle/>
+          <a:p>
+            <a:r>
+              <a:rPr lang="en-ES" sz="3600" dirty="0"/>
+              <a:t>y</a:t>
+            </a:r>
+          </a:p>
+        </p:txBody>
+      </p:sp>
+      <p:sp>
+        <p:nvSpPr>
+          <p:cNvPr id="37" name="Arc 36">
+            <a:extLst>
+              <a:ext uri="{FF2B5EF4-FFF2-40B4-BE49-F238E27FC236}">
+                <a16:creationId xmlns:a16="http://schemas.microsoft.com/office/drawing/2014/main" id="{E8940850-8C44-3553-B1C6-4AC24BCEB1E8}"/>
+              </a:ext>
+            </a:extLst>
+          </p:cNvPr>
+          <p:cNvSpPr/>
+          <p:nvPr/>
+        </p:nvSpPr>
+        <p:spPr>
+          <a:xfrm rot="15416767">
+            <a:off x="7308147" y="2797188"/>
+            <a:ext cx="1884148" cy="4222377"/>
+          </a:xfrm>
+          <a:prstGeom prst="arc">
+            <a:avLst>
+              <a:gd name="adj1" fmla="val 16931934"/>
+              <a:gd name="adj2" fmla="val 6161777"/>
+            </a:avLst>
+          </a:prstGeom>
+          <a:ln w="38100">
+            <a:gradFill>
+              <a:gsLst>
+                <a:gs pos="72000">
+                  <a:schemeClr val="accent1">
+                    <a:lumMod val="5000"/>
+                    <a:lumOff val="95000"/>
+                  </a:schemeClr>
+                </a:gs>
+                <a:gs pos="100000">
+                  <a:schemeClr val="accent1">
+                    <a:lumMod val="45000"/>
+                    <a:lumOff val="55000"/>
+                  </a:schemeClr>
+                </a:gs>
+                <a:gs pos="0">
+                  <a:srgbClr val="FF0000"/>
+                </a:gs>
+              </a:gsLst>
+              <a:lin ang="5400000" scaled="1"/>
+            </a:gradFill>
+          </a:ln>
+        </p:spPr>
+        <p:style>
+          <a:lnRef idx="2">
+            <a:schemeClr val="accent1"/>
+          </a:lnRef>
+          <a:fillRef idx="0">
+            <a:schemeClr val="accent1"/>
+          </a:fillRef>
+          <a:effectRef idx="1">
+            <a:schemeClr val="accent1"/>
+          </a:effectRef>
+          <a:fontRef idx="minor">
+            <a:schemeClr val="tx1"/>
+          </a:fontRef>
+        </p:style>
+        <p:txBody>
+          <a:bodyPr rtlCol="0" anchor="ctr"/>
+          <a:lstStyle/>
+          <a:p>
+            <a:pPr algn="ctr"/>
+            <a:endParaRPr lang="en-ES"/>
+          </a:p>
+        </p:txBody>
+      </p:sp>
+      <p:cxnSp>
+        <p:nvCxnSpPr>
+          <p:cNvPr id="38" name="Straight Arrow Connector 37">
+            <a:extLst>
+              <a:ext uri="{FF2B5EF4-FFF2-40B4-BE49-F238E27FC236}">
+                <a16:creationId xmlns:a16="http://schemas.microsoft.com/office/drawing/2014/main" id="{7F40F7C0-8F9F-5467-0AA1-54322A1B012E}"/>
+              </a:ext>
+            </a:extLst>
+          </p:cNvPr>
+          <p:cNvCxnSpPr>
+            <a:cxnSpLocks/>
+          </p:cNvCxnSpPr>
+          <p:nvPr/>
+        </p:nvCxnSpPr>
+        <p:spPr>
+          <a:xfrm flipV="1">
+            <a:off x="8226694" y="2417283"/>
+            <a:ext cx="23527" cy="2491093"/>
+          </a:xfrm>
+          <a:prstGeom prst="straightConnector1">
+            <a:avLst/>
+          </a:prstGeom>
+          <a:ln w="38100">
+            <a:solidFill>
+              <a:schemeClr val="tx1"/>
+            </a:solidFill>
+            <a:tailEnd type="triangle"/>
+          </a:ln>
+        </p:spPr>
+        <p:style>
+          <a:lnRef idx="2">
+            <a:schemeClr val="accent1"/>
+          </a:lnRef>
+          <a:fillRef idx="0">
+            <a:schemeClr val="accent1"/>
+          </a:fillRef>
+          <a:effectRef idx="1">
+            <a:schemeClr val="accent1"/>
+          </a:effectRef>
+          <a:fontRef idx="minor">
+            <a:schemeClr val="tx1"/>
+          </a:fontRef>
+        </p:style>
+      </p:cxnSp>
+      <p:cxnSp>
+        <p:nvCxnSpPr>
+          <p:cNvPr id="42" name="Straight Arrow Connector 41">
+            <a:extLst>
+              <a:ext uri="{FF2B5EF4-FFF2-40B4-BE49-F238E27FC236}">
+                <a16:creationId xmlns:a16="http://schemas.microsoft.com/office/drawing/2014/main" id="{3FF65B0D-2128-48A2-C6BF-EEFBDF5032C2}"/>
+              </a:ext>
+            </a:extLst>
+          </p:cNvPr>
+          <p:cNvCxnSpPr>
+            <a:cxnSpLocks/>
+          </p:cNvCxnSpPr>
+          <p:nvPr/>
+        </p:nvCxnSpPr>
+        <p:spPr>
+          <a:xfrm>
+            <a:off x="8226694" y="4908376"/>
+            <a:ext cx="3225269" cy="0"/>
+          </a:xfrm>
+          <a:prstGeom prst="straightConnector1">
+            <a:avLst/>
+          </a:prstGeom>
+          <a:ln w="38100">
+            <a:solidFill>
+              <a:schemeClr val="tx1"/>
+            </a:solidFill>
+            <a:tailEnd type="triangle"/>
+          </a:ln>
+        </p:spPr>
+        <p:style>
+          <a:lnRef idx="2">
+            <a:schemeClr val="accent1"/>
+          </a:lnRef>
+          <a:fillRef idx="0">
+            <a:schemeClr val="accent1"/>
+          </a:fillRef>
+          <a:effectRef idx="1">
+            <a:schemeClr val="accent1"/>
+          </a:effectRef>
+          <a:fontRef idx="minor">
+            <a:schemeClr val="tx1"/>
+          </a:fontRef>
+        </p:style>
+      </p:cxnSp>
+      <p:sp>
+        <p:nvSpPr>
+          <p:cNvPr id="43" name="TextBox 42">
+            <a:extLst>
+              <a:ext uri="{FF2B5EF4-FFF2-40B4-BE49-F238E27FC236}">
+                <a16:creationId xmlns:a16="http://schemas.microsoft.com/office/drawing/2014/main" id="{62972613-7A40-EEAD-36D6-D99B33FD04D6}"/>
+              </a:ext>
+            </a:extLst>
+          </p:cNvPr>
+          <p:cNvSpPr txBox="1"/>
+          <p:nvPr/>
+        </p:nvSpPr>
+        <p:spPr>
+          <a:xfrm>
+            <a:off x="11069866" y="4895265"/>
+            <a:ext cx="567868" cy="646331"/>
+          </a:xfrm>
+          <a:prstGeom prst="rect">
+            <a:avLst/>
+          </a:prstGeom>
+          <a:noFill/>
+        </p:spPr>
+        <p:txBody>
+          <a:bodyPr wrap="square" rtlCol="0">
+            <a:spAutoFit/>
+          </a:bodyPr>
+          <a:lstStyle/>
+          <a:p>
+            <a:r>
+              <a:rPr lang="en-ES" sz="3600" dirty="0"/>
+              <a:t>x</a:t>
+            </a:r>
+          </a:p>
+        </p:txBody>
+      </p:sp>
+      <p:cxnSp>
+        <p:nvCxnSpPr>
+          <p:cNvPr id="58" name="Straight Arrow Connector 57">
+            <a:extLst>
+              <a:ext uri="{FF2B5EF4-FFF2-40B4-BE49-F238E27FC236}">
+                <a16:creationId xmlns:a16="http://schemas.microsoft.com/office/drawing/2014/main" id="{CCA5B95B-998E-A1C6-47D1-5E353C95FAF5}"/>
+              </a:ext>
+            </a:extLst>
+          </p:cNvPr>
+          <p:cNvCxnSpPr>
+            <a:cxnSpLocks/>
+          </p:cNvCxnSpPr>
+          <p:nvPr/>
+        </p:nvCxnSpPr>
+        <p:spPr>
+          <a:xfrm flipV="1">
+            <a:off x="8231487" y="3513799"/>
+            <a:ext cx="951382" cy="1419145"/>
+          </a:xfrm>
+          <a:prstGeom prst="straightConnector1">
+            <a:avLst/>
+          </a:prstGeom>
+          <a:ln w="38100">
+            <a:solidFill>
+              <a:schemeClr val="tx1"/>
+            </a:solidFill>
+            <a:tailEnd type="triangle"/>
+          </a:ln>
+        </p:spPr>
+        <p:style>
+          <a:lnRef idx="2">
+            <a:schemeClr val="accent1"/>
+          </a:lnRef>
+          <a:fillRef idx="0">
+            <a:schemeClr val="accent1"/>
+          </a:fillRef>
+          <a:effectRef idx="1">
+            <a:schemeClr val="accent1"/>
+          </a:effectRef>
+          <a:fontRef idx="minor">
+            <a:schemeClr val="tx1"/>
+          </a:fontRef>
+        </p:style>
+      </p:cxnSp>
+      <p:sp>
+        <p:nvSpPr>
+          <p:cNvPr id="61" name="TextBox 60">
+            <a:extLst>
+              <a:ext uri="{FF2B5EF4-FFF2-40B4-BE49-F238E27FC236}">
+                <a16:creationId xmlns:a16="http://schemas.microsoft.com/office/drawing/2014/main" id="{7C0742B9-49F1-60CA-F189-435AEC7AC1F2}"/>
+              </a:ext>
+            </a:extLst>
+          </p:cNvPr>
+          <p:cNvSpPr txBox="1"/>
+          <p:nvPr/>
+        </p:nvSpPr>
+        <p:spPr>
+          <a:xfrm>
+            <a:off x="8375794" y="2033395"/>
+            <a:ext cx="386644" cy="646331"/>
+          </a:xfrm>
+          <a:prstGeom prst="rect">
+            <a:avLst/>
+          </a:prstGeom>
+          <a:noFill/>
+        </p:spPr>
+        <p:txBody>
+          <a:bodyPr wrap="none" rtlCol="0">
+            <a:spAutoFit/>
+          </a:bodyPr>
+          <a:lstStyle/>
+          <a:p>
+            <a:r>
+              <a:rPr lang="en-ES" sz="3600" dirty="0"/>
+              <a:t>z</a:t>
+            </a:r>
+          </a:p>
+        </p:txBody>
+      </p:sp>
+      <p:sp>
+        <p:nvSpPr>
+          <p:cNvPr id="63" name="Oval 62">
+            <a:extLst>
+              <a:ext uri="{FF2B5EF4-FFF2-40B4-BE49-F238E27FC236}">
+                <a16:creationId xmlns:a16="http://schemas.microsoft.com/office/drawing/2014/main" id="{4C5C545A-0A5E-81E3-07A4-D107F0ADC87A}"/>
+              </a:ext>
+            </a:extLst>
+          </p:cNvPr>
+          <p:cNvSpPr/>
+          <p:nvPr/>
+        </p:nvSpPr>
+        <p:spPr>
+          <a:xfrm>
+            <a:off x="8196111" y="3083404"/>
+            <a:ext cx="95519" cy="87688"/>
+          </a:xfrm>
+          <a:prstGeom prst="ellipse">
+            <a:avLst/>
+          </a:prstGeom>
+        </p:spPr>
+        <p:style>
+          <a:lnRef idx="2">
+            <a:schemeClr val="accent1">
+              <a:shade val="15000"/>
+            </a:schemeClr>
+          </a:lnRef>
+          <a:fillRef idx="1">
+            <a:schemeClr val="accent1"/>
+          </a:fillRef>
+          <a:effectRef idx="0">
+            <a:schemeClr val="accent1"/>
+          </a:effectRef>
+          <a:fontRef idx="minor">
+            <a:schemeClr val="lt1"/>
+          </a:fontRef>
+        </p:style>
+        <p:txBody>
+          <a:bodyPr rtlCol="0" anchor="ctr"/>
+          <a:lstStyle/>
+          <a:p>
+            <a:pPr algn="ctr"/>
+            <a:endParaRPr lang="en-ES"/>
+          </a:p>
+        </p:txBody>
+      </p:sp>
+      <p:sp>
+        <p:nvSpPr>
+          <p:cNvPr id="64" name="Oval 63">
+            <a:extLst>
+              <a:ext uri="{FF2B5EF4-FFF2-40B4-BE49-F238E27FC236}">
+                <a16:creationId xmlns:a16="http://schemas.microsoft.com/office/drawing/2014/main" id="{B9DECD15-6A90-8F2A-42EE-A001068C177B}"/>
+              </a:ext>
+            </a:extLst>
+          </p:cNvPr>
+          <p:cNvSpPr/>
+          <p:nvPr/>
+        </p:nvSpPr>
+        <p:spPr>
+          <a:xfrm>
+            <a:off x="10236623" y="4342107"/>
+            <a:ext cx="95519" cy="87688"/>
+          </a:xfrm>
+          <a:prstGeom prst="ellipse">
+            <a:avLst/>
+          </a:prstGeom>
+        </p:spPr>
+        <p:style>
+          <a:lnRef idx="2">
+            <a:schemeClr val="accent1">
+              <a:shade val="15000"/>
+            </a:schemeClr>
+          </a:lnRef>
+          <a:fillRef idx="1">
+            <a:schemeClr val="accent1"/>
+          </a:fillRef>
+          <a:effectRef idx="0">
+            <a:schemeClr val="accent1"/>
+          </a:effectRef>
+          <a:fontRef idx="minor">
+            <a:schemeClr val="lt1"/>
+          </a:fontRef>
+        </p:style>
+        <p:txBody>
+          <a:bodyPr rtlCol="0" anchor="ctr"/>
+          <a:lstStyle/>
+          <a:p>
+            <a:pPr algn="ctr"/>
+            <a:endParaRPr lang="en-ES"/>
+          </a:p>
+        </p:txBody>
+      </p:sp>
+      <p:sp>
+        <p:nvSpPr>
+          <p:cNvPr id="65" name="Oval 64">
+            <a:extLst>
+              <a:ext uri="{FF2B5EF4-FFF2-40B4-BE49-F238E27FC236}">
+                <a16:creationId xmlns:a16="http://schemas.microsoft.com/office/drawing/2014/main" id="{CBEA7EF2-4DF1-77C2-309F-A3BFC3B20BE1}"/>
+              </a:ext>
+            </a:extLst>
+          </p:cNvPr>
+          <p:cNvSpPr/>
+          <p:nvPr/>
+        </p:nvSpPr>
+        <p:spPr>
+          <a:xfrm>
+            <a:off x="6940473" y="4342107"/>
+            <a:ext cx="95519" cy="87688"/>
+          </a:xfrm>
+          <a:prstGeom prst="ellipse">
+            <a:avLst/>
+          </a:prstGeom>
+        </p:spPr>
+        <p:style>
+          <a:lnRef idx="2">
+            <a:schemeClr val="accent1">
+              <a:shade val="15000"/>
+            </a:schemeClr>
+          </a:lnRef>
+          <a:fillRef idx="1">
+            <a:schemeClr val="accent1"/>
+          </a:fillRef>
+          <a:effectRef idx="0">
+            <a:schemeClr val="accent1"/>
+          </a:effectRef>
+          <a:fontRef idx="minor">
+            <a:schemeClr val="lt1"/>
+          </a:fontRef>
+        </p:style>
+        <p:txBody>
+          <a:bodyPr rtlCol="0" anchor="ctr"/>
+          <a:lstStyle/>
+          <a:p>
+            <a:pPr algn="ctr"/>
+            <a:endParaRPr lang="en-ES"/>
+          </a:p>
+        </p:txBody>
+      </p:sp>
+      <p:cxnSp>
+        <p:nvCxnSpPr>
+          <p:cNvPr id="66" name="Straight Arrow Connector 65">
+            <a:extLst>
+              <a:ext uri="{FF2B5EF4-FFF2-40B4-BE49-F238E27FC236}">
+                <a16:creationId xmlns:a16="http://schemas.microsoft.com/office/drawing/2014/main" id="{4E6E89EA-DB65-0D6F-D0E7-B4A7A3669132}"/>
+              </a:ext>
+            </a:extLst>
+          </p:cNvPr>
+          <p:cNvCxnSpPr>
+            <a:cxnSpLocks/>
+          </p:cNvCxnSpPr>
+          <p:nvPr/>
+        </p:nvCxnSpPr>
+        <p:spPr>
+          <a:xfrm flipH="1" flipV="1">
+            <a:off x="7510690" y="2665527"/>
+            <a:ext cx="699409" cy="438811"/>
+          </a:xfrm>
+          <a:prstGeom prst="straightConnector1">
+            <a:avLst/>
+          </a:prstGeom>
+          <a:ln w="38100">
+            <a:solidFill>
+              <a:schemeClr val="tx1"/>
+            </a:solidFill>
+            <a:tailEnd type="triangle"/>
+          </a:ln>
+        </p:spPr>
+        <p:style>
+          <a:lnRef idx="2">
+            <a:schemeClr val="accent1"/>
+          </a:lnRef>
+          <a:fillRef idx="0">
+            <a:schemeClr val="accent1"/>
+          </a:fillRef>
+          <a:effectRef idx="1">
+            <a:schemeClr val="accent1"/>
+          </a:effectRef>
+          <a:fontRef idx="minor">
+            <a:schemeClr val="tx1"/>
+          </a:fontRef>
+        </p:style>
+      </p:cxnSp>
+      <p:cxnSp>
+        <p:nvCxnSpPr>
+          <p:cNvPr id="70" name="Straight Arrow Connector 69">
+            <a:extLst>
+              <a:ext uri="{FF2B5EF4-FFF2-40B4-BE49-F238E27FC236}">
+                <a16:creationId xmlns:a16="http://schemas.microsoft.com/office/drawing/2014/main" id="{057A2C09-DEA6-0010-6F4A-38BA466EE131}"/>
+              </a:ext>
+            </a:extLst>
+          </p:cNvPr>
+          <p:cNvCxnSpPr>
+            <a:cxnSpLocks/>
+            <a:endCxn id="63" idx="5"/>
+          </p:cNvCxnSpPr>
+          <p:nvPr/>
+        </p:nvCxnSpPr>
+        <p:spPr>
+          <a:xfrm flipH="1" flipV="1">
+            <a:off x="8277642" y="3158250"/>
+            <a:ext cx="1987588" cy="1217979"/>
+          </a:xfrm>
+          <a:prstGeom prst="straightConnector1">
+            <a:avLst/>
+          </a:prstGeom>
+          <a:ln w="38100">
+            <a:solidFill>
+              <a:schemeClr val="tx1"/>
+            </a:solidFill>
+            <a:prstDash val="dash"/>
+            <a:tailEnd type="none"/>
+          </a:ln>
+        </p:spPr>
+        <p:style>
+          <a:lnRef idx="2">
+            <a:schemeClr val="accent1"/>
+          </a:lnRef>
+          <a:fillRef idx="0">
+            <a:schemeClr val="accent1"/>
+          </a:fillRef>
+          <a:effectRef idx="1">
+            <a:schemeClr val="accent1"/>
+          </a:effectRef>
+          <a:fontRef idx="minor">
+            <a:schemeClr val="tx1"/>
+          </a:fontRef>
+        </p:style>
+      </p:cxnSp>
+      <p:cxnSp>
+        <p:nvCxnSpPr>
+          <p:cNvPr id="73" name="Straight Arrow Connector 72">
+            <a:extLst>
+              <a:ext uri="{FF2B5EF4-FFF2-40B4-BE49-F238E27FC236}">
+                <a16:creationId xmlns:a16="http://schemas.microsoft.com/office/drawing/2014/main" id="{574AE1CD-877A-3333-9F4B-5AB770D75161}"/>
+              </a:ext>
+            </a:extLst>
+          </p:cNvPr>
+          <p:cNvCxnSpPr>
+            <a:cxnSpLocks/>
+          </p:cNvCxnSpPr>
+          <p:nvPr/>
+        </p:nvCxnSpPr>
+        <p:spPr>
+          <a:xfrm flipH="1">
+            <a:off x="7632706" y="3151452"/>
+            <a:ext cx="585558" cy="600339"/>
+          </a:xfrm>
+          <a:prstGeom prst="straightConnector1">
+            <a:avLst/>
+          </a:prstGeom>
+          <a:ln w="38100">
+            <a:solidFill>
+              <a:schemeClr val="tx1"/>
+            </a:solidFill>
+            <a:tailEnd type="triangle"/>
+          </a:ln>
+        </p:spPr>
+        <p:style>
+          <a:lnRef idx="2">
+            <a:schemeClr val="accent1"/>
+          </a:lnRef>
+          <a:fillRef idx="0">
+            <a:schemeClr val="accent1"/>
+          </a:fillRef>
+          <a:effectRef idx="1">
+            <a:schemeClr val="accent1"/>
+          </a:effectRef>
+          <a:fontRef idx="minor">
+            <a:schemeClr val="tx1"/>
+          </a:fontRef>
+        </p:style>
+      </p:cxnSp>
+      <p:cxnSp>
+        <p:nvCxnSpPr>
+          <p:cNvPr id="76" name="Straight Arrow Connector 75">
+            <a:extLst>
+              <a:ext uri="{FF2B5EF4-FFF2-40B4-BE49-F238E27FC236}">
+                <a16:creationId xmlns:a16="http://schemas.microsoft.com/office/drawing/2014/main" id="{5EA5187D-0BEF-3AE5-F182-07B473F575C7}"/>
+              </a:ext>
+            </a:extLst>
+          </p:cNvPr>
+          <p:cNvCxnSpPr>
+            <a:cxnSpLocks/>
+            <a:endCxn id="65" idx="7"/>
+          </p:cNvCxnSpPr>
+          <p:nvPr/>
+        </p:nvCxnSpPr>
+        <p:spPr>
+          <a:xfrm flipH="1">
+            <a:off x="7022004" y="3801830"/>
+            <a:ext cx="551549" cy="553119"/>
+          </a:xfrm>
+          <a:prstGeom prst="straightConnector1">
+            <a:avLst/>
+          </a:prstGeom>
+          <a:ln w="38100">
+            <a:solidFill>
+              <a:schemeClr val="tx1"/>
+            </a:solidFill>
+            <a:prstDash val="dash"/>
+            <a:tailEnd type="none"/>
+          </a:ln>
+        </p:spPr>
+        <p:style>
+          <a:lnRef idx="2">
+            <a:schemeClr val="accent1"/>
+          </a:lnRef>
+          <a:fillRef idx="0">
+            <a:schemeClr val="accent1"/>
+          </a:fillRef>
+          <a:effectRef idx="1">
+            <a:schemeClr val="accent1"/>
+          </a:effectRef>
+          <a:fontRef idx="minor">
+            <a:schemeClr val="tx1"/>
+          </a:fontRef>
+        </p:style>
+      </p:cxnSp>
+      <p:sp>
+        <p:nvSpPr>
+          <p:cNvPr id="88" name="TextBox 87">
+            <a:extLst>
+              <a:ext uri="{FF2B5EF4-FFF2-40B4-BE49-F238E27FC236}">
+                <a16:creationId xmlns:a16="http://schemas.microsoft.com/office/drawing/2014/main" id="{62F315E5-15F5-F32A-79B4-8EB5B351B1F7}"/>
+              </a:ext>
+            </a:extLst>
+          </p:cNvPr>
+          <p:cNvSpPr txBox="1"/>
+          <p:nvPr/>
+        </p:nvSpPr>
+        <p:spPr>
+          <a:xfrm>
+            <a:off x="6086094" y="2322249"/>
+            <a:ext cx="1804276" cy="369332"/>
+          </a:xfrm>
+          <a:prstGeom prst="rect">
+            <a:avLst/>
+          </a:prstGeom>
+          <a:noFill/>
+        </p:spPr>
+        <p:txBody>
+          <a:bodyPr wrap="none" rtlCol="0">
+            <a:spAutoFit/>
+          </a:bodyPr>
+          <a:lstStyle/>
+          <a:p>
+            <a:r>
+              <a:rPr lang="en-ES" dirty="0"/>
+              <a:t>Ez&gt;0  Ey&lt;0  Ex&lt;0</a:t>
+            </a:r>
+          </a:p>
+        </p:txBody>
+      </p:sp>
+      <p:sp>
+        <p:nvSpPr>
+          <p:cNvPr id="89" name="TextBox 88">
+            <a:extLst>
+              <a:ext uri="{FF2B5EF4-FFF2-40B4-BE49-F238E27FC236}">
+                <a16:creationId xmlns:a16="http://schemas.microsoft.com/office/drawing/2014/main" id="{6F7CE4F5-D0BA-E3E3-F65E-E299F8461623}"/>
+              </a:ext>
+            </a:extLst>
+          </p:cNvPr>
+          <p:cNvSpPr txBox="1"/>
+          <p:nvPr/>
+        </p:nvSpPr>
+        <p:spPr>
+          <a:xfrm>
+            <a:off x="6038727" y="3227768"/>
+            <a:ext cx="1804276" cy="369332"/>
+          </a:xfrm>
+          <a:prstGeom prst="rect">
+            <a:avLst/>
+          </a:prstGeom>
+          <a:noFill/>
+        </p:spPr>
+        <p:txBody>
+          <a:bodyPr wrap="none" rtlCol="0">
+            <a:spAutoFit/>
+          </a:bodyPr>
+          <a:lstStyle/>
+          <a:p>
+            <a:r>
+              <a:rPr lang="en-ES" dirty="0"/>
+              <a:t>Ez&lt;0  Ey&gt;0  Ex&lt;0</a:t>
+            </a:r>
+          </a:p>
+        </p:txBody>
+      </p:sp>
+    </p:spTree>
+    <p:extLst>
+      <p:ext uri="{BB962C8B-B14F-4D97-AF65-F5344CB8AC3E}">
+        <p14:creationId xmlns:p14="http://schemas.microsoft.com/office/powerpoint/2010/main" val="650413243"/>
+      </p:ext>
+    </p:extLst>
+  </p:cSld>
+  <p:clrMapOvr>
+    <a:masterClrMapping/>
+  </p:clrMapOvr>
+</p:sld>
+</file>
+
+<file path=ppt/slides/slide30.xml><?xml version="1.0" encoding="utf-8"?>
 <p:sld xmlns:a="http://schemas.openxmlformats.org/drawingml/2006/main" xmlns:r="http://schemas.openxmlformats.org/officeDocument/2006/relationships" xmlns:p="http://schemas.openxmlformats.org/presentationml/2006/main">
   <p:cSld>
     <p:spTree>
@@ -21758,7 +24664,7 @@
 </p:sld>
 </file>
 
-<file path=ppt/slides/slide29.xml><?xml version="1.0" encoding="utf-8"?>
+<file path=ppt/slides/slide31.xml><?xml version="1.0" encoding="utf-8"?>
 <p:sld xmlns:a="http://schemas.openxmlformats.org/drawingml/2006/main" xmlns:r="http://schemas.openxmlformats.org/officeDocument/2006/relationships" xmlns:p="http://schemas.openxmlformats.org/presentationml/2006/main">
   <p:cSld>
     <p:spTree>
@@ -22843,1160 +25749,7 @@
 </p:sld>
 </file>
 
-<file path=ppt/slides/slide3.xml><?xml version="1.0" encoding="utf-8"?>
-<p:sld xmlns:a="http://schemas.openxmlformats.org/drawingml/2006/main" xmlns:r="http://schemas.openxmlformats.org/officeDocument/2006/relationships" xmlns:p="http://schemas.openxmlformats.org/presentationml/2006/main">
-  <p:cSld>
-    <p:spTree>
-      <p:nvGrpSpPr>
-        <p:cNvPr id="1" name=""/>
-        <p:cNvGrpSpPr/>
-        <p:nvPr/>
-      </p:nvGrpSpPr>
-      <p:grpSpPr>
-        <a:xfrm>
-          <a:off x="0" y="0"/>
-          <a:ext cx="0" cy="0"/>
-          <a:chOff x="0" y="0"/>
-          <a:chExt cx="0" cy="0"/>
-        </a:xfrm>
-      </p:grpSpPr>
-      <p:sp>
-        <p:nvSpPr>
-          <p:cNvPr id="2" name="Title 1">
-            <a:extLst>
-              <a:ext uri="{FF2B5EF4-FFF2-40B4-BE49-F238E27FC236}">
-                <a16:creationId xmlns:a16="http://schemas.microsoft.com/office/drawing/2014/main" id="{D39B841F-54C7-3AE1-E545-FD824C8DAF7F}"/>
-              </a:ext>
-            </a:extLst>
-          </p:cNvPr>
-          <p:cNvSpPr>
-            <a:spLocks noGrp="1"/>
-          </p:cNvSpPr>
-          <p:nvPr>
-            <p:ph type="title"/>
-          </p:nvPr>
-        </p:nvSpPr>
-        <p:spPr/>
-        <p:txBody>
-          <a:bodyPr/>
-          <a:lstStyle/>
-          <a:p>
-            <a:r>
-              <a:rPr lang="en-ES" dirty="0"/>
-              <a:t>B1.S2.1</a:t>
-            </a:r>
-          </a:p>
-        </p:txBody>
-      </p:sp>
-      <p:sp>
-        <p:nvSpPr>
-          <p:cNvPr id="5" name="Arc 4">
-            <a:extLst>
-              <a:ext uri="{FF2B5EF4-FFF2-40B4-BE49-F238E27FC236}">
-                <a16:creationId xmlns:a16="http://schemas.microsoft.com/office/drawing/2014/main" id="{C62C6161-AC50-592A-79A8-62650346F24E}"/>
-              </a:ext>
-            </a:extLst>
-          </p:cNvPr>
-          <p:cNvSpPr/>
-          <p:nvPr/>
-        </p:nvSpPr>
-        <p:spPr>
-          <a:xfrm rot="16200000">
-            <a:off x="492552" y="2918012"/>
-            <a:ext cx="4155141" cy="4222377"/>
-          </a:xfrm>
-          <a:prstGeom prst="arc">
-            <a:avLst>
-              <a:gd name="adj1" fmla="val 16259988"/>
-              <a:gd name="adj2" fmla="val 5404610"/>
-            </a:avLst>
-          </a:prstGeom>
-          <a:ln w="38100">
-            <a:gradFill>
-              <a:gsLst>
-                <a:gs pos="51000">
-                  <a:schemeClr val="accent1">
-                    <a:lumMod val="5000"/>
-                    <a:lumOff val="95000"/>
-                  </a:schemeClr>
-                </a:gs>
-                <a:gs pos="100000">
-                  <a:schemeClr val="accent1">
-                    <a:lumMod val="45000"/>
-                    <a:lumOff val="55000"/>
-                  </a:schemeClr>
-                </a:gs>
-                <a:gs pos="0">
-                  <a:srgbClr val="FF0000"/>
-                </a:gs>
-              </a:gsLst>
-              <a:lin ang="5400000" scaled="1"/>
-            </a:gradFill>
-          </a:ln>
-        </p:spPr>
-        <p:style>
-          <a:lnRef idx="2">
-            <a:schemeClr val="accent1"/>
-          </a:lnRef>
-          <a:fillRef idx="0">
-            <a:schemeClr val="accent1"/>
-          </a:fillRef>
-          <a:effectRef idx="1">
-            <a:schemeClr val="accent1"/>
-          </a:effectRef>
-          <a:fontRef idx="minor">
-            <a:schemeClr val="tx1"/>
-          </a:fontRef>
-        </p:style>
-        <p:txBody>
-          <a:bodyPr rtlCol="0" anchor="ctr"/>
-          <a:lstStyle/>
-          <a:p>
-            <a:pPr algn="ctr"/>
-            <a:endParaRPr lang="en-ES"/>
-          </a:p>
-        </p:txBody>
-      </p:sp>
-      <p:cxnSp>
-        <p:nvCxnSpPr>
-          <p:cNvPr id="10" name="Straight Arrow Connector 9">
-            <a:extLst>
-              <a:ext uri="{FF2B5EF4-FFF2-40B4-BE49-F238E27FC236}">
-                <a16:creationId xmlns:a16="http://schemas.microsoft.com/office/drawing/2014/main" id="{8E1BDB21-2D8F-C9C2-3B07-F77D99022865}"/>
-              </a:ext>
-            </a:extLst>
-          </p:cNvPr>
-          <p:cNvCxnSpPr>
-            <a:cxnSpLocks/>
-          </p:cNvCxnSpPr>
-          <p:nvPr/>
-        </p:nvCxnSpPr>
-        <p:spPr>
-          <a:xfrm flipV="1">
-            <a:off x="2589628" y="1817132"/>
-            <a:ext cx="0" cy="3223735"/>
-          </a:xfrm>
-          <a:prstGeom prst="straightConnector1">
-            <a:avLst/>
-          </a:prstGeom>
-          <a:ln w="38100">
-            <a:solidFill>
-              <a:schemeClr val="tx1"/>
-            </a:solidFill>
-            <a:tailEnd type="triangle"/>
-          </a:ln>
-        </p:spPr>
-        <p:style>
-          <a:lnRef idx="2">
-            <a:schemeClr val="accent1"/>
-          </a:lnRef>
-          <a:fillRef idx="0">
-            <a:schemeClr val="accent1"/>
-          </a:fillRef>
-          <a:effectRef idx="1">
-            <a:schemeClr val="accent1"/>
-          </a:effectRef>
-          <a:fontRef idx="minor">
-            <a:schemeClr val="tx1"/>
-          </a:fontRef>
-        </p:style>
-      </p:cxnSp>
-      <p:sp>
-        <p:nvSpPr>
-          <p:cNvPr id="15" name="TextBox 14">
-            <a:extLst>
-              <a:ext uri="{FF2B5EF4-FFF2-40B4-BE49-F238E27FC236}">
-                <a16:creationId xmlns:a16="http://schemas.microsoft.com/office/drawing/2014/main" id="{724436C1-324F-AAF1-C132-967FFB014398}"/>
-              </a:ext>
-            </a:extLst>
-          </p:cNvPr>
-          <p:cNvSpPr txBox="1"/>
-          <p:nvPr/>
-        </p:nvSpPr>
-        <p:spPr>
-          <a:xfrm>
-            <a:off x="2054698" y="1817132"/>
-            <a:ext cx="393056" cy="646331"/>
-          </a:xfrm>
-          <a:prstGeom prst="rect">
-            <a:avLst/>
-          </a:prstGeom>
-          <a:noFill/>
-        </p:spPr>
-        <p:txBody>
-          <a:bodyPr wrap="none" rtlCol="0">
-            <a:spAutoFit/>
-          </a:bodyPr>
-          <a:lstStyle/>
-          <a:p>
-            <a:r>
-              <a:rPr lang="en-ES" sz="3600" dirty="0"/>
-              <a:t>y</a:t>
-            </a:r>
-          </a:p>
-        </p:txBody>
-      </p:sp>
-      <p:cxnSp>
-        <p:nvCxnSpPr>
-          <p:cNvPr id="17" name="Straight Arrow Connector 16">
-            <a:extLst>
-              <a:ext uri="{FF2B5EF4-FFF2-40B4-BE49-F238E27FC236}">
-                <a16:creationId xmlns:a16="http://schemas.microsoft.com/office/drawing/2014/main" id="{5B01AE06-DAE3-451D-0620-065E77F3FD38}"/>
-              </a:ext>
-            </a:extLst>
-          </p:cNvPr>
-          <p:cNvCxnSpPr>
-            <a:cxnSpLocks/>
-          </p:cNvCxnSpPr>
-          <p:nvPr/>
-        </p:nvCxnSpPr>
-        <p:spPr>
-          <a:xfrm>
-            <a:off x="2589628" y="5040867"/>
-            <a:ext cx="3225269" cy="0"/>
-          </a:xfrm>
-          <a:prstGeom prst="straightConnector1">
-            <a:avLst/>
-          </a:prstGeom>
-          <a:ln w="38100">
-            <a:solidFill>
-              <a:schemeClr val="tx1"/>
-            </a:solidFill>
-            <a:tailEnd type="triangle"/>
-          </a:ln>
-        </p:spPr>
-        <p:style>
-          <a:lnRef idx="2">
-            <a:schemeClr val="accent1"/>
-          </a:lnRef>
-          <a:fillRef idx="0">
-            <a:schemeClr val="accent1"/>
-          </a:fillRef>
-          <a:effectRef idx="1">
-            <a:schemeClr val="accent1"/>
-          </a:effectRef>
-          <a:fontRef idx="minor">
-            <a:schemeClr val="tx1"/>
-          </a:fontRef>
-        </p:style>
-      </p:cxnSp>
-      <p:sp>
-        <p:nvSpPr>
-          <p:cNvPr id="18" name="TextBox 17">
-            <a:extLst>
-              <a:ext uri="{FF2B5EF4-FFF2-40B4-BE49-F238E27FC236}">
-                <a16:creationId xmlns:a16="http://schemas.microsoft.com/office/drawing/2014/main" id="{10908EA1-8301-F8A5-2AA4-12299B055323}"/>
-              </a:ext>
-            </a:extLst>
-          </p:cNvPr>
-          <p:cNvSpPr txBox="1"/>
-          <p:nvPr/>
-        </p:nvSpPr>
-        <p:spPr>
-          <a:xfrm>
-            <a:off x="5392791" y="5040867"/>
-            <a:ext cx="567868" cy="646331"/>
-          </a:xfrm>
-          <a:prstGeom prst="rect">
-            <a:avLst/>
-          </a:prstGeom>
-          <a:noFill/>
-        </p:spPr>
-        <p:txBody>
-          <a:bodyPr wrap="square" rtlCol="0">
-            <a:spAutoFit/>
-          </a:bodyPr>
-          <a:lstStyle/>
-          <a:p>
-            <a:r>
-              <a:rPr lang="en-ES" sz="3600" dirty="0"/>
-              <a:t>x</a:t>
-            </a:r>
-          </a:p>
-        </p:txBody>
-      </p:sp>
-      <p:sp>
-        <p:nvSpPr>
-          <p:cNvPr id="24" name="TextBox 23">
-            <a:extLst>
-              <a:ext uri="{FF2B5EF4-FFF2-40B4-BE49-F238E27FC236}">
-                <a16:creationId xmlns:a16="http://schemas.microsoft.com/office/drawing/2014/main" id="{619EBB20-CB39-E643-A01C-4EDC9B94301E}"/>
-              </a:ext>
-            </a:extLst>
-          </p:cNvPr>
-          <p:cNvSpPr txBox="1"/>
-          <p:nvPr/>
-        </p:nvSpPr>
-        <p:spPr>
-          <a:xfrm>
-            <a:off x="3338760" y="2417283"/>
-            <a:ext cx="2207656" cy="646331"/>
-          </a:xfrm>
-          <a:prstGeom prst="rect">
-            <a:avLst/>
-          </a:prstGeom>
-          <a:noFill/>
-        </p:spPr>
-        <p:txBody>
-          <a:bodyPr wrap="none" rtlCol="0">
-            <a:spAutoFit/>
-          </a:bodyPr>
-          <a:lstStyle/>
-          <a:p>
-            <a:r>
-              <a:rPr lang="en-ES" sz="3600" dirty="0"/>
-              <a:t>λ= λ</a:t>
-            </a:r>
-            <a:r>
-              <a:rPr lang="en-ES" sz="3600" baseline="-25000" dirty="0"/>
-              <a:t>0</a:t>
-            </a:r>
-            <a:r>
-              <a:rPr lang="en-ES" sz="3600" dirty="0"/>
-              <a:t>cosɸ’</a:t>
-            </a:r>
-          </a:p>
-        </p:txBody>
-      </p:sp>
-      <p:sp>
-        <p:nvSpPr>
-          <p:cNvPr id="30" name="Arc 29">
-            <a:extLst>
-              <a:ext uri="{FF2B5EF4-FFF2-40B4-BE49-F238E27FC236}">
-                <a16:creationId xmlns:a16="http://schemas.microsoft.com/office/drawing/2014/main" id="{471F2308-244C-599C-E8D1-D81CA02C565C}"/>
-              </a:ext>
-            </a:extLst>
-          </p:cNvPr>
-          <p:cNvSpPr/>
-          <p:nvPr/>
-        </p:nvSpPr>
-        <p:spPr>
-          <a:xfrm>
-            <a:off x="2027258" y="4415634"/>
-            <a:ext cx="1085728" cy="1125962"/>
-          </a:xfrm>
-          <a:prstGeom prst="arc">
-            <a:avLst>
-              <a:gd name="adj1" fmla="val 19745494"/>
-              <a:gd name="adj2" fmla="val 414981"/>
-            </a:avLst>
-          </a:prstGeom>
-          <a:ln w="38100">
-            <a:solidFill>
-              <a:schemeClr val="tx1"/>
-            </a:solidFill>
-          </a:ln>
-        </p:spPr>
-        <p:style>
-          <a:lnRef idx="2">
-            <a:schemeClr val="accent1"/>
-          </a:lnRef>
-          <a:fillRef idx="0">
-            <a:schemeClr val="accent1"/>
-          </a:fillRef>
-          <a:effectRef idx="1">
-            <a:schemeClr val="accent1"/>
-          </a:effectRef>
-          <a:fontRef idx="minor">
-            <a:schemeClr val="tx1"/>
-          </a:fontRef>
-        </p:style>
-        <p:txBody>
-          <a:bodyPr rtlCol="0" anchor="ctr"/>
-          <a:lstStyle/>
-          <a:p>
-            <a:pPr algn="ctr"/>
-            <a:endParaRPr lang="en-ES"/>
-          </a:p>
-        </p:txBody>
-      </p:sp>
-      <p:cxnSp>
-        <p:nvCxnSpPr>
-          <p:cNvPr id="31" name="Straight Arrow Connector 30">
-            <a:extLst>
-              <a:ext uri="{FF2B5EF4-FFF2-40B4-BE49-F238E27FC236}">
-                <a16:creationId xmlns:a16="http://schemas.microsoft.com/office/drawing/2014/main" id="{DAB80AE4-2DA9-5C87-2446-D9AD483D5F7C}"/>
-              </a:ext>
-            </a:extLst>
-          </p:cNvPr>
-          <p:cNvCxnSpPr>
-            <a:cxnSpLocks/>
-          </p:cNvCxnSpPr>
-          <p:nvPr/>
-        </p:nvCxnSpPr>
-        <p:spPr>
-          <a:xfrm flipV="1">
-            <a:off x="2589628" y="3834198"/>
-            <a:ext cx="1708441" cy="1195002"/>
-          </a:xfrm>
-          <a:prstGeom prst="straightConnector1">
-            <a:avLst/>
-          </a:prstGeom>
-          <a:ln w="38100">
-            <a:solidFill>
-              <a:schemeClr val="tx1"/>
-            </a:solidFill>
-            <a:tailEnd type="none"/>
-          </a:ln>
-        </p:spPr>
-        <p:style>
-          <a:lnRef idx="2">
-            <a:schemeClr val="accent1"/>
-          </a:lnRef>
-          <a:fillRef idx="0">
-            <a:schemeClr val="accent1"/>
-          </a:fillRef>
-          <a:effectRef idx="1">
-            <a:schemeClr val="accent1"/>
-          </a:effectRef>
-          <a:fontRef idx="minor">
-            <a:schemeClr val="tx1"/>
-          </a:fontRef>
-        </p:style>
-      </p:cxnSp>
-      <p:sp>
-        <p:nvSpPr>
-          <p:cNvPr id="36" name="TextBox 35">
-            <a:extLst>
-              <a:ext uri="{FF2B5EF4-FFF2-40B4-BE49-F238E27FC236}">
-                <a16:creationId xmlns:a16="http://schemas.microsoft.com/office/drawing/2014/main" id="{361442C0-CDFC-75EA-BF49-A961B88188D3}"/>
-              </a:ext>
-            </a:extLst>
-          </p:cNvPr>
-          <p:cNvSpPr txBox="1"/>
-          <p:nvPr/>
-        </p:nvSpPr>
-        <p:spPr>
-          <a:xfrm>
-            <a:off x="3254860" y="4431699"/>
-            <a:ext cx="562975" cy="646331"/>
-          </a:xfrm>
-          <a:prstGeom prst="rect">
-            <a:avLst/>
-          </a:prstGeom>
-          <a:noFill/>
-        </p:spPr>
-        <p:txBody>
-          <a:bodyPr wrap="none" rtlCol="0">
-            <a:spAutoFit/>
-          </a:bodyPr>
-          <a:lstStyle/>
-          <a:p>
-            <a:r>
-              <a:rPr lang="en-ES" sz="3600" dirty="0"/>
-              <a:t>ɸ’</a:t>
-            </a:r>
-          </a:p>
-        </p:txBody>
-      </p:sp>
-      <p:sp>
-        <p:nvSpPr>
-          <p:cNvPr id="41" name="TextBox 40">
-            <a:extLst>
-              <a:ext uri="{FF2B5EF4-FFF2-40B4-BE49-F238E27FC236}">
-                <a16:creationId xmlns:a16="http://schemas.microsoft.com/office/drawing/2014/main" id="{21DF65AF-0014-9838-1F9C-FA788DF430E2}"/>
-              </a:ext>
-            </a:extLst>
-          </p:cNvPr>
-          <p:cNvSpPr txBox="1"/>
-          <p:nvPr/>
-        </p:nvSpPr>
-        <p:spPr>
-          <a:xfrm>
-            <a:off x="8895270" y="2869329"/>
-            <a:ext cx="393056" cy="646331"/>
-          </a:xfrm>
-          <a:prstGeom prst="rect">
-            <a:avLst/>
-          </a:prstGeom>
-          <a:noFill/>
-        </p:spPr>
-        <p:txBody>
-          <a:bodyPr wrap="none" rtlCol="0">
-            <a:spAutoFit/>
-          </a:bodyPr>
-          <a:lstStyle/>
-          <a:p>
-            <a:r>
-              <a:rPr lang="en-ES" sz="3600" dirty="0"/>
-              <a:t>y</a:t>
-            </a:r>
-          </a:p>
-        </p:txBody>
-      </p:sp>
-      <p:sp>
-        <p:nvSpPr>
-          <p:cNvPr id="37" name="Arc 36">
-            <a:extLst>
-              <a:ext uri="{FF2B5EF4-FFF2-40B4-BE49-F238E27FC236}">
-                <a16:creationId xmlns:a16="http://schemas.microsoft.com/office/drawing/2014/main" id="{E8940850-8C44-3553-B1C6-4AC24BCEB1E8}"/>
-              </a:ext>
-            </a:extLst>
-          </p:cNvPr>
-          <p:cNvSpPr/>
-          <p:nvPr/>
-        </p:nvSpPr>
-        <p:spPr>
-          <a:xfrm rot="15416767">
-            <a:off x="7308147" y="2797188"/>
-            <a:ext cx="1884148" cy="4222377"/>
-          </a:xfrm>
-          <a:prstGeom prst="arc">
-            <a:avLst>
-              <a:gd name="adj1" fmla="val 16931934"/>
-              <a:gd name="adj2" fmla="val 6161777"/>
-            </a:avLst>
-          </a:prstGeom>
-          <a:ln w="38100">
-            <a:gradFill>
-              <a:gsLst>
-                <a:gs pos="72000">
-                  <a:schemeClr val="accent1">
-                    <a:lumMod val="5000"/>
-                    <a:lumOff val="95000"/>
-                  </a:schemeClr>
-                </a:gs>
-                <a:gs pos="100000">
-                  <a:schemeClr val="accent1">
-                    <a:lumMod val="45000"/>
-                    <a:lumOff val="55000"/>
-                  </a:schemeClr>
-                </a:gs>
-                <a:gs pos="0">
-                  <a:srgbClr val="FF0000"/>
-                </a:gs>
-              </a:gsLst>
-              <a:lin ang="5400000" scaled="1"/>
-            </a:gradFill>
-          </a:ln>
-        </p:spPr>
-        <p:style>
-          <a:lnRef idx="2">
-            <a:schemeClr val="accent1"/>
-          </a:lnRef>
-          <a:fillRef idx="0">
-            <a:schemeClr val="accent1"/>
-          </a:fillRef>
-          <a:effectRef idx="1">
-            <a:schemeClr val="accent1"/>
-          </a:effectRef>
-          <a:fontRef idx="minor">
-            <a:schemeClr val="tx1"/>
-          </a:fontRef>
-        </p:style>
-        <p:txBody>
-          <a:bodyPr rtlCol="0" anchor="ctr"/>
-          <a:lstStyle/>
-          <a:p>
-            <a:pPr algn="ctr"/>
-            <a:endParaRPr lang="en-ES"/>
-          </a:p>
-        </p:txBody>
-      </p:sp>
-      <p:cxnSp>
-        <p:nvCxnSpPr>
-          <p:cNvPr id="38" name="Straight Arrow Connector 37">
-            <a:extLst>
-              <a:ext uri="{FF2B5EF4-FFF2-40B4-BE49-F238E27FC236}">
-                <a16:creationId xmlns:a16="http://schemas.microsoft.com/office/drawing/2014/main" id="{7F40F7C0-8F9F-5467-0AA1-54322A1B012E}"/>
-              </a:ext>
-            </a:extLst>
-          </p:cNvPr>
-          <p:cNvCxnSpPr>
-            <a:cxnSpLocks/>
-          </p:cNvCxnSpPr>
-          <p:nvPr/>
-        </p:nvCxnSpPr>
-        <p:spPr>
-          <a:xfrm flipV="1">
-            <a:off x="8226694" y="2417283"/>
-            <a:ext cx="23527" cy="2491093"/>
-          </a:xfrm>
-          <a:prstGeom prst="straightConnector1">
-            <a:avLst/>
-          </a:prstGeom>
-          <a:ln w="38100">
-            <a:solidFill>
-              <a:schemeClr val="tx1"/>
-            </a:solidFill>
-            <a:tailEnd type="triangle"/>
-          </a:ln>
-        </p:spPr>
-        <p:style>
-          <a:lnRef idx="2">
-            <a:schemeClr val="accent1"/>
-          </a:lnRef>
-          <a:fillRef idx="0">
-            <a:schemeClr val="accent1"/>
-          </a:fillRef>
-          <a:effectRef idx="1">
-            <a:schemeClr val="accent1"/>
-          </a:effectRef>
-          <a:fontRef idx="minor">
-            <a:schemeClr val="tx1"/>
-          </a:fontRef>
-        </p:style>
-      </p:cxnSp>
-      <p:cxnSp>
-        <p:nvCxnSpPr>
-          <p:cNvPr id="42" name="Straight Arrow Connector 41">
-            <a:extLst>
-              <a:ext uri="{FF2B5EF4-FFF2-40B4-BE49-F238E27FC236}">
-                <a16:creationId xmlns:a16="http://schemas.microsoft.com/office/drawing/2014/main" id="{3FF65B0D-2128-48A2-C6BF-EEFBDF5032C2}"/>
-              </a:ext>
-            </a:extLst>
-          </p:cNvPr>
-          <p:cNvCxnSpPr>
-            <a:cxnSpLocks/>
-          </p:cNvCxnSpPr>
-          <p:nvPr/>
-        </p:nvCxnSpPr>
-        <p:spPr>
-          <a:xfrm>
-            <a:off x="8226694" y="4908376"/>
-            <a:ext cx="3225269" cy="0"/>
-          </a:xfrm>
-          <a:prstGeom prst="straightConnector1">
-            <a:avLst/>
-          </a:prstGeom>
-          <a:ln w="38100">
-            <a:solidFill>
-              <a:schemeClr val="tx1"/>
-            </a:solidFill>
-            <a:tailEnd type="triangle"/>
-          </a:ln>
-        </p:spPr>
-        <p:style>
-          <a:lnRef idx="2">
-            <a:schemeClr val="accent1"/>
-          </a:lnRef>
-          <a:fillRef idx="0">
-            <a:schemeClr val="accent1"/>
-          </a:fillRef>
-          <a:effectRef idx="1">
-            <a:schemeClr val="accent1"/>
-          </a:effectRef>
-          <a:fontRef idx="minor">
-            <a:schemeClr val="tx1"/>
-          </a:fontRef>
-        </p:style>
-      </p:cxnSp>
-      <p:sp>
-        <p:nvSpPr>
-          <p:cNvPr id="43" name="TextBox 42">
-            <a:extLst>
-              <a:ext uri="{FF2B5EF4-FFF2-40B4-BE49-F238E27FC236}">
-                <a16:creationId xmlns:a16="http://schemas.microsoft.com/office/drawing/2014/main" id="{62972613-7A40-EEAD-36D6-D99B33FD04D6}"/>
-              </a:ext>
-            </a:extLst>
-          </p:cNvPr>
-          <p:cNvSpPr txBox="1"/>
-          <p:nvPr/>
-        </p:nvSpPr>
-        <p:spPr>
-          <a:xfrm>
-            <a:off x="11069866" y="4895265"/>
-            <a:ext cx="567868" cy="646331"/>
-          </a:xfrm>
-          <a:prstGeom prst="rect">
-            <a:avLst/>
-          </a:prstGeom>
-          <a:noFill/>
-        </p:spPr>
-        <p:txBody>
-          <a:bodyPr wrap="square" rtlCol="0">
-            <a:spAutoFit/>
-          </a:bodyPr>
-          <a:lstStyle/>
-          <a:p>
-            <a:r>
-              <a:rPr lang="en-ES" sz="3600" dirty="0"/>
-              <a:t>x</a:t>
-            </a:r>
-          </a:p>
-        </p:txBody>
-      </p:sp>
-      <p:cxnSp>
-        <p:nvCxnSpPr>
-          <p:cNvPr id="58" name="Straight Arrow Connector 57">
-            <a:extLst>
-              <a:ext uri="{FF2B5EF4-FFF2-40B4-BE49-F238E27FC236}">
-                <a16:creationId xmlns:a16="http://schemas.microsoft.com/office/drawing/2014/main" id="{CCA5B95B-998E-A1C6-47D1-5E353C95FAF5}"/>
-              </a:ext>
-            </a:extLst>
-          </p:cNvPr>
-          <p:cNvCxnSpPr>
-            <a:cxnSpLocks/>
-          </p:cNvCxnSpPr>
-          <p:nvPr/>
-        </p:nvCxnSpPr>
-        <p:spPr>
-          <a:xfrm flipV="1">
-            <a:off x="8231487" y="3513799"/>
-            <a:ext cx="951382" cy="1419145"/>
-          </a:xfrm>
-          <a:prstGeom prst="straightConnector1">
-            <a:avLst/>
-          </a:prstGeom>
-          <a:ln w="38100">
-            <a:solidFill>
-              <a:schemeClr val="tx1"/>
-            </a:solidFill>
-            <a:tailEnd type="triangle"/>
-          </a:ln>
-        </p:spPr>
-        <p:style>
-          <a:lnRef idx="2">
-            <a:schemeClr val="accent1"/>
-          </a:lnRef>
-          <a:fillRef idx="0">
-            <a:schemeClr val="accent1"/>
-          </a:fillRef>
-          <a:effectRef idx="1">
-            <a:schemeClr val="accent1"/>
-          </a:effectRef>
-          <a:fontRef idx="minor">
-            <a:schemeClr val="tx1"/>
-          </a:fontRef>
-        </p:style>
-      </p:cxnSp>
-      <p:sp>
-        <p:nvSpPr>
-          <p:cNvPr id="61" name="TextBox 60">
-            <a:extLst>
-              <a:ext uri="{FF2B5EF4-FFF2-40B4-BE49-F238E27FC236}">
-                <a16:creationId xmlns:a16="http://schemas.microsoft.com/office/drawing/2014/main" id="{7C0742B9-49F1-60CA-F189-435AEC7AC1F2}"/>
-              </a:ext>
-            </a:extLst>
-          </p:cNvPr>
-          <p:cNvSpPr txBox="1"/>
-          <p:nvPr/>
-        </p:nvSpPr>
-        <p:spPr>
-          <a:xfrm>
-            <a:off x="8375794" y="2033395"/>
-            <a:ext cx="386644" cy="646331"/>
-          </a:xfrm>
-          <a:prstGeom prst="rect">
-            <a:avLst/>
-          </a:prstGeom>
-          <a:noFill/>
-        </p:spPr>
-        <p:txBody>
-          <a:bodyPr wrap="none" rtlCol="0">
-            <a:spAutoFit/>
-          </a:bodyPr>
-          <a:lstStyle/>
-          <a:p>
-            <a:r>
-              <a:rPr lang="en-ES" sz="3600" dirty="0"/>
-              <a:t>z</a:t>
-            </a:r>
-          </a:p>
-        </p:txBody>
-      </p:sp>
-      <p:sp>
-        <p:nvSpPr>
-          <p:cNvPr id="63" name="Oval 62">
-            <a:extLst>
-              <a:ext uri="{FF2B5EF4-FFF2-40B4-BE49-F238E27FC236}">
-                <a16:creationId xmlns:a16="http://schemas.microsoft.com/office/drawing/2014/main" id="{4C5C545A-0A5E-81E3-07A4-D107F0ADC87A}"/>
-              </a:ext>
-            </a:extLst>
-          </p:cNvPr>
-          <p:cNvSpPr/>
-          <p:nvPr/>
-        </p:nvSpPr>
-        <p:spPr>
-          <a:xfrm>
-            <a:off x="8196111" y="3083404"/>
-            <a:ext cx="95519" cy="87688"/>
-          </a:xfrm>
-          <a:prstGeom prst="ellipse">
-            <a:avLst/>
-          </a:prstGeom>
-        </p:spPr>
-        <p:style>
-          <a:lnRef idx="2">
-            <a:schemeClr val="accent1">
-              <a:shade val="15000"/>
-            </a:schemeClr>
-          </a:lnRef>
-          <a:fillRef idx="1">
-            <a:schemeClr val="accent1"/>
-          </a:fillRef>
-          <a:effectRef idx="0">
-            <a:schemeClr val="accent1"/>
-          </a:effectRef>
-          <a:fontRef idx="minor">
-            <a:schemeClr val="lt1"/>
-          </a:fontRef>
-        </p:style>
-        <p:txBody>
-          <a:bodyPr rtlCol="0" anchor="ctr"/>
-          <a:lstStyle/>
-          <a:p>
-            <a:pPr algn="ctr"/>
-            <a:endParaRPr lang="en-ES"/>
-          </a:p>
-        </p:txBody>
-      </p:sp>
-      <p:sp>
-        <p:nvSpPr>
-          <p:cNvPr id="64" name="Oval 63">
-            <a:extLst>
-              <a:ext uri="{FF2B5EF4-FFF2-40B4-BE49-F238E27FC236}">
-                <a16:creationId xmlns:a16="http://schemas.microsoft.com/office/drawing/2014/main" id="{B9DECD15-6A90-8F2A-42EE-A001068C177B}"/>
-              </a:ext>
-            </a:extLst>
-          </p:cNvPr>
-          <p:cNvSpPr/>
-          <p:nvPr/>
-        </p:nvSpPr>
-        <p:spPr>
-          <a:xfrm>
-            <a:off x="10236623" y="4342107"/>
-            <a:ext cx="95519" cy="87688"/>
-          </a:xfrm>
-          <a:prstGeom prst="ellipse">
-            <a:avLst/>
-          </a:prstGeom>
-        </p:spPr>
-        <p:style>
-          <a:lnRef idx="2">
-            <a:schemeClr val="accent1">
-              <a:shade val="15000"/>
-            </a:schemeClr>
-          </a:lnRef>
-          <a:fillRef idx="1">
-            <a:schemeClr val="accent1"/>
-          </a:fillRef>
-          <a:effectRef idx="0">
-            <a:schemeClr val="accent1"/>
-          </a:effectRef>
-          <a:fontRef idx="minor">
-            <a:schemeClr val="lt1"/>
-          </a:fontRef>
-        </p:style>
-        <p:txBody>
-          <a:bodyPr rtlCol="0" anchor="ctr"/>
-          <a:lstStyle/>
-          <a:p>
-            <a:pPr algn="ctr"/>
-            <a:endParaRPr lang="en-ES"/>
-          </a:p>
-        </p:txBody>
-      </p:sp>
-      <p:sp>
-        <p:nvSpPr>
-          <p:cNvPr id="65" name="Oval 64">
-            <a:extLst>
-              <a:ext uri="{FF2B5EF4-FFF2-40B4-BE49-F238E27FC236}">
-                <a16:creationId xmlns:a16="http://schemas.microsoft.com/office/drawing/2014/main" id="{CBEA7EF2-4DF1-77C2-309F-A3BFC3B20BE1}"/>
-              </a:ext>
-            </a:extLst>
-          </p:cNvPr>
-          <p:cNvSpPr/>
-          <p:nvPr/>
-        </p:nvSpPr>
-        <p:spPr>
-          <a:xfrm>
-            <a:off x="6940473" y="4342107"/>
-            <a:ext cx="95519" cy="87688"/>
-          </a:xfrm>
-          <a:prstGeom prst="ellipse">
-            <a:avLst/>
-          </a:prstGeom>
-        </p:spPr>
-        <p:style>
-          <a:lnRef idx="2">
-            <a:schemeClr val="accent1">
-              <a:shade val="15000"/>
-            </a:schemeClr>
-          </a:lnRef>
-          <a:fillRef idx="1">
-            <a:schemeClr val="accent1"/>
-          </a:fillRef>
-          <a:effectRef idx="0">
-            <a:schemeClr val="accent1"/>
-          </a:effectRef>
-          <a:fontRef idx="minor">
-            <a:schemeClr val="lt1"/>
-          </a:fontRef>
-        </p:style>
-        <p:txBody>
-          <a:bodyPr rtlCol="0" anchor="ctr"/>
-          <a:lstStyle/>
-          <a:p>
-            <a:pPr algn="ctr"/>
-            <a:endParaRPr lang="en-ES"/>
-          </a:p>
-        </p:txBody>
-      </p:sp>
-      <p:cxnSp>
-        <p:nvCxnSpPr>
-          <p:cNvPr id="66" name="Straight Arrow Connector 65">
-            <a:extLst>
-              <a:ext uri="{FF2B5EF4-FFF2-40B4-BE49-F238E27FC236}">
-                <a16:creationId xmlns:a16="http://schemas.microsoft.com/office/drawing/2014/main" id="{4E6E89EA-DB65-0D6F-D0E7-B4A7A3669132}"/>
-              </a:ext>
-            </a:extLst>
-          </p:cNvPr>
-          <p:cNvCxnSpPr>
-            <a:cxnSpLocks/>
-          </p:cNvCxnSpPr>
-          <p:nvPr/>
-        </p:nvCxnSpPr>
-        <p:spPr>
-          <a:xfrm flipH="1" flipV="1">
-            <a:off x="7510690" y="2665527"/>
-            <a:ext cx="699409" cy="438811"/>
-          </a:xfrm>
-          <a:prstGeom prst="straightConnector1">
-            <a:avLst/>
-          </a:prstGeom>
-          <a:ln w="38100">
-            <a:solidFill>
-              <a:schemeClr val="tx1"/>
-            </a:solidFill>
-            <a:tailEnd type="triangle"/>
-          </a:ln>
-        </p:spPr>
-        <p:style>
-          <a:lnRef idx="2">
-            <a:schemeClr val="accent1"/>
-          </a:lnRef>
-          <a:fillRef idx="0">
-            <a:schemeClr val="accent1"/>
-          </a:fillRef>
-          <a:effectRef idx="1">
-            <a:schemeClr val="accent1"/>
-          </a:effectRef>
-          <a:fontRef idx="minor">
-            <a:schemeClr val="tx1"/>
-          </a:fontRef>
-        </p:style>
-      </p:cxnSp>
-      <p:cxnSp>
-        <p:nvCxnSpPr>
-          <p:cNvPr id="70" name="Straight Arrow Connector 69">
-            <a:extLst>
-              <a:ext uri="{FF2B5EF4-FFF2-40B4-BE49-F238E27FC236}">
-                <a16:creationId xmlns:a16="http://schemas.microsoft.com/office/drawing/2014/main" id="{057A2C09-DEA6-0010-6F4A-38BA466EE131}"/>
-              </a:ext>
-            </a:extLst>
-          </p:cNvPr>
-          <p:cNvCxnSpPr>
-            <a:cxnSpLocks/>
-            <a:endCxn id="63" idx="5"/>
-          </p:cNvCxnSpPr>
-          <p:nvPr/>
-        </p:nvCxnSpPr>
-        <p:spPr>
-          <a:xfrm flipH="1" flipV="1">
-            <a:off x="8277642" y="3158250"/>
-            <a:ext cx="1987588" cy="1217979"/>
-          </a:xfrm>
-          <a:prstGeom prst="straightConnector1">
-            <a:avLst/>
-          </a:prstGeom>
-          <a:ln w="38100">
-            <a:solidFill>
-              <a:schemeClr val="tx1"/>
-            </a:solidFill>
-            <a:prstDash val="dash"/>
-            <a:tailEnd type="none"/>
-          </a:ln>
-        </p:spPr>
-        <p:style>
-          <a:lnRef idx="2">
-            <a:schemeClr val="accent1"/>
-          </a:lnRef>
-          <a:fillRef idx="0">
-            <a:schemeClr val="accent1"/>
-          </a:fillRef>
-          <a:effectRef idx="1">
-            <a:schemeClr val="accent1"/>
-          </a:effectRef>
-          <a:fontRef idx="minor">
-            <a:schemeClr val="tx1"/>
-          </a:fontRef>
-        </p:style>
-      </p:cxnSp>
-      <p:cxnSp>
-        <p:nvCxnSpPr>
-          <p:cNvPr id="73" name="Straight Arrow Connector 72">
-            <a:extLst>
-              <a:ext uri="{FF2B5EF4-FFF2-40B4-BE49-F238E27FC236}">
-                <a16:creationId xmlns:a16="http://schemas.microsoft.com/office/drawing/2014/main" id="{574AE1CD-877A-3333-9F4B-5AB770D75161}"/>
-              </a:ext>
-            </a:extLst>
-          </p:cNvPr>
-          <p:cNvCxnSpPr>
-            <a:cxnSpLocks/>
-          </p:cNvCxnSpPr>
-          <p:nvPr/>
-        </p:nvCxnSpPr>
-        <p:spPr>
-          <a:xfrm flipH="1">
-            <a:off x="7632706" y="3151452"/>
-            <a:ext cx="585558" cy="600339"/>
-          </a:xfrm>
-          <a:prstGeom prst="straightConnector1">
-            <a:avLst/>
-          </a:prstGeom>
-          <a:ln w="38100">
-            <a:solidFill>
-              <a:schemeClr val="tx1"/>
-            </a:solidFill>
-            <a:tailEnd type="triangle"/>
-          </a:ln>
-        </p:spPr>
-        <p:style>
-          <a:lnRef idx="2">
-            <a:schemeClr val="accent1"/>
-          </a:lnRef>
-          <a:fillRef idx="0">
-            <a:schemeClr val="accent1"/>
-          </a:fillRef>
-          <a:effectRef idx="1">
-            <a:schemeClr val="accent1"/>
-          </a:effectRef>
-          <a:fontRef idx="minor">
-            <a:schemeClr val="tx1"/>
-          </a:fontRef>
-        </p:style>
-      </p:cxnSp>
-      <p:cxnSp>
-        <p:nvCxnSpPr>
-          <p:cNvPr id="76" name="Straight Arrow Connector 75">
-            <a:extLst>
-              <a:ext uri="{FF2B5EF4-FFF2-40B4-BE49-F238E27FC236}">
-                <a16:creationId xmlns:a16="http://schemas.microsoft.com/office/drawing/2014/main" id="{5EA5187D-0BEF-3AE5-F182-07B473F575C7}"/>
-              </a:ext>
-            </a:extLst>
-          </p:cNvPr>
-          <p:cNvCxnSpPr>
-            <a:cxnSpLocks/>
-            <a:endCxn id="65" idx="7"/>
-          </p:cNvCxnSpPr>
-          <p:nvPr/>
-        </p:nvCxnSpPr>
-        <p:spPr>
-          <a:xfrm flipH="1">
-            <a:off x="7022004" y="3801830"/>
-            <a:ext cx="551549" cy="553119"/>
-          </a:xfrm>
-          <a:prstGeom prst="straightConnector1">
-            <a:avLst/>
-          </a:prstGeom>
-          <a:ln w="38100">
-            <a:solidFill>
-              <a:schemeClr val="tx1"/>
-            </a:solidFill>
-            <a:prstDash val="dash"/>
-            <a:tailEnd type="none"/>
-          </a:ln>
-        </p:spPr>
-        <p:style>
-          <a:lnRef idx="2">
-            <a:schemeClr val="accent1"/>
-          </a:lnRef>
-          <a:fillRef idx="0">
-            <a:schemeClr val="accent1"/>
-          </a:fillRef>
-          <a:effectRef idx="1">
-            <a:schemeClr val="accent1"/>
-          </a:effectRef>
-          <a:fontRef idx="minor">
-            <a:schemeClr val="tx1"/>
-          </a:fontRef>
-        </p:style>
-      </p:cxnSp>
-      <p:sp>
-        <p:nvSpPr>
-          <p:cNvPr id="88" name="TextBox 87">
-            <a:extLst>
-              <a:ext uri="{FF2B5EF4-FFF2-40B4-BE49-F238E27FC236}">
-                <a16:creationId xmlns:a16="http://schemas.microsoft.com/office/drawing/2014/main" id="{62F315E5-15F5-F32A-79B4-8EB5B351B1F7}"/>
-              </a:ext>
-            </a:extLst>
-          </p:cNvPr>
-          <p:cNvSpPr txBox="1"/>
-          <p:nvPr/>
-        </p:nvSpPr>
-        <p:spPr>
-          <a:xfrm>
-            <a:off x="6086094" y="2322249"/>
-            <a:ext cx="1804276" cy="369332"/>
-          </a:xfrm>
-          <a:prstGeom prst="rect">
-            <a:avLst/>
-          </a:prstGeom>
-          <a:noFill/>
-        </p:spPr>
-        <p:txBody>
-          <a:bodyPr wrap="none" rtlCol="0">
-            <a:spAutoFit/>
-          </a:bodyPr>
-          <a:lstStyle/>
-          <a:p>
-            <a:r>
-              <a:rPr lang="en-ES" dirty="0"/>
-              <a:t>Ez&gt;0  Ey&lt;0  Ex&lt;0</a:t>
-            </a:r>
-          </a:p>
-        </p:txBody>
-      </p:sp>
-      <p:sp>
-        <p:nvSpPr>
-          <p:cNvPr id="89" name="TextBox 88">
-            <a:extLst>
-              <a:ext uri="{FF2B5EF4-FFF2-40B4-BE49-F238E27FC236}">
-                <a16:creationId xmlns:a16="http://schemas.microsoft.com/office/drawing/2014/main" id="{6F7CE4F5-D0BA-E3E3-F65E-E299F8461623}"/>
-              </a:ext>
-            </a:extLst>
-          </p:cNvPr>
-          <p:cNvSpPr txBox="1"/>
-          <p:nvPr/>
-        </p:nvSpPr>
-        <p:spPr>
-          <a:xfrm>
-            <a:off x="6038727" y="3227768"/>
-            <a:ext cx="1804276" cy="369332"/>
-          </a:xfrm>
-          <a:prstGeom prst="rect">
-            <a:avLst/>
-          </a:prstGeom>
-          <a:noFill/>
-        </p:spPr>
-        <p:txBody>
-          <a:bodyPr wrap="none" rtlCol="0">
-            <a:spAutoFit/>
-          </a:bodyPr>
-          <a:lstStyle/>
-          <a:p>
-            <a:r>
-              <a:rPr lang="en-ES" dirty="0"/>
-              <a:t>Ez&lt;0  Ey&gt;0  Ex&lt;0</a:t>
-            </a:r>
-          </a:p>
-        </p:txBody>
-      </p:sp>
-    </p:spTree>
-    <p:extLst>
-      <p:ext uri="{BB962C8B-B14F-4D97-AF65-F5344CB8AC3E}">
-        <p14:creationId xmlns:p14="http://schemas.microsoft.com/office/powerpoint/2010/main" val="650413243"/>
-      </p:ext>
-    </p:extLst>
-  </p:cSld>
-  <p:clrMapOvr>
-    <a:masterClrMapping/>
-  </p:clrMapOvr>
-</p:sld>
-</file>
-
-<file path=ppt/slides/slide30.xml><?xml version="1.0" encoding="utf-8"?>
+<file path=ppt/slides/slide32.xml><?xml version="1.0" encoding="utf-8"?>
 <p:sld xmlns:a="http://schemas.openxmlformats.org/drawingml/2006/main" xmlns:r="http://schemas.openxmlformats.org/officeDocument/2006/relationships" xmlns:p="http://schemas.openxmlformats.org/presentationml/2006/main">
   <p:cSld>
     <p:spTree>
@@ -25417,7 +27170,7 @@
 </p:sld>
 </file>
 
-<file path=ppt/slides/slide31.xml><?xml version="1.0" encoding="utf-8"?>
+<file path=ppt/slides/slide33.xml><?xml version="1.0" encoding="utf-8"?>
 <p:sld xmlns:a="http://schemas.openxmlformats.org/drawingml/2006/main" xmlns:r="http://schemas.openxmlformats.org/officeDocument/2006/relationships" xmlns:p="http://schemas.openxmlformats.org/presentationml/2006/main">
   <p:cSld>
     <p:spTree>
@@ -26179,7 +27932,7 @@
 </p:sld>
 </file>
 
-<file path=ppt/slides/slide32.xml><?xml version="1.0" encoding="utf-8"?>
+<file path=ppt/slides/slide34.xml><?xml version="1.0" encoding="utf-8"?>
 <p:sld xmlns:a="http://schemas.openxmlformats.org/drawingml/2006/main" xmlns:r="http://schemas.openxmlformats.org/officeDocument/2006/relationships" xmlns:p="http://schemas.openxmlformats.org/presentationml/2006/main">
   <p:cSld>
     <p:spTree>
@@ -27304,7 +29057,7 @@
 </p:sld>
 </file>
 
-<file path=ppt/slides/slide33.xml><?xml version="1.0" encoding="utf-8"?>
+<file path=ppt/slides/slide35.xml><?xml version="1.0" encoding="utf-8"?>
 <p:sld xmlns:a="http://schemas.openxmlformats.org/drawingml/2006/main" xmlns:r="http://schemas.openxmlformats.org/officeDocument/2006/relationships" xmlns:p="http://schemas.openxmlformats.org/presentationml/2006/main">
   <p:cSld>
     <p:spTree>
@@ -29413,7 +31166,7 @@
 </p:sld>
 </file>
 
-<file path=ppt/slides/slide34.xml><?xml version="1.0" encoding="utf-8"?>
+<file path=ppt/slides/slide36.xml><?xml version="1.0" encoding="utf-8"?>
 <p:sld xmlns:a="http://schemas.openxmlformats.org/drawingml/2006/main" xmlns:r="http://schemas.openxmlformats.org/officeDocument/2006/relationships" xmlns:p="http://schemas.openxmlformats.org/presentationml/2006/main">
   <p:cSld>
     <p:spTree>

--- a/images/Images.pptx
+++ b/images/Images.pptx
@@ -21,26 +21,27 @@
     <p:sldId id="290" r:id="rId15"/>
     <p:sldId id="291" r:id="rId16"/>
     <p:sldId id="292" r:id="rId17"/>
-    <p:sldId id="259" r:id="rId18"/>
-    <p:sldId id="260" r:id="rId19"/>
-    <p:sldId id="262" r:id="rId20"/>
-    <p:sldId id="261" r:id="rId21"/>
-    <p:sldId id="263" r:id="rId22"/>
-    <p:sldId id="264" r:id="rId23"/>
-    <p:sldId id="265" r:id="rId24"/>
-    <p:sldId id="266" r:id="rId25"/>
-    <p:sldId id="268" r:id="rId26"/>
-    <p:sldId id="269" r:id="rId27"/>
-    <p:sldId id="270" r:id="rId28"/>
-    <p:sldId id="271" r:id="rId29"/>
-    <p:sldId id="272" r:id="rId30"/>
-    <p:sldId id="273" r:id="rId31"/>
-    <p:sldId id="274" r:id="rId32"/>
-    <p:sldId id="275" r:id="rId33"/>
-    <p:sldId id="276" r:id="rId34"/>
-    <p:sldId id="277" r:id="rId35"/>
-    <p:sldId id="278" r:id="rId36"/>
-    <p:sldId id="279" r:id="rId37"/>
+    <p:sldId id="293" r:id="rId18"/>
+    <p:sldId id="259" r:id="rId19"/>
+    <p:sldId id="260" r:id="rId20"/>
+    <p:sldId id="262" r:id="rId21"/>
+    <p:sldId id="261" r:id="rId22"/>
+    <p:sldId id="263" r:id="rId23"/>
+    <p:sldId id="264" r:id="rId24"/>
+    <p:sldId id="265" r:id="rId25"/>
+    <p:sldId id="266" r:id="rId26"/>
+    <p:sldId id="268" r:id="rId27"/>
+    <p:sldId id="269" r:id="rId28"/>
+    <p:sldId id="270" r:id="rId29"/>
+    <p:sldId id="271" r:id="rId30"/>
+    <p:sldId id="272" r:id="rId31"/>
+    <p:sldId id="273" r:id="rId32"/>
+    <p:sldId id="274" r:id="rId33"/>
+    <p:sldId id="275" r:id="rId34"/>
+    <p:sldId id="276" r:id="rId35"/>
+    <p:sldId id="277" r:id="rId36"/>
+    <p:sldId id="278" r:id="rId37"/>
+    <p:sldId id="279" r:id="rId38"/>
   </p:sldIdLst>
   <p:sldSz cx="12192000" cy="6858000"/>
   <p:notesSz cx="6858000" cy="9144000"/>
@@ -296,7 +297,7 @@
           <a:p>
             <a:fld id="{BA48513D-C823-C342-87AA-C2EB607FA67A}" type="datetimeFigureOut">
               <a:rPr lang="en-ES" smtClean="0"/>
-              <a:t>7/10/25</a:t>
+              <a:t>25/10/25</a:t>
             </a:fld>
             <a:endParaRPr lang="en-ES"/>
           </a:p>
@@ -496,7 +497,7 @@
           <a:p>
             <a:fld id="{BA48513D-C823-C342-87AA-C2EB607FA67A}" type="datetimeFigureOut">
               <a:rPr lang="en-ES" smtClean="0"/>
-              <a:t>7/10/25</a:t>
+              <a:t>25/10/25</a:t>
             </a:fld>
             <a:endParaRPr lang="en-ES"/>
           </a:p>
@@ -706,7 +707,7 @@
           <a:p>
             <a:fld id="{BA48513D-C823-C342-87AA-C2EB607FA67A}" type="datetimeFigureOut">
               <a:rPr lang="en-ES" smtClean="0"/>
-              <a:t>7/10/25</a:t>
+              <a:t>25/10/25</a:t>
             </a:fld>
             <a:endParaRPr lang="en-ES"/>
           </a:p>
@@ -906,7 +907,7 @@
           <a:p>
             <a:fld id="{BA48513D-C823-C342-87AA-C2EB607FA67A}" type="datetimeFigureOut">
               <a:rPr lang="en-ES" smtClean="0"/>
-              <a:t>7/10/25</a:t>
+              <a:t>25/10/25</a:t>
             </a:fld>
             <a:endParaRPr lang="en-ES"/>
           </a:p>
@@ -1182,7 +1183,7 @@
           <a:p>
             <a:fld id="{BA48513D-C823-C342-87AA-C2EB607FA67A}" type="datetimeFigureOut">
               <a:rPr lang="en-ES" smtClean="0"/>
-              <a:t>7/10/25</a:t>
+              <a:t>25/10/25</a:t>
             </a:fld>
             <a:endParaRPr lang="en-ES"/>
           </a:p>
@@ -1450,7 +1451,7 @@
           <a:p>
             <a:fld id="{BA48513D-C823-C342-87AA-C2EB607FA67A}" type="datetimeFigureOut">
               <a:rPr lang="en-ES" smtClean="0"/>
-              <a:t>7/10/25</a:t>
+              <a:t>25/10/25</a:t>
             </a:fld>
             <a:endParaRPr lang="en-ES"/>
           </a:p>
@@ -1865,7 +1866,7 @@
           <a:p>
             <a:fld id="{BA48513D-C823-C342-87AA-C2EB607FA67A}" type="datetimeFigureOut">
               <a:rPr lang="en-ES" smtClean="0"/>
-              <a:t>7/10/25</a:t>
+              <a:t>25/10/25</a:t>
             </a:fld>
             <a:endParaRPr lang="en-ES"/>
           </a:p>
@@ -2007,7 +2008,7 @@
           <a:p>
             <a:fld id="{BA48513D-C823-C342-87AA-C2EB607FA67A}" type="datetimeFigureOut">
               <a:rPr lang="en-ES" smtClean="0"/>
-              <a:t>7/10/25</a:t>
+              <a:t>25/10/25</a:t>
             </a:fld>
             <a:endParaRPr lang="en-ES"/>
           </a:p>
@@ -2120,7 +2121,7 @@
           <a:p>
             <a:fld id="{BA48513D-C823-C342-87AA-C2EB607FA67A}" type="datetimeFigureOut">
               <a:rPr lang="en-ES" smtClean="0"/>
-              <a:t>7/10/25</a:t>
+              <a:t>25/10/25</a:t>
             </a:fld>
             <a:endParaRPr lang="en-ES"/>
           </a:p>
@@ -2433,7 +2434,7 @@
           <a:p>
             <a:fld id="{BA48513D-C823-C342-87AA-C2EB607FA67A}" type="datetimeFigureOut">
               <a:rPr lang="en-ES" smtClean="0"/>
-              <a:t>7/10/25</a:t>
+              <a:t>25/10/25</a:t>
             </a:fld>
             <a:endParaRPr lang="en-ES"/>
           </a:p>
@@ -2722,7 +2723,7 @@
           <a:p>
             <a:fld id="{BA48513D-C823-C342-87AA-C2EB607FA67A}" type="datetimeFigureOut">
               <a:rPr lang="en-ES" smtClean="0"/>
-              <a:t>7/10/25</a:t>
+              <a:t>25/10/25</a:t>
             </a:fld>
             <a:endParaRPr lang="en-ES"/>
           </a:p>
@@ -2965,7 +2966,7 @@
           <a:p>
             <a:fld id="{BA48513D-C823-C342-87AA-C2EB607FA67A}" type="datetimeFigureOut">
               <a:rPr lang="en-ES" smtClean="0"/>
-              <a:t>7/10/25</a:t>
+              <a:t>25/10/25</a:t>
             </a:fld>
             <a:endParaRPr lang="en-ES"/>
           </a:p>
@@ -11070,6 +11071,694 @@
       </p:grpSpPr>
       <p:sp>
         <p:nvSpPr>
+          <p:cNvPr id="2" name="Title 1">
+            <a:extLst>
+              <a:ext uri="{FF2B5EF4-FFF2-40B4-BE49-F238E27FC236}">
+                <a16:creationId xmlns:a16="http://schemas.microsoft.com/office/drawing/2014/main" id="{F4BFFCCF-52AF-54AB-4451-61FC1DF0734B}"/>
+              </a:ext>
+            </a:extLst>
+          </p:cNvPr>
+          <p:cNvSpPr>
+            <a:spLocks noGrp="1"/>
+          </p:cNvSpPr>
+          <p:nvPr>
+            <p:ph type="title"/>
+          </p:nvPr>
+        </p:nvSpPr>
+        <p:spPr/>
+        <p:txBody>
+          <a:bodyPr/>
+          <a:lstStyle/>
+          <a:p>
+            <a:r>
+              <a:rPr lang="en-ES" dirty="0"/>
+              <a:t>B3.S6.1</a:t>
+            </a:r>
+          </a:p>
+        </p:txBody>
+      </p:sp>
+      <p:sp>
+        <p:nvSpPr>
+          <p:cNvPr id="3" name="Oval 2">
+            <a:extLst>
+              <a:ext uri="{FF2B5EF4-FFF2-40B4-BE49-F238E27FC236}">
+                <a16:creationId xmlns:a16="http://schemas.microsoft.com/office/drawing/2014/main" id="{319C08B9-75D1-FBC0-91FE-C40313739C78}"/>
+              </a:ext>
+            </a:extLst>
+          </p:cNvPr>
+          <p:cNvSpPr/>
+          <p:nvPr/>
+        </p:nvSpPr>
+        <p:spPr>
+          <a:xfrm>
+            <a:off x="2303811" y="2006930"/>
+            <a:ext cx="2743200" cy="2743200"/>
+          </a:xfrm>
+          <a:prstGeom prst="ellipse">
+            <a:avLst/>
+          </a:prstGeom>
+          <a:noFill/>
+          <a:ln w="38100" cap="flat" cmpd="sng" algn="ctr">
+            <a:solidFill>
+              <a:schemeClr val="tx1"/>
+            </a:solidFill>
+            <a:prstDash val="solid"/>
+            <a:round/>
+            <a:headEnd type="none" w="med" len="med"/>
+            <a:tailEnd type="none" w="med" len="med"/>
+          </a:ln>
+        </p:spPr>
+        <p:style>
+          <a:lnRef idx="0">
+            <a:scrgbClr r="0" g="0" b="0"/>
+          </a:lnRef>
+          <a:fillRef idx="0">
+            <a:scrgbClr r="0" g="0" b="0"/>
+          </a:fillRef>
+          <a:effectRef idx="0">
+            <a:scrgbClr r="0" g="0" b="0"/>
+          </a:effectRef>
+          <a:fontRef idx="minor">
+            <a:schemeClr val="dk1"/>
+          </a:fontRef>
+        </p:style>
+        <p:txBody>
+          <a:bodyPr rtlCol="0" anchor="ctr"/>
+          <a:lstStyle/>
+          <a:p>
+            <a:pPr algn="ctr"/>
+            <a:endParaRPr lang="en-ES"/>
+          </a:p>
+        </p:txBody>
+      </p:sp>
+      <p:grpSp>
+        <p:nvGrpSpPr>
+          <p:cNvPr id="4" name="Group 3">
+            <a:extLst>
+              <a:ext uri="{FF2B5EF4-FFF2-40B4-BE49-F238E27FC236}">
+                <a16:creationId xmlns:a16="http://schemas.microsoft.com/office/drawing/2014/main" id="{ACDFB34D-C207-A20A-D1D1-8D8CF0B032B6}"/>
+              </a:ext>
+            </a:extLst>
+          </p:cNvPr>
+          <p:cNvGrpSpPr/>
+          <p:nvPr/>
+        </p:nvGrpSpPr>
+        <p:grpSpPr>
+          <a:xfrm>
+            <a:off x="2396837" y="5011387"/>
+            <a:ext cx="476989" cy="164275"/>
+            <a:chOff x="2325585" y="5248894"/>
+            <a:chExt cx="476989" cy="164275"/>
+          </a:xfrm>
+        </p:grpSpPr>
+        <p:cxnSp>
+          <p:nvCxnSpPr>
+            <p:cNvPr id="5" name="Straight Connector 4">
+              <a:extLst>
+                <a:ext uri="{FF2B5EF4-FFF2-40B4-BE49-F238E27FC236}">
+                  <a16:creationId xmlns:a16="http://schemas.microsoft.com/office/drawing/2014/main" id="{0D0A340F-9944-0CA8-2A18-975A3F6AA909}"/>
+                </a:ext>
+              </a:extLst>
+            </p:cNvPr>
+            <p:cNvCxnSpPr/>
+            <p:nvPr/>
+          </p:nvCxnSpPr>
+          <p:spPr>
+            <a:xfrm>
+              <a:off x="2327561" y="5248894"/>
+              <a:ext cx="475013" cy="0"/>
+            </a:xfrm>
+            <a:prstGeom prst="line">
+              <a:avLst/>
+            </a:prstGeom>
+            <a:ln w="38100">
+              <a:solidFill>
+                <a:schemeClr val="tx1"/>
+              </a:solidFill>
+            </a:ln>
+          </p:spPr>
+          <p:style>
+            <a:lnRef idx="2">
+              <a:schemeClr val="accent1"/>
+            </a:lnRef>
+            <a:fillRef idx="0">
+              <a:schemeClr val="accent1"/>
+            </a:fillRef>
+            <a:effectRef idx="1">
+              <a:schemeClr val="accent1"/>
+            </a:effectRef>
+            <a:fontRef idx="minor">
+              <a:schemeClr val="tx1"/>
+            </a:fontRef>
+          </p:style>
+        </p:cxnSp>
+        <p:cxnSp>
+          <p:nvCxnSpPr>
+            <p:cNvPr id="6" name="Straight Connector 5">
+              <a:extLst>
+                <a:ext uri="{FF2B5EF4-FFF2-40B4-BE49-F238E27FC236}">
+                  <a16:creationId xmlns:a16="http://schemas.microsoft.com/office/drawing/2014/main" id="{D3F3BB6E-C708-47B1-4883-205990BB5AD7}"/>
+                </a:ext>
+              </a:extLst>
+            </p:cNvPr>
+            <p:cNvCxnSpPr>
+              <a:cxnSpLocks/>
+            </p:cNvCxnSpPr>
+            <p:nvPr/>
+          </p:nvCxnSpPr>
+          <p:spPr>
+            <a:xfrm flipV="1">
+              <a:off x="2325585" y="5248894"/>
+              <a:ext cx="120732" cy="164275"/>
+            </a:xfrm>
+            <a:prstGeom prst="line">
+              <a:avLst/>
+            </a:prstGeom>
+            <a:ln w="38100">
+              <a:solidFill>
+                <a:schemeClr val="tx1"/>
+              </a:solidFill>
+            </a:ln>
+          </p:spPr>
+          <p:style>
+            <a:lnRef idx="2">
+              <a:schemeClr val="accent1"/>
+            </a:lnRef>
+            <a:fillRef idx="0">
+              <a:schemeClr val="accent1"/>
+            </a:fillRef>
+            <a:effectRef idx="1">
+              <a:schemeClr val="accent1"/>
+            </a:effectRef>
+            <a:fontRef idx="minor">
+              <a:schemeClr val="tx1"/>
+            </a:fontRef>
+          </p:style>
+        </p:cxnSp>
+        <p:cxnSp>
+          <p:nvCxnSpPr>
+            <p:cNvPr id="7" name="Straight Connector 6">
+              <a:extLst>
+                <a:ext uri="{FF2B5EF4-FFF2-40B4-BE49-F238E27FC236}">
+                  <a16:creationId xmlns:a16="http://schemas.microsoft.com/office/drawing/2014/main" id="{77DC2397-DCAC-4E6E-ED92-C60300730152}"/>
+                </a:ext>
+              </a:extLst>
+            </p:cNvPr>
+            <p:cNvCxnSpPr>
+              <a:cxnSpLocks/>
+            </p:cNvCxnSpPr>
+            <p:nvPr/>
+          </p:nvCxnSpPr>
+          <p:spPr>
+            <a:xfrm flipV="1">
+              <a:off x="2477985" y="5248894"/>
+              <a:ext cx="120732" cy="164275"/>
+            </a:xfrm>
+            <a:prstGeom prst="line">
+              <a:avLst/>
+            </a:prstGeom>
+            <a:ln w="38100">
+              <a:solidFill>
+                <a:schemeClr val="tx1"/>
+              </a:solidFill>
+            </a:ln>
+          </p:spPr>
+          <p:style>
+            <a:lnRef idx="2">
+              <a:schemeClr val="accent1"/>
+            </a:lnRef>
+            <a:fillRef idx="0">
+              <a:schemeClr val="accent1"/>
+            </a:fillRef>
+            <a:effectRef idx="1">
+              <a:schemeClr val="accent1"/>
+            </a:effectRef>
+            <a:fontRef idx="minor">
+              <a:schemeClr val="tx1"/>
+            </a:fontRef>
+          </p:style>
+        </p:cxnSp>
+        <p:cxnSp>
+          <p:nvCxnSpPr>
+            <p:cNvPr id="8" name="Straight Connector 7">
+              <a:extLst>
+                <a:ext uri="{FF2B5EF4-FFF2-40B4-BE49-F238E27FC236}">
+                  <a16:creationId xmlns:a16="http://schemas.microsoft.com/office/drawing/2014/main" id="{5C0A1D78-A0E3-36BB-026B-CCAD20C5DBB0}"/>
+                </a:ext>
+              </a:extLst>
+            </p:cNvPr>
+            <p:cNvCxnSpPr>
+              <a:cxnSpLocks/>
+            </p:cNvCxnSpPr>
+            <p:nvPr/>
+          </p:nvCxnSpPr>
+          <p:spPr>
+            <a:xfrm flipV="1">
+              <a:off x="2630385" y="5248894"/>
+              <a:ext cx="120732" cy="164275"/>
+            </a:xfrm>
+            <a:prstGeom prst="line">
+              <a:avLst/>
+            </a:prstGeom>
+            <a:ln w="38100">
+              <a:solidFill>
+                <a:schemeClr val="tx1"/>
+              </a:solidFill>
+            </a:ln>
+          </p:spPr>
+          <p:style>
+            <a:lnRef idx="2">
+              <a:schemeClr val="accent1"/>
+            </a:lnRef>
+            <a:fillRef idx="0">
+              <a:schemeClr val="accent1"/>
+            </a:fillRef>
+            <a:effectRef idx="1">
+              <a:schemeClr val="accent1"/>
+            </a:effectRef>
+            <a:fontRef idx="minor">
+              <a:schemeClr val="tx1"/>
+            </a:fontRef>
+          </p:style>
+        </p:cxnSp>
+      </p:grpSp>
+      <p:sp>
+        <p:nvSpPr>
+          <p:cNvPr id="9" name="Arc 8">
+            <a:extLst>
+              <a:ext uri="{FF2B5EF4-FFF2-40B4-BE49-F238E27FC236}">
+                <a16:creationId xmlns:a16="http://schemas.microsoft.com/office/drawing/2014/main" id="{ACBD0EF1-1846-9659-A5DE-A15E10C7E273}"/>
+              </a:ext>
+            </a:extLst>
+          </p:cNvPr>
+          <p:cNvSpPr/>
+          <p:nvPr/>
+        </p:nvSpPr>
+        <p:spPr>
+          <a:xfrm>
+            <a:off x="2612570" y="4180114"/>
+            <a:ext cx="1721923" cy="1626919"/>
+          </a:xfrm>
+          <a:prstGeom prst="arc">
+            <a:avLst>
+              <a:gd name="adj1" fmla="val 10736342"/>
+              <a:gd name="adj2" fmla="val 13215760"/>
+            </a:avLst>
+          </a:prstGeom>
+          <a:ln w="38100">
+            <a:solidFill>
+              <a:schemeClr val="tx1"/>
+            </a:solidFill>
+          </a:ln>
+        </p:spPr>
+        <p:style>
+          <a:lnRef idx="2">
+            <a:schemeClr val="accent1"/>
+          </a:lnRef>
+          <a:fillRef idx="0">
+            <a:schemeClr val="accent1"/>
+          </a:fillRef>
+          <a:effectRef idx="1">
+            <a:schemeClr val="accent1"/>
+          </a:effectRef>
+          <a:fontRef idx="minor">
+            <a:schemeClr val="tx1"/>
+          </a:fontRef>
+        </p:style>
+        <p:txBody>
+          <a:bodyPr rtlCol="0" anchor="ctr"/>
+          <a:lstStyle/>
+          <a:p>
+            <a:pPr algn="ctr"/>
+            <a:endParaRPr lang="en-ES"/>
+          </a:p>
+        </p:txBody>
+      </p:sp>
+      <p:sp>
+        <p:nvSpPr>
+          <p:cNvPr id="10" name="Oval 9">
+            <a:extLst>
+              <a:ext uri="{FF2B5EF4-FFF2-40B4-BE49-F238E27FC236}">
+                <a16:creationId xmlns:a16="http://schemas.microsoft.com/office/drawing/2014/main" id="{012D7575-465A-F4D2-A3DA-243D40786C4A}"/>
+              </a:ext>
+            </a:extLst>
+          </p:cNvPr>
+          <p:cNvSpPr/>
+          <p:nvPr/>
+        </p:nvSpPr>
+        <p:spPr>
+          <a:xfrm>
+            <a:off x="3147205" y="2899063"/>
+            <a:ext cx="1056412" cy="1059873"/>
+          </a:xfrm>
+          <a:prstGeom prst="ellipse">
+            <a:avLst/>
+          </a:prstGeom>
+          <a:noFill/>
+          <a:ln w="38100" cap="flat" cmpd="sng" algn="ctr">
+            <a:solidFill>
+              <a:schemeClr val="tx1"/>
+            </a:solidFill>
+            <a:prstDash val="solid"/>
+            <a:round/>
+            <a:headEnd type="none" w="med" len="med"/>
+            <a:tailEnd type="none" w="med" len="med"/>
+          </a:ln>
+        </p:spPr>
+        <p:style>
+          <a:lnRef idx="0">
+            <a:scrgbClr r="0" g="0" b="0"/>
+          </a:lnRef>
+          <a:fillRef idx="0">
+            <a:scrgbClr r="0" g="0" b="0"/>
+          </a:fillRef>
+          <a:effectRef idx="0">
+            <a:scrgbClr r="0" g="0" b="0"/>
+          </a:effectRef>
+          <a:fontRef idx="minor">
+            <a:schemeClr val="dk1"/>
+          </a:fontRef>
+        </p:style>
+        <p:txBody>
+          <a:bodyPr rtlCol="0" anchor="ctr"/>
+          <a:lstStyle/>
+          <a:p>
+            <a:pPr algn="ctr"/>
+            <a:endParaRPr lang="en-ES"/>
+          </a:p>
+        </p:txBody>
+      </p:sp>
+      <p:sp>
+        <p:nvSpPr>
+          <p:cNvPr id="11" name="Left Bracket 10">
+            <a:extLst>
+              <a:ext uri="{FF2B5EF4-FFF2-40B4-BE49-F238E27FC236}">
+                <a16:creationId xmlns:a16="http://schemas.microsoft.com/office/drawing/2014/main" id="{56C9A14F-22F0-60A0-4A37-87C6F058605D}"/>
+              </a:ext>
+            </a:extLst>
+          </p:cNvPr>
+          <p:cNvSpPr/>
+          <p:nvPr/>
+        </p:nvSpPr>
+        <p:spPr>
+          <a:xfrm rot="16200000">
+            <a:off x="3833608" y="4636864"/>
+            <a:ext cx="228049" cy="511977"/>
+          </a:xfrm>
+          <a:prstGeom prst="leftBracket">
+            <a:avLst/>
+          </a:prstGeom>
+          <a:ln w="38100"/>
+        </p:spPr>
+        <p:style>
+          <a:lnRef idx="2">
+            <a:schemeClr val="accent1"/>
+          </a:lnRef>
+          <a:fillRef idx="0">
+            <a:schemeClr val="accent1"/>
+          </a:fillRef>
+          <a:effectRef idx="1">
+            <a:schemeClr val="accent1"/>
+          </a:effectRef>
+          <a:fontRef idx="minor">
+            <a:schemeClr val="tx1"/>
+          </a:fontRef>
+        </p:style>
+        <p:txBody>
+          <a:bodyPr rtlCol="0" anchor="ctr"/>
+          <a:lstStyle/>
+          <a:p>
+            <a:pPr algn="ctr"/>
+            <a:endParaRPr lang="en-ES" dirty="0"/>
+          </a:p>
+        </p:txBody>
+      </p:sp>
+      <p:sp>
+        <p:nvSpPr>
+          <p:cNvPr id="12" name="Left Bracket 11">
+            <a:extLst>
+              <a:ext uri="{FF2B5EF4-FFF2-40B4-BE49-F238E27FC236}">
+                <a16:creationId xmlns:a16="http://schemas.microsoft.com/office/drawing/2014/main" id="{50EEEFD8-10E3-DA16-BF5B-A02A114E5D72}"/>
+              </a:ext>
+            </a:extLst>
+          </p:cNvPr>
+          <p:cNvSpPr/>
+          <p:nvPr/>
+        </p:nvSpPr>
+        <p:spPr>
+          <a:xfrm rot="16200000">
+            <a:off x="4253433" y="4661051"/>
+            <a:ext cx="229748" cy="1353325"/>
+          </a:xfrm>
+          <a:prstGeom prst="leftBracket">
+            <a:avLst/>
+          </a:prstGeom>
+          <a:ln w="38100"/>
+        </p:spPr>
+        <p:style>
+          <a:lnRef idx="2">
+            <a:schemeClr val="accent1"/>
+          </a:lnRef>
+          <a:fillRef idx="0">
+            <a:schemeClr val="accent1"/>
+          </a:fillRef>
+          <a:effectRef idx="1">
+            <a:schemeClr val="accent1"/>
+          </a:effectRef>
+          <a:fontRef idx="minor">
+            <a:schemeClr val="tx1"/>
+          </a:fontRef>
+        </p:style>
+        <p:txBody>
+          <a:bodyPr rtlCol="0" anchor="ctr"/>
+          <a:lstStyle/>
+          <a:p>
+            <a:pPr algn="ctr"/>
+            <a:endParaRPr lang="en-ES" dirty="0"/>
+          </a:p>
+        </p:txBody>
+      </p:sp>
+      <p:sp>
+        <p:nvSpPr>
+          <p:cNvPr id="13" name="TextBox 12">
+            <a:extLst>
+              <a:ext uri="{FF2B5EF4-FFF2-40B4-BE49-F238E27FC236}">
+                <a16:creationId xmlns:a16="http://schemas.microsoft.com/office/drawing/2014/main" id="{AAB2EAF5-9816-24B8-5E9B-E3F4B78D9362}"/>
+              </a:ext>
+            </a:extLst>
+          </p:cNvPr>
+          <p:cNvSpPr txBox="1"/>
+          <p:nvPr/>
+        </p:nvSpPr>
+        <p:spPr>
+          <a:xfrm>
+            <a:off x="3747898" y="4874518"/>
+            <a:ext cx="402674" cy="584775"/>
+          </a:xfrm>
+          <a:prstGeom prst="rect">
+            <a:avLst/>
+          </a:prstGeom>
+          <a:noFill/>
+        </p:spPr>
+        <p:txBody>
+          <a:bodyPr wrap="none" rtlCol="0">
+            <a:spAutoFit/>
+          </a:bodyPr>
+          <a:lstStyle/>
+          <a:p>
+            <a:r>
+              <a:rPr lang="en-ES" sz="3200" dirty="0"/>
+              <a:t>a</a:t>
+            </a:r>
+            <a:endParaRPr lang="en-ES" dirty="0"/>
+          </a:p>
+        </p:txBody>
+      </p:sp>
+      <p:sp>
+        <p:nvSpPr>
+          <p:cNvPr id="14" name="TextBox 13">
+            <a:extLst>
+              <a:ext uri="{FF2B5EF4-FFF2-40B4-BE49-F238E27FC236}">
+                <a16:creationId xmlns:a16="http://schemas.microsoft.com/office/drawing/2014/main" id="{B3AEA582-6BCA-1222-015C-C3932E4E0E39}"/>
+              </a:ext>
+            </a:extLst>
+          </p:cNvPr>
+          <p:cNvSpPr txBox="1"/>
+          <p:nvPr/>
+        </p:nvSpPr>
+        <p:spPr>
+          <a:xfrm>
+            <a:off x="4176556" y="5294245"/>
+            <a:ext cx="399468" cy="584775"/>
+          </a:xfrm>
+          <a:prstGeom prst="rect">
+            <a:avLst/>
+          </a:prstGeom>
+          <a:noFill/>
+        </p:spPr>
+        <p:txBody>
+          <a:bodyPr wrap="none" rtlCol="0">
+            <a:spAutoFit/>
+          </a:bodyPr>
+          <a:lstStyle/>
+          <a:p>
+            <a:r>
+              <a:rPr lang="en-ES" sz="3200" dirty="0"/>
+              <a:t>c</a:t>
+            </a:r>
+            <a:endParaRPr lang="en-ES" dirty="0"/>
+          </a:p>
+        </p:txBody>
+      </p:sp>
+      <p:sp>
+        <p:nvSpPr>
+          <p:cNvPr id="15" name="TextBox 14">
+            <a:extLst>
+              <a:ext uri="{FF2B5EF4-FFF2-40B4-BE49-F238E27FC236}">
+                <a16:creationId xmlns:a16="http://schemas.microsoft.com/office/drawing/2014/main" id="{03056FC6-9AB9-A612-8A86-AB97A0BE99E5}"/>
+              </a:ext>
+            </a:extLst>
+          </p:cNvPr>
+          <p:cNvSpPr txBox="1"/>
+          <p:nvPr/>
+        </p:nvSpPr>
+        <p:spPr>
+          <a:xfrm>
+            <a:off x="2873826" y="2345418"/>
+            <a:ext cx="534121" cy="584775"/>
+          </a:xfrm>
+          <a:prstGeom prst="rect">
+            <a:avLst/>
+          </a:prstGeom>
+          <a:noFill/>
+        </p:spPr>
+        <p:txBody>
+          <a:bodyPr wrap="none" rtlCol="0">
+            <a:spAutoFit/>
+          </a:bodyPr>
+          <a:lstStyle/>
+          <a:p>
+            <a:r>
+              <a:rPr lang="en-ES" sz="3200" dirty="0"/>
+              <a:t>ε</a:t>
+            </a:r>
+            <a:r>
+              <a:rPr lang="en-ES" sz="3200" baseline="-25000" dirty="0"/>
+              <a:t>1</a:t>
+            </a:r>
+            <a:endParaRPr lang="en-ES" baseline="-25000" dirty="0"/>
+          </a:p>
+        </p:txBody>
+      </p:sp>
+      <p:sp>
+        <p:nvSpPr>
+          <p:cNvPr id="17" name="TextBox 16">
+            <a:extLst>
+              <a:ext uri="{FF2B5EF4-FFF2-40B4-BE49-F238E27FC236}">
+                <a16:creationId xmlns:a16="http://schemas.microsoft.com/office/drawing/2014/main" id="{96A39D66-5BC2-83C3-553D-EFDC9D901FD9}"/>
+              </a:ext>
+            </a:extLst>
+          </p:cNvPr>
+          <p:cNvSpPr txBox="1"/>
+          <p:nvPr/>
+        </p:nvSpPr>
+        <p:spPr>
+          <a:xfrm>
+            <a:off x="5110524" y="1879605"/>
+            <a:ext cx="425116" cy="584775"/>
+          </a:xfrm>
+          <a:prstGeom prst="rect">
+            <a:avLst/>
+          </a:prstGeom>
+          <a:noFill/>
+        </p:spPr>
+        <p:txBody>
+          <a:bodyPr wrap="square" rtlCol="0">
+            <a:spAutoFit/>
+          </a:bodyPr>
+          <a:lstStyle/>
+          <a:p>
+            <a:r>
+              <a:rPr lang="en-ES" sz="3200" dirty="0"/>
+              <a:t>V</a:t>
+            </a:r>
+            <a:endParaRPr lang="en-ES" dirty="0"/>
+          </a:p>
+        </p:txBody>
+      </p:sp>
+      <p:cxnSp>
+        <p:nvCxnSpPr>
+          <p:cNvPr id="19" name="Straight Arrow Connector 18">
+            <a:extLst>
+              <a:ext uri="{FF2B5EF4-FFF2-40B4-BE49-F238E27FC236}">
+                <a16:creationId xmlns:a16="http://schemas.microsoft.com/office/drawing/2014/main" id="{AB62BD04-3D14-5C2F-168D-3319A3576DF0}"/>
+              </a:ext>
+            </a:extLst>
+          </p:cNvPr>
+          <p:cNvCxnSpPr>
+            <a:cxnSpLocks/>
+          </p:cNvCxnSpPr>
+          <p:nvPr/>
+        </p:nvCxnSpPr>
+        <p:spPr>
+          <a:xfrm flipH="1">
+            <a:off x="4118681" y="2264593"/>
+            <a:ext cx="1061293" cy="837421"/>
+          </a:xfrm>
+          <a:prstGeom prst="straightConnector1">
+            <a:avLst/>
+          </a:prstGeom>
+          <a:ln w="38100">
+            <a:tailEnd type="triangle"/>
+          </a:ln>
+        </p:spPr>
+        <p:style>
+          <a:lnRef idx="2">
+            <a:schemeClr val="dk1"/>
+          </a:lnRef>
+          <a:fillRef idx="0">
+            <a:schemeClr val="dk1"/>
+          </a:fillRef>
+          <a:effectRef idx="1">
+            <a:schemeClr val="dk1"/>
+          </a:effectRef>
+          <a:fontRef idx="minor">
+            <a:schemeClr val="tx1"/>
+          </a:fontRef>
+        </p:style>
+      </p:cxnSp>
+    </p:spTree>
+    <p:extLst>
+      <p:ext uri="{BB962C8B-B14F-4D97-AF65-F5344CB8AC3E}">
+        <p14:creationId xmlns:p14="http://schemas.microsoft.com/office/powerpoint/2010/main" val="3811981928"/>
+      </p:ext>
+    </p:extLst>
+  </p:cSld>
+  <p:clrMapOvr>
+    <a:masterClrMapping/>
+  </p:clrMapOvr>
+</p:sld>
+</file>
+
+<file path=ppt/slides/slide18.xml><?xml version="1.0" encoding="utf-8"?>
+<p:sld xmlns:a="http://schemas.openxmlformats.org/drawingml/2006/main" xmlns:r="http://schemas.openxmlformats.org/officeDocument/2006/relationships" xmlns:p="http://schemas.openxmlformats.org/presentationml/2006/main">
+  <p:cSld>
+    <p:spTree>
+      <p:nvGrpSpPr>
+        <p:cNvPr id="1" name=""/>
+        <p:cNvGrpSpPr/>
+        <p:nvPr/>
+      </p:nvGrpSpPr>
+      <p:grpSpPr>
+        <a:xfrm>
+          <a:off x="0" y="0"/>
+          <a:ext cx="0" cy="0"/>
+          <a:chOff x="0" y="0"/>
+          <a:chExt cx="0" cy="0"/>
+        </a:xfrm>
+      </p:grpSpPr>
+      <p:sp>
+        <p:nvSpPr>
           <p:cNvPr id="2" name="Doughnut 1">
             <a:extLst>
               <a:ext uri="{FF2B5EF4-FFF2-40B4-BE49-F238E27FC236}">
@@ -12164,7 +12853,7 @@
 </p:sld>
 </file>
 
-<file path=ppt/slides/slide18.xml><?xml version="1.0" encoding="utf-8"?>
+<file path=ppt/slides/slide19.xml><?xml version="1.0" encoding="utf-8"?>
 <p:sld xmlns:a="http://schemas.openxmlformats.org/drawingml/2006/main" xmlns:r="http://schemas.openxmlformats.org/officeDocument/2006/relationships" xmlns:p="http://schemas.openxmlformats.org/presentationml/2006/main">
   <p:cSld>
     <p:spTree>
@@ -12521,689 +13210,6 @@
     <p:extLst>
       <p:ext uri="{BB962C8B-B14F-4D97-AF65-F5344CB8AC3E}">
         <p14:creationId xmlns:p14="http://schemas.microsoft.com/office/powerpoint/2010/main" val="2727744404"/>
-      </p:ext>
-    </p:extLst>
-  </p:cSld>
-  <p:clrMapOvr>
-    <a:masterClrMapping/>
-  </p:clrMapOvr>
-</p:sld>
-</file>
-
-<file path=ppt/slides/slide19.xml><?xml version="1.0" encoding="utf-8"?>
-<p:sld xmlns:a="http://schemas.openxmlformats.org/drawingml/2006/main" xmlns:r="http://schemas.openxmlformats.org/officeDocument/2006/relationships" xmlns:p="http://schemas.openxmlformats.org/presentationml/2006/main">
-  <p:cSld>
-    <p:spTree>
-      <p:nvGrpSpPr>
-        <p:cNvPr id="1" name="">
-          <a:extLst>
-            <a:ext uri="{FF2B5EF4-FFF2-40B4-BE49-F238E27FC236}">
-              <a16:creationId xmlns:a16="http://schemas.microsoft.com/office/drawing/2014/main" id="{626F113F-E0F4-DB94-6594-2C99C6E6B025}"/>
-            </a:ext>
-          </a:extLst>
-        </p:cNvPr>
-        <p:cNvGrpSpPr/>
-        <p:nvPr/>
-      </p:nvGrpSpPr>
-      <p:grpSpPr>
-        <a:xfrm>
-          <a:off x="0" y="0"/>
-          <a:ext cx="0" cy="0"/>
-          <a:chOff x="0" y="0"/>
-          <a:chExt cx="0" cy="0"/>
-        </a:xfrm>
-      </p:grpSpPr>
-      <p:sp>
-        <p:nvSpPr>
-          <p:cNvPr id="28" name="TextBox 27">
-            <a:extLst>
-              <a:ext uri="{FF2B5EF4-FFF2-40B4-BE49-F238E27FC236}">
-                <a16:creationId xmlns:a16="http://schemas.microsoft.com/office/drawing/2014/main" id="{F91D499D-EB81-2FAB-8F86-2A401CDF1FFC}"/>
-              </a:ext>
-            </a:extLst>
-          </p:cNvPr>
-          <p:cNvSpPr txBox="1"/>
-          <p:nvPr/>
-        </p:nvSpPr>
-        <p:spPr>
-          <a:xfrm>
-            <a:off x="2166198" y="1886667"/>
-            <a:ext cx="481222" cy="584775"/>
-          </a:xfrm>
-          <a:prstGeom prst="rect">
-            <a:avLst/>
-          </a:prstGeom>
-          <a:noFill/>
-        </p:spPr>
-        <p:txBody>
-          <a:bodyPr wrap="square" rtlCol="0">
-            <a:spAutoFit/>
-          </a:bodyPr>
-          <a:lstStyle/>
-          <a:p>
-            <a:r>
-              <a:rPr lang="en-ES" sz="3200" dirty="0"/>
-              <a:t>w</a:t>
-            </a:r>
-            <a:endParaRPr lang="en-ES" dirty="0"/>
-          </a:p>
-        </p:txBody>
-      </p:sp>
-      <p:sp>
-        <p:nvSpPr>
-          <p:cNvPr id="29" name="TextBox 28">
-            <a:extLst>
-              <a:ext uri="{FF2B5EF4-FFF2-40B4-BE49-F238E27FC236}">
-                <a16:creationId xmlns:a16="http://schemas.microsoft.com/office/drawing/2014/main" id="{28C2C59F-1A06-CD71-F728-631EF8B739D9}"/>
-              </a:ext>
-            </a:extLst>
-          </p:cNvPr>
-          <p:cNvSpPr txBox="1"/>
-          <p:nvPr/>
-        </p:nvSpPr>
-        <p:spPr>
-          <a:xfrm>
-            <a:off x="2161121" y="1793648"/>
-            <a:ext cx="492443" cy="461665"/>
-          </a:xfrm>
-          <a:prstGeom prst="rect">
-            <a:avLst/>
-          </a:prstGeom>
-          <a:noFill/>
-        </p:spPr>
-        <p:txBody>
-          <a:bodyPr wrap="square" rtlCol="0">
-            <a:spAutoFit/>
-          </a:bodyPr>
-          <a:lstStyle/>
-          <a:p>
-            <a:r>
-              <a:rPr lang="en-ES" sz="2400" dirty="0"/>
-              <a:t>➝</a:t>
-            </a:r>
-          </a:p>
-        </p:txBody>
-      </p:sp>
-      <p:sp>
-        <p:nvSpPr>
-          <p:cNvPr id="8" name="Oval 7">
-            <a:extLst>
-              <a:ext uri="{FF2B5EF4-FFF2-40B4-BE49-F238E27FC236}">
-                <a16:creationId xmlns:a16="http://schemas.microsoft.com/office/drawing/2014/main" id="{E297E46B-E2E5-41E3-2571-FC97CFC97E79}"/>
-              </a:ext>
-            </a:extLst>
-          </p:cNvPr>
-          <p:cNvSpPr/>
-          <p:nvPr/>
-        </p:nvSpPr>
-        <p:spPr>
-          <a:xfrm rot="19898773">
-            <a:off x="2487835" y="2638674"/>
-            <a:ext cx="2068164" cy="2064080"/>
-          </a:xfrm>
-          <a:prstGeom prst="ellipse">
-            <a:avLst/>
-          </a:prstGeom>
-          <a:gradFill flip="none" rotWithShape="1">
-            <a:gsLst>
-              <a:gs pos="100000">
-                <a:schemeClr val="accent1">
-                  <a:lumMod val="75000"/>
-                </a:schemeClr>
-              </a:gs>
-              <a:gs pos="14000">
-                <a:schemeClr val="accent1">
-                  <a:lumMod val="20000"/>
-                  <a:lumOff val="80000"/>
-                </a:schemeClr>
-              </a:gs>
-            </a:gsLst>
-            <a:path path="circle">
-              <a:fillToRect l="100000" b="100000"/>
-            </a:path>
-            <a:tileRect t="-100000" r="-100000"/>
-          </a:gradFill>
-          <a:ln w="38100" cap="flat" cmpd="sng" algn="ctr">
-            <a:solidFill>
-              <a:schemeClr val="tx1"/>
-            </a:solidFill>
-            <a:prstDash val="solid"/>
-            <a:round/>
-            <a:headEnd type="none" w="med" len="med"/>
-            <a:tailEnd type="none" w="med" len="med"/>
-          </a:ln>
-        </p:spPr>
-        <p:style>
-          <a:lnRef idx="0">
-            <a:scrgbClr r="0" g="0" b="0"/>
-          </a:lnRef>
-          <a:fillRef idx="0">
-            <a:scrgbClr r="0" g="0" b="0"/>
-          </a:fillRef>
-          <a:effectRef idx="0">
-            <a:scrgbClr r="0" g="0" b="0"/>
-          </a:effectRef>
-          <a:fontRef idx="minor">
-            <a:schemeClr val="dk1"/>
-          </a:fontRef>
-        </p:style>
-        <p:txBody>
-          <a:bodyPr rtlCol="0" anchor="ctr"/>
-          <a:lstStyle/>
-          <a:p>
-            <a:pPr algn="ctr"/>
-            <a:endParaRPr lang="en-ES" dirty="0"/>
-          </a:p>
-        </p:txBody>
-      </p:sp>
-      <p:cxnSp>
-        <p:nvCxnSpPr>
-          <p:cNvPr id="19" name="Straight Arrow Connector 18">
-            <a:extLst>
-              <a:ext uri="{FF2B5EF4-FFF2-40B4-BE49-F238E27FC236}">
-                <a16:creationId xmlns:a16="http://schemas.microsoft.com/office/drawing/2014/main" id="{47E48170-B536-9466-A524-35FB7E94CE69}"/>
-              </a:ext>
-            </a:extLst>
-          </p:cNvPr>
-          <p:cNvCxnSpPr>
-            <a:cxnSpLocks/>
-          </p:cNvCxnSpPr>
-          <p:nvPr/>
-        </p:nvCxnSpPr>
-        <p:spPr>
-          <a:xfrm rot="19898773" flipV="1">
-            <a:off x="2889563" y="2021609"/>
-            <a:ext cx="0" cy="939033"/>
-          </a:xfrm>
-          <a:prstGeom prst="straightConnector1">
-            <a:avLst/>
-          </a:prstGeom>
-          <a:ln w="38100">
-            <a:tailEnd type="triangle"/>
-          </a:ln>
-        </p:spPr>
-        <p:style>
-          <a:lnRef idx="2">
-            <a:schemeClr val="accent1"/>
-          </a:lnRef>
-          <a:fillRef idx="0">
-            <a:schemeClr val="accent1"/>
-          </a:fillRef>
-          <a:effectRef idx="1">
-            <a:schemeClr val="accent1"/>
-          </a:effectRef>
-          <a:fontRef idx="minor">
-            <a:schemeClr val="tx1"/>
-          </a:fontRef>
-        </p:style>
-      </p:cxnSp>
-      <p:sp>
-        <p:nvSpPr>
-          <p:cNvPr id="33" name="Arc 32">
-            <a:extLst>
-              <a:ext uri="{FF2B5EF4-FFF2-40B4-BE49-F238E27FC236}">
-                <a16:creationId xmlns:a16="http://schemas.microsoft.com/office/drawing/2014/main" id="{D5937DA5-B7EF-C550-8EE1-B553264B90BD}"/>
-              </a:ext>
-            </a:extLst>
-          </p:cNvPr>
-          <p:cNvSpPr/>
-          <p:nvPr/>
-        </p:nvSpPr>
-        <p:spPr>
-          <a:xfrm rot="19898773">
-            <a:off x="2411608" y="2902458"/>
-            <a:ext cx="2128837" cy="1348743"/>
-          </a:xfrm>
-          <a:prstGeom prst="arc">
-            <a:avLst>
-              <a:gd name="adj1" fmla="val 1278982"/>
-              <a:gd name="adj2" fmla="val 10400285"/>
-            </a:avLst>
-          </a:prstGeom>
-          <a:ln w="38100">
-            <a:solidFill>
-              <a:schemeClr val="tx1"/>
-            </a:solidFill>
-            <a:prstDash val="dash"/>
-            <a:headEnd type="arrow" w="med" len="med"/>
-            <a:tailEnd type="none" w="med" len="med"/>
-          </a:ln>
-        </p:spPr>
-        <p:style>
-          <a:lnRef idx="2">
-            <a:schemeClr val="accent1"/>
-          </a:lnRef>
-          <a:fillRef idx="0">
-            <a:schemeClr val="accent1"/>
-          </a:fillRef>
-          <a:effectRef idx="1">
-            <a:schemeClr val="accent1"/>
-          </a:effectRef>
-          <a:fontRef idx="minor">
-            <a:schemeClr val="tx1"/>
-          </a:fontRef>
-        </p:style>
-        <p:txBody>
-          <a:bodyPr rtlCol="0" anchor="ctr"/>
-          <a:lstStyle/>
-          <a:p>
-            <a:pPr algn="ctr"/>
-            <a:endParaRPr lang="en-ES"/>
-          </a:p>
-        </p:txBody>
-      </p:sp>
-      <p:sp>
-        <p:nvSpPr>
-          <p:cNvPr id="34" name="Arc 33">
-            <a:extLst>
-              <a:ext uri="{FF2B5EF4-FFF2-40B4-BE49-F238E27FC236}">
-                <a16:creationId xmlns:a16="http://schemas.microsoft.com/office/drawing/2014/main" id="{7E952548-FC50-BB72-6807-DA2AC650D8A8}"/>
-              </a:ext>
-            </a:extLst>
-          </p:cNvPr>
-          <p:cNvSpPr/>
-          <p:nvPr/>
-        </p:nvSpPr>
-        <p:spPr>
-          <a:xfrm rot="19898773">
-            <a:off x="2624166" y="2287720"/>
-            <a:ext cx="549966" cy="407799"/>
-          </a:xfrm>
-          <a:prstGeom prst="arc">
-            <a:avLst>
-              <a:gd name="adj1" fmla="val 1490579"/>
-              <a:gd name="adj2" fmla="val 20964950"/>
-            </a:avLst>
-          </a:prstGeom>
-          <a:ln w="38100">
-            <a:solidFill>
-              <a:schemeClr val="tx1"/>
-            </a:solidFill>
-            <a:prstDash val="solid"/>
-            <a:headEnd type="arrow" w="med" len="med"/>
-            <a:tailEnd type="none" w="med" len="med"/>
-          </a:ln>
-        </p:spPr>
-        <p:style>
-          <a:lnRef idx="2">
-            <a:schemeClr val="accent1"/>
-          </a:lnRef>
-          <a:fillRef idx="0">
-            <a:schemeClr val="accent1"/>
-          </a:fillRef>
-          <a:effectRef idx="1">
-            <a:schemeClr val="accent1"/>
-          </a:effectRef>
-          <a:fontRef idx="minor">
-            <a:schemeClr val="tx1"/>
-          </a:fontRef>
-        </p:style>
-        <p:txBody>
-          <a:bodyPr rtlCol="0" anchor="ctr"/>
-          <a:lstStyle/>
-          <a:p>
-            <a:pPr algn="ctr"/>
-            <a:endParaRPr lang="en-ES"/>
-          </a:p>
-        </p:txBody>
-      </p:sp>
-      <p:cxnSp>
-        <p:nvCxnSpPr>
-          <p:cNvPr id="3" name="Straight Arrow Connector 2">
-            <a:extLst>
-              <a:ext uri="{FF2B5EF4-FFF2-40B4-BE49-F238E27FC236}">
-                <a16:creationId xmlns:a16="http://schemas.microsoft.com/office/drawing/2014/main" id="{913159A8-EFB5-1CC5-D869-9191CE959BEA}"/>
-              </a:ext>
-            </a:extLst>
-          </p:cNvPr>
-          <p:cNvCxnSpPr>
-            <a:cxnSpLocks/>
-          </p:cNvCxnSpPr>
-          <p:nvPr/>
-        </p:nvCxnSpPr>
-        <p:spPr>
-          <a:xfrm flipV="1">
-            <a:off x="3531502" y="629391"/>
-            <a:ext cx="0" cy="3040084"/>
-          </a:xfrm>
-          <a:prstGeom prst="straightConnector1">
-            <a:avLst/>
-          </a:prstGeom>
-          <a:ln w="38100">
-            <a:tailEnd type="triangle"/>
-          </a:ln>
-        </p:spPr>
-        <p:style>
-          <a:lnRef idx="2">
-            <a:schemeClr val="accent1"/>
-          </a:lnRef>
-          <a:fillRef idx="0">
-            <a:schemeClr val="accent1"/>
-          </a:fillRef>
-          <a:effectRef idx="1">
-            <a:schemeClr val="accent1"/>
-          </a:effectRef>
-          <a:fontRef idx="minor">
-            <a:schemeClr val="tx1"/>
-          </a:fontRef>
-        </p:style>
-      </p:cxnSp>
-      <p:cxnSp>
-        <p:nvCxnSpPr>
-          <p:cNvPr id="7" name="Straight Arrow Connector 6">
-            <a:extLst>
-              <a:ext uri="{FF2B5EF4-FFF2-40B4-BE49-F238E27FC236}">
-                <a16:creationId xmlns:a16="http://schemas.microsoft.com/office/drawing/2014/main" id="{1380C8A2-3BC5-6AEF-1DD3-6F1827C3CDF0}"/>
-              </a:ext>
-            </a:extLst>
-          </p:cNvPr>
-          <p:cNvCxnSpPr>
-            <a:cxnSpLocks/>
-          </p:cNvCxnSpPr>
-          <p:nvPr/>
-        </p:nvCxnSpPr>
-        <p:spPr>
-          <a:xfrm flipH="1">
-            <a:off x="1935679" y="3655621"/>
-            <a:ext cx="1605720" cy="1260762"/>
-          </a:xfrm>
-          <a:prstGeom prst="straightConnector1">
-            <a:avLst/>
-          </a:prstGeom>
-          <a:ln w="38100">
-            <a:tailEnd type="triangle"/>
-          </a:ln>
-        </p:spPr>
-        <p:style>
-          <a:lnRef idx="2">
-            <a:schemeClr val="accent1"/>
-          </a:lnRef>
-          <a:fillRef idx="0">
-            <a:schemeClr val="accent1"/>
-          </a:fillRef>
-          <a:effectRef idx="1">
-            <a:schemeClr val="accent1"/>
-          </a:effectRef>
-          <a:fontRef idx="minor">
-            <a:schemeClr val="tx1"/>
-          </a:fontRef>
-        </p:style>
-      </p:cxnSp>
-      <p:cxnSp>
-        <p:nvCxnSpPr>
-          <p:cNvPr id="10" name="Straight Arrow Connector 9">
-            <a:extLst>
-              <a:ext uri="{FF2B5EF4-FFF2-40B4-BE49-F238E27FC236}">
-                <a16:creationId xmlns:a16="http://schemas.microsoft.com/office/drawing/2014/main" id="{0655789D-AF63-864B-898A-CEE279DB157E}"/>
-              </a:ext>
-            </a:extLst>
-          </p:cNvPr>
-          <p:cNvCxnSpPr>
-            <a:cxnSpLocks/>
-          </p:cNvCxnSpPr>
-          <p:nvPr/>
-        </p:nvCxnSpPr>
-        <p:spPr>
-          <a:xfrm>
-            <a:off x="3513120" y="3677394"/>
-            <a:ext cx="1783276" cy="0"/>
-          </a:xfrm>
-          <a:prstGeom prst="straightConnector1">
-            <a:avLst/>
-          </a:prstGeom>
-          <a:ln w="38100">
-            <a:tailEnd type="triangle"/>
-          </a:ln>
-        </p:spPr>
-        <p:style>
-          <a:lnRef idx="2">
-            <a:schemeClr val="accent1"/>
-          </a:lnRef>
-          <a:fillRef idx="0">
-            <a:schemeClr val="accent1"/>
-          </a:fillRef>
-          <a:effectRef idx="1">
-            <a:schemeClr val="accent1"/>
-          </a:effectRef>
-          <a:fontRef idx="minor">
-            <a:schemeClr val="tx1"/>
-          </a:fontRef>
-        </p:style>
-      </p:cxnSp>
-      <p:cxnSp>
-        <p:nvCxnSpPr>
-          <p:cNvPr id="14" name="Straight Arrow Connector 13">
-            <a:extLst>
-              <a:ext uri="{FF2B5EF4-FFF2-40B4-BE49-F238E27FC236}">
-                <a16:creationId xmlns:a16="http://schemas.microsoft.com/office/drawing/2014/main" id="{B28E979E-52E1-C7E4-1C4F-30E958AD4417}"/>
-              </a:ext>
-            </a:extLst>
-          </p:cNvPr>
-          <p:cNvCxnSpPr>
-            <a:cxnSpLocks/>
-          </p:cNvCxnSpPr>
-          <p:nvPr/>
-        </p:nvCxnSpPr>
-        <p:spPr>
-          <a:xfrm flipH="1">
-            <a:off x="2636322" y="1413164"/>
-            <a:ext cx="890649" cy="688769"/>
-          </a:xfrm>
-          <a:prstGeom prst="straightConnector1">
-            <a:avLst/>
-          </a:prstGeom>
-          <a:ln w="38100">
-            <a:prstDash val="sysDot"/>
-            <a:headEnd type="none" w="med" len="med"/>
-            <a:tailEnd type="none" w="med" len="med"/>
-          </a:ln>
-        </p:spPr>
-        <p:style>
-          <a:lnRef idx="2">
-            <a:schemeClr val="accent1"/>
-          </a:lnRef>
-          <a:fillRef idx="0">
-            <a:schemeClr val="accent1"/>
-          </a:fillRef>
-          <a:effectRef idx="1">
-            <a:schemeClr val="accent1"/>
-          </a:effectRef>
-          <a:fontRef idx="minor">
-            <a:schemeClr val="tx1"/>
-          </a:fontRef>
-        </p:style>
-      </p:cxnSp>
-      <p:cxnSp>
-        <p:nvCxnSpPr>
-          <p:cNvPr id="16" name="Straight Arrow Connector 15">
-            <a:extLst>
-              <a:ext uri="{FF2B5EF4-FFF2-40B4-BE49-F238E27FC236}">
-                <a16:creationId xmlns:a16="http://schemas.microsoft.com/office/drawing/2014/main" id="{0796D4F4-4BE7-0F5D-0F7E-344FC2405605}"/>
-              </a:ext>
-            </a:extLst>
-          </p:cNvPr>
-          <p:cNvCxnSpPr>
-            <a:cxnSpLocks/>
-          </p:cNvCxnSpPr>
-          <p:nvPr/>
-        </p:nvCxnSpPr>
-        <p:spPr>
-          <a:xfrm>
-            <a:off x="2648770" y="2072243"/>
-            <a:ext cx="0" cy="2262250"/>
-          </a:xfrm>
-          <a:prstGeom prst="straightConnector1">
-            <a:avLst/>
-          </a:prstGeom>
-          <a:ln w="38100">
-            <a:prstDash val="sysDot"/>
-            <a:headEnd type="none" w="med" len="med"/>
-            <a:tailEnd type="none" w="med" len="med"/>
-          </a:ln>
-        </p:spPr>
-        <p:style>
-          <a:lnRef idx="2">
-            <a:schemeClr val="accent1"/>
-          </a:lnRef>
-          <a:fillRef idx="0">
-            <a:schemeClr val="accent1"/>
-          </a:fillRef>
-          <a:effectRef idx="1">
-            <a:schemeClr val="accent1"/>
-          </a:effectRef>
-          <a:fontRef idx="minor">
-            <a:schemeClr val="tx1"/>
-          </a:fontRef>
-        </p:style>
-      </p:cxnSp>
-      <p:sp>
-        <p:nvSpPr>
-          <p:cNvPr id="18" name="TextBox 17">
-            <a:extLst>
-              <a:ext uri="{FF2B5EF4-FFF2-40B4-BE49-F238E27FC236}">
-                <a16:creationId xmlns:a16="http://schemas.microsoft.com/office/drawing/2014/main" id="{A8C541FA-990D-5E6E-CB42-49381EDD4293}"/>
-              </a:ext>
-            </a:extLst>
-          </p:cNvPr>
-          <p:cNvSpPr txBox="1"/>
-          <p:nvPr/>
-        </p:nvSpPr>
-        <p:spPr>
-          <a:xfrm>
-            <a:off x="1812336" y="4233110"/>
-            <a:ext cx="365806" cy="584775"/>
-          </a:xfrm>
-          <a:prstGeom prst="rect">
-            <a:avLst/>
-          </a:prstGeom>
-          <a:noFill/>
-        </p:spPr>
-        <p:txBody>
-          <a:bodyPr wrap="none" rtlCol="0">
-            <a:spAutoFit/>
-          </a:bodyPr>
-          <a:lstStyle/>
-          <a:p>
-            <a:r>
-              <a:rPr lang="en-ES" sz="3200" dirty="0"/>
-              <a:t>x</a:t>
-            </a:r>
-            <a:endParaRPr lang="en-ES" dirty="0"/>
-          </a:p>
-        </p:txBody>
-      </p:sp>
-      <p:sp>
-        <p:nvSpPr>
-          <p:cNvPr id="20" name="TextBox 19">
-            <a:extLst>
-              <a:ext uri="{FF2B5EF4-FFF2-40B4-BE49-F238E27FC236}">
-                <a16:creationId xmlns:a16="http://schemas.microsoft.com/office/drawing/2014/main" id="{14A68ABB-374E-B843-9644-823F05F7EC21}"/>
-              </a:ext>
-            </a:extLst>
-          </p:cNvPr>
-          <p:cNvSpPr txBox="1"/>
-          <p:nvPr/>
-        </p:nvSpPr>
-        <p:spPr>
-          <a:xfrm>
-            <a:off x="4921692" y="3043598"/>
-            <a:ext cx="370614" cy="584775"/>
-          </a:xfrm>
-          <a:prstGeom prst="rect">
-            <a:avLst/>
-          </a:prstGeom>
-          <a:noFill/>
-        </p:spPr>
-        <p:txBody>
-          <a:bodyPr wrap="none" rtlCol="0">
-            <a:spAutoFit/>
-          </a:bodyPr>
-          <a:lstStyle/>
-          <a:p>
-            <a:r>
-              <a:rPr lang="en-ES" sz="3200" dirty="0"/>
-              <a:t>y</a:t>
-            </a:r>
-            <a:endParaRPr lang="en-ES" dirty="0"/>
-          </a:p>
-        </p:txBody>
-      </p:sp>
-      <p:sp>
-        <p:nvSpPr>
-          <p:cNvPr id="21" name="TextBox 20">
-            <a:extLst>
-              <a:ext uri="{FF2B5EF4-FFF2-40B4-BE49-F238E27FC236}">
-                <a16:creationId xmlns:a16="http://schemas.microsoft.com/office/drawing/2014/main" id="{765E0D64-B109-0734-4510-0F606EBC0E8F}"/>
-              </a:ext>
-            </a:extLst>
-          </p:cNvPr>
-          <p:cNvSpPr txBox="1"/>
-          <p:nvPr/>
-        </p:nvSpPr>
-        <p:spPr>
-          <a:xfrm>
-            <a:off x="3625303" y="524050"/>
-            <a:ext cx="364202" cy="584775"/>
-          </a:xfrm>
-          <a:prstGeom prst="rect">
-            <a:avLst/>
-          </a:prstGeom>
-          <a:noFill/>
-        </p:spPr>
-        <p:txBody>
-          <a:bodyPr wrap="none" rtlCol="0">
-            <a:spAutoFit/>
-          </a:bodyPr>
-          <a:lstStyle/>
-          <a:p>
-            <a:r>
-              <a:rPr lang="en-ES" sz="3200" dirty="0"/>
-              <a:t>z</a:t>
-            </a:r>
-            <a:endParaRPr lang="en-ES" dirty="0"/>
-          </a:p>
-        </p:txBody>
-      </p:sp>
-      <p:sp>
-        <p:nvSpPr>
-          <p:cNvPr id="30" name="TextBox 29">
-            <a:extLst>
-              <a:ext uri="{FF2B5EF4-FFF2-40B4-BE49-F238E27FC236}">
-                <a16:creationId xmlns:a16="http://schemas.microsoft.com/office/drawing/2014/main" id="{AA1D099A-4CBC-1BDC-7E29-B3E7B409C7FF}"/>
-              </a:ext>
-            </a:extLst>
-          </p:cNvPr>
-          <p:cNvSpPr txBox="1"/>
-          <p:nvPr/>
-        </p:nvSpPr>
-        <p:spPr>
-          <a:xfrm>
-            <a:off x="3643114" y="2726924"/>
-            <a:ext cx="421910" cy="584775"/>
-          </a:xfrm>
-          <a:prstGeom prst="rect">
-            <a:avLst/>
-          </a:prstGeom>
-          <a:noFill/>
-        </p:spPr>
-        <p:txBody>
-          <a:bodyPr wrap="none" rtlCol="0">
-            <a:spAutoFit/>
-          </a:bodyPr>
-          <a:lstStyle/>
-          <a:p>
-            <a:r>
-              <a:rPr lang="en-ES" sz="3200" dirty="0"/>
-              <a:t>σ</a:t>
-            </a:r>
-            <a:endParaRPr lang="en-ES" dirty="0"/>
-          </a:p>
-        </p:txBody>
-      </p:sp>
-    </p:spTree>
-    <p:extLst>
-      <p:ext uri="{BB962C8B-B14F-4D97-AF65-F5344CB8AC3E}">
-        <p14:creationId xmlns:p14="http://schemas.microsoft.com/office/powerpoint/2010/main" val="264424654"/>
       </p:ext>
     </p:extLst>
   </p:cSld>
@@ -14663,6 +14669,689 @@
 </file>
 
 <file path=ppt/slides/slide20.xml><?xml version="1.0" encoding="utf-8"?>
+<p:sld xmlns:a="http://schemas.openxmlformats.org/drawingml/2006/main" xmlns:r="http://schemas.openxmlformats.org/officeDocument/2006/relationships" xmlns:p="http://schemas.openxmlformats.org/presentationml/2006/main">
+  <p:cSld>
+    <p:spTree>
+      <p:nvGrpSpPr>
+        <p:cNvPr id="1" name="">
+          <a:extLst>
+            <a:ext uri="{FF2B5EF4-FFF2-40B4-BE49-F238E27FC236}">
+              <a16:creationId xmlns:a16="http://schemas.microsoft.com/office/drawing/2014/main" id="{626F113F-E0F4-DB94-6594-2C99C6E6B025}"/>
+            </a:ext>
+          </a:extLst>
+        </p:cNvPr>
+        <p:cNvGrpSpPr/>
+        <p:nvPr/>
+      </p:nvGrpSpPr>
+      <p:grpSpPr>
+        <a:xfrm>
+          <a:off x="0" y="0"/>
+          <a:ext cx="0" cy="0"/>
+          <a:chOff x="0" y="0"/>
+          <a:chExt cx="0" cy="0"/>
+        </a:xfrm>
+      </p:grpSpPr>
+      <p:sp>
+        <p:nvSpPr>
+          <p:cNvPr id="28" name="TextBox 27">
+            <a:extLst>
+              <a:ext uri="{FF2B5EF4-FFF2-40B4-BE49-F238E27FC236}">
+                <a16:creationId xmlns:a16="http://schemas.microsoft.com/office/drawing/2014/main" id="{F91D499D-EB81-2FAB-8F86-2A401CDF1FFC}"/>
+              </a:ext>
+            </a:extLst>
+          </p:cNvPr>
+          <p:cNvSpPr txBox="1"/>
+          <p:nvPr/>
+        </p:nvSpPr>
+        <p:spPr>
+          <a:xfrm>
+            <a:off x="2166198" y="1886667"/>
+            <a:ext cx="481222" cy="584775"/>
+          </a:xfrm>
+          <a:prstGeom prst="rect">
+            <a:avLst/>
+          </a:prstGeom>
+          <a:noFill/>
+        </p:spPr>
+        <p:txBody>
+          <a:bodyPr wrap="square" rtlCol="0">
+            <a:spAutoFit/>
+          </a:bodyPr>
+          <a:lstStyle/>
+          <a:p>
+            <a:r>
+              <a:rPr lang="en-ES" sz="3200" dirty="0"/>
+              <a:t>w</a:t>
+            </a:r>
+            <a:endParaRPr lang="en-ES" dirty="0"/>
+          </a:p>
+        </p:txBody>
+      </p:sp>
+      <p:sp>
+        <p:nvSpPr>
+          <p:cNvPr id="29" name="TextBox 28">
+            <a:extLst>
+              <a:ext uri="{FF2B5EF4-FFF2-40B4-BE49-F238E27FC236}">
+                <a16:creationId xmlns:a16="http://schemas.microsoft.com/office/drawing/2014/main" id="{28C2C59F-1A06-CD71-F728-631EF8B739D9}"/>
+              </a:ext>
+            </a:extLst>
+          </p:cNvPr>
+          <p:cNvSpPr txBox="1"/>
+          <p:nvPr/>
+        </p:nvSpPr>
+        <p:spPr>
+          <a:xfrm>
+            <a:off x="2161121" y="1793648"/>
+            <a:ext cx="492443" cy="461665"/>
+          </a:xfrm>
+          <a:prstGeom prst="rect">
+            <a:avLst/>
+          </a:prstGeom>
+          <a:noFill/>
+        </p:spPr>
+        <p:txBody>
+          <a:bodyPr wrap="square" rtlCol="0">
+            <a:spAutoFit/>
+          </a:bodyPr>
+          <a:lstStyle/>
+          <a:p>
+            <a:r>
+              <a:rPr lang="en-ES" sz="2400" dirty="0"/>
+              <a:t>➝</a:t>
+            </a:r>
+          </a:p>
+        </p:txBody>
+      </p:sp>
+      <p:sp>
+        <p:nvSpPr>
+          <p:cNvPr id="8" name="Oval 7">
+            <a:extLst>
+              <a:ext uri="{FF2B5EF4-FFF2-40B4-BE49-F238E27FC236}">
+                <a16:creationId xmlns:a16="http://schemas.microsoft.com/office/drawing/2014/main" id="{E297E46B-E2E5-41E3-2571-FC97CFC97E79}"/>
+              </a:ext>
+            </a:extLst>
+          </p:cNvPr>
+          <p:cNvSpPr/>
+          <p:nvPr/>
+        </p:nvSpPr>
+        <p:spPr>
+          <a:xfrm rot="19898773">
+            <a:off x="2487835" y="2638674"/>
+            <a:ext cx="2068164" cy="2064080"/>
+          </a:xfrm>
+          <a:prstGeom prst="ellipse">
+            <a:avLst/>
+          </a:prstGeom>
+          <a:gradFill flip="none" rotWithShape="1">
+            <a:gsLst>
+              <a:gs pos="100000">
+                <a:schemeClr val="accent1">
+                  <a:lumMod val="75000"/>
+                </a:schemeClr>
+              </a:gs>
+              <a:gs pos="14000">
+                <a:schemeClr val="accent1">
+                  <a:lumMod val="20000"/>
+                  <a:lumOff val="80000"/>
+                </a:schemeClr>
+              </a:gs>
+            </a:gsLst>
+            <a:path path="circle">
+              <a:fillToRect l="100000" b="100000"/>
+            </a:path>
+            <a:tileRect t="-100000" r="-100000"/>
+          </a:gradFill>
+          <a:ln w="38100" cap="flat" cmpd="sng" algn="ctr">
+            <a:solidFill>
+              <a:schemeClr val="tx1"/>
+            </a:solidFill>
+            <a:prstDash val="solid"/>
+            <a:round/>
+            <a:headEnd type="none" w="med" len="med"/>
+            <a:tailEnd type="none" w="med" len="med"/>
+          </a:ln>
+        </p:spPr>
+        <p:style>
+          <a:lnRef idx="0">
+            <a:scrgbClr r="0" g="0" b="0"/>
+          </a:lnRef>
+          <a:fillRef idx="0">
+            <a:scrgbClr r="0" g="0" b="0"/>
+          </a:fillRef>
+          <a:effectRef idx="0">
+            <a:scrgbClr r="0" g="0" b="0"/>
+          </a:effectRef>
+          <a:fontRef idx="minor">
+            <a:schemeClr val="dk1"/>
+          </a:fontRef>
+        </p:style>
+        <p:txBody>
+          <a:bodyPr rtlCol="0" anchor="ctr"/>
+          <a:lstStyle/>
+          <a:p>
+            <a:pPr algn="ctr"/>
+            <a:endParaRPr lang="en-ES" dirty="0"/>
+          </a:p>
+        </p:txBody>
+      </p:sp>
+      <p:cxnSp>
+        <p:nvCxnSpPr>
+          <p:cNvPr id="19" name="Straight Arrow Connector 18">
+            <a:extLst>
+              <a:ext uri="{FF2B5EF4-FFF2-40B4-BE49-F238E27FC236}">
+                <a16:creationId xmlns:a16="http://schemas.microsoft.com/office/drawing/2014/main" id="{47E48170-B536-9466-A524-35FB7E94CE69}"/>
+              </a:ext>
+            </a:extLst>
+          </p:cNvPr>
+          <p:cNvCxnSpPr>
+            <a:cxnSpLocks/>
+          </p:cNvCxnSpPr>
+          <p:nvPr/>
+        </p:nvCxnSpPr>
+        <p:spPr>
+          <a:xfrm rot="19898773" flipV="1">
+            <a:off x="2889563" y="2021609"/>
+            <a:ext cx="0" cy="939033"/>
+          </a:xfrm>
+          <a:prstGeom prst="straightConnector1">
+            <a:avLst/>
+          </a:prstGeom>
+          <a:ln w="38100">
+            <a:tailEnd type="triangle"/>
+          </a:ln>
+        </p:spPr>
+        <p:style>
+          <a:lnRef idx="2">
+            <a:schemeClr val="accent1"/>
+          </a:lnRef>
+          <a:fillRef idx="0">
+            <a:schemeClr val="accent1"/>
+          </a:fillRef>
+          <a:effectRef idx="1">
+            <a:schemeClr val="accent1"/>
+          </a:effectRef>
+          <a:fontRef idx="minor">
+            <a:schemeClr val="tx1"/>
+          </a:fontRef>
+        </p:style>
+      </p:cxnSp>
+      <p:sp>
+        <p:nvSpPr>
+          <p:cNvPr id="33" name="Arc 32">
+            <a:extLst>
+              <a:ext uri="{FF2B5EF4-FFF2-40B4-BE49-F238E27FC236}">
+                <a16:creationId xmlns:a16="http://schemas.microsoft.com/office/drawing/2014/main" id="{D5937DA5-B7EF-C550-8EE1-B553264B90BD}"/>
+              </a:ext>
+            </a:extLst>
+          </p:cNvPr>
+          <p:cNvSpPr/>
+          <p:nvPr/>
+        </p:nvSpPr>
+        <p:spPr>
+          <a:xfrm rot="19898773">
+            <a:off x="2411608" y="2902458"/>
+            <a:ext cx="2128837" cy="1348743"/>
+          </a:xfrm>
+          <a:prstGeom prst="arc">
+            <a:avLst>
+              <a:gd name="adj1" fmla="val 1278982"/>
+              <a:gd name="adj2" fmla="val 10400285"/>
+            </a:avLst>
+          </a:prstGeom>
+          <a:ln w="38100">
+            <a:solidFill>
+              <a:schemeClr val="tx1"/>
+            </a:solidFill>
+            <a:prstDash val="dash"/>
+            <a:headEnd type="arrow" w="med" len="med"/>
+            <a:tailEnd type="none" w="med" len="med"/>
+          </a:ln>
+        </p:spPr>
+        <p:style>
+          <a:lnRef idx="2">
+            <a:schemeClr val="accent1"/>
+          </a:lnRef>
+          <a:fillRef idx="0">
+            <a:schemeClr val="accent1"/>
+          </a:fillRef>
+          <a:effectRef idx="1">
+            <a:schemeClr val="accent1"/>
+          </a:effectRef>
+          <a:fontRef idx="minor">
+            <a:schemeClr val="tx1"/>
+          </a:fontRef>
+        </p:style>
+        <p:txBody>
+          <a:bodyPr rtlCol="0" anchor="ctr"/>
+          <a:lstStyle/>
+          <a:p>
+            <a:pPr algn="ctr"/>
+            <a:endParaRPr lang="en-ES"/>
+          </a:p>
+        </p:txBody>
+      </p:sp>
+      <p:sp>
+        <p:nvSpPr>
+          <p:cNvPr id="34" name="Arc 33">
+            <a:extLst>
+              <a:ext uri="{FF2B5EF4-FFF2-40B4-BE49-F238E27FC236}">
+                <a16:creationId xmlns:a16="http://schemas.microsoft.com/office/drawing/2014/main" id="{7E952548-FC50-BB72-6807-DA2AC650D8A8}"/>
+              </a:ext>
+            </a:extLst>
+          </p:cNvPr>
+          <p:cNvSpPr/>
+          <p:nvPr/>
+        </p:nvSpPr>
+        <p:spPr>
+          <a:xfrm rot="19898773">
+            <a:off x="2624166" y="2287720"/>
+            <a:ext cx="549966" cy="407799"/>
+          </a:xfrm>
+          <a:prstGeom prst="arc">
+            <a:avLst>
+              <a:gd name="adj1" fmla="val 1490579"/>
+              <a:gd name="adj2" fmla="val 20964950"/>
+            </a:avLst>
+          </a:prstGeom>
+          <a:ln w="38100">
+            <a:solidFill>
+              <a:schemeClr val="tx1"/>
+            </a:solidFill>
+            <a:prstDash val="solid"/>
+            <a:headEnd type="arrow" w="med" len="med"/>
+            <a:tailEnd type="none" w="med" len="med"/>
+          </a:ln>
+        </p:spPr>
+        <p:style>
+          <a:lnRef idx="2">
+            <a:schemeClr val="accent1"/>
+          </a:lnRef>
+          <a:fillRef idx="0">
+            <a:schemeClr val="accent1"/>
+          </a:fillRef>
+          <a:effectRef idx="1">
+            <a:schemeClr val="accent1"/>
+          </a:effectRef>
+          <a:fontRef idx="minor">
+            <a:schemeClr val="tx1"/>
+          </a:fontRef>
+        </p:style>
+        <p:txBody>
+          <a:bodyPr rtlCol="0" anchor="ctr"/>
+          <a:lstStyle/>
+          <a:p>
+            <a:pPr algn="ctr"/>
+            <a:endParaRPr lang="en-ES"/>
+          </a:p>
+        </p:txBody>
+      </p:sp>
+      <p:cxnSp>
+        <p:nvCxnSpPr>
+          <p:cNvPr id="3" name="Straight Arrow Connector 2">
+            <a:extLst>
+              <a:ext uri="{FF2B5EF4-FFF2-40B4-BE49-F238E27FC236}">
+                <a16:creationId xmlns:a16="http://schemas.microsoft.com/office/drawing/2014/main" id="{913159A8-EFB5-1CC5-D869-9191CE959BEA}"/>
+              </a:ext>
+            </a:extLst>
+          </p:cNvPr>
+          <p:cNvCxnSpPr>
+            <a:cxnSpLocks/>
+          </p:cNvCxnSpPr>
+          <p:nvPr/>
+        </p:nvCxnSpPr>
+        <p:spPr>
+          <a:xfrm flipV="1">
+            <a:off x="3531502" y="629391"/>
+            <a:ext cx="0" cy="3040084"/>
+          </a:xfrm>
+          <a:prstGeom prst="straightConnector1">
+            <a:avLst/>
+          </a:prstGeom>
+          <a:ln w="38100">
+            <a:tailEnd type="triangle"/>
+          </a:ln>
+        </p:spPr>
+        <p:style>
+          <a:lnRef idx="2">
+            <a:schemeClr val="accent1"/>
+          </a:lnRef>
+          <a:fillRef idx="0">
+            <a:schemeClr val="accent1"/>
+          </a:fillRef>
+          <a:effectRef idx="1">
+            <a:schemeClr val="accent1"/>
+          </a:effectRef>
+          <a:fontRef idx="minor">
+            <a:schemeClr val="tx1"/>
+          </a:fontRef>
+        </p:style>
+      </p:cxnSp>
+      <p:cxnSp>
+        <p:nvCxnSpPr>
+          <p:cNvPr id="7" name="Straight Arrow Connector 6">
+            <a:extLst>
+              <a:ext uri="{FF2B5EF4-FFF2-40B4-BE49-F238E27FC236}">
+                <a16:creationId xmlns:a16="http://schemas.microsoft.com/office/drawing/2014/main" id="{1380C8A2-3BC5-6AEF-1DD3-6F1827C3CDF0}"/>
+              </a:ext>
+            </a:extLst>
+          </p:cNvPr>
+          <p:cNvCxnSpPr>
+            <a:cxnSpLocks/>
+          </p:cNvCxnSpPr>
+          <p:nvPr/>
+        </p:nvCxnSpPr>
+        <p:spPr>
+          <a:xfrm flipH="1">
+            <a:off x="1935679" y="3655621"/>
+            <a:ext cx="1605720" cy="1260762"/>
+          </a:xfrm>
+          <a:prstGeom prst="straightConnector1">
+            <a:avLst/>
+          </a:prstGeom>
+          <a:ln w="38100">
+            <a:tailEnd type="triangle"/>
+          </a:ln>
+        </p:spPr>
+        <p:style>
+          <a:lnRef idx="2">
+            <a:schemeClr val="accent1"/>
+          </a:lnRef>
+          <a:fillRef idx="0">
+            <a:schemeClr val="accent1"/>
+          </a:fillRef>
+          <a:effectRef idx="1">
+            <a:schemeClr val="accent1"/>
+          </a:effectRef>
+          <a:fontRef idx="minor">
+            <a:schemeClr val="tx1"/>
+          </a:fontRef>
+        </p:style>
+      </p:cxnSp>
+      <p:cxnSp>
+        <p:nvCxnSpPr>
+          <p:cNvPr id="10" name="Straight Arrow Connector 9">
+            <a:extLst>
+              <a:ext uri="{FF2B5EF4-FFF2-40B4-BE49-F238E27FC236}">
+                <a16:creationId xmlns:a16="http://schemas.microsoft.com/office/drawing/2014/main" id="{0655789D-AF63-864B-898A-CEE279DB157E}"/>
+              </a:ext>
+            </a:extLst>
+          </p:cNvPr>
+          <p:cNvCxnSpPr>
+            <a:cxnSpLocks/>
+          </p:cNvCxnSpPr>
+          <p:nvPr/>
+        </p:nvCxnSpPr>
+        <p:spPr>
+          <a:xfrm>
+            <a:off x="3513120" y="3677394"/>
+            <a:ext cx="1783276" cy="0"/>
+          </a:xfrm>
+          <a:prstGeom prst="straightConnector1">
+            <a:avLst/>
+          </a:prstGeom>
+          <a:ln w="38100">
+            <a:tailEnd type="triangle"/>
+          </a:ln>
+        </p:spPr>
+        <p:style>
+          <a:lnRef idx="2">
+            <a:schemeClr val="accent1"/>
+          </a:lnRef>
+          <a:fillRef idx="0">
+            <a:schemeClr val="accent1"/>
+          </a:fillRef>
+          <a:effectRef idx="1">
+            <a:schemeClr val="accent1"/>
+          </a:effectRef>
+          <a:fontRef idx="minor">
+            <a:schemeClr val="tx1"/>
+          </a:fontRef>
+        </p:style>
+      </p:cxnSp>
+      <p:cxnSp>
+        <p:nvCxnSpPr>
+          <p:cNvPr id="14" name="Straight Arrow Connector 13">
+            <a:extLst>
+              <a:ext uri="{FF2B5EF4-FFF2-40B4-BE49-F238E27FC236}">
+                <a16:creationId xmlns:a16="http://schemas.microsoft.com/office/drawing/2014/main" id="{B28E979E-52E1-C7E4-1C4F-30E958AD4417}"/>
+              </a:ext>
+            </a:extLst>
+          </p:cNvPr>
+          <p:cNvCxnSpPr>
+            <a:cxnSpLocks/>
+          </p:cNvCxnSpPr>
+          <p:nvPr/>
+        </p:nvCxnSpPr>
+        <p:spPr>
+          <a:xfrm flipH="1">
+            <a:off x="2636322" y="1413164"/>
+            <a:ext cx="890649" cy="688769"/>
+          </a:xfrm>
+          <a:prstGeom prst="straightConnector1">
+            <a:avLst/>
+          </a:prstGeom>
+          <a:ln w="38100">
+            <a:prstDash val="sysDot"/>
+            <a:headEnd type="none" w="med" len="med"/>
+            <a:tailEnd type="none" w="med" len="med"/>
+          </a:ln>
+        </p:spPr>
+        <p:style>
+          <a:lnRef idx="2">
+            <a:schemeClr val="accent1"/>
+          </a:lnRef>
+          <a:fillRef idx="0">
+            <a:schemeClr val="accent1"/>
+          </a:fillRef>
+          <a:effectRef idx="1">
+            <a:schemeClr val="accent1"/>
+          </a:effectRef>
+          <a:fontRef idx="minor">
+            <a:schemeClr val="tx1"/>
+          </a:fontRef>
+        </p:style>
+      </p:cxnSp>
+      <p:cxnSp>
+        <p:nvCxnSpPr>
+          <p:cNvPr id="16" name="Straight Arrow Connector 15">
+            <a:extLst>
+              <a:ext uri="{FF2B5EF4-FFF2-40B4-BE49-F238E27FC236}">
+                <a16:creationId xmlns:a16="http://schemas.microsoft.com/office/drawing/2014/main" id="{0796D4F4-4BE7-0F5D-0F7E-344FC2405605}"/>
+              </a:ext>
+            </a:extLst>
+          </p:cNvPr>
+          <p:cNvCxnSpPr>
+            <a:cxnSpLocks/>
+          </p:cNvCxnSpPr>
+          <p:nvPr/>
+        </p:nvCxnSpPr>
+        <p:spPr>
+          <a:xfrm>
+            <a:off x="2648770" y="2072243"/>
+            <a:ext cx="0" cy="2262250"/>
+          </a:xfrm>
+          <a:prstGeom prst="straightConnector1">
+            <a:avLst/>
+          </a:prstGeom>
+          <a:ln w="38100">
+            <a:prstDash val="sysDot"/>
+            <a:headEnd type="none" w="med" len="med"/>
+            <a:tailEnd type="none" w="med" len="med"/>
+          </a:ln>
+        </p:spPr>
+        <p:style>
+          <a:lnRef idx="2">
+            <a:schemeClr val="accent1"/>
+          </a:lnRef>
+          <a:fillRef idx="0">
+            <a:schemeClr val="accent1"/>
+          </a:fillRef>
+          <a:effectRef idx="1">
+            <a:schemeClr val="accent1"/>
+          </a:effectRef>
+          <a:fontRef idx="minor">
+            <a:schemeClr val="tx1"/>
+          </a:fontRef>
+        </p:style>
+      </p:cxnSp>
+      <p:sp>
+        <p:nvSpPr>
+          <p:cNvPr id="18" name="TextBox 17">
+            <a:extLst>
+              <a:ext uri="{FF2B5EF4-FFF2-40B4-BE49-F238E27FC236}">
+                <a16:creationId xmlns:a16="http://schemas.microsoft.com/office/drawing/2014/main" id="{A8C541FA-990D-5E6E-CB42-49381EDD4293}"/>
+              </a:ext>
+            </a:extLst>
+          </p:cNvPr>
+          <p:cNvSpPr txBox="1"/>
+          <p:nvPr/>
+        </p:nvSpPr>
+        <p:spPr>
+          <a:xfrm>
+            <a:off x="1812336" y="4233110"/>
+            <a:ext cx="365806" cy="584775"/>
+          </a:xfrm>
+          <a:prstGeom prst="rect">
+            <a:avLst/>
+          </a:prstGeom>
+          <a:noFill/>
+        </p:spPr>
+        <p:txBody>
+          <a:bodyPr wrap="none" rtlCol="0">
+            <a:spAutoFit/>
+          </a:bodyPr>
+          <a:lstStyle/>
+          <a:p>
+            <a:r>
+              <a:rPr lang="en-ES" sz="3200" dirty="0"/>
+              <a:t>x</a:t>
+            </a:r>
+            <a:endParaRPr lang="en-ES" dirty="0"/>
+          </a:p>
+        </p:txBody>
+      </p:sp>
+      <p:sp>
+        <p:nvSpPr>
+          <p:cNvPr id="20" name="TextBox 19">
+            <a:extLst>
+              <a:ext uri="{FF2B5EF4-FFF2-40B4-BE49-F238E27FC236}">
+                <a16:creationId xmlns:a16="http://schemas.microsoft.com/office/drawing/2014/main" id="{14A68ABB-374E-B843-9644-823F05F7EC21}"/>
+              </a:ext>
+            </a:extLst>
+          </p:cNvPr>
+          <p:cNvSpPr txBox="1"/>
+          <p:nvPr/>
+        </p:nvSpPr>
+        <p:spPr>
+          <a:xfrm>
+            <a:off x="4921692" y="3043598"/>
+            <a:ext cx="370614" cy="584775"/>
+          </a:xfrm>
+          <a:prstGeom prst="rect">
+            <a:avLst/>
+          </a:prstGeom>
+          <a:noFill/>
+        </p:spPr>
+        <p:txBody>
+          <a:bodyPr wrap="none" rtlCol="0">
+            <a:spAutoFit/>
+          </a:bodyPr>
+          <a:lstStyle/>
+          <a:p>
+            <a:r>
+              <a:rPr lang="en-ES" sz="3200" dirty="0"/>
+              <a:t>y</a:t>
+            </a:r>
+            <a:endParaRPr lang="en-ES" dirty="0"/>
+          </a:p>
+        </p:txBody>
+      </p:sp>
+      <p:sp>
+        <p:nvSpPr>
+          <p:cNvPr id="21" name="TextBox 20">
+            <a:extLst>
+              <a:ext uri="{FF2B5EF4-FFF2-40B4-BE49-F238E27FC236}">
+                <a16:creationId xmlns:a16="http://schemas.microsoft.com/office/drawing/2014/main" id="{765E0D64-B109-0734-4510-0F606EBC0E8F}"/>
+              </a:ext>
+            </a:extLst>
+          </p:cNvPr>
+          <p:cNvSpPr txBox="1"/>
+          <p:nvPr/>
+        </p:nvSpPr>
+        <p:spPr>
+          <a:xfrm>
+            <a:off x="3625303" y="524050"/>
+            <a:ext cx="364202" cy="584775"/>
+          </a:xfrm>
+          <a:prstGeom prst="rect">
+            <a:avLst/>
+          </a:prstGeom>
+          <a:noFill/>
+        </p:spPr>
+        <p:txBody>
+          <a:bodyPr wrap="none" rtlCol="0">
+            <a:spAutoFit/>
+          </a:bodyPr>
+          <a:lstStyle/>
+          <a:p>
+            <a:r>
+              <a:rPr lang="en-ES" sz="3200" dirty="0"/>
+              <a:t>z</a:t>
+            </a:r>
+            <a:endParaRPr lang="en-ES" dirty="0"/>
+          </a:p>
+        </p:txBody>
+      </p:sp>
+      <p:sp>
+        <p:nvSpPr>
+          <p:cNvPr id="30" name="TextBox 29">
+            <a:extLst>
+              <a:ext uri="{FF2B5EF4-FFF2-40B4-BE49-F238E27FC236}">
+                <a16:creationId xmlns:a16="http://schemas.microsoft.com/office/drawing/2014/main" id="{AA1D099A-4CBC-1BDC-7E29-B3E7B409C7FF}"/>
+              </a:ext>
+            </a:extLst>
+          </p:cNvPr>
+          <p:cNvSpPr txBox="1"/>
+          <p:nvPr/>
+        </p:nvSpPr>
+        <p:spPr>
+          <a:xfrm>
+            <a:off x="3643114" y="2726924"/>
+            <a:ext cx="421910" cy="584775"/>
+          </a:xfrm>
+          <a:prstGeom prst="rect">
+            <a:avLst/>
+          </a:prstGeom>
+          <a:noFill/>
+        </p:spPr>
+        <p:txBody>
+          <a:bodyPr wrap="none" rtlCol="0">
+            <a:spAutoFit/>
+          </a:bodyPr>
+          <a:lstStyle/>
+          <a:p>
+            <a:r>
+              <a:rPr lang="en-ES" sz="3200" dirty="0"/>
+              <a:t>σ</a:t>
+            </a:r>
+            <a:endParaRPr lang="en-ES" dirty="0"/>
+          </a:p>
+        </p:txBody>
+      </p:sp>
+    </p:spTree>
+    <p:extLst>
+      <p:ext uri="{BB962C8B-B14F-4D97-AF65-F5344CB8AC3E}">
+        <p14:creationId xmlns:p14="http://schemas.microsoft.com/office/powerpoint/2010/main" val="264424654"/>
+      </p:ext>
+    </p:extLst>
+  </p:cSld>
+  <p:clrMapOvr>
+    <a:masterClrMapping/>
+  </p:clrMapOvr>
+</p:sld>
+</file>
+
+<file path=ppt/slides/slide21.xml><?xml version="1.0" encoding="utf-8"?>
 <p:sld xmlns:a="http://schemas.openxmlformats.org/drawingml/2006/main" xmlns:r="http://schemas.openxmlformats.org/officeDocument/2006/relationships" xmlns:p="http://schemas.openxmlformats.org/presentationml/2006/main">
   <p:cSld>
     <p:spTree>
@@ -15713,7 +16402,7 @@
 </p:sld>
 </file>
 
-<file path=ppt/slides/slide21.xml><?xml version="1.0" encoding="utf-8"?>
+<file path=ppt/slides/slide22.xml><?xml version="1.0" encoding="utf-8"?>
 <p:sld xmlns:a="http://schemas.openxmlformats.org/drawingml/2006/main" xmlns:r="http://schemas.openxmlformats.org/officeDocument/2006/relationships" xmlns:p="http://schemas.openxmlformats.org/presentationml/2006/main">
   <p:cSld>
     <p:spTree>
@@ -16726,7 +17415,7 @@
 </p:sld>
 </file>
 
-<file path=ppt/slides/slide22.xml><?xml version="1.0" encoding="utf-8"?>
+<file path=ppt/slides/slide23.xml><?xml version="1.0" encoding="utf-8"?>
 <p:sld xmlns:a="http://schemas.openxmlformats.org/drawingml/2006/main" xmlns:r="http://schemas.openxmlformats.org/officeDocument/2006/relationships" xmlns:p="http://schemas.openxmlformats.org/presentationml/2006/main">
   <p:cSld>
     <p:spTree>
@@ -17489,7 +18178,7 @@
 </p:sld>
 </file>
 
-<file path=ppt/slides/slide23.xml><?xml version="1.0" encoding="utf-8"?>
+<file path=ppt/slides/slide24.xml><?xml version="1.0" encoding="utf-8"?>
 <p:sld xmlns:a="http://schemas.openxmlformats.org/drawingml/2006/main" xmlns:r="http://schemas.openxmlformats.org/officeDocument/2006/relationships" xmlns:p="http://schemas.openxmlformats.org/presentationml/2006/main">
   <p:cSld>
     <p:spTree>
@@ -18258,7 +18947,7 @@
 </p:sld>
 </file>
 
-<file path=ppt/slides/slide24.xml><?xml version="1.0" encoding="utf-8"?>
+<file path=ppt/slides/slide25.xml><?xml version="1.0" encoding="utf-8"?>
 <p:sld xmlns:a="http://schemas.openxmlformats.org/drawingml/2006/main" xmlns:r="http://schemas.openxmlformats.org/officeDocument/2006/relationships" xmlns:p="http://schemas.openxmlformats.org/presentationml/2006/main">
   <p:cSld>
     <p:spTree>
@@ -19027,7 +19716,7 @@
 </p:sld>
 </file>
 
-<file path=ppt/slides/slide25.xml><?xml version="1.0" encoding="utf-8"?>
+<file path=ppt/slides/slide26.xml><?xml version="1.0" encoding="utf-8"?>
 <p:sld xmlns:a="http://schemas.openxmlformats.org/drawingml/2006/main" xmlns:r="http://schemas.openxmlformats.org/officeDocument/2006/relationships" xmlns:p="http://schemas.openxmlformats.org/presentationml/2006/main">
   <p:cSld>
     <p:spTree>
@@ -19600,7 +20289,7 @@
 </p:sld>
 </file>
 
-<file path=ppt/slides/slide26.xml><?xml version="1.0" encoding="utf-8"?>
+<file path=ppt/slides/slide27.xml><?xml version="1.0" encoding="utf-8"?>
 <p:sld xmlns:a="http://schemas.openxmlformats.org/drawingml/2006/main" xmlns:r="http://schemas.openxmlformats.org/officeDocument/2006/relationships" xmlns:p="http://schemas.openxmlformats.org/presentationml/2006/main">
   <p:cSld>
     <p:spTree>
@@ -20183,7 +20872,7 @@
 </p:sld>
 </file>
 
-<file path=ppt/slides/slide27.xml><?xml version="1.0" encoding="utf-8"?>
+<file path=ppt/slides/slide28.xml><?xml version="1.0" encoding="utf-8"?>
 <p:sld xmlns:a="http://schemas.openxmlformats.org/drawingml/2006/main" xmlns:r="http://schemas.openxmlformats.org/officeDocument/2006/relationships" xmlns:p="http://schemas.openxmlformats.org/presentationml/2006/main">
   <p:cSld>
     <p:spTree>
@@ -20900,7 +21589,7 @@
 </p:sld>
 </file>
 
-<file path=ppt/slides/slide28.xml><?xml version="1.0" encoding="utf-8"?>
+<file path=ppt/slides/slide29.xml><?xml version="1.0" encoding="utf-8"?>
 <p:sld xmlns:a="http://schemas.openxmlformats.org/drawingml/2006/main" xmlns:r="http://schemas.openxmlformats.org/officeDocument/2006/relationships" xmlns:p="http://schemas.openxmlformats.org/presentationml/2006/main">
   <p:cSld>
     <p:spTree>
@@ -21514,7 +22203,1160 @@
 </p:sld>
 </file>
 
-<file path=ppt/slides/slide29.xml><?xml version="1.0" encoding="utf-8"?>
+<file path=ppt/slides/slide3.xml><?xml version="1.0" encoding="utf-8"?>
+<p:sld xmlns:a="http://schemas.openxmlformats.org/drawingml/2006/main" xmlns:r="http://schemas.openxmlformats.org/officeDocument/2006/relationships" xmlns:p="http://schemas.openxmlformats.org/presentationml/2006/main">
+  <p:cSld>
+    <p:spTree>
+      <p:nvGrpSpPr>
+        <p:cNvPr id="1" name=""/>
+        <p:cNvGrpSpPr/>
+        <p:nvPr/>
+      </p:nvGrpSpPr>
+      <p:grpSpPr>
+        <a:xfrm>
+          <a:off x="0" y="0"/>
+          <a:ext cx="0" cy="0"/>
+          <a:chOff x="0" y="0"/>
+          <a:chExt cx="0" cy="0"/>
+        </a:xfrm>
+      </p:grpSpPr>
+      <p:sp>
+        <p:nvSpPr>
+          <p:cNvPr id="2" name="Title 1">
+            <a:extLst>
+              <a:ext uri="{FF2B5EF4-FFF2-40B4-BE49-F238E27FC236}">
+                <a16:creationId xmlns:a16="http://schemas.microsoft.com/office/drawing/2014/main" id="{D39B841F-54C7-3AE1-E545-FD824C8DAF7F}"/>
+              </a:ext>
+            </a:extLst>
+          </p:cNvPr>
+          <p:cNvSpPr>
+            <a:spLocks noGrp="1"/>
+          </p:cNvSpPr>
+          <p:nvPr>
+            <p:ph type="title"/>
+          </p:nvPr>
+        </p:nvSpPr>
+        <p:spPr/>
+        <p:txBody>
+          <a:bodyPr/>
+          <a:lstStyle/>
+          <a:p>
+            <a:r>
+              <a:rPr lang="en-ES" dirty="0"/>
+              <a:t>B1.S2.1</a:t>
+            </a:r>
+          </a:p>
+        </p:txBody>
+      </p:sp>
+      <p:sp>
+        <p:nvSpPr>
+          <p:cNvPr id="5" name="Arc 4">
+            <a:extLst>
+              <a:ext uri="{FF2B5EF4-FFF2-40B4-BE49-F238E27FC236}">
+                <a16:creationId xmlns:a16="http://schemas.microsoft.com/office/drawing/2014/main" id="{C62C6161-AC50-592A-79A8-62650346F24E}"/>
+              </a:ext>
+            </a:extLst>
+          </p:cNvPr>
+          <p:cNvSpPr/>
+          <p:nvPr/>
+        </p:nvSpPr>
+        <p:spPr>
+          <a:xfrm rot="16200000">
+            <a:off x="492552" y="2918012"/>
+            <a:ext cx="4155141" cy="4222377"/>
+          </a:xfrm>
+          <a:prstGeom prst="arc">
+            <a:avLst>
+              <a:gd name="adj1" fmla="val 16259988"/>
+              <a:gd name="adj2" fmla="val 5404610"/>
+            </a:avLst>
+          </a:prstGeom>
+          <a:ln w="38100">
+            <a:gradFill>
+              <a:gsLst>
+                <a:gs pos="51000">
+                  <a:schemeClr val="accent1">
+                    <a:lumMod val="5000"/>
+                    <a:lumOff val="95000"/>
+                  </a:schemeClr>
+                </a:gs>
+                <a:gs pos="100000">
+                  <a:schemeClr val="accent1">
+                    <a:lumMod val="45000"/>
+                    <a:lumOff val="55000"/>
+                  </a:schemeClr>
+                </a:gs>
+                <a:gs pos="0">
+                  <a:srgbClr val="FF0000"/>
+                </a:gs>
+              </a:gsLst>
+              <a:lin ang="5400000" scaled="1"/>
+            </a:gradFill>
+          </a:ln>
+        </p:spPr>
+        <p:style>
+          <a:lnRef idx="2">
+            <a:schemeClr val="accent1"/>
+          </a:lnRef>
+          <a:fillRef idx="0">
+            <a:schemeClr val="accent1"/>
+          </a:fillRef>
+          <a:effectRef idx="1">
+            <a:schemeClr val="accent1"/>
+          </a:effectRef>
+          <a:fontRef idx="minor">
+            <a:schemeClr val="tx1"/>
+          </a:fontRef>
+        </p:style>
+        <p:txBody>
+          <a:bodyPr rtlCol="0" anchor="ctr"/>
+          <a:lstStyle/>
+          <a:p>
+            <a:pPr algn="ctr"/>
+            <a:endParaRPr lang="en-ES"/>
+          </a:p>
+        </p:txBody>
+      </p:sp>
+      <p:cxnSp>
+        <p:nvCxnSpPr>
+          <p:cNvPr id="10" name="Straight Arrow Connector 9">
+            <a:extLst>
+              <a:ext uri="{FF2B5EF4-FFF2-40B4-BE49-F238E27FC236}">
+                <a16:creationId xmlns:a16="http://schemas.microsoft.com/office/drawing/2014/main" id="{8E1BDB21-2D8F-C9C2-3B07-F77D99022865}"/>
+              </a:ext>
+            </a:extLst>
+          </p:cNvPr>
+          <p:cNvCxnSpPr>
+            <a:cxnSpLocks/>
+          </p:cNvCxnSpPr>
+          <p:nvPr/>
+        </p:nvCxnSpPr>
+        <p:spPr>
+          <a:xfrm flipV="1">
+            <a:off x="2589628" y="1817132"/>
+            <a:ext cx="0" cy="3223735"/>
+          </a:xfrm>
+          <a:prstGeom prst="straightConnector1">
+            <a:avLst/>
+          </a:prstGeom>
+          <a:ln w="38100">
+            <a:solidFill>
+              <a:schemeClr val="tx1"/>
+            </a:solidFill>
+            <a:tailEnd type="triangle"/>
+          </a:ln>
+        </p:spPr>
+        <p:style>
+          <a:lnRef idx="2">
+            <a:schemeClr val="accent1"/>
+          </a:lnRef>
+          <a:fillRef idx="0">
+            <a:schemeClr val="accent1"/>
+          </a:fillRef>
+          <a:effectRef idx="1">
+            <a:schemeClr val="accent1"/>
+          </a:effectRef>
+          <a:fontRef idx="minor">
+            <a:schemeClr val="tx1"/>
+          </a:fontRef>
+        </p:style>
+      </p:cxnSp>
+      <p:sp>
+        <p:nvSpPr>
+          <p:cNvPr id="15" name="TextBox 14">
+            <a:extLst>
+              <a:ext uri="{FF2B5EF4-FFF2-40B4-BE49-F238E27FC236}">
+                <a16:creationId xmlns:a16="http://schemas.microsoft.com/office/drawing/2014/main" id="{724436C1-324F-AAF1-C132-967FFB014398}"/>
+              </a:ext>
+            </a:extLst>
+          </p:cNvPr>
+          <p:cNvSpPr txBox="1"/>
+          <p:nvPr/>
+        </p:nvSpPr>
+        <p:spPr>
+          <a:xfrm>
+            <a:off x="2054698" y="1817132"/>
+            <a:ext cx="393056" cy="646331"/>
+          </a:xfrm>
+          <a:prstGeom prst="rect">
+            <a:avLst/>
+          </a:prstGeom>
+          <a:noFill/>
+        </p:spPr>
+        <p:txBody>
+          <a:bodyPr wrap="none" rtlCol="0">
+            <a:spAutoFit/>
+          </a:bodyPr>
+          <a:lstStyle/>
+          <a:p>
+            <a:r>
+              <a:rPr lang="en-ES" sz="3600" dirty="0"/>
+              <a:t>y</a:t>
+            </a:r>
+          </a:p>
+        </p:txBody>
+      </p:sp>
+      <p:cxnSp>
+        <p:nvCxnSpPr>
+          <p:cNvPr id="17" name="Straight Arrow Connector 16">
+            <a:extLst>
+              <a:ext uri="{FF2B5EF4-FFF2-40B4-BE49-F238E27FC236}">
+                <a16:creationId xmlns:a16="http://schemas.microsoft.com/office/drawing/2014/main" id="{5B01AE06-DAE3-451D-0620-065E77F3FD38}"/>
+              </a:ext>
+            </a:extLst>
+          </p:cNvPr>
+          <p:cNvCxnSpPr>
+            <a:cxnSpLocks/>
+          </p:cNvCxnSpPr>
+          <p:nvPr/>
+        </p:nvCxnSpPr>
+        <p:spPr>
+          <a:xfrm>
+            <a:off x="2589628" y="5040867"/>
+            <a:ext cx="3225269" cy="0"/>
+          </a:xfrm>
+          <a:prstGeom prst="straightConnector1">
+            <a:avLst/>
+          </a:prstGeom>
+          <a:ln w="38100">
+            <a:solidFill>
+              <a:schemeClr val="tx1"/>
+            </a:solidFill>
+            <a:tailEnd type="triangle"/>
+          </a:ln>
+        </p:spPr>
+        <p:style>
+          <a:lnRef idx="2">
+            <a:schemeClr val="accent1"/>
+          </a:lnRef>
+          <a:fillRef idx="0">
+            <a:schemeClr val="accent1"/>
+          </a:fillRef>
+          <a:effectRef idx="1">
+            <a:schemeClr val="accent1"/>
+          </a:effectRef>
+          <a:fontRef idx="minor">
+            <a:schemeClr val="tx1"/>
+          </a:fontRef>
+        </p:style>
+      </p:cxnSp>
+      <p:sp>
+        <p:nvSpPr>
+          <p:cNvPr id="18" name="TextBox 17">
+            <a:extLst>
+              <a:ext uri="{FF2B5EF4-FFF2-40B4-BE49-F238E27FC236}">
+                <a16:creationId xmlns:a16="http://schemas.microsoft.com/office/drawing/2014/main" id="{10908EA1-8301-F8A5-2AA4-12299B055323}"/>
+              </a:ext>
+            </a:extLst>
+          </p:cNvPr>
+          <p:cNvSpPr txBox="1"/>
+          <p:nvPr/>
+        </p:nvSpPr>
+        <p:spPr>
+          <a:xfrm>
+            <a:off x="5392791" y="5040867"/>
+            <a:ext cx="567868" cy="646331"/>
+          </a:xfrm>
+          <a:prstGeom prst="rect">
+            <a:avLst/>
+          </a:prstGeom>
+          <a:noFill/>
+        </p:spPr>
+        <p:txBody>
+          <a:bodyPr wrap="square" rtlCol="0">
+            <a:spAutoFit/>
+          </a:bodyPr>
+          <a:lstStyle/>
+          <a:p>
+            <a:r>
+              <a:rPr lang="en-ES" sz="3600" dirty="0"/>
+              <a:t>x</a:t>
+            </a:r>
+          </a:p>
+        </p:txBody>
+      </p:sp>
+      <p:sp>
+        <p:nvSpPr>
+          <p:cNvPr id="24" name="TextBox 23">
+            <a:extLst>
+              <a:ext uri="{FF2B5EF4-FFF2-40B4-BE49-F238E27FC236}">
+                <a16:creationId xmlns:a16="http://schemas.microsoft.com/office/drawing/2014/main" id="{619EBB20-CB39-E643-A01C-4EDC9B94301E}"/>
+              </a:ext>
+            </a:extLst>
+          </p:cNvPr>
+          <p:cNvSpPr txBox="1"/>
+          <p:nvPr/>
+        </p:nvSpPr>
+        <p:spPr>
+          <a:xfrm>
+            <a:off x="3338760" y="2417283"/>
+            <a:ext cx="2207656" cy="646331"/>
+          </a:xfrm>
+          <a:prstGeom prst="rect">
+            <a:avLst/>
+          </a:prstGeom>
+          <a:noFill/>
+        </p:spPr>
+        <p:txBody>
+          <a:bodyPr wrap="none" rtlCol="0">
+            <a:spAutoFit/>
+          </a:bodyPr>
+          <a:lstStyle/>
+          <a:p>
+            <a:r>
+              <a:rPr lang="en-ES" sz="3600" dirty="0"/>
+              <a:t>λ= λ</a:t>
+            </a:r>
+            <a:r>
+              <a:rPr lang="en-ES" sz="3600" baseline="-25000" dirty="0"/>
+              <a:t>0</a:t>
+            </a:r>
+            <a:r>
+              <a:rPr lang="en-ES" sz="3600" dirty="0"/>
+              <a:t>cosɸ’</a:t>
+            </a:r>
+          </a:p>
+        </p:txBody>
+      </p:sp>
+      <p:sp>
+        <p:nvSpPr>
+          <p:cNvPr id="30" name="Arc 29">
+            <a:extLst>
+              <a:ext uri="{FF2B5EF4-FFF2-40B4-BE49-F238E27FC236}">
+                <a16:creationId xmlns:a16="http://schemas.microsoft.com/office/drawing/2014/main" id="{471F2308-244C-599C-E8D1-D81CA02C565C}"/>
+              </a:ext>
+            </a:extLst>
+          </p:cNvPr>
+          <p:cNvSpPr/>
+          <p:nvPr/>
+        </p:nvSpPr>
+        <p:spPr>
+          <a:xfrm>
+            <a:off x="2027258" y="4415634"/>
+            <a:ext cx="1085728" cy="1125962"/>
+          </a:xfrm>
+          <a:prstGeom prst="arc">
+            <a:avLst>
+              <a:gd name="adj1" fmla="val 19745494"/>
+              <a:gd name="adj2" fmla="val 414981"/>
+            </a:avLst>
+          </a:prstGeom>
+          <a:ln w="38100">
+            <a:solidFill>
+              <a:schemeClr val="tx1"/>
+            </a:solidFill>
+          </a:ln>
+        </p:spPr>
+        <p:style>
+          <a:lnRef idx="2">
+            <a:schemeClr val="accent1"/>
+          </a:lnRef>
+          <a:fillRef idx="0">
+            <a:schemeClr val="accent1"/>
+          </a:fillRef>
+          <a:effectRef idx="1">
+            <a:schemeClr val="accent1"/>
+          </a:effectRef>
+          <a:fontRef idx="minor">
+            <a:schemeClr val="tx1"/>
+          </a:fontRef>
+        </p:style>
+        <p:txBody>
+          <a:bodyPr rtlCol="0" anchor="ctr"/>
+          <a:lstStyle/>
+          <a:p>
+            <a:pPr algn="ctr"/>
+            <a:endParaRPr lang="en-ES"/>
+          </a:p>
+        </p:txBody>
+      </p:sp>
+      <p:cxnSp>
+        <p:nvCxnSpPr>
+          <p:cNvPr id="31" name="Straight Arrow Connector 30">
+            <a:extLst>
+              <a:ext uri="{FF2B5EF4-FFF2-40B4-BE49-F238E27FC236}">
+                <a16:creationId xmlns:a16="http://schemas.microsoft.com/office/drawing/2014/main" id="{DAB80AE4-2DA9-5C87-2446-D9AD483D5F7C}"/>
+              </a:ext>
+            </a:extLst>
+          </p:cNvPr>
+          <p:cNvCxnSpPr>
+            <a:cxnSpLocks/>
+          </p:cNvCxnSpPr>
+          <p:nvPr/>
+        </p:nvCxnSpPr>
+        <p:spPr>
+          <a:xfrm flipV="1">
+            <a:off x="2589628" y="3834198"/>
+            <a:ext cx="1708441" cy="1195002"/>
+          </a:xfrm>
+          <a:prstGeom prst="straightConnector1">
+            <a:avLst/>
+          </a:prstGeom>
+          <a:ln w="38100">
+            <a:solidFill>
+              <a:schemeClr val="tx1"/>
+            </a:solidFill>
+            <a:tailEnd type="none"/>
+          </a:ln>
+        </p:spPr>
+        <p:style>
+          <a:lnRef idx="2">
+            <a:schemeClr val="accent1"/>
+          </a:lnRef>
+          <a:fillRef idx="0">
+            <a:schemeClr val="accent1"/>
+          </a:fillRef>
+          <a:effectRef idx="1">
+            <a:schemeClr val="accent1"/>
+          </a:effectRef>
+          <a:fontRef idx="minor">
+            <a:schemeClr val="tx1"/>
+          </a:fontRef>
+        </p:style>
+      </p:cxnSp>
+      <p:sp>
+        <p:nvSpPr>
+          <p:cNvPr id="36" name="TextBox 35">
+            <a:extLst>
+              <a:ext uri="{FF2B5EF4-FFF2-40B4-BE49-F238E27FC236}">
+                <a16:creationId xmlns:a16="http://schemas.microsoft.com/office/drawing/2014/main" id="{361442C0-CDFC-75EA-BF49-A961B88188D3}"/>
+              </a:ext>
+            </a:extLst>
+          </p:cNvPr>
+          <p:cNvSpPr txBox="1"/>
+          <p:nvPr/>
+        </p:nvSpPr>
+        <p:spPr>
+          <a:xfrm>
+            <a:off x="3254860" y="4431699"/>
+            <a:ext cx="562975" cy="646331"/>
+          </a:xfrm>
+          <a:prstGeom prst="rect">
+            <a:avLst/>
+          </a:prstGeom>
+          <a:noFill/>
+        </p:spPr>
+        <p:txBody>
+          <a:bodyPr wrap="none" rtlCol="0">
+            <a:spAutoFit/>
+          </a:bodyPr>
+          <a:lstStyle/>
+          <a:p>
+            <a:r>
+              <a:rPr lang="en-ES" sz="3600" dirty="0"/>
+              <a:t>ɸ’</a:t>
+            </a:r>
+          </a:p>
+        </p:txBody>
+      </p:sp>
+      <p:sp>
+        <p:nvSpPr>
+          <p:cNvPr id="41" name="TextBox 40">
+            <a:extLst>
+              <a:ext uri="{FF2B5EF4-FFF2-40B4-BE49-F238E27FC236}">
+                <a16:creationId xmlns:a16="http://schemas.microsoft.com/office/drawing/2014/main" id="{21DF65AF-0014-9838-1F9C-FA788DF430E2}"/>
+              </a:ext>
+            </a:extLst>
+          </p:cNvPr>
+          <p:cNvSpPr txBox="1"/>
+          <p:nvPr/>
+        </p:nvSpPr>
+        <p:spPr>
+          <a:xfrm>
+            <a:off x="8895270" y="2869329"/>
+            <a:ext cx="393056" cy="646331"/>
+          </a:xfrm>
+          <a:prstGeom prst="rect">
+            <a:avLst/>
+          </a:prstGeom>
+          <a:noFill/>
+        </p:spPr>
+        <p:txBody>
+          <a:bodyPr wrap="none" rtlCol="0">
+            <a:spAutoFit/>
+          </a:bodyPr>
+          <a:lstStyle/>
+          <a:p>
+            <a:r>
+              <a:rPr lang="en-ES" sz="3600" dirty="0"/>
+              <a:t>y</a:t>
+            </a:r>
+          </a:p>
+        </p:txBody>
+      </p:sp>
+      <p:sp>
+        <p:nvSpPr>
+          <p:cNvPr id="37" name="Arc 36">
+            <a:extLst>
+              <a:ext uri="{FF2B5EF4-FFF2-40B4-BE49-F238E27FC236}">
+                <a16:creationId xmlns:a16="http://schemas.microsoft.com/office/drawing/2014/main" id="{E8940850-8C44-3553-B1C6-4AC24BCEB1E8}"/>
+              </a:ext>
+            </a:extLst>
+          </p:cNvPr>
+          <p:cNvSpPr/>
+          <p:nvPr/>
+        </p:nvSpPr>
+        <p:spPr>
+          <a:xfrm rot="15416767">
+            <a:off x="7308147" y="2797188"/>
+            <a:ext cx="1884148" cy="4222377"/>
+          </a:xfrm>
+          <a:prstGeom prst="arc">
+            <a:avLst>
+              <a:gd name="adj1" fmla="val 16931934"/>
+              <a:gd name="adj2" fmla="val 6161777"/>
+            </a:avLst>
+          </a:prstGeom>
+          <a:ln w="38100">
+            <a:gradFill>
+              <a:gsLst>
+                <a:gs pos="72000">
+                  <a:schemeClr val="accent1">
+                    <a:lumMod val="5000"/>
+                    <a:lumOff val="95000"/>
+                  </a:schemeClr>
+                </a:gs>
+                <a:gs pos="100000">
+                  <a:schemeClr val="accent1">
+                    <a:lumMod val="45000"/>
+                    <a:lumOff val="55000"/>
+                  </a:schemeClr>
+                </a:gs>
+                <a:gs pos="0">
+                  <a:srgbClr val="FF0000"/>
+                </a:gs>
+              </a:gsLst>
+              <a:lin ang="5400000" scaled="1"/>
+            </a:gradFill>
+          </a:ln>
+        </p:spPr>
+        <p:style>
+          <a:lnRef idx="2">
+            <a:schemeClr val="accent1"/>
+          </a:lnRef>
+          <a:fillRef idx="0">
+            <a:schemeClr val="accent1"/>
+          </a:fillRef>
+          <a:effectRef idx="1">
+            <a:schemeClr val="accent1"/>
+          </a:effectRef>
+          <a:fontRef idx="minor">
+            <a:schemeClr val="tx1"/>
+          </a:fontRef>
+        </p:style>
+        <p:txBody>
+          <a:bodyPr rtlCol="0" anchor="ctr"/>
+          <a:lstStyle/>
+          <a:p>
+            <a:pPr algn="ctr"/>
+            <a:endParaRPr lang="en-ES"/>
+          </a:p>
+        </p:txBody>
+      </p:sp>
+      <p:cxnSp>
+        <p:nvCxnSpPr>
+          <p:cNvPr id="38" name="Straight Arrow Connector 37">
+            <a:extLst>
+              <a:ext uri="{FF2B5EF4-FFF2-40B4-BE49-F238E27FC236}">
+                <a16:creationId xmlns:a16="http://schemas.microsoft.com/office/drawing/2014/main" id="{7F40F7C0-8F9F-5467-0AA1-54322A1B012E}"/>
+              </a:ext>
+            </a:extLst>
+          </p:cNvPr>
+          <p:cNvCxnSpPr>
+            <a:cxnSpLocks/>
+          </p:cNvCxnSpPr>
+          <p:nvPr/>
+        </p:nvCxnSpPr>
+        <p:spPr>
+          <a:xfrm flipV="1">
+            <a:off x="8226694" y="2417283"/>
+            <a:ext cx="23527" cy="2491093"/>
+          </a:xfrm>
+          <a:prstGeom prst="straightConnector1">
+            <a:avLst/>
+          </a:prstGeom>
+          <a:ln w="38100">
+            <a:solidFill>
+              <a:schemeClr val="tx1"/>
+            </a:solidFill>
+            <a:tailEnd type="triangle"/>
+          </a:ln>
+        </p:spPr>
+        <p:style>
+          <a:lnRef idx="2">
+            <a:schemeClr val="accent1"/>
+          </a:lnRef>
+          <a:fillRef idx="0">
+            <a:schemeClr val="accent1"/>
+          </a:fillRef>
+          <a:effectRef idx="1">
+            <a:schemeClr val="accent1"/>
+          </a:effectRef>
+          <a:fontRef idx="minor">
+            <a:schemeClr val="tx1"/>
+          </a:fontRef>
+        </p:style>
+      </p:cxnSp>
+      <p:cxnSp>
+        <p:nvCxnSpPr>
+          <p:cNvPr id="42" name="Straight Arrow Connector 41">
+            <a:extLst>
+              <a:ext uri="{FF2B5EF4-FFF2-40B4-BE49-F238E27FC236}">
+                <a16:creationId xmlns:a16="http://schemas.microsoft.com/office/drawing/2014/main" id="{3FF65B0D-2128-48A2-C6BF-EEFBDF5032C2}"/>
+              </a:ext>
+            </a:extLst>
+          </p:cNvPr>
+          <p:cNvCxnSpPr>
+            <a:cxnSpLocks/>
+          </p:cNvCxnSpPr>
+          <p:nvPr/>
+        </p:nvCxnSpPr>
+        <p:spPr>
+          <a:xfrm>
+            <a:off x="8226694" y="4908376"/>
+            <a:ext cx="3225269" cy="0"/>
+          </a:xfrm>
+          <a:prstGeom prst="straightConnector1">
+            <a:avLst/>
+          </a:prstGeom>
+          <a:ln w="38100">
+            <a:solidFill>
+              <a:schemeClr val="tx1"/>
+            </a:solidFill>
+            <a:tailEnd type="triangle"/>
+          </a:ln>
+        </p:spPr>
+        <p:style>
+          <a:lnRef idx="2">
+            <a:schemeClr val="accent1"/>
+          </a:lnRef>
+          <a:fillRef idx="0">
+            <a:schemeClr val="accent1"/>
+          </a:fillRef>
+          <a:effectRef idx="1">
+            <a:schemeClr val="accent1"/>
+          </a:effectRef>
+          <a:fontRef idx="minor">
+            <a:schemeClr val="tx1"/>
+          </a:fontRef>
+        </p:style>
+      </p:cxnSp>
+      <p:sp>
+        <p:nvSpPr>
+          <p:cNvPr id="43" name="TextBox 42">
+            <a:extLst>
+              <a:ext uri="{FF2B5EF4-FFF2-40B4-BE49-F238E27FC236}">
+                <a16:creationId xmlns:a16="http://schemas.microsoft.com/office/drawing/2014/main" id="{62972613-7A40-EEAD-36D6-D99B33FD04D6}"/>
+              </a:ext>
+            </a:extLst>
+          </p:cNvPr>
+          <p:cNvSpPr txBox="1"/>
+          <p:nvPr/>
+        </p:nvSpPr>
+        <p:spPr>
+          <a:xfrm>
+            <a:off x="11069866" y="4895265"/>
+            <a:ext cx="567868" cy="646331"/>
+          </a:xfrm>
+          <a:prstGeom prst="rect">
+            <a:avLst/>
+          </a:prstGeom>
+          <a:noFill/>
+        </p:spPr>
+        <p:txBody>
+          <a:bodyPr wrap="square" rtlCol="0">
+            <a:spAutoFit/>
+          </a:bodyPr>
+          <a:lstStyle/>
+          <a:p>
+            <a:r>
+              <a:rPr lang="en-ES" sz="3600" dirty="0"/>
+              <a:t>x</a:t>
+            </a:r>
+          </a:p>
+        </p:txBody>
+      </p:sp>
+      <p:cxnSp>
+        <p:nvCxnSpPr>
+          <p:cNvPr id="58" name="Straight Arrow Connector 57">
+            <a:extLst>
+              <a:ext uri="{FF2B5EF4-FFF2-40B4-BE49-F238E27FC236}">
+                <a16:creationId xmlns:a16="http://schemas.microsoft.com/office/drawing/2014/main" id="{CCA5B95B-998E-A1C6-47D1-5E353C95FAF5}"/>
+              </a:ext>
+            </a:extLst>
+          </p:cNvPr>
+          <p:cNvCxnSpPr>
+            <a:cxnSpLocks/>
+          </p:cNvCxnSpPr>
+          <p:nvPr/>
+        </p:nvCxnSpPr>
+        <p:spPr>
+          <a:xfrm flipV="1">
+            <a:off x="8231487" y="3513799"/>
+            <a:ext cx="951382" cy="1419145"/>
+          </a:xfrm>
+          <a:prstGeom prst="straightConnector1">
+            <a:avLst/>
+          </a:prstGeom>
+          <a:ln w="38100">
+            <a:solidFill>
+              <a:schemeClr val="tx1"/>
+            </a:solidFill>
+            <a:tailEnd type="triangle"/>
+          </a:ln>
+        </p:spPr>
+        <p:style>
+          <a:lnRef idx="2">
+            <a:schemeClr val="accent1"/>
+          </a:lnRef>
+          <a:fillRef idx="0">
+            <a:schemeClr val="accent1"/>
+          </a:fillRef>
+          <a:effectRef idx="1">
+            <a:schemeClr val="accent1"/>
+          </a:effectRef>
+          <a:fontRef idx="minor">
+            <a:schemeClr val="tx1"/>
+          </a:fontRef>
+        </p:style>
+      </p:cxnSp>
+      <p:sp>
+        <p:nvSpPr>
+          <p:cNvPr id="61" name="TextBox 60">
+            <a:extLst>
+              <a:ext uri="{FF2B5EF4-FFF2-40B4-BE49-F238E27FC236}">
+                <a16:creationId xmlns:a16="http://schemas.microsoft.com/office/drawing/2014/main" id="{7C0742B9-49F1-60CA-F189-435AEC7AC1F2}"/>
+              </a:ext>
+            </a:extLst>
+          </p:cNvPr>
+          <p:cNvSpPr txBox="1"/>
+          <p:nvPr/>
+        </p:nvSpPr>
+        <p:spPr>
+          <a:xfrm>
+            <a:off x="8375794" y="2033395"/>
+            <a:ext cx="386644" cy="646331"/>
+          </a:xfrm>
+          <a:prstGeom prst="rect">
+            <a:avLst/>
+          </a:prstGeom>
+          <a:noFill/>
+        </p:spPr>
+        <p:txBody>
+          <a:bodyPr wrap="none" rtlCol="0">
+            <a:spAutoFit/>
+          </a:bodyPr>
+          <a:lstStyle/>
+          <a:p>
+            <a:r>
+              <a:rPr lang="en-ES" sz="3600" dirty="0"/>
+              <a:t>z</a:t>
+            </a:r>
+          </a:p>
+        </p:txBody>
+      </p:sp>
+      <p:sp>
+        <p:nvSpPr>
+          <p:cNvPr id="63" name="Oval 62">
+            <a:extLst>
+              <a:ext uri="{FF2B5EF4-FFF2-40B4-BE49-F238E27FC236}">
+                <a16:creationId xmlns:a16="http://schemas.microsoft.com/office/drawing/2014/main" id="{4C5C545A-0A5E-81E3-07A4-D107F0ADC87A}"/>
+              </a:ext>
+            </a:extLst>
+          </p:cNvPr>
+          <p:cNvSpPr/>
+          <p:nvPr/>
+        </p:nvSpPr>
+        <p:spPr>
+          <a:xfrm>
+            <a:off x="8196111" y="3083404"/>
+            <a:ext cx="95519" cy="87688"/>
+          </a:xfrm>
+          <a:prstGeom prst="ellipse">
+            <a:avLst/>
+          </a:prstGeom>
+        </p:spPr>
+        <p:style>
+          <a:lnRef idx="2">
+            <a:schemeClr val="accent1">
+              <a:shade val="15000"/>
+            </a:schemeClr>
+          </a:lnRef>
+          <a:fillRef idx="1">
+            <a:schemeClr val="accent1"/>
+          </a:fillRef>
+          <a:effectRef idx="0">
+            <a:schemeClr val="accent1"/>
+          </a:effectRef>
+          <a:fontRef idx="minor">
+            <a:schemeClr val="lt1"/>
+          </a:fontRef>
+        </p:style>
+        <p:txBody>
+          <a:bodyPr rtlCol="0" anchor="ctr"/>
+          <a:lstStyle/>
+          <a:p>
+            <a:pPr algn="ctr"/>
+            <a:endParaRPr lang="en-ES"/>
+          </a:p>
+        </p:txBody>
+      </p:sp>
+      <p:sp>
+        <p:nvSpPr>
+          <p:cNvPr id="64" name="Oval 63">
+            <a:extLst>
+              <a:ext uri="{FF2B5EF4-FFF2-40B4-BE49-F238E27FC236}">
+                <a16:creationId xmlns:a16="http://schemas.microsoft.com/office/drawing/2014/main" id="{B9DECD15-6A90-8F2A-42EE-A001068C177B}"/>
+              </a:ext>
+            </a:extLst>
+          </p:cNvPr>
+          <p:cNvSpPr/>
+          <p:nvPr/>
+        </p:nvSpPr>
+        <p:spPr>
+          <a:xfrm>
+            <a:off x="10236623" y="4342107"/>
+            <a:ext cx="95519" cy="87688"/>
+          </a:xfrm>
+          <a:prstGeom prst="ellipse">
+            <a:avLst/>
+          </a:prstGeom>
+        </p:spPr>
+        <p:style>
+          <a:lnRef idx="2">
+            <a:schemeClr val="accent1">
+              <a:shade val="15000"/>
+            </a:schemeClr>
+          </a:lnRef>
+          <a:fillRef idx="1">
+            <a:schemeClr val="accent1"/>
+          </a:fillRef>
+          <a:effectRef idx="0">
+            <a:schemeClr val="accent1"/>
+          </a:effectRef>
+          <a:fontRef idx="minor">
+            <a:schemeClr val="lt1"/>
+          </a:fontRef>
+        </p:style>
+        <p:txBody>
+          <a:bodyPr rtlCol="0" anchor="ctr"/>
+          <a:lstStyle/>
+          <a:p>
+            <a:pPr algn="ctr"/>
+            <a:endParaRPr lang="en-ES"/>
+          </a:p>
+        </p:txBody>
+      </p:sp>
+      <p:sp>
+        <p:nvSpPr>
+          <p:cNvPr id="65" name="Oval 64">
+            <a:extLst>
+              <a:ext uri="{FF2B5EF4-FFF2-40B4-BE49-F238E27FC236}">
+                <a16:creationId xmlns:a16="http://schemas.microsoft.com/office/drawing/2014/main" id="{CBEA7EF2-4DF1-77C2-309F-A3BFC3B20BE1}"/>
+              </a:ext>
+            </a:extLst>
+          </p:cNvPr>
+          <p:cNvSpPr/>
+          <p:nvPr/>
+        </p:nvSpPr>
+        <p:spPr>
+          <a:xfrm>
+            <a:off x="6940473" y="4342107"/>
+            <a:ext cx="95519" cy="87688"/>
+          </a:xfrm>
+          <a:prstGeom prst="ellipse">
+            <a:avLst/>
+          </a:prstGeom>
+        </p:spPr>
+        <p:style>
+          <a:lnRef idx="2">
+            <a:schemeClr val="accent1">
+              <a:shade val="15000"/>
+            </a:schemeClr>
+          </a:lnRef>
+          <a:fillRef idx="1">
+            <a:schemeClr val="accent1"/>
+          </a:fillRef>
+          <a:effectRef idx="0">
+            <a:schemeClr val="accent1"/>
+          </a:effectRef>
+          <a:fontRef idx="minor">
+            <a:schemeClr val="lt1"/>
+          </a:fontRef>
+        </p:style>
+        <p:txBody>
+          <a:bodyPr rtlCol="0" anchor="ctr"/>
+          <a:lstStyle/>
+          <a:p>
+            <a:pPr algn="ctr"/>
+            <a:endParaRPr lang="en-ES"/>
+          </a:p>
+        </p:txBody>
+      </p:sp>
+      <p:cxnSp>
+        <p:nvCxnSpPr>
+          <p:cNvPr id="66" name="Straight Arrow Connector 65">
+            <a:extLst>
+              <a:ext uri="{FF2B5EF4-FFF2-40B4-BE49-F238E27FC236}">
+                <a16:creationId xmlns:a16="http://schemas.microsoft.com/office/drawing/2014/main" id="{4E6E89EA-DB65-0D6F-D0E7-B4A7A3669132}"/>
+              </a:ext>
+            </a:extLst>
+          </p:cNvPr>
+          <p:cNvCxnSpPr>
+            <a:cxnSpLocks/>
+          </p:cNvCxnSpPr>
+          <p:nvPr/>
+        </p:nvCxnSpPr>
+        <p:spPr>
+          <a:xfrm flipH="1" flipV="1">
+            <a:off x="7510690" y="2665527"/>
+            <a:ext cx="699409" cy="438811"/>
+          </a:xfrm>
+          <a:prstGeom prst="straightConnector1">
+            <a:avLst/>
+          </a:prstGeom>
+          <a:ln w="38100">
+            <a:solidFill>
+              <a:schemeClr val="tx1"/>
+            </a:solidFill>
+            <a:tailEnd type="triangle"/>
+          </a:ln>
+        </p:spPr>
+        <p:style>
+          <a:lnRef idx="2">
+            <a:schemeClr val="accent1"/>
+          </a:lnRef>
+          <a:fillRef idx="0">
+            <a:schemeClr val="accent1"/>
+          </a:fillRef>
+          <a:effectRef idx="1">
+            <a:schemeClr val="accent1"/>
+          </a:effectRef>
+          <a:fontRef idx="minor">
+            <a:schemeClr val="tx1"/>
+          </a:fontRef>
+        </p:style>
+      </p:cxnSp>
+      <p:cxnSp>
+        <p:nvCxnSpPr>
+          <p:cNvPr id="70" name="Straight Arrow Connector 69">
+            <a:extLst>
+              <a:ext uri="{FF2B5EF4-FFF2-40B4-BE49-F238E27FC236}">
+                <a16:creationId xmlns:a16="http://schemas.microsoft.com/office/drawing/2014/main" id="{057A2C09-DEA6-0010-6F4A-38BA466EE131}"/>
+              </a:ext>
+            </a:extLst>
+          </p:cNvPr>
+          <p:cNvCxnSpPr>
+            <a:cxnSpLocks/>
+            <a:endCxn id="63" idx="5"/>
+          </p:cNvCxnSpPr>
+          <p:nvPr/>
+        </p:nvCxnSpPr>
+        <p:spPr>
+          <a:xfrm flipH="1" flipV="1">
+            <a:off x="8277642" y="3158250"/>
+            <a:ext cx="1987588" cy="1217979"/>
+          </a:xfrm>
+          <a:prstGeom prst="straightConnector1">
+            <a:avLst/>
+          </a:prstGeom>
+          <a:ln w="38100">
+            <a:solidFill>
+              <a:schemeClr val="tx1"/>
+            </a:solidFill>
+            <a:prstDash val="dash"/>
+            <a:tailEnd type="none"/>
+          </a:ln>
+        </p:spPr>
+        <p:style>
+          <a:lnRef idx="2">
+            <a:schemeClr val="accent1"/>
+          </a:lnRef>
+          <a:fillRef idx="0">
+            <a:schemeClr val="accent1"/>
+          </a:fillRef>
+          <a:effectRef idx="1">
+            <a:schemeClr val="accent1"/>
+          </a:effectRef>
+          <a:fontRef idx="minor">
+            <a:schemeClr val="tx1"/>
+          </a:fontRef>
+        </p:style>
+      </p:cxnSp>
+      <p:cxnSp>
+        <p:nvCxnSpPr>
+          <p:cNvPr id="73" name="Straight Arrow Connector 72">
+            <a:extLst>
+              <a:ext uri="{FF2B5EF4-FFF2-40B4-BE49-F238E27FC236}">
+                <a16:creationId xmlns:a16="http://schemas.microsoft.com/office/drawing/2014/main" id="{574AE1CD-877A-3333-9F4B-5AB770D75161}"/>
+              </a:ext>
+            </a:extLst>
+          </p:cNvPr>
+          <p:cNvCxnSpPr>
+            <a:cxnSpLocks/>
+          </p:cNvCxnSpPr>
+          <p:nvPr/>
+        </p:nvCxnSpPr>
+        <p:spPr>
+          <a:xfrm flipH="1">
+            <a:off x="7632706" y="3151452"/>
+            <a:ext cx="585558" cy="600339"/>
+          </a:xfrm>
+          <a:prstGeom prst="straightConnector1">
+            <a:avLst/>
+          </a:prstGeom>
+          <a:ln w="38100">
+            <a:solidFill>
+              <a:schemeClr val="tx1"/>
+            </a:solidFill>
+            <a:tailEnd type="triangle"/>
+          </a:ln>
+        </p:spPr>
+        <p:style>
+          <a:lnRef idx="2">
+            <a:schemeClr val="accent1"/>
+          </a:lnRef>
+          <a:fillRef idx="0">
+            <a:schemeClr val="accent1"/>
+          </a:fillRef>
+          <a:effectRef idx="1">
+            <a:schemeClr val="accent1"/>
+          </a:effectRef>
+          <a:fontRef idx="minor">
+            <a:schemeClr val="tx1"/>
+          </a:fontRef>
+        </p:style>
+      </p:cxnSp>
+      <p:cxnSp>
+        <p:nvCxnSpPr>
+          <p:cNvPr id="76" name="Straight Arrow Connector 75">
+            <a:extLst>
+              <a:ext uri="{FF2B5EF4-FFF2-40B4-BE49-F238E27FC236}">
+                <a16:creationId xmlns:a16="http://schemas.microsoft.com/office/drawing/2014/main" id="{5EA5187D-0BEF-3AE5-F182-07B473F575C7}"/>
+              </a:ext>
+            </a:extLst>
+          </p:cNvPr>
+          <p:cNvCxnSpPr>
+            <a:cxnSpLocks/>
+            <a:endCxn id="65" idx="7"/>
+          </p:cNvCxnSpPr>
+          <p:nvPr/>
+        </p:nvCxnSpPr>
+        <p:spPr>
+          <a:xfrm flipH="1">
+            <a:off x="7022004" y="3801830"/>
+            <a:ext cx="551549" cy="553119"/>
+          </a:xfrm>
+          <a:prstGeom prst="straightConnector1">
+            <a:avLst/>
+          </a:prstGeom>
+          <a:ln w="38100">
+            <a:solidFill>
+              <a:schemeClr val="tx1"/>
+            </a:solidFill>
+            <a:prstDash val="dash"/>
+            <a:tailEnd type="none"/>
+          </a:ln>
+        </p:spPr>
+        <p:style>
+          <a:lnRef idx="2">
+            <a:schemeClr val="accent1"/>
+          </a:lnRef>
+          <a:fillRef idx="0">
+            <a:schemeClr val="accent1"/>
+          </a:fillRef>
+          <a:effectRef idx="1">
+            <a:schemeClr val="accent1"/>
+          </a:effectRef>
+          <a:fontRef idx="minor">
+            <a:schemeClr val="tx1"/>
+          </a:fontRef>
+        </p:style>
+      </p:cxnSp>
+      <p:sp>
+        <p:nvSpPr>
+          <p:cNvPr id="88" name="TextBox 87">
+            <a:extLst>
+              <a:ext uri="{FF2B5EF4-FFF2-40B4-BE49-F238E27FC236}">
+                <a16:creationId xmlns:a16="http://schemas.microsoft.com/office/drawing/2014/main" id="{62F315E5-15F5-F32A-79B4-8EB5B351B1F7}"/>
+              </a:ext>
+            </a:extLst>
+          </p:cNvPr>
+          <p:cNvSpPr txBox="1"/>
+          <p:nvPr/>
+        </p:nvSpPr>
+        <p:spPr>
+          <a:xfrm>
+            <a:off x="6086094" y="2322249"/>
+            <a:ext cx="1804276" cy="369332"/>
+          </a:xfrm>
+          <a:prstGeom prst="rect">
+            <a:avLst/>
+          </a:prstGeom>
+          <a:noFill/>
+        </p:spPr>
+        <p:txBody>
+          <a:bodyPr wrap="none" rtlCol="0">
+            <a:spAutoFit/>
+          </a:bodyPr>
+          <a:lstStyle/>
+          <a:p>
+            <a:r>
+              <a:rPr lang="en-ES" dirty="0"/>
+              <a:t>Ez&gt;0  Ey&lt;0  Ex&lt;0</a:t>
+            </a:r>
+          </a:p>
+        </p:txBody>
+      </p:sp>
+      <p:sp>
+        <p:nvSpPr>
+          <p:cNvPr id="89" name="TextBox 88">
+            <a:extLst>
+              <a:ext uri="{FF2B5EF4-FFF2-40B4-BE49-F238E27FC236}">
+                <a16:creationId xmlns:a16="http://schemas.microsoft.com/office/drawing/2014/main" id="{6F7CE4F5-D0BA-E3E3-F65E-E299F8461623}"/>
+              </a:ext>
+            </a:extLst>
+          </p:cNvPr>
+          <p:cNvSpPr txBox="1"/>
+          <p:nvPr/>
+        </p:nvSpPr>
+        <p:spPr>
+          <a:xfrm>
+            <a:off x="6038727" y="3227768"/>
+            <a:ext cx="1804276" cy="369332"/>
+          </a:xfrm>
+          <a:prstGeom prst="rect">
+            <a:avLst/>
+          </a:prstGeom>
+          <a:noFill/>
+        </p:spPr>
+        <p:txBody>
+          <a:bodyPr wrap="none" rtlCol="0">
+            <a:spAutoFit/>
+          </a:bodyPr>
+          <a:lstStyle/>
+          <a:p>
+            <a:r>
+              <a:rPr lang="en-ES" dirty="0"/>
+              <a:t>Ez&lt;0  Ey&gt;0  Ex&lt;0</a:t>
+            </a:r>
+          </a:p>
+        </p:txBody>
+      </p:sp>
+    </p:spTree>
+    <p:extLst>
+      <p:ext uri="{BB962C8B-B14F-4D97-AF65-F5344CB8AC3E}">
+        <p14:creationId xmlns:p14="http://schemas.microsoft.com/office/powerpoint/2010/main" val="650413243"/>
+      </p:ext>
+    </p:extLst>
+  </p:cSld>
+  <p:clrMapOvr>
+    <a:masterClrMapping/>
+  </p:clrMapOvr>
+</p:sld>
+</file>
+
+<file path=ppt/slides/slide30.xml><?xml version="1.0" encoding="utf-8"?>
 <p:sld xmlns:a="http://schemas.openxmlformats.org/drawingml/2006/main" xmlns:r="http://schemas.openxmlformats.org/officeDocument/2006/relationships" xmlns:p="http://schemas.openxmlformats.org/presentationml/2006/main">
   <p:cSld>
     <p:spTree>
@@ -22178,1160 +24020,7 @@
 </p:sld>
 </file>
 
-<file path=ppt/slides/slide3.xml><?xml version="1.0" encoding="utf-8"?>
-<p:sld xmlns:a="http://schemas.openxmlformats.org/drawingml/2006/main" xmlns:r="http://schemas.openxmlformats.org/officeDocument/2006/relationships" xmlns:p="http://schemas.openxmlformats.org/presentationml/2006/main">
-  <p:cSld>
-    <p:spTree>
-      <p:nvGrpSpPr>
-        <p:cNvPr id="1" name=""/>
-        <p:cNvGrpSpPr/>
-        <p:nvPr/>
-      </p:nvGrpSpPr>
-      <p:grpSpPr>
-        <a:xfrm>
-          <a:off x="0" y="0"/>
-          <a:ext cx="0" cy="0"/>
-          <a:chOff x="0" y="0"/>
-          <a:chExt cx="0" cy="0"/>
-        </a:xfrm>
-      </p:grpSpPr>
-      <p:sp>
-        <p:nvSpPr>
-          <p:cNvPr id="2" name="Title 1">
-            <a:extLst>
-              <a:ext uri="{FF2B5EF4-FFF2-40B4-BE49-F238E27FC236}">
-                <a16:creationId xmlns:a16="http://schemas.microsoft.com/office/drawing/2014/main" id="{D39B841F-54C7-3AE1-E545-FD824C8DAF7F}"/>
-              </a:ext>
-            </a:extLst>
-          </p:cNvPr>
-          <p:cNvSpPr>
-            <a:spLocks noGrp="1"/>
-          </p:cNvSpPr>
-          <p:nvPr>
-            <p:ph type="title"/>
-          </p:nvPr>
-        </p:nvSpPr>
-        <p:spPr/>
-        <p:txBody>
-          <a:bodyPr/>
-          <a:lstStyle/>
-          <a:p>
-            <a:r>
-              <a:rPr lang="en-ES" dirty="0"/>
-              <a:t>B1.S2.1</a:t>
-            </a:r>
-          </a:p>
-        </p:txBody>
-      </p:sp>
-      <p:sp>
-        <p:nvSpPr>
-          <p:cNvPr id="5" name="Arc 4">
-            <a:extLst>
-              <a:ext uri="{FF2B5EF4-FFF2-40B4-BE49-F238E27FC236}">
-                <a16:creationId xmlns:a16="http://schemas.microsoft.com/office/drawing/2014/main" id="{C62C6161-AC50-592A-79A8-62650346F24E}"/>
-              </a:ext>
-            </a:extLst>
-          </p:cNvPr>
-          <p:cNvSpPr/>
-          <p:nvPr/>
-        </p:nvSpPr>
-        <p:spPr>
-          <a:xfrm rot="16200000">
-            <a:off x="492552" y="2918012"/>
-            <a:ext cx="4155141" cy="4222377"/>
-          </a:xfrm>
-          <a:prstGeom prst="arc">
-            <a:avLst>
-              <a:gd name="adj1" fmla="val 16259988"/>
-              <a:gd name="adj2" fmla="val 5404610"/>
-            </a:avLst>
-          </a:prstGeom>
-          <a:ln w="38100">
-            <a:gradFill>
-              <a:gsLst>
-                <a:gs pos="51000">
-                  <a:schemeClr val="accent1">
-                    <a:lumMod val="5000"/>
-                    <a:lumOff val="95000"/>
-                  </a:schemeClr>
-                </a:gs>
-                <a:gs pos="100000">
-                  <a:schemeClr val="accent1">
-                    <a:lumMod val="45000"/>
-                    <a:lumOff val="55000"/>
-                  </a:schemeClr>
-                </a:gs>
-                <a:gs pos="0">
-                  <a:srgbClr val="FF0000"/>
-                </a:gs>
-              </a:gsLst>
-              <a:lin ang="5400000" scaled="1"/>
-            </a:gradFill>
-          </a:ln>
-        </p:spPr>
-        <p:style>
-          <a:lnRef idx="2">
-            <a:schemeClr val="accent1"/>
-          </a:lnRef>
-          <a:fillRef idx="0">
-            <a:schemeClr val="accent1"/>
-          </a:fillRef>
-          <a:effectRef idx="1">
-            <a:schemeClr val="accent1"/>
-          </a:effectRef>
-          <a:fontRef idx="minor">
-            <a:schemeClr val="tx1"/>
-          </a:fontRef>
-        </p:style>
-        <p:txBody>
-          <a:bodyPr rtlCol="0" anchor="ctr"/>
-          <a:lstStyle/>
-          <a:p>
-            <a:pPr algn="ctr"/>
-            <a:endParaRPr lang="en-ES"/>
-          </a:p>
-        </p:txBody>
-      </p:sp>
-      <p:cxnSp>
-        <p:nvCxnSpPr>
-          <p:cNvPr id="10" name="Straight Arrow Connector 9">
-            <a:extLst>
-              <a:ext uri="{FF2B5EF4-FFF2-40B4-BE49-F238E27FC236}">
-                <a16:creationId xmlns:a16="http://schemas.microsoft.com/office/drawing/2014/main" id="{8E1BDB21-2D8F-C9C2-3B07-F77D99022865}"/>
-              </a:ext>
-            </a:extLst>
-          </p:cNvPr>
-          <p:cNvCxnSpPr>
-            <a:cxnSpLocks/>
-          </p:cNvCxnSpPr>
-          <p:nvPr/>
-        </p:nvCxnSpPr>
-        <p:spPr>
-          <a:xfrm flipV="1">
-            <a:off x="2589628" y="1817132"/>
-            <a:ext cx="0" cy="3223735"/>
-          </a:xfrm>
-          <a:prstGeom prst="straightConnector1">
-            <a:avLst/>
-          </a:prstGeom>
-          <a:ln w="38100">
-            <a:solidFill>
-              <a:schemeClr val="tx1"/>
-            </a:solidFill>
-            <a:tailEnd type="triangle"/>
-          </a:ln>
-        </p:spPr>
-        <p:style>
-          <a:lnRef idx="2">
-            <a:schemeClr val="accent1"/>
-          </a:lnRef>
-          <a:fillRef idx="0">
-            <a:schemeClr val="accent1"/>
-          </a:fillRef>
-          <a:effectRef idx="1">
-            <a:schemeClr val="accent1"/>
-          </a:effectRef>
-          <a:fontRef idx="minor">
-            <a:schemeClr val="tx1"/>
-          </a:fontRef>
-        </p:style>
-      </p:cxnSp>
-      <p:sp>
-        <p:nvSpPr>
-          <p:cNvPr id="15" name="TextBox 14">
-            <a:extLst>
-              <a:ext uri="{FF2B5EF4-FFF2-40B4-BE49-F238E27FC236}">
-                <a16:creationId xmlns:a16="http://schemas.microsoft.com/office/drawing/2014/main" id="{724436C1-324F-AAF1-C132-967FFB014398}"/>
-              </a:ext>
-            </a:extLst>
-          </p:cNvPr>
-          <p:cNvSpPr txBox="1"/>
-          <p:nvPr/>
-        </p:nvSpPr>
-        <p:spPr>
-          <a:xfrm>
-            <a:off x="2054698" y="1817132"/>
-            <a:ext cx="393056" cy="646331"/>
-          </a:xfrm>
-          <a:prstGeom prst="rect">
-            <a:avLst/>
-          </a:prstGeom>
-          <a:noFill/>
-        </p:spPr>
-        <p:txBody>
-          <a:bodyPr wrap="none" rtlCol="0">
-            <a:spAutoFit/>
-          </a:bodyPr>
-          <a:lstStyle/>
-          <a:p>
-            <a:r>
-              <a:rPr lang="en-ES" sz="3600" dirty="0"/>
-              <a:t>y</a:t>
-            </a:r>
-          </a:p>
-        </p:txBody>
-      </p:sp>
-      <p:cxnSp>
-        <p:nvCxnSpPr>
-          <p:cNvPr id="17" name="Straight Arrow Connector 16">
-            <a:extLst>
-              <a:ext uri="{FF2B5EF4-FFF2-40B4-BE49-F238E27FC236}">
-                <a16:creationId xmlns:a16="http://schemas.microsoft.com/office/drawing/2014/main" id="{5B01AE06-DAE3-451D-0620-065E77F3FD38}"/>
-              </a:ext>
-            </a:extLst>
-          </p:cNvPr>
-          <p:cNvCxnSpPr>
-            <a:cxnSpLocks/>
-          </p:cNvCxnSpPr>
-          <p:nvPr/>
-        </p:nvCxnSpPr>
-        <p:spPr>
-          <a:xfrm>
-            <a:off x="2589628" y="5040867"/>
-            <a:ext cx="3225269" cy="0"/>
-          </a:xfrm>
-          <a:prstGeom prst="straightConnector1">
-            <a:avLst/>
-          </a:prstGeom>
-          <a:ln w="38100">
-            <a:solidFill>
-              <a:schemeClr val="tx1"/>
-            </a:solidFill>
-            <a:tailEnd type="triangle"/>
-          </a:ln>
-        </p:spPr>
-        <p:style>
-          <a:lnRef idx="2">
-            <a:schemeClr val="accent1"/>
-          </a:lnRef>
-          <a:fillRef idx="0">
-            <a:schemeClr val="accent1"/>
-          </a:fillRef>
-          <a:effectRef idx="1">
-            <a:schemeClr val="accent1"/>
-          </a:effectRef>
-          <a:fontRef idx="minor">
-            <a:schemeClr val="tx1"/>
-          </a:fontRef>
-        </p:style>
-      </p:cxnSp>
-      <p:sp>
-        <p:nvSpPr>
-          <p:cNvPr id="18" name="TextBox 17">
-            <a:extLst>
-              <a:ext uri="{FF2B5EF4-FFF2-40B4-BE49-F238E27FC236}">
-                <a16:creationId xmlns:a16="http://schemas.microsoft.com/office/drawing/2014/main" id="{10908EA1-8301-F8A5-2AA4-12299B055323}"/>
-              </a:ext>
-            </a:extLst>
-          </p:cNvPr>
-          <p:cNvSpPr txBox="1"/>
-          <p:nvPr/>
-        </p:nvSpPr>
-        <p:spPr>
-          <a:xfrm>
-            <a:off x="5392791" y="5040867"/>
-            <a:ext cx="567868" cy="646331"/>
-          </a:xfrm>
-          <a:prstGeom prst="rect">
-            <a:avLst/>
-          </a:prstGeom>
-          <a:noFill/>
-        </p:spPr>
-        <p:txBody>
-          <a:bodyPr wrap="square" rtlCol="0">
-            <a:spAutoFit/>
-          </a:bodyPr>
-          <a:lstStyle/>
-          <a:p>
-            <a:r>
-              <a:rPr lang="en-ES" sz="3600" dirty="0"/>
-              <a:t>x</a:t>
-            </a:r>
-          </a:p>
-        </p:txBody>
-      </p:sp>
-      <p:sp>
-        <p:nvSpPr>
-          <p:cNvPr id="24" name="TextBox 23">
-            <a:extLst>
-              <a:ext uri="{FF2B5EF4-FFF2-40B4-BE49-F238E27FC236}">
-                <a16:creationId xmlns:a16="http://schemas.microsoft.com/office/drawing/2014/main" id="{619EBB20-CB39-E643-A01C-4EDC9B94301E}"/>
-              </a:ext>
-            </a:extLst>
-          </p:cNvPr>
-          <p:cNvSpPr txBox="1"/>
-          <p:nvPr/>
-        </p:nvSpPr>
-        <p:spPr>
-          <a:xfrm>
-            <a:off x="3338760" y="2417283"/>
-            <a:ext cx="2207656" cy="646331"/>
-          </a:xfrm>
-          <a:prstGeom prst="rect">
-            <a:avLst/>
-          </a:prstGeom>
-          <a:noFill/>
-        </p:spPr>
-        <p:txBody>
-          <a:bodyPr wrap="none" rtlCol="0">
-            <a:spAutoFit/>
-          </a:bodyPr>
-          <a:lstStyle/>
-          <a:p>
-            <a:r>
-              <a:rPr lang="en-ES" sz="3600" dirty="0"/>
-              <a:t>λ= λ</a:t>
-            </a:r>
-            <a:r>
-              <a:rPr lang="en-ES" sz="3600" baseline="-25000" dirty="0"/>
-              <a:t>0</a:t>
-            </a:r>
-            <a:r>
-              <a:rPr lang="en-ES" sz="3600" dirty="0"/>
-              <a:t>cosɸ’</a:t>
-            </a:r>
-          </a:p>
-        </p:txBody>
-      </p:sp>
-      <p:sp>
-        <p:nvSpPr>
-          <p:cNvPr id="30" name="Arc 29">
-            <a:extLst>
-              <a:ext uri="{FF2B5EF4-FFF2-40B4-BE49-F238E27FC236}">
-                <a16:creationId xmlns:a16="http://schemas.microsoft.com/office/drawing/2014/main" id="{471F2308-244C-599C-E8D1-D81CA02C565C}"/>
-              </a:ext>
-            </a:extLst>
-          </p:cNvPr>
-          <p:cNvSpPr/>
-          <p:nvPr/>
-        </p:nvSpPr>
-        <p:spPr>
-          <a:xfrm>
-            <a:off x="2027258" y="4415634"/>
-            <a:ext cx="1085728" cy="1125962"/>
-          </a:xfrm>
-          <a:prstGeom prst="arc">
-            <a:avLst>
-              <a:gd name="adj1" fmla="val 19745494"/>
-              <a:gd name="adj2" fmla="val 414981"/>
-            </a:avLst>
-          </a:prstGeom>
-          <a:ln w="38100">
-            <a:solidFill>
-              <a:schemeClr val="tx1"/>
-            </a:solidFill>
-          </a:ln>
-        </p:spPr>
-        <p:style>
-          <a:lnRef idx="2">
-            <a:schemeClr val="accent1"/>
-          </a:lnRef>
-          <a:fillRef idx="0">
-            <a:schemeClr val="accent1"/>
-          </a:fillRef>
-          <a:effectRef idx="1">
-            <a:schemeClr val="accent1"/>
-          </a:effectRef>
-          <a:fontRef idx="minor">
-            <a:schemeClr val="tx1"/>
-          </a:fontRef>
-        </p:style>
-        <p:txBody>
-          <a:bodyPr rtlCol="0" anchor="ctr"/>
-          <a:lstStyle/>
-          <a:p>
-            <a:pPr algn="ctr"/>
-            <a:endParaRPr lang="en-ES"/>
-          </a:p>
-        </p:txBody>
-      </p:sp>
-      <p:cxnSp>
-        <p:nvCxnSpPr>
-          <p:cNvPr id="31" name="Straight Arrow Connector 30">
-            <a:extLst>
-              <a:ext uri="{FF2B5EF4-FFF2-40B4-BE49-F238E27FC236}">
-                <a16:creationId xmlns:a16="http://schemas.microsoft.com/office/drawing/2014/main" id="{DAB80AE4-2DA9-5C87-2446-D9AD483D5F7C}"/>
-              </a:ext>
-            </a:extLst>
-          </p:cNvPr>
-          <p:cNvCxnSpPr>
-            <a:cxnSpLocks/>
-          </p:cNvCxnSpPr>
-          <p:nvPr/>
-        </p:nvCxnSpPr>
-        <p:spPr>
-          <a:xfrm flipV="1">
-            <a:off x="2589628" y="3834198"/>
-            <a:ext cx="1708441" cy="1195002"/>
-          </a:xfrm>
-          <a:prstGeom prst="straightConnector1">
-            <a:avLst/>
-          </a:prstGeom>
-          <a:ln w="38100">
-            <a:solidFill>
-              <a:schemeClr val="tx1"/>
-            </a:solidFill>
-            <a:tailEnd type="none"/>
-          </a:ln>
-        </p:spPr>
-        <p:style>
-          <a:lnRef idx="2">
-            <a:schemeClr val="accent1"/>
-          </a:lnRef>
-          <a:fillRef idx="0">
-            <a:schemeClr val="accent1"/>
-          </a:fillRef>
-          <a:effectRef idx="1">
-            <a:schemeClr val="accent1"/>
-          </a:effectRef>
-          <a:fontRef idx="minor">
-            <a:schemeClr val="tx1"/>
-          </a:fontRef>
-        </p:style>
-      </p:cxnSp>
-      <p:sp>
-        <p:nvSpPr>
-          <p:cNvPr id="36" name="TextBox 35">
-            <a:extLst>
-              <a:ext uri="{FF2B5EF4-FFF2-40B4-BE49-F238E27FC236}">
-                <a16:creationId xmlns:a16="http://schemas.microsoft.com/office/drawing/2014/main" id="{361442C0-CDFC-75EA-BF49-A961B88188D3}"/>
-              </a:ext>
-            </a:extLst>
-          </p:cNvPr>
-          <p:cNvSpPr txBox="1"/>
-          <p:nvPr/>
-        </p:nvSpPr>
-        <p:spPr>
-          <a:xfrm>
-            <a:off x="3254860" y="4431699"/>
-            <a:ext cx="562975" cy="646331"/>
-          </a:xfrm>
-          <a:prstGeom prst="rect">
-            <a:avLst/>
-          </a:prstGeom>
-          <a:noFill/>
-        </p:spPr>
-        <p:txBody>
-          <a:bodyPr wrap="none" rtlCol="0">
-            <a:spAutoFit/>
-          </a:bodyPr>
-          <a:lstStyle/>
-          <a:p>
-            <a:r>
-              <a:rPr lang="en-ES" sz="3600" dirty="0"/>
-              <a:t>ɸ’</a:t>
-            </a:r>
-          </a:p>
-        </p:txBody>
-      </p:sp>
-      <p:sp>
-        <p:nvSpPr>
-          <p:cNvPr id="41" name="TextBox 40">
-            <a:extLst>
-              <a:ext uri="{FF2B5EF4-FFF2-40B4-BE49-F238E27FC236}">
-                <a16:creationId xmlns:a16="http://schemas.microsoft.com/office/drawing/2014/main" id="{21DF65AF-0014-9838-1F9C-FA788DF430E2}"/>
-              </a:ext>
-            </a:extLst>
-          </p:cNvPr>
-          <p:cNvSpPr txBox="1"/>
-          <p:nvPr/>
-        </p:nvSpPr>
-        <p:spPr>
-          <a:xfrm>
-            <a:off x="8895270" y="2869329"/>
-            <a:ext cx="393056" cy="646331"/>
-          </a:xfrm>
-          <a:prstGeom prst="rect">
-            <a:avLst/>
-          </a:prstGeom>
-          <a:noFill/>
-        </p:spPr>
-        <p:txBody>
-          <a:bodyPr wrap="none" rtlCol="0">
-            <a:spAutoFit/>
-          </a:bodyPr>
-          <a:lstStyle/>
-          <a:p>
-            <a:r>
-              <a:rPr lang="en-ES" sz="3600" dirty="0"/>
-              <a:t>y</a:t>
-            </a:r>
-          </a:p>
-        </p:txBody>
-      </p:sp>
-      <p:sp>
-        <p:nvSpPr>
-          <p:cNvPr id="37" name="Arc 36">
-            <a:extLst>
-              <a:ext uri="{FF2B5EF4-FFF2-40B4-BE49-F238E27FC236}">
-                <a16:creationId xmlns:a16="http://schemas.microsoft.com/office/drawing/2014/main" id="{E8940850-8C44-3553-B1C6-4AC24BCEB1E8}"/>
-              </a:ext>
-            </a:extLst>
-          </p:cNvPr>
-          <p:cNvSpPr/>
-          <p:nvPr/>
-        </p:nvSpPr>
-        <p:spPr>
-          <a:xfrm rot="15416767">
-            <a:off x="7308147" y="2797188"/>
-            <a:ext cx="1884148" cy="4222377"/>
-          </a:xfrm>
-          <a:prstGeom prst="arc">
-            <a:avLst>
-              <a:gd name="adj1" fmla="val 16931934"/>
-              <a:gd name="adj2" fmla="val 6161777"/>
-            </a:avLst>
-          </a:prstGeom>
-          <a:ln w="38100">
-            <a:gradFill>
-              <a:gsLst>
-                <a:gs pos="72000">
-                  <a:schemeClr val="accent1">
-                    <a:lumMod val="5000"/>
-                    <a:lumOff val="95000"/>
-                  </a:schemeClr>
-                </a:gs>
-                <a:gs pos="100000">
-                  <a:schemeClr val="accent1">
-                    <a:lumMod val="45000"/>
-                    <a:lumOff val="55000"/>
-                  </a:schemeClr>
-                </a:gs>
-                <a:gs pos="0">
-                  <a:srgbClr val="FF0000"/>
-                </a:gs>
-              </a:gsLst>
-              <a:lin ang="5400000" scaled="1"/>
-            </a:gradFill>
-          </a:ln>
-        </p:spPr>
-        <p:style>
-          <a:lnRef idx="2">
-            <a:schemeClr val="accent1"/>
-          </a:lnRef>
-          <a:fillRef idx="0">
-            <a:schemeClr val="accent1"/>
-          </a:fillRef>
-          <a:effectRef idx="1">
-            <a:schemeClr val="accent1"/>
-          </a:effectRef>
-          <a:fontRef idx="minor">
-            <a:schemeClr val="tx1"/>
-          </a:fontRef>
-        </p:style>
-        <p:txBody>
-          <a:bodyPr rtlCol="0" anchor="ctr"/>
-          <a:lstStyle/>
-          <a:p>
-            <a:pPr algn="ctr"/>
-            <a:endParaRPr lang="en-ES"/>
-          </a:p>
-        </p:txBody>
-      </p:sp>
-      <p:cxnSp>
-        <p:nvCxnSpPr>
-          <p:cNvPr id="38" name="Straight Arrow Connector 37">
-            <a:extLst>
-              <a:ext uri="{FF2B5EF4-FFF2-40B4-BE49-F238E27FC236}">
-                <a16:creationId xmlns:a16="http://schemas.microsoft.com/office/drawing/2014/main" id="{7F40F7C0-8F9F-5467-0AA1-54322A1B012E}"/>
-              </a:ext>
-            </a:extLst>
-          </p:cNvPr>
-          <p:cNvCxnSpPr>
-            <a:cxnSpLocks/>
-          </p:cNvCxnSpPr>
-          <p:nvPr/>
-        </p:nvCxnSpPr>
-        <p:spPr>
-          <a:xfrm flipV="1">
-            <a:off x="8226694" y="2417283"/>
-            <a:ext cx="23527" cy="2491093"/>
-          </a:xfrm>
-          <a:prstGeom prst="straightConnector1">
-            <a:avLst/>
-          </a:prstGeom>
-          <a:ln w="38100">
-            <a:solidFill>
-              <a:schemeClr val="tx1"/>
-            </a:solidFill>
-            <a:tailEnd type="triangle"/>
-          </a:ln>
-        </p:spPr>
-        <p:style>
-          <a:lnRef idx="2">
-            <a:schemeClr val="accent1"/>
-          </a:lnRef>
-          <a:fillRef idx="0">
-            <a:schemeClr val="accent1"/>
-          </a:fillRef>
-          <a:effectRef idx="1">
-            <a:schemeClr val="accent1"/>
-          </a:effectRef>
-          <a:fontRef idx="minor">
-            <a:schemeClr val="tx1"/>
-          </a:fontRef>
-        </p:style>
-      </p:cxnSp>
-      <p:cxnSp>
-        <p:nvCxnSpPr>
-          <p:cNvPr id="42" name="Straight Arrow Connector 41">
-            <a:extLst>
-              <a:ext uri="{FF2B5EF4-FFF2-40B4-BE49-F238E27FC236}">
-                <a16:creationId xmlns:a16="http://schemas.microsoft.com/office/drawing/2014/main" id="{3FF65B0D-2128-48A2-C6BF-EEFBDF5032C2}"/>
-              </a:ext>
-            </a:extLst>
-          </p:cNvPr>
-          <p:cNvCxnSpPr>
-            <a:cxnSpLocks/>
-          </p:cNvCxnSpPr>
-          <p:nvPr/>
-        </p:nvCxnSpPr>
-        <p:spPr>
-          <a:xfrm>
-            <a:off x="8226694" y="4908376"/>
-            <a:ext cx="3225269" cy="0"/>
-          </a:xfrm>
-          <a:prstGeom prst="straightConnector1">
-            <a:avLst/>
-          </a:prstGeom>
-          <a:ln w="38100">
-            <a:solidFill>
-              <a:schemeClr val="tx1"/>
-            </a:solidFill>
-            <a:tailEnd type="triangle"/>
-          </a:ln>
-        </p:spPr>
-        <p:style>
-          <a:lnRef idx="2">
-            <a:schemeClr val="accent1"/>
-          </a:lnRef>
-          <a:fillRef idx="0">
-            <a:schemeClr val="accent1"/>
-          </a:fillRef>
-          <a:effectRef idx="1">
-            <a:schemeClr val="accent1"/>
-          </a:effectRef>
-          <a:fontRef idx="minor">
-            <a:schemeClr val="tx1"/>
-          </a:fontRef>
-        </p:style>
-      </p:cxnSp>
-      <p:sp>
-        <p:nvSpPr>
-          <p:cNvPr id="43" name="TextBox 42">
-            <a:extLst>
-              <a:ext uri="{FF2B5EF4-FFF2-40B4-BE49-F238E27FC236}">
-                <a16:creationId xmlns:a16="http://schemas.microsoft.com/office/drawing/2014/main" id="{62972613-7A40-EEAD-36D6-D99B33FD04D6}"/>
-              </a:ext>
-            </a:extLst>
-          </p:cNvPr>
-          <p:cNvSpPr txBox="1"/>
-          <p:nvPr/>
-        </p:nvSpPr>
-        <p:spPr>
-          <a:xfrm>
-            <a:off x="11069866" y="4895265"/>
-            <a:ext cx="567868" cy="646331"/>
-          </a:xfrm>
-          <a:prstGeom prst="rect">
-            <a:avLst/>
-          </a:prstGeom>
-          <a:noFill/>
-        </p:spPr>
-        <p:txBody>
-          <a:bodyPr wrap="square" rtlCol="0">
-            <a:spAutoFit/>
-          </a:bodyPr>
-          <a:lstStyle/>
-          <a:p>
-            <a:r>
-              <a:rPr lang="en-ES" sz="3600" dirty="0"/>
-              <a:t>x</a:t>
-            </a:r>
-          </a:p>
-        </p:txBody>
-      </p:sp>
-      <p:cxnSp>
-        <p:nvCxnSpPr>
-          <p:cNvPr id="58" name="Straight Arrow Connector 57">
-            <a:extLst>
-              <a:ext uri="{FF2B5EF4-FFF2-40B4-BE49-F238E27FC236}">
-                <a16:creationId xmlns:a16="http://schemas.microsoft.com/office/drawing/2014/main" id="{CCA5B95B-998E-A1C6-47D1-5E353C95FAF5}"/>
-              </a:ext>
-            </a:extLst>
-          </p:cNvPr>
-          <p:cNvCxnSpPr>
-            <a:cxnSpLocks/>
-          </p:cNvCxnSpPr>
-          <p:nvPr/>
-        </p:nvCxnSpPr>
-        <p:spPr>
-          <a:xfrm flipV="1">
-            <a:off x="8231487" y="3513799"/>
-            <a:ext cx="951382" cy="1419145"/>
-          </a:xfrm>
-          <a:prstGeom prst="straightConnector1">
-            <a:avLst/>
-          </a:prstGeom>
-          <a:ln w="38100">
-            <a:solidFill>
-              <a:schemeClr val="tx1"/>
-            </a:solidFill>
-            <a:tailEnd type="triangle"/>
-          </a:ln>
-        </p:spPr>
-        <p:style>
-          <a:lnRef idx="2">
-            <a:schemeClr val="accent1"/>
-          </a:lnRef>
-          <a:fillRef idx="0">
-            <a:schemeClr val="accent1"/>
-          </a:fillRef>
-          <a:effectRef idx="1">
-            <a:schemeClr val="accent1"/>
-          </a:effectRef>
-          <a:fontRef idx="minor">
-            <a:schemeClr val="tx1"/>
-          </a:fontRef>
-        </p:style>
-      </p:cxnSp>
-      <p:sp>
-        <p:nvSpPr>
-          <p:cNvPr id="61" name="TextBox 60">
-            <a:extLst>
-              <a:ext uri="{FF2B5EF4-FFF2-40B4-BE49-F238E27FC236}">
-                <a16:creationId xmlns:a16="http://schemas.microsoft.com/office/drawing/2014/main" id="{7C0742B9-49F1-60CA-F189-435AEC7AC1F2}"/>
-              </a:ext>
-            </a:extLst>
-          </p:cNvPr>
-          <p:cNvSpPr txBox="1"/>
-          <p:nvPr/>
-        </p:nvSpPr>
-        <p:spPr>
-          <a:xfrm>
-            <a:off x="8375794" y="2033395"/>
-            <a:ext cx="386644" cy="646331"/>
-          </a:xfrm>
-          <a:prstGeom prst="rect">
-            <a:avLst/>
-          </a:prstGeom>
-          <a:noFill/>
-        </p:spPr>
-        <p:txBody>
-          <a:bodyPr wrap="none" rtlCol="0">
-            <a:spAutoFit/>
-          </a:bodyPr>
-          <a:lstStyle/>
-          <a:p>
-            <a:r>
-              <a:rPr lang="en-ES" sz="3600" dirty="0"/>
-              <a:t>z</a:t>
-            </a:r>
-          </a:p>
-        </p:txBody>
-      </p:sp>
-      <p:sp>
-        <p:nvSpPr>
-          <p:cNvPr id="63" name="Oval 62">
-            <a:extLst>
-              <a:ext uri="{FF2B5EF4-FFF2-40B4-BE49-F238E27FC236}">
-                <a16:creationId xmlns:a16="http://schemas.microsoft.com/office/drawing/2014/main" id="{4C5C545A-0A5E-81E3-07A4-D107F0ADC87A}"/>
-              </a:ext>
-            </a:extLst>
-          </p:cNvPr>
-          <p:cNvSpPr/>
-          <p:nvPr/>
-        </p:nvSpPr>
-        <p:spPr>
-          <a:xfrm>
-            <a:off x="8196111" y="3083404"/>
-            <a:ext cx="95519" cy="87688"/>
-          </a:xfrm>
-          <a:prstGeom prst="ellipse">
-            <a:avLst/>
-          </a:prstGeom>
-        </p:spPr>
-        <p:style>
-          <a:lnRef idx="2">
-            <a:schemeClr val="accent1">
-              <a:shade val="15000"/>
-            </a:schemeClr>
-          </a:lnRef>
-          <a:fillRef idx="1">
-            <a:schemeClr val="accent1"/>
-          </a:fillRef>
-          <a:effectRef idx="0">
-            <a:schemeClr val="accent1"/>
-          </a:effectRef>
-          <a:fontRef idx="minor">
-            <a:schemeClr val="lt1"/>
-          </a:fontRef>
-        </p:style>
-        <p:txBody>
-          <a:bodyPr rtlCol="0" anchor="ctr"/>
-          <a:lstStyle/>
-          <a:p>
-            <a:pPr algn="ctr"/>
-            <a:endParaRPr lang="en-ES"/>
-          </a:p>
-        </p:txBody>
-      </p:sp>
-      <p:sp>
-        <p:nvSpPr>
-          <p:cNvPr id="64" name="Oval 63">
-            <a:extLst>
-              <a:ext uri="{FF2B5EF4-FFF2-40B4-BE49-F238E27FC236}">
-                <a16:creationId xmlns:a16="http://schemas.microsoft.com/office/drawing/2014/main" id="{B9DECD15-6A90-8F2A-42EE-A001068C177B}"/>
-              </a:ext>
-            </a:extLst>
-          </p:cNvPr>
-          <p:cNvSpPr/>
-          <p:nvPr/>
-        </p:nvSpPr>
-        <p:spPr>
-          <a:xfrm>
-            <a:off x="10236623" y="4342107"/>
-            <a:ext cx="95519" cy="87688"/>
-          </a:xfrm>
-          <a:prstGeom prst="ellipse">
-            <a:avLst/>
-          </a:prstGeom>
-        </p:spPr>
-        <p:style>
-          <a:lnRef idx="2">
-            <a:schemeClr val="accent1">
-              <a:shade val="15000"/>
-            </a:schemeClr>
-          </a:lnRef>
-          <a:fillRef idx="1">
-            <a:schemeClr val="accent1"/>
-          </a:fillRef>
-          <a:effectRef idx="0">
-            <a:schemeClr val="accent1"/>
-          </a:effectRef>
-          <a:fontRef idx="minor">
-            <a:schemeClr val="lt1"/>
-          </a:fontRef>
-        </p:style>
-        <p:txBody>
-          <a:bodyPr rtlCol="0" anchor="ctr"/>
-          <a:lstStyle/>
-          <a:p>
-            <a:pPr algn="ctr"/>
-            <a:endParaRPr lang="en-ES"/>
-          </a:p>
-        </p:txBody>
-      </p:sp>
-      <p:sp>
-        <p:nvSpPr>
-          <p:cNvPr id="65" name="Oval 64">
-            <a:extLst>
-              <a:ext uri="{FF2B5EF4-FFF2-40B4-BE49-F238E27FC236}">
-                <a16:creationId xmlns:a16="http://schemas.microsoft.com/office/drawing/2014/main" id="{CBEA7EF2-4DF1-77C2-309F-A3BFC3B20BE1}"/>
-              </a:ext>
-            </a:extLst>
-          </p:cNvPr>
-          <p:cNvSpPr/>
-          <p:nvPr/>
-        </p:nvSpPr>
-        <p:spPr>
-          <a:xfrm>
-            <a:off x="6940473" y="4342107"/>
-            <a:ext cx="95519" cy="87688"/>
-          </a:xfrm>
-          <a:prstGeom prst="ellipse">
-            <a:avLst/>
-          </a:prstGeom>
-        </p:spPr>
-        <p:style>
-          <a:lnRef idx="2">
-            <a:schemeClr val="accent1">
-              <a:shade val="15000"/>
-            </a:schemeClr>
-          </a:lnRef>
-          <a:fillRef idx="1">
-            <a:schemeClr val="accent1"/>
-          </a:fillRef>
-          <a:effectRef idx="0">
-            <a:schemeClr val="accent1"/>
-          </a:effectRef>
-          <a:fontRef idx="minor">
-            <a:schemeClr val="lt1"/>
-          </a:fontRef>
-        </p:style>
-        <p:txBody>
-          <a:bodyPr rtlCol="0" anchor="ctr"/>
-          <a:lstStyle/>
-          <a:p>
-            <a:pPr algn="ctr"/>
-            <a:endParaRPr lang="en-ES"/>
-          </a:p>
-        </p:txBody>
-      </p:sp>
-      <p:cxnSp>
-        <p:nvCxnSpPr>
-          <p:cNvPr id="66" name="Straight Arrow Connector 65">
-            <a:extLst>
-              <a:ext uri="{FF2B5EF4-FFF2-40B4-BE49-F238E27FC236}">
-                <a16:creationId xmlns:a16="http://schemas.microsoft.com/office/drawing/2014/main" id="{4E6E89EA-DB65-0D6F-D0E7-B4A7A3669132}"/>
-              </a:ext>
-            </a:extLst>
-          </p:cNvPr>
-          <p:cNvCxnSpPr>
-            <a:cxnSpLocks/>
-          </p:cNvCxnSpPr>
-          <p:nvPr/>
-        </p:nvCxnSpPr>
-        <p:spPr>
-          <a:xfrm flipH="1" flipV="1">
-            <a:off x="7510690" y="2665527"/>
-            <a:ext cx="699409" cy="438811"/>
-          </a:xfrm>
-          <a:prstGeom prst="straightConnector1">
-            <a:avLst/>
-          </a:prstGeom>
-          <a:ln w="38100">
-            <a:solidFill>
-              <a:schemeClr val="tx1"/>
-            </a:solidFill>
-            <a:tailEnd type="triangle"/>
-          </a:ln>
-        </p:spPr>
-        <p:style>
-          <a:lnRef idx="2">
-            <a:schemeClr val="accent1"/>
-          </a:lnRef>
-          <a:fillRef idx="0">
-            <a:schemeClr val="accent1"/>
-          </a:fillRef>
-          <a:effectRef idx="1">
-            <a:schemeClr val="accent1"/>
-          </a:effectRef>
-          <a:fontRef idx="minor">
-            <a:schemeClr val="tx1"/>
-          </a:fontRef>
-        </p:style>
-      </p:cxnSp>
-      <p:cxnSp>
-        <p:nvCxnSpPr>
-          <p:cNvPr id="70" name="Straight Arrow Connector 69">
-            <a:extLst>
-              <a:ext uri="{FF2B5EF4-FFF2-40B4-BE49-F238E27FC236}">
-                <a16:creationId xmlns:a16="http://schemas.microsoft.com/office/drawing/2014/main" id="{057A2C09-DEA6-0010-6F4A-38BA466EE131}"/>
-              </a:ext>
-            </a:extLst>
-          </p:cNvPr>
-          <p:cNvCxnSpPr>
-            <a:cxnSpLocks/>
-            <a:endCxn id="63" idx="5"/>
-          </p:cNvCxnSpPr>
-          <p:nvPr/>
-        </p:nvCxnSpPr>
-        <p:spPr>
-          <a:xfrm flipH="1" flipV="1">
-            <a:off x="8277642" y="3158250"/>
-            <a:ext cx="1987588" cy="1217979"/>
-          </a:xfrm>
-          <a:prstGeom prst="straightConnector1">
-            <a:avLst/>
-          </a:prstGeom>
-          <a:ln w="38100">
-            <a:solidFill>
-              <a:schemeClr val="tx1"/>
-            </a:solidFill>
-            <a:prstDash val="dash"/>
-            <a:tailEnd type="none"/>
-          </a:ln>
-        </p:spPr>
-        <p:style>
-          <a:lnRef idx="2">
-            <a:schemeClr val="accent1"/>
-          </a:lnRef>
-          <a:fillRef idx="0">
-            <a:schemeClr val="accent1"/>
-          </a:fillRef>
-          <a:effectRef idx="1">
-            <a:schemeClr val="accent1"/>
-          </a:effectRef>
-          <a:fontRef idx="minor">
-            <a:schemeClr val="tx1"/>
-          </a:fontRef>
-        </p:style>
-      </p:cxnSp>
-      <p:cxnSp>
-        <p:nvCxnSpPr>
-          <p:cNvPr id="73" name="Straight Arrow Connector 72">
-            <a:extLst>
-              <a:ext uri="{FF2B5EF4-FFF2-40B4-BE49-F238E27FC236}">
-                <a16:creationId xmlns:a16="http://schemas.microsoft.com/office/drawing/2014/main" id="{574AE1CD-877A-3333-9F4B-5AB770D75161}"/>
-              </a:ext>
-            </a:extLst>
-          </p:cNvPr>
-          <p:cNvCxnSpPr>
-            <a:cxnSpLocks/>
-          </p:cNvCxnSpPr>
-          <p:nvPr/>
-        </p:nvCxnSpPr>
-        <p:spPr>
-          <a:xfrm flipH="1">
-            <a:off x="7632706" y="3151452"/>
-            <a:ext cx="585558" cy="600339"/>
-          </a:xfrm>
-          <a:prstGeom prst="straightConnector1">
-            <a:avLst/>
-          </a:prstGeom>
-          <a:ln w="38100">
-            <a:solidFill>
-              <a:schemeClr val="tx1"/>
-            </a:solidFill>
-            <a:tailEnd type="triangle"/>
-          </a:ln>
-        </p:spPr>
-        <p:style>
-          <a:lnRef idx="2">
-            <a:schemeClr val="accent1"/>
-          </a:lnRef>
-          <a:fillRef idx="0">
-            <a:schemeClr val="accent1"/>
-          </a:fillRef>
-          <a:effectRef idx="1">
-            <a:schemeClr val="accent1"/>
-          </a:effectRef>
-          <a:fontRef idx="minor">
-            <a:schemeClr val="tx1"/>
-          </a:fontRef>
-        </p:style>
-      </p:cxnSp>
-      <p:cxnSp>
-        <p:nvCxnSpPr>
-          <p:cNvPr id="76" name="Straight Arrow Connector 75">
-            <a:extLst>
-              <a:ext uri="{FF2B5EF4-FFF2-40B4-BE49-F238E27FC236}">
-                <a16:creationId xmlns:a16="http://schemas.microsoft.com/office/drawing/2014/main" id="{5EA5187D-0BEF-3AE5-F182-07B473F575C7}"/>
-              </a:ext>
-            </a:extLst>
-          </p:cNvPr>
-          <p:cNvCxnSpPr>
-            <a:cxnSpLocks/>
-            <a:endCxn id="65" idx="7"/>
-          </p:cNvCxnSpPr>
-          <p:nvPr/>
-        </p:nvCxnSpPr>
-        <p:spPr>
-          <a:xfrm flipH="1">
-            <a:off x="7022004" y="3801830"/>
-            <a:ext cx="551549" cy="553119"/>
-          </a:xfrm>
-          <a:prstGeom prst="straightConnector1">
-            <a:avLst/>
-          </a:prstGeom>
-          <a:ln w="38100">
-            <a:solidFill>
-              <a:schemeClr val="tx1"/>
-            </a:solidFill>
-            <a:prstDash val="dash"/>
-            <a:tailEnd type="none"/>
-          </a:ln>
-        </p:spPr>
-        <p:style>
-          <a:lnRef idx="2">
-            <a:schemeClr val="accent1"/>
-          </a:lnRef>
-          <a:fillRef idx="0">
-            <a:schemeClr val="accent1"/>
-          </a:fillRef>
-          <a:effectRef idx="1">
-            <a:schemeClr val="accent1"/>
-          </a:effectRef>
-          <a:fontRef idx="minor">
-            <a:schemeClr val="tx1"/>
-          </a:fontRef>
-        </p:style>
-      </p:cxnSp>
-      <p:sp>
-        <p:nvSpPr>
-          <p:cNvPr id="88" name="TextBox 87">
-            <a:extLst>
-              <a:ext uri="{FF2B5EF4-FFF2-40B4-BE49-F238E27FC236}">
-                <a16:creationId xmlns:a16="http://schemas.microsoft.com/office/drawing/2014/main" id="{62F315E5-15F5-F32A-79B4-8EB5B351B1F7}"/>
-              </a:ext>
-            </a:extLst>
-          </p:cNvPr>
-          <p:cNvSpPr txBox="1"/>
-          <p:nvPr/>
-        </p:nvSpPr>
-        <p:spPr>
-          <a:xfrm>
-            <a:off x="6086094" y="2322249"/>
-            <a:ext cx="1804276" cy="369332"/>
-          </a:xfrm>
-          <a:prstGeom prst="rect">
-            <a:avLst/>
-          </a:prstGeom>
-          <a:noFill/>
-        </p:spPr>
-        <p:txBody>
-          <a:bodyPr wrap="none" rtlCol="0">
-            <a:spAutoFit/>
-          </a:bodyPr>
-          <a:lstStyle/>
-          <a:p>
-            <a:r>
-              <a:rPr lang="en-ES" dirty="0"/>
-              <a:t>Ez&gt;0  Ey&lt;0  Ex&lt;0</a:t>
-            </a:r>
-          </a:p>
-        </p:txBody>
-      </p:sp>
-      <p:sp>
-        <p:nvSpPr>
-          <p:cNvPr id="89" name="TextBox 88">
-            <a:extLst>
-              <a:ext uri="{FF2B5EF4-FFF2-40B4-BE49-F238E27FC236}">
-                <a16:creationId xmlns:a16="http://schemas.microsoft.com/office/drawing/2014/main" id="{6F7CE4F5-D0BA-E3E3-F65E-E299F8461623}"/>
-              </a:ext>
-            </a:extLst>
-          </p:cNvPr>
-          <p:cNvSpPr txBox="1"/>
-          <p:nvPr/>
-        </p:nvSpPr>
-        <p:spPr>
-          <a:xfrm>
-            <a:off x="6038727" y="3227768"/>
-            <a:ext cx="1804276" cy="369332"/>
-          </a:xfrm>
-          <a:prstGeom prst="rect">
-            <a:avLst/>
-          </a:prstGeom>
-          <a:noFill/>
-        </p:spPr>
-        <p:txBody>
-          <a:bodyPr wrap="none" rtlCol="0">
-            <a:spAutoFit/>
-          </a:bodyPr>
-          <a:lstStyle/>
-          <a:p>
-            <a:r>
-              <a:rPr lang="en-ES" dirty="0"/>
-              <a:t>Ez&lt;0  Ey&gt;0  Ex&lt;0</a:t>
-            </a:r>
-          </a:p>
-        </p:txBody>
-      </p:sp>
-    </p:spTree>
-    <p:extLst>
-      <p:ext uri="{BB962C8B-B14F-4D97-AF65-F5344CB8AC3E}">
-        <p14:creationId xmlns:p14="http://schemas.microsoft.com/office/powerpoint/2010/main" val="650413243"/>
-      </p:ext>
-    </p:extLst>
-  </p:cSld>
-  <p:clrMapOvr>
-    <a:masterClrMapping/>
-  </p:clrMapOvr>
-</p:sld>
-</file>
-
-<file path=ppt/slides/slide30.xml><?xml version="1.0" encoding="utf-8"?>
+<file path=ppt/slides/slide31.xml><?xml version="1.0" encoding="utf-8"?>
 <p:sld xmlns:a="http://schemas.openxmlformats.org/drawingml/2006/main" xmlns:r="http://schemas.openxmlformats.org/officeDocument/2006/relationships" xmlns:p="http://schemas.openxmlformats.org/presentationml/2006/main">
   <p:cSld>
     <p:spTree>
@@ -24664,7 +25353,7 @@
 </p:sld>
 </file>
 
-<file path=ppt/slides/slide31.xml><?xml version="1.0" encoding="utf-8"?>
+<file path=ppt/slides/slide32.xml><?xml version="1.0" encoding="utf-8"?>
 <p:sld xmlns:a="http://schemas.openxmlformats.org/drawingml/2006/main" xmlns:r="http://schemas.openxmlformats.org/officeDocument/2006/relationships" xmlns:p="http://schemas.openxmlformats.org/presentationml/2006/main">
   <p:cSld>
     <p:spTree>
@@ -25749,7 +26438,7 @@
 </p:sld>
 </file>
 
-<file path=ppt/slides/slide32.xml><?xml version="1.0" encoding="utf-8"?>
+<file path=ppt/slides/slide33.xml><?xml version="1.0" encoding="utf-8"?>
 <p:sld xmlns:a="http://schemas.openxmlformats.org/drawingml/2006/main" xmlns:r="http://schemas.openxmlformats.org/officeDocument/2006/relationships" xmlns:p="http://schemas.openxmlformats.org/presentationml/2006/main">
   <p:cSld>
     <p:spTree>
@@ -27170,7 +27859,7 @@
 </p:sld>
 </file>
 
-<file path=ppt/slides/slide33.xml><?xml version="1.0" encoding="utf-8"?>
+<file path=ppt/slides/slide34.xml><?xml version="1.0" encoding="utf-8"?>
 <p:sld xmlns:a="http://schemas.openxmlformats.org/drawingml/2006/main" xmlns:r="http://schemas.openxmlformats.org/officeDocument/2006/relationships" xmlns:p="http://schemas.openxmlformats.org/presentationml/2006/main">
   <p:cSld>
     <p:spTree>
@@ -27932,7 +28621,7 @@
 </p:sld>
 </file>
 
-<file path=ppt/slides/slide34.xml><?xml version="1.0" encoding="utf-8"?>
+<file path=ppt/slides/slide35.xml><?xml version="1.0" encoding="utf-8"?>
 <p:sld xmlns:a="http://schemas.openxmlformats.org/drawingml/2006/main" xmlns:r="http://schemas.openxmlformats.org/officeDocument/2006/relationships" xmlns:p="http://schemas.openxmlformats.org/presentationml/2006/main">
   <p:cSld>
     <p:spTree>
@@ -29057,7 +29746,7 @@
 </p:sld>
 </file>
 
-<file path=ppt/slides/slide35.xml><?xml version="1.0" encoding="utf-8"?>
+<file path=ppt/slides/slide36.xml><?xml version="1.0" encoding="utf-8"?>
 <p:sld xmlns:a="http://schemas.openxmlformats.org/drawingml/2006/main" xmlns:r="http://schemas.openxmlformats.org/officeDocument/2006/relationships" xmlns:p="http://schemas.openxmlformats.org/presentationml/2006/main">
   <p:cSld>
     <p:spTree>
@@ -31166,7 +31855,7 @@
 </p:sld>
 </file>
 
-<file path=ppt/slides/slide36.xml><?xml version="1.0" encoding="utf-8"?>
+<file path=ppt/slides/slide37.xml><?xml version="1.0" encoding="utf-8"?>
 <p:sld xmlns:a="http://schemas.openxmlformats.org/drawingml/2006/main" xmlns:r="http://schemas.openxmlformats.org/officeDocument/2006/relationships" xmlns:p="http://schemas.openxmlformats.org/presentationml/2006/main">
   <p:cSld>
     <p:spTree>

--- a/images/Images.pptx
+++ b/images/Images.pptx
@@ -21,27 +21,29 @@
     <p:sldId id="290" r:id="rId15"/>
     <p:sldId id="291" r:id="rId16"/>
     <p:sldId id="292" r:id="rId17"/>
-    <p:sldId id="293" r:id="rId18"/>
-    <p:sldId id="259" r:id="rId19"/>
-    <p:sldId id="260" r:id="rId20"/>
-    <p:sldId id="262" r:id="rId21"/>
-    <p:sldId id="261" r:id="rId22"/>
-    <p:sldId id="263" r:id="rId23"/>
-    <p:sldId id="264" r:id="rId24"/>
-    <p:sldId id="265" r:id="rId25"/>
-    <p:sldId id="266" r:id="rId26"/>
-    <p:sldId id="268" r:id="rId27"/>
-    <p:sldId id="269" r:id="rId28"/>
-    <p:sldId id="270" r:id="rId29"/>
-    <p:sldId id="271" r:id="rId30"/>
-    <p:sldId id="272" r:id="rId31"/>
-    <p:sldId id="273" r:id="rId32"/>
-    <p:sldId id="274" r:id="rId33"/>
-    <p:sldId id="275" r:id="rId34"/>
-    <p:sldId id="276" r:id="rId35"/>
-    <p:sldId id="277" r:id="rId36"/>
-    <p:sldId id="278" r:id="rId37"/>
-    <p:sldId id="279" r:id="rId38"/>
+    <p:sldId id="294" r:id="rId18"/>
+    <p:sldId id="295" r:id="rId19"/>
+    <p:sldId id="293" r:id="rId20"/>
+    <p:sldId id="259" r:id="rId21"/>
+    <p:sldId id="260" r:id="rId22"/>
+    <p:sldId id="262" r:id="rId23"/>
+    <p:sldId id="261" r:id="rId24"/>
+    <p:sldId id="263" r:id="rId25"/>
+    <p:sldId id="264" r:id="rId26"/>
+    <p:sldId id="265" r:id="rId27"/>
+    <p:sldId id="266" r:id="rId28"/>
+    <p:sldId id="268" r:id="rId29"/>
+    <p:sldId id="269" r:id="rId30"/>
+    <p:sldId id="270" r:id="rId31"/>
+    <p:sldId id="271" r:id="rId32"/>
+    <p:sldId id="272" r:id="rId33"/>
+    <p:sldId id="273" r:id="rId34"/>
+    <p:sldId id="274" r:id="rId35"/>
+    <p:sldId id="275" r:id="rId36"/>
+    <p:sldId id="276" r:id="rId37"/>
+    <p:sldId id="277" r:id="rId38"/>
+    <p:sldId id="278" r:id="rId39"/>
+    <p:sldId id="279" r:id="rId40"/>
   </p:sldIdLst>
   <p:sldSz cx="12192000" cy="6858000"/>
   <p:notesSz cx="6858000" cy="9144000"/>
@@ -297,7 +299,7 @@
           <a:p>
             <a:fld id="{BA48513D-C823-C342-87AA-C2EB607FA67A}" type="datetimeFigureOut">
               <a:rPr lang="en-ES" smtClean="0"/>
-              <a:t>25/10/25</a:t>
+              <a:t>27/10/25</a:t>
             </a:fld>
             <a:endParaRPr lang="en-ES"/>
           </a:p>
@@ -497,7 +499,7 @@
           <a:p>
             <a:fld id="{BA48513D-C823-C342-87AA-C2EB607FA67A}" type="datetimeFigureOut">
               <a:rPr lang="en-ES" smtClean="0"/>
-              <a:t>25/10/25</a:t>
+              <a:t>27/10/25</a:t>
             </a:fld>
             <a:endParaRPr lang="en-ES"/>
           </a:p>
@@ -707,7 +709,7 @@
           <a:p>
             <a:fld id="{BA48513D-C823-C342-87AA-C2EB607FA67A}" type="datetimeFigureOut">
               <a:rPr lang="en-ES" smtClean="0"/>
-              <a:t>25/10/25</a:t>
+              <a:t>27/10/25</a:t>
             </a:fld>
             <a:endParaRPr lang="en-ES"/>
           </a:p>
@@ -907,7 +909,7 @@
           <a:p>
             <a:fld id="{BA48513D-C823-C342-87AA-C2EB607FA67A}" type="datetimeFigureOut">
               <a:rPr lang="en-ES" smtClean="0"/>
-              <a:t>25/10/25</a:t>
+              <a:t>27/10/25</a:t>
             </a:fld>
             <a:endParaRPr lang="en-ES"/>
           </a:p>
@@ -1183,7 +1185,7 @@
           <a:p>
             <a:fld id="{BA48513D-C823-C342-87AA-C2EB607FA67A}" type="datetimeFigureOut">
               <a:rPr lang="en-ES" smtClean="0"/>
-              <a:t>25/10/25</a:t>
+              <a:t>27/10/25</a:t>
             </a:fld>
             <a:endParaRPr lang="en-ES"/>
           </a:p>
@@ -1451,7 +1453,7 @@
           <a:p>
             <a:fld id="{BA48513D-C823-C342-87AA-C2EB607FA67A}" type="datetimeFigureOut">
               <a:rPr lang="en-ES" smtClean="0"/>
-              <a:t>25/10/25</a:t>
+              <a:t>27/10/25</a:t>
             </a:fld>
             <a:endParaRPr lang="en-ES"/>
           </a:p>
@@ -1866,7 +1868,7 @@
           <a:p>
             <a:fld id="{BA48513D-C823-C342-87AA-C2EB607FA67A}" type="datetimeFigureOut">
               <a:rPr lang="en-ES" smtClean="0"/>
-              <a:t>25/10/25</a:t>
+              <a:t>27/10/25</a:t>
             </a:fld>
             <a:endParaRPr lang="en-ES"/>
           </a:p>
@@ -2008,7 +2010,7 @@
           <a:p>
             <a:fld id="{BA48513D-C823-C342-87AA-C2EB607FA67A}" type="datetimeFigureOut">
               <a:rPr lang="en-ES" smtClean="0"/>
-              <a:t>25/10/25</a:t>
+              <a:t>27/10/25</a:t>
             </a:fld>
             <a:endParaRPr lang="en-ES"/>
           </a:p>
@@ -2121,7 +2123,7 @@
           <a:p>
             <a:fld id="{BA48513D-C823-C342-87AA-C2EB607FA67A}" type="datetimeFigureOut">
               <a:rPr lang="en-ES" smtClean="0"/>
-              <a:t>25/10/25</a:t>
+              <a:t>27/10/25</a:t>
             </a:fld>
             <a:endParaRPr lang="en-ES"/>
           </a:p>
@@ -2434,7 +2436,7 @@
           <a:p>
             <a:fld id="{BA48513D-C823-C342-87AA-C2EB607FA67A}" type="datetimeFigureOut">
               <a:rPr lang="en-ES" smtClean="0"/>
-              <a:t>25/10/25</a:t>
+              <a:t>27/10/25</a:t>
             </a:fld>
             <a:endParaRPr lang="en-ES"/>
           </a:p>
@@ -2723,7 +2725,7 @@
           <a:p>
             <a:fld id="{BA48513D-C823-C342-87AA-C2EB607FA67A}" type="datetimeFigureOut">
               <a:rPr lang="en-ES" smtClean="0"/>
-              <a:t>25/10/25</a:t>
+              <a:t>27/10/25</a:t>
             </a:fld>
             <a:endParaRPr lang="en-ES"/>
           </a:p>
@@ -2966,7 +2968,7 @@
           <a:p>
             <a:fld id="{BA48513D-C823-C342-87AA-C2EB607FA67A}" type="datetimeFigureOut">
               <a:rPr lang="en-ES" smtClean="0"/>
-              <a:t>25/10/25</a:t>
+              <a:t>27/10/25</a:t>
             </a:fld>
             <a:endParaRPr lang="en-ES"/>
           </a:p>
@@ -11074,6 +11076,2336 @@
           <p:cNvPr id="2" name="Title 1">
             <a:extLst>
               <a:ext uri="{FF2B5EF4-FFF2-40B4-BE49-F238E27FC236}">
+                <a16:creationId xmlns:a16="http://schemas.microsoft.com/office/drawing/2014/main" id="{74E01597-7450-32D3-1762-535E79036027}"/>
+              </a:ext>
+            </a:extLst>
+          </p:cNvPr>
+          <p:cNvSpPr>
+            <a:spLocks noGrp="1"/>
+          </p:cNvSpPr>
+          <p:nvPr>
+            <p:ph type="title"/>
+          </p:nvPr>
+        </p:nvSpPr>
+        <p:spPr/>
+        <p:txBody>
+          <a:bodyPr/>
+          <a:lstStyle/>
+          <a:p>
+            <a:r>
+              <a:rPr lang="en-ES" dirty="0"/>
+              <a:t>Propuesto S4.1</a:t>
+            </a:r>
+          </a:p>
+        </p:txBody>
+      </p:sp>
+      <p:sp>
+        <p:nvSpPr>
+          <p:cNvPr id="4" name="Can 3">
+            <a:extLst>
+              <a:ext uri="{FF2B5EF4-FFF2-40B4-BE49-F238E27FC236}">
+                <a16:creationId xmlns:a16="http://schemas.microsoft.com/office/drawing/2014/main" id="{E7D4238F-E667-C23A-18C5-0D6D393D5C10}"/>
+              </a:ext>
+            </a:extLst>
+          </p:cNvPr>
+          <p:cNvSpPr/>
+          <p:nvPr/>
+        </p:nvSpPr>
+        <p:spPr>
+          <a:xfrm>
+            <a:off x="6377103" y="1555532"/>
+            <a:ext cx="1816924" cy="4018613"/>
+          </a:xfrm>
+          <a:prstGeom prst="can">
+            <a:avLst/>
+          </a:prstGeom>
+          <a:gradFill flip="none" rotWithShape="1">
+            <a:gsLst>
+              <a:gs pos="0">
+                <a:schemeClr val="accent1">
+                  <a:lumMod val="5000"/>
+                  <a:lumOff val="95000"/>
+                </a:schemeClr>
+              </a:gs>
+              <a:gs pos="74000">
+                <a:schemeClr val="accent1">
+                  <a:lumMod val="45000"/>
+                  <a:lumOff val="55000"/>
+                </a:schemeClr>
+              </a:gs>
+              <a:gs pos="83000">
+                <a:schemeClr val="accent1">
+                  <a:lumMod val="45000"/>
+                  <a:lumOff val="55000"/>
+                </a:schemeClr>
+              </a:gs>
+              <a:gs pos="100000">
+                <a:schemeClr val="accent1">
+                  <a:lumMod val="30000"/>
+                  <a:lumOff val="70000"/>
+                </a:schemeClr>
+              </a:gs>
+            </a:gsLst>
+            <a:lin ang="10800000" scaled="1"/>
+            <a:tileRect/>
+          </a:gradFill>
+        </p:spPr>
+        <p:style>
+          <a:lnRef idx="2">
+            <a:schemeClr val="accent1">
+              <a:shade val="15000"/>
+            </a:schemeClr>
+          </a:lnRef>
+          <a:fillRef idx="1">
+            <a:schemeClr val="accent1"/>
+          </a:fillRef>
+          <a:effectRef idx="0">
+            <a:schemeClr val="accent1"/>
+          </a:effectRef>
+          <a:fontRef idx="minor">
+            <a:schemeClr val="lt1"/>
+          </a:fontRef>
+        </p:style>
+        <p:txBody>
+          <a:bodyPr rtlCol="0" anchor="ctr"/>
+          <a:lstStyle/>
+          <a:p>
+            <a:pPr algn="ctr"/>
+            <a:endParaRPr lang="en-ES"/>
+          </a:p>
+        </p:txBody>
+      </p:sp>
+      <p:cxnSp>
+        <p:nvCxnSpPr>
+          <p:cNvPr id="5" name="Straight Arrow Connector 4">
+            <a:extLst>
+              <a:ext uri="{FF2B5EF4-FFF2-40B4-BE49-F238E27FC236}">
+                <a16:creationId xmlns:a16="http://schemas.microsoft.com/office/drawing/2014/main" id="{F5D65285-557F-27DA-B15E-9DE61ACEEA98}"/>
+              </a:ext>
+            </a:extLst>
+          </p:cNvPr>
+          <p:cNvCxnSpPr>
+            <a:cxnSpLocks/>
+          </p:cNvCxnSpPr>
+          <p:nvPr/>
+        </p:nvCxnSpPr>
+        <p:spPr>
+          <a:xfrm flipV="1">
+            <a:off x="7277685" y="979300"/>
+            <a:ext cx="0" cy="3192045"/>
+          </a:xfrm>
+          <a:prstGeom prst="straightConnector1">
+            <a:avLst/>
+          </a:prstGeom>
+          <a:ln w="38100">
+            <a:tailEnd type="triangle"/>
+          </a:ln>
+        </p:spPr>
+        <p:style>
+          <a:lnRef idx="2">
+            <a:schemeClr val="accent1"/>
+          </a:lnRef>
+          <a:fillRef idx="0">
+            <a:schemeClr val="accent1"/>
+          </a:fillRef>
+          <a:effectRef idx="1">
+            <a:schemeClr val="accent1"/>
+          </a:effectRef>
+          <a:fontRef idx="minor">
+            <a:schemeClr val="tx1"/>
+          </a:fontRef>
+        </p:style>
+      </p:cxnSp>
+      <p:cxnSp>
+        <p:nvCxnSpPr>
+          <p:cNvPr id="6" name="Straight Arrow Connector 5">
+            <a:extLst>
+              <a:ext uri="{FF2B5EF4-FFF2-40B4-BE49-F238E27FC236}">
+                <a16:creationId xmlns:a16="http://schemas.microsoft.com/office/drawing/2014/main" id="{B2072D42-100E-C2F8-6369-5FA85F8589E4}"/>
+              </a:ext>
+            </a:extLst>
+          </p:cNvPr>
+          <p:cNvCxnSpPr>
+            <a:cxnSpLocks/>
+            <a:endCxn id="9" idx="0"/>
+          </p:cNvCxnSpPr>
+          <p:nvPr/>
+        </p:nvCxnSpPr>
+        <p:spPr>
+          <a:xfrm flipV="1">
+            <a:off x="7287582" y="2914445"/>
+            <a:ext cx="1621720" cy="1243046"/>
+          </a:xfrm>
+          <a:prstGeom prst="straightConnector1">
+            <a:avLst/>
+          </a:prstGeom>
+          <a:ln w="38100">
+            <a:tailEnd type="triangle"/>
+          </a:ln>
+        </p:spPr>
+        <p:style>
+          <a:lnRef idx="2">
+            <a:schemeClr val="accent1"/>
+          </a:lnRef>
+          <a:fillRef idx="0">
+            <a:schemeClr val="accent1"/>
+          </a:fillRef>
+          <a:effectRef idx="1">
+            <a:schemeClr val="accent1"/>
+          </a:effectRef>
+          <a:fontRef idx="minor">
+            <a:schemeClr val="tx1"/>
+          </a:fontRef>
+        </p:style>
+      </p:cxnSp>
+      <p:cxnSp>
+        <p:nvCxnSpPr>
+          <p:cNvPr id="7" name="Straight Arrow Connector 6">
+            <a:extLst>
+              <a:ext uri="{FF2B5EF4-FFF2-40B4-BE49-F238E27FC236}">
+                <a16:creationId xmlns:a16="http://schemas.microsoft.com/office/drawing/2014/main" id="{68E10158-C257-779C-68F7-0B63D3D8F6FC}"/>
+              </a:ext>
+            </a:extLst>
+          </p:cNvPr>
+          <p:cNvCxnSpPr>
+            <a:cxnSpLocks/>
+          </p:cNvCxnSpPr>
+          <p:nvPr/>
+        </p:nvCxnSpPr>
+        <p:spPr>
+          <a:xfrm>
+            <a:off x="7259303" y="4179264"/>
+            <a:ext cx="3421081" cy="0"/>
+          </a:xfrm>
+          <a:prstGeom prst="straightConnector1">
+            <a:avLst/>
+          </a:prstGeom>
+          <a:ln w="38100">
+            <a:tailEnd type="triangle"/>
+          </a:ln>
+        </p:spPr>
+        <p:style>
+          <a:lnRef idx="2">
+            <a:schemeClr val="accent1"/>
+          </a:lnRef>
+          <a:fillRef idx="0">
+            <a:schemeClr val="accent1"/>
+          </a:fillRef>
+          <a:effectRef idx="1">
+            <a:schemeClr val="accent1"/>
+          </a:effectRef>
+          <a:fontRef idx="minor">
+            <a:schemeClr val="tx1"/>
+          </a:fontRef>
+        </p:style>
+      </p:cxnSp>
+      <p:sp>
+        <p:nvSpPr>
+          <p:cNvPr id="8" name="TextBox 7">
+            <a:extLst>
+              <a:ext uri="{FF2B5EF4-FFF2-40B4-BE49-F238E27FC236}">
+                <a16:creationId xmlns:a16="http://schemas.microsoft.com/office/drawing/2014/main" id="{D10D6D58-7E55-E95D-6E31-FE3661C9D669}"/>
+              </a:ext>
+            </a:extLst>
+          </p:cNvPr>
+          <p:cNvSpPr txBox="1"/>
+          <p:nvPr/>
+        </p:nvSpPr>
+        <p:spPr>
+          <a:xfrm>
+            <a:off x="10314578" y="4157491"/>
+            <a:ext cx="365806" cy="584775"/>
+          </a:xfrm>
+          <a:prstGeom prst="rect">
+            <a:avLst/>
+          </a:prstGeom>
+          <a:noFill/>
+        </p:spPr>
+        <p:txBody>
+          <a:bodyPr wrap="none" rtlCol="0">
+            <a:spAutoFit/>
+          </a:bodyPr>
+          <a:lstStyle/>
+          <a:p>
+            <a:r>
+              <a:rPr lang="en-ES" sz="3200" dirty="0"/>
+              <a:t>x</a:t>
+            </a:r>
+            <a:endParaRPr lang="en-ES" dirty="0"/>
+          </a:p>
+        </p:txBody>
+      </p:sp>
+      <p:sp>
+        <p:nvSpPr>
+          <p:cNvPr id="9" name="TextBox 8">
+            <a:extLst>
+              <a:ext uri="{FF2B5EF4-FFF2-40B4-BE49-F238E27FC236}">
+                <a16:creationId xmlns:a16="http://schemas.microsoft.com/office/drawing/2014/main" id="{89374E12-1D22-9543-78AA-88F0713C5340}"/>
+              </a:ext>
+            </a:extLst>
+          </p:cNvPr>
+          <p:cNvSpPr txBox="1"/>
+          <p:nvPr/>
+        </p:nvSpPr>
+        <p:spPr>
+          <a:xfrm>
+            <a:off x="8723995" y="2914445"/>
+            <a:ext cx="370614" cy="584775"/>
+          </a:xfrm>
+          <a:prstGeom prst="rect">
+            <a:avLst/>
+          </a:prstGeom>
+          <a:noFill/>
+        </p:spPr>
+        <p:txBody>
+          <a:bodyPr wrap="none" rtlCol="0">
+            <a:spAutoFit/>
+          </a:bodyPr>
+          <a:lstStyle/>
+          <a:p>
+            <a:r>
+              <a:rPr lang="en-ES" sz="3200" dirty="0"/>
+              <a:t>y</a:t>
+            </a:r>
+            <a:endParaRPr lang="en-ES" dirty="0"/>
+          </a:p>
+        </p:txBody>
+      </p:sp>
+      <p:sp>
+        <p:nvSpPr>
+          <p:cNvPr id="10" name="TextBox 9">
+            <a:extLst>
+              <a:ext uri="{FF2B5EF4-FFF2-40B4-BE49-F238E27FC236}">
+                <a16:creationId xmlns:a16="http://schemas.microsoft.com/office/drawing/2014/main" id="{9945C705-F544-51B8-5BAA-E7638F54C8DD}"/>
+              </a:ext>
+            </a:extLst>
+          </p:cNvPr>
+          <p:cNvSpPr txBox="1"/>
+          <p:nvPr/>
+        </p:nvSpPr>
+        <p:spPr>
+          <a:xfrm>
+            <a:off x="6899998" y="604507"/>
+            <a:ext cx="364202" cy="584775"/>
+          </a:xfrm>
+          <a:prstGeom prst="rect">
+            <a:avLst/>
+          </a:prstGeom>
+          <a:noFill/>
+        </p:spPr>
+        <p:txBody>
+          <a:bodyPr wrap="none" rtlCol="0">
+            <a:spAutoFit/>
+          </a:bodyPr>
+          <a:lstStyle/>
+          <a:p>
+            <a:r>
+              <a:rPr lang="en-ES" sz="3200" dirty="0"/>
+              <a:t>z</a:t>
+            </a:r>
+            <a:endParaRPr lang="en-ES" dirty="0"/>
+          </a:p>
+        </p:txBody>
+      </p:sp>
+      <p:sp>
+        <p:nvSpPr>
+          <p:cNvPr id="23" name="TextBox 22">
+            <a:extLst>
+              <a:ext uri="{FF2B5EF4-FFF2-40B4-BE49-F238E27FC236}">
+                <a16:creationId xmlns:a16="http://schemas.microsoft.com/office/drawing/2014/main" id="{D18C4F36-CA0C-DA96-5EF1-098A1F1DE15E}"/>
+              </a:ext>
+            </a:extLst>
+          </p:cNvPr>
+          <p:cNvSpPr txBox="1"/>
+          <p:nvPr/>
+        </p:nvSpPr>
+        <p:spPr>
+          <a:xfrm>
+            <a:off x="6373261" y="2665779"/>
+            <a:ext cx="988178" cy="584775"/>
+          </a:xfrm>
+          <a:prstGeom prst="rect">
+            <a:avLst/>
+          </a:prstGeom>
+          <a:noFill/>
+        </p:spPr>
+        <p:txBody>
+          <a:bodyPr wrap="square" rtlCol="0">
+            <a:spAutoFit/>
+          </a:bodyPr>
+          <a:lstStyle/>
+          <a:p>
+            <a:r>
+              <a:rPr lang="es-ES" sz="3200" dirty="0"/>
+              <a:t>CEP</a:t>
+            </a:r>
+            <a:endParaRPr lang="en-ES" sz="3200" baseline="-25000" dirty="0"/>
+          </a:p>
+        </p:txBody>
+      </p:sp>
+      <p:sp>
+        <p:nvSpPr>
+          <p:cNvPr id="25" name="Left Bracket 24">
+            <a:extLst>
+              <a:ext uri="{FF2B5EF4-FFF2-40B4-BE49-F238E27FC236}">
+                <a16:creationId xmlns:a16="http://schemas.microsoft.com/office/drawing/2014/main" id="{E49DA116-3437-D108-FDC9-F50FE1BF8047}"/>
+              </a:ext>
+            </a:extLst>
+          </p:cNvPr>
+          <p:cNvSpPr/>
+          <p:nvPr/>
+        </p:nvSpPr>
+        <p:spPr>
+          <a:xfrm rot="16200000">
+            <a:off x="7645770" y="5575394"/>
+            <a:ext cx="199382" cy="904818"/>
+          </a:xfrm>
+          <a:prstGeom prst="leftBracket">
+            <a:avLst/>
+          </a:prstGeom>
+          <a:ln w="38100"/>
+        </p:spPr>
+        <p:style>
+          <a:lnRef idx="2">
+            <a:schemeClr val="accent1"/>
+          </a:lnRef>
+          <a:fillRef idx="0">
+            <a:schemeClr val="accent1"/>
+          </a:fillRef>
+          <a:effectRef idx="1">
+            <a:schemeClr val="accent1"/>
+          </a:effectRef>
+          <a:fontRef idx="minor">
+            <a:schemeClr val="tx1"/>
+          </a:fontRef>
+        </p:style>
+        <p:txBody>
+          <a:bodyPr rtlCol="0" anchor="ctr"/>
+          <a:lstStyle/>
+          <a:p>
+            <a:pPr algn="ctr"/>
+            <a:endParaRPr lang="en-ES" dirty="0"/>
+          </a:p>
+        </p:txBody>
+      </p:sp>
+      <p:sp>
+        <p:nvSpPr>
+          <p:cNvPr id="27" name="TextBox 26">
+            <a:extLst>
+              <a:ext uri="{FF2B5EF4-FFF2-40B4-BE49-F238E27FC236}">
+                <a16:creationId xmlns:a16="http://schemas.microsoft.com/office/drawing/2014/main" id="{3621C7E0-5989-4A74-2470-B26EC83F422D}"/>
+              </a:ext>
+            </a:extLst>
+          </p:cNvPr>
+          <p:cNvSpPr txBox="1"/>
+          <p:nvPr/>
+        </p:nvSpPr>
+        <p:spPr>
+          <a:xfrm>
+            <a:off x="7537332" y="6044204"/>
+            <a:ext cx="492094" cy="584775"/>
+          </a:xfrm>
+          <a:prstGeom prst="rect">
+            <a:avLst/>
+          </a:prstGeom>
+          <a:noFill/>
+        </p:spPr>
+        <p:txBody>
+          <a:bodyPr wrap="square" rtlCol="0">
+            <a:spAutoFit/>
+          </a:bodyPr>
+          <a:lstStyle/>
+          <a:p>
+            <a:r>
+              <a:rPr lang="en-ES" sz="3200" dirty="0"/>
+              <a:t>b</a:t>
+            </a:r>
+            <a:endParaRPr lang="en-ES" dirty="0"/>
+          </a:p>
+        </p:txBody>
+      </p:sp>
+      <p:grpSp>
+        <p:nvGrpSpPr>
+          <p:cNvPr id="28" name="Group 27">
+            <a:extLst>
+              <a:ext uri="{FF2B5EF4-FFF2-40B4-BE49-F238E27FC236}">
+                <a16:creationId xmlns:a16="http://schemas.microsoft.com/office/drawing/2014/main" id="{ADEC1F42-E1A3-2170-222D-FA80D222491A}"/>
+              </a:ext>
+            </a:extLst>
+          </p:cNvPr>
+          <p:cNvGrpSpPr/>
+          <p:nvPr/>
+        </p:nvGrpSpPr>
+        <p:grpSpPr>
+          <a:xfrm>
+            <a:off x="5810279" y="6167824"/>
+            <a:ext cx="476989" cy="164275"/>
+            <a:chOff x="2325585" y="5248894"/>
+            <a:chExt cx="476989" cy="164275"/>
+          </a:xfrm>
+        </p:grpSpPr>
+        <p:cxnSp>
+          <p:nvCxnSpPr>
+            <p:cNvPr id="29" name="Straight Connector 28">
+              <a:extLst>
+                <a:ext uri="{FF2B5EF4-FFF2-40B4-BE49-F238E27FC236}">
+                  <a16:creationId xmlns:a16="http://schemas.microsoft.com/office/drawing/2014/main" id="{99BDB082-4AAB-967E-F3B5-86A02A26FAED}"/>
+                </a:ext>
+              </a:extLst>
+            </p:cNvPr>
+            <p:cNvCxnSpPr/>
+            <p:nvPr/>
+          </p:nvCxnSpPr>
+          <p:spPr>
+            <a:xfrm>
+              <a:off x="2327561" y="5248894"/>
+              <a:ext cx="475013" cy="0"/>
+            </a:xfrm>
+            <a:prstGeom prst="line">
+              <a:avLst/>
+            </a:prstGeom>
+            <a:ln w="38100">
+              <a:solidFill>
+                <a:schemeClr val="tx1"/>
+              </a:solidFill>
+            </a:ln>
+          </p:spPr>
+          <p:style>
+            <a:lnRef idx="2">
+              <a:schemeClr val="accent1"/>
+            </a:lnRef>
+            <a:fillRef idx="0">
+              <a:schemeClr val="accent1"/>
+            </a:fillRef>
+            <a:effectRef idx="1">
+              <a:schemeClr val="accent1"/>
+            </a:effectRef>
+            <a:fontRef idx="minor">
+              <a:schemeClr val="tx1"/>
+            </a:fontRef>
+          </p:style>
+        </p:cxnSp>
+        <p:cxnSp>
+          <p:nvCxnSpPr>
+            <p:cNvPr id="30" name="Straight Connector 29">
+              <a:extLst>
+                <a:ext uri="{FF2B5EF4-FFF2-40B4-BE49-F238E27FC236}">
+                  <a16:creationId xmlns:a16="http://schemas.microsoft.com/office/drawing/2014/main" id="{9D16BB8A-1D01-78EA-451C-BB763135E473}"/>
+                </a:ext>
+              </a:extLst>
+            </p:cNvPr>
+            <p:cNvCxnSpPr>
+              <a:cxnSpLocks/>
+            </p:cNvCxnSpPr>
+            <p:nvPr/>
+          </p:nvCxnSpPr>
+          <p:spPr>
+            <a:xfrm flipV="1">
+              <a:off x="2325585" y="5248894"/>
+              <a:ext cx="120732" cy="164275"/>
+            </a:xfrm>
+            <a:prstGeom prst="line">
+              <a:avLst/>
+            </a:prstGeom>
+            <a:ln w="38100">
+              <a:solidFill>
+                <a:schemeClr val="tx1"/>
+              </a:solidFill>
+            </a:ln>
+          </p:spPr>
+          <p:style>
+            <a:lnRef idx="2">
+              <a:schemeClr val="accent1"/>
+            </a:lnRef>
+            <a:fillRef idx="0">
+              <a:schemeClr val="accent1"/>
+            </a:fillRef>
+            <a:effectRef idx="1">
+              <a:schemeClr val="accent1"/>
+            </a:effectRef>
+            <a:fontRef idx="minor">
+              <a:schemeClr val="tx1"/>
+            </a:fontRef>
+          </p:style>
+        </p:cxnSp>
+        <p:cxnSp>
+          <p:nvCxnSpPr>
+            <p:cNvPr id="31" name="Straight Connector 30">
+              <a:extLst>
+                <a:ext uri="{FF2B5EF4-FFF2-40B4-BE49-F238E27FC236}">
+                  <a16:creationId xmlns:a16="http://schemas.microsoft.com/office/drawing/2014/main" id="{FC25064B-7549-D190-B1D4-244EE5004FB5}"/>
+                </a:ext>
+              </a:extLst>
+            </p:cNvPr>
+            <p:cNvCxnSpPr>
+              <a:cxnSpLocks/>
+            </p:cNvCxnSpPr>
+            <p:nvPr/>
+          </p:nvCxnSpPr>
+          <p:spPr>
+            <a:xfrm flipV="1">
+              <a:off x="2477985" y="5248894"/>
+              <a:ext cx="120732" cy="164275"/>
+            </a:xfrm>
+            <a:prstGeom prst="line">
+              <a:avLst/>
+            </a:prstGeom>
+            <a:ln w="38100">
+              <a:solidFill>
+                <a:schemeClr val="tx1"/>
+              </a:solidFill>
+            </a:ln>
+          </p:spPr>
+          <p:style>
+            <a:lnRef idx="2">
+              <a:schemeClr val="accent1"/>
+            </a:lnRef>
+            <a:fillRef idx="0">
+              <a:schemeClr val="accent1"/>
+            </a:fillRef>
+            <a:effectRef idx="1">
+              <a:schemeClr val="accent1"/>
+            </a:effectRef>
+            <a:fontRef idx="minor">
+              <a:schemeClr val="tx1"/>
+            </a:fontRef>
+          </p:style>
+        </p:cxnSp>
+        <p:cxnSp>
+          <p:nvCxnSpPr>
+            <p:cNvPr id="32" name="Straight Connector 31">
+              <a:extLst>
+                <a:ext uri="{FF2B5EF4-FFF2-40B4-BE49-F238E27FC236}">
+                  <a16:creationId xmlns:a16="http://schemas.microsoft.com/office/drawing/2014/main" id="{EB2F3A9D-843D-3311-136F-BF30A4B55962}"/>
+                </a:ext>
+              </a:extLst>
+            </p:cNvPr>
+            <p:cNvCxnSpPr>
+              <a:cxnSpLocks/>
+            </p:cNvCxnSpPr>
+            <p:nvPr/>
+          </p:nvCxnSpPr>
+          <p:spPr>
+            <a:xfrm flipV="1">
+              <a:off x="2630385" y="5248894"/>
+              <a:ext cx="120732" cy="164275"/>
+            </a:xfrm>
+            <a:prstGeom prst="line">
+              <a:avLst/>
+            </a:prstGeom>
+            <a:ln w="38100">
+              <a:solidFill>
+                <a:schemeClr val="tx1"/>
+              </a:solidFill>
+            </a:ln>
+          </p:spPr>
+          <p:style>
+            <a:lnRef idx="2">
+              <a:schemeClr val="accent1"/>
+            </a:lnRef>
+            <a:fillRef idx="0">
+              <a:schemeClr val="accent1"/>
+            </a:fillRef>
+            <a:effectRef idx="1">
+              <a:schemeClr val="accent1"/>
+            </a:effectRef>
+            <a:fontRef idx="minor">
+              <a:schemeClr val="tx1"/>
+            </a:fontRef>
+          </p:style>
+        </p:cxnSp>
+      </p:grpSp>
+      <p:sp>
+        <p:nvSpPr>
+          <p:cNvPr id="33" name="Arc 32">
+            <a:extLst>
+              <a:ext uri="{FF2B5EF4-FFF2-40B4-BE49-F238E27FC236}">
+                <a16:creationId xmlns:a16="http://schemas.microsoft.com/office/drawing/2014/main" id="{720FC78E-42D3-7F8A-7900-072023121985}"/>
+              </a:ext>
+            </a:extLst>
+          </p:cNvPr>
+          <p:cNvSpPr/>
+          <p:nvPr/>
+        </p:nvSpPr>
+        <p:spPr>
+          <a:xfrm>
+            <a:off x="6026012" y="5336551"/>
+            <a:ext cx="1721923" cy="1626919"/>
+          </a:xfrm>
+          <a:prstGeom prst="arc">
+            <a:avLst>
+              <a:gd name="adj1" fmla="val 10736342"/>
+              <a:gd name="adj2" fmla="val 14342162"/>
+            </a:avLst>
+          </a:prstGeom>
+          <a:ln w="38100">
+            <a:solidFill>
+              <a:schemeClr val="tx1"/>
+            </a:solidFill>
+          </a:ln>
+        </p:spPr>
+        <p:style>
+          <a:lnRef idx="2">
+            <a:schemeClr val="accent1"/>
+          </a:lnRef>
+          <a:fillRef idx="0">
+            <a:schemeClr val="accent1"/>
+          </a:fillRef>
+          <a:effectRef idx="1">
+            <a:schemeClr val="accent1"/>
+          </a:effectRef>
+          <a:fontRef idx="minor">
+            <a:schemeClr val="tx1"/>
+          </a:fontRef>
+        </p:style>
+        <p:txBody>
+          <a:bodyPr rtlCol="0" anchor="ctr"/>
+          <a:lstStyle/>
+          <a:p>
+            <a:pPr algn="ctr"/>
+            <a:endParaRPr lang="en-ES"/>
+          </a:p>
+        </p:txBody>
+      </p:sp>
+      <p:cxnSp>
+        <p:nvCxnSpPr>
+          <p:cNvPr id="36" name="Straight Connector 35">
+            <a:extLst>
+              <a:ext uri="{FF2B5EF4-FFF2-40B4-BE49-F238E27FC236}">
+                <a16:creationId xmlns:a16="http://schemas.microsoft.com/office/drawing/2014/main" id="{13AA1FAE-7058-79DA-9143-2FC83FFDB66F}"/>
+              </a:ext>
+            </a:extLst>
+          </p:cNvPr>
+          <p:cNvCxnSpPr>
+            <a:cxnSpLocks/>
+          </p:cNvCxnSpPr>
+          <p:nvPr/>
+        </p:nvCxnSpPr>
+        <p:spPr>
+          <a:xfrm>
+            <a:off x="6378290" y="974952"/>
+            <a:ext cx="0" cy="5556070"/>
+          </a:xfrm>
+          <a:prstGeom prst="line">
+            <a:avLst/>
+          </a:prstGeom>
+          <a:ln>
+            <a:prstDash val="dash"/>
+          </a:ln>
+        </p:spPr>
+        <p:style>
+          <a:lnRef idx="2">
+            <a:schemeClr val="accent1"/>
+          </a:lnRef>
+          <a:fillRef idx="0">
+            <a:schemeClr val="accent1"/>
+          </a:fillRef>
+          <a:effectRef idx="1">
+            <a:schemeClr val="accent1"/>
+          </a:effectRef>
+          <a:fontRef idx="minor">
+            <a:schemeClr val="tx1"/>
+          </a:fontRef>
+        </p:style>
+      </p:cxnSp>
+      <p:cxnSp>
+        <p:nvCxnSpPr>
+          <p:cNvPr id="37" name="Straight Connector 36">
+            <a:extLst>
+              <a:ext uri="{FF2B5EF4-FFF2-40B4-BE49-F238E27FC236}">
+                <a16:creationId xmlns:a16="http://schemas.microsoft.com/office/drawing/2014/main" id="{B924397A-AA23-0583-BBD2-897A30BA831F}"/>
+              </a:ext>
+            </a:extLst>
+          </p:cNvPr>
+          <p:cNvCxnSpPr>
+            <a:cxnSpLocks/>
+          </p:cNvCxnSpPr>
+          <p:nvPr/>
+        </p:nvCxnSpPr>
+        <p:spPr>
+          <a:xfrm>
+            <a:off x="8194027" y="979300"/>
+            <a:ext cx="0" cy="5551722"/>
+          </a:xfrm>
+          <a:prstGeom prst="line">
+            <a:avLst/>
+          </a:prstGeom>
+          <a:ln>
+            <a:prstDash val="dash"/>
+          </a:ln>
+        </p:spPr>
+        <p:style>
+          <a:lnRef idx="2">
+            <a:schemeClr val="accent1"/>
+          </a:lnRef>
+          <a:fillRef idx="0">
+            <a:schemeClr val="accent1"/>
+          </a:fillRef>
+          <a:effectRef idx="1">
+            <a:schemeClr val="accent1"/>
+          </a:effectRef>
+          <a:fontRef idx="minor">
+            <a:schemeClr val="tx1"/>
+          </a:fontRef>
+        </p:style>
+      </p:cxnSp>
+      <p:cxnSp>
+        <p:nvCxnSpPr>
+          <p:cNvPr id="38" name="Straight Arrow Connector 37">
+            <a:extLst>
+              <a:ext uri="{FF2B5EF4-FFF2-40B4-BE49-F238E27FC236}">
+                <a16:creationId xmlns:a16="http://schemas.microsoft.com/office/drawing/2014/main" id="{2956F1E7-B526-BEA6-28A0-16FC0B3A8250}"/>
+              </a:ext>
+            </a:extLst>
+          </p:cNvPr>
+          <p:cNvCxnSpPr>
+            <a:cxnSpLocks/>
+          </p:cNvCxnSpPr>
+          <p:nvPr/>
+        </p:nvCxnSpPr>
+        <p:spPr>
+          <a:xfrm flipV="1">
+            <a:off x="9868485" y="996376"/>
+            <a:ext cx="0" cy="5440816"/>
+          </a:xfrm>
+          <a:prstGeom prst="straightConnector1">
+            <a:avLst/>
+          </a:prstGeom>
+          <a:ln w="38100">
+            <a:tailEnd type="none"/>
+          </a:ln>
+        </p:spPr>
+        <p:style>
+          <a:lnRef idx="2">
+            <a:schemeClr val="accent1"/>
+          </a:lnRef>
+          <a:fillRef idx="0">
+            <a:schemeClr val="accent1"/>
+          </a:fillRef>
+          <a:effectRef idx="1">
+            <a:schemeClr val="accent1"/>
+          </a:effectRef>
+          <a:fontRef idx="minor">
+            <a:schemeClr val="tx1"/>
+          </a:fontRef>
+        </p:style>
+      </p:cxnSp>
+      <p:sp>
+        <p:nvSpPr>
+          <p:cNvPr id="42" name="TextBox 41">
+            <a:extLst>
+              <a:ext uri="{FF2B5EF4-FFF2-40B4-BE49-F238E27FC236}">
+                <a16:creationId xmlns:a16="http://schemas.microsoft.com/office/drawing/2014/main" id="{CB8BD0B2-D3FC-951D-0283-63AB35298D75}"/>
+              </a:ext>
+            </a:extLst>
+          </p:cNvPr>
+          <p:cNvSpPr txBox="1"/>
+          <p:nvPr/>
+        </p:nvSpPr>
+        <p:spPr>
+          <a:xfrm>
+            <a:off x="9906225" y="2373391"/>
+            <a:ext cx="370614" cy="584775"/>
+          </a:xfrm>
+          <a:prstGeom prst="rect">
+            <a:avLst/>
+          </a:prstGeom>
+          <a:noFill/>
+        </p:spPr>
+        <p:txBody>
+          <a:bodyPr wrap="none" rtlCol="0">
+            <a:spAutoFit/>
+          </a:bodyPr>
+          <a:lstStyle/>
+          <a:p>
+            <a:r>
+              <a:rPr lang="en-ES" sz="3200" dirty="0"/>
+              <a:t>λ</a:t>
+            </a:r>
+            <a:endParaRPr lang="en-ES" dirty="0"/>
+          </a:p>
+        </p:txBody>
+      </p:sp>
+      <p:cxnSp>
+        <p:nvCxnSpPr>
+          <p:cNvPr id="43" name="Straight Arrow Connector 42">
+            <a:extLst>
+              <a:ext uri="{FF2B5EF4-FFF2-40B4-BE49-F238E27FC236}">
+                <a16:creationId xmlns:a16="http://schemas.microsoft.com/office/drawing/2014/main" id="{DF7BC442-6F87-446D-0644-D1F76A9D7F03}"/>
+              </a:ext>
+            </a:extLst>
+          </p:cNvPr>
+          <p:cNvCxnSpPr>
+            <a:cxnSpLocks/>
+          </p:cNvCxnSpPr>
+          <p:nvPr/>
+        </p:nvCxnSpPr>
+        <p:spPr>
+          <a:xfrm flipV="1">
+            <a:off x="2590071" y="2081048"/>
+            <a:ext cx="0" cy="3493097"/>
+          </a:xfrm>
+          <a:prstGeom prst="straightConnector1">
+            <a:avLst/>
+          </a:prstGeom>
+          <a:ln w="38100">
+            <a:tailEnd type="none"/>
+          </a:ln>
+        </p:spPr>
+        <p:style>
+          <a:lnRef idx="2">
+            <a:schemeClr val="accent1"/>
+          </a:lnRef>
+          <a:fillRef idx="0">
+            <a:schemeClr val="accent1"/>
+          </a:fillRef>
+          <a:effectRef idx="1">
+            <a:schemeClr val="accent1"/>
+          </a:effectRef>
+          <a:fontRef idx="minor">
+            <a:schemeClr val="tx1"/>
+          </a:fontRef>
+        </p:style>
+      </p:cxnSp>
+      <p:sp>
+        <p:nvSpPr>
+          <p:cNvPr id="44" name="TextBox 43">
+            <a:extLst>
+              <a:ext uri="{FF2B5EF4-FFF2-40B4-BE49-F238E27FC236}">
+                <a16:creationId xmlns:a16="http://schemas.microsoft.com/office/drawing/2014/main" id="{8F8D5B8F-8EBA-9146-7A95-D11474760B31}"/>
+              </a:ext>
+            </a:extLst>
+          </p:cNvPr>
+          <p:cNvSpPr txBox="1"/>
+          <p:nvPr/>
+        </p:nvSpPr>
+        <p:spPr>
+          <a:xfrm>
+            <a:off x="2219457" y="2518922"/>
+            <a:ext cx="370614" cy="584775"/>
+          </a:xfrm>
+          <a:prstGeom prst="rect">
+            <a:avLst/>
+          </a:prstGeom>
+          <a:noFill/>
+        </p:spPr>
+        <p:txBody>
+          <a:bodyPr wrap="square" rtlCol="0">
+            <a:spAutoFit/>
+          </a:bodyPr>
+          <a:lstStyle/>
+          <a:p>
+            <a:r>
+              <a:rPr lang="en-ES" sz="3200" dirty="0"/>
+              <a:t>λ</a:t>
+            </a:r>
+            <a:endParaRPr lang="en-ES" dirty="0"/>
+          </a:p>
+        </p:txBody>
+      </p:sp>
+      <p:sp>
+        <p:nvSpPr>
+          <p:cNvPr id="49" name="Can 48">
+            <a:extLst>
+              <a:ext uri="{FF2B5EF4-FFF2-40B4-BE49-F238E27FC236}">
+                <a16:creationId xmlns:a16="http://schemas.microsoft.com/office/drawing/2014/main" id="{7238AD5C-0BD4-49D2-F58E-66648AA016B3}"/>
+              </a:ext>
+            </a:extLst>
+          </p:cNvPr>
+          <p:cNvSpPr/>
+          <p:nvPr/>
+        </p:nvSpPr>
+        <p:spPr>
+          <a:xfrm>
+            <a:off x="1990961" y="3103955"/>
+            <a:ext cx="1198220" cy="1447282"/>
+          </a:xfrm>
+          <a:prstGeom prst="can">
+            <a:avLst/>
+          </a:prstGeom>
+          <a:noFill/>
+          <a:ln>
+            <a:prstDash val="dash"/>
+          </a:ln>
+        </p:spPr>
+        <p:style>
+          <a:lnRef idx="2">
+            <a:schemeClr val="accent1">
+              <a:shade val="15000"/>
+            </a:schemeClr>
+          </a:lnRef>
+          <a:fillRef idx="1">
+            <a:schemeClr val="accent1"/>
+          </a:fillRef>
+          <a:effectRef idx="0">
+            <a:schemeClr val="accent1"/>
+          </a:effectRef>
+          <a:fontRef idx="minor">
+            <a:schemeClr val="lt1"/>
+          </a:fontRef>
+        </p:style>
+        <p:txBody>
+          <a:bodyPr rtlCol="0" anchor="ctr"/>
+          <a:lstStyle/>
+          <a:p>
+            <a:pPr algn="ctr"/>
+            <a:endParaRPr lang="en-ES"/>
+          </a:p>
+        </p:txBody>
+      </p:sp>
+      <p:sp>
+        <p:nvSpPr>
+          <p:cNvPr id="50" name="Left Bracket 49">
+            <a:extLst>
+              <a:ext uri="{FF2B5EF4-FFF2-40B4-BE49-F238E27FC236}">
+                <a16:creationId xmlns:a16="http://schemas.microsoft.com/office/drawing/2014/main" id="{18DBDD22-0E7E-4679-3DD1-FF203E34C56A}"/>
+              </a:ext>
+            </a:extLst>
+          </p:cNvPr>
+          <p:cNvSpPr/>
+          <p:nvPr/>
+        </p:nvSpPr>
+        <p:spPr>
+          <a:xfrm rot="16200000">
+            <a:off x="2785021" y="4558840"/>
+            <a:ext cx="220734" cy="587586"/>
+          </a:xfrm>
+          <a:prstGeom prst="leftBracket">
+            <a:avLst/>
+          </a:prstGeom>
+          <a:ln w="38100"/>
+        </p:spPr>
+        <p:style>
+          <a:lnRef idx="2">
+            <a:schemeClr val="accent1"/>
+          </a:lnRef>
+          <a:fillRef idx="0">
+            <a:schemeClr val="accent1"/>
+          </a:fillRef>
+          <a:effectRef idx="1">
+            <a:schemeClr val="accent1"/>
+          </a:effectRef>
+          <a:fontRef idx="minor">
+            <a:schemeClr val="tx1"/>
+          </a:fontRef>
+        </p:style>
+        <p:txBody>
+          <a:bodyPr rtlCol="0" anchor="ctr"/>
+          <a:lstStyle/>
+          <a:p>
+            <a:pPr algn="ctr"/>
+            <a:endParaRPr lang="en-ES" dirty="0"/>
+          </a:p>
+        </p:txBody>
+      </p:sp>
+      <p:sp>
+        <p:nvSpPr>
+          <p:cNvPr id="51" name="TextBox 50">
+            <a:extLst>
+              <a:ext uri="{FF2B5EF4-FFF2-40B4-BE49-F238E27FC236}">
+                <a16:creationId xmlns:a16="http://schemas.microsoft.com/office/drawing/2014/main" id="{F3D5BF1A-1A77-83FA-1ABF-02C36DDF3A4C}"/>
+              </a:ext>
+            </a:extLst>
+          </p:cNvPr>
+          <p:cNvSpPr txBox="1"/>
+          <p:nvPr/>
+        </p:nvSpPr>
+        <p:spPr>
+          <a:xfrm>
+            <a:off x="2727688" y="4810593"/>
+            <a:ext cx="492094" cy="584775"/>
+          </a:xfrm>
+          <a:prstGeom prst="rect">
+            <a:avLst/>
+          </a:prstGeom>
+          <a:noFill/>
+        </p:spPr>
+        <p:txBody>
+          <a:bodyPr wrap="square" rtlCol="0">
+            <a:spAutoFit/>
+          </a:bodyPr>
+          <a:lstStyle/>
+          <a:p>
+            <a:r>
+              <a:rPr lang="en-ES" sz="3200" dirty="0"/>
+              <a:t>s</a:t>
+            </a:r>
+            <a:endParaRPr lang="en-ES" dirty="0"/>
+          </a:p>
+        </p:txBody>
+      </p:sp>
+      <p:sp>
+        <p:nvSpPr>
+          <p:cNvPr id="52" name="Left Bracket 51">
+            <a:extLst>
+              <a:ext uri="{FF2B5EF4-FFF2-40B4-BE49-F238E27FC236}">
+                <a16:creationId xmlns:a16="http://schemas.microsoft.com/office/drawing/2014/main" id="{64159114-C74E-D174-5CFC-4A8827CCEECA}"/>
+              </a:ext>
+            </a:extLst>
+          </p:cNvPr>
+          <p:cNvSpPr/>
+          <p:nvPr/>
+        </p:nvSpPr>
+        <p:spPr>
+          <a:xfrm rot="10800000">
+            <a:off x="3243414" y="3270816"/>
+            <a:ext cx="227669" cy="1122508"/>
+          </a:xfrm>
+          <a:prstGeom prst="leftBracket">
+            <a:avLst/>
+          </a:prstGeom>
+          <a:ln w="38100"/>
+        </p:spPr>
+        <p:style>
+          <a:lnRef idx="2">
+            <a:schemeClr val="accent1"/>
+          </a:lnRef>
+          <a:fillRef idx="0">
+            <a:schemeClr val="accent1"/>
+          </a:fillRef>
+          <a:effectRef idx="1">
+            <a:schemeClr val="accent1"/>
+          </a:effectRef>
+          <a:fontRef idx="minor">
+            <a:schemeClr val="tx1"/>
+          </a:fontRef>
+        </p:style>
+        <p:txBody>
+          <a:bodyPr rtlCol="0" anchor="ctr"/>
+          <a:lstStyle/>
+          <a:p>
+            <a:pPr algn="ctr"/>
+            <a:endParaRPr lang="en-ES" dirty="0"/>
+          </a:p>
+        </p:txBody>
+      </p:sp>
+      <p:sp>
+        <p:nvSpPr>
+          <p:cNvPr id="53" name="TextBox 52">
+            <a:extLst>
+              <a:ext uri="{FF2B5EF4-FFF2-40B4-BE49-F238E27FC236}">
+                <a16:creationId xmlns:a16="http://schemas.microsoft.com/office/drawing/2014/main" id="{16C20573-85AF-DC2D-807C-B651B08EACEE}"/>
+              </a:ext>
+            </a:extLst>
+          </p:cNvPr>
+          <p:cNvSpPr txBox="1"/>
+          <p:nvPr/>
+        </p:nvSpPr>
+        <p:spPr>
+          <a:xfrm>
+            <a:off x="3436369" y="3535968"/>
+            <a:ext cx="492094" cy="584775"/>
+          </a:xfrm>
+          <a:prstGeom prst="rect">
+            <a:avLst/>
+          </a:prstGeom>
+          <a:noFill/>
+        </p:spPr>
+        <p:txBody>
+          <a:bodyPr wrap="square" rtlCol="0">
+            <a:spAutoFit/>
+          </a:bodyPr>
+          <a:lstStyle/>
+          <a:p>
+            <a:r>
+              <a:rPr lang="en-ES" sz="3200" dirty="0"/>
+              <a:t>H</a:t>
+            </a:r>
+            <a:endParaRPr lang="en-ES" dirty="0"/>
+          </a:p>
+        </p:txBody>
+      </p:sp>
+    </p:spTree>
+    <p:extLst>
+      <p:ext uri="{BB962C8B-B14F-4D97-AF65-F5344CB8AC3E}">
+        <p14:creationId xmlns:p14="http://schemas.microsoft.com/office/powerpoint/2010/main" val="2496436927"/>
+      </p:ext>
+    </p:extLst>
+  </p:cSld>
+  <p:clrMapOvr>
+    <a:masterClrMapping/>
+  </p:clrMapOvr>
+</p:sld>
+</file>
+
+<file path=ppt/slides/slide18.xml><?xml version="1.0" encoding="utf-8"?>
+<p:sld xmlns:a="http://schemas.openxmlformats.org/drawingml/2006/main" xmlns:r="http://schemas.openxmlformats.org/officeDocument/2006/relationships" xmlns:p="http://schemas.openxmlformats.org/presentationml/2006/main">
+  <p:cSld>
+    <p:spTree>
+      <p:nvGrpSpPr>
+        <p:cNvPr id="1" name="">
+          <a:extLst>
+            <a:ext uri="{FF2B5EF4-FFF2-40B4-BE49-F238E27FC236}">
+              <a16:creationId xmlns:a16="http://schemas.microsoft.com/office/drawing/2014/main" id="{61536C54-721A-0758-88D0-F6706265CD6E}"/>
+            </a:ext>
+          </a:extLst>
+        </p:cNvPr>
+        <p:cNvGrpSpPr/>
+        <p:nvPr/>
+      </p:nvGrpSpPr>
+      <p:grpSpPr>
+        <a:xfrm>
+          <a:off x="0" y="0"/>
+          <a:ext cx="0" cy="0"/>
+          <a:chOff x="0" y="0"/>
+          <a:chExt cx="0" cy="0"/>
+        </a:xfrm>
+      </p:grpSpPr>
+      <p:sp>
+        <p:nvSpPr>
+          <p:cNvPr id="2" name="Title 1">
+            <a:extLst>
+              <a:ext uri="{FF2B5EF4-FFF2-40B4-BE49-F238E27FC236}">
+                <a16:creationId xmlns:a16="http://schemas.microsoft.com/office/drawing/2014/main" id="{D4865354-FE7C-6691-F65D-BD0E9F5709FF}"/>
+              </a:ext>
+            </a:extLst>
+          </p:cNvPr>
+          <p:cNvSpPr>
+            <a:spLocks noGrp="1"/>
+          </p:cNvSpPr>
+          <p:nvPr>
+            <p:ph type="title"/>
+          </p:nvPr>
+        </p:nvSpPr>
+        <p:spPr/>
+        <p:txBody>
+          <a:bodyPr/>
+          <a:lstStyle/>
+          <a:p>
+            <a:r>
+              <a:rPr lang="en-ES" dirty="0"/>
+              <a:t>Propuesto S4.1</a:t>
+            </a:r>
+          </a:p>
+        </p:txBody>
+      </p:sp>
+      <p:cxnSp>
+        <p:nvCxnSpPr>
+          <p:cNvPr id="3" name="Straight Arrow Connector 2">
+            <a:extLst>
+              <a:ext uri="{FF2B5EF4-FFF2-40B4-BE49-F238E27FC236}">
+                <a16:creationId xmlns:a16="http://schemas.microsoft.com/office/drawing/2014/main" id="{22269BEE-1164-DC02-6BA4-91155201B66F}"/>
+              </a:ext>
+            </a:extLst>
+          </p:cNvPr>
+          <p:cNvCxnSpPr/>
+          <p:nvPr/>
+        </p:nvCxnSpPr>
+        <p:spPr>
+          <a:xfrm>
+            <a:off x="1728788" y="3371850"/>
+            <a:ext cx="8186737" cy="0"/>
+          </a:xfrm>
+          <a:prstGeom prst="straightConnector1">
+            <a:avLst/>
+          </a:prstGeom>
+          <a:ln w="38100">
+            <a:tailEnd type="triangle"/>
+          </a:ln>
+        </p:spPr>
+        <p:style>
+          <a:lnRef idx="2">
+            <a:schemeClr val="accent1"/>
+          </a:lnRef>
+          <a:fillRef idx="0">
+            <a:schemeClr val="accent1"/>
+          </a:fillRef>
+          <a:effectRef idx="1">
+            <a:schemeClr val="accent1"/>
+          </a:effectRef>
+          <a:fontRef idx="minor">
+            <a:schemeClr val="tx1"/>
+          </a:fontRef>
+        </p:style>
+      </p:cxnSp>
+      <p:sp>
+        <p:nvSpPr>
+          <p:cNvPr id="11" name="Oval 10">
+            <a:extLst>
+              <a:ext uri="{FF2B5EF4-FFF2-40B4-BE49-F238E27FC236}">
+                <a16:creationId xmlns:a16="http://schemas.microsoft.com/office/drawing/2014/main" id="{9C6956A6-3CA3-669D-14F0-5E38C71C2940}"/>
+              </a:ext>
+            </a:extLst>
+          </p:cNvPr>
+          <p:cNvSpPr/>
+          <p:nvPr/>
+        </p:nvSpPr>
+        <p:spPr>
+          <a:xfrm>
+            <a:off x="3598223" y="3277590"/>
+            <a:ext cx="166255" cy="178129"/>
+          </a:xfrm>
+          <a:prstGeom prst="ellipse">
+            <a:avLst/>
+          </a:prstGeom>
+        </p:spPr>
+        <p:style>
+          <a:lnRef idx="2">
+            <a:schemeClr val="accent1">
+              <a:shade val="15000"/>
+            </a:schemeClr>
+          </a:lnRef>
+          <a:fillRef idx="1">
+            <a:schemeClr val="accent1"/>
+          </a:fillRef>
+          <a:effectRef idx="0">
+            <a:schemeClr val="accent1"/>
+          </a:effectRef>
+          <a:fontRef idx="minor">
+            <a:schemeClr val="lt1"/>
+          </a:fontRef>
+        </p:style>
+        <p:txBody>
+          <a:bodyPr rtlCol="0" anchor="ctr"/>
+          <a:lstStyle/>
+          <a:p>
+            <a:pPr algn="ctr"/>
+            <a:endParaRPr lang="en-ES"/>
+          </a:p>
+        </p:txBody>
+      </p:sp>
+      <p:sp>
+        <p:nvSpPr>
+          <p:cNvPr id="12" name="TextBox 11">
+            <a:extLst>
+              <a:ext uri="{FF2B5EF4-FFF2-40B4-BE49-F238E27FC236}">
+                <a16:creationId xmlns:a16="http://schemas.microsoft.com/office/drawing/2014/main" id="{CEF983BD-7AF0-E13C-CA21-FDFC70D232D2}"/>
+              </a:ext>
+            </a:extLst>
+          </p:cNvPr>
+          <p:cNvSpPr txBox="1"/>
+          <p:nvPr/>
+        </p:nvSpPr>
+        <p:spPr>
+          <a:xfrm>
+            <a:off x="3264205" y="2786408"/>
+            <a:ext cx="404278" cy="584775"/>
+          </a:xfrm>
+          <a:prstGeom prst="rect">
+            <a:avLst/>
+          </a:prstGeom>
+          <a:noFill/>
+        </p:spPr>
+        <p:txBody>
+          <a:bodyPr wrap="none" rtlCol="0">
+            <a:spAutoFit/>
+          </a:bodyPr>
+          <a:lstStyle/>
+          <a:p>
+            <a:r>
+              <a:rPr lang="en-ES" sz="3200" dirty="0"/>
+              <a:t>0</a:t>
+            </a:r>
+            <a:endParaRPr lang="en-ES" dirty="0"/>
+          </a:p>
+        </p:txBody>
+      </p:sp>
+      <p:sp>
+        <p:nvSpPr>
+          <p:cNvPr id="13" name="Oval 12">
+            <a:extLst>
+              <a:ext uri="{FF2B5EF4-FFF2-40B4-BE49-F238E27FC236}">
+                <a16:creationId xmlns:a16="http://schemas.microsoft.com/office/drawing/2014/main" id="{2CA7C066-5DBA-5C96-9FC0-01CE63ABDB32}"/>
+              </a:ext>
+            </a:extLst>
+          </p:cNvPr>
+          <p:cNvSpPr/>
+          <p:nvPr/>
+        </p:nvSpPr>
+        <p:spPr>
+          <a:xfrm>
+            <a:off x="1832260" y="1514059"/>
+            <a:ext cx="3672446" cy="3694216"/>
+          </a:xfrm>
+          <a:prstGeom prst="ellipse">
+            <a:avLst/>
+          </a:prstGeom>
+          <a:noFill/>
+          <a:ln w="38100" cap="flat" cmpd="sng" algn="ctr">
+            <a:solidFill>
+              <a:srgbClr val="FF0000"/>
+            </a:solidFill>
+            <a:prstDash val="dash"/>
+            <a:round/>
+            <a:headEnd type="none" w="med" len="med"/>
+            <a:tailEnd type="none" w="med" len="med"/>
+          </a:ln>
+        </p:spPr>
+        <p:style>
+          <a:lnRef idx="0">
+            <a:scrgbClr r="0" g="0" b="0"/>
+          </a:lnRef>
+          <a:fillRef idx="0">
+            <a:scrgbClr r="0" g="0" b="0"/>
+          </a:fillRef>
+          <a:effectRef idx="0">
+            <a:scrgbClr r="0" g="0" b="0"/>
+          </a:effectRef>
+          <a:fontRef idx="minor">
+            <a:schemeClr val="dk1"/>
+          </a:fontRef>
+        </p:style>
+        <p:txBody>
+          <a:bodyPr rtlCol="0" anchor="ctr"/>
+          <a:lstStyle/>
+          <a:p>
+            <a:pPr algn="ctr"/>
+            <a:endParaRPr lang="en-ES"/>
+          </a:p>
+        </p:txBody>
+      </p:sp>
+      <p:sp>
+        <p:nvSpPr>
+          <p:cNvPr id="14" name="Left Bracket 13">
+            <a:extLst>
+              <a:ext uri="{FF2B5EF4-FFF2-40B4-BE49-F238E27FC236}">
+                <a16:creationId xmlns:a16="http://schemas.microsoft.com/office/drawing/2014/main" id="{92EA2785-E71B-97F0-1C6B-9A3002F27F41}"/>
+              </a:ext>
+            </a:extLst>
+          </p:cNvPr>
+          <p:cNvSpPr/>
+          <p:nvPr/>
+        </p:nvSpPr>
+        <p:spPr>
+          <a:xfrm rot="16200000">
+            <a:off x="6026728" y="3542807"/>
+            <a:ext cx="166255" cy="4809509"/>
+          </a:xfrm>
+          <a:prstGeom prst="leftBracket">
+            <a:avLst/>
+          </a:prstGeom>
+          <a:ln w="38100"/>
+        </p:spPr>
+        <p:style>
+          <a:lnRef idx="2">
+            <a:schemeClr val="accent1"/>
+          </a:lnRef>
+          <a:fillRef idx="0">
+            <a:schemeClr val="accent1"/>
+          </a:fillRef>
+          <a:effectRef idx="1">
+            <a:schemeClr val="accent1"/>
+          </a:effectRef>
+          <a:fontRef idx="minor">
+            <a:schemeClr val="tx1"/>
+          </a:fontRef>
+        </p:style>
+        <p:txBody>
+          <a:bodyPr rtlCol="0" anchor="ctr"/>
+          <a:lstStyle/>
+          <a:p>
+            <a:pPr algn="ctr"/>
+            <a:endParaRPr lang="en-ES" dirty="0"/>
+          </a:p>
+        </p:txBody>
+      </p:sp>
+      <p:sp>
+        <p:nvSpPr>
+          <p:cNvPr id="15" name="Left Bracket 14">
+            <a:extLst>
+              <a:ext uri="{FF2B5EF4-FFF2-40B4-BE49-F238E27FC236}">
+                <a16:creationId xmlns:a16="http://schemas.microsoft.com/office/drawing/2014/main" id="{1D2F9F10-739D-AA42-DDC2-9BFE80FA04B0}"/>
+              </a:ext>
+            </a:extLst>
+          </p:cNvPr>
+          <p:cNvSpPr/>
+          <p:nvPr/>
+        </p:nvSpPr>
+        <p:spPr>
+          <a:xfrm rot="16200000">
+            <a:off x="4273138" y="4758048"/>
+            <a:ext cx="168235" cy="1332018"/>
+          </a:xfrm>
+          <a:prstGeom prst="leftBracket">
+            <a:avLst/>
+          </a:prstGeom>
+          <a:ln w="38100"/>
+        </p:spPr>
+        <p:style>
+          <a:lnRef idx="2">
+            <a:schemeClr val="accent1"/>
+          </a:lnRef>
+          <a:fillRef idx="0">
+            <a:schemeClr val="accent1"/>
+          </a:fillRef>
+          <a:effectRef idx="1">
+            <a:schemeClr val="accent1"/>
+          </a:effectRef>
+          <a:fontRef idx="minor">
+            <a:schemeClr val="tx1"/>
+          </a:fontRef>
+        </p:style>
+        <p:txBody>
+          <a:bodyPr rtlCol="0" anchor="ctr"/>
+          <a:lstStyle/>
+          <a:p>
+            <a:pPr algn="ctr"/>
+            <a:endParaRPr lang="en-ES" dirty="0"/>
+          </a:p>
+        </p:txBody>
+      </p:sp>
+      <p:sp>
+        <p:nvSpPr>
+          <p:cNvPr id="16" name="Left Bracket 15">
+            <a:extLst>
+              <a:ext uri="{FF2B5EF4-FFF2-40B4-BE49-F238E27FC236}">
+                <a16:creationId xmlns:a16="http://schemas.microsoft.com/office/drawing/2014/main" id="{EF03EE50-152E-DA96-13C9-8FCDC43D7842}"/>
+              </a:ext>
+            </a:extLst>
+          </p:cNvPr>
+          <p:cNvSpPr/>
+          <p:nvPr/>
+        </p:nvSpPr>
+        <p:spPr>
+          <a:xfrm rot="16200000">
+            <a:off x="3916552" y="3967680"/>
+            <a:ext cx="178127" cy="656442"/>
+          </a:xfrm>
+          <a:prstGeom prst="leftBracket">
+            <a:avLst/>
+          </a:prstGeom>
+          <a:ln w="38100"/>
+        </p:spPr>
+        <p:style>
+          <a:lnRef idx="2">
+            <a:schemeClr val="accent1"/>
+          </a:lnRef>
+          <a:fillRef idx="0">
+            <a:schemeClr val="accent1"/>
+          </a:fillRef>
+          <a:effectRef idx="1">
+            <a:schemeClr val="accent1"/>
+          </a:effectRef>
+          <a:fontRef idx="minor">
+            <a:schemeClr val="tx1"/>
+          </a:fontRef>
+        </p:style>
+        <p:txBody>
+          <a:bodyPr rtlCol="0" anchor="ctr"/>
+          <a:lstStyle/>
+          <a:p>
+            <a:pPr algn="ctr"/>
+            <a:endParaRPr lang="en-ES" dirty="0"/>
+          </a:p>
+        </p:txBody>
+      </p:sp>
+      <p:sp>
+        <p:nvSpPr>
+          <p:cNvPr id="17" name="TextBox 16">
+            <a:extLst>
+              <a:ext uri="{FF2B5EF4-FFF2-40B4-BE49-F238E27FC236}">
+                <a16:creationId xmlns:a16="http://schemas.microsoft.com/office/drawing/2014/main" id="{D8E58941-575C-F3E6-A766-DFF879FDB2F6}"/>
+              </a:ext>
+            </a:extLst>
+          </p:cNvPr>
+          <p:cNvSpPr txBox="1"/>
+          <p:nvPr/>
+        </p:nvSpPr>
+        <p:spPr>
+          <a:xfrm>
+            <a:off x="5864433" y="5957453"/>
+            <a:ext cx="415498" cy="584775"/>
+          </a:xfrm>
+          <a:prstGeom prst="rect">
+            <a:avLst/>
+          </a:prstGeom>
+          <a:noFill/>
+        </p:spPr>
+        <p:txBody>
+          <a:bodyPr wrap="none" rtlCol="0">
+            <a:spAutoFit/>
+          </a:bodyPr>
+          <a:lstStyle/>
+          <a:p>
+            <a:r>
+              <a:rPr lang="en-ES" sz="3200" dirty="0"/>
+              <a:t>d</a:t>
+            </a:r>
+            <a:endParaRPr lang="en-ES" dirty="0"/>
+          </a:p>
+        </p:txBody>
+      </p:sp>
+      <p:sp>
+        <p:nvSpPr>
+          <p:cNvPr id="18" name="TextBox 17">
+            <a:extLst>
+              <a:ext uri="{FF2B5EF4-FFF2-40B4-BE49-F238E27FC236}">
+                <a16:creationId xmlns:a16="http://schemas.microsoft.com/office/drawing/2014/main" id="{5F7ADEA1-04B5-BEEC-5678-2CC4DFD3EDE7}"/>
+              </a:ext>
+            </a:extLst>
+          </p:cNvPr>
+          <p:cNvSpPr txBox="1"/>
+          <p:nvPr/>
+        </p:nvSpPr>
+        <p:spPr>
+          <a:xfrm>
+            <a:off x="3799115" y="4276106"/>
+            <a:ext cx="502061" cy="584775"/>
+          </a:xfrm>
+          <a:prstGeom prst="rect">
+            <a:avLst/>
+          </a:prstGeom>
+          <a:noFill/>
+        </p:spPr>
+        <p:txBody>
+          <a:bodyPr wrap="none" rtlCol="0">
+            <a:spAutoFit/>
+          </a:bodyPr>
+          <a:lstStyle/>
+          <a:p>
+            <a:r>
+              <a:rPr lang="en-ES" sz="3200" dirty="0"/>
+              <a:t>d'</a:t>
+            </a:r>
+          </a:p>
+        </p:txBody>
+      </p:sp>
+      <p:sp>
+        <p:nvSpPr>
+          <p:cNvPr id="19" name="TextBox 18">
+            <a:extLst>
+              <a:ext uri="{FF2B5EF4-FFF2-40B4-BE49-F238E27FC236}">
+                <a16:creationId xmlns:a16="http://schemas.microsoft.com/office/drawing/2014/main" id="{FD20F8C7-33B9-2499-2D36-F60F7E6B4F9E}"/>
+              </a:ext>
+            </a:extLst>
+          </p:cNvPr>
+          <p:cNvSpPr txBox="1"/>
+          <p:nvPr/>
+        </p:nvSpPr>
+        <p:spPr>
+          <a:xfrm>
+            <a:off x="4176158" y="5349832"/>
+            <a:ext cx="402674" cy="584775"/>
+          </a:xfrm>
+          <a:prstGeom prst="rect">
+            <a:avLst/>
+          </a:prstGeom>
+          <a:noFill/>
+        </p:spPr>
+        <p:txBody>
+          <a:bodyPr wrap="none" rtlCol="0">
+            <a:spAutoFit/>
+          </a:bodyPr>
+          <a:lstStyle/>
+          <a:p>
+            <a:r>
+              <a:rPr lang="en-ES" sz="3200" dirty="0"/>
+              <a:t>a</a:t>
+            </a:r>
+            <a:endParaRPr lang="en-ES" dirty="0"/>
+          </a:p>
+        </p:txBody>
+      </p:sp>
+      <p:grpSp>
+        <p:nvGrpSpPr>
+          <p:cNvPr id="21" name="Group 20">
+            <a:extLst>
+              <a:ext uri="{FF2B5EF4-FFF2-40B4-BE49-F238E27FC236}">
+                <a16:creationId xmlns:a16="http://schemas.microsoft.com/office/drawing/2014/main" id="{DB1E4446-76B8-A842-2F5C-6B21FA0C938B}"/>
+              </a:ext>
+            </a:extLst>
+          </p:cNvPr>
+          <p:cNvGrpSpPr/>
+          <p:nvPr/>
+        </p:nvGrpSpPr>
+        <p:grpSpPr>
+          <a:xfrm>
+            <a:off x="8295413" y="3460253"/>
+            <a:ext cx="492443" cy="714419"/>
+            <a:chOff x="6807375" y="1908879"/>
+            <a:chExt cx="492443" cy="714419"/>
+          </a:xfrm>
+        </p:grpSpPr>
+        <p:sp>
+          <p:nvSpPr>
+            <p:cNvPr id="22" name="TextBox 21">
+              <a:extLst>
+                <a:ext uri="{FF2B5EF4-FFF2-40B4-BE49-F238E27FC236}">
+                  <a16:creationId xmlns:a16="http://schemas.microsoft.com/office/drawing/2014/main" id="{B3E52722-83D8-2B6D-CB97-C79BBBF3E3B2}"/>
+                </a:ext>
+              </a:extLst>
+            </p:cNvPr>
+            <p:cNvSpPr txBox="1"/>
+            <p:nvPr/>
+          </p:nvSpPr>
+          <p:spPr>
+            <a:xfrm>
+              <a:off x="6807375" y="1976967"/>
+              <a:ext cx="444352" cy="646331"/>
+            </a:xfrm>
+            <a:prstGeom prst="rect">
+              <a:avLst/>
+            </a:prstGeom>
+            <a:noFill/>
+          </p:spPr>
+          <p:txBody>
+            <a:bodyPr wrap="none" rtlCol="0">
+              <a:spAutoFit/>
+            </a:bodyPr>
+            <a:lstStyle/>
+            <a:p>
+              <a:r>
+                <a:rPr lang="en-ES" sz="3600" dirty="0"/>
+                <a:t>p</a:t>
+              </a:r>
+              <a:endParaRPr lang="en-ES" sz="3600" baseline="-25000" dirty="0"/>
+            </a:p>
+          </p:txBody>
+        </p:sp>
+        <p:sp>
+          <p:nvSpPr>
+            <p:cNvPr id="24" name="TextBox 23">
+              <a:extLst>
+                <a:ext uri="{FF2B5EF4-FFF2-40B4-BE49-F238E27FC236}">
+                  <a16:creationId xmlns:a16="http://schemas.microsoft.com/office/drawing/2014/main" id="{90877375-FC4B-AA7C-F8DA-4B2B95B230FC}"/>
+                </a:ext>
+              </a:extLst>
+            </p:cNvPr>
+            <p:cNvSpPr txBox="1"/>
+            <p:nvPr/>
+          </p:nvSpPr>
+          <p:spPr>
+            <a:xfrm>
+              <a:off x="6807375" y="1908879"/>
+              <a:ext cx="492443" cy="461665"/>
+            </a:xfrm>
+            <a:prstGeom prst="rect">
+              <a:avLst/>
+            </a:prstGeom>
+            <a:noFill/>
+          </p:spPr>
+          <p:txBody>
+            <a:bodyPr wrap="square" rtlCol="0">
+              <a:spAutoFit/>
+            </a:bodyPr>
+            <a:lstStyle/>
+            <a:p>
+              <a:r>
+                <a:rPr lang="en-ES" sz="2400" dirty="0"/>
+                <a:t>➝</a:t>
+              </a:r>
+            </a:p>
+          </p:txBody>
+        </p:sp>
+      </p:grpSp>
+      <p:cxnSp>
+        <p:nvCxnSpPr>
+          <p:cNvPr id="26" name="Straight Arrow Connector 25">
+            <a:extLst>
+              <a:ext uri="{FF2B5EF4-FFF2-40B4-BE49-F238E27FC236}">
+                <a16:creationId xmlns:a16="http://schemas.microsoft.com/office/drawing/2014/main" id="{EF40B916-6B36-3F04-7AB4-D25C9D2B83EE}"/>
+              </a:ext>
+            </a:extLst>
+          </p:cNvPr>
+          <p:cNvCxnSpPr>
+            <a:cxnSpLocks/>
+          </p:cNvCxnSpPr>
+          <p:nvPr/>
+        </p:nvCxnSpPr>
+        <p:spPr>
+          <a:xfrm>
+            <a:off x="4305081" y="3371183"/>
+            <a:ext cx="402771" cy="0"/>
+          </a:xfrm>
+          <a:prstGeom prst="straightConnector1">
+            <a:avLst/>
+          </a:prstGeom>
+          <a:ln w="76200">
+            <a:solidFill>
+              <a:schemeClr val="tx1"/>
+            </a:solidFill>
+            <a:tailEnd type="triangle"/>
+          </a:ln>
+        </p:spPr>
+        <p:style>
+          <a:lnRef idx="2">
+            <a:schemeClr val="accent1"/>
+          </a:lnRef>
+          <a:fillRef idx="0">
+            <a:schemeClr val="accent1"/>
+          </a:fillRef>
+          <a:effectRef idx="1">
+            <a:schemeClr val="accent1"/>
+          </a:effectRef>
+          <a:fontRef idx="minor">
+            <a:schemeClr val="tx1"/>
+          </a:fontRef>
+        </p:style>
+      </p:cxnSp>
+      <p:grpSp>
+        <p:nvGrpSpPr>
+          <p:cNvPr id="34" name="Group 33">
+            <a:extLst>
+              <a:ext uri="{FF2B5EF4-FFF2-40B4-BE49-F238E27FC236}">
+                <a16:creationId xmlns:a16="http://schemas.microsoft.com/office/drawing/2014/main" id="{CB8876B4-863D-D35F-36FE-7DE459BE6C56}"/>
+              </a:ext>
+            </a:extLst>
+          </p:cNvPr>
+          <p:cNvGrpSpPr/>
+          <p:nvPr/>
+        </p:nvGrpSpPr>
+        <p:grpSpPr>
+          <a:xfrm>
+            <a:off x="4439605" y="3333875"/>
+            <a:ext cx="536494" cy="714419"/>
+            <a:chOff x="6807375" y="1908879"/>
+            <a:chExt cx="536494" cy="714419"/>
+          </a:xfrm>
+        </p:grpSpPr>
+        <p:sp>
+          <p:nvSpPr>
+            <p:cNvPr id="35" name="TextBox 34">
+              <a:extLst>
+                <a:ext uri="{FF2B5EF4-FFF2-40B4-BE49-F238E27FC236}">
+                  <a16:creationId xmlns:a16="http://schemas.microsoft.com/office/drawing/2014/main" id="{6F6E164D-2663-E40F-CADA-57FD76F88FD6}"/>
+                </a:ext>
+              </a:extLst>
+            </p:cNvPr>
+            <p:cNvSpPr txBox="1"/>
+            <p:nvPr/>
+          </p:nvSpPr>
+          <p:spPr>
+            <a:xfrm>
+              <a:off x="6807375" y="1976967"/>
+              <a:ext cx="536494" cy="646331"/>
+            </a:xfrm>
+            <a:prstGeom prst="rect">
+              <a:avLst/>
+            </a:prstGeom>
+            <a:noFill/>
+          </p:spPr>
+          <p:txBody>
+            <a:bodyPr wrap="none" rtlCol="0">
+              <a:spAutoFit/>
+            </a:bodyPr>
+            <a:lstStyle/>
+            <a:p>
+              <a:r>
+                <a:rPr lang="en-ES" sz="3600" dirty="0"/>
+                <a:t>p'</a:t>
+              </a:r>
+              <a:endParaRPr lang="en-ES" sz="3600" baseline="-25000" dirty="0"/>
+            </a:p>
+          </p:txBody>
+        </p:sp>
+        <p:sp>
+          <p:nvSpPr>
+            <p:cNvPr id="39" name="TextBox 38">
+              <a:extLst>
+                <a:ext uri="{FF2B5EF4-FFF2-40B4-BE49-F238E27FC236}">
+                  <a16:creationId xmlns:a16="http://schemas.microsoft.com/office/drawing/2014/main" id="{90B2284A-453D-4A2B-ECB7-B72BC1B38E75}"/>
+                </a:ext>
+              </a:extLst>
+            </p:cNvPr>
+            <p:cNvSpPr txBox="1"/>
+            <p:nvPr/>
+          </p:nvSpPr>
+          <p:spPr>
+            <a:xfrm>
+              <a:off x="6807375" y="1908879"/>
+              <a:ext cx="492443" cy="461665"/>
+            </a:xfrm>
+            <a:prstGeom prst="rect">
+              <a:avLst/>
+            </a:prstGeom>
+            <a:noFill/>
+          </p:spPr>
+          <p:txBody>
+            <a:bodyPr wrap="square" rtlCol="0">
+              <a:spAutoFit/>
+            </a:bodyPr>
+            <a:lstStyle/>
+            <a:p>
+              <a:r>
+                <a:rPr lang="en-ES" sz="2400" dirty="0"/>
+                <a:t>➝</a:t>
+              </a:r>
+            </a:p>
+          </p:txBody>
+        </p:sp>
+      </p:grpSp>
+      <p:sp>
+        <p:nvSpPr>
+          <p:cNvPr id="40" name="Oval 39">
+            <a:extLst>
+              <a:ext uri="{FF2B5EF4-FFF2-40B4-BE49-F238E27FC236}">
+                <a16:creationId xmlns:a16="http://schemas.microsoft.com/office/drawing/2014/main" id="{68F3F48E-A36A-66E1-1786-A82E62BDF70A}"/>
+              </a:ext>
+            </a:extLst>
+          </p:cNvPr>
+          <p:cNvSpPr/>
+          <p:nvPr/>
+        </p:nvSpPr>
+        <p:spPr>
+          <a:xfrm>
+            <a:off x="4249447" y="3277590"/>
+            <a:ext cx="166255" cy="178129"/>
+          </a:xfrm>
+          <a:prstGeom prst="ellipse">
+            <a:avLst/>
+          </a:prstGeom>
+        </p:spPr>
+        <p:style>
+          <a:lnRef idx="2">
+            <a:schemeClr val="accent1">
+              <a:shade val="15000"/>
+            </a:schemeClr>
+          </a:lnRef>
+          <a:fillRef idx="1">
+            <a:schemeClr val="accent1"/>
+          </a:fillRef>
+          <a:effectRef idx="0">
+            <a:schemeClr val="accent1"/>
+          </a:effectRef>
+          <a:fontRef idx="minor">
+            <a:schemeClr val="lt1"/>
+          </a:fontRef>
+        </p:style>
+        <p:txBody>
+          <a:bodyPr rtlCol="0" anchor="ctr"/>
+          <a:lstStyle/>
+          <a:p>
+            <a:pPr algn="ctr"/>
+            <a:endParaRPr lang="en-ES"/>
+          </a:p>
+        </p:txBody>
+      </p:sp>
+      <p:sp>
+        <p:nvSpPr>
+          <p:cNvPr id="41" name="TextBox 40">
+            <a:extLst>
+              <a:ext uri="{FF2B5EF4-FFF2-40B4-BE49-F238E27FC236}">
+                <a16:creationId xmlns:a16="http://schemas.microsoft.com/office/drawing/2014/main" id="{74D02D46-6D76-2122-345C-7440A677D10B}"/>
+              </a:ext>
+            </a:extLst>
+          </p:cNvPr>
+          <p:cNvSpPr txBox="1"/>
+          <p:nvPr/>
+        </p:nvSpPr>
+        <p:spPr>
+          <a:xfrm>
+            <a:off x="3824138" y="3385797"/>
+            <a:ext cx="704039" cy="584775"/>
+          </a:xfrm>
+          <a:prstGeom prst="rect">
+            <a:avLst/>
+          </a:prstGeom>
+          <a:noFill/>
+        </p:spPr>
+        <p:txBody>
+          <a:bodyPr wrap="none" rtlCol="0">
+            <a:spAutoFit/>
+          </a:bodyPr>
+          <a:lstStyle/>
+          <a:p>
+            <a:r>
+              <a:rPr lang="en-ES" sz="3200" dirty="0"/>
+              <a:t>Q'</a:t>
+            </a:r>
+            <a:r>
+              <a:rPr lang="en-ES" sz="3200" baseline="-25000" dirty="0"/>
+              <a:t>T</a:t>
+            </a:r>
+            <a:endParaRPr lang="en-ES" baseline="-25000" dirty="0"/>
+          </a:p>
+        </p:txBody>
+      </p:sp>
+      <p:cxnSp>
+        <p:nvCxnSpPr>
+          <p:cNvPr id="45" name="Straight Arrow Connector 44">
+            <a:extLst>
+              <a:ext uri="{FF2B5EF4-FFF2-40B4-BE49-F238E27FC236}">
+                <a16:creationId xmlns:a16="http://schemas.microsoft.com/office/drawing/2014/main" id="{58BA1B93-9F95-F7B8-ABAD-A0E30E9FD0A1}"/>
+              </a:ext>
+            </a:extLst>
+          </p:cNvPr>
+          <p:cNvCxnSpPr>
+            <a:stCxn id="11" idx="7"/>
+          </p:cNvCxnSpPr>
+          <p:nvPr/>
+        </p:nvCxnSpPr>
+        <p:spPr>
+          <a:xfrm flipV="1">
+            <a:off x="3740131" y="1828800"/>
+            <a:ext cx="945695" cy="1474876"/>
+          </a:xfrm>
+          <a:prstGeom prst="straightConnector1">
+            <a:avLst/>
+          </a:prstGeom>
+          <a:ln w="38100">
+            <a:tailEnd type="triangle"/>
+          </a:ln>
+        </p:spPr>
+        <p:style>
+          <a:lnRef idx="2">
+            <a:schemeClr val="dk1"/>
+          </a:lnRef>
+          <a:fillRef idx="0">
+            <a:schemeClr val="dk1"/>
+          </a:fillRef>
+          <a:effectRef idx="1">
+            <a:schemeClr val="dk1"/>
+          </a:effectRef>
+          <a:fontRef idx="minor">
+            <a:schemeClr val="tx1"/>
+          </a:fontRef>
+        </p:style>
+      </p:cxnSp>
+      <p:cxnSp>
+        <p:nvCxnSpPr>
+          <p:cNvPr id="46" name="Straight Arrow Connector 45">
+            <a:extLst>
+              <a:ext uri="{FF2B5EF4-FFF2-40B4-BE49-F238E27FC236}">
+                <a16:creationId xmlns:a16="http://schemas.microsoft.com/office/drawing/2014/main" id="{BD6A8344-51DA-7268-3EE4-41CAF3930195}"/>
+              </a:ext>
+            </a:extLst>
+          </p:cNvPr>
+          <p:cNvCxnSpPr>
+            <a:cxnSpLocks/>
+          </p:cNvCxnSpPr>
+          <p:nvPr/>
+        </p:nvCxnSpPr>
+        <p:spPr>
+          <a:xfrm flipV="1">
+            <a:off x="4354347" y="1845099"/>
+            <a:ext cx="353031" cy="1432491"/>
+          </a:xfrm>
+          <a:prstGeom prst="straightConnector1">
+            <a:avLst/>
+          </a:prstGeom>
+          <a:ln w="38100">
+            <a:tailEnd type="triangle"/>
+          </a:ln>
+        </p:spPr>
+        <p:style>
+          <a:lnRef idx="2">
+            <a:schemeClr val="dk1"/>
+          </a:lnRef>
+          <a:fillRef idx="0">
+            <a:schemeClr val="dk1"/>
+          </a:fillRef>
+          <a:effectRef idx="1">
+            <a:schemeClr val="dk1"/>
+          </a:effectRef>
+          <a:fontRef idx="minor">
+            <a:schemeClr val="tx1"/>
+          </a:fontRef>
+        </p:style>
+      </p:cxnSp>
+      <p:cxnSp>
+        <p:nvCxnSpPr>
+          <p:cNvPr id="47" name="Straight Arrow Connector 46">
+            <a:extLst>
+              <a:ext uri="{FF2B5EF4-FFF2-40B4-BE49-F238E27FC236}">
+                <a16:creationId xmlns:a16="http://schemas.microsoft.com/office/drawing/2014/main" id="{6BC0B2D1-D519-CDBB-2B03-9678DD3C05B4}"/>
+              </a:ext>
+            </a:extLst>
+          </p:cNvPr>
+          <p:cNvCxnSpPr>
+            <a:cxnSpLocks/>
+          </p:cNvCxnSpPr>
+          <p:nvPr/>
+        </p:nvCxnSpPr>
+        <p:spPr>
+          <a:xfrm flipH="1" flipV="1">
+            <a:off x="4707378" y="1867120"/>
+            <a:ext cx="3588035" cy="1490784"/>
+          </a:xfrm>
+          <a:prstGeom prst="straightConnector1">
+            <a:avLst/>
+          </a:prstGeom>
+          <a:ln w="38100">
+            <a:tailEnd type="triangle"/>
+          </a:ln>
+        </p:spPr>
+        <p:style>
+          <a:lnRef idx="2">
+            <a:schemeClr val="dk1"/>
+          </a:lnRef>
+          <a:fillRef idx="0">
+            <a:schemeClr val="dk1"/>
+          </a:fillRef>
+          <a:effectRef idx="1">
+            <a:schemeClr val="dk1"/>
+          </a:effectRef>
+          <a:fontRef idx="minor">
+            <a:schemeClr val="tx1"/>
+          </a:fontRef>
+        </p:style>
+      </p:cxnSp>
+      <p:sp>
+        <p:nvSpPr>
+          <p:cNvPr id="48" name="Arc 47">
+            <a:extLst>
+              <a:ext uri="{FF2B5EF4-FFF2-40B4-BE49-F238E27FC236}">
+                <a16:creationId xmlns:a16="http://schemas.microsoft.com/office/drawing/2014/main" id="{58873D2C-E030-666B-907F-23FBFFFC07D6}"/>
+              </a:ext>
+            </a:extLst>
+          </p:cNvPr>
+          <p:cNvSpPr/>
+          <p:nvPr/>
+        </p:nvSpPr>
+        <p:spPr>
+          <a:xfrm>
+            <a:off x="3157914" y="2903743"/>
+            <a:ext cx="945695" cy="978523"/>
+          </a:xfrm>
+          <a:prstGeom prst="arc">
+            <a:avLst>
+              <a:gd name="adj1" fmla="val 18429455"/>
+              <a:gd name="adj2" fmla="val 0"/>
+            </a:avLst>
+          </a:prstGeom>
+        </p:spPr>
+        <p:style>
+          <a:lnRef idx="2">
+            <a:schemeClr val="dk1"/>
+          </a:lnRef>
+          <a:fillRef idx="0">
+            <a:schemeClr val="dk1"/>
+          </a:fillRef>
+          <a:effectRef idx="1">
+            <a:schemeClr val="dk1"/>
+          </a:effectRef>
+          <a:fontRef idx="minor">
+            <a:schemeClr val="tx1"/>
+          </a:fontRef>
+        </p:style>
+        <p:txBody>
+          <a:bodyPr rtlCol="0" anchor="ctr"/>
+          <a:lstStyle/>
+          <a:p>
+            <a:pPr algn="ctr"/>
+            <a:endParaRPr lang="en-ES"/>
+          </a:p>
+        </p:txBody>
+      </p:sp>
+      <p:sp>
+        <p:nvSpPr>
+          <p:cNvPr id="54" name="Arc 53">
+            <a:extLst>
+              <a:ext uri="{FF2B5EF4-FFF2-40B4-BE49-F238E27FC236}">
+                <a16:creationId xmlns:a16="http://schemas.microsoft.com/office/drawing/2014/main" id="{099C5755-C009-59D5-78E2-7D282020A77B}"/>
+              </a:ext>
+            </a:extLst>
+          </p:cNvPr>
+          <p:cNvSpPr/>
+          <p:nvPr/>
+        </p:nvSpPr>
+        <p:spPr>
+          <a:xfrm>
+            <a:off x="3834289" y="2883673"/>
+            <a:ext cx="945695" cy="978523"/>
+          </a:xfrm>
+          <a:prstGeom prst="arc">
+            <a:avLst>
+              <a:gd name="adj1" fmla="val 17247110"/>
+              <a:gd name="adj2" fmla="val 0"/>
+            </a:avLst>
+          </a:prstGeom>
+        </p:spPr>
+        <p:style>
+          <a:lnRef idx="2">
+            <a:schemeClr val="dk1"/>
+          </a:lnRef>
+          <a:fillRef idx="0">
+            <a:schemeClr val="dk1"/>
+          </a:fillRef>
+          <a:effectRef idx="1">
+            <a:schemeClr val="dk1"/>
+          </a:effectRef>
+          <a:fontRef idx="minor">
+            <a:schemeClr val="tx1"/>
+          </a:fontRef>
+        </p:style>
+        <p:txBody>
+          <a:bodyPr rtlCol="0" anchor="ctr"/>
+          <a:lstStyle/>
+          <a:p>
+            <a:pPr algn="ctr"/>
+            <a:endParaRPr lang="en-ES"/>
+          </a:p>
+        </p:txBody>
+      </p:sp>
+      <p:sp>
+        <p:nvSpPr>
+          <p:cNvPr id="56" name="TextBox 55">
+            <a:extLst>
+              <a:ext uri="{FF2B5EF4-FFF2-40B4-BE49-F238E27FC236}">
+                <a16:creationId xmlns:a16="http://schemas.microsoft.com/office/drawing/2014/main" id="{5FF21B1D-F78D-38FC-C1AB-C04181964DC9}"/>
+              </a:ext>
+            </a:extLst>
+          </p:cNvPr>
+          <p:cNvSpPr txBox="1"/>
+          <p:nvPr/>
+        </p:nvSpPr>
+        <p:spPr>
+          <a:xfrm>
+            <a:off x="3796230" y="2148094"/>
+            <a:ext cx="402674" cy="584775"/>
+          </a:xfrm>
+          <a:prstGeom prst="rect">
+            <a:avLst/>
+          </a:prstGeom>
+          <a:noFill/>
+        </p:spPr>
+        <p:txBody>
+          <a:bodyPr wrap="none" rtlCol="0">
+            <a:spAutoFit/>
+          </a:bodyPr>
+          <a:lstStyle/>
+          <a:p>
+            <a:r>
+              <a:rPr lang="en-ES" sz="3200" dirty="0"/>
+              <a:t>a</a:t>
+            </a:r>
+            <a:endParaRPr lang="en-ES" dirty="0"/>
+          </a:p>
+        </p:txBody>
+      </p:sp>
+      <p:sp>
+        <p:nvSpPr>
+          <p:cNvPr id="57" name="TextBox 56">
+            <a:extLst>
+              <a:ext uri="{FF2B5EF4-FFF2-40B4-BE49-F238E27FC236}">
+                <a16:creationId xmlns:a16="http://schemas.microsoft.com/office/drawing/2014/main" id="{4712699D-EF2C-1BF7-8859-2B74C28FE790}"/>
+              </a:ext>
+            </a:extLst>
+          </p:cNvPr>
+          <p:cNvSpPr txBox="1"/>
+          <p:nvPr/>
+        </p:nvSpPr>
+        <p:spPr>
+          <a:xfrm>
+            <a:off x="4526880" y="2233915"/>
+            <a:ext cx="502061" cy="584775"/>
+          </a:xfrm>
+          <a:prstGeom prst="rect">
+            <a:avLst/>
+          </a:prstGeom>
+          <a:noFill/>
+        </p:spPr>
+        <p:txBody>
+          <a:bodyPr wrap="none" rtlCol="0">
+            <a:spAutoFit/>
+          </a:bodyPr>
+          <a:lstStyle/>
+          <a:p>
+            <a:r>
+              <a:rPr lang="en-ES" sz="3200" dirty="0"/>
+              <a:t>ρ'</a:t>
+            </a:r>
+            <a:endParaRPr lang="en-ES" dirty="0"/>
+          </a:p>
+        </p:txBody>
+      </p:sp>
+      <p:sp>
+        <p:nvSpPr>
+          <p:cNvPr id="60" name="TextBox 59">
+            <a:extLst>
+              <a:ext uri="{FF2B5EF4-FFF2-40B4-BE49-F238E27FC236}">
+                <a16:creationId xmlns:a16="http://schemas.microsoft.com/office/drawing/2014/main" id="{20C1606F-86A5-7CD3-CD58-CB1A0D47D2F2}"/>
+              </a:ext>
+            </a:extLst>
+          </p:cNvPr>
+          <p:cNvSpPr txBox="1"/>
+          <p:nvPr/>
+        </p:nvSpPr>
+        <p:spPr>
+          <a:xfrm>
+            <a:off x="4666393" y="2693148"/>
+            <a:ext cx="654224" cy="584775"/>
+          </a:xfrm>
+          <a:prstGeom prst="rect">
+            <a:avLst/>
+          </a:prstGeom>
+          <a:noFill/>
+        </p:spPr>
+        <p:txBody>
+          <a:bodyPr wrap="square" rtlCol="0">
+            <a:spAutoFit/>
+          </a:bodyPr>
+          <a:lstStyle/>
+          <a:p>
+            <a:r>
+              <a:rPr lang="en-ES" sz="3200" dirty="0"/>
+              <a:t>⍺'</a:t>
+            </a:r>
+            <a:endParaRPr lang="en-ES" dirty="0"/>
+          </a:p>
+        </p:txBody>
+      </p:sp>
+      <p:sp>
+        <p:nvSpPr>
+          <p:cNvPr id="62" name="TextBox 61">
+            <a:extLst>
+              <a:ext uri="{FF2B5EF4-FFF2-40B4-BE49-F238E27FC236}">
+                <a16:creationId xmlns:a16="http://schemas.microsoft.com/office/drawing/2014/main" id="{AC433CE6-3862-9757-2416-55A2DC702A03}"/>
+              </a:ext>
+            </a:extLst>
+          </p:cNvPr>
+          <p:cNvSpPr txBox="1"/>
+          <p:nvPr/>
+        </p:nvSpPr>
+        <p:spPr>
+          <a:xfrm>
+            <a:off x="3950245" y="2735200"/>
+            <a:ext cx="415498" cy="584775"/>
+          </a:xfrm>
+          <a:prstGeom prst="rect">
+            <a:avLst/>
+          </a:prstGeom>
+          <a:noFill/>
+        </p:spPr>
+        <p:txBody>
+          <a:bodyPr wrap="square" rtlCol="0">
+            <a:spAutoFit/>
+          </a:bodyPr>
+          <a:lstStyle/>
+          <a:p>
+            <a:r>
+              <a:rPr lang="en-ES" sz="3200" dirty="0"/>
+              <a:t>θ</a:t>
+            </a:r>
+            <a:endParaRPr lang="en-ES" dirty="0"/>
+          </a:p>
+        </p:txBody>
+      </p:sp>
+    </p:spTree>
+    <p:extLst>
+      <p:ext uri="{BB962C8B-B14F-4D97-AF65-F5344CB8AC3E}">
+        <p14:creationId xmlns:p14="http://schemas.microsoft.com/office/powerpoint/2010/main" val="3510800639"/>
+      </p:ext>
+    </p:extLst>
+  </p:cSld>
+  <p:clrMapOvr>
+    <a:masterClrMapping/>
+  </p:clrMapOvr>
+</p:sld>
+</file>
+
+<file path=ppt/slides/slide19.xml><?xml version="1.0" encoding="utf-8"?>
+<p:sld xmlns:a="http://schemas.openxmlformats.org/drawingml/2006/main" xmlns:r="http://schemas.openxmlformats.org/officeDocument/2006/relationships" xmlns:p="http://schemas.openxmlformats.org/presentationml/2006/main">
+  <p:cSld>
+    <p:spTree>
+      <p:nvGrpSpPr>
+        <p:cNvPr id="1" name=""/>
+        <p:cNvGrpSpPr/>
+        <p:nvPr/>
+      </p:nvGrpSpPr>
+      <p:grpSpPr>
+        <a:xfrm>
+          <a:off x="0" y="0"/>
+          <a:ext cx="0" cy="0"/>
+          <a:chOff x="0" y="0"/>
+          <a:chExt cx="0" cy="0"/>
+        </a:xfrm>
+      </p:grpSpPr>
+      <p:sp>
+        <p:nvSpPr>
+          <p:cNvPr id="2" name="Title 1">
+            <a:extLst>
+              <a:ext uri="{FF2B5EF4-FFF2-40B4-BE49-F238E27FC236}">
                 <a16:creationId xmlns:a16="http://schemas.microsoft.com/office/drawing/2014/main" id="{F4BFFCCF-52AF-54AB-4451-61FC1DF0734B}"/>
               </a:ext>
             </a:extLst>
@@ -11740,7 +14072,1456 @@
 </p:sld>
 </file>
 
-<file path=ppt/slides/slide18.xml><?xml version="1.0" encoding="utf-8"?>
+<file path=ppt/slides/slide2.xml><?xml version="1.0" encoding="utf-8"?>
+<p:sld xmlns:a="http://schemas.openxmlformats.org/drawingml/2006/main" xmlns:r="http://schemas.openxmlformats.org/officeDocument/2006/relationships" xmlns:p="http://schemas.openxmlformats.org/presentationml/2006/main">
+  <p:cSld>
+    <p:spTree>
+      <p:nvGrpSpPr>
+        <p:cNvPr id="1" name="">
+          <a:extLst>
+            <a:ext uri="{FF2B5EF4-FFF2-40B4-BE49-F238E27FC236}">
+              <a16:creationId xmlns:a16="http://schemas.microsoft.com/office/drawing/2014/main" id="{C9C37103-DC63-5195-15A1-347639A24472}"/>
+            </a:ext>
+          </a:extLst>
+        </p:cNvPr>
+        <p:cNvGrpSpPr/>
+        <p:nvPr/>
+      </p:nvGrpSpPr>
+      <p:grpSpPr>
+        <a:xfrm>
+          <a:off x="0" y="0"/>
+          <a:ext cx="0" cy="0"/>
+          <a:chOff x="0" y="0"/>
+          <a:chExt cx="0" cy="0"/>
+        </a:xfrm>
+      </p:grpSpPr>
+      <p:sp>
+        <p:nvSpPr>
+          <p:cNvPr id="2" name="Title 1">
+            <a:extLst>
+              <a:ext uri="{FF2B5EF4-FFF2-40B4-BE49-F238E27FC236}">
+                <a16:creationId xmlns:a16="http://schemas.microsoft.com/office/drawing/2014/main" id="{2C855AD1-D50F-D045-AE97-ECD7E6A24D1A}"/>
+              </a:ext>
+            </a:extLst>
+          </p:cNvPr>
+          <p:cNvSpPr>
+            <a:spLocks noGrp="1"/>
+          </p:cNvSpPr>
+          <p:nvPr>
+            <p:ph type="title"/>
+          </p:nvPr>
+        </p:nvSpPr>
+        <p:spPr/>
+        <p:txBody>
+          <a:bodyPr/>
+          <a:lstStyle/>
+          <a:p>
+            <a:r>
+              <a:rPr lang="en-ES" dirty="0"/>
+              <a:t>B1.S1.2</a:t>
+            </a:r>
+          </a:p>
+        </p:txBody>
+      </p:sp>
+      <p:sp>
+        <p:nvSpPr>
+          <p:cNvPr id="3" name="Pie 2">
+            <a:extLst>
+              <a:ext uri="{FF2B5EF4-FFF2-40B4-BE49-F238E27FC236}">
+                <a16:creationId xmlns:a16="http://schemas.microsoft.com/office/drawing/2014/main" id="{09316E81-ED00-99A8-74C7-A1B90526EBE2}"/>
+              </a:ext>
+            </a:extLst>
+          </p:cNvPr>
+          <p:cNvSpPr/>
+          <p:nvPr/>
+        </p:nvSpPr>
+        <p:spPr>
+          <a:xfrm>
+            <a:off x="1433456" y="2918012"/>
+            <a:ext cx="4155141" cy="4222378"/>
+          </a:xfrm>
+          <a:prstGeom prst="pie">
+            <a:avLst>
+              <a:gd name="adj1" fmla="val 10766858"/>
+              <a:gd name="adj2" fmla="val 4033"/>
+            </a:avLst>
+          </a:prstGeom>
+          <a:solidFill>
+            <a:schemeClr val="accent4">
+              <a:lumMod val="40000"/>
+              <a:lumOff val="60000"/>
+            </a:schemeClr>
+          </a:solidFill>
+        </p:spPr>
+        <p:style>
+          <a:lnRef idx="2">
+            <a:schemeClr val="accent1">
+              <a:shade val="15000"/>
+            </a:schemeClr>
+          </a:lnRef>
+          <a:fillRef idx="1">
+            <a:schemeClr val="accent1"/>
+          </a:fillRef>
+          <a:effectRef idx="0">
+            <a:schemeClr val="accent1"/>
+          </a:effectRef>
+          <a:fontRef idx="minor">
+            <a:schemeClr val="lt1"/>
+          </a:fontRef>
+        </p:style>
+        <p:txBody>
+          <a:bodyPr rtlCol="0" anchor="ctr"/>
+          <a:lstStyle/>
+          <a:p>
+            <a:pPr algn="ctr"/>
+            <a:endParaRPr lang="en-ES">
+              <a:solidFill>
+                <a:schemeClr val="tx1"/>
+              </a:solidFill>
+            </a:endParaRPr>
+          </a:p>
+        </p:txBody>
+      </p:sp>
+      <p:sp>
+        <p:nvSpPr>
+          <p:cNvPr id="4" name="Oval 3">
+            <a:extLst>
+              <a:ext uri="{FF2B5EF4-FFF2-40B4-BE49-F238E27FC236}">
+                <a16:creationId xmlns:a16="http://schemas.microsoft.com/office/drawing/2014/main" id="{2550CF0A-890E-8281-8E8A-C7005607E13A}"/>
+              </a:ext>
+            </a:extLst>
+          </p:cNvPr>
+          <p:cNvSpPr/>
+          <p:nvPr/>
+        </p:nvSpPr>
+        <p:spPr>
+          <a:xfrm>
+            <a:off x="1433456" y="4554892"/>
+            <a:ext cx="4155141" cy="948614"/>
+          </a:xfrm>
+          <a:prstGeom prst="ellipse">
+            <a:avLst/>
+          </a:prstGeom>
+          <a:solidFill>
+            <a:schemeClr val="accent4">
+              <a:lumMod val="40000"/>
+              <a:lumOff val="60000"/>
+            </a:schemeClr>
+          </a:solidFill>
+          <a:ln>
+            <a:noFill/>
+          </a:ln>
+        </p:spPr>
+        <p:style>
+          <a:lnRef idx="2">
+            <a:schemeClr val="accent1">
+              <a:shade val="15000"/>
+            </a:schemeClr>
+          </a:lnRef>
+          <a:fillRef idx="1">
+            <a:schemeClr val="accent1"/>
+          </a:fillRef>
+          <a:effectRef idx="0">
+            <a:schemeClr val="accent1"/>
+          </a:effectRef>
+          <a:fontRef idx="minor">
+            <a:schemeClr val="lt1"/>
+          </a:fontRef>
+        </p:style>
+        <p:txBody>
+          <a:bodyPr rtlCol="0" anchor="ctr"/>
+          <a:lstStyle/>
+          <a:p>
+            <a:pPr algn="ctr"/>
+            <a:endParaRPr lang="en-ES"/>
+          </a:p>
+        </p:txBody>
+      </p:sp>
+      <p:sp>
+        <p:nvSpPr>
+          <p:cNvPr id="5" name="Arc 4">
+            <a:extLst>
+              <a:ext uri="{FF2B5EF4-FFF2-40B4-BE49-F238E27FC236}">
+                <a16:creationId xmlns:a16="http://schemas.microsoft.com/office/drawing/2014/main" id="{5C6A1C15-53B7-496E-84B0-7169FFC2E6B7}"/>
+              </a:ext>
+            </a:extLst>
+          </p:cNvPr>
+          <p:cNvSpPr/>
+          <p:nvPr/>
+        </p:nvSpPr>
+        <p:spPr>
+          <a:xfrm>
+            <a:off x="1433457" y="2918012"/>
+            <a:ext cx="4155141" cy="4222377"/>
+          </a:xfrm>
+          <a:prstGeom prst="arc">
+            <a:avLst>
+              <a:gd name="adj1" fmla="val 10778025"/>
+              <a:gd name="adj2" fmla="val 0"/>
+            </a:avLst>
+          </a:prstGeom>
+          <a:ln w="38100">
+            <a:solidFill>
+              <a:schemeClr val="tx1"/>
+            </a:solidFill>
+          </a:ln>
+        </p:spPr>
+        <p:style>
+          <a:lnRef idx="2">
+            <a:schemeClr val="accent1"/>
+          </a:lnRef>
+          <a:fillRef idx="0">
+            <a:schemeClr val="accent1"/>
+          </a:fillRef>
+          <a:effectRef idx="1">
+            <a:schemeClr val="accent1"/>
+          </a:effectRef>
+          <a:fontRef idx="minor">
+            <a:schemeClr val="tx1"/>
+          </a:fontRef>
+        </p:style>
+        <p:txBody>
+          <a:bodyPr rtlCol="0" anchor="ctr"/>
+          <a:lstStyle/>
+          <a:p>
+            <a:pPr algn="ctr"/>
+            <a:endParaRPr lang="en-ES"/>
+          </a:p>
+        </p:txBody>
+      </p:sp>
+      <p:sp>
+        <p:nvSpPr>
+          <p:cNvPr id="6" name="Arc 5">
+            <a:extLst>
+              <a:ext uri="{FF2B5EF4-FFF2-40B4-BE49-F238E27FC236}">
+                <a16:creationId xmlns:a16="http://schemas.microsoft.com/office/drawing/2014/main" id="{5160BAA1-70E8-938B-6BDD-EC025B43B0B1}"/>
+              </a:ext>
+            </a:extLst>
+          </p:cNvPr>
+          <p:cNvSpPr/>
+          <p:nvPr/>
+        </p:nvSpPr>
+        <p:spPr>
+          <a:xfrm>
+            <a:off x="1433457" y="4554893"/>
+            <a:ext cx="4155141" cy="948613"/>
+          </a:xfrm>
+          <a:prstGeom prst="arc">
+            <a:avLst>
+              <a:gd name="adj1" fmla="val 10778025"/>
+              <a:gd name="adj2" fmla="val 0"/>
+            </a:avLst>
+          </a:prstGeom>
+          <a:ln w="38100">
+            <a:solidFill>
+              <a:schemeClr val="tx1"/>
+            </a:solidFill>
+            <a:prstDash val="dash"/>
+          </a:ln>
+        </p:spPr>
+        <p:style>
+          <a:lnRef idx="2">
+            <a:schemeClr val="accent1"/>
+          </a:lnRef>
+          <a:fillRef idx="0">
+            <a:schemeClr val="accent1"/>
+          </a:fillRef>
+          <a:effectRef idx="1">
+            <a:schemeClr val="accent1"/>
+          </a:effectRef>
+          <a:fontRef idx="minor">
+            <a:schemeClr val="tx1"/>
+          </a:fontRef>
+        </p:style>
+        <p:txBody>
+          <a:bodyPr rtlCol="0" anchor="ctr"/>
+          <a:lstStyle/>
+          <a:p>
+            <a:pPr algn="ctr"/>
+            <a:endParaRPr lang="en-ES"/>
+          </a:p>
+        </p:txBody>
+      </p:sp>
+      <p:sp>
+        <p:nvSpPr>
+          <p:cNvPr id="7" name="Arc 6">
+            <a:extLst>
+              <a:ext uri="{FF2B5EF4-FFF2-40B4-BE49-F238E27FC236}">
+                <a16:creationId xmlns:a16="http://schemas.microsoft.com/office/drawing/2014/main" id="{DB4EF742-A090-1805-5DD9-C5546877BC35}"/>
+              </a:ext>
+            </a:extLst>
+          </p:cNvPr>
+          <p:cNvSpPr/>
+          <p:nvPr/>
+        </p:nvSpPr>
+        <p:spPr>
+          <a:xfrm>
+            <a:off x="1433457" y="4554893"/>
+            <a:ext cx="4155141" cy="948613"/>
+          </a:xfrm>
+          <a:prstGeom prst="arc">
+            <a:avLst>
+              <a:gd name="adj1" fmla="val 21583761"/>
+              <a:gd name="adj2" fmla="val 10776216"/>
+            </a:avLst>
+          </a:prstGeom>
+          <a:ln w="38100">
+            <a:solidFill>
+              <a:schemeClr val="tx1"/>
+            </a:solidFill>
+            <a:prstDash val="solid"/>
+          </a:ln>
+        </p:spPr>
+        <p:style>
+          <a:lnRef idx="2">
+            <a:schemeClr val="accent1"/>
+          </a:lnRef>
+          <a:fillRef idx="0">
+            <a:schemeClr val="accent1"/>
+          </a:fillRef>
+          <a:effectRef idx="1">
+            <a:schemeClr val="accent1"/>
+          </a:effectRef>
+          <a:fontRef idx="minor">
+            <a:schemeClr val="tx1"/>
+          </a:fontRef>
+        </p:style>
+        <p:txBody>
+          <a:bodyPr rtlCol="0" anchor="ctr"/>
+          <a:lstStyle/>
+          <a:p>
+            <a:pPr algn="ctr"/>
+            <a:endParaRPr lang="en-ES"/>
+          </a:p>
+        </p:txBody>
+      </p:sp>
+      <p:sp>
+        <p:nvSpPr>
+          <p:cNvPr id="8" name="Oval 7">
+            <a:extLst>
+              <a:ext uri="{FF2B5EF4-FFF2-40B4-BE49-F238E27FC236}">
+                <a16:creationId xmlns:a16="http://schemas.microsoft.com/office/drawing/2014/main" id="{7A9363B4-DF01-E150-82B0-0FCA77C1C5FD}"/>
+              </a:ext>
+            </a:extLst>
+          </p:cNvPr>
+          <p:cNvSpPr/>
+          <p:nvPr/>
+        </p:nvSpPr>
+        <p:spPr>
+          <a:xfrm>
+            <a:off x="3419634" y="2994731"/>
+            <a:ext cx="167337" cy="69668"/>
+          </a:xfrm>
+          <a:prstGeom prst="ellipse">
+            <a:avLst/>
+          </a:prstGeom>
+        </p:spPr>
+        <p:style>
+          <a:lnRef idx="2">
+            <a:schemeClr val="accent1">
+              <a:shade val="15000"/>
+            </a:schemeClr>
+          </a:lnRef>
+          <a:fillRef idx="1">
+            <a:schemeClr val="accent1"/>
+          </a:fillRef>
+          <a:effectRef idx="0">
+            <a:schemeClr val="accent1"/>
+          </a:effectRef>
+          <a:fontRef idx="minor">
+            <a:schemeClr val="lt1"/>
+          </a:fontRef>
+        </p:style>
+        <p:txBody>
+          <a:bodyPr rtlCol="0" anchor="ctr"/>
+          <a:lstStyle/>
+          <a:p>
+            <a:pPr algn="ctr"/>
+            <a:endParaRPr lang="en-ES"/>
+          </a:p>
+        </p:txBody>
+      </p:sp>
+      <p:sp>
+        <p:nvSpPr>
+          <p:cNvPr id="9" name="Oval 8">
+            <a:extLst>
+              <a:ext uri="{FF2B5EF4-FFF2-40B4-BE49-F238E27FC236}">
+                <a16:creationId xmlns:a16="http://schemas.microsoft.com/office/drawing/2014/main" id="{FB49C907-F857-56ED-24B1-562263F086B6}"/>
+              </a:ext>
+            </a:extLst>
+          </p:cNvPr>
+          <p:cNvSpPr/>
+          <p:nvPr/>
+        </p:nvSpPr>
+        <p:spPr>
+          <a:xfrm>
+            <a:off x="3419634" y="4957904"/>
+            <a:ext cx="167337" cy="69668"/>
+          </a:xfrm>
+          <a:prstGeom prst="ellipse">
+            <a:avLst/>
+          </a:prstGeom>
+        </p:spPr>
+        <p:style>
+          <a:lnRef idx="2">
+            <a:schemeClr val="accent1">
+              <a:shade val="15000"/>
+            </a:schemeClr>
+          </a:lnRef>
+          <a:fillRef idx="1">
+            <a:schemeClr val="accent1"/>
+          </a:fillRef>
+          <a:effectRef idx="0">
+            <a:schemeClr val="accent1"/>
+          </a:effectRef>
+          <a:fontRef idx="minor">
+            <a:schemeClr val="lt1"/>
+          </a:fontRef>
+        </p:style>
+        <p:txBody>
+          <a:bodyPr rtlCol="0" anchor="ctr"/>
+          <a:lstStyle/>
+          <a:p>
+            <a:pPr algn="ctr"/>
+            <a:endParaRPr lang="en-ES"/>
+          </a:p>
+        </p:txBody>
+      </p:sp>
+      <p:sp>
+        <p:nvSpPr>
+          <p:cNvPr id="11" name="TextBox 10">
+            <a:extLst>
+              <a:ext uri="{FF2B5EF4-FFF2-40B4-BE49-F238E27FC236}">
+                <a16:creationId xmlns:a16="http://schemas.microsoft.com/office/drawing/2014/main" id="{BC1AE886-0269-55E1-6972-61F189366C57}"/>
+              </a:ext>
+            </a:extLst>
+          </p:cNvPr>
+          <p:cNvSpPr txBox="1"/>
+          <p:nvPr/>
+        </p:nvSpPr>
+        <p:spPr>
+          <a:xfrm>
+            <a:off x="2919597" y="2310040"/>
+            <a:ext cx="510076" cy="646331"/>
+          </a:xfrm>
+          <a:prstGeom prst="rect">
+            <a:avLst/>
+          </a:prstGeom>
+          <a:noFill/>
+        </p:spPr>
+        <p:txBody>
+          <a:bodyPr wrap="none" rtlCol="0">
+            <a:spAutoFit/>
+          </a:bodyPr>
+          <a:lstStyle/>
+          <a:p>
+            <a:r>
+              <a:rPr lang="en-ES" sz="3600" dirty="0"/>
+              <a:t>N</a:t>
+            </a:r>
+          </a:p>
+        </p:txBody>
+      </p:sp>
+      <p:sp>
+        <p:nvSpPr>
+          <p:cNvPr id="12" name="TextBox 11">
+            <a:extLst>
+              <a:ext uri="{FF2B5EF4-FFF2-40B4-BE49-F238E27FC236}">
+                <a16:creationId xmlns:a16="http://schemas.microsoft.com/office/drawing/2014/main" id="{724EBCBB-BAC7-9A1F-D4A7-C8981C1E253D}"/>
+              </a:ext>
+            </a:extLst>
+          </p:cNvPr>
+          <p:cNvSpPr txBox="1"/>
+          <p:nvPr/>
+        </p:nvSpPr>
+        <p:spPr>
+          <a:xfrm>
+            <a:off x="2896734" y="4857175"/>
+            <a:ext cx="522900" cy="646331"/>
+          </a:xfrm>
+          <a:prstGeom prst="rect">
+            <a:avLst/>
+          </a:prstGeom>
+          <a:noFill/>
+        </p:spPr>
+        <p:txBody>
+          <a:bodyPr wrap="none" rtlCol="0">
+            <a:spAutoFit/>
+          </a:bodyPr>
+          <a:lstStyle/>
+          <a:p>
+            <a:r>
+              <a:rPr lang="en-ES" sz="3600" dirty="0"/>
+              <a:t>O</a:t>
+            </a:r>
+          </a:p>
+        </p:txBody>
+      </p:sp>
+      <p:sp>
+        <p:nvSpPr>
+          <p:cNvPr id="13" name="Oval 12">
+            <a:extLst>
+              <a:ext uri="{FF2B5EF4-FFF2-40B4-BE49-F238E27FC236}">
+                <a16:creationId xmlns:a16="http://schemas.microsoft.com/office/drawing/2014/main" id="{322D8EC8-818D-2FD2-93C7-4DCB0E0893A1}"/>
+              </a:ext>
+            </a:extLst>
+          </p:cNvPr>
+          <p:cNvSpPr/>
+          <p:nvPr/>
+        </p:nvSpPr>
+        <p:spPr>
+          <a:xfrm rot="2766453">
+            <a:off x="4400372" y="3642708"/>
+            <a:ext cx="167337" cy="69668"/>
+          </a:xfrm>
+          <a:prstGeom prst="ellipse">
+            <a:avLst/>
+          </a:prstGeom>
+        </p:spPr>
+        <p:style>
+          <a:lnRef idx="2">
+            <a:schemeClr val="accent1">
+              <a:shade val="15000"/>
+            </a:schemeClr>
+          </a:lnRef>
+          <a:fillRef idx="1">
+            <a:schemeClr val="accent1"/>
+          </a:fillRef>
+          <a:effectRef idx="0">
+            <a:schemeClr val="accent1"/>
+          </a:effectRef>
+          <a:fontRef idx="minor">
+            <a:schemeClr val="lt1"/>
+          </a:fontRef>
+        </p:style>
+        <p:txBody>
+          <a:bodyPr rtlCol="0" anchor="ctr"/>
+          <a:lstStyle/>
+          <a:p>
+            <a:pPr algn="ctr"/>
+            <a:endParaRPr lang="en-ES"/>
+          </a:p>
+        </p:txBody>
+      </p:sp>
+      <p:sp>
+        <p:nvSpPr>
+          <p:cNvPr id="14" name="Arc 13">
+            <a:extLst>
+              <a:ext uri="{FF2B5EF4-FFF2-40B4-BE49-F238E27FC236}">
+                <a16:creationId xmlns:a16="http://schemas.microsoft.com/office/drawing/2014/main" id="{788039F9-6F13-8097-318F-A9E4FDBD5E07}"/>
+              </a:ext>
+            </a:extLst>
+          </p:cNvPr>
+          <p:cNvSpPr/>
+          <p:nvPr/>
+        </p:nvSpPr>
+        <p:spPr>
+          <a:xfrm>
+            <a:off x="1021973" y="2961043"/>
+            <a:ext cx="4001845" cy="4450977"/>
+          </a:xfrm>
+          <a:prstGeom prst="arc">
+            <a:avLst>
+              <a:gd name="adj1" fmla="val 17045662"/>
+              <a:gd name="adj2" fmla="val 18774423"/>
+            </a:avLst>
+          </a:prstGeom>
+          <a:ln w="38100">
+            <a:solidFill>
+              <a:schemeClr val="tx1"/>
+            </a:solidFill>
+          </a:ln>
+        </p:spPr>
+        <p:style>
+          <a:lnRef idx="2">
+            <a:schemeClr val="accent1"/>
+          </a:lnRef>
+          <a:fillRef idx="0">
+            <a:schemeClr val="accent1"/>
+          </a:fillRef>
+          <a:effectRef idx="1">
+            <a:schemeClr val="accent1"/>
+          </a:effectRef>
+          <a:fontRef idx="minor">
+            <a:schemeClr val="tx1"/>
+          </a:fontRef>
+        </p:style>
+        <p:txBody>
+          <a:bodyPr rtlCol="0" anchor="ctr"/>
+          <a:lstStyle/>
+          <a:p>
+            <a:pPr algn="ctr"/>
+            <a:endParaRPr lang="en-ES"/>
+          </a:p>
+        </p:txBody>
+      </p:sp>
+      <p:cxnSp>
+        <p:nvCxnSpPr>
+          <p:cNvPr id="16" name="Straight Connector 15">
+            <a:extLst>
+              <a:ext uri="{FF2B5EF4-FFF2-40B4-BE49-F238E27FC236}">
+                <a16:creationId xmlns:a16="http://schemas.microsoft.com/office/drawing/2014/main" id="{44BBA49D-0D71-3BED-1ACD-F3EB4C050F8D}"/>
+              </a:ext>
+            </a:extLst>
+          </p:cNvPr>
+          <p:cNvCxnSpPr>
+            <a:cxnSpLocks/>
+          </p:cNvCxnSpPr>
+          <p:nvPr/>
+        </p:nvCxnSpPr>
+        <p:spPr>
+          <a:xfrm flipV="1">
+            <a:off x="3506993" y="3064399"/>
+            <a:ext cx="0" cy="1893505"/>
+          </a:xfrm>
+          <a:prstGeom prst="line">
+            <a:avLst/>
+          </a:prstGeom>
+          <a:ln w="38100"/>
+        </p:spPr>
+        <p:style>
+          <a:lnRef idx="2">
+            <a:schemeClr val="accent1"/>
+          </a:lnRef>
+          <a:fillRef idx="0">
+            <a:schemeClr val="accent1"/>
+          </a:fillRef>
+          <a:effectRef idx="1">
+            <a:schemeClr val="accent1"/>
+          </a:effectRef>
+          <a:fontRef idx="minor">
+            <a:schemeClr val="tx1"/>
+          </a:fontRef>
+        </p:style>
+      </p:cxnSp>
+      <p:cxnSp>
+        <p:nvCxnSpPr>
+          <p:cNvPr id="19" name="Straight Connector 18">
+            <a:extLst>
+              <a:ext uri="{FF2B5EF4-FFF2-40B4-BE49-F238E27FC236}">
+                <a16:creationId xmlns:a16="http://schemas.microsoft.com/office/drawing/2014/main" id="{6C288BBB-8476-FC27-7A5A-C6C4422C0C68}"/>
+              </a:ext>
+            </a:extLst>
+          </p:cNvPr>
+          <p:cNvCxnSpPr>
+            <a:cxnSpLocks/>
+            <a:stCxn id="9" idx="7"/>
+            <a:endCxn id="13" idx="4"/>
+          </p:cNvCxnSpPr>
+          <p:nvPr/>
+        </p:nvCxnSpPr>
+        <p:spPr>
+          <a:xfrm flipV="1">
+            <a:off x="3562465" y="3701693"/>
+            <a:ext cx="896473" cy="1266414"/>
+          </a:xfrm>
+          <a:prstGeom prst="line">
+            <a:avLst/>
+          </a:prstGeom>
+          <a:ln w="38100">
+            <a:tailEnd type="triangle"/>
+          </a:ln>
+        </p:spPr>
+        <p:style>
+          <a:lnRef idx="2">
+            <a:schemeClr val="accent1"/>
+          </a:lnRef>
+          <a:fillRef idx="0">
+            <a:schemeClr val="accent1"/>
+          </a:fillRef>
+          <a:effectRef idx="1">
+            <a:schemeClr val="accent1"/>
+          </a:effectRef>
+          <a:fontRef idx="minor">
+            <a:schemeClr val="tx1"/>
+          </a:fontRef>
+        </p:style>
+      </p:cxnSp>
+      <p:grpSp>
+        <p:nvGrpSpPr>
+          <p:cNvPr id="23" name="Group 22">
+            <a:extLst>
+              <a:ext uri="{FF2B5EF4-FFF2-40B4-BE49-F238E27FC236}">
+                <a16:creationId xmlns:a16="http://schemas.microsoft.com/office/drawing/2014/main" id="{D9E60F76-4DDA-DD52-F378-CBA81B55D2D5}"/>
+              </a:ext>
+            </a:extLst>
+          </p:cNvPr>
+          <p:cNvGrpSpPr/>
+          <p:nvPr/>
+        </p:nvGrpSpPr>
+        <p:grpSpPr>
+          <a:xfrm>
+            <a:off x="4212716" y="3869196"/>
+            <a:ext cx="492443" cy="732608"/>
+            <a:chOff x="6765974" y="1862976"/>
+            <a:chExt cx="492443" cy="732608"/>
+          </a:xfrm>
+        </p:grpSpPr>
+        <p:sp>
+          <p:nvSpPr>
+            <p:cNvPr id="21" name="TextBox 20">
+              <a:extLst>
+                <a:ext uri="{FF2B5EF4-FFF2-40B4-BE49-F238E27FC236}">
+                  <a16:creationId xmlns:a16="http://schemas.microsoft.com/office/drawing/2014/main" id="{2201616C-9A24-84E2-F584-C74920985373}"/>
+                </a:ext>
+              </a:extLst>
+            </p:cNvPr>
+            <p:cNvSpPr txBox="1"/>
+            <p:nvPr/>
+          </p:nvSpPr>
+          <p:spPr>
+            <a:xfrm>
+              <a:off x="6817922" y="1949253"/>
+              <a:ext cx="338554" cy="646331"/>
+            </a:xfrm>
+            <a:prstGeom prst="rect">
+              <a:avLst/>
+            </a:prstGeom>
+            <a:noFill/>
+          </p:spPr>
+          <p:txBody>
+            <a:bodyPr wrap="none" rtlCol="0">
+              <a:spAutoFit/>
+            </a:bodyPr>
+            <a:lstStyle/>
+            <a:p>
+              <a:r>
+                <a:rPr lang="en-ES" sz="3600" dirty="0"/>
+                <a:t>r</a:t>
+              </a:r>
+              <a:endParaRPr lang="en-ES" sz="3600" baseline="-25000" dirty="0"/>
+            </a:p>
+          </p:txBody>
+        </p:sp>
+        <p:sp>
+          <p:nvSpPr>
+            <p:cNvPr id="22" name="TextBox 21">
+              <a:extLst>
+                <a:ext uri="{FF2B5EF4-FFF2-40B4-BE49-F238E27FC236}">
+                  <a16:creationId xmlns:a16="http://schemas.microsoft.com/office/drawing/2014/main" id="{63ECEDFA-0FEB-914E-3AA2-BADC696A90F5}"/>
+                </a:ext>
+              </a:extLst>
+            </p:cNvPr>
+            <p:cNvSpPr txBox="1"/>
+            <p:nvPr/>
+          </p:nvSpPr>
+          <p:spPr>
+            <a:xfrm>
+              <a:off x="6765974" y="1862976"/>
+              <a:ext cx="492443" cy="461665"/>
+            </a:xfrm>
+            <a:prstGeom prst="rect">
+              <a:avLst/>
+            </a:prstGeom>
+            <a:noFill/>
+          </p:spPr>
+          <p:txBody>
+            <a:bodyPr wrap="square" rtlCol="0">
+              <a:spAutoFit/>
+            </a:bodyPr>
+            <a:lstStyle/>
+            <a:p>
+              <a:r>
+                <a:rPr lang="en-ES" sz="2400" dirty="0"/>
+                <a:t>➝</a:t>
+              </a:r>
+            </a:p>
+          </p:txBody>
+        </p:sp>
+      </p:grpSp>
+      <p:sp>
+        <p:nvSpPr>
+          <p:cNvPr id="25" name="TextBox 24">
+            <a:extLst>
+              <a:ext uri="{FF2B5EF4-FFF2-40B4-BE49-F238E27FC236}">
+                <a16:creationId xmlns:a16="http://schemas.microsoft.com/office/drawing/2014/main" id="{B24F304A-4BC6-5985-7719-03D18059EAC9}"/>
+              </a:ext>
+            </a:extLst>
+          </p:cNvPr>
+          <p:cNvSpPr txBox="1"/>
+          <p:nvPr/>
+        </p:nvSpPr>
+        <p:spPr>
+          <a:xfrm>
+            <a:off x="3589028" y="3717153"/>
+            <a:ext cx="437940" cy="646331"/>
+          </a:xfrm>
+          <a:prstGeom prst="rect">
+            <a:avLst/>
+          </a:prstGeom>
+          <a:noFill/>
+        </p:spPr>
+        <p:txBody>
+          <a:bodyPr wrap="none" rtlCol="0">
+            <a:spAutoFit/>
+          </a:bodyPr>
+          <a:lstStyle/>
+          <a:p>
+            <a:r>
+              <a:rPr lang="en-ES" sz="3600" dirty="0"/>
+              <a:t>θ</a:t>
+            </a:r>
+          </a:p>
+        </p:txBody>
+      </p:sp>
+      <p:sp>
+        <p:nvSpPr>
+          <p:cNvPr id="26" name="Arc 25">
+            <a:extLst>
+              <a:ext uri="{FF2B5EF4-FFF2-40B4-BE49-F238E27FC236}">
+                <a16:creationId xmlns:a16="http://schemas.microsoft.com/office/drawing/2014/main" id="{2D82B2C3-C8B9-E23E-F3C2-C3F98C7BE8C9}"/>
+              </a:ext>
+            </a:extLst>
+          </p:cNvPr>
+          <p:cNvSpPr/>
+          <p:nvPr/>
+        </p:nvSpPr>
+        <p:spPr>
+          <a:xfrm>
+            <a:off x="2276854" y="4149883"/>
+            <a:ext cx="1913383" cy="2060914"/>
+          </a:xfrm>
+          <a:prstGeom prst="arc">
+            <a:avLst>
+              <a:gd name="adj1" fmla="val 17045662"/>
+              <a:gd name="adj2" fmla="val 18774423"/>
+            </a:avLst>
+          </a:prstGeom>
+          <a:ln w="38100">
+            <a:solidFill>
+              <a:schemeClr val="tx1"/>
+            </a:solidFill>
+          </a:ln>
+        </p:spPr>
+        <p:style>
+          <a:lnRef idx="2">
+            <a:schemeClr val="accent1"/>
+          </a:lnRef>
+          <a:fillRef idx="0">
+            <a:schemeClr val="accent1"/>
+          </a:fillRef>
+          <a:effectRef idx="1">
+            <a:schemeClr val="accent1"/>
+          </a:effectRef>
+          <a:fontRef idx="minor">
+            <a:schemeClr val="tx1"/>
+          </a:fontRef>
+        </p:style>
+        <p:txBody>
+          <a:bodyPr rtlCol="0" anchor="ctr"/>
+          <a:lstStyle/>
+          <a:p>
+            <a:pPr algn="ctr"/>
+            <a:endParaRPr lang="en-ES"/>
+          </a:p>
+        </p:txBody>
+      </p:sp>
+      <p:sp>
+        <p:nvSpPr>
+          <p:cNvPr id="39" name="TextBox 38">
+            <a:extLst>
+              <a:ext uri="{FF2B5EF4-FFF2-40B4-BE49-F238E27FC236}">
+                <a16:creationId xmlns:a16="http://schemas.microsoft.com/office/drawing/2014/main" id="{B2BAF4B9-A177-A300-8020-4419082225D1}"/>
+              </a:ext>
+            </a:extLst>
+          </p:cNvPr>
+          <p:cNvSpPr txBox="1"/>
+          <p:nvPr/>
+        </p:nvSpPr>
+        <p:spPr>
+          <a:xfrm>
+            <a:off x="7831510" y="4575962"/>
+            <a:ext cx="437940" cy="646331"/>
+          </a:xfrm>
+          <a:prstGeom prst="rect">
+            <a:avLst/>
+          </a:prstGeom>
+          <a:noFill/>
+        </p:spPr>
+        <p:txBody>
+          <a:bodyPr wrap="square" rtlCol="0">
+            <a:spAutoFit/>
+          </a:bodyPr>
+          <a:lstStyle/>
+          <a:p>
+            <a:r>
+              <a:rPr lang="en-ES" sz="3600" dirty="0"/>
+              <a:t>θ</a:t>
+            </a:r>
+          </a:p>
+        </p:txBody>
+      </p:sp>
+      <p:sp>
+        <p:nvSpPr>
+          <p:cNvPr id="27" name="Arc 26">
+            <a:extLst>
+              <a:ext uri="{FF2B5EF4-FFF2-40B4-BE49-F238E27FC236}">
+                <a16:creationId xmlns:a16="http://schemas.microsoft.com/office/drawing/2014/main" id="{D44EBBCE-8353-A21D-D2A4-6CB3D2F0D917}"/>
+              </a:ext>
+            </a:extLst>
+          </p:cNvPr>
+          <p:cNvSpPr/>
+          <p:nvPr/>
+        </p:nvSpPr>
+        <p:spPr>
+          <a:xfrm>
+            <a:off x="5023818" y="2428545"/>
+            <a:ext cx="6261087" cy="6149921"/>
+          </a:xfrm>
+          <a:prstGeom prst="arc">
+            <a:avLst>
+              <a:gd name="adj1" fmla="val 16235464"/>
+              <a:gd name="adj2" fmla="val 19178223"/>
+            </a:avLst>
+          </a:prstGeom>
+          <a:ln w="38100">
+            <a:solidFill>
+              <a:schemeClr val="tx1"/>
+            </a:solidFill>
+          </a:ln>
+        </p:spPr>
+        <p:style>
+          <a:lnRef idx="2">
+            <a:schemeClr val="accent1"/>
+          </a:lnRef>
+          <a:fillRef idx="0">
+            <a:schemeClr val="accent1"/>
+          </a:fillRef>
+          <a:effectRef idx="1">
+            <a:schemeClr val="accent1"/>
+          </a:effectRef>
+          <a:fontRef idx="minor">
+            <a:schemeClr val="tx1"/>
+          </a:fontRef>
+        </p:style>
+        <p:txBody>
+          <a:bodyPr rtlCol="0" anchor="ctr"/>
+          <a:lstStyle/>
+          <a:p>
+            <a:pPr algn="ctr"/>
+            <a:endParaRPr lang="en-ES"/>
+          </a:p>
+        </p:txBody>
+      </p:sp>
+      <p:sp>
+        <p:nvSpPr>
+          <p:cNvPr id="28" name="Oval 27">
+            <a:extLst>
+              <a:ext uri="{FF2B5EF4-FFF2-40B4-BE49-F238E27FC236}">
+                <a16:creationId xmlns:a16="http://schemas.microsoft.com/office/drawing/2014/main" id="{696F848F-7651-1E4E-DA9B-C9BCFBF483B3}"/>
+              </a:ext>
+            </a:extLst>
+          </p:cNvPr>
+          <p:cNvSpPr/>
+          <p:nvPr/>
+        </p:nvSpPr>
+        <p:spPr>
+          <a:xfrm>
+            <a:off x="8076712" y="5367642"/>
+            <a:ext cx="252148" cy="214956"/>
+          </a:xfrm>
+          <a:prstGeom prst="ellipse">
+            <a:avLst/>
+          </a:prstGeom>
+        </p:spPr>
+        <p:style>
+          <a:lnRef idx="2">
+            <a:schemeClr val="accent1">
+              <a:shade val="15000"/>
+            </a:schemeClr>
+          </a:lnRef>
+          <a:fillRef idx="1">
+            <a:schemeClr val="accent1"/>
+          </a:fillRef>
+          <a:effectRef idx="0">
+            <a:schemeClr val="accent1"/>
+          </a:effectRef>
+          <a:fontRef idx="minor">
+            <a:schemeClr val="lt1"/>
+          </a:fontRef>
+        </p:style>
+        <p:txBody>
+          <a:bodyPr rtlCol="0" anchor="ctr"/>
+          <a:lstStyle/>
+          <a:p>
+            <a:pPr algn="ctr"/>
+            <a:endParaRPr lang="en-ES"/>
+          </a:p>
+        </p:txBody>
+      </p:sp>
+      <p:cxnSp>
+        <p:nvCxnSpPr>
+          <p:cNvPr id="29" name="Straight Connector 28">
+            <a:extLst>
+              <a:ext uri="{FF2B5EF4-FFF2-40B4-BE49-F238E27FC236}">
+                <a16:creationId xmlns:a16="http://schemas.microsoft.com/office/drawing/2014/main" id="{623DC22B-FD40-A3D2-E338-EA3A9A6CFFCC}"/>
+              </a:ext>
+            </a:extLst>
+          </p:cNvPr>
+          <p:cNvCxnSpPr>
+            <a:cxnSpLocks/>
+            <a:stCxn id="28" idx="0"/>
+            <a:endCxn id="27" idx="0"/>
+          </p:cNvCxnSpPr>
+          <p:nvPr/>
+        </p:nvCxnSpPr>
+        <p:spPr>
+          <a:xfrm flipH="1" flipV="1">
+            <a:off x="8187178" y="2428714"/>
+            <a:ext cx="15609" cy="2938928"/>
+          </a:xfrm>
+          <a:prstGeom prst="line">
+            <a:avLst/>
+          </a:prstGeom>
+          <a:ln w="38100"/>
+        </p:spPr>
+        <p:style>
+          <a:lnRef idx="2">
+            <a:schemeClr val="accent1"/>
+          </a:lnRef>
+          <a:fillRef idx="0">
+            <a:schemeClr val="accent1"/>
+          </a:fillRef>
+          <a:effectRef idx="1">
+            <a:schemeClr val="accent1"/>
+          </a:effectRef>
+          <a:fontRef idx="minor">
+            <a:schemeClr val="tx1"/>
+          </a:fontRef>
+        </p:style>
+      </p:cxnSp>
+      <p:cxnSp>
+        <p:nvCxnSpPr>
+          <p:cNvPr id="32" name="Straight Connector 31">
+            <a:extLst>
+              <a:ext uri="{FF2B5EF4-FFF2-40B4-BE49-F238E27FC236}">
+                <a16:creationId xmlns:a16="http://schemas.microsoft.com/office/drawing/2014/main" id="{88E08202-D14E-073B-7532-0E6ADB19F65C}"/>
+              </a:ext>
+            </a:extLst>
+          </p:cNvPr>
+          <p:cNvCxnSpPr>
+            <a:cxnSpLocks/>
+            <a:stCxn id="28" idx="7"/>
+            <a:endCxn id="27" idx="2"/>
+          </p:cNvCxnSpPr>
+          <p:nvPr/>
+        </p:nvCxnSpPr>
+        <p:spPr>
+          <a:xfrm flipV="1">
+            <a:off x="8291934" y="3530674"/>
+            <a:ext cx="2263730" cy="1868448"/>
+          </a:xfrm>
+          <a:prstGeom prst="line">
+            <a:avLst/>
+          </a:prstGeom>
+          <a:ln w="38100"/>
+        </p:spPr>
+        <p:style>
+          <a:lnRef idx="2">
+            <a:schemeClr val="accent1"/>
+          </a:lnRef>
+          <a:fillRef idx="0">
+            <a:schemeClr val="accent1"/>
+          </a:fillRef>
+          <a:effectRef idx="1">
+            <a:schemeClr val="accent1"/>
+          </a:effectRef>
+          <a:fontRef idx="minor">
+            <a:schemeClr val="tx1"/>
+          </a:fontRef>
+        </p:style>
+      </p:cxnSp>
+      <p:sp>
+        <p:nvSpPr>
+          <p:cNvPr id="35" name="Arc 34">
+            <a:extLst>
+              <a:ext uri="{FF2B5EF4-FFF2-40B4-BE49-F238E27FC236}">
+                <a16:creationId xmlns:a16="http://schemas.microsoft.com/office/drawing/2014/main" id="{9D38E17D-1317-E71A-9CB5-1E7A4C94D7FB}"/>
+              </a:ext>
+            </a:extLst>
+          </p:cNvPr>
+          <p:cNvSpPr/>
+          <p:nvPr/>
+        </p:nvSpPr>
+        <p:spPr>
+          <a:xfrm>
+            <a:off x="7675213" y="4907486"/>
+            <a:ext cx="1087215" cy="1125839"/>
+          </a:xfrm>
+          <a:prstGeom prst="arc">
+            <a:avLst>
+              <a:gd name="adj1" fmla="val 16235464"/>
+              <a:gd name="adj2" fmla="val 19178223"/>
+            </a:avLst>
+          </a:prstGeom>
+          <a:ln w="38100">
+            <a:solidFill>
+              <a:schemeClr val="tx1"/>
+            </a:solidFill>
+          </a:ln>
+        </p:spPr>
+        <p:style>
+          <a:lnRef idx="2">
+            <a:schemeClr val="accent1"/>
+          </a:lnRef>
+          <a:fillRef idx="0">
+            <a:schemeClr val="accent1"/>
+          </a:fillRef>
+          <a:effectRef idx="1">
+            <a:schemeClr val="accent1"/>
+          </a:effectRef>
+          <a:fontRef idx="minor">
+            <a:schemeClr val="tx1"/>
+          </a:fontRef>
+        </p:style>
+        <p:txBody>
+          <a:bodyPr rtlCol="0" anchor="ctr"/>
+          <a:lstStyle/>
+          <a:p>
+            <a:pPr algn="ctr"/>
+            <a:endParaRPr lang="en-ES"/>
+          </a:p>
+        </p:txBody>
+      </p:sp>
+      <p:cxnSp>
+        <p:nvCxnSpPr>
+          <p:cNvPr id="40" name="Straight Connector 39">
+            <a:extLst>
+              <a:ext uri="{FF2B5EF4-FFF2-40B4-BE49-F238E27FC236}">
+                <a16:creationId xmlns:a16="http://schemas.microsoft.com/office/drawing/2014/main" id="{6DACE6DE-EDE6-32E9-FD03-901EB2FA79DD}"/>
+              </a:ext>
+            </a:extLst>
+          </p:cNvPr>
+          <p:cNvCxnSpPr>
+            <a:cxnSpLocks/>
+          </p:cNvCxnSpPr>
+          <p:nvPr/>
+        </p:nvCxnSpPr>
+        <p:spPr>
+          <a:xfrm flipV="1">
+            <a:off x="8247005" y="2962299"/>
+            <a:ext cx="1124415" cy="2436822"/>
+          </a:xfrm>
+          <a:prstGeom prst="line">
+            <a:avLst/>
+          </a:prstGeom>
+          <a:ln w="38100"/>
+        </p:spPr>
+        <p:style>
+          <a:lnRef idx="2">
+            <a:schemeClr val="accent1"/>
+          </a:lnRef>
+          <a:fillRef idx="0">
+            <a:schemeClr val="accent1"/>
+          </a:fillRef>
+          <a:effectRef idx="1">
+            <a:schemeClr val="accent1"/>
+          </a:effectRef>
+          <a:fontRef idx="minor">
+            <a:schemeClr val="tx1"/>
+          </a:fontRef>
+        </p:style>
+      </p:cxnSp>
+      <p:cxnSp>
+        <p:nvCxnSpPr>
+          <p:cNvPr id="45" name="Straight Connector 44">
+            <a:extLst>
+              <a:ext uri="{FF2B5EF4-FFF2-40B4-BE49-F238E27FC236}">
+                <a16:creationId xmlns:a16="http://schemas.microsoft.com/office/drawing/2014/main" id="{2C8B9186-E5DB-FE3C-2430-CA05B30D55DB}"/>
+              </a:ext>
+            </a:extLst>
+          </p:cNvPr>
+          <p:cNvCxnSpPr>
+            <a:cxnSpLocks/>
+            <a:stCxn id="27" idx="0"/>
+            <a:endCxn id="27" idx="2"/>
+          </p:cNvCxnSpPr>
+          <p:nvPr/>
+        </p:nvCxnSpPr>
+        <p:spPr>
+          <a:xfrm>
+            <a:off x="8187178" y="2428714"/>
+            <a:ext cx="2368487" cy="1101960"/>
+          </a:xfrm>
+          <a:prstGeom prst="line">
+            <a:avLst/>
+          </a:prstGeom>
+          <a:ln w="38100"/>
+        </p:spPr>
+        <p:style>
+          <a:lnRef idx="2">
+            <a:schemeClr val="accent1"/>
+          </a:lnRef>
+          <a:fillRef idx="0">
+            <a:schemeClr val="accent1"/>
+          </a:fillRef>
+          <a:effectRef idx="1">
+            <a:schemeClr val="accent1"/>
+          </a:effectRef>
+          <a:fontRef idx="minor">
+            <a:schemeClr val="tx1"/>
+          </a:fontRef>
+        </p:style>
+      </p:cxnSp>
+      <p:sp>
+        <p:nvSpPr>
+          <p:cNvPr id="49" name="TextBox 48">
+            <a:extLst>
+              <a:ext uri="{FF2B5EF4-FFF2-40B4-BE49-F238E27FC236}">
+                <a16:creationId xmlns:a16="http://schemas.microsoft.com/office/drawing/2014/main" id="{6C35533C-2F76-27FB-2FD9-2ADDE81760FB}"/>
+              </a:ext>
+            </a:extLst>
+          </p:cNvPr>
+          <p:cNvSpPr txBox="1"/>
+          <p:nvPr/>
+        </p:nvSpPr>
+        <p:spPr>
+          <a:xfrm>
+            <a:off x="8923895" y="3698799"/>
+            <a:ext cx="910662" cy="646331"/>
+          </a:xfrm>
+          <a:prstGeom prst="rect">
+            <a:avLst/>
+          </a:prstGeom>
+          <a:noFill/>
+        </p:spPr>
+        <p:txBody>
+          <a:bodyPr wrap="square" rtlCol="0">
+            <a:spAutoFit/>
+          </a:bodyPr>
+          <a:lstStyle/>
+          <a:p>
+            <a:r>
+              <a:rPr lang="en-ES" sz="3600" dirty="0"/>
+              <a:t>θ/2</a:t>
+            </a:r>
+          </a:p>
+        </p:txBody>
+      </p:sp>
+      <p:sp>
+        <p:nvSpPr>
+          <p:cNvPr id="52" name="Arc 51">
+            <a:extLst>
+              <a:ext uri="{FF2B5EF4-FFF2-40B4-BE49-F238E27FC236}">
+                <a16:creationId xmlns:a16="http://schemas.microsoft.com/office/drawing/2014/main" id="{A93F4E1C-D374-23D6-5C42-25A6D2DB28C2}"/>
+              </a:ext>
+            </a:extLst>
+          </p:cNvPr>
+          <p:cNvSpPr/>
+          <p:nvPr/>
+        </p:nvSpPr>
+        <p:spPr>
+          <a:xfrm>
+            <a:off x="6978790" y="4309012"/>
+            <a:ext cx="2428602" cy="2329182"/>
+          </a:xfrm>
+          <a:prstGeom prst="arc">
+            <a:avLst>
+              <a:gd name="adj1" fmla="val 17770735"/>
+              <a:gd name="adj2" fmla="val 19178223"/>
+            </a:avLst>
+          </a:prstGeom>
+          <a:ln w="38100">
+            <a:solidFill>
+              <a:schemeClr val="tx1"/>
+            </a:solidFill>
+          </a:ln>
+        </p:spPr>
+        <p:style>
+          <a:lnRef idx="2">
+            <a:schemeClr val="accent1"/>
+          </a:lnRef>
+          <a:fillRef idx="0">
+            <a:schemeClr val="accent1"/>
+          </a:fillRef>
+          <a:effectRef idx="1">
+            <a:schemeClr val="accent1"/>
+          </a:effectRef>
+          <a:fontRef idx="minor">
+            <a:schemeClr val="tx1"/>
+          </a:fontRef>
+        </p:style>
+        <p:txBody>
+          <a:bodyPr rtlCol="0" anchor="ctr"/>
+          <a:lstStyle/>
+          <a:p>
+            <a:pPr algn="ctr"/>
+            <a:endParaRPr lang="en-ES"/>
+          </a:p>
+        </p:txBody>
+      </p:sp>
+      <p:sp>
+        <p:nvSpPr>
+          <p:cNvPr id="53" name="Left Brace 52">
+            <a:extLst>
+              <a:ext uri="{FF2B5EF4-FFF2-40B4-BE49-F238E27FC236}">
+                <a16:creationId xmlns:a16="http://schemas.microsoft.com/office/drawing/2014/main" id="{EEBEADDA-4708-71AE-C04C-07AD989EC4E2}"/>
+              </a:ext>
+            </a:extLst>
+          </p:cNvPr>
+          <p:cNvSpPr/>
+          <p:nvPr/>
+        </p:nvSpPr>
+        <p:spPr>
+          <a:xfrm>
+            <a:off x="7602470" y="2446120"/>
+            <a:ext cx="304800" cy="3036119"/>
+          </a:xfrm>
+          <a:prstGeom prst="leftBrace">
+            <a:avLst/>
+          </a:prstGeom>
+        </p:spPr>
+        <p:style>
+          <a:lnRef idx="2">
+            <a:schemeClr val="accent1"/>
+          </a:lnRef>
+          <a:fillRef idx="0">
+            <a:schemeClr val="accent1"/>
+          </a:fillRef>
+          <a:effectRef idx="1">
+            <a:schemeClr val="accent1"/>
+          </a:effectRef>
+          <a:fontRef idx="minor">
+            <a:schemeClr val="tx1"/>
+          </a:fontRef>
+        </p:style>
+        <p:txBody>
+          <a:bodyPr rtlCol="0" anchor="ctr"/>
+          <a:lstStyle/>
+          <a:p>
+            <a:pPr algn="ctr"/>
+            <a:endParaRPr lang="en-ES"/>
+          </a:p>
+        </p:txBody>
+      </p:sp>
+      <p:sp>
+        <p:nvSpPr>
+          <p:cNvPr id="54" name="TextBox 53">
+            <a:extLst>
+              <a:ext uri="{FF2B5EF4-FFF2-40B4-BE49-F238E27FC236}">
+                <a16:creationId xmlns:a16="http://schemas.microsoft.com/office/drawing/2014/main" id="{6AA8751F-6753-0C32-755E-AFAE08EAEE67}"/>
+              </a:ext>
+            </a:extLst>
+          </p:cNvPr>
+          <p:cNvSpPr txBox="1"/>
+          <p:nvPr/>
+        </p:nvSpPr>
+        <p:spPr>
+          <a:xfrm>
+            <a:off x="7215825" y="3593096"/>
+            <a:ext cx="429926" cy="646331"/>
+          </a:xfrm>
+          <a:prstGeom prst="rect">
+            <a:avLst/>
+          </a:prstGeom>
+          <a:noFill/>
+        </p:spPr>
+        <p:txBody>
+          <a:bodyPr wrap="none" rtlCol="0">
+            <a:spAutoFit/>
+          </a:bodyPr>
+          <a:lstStyle/>
+          <a:p>
+            <a:r>
+              <a:rPr lang="en-ES" sz="3600" dirty="0"/>
+              <a:t>a</a:t>
+            </a:r>
+          </a:p>
+        </p:txBody>
+      </p:sp>
+      <p:sp>
+        <p:nvSpPr>
+          <p:cNvPr id="55" name="Left Brace 54">
+            <a:extLst>
+              <a:ext uri="{FF2B5EF4-FFF2-40B4-BE49-F238E27FC236}">
+                <a16:creationId xmlns:a16="http://schemas.microsoft.com/office/drawing/2014/main" id="{CDD0697A-62F8-2B60-9263-AD3D5323509E}"/>
+              </a:ext>
+            </a:extLst>
+          </p:cNvPr>
+          <p:cNvSpPr/>
+          <p:nvPr/>
+        </p:nvSpPr>
+        <p:spPr>
+          <a:xfrm rot="6941951">
+            <a:off x="9420309" y="1239921"/>
+            <a:ext cx="360267" cy="2639443"/>
+          </a:xfrm>
+          <a:prstGeom prst="leftBrace">
+            <a:avLst/>
+          </a:prstGeom>
+        </p:spPr>
+        <p:style>
+          <a:lnRef idx="2">
+            <a:schemeClr val="accent1"/>
+          </a:lnRef>
+          <a:fillRef idx="0">
+            <a:schemeClr val="accent1"/>
+          </a:fillRef>
+          <a:effectRef idx="1">
+            <a:schemeClr val="accent1"/>
+          </a:effectRef>
+          <a:fontRef idx="minor">
+            <a:schemeClr val="tx1"/>
+          </a:fontRef>
+        </p:style>
+        <p:txBody>
+          <a:bodyPr rtlCol="0" anchor="ctr"/>
+          <a:lstStyle/>
+          <a:p>
+            <a:pPr algn="ctr"/>
+            <a:endParaRPr lang="en-ES"/>
+          </a:p>
+        </p:txBody>
+      </p:sp>
+      <p:sp>
+        <p:nvSpPr>
+          <p:cNvPr id="56" name="TextBox 55">
+            <a:extLst>
+              <a:ext uri="{FF2B5EF4-FFF2-40B4-BE49-F238E27FC236}">
+                <a16:creationId xmlns:a16="http://schemas.microsoft.com/office/drawing/2014/main" id="{AA711C45-FDA9-252C-0272-E423179CB38D}"/>
+              </a:ext>
+            </a:extLst>
+          </p:cNvPr>
+          <p:cNvSpPr txBox="1"/>
+          <p:nvPr/>
+        </p:nvSpPr>
+        <p:spPr>
+          <a:xfrm>
+            <a:off x="9564336" y="1830351"/>
+            <a:ext cx="465192" cy="646331"/>
+          </a:xfrm>
+          <a:prstGeom prst="rect">
+            <a:avLst/>
+          </a:prstGeom>
+          <a:noFill/>
+        </p:spPr>
+        <p:txBody>
+          <a:bodyPr wrap="none" rtlCol="0">
+            <a:spAutoFit/>
+          </a:bodyPr>
+          <a:lstStyle/>
+          <a:p>
+            <a:r>
+              <a:rPr lang="en-ES" sz="3600" dirty="0"/>
+              <a:t>R</a:t>
+            </a:r>
+          </a:p>
+        </p:txBody>
+      </p:sp>
+    </p:spTree>
+    <p:extLst>
+      <p:ext uri="{BB962C8B-B14F-4D97-AF65-F5344CB8AC3E}">
+        <p14:creationId xmlns:p14="http://schemas.microsoft.com/office/powerpoint/2010/main" val="358445491"/>
+      </p:ext>
+    </p:extLst>
+  </p:cSld>
+  <p:clrMapOvr>
+    <a:masterClrMapping/>
+  </p:clrMapOvr>
+</p:sld>
+</file>
+
+<file path=ppt/slides/slide20.xml><?xml version="1.0" encoding="utf-8"?>
 <p:sld xmlns:a="http://schemas.openxmlformats.org/drawingml/2006/main" xmlns:r="http://schemas.openxmlformats.org/officeDocument/2006/relationships" xmlns:p="http://schemas.openxmlformats.org/presentationml/2006/main">
   <p:cSld>
     <p:spTree>
@@ -12853,7 +16634,7 @@
 </p:sld>
 </file>
 
-<file path=ppt/slides/slide19.xml><?xml version="1.0" encoding="utf-8"?>
+<file path=ppt/slides/slide21.xml><?xml version="1.0" encoding="utf-8"?>
 <p:sld xmlns:a="http://schemas.openxmlformats.org/drawingml/2006/main" xmlns:r="http://schemas.openxmlformats.org/officeDocument/2006/relationships" xmlns:p="http://schemas.openxmlformats.org/presentationml/2006/main">
   <p:cSld>
     <p:spTree>
@@ -13219,1456 +17000,7 @@
 </p:sld>
 </file>
 
-<file path=ppt/slides/slide2.xml><?xml version="1.0" encoding="utf-8"?>
-<p:sld xmlns:a="http://schemas.openxmlformats.org/drawingml/2006/main" xmlns:r="http://schemas.openxmlformats.org/officeDocument/2006/relationships" xmlns:p="http://schemas.openxmlformats.org/presentationml/2006/main">
-  <p:cSld>
-    <p:spTree>
-      <p:nvGrpSpPr>
-        <p:cNvPr id="1" name="">
-          <a:extLst>
-            <a:ext uri="{FF2B5EF4-FFF2-40B4-BE49-F238E27FC236}">
-              <a16:creationId xmlns:a16="http://schemas.microsoft.com/office/drawing/2014/main" id="{C9C37103-DC63-5195-15A1-347639A24472}"/>
-            </a:ext>
-          </a:extLst>
-        </p:cNvPr>
-        <p:cNvGrpSpPr/>
-        <p:nvPr/>
-      </p:nvGrpSpPr>
-      <p:grpSpPr>
-        <a:xfrm>
-          <a:off x="0" y="0"/>
-          <a:ext cx="0" cy="0"/>
-          <a:chOff x="0" y="0"/>
-          <a:chExt cx="0" cy="0"/>
-        </a:xfrm>
-      </p:grpSpPr>
-      <p:sp>
-        <p:nvSpPr>
-          <p:cNvPr id="2" name="Title 1">
-            <a:extLst>
-              <a:ext uri="{FF2B5EF4-FFF2-40B4-BE49-F238E27FC236}">
-                <a16:creationId xmlns:a16="http://schemas.microsoft.com/office/drawing/2014/main" id="{2C855AD1-D50F-D045-AE97-ECD7E6A24D1A}"/>
-              </a:ext>
-            </a:extLst>
-          </p:cNvPr>
-          <p:cNvSpPr>
-            <a:spLocks noGrp="1"/>
-          </p:cNvSpPr>
-          <p:nvPr>
-            <p:ph type="title"/>
-          </p:nvPr>
-        </p:nvSpPr>
-        <p:spPr/>
-        <p:txBody>
-          <a:bodyPr/>
-          <a:lstStyle/>
-          <a:p>
-            <a:r>
-              <a:rPr lang="en-ES" dirty="0"/>
-              <a:t>B1.S1.2</a:t>
-            </a:r>
-          </a:p>
-        </p:txBody>
-      </p:sp>
-      <p:sp>
-        <p:nvSpPr>
-          <p:cNvPr id="3" name="Pie 2">
-            <a:extLst>
-              <a:ext uri="{FF2B5EF4-FFF2-40B4-BE49-F238E27FC236}">
-                <a16:creationId xmlns:a16="http://schemas.microsoft.com/office/drawing/2014/main" id="{09316E81-ED00-99A8-74C7-A1B90526EBE2}"/>
-              </a:ext>
-            </a:extLst>
-          </p:cNvPr>
-          <p:cNvSpPr/>
-          <p:nvPr/>
-        </p:nvSpPr>
-        <p:spPr>
-          <a:xfrm>
-            <a:off x="1433456" y="2918012"/>
-            <a:ext cx="4155141" cy="4222378"/>
-          </a:xfrm>
-          <a:prstGeom prst="pie">
-            <a:avLst>
-              <a:gd name="adj1" fmla="val 10766858"/>
-              <a:gd name="adj2" fmla="val 4033"/>
-            </a:avLst>
-          </a:prstGeom>
-          <a:solidFill>
-            <a:schemeClr val="accent4">
-              <a:lumMod val="40000"/>
-              <a:lumOff val="60000"/>
-            </a:schemeClr>
-          </a:solidFill>
-        </p:spPr>
-        <p:style>
-          <a:lnRef idx="2">
-            <a:schemeClr val="accent1">
-              <a:shade val="15000"/>
-            </a:schemeClr>
-          </a:lnRef>
-          <a:fillRef idx="1">
-            <a:schemeClr val="accent1"/>
-          </a:fillRef>
-          <a:effectRef idx="0">
-            <a:schemeClr val="accent1"/>
-          </a:effectRef>
-          <a:fontRef idx="minor">
-            <a:schemeClr val="lt1"/>
-          </a:fontRef>
-        </p:style>
-        <p:txBody>
-          <a:bodyPr rtlCol="0" anchor="ctr"/>
-          <a:lstStyle/>
-          <a:p>
-            <a:pPr algn="ctr"/>
-            <a:endParaRPr lang="en-ES">
-              <a:solidFill>
-                <a:schemeClr val="tx1"/>
-              </a:solidFill>
-            </a:endParaRPr>
-          </a:p>
-        </p:txBody>
-      </p:sp>
-      <p:sp>
-        <p:nvSpPr>
-          <p:cNvPr id="4" name="Oval 3">
-            <a:extLst>
-              <a:ext uri="{FF2B5EF4-FFF2-40B4-BE49-F238E27FC236}">
-                <a16:creationId xmlns:a16="http://schemas.microsoft.com/office/drawing/2014/main" id="{2550CF0A-890E-8281-8E8A-C7005607E13A}"/>
-              </a:ext>
-            </a:extLst>
-          </p:cNvPr>
-          <p:cNvSpPr/>
-          <p:nvPr/>
-        </p:nvSpPr>
-        <p:spPr>
-          <a:xfrm>
-            <a:off x="1433456" y="4554892"/>
-            <a:ext cx="4155141" cy="948614"/>
-          </a:xfrm>
-          <a:prstGeom prst="ellipse">
-            <a:avLst/>
-          </a:prstGeom>
-          <a:solidFill>
-            <a:schemeClr val="accent4">
-              <a:lumMod val="40000"/>
-              <a:lumOff val="60000"/>
-            </a:schemeClr>
-          </a:solidFill>
-          <a:ln>
-            <a:noFill/>
-          </a:ln>
-        </p:spPr>
-        <p:style>
-          <a:lnRef idx="2">
-            <a:schemeClr val="accent1">
-              <a:shade val="15000"/>
-            </a:schemeClr>
-          </a:lnRef>
-          <a:fillRef idx="1">
-            <a:schemeClr val="accent1"/>
-          </a:fillRef>
-          <a:effectRef idx="0">
-            <a:schemeClr val="accent1"/>
-          </a:effectRef>
-          <a:fontRef idx="minor">
-            <a:schemeClr val="lt1"/>
-          </a:fontRef>
-        </p:style>
-        <p:txBody>
-          <a:bodyPr rtlCol="0" anchor="ctr"/>
-          <a:lstStyle/>
-          <a:p>
-            <a:pPr algn="ctr"/>
-            <a:endParaRPr lang="en-ES"/>
-          </a:p>
-        </p:txBody>
-      </p:sp>
-      <p:sp>
-        <p:nvSpPr>
-          <p:cNvPr id="5" name="Arc 4">
-            <a:extLst>
-              <a:ext uri="{FF2B5EF4-FFF2-40B4-BE49-F238E27FC236}">
-                <a16:creationId xmlns:a16="http://schemas.microsoft.com/office/drawing/2014/main" id="{5C6A1C15-53B7-496E-84B0-7169FFC2E6B7}"/>
-              </a:ext>
-            </a:extLst>
-          </p:cNvPr>
-          <p:cNvSpPr/>
-          <p:nvPr/>
-        </p:nvSpPr>
-        <p:spPr>
-          <a:xfrm>
-            <a:off x="1433457" y="2918012"/>
-            <a:ext cx="4155141" cy="4222377"/>
-          </a:xfrm>
-          <a:prstGeom prst="arc">
-            <a:avLst>
-              <a:gd name="adj1" fmla="val 10778025"/>
-              <a:gd name="adj2" fmla="val 0"/>
-            </a:avLst>
-          </a:prstGeom>
-          <a:ln w="38100">
-            <a:solidFill>
-              <a:schemeClr val="tx1"/>
-            </a:solidFill>
-          </a:ln>
-        </p:spPr>
-        <p:style>
-          <a:lnRef idx="2">
-            <a:schemeClr val="accent1"/>
-          </a:lnRef>
-          <a:fillRef idx="0">
-            <a:schemeClr val="accent1"/>
-          </a:fillRef>
-          <a:effectRef idx="1">
-            <a:schemeClr val="accent1"/>
-          </a:effectRef>
-          <a:fontRef idx="minor">
-            <a:schemeClr val="tx1"/>
-          </a:fontRef>
-        </p:style>
-        <p:txBody>
-          <a:bodyPr rtlCol="0" anchor="ctr"/>
-          <a:lstStyle/>
-          <a:p>
-            <a:pPr algn="ctr"/>
-            <a:endParaRPr lang="en-ES"/>
-          </a:p>
-        </p:txBody>
-      </p:sp>
-      <p:sp>
-        <p:nvSpPr>
-          <p:cNvPr id="6" name="Arc 5">
-            <a:extLst>
-              <a:ext uri="{FF2B5EF4-FFF2-40B4-BE49-F238E27FC236}">
-                <a16:creationId xmlns:a16="http://schemas.microsoft.com/office/drawing/2014/main" id="{5160BAA1-70E8-938B-6BDD-EC025B43B0B1}"/>
-              </a:ext>
-            </a:extLst>
-          </p:cNvPr>
-          <p:cNvSpPr/>
-          <p:nvPr/>
-        </p:nvSpPr>
-        <p:spPr>
-          <a:xfrm>
-            <a:off x="1433457" y="4554893"/>
-            <a:ext cx="4155141" cy="948613"/>
-          </a:xfrm>
-          <a:prstGeom prst="arc">
-            <a:avLst>
-              <a:gd name="adj1" fmla="val 10778025"/>
-              <a:gd name="adj2" fmla="val 0"/>
-            </a:avLst>
-          </a:prstGeom>
-          <a:ln w="38100">
-            <a:solidFill>
-              <a:schemeClr val="tx1"/>
-            </a:solidFill>
-            <a:prstDash val="dash"/>
-          </a:ln>
-        </p:spPr>
-        <p:style>
-          <a:lnRef idx="2">
-            <a:schemeClr val="accent1"/>
-          </a:lnRef>
-          <a:fillRef idx="0">
-            <a:schemeClr val="accent1"/>
-          </a:fillRef>
-          <a:effectRef idx="1">
-            <a:schemeClr val="accent1"/>
-          </a:effectRef>
-          <a:fontRef idx="minor">
-            <a:schemeClr val="tx1"/>
-          </a:fontRef>
-        </p:style>
-        <p:txBody>
-          <a:bodyPr rtlCol="0" anchor="ctr"/>
-          <a:lstStyle/>
-          <a:p>
-            <a:pPr algn="ctr"/>
-            <a:endParaRPr lang="en-ES"/>
-          </a:p>
-        </p:txBody>
-      </p:sp>
-      <p:sp>
-        <p:nvSpPr>
-          <p:cNvPr id="7" name="Arc 6">
-            <a:extLst>
-              <a:ext uri="{FF2B5EF4-FFF2-40B4-BE49-F238E27FC236}">
-                <a16:creationId xmlns:a16="http://schemas.microsoft.com/office/drawing/2014/main" id="{DB4EF742-A090-1805-5DD9-C5546877BC35}"/>
-              </a:ext>
-            </a:extLst>
-          </p:cNvPr>
-          <p:cNvSpPr/>
-          <p:nvPr/>
-        </p:nvSpPr>
-        <p:spPr>
-          <a:xfrm>
-            <a:off x="1433457" y="4554893"/>
-            <a:ext cx="4155141" cy="948613"/>
-          </a:xfrm>
-          <a:prstGeom prst="arc">
-            <a:avLst>
-              <a:gd name="adj1" fmla="val 21583761"/>
-              <a:gd name="adj2" fmla="val 10776216"/>
-            </a:avLst>
-          </a:prstGeom>
-          <a:ln w="38100">
-            <a:solidFill>
-              <a:schemeClr val="tx1"/>
-            </a:solidFill>
-            <a:prstDash val="solid"/>
-          </a:ln>
-        </p:spPr>
-        <p:style>
-          <a:lnRef idx="2">
-            <a:schemeClr val="accent1"/>
-          </a:lnRef>
-          <a:fillRef idx="0">
-            <a:schemeClr val="accent1"/>
-          </a:fillRef>
-          <a:effectRef idx="1">
-            <a:schemeClr val="accent1"/>
-          </a:effectRef>
-          <a:fontRef idx="minor">
-            <a:schemeClr val="tx1"/>
-          </a:fontRef>
-        </p:style>
-        <p:txBody>
-          <a:bodyPr rtlCol="0" anchor="ctr"/>
-          <a:lstStyle/>
-          <a:p>
-            <a:pPr algn="ctr"/>
-            <a:endParaRPr lang="en-ES"/>
-          </a:p>
-        </p:txBody>
-      </p:sp>
-      <p:sp>
-        <p:nvSpPr>
-          <p:cNvPr id="8" name="Oval 7">
-            <a:extLst>
-              <a:ext uri="{FF2B5EF4-FFF2-40B4-BE49-F238E27FC236}">
-                <a16:creationId xmlns:a16="http://schemas.microsoft.com/office/drawing/2014/main" id="{7A9363B4-DF01-E150-82B0-0FCA77C1C5FD}"/>
-              </a:ext>
-            </a:extLst>
-          </p:cNvPr>
-          <p:cNvSpPr/>
-          <p:nvPr/>
-        </p:nvSpPr>
-        <p:spPr>
-          <a:xfrm>
-            <a:off x="3419634" y="2994731"/>
-            <a:ext cx="167337" cy="69668"/>
-          </a:xfrm>
-          <a:prstGeom prst="ellipse">
-            <a:avLst/>
-          </a:prstGeom>
-        </p:spPr>
-        <p:style>
-          <a:lnRef idx="2">
-            <a:schemeClr val="accent1">
-              <a:shade val="15000"/>
-            </a:schemeClr>
-          </a:lnRef>
-          <a:fillRef idx="1">
-            <a:schemeClr val="accent1"/>
-          </a:fillRef>
-          <a:effectRef idx="0">
-            <a:schemeClr val="accent1"/>
-          </a:effectRef>
-          <a:fontRef idx="minor">
-            <a:schemeClr val="lt1"/>
-          </a:fontRef>
-        </p:style>
-        <p:txBody>
-          <a:bodyPr rtlCol="0" anchor="ctr"/>
-          <a:lstStyle/>
-          <a:p>
-            <a:pPr algn="ctr"/>
-            <a:endParaRPr lang="en-ES"/>
-          </a:p>
-        </p:txBody>
-      </p:sp>
-      <p:sp>
-        <p:nvSpPr>
-          <p:cNvPr id="9" name="Oval 8">
-            <a:extLst>
-              <a:ext uri="{FF2B5EF4-FFF2-40B4-BE49-F238E27FC236}">
-                <a16:creationId xmlns:a16="http://schemas.microsoft.com/office/drawing/2014/main" id="{FB49C907-F857-56ED-24B1-562263F086B6}"/>
-              </a:ext>
-            </a:extLst>
-          </p:cNvPr>
-          <p:cNvSpPr/>
-          <p:nvPr/>
-        </p:nvSpPr>
-        <p:spPr>
-          <a:xfrm>
-            <a:off x="3419634" y="4957904"/>
-            <a:ext cx="167337" cy="69668"/>
-          </a:xfrm>
-          <a:prstGeom prst="ellipse">
-            <a:avLst/>
-          </a:prstGeom>
-        </p:spPr>
-        <p:style>
-          <a:lnRef idx="2">
-            <a:schemeClr val="accent1">
-              <a:shade val="15000"/>
-            </a:schemeClr>
-          </a:lnRef>
-          <a:fillRef idx="1">
-            <a:schemeClr val="accent1"/>
-          </a:fillRef>
-          <a:effectRef idx="0">
-            <a:schemeClr val="accent1"/>
-          </a:effectRef>
-          <a:fontRef idx="minor">
-            <a:schemeClr val="lt1"/>
-          </a:fontRef>
-        </p:style>
-        <p:txBody>
-          <a:bodyPr rtlCol="0" anchor="ctr"/>
-          <a:lstStyle/>
-          <a:p>
-            <a:pPr algn="ctr"/>
-            <a:endParaRPr lang="en-ES"/>
-          </a:p>
-        </p:txBody>
-      </p:sp>
-      <p:sp>
-        <p:nvSpPr>
-          <p:cNvPr id="11" name="TextBox 10">
-            <a:extLst>
-              <a:ext uri="{FF2B5EF4-FFF2-40B4-BE49-F238E27FC236}">
-                <a16:creationId xmlns:a16="http://schemas.microsoft.com/office/drawing/2014/main" id="{BC1AE886-0269-55E1-6972-61F189366C57}"/>
-              </a:ext>
-            </a:extLst>
-          </p:cNvPr>
-          <p:cNvSpPr txBox="1"/>
-          <p:nvPr/>
-        </p:nvSpPr>
-        <p:spPr>
-          <a:xfrm>
-            <a:off x="2919597" y="2310040"/>
-            <a:ext cx="510076" cy="646331"/>
-          </a:xfrm>
-          <a:prstGeom prst="rect">
-            <a:avLst/>
-          </a:prstGeom>
-          <a:noFill/>
-        </p:spPr>
-        <p:txBody>
-          <a:bodyPr wrap="none" rtlCol="0">
-            <a:spAutoFit/>
-          </a:bodyPr>
-          <a:lstStyle/>
-          <a:p>
-            <a:r>
-              <a:rPr lang="en-ES" sz="3600" dirty="0"/>
-              <a:t>N</a:t>
-            </a:r>
-          </a:p>
-        </p:txBody>
-      </p:sp>
-      <p:sp>
-        <p:nvSpPr>
-          <p:cNvPr id="12" name="TextBox 11">
-            <a:extLst>
-              <a:ext uri="{FF2B5EF4-FFF2-40B4-BE49-F238E27FC236}">
-                <a16:creationId xmlns:a16="http://schemas.microsoft.com/office/drawing/2014/main" id="{724EBCBB-BAC7-9A1F-D4A7-C8981C1E253D}"/>
-              </a:ext>
-            </a:extLst>
-          </p:cNvPr>
-          <p:cNvSpPr txBox="1"/>
-          <p:nvPr/>
-        </p:nvSpPr>
-        <p:spPr>
-          <a:xfrm>
-            <a:off x="2896734" y="4857175"/>
-            <a:ext cx="522900" cy="646331"/>
-          </a:xfrm>
-          <a:prstGeom prst="rect">
-            <a:avLst/>
-          </a:prstGeom>
-          <a:noFill/>
-        </p:spPr>
-        <p:txBody>
-          <a:bodyPr wrap="none" rtlCol="0">
-            <a:spAutoFit/>
-          </a:bodyPr>
-          <a:lstStyle/>
-          <a:p>
-            <a:r>
-              <a:rPr lang="en-ES" sz="3600" dirty="0"/>
-              <a:t>O</a:t>
-            </a:r>
-          </a:p>
-        </p:txBody>
-      </p:sp>
-      <p:sp>
-        <p:nvSpPr>
-          <p:cNvPr id="13" name="Oval 12">
-            <a:extLst>
-              <a:ext uri="{FF2B5EF4-FFF2-40B4-BE49-F238E27FC236}">
-                <a16:creationId xmlns:a16="http://schemas.microsoft.com/office/drawing/2014/main" id="{322D8EC8-818D-2FD2-93C7-4DCB0E0893A1}"/>
-              </a:ext>
-            </a:extLst>
-          </p:cNvPr>
-          <p:cNvSpPr/>
-          <p:nvPr/>
-        </p:nvSpPr>
-        <p:spPr>
-          <a:xfrm rot="2766453">
-            <a:off x="4400372" y="3642708"/>
-            <a:ext cx="167337" cy="69668"/>
-          </a:xfrm>
-          <a:prstGeom prst="ellipse">
-            <a:avLst/>
-          </a:prstGeom>
-        </p:spPr>
-        <p:style>
-          <a:lnRef idx="2">
-            <a:schemeClr val="accent1">
-              <a:shade val="15000"/>
-            </a:schemeClr>
-          </a:lnRef>
-          <a:fillRef idx="1">
-            <a:schemeClr val="accent1"/>
-          </a:fillRef>
-          <a:effectRef idx="0">
-            <a:schemeClr val="accent1"/>
-          </a:effectRef>
-          <a:fontRef idx="minor">
-            <a:schemeClr val="lt1"/>
-          </a:fontRef>
-        </p:style>
-        <p:txBody>
-          <a:bodyPr rtlCol="0" anchor="ctr"/>
-          <a:lstStyle/>
-          <a:p>
-            <a:pPr algn="ctr"/>
-            <a:endParaRPr lang="en-ES"/>
-          </a:p>
-        </p:txBody>
-      </p:sp>
-      <p:sp>
-        <p:nvSpPr>
-          <p:cNvPr id="14" name="Arc 13">
-            <a:extLst>
-              <a:ext uri="{FF2B5EF4-FFF2-40B4-BE49-F238E27FC236}">
-                <a16:creationId xmlns:a16="http://schemas.microsoft.com/office/drawing/2014/main" id="{788039F9-6F13-8097-318F-A9E4FDBD5E07}"/>
-              </a:ext>
-            </a:extLst>
-          </p:cNvPr>
-          <p:cNvSpPr/>
-          <p:nvPr/>
-        </p:nvSpPr>
-        <p:spPr>
-          <a:xfrm>
-            <a:off x="1021973" y="2961043"/>
-            <a:ext cx="4001845" cy="4450977"/>
-          </a:xfrm>
-          <a:prstGeom prst="arc">
-            <a:avLst>
-              <a:gd name="adj1" fmla="val 17045662"/>
-              <a:gd name="adj2" fmla="val 18774423"/>
-            </a:avLst>
-          </a:prstGeom>
-          <a:ln w="38100">
-            <a:solidFill>
-              <a:schemeClr val="tx1"/>
-            </a:solidFill>
-          </a:ln>
-        </p:spPr>
-        <p:style>
-          <a:lnRef idx="2">
-            <a:schemeClr val="accent1"/>
-          </a:lnRef>
-          <a:fillRef idx="0">
-            <a:schemeClr val="accent1"/>
-          </a:fillRef>
-          <a:effectRef idx="1">
-            <a:schemeClr val="accent1"/>
-          </a:effectRef>
-          <a:fontRef idx="minor">
-            <a:schemeClr val="tx1"/>
-          </a:fontRef>
-        </p:style>
-        <p:txBody>
-          <a:bodyPr rtlCol="0" anchor="ctr"/>
-          <a:lstStyle/>
-          <a:p>
-            <a:pPr algn="ctr"/>
-            <a:endParaRPr lang="en-ES"/>
-          </a:p>
-        </p:txBody>
-      </p:sp>
-      <p:cxnSp>
-        <p:nvCxnSpPr>
-          <p:cNvPr id="16" name="Straight Connector 15">
-            <a:extLst>
-              <a:ext uri="{FF2B5EF4-FFF2-40B4-BE49-F238E27FC236}">
-                <a16:creationId xmlns:a16="http://schemas.microsoft.com/office/drawing/2014/main" id="{44BBA49D-0D71-3BED-1ACD-F3EB4C050F8D}"/>
-              </a:ext>
-            </a:extLst>
-          </p:cNvPr>
-          <p:cNvCxnSpPr>
-            <a:cxnSpLocks/>
-          </p:cNvCxnSpPr>
-          <p:nvPr/>
-        </p:nvCxnSpPr>
-        <p:spPr>
-          <a:xfrm flipV="1">
-            <a:off x="3506993" y="3064399"/>
-            <a:ext cx="0" cy="1893505"/>
-          </a:xfrm>
-          <a:prstGeom prst="line">
-            <a:avLst/>
-          </a:prstGeom>
-          <a:ln w="38100"/>
-        </p:spPr>
-        <p:style>
-          <a:lnRef idx="2">
-            <a:schemeClr val="accent1"/>
-          </a:lnRef>
-          <a:fillRef idx="0">
-            <a:schemeClr val="accent1"/>
-          </a:fillRef>
-          <a:effectRef idx="1">
-            <a:schemeClr val="accent1"/>
-          </a:effectRef>
-          <a:fontRef idx="minor">
-            <a:schemeClr val="tx1"/>
-          </a:fontRef>
-        </p:style>
-      </p:cxnSp>
-      <p:cxnSp>
-        <p:nvCxnSpPr>
-          <p:cNvPr id="19" name="Straight Connector 18">
-            <a:extLst>
-              <a:ext uri="{FF2B5EF4-FFF2-40B4-BE49-F238E27FC236}">
-                <a16:creationId xmlns:a16="http://schemas.microsoft.com/office/drawing/2014/main" id="{6C288BBB-8476-FC27-7A5A-C6C4422C0C68}"/>
-              </a:ext>
-            </a:extLst>
-          </p:cNvPr>
-          <p:cNvCxnSpPr>
-            <a:cxnSpLocks/>
-            <a:stCxn id="9" idx="7"/>
-            <a:endCxn id="13" idx="4"/>
-          </p:cNvCxnSpPr>
-          <p:nvPr/>
-        </p:nvCxnSpPr>
-        <p:spPr>
-          <a:xfrm flipV="1">
-            <a:off x="3562465" y="3701693"/>
-            <a:ext cx="896473" cy="1266414"/>
-          </a:xfrm>
-          <a:prstGeom prst="line">
-            <a:avLst/>
-          </a:prstGeom>
-          <a:ln w="38100">
-            <a:tailEnd type="triangle"/>
-          </a:ln>
-        </p:spPr>
-        <p:style>
-          <a:lnRef idx="2">
-            <a:schemeClr val="accent1"/>
-          </a:lnRef>
-          <a:fillRef idx="0">
-            <a:schemeClr val="accent1"/>
-          </a:fillRef>
-          <a:effectRef idx="1">
-            <a:schemeClr val="accent1"/>
-          </a:effectRef>
-          <a:fontRef idx="minor">
-            <a:schemeClr val="tx1"/>
-          </a:fontRef>
-        </p:style>
-      </p:cxnSp>
-      <p:grpSp>
-        <p:nvGrpSpPr>
-          <p:cNvPr id="23" name="Group 22">
-            <a:extLst>
-              <a:ext uri="{FF2B5EF4-FFF2-40B4-BE49-F238E27FC236}">
-                <a16:creationId xmlns:a16="http://schemas.microsoft.com/office/drawing/2014/main" id="{D9E60F76-4DDA-DD52-F378-CBA81B55D2D5}"/>
-              </a:ext>
-            </a:extLst>
-          </p:cNvPr>
-          <p:cNvGrpSpPr/>
-          <p:nvPr/>
-        </p:nvGrpSpPr>
-        <p:grpSpPr>
-          <a:xfrm>
-            <a:off x="4212716" y="3869196"/>
-            <a:ext cx="492443" cy="732608"/>
-            <a:chOff x="6765974" y="1862976"/>
-            <a:chExt cx="492443" cy="732608"/>
-          </a:xfrm>
-        </p:grpSpPr>
-        <p:sp>
-          <p:nvSpPr>
-            <p:cNvPr id="21" name="TextBox 20">
-              <a:extLst>
-                <a:ext uri="{FF2B5EF4-FFF2-40B4-BE49-F238E27FC236}">
-                  <a16:creationId xmlns:a16="http://schemas.microsoft.com/office/drawing/2014/main" id="{2201616C-9A24-84E2-F584-C74920985373}"/>
-                </a:ext>
-              </a:extLst>
-            </p:cNvPr>
-            <p:cNvSpPr txBox="1"/>
-            <p:nvPr/>
-          </p:nvSpPr>
-          <p:spPr>
-            <a:xfrm>
-              <a:off x="6817922" y="1949253"/>
-              <a:ext cx="338554" cy="646331"/>
-            </a:xfrm>
-            <a:prstGeom prst="rect">
-              <a:avLst/>
-            </a:prstGeom>
-            <a:noFill/>
-          </p:spPr>
-          <p:txBody>
-            <a:bodyPr wrap="none" rtlCol="0">
-              <a:spAutoFit/>
-            </a:bodyPr>
-            <a:lstStyle/>
-            <a:p>
-              <a:r>
-                <a:rPr lang="en-ES" sz="3600" dirty="0"/>
-                <a:t>r</a:t>
-              </a:r>
-              <a:endParaRPr lang="en-ES" sz="3600" baseline="-25000" dirty="0"/>
-            </a:p>
-          </p:txBody>
-        </p:sp>
-        <p:sp>
-          <p:nvSpPr>
-            <p:cNvPr id="22" name="TextBox 21">
-              <a:extLst>
-                <a:ext uri="{FF2B5EF4-FFF2-40B4-BE49-F238E27FC236}">
-                  <a16:creationId xmlns:a16="http://schemas.microsoft.com/office/drawing/2014/main" id="{63ECEDFA-0FEB-914E-3AA2-BADC696A90F5}"/>
-                </a:ext>
-              </a:extLst>
-            </p:cNvPr>
-            <p:cNvSpPr txBox="1"/>
-            <p:nvPr/>
-          </p:nvSpPr>
-          <p:spPr>
-            <a:xfrm>
-              <a:off x="6765974" y="1862976"/>
-              <a:ext cx="492443" cy="461665"/>
-            </a:xfrm>
-            <a:prstGeom prst="rect">
-              <a:avLst/>
-            </a:prstGeom>
-            <a:noFill/>
-          </p:spPr>
-          <p:txBody>
-            <a:bodyPr wrap="square" rtlCol="0">
-              <a:spAutoFit/>
-            </a:bodyPr>
-            <a:lstStyle/>
-            <a:p>
-              <a:r>
-                <a:rPr lang="en-ES" sz="2400" dirty="0"/>
-                <a:t>➝</a:t>
-              </a:r>
-            </a:p>
-          </p:txBody>
-        </p:sp>
-      </p:grpSp>
-      <p:sp>
-        <p:nvSpPr>
-          <p:cNvPr id="25" name="TextBox 24">
-            <a:extLst>
-              <a:ext uri="{FF2B5EF4-FFF2-40B4-BE49-F238E27FC236}">
-                <a16:creationId xmlns:a16="http://schemas.microsoft.com/office/drawing/2014/main" id="{B24F304A-4BC6-5985-7719-03D18059EAC9}"/>
-              </a:ext>
-            </a:extLst>
-          </p:cNvPr>
-          <p:cNvSpPr txBox="1"/>
-          <p:nvPr/>
-        </p:nvSpPr>
-        <p:spPr>
-          <a:xfrm>
-            <a:off x="3589028" y="3717153"/>
-            <a:ext cx="437940" cy="646331"/>
-          </a:xfrm>
-          <a:prstGeom prst="rect">
-            <a:avLst/>
-          </a:prstGeom>
-          <a:noFill/>
-        </p:spPr>
-        <p:txBody>
-          <a:bodyPr wrap="none" rtlCol="0">
-            <a:spAutoFit/>
-          </a:bodyPr>
-          <a:lstStyle/>
-          <a:p>
-            <a:r>
-              <a:rPr lang="en-ES" sz="3600" dirty="0"/>
-              <a:t>θ</a:t>
-            </a:r>
-          </a:p>
-        </p:txBody>
-      </p:sp>
-      <p:sp>
-        <p:nvSpPr>
-          <p:cNvPr id="26" name="Arc 25">
-            <a:extLst>
-              <a:ext uri="{FF2B5EF4-FFF2-40B4-BE49-F238E27FC236}">
-                <a16:creationId xmlns:a16="http://schemas.microsoft.com/office/drawing/2014/main" id="{2D82B2C3-C8B9-E23E-F3C2-C3F98C7BE8C9}"/>
-              </a:ext>
-            </a:extLst>
-          </p:cNvPr>
-          <p:cNvSpPr/>
-          <p:nvPr/>
-        </p:nvSpPr>
-        <p:spPr>
-          <a:xfrm>
-            <a:off x="2276854" y="4149883"/>
-            <a:ext cx="1913383" cy="2060914"/>
-          </a:xfrm>
-          <a:prstGeom prst="arc">
-            <a:avLst>
-              <a:gd name="adj1" fmla="val 17045662"/>
-              <a:gd name="adj2" fmla="val 18774423"/>
-            </a:avLst>
-          </a:prstGeom>
-          <a:ln w="38100">
-            <a:solidFill>
-              <a:schemeClr val="tx1"/>
-            </a:solidFill>
-          </a:ln>
-        </p:spPr>
-        <p:style>
-          <a:lnRef idx="2">
-            <a:schemeClr val="accent1"/>
-          </a:lnRef>
-          <a:fillRef idx="0">
-            <a:schemeClr val="accent1"/>
-          </a:fillRef>
-          <a:effectRef idx="1">
-            <a:schemeClr val="accent1"/>
-          </a:effectRef>
-          <a:fontRef idx="minor">
-            <a:schemeClr val="tx1"/>
-          </a:fontRef>
-        </p:style>
-        <p:txBody>
-          <a:bodyPr rtlCol="0" anchor="ctr"/>
-          <a:lstStyle/>
-          <a:p>
-            <a:pPr algn="ctr"/>
-            <a:endParaRPr lang="en-ES"/>
-          </a:p>
-        </p:txBody>
-      </p:sp>
-      <p:sp>
-        <p:nvSpPr>
-          <p:cNvPr id="39" name="TextBox 38">
-            <a:extLst>
-              <a:ext uri="{FF2B5EF4-FFF2-40B4-BE49-F238E27FC236}">
-                <a16:creationId xmlns:a16="http://schemas.microsoft.com/office/drawing/2014/main" id="{B2BAF4B9-A177-A300-8020-4419082225D1}"/>
-              </a:ext>
-            </a:extLst>
-          </p:cNvPr>
-          <p:cNvSpPr txBox="1"/>
-          <p:nvPr/>
-        </p:nvSpPr>
-        <p:spPr>
-          <a:xfrm>
-            <a:off x="7831510" y="4575962"/>
-            <a:ext cx="437940" cy="646331"/>
-          </a:xfrm>
-          <a:prstGeom prst="rect">
-            <a:avLst/>
-          </a:prstGeom>
-          <a:noFill/>
-        </p:spPr>
-        <p:txBody>
-          <a:bodyPr wrap="square" rtlCol="0">
-            <a:spAutoFit/>
-          </a:bodyPr>
-          <a:lstStyle/>
-          <a:p>
-            <a:r>
-              <a:rPr lang="en-ES" sz="3600" dirty="0"/>
-              <a:t>θ</a:t>
-            </a:r>
-          </a:p>
-        </p:txBody>
-      </p:sp>
-      <p:sp>
-        <p:nvSpPr>
-          <p:cNvPr id="27" name="Arc 26">
-            <a:extLst>
-              <a:ext uri="{FF2B5EF4-FFF2-40B4-BE49-F238E27FC236}">
-                <a16:creationId xmlns:a16="http://schemas.microsoft.com/office/drawing/2014/main" id="{D44EBBCE-8353-A21D-D2A4-6CB3D2F0D917}"/>
-              </a:ext>
-            </a:extLst>
-          </p:cNvPr>
-          <p:cNvSpPr/>
-          <p:nvPr/>
-        </p:nvSpPr>
-        <p:spPr>
-          <a:xfrm>
-            <a:off x="5023818" y="2428545"/>
-            <a:ext cx="6261087" cy="6149921"/>
-          </a:xfrm>
-          <a:prstGeom prst="arc">
-            <a:avLst>
-              <a:gd name="adj1" fmla="val 16235464"/>
-              <a:gd name="adj2" fmla="val 19178223"/>
-            </a:avLst>
-          </a:prstGeom>
-          <a:ln w="38100">
-            <a:solidFill>
-              <a:schemeClr val="tx1"/>
-            </a:solidFill>
-          </a:ln>
-        </p:spPr>
-        <p:style>
-          <a:lnRef idx="2">
-            <a:schemeClr val="accent1"/>
-          </a:lnRef>
-          <a:fillRef idx="0">
-            <a:schemeClr val="accent1"/>
-          </a:fillRef>
-          <a:effectRef idx="1">
-            <a:schemeClr val="accent1"/>
-          </a:effectRef>
-          <a:fontRef idx="minor">
-            <a:schemeClr val="tx1"/>
-          </a:fontRef>
-        </p:style>
-        <p:txBody>
-          <a:bodyPr rtlCol="0" anchor="ctr"/>
-          <a:lstStyle/>
-          <a:p>
-            <a:pPr algn="ctr"/>
-            <a:endParaRPr lang="en-ES"/>
-          </a:p>
-        </p:txBody>
-      </p:sp>
-      <p:sp>
-        <p:nvSpPr>
-          <p:cNvPr id="28" name="Oval 27">
-            <a:extLst>
-              <a:ext uri="{FF2B5EF4-FFF2-40B4-BE49-F238E27FC236}">
-                <a16:creationId xmlns:a16="http://schemas.microsoft.com/office/drawing/2014/main" id="{696F848F-7651-1E4E-DA9B-C9BCFBF483B3}"/>
-              </a:ext>
-            </a:extLst>
-          </p:cNvPr>
-          <p:cNvSpPr/>
-          <p:nvPr/>
-        </p:nvSpPr>
-        <p:spPr>
-          <a:xfrm>
-            <a:off x="8076712" y="5367642"/>
-            <a:ext cx="252148" cy="214956"/>
-          </a:xfrm>
-          <a:prstGeom prst="ellipse">
-            <a:avLst/>
-          </a:prstGeom>
-        </p:spPr>
-        <p:style>
-          <a:lnRef idx="2">
-            <a:schemeClr val="accent1">
-              <a:shade val="15000"/>
-            </a:schemeClr>
-          </a:lnRef>
-          <a:fillRef idx="1">
-            <a:schemeClr val="accent1"/>
-          </a:fillRef>
-          <a:effectRef idx="0">
-            <a:schemeClr val="accent1"/>
-          </a:effectRef>
-          <a:fontRef idx="minor">
-            <a:schemeClr val="lt1"/>
-          </a:fontRef>
-        </p:style>
-        <p:txBody>
-          <a:bodyPr rtlCol="0" anchor="ctr"/>
-          <a:lstStyle/>
-          <a:p>
-            <a:pPr algn="ctr"/>
-            <a:endParaRPr lang="en-ES"/>
-          </a:p>
-        </p:txBody>
-      </p:sp>
-      <p:cxnSp>
-        <p:nvCxnSpPr>
-          <p:cNvPr id="29" name="Straight Connector 28">
-            <a:extLst>
-              <a:ext uri="{FF2B5EF4-FFF2-40B4-BE49-F238E27FC236}">
-                <a16:creationId xmlns:a16="http://schemas.microsoft.com/office/drawing/2014/main" id="{623DC22B-FD40-A3D2-E338-EA3A9A6CFFCC}"/>
-              </a:ext>
-            </a:extLst>
-          </p:cNvPr>
-          <p:cNvCxnSpPr>
-            <a:cxnSpLocks/>
-            <a:stCxn id="28" idx="0"/>
-            <a:endCxn id="27" idx="0"/>
-          </p:cNvCxnSpPr>
-          <p:nvPr/>
-        </p:nvCxnSpPr>
-        <p:spPr>
-          <a:xfrm flipH="1" flipV="1">
-            <a:off x="8187178" y="2428714"/>
-            <a:ext cx="15609" cy="2938928"/>
-          </a:xfrm>
-          <a:prstGeom prst="line">
-            <a:avLst/>
-          </a:prstGeom>
-          <a:ln w="38100"/>
-        </p:spPr>
-        <p:style>
-          <a:lnRef idx="2">
-            <a:schemeClr val="accent1"/>
-          </a:lnRef>
-          <a:fillRef idx="0">
-            <a:schemeClr val="accent1"/>
-          </a:fillRef>
-          <a:effectRef idx="1">
-            <a:schemeClr val="accent1"/>
-          </a:effectRef>
-          <a:fontRef idx="minor">
-            <a:schemeClr val="tx1"/>
-          </a:fontRef>
-        </p:style>
-      </p:cxnSp>
-      <p:cxnSp>
-        <p:nvCxnSpPr>
-          <p:cNvPr id="32" name="Straight Connector 31">
-            <a:extLst>
-              <a:ext uri="{FF2B5EF4-FFF2-40B4-BE49-F238E27FC236}">
-                <a16:creationId xmlns:a16="http://schemas.microsoft.com/office/drawing/2014/main" id="{88E08202-D14E-073B-7532-0E6ADB19F65C}"/>
-              </a:ext>
-            </a:extLst>
-          </p:cNvPr>
-          <p:cNvCxnSpPr>
-            <a:cxnSpLocks/>
-            <a:stCxn id="28" idx="7"/>
-            <a:endCxn id="27" idx="2"/>
-          </p:cNvCxnSpPr>
-          <p:nvPr/>
-        </p:nvCxnSpPr>
-        <p:spPr>
-          <a:xfrm flipV="1">
-            <a:off x="8291934" y="3530674"/>
-            <a:ext cx="2263730" cy="1868448"/>
-          </a:xfrm>
-          <a:prstGeom prst="line">
-            <a:avLst/>
-          </a:prstGeom>
-          <a:ln w="38100"/>
-        </p:spPr>
-        <p:style>
-          <a:lnRef idx="2">
-            <a:schemeClr val="accent1"/>
-          </a:lnRef>
-          <a:fillRef idx="0">
-            <a:schemeClr val="accent1"/>
-          </a:fillRef>
-          <a:effectRef idx="1">
-            <a:schemeClr val="accent1"/>
-          </a:effectRef>
-          <a:fontRef idx="minor">
-            <a:schemeClr val="tx1"/>
-          </a:fontRef>
-        </p:style>
-      </p:cxnSp>
-      <p:sp>
-        <p:nvSpPr>
-          <p:cNvPr id="35" name="Arc 34">
-            <a:extLst>
-              <a:ext uri="{FF2B5EF4-FFF2-40B4-BE49-F238E27FC236}">
-                <a16:creationId xmlns:a16="http://schemas.microsoft.com/office/drawing/2014/main" id="{9D38E17D-1317-E71A-9CB5-1E7A4C94D7FB}"/>
-              </a:ext>
-            </a:extLst>
-          </p:cNvPr>
-          <p:cNvSpPr/>
-          <p:nvPr/>
-        </p:nvSpPr>
-        <p:spPr>
-          <a:xfrm>
-            <a:off x="7675213" y="4907486"/>
-            <a:ext cx="1087215" cy="1125839"/>
-          </a:xfrm>
-          <a:prstGeom prst="arc">
-            <a:avLst>
-              <a:gd name="adj1" fmla="val 16235464"/>
-              <a:gd name="adj2" fmla="val 19178223"/>
-            </a:avLst>
-          </a:prstGeom>
-          <a:ln w="38100">
-            <a:solidFill>
-              <a:schemeClr val="tx1"/>
-            </a:solidFill>
-          </a:ln>
-        </p:spPr>
-        <p:style>
-          <a:lnRef idx="2">
-            <a:schemeClr val="accent1"/>
-          </a:lnRef>
-          <a:fillRef idx="0">
-            <a:schemeClr val="accent1"/>
-          </a:fillRef>
-          <a:effectRef idx="1">
-            <a:schemeClr val="accent1"/>
-          </a:effectRef>
-          <a:fontRef idx="minor">
-            <a:schemeClr val="tx1"/>
-          </a:fontRef>
-        </p:style>
-        <p:txBody>
-          <a:bodyPr rtlCol="0" anchor="ctr"/>
-          <a:lstStyle/>
-          <a:p>
-            <a:pPr algn="ctr"/>
-            <a:endParaRPr lang="en-ES"/>
-          </a:p>
-        </p:txBody>
-      </p:sp>
-      <p:cxnSp>
-        <p:nvCxnSpPr>
-          <p:cNvPr id="40" name="Straight Connector 39">
-            <a:extLst>
-              <a:ext uri="{FF2B5EF4-FFF2-40B4-BE49-F238E27FC236}">
-                <a16:creationId xmlns:a16="http://schemas.microsoft.com/office/drawing/2014/main" id="{6DACE6DE-EDE6-32E9-FD03-901EB2FA79DD}"/>
-              </a:ext>
-            </a:extLst>
-          </p:cNvPr>
-          <p:cNvCxnSpPr>
-            <a:cxnSpLocks/>
-          </p:cNvCxnSpPr>
-          <p:nvPr/>
-        </p:nvCxnSpPr>
-        <p:spPr>
-          <a:xfrm flipV="1">
-            <a:off x="8247005" y="2962299"/>
-            <a:ext cx="1124415" cy="2436822"/>
-          </a:xfrm>
-          <a:prstGeom prst="line">
-            <a:avLst/>
-          </a:prstGeom>
-          <a:ln w="38100"/>
-        </p:spPr>
-        <p:style>
-          <a:lnRef idx="2">
-            <a:schemeClr val="accent1"/>
-          </a:lnRef>
-          <a:fillRef idx="0">
-            <a:schemeClr val="accent1"/>
-          </a:fillRef>
-          <a:effectRef idx="1">
-            <a:schemeClr val="accent1"/>
-          </a:effectRef>
-          <a:fontRef idx="minor">
-            <a:schemeClr val="tx1"/>
-          </a:fontRef>
-        </p:style>
-      </p:cxnSp>
-      <p:cxnSp>
-        <p:nvCxnSpPr>
-          <p:cNvPr id="45" name="Straight Connector 44">
-            <a:extLst>
-              <a:ext uri="{FF2B5EF4-FFF2-40B4-BE49-F238E27FC236}">
-                <a16:creationId xmlns:a16="http://schemas.microsoft.com/office/drawing/2014/main" id="{2C8B9186-E5DB-FE3C-2430-CA05B30D55DB}"/>
-              </a:ext>
-            </a:extLst>
-          </p:cNvPr>
-          <p:cNvCxnSpPr>
-            <a:cxnSpLocks/>
-            <a:stCxn id="27" idx="0"/>
-            <a:endCxn id="27" idx="2"/>
-          </p:cNvCxnSpPr>
-          <p:nvPr/>
-        </p:nvCxnSpPr>
-        <p:spPr>
-          <a:xfrm>
-            <a:off x="8187178" y="2428714"/>
-            <a:ext cx="2368487" cy="1101960"/>
-          </a:xfrm>
-          <a:prstGeom prst="line">
-            <a:avLst/>
-          </a:prstGeom>
-          <a:ln w="38100"/>
-        </p:spPr>
-        <p:style>
-          <a:lnRef idx="2">
-            <a:schemeClr val="accent1"/>
-          </a:lnRef>
-          <a:fillRef idx="0">
-            <a:schemeClr val="accent1"/>
-          </a:fillRef>
-          <a:effectRef idx="1">
-            <a:schemeClr val="accent1"/>
-          </a:effectRef>
-          <a:fontRef idx="minor">
-            <a:schemeClr val="tx1"/>
-          </a:fontRef>
-        </p:style>
-      </p:cxnSp>
-      <p:sp>
-        <p:nvSpPr>
-          <p:cNvPr id="49" name="TextBox 48">
-            <a:extLst>
-              <a:ext uri="{FF2B5EF4-FFF2-40B4-BE49-F238E27FC236}">
-                <a16:creationId xmlns:a16="http://schemas.microsoft.com/office/drawing/2014/main" id="{6C35533C-2F76-27FB-2FD9-2ADDE81760FB}"/>
-              </a:ext>
-            </a:extLst>
-          </p:cNvPr>
-          <p:cNvSpPr txBox="1"/>
-          <p:nvPr/>
-        </p:nvSpPr>
-        <p:spPr>
-          <a:xfrm>
-            <a:off x="8923895" y="3698799"/>
-            <a:ext cx="910662" cy="646331"/>
-          </a:xfrm>
-          <a:prstGeom prst="rect">
-            <a:avLst/>
-          </a:prstGeom>
-          <a:noFill/>
-        </p:spPr>
-        <p:txBody>
-          <a:bodyPr wrap="square" rtlCol="0">
-            <a:spAutoFit/>
-          </a:bodyPr>
-          <a:lstStyle/>
-          <a:p>
-            <a:r>
-              <a:rPr lang="en-ES" sz="3600" dirty="0"/>
-              <a:t>θ/2</a:t>
-            </a:r>
-          </a:p>
-        </p:txBody>
-      </p:sp>
-      <p:sp>
-        <p:nvSpPr>
-          <p:cNvPr id="52" name="Arc 51">
-            <a:extLst>
-              <a:ext uri="{FF2B5EF4-FFF2-40B4-BE49-F238E27FC236}">
-                <a16:creationId xmlns:a16="http://schemas.microsoft.com/office/drawing/2014/main" id="{A93F4E1C-D374-23D6-5C42-25A6D2DB28C2}"/>
-              </a:ext>
-            </a:extLst>
-          </p:cNvPr>
-          <p:cNvSpPr/>
-          <p:nvPr/>
-        </p:nvSpPr>
-        <p:spPr>
-          <a:xfrm>
-            <a:off x="6978790" y="4309012"/>
-            <a:ext cx="2428602" cy="2329182"/>
-          </a:xfrm>
-          <a:prstGeom prst="arc">
-            <a:avLst>
-              <a:gd name="adj1" fmla="val 17770735"/>
-              <a:gd name="adj2" fmla="val 19178223"/>
-            </a:avLst>
-          </a:prstGeom>
-          <a:ln w="38100">
-            <a:solidFill>
-              <a:schemeClr val="tx1"/>
-            </a:solidFill>
-          </a:ln>
-        </p:spPr>
-        <p:style>
-          <a:lnRef idx="2">
-            <a:schemeClr val="accent1"/>
-          </a:lnRef>
-          <a:fillRef idx="0">
-            <a:schemeClr val="accent1"/>
-          </a:fillRef>
-          <a:effectRef idx="1">
-            <a:schemeClr val="accent1"/>
-          </a:effectRef>
-          <a:fontRef idx="minor">
-            <a:schemeClr val="tx1"/>
-          </a:fontRef>
-        </p:style>
-        <p:txBody>
-          <a:bodyPr rtlCol="0" anchor="ctr"/>
-          <a:lstStyle/>
-          <a:p>
-            <a:pPr algn="ctr"/>
-            <a:endParaRPr lang="en-ES"/>
-          </a:p>
-        </p:txBody>
-      </p:sp>
-      <p:sp>
-        <p:nvSpPr>
-          <p:cNvPr id="53" name="Left Brace 52">
-            <a:extLst>
-              <a:ext uri="{FF2B5EF4-FFF2-40B4-BE49-F238E27FC236}">
-                <a16:creationId xmlns:a16="http://schemas.microsoft.com/office/drawing/2014/main" id="{EEBEADDA-4708-71AE-C04C-07AD989EC4E2}"/>
-              </a:ext>
-            </a:extLst>
-          </p:cNvPr>
-          <p:cNvSpPr/>
-          <p:nvPr/>
-        </p:nvSpPr>
-        <p:spPr>
-          <a:xfrm>
-            <a:off x="7602470" y="2446120"/>
-            <a:ext cx="304800" cy="3036119"/>
-          </a:xfrm>
-          <a:prstGeom prst="leftBrace">
-            <a:avLst/>
-          </a:prstGeom>
-        </p:spPr>
-        <p:style>
-          <a:lnRef idx="2">
-            <a:schemeClr val="accent1"/>
-          </a:lnRef>
-          <a:fillRef idx="0">
-            <a:schemeClr val="accent1"/>
-          </a:fillRef>
-          <a:effectRef idx="1">
-            <a:schemeClr val="accent1"/>
-          </a:effectRef>
-          <a:fontRef idx="minor">
-            <a:schemeClr val="tx1"/>
-          </a:fontRef>
-        </p:style>
-        <p:txBody>
-          <a:bodyPr rtlCol="0" anchor="ctr"/>
-          <a:lstStyle/>
-          <a:p>
-            <a:pPr algn="ctr"/>
-            <a:endParaRPr lang="en-ES"/>
-          </a:p>
-        </p:txBody>
-      </p:sp>
-      <p:sp>
-        <p:nvSpPr>
-          <p:cNvPr id="54" name="TextBox 53">
-            <a:extLst>
-              <a:ext uri="{FF2B5EF4-FFF2-40B4-BE49-F238E27FC236}">
-                <a16:creationId xmlns:a16="http://schemas.microsoft.com/office/drawing/2014/main" id="{6AA8751F-6753-0C32-755E-AFAE08EAEE67}"/>
-              </a:ext>
-            </a:extLst>
-          </p:cNvPr>
-          <p:cNvSpPr txBox="1"/>
-          <p:nvPr/>
-        </p:nvSpPr>
-        <p:spPr>
-          <a:xfrm>
-            <a:off x="7215825" y="3593096"/>
-            <a:ext cx="429926" cy="646331"/>
-          </a:xfrm>
-          <a:prstGeom prst="rect">
-            <a:avLst/>
-          </a:prstGeom>
-          <a:noFill/>
-        </p:spPr>
-        <p:txBody>
-          <a:bodyPr wrap="none" rtlCol="0">
-            <a:spAutoFit/>
-          </a:bodyPr>
-          <a:lstStyle/>
-          <a:p>
-            <a:r>
-              <a:rPr lang="en-ES" sz="3600" dirty="0"/>
-              <a:t>a</a:t>
-            </a:r>
-          </a:p>
-        </p:txBody>
-      </p:sp>
-      <p:sp>
-        <p:nvSpPr>
-          <p:cNvPr id="55" name="Left Brace 54">
-            <a:extLst>
-              <a:ext uri="{FF2B5EF4-FFF2-40B4-BE49-F238E27FC236}">
-                <a16:creationId xmlns:a16="http://schemas.microsoft.com/office/drawing/2014/main" id="{CDD0697A-62F8-2B60-9263-AD3D5323509E}"/>
-              </a:ext>
-            </a:extLst>
-          </p:cNvPr>
-          <p:cNvSpPr/>
-          <p:nvPr/>
-        </p:nvSpPr>
-        <p:spPr>
-          <a:xfrm rot="6941951">
-            <a:off x="9420309" y="1239921"/>
-            <a:ext cx="360267" cy="2639443"/>
-          </a:xfrm>
-          <a:prstGeom prst="leftBrace">
-            <a:avLst/>
-          </a:prstGeom>
-        </p:spPr>
-        <p:style>
-          <a:lnRef idx="2">
-            <a:schemeClr val="accent1"/>
-          </a:lnRef>
-          <a:fillRef idx="0">
-            <a:schemeClr val="accent1"/>
-          </a:fillRef>
-          <a:effectRef idx="1">
-            <a:schemeClr val="accent1"/>
-          </a:effectRef>
-          <a:fontRef idx="minor">
-            <a:schemeClr val="tx1"/>
-          </a:fontRef>
-        </p:style>
-        <p:txBody>
-          <a:bodyPr rtlCol="0" anchor="ctr"/>
-          <a:lstStyle/>
-          <a:p>
-            <a:pPr algn="ctr"/>
-            <a:endParaRPr lang="en-ES"/>
-          </a:p>
-        </p:txBody>
-      </p:sp>
-      <p:sp>
-        <p:nvSpPr>
-          <p:cNvPr id="56" name="TextBox 55">
-            <a:extLst>
-              <a:ext uri="{FF2B5EF4-FFF2-40B4-BE49-F238E27FC236}">
-                <a16:creationId xmlns:a16="http://schemas.microsoft.com/office/drawing/2014/main" id="{AA711C45-FDA9-252C-0272-E423179CB38D}"/>
-              </a:ext>
-            </a:extLst>
-          </p:cNvPr>
-          <p:cNvSpPr txBox="1"/>
-          <p:nvPr/>
-        </p:nvSpPr>
-        <p:spPr>
-          <a:xfrm>
-            <a:off x="9564336" y="1830351"/>
-            <a:ext cx="465192" cy="646331"/>
-          </a:xfrm>
-          <a:prstGeom prst="rect">
-            <a:avLst/>
-          </a:prstGeom>
-          <a:noFill/>
-        </p:spPr>
-        <p:txBody>
-          <a:bodyPr wrap="none" rtlCol="0">
-            <a:spAutoFit/>
-          </a:bodyPr>
-          <a:lstStyle/>
-          <a:p>
-            <a:r>
-              <a:rPr lang="en-ES" sz="3600" dirty="0"/>
-              <a:t>R</a:t>
-            </a:r>
-          </a:p>
-        </p:txBody>
-      </p:sp>
-    </p:spTree>
-    <p:extLst>
-      <p:ext uri="{BB962C8B-B14F-4D97-AF65-F5344CB8AC3E}">
-        <p14:creationId xmlns:p14="http://schemas.microsoft.com/office/powerpoint/2010/main" val="358445491"/>
-      </p:ext>
-    </p:extLst>
-  </p:cSld>
-  <p:clrMapOvr>
-    <a:masterClrMapping/>
-  </p:clrMapOvr>
-</p:sld>
-</file>
-
-<file path=ppt/slides/slide20.xml><?xml version="1.0" encoding="utf-8"?>
+<file path=ppt/slides/slide22.xml><?xml version="1.0" encoding="utf-8"?>
 <p:sld xmlns:a="http://schemas.openxmlformats.org/drawingml/2006/main" xmlns:r="http://schemas.openxmlformats.org/officeDocument/2006/relationships" xmlns:p="http://schemas.openxmlformats.org/presentationml/2006/main">
   <p:cSld>
     <p:spTree>
@@ -15351,7 +17683,7 @@
 </p:sld>
 </file>
 
-<file path=ppt/slides/slide21.xml><?xml version="1.0" encoding="utf-8"?>
+<file path=ppt/slides/slide23.xml><?xml version="1.0" encoding="utf-8"?>
 <p:sld xmlns:a="http://schemas.openxmlformats.org/drawingml/2006/main" xmlns:r="http://schemas.openxmlformats.org/officeDocument/2006/relationships" xmlns:p="http://schemas.openxmlformats.org/presentationml/2006/main">
   <p:cSld>
     <p:spTree>
@@ -16402,7 +18734,7 @@
 </p:sld>
 </file>
 
-<file path=ppt/slides/slide22.xml><?xml version="1.0" encoding="utf-8"?>
+<file path=ppt/slides/slide24.xml><?xml version="1.0" encoding="utf-8"?>
 <p:sld xmlns:a="http://schemas.openxmlformats.org/drawingml/2006/main" xmlns:r="http://schemas.openxmlformats.org/officeDocument/2006/relationships" xmlns:p="http://schemas.openxmlformats.org/presentationml/2006/main">
   <p:cSld>
     <p:spTree>
@@ -17415,7 +19747,7 @@
 </p:sld>
 </file>
 
-<file path=ppt/slides/slide23.xml><?xml version="1.0" encoding="utf-8"?>
+<file path=ppt/slides/slide25.xml><?xml version="1.0" encoding="utf-8"?>
 <p:sld xmlns:a="http://schemas.openxmlformats.org/drawingml/2006/main" xmlns:r="http://schemas.openxmlformats.org/officeDocument/2006/relationships" xmlns:p="http://schemas.openxmlformats.org/presentationml/2006/main">
   <p:cSld>
     <p:spTree>
@@ -18178,7 +20510,7 @@
 </p:sld>
 </file>
 
-<file path=ppt/slides/slide24.xml><?xml version="1.0" encoding="utf-8"?>
+<file path=ppt/slides/slide26.xml><?xml version="1.0" encoding="utf-8"?>
 <p:sld xmlns:a="http://schemas.openxmlformats.org/drawingml/2006/main" xmlns:r="http://schemas.openxmlformats.org/officeDocument/2006/relationships" xmlns:p="http://schemas.openxmlformats.org/presentationml/2006/main">
   <p:cSld>
     <p:spTree>
@@ -18947,7 +21279,7 @@
 </p:sld>
 </file>
 
-<file path=ppt/slides/slide25.xml><?xml version="1.0" encoding="utf-8"?>
+<file path=ppt/slides/slide27.xml><?xml version="1.0" encoding="utf-8"?>
 <p:sld xmlns:a="http://schemas.openxmlformats.org/drawingml/2006/main" xmlns:r="http://schemas.openxmlformats.org/officeDocument/2006/relationships" xmlns:p="http://schemas.openxmlformats.org/presentationml/2006/main">
   <p:cSld>
     <p:spTree>
@@ -19716,7 +22048,7 @@
 </p:sld>
 </file>
 
-<file path=ppt/slides/slide26.xml><?xml version="1.0" encoding="utf-8"?>
+<file path=ppt/slides/slide28.xml><?xml version="1.0" encoding="utf-8"?>
 <p:sld xmlns:a="http://schemas.openxmlformats.org/drawingml/2006/main" xmlns:r="http://schemas.openxmlformats.org/officeDocument/2006/relationships" xmlns:p="http://schemas.openxmlformats.org/presentationml/2006/main">
   <p:cSld>
     <p:spTree>
@@ -20289,7 +22621,7 @@
 </p:sld>
 </file>
 
-<file path=ppt/slides/slide27.xml><?xml version="1.0" encoding="utf-8"?>
+<file path=ppt/slides/slide29.xml><?xml version="1.0" encoding="utf-8"?>
 <p:sld xmlns:a="http://schemas.openxmlformats.org/drawingml/2006/main" xmlns:r="http://schemas.openxmlformats.org/officeDocument/2006/relationships" xmlns:p="http://schemas.openxmlformats.org/presentationml/2006/main">
   <p:cSld>
     <p:spTree>
@@ -20872,7 +23204,1160 @@
 </p:sld>
 </file>
 
-<file path=ppt/slides/slide28.xml><?xml version="1.0" encoding="utf-8"?>
+<file path=ppt/slides/slide3.xml><?xml version="1.0" encoding="utf-8"?>
+<p:sld xmlns:a="http://schemas.openxmlformats.org/drawingml/2006/main" xmlns:r="http://schemas.openxmlformats.org/officeDocument/2006/relationships" xmlns:p="http://schemas.openxmlformats.org/presentationml/2006/main">
+  <p:cSld>
+    <p:spTree>
+      <p:nvGrpSpPr>
+        <p:cNvPr id="1" name=""/>
+        <p:cNvGrpSpPr/>
+        <p:nvPr/>
+      </p:nvGrpSpPr>
+      <p:grpSpPr>
+        <a:xfrm>
+          <a:off x="0" y="0"/>
+          <a:ext cx="0" cy="0"/>
+          <a:chOff x="0" y="0"/>
+          <a:chExt cx="0" cy="0"/>
+        </a:xfrm>
+      </p:grpSpPr>
+      <p:sp>
+        <p:nvSpPr>
+          <p:cNvPr id="2" name="Title 1">
+            <a:extLst>
+              <a:ext uri="{FF2B5EF4-FFF2-40B4-BE49-F238E27FC236}">
+                <a16:creationId xmlns:a16="http://schemas.microsoft.com/office/drawing/2014/main" id="{D39B841F-54C7-3AE1-E545-FD824C8DAF7F}"/>
+              </a:ext>
+            </a:extLst>
+          </p:cNvPr>
+          <p:cNvSpPr>
+            <a:spLocks noGrp="1"/>
+          </p:cNvSpPr>
+          <p:nvPr>
+            <p:ph type="title"/>
+          </p:nvPr>
+        </p:nvSpPr>
+        <p:spPr/>
+        <p:txBody>
+          <a:bodyPr/>
+          <a:lstStyle/>
+          <a:p>
+            <a:r>
+              <a:rPr lang="en-ES" dirty="0"/>
+              <a:t>B1.S2.1</a:t>
+            </a:r>
+          </a:p>
+        </p:txBody>
+      </p:sp>
+      <p:sp>
+        <p:nvSpPr>
+          <p:cNvPr id="5" name="Arc 4">
+            <a:extLst>
+              <a:ext uri="{FF2B5EF4-FFF2-40B4-BE49-F238E27FC236}">
+                <a16:creationId xmlns:a16="http://schemas.microsoft.com/office/drawing/2014/main" id="{C62C6161-AC50-592A-79A8-62650346F24E}"/>
+              </a:ext>
+            </a:extLst>
+          </p:cNvPr>
+          <p:cNvSpPr/>
+          <p:nvPr/>
+        </p:nvSpPr>
+        <p:spPr>
+          <a:xfrm rot="16200000">
+            <a:off x="492552" y="2918012"/>
+            <a:ext cx="4155141" cy="4222377"/>
+          </a:xfrm>
+          <a:prstGeom prst="arc">
+            <a:avLst>
+              <a:gd name="adj1" fmla="val 16259988"/>
+              <a:gd name="adj2" fmla="val 5404610"/>
+            </a:avLst>
+          </a:prstGeom>
+          <a:ln w="38100">
+            <a:gradFill>
+              <a:gsLst>
+                <a:gs pos="51000">
+                  <a:schemeClr val="accent1">
+                    <a:lumMod val="5000"/>
+                    <a:lumOff val="95000"/>
+                  </a:schemeClr>
+                </a:gs>
+                <a:gs pos="100000">
+                  <a:schemeClr val="accent1">
+                    <a:lumMod val="45000"/>
+                    <a:lumOff val="55000"/>
+                  </a:schemeClr>
+                </a:gs>
+                <a:gs pos="0">
+                  <a:srgbClr val="FF0000"/>
+                </a:gs>
+              </a:gsLst>
+              <a:lin ang="5400000" scaled="1"/>
+            </a:gradFill>
+          </a:ln>
+        </p:spPr>
+        <p:style>
+          <a:lnRef idx="2">
+            <a:schemeClr val="accent1"/>
+          </a:lnRef>
+          <a:fillRef idx="0">
+            <a:schemeClr val="accent1"/>
+          </a:fillRef>
+          <a:effectRef idx="1">
+            <a:schemeClr val="accent1"/>
+          </a:effectRef>
+          <a:fontRef idx="minor">
+            <a:schemeClr val="tx1"/>
+          </a:fontRef>
+        </p:style>
+        <p:txBody>
+          <a:bodyPr rtlCol="0" anchor="ctr"/>
+          <a:lstStyle/>
+          <a:p>
+            <a:pPr algn="ctr"/>
+            <a:endParaRPr lang="en-ES"/>
+          </a:p>
+        </p:txBody>
+      </p:sp>
+      <p:cxnSp>
+        <p:nvCxnSpPr>
+          <p:cNvPr id="10" name="Straight Arrow Connector 9">
+            <a:extLst>
+              <a:ext uri="{FF2B5EF4-FFF2-40B4-BE49-F238E27FC236}">
+                <a16:creationId xmlns:a16="http://schemas.microsoft.com/office/drawing/2014/main" id="{8E1BDB21-2D8F-C9C2-3B07-F77D99022865}"/>
+              </a:ext>
+            </a:extLst>
+          </p:cNvPr>
+          <p:cNvCxnSpPr>
+            <a:cxnSpLocks/>
+          </p:cNvCxnSpPr>
+          <p:nvPr/>
+        </p:nvCxnSpPr>
+        <p:spPr>
+          <a:xfrm flipV="1">
+            <a:off x="2589628" y="1817132"/>
+            <a:ext cx="0" cy="3223735"/>
+          </a:xfrm>
+          <a:prstGeom prst="straightConnector1">
+            <a:avLst/>
+          </a:prstGeom>
+          <a:ln w="38100">
+            <a:solidFill>
+              <a:schemeClr val="tx1"/>
+            </a:solidFill>
+            <a:tailEnd type="triangle"/>
+          </a:ln>
+        </p:spPr>
+        <p:style>
+          <a:lnRef idx="2">
+            <a:schemeClr val="accent1"/>
+          </a:lnRef>
+          <a:fillRef idx="0">
+            <a:schemeClr val="accent1"/>
+          </a:fillRef>
+          <a:effectRef idx="1">
+            <a:schemeClr val="accent1"/>
+          </a:effectRef>
+          <a:fontRef idx="minor">
+            <a:schemeClr val="tx1"/>
+          </a:fontRef>
+        </p:style>
+      </p:cxnSp>
+      <p:sp>
+        <p:nvSpPr>
+          <p:cNvPr id="15" name="TextBox 14">
+            <a:extLst>
+              <a:ext uri="{FF2B5EF4-FFF2-40B4-BE49-F238E27FC236}">
+                <a16:creationId xmlns:a16="http://schemas.microsoft.com/office/drawing/2014/main" id="{724436C1-324F-AAF1-C132-967FFB014398}"/>
+              </a:ext>
+            </a:extLst>
+          </p:cNvPr>
+          <p:cNvSpPr txBox="1"/>
+          <p:nvPr/>
+        </p:nvSpPr>
+        <p:spPr>
+          <a:xfrm>
+            <a:off x="2054698" y="1817132"/>
+            <a:ext cx="393056" cy="646331"/>
+          </a:xfrm>
+          <a:prstGeom prst="rect">
+            <a:avLst/>
+          </a:prstGeom>
+          <a:noFill/>
+        </p:spPr>
+        <p:txBody>
+          <a:bodyPr wrap="none" rtlCol="0">
+            <a:spAutoFit/>
+          </a:bodyPr>
+          <a:lstStyle/>
+          <a:p>
+            <a:r>
+              <a:rPr lang="en-ES" sz="3600" dirty="0"/>
+              <a:t>y</a:t>
+            </a:r>
+          </a:p>
+        </p:txBody>
+      </p:sp>
+      <p:cxnSp>
+        <p:nvCxnSpPr>
+          <p:cNvPr id="17" name="Straight Arrow Connector 16">
+            <a:extLst>
+              <a:ext uri="{FF2B5EF4-FFF2-40B4-BE49-F238E27FC236}">
+                <a16:creationId xmlns:a16="http://schemas.microsoft.com/office/drawing/2014/main" id="{5B01AE06-DAE3-451D-0620-065E77F3FD38}"/>
+              </a:ext>
+            </a:extLst>
+          </p:cNvPr>
+          <p:cNvCxnSpPr>
+            <a:cxnSpLocks/>
+          </p:cNvCxnSpPr>
+          <p:nvPr/>
+        </p:nvCxnSpPr>
+        <p:spPr>
+          <a:xfrm>
+            <a:off x="2589628" y="5040867"/>
+            <a:ext cx="3225269" cy="0"/>
+          </a:xfrm>
+          <a:prstGeom prst="straightConnector1">
+            <a:avLst/>
+          </a:prstGeom>
+          <a:ln w="38100">
+            <a:solidFill>
+              <a:schemeClr val="tx1"/>
+            </a:solidFill>
+            <a:tailEnd type="triangle"/>
+          </a:ln>
+        </p:spPr>
+        <p:style>
+          <a:lnRef idx="2">
+            <a:schemeClr val="accent1"/>
+          </a:lnRef>
+          <a:fillRef idx="0">
+            <a:schemeClr val="accent1"/>
+          </a:fillRef>
+          <a:effectRef idx="1">
+            <a:schemeClr val="accent1"/>
+          </a:effectRef>
+          <a:fontRef idx="minor">
+            <a:schemeClr val="tx1"/>
+          </a:fontRef>
+        </p:style>
+      </p:cxnSp>
+      <p:sp>
+        <p:nvSpPr>
+          <p:cNvPr id="18" name="TextBox 17">
+            <a:extLst>
+              <a:ext uri="{FF2B5EF4-FFF2-40B4-BE49-F238E27FC236}">
+                <a16:creationId xmlns:a16="http://schemas.microsoft.com/office/drawing/2014/main" id="{10908EA1-8301-F8A5-2AA4-12299B055323}"/>
+              </a:ext>
+            </a:extLst>
+          </p:cNvPr>
+          <p:cNvSpPr txBox="1"/>
+          <p:nvPr/>
+        </p:nvSpPr>
+        <p:spPr>
+          <a:xfrm>
+            <a:off x="5392791" y="5040867"/>
+            <a:ext cx="567868" cy="646331"/>
+          </a:xfrm>
+          <a:prstGeom prst="rect">
+            <a:avLst/>
+          </a:prstGeom>
+          <a:noFill/>
+        </p:spPr>
+        <p:txBody>
+          <a:bodyPr wrap="square" rtlCol="0">
+            <a:spAutoFit/>
+          </a:bodyPr>
+          <a:lstStyle/>
+          <a:p>
+            <a:r>
+              <a:rPr lang="en-ES" sz="3600" dirty="0"/>
+              <a:t>x</a:t>
+            </a:r>
+          </a:p>
+        </p:txBody>
+      </p:sp>
+      <p:sp>
+        <p:nvSpPr>
+          <p:cNvPr id="24" name="TextBox 23">
+            <a:extLst>
+              <a:ext uri="{FF2B5EF4-FFF2-40B4-BE49-F238E27FC236}">
+                <a16:creationId xmlns:a16="http://schemas.microsoft.com/office/drawing/2014/main" id="{619EBB20-CB39-E643-A01C-4EDC9B94301E}"/>
+              </a:ext>
+            </a:extLst>
+          </p:cNvPr>
+          <p:cNvSpPr txBox="1"/>
+          <p:nvPr/>
+        </p:nvSpPr>
+        <p:spPr>
+          <a:xfrm>
+            <a:off x="3338760" y="2417283"/>
+            <a:ext cx="2207656" cy="646331"/>
+          </a:xfrm>
+          <a:prstGeom prst="rect">
+            <a:avLst/>
+          </a:prstGeom>
+          <a:noFill/>
+        </p:spPr>
+        <p:txBody>
+          <a:bodyPr wrap="none" rtlCol="0">
+            <a:spAutoFit/>
+          </a:bodyPr>
+          <a:lstStyle/>
+          <a:p>
+            <a:r>
+              <a:rPr lang="en-ES" sz="3600" dirty="0"/>
+              <a:t>λ= λ</a:t>
+            </a:r>
+            <a:r>
+              <a:rPr lang="en-ES" sz="3600" baseline="-25000" dirty="0"/>
+              <a:t>0</a:t>
+            </a:r>
+            <a:r>
+              <a:rPr lang="en-ES" sz="3600" dirty="0"/>
+              <a:t>cosɸ’</a:t>
+            </a:r>
+          </a:p>
+        </p:txBody>
+      </p:sp>
+      <p:sp>
+        <p:nvSpPr>
+          <p:cNvPr id="30" name="Arc 29">
+            <a:extLst>
+              <a:ext uri="{FF2B5EF4-FFF2-40B4-BE49-F238E27FC236}">
+                <a16:creationId xmlns:a16="http://schemas.microsoft.com/office/drawing/2014/main" id="{471F2308-244C-599C-E8D1-D81CA02C565C}"/>
+              </a:ext>
+            </a:extLst>
+          </p:cNvPr>
+          <p:cNvSpPr/>
+          <p:nvPr/>
+        </p:nvSpPr>
+        <p:spPr>
+          <a:xfrm>
+            <a:off x="2027258" y="4415634"/>
+            <a:ext cx="1085728" cy="1125962"/>
+          </a:xfrm>
+          <a:prstGeom prst="arc">
+            <a:avLst>
+              <a:gd name="adj1" fmla="val 19745494"/>
+              <a:gd name="adj2" fmla="val 414981"/>
+            </a:avLst>
+          </a:prstGeom>
+          <a:ln w="38100">
+            <a:solidFill>
+              <a:schemeClr val="tx1"/>
+            </a:solidFill>
+          </a:ln>
+        </p:spPr>
+        <p:style>
+          <a:lnRef idx="2">
+            <a:schemeClr val="accent1"/>
+          </a:lnRef>
+          <a:fillRef idx="0">
+            <a:schemeClr val="accent1"/>
+          </a:fillRef>
+          <a:effectRef idx="1">
+            <a:schemeClr val="accent1"/>
+          </a:effectRef>
+          <a:fontRef idx="minor">
+            <a:schemeClr val="tx1"/>
+          </a:fontRef>
+        </p:style>
+        <p:txBody>
+          <a:bodyPr rtlCol="0" anchor="ctr"/>
+          <a:lstStyle/>
+          <a:p>
+            <a:pPr algn="ctr"/>
+            <a:endParaRPr lang="en-ES"/>
+          </a:p>
+        </p:txBody>
+      </p:sp>
+      <p:cxnSp>
+        <p:nvCxnSpPr>
+          <p:cNvPr id="31" name="Straight Arrow Connector 30">
+            <a:extLst>
+              <a:ext uri="{FF2B5EF4-FFF2-40B4-BE49-F238E27FC236}">
+                <a16:creationId xmlns:a16="http://schemas.microsoft.com/office/drawing/2014/main" id="{DAB80AE4-2DA9-5C87-2446-D9AD483D5F7C}"/>
+              </a:ext>
+            </a:extLst>
+          </p:cNvPr>
+          <p:cNvCxnSpPr>
+            <a:cxnSpLocks/>
+          </p:cNvCxnSpPr>
+          <p:nvPr/>
+        </p:nvCxnSpPr>
+        <p:spPr>
+          <a:xfrm flipV="1">
+            <a:off x="2589628" y="3834198"/>
+            <a:ext cx="1708441" cy="1195002"/>
+          </a:xfrm>
+          <a:prstGeom prst="straightConnector1">
+            <a:avLst/>
+          </a:prstGeom>
+          <a:ln w="38100">
+            <a:solidFill>
+              <a:schemeClr val="tx1"/>
+            </a:solidFill>
+            <a:tailEnd type="none"/>
+          </a:ln>
+        </p:spPr>
+        <p:style>
+          <a:lnRef idx="2">
+            <a:schemeClr val="accent1"/>
+          </a:lnRef>
+          <a:fillRef idx="0">
+            <a:schemeClr val="accent1"/>
+          </a:fillRef>
+          <a:effectRef idx="1">
+            <a:schemeClr val="accent1"/>
+          </a:effectRef>
+          <a:fontRef idx="minor">
+            <a:schemeClr val="tx1"/>
+          </a:fontRef>
+        </p:style>
+      </p:cxnSp>
+      <p:sp>
+        <p:nvSpPr>
+          <p:cNvPr id="36" name="TextBox 35">
+            <a:extLst>
+              <a:ext uri="{FF2B5EF4-FFF2-40B4-BE49-F238E27FC236}">
+                <a16:creationId xmlns:a16="http://schemas.microsoft.com/office/drawing/2014/main" id="{361442C0-CDFC-75EA-BF49-A961B88188D3}"/>
+              </a:ext>
+            </a:extLst>
+          </p:cNvPr>
+          <p:cNvSpPr txBox="1"/>
+          <p:nvPr/>
+        </p:nvSpPr>
+        <p:spPr>
+          <a:xfrm>
+            <a:off x="3254860" y="4431699"/>
+            <a:ext cx="562975" cy="646331"/>
+          </a:xfrm>
+          <a:prstGeom prst="rect">
+            <a:avLst/>
+          </a:prstGeom>
+          <a:noFill/>
+        </p:spPr>
+        <p:txBody>
+          <a:bodyPr wrap="none" rtlCol="0">
+            <a:spAutoFit/>
+          </a:bodyPr>
+          <a:lstStyle/>
+          <a:p>
+            <a:r>
+              <a:rPr lang="en-ES" sz="3600" dirty="0"/>
+              <a:t>ɸ’</a:t>
+            </a:r>
+          </a:p>
+        </p:txBody>
+      </p:sp>
+      <p:sp>
+        <p:nvSpPr>
+          <p:cNvPr id="41" name="TextBox 40">
+            <a:extLst>
+              <a:ext uri="{FF2B5EF4-FFF2-40B4-BE49-F238E27FC236}">
+                <a16:creationId xmlns:a16="http://schemas.microsoft.com/office/drawing/2014/main" id="{21DF65AF-0014-9838-1F9C-FA788DF430E2}"/>
+              </a:ext>
+            </a:extLst>
+          </p:cNvPr>
+          <p:cNvSpPr txBox="1"/>
+          <p:nvPr/>
+        </p:nvSpPr>
+        <p:spPr>
+          <a:xfrm>
+            <a:off x="8895270" y="2869329"/>
+            <a:ext cx="393056" cy="646331"/>
+          </a:xfrm>
+          <a:prstGeom prst="rect">
+            <a:avLst/>
+          </a:prstGeom>
+          <a:noFill/>
+        </p:spPr>
+        <p:txBody>
+          <a:bodyPr wrap="none" rtlCol="0">
+            <a:spAutoFit/>
+          </a:bodyPr>
+          <a:lstStyle/>
+          <a:p>
+            <a:r>
+              <a:rPr lang="en-ES" sz="3600" dirty="0"/>
+              <a:t>y</a:t>
+            </a:r>
+          </a:p>
+        </p:txBody>
+      </p:sp>
+      <p:sp>
+        <p:nvSpPr>
+          <p:cNvPr id="37" name="Arc 36">
+            <a:extLst>
+              <a:ext uri="{FF2B5EF4-FFF2-40B4-BE49-F238E27FC236}">
+                <a16:creationId xmlns:a16="http://schemas.microsoft.com/office/drawing/2014/main" id="{E8940850-8C44-3553-B1C6-4AC24BCEB1E8}"/>
+              </a:ext>
+            </a:extLst>
+          </p:cNvPr>
+          <p:cNvSpPr/>
+          <p:nvPr/>
+        </p:nvSpPr>
+        <p:spPr>
+          <a:xfrm rot="15416767">
+            <a:off x="7308147" y="2797188"/>
+            <a:ext cx="1884148" cy="4222377"/>
+          </a:xfrm>
+          <a:prstGeom prst="arc">
+            <a:avLst>
+              <a:gd name="adj1" fmla="val 16931934"/>
+              <a:gd name="adj2" fmla="val 6161777"/>
+            </a:avLst>
+          </a:prstGeom>
+          <a:ln w="38100">
+            <a:gradFill>
+              <a:gsLst>
+                <a:gs pos="72000">
+                  <a:schemeClr val="accent1">
+                    <a:lumMod val="5000"/>
+                    <a:lumOff val="95000"/>
+                  </a:schemeClr>
+                </a:gs>
+                <a:gs pos="100000">
+                  <a:schemeClr val="accent1">
+                    <a:lumMod val="45000"/>
+                    <a:lumOff val="55000"/>
+                  </a:schemeClr>
+                </a:gs>
+                <a:gs pos="0">
+                  <a:srgbClr val="FF0000"/>
+                </a:gs>
+              </a:gsLst>
+              <a:lin ang="5400000" scaled="1"/>
+            </a:gradFill>
+          </a:ln>
+        </p:spPr>
+        <p:style>
+          <a:lnRef idx="2">
+            <a:schemeClr val="accent1"/>
+          </a:lnRef>
+          <a:fillRef idx="0">
+            <a:schemeClr val="accent1"/>
+          </a:fillRef>
+          <a:effectRef idx="1">
+            <a:schemeClr val="accent1"/>
+          </a:effectRef>
+          <a:fontRef idx="minor">
+            <a:schemeClr val="tx1"/>
+          </a:fontRef>
+        </p:style>
+        <p:txBody>
+          <a:bodyPr rtlCol="0" anchor="ctr"/>
+          <a:lstStyle/>
+          <a:p>
+            <a:pPr algn="ctr"/>
+            <a:endParaRPr lang="en-ES"/>
+          </a:p>
+        </p:txBody>
+      </p:sp>
+      <p:cxnSp>
+        <p:nvCxnSpPr>
+          <p:cNvPr id="38" name="Straight Arrow Connector 37">
+            <a:extLst>
+              <a:ext uri="{FF2B5EF4-FFF2-40B4-BE49-F238E27FC236}">
+                <a16:creationId xmlns:a16="http://schemas.microsoft.com/office/drawing/2014/main" id="{7F40F7C0-8F9F-5467-0AA1-54322A1B012E}"/>
+              </a:ext>
+            </a:extLst>
+          </p:cNvPr>
+          <p:cNvCxnSpPr>
+            <a:cxnSpLocks/>
+          </p:cNvCxnSpPr>
+          <p:nvPr/>
+        </p:nvCxnSpPr>
+        <p:spPr>
+          <a:xfrm flipV="1">
+            <a:off x="8226694" y="2417283"/>
+            <a:ext cx="23527" cy="2491093"/>
+          </a:xfrm>
+          <a:prstGeom prst="straightConnector1">
+            <a:avLst/>
+          </a:prstGeom>
+          <a:ln w="38100">
+            <a:solidFill>
+              <a:schemeClr val="tx1"/>
+            </a:solidFill>
+            <a:tailEnd type="triangle"/>
+          </a:ln>
+        </p:spPr>
+        <p:style>
+          <a:lnRef idx="2">
+            <a:schemeClr val="accent1"/>
+          </a:lnRef>
+          <a:fillRef idx="0">
+            <a:schemeClr val="accent1"/>
+          </a:fillRef>
+          <a:effectRef idx="1">
+            <a:schemeClr val="accent1"/>
+          </a:effectRef>
+          <a:fontRef idx="minor">
+            <a:schemeClr val="tx1"/>
+          </a:fontRef>
+        </p:style>
+      </p:cxnSp>
+      <p:cxnSp>
+        <p:nvCxnSpPr>
+          <p:cNvPr id="42" name="Straight Arrow Connector 41">
+            <a:extLst>
+              <a:ext uri="{FF2B5EF4-FFF2-40B4-BE49-F238E27FC236}">
+                <a16:creationId xmlns:a16="http://schemas.microsoft.com/office/drawing/2014/main" id="{3FF65B0D-2128-48A2-C6BF-EEFBDF5032C2}"/>
+              </a:ext>
+            </a:extLst>
+          </p:cNvPr>
+          <p:cNvCxnSpPr>
+            <a:cxnSpLocks/>
+          </p:cNvCxnSpPr>
+          <p:nvPr/>
+        </p:nvCxnSpPr>
+        <p:spPr>
+          <a:xfrm>
+            <a:off x="8226694" y="4908376"/>
+            <a:ext cx="3225269" cy="0"/>
+          </a:xfrm>
+          <a:prstGeom prst="straightConnector1">
+            <a:avLst/>
+          </a:prstGeom>
+          <a:ln w="38100">
+            <a:solidFill>
+              <a:schemeClr val="tx1"/>
+            </a:solidFill>
+            <a:tailEnd type="triangle"/>
+          </a:ln>
+        </p:spPr>
+        <p:style>
+          <a:lnRef idx="2">
+            <a:schemeClr val="accent1"/>
+          </a:lnRef>
+          <a:fillRef idx="0">
+            <a:schemeClr val="accent1"/>
+          </a:fillRef>
+          <a:effectRef idx="1">
+            <a:schemeClr val="accent1"/>
+          </a:effectRef>
+          <a:fontRef idx="minor">
+            <a:schemeClr val="tx1"/>
+          </a:fontRef>
+        </p:style>
+      </p:cxnSp>
+      <p:sp>
+        <p:nvSpPr>
+          <p:cNvPr id="43" name="TextBox 42">
+            <a:extLst>
+              <a:ext uri="{FF2B5EF4-FFF2-40B4-BE49-F238E27FC236}">
+                <a16:creationId xmlns:a16="http://schemas.microsoft.com/office/drawing/2014/main" id="{62972613-7A40-EEAD-36D6-D99B33FD04D6}"/>
+              </a:ext>
+            </a:extLst>
+          </p:cNvPr>
+          <p:cNvSpPr txBox="1"/>
+          <p:nvPr/>
+        </p:nvSpPr>
+        <p:spPr>
+          <a:xfrm>
+            <a:off x="11069866" y="4895265"/>
+            <a:ext cx="567868" cy="646331"/>
+          </a:xfrm>
+          <a:prstGeom prst="rect">
+            <a:avLst/>
+          </a:prstGeom>
+          <a:noFill/>
+        </p:spPr>
+        <p:txBody>
+          <a:bodyPr wrap="square" rtlCol="0">
+            <a:spAutoFit/>
+          </a:bodyPr>
+          <a:lstStyle/>
+          <a:p>
+            <a:r>
+              <a:rPr lang="en-ES" sz="3600" dirty="0"/>
+              <a:t>x</a:t>
+            </a:r>
+          </a:p>
+        </p:txBody>
+      </p:sp>
+      <p:cxnSp>
+        <p:nvCxnSpPr>
+          <p:cNvPr id="58" name="Straight Arrow Connector 57">
+            <a:extLst>
+              <a:ext uri="{FF2B5EF4-FFF2-40B4-BE49-F238E27FC236}">
+                <a16:creationId xmlns:a16="http://schemas.microsoft.com/office/drawing/2014/main" id="{CCA5B95B-998E-A1C6-47D1-5E353C95FAF5}"/>
+              </a:ext>
+            </a:extLst>
+          </p:cNvPr>
+          <p:cNvCxnSpPr>
+            <a:cxnSpLocks/>
+          </p:cNvCxnSpPr>
+          <p:nvPr/>
+        </p:nvCxnSpPr>
+        <p:spPr>
+          <a:xfrm flipV="1">
+            <a:off x="8231487" y="3513799"/>
+            <a:ext cx="951382" cy="1419145"/>
+          </a:xfrm>
+          <a:prstGeom prst="straightConnector1">
+            <a:avLst/>
+          </a:prstGeom>
+          <a:ln w="38100">
+            <a:solidFill>
+              <a:schemeClr val="tx1"/>
+            </a:solidFill>
+            <a:tailEnd type="triangle"/>
+          </a:ln>
+        </p:spPr>
+        <p:style>
+          <a:lnRef idx="2">
+            <a:schemeClr val="accent1"/>
+          </a:lnRef>
+          <a:fillRef idx="0">
+            <a:schemeClr val="accent1"/>
+          </a:fillRef>
+          <a:effectRef idx="1">
+            <a:schemeClr val="accent1"/>
+          </a:effectRef>
+          <a:fontRef idx="minor">
+            <a:schemeClr val="tx1"/>
+          </a:fontRef>
+        </p:style>
+      </p:cxnSp>
+      <p:sp>
+        <p:nvSpPr>
+          <p:cNvPr id="61" name="TextBox 60">
+            <a:extLst>
+              <a:ext uri="{FF2B5EF4-FFF2-40B4-BE49-F238E27FC236}">
+                <a16:creationId xmlns:a16="http://schemas.microsoft.com/office/drawing/2014/main" id="{7C0742B9-49F1-60CA-F189-435AEC7AC1F2}"/>
+              </a:ext>
+            </a:extLst>
+          </p:cNvPr>
+          <p:cNvSpPr txBox="1"/>
+          <p:nvPr/>
+        </p:nvSpPr>
+        <p:spPr>
+          <a:xfrm>
+            <a:off x="8375794" y="2033395"/>
+            <a:ext cx="386644" cy="646331"/>
+          </a:xfrm>
+          <a:prstGeom prst="rect">
+            <a:avLst/>
+          </a:prstGeom>
+          <a:noFill/>
+        </p:spPr>
+        <p:txBody>
+          <a:bodyPr wrap="none" rtlCol="0">
+            <a:spAutoFit/>
+          </a:bodyPr>
+          <a:lstStyle/>
+          <a:p>
+            <a:r>
+              <a:rPr lang="en-ES" sz="3600" dirty="0"/>
+              <a:t>z</a:t>
+            </a:r>
+          </a:p>
+        </p:txBody>
+      </p:sp>
+      <p:sp>
+        <p:nvSpPr>
+          <p:cNvPr id="63" name="Oval 62">
+            <a:extLst>
+              <a:ext uri="{FF2B5EF4-FFF2-40B4-BE49-F238E27FC236}">
+                <a16:creationId xmlns:a16="http://schemas.microsoft.com/office/drawing/2014/main" id="{4C5C545A-0A5E-81E3-07A4-D107F0ADC87A}"/>
+              </a:ext>
+            </a:extLst>
+          </p:cNvPr>
+          <p:cNvSpPr/>
+          <p:nvPr/>
+        </p:nvSpPr>
+        <p:spPr>
+          <a:xfrm>
+            <a:off x="8196111" y="3083404"/>
+            <a:ext cx="95519" cy="87688"/>
+          </a:xfrm>
+          <a:prstGeom prst="ellipse">
+            <a:avLst/>
+          </a:prstGeom>
+        </p:spPr>
+        <p:style>
+          <a:lnRef idx="2">
+            <a:schemeClr val="accent1">
+              <a:shade val="15000"/>
+            </a:schemeClr>
+          </a:lnRef>
+          <a:fillRef idx="1">
+            <a:schemeClr val="accent1"/>
+          </a:fillRef>
+          <a:effectRef idx="0">
+            <a:schemeClr val="accent1"/>
+          </a:effectRef>
+          <a:fontRef idx="minor">
+            <a:schemeClr val="lt1"/>
+          </a:fontRef>
+        </p:style>
+        <p:txBody>
+          <a:bodyPr rtlCol="0" anchor="ctr"/>
+          <a:lstStyle/>
+          <a:p>
+            <a:pPr algn="ctr"/>
+            <a:endParaRPr lang="en-ES"/>
+          </a:p>
+        </p:txBody>
+      </p:sp>
+      <p:sp>
+        <p:nvSpPr>
+          <p:cNvPr id="64" name="Oval 63">
+            <a:extLst>
+              <a:ext uri="{FF2B5EF4-FFF2-40B4-BE49-F238E27FC236}">
+                <a16:creationId xmlns:a16="http://schemas.microsoft.com/office/drawing/2014/main" id="{B9DECD15-6A90-8F2A-42EE-A001068C177B}"/>
+              </a:ext>
+            </a:extLst>
+          </p:cNvPr>
+          <p:cNvSpPr/>
+          <p:nvPr/>
+        </p:nvSpPr>
+        <p:spPr>
+          <a:xfrm>
+            <a:off x="10236623" y="4342107"/>
+            <a:ext cx="95519" cy="87688"/>
+          </a:xfrm>
+          <a:prstGeom prst="ellipse">
+            <a:avLst/>
+          </a:prstGeom>
+        </p:spPr>
+        <p:style>
+          <a:lnRef idx="2">
+            <a:schemeClr val="accent1">
+              <a:shade val="15000"/>
+            </a:schemeClr>
+          </a:lnRef>
+          <a:fillRef idx="1">
+            <a:schemeClr val="accent1"/>
+          </a:fillRef>
+          <a:effectRef idx="0">
+            <a:schemeClr val="accent1"/>
+          </a:effectRef>
+          <a:fontRef idx="minor">
+            <a:schemeClr val="lt1"/>
+          </a:fontRef>
+        </p:style>
+        <p:txBody>
+          <a:bodyPr rtlCol="0" anchor="ctr"/>
+          <a:lstStyle/>
+          <a:p>
+            <a:pPr algn="ctr"/>
+            <a:endParaRPr lang="en-ES"/>
+          </a:p>
+        </p:txBody>
+      </p:sp>
+      <p:sp>
+        <p:nvSpPr>
+          <p:cNvPr id="65" name="Oval 64">
+            <a:extLst>
+              <a:ext uri="{FF2B5EF4-FFF2-40B4-BE49-F238E27FC236}">
+                <a16:creationId xmlns:a16="http://schemas.microsoft.com/office/drawing/2014/main" id="{CBEA7EF2-4DF1-77C2-309F-A3BFC3B20BE1}"/>
+              </a:ext>
+            </a:extLst>
+          </p:cNvPr>
+          <p:cNvSpPr/>
+          <p:nvPr/>
+        </p:nvSpPr>
+        <p:spPr>
+          <a:xfrm>
+            <a:off x="6940473" y="4342107"/>
+            <a:ext cx="95519" cy="87688"/>
+          </a:xfrm>
+          <a:prstGeom prst="ellipse">
+            <a:avLst/>
+          </a:prstGeom>
+        </p:spPr>
+        <p:style>
+          <a:lnRef idx="2">
+            <a:schemeClr val="accent1">
+              <a:shade val="15000"/>
+            </a:schemeClr>
+          </a:lnRef>
+          <a:fillRef idx="1">
+            <a:schemeClr val="accent1"/>
+          </a:fillRef>
+          <a:effectRef idx="0">
+            <a:schemeClr val="accent1"/>
+          </a:effectRef>
+          <a:fontRef idx="minor">
+            <a:schemeClr val="lt1"/>
+          </a:fontRef>
+        </p:style>
+        <p:txBody>
+          <a:bodyPr rtlCol="0" anchor="ctr"/>
+          <a:lstStyle/>
+          <a:p>
+            <a:pPr algn="ctr"/>
+            <a:endParaRPr lang="en-ES"/>
+          </a:p>
+        </p:txBody>
+      </p:sp>
+      <p:cxnSp>
+        <p:nvCxnSpPr>
+          <p:cNvPr id="66" name="Straight Arrow Connector 65">
+            <a:extLst>
+              <a:ext uri="{FF2B5EF4-FFF2-40B4-BE49-F238E27FC236}">
+                <a16:creationId xmlns:a16="http://schemas.microsoft.com/office/drawing/2014/main" id="{4E6E89EA-DB65-0D6F-D0E7-B4A7A3669132}"/>
+              </a:ext>
+            </a:extLst>
+          </p:cNvPr>
+          <p:cNvCxnSpPr>
+            <a:cxnSpLocks/>
+          </p:cNvCxnSpPr>
+          <p:nvPr/>
+        </p:nvCxnSpPr>
+        <p:spPr>
+          <a:xfrm flipH="1" flipV="1">
+            <a:off x="7510690" y="2665527"/>
+            <a:ext cx="699409" cy="438811"/>
+          </a:xfrm>
+          <a:prstGeom prst="straightConnector1">
+            <a:avLst/>
+          </a:prstGeom>
+          <a:ln w="38100">
+            <a:solidFill>
+              <a:schemeClr val="tx1"/>
+            </a:solidFill>
+            <a:tailEnd type="triangle"/>
+          </a:ln>
+        </p:spPr>
+        <p:style>
+          <a:lnRef idx="2">
+            <a:schemeClr val="accent1"/>
+          </a:lnRef>
+          <a:fillRef idx="0">
+            <a:schemeClr val="accent1"/>
+          </a:fillRef>
+          <a:effectRef idx="1">
+            <a:schemeClr val="accent1"/>
+          </a:effectRef>
+          <a:fontRef idx="minor">
+            <a:schemeClr val="tx1"/>
+          </a:fontRef>
+        </p:style>
+      </p:cxnSp>
+      <p:cxnSp>
+        <p:nvCxnSpPr>
+          <p:cNvPr id="70" name="Straight Arrow Connector 69">
+            <a:extLst>
+              <a:ext uri="{FF2B5EF4-FFF2-40B4-BE49-F238E27FC236}">
+                <a16:creationId xmlns:a16="http://schemas.microsoft.com/office/drawing/2014/main" id="{057A2C09-DEA6-0010-6F4A-38BA466EE131}"/>
+              </a:ext>
+            </a:extLst>
+          </p:cNvPr>
+          <p:cNvCxnSpPr>
+            <a:cxnSpLocks/>
+            <a:endCxn id="63" idx="5"/>
+          </p:cNvCxnSpPr>
+          <p:nvPr/>
+        </p:nvCxnSpPr>
+        <p:spPr>
+          <a:xfrm flipH="1" flipV="1">
+            <a:off x="8277642" y="3158250"/>
+            <a:ext cx="1987588" cy="1217979"/>
+          </a:xfrm>
+          <a:prstGeom prst="straightConnector1">
+            <a:avLst/>
+          </a:prstGeom>
+          <a:ln w="38100">
+            <a:solidFill>
+              <a:schemeClr val="tx1"/>
+            </a:solidFill>
+            <a:prstDash val="dash"/>
+            <a:tailEnd type="none"/>
+          </a:ln>
+        </p:spPr>
+        <p:style>
+          <a:lnRef idx="2">
+            <a:schemeClr val="accent1"/>
+          </a:lnRef>
+          <a:fillRef idx="0">
+            <a:schemeClr val="accent1"/>
+          </a:fillRef>
+          <a:effectRef idx="1">
+            <a:schemeClr val="accent1"/>
+          </a:effectRef>
+          <a:fontRef idx="minor">
+            <a:schemeClr val="tx1"/>
+          </a:fontRef>
+        </p:style>
+      </p:cxnSp>
+      <p:cxnSp>
+        <p:nvCxnSpPr>
+          <p:cNvPr id="73" name="Straight Arrow Connector 72">
+            <a:extLst>
+              <a:ext uri="{FF2B5EF4-FFF2-40B4-BE49-F238E27FC236}">
+                <a16:creationId xmlns:a16="http://schemas.microsoft.com/office/drawing/2014/main" id="{574AE1CD-877A-3333-9F4B-5AB770D75161}"/>
+              </a:ext>
+            </a:extLst>
+          </p:cNvPr>
+          <p:cNvCxnSpPr>
+            <a:cxnSpLocks/>
+          </p:cNvCxnSpPr>
+          <p:nvPr/>
+        </p:nvCxnSpPr>
+        <p:spPr>
+          <a:xfrm flipH="1">
+            <a:off x="7632706" y="3151452"/>
+            <a:ext cx="585558" cy="600339"/>
+          </a:xfrm>
+          <a:prstGeom prst="straightConnector1">
+            <a:avLst/>
+          </a:prstGeom>
+          <a:ln w="38100">
+            <a:solidFill>
+              <a:schemeClr val="tx1"/>
+            </a:solidFill>
+            <a:tailEnd type="triangle"/>
+          </a:ln>
+        </p:spPr>
+        <p:style>
+          <a:lnRef idx="2">
+            <a:schemeClr val="accent1"/>
+          </a:lnRef>
+          <a:fillRef idx="0">
+            <a:schemeClr val="accent1"/>
+          </a:fillRef>
+          <a:effectRef idx="1">
+            <a:schemeClr val="accent1"/>
+          </a:effectRef>
+          <a:fontRef idx="minor">
+            <a:schemeClr val="tx1"/>
+          </a:fontRef>
+        </p:style>
+      </p:cxnSp>
+      <p:cxnSp>
+        <p:nvCxnSpPr>
+          <p:cNvPr id="76" name="Straight Arrow Connector 75">
+            <a:extLst>
+              <a:ext uri="{FF2B5EF4-FFF2-40B4-BE49-F238E27FC236}">
+                <a16:creationId xmlns:a16="http://schemas.microsoft.com/office/drawing/2014/main" id="{5EA5187D-0BEF-3AE5-F182-07B473F575C7}"/>
+              </a:ext>
+            </a:extLst>
+          </p:cNvPr>
+          <p:cNvCxnSpPr>
+            <a:cxnSpLocks/>
+            <a:endCxn id="65" idx="7"/>
+          </p:cNvCxnSpPr>
+          <p:nvPr/>
+        </p:nvCxnSpPr>
+        <p:spPr>
+          <a:xfrm flipH="1">
+            <a:off x="7022004" y="3801830"/>
+            <a:ext cx="551549" cy="553119"/>
+          </a:xfrm>
+          <a:prstGeom prst="straightConnector1">
+            <a:avLst/>
+          </a:prstGeom>
+          <a:ln w="38100">
+            <a:solidFill>
+              <a:schemeClr val="tx1"/>
+            </a:solidFill>
+            <a:prstDash val="dash"/>
+            <a:tailEnd type="none"/>
+          </a:ln>
+        </p:spPr>
+        <p:style>
+          <a:lnRef idx="2">
+            <a:schemeClr val="accent1"/>
+          </a:lnRef>
+          <a:fillRef idx="0">
+            <a:schemeClr val="accent1"/>
+          </a:fillRef>
+          <a:effectRef idx="1">
+            <a:schemeClr val="accent1"/>
+          </a:effectRef>
+          <a:fontRef idx="minor">
+            <a:schemeClr val="tx1"/>
+          </a:fontRef>
+        </p:style>
+      </p:cxnSp>
+      <p:sp>
+        <p:nvSpPr>
+          <p:cNvPr id="88" name="TextBox 87">
+            <a:extLst>
+              <a:ext uri="{FF2B5EF4-FFF2-40B4-BE49-F238E27FC236}">
+                <a16:creationId xmlns:a16="http://schemas.microsoft.com/office/drawing/2014/main" id="{62F315E5-15F5-F32A-79B4-8EB5B351B1F7}"/>
+              </a:ext>
+            </a:extLst>
+          </p:cNvPr>
+          <p:cNvSpPr txBox="1"/>
+          <p:nvPr/>
+        </p:nvSpPr>
+        <p:spPr>
+          <a:xfrm>
+            <a:off x="6086094" y="2322249"/>
+            <a:ext cx="1804276" cy="369332"/>
+          </a:xfrm>
+          <a:prstGeom prst="rect">
+            <a:avLst/>
+          </a:prstGeom>
+          <a:noFill/>
+        </p:spPr>
+        <p:txBody>
+          <a:bodyPr wrap="none" rtlCol="0">
+            <a:spAutoFit/>
+          </a:bodyPr>
+          <a:lstStyle/>
+          <a:p>
+            <a:r>
+              <a:rPr lang="en-ES" dirty="0"/>
+              <a:t>Ez&gt;0  Ey&lt;0  Ex&lt;0</a:t>
+            </a:r>
+          </a:p>
+        </p:txBody>
+      </p:sp>
+      <p:sp>
+        <p:nvSpPr>
+          <p:cNvPr id="89" name="TextBox 88">
+            <a:extLst>
+              <a:ext uri="{FF2B5EF4-FFF2-40B4-BE49-F238E27FC236}">
+                <a16:creationId xmlns:a16="http://schemas.microsoft.com/office/drawing/2014/main" id="{6F7CE4F5-D0BA-E3E3-F65E-E299F8461623}"/>
+              </a:ext>
+            </a:extLst>
+          </p:cNvPr>
+          <p:cNvSpPr txBox="1"/>
+          <p:nvPr/>
+        </p:nvSpPr>
+        <p:spPr>
+          <a:xfrm>
+            <a:off x="6038727" y="3227768"/>
+            <a:ext cx="1804276" cy="369332"/>
+          </a:xfrm>
+          <a:prstGeom prst="rect">
+            <a:avLst/>
+          </a:prstGeom>
+          <a:noFill/>
+        </p:spPr>
+        <p:txBody>
+          <a:bodyPr wrap="none" rtlCol="0">
+            <a:spAutoFit/>
+          </a:bodyPr>
+          <a:lstStyle/>
+          <a:p>
+            <a:r>
+              <a:rPr lang="en-ES" dirty="0"/>
+              <a:t>Ez&lt;0  Ey&gt;0  Ex&lt;0</a:t>
+            </a:r>
+          </a:p>
+        </p:txBody>
+      </p:sp>
+    </p:spTree>
+    <p:extLst>
+      <p:ext uri="{BB962C8B-B14F-4D97-AF65-F5344CB8AC3E}">
+        <p14:creationId xmlns:p14="http://schemas.microsoft.com/office/powerpoint/2010/main" val="650413243"/>
+      </p:ext>
+    </p:extLst>
+  </p:cSld>
+  <p:clrMapOvr>
+    <a:masterClrMapping/>
+  </p:clrMapOvr>
+</p:sld>
+</file>
+
+<file path=ppt/slides/slide30.xml><?xml version="1.0" encoding="utf-8"?>
 <p:sld xmlns:a="http://schemas.openxmlformats.org/drawingml/2006/main" xmlns:r="http://schemas.openxmlformats.org/officeDocument/2006/relationships" xmlns:p="http://schemas.openxmlformats.org/presentationml/2006/main">
   <p:cSld>
     <p:spTree>
@@ -21589,7 +25074,7 @@
 </p:sld>
 </file>
 
-<file path=ppt/slides/slide29.xml><?xml version="1.0" encoding="utf-8"?>
+<file path=ppt/slides/slide31.xml><?xml version="1.0" encoding="utf-8"?>
 <p:sld xmlns:a="http://schemas.openxmlformats.org/drawingml/2006/main" xmlns:r="http://schemas.openxmlformats.org/officeDocument/2006/relationships" xmlns:p="http://schemas.openxmlformats.org/presentationml/2006/main">
   <p:cSld>
     <p:spTree>
@@ -22203,1160 +25688,7 @@
 </p:sld>
 </file>
 
-<file path=ppt/slides/slide3.xml><?xml version="1.0" encoding="utf-8"?>
-<p:sld xmlns:a="http://schemas.openxmlformats.org/drawingml/2006/main" xmlns:r="http://schemas.openxmlformats.org/officeDocument/2006/relationships" xmlns:p="http://schemas.openxmlformats.org/presentationml/2006/main">
-  <p:cSld>
-    <p:spTree>
-      <p:nvGrpSpPr>
-        <p:cNvPr id="1" name=""/>
-        <p:cNvGrpSpPr/>
-        <p:nvPr/>
-      </p:nvGrpSpPr>
-      <p:grpSpPr>
-        <a:xfrm>
-          <a:off x="0" y="0"/>
-          <a:ext cx="0" cy="0"/>
-          <a:chOff x="0" y="0"/>
-          <a:chExt cx="0" cy="0"/>
-        </a:xfrm>
-      </p:grpSpPr>
-      <p:sp>
-        <p:nvSpPr>
-          <p:cNvPr id="2" name="Title 1">
-            <a:extLst>
-              <a:ext uri="{FF2B5EF4-FFF2-40B4-BE49-F238E27FC236}">
-                <a16:creationId xmlns:a16="http://schemas.microsoft.com/office/drawing/2014/main" id="{D39B841F-54C7-3AE1-E545-FD824C8DAF7F}"/>
-              </a:ext>
-            </a:extLst>
-          </p:cNvPr>
-          <p:cNvSpPr>
-            <a:spLocks noGrp="1"/>
-          </p:cNvSpPr>
-          <p:nvPr>
-            <p:ph type="title"/>
-          </p:nvPr>
-        </p:nvSpPr>
-        <p:spPr/>
-        <p:txBody>
-          <a:bodyPr/>
-          <a:lstStyle/>
-          <a:p>
-            <a:r>
-              <a:rPr lang="en-ES" dirty="0"/>
-              <a:t>B1.S2.1</a:t>
-            </a:r>
-          </a:p>
-        </p:txBody>
-      </p:sp>
-      <p:sp>
-        <p:nvSpPr>
-          <p:cNvPr id="5" name="Arc 4">
-            <a:extLst>
-              <a:ext uri="{FF2B5EF4-FFF2-40B4-BE49-F238E27FC236}">
-                <a16:creationId xmlns:a16="http://schemas.microsoft.com/office/drawing/2014/main" id="{C62C6161-AC50-592A-79A8-62650346F24E}"/>
-              </a:ext>
-            </a:extLst>
-          </p:cNvPr>
-          <p:cNvSpPr/>
-          <p:nvPr/>
-        </p:nvSpPr>
-        <p:spPr>
-          <a:xfrm rot="16200000">
-            <a:off x="492552" y="2918012"/>
-            <a:ext cx="4155141" cy="4222377"/>
-          </a:xfrm>
-          <a:prstGeom prst="arc">
-            <a:avLst>
-              <a:gd name="adj1" fmla="val 16259988"/>
-              <a:gd name="adj2" fmla="val 5404610"/>
-            </a:avLst>
-          </a:prstGeom>
-          <a:ln w="38100">
-            <a:gradFill>
-              <a:gsLst>
-                <a:gs pos="51000">
-                  <a:schemeClr val="accent1">
-                    <a:lumMod val="5000"/>
-                    <a:lumOff val="95000"/>
-                  </a:schemeClr>
-                </a:gs>
-                <a:gs pos="100000">
-                  <a:schemeClr val="accent1">
-                    <a:lumMod val="45000"/>
-                    <a:lumOff val="55000"/>
-                  </a:schemeClr>
-                </a:gs>
-                <a:gs pos="0">
-                  <a:srgbClr val="FF0000"/>
-                </a:gs>
-              </a:gsLst>
-              <a:lin ang="5400000" scaled="1"/>
-            </a:gradFill>
-          </a:ln>
-        </p:spPr>
-        <p:style>
-          <a:lnRef idx="2">
-            <a:schemeClr val="accent1"/>
-          </a:lnRef>
-          <a:fillRef idx="0">
-            <a:schemeClr val="accent1"/>
-          </a:fillRef>
-          <a:effectRef idx="1">
-            <a:schemeClr val="accent1"/>
-          </a:effectRef>
-          <a:fontRef idx="minor">
-            <a:schemeClr val="tx1"/>
-          </a:fontRef>
-        </p:style>
-        <p:txBody>
-          <a:bodyPr rtlCol="0" anchor="ctr"/>
-          <a:lstStyle/>
-          <a:p>
-            <a:pPr algn="ctr"/>
-            <a:endParaRPr lang="en-ES"/>
-          </a:p>
-        </p:txBody>
-      </p:sp>
-      <p:cxnSp>
-        <p:nvCxnSpPr>
-          <p:cNvPr id="10" name="Straight Arrow Connector 9">
-            <a:extLst>
-              <a:ext uri="{FF2B5EF4-FFF2-40B4-BE49-F238E27FC236}">
-                <a16:creationId xmlns:a16="http://schemas.microsoft.com/office/drawing/2014/main" id="{8E1BDB21-2D8F-C9C2-3B07-F77D99022865}"/>
-              </a:ext>
-            </a:extLst>
-          </p:cNvPr>
-          <p:cNvCxnSpPr>
-            <a:cxnSpLocks/>
-          </p:cNvCxnSpPr>
-          <p:nvPr/>
-        </p:nvCxnSpPr>
-        <p:spPr>
-          <a:xfrm flipV="1">
-            <a:off x="2589628" y="1817132"/>
-            <a:ext cx="0" cy="3223735"/>
-          </a:xfrm>
-          <a:prstGeom prst="straightConnector1">
-            <a:avLst/>
-          </a:prstGeom>
-          <a:ln w="38100">
-            <a:solidFill>
-              <a:schemeClr val="tx1"/>
-            </a:solidFill>
-            <a:tailEnd type="triangle"/>
-          </a:ln>
-        </p:spPr>
-        <p:style>
-          <a:lnRef idx="2">
-            <a:schemeClr val="accent1"/>
-          </a:lnRef>
-          <a:fillRef idx="0">
-            <a:schemeClr val="accent1"/>
-          </a:fillRef>
-          <a:effectRef idx="1">
-            <a:schemeClr val="accent1"/>
-          </a:effectRef>
-          <a:fontRef idx="minor">
-            <a:schemeClr val="tx1"/>
-          </a:fontRef>
-        </p:style>
-      </p:cxnSp>
-      <p:sp>
-        <p:nvSpPr>
-          <p:cNvPr id="15" name="TextBox 14">
-            <a:extLst>
-              <a:ext uri="{FF2B5EF4-FFF2-40B4-BE49-F238E27FC236}">
-                <a16:creationId xmlns:a16="http://schemas.microsoft.com/office/drawing/2014/main" id="{724436C1-324F-AAF1-C132-967FFB014398}"/>
-              </a:ext>
-            </a:extLst>
-          </p:cNvPr>
-          <p:cNvSpPr txBox="1"/>
-          <p:nvPr/>
-        </p:nvSpPr>
-        <p:spPr>
-          <a:xfrm>
-            <a:off x="2054698" y="1817132"/>
-            <a:ext cx="393056" cy="646331"/>
-          </a:xfrm>
-          <a:prstGeom prst="rect">
-            <a:avLst/>
-          </a:prstGeom>
-          <a:noFill/>
-        </p:spPr>
-        <p:txBody>
-          <a:bodyPr wrap="none" rtlCol="0">
-            <a:spAutoFit/>
-          </a:bodyPr>
-          <a:lstStyle/>
-          <a:p>
-            <a:r>
-              <a:rPr lang="en-ES" sz="3600" dirty="0"/>
-              <a:t>y</a:t>
-            </a:r>
-          </a:p>
-        </p:txBody>
-      </p:sp>
-      <p:cxnSp>
-        <p:nvCxnSpPr>
-          <p:cNvPr id="17" name="Straight Arrow Connector 16">
-            <a:extLst>
-              <a:ext uri="{FF2B5EF4-FFF2-40B4-BE49-F238E27FC236}">
-                <a16:creationId xmlns:a16="http://schemas.microsoft.com/office/drawing/2014/main" id="{5B01AE06-DAE3-451D-0620-065E77F3FD38}"/>
-              </a:ext>
-            </a:extLst>
-          </p:cNvPr>
-          <p:cNvCxnSpPr>
-            <a:cxnSpLocks/>
-          </p:cNvCxnSpPr>
-          <p:nvPr/>
-        </p:nvCxnSpPr>
-        <p:spPr>
-          <a:xfrm>
-            <a:off x="2589628" y="5040867"/>
-            <a:ext cx="3225269" cy="0"/>
-          </a:xfrm>
-          <a:prstGeom prst="straightConnector1">
-            <a:avLst/>
-          </a:prstGeom>
-          <a:ln w="38100">
-            <a:solidFill>
-              <a:schemeClr val="tx1"/>
-            </a:solidFill>
-            <a:tailEnd type="triangle"/>
-          </a:ln>
-        </p:spPr>
-        <p:style>
-          <a:lnRef idx="2">
-            <a:schemeClr val="accent1"/>
-          </a:lnRef>
-          <a:fillRef idx="0">
-            <a:schemeClr val="accent1"/>
-          </a:fillRef>
-          <a:effectRef idx="1">
-            <a:schemeClr val="accent1"/>
-          </a:effectRef>
-          <a:fontRef idx="minor">
-            <a:schemeClr val="tx1"/>
-          </a:fontRef>
-        </p:style>
-      </p:cxnSp>
-      <p:sp>
-        <p:nvSpPr>
-          <p:cNvPr id="18" name="TextBox 17">
-            <a:extLst>
-              <a:ext uri="{FF2B5EF4-FFF2-40B4-BE49-F238E27FC236}">
-                <a16:creationId xmlns:a16="http://schemas.microsoft.com/office/drawing/2014/main" id="{10908EA1-8301-F8A5-2AA4-12299B055323}"/>
-              </a:ext>
-            </a:extLst>
-          </p:cNvPr>
-          <p:cNvSpPr txBox="1"/>
-          <p:nvPr/>
-        </p:nvSpPr>
-        <p:spPr>
-          <a:xfrm>
-            <a:off x="5392791" y="5040867"/>
-            <a:ext cx="567868" cy="646331"/>
-          </a:xfrm>
-          <a:prstGeom prst="rect">
-            <a:avLst/>
-          </a:prstGeom>
-          <a:noFill/>
-        </p:spPr>
-        <p:txBody>
-          <a:bodyPr wrap="square" rtlCol="0">
-            <a:spAutoFit/>
-          </a:bodyPr>
-          <a:lstStyle/>
-          <a:p>
-            <a:r>
-              <a:rPr lang="en-ES" sz="3600" dirty="0"/>
-              <a:t>x</a:t>
-            </a:r>
-          </a:p>
-        </p:txBody>
-      </p:sp>
-      <p:sp>
-        <p:nvSpPr>
-          <p:cNvPr id="24" name="TextBox 23">
-            <a:extLst>
-              <a:ext uri="{FF2B5EF4-FFF2-40B4-BE49-F238E27FC236}">
-                <a16:creationId xmlns:a16="http://schemas.microsoft.com/office/drawing/2014/main" id="{619EBB20-CB39-E643-A01C-4EDC9B94301E}"/>
-              </a:ext>
-            </a:extLst>
-          </p:cNvPr>
-          <p:cNvSpPr txBox="1"/>
-          <p:nvPr/>
-        </p:nvSpPr>
-        <p:spPr>
-          <a:xfrm>
-            <a:off x="3338760" y="2417283"/>
-            <a:ext cx="2207656" cy="646331"/>
-          </a:xfrm>
-          <a:prstGeom prst="rect">
-            <a:avLst/>
-          </a:prstGeom>
-          <a:noFill/>
-        </p:spPr>
-        <p:txBody>
-          <a:bodyPr wrap="none" rtlCol="0">
-            <a:spAutoFit/>
-          </a:bodyPr>
-          <a:lstStyle/>
-          <a:p>
-            <a:r>
-              <a:rPr lang="en-ES" sz="3600" dirty="0"/>
-              <a:t>λ= λ</a:t>
-            </a:r>
-            <a:r>
-              <a:rPr lang="en-ES" sz="3600" baseline="-25000" dirty="0"/>
-              <a:t>0</a:t>
-            </a:r>
-            <a:r>
-              <a:rPr lang="en-ES" sz="3600" dirty="0"/>
-              <a:t>cosɸ’</a:t>
-            </a:r>
-          </a:p>
-        </p:txBody>
-      </p:sp>
-      <p:sp>
-        <p:nvSpPr>
-          <p:cNvPr id="30" name="Arc 29">
-            <a:extLst>
-              <a:ext uri="{FF2B5EF4-FFF2-40B4-BE49-F238E27FC236}">
-                <a16:creationId xmlns:a16="http://schemas.microsoft.com/office/drawing/2014/main" id="{471F2308-244C-599C-E8D1-D81CA02C565C}"/>
-              </a:ext>
-            </a:extLst>
-          </p:cNvPr>
-          <p:cNvSpPr/>
-          <p:nvPr/>
-        </p:nvSpPr>
-        <p:spPr>
-          <a:xfrm>
-            <a:off x="2027258" y="4415634"/>
-            <a:ext cx="1085728" cy="1125962"/>
-          </a:xfrm>
-          <a:prstGeom prst="arc">
-            <a:avLst>
-              <a:gd name="adj1" fmla="val 19745494"/>
-              <a:gd name="adj2" fmla="val 414981"/>
-            </a:avLst>
-          </a:prstGeom>
-          <a:ln w="38100">
-            <a:solidFill>
-              <a:schemeClr val="tx1"/>
-            </a:solidFill>
-          </a:ln>
-        </p:spPr>
-        <p:style>
-          <a:lnRef idx="2">
-            <a:schemeClr val="accent1"/>
-          </a:lnRef>
-          <a:fillRef idx="0">
-            <a:schemeClr val="accent1"/>
-          </a:fillRef>
-          <a:effectRef idx="1">
-            <a:schemeClr val="accent1"/>
-          </a:effectRef>
-          <a:fontRef idx="minor">
-            <a:schemeClr val="tx1"/>
-          </a:fontRef>
-        </p:style>
-        <p:txBody>
-          <a:bodyPr rtlCol="0" anchor="ctr"/>
-          <a:lstStyle/>
-          <a:p>
-            <a:pPr algn="ctr"/>
-            <a:endParaRPr lang="en-ES"/>
-          </a:p>
-        </p:txBody>
-      </p:sp>
-      <p:cxnSp>
-        <p:nvCxnSpPr>
-          <p:cNvPr id="31" name="Straight Arrow Connector 30">
-            <a:extLst>
-              <a:ext uri="{FF2B5EF4-FFF2-40B4-BE49-F238E27FC236}">
-                <a16:creationId xmlns:a16="http://schemas.microsoft.com/office/drawing/2014/main" id="{DAB80AE4-2DA9-5C87-2446-D9AD483D5F7C}"/>
-              </a:ext>
-            </a:extLst>
-          </p:cNvPr>
-          <p:cNvCxnSpPr>
-            <a:cxnSpLocks/>
-          </p:cNvCxnSpPr>
-          <p:nvPr/>
-        </p:nvCxnSpPr>
-        <p:spPr>
-          <a:xfrm flipV="1">
-            <a:off x="2589628" y="3834198"/>
-            <a:ext cx="1708441" cy="1195002"/>
-          </a:xfrm>
-          <a:prstGeom prst="straightConnector1">
-            <a:avLst/>
-          </a:prstGeom>
-          <a:ln w="38100">
-            <a:solidFill>
-              <a:schemeClr val="tx1"/>
-            </a:solidFill>
-            <a:tailEnd type="none"/>
-          </a:ln>
-        </p:spPr>
-        <p:style>
-          <a:lnRef idx="2">
-            <a:schemeClr val="accent1"/>
-          </a:lnRef>
-          <a:fillRef idx="0">
-            <a:schemeClr val="accent1"/>
-          </a:fillRef>
-          <a:effectRef idx="1">
-            <a:schemeClr val="accent1"/>
-          </a:effectRef>
-          <a:fontRef idx="minor">
-            <a:schemeClr val="tx1"/>
-          </a:fontRef>
-        </p:style>
-      </p:cxnSp>
-      <p:sp>
-        <p:nvSpPr>
-          <p:cNvPr id="36" name="TextBox 35">
-            <a:extLst>
-              <a:ext uri="{FF2B5EF4-FFF2-40B4-BE49-F238E27FC236}">
-                <a16:creationId xmlns:a16="http://schemas.microsoft.com/office/drawing/2014/main" id="{361442C0-CDFC-75EA-BF49-A961B88188D3}"/>
-              </a:ext>
-            </a:extLst>
-          </p:cNvPr>
-          <p:cNvSpPr txBox="1"/>
-          <p:nvPr/>
-        </p:nvSpPr>
-        <p:spPr>
-          <a:xfrm>
-            <a:off x="3254860" y="4431699"/>
-            <a:ext cx="562975" cy="646331"/>
-          </a:xfrm>
-          <a:prstGeom prst="rect">
-            <a:avLst/>
-          </a:prstGeom>
-          <a:noFill/>
-        </p:spPr>
-        <p:txBody>
-          <a:bodyPr wrap="none" rtlCol="0">
-            <a:spAutoFit/>
-          </a:bodyPr>
-          <a:lstStyle/>
-          <a:p>
-            <a:r>
-              <a:rPr lang="en-ES" sz="3600" dirty="0"/>
-              <a:t>ɸ’</a:t>
-            </a:r>
-          </a:p>
-        </p:txBody>
-      </p:sp>
-      <p:sp>
-        <p:nvSpPr>
-          <p:cNvPr id="41" name="TextBox 40">
-            <a:extLst>
-              <a:ext uri="{FF2B5EF4-FFF2-40B4-BE49-F238E27FC236}">
-                <a16:creationId xmlns:a16="http://schemas.microsoft.com/office/drawing/2014/main" id="{21DF65AF-0014-9838-1F9C-FA788DF430E2}"/>
-              </a:ext>
-            </a:extLst>
-          </p:cNvPr>
-          <p:cNvSpPr txBox="1"/>
-          <p:nvPr/>
-        </p:nvSpPr>
-        <p:spPr>
-          <a:xfrm>
-            <a:off x="8895270" y="2869329"/>
-            <a:ext cx="393056" cy="646331"/>
-          </a:xfrm>
-          <a:prstGeom prst="rect">
-            <a:avLst/>
-          </a:prstGeom>
-          <a:noFill/>
-        </p:spPr>
-        <p:txBody>
-          <a:bodyPr wrap="none" rtlCol="0">
-            <a:spAutoFit/>
-          </a:bodyPr>
-          <a:lstStyle/>
-          <a:p>
-            <a:r>
-              <a:rPr lang="en-ES" sz="3600" dirty="0"/>
-              <a:t>y</a:t>
-            </a:r>
-          </a:p>
-        </p:txBody>
-      </p:sp>
-      <p:sp>
-        <p:nvSpPr>
-          <p:cNvPr id="37" name="Arc 36">
-            <a:extLst>
-              <a:ext uri="{FF2B5EF4-FFF2-40B4-BE49-F238E27FC236}">
-                <a16:creationId xmlns:a16="http://schemas.microsoft.com/office/drawing/2014/main" id="{E8940850-8C44-3553-B1C6-4AC24BCEB1E8}"/>
-              </a:ext>
-            </a:extLst>
-          </p:cNvPr>
-          <p:cNvSpPr/>
-          <p:nvPr/>
-        </p:nvSpPr>
-        <p:spPr>
-          <a:xfrm rot="15416767">
-            <a:off x="7308147" y="2797188"/>
-            <a:ext cx="1884148" cy="4222377"/>
-          </a:xfrm>
-          <a:prstGeom prst="arc">
-            <a:avLst>
-              <a:gd name="adj1" fmla="val 16931934"/>
-              <a:gd name="adj2" fmla="val 6161777"/>
-            </a:avLst>
-          </a:prstGeom>
-          <a:ln w="38100">
-            <a:gradFill>
-              <a:gsLst>
-                <a:gs pos="72000">
-                  <a:schemeClr val="accent1">
-                    <a:lumMod val="5000"/>
-                    <a:lumOff val="95000"/>
-                  </a:schemeClr>
-                </a:gs>
-                <a:gs pos="100000">
-                  <a:schemeClr val="accent1">
-                    <a:lumMod val="45000"/>
-                    <a:lumOff val="55000"/>
-                  </a:schemeClr>
-                </a:gs>
-                <a:gs pos="0">
-                  <a:srgbClr val="FF0000"/>
-                </a:gs>
-              </a:gsLst>
-              <a:lin ang="5400000" scaled="1"/>
-            </a:gradFill>
-          </a:ln>
-        </p:spPr>
-        <p:style>
-          <a:lnRef idx="2">
-            <a:schemeClr val="accent1"/>
-          </a:lnRef>
-          <a:fillRef idx="0">
-            <a:schemeClr val="accent1"/>
-          </a:fillRef>
-          <a:effectRef idx="1">
-            <a:schemeClr val="accent1"/>
-          </a:effectRef>
-          <a:fontRef idx="minor">
-            <a:schemeClr val="tx1"/>
-          </a:fontRef>
-        </p:style>
-        <p:txBody>
-          <a:bodyPr rtlCol="0" anchor="ctr"/>
-          <a:lstStyle/>
-          <a:p>
-            <a:pPr algn="ctr"/>
-            <a:endParaRPr lang="en-ES"/>
-          </a:p>
-        </p:txBody>
-      </p:sp>
-      <p:cxnSp>
-        <p:nvCxnSpPr>
-          <p:cNvPr id="38" name="Straight Arrow Connector 37">
-            <a:extLst>
-              <a:ext uri="{FF2B5EF4-FFF2-40B4-BE49-F238E27FC236}">
-                <a16:creationId xmlns:a16="http://schemas.microsoft.com/office/drawing/2014/main" id="{7F40F7C0-8F9F-5467-0AA1-54322A1B012E}"/>
-              </a:ext>
-            </a:extLst>
-          </p:cNvPr>
-          <p:cNvCxnSpPr>
-            <a:cxnSpLocks/>
-          </p:cNvCxnSpPr>
-          <p:nvPr/>
-        </p:nvCxnSpPr>
-        <p:spPr>
-          <a:xfrm flipV="1">
-            <a:off x="8226694" y="2417283"/>
-            <a:ext cx="23527" cy="2491093"/>
-          </a:xfrm>
-          <a:prstGeom prst="straightConnector1">
-            <a:avLst/>
-          </a:prstGeom>
-          <a:ln w="38100">
-            <a:solidFill>
-              <a:schemeClr val="tx1"/>
-            </a:solidFill>
-            <a:tailEnd type="triangle"/>
-          </a:ln>
-        </p:spPr>
-        <p:style>
-          <a:lnRef idx="2">
-            <a:schemeClr val="accent1"/>
-          </a:lnRef>
-          <a:fillRef idx="0">
-            <a:schemeClr val="accent1"/>
-          </a:fillRef>
-          <a:effectRef idx="1">
-            <a:schemeClr val="accent1"/>
-          </a:effectRef>
-          <a:fontRef idx="minor">
-            <a:schemeClr val="tx1"/>
-          </a:fontRef>
-        </p:style>
-      </p:cxnSp>
-      <p:cxnSp>
-        <p:nvCxnSpPr>
-          <p:cNvPr id="42" name="Straight Arrow Connector 41">
-            <a:extLst>
-              <a:ext uri="{FF2B5EF4-FFF2-40B4-BE49-F238E27FC236}">
-                <a16:creationId xmlns:a16="http://schemas.microsoft.com/office/drawing/2014/main" id="{3FF65B0D-2128-48A2-C6BF-EEFBDF5032C2}"/>
-              </a:ext>
-            </a:extLst>
-          </p:cNvPr>
-          <p:cNvCxnSpPr>
-            <a:cxnSpLocks/>
-          </p:cNvCxnSpPr>
-          <p:nvPr/>
-        </p:nvCxnSpPr>
-        <p:spPr>
-          <a:xfrm>
-            <a:off x="8226694" y="4908376"/>
-            <a:ext cx="3225269" cy="0"/>
-          </a:xfrm>
-          <a:prstGeom prst="straightConnector1">
-            <a:avLst/>
-          </a:prstGeom>
-          <a:ln w="38100">
-            <a:solidFill>
-              <a:schemeClr val="tx1"/>
-            </a:solidFill>
-            <a:tailEnd type="triangle"/>
-          </a:ln>
-        </p:spPr>
-        <p:style>
-          <a:lnRef idx="2">
-            <a:schemeClr val="accent1"/>
-          </a:lnRef>
-          <a:fillRef idx="0">
-            <a:schemeClr val="accent1"/>
-          </a:fillRef>
-          <a:effectRef idx="1">
-            <a:schemeClr val="accent1"/>
-          </a:effectRef>
-          <a:fontRef idx="minor">
-            <a:schemeClr val="tx1"/>
-          </a:fontRef>
-        </p:style>
-      </p:cxnSp>
-      <p:sp>
-        <p:nvSpPr>
-          <p:cNvPr id="43" name="TextBox 42">
-            <a:extLst>
-              <a:ext uri="{FF2B5EF4-FFF2-40B4-BE49-F238E27FC236}">
-                <a16:creationId xmlns:a16="http://schemas.microsoft.com/office/drawing/2014/main" id="{62972613-7A40-EEAD-36D6-D99B33FD04D6}"/>
-              </a:ext>
-            </a:extLst>
-          </p:cNvPr>
-          <p:cNvSpPr txBox="1"/>
-          <p:nvPr/>
-        </p:nvSpPr>
-        <p:spPr>
-          <a:xfrm>
-            <a:off x="11069866" y="4895265"/>
-            <a:ext cx="567868" cy="646331"/>
-          </a:xfrm>
-          <a:prstGeom prst="rect">
-            <a:avLst/>
-          </a:prstGeom>
-          <a:noFill/>
-        </p:spPr>
-        <p:txBody>
-          <a:bodyPr wrap="square" rtlCol="0">
-            <a:spAutoFit/>
-          </a:bodyPr>
-          <a:lstStyle/>
-          <a:p>
-            <a:r>
-              <a:rPr lang="en-ES" sz="3600" dirty="0"/>
-              <a:t>x</a:t>
-            </a:r>
-          </a:p>
-        </p:txBody>
-      </p:sp>
-      <p:cxnSp>
-        <p:nvCxnSpPr>
-          <p:cNvPr id="58" name="Straight Arrow Connector 57">
-            <a:extLst>
-              <a:ext uri="{FF2B5EF4-FFF2-40B4-BE49-F238E27FC236}">
-                <a16:creationId xmlns:a16="http://schemas.microsoft.com/office/drawing/2014/main" id="{CCA5B95B-998E-A1C6-47D1-5E353C95FAF5}"/>
-              </a:ext>
-            </a:extLst>
-          </p:cNvPr>
-          <p:cNvCxnSpPr>
-            <a:cxnSpLocks/>
-          </p:cNvCxnSpPr>
-          <p:nvPr/>
-        </p:nvCxnSpPr>
-        <p:spPr>
-          <a:xfrm flipV="1">
-            <a:off x="8231487" y="3513799"/>
-            <a:ext cx="951382" cy="1419145"/>
-          </a:xfrm>
-          <a:prstGeom prst="straightConnector1">
-            <a:avLst/>
-          </a:prstGeom>
-          <a:ln w="38100">
-            <a:solidFill>
-              <a:schemeClr val="tx1"/>
-            </a:solidFill>
-            <a:tailEnd type="triangle"/>
-          </a:ln>
-        </p:spPr>
-        <p:style>
-          <a:lnRef idx="2">
-            <a:schemeClr val="accent1"/>
-          </a:lnRef>
-          <a:fillRef idx="0">
-            <a:schemeClr val="accent1"/>
-          </a:fillRef>
-          <a:effectRef idx="1">
-            <a:schemeClr val="accent1"/>
-          </a:effectRef>
-          <a:fontRef idx="minor">
-            <a:schemeClr val="tx1"/>
-          </a:fontRef>
-        </p:style>
-      </p:cxnSp>
-      <p:sp>
-        <p:nvSpPr>
-          <p:cNvPr id="61" name="TextBox 60">
-            <a:extLst>
-              <a:ext uri="{FF2B5EF4-FFF2-40B4-BE49-F238E27FC236}">
-                <a16:creationId xmlns:a16="http://schemas.microsoft.com/office/drawing/2014/main" id="{7C0742B9-49F1-60CA-F189-435AEC7AC1F2}"/>
-              </a:ext>
-            </a:extLst>
-          </p:cNvPr>
-          <p:cNvSpPr txBox="1"/>
-          <p:nvPr/>
-        </p:nvSpPr>
-        <p:spPr>
-          <a:xfrm>
-            <a:off x="8375794" y="2033395"/>
-            <a:ext cx="386644" cy="646331"/>
-          </a:xfrm>
-          <a:prstGeom prst="rect">
-            <a:avLst/>
-          </a:prstGeom>
-          <a:noFill/>
-        </p:spPr>
-        <p:txBody>
-          <a:bodyPr wrap="none" rtlCol="0">
-            <a:spAutoFit/>
-          </a:bodyPr>
-          <a:lstStyle/>
-          <a:p>
-            <a:r>
-              <a:rPr lang="en-ES" sz="3600" dirty="0"/>
-              <a:t>z</a:t>
-            </a:r>
-          </a:p>
-        </p:txBody>
-      </p:sp>
-      <p:sp>
-        <p:nvSpPr>
-          <p:cNvPr id="63" name="Oval 62">
-            <a:extLst>
-              <a:ext uri="{FF2B5EF4-FFF2-40B4-BE49-F238E27FC236}">
-                <a16:creationId xmlns:a16="http://schemas.microsoft.com/office/drawing/2014/main" id="{4C5C545A-0A5E-81E3-07A4-D107F0ADC87A}"/>
-              </a:ext>
-            </a:extLst>
-          </p:cNvPr>
-          <p:cNvSpPr/>
-          <p:nvPr/>
-        </p:nvSpPr>
-        <p:spPr>
-          <a:xfrm>
-            <a:off x="8196111" y="3083404"/>
-            <a:ext cx="95519" cy="87688"/>
-          </a:xfrm>
-          <a:prstGeom prst="ellipse">
-            <a:avLst/>
-          </a:prstGeom>
-        </p:spPr>
-        <p:style>
-          <a:lnRef idx="2">
-            <a:schemeClr val="accent1">
-              <a:shade val="15000"/>
-            </a:schemeClr>
-          </a:lnRef>
-          <a:fillRef idx="1">
-            <a:schemeClr val="accent1"/>
-          </a:fillRef>
-          <a:effectRef idx="0">
-            <a:schemeClr val="accent1"/>
-          </a:effectRef>
-          <a:fontRef idx="minor">
-            <a:schemeClr val="lt1"/>
-          </a:fontRef>
-        </p:style>
-        <p:txBody>
-          <a:bodyPr rtlCol="0" anchor="ctr"/>
-          <a:lstStyle/>
-          <a:p>
-            <a:pPr algn="ctr"/>
-            <a:endParaRPr lang="en-ES"/>
-          </a:p>
-        </p:txBody>
-      </p:sp>
-      <p:sp>
-        <p:nvSpPr>
-          <p:cNvPr id="64" name="Oval 63">
-            <a:extLst>
-              <a:ext uri="{FF2B5EF4-FFF2-40B4-BE49-F238E27FC236}">
-                <a16:creationId xmlns:a16="http://schemas.microsoft.com/office/drawing/2014/main" id="{B9DECD15-6A90-8F2A-42EE-A001068C177B}"/>
-              </a:ext>
-            </a:extLst>
-          </p:cNvPr>
-          <p:cNvSpPr/>
-          <p:nvPr/>
-        </p:nvSpPr>
-        <p:spPr>
-          <a:xfrm>
-            <a:off x="10236623" y="4342107"/>
-            <a:ext cx="95519" cy="87688"/>
-          </a:xfrm>
-          <a:prstGeom prst="ellipse">
-            <a:avLst/>
-          </a:prstGeom>
-        </p:spPr>
-        <p:style>
-          <a:lnRef idx="2">
-            <a:schemeClr val="accent1">
-              <a:shade val="15000"/>
-            </a:schemeClr>
-          </a:lnRef>
-          <a:fillRef idx="1">
-            <a:schemeClr val="accent1"/>
-          </a:fillRef>
-          <a:effectRef idx="0">
-            <a:schemeClr val="accent1"/>
-          </a:effectRef>
-          <a:fontRef idx="minor">
-            <a:schemeClr val="lt1"/>
-          </a:fontRef>
-        </p:style>
-        <p:txBody>
-          <a:bodyPr rtlCol="0" anchor="ctr"/>
-          <a:lstStyle/>
-          <a:p>
-            <a:pPr algn="ctr"/>
-            <a:endParaRPr lang="en-ES"/>
-          </a:p>
-        </p:txBody>
-      </p:sp>
-      <p:sp>
-        <p:nvSpPr>
-          <p:cNvPr id="65" name="Oval 64">
-            <a:extLst>
-              <a:ext uri="{FF2B5EF4-FFF2-40B4-BE49-F238E27FC236}">
-                <a16:creationId xmlns:a16="http://schemas.microsoft.com/office/drawing/2014/main" id="{CBEA7EF2-4DF1-77C2-309F-A3BFC3B20BE1}"/>
-              </a:ext>
-            </a:extLst>
-          </p:cNvPr>
-          <p:cNvSpPr/>
-          <p:nvPr/>
-        </p:nvSpPr>
-        <p:spPr>
-          <a:xfrm>
-            <a:off x="6940473" y="4342107"/>
-            <a:ext cx="95519" cy="87688"/>
-          </a:xfrm>
-          <a:prstGeom prst="ellipse">
-            <a:avLst/>
-          </a:prstGeom>
-        </p:spPr>
-        <p:style>
-          <a:lnRef idx="2">
-            <a:schemeClr val="accent1">
-              <a:shade val="15000"/>
-            </a:schemeClr>
-          </a:lnRef>
-          <a:fillRef idx="1">
-            <a:schemeClr val="accent1"/>
-          </a:fillRef>
-          <a:effectRef idx="0">
-            <a:schemeClr val="accent1"/>
-          </a:effectRef>
-          <a:fontRef idx="minor">
-            <a:schemeClr val="lt1"/>
-          </a:fontRef>
-        </p:style>
-        <p:txBody>
-          <a:bodyPr rtlCol="0" anchor="ctr"/>
-          <a:lstStyle/>
-          <a:p>
-            <a:pPr algn="ctr"/>
-            <a:endParaRPr lang="en-ES"/>
-          </a:p>
-        </p:txBody>
-      </p:sp>
-      <p:cxnSp>
-        <p:nvCxnSpPr>
-          <p:cNvPr id="66" name="Straight Arrow Connector 65">
-            <a:extLst>
-              <a:ext uri="{FF2B5EF4-FFF2-40B4-BE49-F238E27FC236}">
-                <a16:creationId xmlns:a16="http://schemas.microsoft.com/office/drawing/2014/main" id="{4E6E89EA-DB65-0D6F-D0E7-B4A7A3669132}"/>
-              </a:ext>
-            </a:extLst>
-          </p:cNvPr>
-          <p:cNvCxnSpPr>
-            <a:cxnSpLocks/>
-          </p:cNvCxnSpPr>
-          <p:nvPr/>
-        </p:nvCxnSpPr>
-        <p:spPr>
-          <a:xfrm flipH="1" flipV="1">
-            <a:off x="7510690" y="2665527"/>
-            <a:ext cx="699409" cy="438811"/>
-          </a:xfrm>
-          <a:prstGeom prst="straightConnector1">
-            <a:avLst/>
-          </a:prstGeom>
-          <a:ln w="38100">
-            <a:solidFill>
-              <a:schemeClr val="tx1"/>
-            </a:solidFill>
-            <a:tailEnd type="triangle"/>
-          </a:ln>
-        </p:spPr>
-        <p:style>
-          <a:lnRef idx="2">
-            <a:schemeClr val="accent1"/>
-          </a:lnRef>
-          <a:fillRef idx="0">
-            <a:schemeClr val="accent1"/>
-          </a:fillRef>
-          <a:effectRef idx="1">
-            <a:schemeClr val="accent1"/>
-          </a:effectRef>
-          <a:fontRef idx="minor">
-            <a:schemeClr val="tx1"/>
-          </a:fontRef>
-        </p:style>
-      </p:cxnSp>
-      <p:cxnSp>
-        <p:nvCxnSpPr>
-          <p:cNvPr id="70" name="Straight Arrow Connector 69">
-            <a:extLst>
-              <a:ext uri="{FF2B5EF4-FFF2-40B4-BE49-F238E27FC236}">
-                <a16:creationId xmlns:a16="http://schemas.microsoft.com/office/drawing/2014/main" id="{057A2C09-DEA6-0010-6F4A-38BA466EE131}"/>
-              </a:ext>
-            </a:extLst>
-          </p:cNvPr>
-          <p:cNvCxnSpPr>
-            <a:cxnSpLocks/>
-            <a:endCxn id="63" idx="5"/>
-          </p:cNvCxnSpPr>
-          <p:nvPr/>
-        </p:nvCxnSpPr>
-        <p:spPr>
-          <a:xfrm flipH="1" flipV="1">
-            <a:off x="8277642" y="3158250"/>
-            <a:ext cx="1987588" cy="1217979"/>
-          </a:xfrm>
-          <a:prstGeom prst="straightConnector1">
-            <a:avLst/>
-          </a:prstGeom>
-          <a:ln w="38100">
-            <a:solidFill>
-              <a:schemeClr val="tx1"/>
-            </a:solidFill>
-            <a:prstDash val="dash"/>
-            <a:tailEnd type="none"/>
-          </a:ln>
-        </p:spPr>
-        <p:style>
-          <a:lnRef idx="2">
-            <a:schemeClr val="accent1"/>
-          </a:lnRef>
-          <a:fillRef idx="0">
-            <a:schemeClr val="accent1"/>
-          </a:fillRef>
-          <a:effectRef idx="1">
-            <a:schemeClr val="accent1"/>
-          </a:effectRef>
-          <a:fontRef idx="minor">
-            <a:schemeClr val="tx1"/>
-          </a:fontRef>
-        </p:style>
-      </p:cxnSp>
-      <p:cxnSp>
-        <p:nvCxnSpPr>
-          <p:cNvPr id="73" name="Straight Arrow Connector 72">
-            <a:extLst>
-              <a:ext uri="{FF2B5EF4-FFF2-40B4-BE49-F238E27FC236}">
-                <a16:creationId xmlns:a16="http://schemas.microsoft.com/office/drawing/2014/main" id="{574AE1CD-877A-3333-9F4B-5AB770D75161}"/>
-              </a:ext>
-            </a:extLst>
-          </p:cNvPr>
-          <p:cNvCxnSpPr>
-            <a:cxnSpLocks/>
-          </p:cNvCxnSpPr>
-          <p:nvPr/>
-        </p:nvCxnSpPr>
-        <p:spPr>
-          <a:xfrm flipH="1">
-            <a:off x="7632706" y="3151452"/>
-            <a:ext cx="585558" cy="600339"/>
-          </a:xfrm>
-          <a:prstGeom prst="straightConnector1">
-            <a:avLst/>
-          </a:prstGeom>
-          <a:ln w="38100">
-            <a:solidFill>
-              <a:schemeClr val="tx1"/>
-            </a:solidFill>
-            <a:tailEnd type="triangle"/>
-          </a:ln>
-        </p:spPr>
-        <p:style>
-          <a:lnRef idx="2">
-            <a:schemeClr val="accent1"/>
-          </a:lnRef>
-          <a:fillRef idx="0">
-            <a:schemeClr val="accent1"/>
-          </a:fillRef>
-          <a:effectRef idx="1">
-            <a:schemeClr val="accent1"/>
-          </a:effectRef>
-          <a:fontRef idx="minor">
-            <a:schemeClr val="tx1"/>
-          </a:fontRef>
-        </p:style>
-      </p:cxnSp>
-      <p:cxnSp>
-        <p:nvCxnSpPr>
-          <p:cNvPr id="76" name="Straight Arrow Connector 75">
-            <a:extLst>
-              <a:ext uri="{FF2B5EF4-FFF2-40B4-BE49-F238E27FC236}">
-                <a16:creationId xmlns:a16="http://schemas.microsoft.com/office/drawing/2014/main" id="{5EA5187D-0BEF-3AE5-F182-07B473F575C7}"/>
-              </a:ext>
-            </a:extLst>
-          </p:cNvPr>
-          <p:cNvCxnSpPr>
-            <a:cxnSpLocks/>
-            <a:endCxn id="65" idx="7"/>
-          </p:cNvCxnSpPr>
-          <p:nvPr/>
-        </p:nvCxnSpPr>
-        <p:spPr>
-          <a:xfrm flipH="1">
-            <a:off x="7022004" y="3801830"/>
-            <a:ext cx="551549" cy="553119"/>
-          </a:xfrm>
-          <a:prstGeom prst="straightConnector1">
-            <a:avLst/>
-          </a:prstGeom>
-          <a:ln w="38100">
-            <a:solidFill>
-              <a:schemeClr val="tx1"/>
-            </a:solidFill>
-            <a:prstDash val="dash"/>
-            <a:tailEnd type="none"/>
-          </a:ln>
-        </p:spPr>
-        <p:style>
-          <a:lnRef idx="2">
-            <a:schemeClr val="accent1"/>
-          </a:lnRef>
-          <a:fillRef idx="0">
-            <a:schemeClr val="accent1"/>
-          </a:fillRef>
-          <a:effectRef idx="1">
-            <a:schemeClr val="accent1"/>
-          </a:effectRef>
-          <a:fontRef idx="minor">
-            <a:schemeClr val="tx1"/>
-          </a:fontRef>
-        </p:style>
-      </p:cxnSp>
-      <p:sp>
-        <p:nvSpPr>
-          <p:cNvPr id="88" name="TextBox 87">
-            <a:extLst>
-              <a:ext uri="{FF2B5EF4-FFF2-40B4-BE49-F238E27FC236}">
-                <a16:creationId xmlns:a16="http://schemas.microsoft.com/office/drawing/2014/main" id="{62F315E5-15F5-F32A-79B4-8EB5B351B1F7}"/>
-              </a:ext>
-            </a:extLst>
-          </p:cNvPr>
-          <p:cNvSpPr txBox="1"/>
-          <p:nvPr/>
-        </p:nvSpPr>
-        <p:spPr>
-          <a:xfrm>
-            <a:off x="6086094" y="2322249"/>
-            <a:ext cx="1804276" cy="369332"/>
-          </a:xfrm>
-          <a:prstGeom prst="rect">
-            <a:avLst/>
-          </a:prstGeom>
-          <a:noFill/>
-        </p:spPr>
-        <p:txBody>
-          <a:bodyPr wrap="none" rtlCol="0">
-            <a:spAutoFit/>
-          </a:bodyPr>
-          <a:lstStyle/>
-          <a:p>
-            <a:r>
-              <a:rPr lang="en-ES" dirty="0"/>
-              <a:t>Ez&gt;0  Ey&lt;0  Ex&lt;0</a:t>
-            </a:r>
-          </a:p>
-        </p:txBody>
-      </p:sp>
-      <p:sp>
-        <p:nvSpPr>
-          <p:cNvPr id="89" name="TextBox 88">
-            <a:extLst>
-              <a:ext uri="{FF2B5EF4-FFF2-40B4-BE49-F238E27FC236}">
-                <a16:creationId xmlns:a16="http://schemas.microsoft.com/office/drawing/2014/main" id="{6F7CE4F5-D0BA-E3E3-F65E-E299F8461623}"/>
-              </a:ext>
-            </a:extLst>
-          </p:cNvPr>
-          <p:cNvSpPr txBox="1"/>
-          <p:nvPr/>
-        </p:nvSpPr>
-        <p:spPr>
-          <a:xfrm>
-            <a:off x="6038727" y="3227768"/>
-            <a:ext cx="1804276" cy="369332"/>
-          </a:xfrm>
-          <a:prstGeom prst="rect">
-            <a:avLst/>
-          </a:prstGeom>
-          <a:noFill/>
-        </p:spPr>
-        <p:txBody>
-          <a:bodyPr wrap="none" rtlCol="0">
-            <a:spAutoFit/>
-          </a:bodyPr>
-          <a:lstStyle/>
-          <a:p>
-            <a:r>
-              <a:rPr lang="en-ES" dirty="0"/>
-              <a:t>Ez&lt;0  Ey&gt;0  Ex&lt;0</a:t>
-            </a:r>
-          </a:p>
-        </p:txBody>
-      </p:sp>
-    </p:spTree>
-    <p:extLst>
-      <p:ext uri="{BB962C8B-B14F-4D97-AF65-F5344CB8AC3E}">
-        <p14:creationId xmlns:p14="http://schemas.microsoft.com/office/powerpoint/2010/main" val="650413243"/>
-      </p:ext>
-    </p:extLst>
-  </p:cSld>
-  <p:clrMapOvr>
-    <a:masterClrMapping/>
-  </p:clrMapOvr>
-</p:sld>
-</file>
-
-<file path=ppt/slides/slide30.xml><?xml version="1.0" encoding="utf-8"?>
+<file path=ppt/slides/slide32.xml><?xml version="1.0" encoding="utf-8"?>
 <p:sld xmlns:a="http://schemas.openxmlformats.org/drawingml/2006/main" xmlns:r="http://schemas.openxmlformats.org/officeDocument/2006/relationships" xmlns:p="http://schemas.openxmlformats.org/presentationml/2006/main">
   <p:cSld>
     <p:spTree>
@@ -24020,7 +26352,7 @@
 </p:sld>
 </file>
 
-<file path=ppt/slides/slide31.xml><?xml version="1.0" encoding="utf-8"?>
+<file path=ppt/slides/slide33.xml><?xml version="1.0" encoding="utf-8"?>
 <p:sld xmlns:a="http://schemas.openxmlformats.org/drawingml/2006/main" xmlns:r="http://schemas.openxmlformats.org/officeDocument/2006/relationships" xmlns:p="http://schemas.openxmlformats.org/presentationml/2006/main">
   <p:cSld>
     <p:spTree>
@@ -25353,7 +27685,7 @@
 </p:sld>
 </file>
 
-<file path=ppt/slides/slide32.xml><?xml version="1.0" encoding="utf-8"?>
+<file path=ppt/slides/slide34.xml><?xml version="1.0" encoding="utf-8"?>
 <p:sld xmlns:a="http://schemas.openxmlformats.org/drawingml/2006/main" xmlns:r="http://schemas.openxmlformats.org/officeDocument/2006/relationships" xmlns:p="http://schemas.openxmlformats.org/presentationml/2006/main">
   <p:cSld>
     <p:spTree>
@@ -26438,7 +28770,7 @@
 </p:sld>
 </file>
 
-<file path=ppt/slides/slide33.xml><?xml version="1.0" encoding="utf-8"?>
+<file path=ppt/slides/slide35.xml><?xml version="1.0" encoding="utf-8"?>
 <p:sld xmlns:a="http://schemas.openxmlformats.org/drawingml/2006/main" xmlns:r="http://schemas.openxmlformats.org/officeDocument/2006/relationships" xmlns:p="http://schemas.openxmlformats.org/presentationml/2006/main">
   <p:cSld>
     <p:spTree>
@@ -27859,7 +30191,7 @@
 </p:sld>
 </file>
 
-<file path=ppt/slides/slide34.xml><?xml version="1.0" encoding="utf-8"?>
+<file path=ppt/slides/slide36.xml><?xml version="1.0" encoding="utf-8"?>
 <p:sld xmlns:a="http://schemas.openxmlformats.org/drawingml/2006/main" xmlns:r="http://schemas.openxmlformats.org/officeDocument/2006/relationships" xmlns:p="http://schemas.openxmlformats.org/presentationml/2006/main">
   <p:cSld>
     <p:spTree>
@@ -28621,7 +30953,7 @@
 </p:sld>
 </file>
 
-<file path=ppt/slides/slide35.xml><?xml version="1.0" encoding="utf-8"?>
+<file path=ppt/slides/slide37.xml><?xml version="1.0" encoding="utf-8"?>
 <p:sld xmlns:a="http://schemas.openxmlformats.org/drawingml/2006/main" xmlns:r="http://schemas.openxmlformats.org/officeDocument/2006/relationships" xmlns:p="http://schemas.openxmlformats.org/presentationml/2006/main">
   <p:cSld>
     <p:spTree>
@@ -29746,7 +32078,7 @@
 </p:sld>
 </file>
 
-<file path=ppt/slides/slide36.xml><?xml version="1.0" encoding="utf-8"?>
+<file path=ppt/slides/slide38.xml><?xml version="1.0" encoding="utf-8"?>
 <p:sld xmlns:a="http://schemas.openxmlformats.org/drawingml/2006/main" xmlns:r="http://schemas.openxmlformats.org/officeDocument/2006/relationships" xmlns:p="http://schemas.openxmlformats.org/presentationml/2006/main">
   <p:cSld>
     <p:spTree>
@@ -31855,7 +34187,7 @@
 </p:sld>
 </file>
 
-<file path=ppt/slides/slide37.xml><?xml version="1.0" encoding="utf-8"?>
+<file path=ppt/slides/slide39.xml><?xml version="1.0" encoding="utf-8"?>
 <p:sld xmlns:a="http://schemas.openxmlformats.org/drawingml/2006/main" xmlns:r="http://schemas.openxmlformats.org/officeDocument/2006/relationships" xmlns:p="http://schemas.openxmlformats.org/presentationml/2006/main">
   <p:cSld>
     <p:spTree>

--- a/images/Images.pptx
+++ b/images/Images.pptx
@@ -24,26 +24,28 @@
     <p:sldId id="294" r:id="rId18"/>
     <p:sldId id="295" r:id="rId19"/>
     <p:sldId id="293" r:id="rId20"/>
-    <p:sldId id="259" r:id="rId21"/>
-    <p:sldId id="260" r:id="rId22"/>
-    <p:sldId id="262" r:id="rId23"/>
-    <p:sldId id="261" r:id="rId24"/>
-    <p:sldId id="263" r:id="rId25"/>
-    <p:sldId id="264" r:id="rId26"/>
-    <p:sldId id="265" r:id="rId27"/>
-    <p:sldId id="266" r:id="rId28"/>
-    <p:sldId id="268" r:id="rId29"/>
-    <p:sldId id="269" r:id="rId30"/>
-    <p:sldId id="270" r:id="rId31"/>
-    <p:sldId id="271" r:id="rId32"/>
-    <p:sldId id="272" r:id="rId33"/>
-    <p:sldId id="273" r:id="rId34"/>
-    <p:sldId id="274" r:id="rId35"/>
-    <p:sldId id="275" r:id="rId36"/>
-    <p:sldId id="276" r:id="rId37"/>
-    <p:sldId id="277" r:id="rId38"/>
-    <p:sldId id="278" r:id="rId39"/>
-    <p:sldId id="279" r:id="rId40"/>
+    <p:sldId id="296" r:id="rId21"/>
+    <p:sldId id="297" r:id="rId22"/>
+    <p:sldId id="263" r:id="rId23"/>
+    <p:sldId id="259" r:id="rId24"/>
+    <p:sldId id="260" r:id="rId25"/>
+    <p:sldId id="262" r:id="rId26"/>
+    <p:sldId id="261" r:id="rId27"/>
+    <p:sldId id="264" r:id="rId28"/>
+    <p:sldId id="265" r:id="rId29"/>
+    <p:sldId id="266" r:id="rId30"/>
+    <p:sldId id="268" r:id="rId31"/>
+    <p:sldId id="269" r:id="rId32"/>
+    <p:sldId id="270" r:id="rId33"/>
+    <p:sldId id="271" r:id="rId34"/>
+    <p:sldId id="272" r:id="rId35"/>
+    <p:sldId id="273" r:id="rId36"/>
+    <p:sldId id="274" r:id="rId37"/>
+    <p:sldId id="275" r:id="rId38"/>
+    <p:sldId id="276" r:id="rId39"/>
+    <p:sldId id="277" r:id="rId40"/>
+    <p:sldId id="278" r:id="rId41"/>
+    <p:sldId id="279" r:id="rId42"/>
   </p:sldIdLst>
   <p:sldSz cx="12192000" cy="6858000"/>
   <p:notesSz cx="6858000" cy="9144000"/>
@@ -299,7 +301,7 @@
           <a:p>
             <a:fld id="{BA48513D-C823-C342-87AA-C2EB607FA67A}" type="datetimeFigureOut">
               <a:rPr lang="en-ES" smtClean="0"/>
-              <a:t>27/10/25</a:t>
+              <a:t>24/11/25</a:t>
             </a:fld>
             <a:endParaRPr lang="en-ES"/>
           </a:p>
@@ -499,7 +501,7 @@
           <a:p>
             <a:fld id="{BA48513D-C823-C342-87AA-C2EB607FA67A}" type="datetimeFigureOut">
               <a:rPr lang="en-ES" smtClean="0"/>
-              <a:t>27/10/25</a:t>
+              <a:t>24/11/25</a:t>
             </a:fld>
             <a:endParaRPr lang="en-ES"/>
           </a:p>
@@ -709,7 +711,7 @@
           <a:p>
             <a:fld id="{BA48513D-C823-C342-87AA-C2EB607FA67A}" type="datetimeFigureOut">
               <a:rPr lang="en-ES" smtClean="0"/>
-              <a:t>27/10/25</a:t>
+              <a:t>24/11/25</a:t>
             </a:fld>
             <a:endParaRPr lang="en-ES"/>
           </a:p>
@@ -909,7 +911,7 @@
           <a:p>
             <a:fld id="{BA48513D-C823-C342-87AA-C2EB607FA67A}" type="datetimeFigureOut">
               <a:rPr lang="en-ES" smtClean="0"/>
-              <a:t>27/10/25</a:t>
+              <a:t>24/11/25</a:t>
             </a:fld>
             <a:endParaRPr lang="en-ES"/>
           </a:p>
@@ -1185,7 +1187,7 @@
           <a:p>
             <a:fld id="{BA48513D-C823-C342-87AA-C2EB607FA67A}" type="datetimeFigureOut">
               <a:rPr lang="en-ES" smtClean="0"/>
-              <a:t>27/10/25</a:t>
+              <a:t>24/11/25</a:t>
             </a:fld>
             <a:endParaRPr lang="en-ES"/>
           </a:p>
@@ -1453,7 +1455,7 @@
           <a:p>
             <a:fld id="{BA48513D-C823-C342-87AA-C2EB607FA67A}" type="datetimeFigureOut">
               <a:rPr lang="en-ES" smtClean="0"/>
-              <a:t>27/10/25</a:t>
+              <a:t>24/11/25</a:t>
             </a:fld>
             <a:endParaRPr lang="en-ES"/>
           </a:p>
@@ -1868,7 +1870,7 @@
           <a:p>
             <a:fld id="{BA48513D-C823-C342-87AA-C2EB607FA67A}" type="datetimeFigureOut">
               <a:rPr lang="en-ES" smtClean="0"/>
-              <a:t>27/10/25</a:t>
+              <a:t>24/11/25</a:t>
             </a:fld>
             <a:endParaRPr lang="en-ES"/>
           </a:p>
@@ -2010,7 +2012,7 @@
           <a:p>
             <a:fld id="{BA48513D-C823-C342-87AA-C2EB607FA67A}" type="datetimeFigureOut">
               <a:rPr lang="en-ES" smtClean="0"/>
-              <a:t>27/10/25</a:t>
+              <a:t>24/11/25</a:t>
             </a:fld>
             <a:endParaRPr lang="en-ES"/>
           </a:p>
@@ -2123,7 +2125,7 @@
           <a:p>
             <a:fld id="{BA48513D-C823-C342-87AA-C2EB607FA67A}" type="datetimeFigureOut">
               <a:rPr lang="en-ES" smtClean="0"/>
-              <a:t>27/10/25</a:t>
+              <a:t>24/11/25</a:t>
             </a:fld>
             <a:endParaRPr lang="en-ES"/>
           </a:p>
@@ -2436,7 +2438,7 @@
           <a:p>
             <a:fld id="{BA48513D-C823-C342-87AA-C2EB607FA67A}" type="datetimeFigureOut">
               <a:rPr lang="en-ES" smtClean="0"/>
-              <a:t>27/10/25</a:t>
+              <a:t>24/11/25</a:t>
             </a:fld>
             <a:endParaRPr lang="en-ES"/>
           </a:p>
@@ -2725,7 +2727,7 @@
           <a:p>
             <a:fld id="{BA48513D-C823-C342-87AA-C2EB607FA67A}" type="datetimeFigureOut">
               <a:rPr lang="en-ES" smtClean="0"/>
-              <a:t>27/10/25</a:t>
+              <a:t>24/11/25</a:t>
             </a:fld>
             <a:endParaRPr lang="en-ES"/>
           </a:p>
@@ -2968,7 +2970,7 @@
           <a:p>
             <a:fld id="{BA48513D-C823-C342-87AA-C2EB607FA67A}" type="datetimeFigureOut">
               <a:rPr lang="en-ES" smtClean="0"/>
-              <a:t>27/10/25</a:t>
+              <a:t>24/11/25</a:t>
             </a:fld>
             <a:endParaRPr lang="en-ES"/>
           </a:p>
@@ -15540,6 +15542,4155 @@
       </p:grpSpPr>
       <p:sp>
         <p:nvSpPr>
+          <p:cNvPr id="2" name="Title 1">
+            <a:extLst>
+              <a:ext uri="{FF2B5EF4-FFF2-40B4-BE49-F238E27FC236}">
+                <a16:creationId xmlns:a16="http://schemas.microsoft.com/office/drawing/2014/main" id="{8B1D298D-50C2-5730-C0A2-0B6C5D5263B3}"/>
+              </a:ext>
+            </a:extLst>
+          </p:cNvPr>
+          <p:cNvSpPr>
+            <a:spLocks noGrp="1"/>
+          </p:cNvSpPr>
+          <p:nvPr>
+            <p:ph type="title"/>
+          </p:nvPr>
+        </p:nvSpPr>
+        <p:spPr/>
+        <p:txBody>
+          <a:bodyPr/>
+          <a:lstStyle/>
+          <a:p>
+            <a:r>
+              <a:rPr lang="en-ES" dirty="0"/>
+              <a:t>B4.S8.1</a:t>
+            </a:r>
+          </a:p>
+        </p:txBody>
+      </p:sp>
+      <p:grpSp>
+        <p:nvGrpSpPr>
+          <p:cNvPr id="32" name="Group 31">
+            <a:extLst>
+              <a:ext uri="{FF2B5EF4-FFF2-40B4-BE49-F238E27FC236}">
+                <a16:creationId xmlns:a16="http://schemas.microsoft.com/office/drawing/2014/main" id="{D5D4B06E-6679-11CE-805C-0C143B1A4F0D}"/>
+              </a:ext>
+            </a:extLst>
+          </p:cNvPr>
+          <p:cNvGrpSpPr/>
+          <p:nvPr/>
+        </p:nvGrpSpPr>
+        <p:grpSpPr>
+          <a:xfrm>
+            <a:off x="1114278" y="1939864"/>
+            <a:ext cx="2765371" cy="3138711"/>
+            <a:chOff x="2538633" y="1816769"/>
+            <a:chExt cx="2765371" cy="3138711"/>
+          </a:xfrm>
+        </p:grpSpPr>
+        <p:cxnSp>
+          <p:nvCxnSpPr>
+            <p:cNvPr id="16" name="Straight Arrow Connector 15">
+              <a:extLst>
+                <a:ext uri="{FF2B5EF4-FFF2-40B4-BE49-F238E27FC236}">
+                  <a16:creationId xmlns:a16="http://schemas.microsoft.com/office/drawing/2014/main" id="{655C299C-EB0D-9E87-0A6E-164FDDBEB911}"/>
+                </a:ext>
+              </a:extLst>
+            </p:cNvPr>
+            <p:cNvCxnSpPr>
+              <a:cxnSpLocks/>
+            </p:cNvCxnSpPr>
+            <p:nvPr/>
+          </p:nvCxnSpPr>
+          <p:spPr>
+            <a:xfrm flipV="1">
+              <a:off x="2551274" y="2200657"/>
+              <a:ext cx="0" cy="2142743"/>
+            </a:xfrm>
+            <a:prstGeom prst="straightConnector1">
+              <a:avLst/>
+            </a:prstGeom>
+            <a:ln w="38100">
+              <a:solidFill>
+                <a:schemeClr val="tx1"/>
+              </a:solidFill>
+              <a:tailEnd type="triangle"/>
+            </a:ln>
+          </p:spPr>
+          <p:style>
+            <a:lnRef idx="2">
+              <a:schemeClr val="accent1"/>
+            </a:lnRef>
+            <a:fillRef idx="0">
+              <a:schemeClr val="accent1"/>
+            </a:fillRef>
+            <a:effectRef idx="1">
+              <a:schemeClr val="accent1"/>
+            </a:effectRef>
+            <a:fontRef idx="minor">
+              <a:schemeClr val="tx1"/>
+            </a:fontRef>
+          </p:style>
+        </p:cxnSp>
+        <p:cxnSp>
+          <p:nvCxnSpPr>
+            <p:cNvPr id="17" name="Straight Arrow Connector 16">
+              <a:extLst>
+                <a:ext uri="{FF2B5EF4-FFF2-40B4-BE49-F238E27FC236}">
+                  <a16:creationId xmlns:a16="http://schemas.microsoft.com/office/drawing/2014/main" id="{B7AA2EAF-72F9-E827-DBD5-58D2AAFBD76E}"/>
+                </a:ext>
+              </a:extLst>
+            </p:cNvPr>
+            <p:cNvCxnSpPr>
+              <a:cxnSpLocks/>
+            </p:cNvCxnSpPr>
+            <p:nvPr/>
+          </p:nvCxnSpPr>
+          <p:spPr>
+            <a:xfrm>
+              <a:off x="2538633" y="4343400"/>
+              <a:ext cx="2468796" cy="0"/>
+            </a:xfrm>
+            <a:prstGeom prst="straightConnector1">
+              <a:avLst/>
+            </a:prstGeom>
+            <a:ln w="38100">
+              <a:solidFill>
+                <a:schemeClr val="tx1"/>
+              </a:solidFill>
+              <a:tailEnd type="triangle"/>
+            </a:ln>
+          </p:spPr>
+          <p:style>
+            <a:lnRef idx="2">
+              <a:schemeClr val="accent1"/>
+            </a:lnRef>
+            <a:fillRef idx="0">
+              <a:schemeClr val="accent1"/>
+            </a:fillRef>
+            <a:effectRef idx="1">
+              <a:schemeClr val="accent1"/>
+            </a:effectRef>
+            <a:fontRef idx="minor">
+              <a:schemeClr val="tx1"/>
+            </a:fontRef>
+          </p:style>
+        </p:cxnSp>
+        <p:sp>
+          <p:nvSpPr>
+            <p:cNvPr id="18" name="TextBox 17">
+              <a:extLst>
+                <a:ext uri="{FF2B5EF4-FFF2-40B4-BE49-F238E27FC236}">
+                  <a16:creationId xmlns:a16="http://schemas.microsoft.com/office/drawing/2014/main" id="{E4A1EAB0-3DF4-AE19-0EFB-A646245E2EAE}"/>
+                </a:ext>
+              </a:extLst>
+            </p:cNvPr>
+            <p:cNvSpPr txBox="1"/>
+            <p:nvPr/>
+          </p:nvSpPr>
+          <p:spPr>
+            <a:xfrm>
+              <a:off x="4736136" y="4309149"/>
+              <a:ext cx="567868" cy="646331"/>
+            </a:xfrm>
+            <a:prstGeom prst="rect">
+              <a:avLst/>
+            </a:prstGeom>
+            <a:noFill/>
+          </p:spPr>
+          <p:txBody>
+            <a:bodyPr wrap="square" rtlCol="0">
+              <a:spAutoFit/>
+            </a:bodyPr>
+            <a:lstStyle/>
+            <a:p>
+              <a:r>
+                <a:rPr lang="en-ES" sz="3600" dirty="0"/>
+                <a:t>x</a:t>
+              </a:r>
+            </a:p>
+          </p:txBody>
+        </p:sp>
+        <p:sp>
+          <p:nvSpPr>
+            <p:cNvPr id="19" name="TextBox 18">
+              <a:extLst>
+                <a:ext uri="{FF2B5EF4-FFF2-40B4-BE49-F238E27FC236}">
+                  <a16:creationId xmlns:a16="http://schemas.microsoft.com/office/drawing/2014/main" id="{8597C5EC-176B-92E7-3472-45FF98E861A4}"/>
+                </a:ext>
+              </a:extLst>
+            </p:cNvPr>
+            <p:cNvSpPr txBox="1"/>
+            <p:nvPr/>
+          </p:nvSpPr>
+          <p:spPr>
+            <a:xfrm>
+              <a:off x="2687733" y="1816769"/>
+              <a:ext cx="393056" cy="646331"/>
+            </a:xfrm>
+            <a:prstGeom prst="rect">
+              <a:avLst/>
+            </a:prstGeom>
+            <a:noFill/>
+          </p:spPr>
+          <p:txBody>
+            <a:bodyPr wrap="none" rtlCol="0">
+              <a:spAutoFit/>
+            </a:bodyPr>
+            <a:lstStyle/>
+            <a:p>
+              <a:r>
+                <a:rPr lang="en-ES" sz="3600" dirty="0"/>
+                <a:t>y</a:t>
+              </a:r>
+            </a:p>
+          </p:txBody>
+        </p:sp>
+      </p:grpSp>
+      <p:grpSp>
+        <p:nvGrpSpPr>
+          <p:cNvPr id="21" name="Group 20">
+            <a:extLst>
+              <a:ext uri="{FF2B5EF4-FFF2-40B4-BE49-F238E27FC236}">
+                <a16:creationId xmlns:a16="http://schemas.microsoft.com/office/drawing/2014/main" id="{D4210A2A-9430-F496-1822-3806186CAD77}"/>
+              </a:ext>
+            </a:extLst>
+          </p:cNvPr>
+          <p:cNvGrpSpPr/>
+          <p:nvPr/>
+        </p:nvGrpSpPr>
+        <p:grpSpPr>
+          <a:xfrm>
+            <a:off x="-484917" y="2860581"/>
+            <a:ext cx="3211830" cy="3211830"/>
+            <a:chOff x="939438" y="2737486"/>
+            <a:chExt cx="3211830" cy="3211830"/>
+          </a:xfrm>
+        </p:grpSpPr>
+        <p:sp>
+          <p:nvSpPr>
+            <p:cNvPr id="3" name="Arc 2">
+              <a:extLst>
+                <a:ext uri="{FF2B5EF4-FFF2-40B4-BE49-F238E27FC236}">
+                  <a16:creationId xmlns:a16="http://schemas.microsoft.com/office/drawing/2014/main" id="{2DFC4CD1-85D5-373B-D592-4859F19C6F15}"/>
+                </a:ext>
+              </a:extLst>
+            </p:cNvPr>
+            <p:cNvSpPr/>
+            <p:nvPr/>
+          </p:nvSpPr>
+          <p:spPr>
+            <a:xfrm>
+              <a:off x="939438" y="2737486"/>
+              <a:ext cx="3211830" cy="3211830"/>
+            </a:xfrm>
+            <a:prstGeom prst="arc">
+              <a:avLst/>
+            </a:prstGeom>
+            <a:ln w="57150" cap="rnd"/>
+          </p:spPr>
+          <p:style>
+            <a:lnRef idx="2">
+              <a:schemeClr val="accent1"/>
+            </a:lnRef>
+            <a:fillRef idx="0">
+              <a:schemeClr val="accent1"/>
+            </a:fillRef>
+            <a:effectRef idx="1">
+              <a:schemeClr val="accent1"/>
+            </a:effectRef>
+            <a:fontRef idx="minor">
+              <a:schemeClr val="tx1"/>
+            </a:fontRef>
+          </p:style>
+          <p:txBody>
+            <a:bodyPr rtlCol="0" anchor="ctr"/>
+            <a:lstStyle/>
+            <a:p>
+              <a:pPr algn="ctr"/>
+              <a:endParaRPr lang="en-ES"/>
+            </a:p>
+          </p:txBody>
+        </p:sp>
+        <p:sp>
+          <p:nvSpPr>
+            <p:cNvPr id="4" name="Arc 3">
+              <a:extLst>
+                <a:ext uri="{FF2B5EF4-FFF2-40B4-BE49-F238E27FC236}">
+                  <a16:creationId xmlns:a16="http://schemas.microsoft.com/office/drawing/2014/main" id="{49A85426-6585-F0B0-68A1-A1ADC5F0067C}"/>
+                </a:ext>
+              </a:extLst>
+            </p:cNvPr>
+            <p:cNvSpPr/>
+            <p:nvPr/>
+          </p:nvSpPr>
+          <p:spPr>
+            <a:xfrm>
+              <a:off x="1453788" y="3254693"/>
+              <a:ext cx="2183130" cy="2177415"/>
+            </a:xfrm>
+            <a:prstGeom prst="arc">
+              <a:avLst/>
+            </a:prstGeom>
+            <a:ln w="57150" cap="rnd"/>
+          </p:spPr>
+          <p:style>
+            <a:lnRef idx="2">
+              <a:schemeClr val="accent1"/>
+            </a:lnRef>
+            <a:fillRef idx="0">
+              <a:schemeClr val="accent1"/>
+            </a:fillRef>
+            <a:effectRef idx="1">
+              <a:schemeClr val="accent1"/>
+            </a:effectRef>
+            <a:fontRef idx="minor">
+              <a:schemeClr val="tx1"/>
+            </a:fontRef>
+          </p:style>
+          <p:txBody>
+            <a:bodyPr rtlCol="0" anchor="ctr"/>
+            <a:lstStyle/>
+            <a:p>
+              <a:pPr algn="ctr"/>
+              <a:endParaRPr lang="en-ES"/>
+            </a:p>
+          </p:txBody>
+        </p:sp>
+        <p:cxnSp>
+          <p:nvCxnSpPr>
+            <p:cNvPr id="13" name="Straight Connector 12">
+              <a:extLst>
+                <a:ext uri="{FF2B5EF4-FFF2-40B4-BE49-F238E27FC236}">
+                  <a16:creationId xmlns:a16="http://schemas.microsoft.com/office/drawing/2014/main" id="{E8C1CE9B-F1C5-3488-CB46-D0A00B706683}"/>
+                </a:ext>
+              </a:extLst>
+            </p:cNvPr>
+            <p:cNvCxnSpPr/>
+            <p:nvPr/>
+          </p:nvCxnSpPr>
+          <p:spPr>
+            <a:xfrm>
+              <a:off x="3636918" y="4343400"/>
+              <a:ext cx="514350" cy="0"/>
+            </a:xfrm>
+            <a:prstGeom prst="line">
+              <a:avLst/>
+            </a:prstGeom>
+            <a:ln w="57150" cap="rnd"/>
+          </p:spPr>
+          <p:style>
+            <a:lnRef idx="2">
+              <a:schemeClr val="accent1"/>
+            </a:lnRef>
+            <a:fillRef idx="0">
+              <a:schemeClr val="accent1"/>
+            </a:fillRef>
+            <a:effectRef idx="1">
+              <a:schemeClr val="accent1"/>
+            </a:effectRef>
+            <a:fontRef idx="minor">
+              <a:schemeClr val="tx1"/>
+            </a:fontRef>
+          </p:style>
+        </p:cxnSp>
+        <p:cxnSp>
+          <p:nvCxnSpPr>
+            <p:cNvPr id="15" name="Straight Connector 14">
+              <a:extLst>
+                <a:ext uri="{FF2B5EF4-FFF2-40B4-BE49-F238E27FC236}">
+                  <a16:creationId xmlns:a16="http://schemas.microsoft.com/office/drawing/2014/main" id="{66BAD17D-744F-0E5D-899B-0D78F9A0722B}"/>
+                </a:ext>
+              </a:extLst>
+            </p:cNvPr>
+            <p:cNvCxnSpPr>
+              <a:cxnSpLocks/>
+              <a:stCxn id="4" idx="0"/>
+            </p:cNvCxnSpPr>
+            <p:nvPr/>
+          </p:nvCxnSpPr>
+          <p:spPr>
+            <a:xfrm flipV="1">
+              <a:off x="2545353" y="2737486"/>
+              <a:ext cx="0" cy="517207"/>
+            </a:xfrm>
+            <a:prstGeom prst="line">
+              <a:avLst/>
+            </a:prstGeom>
+            <a:ln w="57150" cap="rnd"/>
+          </p:spPr>
+          <p:style>
+            <a:lnRef idx="2">
+              <a:schemeClr val="accent1"/>
+            </a:lnRef>
+            <a:fillRef idx="0">
+              <a:schemeClr val="accent1"/>
+            </a:fillRef>
+            <a:effectRef idx="1">
+              <a:schemeClr val="accent1"/>
+            </a:effectRef>
+            <a:fontRef idx="minor">
+              <a:schemeClr val="tx1"/>
+            </a:fontRef>
+          </p:style>
+        </p:cxnSp>
+      </p:grpSp>
+      <p:sp>
+        <p:nvSpPr>
+          <p:cNvPr id="22" name="Left Bracket 21">
+            <a:extLst>
+              <a:ext uri="{FF2B5EF4-FFF2-40B4-BE49-F238E27FC236}">
+                <a16:creationId xmlns:a16="http://schemas.microsoft.com/office/drawing/2014/main" id="{5E503188-2778-8777-B43B-8780A22257CB}"/>
+              </a:ext>
+            </a:extLst>
+          </p:cNvPr>
+          <p:cNvSpPr/>
+          <p:nvPr/>
+        </p:nvSpPr>
+        <p:spPr>
+          <a:xfrm rot="16200000">
+            <a:off x="1552760" y="4273064"/>
+            <a:ext cx="228042" cy="1091564"/>
+          </a:xfrm>
+          <a:prstGeom prst="leftBracket">
+            <a:avLst/>
+          </a:prstGeom>
+          <a:ln w="38100"/>
+        </p:spPr>
+        <p:style>
+          <a:lnRef idx="2">
+            <a:schemeClr val="accent1"/>
+          </a:lnRef>
+          <a:fillRef idx="0">
+            <a:schemeClr val="accent1"/>
+          </a:fillRef>
+          <a:effectRef idx="1">
+            <a:schemeClr val="accent1"/>
+          </a:effectRef>
+          <a:fontRef idx="minor">
+            <a:schemeClr val="tx1"/>
+          </a:fontRef>
+        </p:style>
+        <p:txBody>
+          <a:bodyPr rtlCol="0" anchor="ctr"/>
+          <a:lstStyle/>
+          <a:p>
+            <a:pPr algn="ctr"/>
+            <a:endParaRPr lang="en-ES" dirty="0"/>
+          </a:p>
+        </p:txBody>
+      </p:sp>
+      <p:sp>
+        <p:nvSpPr>
+          <p:cNvPr id="23" name="Left Bracket 22">
+            <a:extLst>
+              <a:ext uri="{FF2B5EF4-FFF2-40B4-BE49-F238E27FC236}">
+                <a16:creationId xmlns:a16="http://schemas.microsoft.com/office/drawing/2014/main" id="{CACB77E5-0D0B-E0B9-FDBE-69D7E5B9C393}"/>
+              </a:ext>
+            </a:extLst>
+          </p:cNvPr>
+          <p:cNvSpPr/>
+          <p:nvPr/>
+        </p:nvSpPr>
+        <p:spPr>
+          <a:xfrm rot="16200000">
+            <a:off x="1809934" y="4514303"/>
+            <a:ext cx="228044" cy="1605915"/>
+          </a:xfrm>
+          <a:prstGeom prst="leftBracket">
+            <a:avLst/>
+          </a:prstGeom>
+          <a:ln w="38100"/>
+        </p:spPr>
+        <p:style>
+          <a:lnRef idx="2">
+            <a:schemeClr val="accent1"/>
+          </a:lnRef>
+          <a:fillRef idx="0">
+            <a:schemeClr val="accent1"/>
+          </a:fillRef>
+          <a:effectRef idx="1">
+            <a:schemeClr val="accent1"/>
+          </a:effectRef>
+          <a:fontRef idx="minor">
+            <a:schemeClr val="tx1"/>
+          </a:fontRef>
+        </p:style>
+        <p:txBody>
+          <a:bodyPr rtlCol="0" anchor="ctr"/>
+          <a:lstStyle/>
+          <a:p>
+            <a:pPr algn="ctr"/>
+            <a:endParaRPr lang="en-ES" dirty="0"/>
+          </a:p>
+        </p:txBody>
+      </p:sp>
+      <p:sp>
+        <p:nvSpPr>
+          <p:cNvPr id="24" name="TextBox 23">
+            <a:extLst>
+              <a:ext uri="{FF2B5EF4-FFF2-40B4-BE49-F238E27FC236}">
+                <a16:creationId xmlns:a16="http://schemas.microsoft.com/office/drawing/2014/main" id="{07E80067-C6AC-1E6D-4D70-1FD92DCC3A7C}"/>
+              </a:ext>
+            </a:extLst>
+          </p:cNvPr>
+          <p:cNvSpPr txBox="1"/>
+          <p:nvPr/>
+        </p:nvSpPr>
+        <p:spPr>
+          <a:xfrm>
+            <a:off x="1465444" y="4786188"/>
+            <a:ext cx="402674" cy="584775"/>
+          </a:xfrm>
+          <a:prstGeom prst="rect">
+            <a:avLst/>
+          </a:prstGeom>
+          <a:noFill/>
+        </p:spPr>
+        <p:txBody>
+          <a:bodyPr wrap="none" rtlCol="0">
+            <a:spAutoFit/>
+          </a:bodyPr>
+          <a:lstStyle/>
+          <a:p>
+            <a:r>
+              <a:rPr lang="en-ES" sz="3200" dirty="0"/>
+              <a:t>a</a:t>
+            </a:r>
+            <a:endParaRPr lang="en-ES" dirty="0"/>
+          </a:p>
+        </p:txBody>
+      </p:sp>
+      <p:sp>
+        <p:nvSpPr>
+          <p:cNvPr id="25" name="TextBox 24">
+            <a:extLst>
+              <a:ext uri="{FF2B5EF4-FFF2-40B4-BE49-F238E27FC236}">
+                <a16:creationId xmlns:a16="http://schemas.microsoft.com/office/drawing/2014/main" id="{BE6A6058-36F0-CC72-F887-E64C6EDBA1B5}"/>
+              </a:ext>
+            </a:extLst>
+          </p:cNvPr>
+          <p:cNvSpPr txBox="1"/>
+          <p:nvPr/>
+        </p:nvSpPr>
+        <p:spPr>
+          <a:xfrm>
+            <a:off x="1726774" y="5355064"/>
+            <a:ext cx="415498" cy="584775"/>
+          </a:xfrm>
+          <a:prstGeom prst="rect">
+            <a:avLst/>
+          </a:prstGeom>
+          <a:noFill/>
+        </p:spPr>
+        <p:txBody>
+          <a:bodyPr wrap="none" rtlCol="0">
+            <a:spAutoFit/>
+          </a:bodyPr>
+          <a:lstStyle/>
+          <a:p>
+            <a:r>
+              <a:rPr lang="en-ES" sz="3200" dirty="0"/>
+              <a:t>b</a:t>
+            </a:r>
+            <a:endParaRPr lang="en-ES" dirty="0"/>
+          </a:p>
+        </p:txBody>
+      </p:sp>
+      <p:sp>
+        <p:nvSpPr>
+          <p:cNvPr id="27" name="TextBox 26">
+            <a:extLst>
+              <a:ext uri="{FF2B5EF4-FFF2-40B4-BE49-F238E27FC236}">
+                <a16:creationId xmlns:a16="http://schemas.microsoft.com/office/drawing/2014/main" id="{DBE5BAAF-63B4-9AA9-CF68-F340BA4DB171}"/>
+              </a:ext>
+            </a:extLst>
+          </p:cNvPr>
+          <p:cNvSpPr txBox="1"/>
+          <p:nvPr/>
+        </p:nvSpPr>
+        <p:spPr>
+          <a:xfrm>
+            <a:off x="663513" y="4172515"/>
+            <a:ext cx="450764" cy="646331"/>
+          </a:xfrm>
+          <a:prstGeom prst="rect">
+            <a:avLst/>
+          </a:prstGeom>
+          <a:noFill/>
+        </p:spPr>
+        <p:txBody>
+          <a:bodyPr wrap="none" rtlCol="0">
+            <a:spAutoFit/>
+          </a:bodyPr>
+          <a:lstStyle/>
+          <a:p>
+            <a:r>
+              <a:rPr lang="en-ES" sz="3600" dirty="0"/>
+              <a:t>P</a:t>
+            </a:r>
+          </a:p>
+        </p:txBody>
+      </p:sp>
+      <p:sp>
+        <p:nvSpPr>
+          <p:cNvPr id="28" name="TextBox 27">
+            <a:extLst>
+              <a:ext uri="{FF2B5EF4-FFF2-40B4-BE49-F238E27FC236}">
+                <a16:creationId xmlns:a16="http://schemas.microsoft.com/office/drawing/2014/main" id="{18720CF1-8D05-2D68-3F83-91AEA5ED35F4}"/>
+              </a:ext>
+            </a:extLst>
+          </p:cNvPr>
+          <p:cNvSpPr txBox="1"/>
+          <p:nvPr/>
+        </p:nvSpPr>
+        <p:spPr>
+          <a:xfrm>
+            <a:off x="689134" y="2902490"/>
+            <a:ext cx="442750" cy="369332"/>
+          </a:xfrm>
+          <a:prstGeom prst="rect">
+            <a:avLst/>
+          </a:prstGeom>
+          <a:noFill/>
+        </p:spPr>
+        <p:txBody>
+          <a:bodyPr wrap="none" rtlCol="0">
+            <a:spAutoFit/>
+          </a:bodyPr>
+          <a:lstStyle/>
+          <a:p>
+            <a:r>
+              <a:rPr lang="en-ES" dirty="0"/>
+              <a:t>(1)</a:t>
+            </a:r>
+          </a:p>
+        </p:txBody>
+      </p:sp>
+      <p:sp>
+        <p:nvSpPr>
+          <p:cNvPr id="29" name="TextBox 28">
+            <a:extLst>
+              <a:ext uri="{FF2B5EF4-FFF2-40B4-BE49-F238E27FC236}">
+                <a16:creationId xmlns:a16="http://schemas.microsoft.com/office/drawing/2014/main" id="{37A1DBEE-840D-D724-67AB-871F25816050}"/>
+              </a:ext>
+            </a:extLst>
+          </p:cNvPr>
+          <p:cNvSpPr txBox="1"/>
+          <p:nvPr/>
+        </p:nvSpPr>
+        <p:spPr>
+          <a:xfrm>
+            <a:off x="2263347" y="4451140"/>
+            <a:ext cx="442750" cy="369332"/>
+          </a:xfrm>
+          <a:prstGeom prst="rect">
+            <a:avLst/>
+          </a:prstGeom>
+          <a:noFill/>
+        </p:spPr>
+        <p:txBody>
+          <a:bodyPr wrap="none" rtlCol="0">
+            <a:spAutoFit/>
+          </a:bodyPr>
+          <a:lstStyle/>
+          <a:p>
+            <a:r>
+              <a:rPr lang="en-ES" dirty="0"/>
+              <a:t>(2)</a:t>
+            </a:r>
+          </a:p>
+        </p:txBody>
+      </p:sp>
+      <p:sp>
+        <p:nvSpPr>
+          <p:cNvPr id="30" name="TextBox 29">
+            <a:extLst>
+              <a:ext uri="{FF2B5EF4-FFF2-40B4-BE49-F238E27FC236}">
+                <a16:creationId xmlns:a16="http://schemas.microsoft.com/office/drawing/2014/main" id="{689D0DB9-9789-4B2F-DD16-AEE2B0C0F13F}"/>
+              </a:ext>
+            </a:extLst>
+          </p:cNvPr>
+          <p:cNvSpPr txBox="1"/>
+          <p:nvPr/>
+        </p:nvSpPr>
+        <p:spPr>
+          <a:xfrm>
+            <a:off x="1505399" y="3661904"/>
+            <a:ext cx="442750" cy="369332"/>
+          </a:xfrm>
+          <a:prstGeom prst="rect">
+            <a:avLst/>
+          </a:prstGeom>
+          <a:noFill/>
+        </p:spPr>
+        <p:txBody>
+          <a:bodyPr wrap="none" rtlCol="0">
+            <a:spAutoFit/>
+          </a:bodyPr>
+          <a:lstStyle/>
+          <a:p>
+            <a:r>
+              <a:rPr lang="en-ES" dirty="0"/>
+              <a:t>(3)</a:t>
+            </a:r>
+          </a:p>
+        </p:txBody>
+      </p:sp>
+      <p:sp>
+        <p:nvSpPr>
+          <p:cNvPr id="31" name="TextBox 30">
+            <a:extLst>
+              <a:ext uri="{FF2B5EF4-FFF2-40B4-BE49-F238E27FC236}">
+                <a16:creationId xmlns:a16="http://schemas.microsoft.com/office/drawing/2014/main" id="{E19BF26C-50C4-640E-1E03-1ACD36621D9A}"/>
+              </a:ext>
+            </a:extLst>
+          </p:cNvPr>
+          <p:cNvSpPr txBox="1"/>
+          <p:nvPr/>
+        </p:nvSpPr>
+        <p:spPr>
+          <a:xfrm>
+            <a:off x="2212563" y="2954793"/>
+            <a:ext cx="442750" cy="369332"/>
+          </a:xfrm>
+          <a:prstGeom prst="rect">
+            <a:avLst/>
+          </a:prstGeom>
+          <a:noFill/>
+        </p:spPr>
+        <p:txBody>
+          <a:bodyPr wrap="none" rtlCol="0">
+            <a:spAutoFit/>
+          </a:bodyPr>
+          <a:lstStyle/>
+          <a:p>
+            <a:r>
+              <a:rPr lang="en-ES" dirty="0"/>
+              <a:t>(4)</a:t>
+            </a:r>
+          </a:p>
+        </p:txBody>
+      </p:sp>
+      <p:grpSp>
+        <p:nvGrpSpPr>
+          <p:cNvPr id="33" name="Group 32">
+            <a:extLst>
+              <a:ext uri="{FF2B5EF4-FFF2-40B4-BE49-F238E27FC236}">
+                <a16:creationId xmlns:a16="http://schemas.microsoft.com/office/drawing/2014/main" id="{8B69221A-9ECD-68CD-E068-C2EFC32DB47F}"/>
+              </a:ext>
+            </a:extLst>
+          </p:cNvPr>
+          <p:cNvGrpSpPr/>
+          <p:nvPr/>
+        </p:nvGrpSpPr>
+        <p:grpSpPr>
+          <a:xfrm>
+            <a:off x="6228784" y="1570103"/>
+            <a:ext cx="2765371" cy="3138711"/>
+            <a:chOff x="2538633" y="1816769"/>
+            <a:chExt cx="2765371" cy="3138711"/>
+          </a:xfrm>
+        </p:grpSpPr>
+        <p:cxnSp>
+          <p:nvCxnSpPr>
+            <p:cNvPr id="34" name="Straight Arrow Connector 33">
+              <a:extLst>
+                <a:ext uri="{FF2B5EF4-FFF2-40B4-BE49-F238E27FC236}">
+                  <a16:creationId xmlns:a16="http://schemas.microsoft.com/office/drawing/2014/main" id="{62C71692-CCCB-6216-6D76-00C8A813E70F}"/>
+                </a:ext>
+              </a:extLst>
+            </p:cNvPr>
+            <p:cNvCxnSpPr>
+              <a:cxnSpLocks/>
+            </p:cNvCxnSpPr>
+            <p:nvPr/>
+          </p:nvCxnSpPr>
+          <p:spPr>
+            <a:xfrm flipV="1">
+              <a:off x="2551274" y="2200657"/>
+              <a:ext cx="0" cy="2142743"/>
+            </a:xfrm>
+            <a:prstGeom prst="straightConnector1">
+              <a:avLst/>
+            </a:prstGeom>
+            <a:ln w="38100">
+              <a:solidFill>
+                <a:schemeClr val="tx1"/>
+              </a:solidFill>
+              <a:tailEnd type="triangle"/>
+            </a:ln>
+          </p:spPr>
+          <p:style>
+            <a:lnRef idx="2">
+              <a:schemeClr val="accent1"/>
+            </a:lnRef>
+            <a:fillRef idx="0">
+              <a:schemeClr val="accent1"/>
+            </a:fillRef>
+            <a:effectRef idx="1">
+              <a:schemeClr val="accent1"/>
+            </a:effectRef>
+            <a:fontRef idx="minor">
+              <a:schemeClr val="tx1"/>
+            </a:fontRef>
+          </p:style>
+        </p:cxnSp>
+        <p:cxnSp>
+          <p:nvCxnSpPr>
+            <p:cNvPr id="35" name="Straight Arrow Connector 34">
+              <a:extLst>
+                <a:ext uri="{FF2B5EF4-FFF2-40B4-BE49-F238E27FC236}">
+                  <a16:creationId xmlns:a16="http://schemas.microsoft.com/office/drawing/2014/main" id="{B2D6BCF9-693A-5C6C-B7B8-0AD955184B45}"/>
+                </a:ext>
+              </a:extLst>
+            </p:cNvPr>
+            <p:cNvCxnSpPr>
+              <a:cxnSpLocks/>
+            </p:cNvCxnSpPr>
+            <p:nvPr/>
+          </p:nvCxnSpPr>
+          <p:spPr>
+            <a:xfrm>
+              <a:off x="2538633" y="4343400"/>
+              <a:ext cx="2468796" cy="0"/>
+            </a:xfrm>
+            <a:prstGeom prst="straightConnector1">
+              <a:avLst/>
+            </a:prstGeom>
+            <a:ln w="38100">
+              <a:solidFill>
+                <a:schemeClr val="tx1"/>
+              </a:solidFill>
+              <a:tailEnd type="triangle"/>
+            </a:ln>
+          </p:spPr>
+          <p:style>
+            <a:lnRef idx="2">
+              <a:schemeClr val="accent1"/>
+            </a:lnRef>
+            <a:fillRef idx="0">
+              <a:schemeClr val="accent1"/>
+            </a:fillRef>
+            <a:effectRef idx="1">
+              <a:schemeClr val="accent1"/>
+            </a:effectRef>
+            <a:fontRef idx="minor">
+              <a:schemeClr val="tx1"/>
+            </a:fontRef>
+          </p:style>
+        </p:cxnSp>
+        <p:sp>
+          <p:nvSpPr>
+            <p:cNvPr id="36" name="TextBox 35">
+              <a:extLst>
+                <a:ext uri="{FF2B5EF4-FFF2-40B4-BE49-F238E27FC236}">
+                  <a16:creationId xmlns:a16="http://schemas.microsoft.com/office/drawing/2014/main" id="{744330A9-A6EC-3914-FB32-FEDF608F9271}"/>
+                </a:ext>
+              </a:extLst>
+            </p:cNvPr>
+            <p:cNvSpPr txBox="1"/>
+            <p:nvPr/>
+          </p:nvSpPr>
+          <p:spPr>
+            <a:xfrm>
+              <a:off x="4736136" y="4309149"/>
+              <a:ext cx="567868" cy="646331"/>
+            </a:xfrm>
+            <a:prstGeom prst="rect">
+              <a:avLst/>
+            </a:prstGeom>
+            <a:noFill/>
+          </p:spPr>
+          <p:txBody>
+            <a:bodyPr wrap="square" rtlCol="0">
+              <a:spAutoFit/>
+            </a:bodyPr>
+            <a:lstStyle/>
+            <a:p>
+              <a:r>
+                <a:rPr lang="en-ES" sz="3600" dirty="0"/>
+                <a:t>x</a:t>
+              </a:r>
+            </a:p>
+          </p:txBody>
+        </p:sp>
+        <p:sp>
+          <p:nvSpPr>
+            <p:cNvPr id="37" name="TextBox 36">
+              <a:extLst>
+                <a:ext uri="{FF2B5EF4-FFF2-40B4-BE49-F238E27FC236}">
+                  <a16:creationId xmlns:a16="http://schemas.microsoft.com/office/drawing/2014/main" id="{541269B5-8821-C742-340C-2B5C10E3055F}"/>
+                </a:ext>
+              </a:extLst>
+            </p:cNvPr>
+            <p:cNvSpPr txBox="1"/>
+            <p:nvPr/>
+          </p:nvSpPr>
+          <p:spPr>
+            <a:xfrm>
+              <a:off x="2687733" y="1816769"/>
+              <a:ext cx="393056" cy="646331"/>
+            </a:xfrm>
+            <a:prstGeom prst="rect">
+              <a:avLst/>
+            </a:prstGeom>
+            <a:noFill/>
+          </p:spPr>
+          <p:txBody>
+            <a:bodyPr wrap="none" rtlCol="0">
+              <a:spAutoFit/>
+            </a:bodyPr>
+            <a:lstStyle/>
+            <a:p>
+              <a:r>
+                <a:rPr lang="en-ES" sz="3600" dirty="0"/>
+                <a:t>y</a:t>
+              </a:r>
+            </a:p>
+          </p:txBody>
+        </p:sp>
+      </p:grpSp>
+      <p:sp>
+        <p:nvSpPr>
+          <p:cNvPr id="38" name="Arc 37">
+            <a:extLst>
+              <a:ext uri="{FF2B5EF4-FFF2-40B4-BE49-F238E27FC236}">
+                <a16:creationId xmlns:a16="http://schemas.microsoft.com/office/drawing/2014/main" id="{3E6E172E-1C96-3947-B53D-4D5863ECD132}"/>
+              </a:ext>
+            </a:extLst>
+          </p:cNvPr>
+          <p:cNvSpPr/>
+          <p:nvPr/>
+        </p:nvSpPr>
+        <p:spPr>
+          <a:xfrm>
+            <a:off x="5202504" y="3087156"/>
+            <a:ext cx="2077841" cy="2051552"/>
+          </a:xfrm>
+          <a:prstGeom prst="arc">
+            <a:avLst>
+              <a:gd name="adj1" fmla="val 5346008"/>
+              <a:gd name="adj2" fmla="val 16082257"/>
+            </a:avLst>
+          </a:prstGeom>
+          <a:ln w="57150" cap="rnd"/>
+        </p:spPr>
+        <p:style>
+          <a:lnRef idx="2">
+            <a:schemeClr val="accent1"/>
+          </a:lnRef>
+          <a:fillRef idx="0">
+            <a:schemeClr val="accent1"/>
+          </a:fillRef>
+          <a:effectRef idx="1">
+            <a:schemeClr val="accent1"/>
+          </a:effectRef>
+          <a:fontRef idx="minor">
+            <a:schemeClr val="tx1"/>
+          </a:fontRef>
+        </p:style>
+        <p:txBody>
+          <a:bodyPr rtlCol="0" anchor="ctr"/>
+          <a:lstStyle/>
+          <a:p>
+            <a:pPr algn="ctr"/>
+            <a:endParaRPr lang="en-ES"/>
+          </a:p>
+        </p:txBody>
+      </p:sp>
+      <p:cxnSp>
+        <p:nvCxnSpPr>
+          <p:cNvPr id="40" name="Straight Connector 39">
+            <a:extLst>
+              <a:ext uri="{FF2B5EF4-FFF2-40B4-BE49-F238E27FC236}">
+                <a16:creationId xmlns:a16="http://schemas.microsoft.com/office/drawing/2014/main" id="{17B73F08-11CE-DAD7-15FD-08A3AC3EC089}"/>
+              </a:ext>
+            </a:extLst>
+          </p:cNvPr>
+          <p:cNvCxnSpPr/>
+          <p:nvPr/>
+        </p:nvCxnSpPr>
+        <p:spPr>
+          <a:xfrm>
+            <a:off x="6228784" y="3087156"/>
+            <a:ext cx="2765371" cy="0"/>
+          </a:xfrm>
+          <a:prstGeom prst="line">
+            <a:avLst/>
+          </a:prstGeom>
+          <a:ln w="57150"/>
+        </p:spPr>
+        <p:style>
+          <a:lnRef idx="2">
+            <a:schemeClr val="accent1"/>
+          </a:lnRef>
+          <a:fillRef idx="0">
+            <a:schemeClr val="accent1"/>
+          </a:fillRef>
+          <a:effectRef idx="1">
+            <a:schemeClr val="accent1"/>
+          </a:effectRef>
+          <a:fontRef idx="minor">
+            <a:schemeClr val="tx1"/>
+          </a:fontRef>
+        </p:style>
+      </p:cxnSp>
+      <p:cxnSp>
+        <p:nvCxnSpPr>
+          <p:cNvPr id="41" name="Straight Connector 40">
+            <a:extLst>
+              <a:ext uri="{FF2B5EF4-FFF2-40B4-BE49-F238E27FC236}">
+                <a16:creationId xmlns:a16="http://schemas.microsoft.com/office/drawing/2014/main" id="{BC15A6AA-0416-4889-366E-4D35055ABE2B}"/>
+              </a:ext>
+            </a:extLst>
+          </p:cNvPr>
+          <p:cNvCxnSpPr/>
+          <p:nvPr/>
+        </p:nvCxnSpPr>
+        <p:spPr>
+          <a:xfrm>
+            <a:off x="6241424" y="5138708"/>
+            <a:ext cx="2765371" cy="0"/>
+          </a:xfrm>
+          <a:prstGeom prst="line">
+            <a:avLst/>
+          </a:prstGeom>
+          <a:ln w="57150"/>
+        </p:spPr>
+        <p:style>
+          <a:lnRef idx="2">
+            <a:schemeClr val="accent1"/>
+          </a:lnRef>
+          <a:fillRef idx="0">
+            <a:schemeClr val="accent1"/>
+          </a:fillRef>
+          <a:effectRef idx="1">
+            <a:schemeClr val="accent1"/>
+          </a:effectRef>
+          <a:fontRef idx="minor">
+            <a:schemeClr val="tx1"/>
+          </a:fontRef>
+        </p:style>
+      </p:cxnSp>
+      <p:sp>
+        <p:nvSpPr>
+          <p:cNvPr id="42" name="Left Bracket 41">
+            <a:extLst>
+              <a:ext uri="{FF2B5EF4-FFF2-40B4-BE49-F238E27FC236}">
+                <a16:creationId xmlns:a16="http://schemas.microsoft.com/office/drawing/2014/main" id="{AE592A22-2A92-D6FC-2FD7-908C1294635B}"/>
+              </a:ext>
+            </a:extLst>
+          </p:cNvPr>
+          <p:cNvSpPr/>
+          <p:nvPr/>
+        </p:nvSpPr>
+        <p:spPr>
+          <a:xfrm>
+            <a:off x="4789417" y="3087156"/>
+            <a:ext cx="233023" cy="1026280"/>
+          </a:xfrm>
+          <a:prstGeom prst="leftBracket">
+            <a:avLst/>
+          </a:prstGeom>
+          <a:ln w="38100"/>
+        </p:spPr>
+        <p:style>
+          <a:lnRef idx="2">
+            <a:schemeClr val="accent1"/>
+          </a:lnRef>
+          <a:fillRef idx="0">
+            <a:schemeClr val="accent1"/>
+          </a:fillRef>
+          <a:effectRef idx="1">
+            <a:schemeClr val="accent1"/>
+          </a:effectRef>
+          <a:fontRef idx="minor">
+            <a:schemeClr val="tx1"/>
+          </a:fontRef>
+        </p:style>
+        <p:txBody>
+          <a:bodyPr rtlCol="0" anchor="ctr"/>
+          <a:lstStyle/>
+          <a:p>
+            <a:pPr algn="ctr"/>
+            <a:endParaRPr lang="en-ES" dirty="0"/>
+          </a:p>
+        </p:txBody>
+      </p:sp>
+      <p:sp>
+        <p:nvSpPr>
+          <p:cNvPr id="43" name="TextBox 42">
+            <a:extLst>
+              <a:ext uri="{FF2B5EF4-FFF2-40B4-BE49-F238E27FC236}">
+                <a16:creationId xmlns:a16="http://schemas.microsoft.com/office/drawing/2014/main" id="{7B15F02A-83FC-BE0C-379D-6EA2BBEE2CC0}"/>
+              </a:ext>
+            </a:extLst>
+          </p:cNvPr>
+          <p:cNvSpPr txBox="1"/>
+          <p:nvPr/>
+        </p:nvSpPr>
+        <p:spPr>
+          <a:xfrm>
+            <a:off x="4386743" y="3256438"/>
+            <a:ext cx="402674" cy="584775"/>
+          </a:xfrm>
+          <a:prstGeom prst="rect">
+            <a:avLst/>
+          </a:prstGeom>
+          <a:noFill/>
+        </p:spPr>
+        <p:txBody>
+          <a:bodyPr wrap="none" rtlCol="0">
+            <a:spAutoFit/>
+          </a:bodyPr>
+          <a:lstStyle/>
+          <a:p>
+            <a:r>
+              <a:rPr lang="en-ES" sz="3200" dirty="0"/>
+              <a:t>a</a:t>
+            </a:r>
+            <a:endParaRPr lang="en-ES" dirty="0"/>
+          </a:p>
+        </p:txBody>
+      </p:sp>
+      <p:sp>
+        <p:nvSpPr>
+          <p:cNvPr id="44" name="TextBox 43">
+            <a:extLst>
+              <a:ext uri="{FF2B5EF4-FFF2-40B4-BE49-F238E27FC236}">
+                <a16:creationId xmlns:a16="http://schemas.microsoft.com/office/drawing/2014/main" id="{6542660E-C9ED-6057-25BA-83FA38AF9BE2}"/>
+              </a:ext>
+            </a:extLst>
+          </p:cNvPr>
+          <p:cNvSpPr txBox="1"/>
+          <p:nvPr/>
+        </p:nvSpPr>
+        <p:spPr>
+          <a:xfrm>
+            <a:off x="7620043" y="2687543"/>
+            <a:ext cx="442750" cy="369332"/>
+          </a:xfrm>
+          <a:prstGeom prst="rect">
+            <a:avLst/>
+          </a:prstGeom>
+          <a:noFill/>
+        </p:spPr>
+        <p:txBody>
+          <a:bodyPr wrap="none" rtlCol="0">
+            <a:spAutoFit/>
+          </a:bodyPr>
+          <a:lstStyle/>
+          <a:p>
+            <a:r>
+              <a:rPr lang="en-ES" dirty="0"/>
+              <a:t>(1)</a:t>
+            </a:r>
+          </a:p>
+        </p:txBody>
+      </p:sp>
+      <p:sp>
+        <p:nvSpPr>
+          <p:cNvPr id="45" name="TextBox 44">
+            <a:extLst>
+              <a:ext uri="{FF2B5EF4-FFF2-40B4-BE49-F238E27FC236}">
+                <a16:creationId xmlns:a16="http://schemas.microsoft.com/office/drawing/2014/main" id="{FB5938E2-9FDC-EC5D-F510-90CB972BC476}"/>
+              </a:ext>
+            </a:extLst>
+          </p:cNvPr>
+          <p:cNvSpPr txBox="1"/>
+          <p:nvPr/>
+        </p:nvSpPr>
+        <p:spPr>
+          <a:xfrm>
+            <a:off x="7611469" y="5146405"/>
+            <a:ext cx="442750" cy="369332"/>
+          </a:xfrm>
+          <a:prstGeom prst="rect">
+            <a:avLst/>
+          </a:prstGeom>
+          <a:noFill/>
+        </p:spPr>
+        <p:txBody>
+          <a:bodyPr wrap="none" rtlCol="0">
+            <a:spAutoFit/>
+          </a:bodyPr>
+          <a:lstStyle/>
+          <a:p>
+            <a:r>
+              <a:rPr lang="en-ES" dirty="0"/>
+              <a:t>(2)</a:t>
+            </a:r>
+          </a:p>
+        </p:txBody>
+      </p:sp>
+      <p:sp>
+        <p:nvSpPr>
+          <p:cNvPr id="46" name="TextBox 45">
+            <a:extLst>
+              <a:ext uri="{FF2B5EF4-FFF2-40B4-BE49-F238E27FC236}">
+                <a16:creationId xmlns:a16="http://schemas.microsoft.com/office/drawing/2014/main" id="{84255300-1F64-F3D3-09F1-5C91A26CF1F3}"/>
+              </a:ext>
+            </a:extLst>
+          </p:cNvPr>
+          <p:cNvSpPr txBox="1"/>
+          <p:nvPr/>
+        </p:nvSpPr>
+        <p:spPr>
+          <a:xfrm>
+            <a:off x="4891097" y="4449514"/>
+            <a:ext cx="442750" cy="369332"/>
+          </a:xfrm>
+          <a:prstGeom prst="rect">
+            <a:avLst/>
+          </a:prstGeom>
+          <a:noFill/>
+        </p:spPr>
+        <p:txBody>
+          <a:bodyPr wrap="none" rtlCol="0">
+            <a:spAutoFit/>
+          </a:bodyPr>
+          <a:lstStyle/>
+          <a:p>
+            <a:r>
+              <a:rPr lang="en-ES" dirty="0"/>
+              <a:t>(3)</a:t>
+            </a:r>
+          </a:p>
+        </p:txBody>
+      </p:sp>
+    </p:spTree>
+    <p:extLst>
+      <p:ext uri="{BB962C8B-B14F-4D97-AF65-F5344CB8AC3E}">
+        <p14:creationId xmlns:p14="http://schemas.microsoft.com/office/powerpoint/2010/main" val="2920230224"/>
+      </p:ext>
+    </p:extLst>
+  </p:cSld>
+  <p:clrMapOvr>
+    <a:masterClrMapping/>
+  </p:clrMapOvr>
+</p:sld>
+</file>
+
+<file path=ppt/slides/slide21.xml><?xml version="1.0" encoding="utf-8"?>
+<p:sld xmlns:a="http://schemas.openxmlformats.org/drawingml/2006/main" xmlns:r="http://schemas.openxmlformats.org/officeDocument/2006/relationships" xmlns:p="http://schemas.openxmlformats.org/presentationml/2006/main">
+  <p:cSld>
+    <p:spTree>
+      <p:nvGrpSpPr>
+        <p:cNvPr id="1" name="">
+          <a:extLst>
+            <a:ext uri="{FF2B5EF4-FFF2-40B4-BE49-F238E27FC236}">
+              <a16:creationId xmlns:a16="http://schemas.microsoft.com/office/drawing/2014/main" id="{17010DA9-D4D7-A920-D34A-A852EF9F432B}"/>
+            </a:ext>
+          </a:extLst>
+        </p:cNvPr>
+        <p:cNvGrpSpPr/>
+        <p:nvPr/>
+      </p:nvGrpSpPr>
+      <p:grpSpPr>
+        <a:xfrm>
+          <a:off x="0" y="0"/>
+          <a:ext cx="0" cy="0"/>
+          <a:chOff x="0" y="0"/>
+          <a:chExt cx="0" cy="0"/>
+        </a:xfrm>
+      </p:grpSpPr>
+      <p:sp>
+        <p:nvSpPr>
+          <p:cNvPr id="22" name="Can 21">
+            <a:extLst>
+              <a:ext uri="{FF2B5EF4-FFF2-40B4-BE49-F238E27FC236}">
+                <a16:creationId xmlns:a16="http://schemas.microsoft.com/office/drawing/2014/main" id="{A2FAEB97-BE71-7CA5-AF86-2A40CA96B5DF}"/>
+              </a:ext>
+            </a:extLst>
+          </p:cNvPr>
+          <p:cNvSpPr/>
+          <p:nvPr/>
+        </p:nvSpPr>
+        <p:spPr>
+          <a:xfrm>
+            <a:off x="5029876" y="1915410"/>
+            <a:ext cx="1816924" cy="3666321"/>
+          </a:xfrm>
+          <a:prstGeom prst="can">
+            <a:avLst/>
+          </a:prstGeom>
+          <a:gradFill flip="none" rotWithShape="1">
+            <a:gsLst>
+              <a:gs pos="0">
+                <a:schemeClr val="accent1">
+                  <a:lumMod val="5000"/>
+                  <a:lumOff val="95000"/>
+                </a:schemeClr>
+              </a:gs>
+              <a:gs pos="74000">
+                <a:schemeClr val="accent1">
+                  <a:lumMod val="45000"/>
+                  <a:lumOff val="55000"/>
+                </a:schemeClr>
+              </a:gs>
+              <a:gs pos="83000">
+                <a:schemeClr val="accent1">
+                  <a:lumMod val="45000"/>
+                  <a:lumOff val="55000"/>
+                </a:schemeClr>
+              </a:gs>
+              <a:gs pos="100000">
+                <a:schemeClr val="accent1">
+                  <a:lumMod val="30000"/>
+                  <a:lumOff val="70000"/>
+                </a:schemeClr>
+              </a:gs>
+            </a:gsLst>
+            <a:lin ang="10800000" scaled="1"/>
+            <a:tileRect/>
+          </a:gradFill>
+        </p:spPr>
+        <p:style>
+          <a:lnRef idx="2">
+            <a:schemeClr val="accent1">
+              <a:shade val="15000"/>
+            </a:schemeClr>
+          </a:lnRef>
+          <a:fillRef idx="1">
+            <a:schemeClr val="accent1"/>
+          </a:fillRef>
+          <a:effectRef idx="0">
+            <a:schemeClr val="accent1"/>
+          </a:effectRef>
+          <a:fontRef idx="minor">
+            <a:schemeClr val="lt1"/>
+          </a:fontRef>
+        </p:style>
+        <p:txBody>
+          <a:bodyPr rtlCol="0" anchor="ctr"/>
+          <a:lstStyle/>
+          <a:p>
+            <a:pPr algn="ctr"/>
+            <a:endParaRPr lang="en-ES"/>
+          </a:p>
+        </p:txBody>
+      </p:sp>
+      <p:cxnSp>
+        <p:nvCxnSpPr>
+          <p:cNvPr id="8" name="Straight Arrow Connector 7">
+            <a:extLst>
+              <a:ext uri="{FF2B5EF4-FFF2-40B4-BE49-F238E27FC236}">
+                <a16:creationId xmlns:a16="http://schemas.microsoft.com/office/drawing/2014/main" id="{709C9CD4-07DE-2DE1-E8D0-7D09E90CA1A0}"/>
+              </a:ext>
+            </a:extLst>
+          </p:cNvPr>
+          <p:cNvCxnSpPr>
+            <a:cxnSpLocks/>
+          </p:cNvCxnSpPr>
+          <p:nvPr/>
+        </p:nvCxnSpPr>
+        <p:spPr>
+          <a:xfrm flipV="1">
+            <a:off x="5930458" y="660310"/>
+            <a:ext cx="0" cy="3192045"/>
+          </a:xfrm>
+          <a:prstGeom prst="straightConnector1">
+            <a:avLst/>
+          </a:prstGeom>
+          <a:ln w="38100">
+            <a:tailEnd type="triangle"/>
+          </a:ln>
+        </p:spPr>
+        <p:style>
+          <a:lnRef idx="2">
+            <a:schemeClr val="accent1"/>
+          </a:lnRef>
+          <a:fillRef idx="0">
+            <a:schemeClr val="accent1"/>
+          </a:fillRef>
+          <a:effectRef idx="1">
+            <a:schemeClr val="accent1"/>
+          </a:effectRef>
+          <a:fontRef idx="minor">
+            <a:schemeClr val="tx1"/>
+          </a:fontRef>
+        </p:style>
+      </p:cxnSp>
+      <p:cxnSp>
+        <p:nvCxnSpPr>
+          <p:cNvPr id="9" name="Straight Arrow Connector 8">
+            <a:extLst>
+              <a:ext uri="{FF2B5EF4-FFF2-40B4-BE49-F238E27FC236}">
+                <a16:creationId xmlns:a16="http://schemas.microsoft.com/office/drawing/2014/main" id="{888E555E-C523-4E48-2E7D-26BA2CE29ACF}"/>
+              </a:ext>
+            </a:extLst>
+          </p:cNvPr>
+          <p:cNvCxnSpPr>
+            <a:cxnSpLocks/>
+          </p:cNvCxnSpPr>
+          <p:nvPr/>
+        </p:nvCxnSpPr>
+        <p:spPr>
+          <a:xfrm flipH="1">
+            <a:off x="4334635" y="3838501"/>
+            <a:ext cx="1605720" cy="1260762"/>
+          </a:xfrm>
+          <a:prstGeom prst="straightConnector1">
+            <a:avLst/>
+          </a:prstGeom>
+          <a:ln w="38100">
+            <a:tailEnd type="triangle"/>
+          </a:ln>
+        </p:spPr>
+        <p:style>
+          <a:lnRef idx="2">
+            <a:schemeClr val="accent1"/>
+          </a:lnRef>
+          <a:fillRef idx="0">
+            <a:schemeClr val="accent1"/>
+          </a:fillRef>
+          <a:effectRef idx="1">
+            <a:schemeClr val="accent1"/>
+          </a:effectRef>
+          <a:fontRef idx="minor">
+            <a:schemeClr val="tx1"/>
+          </a:fontRef>
+        </p:style>
+      </p:cxnSp>
+      <p:cxnSp>
+        <p:nvCxnSpPr>
+          <p:cNvPr id="10" name="Straight Arrow Connector 9">
+            <a:extLst>
+              <a:ext uri="{FF2B5EF4-FFF2-40B4-BE49-F238E27FC236}">
+                <a16:creationId xmlns:a16="http://schemas.microsoft.com/office/drawing/2014/main" id="{AD1EB871-538C-8C41-6948-4EDE719999D4}"/>
+              </a:ext>
+            </a:extLst>
+          </p:cNvPr>
+          <p:cNvCxnSpPr>
+            <a:cxnSpLocks/>
+          </p:cNvCxnSpPr>
+          <p:nvPr/>
+        </p:nvCxnSpPr>
+        <p:spPr>
+          <a:xfrm>
+            <a:off x="5912076" y="3860274"/>
+            <a:ext cx="1783276" cy="0"/>
+          </a:xfrm>
+          <a:prstGeom prst="straightConnector1">
+            <a:avLst/>
+          </a:prstGeom>
+          <a:ln w="38100">
+            <a:tailEnd type="triangle"/>
+          </a:ln>
+        </p:spPr>
+        <p:style>
+          <a:lnRef idx="2">
+            <a:schemeClr val="accent1"/>
+          </a:lnRef>
+          <a:fillRef idx="0">
+            <a:schemeClr val="accent1"/>
+          </a:fillRef>
+          <a:effectRef idx="1">
+            <a:schemeClr val="accent1"/>
+          </a:effectRef>
+          <a:fontRef idx="minor">
+            <a:schemeClr val="tx1"/>
+          </a:fontRef>
+        </p:style>
+      </p:cxnSp>
+      <p:sp>
+        <p:nvSpPr>
+          <p:cNvPr id="13" name="TextBox 12">
+            <a:extLst>
+              <a:ext uri="{FF2B5EF4-FFF2-40B4-BE49-F238E27FC236}">
+                <a16:creationId xmlns:a16="http://schemas.microsoft.com/office/drawing/2014/main" id="{CB337405-DC13-848C-BA85-053CFCD772DB}"/>
+              </a:ext>
+            </a:extLst>
+          </p:cNvPr>
+          <p:cNvSpPr txBox="1"/>
+          <p:nvPr/>
+        </p:nvSpPr>
+        <p:spPr>
+          <a:xfrm>
+            <a:off x="4211292" y="4415990"/>
+            <a:ext cx="365806" cy="584775"/>
+          </a:xfrm>
+          <a:prstGeom prst="rect">
+            <a:avLst/>
+          </a:prstGeom>
+          <a:noFill/>
+        </p:spPr>
+        <p:txBody>
+          <a:bodyPr wrap="none" rtlCol="0">
+            <a:spAutoFit/>
+          </a:bodyPr>
+          <a:lstStyle/>
+          <a:p>
+            <a:r>
+              <a:rPr lang="en-ES" sz="3200" dirty="0"/>
+              <a:t>x</a:t>
+            </a:r>
+            <a:endParaRPr lang="en-ES" dirty="0"/>
+          </a:p>
+        </p:txBody>
+      </p:sp>
+      <p:sp>
+        <p:nvSpPr>
+          <p:cNvPr id="14" name="TextBox 13">
+            <a:extLst>
+              <a:ext uri="{FF2B5EF4-FFF2-40B4-BE49-F238E27FC236}">
+                <a16:creationId xmlns:a16="http://schemas.microsoft.com/office/drawing/2014/main" id="{62C266E0-D62F-24C8-1A5B-2D95ACB037B0}"/>
+              </a:ext>
+            </a:extLst>
+          </p:cNvPr>
+          <p:cNvSpPr txBox="1"/>
+          <p:nvPr/>
+        </p:nvSpPr>
+        <p:spPr>
+          <a:xfrm>
+            <a:off x="7645501" y="3286636"/>
+            <a:ext cx="370614" cy="584775"/>
+          </a:xfrm>
+          <a:prstGeom prst="rect">
+            <a:avLst/>
+          </a:prstGeom>
+          <a:noFill/>
+        </p:spPr>
+        <p:txBody>
+          <a:bodyPr wrap="none" rtlCol="0">
+            <a:spAutoFit/>
+          </a:bodyPr>
+          <a:lstStyle/>
+          <a:p>
+            <a:r>
+              <a:rPr lang="en-ES" sz="3200" dirty="0"/>
+              <a:t>y</a:t>
+            </a:r>
+            <a:endParaRPr lang="en-ES" dirty="0"/>
+          </a:p>
+        </p:txBody>
+      </p:sp>
+      <p:sp>
+        <p:nvSpPr>
+          <p:cNvPr id="15" name="TextBox 14">
+            <a:extLst>
+              <a:ext uri="{FF2B5EF4-FFF2-40B4-BE49-F238E27FC236}">
+                <a16:creationId xmlns:a16="http://schemas.microsoft.com/office/drawing/2014/main" id="{BE33A8D8-EF66-D93B-5045-0A644269E5AC}"/>
+              </a:ext>
+            </a:extLst>
+          </p:cNvPr>
+          <p:cNvSpPr txBox="1"/>
+          <p:nvPr/>
+        </p:nvSpPr>
+        <p:spPr>
+          <a:xfrm>
+            <a:off x="5552771" y="285517"/>
+            <a:ext cx="364202" cy="584775"/>
+          </a:xfrm>
+          <a:prstGeom prst="rect">
+            <a:avLst/>
+          </a:prstGeom>
+          <a:noFill/>
+        </p:spPr>
+        <p:txBody>
+          <a:bodyPr wrap="none" rtlCol="0">
+            <a:spAutoFit/>
+          </a:bodyPr>
+          <a:lstStyle/>
+          <a:p>
+            <a:r>
+              <a:rPr lang="en-ES" sz="3200" dirty="0"/>
+              <a:t>z</a:t>
+            </a:r>
+            <a:endParaRPr lang="en-ES" dirty="0"/>
+          </a:p>
+        </p:txBody>
+      </p:sp>
+      <p:sp>
+        <p:nvSpPr>
+          <p:cNvPr id="18" name="TextBox 17">
+            <a:extLst>
+              <a:ext uri="{FF2B5EF4-FFF2-40B4-BE49-F238E27FC236}">
+                <a16:creationId xmlns:a16="http://schemas.microsoft.com/office/drawing/2014/main" id="{984AD928-0401-C49D-BFAB-97BBDF745787}"/>
+              </a:ext>
+            </a:extLst>
+          </p:cNvPr>
+          <p:cNvSpPr txBox="1"/>
+          <p:nvPr/>
+        </p:nvSpPr>
+        <p:spPr>
+          <a:xfrm>
+            <a:off x="4656273" y="2354925"/>
+            <a:ext cx="481222" cy="584775"/>
+          </a:xfrm>
+          <a:prstGeom prst="rect">
+            <a:avLst/>
+          </a:prstGeom>
+          <a:noFill/>
+        </p:spPr>
+        <p:txBody>
+          <a:bodyPr wrap="square" rtlCol="0">
+            <a:spAutoFit/>
+          </a:bodyPr>
+          <a:lstStyle/>
+          <a:p>
+            <a:r>
+              <a:rPr lang="en-ES" sz="3200" dirty="0"/>
+              <a:t>I</a:t>
+            </a:r>
+            <a:endParaRPr lang="en-ES" dirty="0"/>
+          </a:p>
+        </p:txBody>
+      </p:sp>
+      <p:sp>
+        <p:nvSpPr>
+          <p:cNvPr id="20" name="Arc 19">
+            <a:extLst>
+              <a:ext uri="{FF2B5EF4-FFF2-40B4-BE49-F238E27FC236}">
+                <a16:creationId xmlns:a16="http://schemas.microsoft.com/office/drawing/2014/main" id="{BFC08132-2167-9AED-D6F0-3FBFBD7B63A3}"/>
+              </a:ext>
+            </a:extLst>
+          </p:cNvPr>
+          <p:cNvSpPr/>
+          <p:nvPr/>
+        </p:nvSpPr>
+        <p:spPr>
+          <a:xfrm>
+            <a:off x="5034342" y="2581941"/>
+            <a:ext cx="1814693" cy="439923"/>
+          </a:xfrm>
+          <a:prstGeom prst="arc">
+            <a:avLst>
+              <a:gd name="adj1" fmla="val 1510068"/>
+              <a:gd name="adj2" fmla="val 1204535"/>
+            </a:avLst>
+          </a:prstGeom>
+          <a:ln w="38100">
+            <a:solidFill>
+              <a:schemeClr val="tx1"/>
+            </a:solidFill>
+            <a:prstDash val="solid"/>
+            <a:headEnd type="arrow" w="med" len="med"/>
+            <a:tailEnd type="none" w="med" len="med"/>
+          </a:ln>
+        </p:spPr>
+        <p:style>
+          <a:lnRef idx="2">
+            <a:schemeClr val="accent1"/>
+          </a:lnRef>
+          <a:fillRef idx="0">
+            <a:schemeClr val="accent1"/>
+          </a:fillRef>
+          <a:effectRef idx="1">
+            <a:schemeClr val="accent1"/>
+          </a:effectRef>
+          <a:fontRef idx="minor">
+            <a:schemeClr val="tx1"/>
+          </a:fontRef>
+        </p:style>
+        <p:txBody>
+          <a:bodyPr rtlCol="0" anchor="ctr"/>
+          <a:lstStyle/>
+          <a:p>
+            <a:pPr algn="ctr"/>
+            <a:endParaRPr lang="en-ES"/>
+          </a:p>
+        </p:txBody>
+      </p:sp>
+      <p:sp>
+        <p:nvSpPr>
+          <p:cNvPr id="37" name="Left Bracket 36">
+            <a:extLst>
+              <a:ext uri="{FF2B5EF4-FFF2-40B4-BE49-F238E27FC236}">
+                <a16:creationId xmlns:a16="http://schemas.microsoft.com/office/drawing/2014/main" id="{F9A79342-FBA2-BB41-3D0D-E8D7A70C13B4}"/>
+              </a:ext>
+            </a:extLst>
+          </p:cNvPr>
+          <p:cNvSpPr/>
+          <p:nvPr/>
+        </p:nvSpPr>
+        <p:spPr>
+          <a:xfrm rot="16200000">
+            <a:off x="6298543" y="5256404"/>
+            <a:ext cx="199382" cy="904818"/>
+          </a:xfrm>
+          <a:prstGeom prst="leftBracket">
+            <a:avLst/>
+          </a:prstGeom>
+          <a:ln w="38100"/>
+        </p:spPr>
+        <p:style>
+          <a:lnRef idx="2">
+            <a:schemeClr val="accent1"/>
+          </a:lnRef>
+          <a:fillRef idx="0">
+            <a:schemeClr val="accent1"/>
+          </a:fillRef>
+          <a:effectRef idx="1">
+            <a:schemeClr val="accent1"/>
+          </a:effectRef>
+          <a:fontRef idx="minor">
+            <a:schemeClr val="tx1"/>
+          </a:fontRef>
+        </p:style>
+        <p:txBody>
+          <a:bodyPr rtlCol="0" anchor="ctr"/>
+          <a:lstStyle/>
+          <a:p>
+            <a:pPr algn="ctr"/>
+            <a:endParaRPr lang="en-ES" dirty="0"/>
+          </a:p>
+        </p:txBody>
+      </p:sp>
+      <p:sp>
+        <p:nvSpPr>
+          <p:cNvPr id="39" name="TextBox 38">
+            <a:extLst>
+              <a:ext uri="{FF2B5EF4-FFF2-40B4-BE49-F238E27FC236}">
+                <a16:creationId xmlns:a16="http://schemas.microsoft.com/office/drawing/2014/main" id="{81605BFE-75AC-160C-E44F-64BA5CDB6F33}"/>
+              </a:ext>
+            </a:extLst>
+          </p:cNvPr>
+          <p:cNvSpPr txBox="1"/>
+          <p:nvPr/>
+        </p:nvSpPr>
+        <p:spPr>
+          <a:xfrm>
+            <a:off x="6190105" y="5659898"/>
+            <a:ext cx="492094" cy="584775"/>
+          </a:xfrm>
+          <a:prstGeom prst="rect">
+            <a:avLst/>
+          </a:prstGeom>
+          <a:noFill/>
+        </p:spPr>
+        <p:txBody>
+          <a:bodyPr wrap="square" rtlCol="0">
+            <a:spAutoFit/>
+          </a:bodyPr>
+          <a:lstStyle/>
+          <a:p>
+            <a:r>
+              <a:rPr lang="en-ES" sz="3200" dirty="0"/>
+              <a:t>a</a:t>
+            </a:r>
+            <a:endParaRPr lang="en-ES" dirty="0"/>
+          </a:p>
+        </p:txBody>
+      </p:sp>
+      <p:sp>
+        <p:nvSpPr>
+          <p:cNvPr id="12" name="Arc 11">
+            <a:extLst>
+              <a:ext uri="{FF2B5EF4-FFF2-40B4-BE49-F238E27FC236}">
+                <a16:creationId xmlns:a16="http://schemas.microsoft.com/office/drawing/2014/main" id="{E437ECB9-B9B1-E359-FB34-FE0D5B2E297B}"/>
+              </a:ext>
+            </a:extLst>
+          </p:cNvPr>
+          <p:cNvSpPr/>
+          <p:nvPr/>
+        </p:nvSpPr>
+        <p:spPr>
+          <a:xfrm>
+            <a:off x="5029981" y="2734341"/>
+            <a:ext cx="1814693" cy="439923"/>
+          </a:xfrm>
+          <a:prstGeom prst="arc">
+            <a:avLst>
+              <a:gd name="adj1" fmla="val 1510068"/>
+              <a:gd name="adj2" fmla="val 1204535"/>
+            </a:avLst>
+          </a:prstGeom>
+          <a:ln w="12700">
+            <a:solidFill>
+              <a:schemeClr val="tx1"/>
+            </a:solidFill>
+            <a:prstDash val="dash"/>
+            <a:headEnd type="arrow" w="med" len="med"/>
+            <a:tailEnd type="none" w="med" len="med"/>
+          </a:ln>
+        </p:spPr>
+        <p:style>
+          <a:lnRef idx="2">
+            <a:schemeClr val="accent1"/>
+          </a:lnRef>
+          <a:fillRef idx="0">
+            <a:schemeClr val="accent1"/>
+          </a:fillRef>
+          <a:effectRef idx="1">
+            <a:schemeClr val="accent1"/>
+          </a:effectRef>
+          <a:fontRef idx="minor">
+            <a:schemeClr val="tx1"/>
+          </a:fontRef>
+        </p:style>
+        <p:txBody>
+          <a:bodyPr rtlCol="0" anchor="ctr"/>
+          <a:lstStyle/>
+          <a:p>
+            <a:pPr algn="ctr"/>
+            <a:endParaRPr lang="en-ES"/>
+          </a:p>
+        </p:txBody>
+      </p:sp>
+      <p:sp>
+        <p:nvSpPr>
+          <p:cNvPr id="52" name="Arc 51">
+            <a:extLst>
+              <a:ext uri="{FF2B5EF4-FFF2-40B4-BE49-F238E27FC236}">
+                <a16:creationId xmlns:a16="http://schemas.microsoft.com/office/drawing/2014/main" id="{92D704F6-1622-5753-A08C-51629BF7A458}"/>
+              </a:ext>
+            </a:extLst>
+          </p:cNvPr>
+          <p:cNvSpPr/>
+          <p:nvPr/>
+        </p:nvSpPr>
+        <p:spPr>
+          <a:xfrm>
+            <a:off x="5034328" y="2886741"/>
+            <a:ext cx="1814693" cy="439923"/>
+          </a:xfrm>
+          <a:prstGeom prst="arc">
+            <a:avLst>
+              <a:gd name="adj1" fmla="val 1510068"/>
+              <a:gd name="adj2" fmla="val 1204535"/>
+            </a:avLst>
+          </a:prstGeom>
+          <a:ln w="12700">
+            <a:solidFill>
+              <a:schemeClr val="tx1"/>
+            </a:solidFill>
+            <a:prstDash val="dash"/>
+            <a:headEnd type="arrow" w="med" len="med"/>
+            <a:tailEnd type="none" w="med" len="med"/>
+          </a:ln>
+        </p:spPr>
+        <p:style>
+          <a:lnRef idx="2">
+            <a:schemeClr val="accent1"/>
+          </a:lnRef>
+          <a:fillRef idx="0">
+            <a:schemeClr val="accent1"/>
+          </a:fillRef>
+          <a:effectRef idx="1">
+            <a:schemeClr val="accent1"/>
+          </a:effectRef>
+          <a:fontRef idx="minor">
+            <a:schemeClr val="tx1"/>
+          </a:fontRef>
+        </p:style>
+        <p:txBody>
+          <a:bodyPr rtlCol="0" anchor="ctr"/>
+          <a:lstStyle/>
+          <a:p>
+            <a:pPr algn="ctr"/>
+            <a:endParaRPr lang="en-ES"/>
+          </a:p>
+        </p:txBody>
+      </p:sp>
+      <p:sp>
+        <p:nvSpPr>
+          <p:cNvPr id="53" name="Arc 52">
+            <a:extLst>
+              <a:ext uri="{FF2B5EF4-FFF2-40B4-BE49-F238E27FC236}">
+                <a16:creationId xmlns:a16="http://schemas.microsoft.com/office/drawing/2014/main" id="{3903EDC4-F517-8A59-E70F-D5E53A1C1F26}"/>
+              </a:ext>
+            </a:extLst>
+          </p:cNvPr>
+          <p:cNvSpPr/>
+          <p:nvPr/>
+        </p:nvSpPr>
+        <p:spPr>
+          <a:xfrm>
+            <a:off x="5029966" y="3039141"/>
+            <a:ext cx="1814693" cy="439923"/>
+          </a:xfrm>
+          <a:prstGeom prst="arc">
+            <a:avLst>
+              <a:gd name="adj1" fmla="val 1510068"/>
+              <a:gd name="adj2" fmla="val 1204535"/>
+            </a:avLst>
+          </a:prstGeom>
+          <a:ln w="12700">
+            <a:solidFill>
+              <a:schemeClr val="tx1"/>
+            </a:solidFill>
+            <a:prstDash val="dash"/>
+            <a:headEnd type="arrow" w="med" len="med"/>
+            <a:tailEnd type="none" w="med" len="med"/>
+          </a:ln>
+        </p:spPr>
+        <p:style>
+          <a:lnRef idx="2">
+            <a:schemeClr val="accent1"/>
+          </a:lnRef>
+          <a:fillRef idx="0">
+            <a:schemeClr val="accent1"/>
+          </a:fillRef>
+          <a:effectRef idx="1">
+            <a:schemeClr val="accent1"/>
+          </a:effectRef>
+          <a:fontRef idx="minor">
+            <a:schemeClr val="tx1"/>
+          </a:fontRef>
+        </p:style>
+        <p:txBody>
+          <a:bodyPr rtlCol="0" anchor="ctr"/>
+          <a:lstStyle/>
+          <a:p>
+            <a:pPr algn="ctr"/>
+            <a:endParaRPr lang="en-ES"/>
+          </a:p>
+        </p:txBody>
+      </p:sp>
+      <p:sp>
+        <p:nvSpPr>
+          <p:cNvPr id="54" name="Arc 53">
+            <a:extLst>
+              <a:ext uri="{FF2B5EF4-FFF2-40B4-BE49-F238E27FC236}">
+                <a16:creationId xmlns:a16="http://schemas.microsoft.com/office/drawing/2014/main" id="{CE977048-C84B-CD94-808B-4F80B3BAAB68}"/>
+              </a:ext>
+            </a:extLst>
+          </p:cNvPr>
+          <p:cNvSpPr/>
+          <p:nvPr/>
+        </p:nvSpPr>
+        <p:spPr>
+          <a:xfrm>
+            <a:off x="5025604" y="3191541"/>
+            <a:ext cx="1814693" cy="439923"/>
+          </a:xfrm>
+          <a:prstGeom prst="arc">
+            <a:avLst>
+              <a:gd name="adj1" fmla="val 1510068"/>
+              <a:gd name="adj2" fmla="val 1204535"/>
+            </a:avLst>
+          </a:prstGeom>
+          <a:ln w="12700">
+            <a:solidFill>
+              <a:schemeClr val="tx1"/>
+            </a:solidFill>
+            <a:prstDash val="dash"/>
+            <a:headEnd type="arrow" w="med" len="med"/>
+            <a:tailEnd type="none" w="med" len="med"/>
+          </a:ln>
+        </p:spPr>
+        <p:style>
+          <a:lnRef idx="2">
+            <a:schemeClr val="accent1"/>
+          </a:lnRef>
+          <a:fillRef idx="0">
+            <a:schemeClr val="accent1"/>
+          </a:fillRef>
+          <a:effectRef idx="1">
+            <a:schemeClr val="accent1"/>
+          </a:effectRef>
+          <a:fontRef idx="minor">
+            <a:schemeClr val="tx1"/>
+          </a:fontRef>
+        </p:style>
+        <p:txBody>
+          <a:bodyPr rtlCol="0" anchor="ctr"/>
+          <a:lstStyle/>
+          <a:p>
+            <a:pPr algn="ctr"/>
+            <a:endParaRPr lang="en-ES"/>
+          </a:p>
+        </p:txBody>
+      </p:sp>
+      <p:sp>
+        <p:nvSpPr>
+          <p:cNvPr id="55" name="Arc 54">
+            <a:extLst>
+              <a:ext uri="{FF2B5EF4-FFF2-40B4-BE49-F238E27FC236}">
+                <a16:creationId xmlns:a16="http://schemas.microsoft.com/office/drawing/2014/main" id="{1439EF0E-F0B9-A63D-8122-18E6B8069DD5}"/>
+              </a:ext>
+            </a:extLst>
+          </p:cNvPr>
+          <p:cNvSpPr/>
+          <p:nvPr/>
+        </p:nvSpPr>
+        <p:spPr>
+          <a:xfrm>
+            <a:off x="5029951" y="3343941"/>
+            <a:ext cx="1814693" cy="439923"/>
+          </a:xfrm>
+          <a:prstGeom prst="arc">
+            <a:avLst>
+              <a:gd name="adj1" fmla="val 1510068"/>
+              <a:gd name="adj2" fmla="val 1204535"/>
+            </a:avLst>
+          </a:prstGeom>
+          <a:ln w="12700">
+            <a:solidFill>
+              <a:schemeClr val="tx1"/>
+            </a:solidFill>
+            <a:prstDash val="dash"/>
+            <a:headEnd type="arrow" w="med" len="med"/>
+            <a:tailEnd type="none" w="med" len="med"/>
+          </a:ln>
+        </p:spPr>
+        <p:style>
+          <a:lnRef idx="2">
+            <a:schemeClr val="accent1"/>
+          </a:lnRef>
+          <a:fillRef idx="0">
+            <a:schemeClr val="accent1"/>
+          </a:fillRef>
+          <a:effectRef idx="1">
+            <a:schemeClr val="accent1"/>
+          </a:effectRef>
+          <a:fontRef idx="minor">
+            <a:schemeClr val="tx1"/>
+          </a:fontRef>
+        </p:style>
+        <p:txBody>
+          <a:bodyPr rtlCol="0" anchor="ctr"/>
+          <a:lstStyle/>
+          <a:p>
+            <a:pPr algn="ctr"/>
+            <a:endParaRPr lang="en-ES"/>
+          </a:p>
+        </p:txBody>
+      </p:sp>
+      <p:sp>
+        <p:nvSpPr>
+          <p:cNvPr id="56" name="Arc 55">
+            <a:extLst>
+              <a:ext uri="{FF2B5EF4-FFF2-40B4-BE49-F238E27FC236}">
+                <a16:creationId xmlns:a16="http://schemas.microsoft.com/office/drawing/2014/main" id="{46C1C402-8DBC-C8ED-4C60-3B196BFCFB42}"/>
+              </a:ext>
+            </a:extLst>
+          </p:cNvPr>
+          <p:cNvSpPr/>
+          <p:nvPr/>
+        </p:nvSpPr>
+        <p:spPr>
+          <a:xfrm>
+            <a:off x="5025589" y="3496341"/>
+            <a:ext cx="1814693" cy="439923"/>
+          </a:xfrm>
+          <a:prstGeom prst="arc">
+            <a:avLst>
+              <a:gd name="adj1" fmla="val 1510068"/>
+              <a:gd name="adj2" fmla="val 1204535"/>
+            </a:avLst>
+          </a:prstGeom>
+          <a:ln w="12700">
+            <a:solidFill>
+              <a:schemeClr val="tx1"/>
+            </a:solidFill>
+            <a:prstDash val="dash"/>
+            <a:headEnd type="arrow" w="med" len="med"/>
+            <a:tailEnd type="none" w="med" len="med"/>
+          </a:ln>
+        </p:spPr>
+        <p:style>
+          <a:lnRef idx="2">
+            <a:schemeClr val="accent1"/>
+          </a:lnRef>
+          <a:fillRef idx="0">
+            <a:schemeClr val="accent1"/>
+          </a:fillRef>
+          <a:effectRef idx="1">
+            <a:schemeClr val="accent1"/>
+          </a:effectRef>
+          <a:fontRef idx="minor">
+            <a:schemeClr val="tx1"/>
+          </a:fontRef>
+        </p:style>
+        <p:txBody>
+          <a:bodyPr rtlCol="0" anchor="ctr"/>
+          <a:lstStyle/>
+          <a:p>
+            <a:pPr algn="ctr"/>
+            <a:endParaRPr lang="en-ES"/>
+          </a:p>
+        </p:txBody>
+      </p:sp>
+      <p:sp>
+        <p:nvSpPr>
+          <p:cNvPr id="57" name="Arc 56">
+            <a:extLst>
+              <a:ext uri="{FF2B5EF4-FFF2-40B4-BE49-F238E27FC236}">
+                <a16:creationId xmlns:a16="http://schemas.microsoft.com/office/drawing/2014/main" id="{DAA8370E-6AD9-B48E-FAA0-314B5FED2A4A}"/>
+              </a:ext>
+            </a:extLst>
+          </p:cNvPr>
+          <p:cNvSpPr/>
+          <p:nvPr/>
+        </p:nvSpPr>
+        <p:spPr>
+          <a:xfrm>
+            <a:off x="5038645" y="3648741"/>
+            <a:ext cx="1814693" cy="439923"/>
+          </a:xfrm>
+          <a:prstGeom prst="arc">
+            <a:avLst>
+              <a:gd name="adj1" fmla="val 1510068"/>
+              <a:gd name="adj2" fmla="val 1204535"/>
+            </a:avLst>
+          </a:prstGeom>
+          <a:ln w="12700">
+            <a:solidFill>
+              <a:schemeClr val="tx1"/>
+            </a:solidFill>
+            <a:prstDash val="dash"/>
+            <a:headEnd type="arrow" w="med" len="med"/>
+            <a:tailEnd type="none" w="med" len="med"/>
+          </a:ln>
+        </p:spPr>
+        <p:style>
+          <a:lnRef idx="2">
+            <a:schemeClr val="accent1"/>
+          </a:lnRef>
+          <a:fillRef idx="0">
+            <a:schemeClr val="accent1"/>
+          </a:fillRef>
+          <a:effectRef idx="1">
+            <a:schemeClr val="accent1"/>
+          </a:effectRef>
+          <a:fontRef idx="minor">
+            <a:schemeClr val="tx1"/>
+          </a:fontRef>
+        </p:style>
+        <p:txBody>
+          <a:bodyPr rtlCol="0" anchor="ctr"/>
+          <a:lstStyle/>
+          <a:p>
+            <a:pPr algn="ctr"/>
+            <a:endParaRPr lang="en-ES"/>
+          </a:p>
+        </p:txBody>
+      </p:sp>
+      <p:sp>
+        <p:nvSpPr>
+          <p:cNvPr id="58" name="Arc 57">
+            <a:extLst>
+              <a:ext uri="{FF2B5EF4-FFF2-40B4-BE49-F238E27FC236}">
+                <a16:creationId xmlns:a16="http://schemas.microsoft.com/office/drawing/2014/main" id="{C5E0B290-F523-B6FE-2783-481F1221F8F6}"/>
+              </a:ext>
+            </a:extLst>
+          </p:cNvPr>
+          <p:cNvSpPr/>
+          <p:nvPr/>
+        </p:nvSpPr>
+        <p:spPr>
+          <a:xfrm>
+            <a:off x="5025574" y="3801141"/>
+            <a:ext cx="1814693" cy="439923"/>
+          </a:xfrm>
+          <a:prstGeom prst="arc">
+            <a:avLst>
+              <a:gd name="adj1" fmla="val 1510068"/>
+              <a:gd name="adj2" fmla="val 1204535"/>
+            </a:avLst>
+          </a:prstGeom>
+          <a:ln w="12700">
+            <a:solidFill>
+              <a:schemeClr val="tx1"/>
+            </a:solidFill>
+            <a:prstDash val="dash"/>
+            <a:headEnd type="arrow" w="med" len="med"/>
+            <a:tailEnd type="none" w="med" len="med"/>
+          </a:ln>
+        </p:spPr>
+        <p:style>
+          <a:lnRef idx="2">
+            <a:schemeClr val="accent1"/>
+          </a:lnRef>
+          <a:fillRef idx="0">
+            <a:schemeClr val="accent1"/>
+          </a:fillRef>
+          <a:effectRef idx="1">
+            <a:schemeClr val="accent1"/>
+          </a:effectRef>
+          <a:fontRef idx="minor">
+            <a:schemeClr val="tx1"/>
+          </a:fontRef>
+        </p:style>
+        <p:txBody>
+          <a:bodyPr rtlCol="0" anchor="ctr"/>
+          <a:lstStyle/>
+          <a:p>
+            <a:pPr algn="ctr"/>
+            <a:endParaRPr lang="en-ES"/>
+          </a:p>
+        </p:txBody>
+      </p:sp>
+      <p:sp>
+        <p:nvSpPr>
+          <p:cNvPr id="59" name="Arc 58">
+            <a:extLst>
+              <a:ext uri="{FF2B5EF4-FFF2-40B4-BE49-F238E27FC236}">
+                <a16:creationId xmlns:a16="http://schemas.microsoft.com/office/drawing/2014/main" id="{E73D641E-BC30-6ADB-7ABE-06DAED548EDE}"/>
+              </a:ext>
+            </a:extLst>
+          </p:cNvPr>
+          <p:cNvSpPr/>
+          <p:nvPr/>
+        </p:nvSpPr>
+        <p:spPr>
+          <a:xfrm>
+            <a:off x="5029921" y="3953541"/>
+            <a:ext cx="1814693" cy="439923"/>
+          </a:xfrm>
+          <a:prstGeom prst="arc">
+            <a:avLst>
+              <a:gd name="adj1" fmla="val 1510068"/>
+              <a:gd name="adj2" fmla="val 1204535"/>
+            </a:avLst>
+          </a:prstGeom>
+          <a:ln w="12700">
+            <a:solidFill>
+              <a:schemeClr val="tx1"/>
+            </a:solidFill>
+            <a:prstDash val="dash"/>
+            <a:headEnd type="arrow" w="med" len="med"/>
+            <a:tailEnd type="none" w="med" len="med"/>
+          </a:ln>
+        </p:spPr>
+        <p:style>
+          <a:lnRef idx="2">
+            <a:schemeClr val="accent1"/>
+          </a:lnRef>
+          <a:fillRef idx="0">
+            <a:schemeClr val="accent1"/>
+          </a:fillRef>
+          <a:effectRef idx="1">
+            <a:schemeClr val="accent1"/>
+          </a:effectRef>
+          <a:fontRef idx="minor">
+            <a:schemeClr val="tx1"/>
+          </a:fontRef>
+        </p:style>
+        <p:txBody>
+          <a:bodyPr rtlCol="0" anchor="ctr"/>
+          <a:lstStyle/>
+          <a:p>
+            <a:pPr algn="ctr"/>
+            <a:endParaRPr lang="en-ES"/>
+          </a:p>
+        </p:txBody>
+      </p:sp>
+      <p:sp>
+        <p:nvSpPr>
+          <p:cNvPr id="60" name="Arc 59">
+            <a:extLst>
+              <a:ext uri="{FF2B5EF4-FFF2-40B4-BE49-F238E27FC236}">
+                <a16:creationId xmlns:a16="http://schemas.microsoft.com/office/drawing/2014/main" id="{87450855-8E26-96CF-C007-0DDF6CF48879}"/>
+              </a:ext>
+            </a:extLst>
+          </p:cNvPr>
+          <p:cNvSpPr/>
+          <p:nvPr/>
+        </p:nvSpPr>
+        <p:spPr>
+          <a:xfrm>
+            <a:off x="5025559" y="4105941"/>
+            <a:ext cx="1814693" cy="439923"/>
+          </a:xfrm>
+          <a:prstGeom prst="arc">
+            <a:avLst>
+              <a:gd name="adj1" fmla="val 1510068"/>
+              <a:gd name="adj2" fmla="val 1204535"/>
+            </a:avLst>
+          </a:prstGeom>
+          <a:ln w="12700">
+            <a:solidFill>
+              <a:schemeClr val="tx1"/>
+            </a:solidFill>
+            <a:prstDash val="dash"/>
+            <a:headEnd type="arrow" w="med" len="med"/>
+            <a:tailEnd type="none" w="med" len="med"/>
+          </a:ln>
+        </p:spPr>
+        <p:style>
+          <a:lnRef idx="2">
+            <a:schemeClr val="accent1"/>
+          </a:lnRef>
+          <a:fillRef idx="0">
+            <a:schemeClr val="accent1"/>
+          </a:fillRef>
+          <a:effectRef idx="1">
+            <a:schemeClr val="accent1"/>
+          </a:effectRef>
+          <a:fontRef idx="minor">
+            <a:schemeClr val="tx1"/>
+          </a:fontRef>
+        </p:style>
+        <p:txBody>
+          <a:bodyPr rtlCol="0" anchor="ctr"/>
+          <a:lstStyle/>
+          <a:p>
+            <a:pPr algn="ctr"/>
+            <a:endParaRPr lang="en-ES"/>
+          </a:p>
+        </p:txBody>
+      </p:sp>
+      <p:sp>
+        <p:nvSpPr>
+          <p:cNvPr id="61" name="Arc 60">
+            <a:extLst>
+              <a:ext uri="{FF2B5EF4-FFF2-40B4-BE49-F238E27FC236}">
+                <a16:creationId xmlns:a16="http://schemas.microsoft.com/office/drawing/2014/main" id="{41D34E69-7261-6666-8CA8-43ED9008C1B1}"/>
+              </a:ext>
+            </a:extLst>
+          </p:cNvPr>
+          <p:cNvSpPr/>
+          <p:nvPr/>
+        </p:nvSpPr>
+        <p:spPr>
+          <a:xfrm>
+            <a:off x="5029906" y="4258341"/>
+            <a:ext cx="1814693" cy="439923"/>
+          </a:xfrm>
+          <a:prstGeom prst="arc">
+            <a:avLst>
+              <a:gd name="adj1" fmla="val 1510068"/>
+              <a:gd name="adj2" fmla="val 1204535"/>
+            </a:avLst>
+          </a:prstGeom>
+          <a:ln w="12700">
+            <a:solidFill>
+              <a:schemeClr val="tx1"/>
+            </a:solidFill>
+            <a:prstDash val="dash"/>
+            <a:headEnd type="arrow" w="med" len="med"/>
+            <a:tailEnd type="none" w="med" len="med"/>
+          </a:ln>
+        </p:spPr>
+        <p:style>
+          <a:lnRef idx="2">
+            <a:schemeClr val="accent1"/>
+          </a:lnRef>
+          <a:fillRef idx="0">
+            <a:schemeClr val="accent1"/>
+          </a:fillRef>
+          <a:effectRef idx="1">
+            <a:schemeClr val="accent1"/>
+          </a:effectRef>
+          <a:fontRef idx="minor">
+            <a:schemeClr val="tx1"/>
+          </a:fontRef>
+        </p:style>
+        <p:txBody>
+          <a:bodyPr rtlCol="0" anchor="ctr"/>
+          <a:lstStyle/>
+          <a:p>
+            <a:pPr algn="ctr"/>
+            <a:endParaRPr lang="en-ES"/>
+          </a:p>
+        </p:txBody>
+      </p:sp>
+      <p:sp>
+        <p:nvSpPr>
+          <p:cNvPr id="62" name="Arc 61">
+            <a:extLst>
+              <a:ext uri="{FF2B5EF4-FFF2-40B4-BE49-F238E27FC236}">
+                <a16:creationId xmlns:a16="http://schemas.microsoft.com/office/drawing/2014/main" id="{56AB30E6-0553-3DF5-0F3F-484D1AC5722B}"/>
+              </a:ext>
+            </a:extLst>
+          </p:cNvPr>
+          <p:cNvSpPr/>
+          <p:nvPr/>
+        </p:nvSpPr>
+        <p:spPr>
+          <a:xfrm>
+            <a:off x="5025544" y="4410741"/>
+            <a:ext cx="1814693" cy="439923"/>
+          </a:xfrm>
+          <a:prstGeom prst="arc">
+            <a:avLst>
+              <a:gd name="adj1" fmla="val 1510068"/>
+              <a:gd name="adj2" fmla="val 1204535"/>
+            </a:avLst>
+          </a:prstGeom>
+          <a:ln w="12700">
+            <a:solidFill>
+              <a:schemeClr val="tx1"/>
+            </a:solidFill>
+            <a:prstDash val="dash"/>
+            <a:headEnd type="arrow" w="med" len="med"/>
+            <a:tailEnd type="none" w="med" len="med"/>
+          </a:ln>
+        </p:spPr>
+        <p:style>
+          <a:lnRef idx="2">
+            <a:schemeClr val="accent1"/>
+          </a:lnRef>
+          <a:fillRef idx="0">
+            <a:schemeClr val="accent1"/>
+          </a:fillRef>
+          <a:effectRef idx="1">
+            <a:schemeClr val="accent1"/>
+          </a:effectRef>
+          <a:fontRef idx="minor">
+            <a:schemeClr val="tx1"/>
+          </a:fontRef>
+        </p:style>
+        <p:txBody>
+          <a:bodyPr rtlCol="0" anchor="ctr"/>
+          <a:lstStyle/>
+          <a:p>
+            <a:pPr algn="ctr"/>
+            <a:endParaRPr lang="en-ES"/>
+          </a:p>
+        </p:txBody>
+      </p:sp>
+      <p:sp>
+        <p:nvSpPr>
+          <p:cNvPr id="6" name="Title 1">
+            <a:extLst>
+              <a:ext uri="{FF2B5EF4-FFF2-40B4-BE49-F238E27FC236}">
+                <a16:creationId xmlns:a16="http://schemas.microsoft.com/office/drawing/2014/main" id="{A96587CC-B3A6-D37D-3D89-60E8268F5990}"/>
+              </a:ext>
+            </a:extLst>
+          </p:cNvPr>
+          <p:cNvSpPr txBox="1">
+            <a:spLocks/>
+          </p:cNvSpPr>
+          <p:nvPr/>
+        </p:nvSpPr>
+        <p:spPr>
+          <a:xfrm>
+            <a:off x="838200" y="365125"/>
+            <a:ext cx="10515600" cy="1325563"/>
+          </a:xfrm>
+          <a:prstGeom prst="rect">
+            <a:avLst/>
+          </a:prstGeom>
+        </p:spPr>
+        <p:txBody>
+          <a:bodyPr/>
+          <a:lstStyle>
+            <a:lvl1pPr algn="l" defTabSz="914400" rtl="0" eaLnBrk="1" latinLnBrk="0" hangingPunct="1">
+              <a:lnSpc>
+                <a:spcPct val="90000"/>
+              </a:lnSpc>
+              <a:spcBef>
+                <a:spcPct val="0"/>
+              </a:spcBef>
+              <a:buNone/>
+              <a:defRPr sz="4400" kern="1200">
+                <a:solidFill>
+                  <a:schemeClr val="tx1"/>
+                </a:solidFill>
+                <a:latin typeface="+mj-lt"/>
+                <a:ea typeface="+mj-ea"/>
+                <a:cs typeface="+mj-cs"/>
+              </a:defRPr>
+            </a:lvl1pPr>
+          </a:lstStyle>
+          <a:p>
+            <a:r>
+              <a:rPr lang="en-ES" dirty="0"/>
+              <a:t>B4.S8.2</a:t>
+            </a:r>
+          </a:p>
+        </p:txBody>
+      </p:sp>
+      <p:sp>
+        <p:nvSpPr>
+          <p:cNvPr id="7" name="Left Bracket 6">
+            <a:extLst>
+              <a:ext uri="{FF2B5EF4-FFF2-40B4-BE49-F238E27FC236}">
+                <a16:creationId xmlns:a16="http://schemas.microsoft.com/office/drawing/2014/main" id="{1F28EEEC-4F9E-4E35-F0AA-E2254134AA5E}"/>
+              </a:ext>
+            </a:extLst>
+          </p:cNvPr>
+          <p:cNvSpPr/>
+          <p:nvPr/>
+        </p:nvSpPr>
+        <p:spPr>
+          <a:xfrm rot="10800000">
+            <a:off x="6953824" y="2128241"/>
+            <a:ext cx="213288" cy="3199933"/>
+          </a:xfrm>
+          <a:prstGeom prst="leftBracket">
+            <a:avLst/>
+          </a:prstGeom>
+          <a:ln w="38100"/>
+        </p:spPr>
+        <p:style>
+          <a:lnRef idx="2">
+            <a:schemeClr val="accent1"/>
+          </a:lnRef>
+          <a:fillRef idx="0">
+            <a:schemeClr val="accent1"/>
+          </a:fillRef>
+          <a:effectRef idx="1">
+            <a:schemeClr val="accent1"/>
+          </a:effectRef>
+          <a:fontRef idx="minor">
+            <a:schemeClr val="tx1"/>
+          </a:fontRef>
+        </p:style>
+        <p:txBody>
+          <a:bodyPr rtlCol="0" anchor="ctr"/>
+          <a:lstStyle/>
+          <a:p>
+            <a:pPr algn="ctr"/>
+            <a:endParaRPr lang="en-ES" dirty="0"/>
+          </a:p>
+        </p:txBody>
+      </p:sp>
+      <p:sp>
+        <p:nvSpPr>
+          <p:cNvPr id="11" name="TextBox 10">
+            <a:extLst>
+              <a:ext uri="{FF2B5EF4-FFF2-40B4-BE49-F238E27FC236}">
+                <a16:creationId xmlns:a16="http://schemas.microsoft.com/office/drawing/2014/main" id="{31157C85-31C2-3765-B5DD-3F770D72F34E}"/>
+              </a:ext>
+            </a:extLst>
+          </p:cNvPr>
+          <p:cNvSpPr txBox="1"/>
+          <p:nvPr/>
+        </p:nvSpPr>
+        <p:spPr>
+          <a:xfrm>
+            <a:off x="7167111" y="2747584"/>
+            <a:ext cx="849003" cy="584775"/>
+          </a:xfrm>
+          <a:prstGeom prst="rect">
+            <a:avLst/>
+          </a:prstGeom>
+          <a:noFill/>
+        </p:spPr>
+        <p:txBody>
+          <a:bodyPr wrap="square" rtlCol="0">
+            <a:spAutoFit/>
+          </a:bodyPr>
+          <a:lstStyle/>
+          <a:p>
+            <a:r>
+              <a:rPr lang="en-ES" sz="3200" dirty="0"/>
+              <a:t>L,N</a:t>
+            </a:r>
+            <a:endParaRPr lang="en-ES" dirty="0"/>
+          </a:p>
+        </p:txBody>
+      </p:sp>
+      <p:sp>
+        <p:nvSpPr>
+          <p:cNvPr id="16" name="Arc 15">
+            <a:extLst>
+              <a:ext uri="{FF2B5EF4-FFF2-40B4-BE49-F238E27FC236}">
+                <a16:creationId xmlns:a16="http://schemas.microsoft.com/office/drawing/2014/main" id="{12344B86-263A-CDD8-9F1C-1C3544139234}"/>
+              </a:ext>
+            </a:extLst>
+          </p:cNvPr>
+          <p:cNvSpPr/>
+          <p:nvPr/>
+        </p:nvSpPr>
+        <p:spPr>
+          <a:xfrm>
+            <a:off x="5038090" y="4552383"/>
+            <a:ext cx="1814693" cy="439923"/>
+          </a:xfrm>
+          <a:prstGeom prst="arc">
+            <a:avLst>
+              <a:gd name="adj1" fmla="val 1510068"/>
+              <a:gd name="adj2" fmla="val 1204535"/>
+            </a:avLst>
+          </a:prstGeom>
+          <a:ln w="12700">
+            <a:solidFill>
+              <a:schemeClr val="tx1"/>
+            </a:solidFill>
+            <a:prstDash val="dash"/>
+            <a:headEnd type="arrow" w="med" len="med"/>
+            <a:tailEnd type="none" w="med" len="med"/>
+          </a:ln>
+        </p:spPr>
+        <p:style>
+          <a:lnRef idx="2">
+            <a:schemeClr val="accent1"/>
+          </a:lnRef>
+          <a:fillRef idx="0">
+            <a:schemeClr val="accent1"/>
+          </a:fillRef>
+          <a:effectRef idx="1">
+            <a:schemeClr val="accent1"/>
+          </a:effectRef>
+          <a:fontRef idx="minor">
+            <a:schemeClr val="tx1"/>
+          </a:fontRef>
+        </p:style>
+        <p:txBody>
+          <a:bodyPr rtlCol="0" anchor="ctr"/>
+          <a:lstStyle/>
+          <a:p>
+            <a:pPr algn="ctr"/>
+            <a:endParaRPr lang="en-ES"/>
+          </a:p>
+        </p:txBody>
+      </p:sp>
+      <p:sp>
+        <p:nvSpPr>
+          <p:cNvPr id="17" name="Arc 16">
+            <a:extLst>
+              <a:ext uri="{FF2B5EF4-FFF2-40B4-BE49-F238E27FC236}">
+                <a16:creationId xmlns:a16="http://schemas.microsoft.com/office/drawing/2014/main" id="{C5FA68DB-5600-AA74-140F-AC799DEB4E0D}"/>
+              </a:ext>
+            </a:extLst>
+          </p:cNvPr>
+          <p:cNvSpPr/>
+          <p:nvPr/>
+        </p:nvSpPr>
+        <p:spPr>
+          <a:xfrm>
+            <a:off x="5039878" y="4694025"/>
+            <a:ext cx="1814693" cy="439923"/>
+          </a:xfrm>
+          <a:prstGeom prst="arc">
+            <a:avLst>
+              <a:gd name="adj1" fmla="val 1510068"/>
+              <a:gd name="adj2" fmla="val 1204535"/>
+            </a:avLst>
+          </a:prstGeom>
+          <a:ln w="12700">
+            <a:solidFill>
+              <a:schemeClr val="tx1"/>
+            </a:solidFill>
+            <a:prstDash val="dash"/>
+            <a:headEnd type="arrow" w="med" len="med"/>
+            <a:tailEnd type="none" w="med" len="med"/>
+          </a:ln>
+        </p:spPr>
+        <p:style>
+          <a:lnRef idx="2">
+            <a:schemeClr val="accent1"/>
+          </a:lnRef>
+          <a:fillRef idx="0">
+            <a:schemeClr val="accent1"/>
+          </a:fillRef>
+          <a:effectRef idx="1">
+            <a:schemeClr val="accent1"/>
+          </a:effectRef>
+          <a:fontRef idx="minor">
+            <a:schemeClr val="tx1"/>
+          </a:fontRef>
+        </p:style>
+        <p:txBody>
+          <a:bodyPr rtlCol="0" anchor="ctr"/>
+          <a:lstStyle/>
+          <a:p>
+            <a:pPr algn="ctr"/>
+            <a:endParaRPr lang="en-ES"/>
+          </a:p>
+        </p:txBody>
+      </p:sp>
+      <p:sp>
+        <p:nvSpPr>
+          <p:cNvPr id="19" name="Arc 18">
+            <a:extLst>
+              <a:ext uri="{FF2B5EF4-FFF2-40B4-BE49-F238E27FC236}">
+                <a16:creationId xmlns:a16="http://schemas.microsoft.com/office/drawing/2014/main" id="{04B561EA-0A84-7BA3-170D-C4425D5D14B9}"/>
+              </a:ext>
+            </a:extLst>
+          </p:cNvPr>
+          <p:cNvSpPr/>
+          <p:nvPr/>
+        </p:nvSpPr>
+        <p:spPr>
+          <a:xfrm>
+            <a:off x="5041666" y="4835667"/>
+            <a:ext cx="1814693" cy="439923"/>
+          </a:xfrm>
+          <a:prstGeom prst="arc">
+            <a:avLst>
+              <a:gd name="adj1" fmla="val 1510068"/>
+              <a:gd name="adj2" fmla="val 1204535"/>
+            </a:avLst>
+          </a:prstGeom>
+          <a:ln w="12700">
+            <a:solidFill>
+              <a:schemeClr val="tx1"/>
+            </a:solidFill>
+            <a:prstDash val="dash"/>
+            <a:headEnd type="arrow" w="med" len="med"/>
+            <a:tailEnd type="none" w="med" len="med"/>
+          </a:ln>
+        </p:spPr>
+        <p:style>
+          <a:lnRef idx="2">
+            <a:schemeClr val="accent1"/>
+          </a:lnRef>
+          <a:fillRef idx="0">
+            <a:schemeClr val="accent1"/>
+          </a:fillRef>
+          <a:effectRef idx="1">
+            <a:schemeClr val="accent1"/>
+          </a:effectRef>
+          <a:fontRef idx="minor">
+            <a:schemeClr val="tx1"/>
+          </a:fontRef>
+        </p:style>
+        <p:txBody>
+          <a:bodyPr rtlCol="0" anchor="ctr"/>
+          <a:lstStyle/>
+          <a:p>
+            <a:pPr algn="ctr"/>
+            <a:endParaRPr lang="en-ES"/>
+          </a:p>
+        </p:txBody>
+      </p:sp>
+      <p:sp>
+        <p:nvSpPr>
+          <p:cNvPr id="21" name="Arc 20">
+            <a:extLst>
+              <a:ext uri="{FF2B5EF4-FFF2-40B4-BE49-F238E27FC236}">
+                <a16:creationId xmlns:a16="http://schemas.microsoft.com/office/drawing/2014/main" id="{0800CED9-9E50-1202-3C2B-F75B88678FEC}"/>
+              </a:ext>
+            </a:extLst>
+          </p:cNvPr>
+          <p:cNvSpPr/>
+          <p:nvPr/>
+        </p:nvSpPr>
+        <p:spPr>
+          <a:xfrm>
+            <a:off x="5043454" y="4988067"/>
+            <a:ext cx="1814693" cy="439923"/>
+          </a:xfrm>
+          <a:prstGeom prst="arc">
+            <a:avLst>
+              <a:gd name="adj1" fmla="val 1510068"/>
+              <a:gd name="adj2" fmla="val 1204535"/>
+            </a:avLst>
+          </a:prstGeom>
+          <a:ln w="12700">
+            <a:solidFill>
+              <a:schemeClr val="tx1"/>
+            </a:solidFill>
+            <a:prstDash val="dash"/>
+            <a:headEnd type="arrow" w="med" len="med"/>
+            <a:tailEnd type="none" w="med" len="med"/>
+          </a:ln>
+        </p:spPr>
+        <p:style>
+          <a:lnRef idx="2">
+            <a:schemeClr val="accent1"/>
+          </a:lnRef>
+          <a:fillRef idx="0">
+            <a:schemeClr val="accent1"/>
+          </a:fillRef>
+          <a:effectRef idx="1">
+            <a:schemeClr val="accent1"/>
+          </a:effectRef>
+          <a:fontRef idx="minor">
+            <a:schemeClr val="tx1"/>
+          </a:fontRef>
+        </p:style>
+        <p:txBody>
+          <a:bodyPr rtlCol="0" anchor="ctr"/>
+          <a:lstStyle/>
+          <a:p>
+            <a:pPr algn="ctr"/>
+            <a:endParaRPr lang="en-ES"/>
+          </a:p>
+        </p:txBody>
+      </p:sp>
+      <p:sp>
+        <p:nvSpPr>
+          <p:cNvPr id="26" name="Arc 25">
+            <a:extLst>
+              <a:ext uri="{FF2B5EF4-FFF2-40B4-BE49-F238E27FC236}">
+                <a16:creationId xmlns:a16="http://schemas.microsoft.com/office/drawing/2014/main" id="{D10FAB69-1131-DBAB-2972-A1FE456E26D4}"/>
+              </a:ext>
+            </a:extLst>
+          </p:cNvPr>
+          <p:cNvSpPr/>
+          <p:nvPr/>
+        </p:nvSpPr>
+        <p:spPr>
+          <a:xfrm>
+            <a:off x="5025544" y="2167287"/>
+            <a:ext cx="1814693" cy="439923"/>
+          </a:xfrm>
+          <a:prstGeom prst="arc">
+            <a:avLst>
+              <a:gd name="adj1" fmla="val 1510068"/>
+              <a:gd name="adj2" fmla="val 1204535"/>
+            </a:avLst>
+          </a:prstGeom>
+          <a:ln w="12700">
+            <a:solidFill>
+              <a:schemeClr val="tx1"/>
+            </a:solidFill>
+            <a:prstDash val="dash"/>
+            <a:headEnd type="arrow" w="med" len="med"/>
+            <a:tailEnd type="none" w="med" len="med"/>
+          </a:ln>
+        </p:spPr>
+        <p:style>
+          <a:lnRef idx="2">
+            <a:schemeClr val="accent1"/>
+          </a:lnRef>
+          <a:fillRef idx="0">
+            <a:schemeClr val="accent1"/>
+          </a:fillRef>
+          <a:effectRef idx="1">
+            <a:schemeClr val="accent1"/>
+          </a:effectRef>
+          <a:fontRef idx="minor">
+            <a:schemeClr val="tx1"/>
+          </a:fontRef>
+        </p:style>
+        <p:txBody>
+          <a:bodyPr rtlCol="0" anchor="ctr"/>
+          <a:lstStyle/>
+          <a:p>
+            <a:pPr algn="ctr"/>
+            <a:endParaRPr lang="en-ES"/>
+          </a:p>
+        </p:txBody>
+      </p:sp>
+      <p:sp>
+        <p:nvSpPr>
+          <p:cNvPr id="27" name="Arc 26">
+            <a:extLst>
+              <a:ext uri="{FF2B5EF4-FFF2-40B4-BE49-F238E27FC236}">
+                <a16:creationId xmlns:a16="http://schemas.microsoft.com/office/drawing/2014/main" id="{0EB1C9C6-7D8C-7A98-A0A4-640169B76D9E}"/>
+              </a:ext>
+            </a:extLst>
+          </p:cNvPr>
+          <p:cNvSpPr/>
+          <p:nvPr/>
+        </p:nvSpPr>
+        <p:spPr>
+          <a:xfrm>
+            <a:off x="5038090" y="2308929"/>
+            <a:ext cx="1814693" cy="439923"/>
+          </a:xfrm>
+          <a:prstGeom prst="arc">
+            <a:avLst>
+              <a:gd name="adj1" fmla="val 1510068"/>
+              <a:gd name="adj2" fmla="val 1204535"/>
+            </a:avLst>
+          </a:prstGeom>
+          <a:ln w="12700">
+            <a:solidFill>
+              <a:schemeClr val="tx1"/>
+            </a:solidFill>
+            <a:prstDash val="dash"/>
+            <a:headEnd type="arrow" w="med" len="med"/>
+            <a:tailEnd type="none" w="med" len="med"/>
+          </a:ln>
+        </p:spPr>
+        <p:style>
+          <a:lnRef idx="2">
+            <a:schemeClr val="accent1"/>
+          </a:lnRef>
+          <a:fillRef idx="0">
+            <a:schemeClr val="accent1"/>
+          </a:fillRef>
+          <a:effectRef idx="1">
+            <a:schemeClr val="accent1"/>
+          </a:effectRef>
+          <a:fontRef idx="minor">
+            <a:schemeClr val="tx1"/>
+          </a:fontRef>
+        </p:style>
+        <p:txBody>
+          <a:bodyPr rtlCol="0" anchor="ctr"/>
+          <a:lstStyle/>
+          <a:p>
+            <a:pPr algn="ctr"/>
+            <a:endParaRPr lang="en-ES"/>
+          </a:p>
+        </p:txBody>
+      </p:sp>
+      <p:sp>
+        <p:nvSpPr>
+          <p:cNvPr id="28" name="Arc 27">
+            <a:extLst>
+              <a:ext uri="{FF2B5EF4-FFF2-40B4-BE49-F238E27FC236}">
+                <a16:creationId xmlns:a16="http://schemas.microsoft.com/office/drawing/2014/main" id="{F7FD53FB-17BB-9388-2784-E38C28CD233F}"/>
+              </a:ext>
+            </a:extLst>
+          </p:cNvPr>
+          <p:cNvSpPr/>
+          <p:nvPr/>
+        </p:nvSpPr>
+        <p:spPr>
+          <a:xfrm>
+            <a:off x="5039878" y="2450571"/>
+            <a:ext cx="1814693" cy="439923"/>
+          </a:xfrm>
+          <a:prstGeom prst="arc">
+            <a:avLst>
+              <a:gd name="adj1" fmla="val 1510068"/>
+              <a:gd name="adj2" fmla="val 1204535"/>
+            </a:avLst>
+          </a:prstGeom>
+          <a:ln w="12700">
+            <a:solidFill>
+              <a:schemeClr val="tx1"/>
+            </a:solidFill>
+            <a:prstDash val="dash"/>
+            <a:headEnd type="arrow" w="med" len="med"/>
+            <a:tailEnd type="none" w="med" len="med"/>
+          </a:ln>
+        </p:spPr>
+        <p:style>
+          <a:lnRef idx="2">
+            <a:schemeClr val="accent1"/>
+          </a:lnRef>
+          <a:fillRef idx="0">
+            <a:schemeClr val="accent1"/>
+          </a:fillRef>
+          <a:effectRef idx="1">
+            <a:schemeClr val="accent1"/>
+          </a:effectRef>
+          <a:fontRef idx="minor">
+            <a:schemeClr val="tx1"/>
+          </a:fontRef>
+        </p:style>
+        <p:txBody>
+          <a:bodyPr rtlCol="0" anchor="ctr"/>
+          <a:lstStyle/>
+          <a:p>
+            <a:pPr algn="ctr"/>
+            <a:endParaRPr lang="en-ES"/>
+          </a:p>
+        </p:txBody>
+      </p:sp>
+      <p:sp>
+        <p:nvSpPr>
+          <p:cNvPr id="30" name="Arc 29">
+            <a:extLst>
+              <a:ext uri="{FF2B5EF4-FFF2-40B4-BE49-F238E27FC236}">
+                <a16:creationId xmlns:a16="http://schemas.microsoft.com/office/drawing/2014/main" id="{CA39EAA3-1701-C848-97F1-34A429D4D39F}"/>
+              </a:ext>
+            </a:extLst>
+          </p:cNvPr>
+          <p:cNvSpPr/>
+          <p:nvPr/>
+        </p:nvSpPr>
+        <p:spPr>
+          <a:xfrm>
+            <a:off x="5023328" y="2032164"/>
+            <a:ext cx="1814693" cy="439923"/>
+          </a:xfrm>
+          <a:prstGeom prst="arc">
+            <a:avLst>
+              <a:gd name="adj1" fmla="val 1510068"/>
+              <a:gd name="adj2" fmla="val 1204535"/>
+            </a:avLst>
+          </a:prstGeom>
+          <a:ln w="12700">
+            <a:solidFill>
+              <a:schemeClr val="tx1"/>
+            </a:solidFill>
+            <a:prstDash val="dash"/>
+            <a:headEnd type="arrow" w="med" len="med"/>
+            <a:tailEnd type="none" w="med" len="med"/>
+          </a:ln>
+        </p:spPr>
+        <p:style>
+          <a:lnRef idx="2">
+            <a:schemeClr val="accent1"/>
+          </a:lnRef>
+          <a:fillRef idx="0">
+            <a:schemeClr val="accent1"/>
+          </a:fillRef>
+          <a:effectRef idx="1">
+            <a:schemeClr val="accent1"/>
+          </a:effectRef>
+          <a:fontRef idx="minor">
+            <a:schemeClr val="tx1"/>
+          </a:fontRef>
+        </p:style>
+        <p:txBody>
+          <a:bodyPr rtlCol="0" anchor="ctr"/>
+          <a:lstStyle/>
+          <a:p>
+            <a:pPr algn="ctr"/>
+            <a:endParaRPr lang="en-ES"/>
+          </a:p>
+        </p:txBody>
+      </p:sp>
+    </p:spTree>
+    <p:extLst>
+      <p:ext uri="{BB962C8B-B14F-4D97-AF65-F5344CB8AC3E}">
+        <p14:creationId xmlns:p14="http://schemas.microsoft.com/office/powerpoint/2010/main" val="170814528"/>
+      </p:ext>
+    </p:extLst>
+  </p:cSld>
+  <p:clrMapOvr>
+    <a:masterClrMapping/>
+  </p:clrMapOvr>
+</p:sld>
+</file>
+
+<file path=ppt/slides/slide22.xml><?xml version="1.0" encoding="utf-8"?>
+<p:sld xmlns:a="http://schemas.openxmlformats.org/drawingml/2006/main" xmlns:r="http://schemas.openxmlformats.org/officeDocument/2006/relationships" xmlns:p="http://schemas.openxmlformats.org/presentationml/2006/main">
+  <p:cSld>
+    <p:spTree>
+      <p:nvGrpSpPr>
+        <p:cNvPr id="1" name=""/>
+        <p:cNvGrpSpPr/>
+        <p:nvPr/>
+      </p:nvGrpSpPr>
+      <p:grpSpPr>
+        <a:xfrm>
+          <a:off x="0" y="0"/>
+          <a:ext cx="0" cy="0"/>
+          <a:chOff x="0" y="0"/>
+          <a:chExt cx="0" cy="0"/>
+        </a:xfrm>
+      </p:grpSpPr>
+      <p:sp>
+        <p:nvSpPr>
+          <p:cNvPr id="22" name="Can 21">
+            <a:extLst>
+              <a:ext uri="{FF2B5EF4-FFF2-40B4-BE49-F238E27FC236}">
+                <a16:creationId xmlns:a16="http://schemas.microsoft.com/office/drawing/2014/main" id="{80B3E943-445B-F936-12D0-D3FAD8707844}"/>
+              </a:ext>
+            </a:extLst>
+          </p:cNvPr>
+          <p:cNvSpPr/>
+          <p:nvPr/>
+        </p:nvSpPr>
+        <p:spPr>
+          <a:xfrm>
+            <a:off x="5675334" y="2015413"/>
+            <a:ext cx="1816924" cy="3666321"/>
+          </a:xfrm>
+          <a:prstGeom prst="can">
+            <a:avLst/>
+          </a:prstGeom>
+          <a:gradFill flip="none" rotWithShape="1">
+            <a:gsLst>
+              <a:gs pos="0">
+                <a:schemeClr val="accent1">
+                  <a:lumMod val="5000"/>
+                  <a:lumOff val="95000"/>
+                </a:schemeClr>
+              </a:gs>
+              <a:gs pos="74000">
+                <a:schemeClr val="accent1">
+                  <a:lumMod val="45000"/>
+                  <a:lumOff val="55000"/>
+                </a:schemeClr>
+              </a:gs>
+              <a:gs pos="83000">
+                <a:schemeClr val="accent1">
+                  <a:lumMod val="45000"/>
+                  <a:lumOff val="55000"/>
+                </a:schemeClr>
+              </a:gs>
+              <a:gs pos="100000">
+                <a:schemeClr val="accent1">
+                  <a:lumMod val="30000"/>
+                  <a:lumOff val="70000"/>
+                </a:schemeClr>
+              </a:gs>
+            </a:gsLst>
+            <a:lin ang="10800000" scaled="1"/>
+            <a:tileRect/>
+          </a:gradFill>
+        </p:spPr>
+        <p:style>
+          <a:lnRef idx="2">
+            <a:schemeClr val="accent1">
+              <a:shade val="15000"/>
+            </a:schemeClr>
+          </a:lnRef>
+          <a:fillRef idx="1">
+            <a:schemeClr val="accent1"/>
+          </a:fillRef>
+          <a:effectRef idx="0">
+            <a:schemeClr val="accent1"/>
+          </a:effectRef>
+          <a:fontRef idx="minor">
+            <a:schemeClr val="lt1"/>
+          </a:fontRef>
+        </p:style>
+        <p:txBody>
+          <a:bodyPr rtlCol="0" anchor="ctr"/>
+          <a:lstStyle/>
+          <a:p>
+            <a:pPr algn="ctr"/>
+            <a:endParaRPr lang="en-ES"/>
+          </a:p>
+        </p:txBody>
+      </p:sp>
+      <p:cxnSp>
+        <p:nvCxnSpPr>
+          <p:cNvPr id="8" name="Straight Arrow Connector 7">
+            <a:extLst>
+              <a:ext uri="{FF2B5EF4-FFF2-40B4-BE49-F238E27FC236}">
+                <a16:creationId xmlns:a16="http://schemas.microsoft.com/office/drawing/2014/main" id="{07F70B38-E8A3-D7DF-F363-93F9932086BE}"/>
+              </a:ext>
+            </a:extLst>
+          </p:cNvPr>
+          <p:cNvCxnSpPr>
+            <a:cxnSpLocks/>
+          </p:cNvCxnSpPr>
+          <p:nvPr/>
+        </p:nvCxnSpPr>
+        <p:spPr>
+          <a:xfrm flipV="1">
+            <a:off x="6575916" y="760313"/>
+            <a:ext cx="0" cy="3192045"/>
+          </a:xfrm>
+          <a:prstGeom prst="straightConnector1">
+            <a:avLst/>
+          </a:prstGeom>
+          <a:ln w="38100">
+            <a:tailEnd type="triangle"/>
+          </a:ln>
+        </p:spPr>
+        <p:style>
+          <a:lnRef idx="2">
+            <a:schemeClr val="accent1"/>
+          </a:lnRef>
+          <a:fillRef idx="0">
+            <a:schemeClr val="accent1"/>
+          </a:fillRef>
+          <a:effectRef idx="1">
+            <a:schemeClr val="accent1"/>
+          </a:effectRef>
+          <a:fontRef idx="minor">
+            <a:schemeClr val="tx1"/>
+          </a:fontRef>
+        </p:style>
+      </p:cxnSp>
+      <p:cxnSp>
+        <p:nvCxnSpPr>
+          <p:cNvPr id="9" name="Straight Arrow Connector 8">
+            <a:extLst>
+              <a:ext uri="{FF2B5EF4-FFF2-40B4-BE49-F238E27FC236}">
+                <a16:creationId xmlns:a16="http://schemas.microsoft.com/office/drawing/2014/main" id="{B3CC1E23-28A9-6BCC-BE20-5C1B057C7AF4}"/>
+              </a:ext>
+            </a:extLst>
+          </p:cNvPr>
+          <p:cNvCxnSpPr>
+            <a:cxnSpLocks/>
+          </p:cNvCxnSpPr>
+          <p:nvPr/>
+        </p:nvCxnSpPr>
+        <p:spPr>
+          <a:xfrm flipH="1">
+            <a:off x="4980093" y="3938504"/>
+            <a:ext cx="1605720" cy="1260762"/>
+          </a:xfrm>
+          <a:prstGeom prst="straightConnector1">
+            <a:avLst/>
+          </a:prstGeom>
+          <a:ln w="38100">
+            <a:tailEnd type="triangle"/>
+          </a:ln>
+        </p:spPr>
+        <p:style>
+          <a:lnRef idx="2">
+            <a:schemeClr val="accent1"/>
+          </a:lnRef>
+          <a:fillRef idx="0">
+            <a:schemeClr val="accent1"/>
+          </a:fillRef>
+          <a:effectRef idx="1">
+            <a:schemeClr val="accent1"/>
+          </a:effectRef>
+          <a:fontRef idx="minor">
+            <a:schemeClr val="tx1"/>
+          </a:fontRef>
+        </p:style>
+      </p:cxnSp>
+      <p:cxnSp>
+        <p:nvCxnSpPr>
+          <p:cNvPr id="10" name="Straight Arrow Connector 9">
+            <a:extLst>
+              <a:ext uri="{FF2B5EF4-FFF2-40B4-BE49-F238E27FC236}">
+                <a16:creationId xmlns:a16="http://schemas.microsoft.com/office/drawing/2014/main" id="{7A76A70B-A609-E30A-E1B0-FA83F69C856B}"/>
+              </a:ext>
+            </a:extLst>
+          </p:cNvPr>
+          <p:cNvCxnSpPr>
+            <a:cxnSpLocks/>
+          </p:cNvCxnSpPr>
+          <p:nvPr/>
+        </p:nvCxnSpPr>
+        <p:spPr>
+          <a:xfrm>
+            <a:off x="6557534" y="3960277"/>
+            <a:ext cx="1783276" cy="0"/>
+          </a:xfrm>
+          <a:prstGeom prst="straightConnector1">
+            <a:avLst/>
+          </a:prstGeom>
+          <a:ln w="38100">
+            <a:tailEnd type="triangle"/>
+          </a:ln>
+        </p:spPr>
+        <p:style>
+          <a:lnRef idx="2">
+            <a:schemeClr val="accent1"/>
+          </a:lnRef>
+          <a:fillRef idx="0">
+            <a:schemeClr val="accent1"/>
+          </a:fillRef>
+          <a:effectRef idx="1">
+            <a:schemeClr val="accent1"/>
+          </a:effectRef>
+          <a:fontRef idx="minor">
+            <a:schemeClr val="tx1"/>
+          </a:fontRef>
+        </p:style>
+      </p:cxnSp>
+      <p:sp>
+        <p:nvSpPr>
+          <p:cNvPr id="13" name="TextBox 12">
+            <a:extLst>
+              <a:ext uri="{FF2B5EF4-FFF2-40B4-BE49-F238E27FC236}">
+                <a16:creationId xmlns:a16="http://schemas.microsoft.com/office/drawing/2014/main" id="{FACD9C23-894B-1D30-C745-03602F4000CA}"/>
+              </a:ext>
+            </a:extLst>
+          </p:cNvPr>
+          <p:cNvSpPr txBox="1"/>
+          <p:nvPr/>
+        </p:nvSpPr>
+        <p:spPr>
+          <a:xfrm>
+            <a:off x="4856750" y="4515993"/>
+            <a:ext cx="365806" cy="584775"/>
+          </a:xfrm>
+          <a:prstGeom prst="rect">
+            <a:avLst/>
+          </a:prstGeom>
+          <a:noFill/>
+        </p:spPr>
+        <p:txBody>
+          <a:bodyPr wrap="square" rtlCol="0">
+            <a:spAutoFit/>
+          </a:bodyPr>
+          <a:lstStyle/>
+          <a:p>
+            <a:r>
+              <a:rPr lang="en-ES" sz="3200" dirty="0"/>
+              <a:t>x</a:t>
+            </a:r>
+            <a:endParaRPr lang="en-ES" dirty="0"/>
+          </a:p>
+        </p:txBody>
+      </p:sp>
+      <p:sp>
+        <p:nvSpPr>
+          <p:cNvPr id="14" name="TextBox 13">
+            <a:extLst>
+              <a:ext uri="{FF2B5EF4-FFF2-40B4-BE49-F238E27FC236}">
+                <a16:creationId xmlns:a16="http://schemas.microsoft.com/office/drawing/2014/main" id="{3694A896-740D-849F-C810-84BB5A636B43}"/>
+              </a:ext>
+            </a:extLst>
+          </p:cNvPr>
+          <p:cNvSpPr txBox="1"/>
+          <p:nvPr/>
+        </p:nvSpPr>
+        <p:spPr>
+          <a:xfrm>
+            <a:off x="8290959" y="3386639"/>
+            <a:ext cx="370614" cy="584775"/>
+          </a:xfrm>
+          <a:prstGeom prst="rect">
+            <a:avLst/>
+          </a:prstGeom>
+          <a:noFill/>
+        </p:spPr>
+        <p:txBody>
+          <a:bodyPr wrap="square" rtlCol="0">
+            <a:spAutoFit/>
+          </a:bodyPr>
+          <a:lstStyle/>
+          <a:p>
+            <a:r>
+              <a:rPr lang="en-ES" sz="3200" dirty="0"/>
+              <a:t>y</a:t>
+            </a:r>
+            <a:endParaRPr lang="en-ES" dirty="0"/>
+          </a:p>
+        </p:txBody>
+      </p:sp>
+      <p:sp>
+        <p:nvSpPr>
+          <p:cNvPr id="15" name="TextBox 14">
+            <a:extLst>
+              <a:ext uri="{FF2B5EF4-FFF2-40B4-BE49-F238E27FC236}">
+                <a16:creationId xmlns:a16="http://schemas.microsoft.com/office/drawing/2014/main" id="{16C5A542-8C42-9ED6-850A-AD050661EC70}"/>
+              </a:ext>
+            </a:extLst>
+          </p:cNvPr>
+          <p:cNvSpPr txBox="1"/>
+          <p:nvPr/>
+        </p:nvSpPr>
+        <p:spPr>
+          <a:xfrm>
+            <a:off x="6198229" y="385520"/>
+            <a:ext cx="364202" cy="584775"/>
+          </a:xfrm>
+          <a:prstGeom prst="rect">
+            <a:avLst/>
+          </a:prstGeom>
+          <a:noFill/>
+        </p:spPr>
+        <p:txBody>
+          <a:bodyPr wrap="square" rtlCol="0">
+            <a:spAutoFit/>
+          </a:bodyPr>
+          <a:lstStyle/>
+          <a:p>
+            <a:r>
+              <a:rPr lang="en-ES" sz="3200" dirty="0"/>
+              <a:t>z</a:t>
+            </a:r>
+            <a:endParaRPr lang="en-ES" dirty="0"/>
+          </a:p>
+        </p:txBody>
+      </p:sp>
+      <p:cxnSp>
+        <p:nvCxnSpPr>
+          <p:cNvPr id="26" name="Straight Arrow Connector 25">
+            <a:extLst>
+              <a:ext uri="{FF2B5EF4-FFF2-40B4-BE49-F238E27FC236}">
+                <a16:creationId xmlns:a16="http://schemas.microsoft.com/office/drawing/2014/main" id="{E559CAB3-AA63-1E87-3C34-E37F3C69FD9C}"/>
+              </a:ext>
+            </a:extLst>
+          </p:cNvPr>
+          <p:cNvCxnSpPr>
+            <a:cxnSpLocks/>
+          </p:cNvCxnSpPr>
+          <p:nvPr/>
+        </p:nvCxnSpPr>
+        <p:spPr>
+          <a:xfrm flipV="1">
+            <a:off x="6579800" y="2947256"/>
+            <a:ext cx="0" cy="1031378"/>
+          </a:xfrm>
+          <a:prstGeom prst="straightConnector1">
+            <a:avLst/>
+          </a:prstGeom>
+          <a:ln w="57150">
+            <a:solidFill>
+              <a:schemeClr val="tx1"/>
+            </a:solidFill>
+            <a:tailEnd type="triangle"/>
+          </a:ln>
+        </p:spPr>
+        <p:style>
+          <a:lnRef idx="2">
+            <a:schemeClr val="accent1"/>
+          </a:lnRef>
+          <a:fillRef idx="0">
+            <a:schemeClr val="accent1"/>
+          </a:fillRef>
+          <a:effectRef idx="1">
+            <a:schemeClr val="accent1"/>
+          </a:effectRef>
+          <a:fontRef idx="minor">
+            <a:schemeClr val="tx1"/>
+          </a:fontRef>
+        </p:style>
+      </p:cxnSp>
+      <p:sp>
+        <p:nvSpPr>
+          <p:cNvPr id="28" name="TextBox 27">
+            <a:extLst>
+              <a:ext uri="{FF2B5EF4-FFF2-40B4-BE49-F238E27FC236}">
+                <a16:creationId xmlns:a16="http://schemas.microsoft.com/office/drawing/2014/main" id="{B7BB9EBD-1C30-B6ED-F8D9-6C31D8FA9125}"/>
+              </a:ext>
+            </a:extLst>
+          </p:cNvPr>
+          <p:cNvSpPr txBox="1"/>
+          <p:nvPr/>
+        </p:nvSpPr>
+        <p:spPr>
+          <a:xfrm>
+            <a:off x="6614789" y="2681680"/>
+            <a:ext cx="450764" cy="584775"/>
+          </a:xfrm>
+          <a:prstGeom prst="rect">
+            <a:avLst/>
+          </a:prstGeom>
+          <a:noFill/>
+        </p:spPr>
+        <p:txBody>
+          <a:bodyPr wrap="square" rtlCol="0">
+            <a:spAutoFit/>
+          </a:bodyPr>
+          <a:lstStyle/>
+          <a:p>
+            <a:r>
+              <a:rPr lang="en-GB" sz="3200" dirty="0"/>
+              <a:t>z</a:t>
+            </a:r>
+            <a:r>
+              <a:rPr lang="en-ES" sz="3200" dirty="0"/>
+              <a:t>'</a:t>
+            </a:r>
+            <a:endParaRPr lang="en-ES" dirty="0"/>
+          </a:p>
+        </p:txBody>
+      </p:sp>
+      <p:grpSp>
+        <p:nvGrpSpPr>
+          <p:cNvPr id="33" name="Group 32">
+            <a:extLst>
+              <a:ext uri="{FF2B5EF4-FFF2-40B4-BE49-F238E27FC236}">
+                <a16:creationId xmlns:a16="http://schemas.microsoft.com/office/drawing/2014/main" id="{A0080567-B3E8-6AD8-128A-10D3F4DE0ADA}"/>
+              </a:ext>
+            </a:extLst>
+          </p:cNvPr>
+          <p:cNvGrpSpPr/>
+          <p:nvPr/>
+        </p:nvGrpSpPr>
+        <p:grpSpPr>
+          <a:xfrm>
+            <a:off x="5661154" y="2705069"/>
+            <a:ext cx="1835285" cy="609600"/>
+            <a:chOff x="5107021" y="1342417"/>
+            <a:chExt cx="1835285" cy="609600"/>
+          </a:xfrm>
+        </p:grpSpPr>
+        <p:sp>
+          <p:nvSpPr>
+            <p:cNvPr id="31" name="Oval 30">
+              <a:extLst>
+                <a:ext uri="{FF2B5EF4-FFF2-40B4-BE49-F238E27FC236}">
+                  <a16:creationId xmlns:a16="http://schemas.microsoft.com/office/drawing/2014/main" id="{083778A3-7DE1-75AD-E146-1946A438CD3D}"/>
+                </a:ext>
+              </a:extLst>
+            </p:cNvPr>
+            <p:cNvSpPr/>
+            <p:nvPr/>
+          </p:nvSpPr>
+          <p:spPr>
+            <a:xfrm>
+              <a:off x="5107021" y="1342417"/>
+              <a:ext cx="1828800" cy="476655"/>
+            </a:xfrm>
+            <a:prstGeom prst="ellipse">
+              <a:avLst/>
+            </a:prstGeom>
+            <a:noFill/>
+            <a:ln>
+              <a:prstDash val="sysDash"/>
+            </a:ln>
+          </p:spPr>
+          <p:style>
+            <a:lnRef idx="2">
+              <a:schemeClr val="accent1">
+                <a:shade val="15000"/>
+              </a:schemeClr>
+            </a:lnRef>
+            <a:fillRef idx="1">
+              <a:schemeClr val="accent1"/>
+            </a:fillRef>
+            <a:effectRef idx="0">
+              <a:schemeClr val="accent1"/>
+            </a:effectRef>
+            <a:fontRef idx="minor">
+              <a:schemeClr val="lt1"/>
+            </a:fontRef>
+          </p:style>
+          <p:txBody>
+            <a:bodyPr rtlCol="0" anchor="ctr"/>
+            <a:lstStyle/>
+            <a:p>
+              <a:pPr algn="ctr"/>
+              <a:endParaRPr lang="en-ES"/>
+            </a:p>
+          </p:txBody>
+        </p:sp>
+        <p:sp>
+          <p:nvSpPr>
+            <p:cNvPr id="32" name="Oval 31">
+              <a:extLst>
+                <a:ext uri="{FF2B5EF4-FFF2-40B4-BE49-F238E27FC236}">
+                  <a16:creationId xmlns:a16="http://schemas.microsoft.com/office/drawing/2014/main" id="{69005D1F-BDA2-DFED-FBFA-4F9B913C5C70}"/>
+                </a:ext>
+              </a:extLst>
+            </p:cNvPr>
+            <p:cNvSpPr/>
+            <p:nvPr/>
+          </p:nvSpPr>
+          <p:spPr>
+            <a:xfrm>
+              <a:off x="5113506" y="1475362"/>
+              <a:ext cx="1828800" cy="476655"/>
+            </a:xfrm>
+            <a:prstGeom prst="ellipse">
+              <a:avLst/>
+            </a:prstGeom>
+            <a:noFill/>
+            <a:ln>
+              <a:prstDash val="sysDash"/>
+            </a:ln>
+          </p:spPr>
+          <p:style>
+            <a:lnRef idx="2">
+              <a:schemeClr val="accent1">
+                <a:shade val="15000"/>
+              </a:schemeClr>
+            </a:lnRef>
+            <a:fillRef idx="1">
+              <a:schemeClr val="accent1"/>
+            </a:fillRef>
+            <a:effectRef idx="0">
+              <a:schemeClr val="accent1"/>
+            </a:effectRef>
+            <a:fontRef idx="minor">
+              <a:schemeClr val="lt1"/>
+            </a:fontRef>
+          </p:style>
+          <p:txBody>
+            <a:bodyPr rtlCol="0" anchor="ctr"/>
+            <a:lstStyle/>
+            <a:p>
+              <a:pPr algn="ctr"/>
+              <a:endParaRPr lang="en-ES"/>
+            </a:p>
+          </p:txBody>
+        </p:sp>
+      </p:grpSp>
+      <p:sp>
+        <p:nvSpPr>
+          <p:cNvPr id="34" name="Left Bracket 33">
+            <a:extLst>
+              <a:ext uri="{FF2B5EF4-FFF2-40B4-BE49-F238E27FC236}">
+                <a16:creationId xmlns:a16="http://schemas.microsoft.com/office/drawing/2014/main" id="{1E7C2054-8342-EEDF-D251-E19FBF0C1E6B}"/>
+              </a:ext>
+            </a:extLst>
+          </p:cNvPr>
+          <p:cNvSpPr/>
+          <p:nvPr/>
+        </p:nvSpPr>
+        <p:spPr>
+          <a:xfrm>
+            <a:off x="5456118" y="2924259"/>
+            <a:ext cx="156398" cy="199101"/>
+          </a:xfrm>
+          <a:prstGeom prst="leftBracket">
+            <a:avLst/>
+          </a:prstGeom>
+          <a:ln w="38100"/>
+        </p:spPr>
+        <p:style>
+          <a:lnRef idx="2">
+            <a:schemeClr val="accent1"/>
+          </a:lnRef>
+          <a:fillRef idx="0">
+            <a:schemeClr val="accent1"/>
+          </a:fillRef>
+          <a:effectRef idx="1">
+            <a:schemeClr val="accent1"/>
+          </a:effectRef>
+          <a:fontRef idx="minor">
+            <a:schemeClr val="tx1"/>
+          </a:fontRef>
+        </p:style>
+        <p:txBody>
+          <a:bodyPr rtlCol="0" anchor="ctr"/>
+          <a:lstStyle/>
+          <a:p>
+            <a:pPr algn="ctr"/>
+            <a:endParaRPr lang="en-ES" dirty="0"/>
+          </a:p>
+        </p:txBody>
+      </p:sp>
+      <p:sp>
+        <p:nvSpPr>
+          <p:cNvPr id="35" name="TextBox 34">
+            <a:extLst>
+              <a:ext uri="{FF2B5EF4-FFF2-40B4-BE49-F238E27FC236}">
+                <a16:creationId xmlns:a16="http://schemas.microsoft.com/office/drawing/2014/main" id="{EFAF11EC-7A15-21FD-1B99-37FC0C43EDE3}"/>
+              </a:ext>
+            </a:extLst>
+          </p:cNvPr>
+          <p:cNvSpPr txBox="1"/>
+          <p:nvPr/>
+        </p:nvSpPr>
+        <p:spPr>
+          <a:xfrm>
+            <a:off x="4824577" y="2627877"/>
+            <a:ext cx="988178" cy="584775"/>
+          </a:xfrm>
+          <a:prstGeom prst="rect">
+            <a:avLst/>
+          </a:prstGeom>
+          <a:noFill/>
+        </p:spPr>
+        <p:txBody>
+          <a:bodyPr wrap="square" rtlCol="0">
+            <a:spAutoFit/>
+          </a:bodyPr>
+          <a:lstStyle/>
+          <a:p>
+            <a:r>
+              <a:rPr lang="en-GB" sz="3200" dirty="0"/>
+              <a:t>d</a:t>
+            </a:r>
+            <a:r>
+              <a:rPr lang="en-ES" sz="3200" dirty="0"/>
+              <a:t>z'</a:t>
+            </a:r>
+            <a:endParaRPr lang="en-ES" sz="3200" baseline="-25000" dirty="0"/>
+          </a:p>
+        </p:txBody>
+      </p:sp>
+      <p:sp>
+        <p:nvSpPr>
+          <p:cNvPr id="36" name="Left Bracket 35">
+            <a:extLst>
+              <a:ext uri="{FF2B5EF4-FFF2-40B4-BE49-F238E27FC236}">
+                <a16:creationId xmlns:a16="http://schemas.microsoft.com/office/drawing/2014/main" id="{BCDF7685-657D-B3F2-1554-4AF4E72D2770}"/>
+              </a:ext>
+            </a:extLst>
+          </p:cNvPr>
+          <p:cNvSpPr/>
+          <p:nvPr/>
+        </p:nvSpPr>
+        <p:spPr>
+          <a:xfrm rot="10800000">
+            <a:off x="7556255" y="2268093"/>
+            <a:ext cx="213288" cy="3199933"/>
+          </a:xfrm>
+          <a:prstGeom prst="leftBracket">
+            <a:avLst/>
+          </a:prstGeom>
+          <a:ln w="38100"/>
+        </p:spPr>
+        <p:style>
+          <a:lnRef idx="2">
+            <a:schemeClr val="accent1"/>
+          </a:lnRef>
+          <a:fillRef idx="0">
+            <a:schemeClr val="accent1"/>
+          </a:fillRef>
+          <a:effectRef idx="1">
+            <a:schemeClr val="accent1"/>
+          </a:effectRef>
+          <a:fontRef idx="minor">
+            <a:schemeClr val="tx1"/>
+          </a:fontRef>
+        </p:style>
+        <p:txBody>
+          <a:bodyPr rtlCol="0" anchor="ctr"/>
+          <a:lstStyle/>
+          <a:p>
+            <a:pPr algn="ctr"/>
+            <a:endParaRPr lang="en-ES" dirty="0"/>
+          </a:p>
+        </p:txBody>
+      </p:sp>
+      <p:sp>
+        <p:nvSpPr>
+          <p:cNvPr id="37" name="Left Bracket 36">
+            <a:extLst>
+              <a:ext uri="{FF2B5EF4-FFF2-40B4-BE49-F238E27FC236}">
+                <a16:creationId xmlns:a16="http://schemas.microsoft.com/office/drawing/2014/main" id="{560C2E30-ECF5-996E-02BB-5FB0103131E6}"/>
+              </a:ext>
+            </a:extLst>
+          </p:cNvPr>
+          <p:cNvSpPr/>
+          <p:nvPr/>
+        </p:nvSpPr>
+        <p:spPr>
+          <a:xfrm rot="16200000">
+            <a:off x="6944001" y="5356407"/>
+            <a:ext cx="199382" cy="904818"/>
+          </a:xfrm>
+          <a:prstGeom prst="leftBracket">
+            <a:avLst/>
+          </a:prstGeom>
+          <a:ln w="38100"/>
+        </p:spPr>
+        <p:style>
+          <a:lnRef idx="2">
+            <a:schemeClr val="accent1"/>
+          </a:lnRef>
+          <a:fillRef idx="0">
+            <a:schemeClr val="accent1"/>
+          </a:fillRef>
+          <a:effectRef idx="1">
+            <a:schemeClr val="accent1"/>
+          </a:effectRef>
+          <a:fontRef idx="minor">
+            <a:schemeClr val="tx1"/>
+          </a:fontRef>
+        </p:style>
+        <p:txBody>
+          <a:bodyPr rtlCol="0" anchor="ctr"/>
+          <a:lstStyle/>
+          <a:p>
+            <a:pPr algn="ctr"/>
+            <a:endParaRPr lang="en-ES" dirty="0"/>
+          </a:p>
+        </p:txBody>
+      </p:sp>
+      <p:sp>
+        <p:nvSpPr>
+          <p:cNvPr id="38" name="TextBox 37">
+            <a:extLst>
+              <a:ext uri="{FF2B5EF4-FFF2-40B4-BE49-F238E27FC236}">
+                <a16:creationId xmlns:a16="http://schemas.microsoft.com/office/drawing/2014/main" id="{80F73788-7C4F-FABF-CCFD-A7971642894D}"/>
+              </a:ext>
+            </a:extLst>
+          </p:cNvPr>
+          <p:cNvSpPr txBox="1"/>
+          <p:nvPr/>
+        </p:nvSpPr>
+        <p:spPr>
+          <a:xfrm>
+            <a:off x="7729754" y="3458174"/>
+            <a:ext cx="389850" cy="584775"/>
+          </a:xfrm>
+          <a:prstGeom prst="rect">
+            <a:avLst/>
+          </a:prstGeom>
+          <a:noFill/>
+        </p:spPr>
+        <p:txBody>
+          <a:bodyPr wrap="square" rtlCol="0">
+            <a:spAutoFit/>
+          </a:bodyPr>
+          <a:lstStyle/>
+          <a:p>
+            <a:r>
+              <a:rPr lang="en-ES" sz="3200" dirty="0"/>
+              <a:t>L</a:t>
+            </a:r>
+            <a:endParaRPr lang="en-ES" dirty="0"/>
+          </a:p>
+        </p:txBody>
+      </p:sp>
+      <p:sp>
+        <p:nvSpPr>
+          <p:cNvPr id="39" name="TextBox 38">
+            <a:extLst>
+              <a:ext uri="{FF2B5EF4-FFF2-40B4-BE49-F238E27FC236}">
+                <a16:creationId xmlns:a16="http://schemas.microsoft.com/office/drawing/2014/main" id="{7B0363E2-9756-6738-8E3D-C98B634D53E8}"/>
+              </a:ext>
+            </a:extLst>
+          </p:cNvPr>
+          <p:cNvSpPr txBox="1"/>
+          <p:nvPr/>
+        </p:nvSpPr>
+        <p:spPr>
+          <a:xfrm>
+            <a:off x="6835563" y="5759901"/>
+            <a:ext cx="492094" cy="584775"/>
+          </a:xfrm>
+          <a:prstGeom prst="rect">
+            <a:avLst/>
+          </a:prstGeom>
+          <a:noFill/>
+        </p:spPr>
+        <p:txBody>
+          <a:bodyPr wrap="square" rtlCol="0">
+            <a:spAutoFit/>
+          </a:bodyPr>
+          <a:lstStyle/>
+          <a:p>
+            <a:r>
+              <a:rPr lang="en-ES" sz="3200" dirty="0"/>
+              <a:t>a</a:t>
+            </a:r>
+            <a:endParaRPr lang="en-ES" dirty="0"/>
+          </a:p>
+        </p:txBody>
+      </p:sp>
+      <p:sp>
+        <p:nvSpPr>
+          <p:cNvPr id="2" name="Title 1">
+            <a:extLst>
+              <a:ext uri="{FF2B5EF4-FFF2-40B4-BE49-F238E27FC236}">
+                <a16:creationId xmlns:a16="http://schemas.microsoft.com/office/drawing/2014/main" id="{024395E7-2D77-5B51-5D3D-9969E2D3FF41}"/>
+              </a:ext>
+            </a:extLst>
+          </p:cNvPr>
+          <p:cNvSpPr txBox="1">
+            <a:spLocks/>
+          </p:cNvSpPr>
+          <p:nvPr/>
+        </p:nvSpPr>
+        <p:spPr>
+          <a:xfrm>
+            <a:off x="838200" y="365125"/>
+            <a:ext cx="10515600" cy="1325563"/>
+          </a:xfrm>
+          <a:prstGeom prst="rect">
+            <a:avLst/>
+          </a:prstGeom>
+        </p:spPr>
+        <p:txBody>
+          <a:bodyPr/>
+          <a:lstStyle>
+            <a:lvl1pPr algn="l" defTabSz="914400" rtl="0" eaLnBrk="1" latinLnBrk="0" hangingPunct="1">
+              <a:lnSpc>
+                <a:spcPct val="90000"/>
+              </a:lnSpc>
+              <a:spcBef>
+                <a:spcPct val="0"/>
+              </a:spcBef>
+              <a:buNone/>
+              <a:defRPr sz="4400" kern="1200">
+                <a:solidFill>
+                  <a:schemeClr val="tx1"/>
+                </a:solidFill>
+                <a:latin typeface="+mj-lt"/>
+                <a:ea typeface="+mj-ea"/>
+                <a:cs typeface="+mj-cs"/>
+              </a:defRPr>
+            </a:lvl1pPr>
+          </a:lstStyle>
+          <a:p>
+            <a:r>
+              <a:rPr lang="en-ES" dirty="0"/>
+              <a:t>B4.S8.2</a:t>
+            </a:r>
+          </a:p>
+        </p:txBody>
+      </p:sp>
+      <p:sp>
+        <p:nvSpPr>
+          <p:cNvPr id="11" name="TextBox 10">
+            <a:extLst>
+              <a:ext uri="{FF2B5EF4-FFF2-40B4-BE49-F238E27FC236}">
+                <a16:creationId xmlns:a16="http://schemas.microsoft.com/office/drawing/2014/main" id="{4936BEDD-0453-7CBC-1897-4C3A4A6C5F89}"/>
+              </a:ext>
+            </a:extLst>
+          </p:cNvPr>
+          <p:cNvSpPr txBox="1"/>
+          <p:nvPr/>
+        </p:nvSpPr>
+        <p:spPr>
+          <a:xfrm>
+            <a:off x="6514620" y="4033850"/>
+            <a:ext cx="481222" cy="584775"/>
+          </a:xfrm>
+          <a:prstGeom prst="rect">
+            <a:avLst/>
+          </a:prstGeom>
+          <a:noFill/>
+        </p:spPr>
+        <p:txBody>
+          <a:bodyPr wrap="square" rtlCol="0">
+            <a:spAutoFit/>
+          </a:bodyPr>
+          <a:lstStyle/>
+          <a:p>
+            <a:r>
+              <a:rPr lang="en-ES" sz="3200" dirty="0"/>
+              <a:t>j</a:t>
+            </a:r>
+            <a:endParaRPr lang="en-ES" dirty="0"/>
+          </a:p>
+        </p:txBody>
+      </p:sp>
+      <p:sp>
+        <p:nvSpPr>
+          <p:cNvPr id="12" name="Arc 11">
+            <a:extLst>
+              <a:ext uri="{FF2B5EF4-FFF2-40B4-BE49-F238E27FC236}">
+                <a16:creationId xmlns:a16="http://schemas.microsoft.com/office/drawing/2014/main" id="{CF23ACBE-C3A1-9961-4700-03C8253FEBD2}"/>
+              </a:ext>
+            </a:extLst>
+          </p:cNvPr>
+          <p:cNvSpPr/>
+          <p:nvPr/>
+        </p:nvSpPr>
+        <p:spPr>
+          <a:xfrm>
+            <a:off x="5668569" y="3184873"/>
+            <a:ext cx="1814693" cy="439923"/>
+          </a:xfrm>
+          <a:prstGeom prst="arc">
+            <a:avLst>
+              <a:gd name="adj1" fmla="val 599473"/>
+              <a:gd name="adj2" fmla="val 2388765"/>
+            </a:avLst>
+          </a:prstGeom>
+          <a:ln w="38100">
+            <a:solidFill>
+              <a:schemeClr val="tx1"/>
+            </a:solidFill>
+            <a:prstDash val="solid"/>
+            <a:headEnd type="arrow" w="med" len="med"/>
+            <a:tailEnd type="none" w="med" len="med"/>
+          </a:ln>
+        </p:spPr>
+        <p:style>
+          <a:lnRef idx="2">
+            <a:schemeClr val="accent1"/>
+          </a:lnRef>
+          <a:fillRef idx="0">
+            <a:schemeClr val="accent1"/>
+          </a:fillRef>
+          <a:effectRef idx="1">
+            <a:schemeClr val="accent1"/>
+          </a:effectRef>
+          <a:fontRef idx="minor">
+            <a:schemeClr val="tx1"/>
+          </a:fontRef>
+        </p:style>
+        <p:txBody>
+          <a:bodyPr rtlCol="0" anchor="ctr"/>
+          <a:lstStyle/>
+          <a:p>
+            <a:pPr algn="ctr"/>
+            <a:endParaRPr lang="en-ES"/>
+          </a:p>
+        </p:txBody>
+      </p:sp>
+      <p:sp>
+        <p:nvSpPr>
+          <p:cNvPr id="16" name="Arc 15">
+            <a:extLst>
+              <a:ext uri="{FF2B5EF4-FFF2-40B4-BE49-F238E27FC236}">
+                <a16:creationId xmlns:a16="http://schemas.microsoft.com/office/drawing/2014/main" id="{658B18BB-A1ED-F2CC-471E-A0982774368E}"/>
+              </a:ext>
+            </a:extLst>
+          </p:cNvPr>
+          <p:cNvSpPr/>
+          <p:nvPr/>
+        </p:nvSpPr>
+        <p:spPr>
+          <a:xfrm>
+            <a:off x="5659573" y="3456656"/>
+            <a:ext cx="1814693" cy="439923"/>
+          </a:xfrm>
+          <a:prstGeom prst="arc">
+            <a:avLst>
+              <a:gd name="adj1" fmla="val 599473"/>
+              <a:gd name="adj2" fmla="val 2388765"/>
+            </a:avLst>
+          </a:prstGeom>
+          <a:ln w="38100">
+            <a:solidFill>
+              <a:schemeClr val="tx1"/>
+            </a:solidFill>
+            <a:prstDash val="solid"/>
+            <a:headEnd type="arrow" w="med" len="med"/>
+            <a:tailEnd type="none" w="med" len="med"/>
+          </a:ln>
+        </p:spPr>
+        <p:style>
+          <a:lnRef idx="2">
+            <a:schemeClr val="accent1"/>
+          </a:lnRef>
+          <a:fillRef idx="0">
+            <a:schemeClr val="accent1"/>
+          </a:fillRef>
+          <a:effectRef idx="1">
+            <a:schemeClr val="accent1"/>
+          </a:effectRef>
+          <a:fontRef idx="minor">
+            <a:schemeClr val="tx1"/>
+          </a:fontRef>
+        </p:style>
+        <p:txBody>
+          <a:bodyPr rtlCol="0" anchor="ctr"/>
+          <a:lstStyle/>
+          <a:p>
+            <a:pPr algn="ctr"/>
+            <a:endParaRPr lang="en-ES"/>
+          </a:p>
+        </p:txBody>
+      </p:sp>
+      <p:sp>
+        <p:nvSpPr>
+          <p:cNvPr id="23" name="Arc 22">
+            <a:extLst>
+              <a:ext uri="{FF2B5EF4-FFF2-40B4-BE49-F238E27FC236}">
+                <a16:creationId xmlns:a16="http://schemas.microsoft.com/office/drawing/2014/main" id="{19414804-B944-E0EE-418E-3FD58A641200}"/>
+              </a:ext>
+            </a:extLst>
+          </p:cNvPr>
+          <p:cNvSpPr/>
+          <p:nvPr/>
+        </p:nvSpPr>
+        <p:spPr>
+          <a:xfrm>
+            <a:off x="5650577" y="3728439"/>
+            <a:ext cx="1814693" cy="439923"/>
+          </a:xfrm>
+          <a:prstGeom prst="arc">
+            <a:avLst>
+              <a:gd name="adj1" fmla="val 599473"/>
+              <a:gd name="adj2" fmla="val 2388765"/>
+            </a:avLst>
+          </a:prstGeom>
+          <a:ln w="38100">
+            <a:solidFill>
+              <a:schemeClr val="tx1"/>
+            </a:solidFill>
+            <a:prstDash val="solid"/>
+            <a:headEnd type="arrow" w="med" len="med"/>
+            <a:tailEnd type="none" w="med" len="med"/>
+          </a:ln>
+        </p:spPr>
+        <p:style>
+          <a:lnRef idx="2">
+            <a:schemeClr val="accent1"/>
+          </a:lnRef>
+          <a:fillRef idx="0">
+            <a:schemeClr val="accent1"/>
+          </a:fillRef>
+          <a:effectRef idx="1">
+            <a:schemeClr val="accent1"/>
+          </a:effectRef>
+          <a:fontRef idx="minor">
+            <a:schemeClr val="tx1"/>
+          </a:fontRef>
+        </p:style>
+        <p:txBody>
+          <a:bodyPr rtlCol="0" anchor="ctr"/>
+          <a:lstStyle/>
+          <a:p>
+            <a:pPr algn="ctr"/>
+            <a:endParaRPr lang="en-ES"/>
+          </a:p>
+        </p:txBody>
+      </p:sp>
+      <p:sp>
+        <p:nvSpPr>
+          <p:cNvPr id="25" name="Arc 24">
+            <a:extLst>
+              <a:ext uri="{FF2B5EF4-FFF2-40B4-BE49-F238E27FC236}">
+                <a16:creationId xmlns:a16="http://schemas.microsoft.com/office/drawing/2014/main" id="{61B99346-6684-DEF0-28F7-BE55A7986532}"/>
+              </a:ext>
+            </a:extLst>
+          </p:cNvPr>
+          <p:cNvSpPr/>
+          <p:nvPr/>
+        </p:nvSpPr>
+        <p:spPr>
+          <a:xfrm>
+            <a:off x="5641581" y="4000222"/>
+            <a:ext cx="1814693" cy="439923"/>
+          </a:xfrm>
+          <a:prstGeom prst="arc">
+            <a:avLst>
+              <a:gd name="adj1" fmla="val 599473"/>
+              <a:gd name="adj2" fmla="val 2388765"/>
+            </a:avLst>
+          </a:prstGeom>
+          <a:ln w="38100">
+            <a:solidFill>
+              <a:schemeClr val="tx1"/>
+            </a:solidFill>
+            <a:prstDash val="solid"/>
+            <a:headEnd type="arrow" w="med" len="med"/>
+            <a:tailEnd type="none" w="med" len="med"/>
+          </a:ln>
+        </p:spPr>
+        <p:style>
+          <a:lnRef idx="2">
+            <a:schemeClr val="accent1"/>
+          </a:lnRef>
+          <a:fillRef idx="0">
+            <a:schemeClr val="accent1"/>
+          </a:fillRef>
+          <a:effectRef idx="1">
+            <a:schemeClr val="accent1"/>
+          </a:effectRef>
+          <a:fontRef idx="minor">
+            <a:schemeClr val="tx1"/>
+          </a:fontRef>
+        </p:style>
+        <p:txBody>
+          <a:bodyPr rtlCol="0" anchor="ctr"/>
+          <a:lstStyle/>
+          <a:p>
+            <a:pPr algn="ctr"/>
+            <a:endParaRPr lang="en-ES"/>
+          </a:p>
+        </p:txBody>
+      </p:sp>
+      <p:sp>
+        <p:nvSpPr>
+          <p:cNvPr id="27" name="Arc 26">
+            <a:extLst>
+              <a:ext uri="{FF2B5EF4-FFF2-40B4-BE49-F238E27FC236}">
+                <a16:creationId xmlns:a16="http://schemas.microsoft.com/office/drawing/2014/main" id="{3DF80508-6DF3-2BD7-966E-6A31C990218A}"/>
+              </a:ext>
+            </a:extLst>
+          </p:cNvPr>
+          <p:cNvSpPr/>
+          <p:nvPr/>
+        </p:nvSpPr>
+        <p:spPr>
+          <a:xfrm>
+            <a:off x="5632585" y="4272005"/>
+            <a:ext cx="1814693" cy="439923"/>
+          </a:xfrm>
+          <a:prstGeom prst="arc">
+            <a:avLst>
+              <a:gd name="adj1" fmla="val 599473"/>
+              <a:gd name="adj2" fmla="val 2388765"/>
+            </a:avLst>
+          </a:prstGeom>
+          <a:ln w="38100">
+            <a:solidFill>
+              <a:schemeClr val="tx1"/>
+            </a:solidFill>
+            <a:prstDash val="solid"/>
+            <a:headEnd type="arrow" w="med" len="med"/>
+            <a:tailEnd type="none" w="med" len="med"/>
+          </a:ln>
+        </p:spPr>
+        <p:style>
+          <a:lnRef idx="2">
+            <a:schemeClr val="accent1"/>
+          </a:lnRef>
+          <a:fillRef idx="0">
+            <a:schemeClr val="accent1"/>
+          </a:fillRef>
+          <a:effectRef idx="1">
+            <a:schemeClr val="accent1"/>
+          </a:effectRef>
+          <a:fontRef idx="minor">
+            <a:schemeClr val="tx1"/>
+          </a:fontRef>
+        </p:style>
+        <p:txBody>
+          <a:bodyPr rtlCol="0" anchor="ctr"/>
+          <a:lstStyle/>
+          <a:p>
+            <a:pPr algn="ctr"/>
+            <a:endParaRPr lang="en-ES"/>
+          </a:p>
+        </p:txBody>
+      </p:sp>
+    </p:spTree>
+    <p:extLst>
+      <p:ext uri="{BB962C8B-B14F-4D97-AF65-F5344CB8AC3E}">
+        <p14:creationId xmlns:p14="http://schemas.microsoft.com/office/powerpoint/2010/main" val="2923227112"/>
+      </p:ext>
+    </p:extLst>
+  </p:cSld>
+  <p:clrMapOvr>
+    <a:masterClrMapping/>
+  </p:clrMapOvr>
+</p:sld>
+</file>
+
+<file path=ppt/slides/slide23.xml><?xml version="1.0" encoding="utf-8"?>
+<p:sld xmlns:a="http://schemas.openxmlformats.org/drawingml/2006/main" xmlns:r="http://schemas.openxmlformats.org/officeDocument/2006/relationships" xmlns:p="http://schemas.openxmlformats.org/presentationml/2006/main">
+  <p:cSld>
+    <p:spTree>
+      <p:nvGrpSpPr>
+        <p:cNvPr id="1" name=""/>
+        <p:cNvGrpSpPr/>
+        <p:nvPr/>
+      </p:nvGrpSpPr>
+      <p:grpSpPr>
+        <a:xfrm>
+          <a:off x="0" y="0"/>
+          <a:ext cx="0" cy="0"/>
+          <a:chOff x="0" y="0"/>
+          <a:chExt cx="0" cy="0"/>
+        </a:xfrm>
+      </p:grpSpPr>
+      <p:sp>
+        <p:nvSpPr>
           <p:cNvPr id="2" name="Doughnut 1">
             <a:extLst>
               <a:ext uri="{FF2B5EF4-FFF2-40B4-BE49-F238E27FC236}">
@@ -16634,7 +20785,7 @@
 </p:sld>
 </file>
 
-<file path=ppt/slides/slide21.xml><?xml version="1.0" encoding="utf-8"?>
+<file path=ppt/slides/slide24.xml><?xml version="1.0" encoding="utf-8"?>
 <p:sld xmlns:a="http://schemas.openxmlformats.org/drawingml/2006/main" xmlns:r="http://schemas.openxmlformats.org/officeDocument/2006/relationships" xmlns:p="http://schemas.openxmlformats.org/presentationml/2006/main">
   <p:cSld>
     <p:spTree>
@@ -17000,7 +21151,7 @@
 </p:sld>
 </file>
 
-<file path=ppt/slides/slide22.xml><?xml version="1.0" encoding="utf-8"?>
+<file path=ppt/slides/slide25.xml><?xml version="1.0" encoding="utf-8"?>
 <p:sld xmlns:a="http://schemas.openxmlformats.org/drawingml/2006/main" xmlns:r="http://schemas.openxmlformats.org/officeDocument/2006/relationships" xmlns:p="http://schemas.openxmlformats.org/presentationml/2006/main">
   <p:cSld>
     <p:spTree>
@@ -17683,7 +21834,7 @@
 </p:sld>
 </file>
 
-<file path=ppt/slides/slide23.xml><?xml version="1.0" encoding="utf-8"?>
+<file path=ppt/slides/slide26.xml><?xml version="1.0" encoding="utf-8"?>
 <p:sld xmlns:a="http://schemas.openxmlformats.org/drawingml/2006/main" xmlns:r="http://schemas.openxmlformats.org/officeDocument/2006/relationships" xmlns:p="http://schemas.openxmlformats.org/presentationml/2006/main">
   <p:cSld>
     <p:spTree>
@@ -18734,1020 +22885,7 @@
 </p:sld>
 </file>
 
-<file path=ppt/slides/slide24.xml><?xml version="1.0" encoding="utf-8"?>
-<p:sld xmlns:a="http://schemas.openxmlformats.org/drawingml/2006/main" xmlns:r="http://schemas.openxmlformats.org/officeDocument/2006/relationships" xmlns:p="http://schemas.openxmlformats.org/presentationml/2006/main">
-  <p:cSld>
-    <p:spTree>
-      <p:nvGrpSpPr>
-        <p:cNvPr id="1" name=""/>
-        <p:cNvGrpSpPr/>
-        <p:nvPr/>
-      </p:nvGrpSpPr>
-      <p:grpSpPr>
-        <a:xfrm>
-          <a:off x="0" y="0"/>
-          <a:ext cx="0" cy="0"/>
-          <a:chOff x="0" y="0"/>
-          <a:chExt cx="0" cy="0"/>
-        </a:xfrm>
-      </p:grpSpPr>
-      <p:sp>
-        <p:nvSpPr>
-          <p:cNvPr id="22" name="Can 21">
-            <a:extLst>
-              <a:ext uri="{FF2B5EF4-FFF2-40B4-BE49-F238E27FC236}">
-                <a16:creationId xmlns:a16="http://schemas.microsoft.com/office/drawing/2014/main" id="{80B3E943-445B-F936-12D0-D3FAD8707844}"/>
-              </a:ext>
-            </a:extLst>
-          </p:cNvPr>
-          <p:cNvSpPr/>
-          <p:nvPr/>
-        </p:nvSpPr>
-        <p:spPr>
-          <a:xfrm>
-            <a:off x="2630920" y="1732530"/>
-            <a:ext cx="1816924" cy="3666321"/>
-          </a:xfrm>
-          <a:prstGeom prst="can">
-            <a:avLst/>
-          </a:prstGeom>
-          <a:gradFill flip="none" rotWithShape="1">
-            <a:gsLst>
-              <a:gs pos="0">
-                <a:schemeClr val="accent1">
-                  <a:lumMod val="5000"/>
-                  <a:lumOff val="95000"/>
-                </a:schemeClr>
-              </a:gs>
-              <a:gs pos="74000">
-                <a:schemeClr val="accent1">
-                  <a:lumMod val="45000"/>
-                  <a:lumOff val="55000"/>
-                </a:schemeClr>
-              </a:gs>
-              <a:gs pos="83000">
-                <a:schemeClr val="accent1">
-                  <a:lumMod val="45000"/>
-                  <a:lumOff val="55000"/>
-                </a:schemeClr>
-              </a:gs>
-              <a:gs pos="100000">
-                <a:schemeClr val="accent1">
-                  <a:lumMod val="30000"/>
-                  <a:lumOff val="70000"/>
-                </a:schemeClr>
-              </a:gs>
-            </a:gsLst>
-            <a:lin ang="10800000" scaled="1"/>
-            <a:tileRect/>
-          </a:gradFill>
-        </p:spPr>
-        <p:style>
-          <a:lnRef idx="2">
-            <a:schemeClr val="accent1">
-              <a:shade val="15000"/>
-            </a:schemeClr>
-          </a:lnRef>
-          <a:fillRef idx="1">
-            <a:schemeClr val="accent1"/>
-          </a:fillRef>
-          <a:effectRef idx="0">
-            <a:schemeClr val="accent1"/>
-          </a:effectRef>
-          <a:fontRef idx="minor">
-            <a:schemeClr val="lt1"/>
-          </a:fontRef>
-        </p:style>
-        <p:txBody>
-          <a:bodyPr rtlCol="0" anchor="ctr"/>
-          <a:lstStyle/>
-          <a:p>
-            <a:pPr algn="ctr"/>
-            <a:endParaRPr lang="en-ES"/>
-          </a:p>
-        </p:txBody>
-      </p:sp>
-      <p:cxnSp>
-        <p:nvCxnSpPr>
-          <p:cNvPr id="8" name="Straight Arrow Connector 7">
-            <a:extLst>
-              <a:ext uri="{FF2B5EF4-FFF2-40B4-BE49-F238E27FC236}">
-                <a16:creationId xmlns:a16="http://schemas.microsoft.com/office/drawing/2014/main" id="{07F70B38-E8A3-D7DF-F363-93F9932086BE}"/>
-              </a:ext>
-            </a:extLst>
-          </p:cNvPr>
-          <p:cNvCxnSpPr>
-            <a:cxnSpLocks/>
-          </p:cNvCxnSpPr>
-          <p:nvPr/>
-        </p:nvCxnSpPr>
-        <p:spPr>
-          <a:xfrm flipV="1">
-            <a:off x="3531502" y="477430"/>
-            <a:ext cx="0" cy="3192045"/>
-          </a:xfrm>
-          <a:prstGeom prst="straightConnector1">
-            <a:avLst/>
-          </a:prstGeom>
-          <a:ln w="38100">
-            <a:tailEnd type="triangle"/>
-          </a:ln>
-        </p:spPr>
-        <p:style>
-          <a:lnRef idx="2">
-            <a:schemeClr val="accent1"/>
-          </a:lnRef>
-          <a:fillRef idx="0">
-            <a:schemeClr val="accent1"/>
-          </a:fillRef>
-          <a:effectRef idx="1">
-            <a:schemeClr val="accent1"/>
-          </a:effectRef>
-          <a:fontRef idx="minor">
-            <a:schemeClr val="tx1"/>
-          </a:fontRef>
-        </p:style>
-      </p:cxnSp>
-      <p:cxnSp>
-        <p:nvCxnSpPr>
-          <p:cNvPr id="9" name="Straight Arrow Connector 8">
-            <a:extLst>
-              <a:ext uri="{FF2B5EF4-FFF2-40B4-BE49-F238E27FC236}">
-                <a16:creationId xmlns:a16="http://schemas.microsoft.com/office/drawing/2014/main" id="{B3CC1E23-28A9-6BCC-BE20-5C1B057C7AF4}"/>
-              </a:ext>
-            </a:extLst>
-          </p:cNvPr>
-          <p:cNvCxnSpPr>
-            <a:cxnSpLocks/>
-          </p:cNvCxnSpPr>
-          <p:nvPr/>
-        </p:nvCxnSpPr>
-        <p:spPr>
-          <a:xfrm flipH="1">
-            <a:off x="1935679" y="3655621"/>
-            <a:ext cx="1605720" cy="1260762"/>
-          </a:xfrm>
-          <a:prstGeom prst="straightConnector1">
-            <a:avLst/>
-          </a:prstGeom>
-          <a:ln w="38100">
-            <a:tailEnd type="triangle"/>
-          </a:ln>
-        </p:spPr>
-        <p:style>
-          <a:lnRef idx="2">
-            <a:schemeClr val="accent1"/>
-          </a:lnRef>
-          <a:fillRef idx="0">
-            <a:schemeClr val="accent1"/>
-          </a:fillRef>
-          <a:effectRef idx="1">
-            <a:schemeClr val="accent1"/>
-          </a:effectRef>
-          <a:fontRef idx="minor">
-            <a:schemeClr val="tx1"/>
-          </a:fontRef>
-        </p:style>
-      </p:cxnSp>
-      <p:cxnSp>
-        <p:nvCxnSpPr>
-          <p:cNvPr id="10" name="Straight Arrow Connector 9">
-            <a:extLst>
-              <a:ext uri="{FF2B5EF4-FFF2-40B4-BE49-F238E27FC236}">
-                <a16:creationId xmlns:a16="http://schemas.microsoft.com/office/drawing/2014/main" id="{7A76A70B-A609-E30A-E1B0-FA83F69C856B}"/>
-              </a:ext>
-            </a:extLst>
-          </p:cNvPr>
-          <p:cNvCxnSpPr>
-            <a:cxnSpLocks/>
-          </p:cNvCxnSpPr>
-          <p:nvPr/>
-        </p:nvCxnSpPr>
-        <p:spPr>
-          <a:xfrm>
-            <a:off x="3513120" y="3677394"/>
-            <a:ext cx="1783276" cy="0"/>
-          </a:xfrm>
-          <a:prstGeom prst="straightConnector1">
-            <a:avLst/>
-          </a:prstGeom>
-          <a:ln w="38100">
-            <a:tailEnd type="triangle"/>
-          </a:ln>
-        </p:spPr>
-        <p:style>
-          <a:lnRef idx="2">
-            <a:schemeClr val="accent1"/>
-          </a:lnRef>
-          <a:fillRef idx="0">
-            <a:schemeClr val="accent1"/>
-          </a:fillRef>
-          <a:effectRef idx="1">
-            <a:schemeClr val="accent1"/>
-          </a:effectRef>
-          <a:fontRef idx="minor">
-            <a:schemeClr val="tx1"/>
-          </a:fontRef>
-        </p:style>
-      </p:cxnSp>
-      <p:sp>
-        <p:nvSpPr>
-          <p:cNvPr id="13" name="TextBox 12">
-            <a:extLst>
-              <a:ext uri="{FF2B5EF4-FFF2-40B4-BE49-F238E27FC236}">
-                <a16:creationId xmlns:a16="http://schemas.microsoft.com/office/drawing/2014/main" id="{FACD9C23-894B-1D30-C745-03602F4000CA}"/>
-              </a:ext>
-            </a:extLst>
-          </p:cNvPr>
-          <p:cNvSpPr txBox="1"/>
-          <p:nvPr/>
-        </p:nvSpPr>
-        <p:spPr>
-          <a:xfrm>
-            <a:off x="1812336" y="4233110"/>
-            <a:ext cx="365806" cy="584775"/>
-          </a:xfrm>
-          <a:prstGeom prst="rect">
-            <a:avLst/>
-          </a:prstGeom>
-          <a:noFill/>
-        </p:spPr>
-        <p:txBody>
-          <a:bodyPr wrap="none" rtlCol="0">
-            <a:spAutoFit/>
-          </a:bodyPr>
-          <a:lstStyle/>
-          <a:p>
-            <a:r>
-              <a:rPr lang="en-ES" sz="3200" dirty="0"/>
-              <a:t>x</a:t>
-            </a:r>
-            <a:endParaRPr lang="en-ES" dirty="0"/>
-          </a:p>
-        </p:txBody>
-      </p:sp>
-      <p:sp>
-        <p:nvSpPr>
-          <p:cNvPr id="14" name="TextBox 13">
-            <a:extLst>
-              <a:ext uri="{FF2B5EF4-FFF2-40B4-BE49-F238E27FC236}">
-                <a16:creationId xmlns:a16="http://schemas.microsoft.com/office/drawing/2014/main" id="{3694A896-740D-849F-C810-84BB5A636B43}"/>
-              </a:ext>
-            </a:extLst>
-          </p:cNvPr>
-          <p:cNvSpPr txBox="1"/>
-          <p:nvPr/>
-        </p:nvSpPr>
-        <p:spPr>
-          <a:xfrm>
-            <a:off x="5246545" y="3103756"/>
-            <a:ext cx="370614" cy="584775"/>
-          </a:xfrm>
-          <a:prstGeom prst="rect">
-            <a:avLst/>
-          </a:prstGeom>
-          <a:noFill/>
-        </p:spPr>
-        <p:txBody>
-          <a:bodyPr wrap="none" rtlCol="0">
-            <a:spAutoFit/>
-          </a:bodyPr>
-          <a:lstStyle/>
-          <a:p>
-            <a:r>
-              <a:rPr lang="en-ES" sz="3200" dirty="0"/>
-              <a:t>y</a:t>
-            </a:r>
-            <a:endParaRPr lang="en-ES" dirty="0"/>
-          </a:p>
-        </p:txBody>
-      </p:sp>
-      <p:sp>
-        <p:nvSpPr>
-          <p:cNvPr id="15" name="TextBox 14">
-            <a:extLst>
-              <a:ext uri="{FF2B5EF4-FFF2-40B4-BE49-F238E27FC236}">
-                <a16:creationId xmlns:a16="http://schemas.microsoft.com/office/drawing/2014/main" id="{16C5A542-8C42-9ED6-850A-AD050661EC70}"/>
-              </a:ext>
-            </a:extLst>
-          </p:cNvPr>
-          <p:cNvSpPr txBox="1"/>
-          <p:nvPr/>
-        </p:nvSpPr>
-        <p:spPr>
-          <a:xfrm>
-            <a:off x="3153815" y="102637"/>
-            <a:ext cx="364202" cy="584775"/>
-          </a:xfrm>
-          <a:prstGeom prst="rect">
-            <a:avLst/>
-          </a:prstGeom>
-          <a:noFill/>
-        </p:spPr>
-        <p:txBody>
-          <a:bodyPr wrap="none" rtlCol="0">
-            <a:spAutoFit/>
-          </a:bodyPr>
-          <a:lstStyle/>
-          <a:p>
-            <a:r>
-              <a:rPr lang="en-ES" sz="3200" dirty="0"/>
-              <a:t>z</a:t>
-            </a:r>
-            <a:endParaRPr lang="en-ES" dirty="0"/>
-          </a:p>
-        </p:txBody>
-      </p:sp>
-      <p:grpSp>
-        <p:nvGrpSpPr>
-          <p:cNvPr id="21" name="Group 20">
-            <a:extLst>
-              <a:ext uri="{FF2B5EF4-FFF2-40B4-BE49-F238E27FC236}">
-                <a16:creationId xmlns:a16="http://schemas.microsoft.com/office/drawing/2014/main" id="{7F8B98D3-AD84-CECA-7DC4-157E2B25BA30}"/>
-              </a:ext>
-            </a:extLst>
-          </p:cNvPr>
-          <p:cNvGrpSpPr/>
-          <p:nvPr/>
-        </p:nvGrpSpPr>
-        <p:grpSpPr>
-          <a:xfrm>
-            <a:off x="3271113" y="844394"/>
-            <a:ext cx="783718" cy="1126822"/>
-            <a:chOff x="3081130" y="1722395"/>
-            <a:chExt cx="783718" cy="1126822"/>
-          </a:xfrm>
-        </p:grpSpPr>
-        <p:cxnSp>
-          <p:nvCxnSpPr>
-            <p:cNvPr id="17" name="Straight Arrow Connector 16">
-              <a:extLst>
-                <a:ext uri="{FF2B5EF4-FFF2-40B4-BE49-F238E27FC236}">
-                  <a16:creationId xmlns:a16="http://schemas.microsoft.com/office/drawing/2014/main" id="{A57B4F9A-8E31-FC46-AFDC-809784F81A04}"/>
-                </a:ext>
-              </a:extLst>
-            </p:cNvPr>
-            <p:cNvCxnSpPr>
-              <a:cxnSpLocks/>
-            </p:cNvCxnSpPr>
-            <p:nvPr/>
-          </p:nvCxnSpPr>
-          <p:spPr>
-            <a:xfrm flipV="1">
-              <a:off x="3341605" y="1910184"/>
-              <a:ext cx="0" cy="939033"/>
-            </a:xfrm>
-            <a:prstGeom prst="straightConnector1">
-              <a:avLst/>
-            </a:prstGeom>
-            <a:ln w="38100">
-              <a:tailEnd type="triangle"/>
-            </a:ln>
-          </p:spPr>
-          <p:style>
-            <a:lnRef idx="2">
-              <a:schemeClr val="accent1"/>
-            </a:lnRef>
-            <a:fillRef idx="0">
-              <a:schemeClr val="accent1"/>
-            </a:fillRef>
-            <a:effectRef idx="1">
-              <a:schemeClr val="accent1"/>
-            </a:effectRef>
-            <a:fontRef idx="minor">
-              <a:schemeClr val="tx1"/>
-            </a:fontRef>
-          </p:style>
-        </p:cxnSp>
-        <p:sp>
-          <p:nvSpPr>
-            <p:cNvPr id="18" name="TextBox 17">
-              <a:extLst>
-                <a:ext uri="{FF2B5EF4-FFF2-40B4-BE49-F238E27FC236}">
-                  <a16:creationId xmlns:a16="http://schemas.microsoft.com/office/drawing/2014/main" id="{E71F0E75-F2E4-CD96-7998-69239FE2D431}"/>
-                </a:ext>
-              </a:extLst>
-            </p:cNvPr>
-            <p:cNvSpPr txBox="1"/>
-            <p:nvPr/>
-          </p:nvSpPr>
-          <p:spPr>
-            <a:xfrm>
-              <a:off x="3377482" y="1815414"/>
-              <a:ext cx="481222" cy="584775"/>
-            </a:xfrm>
-            <a:prstGeom prst="rect">
-              <a:avLst/>
-            </a:prstGeom>
-            <a:noFill/>
-          </p:spPr>
-          <p:txBody>
-            <a:bodyPr wrap="square" rtlCol="0">
-              <a:spAutoFit/>
-            </a:bodyPr>
-            <a:lstStyle/>
-            <a:p>
-              <a:r>
-                <a:rPr lang="en-ES" sz="3200" dirty="0"/>
-                <a:t>w</a:t>
-              </a:r>
-              <a:endParaRPr lang="en-ES" dirty="0"/>
-            </a:p>
-          </p:txBody>
-        </p:sp>
-        <p:sp>
-          <p:nvSpPr>
-            <p:cNvPr id="19" name="TextBox 18">
-              <a:extLst>
-                <a:ext uri="{FF2B5EF4-FFF2-40B4-BE49-F238E27FC236}">
-                  <a16:creationId xmlns:a16="http://schemas.microsoft.com/office/drawing/2014/main" id="{1BD9E95E-A0A7-844C-47F9-8779FC495CC1}"/>
-                </a:ext>
-              </a:extLst>
-            </p:cNvPr>
-            <p:cNvSpPr txBox="1"/>
-            <p:nvPr/>
-          </p:nvSpPr>
-          <p:spPr>
-            <a:xfrm>
-              <a:off x="3372405" y="1722395"/>
-              <a:ext cx="492443" cy="461665"/>
-            </a:xfrm>
-            <a:prstGeom prst="rect">
-              <a:avLst/>
-            </a:prstGeom>
-            <a:noFill/>
-          </p:spPr>
-          <p:txBody>
-            <a:bodyPr wrap="square" rtlCol="0">
-              <a:spAutoFit/>
-            </a:bodyPr>
-            <a:lstStyle/>
-            <a:p>
-              <a:r>
-                <a:rPr lang="en-ES" sz="2400" dirty="0"/>
-                <a:t>➝</a:t>
-              </a:r>
-            </a:p>
-          </p:txBody>
-        </p:sp>
-        <p:sp>
-          <p:nvSpPr>
-            <p:cNvPr id="20" name="Arc 19">
-              <a:extLst>
-                <a:ext uri="{FF2B5EF4-FFF2-40B4-BE49-F238E27FC236}">
-                  <a16:creationId xmlns:a16="http://schemas.microsoft.com/office/drawing/2014/main" id="{1A79B766-DE35-1485-6F18-3C56E4D5E489}"/>
-                </a:ext>
-              </a:extLst>
-            </p:cNvPr>
-            <p:cNvSpPr/>
-            <p:nvPr/>
-          </p:nvSpPr>
-          <p:spPr>
-            <a:xfrm>
-              <a:off x="3081130" y="2319130"/>
-              <a:ext cx="549966" cy="251791"/>
-            </a:xfrm>
-            <a:prstGeom prst="arc">
-              <a:avLst>
-                <a:gd name="adj1" fmla="val 1510068"/>
-                <a:gd name="adj2" fmla="val 20964950"/>
-              </a:avLst>
-            </a:prstGeom>
-            <a:ln w="38100">
-              <a:solidFill>
-                <a:schemeClr val="tx1"/>
-              </a:solidFill>
-              <a:prstDash val="solid"/>
-              <a:headEnd type="arrow" w="med" len="med"/>
-              <a:tailEnd type="none" w="med" len="med"/>
-            </a:ln>
-          </p:spPr>
-          <p:style>
-            <a:lnRef idx="2">
-              <a:schemeClr val="accent1"/>
-            </a:lnRef>
-            <a:fillRef idx="0">
-              <a:schemeClr val="accent1"/>
-            </a:fillRef>
-            <a:effectRef idx="1">
-              <a:schemeClr val="accent1"/>
-            </a:effectRef>
-            <a:fontRef idx="minor">
-              <a:schemeClr val="tx1"/>
-            </a:fontRef>
-          </p:style>
-          <p:txBody>
-            <a:bodyPr rtlCol="0" anchor="ctr"/>
-            <a:lstStyle/>
-            <a:p>
-              <a:pPr algn="ctr"/>
-              <a:endParaRPr lang="en-ES"/>
-            </a:p>
-          </p:txBody>
-        </p:sp>
-      </p:grpSp>
-      <p:sp>
-        <p:nvSpPr>
-          <p:cNvPr id="24" name="TextBox 23">
-            <a:extLst>
-              <a:ext uri="{FF2B5EF4-FFF2-40B4-BE49-F238E27FC236}">
-                <a16:creationId xmlns:a16="http://schemas.microsoft.com/office/drawing/2014/main" id="{CD505208-224C-A5CD-CDDE-9D9E3F377094}"/>
-              </a:ext>
-            </a:extLst>
-          </p:cNvPr>
-          <p:cNvSpPr txBox="1"/>
-          <p:nvPr/>
-        </p:nvSpPr>
-        <p:spPr>
-          <a:xfrm>
-            <a:off x="3927469" y="3762196"/>
-            <a:ext cx="421910" cy="584775"/>
-          </a:xfrm>
-          <a:prstGeom prst="rect">
-            <a:avLst/>
-          </a:prstGeom>
-          <a:noFill/>
-        </p:spPr>
-        <p:txBody>
-          <a:bodyPr wrap="none" rtlCol="0">
-            <a:spAutoFit/>
-          </a:bodyPr>
-          <a:lstStyle/>
-          <a:p>
-            <a:r>
-              <a:rPr lang="en-ES" sz="3200" dirty="0"/>
-              <a:t>σ</a:t>
-            </a:r>
-            <a:endParaRPr lang="en-ES" dirty="0"/>
-          </a:p>
-        </p:txBody>
-      </p:sp>
-      <p:cxnSp>
-        <p:nvCxnSpPr>
-          <p:cNvPr id="26" name="Straight Arrow Connector 25">
-            <a:extLst>
-              <a:ext uri="{FF2B5EF4-FFF2-40B4-BE49-F238E27FC236}">
-                <a16:creationId xmlns:a16="http://schemas.microsoft.com/office/drawing/2014/main" id="{E559CAB3-AA63-1E87-3C34-E37F3C69FD9C}"/>
-              </a:ext>
-            </a:extLst>
-          </p:cNvPr>
-          <p:cNvCxnSpPr>
-            <a:cxnSpLocks/>
-          </p:cNvCxnSpPr>
-          <p:nvPr/>
-        </p:nvCxnSpPr>
-        <p:spPr>
-          <a:xfrm flipV="1">
-            <a:off x="3535386" y="2664373"/>
-            <a:ext cx="0" cy="1031378"/>
-          </a:xfrm>
-          <a:prstGeom prst="straightConnector1">
-            <a:avLst/>
-          </a:prstGeom>
-          <a:ln w="57150">
-            <a:solidFill>
-              <a:schemeClr val="tx1"/>
-            </a:solidFill>
-            <a:tailEnd type="triangle"/>
-          </a:ln>
-        </p:spPr>
-        <p:style>
-          <a:lnRef idx="2">
-            <a:schemeClr val="accent1"/>
-          </a:lnRef>
-          <a:fillRef idx="0">
-            <a:schemeClr val="accent1"/>
-          </a:fillRef>
-          <a:effectRef idx="1">
-            <a:schemeClr val="accent1"/>
-          </a:effectRef>
-          <a:fontRef idx="minor">
-            <a:schemeClr val="tx1"/>
-          </a:fontRef>
-        </p:style>
-      </p:cxnSp>
-      <p:sp>
-        <p:nvSpPr>
-          <p:cNvPr id="28" name="TextBox 27">
-            <a:extLst>
-              <a:ext uri="{FF2B5EF4-FFF2-40B4-BE49-F238E27FC236}">
-                <a16:creationId xmlns:a16="http://schemas.microsoft.com/office/drawing/2014/main" id="{B7BB9EBD-1C30-B6ED-F8D9-6C31D8FA9125}"/>
-              </a:ext>
-            </a:extLst>
-          </p:cNvPr>
-          <p:cNvSpPr txBox="1"/>
-          <p:nvPr/>
-        </p:nvSpPr>
-        <p:spPr>
-          <a:xfrm>
-            <a:off x="3570375" y="2398797"/>
-            <a:ext cx="450764" cy="584775"/>
-          </a:xfrm>
-          <a:prstGeom prst="rect">
-            <a:avLst/>
-          </a:prstGeom>
-          <a:noFill/>
-        </p:spPr>
-        <p:txBody>
-          <a:bodyPr wrap="none" rtlCol="0">
-            <a:spAutoFit/>
-          </a:bodyPr>
-          <a:lstStyle/>
-          <a:p>
-            <a:r>
-              <a:rPr lang="en-GB" sz="3200" dirty="0"/>
-              <a:t>z</a:t>
-            </a:r>
-            <a:r>
-              <a:rPr lang="en-ES" sz="3200" dirty="0"/>
-              <a:t>'</a:t>
-            </a:r>
-            <a:endParaRPr lang="en-ES" dirty="0"/>
-          </a:p>
-        </p:txBody>
-      </p:sp>
-      <p:grpSp>
-        <p:nvGrpSpPr>
-          <p:cNvPr id="33" name="Group 32">
-            <a:extLst>
-              <a:ext uri="{FF2B5EF4-FFF2-40B4-BE49-F238E27FC236}">
-                <a16:creationId xmlns:a16="http://schemas.microsoft.com/office/drawing/2014/main" id="{A0080567-B3E8-6AD8-128A-10D3F4DE0ADA}"/>
-              </a:ext>
-            </a:extLst>
-          </p:cNvPr>
-          <p:cNvGrpSpPr/>
-          <p:nvPr/>
-        </p:nvGrpSpPr>
-        <p:grpSpPr>
-          <a:xfrm>
-            <a:off x="2616740" y="2422186"/>
-            <a:ext cx="1835285" cy="609600"/>
-            <a:chOff x="5107021" y="1342417"/>
-            <a:chExt cx="1835285" cy="609600"/>
-          </a:xfrm>
-        </p:grpSpPr>
-        <p:sp>
-          <p:nvSpPr>
-            <p:cNvPr id="31" name="Oval 30">
-              <a:extLst>
-                <a:ext uri="{FF2B5EF4-FFF2-40B4-BE49-F238E27FC236}">
-                  <a16:creationId xmlns:a16="http://schemas.microsoft.com/office/drawing/2014/main" id="{083778A3-7DE1-75AD-E146-1946A438CD3D}"/>
-                </a:ext>
-              </a:extLst>
-            </p:cNvPr>
-            <p:cNvSpPr/>
-            <p:nvPr/>
-          </p:nvSpPr>
-          <p:spPr>
-            <a:xfrm>
-              <a:off x="5107021" y="1342417"/>
-              <a:ext cx="1828800" cy="476655"/>
-            </a:xfrm>
-            <a:prstGeom prst="ellipse">
-              <a:avLst/>
-            </a:prstGeom>
-            <a:noFill/>
-            <a:ln>
-              <a:prstDash val="sysDash"/>
-            </a:ln>
-          </p:spPr>
-          <p:style>
-            <a:lnRef idx="2">
-              <a:schemeClr val="accent1">
-                <a:shade val="15000"/>
-              </a:schemeClr>
-            </a:lnRef>
-            <a:fillRef idx="1">
-              <a:schemeClr val="accent1"/>
-            </a:fillRef>
-            <a:effectRef idx="0">
-              <a:schemeClr val="accent1"/>
-            </a:effectRef>
-            <a:fontRef idx="minor">
-              <a:schemeClr val="lt1"/>
-            </a:fontRef>
-          </p:style>
-          <p:txBody>
-            <a:bodyPr rtlCol="0" anchor="ctr"/>
-            <a:lstStyle/>
-            <a:p>
-              <a:pPr algn="ctr"/>
-              <a:endParaRPr lang="en-ES"/>
-            </a:p>
-          </p:txBody>
-        </p:sp>
-        <p:sp>
-          <p:nvSpPr>
-            <p:cNvPr id="32" name="Oval 31">
-              <a:extLst>
-                <a:ext uri="{FF2B5EF4-FFF2-40B4-BE49-F238E27FC236}">
-                  <a16:creationId xmlns:a16="http://schemas.microsoft.com/office/drawing/2014/main" id="{69005D1F-BDA2-DFED-FBFA-4F9B913C5C70}"/>
-                </a:ext>
-              </a:extLst>
-            </p:cNvPr>
-            <p:cNvSpPr/>
-            <p:nvPr/>
-          </p:nvSpPr>
-          <p:spPr>
-            <a:xfrm>
-              <a:off x="5113506" y="1475362"/>
-              <a:ext cx="1828800" cy="476655"/>
-            </a:xfrm>
-            <a:prstGeom prst="ellipse">
-              <a:avLst/>
-            </a:prstGeom>
-            <a:noFill/>
-            <a:ln>
-              <a:prstDash val="sysDash"/>
-            </a:ln>
-          </p:spPr>
-          <p:style>
-            <a:lnRef idx="2">
-              <a:schemeClr val="accent1">
-                <a:shade val="15000"/>
-              </a:schemeClr>
-            </a:lnRef>
-            <a:fillRef idx="1">
-              <a:schemeClr val="accent1"/>
-            </a:fillRef>
-            <a:effectRef idx="0">
-              <a:schemeClr val="accent1"/>
-            </a:effectRef>
-            <a:fontRef idx="minor">
-              <a:schemeClr val="lt1"/>
-            </a:fontRef>
-          </p:style>
-          <p:txBody>
-            <a:bodyPr rtlCol="0" anchor="ctr"/>
-            <a:lstStyle/>
-            <a:p>
-              <a:pPr algn="ctr"/>
-              <a:endParaRPr lang="en-ES"/>
-            </a:p>
-          </p:txBody>
-        </p:sp>
-      </p:grpSp>
-      <p:sp>
-        <p:nvSpPr>
-          <p:cNvPr id="34" name="Left Bracket 33">
-            <a:extLst>
-              <a:ext uri="{FF2B5EF4-FFF2-40B4-BE49-F238E27FC236}">
-                <a16:creationId xmlns:a16="http://schemas.microsoft.com/office/drawing/2014/main" id="{1E7C2054-8342-EEDF-D251-E19FBF0C1E6B}"/>
-              </a:ext>
-            </a:extLst>
-          </p:cNvPr>
-          <p:cNvSpPr/>
-          <p:nvPr/>
-        </p:nvSpPr>
-        <p:spPr>
-          <a:xfrm>
-            <a:off x="2411704" y="2641376"/>
-            <a:ext cx="156398" cy="199101"/>
-          </a:xfrm>
-          <a:prstGeom prst="leftBracket">
-            <a:avLst/>
-          </a:prstGeom>
-          <a:ln w="38100"/>
-        </p:spPr>
-        <p:style>
-          <a:lnRef idx="2">
-            <a:schemeClr val="accent1"/>
-          </a:lnRef>
-          <a:fillRef idx="0">
-            <a:schemeClr val="accent1"/>
-          </a:fillRef>
-          <a:effectRef idx="1">
-            <a:schemeClr val="accent1"/>
-          </a:effectRef>
-          <a:fontRef idx="minor">
-            <a:schemeClr val="tx1"/>
-          </a:fontRef>
-        </p:style>
-        <p:txBody>
-          <a:bodyPr rtlCol="0" anchor="ctr"/>
-          <a:lstStyle/>
-          <a:p>
-            <a:pPr algn="ctr"/>
-            <a:endParaRPr lang="en-ES" dirty="0"/>
-          </a:p>
-        </p:txBody>
-      </p:sp>
-      <p:sp>
-        <p:nvSpPr>
-          <p:cNvPr id="35" name="TextBox 34">
-            <a:extLst>
-              <a:ext uri="{FF2B5EF4-FFF2-40B4-BE49-F238E27FC236}">
-                <a16:creationId xmlns:a16="http://schemas.microsoft.com/office/drawing/2014/main" id="{EFAF11EC-7A15-21FD-1B99-37FC0C43EDE3}"/>
-              </a:ext>
-            </a:extLst>
-          </p:cNvPr>
-          <p:cNvSpPr txBox="1"/>
-          <p:nvPr/>
-        </p:nvSpPr>
-        <p:spPr>
-          <a:xfrm>
-            <a:off x="1780163" y="2344994"/>
-            <a:ext cx="988178" cy="584775"/>
-          </a:xfrm>
-          <a:prstGeom prst="rect">
-            <a:avLst/>
-          </a:prstGeom>
-          <a:noFill/>
-        </p:spPr>
-        <p:txBody>
-          <a:bodyPr wrap="square" rtlCol="0">
-            <a:spAutoFit/>
-          </a:bodyPr>
-          <a:lstStyle/>
-          <a:p>
-            <a:r>
-              <a:rPr lang="en-GB" sz="3200" dirty="0"/>
-              <a:t>d</a:t>
-            </a:r>
-            <a:r>
-              <a:rPr lang="en-ES" sz="3200" dirty="0"/>
-              <a:t>z'</a:t>
-            </a:r>
-            <a:endParaRPr lang="en-ES" sz="3200" baseline="-25000" dirty="0"/>
-          </a:p>
-        </p:txBody>
-      </p:sp>
-      <p:sp>
-        <p:nvSpPr>
-          <p:cNvPr id="36" name="Left Bracket 35">
-            <a:extLst>
-              <a:ext uri="{FF2B5EF4-FFF2-40B4-BE49-F238E27FC236}">
-                <a16:creationId xmlns:a16="http://schemas.microsoft.com/office/drawing/2014/main" id="{BCDF7685-657D-B3F2-1554-4AF4E72D2770}"/>
-              </a:ext>
-            </a:extLst>
-          </p:cNvPr>
-          <p:cNvSpPr/>
-          <p:nvPr/>
-        </p:nvSpPr>
-        <p:spPr>
-          <a:xfrm rot="10800000">
-            <a:off x="4511841" y="1985210"/>
-            <a:ext cx="213288" cy="3199933"/>
-          </a:xfrm>
-          <a:prstGeom prst="leftBracket">
-            <a:avLst/>
-          </a:prstGeom>
-          <a:ln w="38100"/>
-        </p:spPr>
-        <p:style>
-          <a:lnRef idx="2">
-            <a:schemeClr val="accent1"/>
-          </a:lnRef>
-          <a:fillRef idx="0">
-            <a:schemeClr val="accent1"/>
-          </a:fillRef>
-          <a:effectRef idx="1">
-            <a:schemeClr val="accent1"/>
-          </a:effectRef>
-          <a:fontRef idx="minor">
-            <a:schemeClr val="tx1"/>
-          </a:fontRef>
-        </p:style>
-        <p:txBody>
-          <a:bodyPr rtlCol="0" anchor="ctr"/>
-          <a:lstStyle/>
-          <a:p>
-            <a:pPr algn="ctr"/>
-            <a:endParaRPr lang="en-ES" dirty="0"/>
-          </a:p>
-        </p:txBody>
-      </p:sp>
-      <p:sp>
-        <p:nvSpPr>
-          <p:cNvPr id="37" name="Left Bracket 36">
-            <a:extLst>
-              <a:ext uri="{FF2B5EF4-FFF2-40B4-BE49-F238E27FC236}">
-                <a16:creationId xmlns:a16="http://schemas.microsoft.com/office/drawing/2014/main" id="{560C2E30-ECF5-996E-02BB-5FB0103131E6}"/>
-              </a:ext>
-            </a:extLst>
-          </p:cNvPr>
-          <p:cNvSpPr/>
-          <p:nvPr/>
-        </p:nvSpPr>
-        <p:spPr>
-          <a:xfrm rot="16200000">
-            <a:off x="3899587" y="5073524"/>
-            <a:ext cx="199382" cy="904818"/>
-          </a:xfrm>
-          <a:prstGeom prst="leftBracket">
-            <a:avLst/>
-          </a:prstGeom>
-          <a:ln w="38100"/>
-        </p:spPr>
-        <p:style>
-          <a:lnRef idx="2">
-            <a:schemeClr val="accent1"/>
-          </a:lnRef>
-          <a:fillRef idx="0">
-            <a:schemeClr val="accent1"/>
-          </a:fillRef>
-          <a:effectRef idx="1">
-            <a:schemeClr val="accent1"/>
-          </a:effectRef>
-          <a:fontRef idx="minor">
-            <a:schemeClr val="tx1"/>
-          </a:fontRef>
-        </p:style>
-        <p:txBody>
-          <a:bodyPr rtlCol="0" anchor="ctr"/>
-          <a:lstStyle/>
-          <a:p>
-            <a:pPr algn="ctr"/>
-            <a:endParaRPr lang="en-ES" dirty="0"/>
-          </a:p>
-        </p:txBody>
-      </p:sp>
-      <p:sp>
-        <p:nvSpPr>
-          <p:cNvPr id="38" name="TextBox 37">
-            <a:extLst>
-              <a:ext uri="{FF2B5EF4-FFF2-40B4-BE49-F238E27FC236}">
-                <a16:creationId xmlns:a16="http://schemas.microsoft.com/office/drawing/2014/main" id="{80F73788-7C4F-FABF-CCFD-A7971642894D}"/>
-              </a:ext>
-            </a:extLst>
-          </p:cNvPr>
-          <p:cNvSpPr txBox="1"/>
-          <p:nvPr/>
-        </p:nvSpPr>
-        <p:spPr>
-          <a:xfrm>
-            <a:off x="4685340" y="3175291"/>
-            <a:ext cx="389850" cy="584775"/>
-          </a:xfrm>
-          <a:prstGeom prst="rect">
-            <a:avLst/>
-          </a:prstGeom>
-          <a:noFill/>
-        </p:spPr>
-        <p:txBody>
-          <a:bodyPr wrap="none" rtlCol="0">
-            <a:spAutoFit/>
-          </a:bodyPr>
-          <a:lstStyle/>
-          <a:p>
-            <a:r>
-              <a:rPr lang="en-ES" sz="3200" dirty="0"/>
-              <a:t>L</a:t>
-            </a:r>
-            <a:endParaRPr lang="en-ES" dirty="0"/>
-          </a:p>
-        </p:txBody>
-      </p:sp>
-      <p:sp>
-        <p:nvSpPr>
-          <p:cNvPr id="39" name="TextBox 38">
-            <a:extLst>
-              <a:ext uri="{FF2B5EF4-FFF2-40B4-BE49-F238E27FC236}">
-                <a16:creationId xmlns:a16="http://schemas.microsoft.com/office/drawing/2014/main" id="{7B0363E2-9756-6738-8E3D-C98B634D53E8}"/>
-              </a:ext>
-            </a:extLst>
-          </p:cNvPr>
-          <p:cNvSpPr txBox="1"/>
-          <p:nvPr/>
-        </p:nvSpPr>
-        <p:spPr>
-          <a:xfrm>
-            <a:off x="3791149" y="5477018"/>
-            <a:ext cx="492094" cy="584775"/>
-          </a:xfrm>
-          <a:prstGeom prst="rect">
-            <a:avLst/>
-          </a:prstGeom>
-          <a:noFill/>
-        </p:spPr>
-        <p:txBody>
-          <a:bodyPr wrap="square" rtlCol="0">
-            <a:spAutoFit/>
-          </a:bodyPr>
-          <a:lstStyle/>
-          <a:p>
-            <a:r>
-              <a:rPr lang="en-ES" sz="3200" dirty="0"/>
-              <a:t>a</a:t>
-            </a:r>
-            <a:endParaRPr lang="en-ES" dirty="0"/>
-          </a:p>
-        </p:txBody>
-      </p:sp>
-    </p:spTree>
-    <p:extLst>
-      <p:ext uri="{BB962C8B-B14F-4D97-AF65-F5344CB8AC3E}">
-        <p14:creationId xmlns:p14="http://schemas.microsoft.com/office/powerpoint/2010/main" val="2923227112"/>
-      </p:ext>
-    </p:extLst>
-  </p:cSld>
-  <p:clrMapOvr>
-    <a:masterClrMapping/>
-  </p:clrMapOvr>
-</p:sld>
-</file>
-
-<file path=ppt/slides/slide25.xml><?xml version="1.0" encoding="utf-8"?>
+<file path=ppt/slides/slide27.xml><?xml version="1.0" encoding="utf-8"?>
 <p:sld xmlns:a="http://schemas.openxmlformats.org/drawingml/2006/main" xmlns:r="http://schemas.openxmlformats.org/officeDocument/2006/relationships" xmlns:p="http://schemas.openxmlformats.org/presentationml/2006/main">
   <p:cSld>
     <p:spTree>
@@ -20510,7 +23648,7 @@
 </p:sld>
 </file>
 
-<file path=ppt/slides/slide26.xml><?xml version="1.0" encoding="utf-8"?>
+<file path=ppt/slides/slide28.xml><?xml version="1.0" encoding="utf-8"?>
 <p:sld xmlns:a="http://schemas.openxmlformats.org/drawingml/2006/main" xmlns:r="http://schemas.openxmlformats.org/officeDocument/2006/relationships" xmlns:p="http://schemas.openxmlformats.org/presentationml/2006/main">
   <p:cSld>
     <p:spTree>
@@ -21279,7 +24417,7 @@
 </p:sld>
 </file>
 
-<file path=ppt/slides/slide27.xml><?xml version="1.0" encoding="utf-8"?>
+<file path=ppt/slides/slide29.xml><?xml version="1.0" encoding="utf-8"?>
 <p:sld xmlns:a="http://schemas.openxmlformats.org/drawingml/2006/main" xmlns:r="http://schemas.openxmlformats.org/officeDocument/2006/relationships" xmlns:p="http://schemas.openxmlformats.org/presentationml/2006/main">
   <p:cSld>
     <p:spTree>
@@ -22048,7 +25186,1160 @@
 </p:sld>
 </file>
 
-<file path=ppt/slides/slide28.xml><?xml version="1.0" encoding="utf-8"?>
+<file path=ppt/slides/slide3.xml><?xml version="1.0" encoding="utf-8"?>
+<p:sld xmlns:a="http://schemas.openxmlformats.org/drawingml/2006/main" xmlns:r="http://schemas.openxmlformats.org/officeDocument/2006/relationships" xmlns:p="http://schemas.openxmlformats.org/presentationml/2006/main">
+  <p:cSld>
+    <p:spTree>
+      <p:nvGrpSpPr>
+        <p:cNvPr id="1" name=""/>
+        <p:cNvGrpSpPr/>
+        <p:nvPr/>
+      </p:nvGrpSpPr>
+      <p:grpSpPr>
+        <a:xfrm>
+          <a:off x="0" y="0"/>
+          <a:ext cx="0" cy="0"/>
+          <a:chOff x="0" y="0"/>
+          <a:chExt cx="0" cy="0"/>
+        </a:xfrm>
+      </p:grpSpPr>
+      <p:sp>
+        <p:nvSpPr>
+          <p:cNvPr id="2" name="Title 1">
+            <a:extLst>
+              <a:ext uri="{FF2B5EF4-FFF2-40B4-BE49-F238E27FC236}">
+                <a16:creationId xmlns:a16="http://schemas.microsoft.com/office/drawing/2014/main" id="{D39B841F-54C7-3AE1-E545-FD824C8DAF7F}"/>
+              </a:ext>
+            </a:extLst>
+          </p:cNvPr>
+          <p:cNvSpPr>
+            <a:spLocks noGrp="1"/>
+          </p:cNvSpPr>
+          <p:nvPr>
+            <p:ph type="title"/>
+          </p:nvPr>
+        </p:nvSpPr>
+        <p:spPr/>
+        <p:txBody>
+          <a:bodyPr/>
+          <a:lstStyle/>
+          <a:p>
+            <a:r>
+              <a:rPr lang="en-ES" dirty="0"/>
+              <a:t>B1.S2.1</a:t>
+            </a:r>
+          </a:p>
+        </p:txBody>
+      </p:sp>
+      <p:sp>
+        <p:nvSpPr>
+          <p:cNvPr id="5" name="Arc 4">
+            <a:extLst>
+              <a:ext uri="{FF2B5EF4-FFF2-40B4-BE49-F238E27FC236}">
+                <a16:creationId xmlns:a16="http://schemas.microsoft.com/office/drawing/2014/main" id="{C62C6161-AC50-592A-79A8-62650346F24E}"/>
+              </a:ext>
+            </a:extLst>
+          </p:cNvPr>
+          <p:cNvSpPr/>
+          <p:nvPr/>
+        </p:nvSpPr>
+        <p:spPr>
+          <a:xfrm rot="16200000">
+            <a:off x="492552" y="2918012"/>
+            <a:ext cx="4155141" cy="4222377"/>
+          </a:xfrm>
+          <a:prstGeom prst="arc">
+            <a:avLst>
+              <a:gd name="adj1" fmla="val 16259988"/>
+              <a:gd name="adj2" fmla="val 5404610"/>
+            </a:avLst>
+          </a:prstGeom>
+          <a:ln w="38100">
+            <a:gradFill>
+              <a:gsLst>
+                <a:gs pos="51000">
+                  <a:schemeClr val="accent1">
+                    <a:lumMod val="5000"/>
+                    <a:lumOff val="95000"/>
+                  </a:schemeClr>
+                </a:gs>
+                <a:gs pos="100000">
+                  <a:schemeClr val="accent1">
+                    <a:lumMod val="45000"/>
+                    <a:lumOff val="55000"/>
+                  </a:schemeClr>
+                </a:gs>
+                <a:gs pos="0">
+                  <a:srgbClr val="FF0000"/>
+                </a:gs>
+              </a:gsLst>
+              <a:lin ang="5400000" scaled="1"/>
+            </a:gradFill>
+          </a:ln>
+        </p:spPr>
+        <p:style>
+          <a:lnRef idx="2">
+            <a:schemeClr val="accent1"/>
+          </a:lnRef>
+          <a:fillRef idx="0">
+            <a:schemeClr val="accent1"/>
+          </a:fillRef>
+          <a:effectRef idx="1">
+            <a:schemeClr val="accent1"/>
+          </a:effectRef>
+          <a:fontRef idx="minor">
+            <a:schemeClr val="tx1"/>
+          </a:fontRef>
+        </p:style>
+        <p:txBody>
+          <a:bodyPr rtlCol="0" anchor="ctr"/>
+          <a:lstStyle/>
+          <a:p>
+            <a:pPr algn="ctr"/>
+            <a:endParaRPr lang="en-ES"/>
+          </a:p>
+        </p:txBody>
+      </p:sp>
+      <p:cxnSp>
+        <p:nvCxnSpPr>
+          <p:cNvPr id="10" name="Straight Arrow Connector 9">
+            <a:extLst>
+              <a:ext uri="{FF2B5EF4-FFF2-40B4-BE49-F238E27FC236}">
+                <a16:creationId xmlns:a16="http://schemas.microsoft.com/office/drawing/2014/main" id="{8E1BDB21-2D8F-C9C2-3B07-F77D99022865}"/>
+              </a:ext>
+            </a:extLst>
+          </p:cNvPr>
+          <p:cNvCxnSpPr>
+            <a:cxnSpLocks/>
+          </p:cNvCxnSpPr>
+          <p:nvPr/>
+        </p:nvCxnSpPr>
+        <p:spPr>
+          <a:xfrm flipV="1">
+            <a:off x="2589628" y="1817132"/>
+            <a:ext cx="0" cy="3223735"/>
+          </a:xfrm>
+          <a:prstGeom prst="straightConnector1">
+            <a:avLst/>
+          </a:prstGeom>
+          <a:ln w="38100">
+            <a:solidFill>
+              <a:schemeClr val="tx1"/>
+            </a:solidFill>
+            <a:tailEnd type="triangle"/>
+          </a:ln>
+        </p:spPr>
+        <p:style>
+          <a:lnRef idx="2">
+            <a:schemeClr val="accent1"/>
+          </a:lnRef>
+          <a:fillRef idx="0">
+            <a:schemeClr val="accent1"/>
+          </a:fillRef>
+          <a:effectRef idx="1">
+            <a:schemeClr val="accent1"/>
+          </a:effectRef>
+          <a:fontRef idx="minor">
+            <a:schemeClr val="tx1"/>
+          </a:fontRef>
+        </p:style>
+      </p:cxnSp>
+      <p:sp>
+        <p:nvSpPr>
+          <p:cNvPr id="15" name="TextBox 14">
+            <a:extLst>
+              <a:ext uri="{FF2B5EF4-FFF2-40B4-BE49-F238E27FC236}">
+                <a16:creationId xmlns:a16="http://schemas.microsoft.com/office/drawing/2014/main" id="{724436C1-324F-AAF1-C132-967FFB014398}"/>
+              </a:ext>
+            </a:extLst>
+          </p:cNvPr>
+          <p:cNvSpPr txBox="1"/>
+          <p:nvPr/>
+        </p:nvSpPr>
+        <p:spPr>
+          <a:xfrm>
+            <a:off x="2054698" y="1817132"/>
+            <a:ext cx="393056" cy="646331"/>
+          </a:xfrm>
+          <a:prstGeom prst="rect">
+            <a:avLst/>
+          </a:prstGeom>
+          <a:noFill/>
+        </p:spPr>
+        <p:txBody>
+          <a:bodyPr wrap="none" rtlCol="0">
+            <a:spAutoFit/>
+          </a:bodyPr>
+          <a:lstStyle/>
+          <a:p>
+            <a:r>
+              <a:rPr lang="en-ES" sz="3600" dirty="0"/>
+              <a:t>y</a:t>
+            </a:r>
+          </a:p>
+        </p:txBody>
+      </p:sp>
+      <p:cxnSp>
+        <p:nvCxnSpPr>
+          <p:cNvPr id="17" name="Straight Arrow Connector 16">
+            <a:extLst>
+              <a:ext uri="{FF2B5EF4-FFF2-40B4-BE49-F238E27FC236}">
+                <a16:creationId xmlns:a16="http://schemas.microsoft.com/office/drawing/2014/main" id="{5B01AE06-DAE3-451D-0620-065E77F3FD38}"/>
+              </a:ext>
+            </a:extLst>
+          </p:cNvPr>
+          <p:cNvCxnSpPr>
+            <a:cxnSpLocks/>
+          </p:cNvCxnSpPr>
+          <p:nvPr/>
+        </p:nvCxnSpPr>
+        <p:spPr>
+          <a:xfrm>
+            <a:off x="2589628" y="5040867"/>
+            <a:ext cx="3225269" cy="0"/>
+          </a:xfrm>
+          <a:prstGeom prst="straightConnector1">
+            <a:avLst/>
+          </a:prstGeom>
+          <a:ln w="38100">
+            <a:solidFill>
+              <a:schemeClr val="tx1"/>
+            </a:solidFill>
+            <a:tailEnd type="triangle"/>
+          </a:ln>
+        </p:spPr>
+        <p:style>
+          <a:lnRef idx="2">
+            <a:schemeClr val="accent1"/>
+          </a:lnRef>
+          <a:fillRef idx="0">
+            <a:schemeClr val="accent1"/>
+          </a:fillRef>
+          <a:effectRef idx="1">
+            <a:schemeClr val="accent1"/>
+          </a:effectRef>
+          <a:fontRef idx="minor">
+            <a:schemeClr val="tx1"/>
+          </a:fontRef>
+        </p:style>
+      </p:cxnSp>
+      <p:sp>
+        <p:nvSpPr>
+          <p:cNvPr id="18" name="TextBox 17">
+            <a:extLst>
+              <a:ext uri="{FF2B5EF4-FFF2-40B4-BE49-F238E27FC236}">
+                <a16:creationId xmlns:a16="http://schemas.microsoft.com/office/drawing/2014/main" id="{10908EA1-8301-F8A5-2AA4-12299B055323}"/>
+              </a:ext>
+            </a:extLst>
+          </p:cNvPr>
+          <p:cNvSpPr txBox="1"/>
+          <p:nvPr/>
+        </p:nvSpPr>
+        <p:spPr>
+          <a:xfrm>
+            <a:off x="5392791" y="5040867"/>
+            <a:ext cx="567868" cy="646331"/>
+          </a:xfrm>
+          <a:prstGeom prst="rect">
+            <a:avLst/>
+          </a:prstGeom>
+          <a:noFill/>
+        </p:spPr>
+        <p:txBody>
+          <a:bodyPr wrap="square" rtlCol="0">
+            <a:spAutoFit/>
+          </a:bodyPr>
+          <a:lstStyle/>
+          <a:p>
+            <a:r>
+              <a:rPr lang="en-ES" sz="3600" dirty="0"/>
+              <a:t>x</a:t>
+            </a:r>
+          </a:p>
+        </p:txBody>
+      </p:sp>
+      <p:sp>
+        <p:nvSpPr>
+          <p:cNvPr id="24" name="TextBox 23">
+            <a:extLst>
+              <a:ext uri="{FF2B5EF4-FFF2-40B4-BE49-F238E27FC236}">
+                <a16:creationId xmlns:a16="http://schemas.microsoft.com/office/drawing/2014/main" id="{619EBB20-CB39-E643-A01C-4EDC9B94301E}"/>
+              </a:ext>
+            </a:extLst>
+          </p:cNvPr>
+          <p:cNvSpPr txBox="1"/>
+          <p:nvPr/>
+        </p:nvSpPr>
+        <p:spPr>
+          <a:xfrm>
+            <a:off x="3338760" y="2417283"/>
+            <a:ext cx="2207656" cy="646331"/>
+          </a:xfrm>
+          <a:prstGeom prst="rect">
+            <a:avLst/>
+          </a:prstGeom>
+          <a:noFill/>
+        </p:spPr>
+        <p:txBody>
+          <a:bodyPr wrap="none" rtlCol="0">
+            <a:spAutoFit/>
+          </a:bodyPr>
+          <a:lstStyle/>
+          <a:p>
+            <a:r>
+              <a:rPr lang="en-ES" sz="3600" dirty="0"/>
+              <a:t>λ= λ</a:t>
+            </a:r>
+            <a:r>
+              <a:rPr lang="en-ES" sz="3600" baseline="-25000" dirty="0"/>
+              <a:t>0</a:t>
+            </a:r>
+            <a:r>
+              <a:rPr lang="en-ES" sz="3600" dirty="0"/>
+              <a:t>cosɸ’</a:t>
+            </a:r>
+          </a:p>
+        </p:txBody>
+      </p:sp>
+      <p:sp>
+        <p:nvSpPr>
+          <p:cNvPr id="30" name="Arc 29">
+            <a:extLst>
+              <a:ext uri="{FF2B5EF4-FFF2-40B4-BE49-F238E27FC236}">
+                <a16:creationId xmlns:a16="http://schemas.microsoft.com/office/drawing/2014/main" id="{471F2308-244C-599C-E8D1-D81CA02C565C}"/>
+              </a:ext>
+            </a:extLst>
+          </p:cNvPr>
+          <p:cNvSpPr/>
+          <p:nvPr/>
+        </p:nvSpPr>
+        <p:spPr>
+          <a:xfrm>
+            <a:off x="2027258" y="4415634"/>
+            <a:ext cx="1085728" cy="1125962"/>
+          </a:xfrm>
+          <a:prstGeom prst="arc">
+            <a:avLst>
+              <a:gd name="adj1" fmla="val 19745494"/>
+              <a:gd name="adj2" fmla="val 414981"/>
+            </a:avLst>
+          </a:prstGeom>
+          <a:ln w="38100">
+            <a:solidFill>
+              <a:schemeClr val="tx1"/>
+            </a:solidFill>
+          </a:ln>
+        </p:spPr>
+        <p:style>
+          <a:lnRef idx="2">
+            <a:schemeClr val="accent1"/>
+          </a:lnRef>
+          <a:fillRef idx="0">
+            <a:schemeClr val="accent1"/>
+          </a:fillRef>
+          <a:effectRef idx="1">
+            <a:schemeClr val="accent1"/>
+          </a:effectRef>
+          <a:fontRef idx="minor">
+            <a:schemeClr val="tx1"/>
+          </a:fontRef>
+        </p:style>
+        <p:txBody>
+          <a:bodyPr rtlCol="0" anchor="ctr"/>
+          <a:lstStyle/>
+          <a:p>
+            <a:pPr algn="ctr"/>
+            <a:endParaRPr lang="en-ES"/>
+          </a:p>
+        </p:txBody>
+      </p:sp>
+      <p:cxnSp>
+        <p:nvCxnSpPr>
+          <p:cNvPr id="31" name="Straight Arrow Connector 30">
+            <a:extLst>
+              <a:ext uri="{FF2B5EF4-FFF2-40B4-BE49-F238E27FC236}">
+                <a16:creationId xmlns:a16="http://schemas.microsoft.com/office/drawing/2014/main" id="{DAB80AE4-2DA9-5C87-2446-D9AD483D5F7C}"/>
+              </a:ext>
+            </a:extLst>
+          </p:cNvPr>
+          <p:cNvCxnSpPr>
+            <a:cxnSpLocks/>
+          </p:cNvCxnSpPr>
+          <p:nvPr/>
+        </p:nvCxnSpPr>
+        <p:spPr>
+          <a:xfrm flipV="1">
+            <a:off x="2589628" y="3834198"/>
+            <a:ext cx="1708441" cy="1195002"/>
+          </a:xfrm>
+          <a:prstGeom prst="straightConnector1">
+            <a:avLst/>
+          </a:prstGeom>
+          <a:ln w="38100">
+            <a:solidFill>
+              <a:schemeClr val="tx1"/>
+            </a:solidFill>
+            <a:tailEnd type="none"/>
+          </a:ln>
+        </p:spPr>
+        <p:style>
+          <a:lnRef idx="2">
+            <a:schemeClr val="accent1"/>
+          </a:lnRef>
+          <a:fillRef idx="0">
+            <a:schemeClr val="accent1"/>
+          </a:fillRef>
+          <a:effectRef idx="1">
+            <a:schemeClr val="accent1"/>
+          </a:effectRef>
+          <a:fontRef idx="minor">
+            <a:schemeClr val="tx1"/>
+          </a:fontRef>
+        </p:style>
+      </p:cxnSp>
+      <p:sp>
+        <p:nvSpPr>
+          <p:cNvPr id="36" name="TextBox 35">
+            <a:extLst>
+              <a:ext uri="{FF2B5EF4-FFF2-40B4-BE49-F238E27FC236}">
+                <a16:creationId xmlns:a16="http://schemas.microsoft.com/office/drawing/2014/main" id="{361442C0-CDFC-75EA-BF49-A961B88188D3}"/>
+              </a:ext>
+            </a:extLst>
+          </p:cNvPr>
+          <p:cNvSpPr txBox="1"/>
+          <p:nvPr/>
+        </p:nvSpPr>
+        <p:spPr>
+          <a:xfrm>
+            <a:off x="3254860" y="4431699"/>
+            <a:ext cx="562975" cy="646331"/>
+          </a:xfrm>
+          <a:prstGeom prst="rect">
+            <a:avLst/>
+          </a:prstGeom>
+          <a:noFill/>
+        </p:spPr>
+        <p:txBody>
+          <a:bodyPr wrap="none" rtlCol="0">
+            <a:spAutoFit/>
+          </a:bodyPr>
+          <a:lstStyle/>
+          <a:p>
+            <a:r>
+              <a:rPr lang="en-ES" sz="3600" dirty="0"/>
+              <a:t>ɸ’</a:t>
+            </a:r>
+          </a:p>
+        </p:txBody>
+      </p:sp>
+      <p:sp>
+        <p:nvSpPr>
+          <p:cNvPr id="41" name="TextBox 40">
+            <a:extLst>
+              <a:ext uri="{FF2B5EF4-FFF2-40B4-BE49-F238E27FC236}">
+                <a16:creationId xmlns:a16="http://schemas.microsoft.com/office/drawing/2014/main" id="{21DF65AF-0014-9838-1F9C-FA788DF430E2}"/>
+              </a:ext>
+            </a:extLst>
+          </p:cNvPr>
+          <p:cNvSpPr txBox="1"/>
+          <p:nvPr/>
+        </p:nvSpPr>
+        <p:spPr>
+          <a:xfrm>
+            <a:off x="8895270" y="2869329"/>
+            <a:ext cx="393056" cy="646331"/>
+          </a:xfrm>
+          <a:prstGeom prst="rect">
+            <a:avLst/>
+          </a:prstGeom>
+          <a:noFill/>
+        </p:spPr>
+        <p:txBody>
+          <a:bodyPr wrap="none" rtlCol="0">
+            <a:spAutoFit/>
+          </a:bodyPr>
+          <a:lstStyle/>
+          <a:p>
+            <a:r>
+              <a:rPr lang="en-ES" sz="3600" dirty="0"/>
+              <a:t>y</a:t>
+            </a:r>
+          </a:p>
+        </p:txBody>
+      </p:sp>
+      <p:sp>
+        <p:nvSpPr>
+          <p:cNvPr id="37" name="Arc 36">
+            <a:extLst>
+              <a:ext uri="{FF2B5EF4-FFF2-40B4-BE49-F238E27FC236}">
+                <a16:creationId xmlns:a16="http://schemas.microsoft.com/office/drawing/2014/main" id="{E8940850-8C44-3553-B1C6-4AC24BCEB1E8}"/>
+              </a:ext>
+            </a:extLst>
+          </p:cNvPr>
+          <p:cNvSpPr/>
+          <p:nvPr/>
+        </p:nvSpPr>
+        <p:spPr>
+          <a:xfrm rot="15416767">
+            <a:off x="7308147" y="2797188"/>
+            <a:ext cx="1884148" cy="4222377"/>
+          </a:xfrm>
+          <a:prstGeom prst="arc">
+            <a:avLst>
+              <a:gd name="adj1" fmla="val 16931934"/>
+              <a:gd name="adj2" fmla="val 6161777"/>
+            </a:avLst>
+          </a:prstGeom>
+          <a:ln w="38100">
+            <a:gradFill>
+              <a:gsLst>
+                <a:gs pos="72000">
+                  <a:schemeClr val="accent1">
+                    <a:lumMod val="5000"/>
+                    <a:lumOff val="95000"/>
+                  </a:schemeClr>
+                </a:gs>
+                <a:gs pos="100000">
+                  <a:schemeClr val="accent1">
+                    <a:lumMod val="45000"/>
+                    <a:lumOff val="55000"/>
+                  </a:schemeClr>
+                </a:gs>
+                <a:gs pos="0">
+                  <a:srgbClr val="FF0000"/>
+                </a:gs>
+              </a:gsLst>
+              <a:lin ang="5400000" scaled="1"/>
+            </a:gradFill>
+          </a:ln>
+        </p:spPr>
+        <p:style>
+          <a:lnRef idx="2">
+            <a:schemeClr val="accent1"/>
+          </a:lnRef>
+          <a:fillRef idx="0">
+            <a:schemeClr val="accent1"/>
+          </a:fillRef>
+          <a:effectRef idx="1">
+            <a:schemeClr val="accent1"/>
+          </a:effectRef>
+          <a:fontRef idx="minor">
+            <a:schemeClr val="tx1"/>
+          </a:fontRef>
+        </p:style>
+        <p:txBody>
+          <a:bodyPr rtlCol="0" anchor="ctr"/>
+          <a:lstStyle/>
+          <a:p>
+            <a:pPr algn="ctr"/>
+            <a:endParaRPr lang="en-ES"/>
+          </a:p>
+        </p:txBody>
+      </p:sp>
+      <p:cxnSp>
+        <p:nvCxnSpPr>
+          <p:cNvPr id="38" name="Straight Arrow Connector 37">
+            <a:extLst>
+              <a:ext uri="{FF2B5EF4-FFF2-40B4-BE49-F238E27FC236}">
+                <a16:creationId xmlns:a16="http://schemas.microsoft.com/office/drawing/2014/main" id="{7F40F7C0-8F9F-5467-0AA1-54322A1B012E}"/>
+              </a:ext>
+            </a:extLst>
+          </p:cNvPr>
+          <p:cNvCxnSpPr>
+            <a:cxnSpLocks/>
+          </p:cNvCxnSpPr>
+          <p:nvPr/>
+        </p:nvCxnSpPr>
+        <p:spPr>
+          <a:xfrm flipV="1">
+            <a:off x="8226694" y="2417283"/>
+            <a:ext cx="23527" cy="2491093"/>
+          </a:xfrm>
+          <a:prstGeom prst="straightConnector1">
+            <a:avLst/>
+          </a:prstGeom>
+          <a:ln w="38100">
+            <a:solidFill>
+              <a:schemeClr val="tx1"/>
+            </a:solidFill>
+            <a:tailEnd type="triangle"/>
+          </a:ln>
+        </p:spPr>
+        <p:style>
+          <a:lnRef idx="2">
+            <a:schemeClr val="accent1"/>
+          </a:lnRef>
+          <a:fillRef idx="0">
+            <a:schemeClr val="accent1"/>
+          </a:fillRef>
+          <a:effectRef idx="1">
+            <a:schemeClr val="accent1"/>
+          </a:effectRef>
+          <a:fontRef idx="minor">
+            <a:schemeClr val="tx1"/>
+          </a:fontRef>
+        </p:style>
+      </p:cxnSp>
+      <p:cxnSp>
+        <p:nvCxnSpPr>
+          <p:cNvPr id="42" name="Straight Arrow Connector 41">
+            <a:extLst>
+              <a:ext uri="{FF2B5EF4-FFF2-40B4-BE49-F238E27FC236}">
+                <a16:creationId xmlns:a16="http://schemas.microsoft.com/office/drawing/2014/main" id="{3FF65B0D-2128-48A2-C6BF-EEFBDF5032C2}"/>
+              </a:ext>
+            </a:extLst>
+          </p:cNvPr>
+          <p:cNvCxnSpPr>
+            <a:cxnSpLocks/>
+          </p:cNvCxnSpPr>
+          <p:nvPr/>
+        </p:nvCxnSpPr>
+        <p:spPr>
+          <a:xfrm>
+            <a:off x="8226694" y="4908376"/>
+            <a:ext cx="3225269" cy="0"/>
+          </a:xfrm>
+          <a:prstGeom prst="straightConnector1">
+            <a:avLst/>
+          </a:prstGeom>
+          <a:ln w="38100">
+            <a:solidFill>
+              <a:schemeClr val="tx1"/>
+            </a:solidFill>
+            <a:tailEnd type="triangle"/>
+          </a:ln>
+        </p:spPr>
+        <p:style>
+          <a:lnRef idx="2">
+            <a:schemeClr val="accent1"/>
+          </a:lnRef>
+          <a:fillRef idx="0">
+            <a:schemeClr val="accent1"/>
+          </a:fillRef>
+          <a:effectRef idx="1">
+            <a:schemeClr val="accent1"/>
+          </a:effectRef>
+          <a:fontRef idx="minor">
+            <a:schemeClr val="tx1"/>
+          </a:fontRef>
+        </p:style>
+      </p:cxnSp>
+      <p:sp>
+        <p:nvSpPr>
+          <p:cNvPr id="43" name="TextBox 42">
+            <a:extLst>
+              <a:ext uri="{FF2B5EF4-FFF2-40B4-BE49-F238E27FC236}">
+                <a16:creationId xmlns:a16="http://schemas.microsoft.com/office/drawing/2014/main" id="{62972613-7A40-EEAD-36D6-D99B33FD04D6}"/>
+              </a:ext>
+            </a:extLst>
+          </p:cNvPr>
+          <p:cNvSpPr txBox="1"/>
+          <p:nvPr/>
+        </p:nvSpPr>
+        <p:spPr>
+          <a:xfrm>
+            <a:off x="11069866" y="4895265"/>
+            <a:ext cx="567868" cy="646331"/>
+          </a:xfrm>
+          <a:prstGeom prst="rect">
+            <a:avLst/>
+          </a:prstGeom>
+          <a:noFill/>
+        </p:spPr>
+        <p:txBody>
+          <a:bodyPr wrap="square" rtlCol="0">
+            <a:spAutoFit/>
+          </a:bodyPr>
+          <a:lstStyle/>
+          <a:p>
+            <a:r>
+              <a:rPr lang="en-ES" sz="3600" dirty="0"/>
+              <a:t>x</a:t>
+            </a:r>
+          </a:p>
+        </p:txBody>
+      </p:sp>
+      <p:cxnSp>
+        <p:nvCxnSpPr>
+          <p:cNvPr id="58" name="Straight Arrow Connector 57">
+            <a:extLst>
+              <a:ext uri="{FF2B5EF4-FFF2-40B4-BE49-F238E27FC236}">
+                <a16:creationId xmlns:a16="http://schemas.microsoft.com/office/drawing/2014/main" id="{CCA5B95B-998E-A1C6-47D1-5E353C95FAF5}"/>
+              </a:ext>
+            </a:extLst>
+          </p:cNvPr>
+          <p:cNvCxnSpPr>
+            <a:cxnSpLocks/>
+          </p:cNvCxnSpPr>
+          <p:nvPr/>
+        </p:nvCxnSpPr>
+        <p:spPr>
+          <a:xfrm flipV="1">
+            <a:off x="8231487" y="3513799"/>
+            <a:ext cx="951382" cy="1419145"/>
+          </a:xfrm>
+          <a:prstGeom prst="straightConnector1">
+            <a:avLst/>
+          </a:prstGeom>
+          <a:ln w="38100">
+            <a:solidFill>
+              <a:schemeClr val="tx1"/>
+            </a:solidFill>
+            <a:tailEnd type="triangle"/>
+          </a:ln>
+        </p:spPr>
+        <p:style>
+          <a:lnRef idx="2">
+            <a:schemeClr val="accent1"/>
+          </a:lnRef>
+          <a:fillRef idx="0">
+            <a:schemeClr val="accent1"/>
+          </a:fillRef>
+          <a:effectRef idx="1">
+            <a:schemeClr val="accent1"/>
+          </a:effectRef>
+          <a:fontRef idx="minor">
+            <a:schemeClr val="tx1"/>
+          </a:fontRef>
+        </p:style>
+      </p:cxnSp>
+      <p:sp>
+        <p:nvSpPr>
+          <p:cNvPr id="61" name="TextBox 60">
+            <a:extLst>
+              <a:ext uri="{FF2B5EF4-FFF2-40B4-BE49-F238E27FC236}">
+                <a16:creationId xmlns:a16="http://schemas.microsoft.com/office/drawing/2014/main" id="{7C0742B9-49F1-60CA-F189-435AEC7AC1F2}"/>
+              </a:ext>
+            </a:extLst>
+          </p:cNvPr>
+          <p:cNvSpPr txBox="1"/>
+          <p:nvPr/>
+        </p:nvSpPr>
+        <p:spPr>
+          <a:xfrm>
+            <a:off x="8375794" y="2033395"/>
+            <a:ext cx="386644" cy="646331"/>
+          </a:xfrm>
+          <a:prstGeom prst="rect">
+            <a:avLst/>
+          </a:prstGeom>
+          <a:noFill/>
+        </p:spPr>
+        <p:txBody>
+          <a:bodyPr wrap="none" rtlCol="0">
+            <a:spAutoFit/>
+          </a:bodyPr>
+          <a:lstStyle/>
+          <a:p>
+            <a:r>
+              <a:rPr lang="en-ES" sz="3600" dirty="0"/>
+              <a:t>z</a:t>
+            </a:r>
+          </a:p>
+        </p:txBody>
+      </p:sp>
+      <p:sp>
+        <p:nvSpPr>
+          <p:cNvPr id="63" name="Oval 62">
+            <a:extLst>
+              <a:ext uri="{FF2B5EF4-FFF2-40B4-BE49-F238E27FC236}">
+                <a16:creationId xmlns:a16="http://schemas.microsoft.com/office/drawing/2014/main" id="{4C5C545A-0A5E-81E3-07A4-D107F0ADC87A}"/>
+              </a:ext>
+            </a:extLst>
+          </p:cNvPr>
+          <p:cNvSpPr/>
+          <p:nvPr/>
+        </p:nvSpPr>
+        <p:spPr>
+          <a:xfrm>
+            <a:off x="8196111" y="3083404"/>
+            <a:ext cx="95519" cy="87688"/>
+          </a:xfrm>
+          <a:prstGeom prst="ellipse">
+            <a:avLst/>
+          </a:prstGeom>
+        </p:spPr>
+        <p:style>
+          <a:lnRef idx="2">
+            <a:schemeClr val="accent1">
+              <a:shade val="15000"/>
+            </a:schemeClr>
+          </a:lnRef>
+          <a:fillRef idx="1">
+            <a:schemeClr val="accent1"/>
+          </a:fillRef>
+          <a:effectRef idx="0">
+            <a:schemeClr val="accent1"/>
+          </a:effectRef>
+          <a:fontRef idx="minor">
+            <a:schemeClr val="lt1"/>
+          </a:fontRef>
+        </p:style>
+        <p:txBody>
+          <a:bodyPr rtlCol="0" anchor="ctr"/>
+          <a:lstStyle/>
+          <a:p>
+            <a:pPr algn="ctr"/>
+            <a:endParaRPr lang="en-ES"/>
+          </a:p>
+        </p:txBody>
+      </p:sp>
+      <p:sp>
+        <p:nvSpPr>
+          <p:cNvPr id="64" name="Oval 63">
+            <a:extLst>
+              <a:ext uri="{FF2B5EF4-FFF2-40B4-BE49-F238E27FC236}">
+                <a16:creationId xmlns:a16="http://schemas.microsoft.com/office/drawing/2014/main" id="{B9DECD15-6A90-8F2A-42EE-A001068C177B}"/>
+              </a:ext>
+            </a:extLst>
+          </p:cNvPr>
+          <p:cNvSpPr/>
+          <p:nvPr/>
+        </p:nvSpPr>
+        <p:spPr>
+          <a:xfrm>
+            <a:off x="10236623" y="4342107"/>
+            <a:ext cx="95519" cy="87688"/>
+          </a:xfrm>
+          <a:prstGeom prst="ellipse">
+            <a:avLst/>
+          </a:prstGeom>
+        </p:spPr>
+        <p:style>
+          <a:lnRef idx="2">
+            <a:schemeClr val="accent1">
+              <a:shade val="15000"/>
+            </a:schemeClr>
+          </a:lnRef>
+          <a:fillRef idx="1">
+            <a:schemeClr val="accent1"/>
+          </a:fillRef>
+          <a:effectRef idx="0">
+            <a:schemeClr val="accent1"/>
+          </a:effectRef>
+          <a:fontRef idx="minor">
+            <a:schemeClr val="lt1"/>
+          </a:fontRef>
+        </p:style>
+        <p:txBody>
+          <a:bodyPr rtlCol="0" anchor="ctr"/>
+          <a:lstStyle/>
+          <a:p>
+            <a:pPr algn="ctr"/>
+            <a:endParaRPr lang="en-ES"/>
+          </a:p>
+        </p:txBody>
+      </p:sp>
+      <p:sp>
+        <p:nvSpPr>
+          <p:cNvPr id="65" name="Oval 64">
+            <a:extLst>
+              <a:ext uri="{FF2B5EF4-FFF2-40B4-BE49-F238E27FC236}">
+                <a16:creationId xmlns:a16="http://schemas.microsoft.com/office/drawing/2014/main" id="{CBEA7EF2-4DF1-77C2-309F-A3BFC3B20BE1}"/>
+              </a:ext>
+            </a:extLst>
+          </p:cNvPr>
+          <p:cNvSpPr/>
+          <p:nvPr/>
+        </p:nvSpPr>
+        <p:spPr>
+          <a:xfrm>
+            <a:off x="6940473" y="4342107"/>
+            <a:ext cx="95519" cy="87688"/>
+          </a:xfrm>
+          <a:prstGeom prst="ellipse">
+            <a:avLst/>
+          </a:prstGeom>
+        </p:spPr>
+        <p:style>
+          <a:lnRef idx="2">
+            <a:schemeClr val="accent1">
+              <a:shade val="15000"/>
+            </a:schemeClr>
+          </a:lnRef>
+          <a:fillRef idx="1">
+            <a:schemeClr val="accent1"/>
+          </a:fillRef>
+          <a:effectRef idx="0">
+            <a:schemeClr val="accent1"/>
+          </a:effectRef>
+          <a:fontRef idx="minor">
+            <a:schemeClr val="lt1"/>
+          </a:fontRef>
+        </p:style>
+        <p:txBody>
+          <a:bodyPr rtlCol="0" anchor="ctr"/>
+          <a:lstStyle/>
+          <a:p>
+            <a:pPr algn="ctr"/>
+            <a:endParaRPr lang="en-ES"/>
+          </a:p>
+        </p:txBody>
+      </p:sp>
+      <p:cxnSp>
+        <p:nvCxnSpPr>
+          <p:cNvPr id="66" name="Straight Arrow Connector 65">
+            <a:extLst>
+              <a:ext uri="{FF2B5EF4-FFF2-40B4-BE49-F238E27FC236}">
+                <a16:creationId xmlns:a16="http://schemas.microsoft.com/office/drawing/2014/main" id="{4E6E89EA-DB65-0D6F-D0E7-B4A7A3669132}"/>
+              </a:ext>
+            </a:extLst>
+          </p:cNvPr>
+          <p:cNvCxnSpPr>
+            <a:cxnSpLocks/>
+          </p:cNvCxnSpPr>
+          <p:nvPr/>
+        </p:nvCxnSpPr>
+        <p:spPr>
+          <a:xfrm flipH="1" flipV="1">
+            <a:off x="7510690" y="2665527"/>
+            <a:ext cx="699409" cy="438811"/>
+          </a:xfrm>
+          <a:prstGeom prst="straightConnector1">
+            <a:avLst/>
+          </a:prstGeom>
+          <a:ln w="38100">
+            <a:solidFill>
+              <a:schemeClr val="tx1"/>
+            </a:solidFill>
+            <a:tailEnd type="triangle"/>
+          </a:ln>
+        </p:spPr>
+        <p:style>
+          <a:lnRef idx="2">
+            <a:schemeClr val="accent1"/>
+          </a:lnRef>
+          <a:fillRef idx="0">
+            <a:schemeClr val="accent1"/>
+          </a:fillRef>
+          <a:effectRef idx="1">
+            <a:schemeClr val="accent1"/>
+          </a:effectRef>
+          <a:fontRef idx="minor">
+            <a:schemeClr val="tx1"/>
+          </a:fontRef>
+        </p:style>
+      </p:cxnSp>
+      <p:cxnSp>
+        <p:nvCxnSpPr>
+          <p:cNvPr id="70" name="Straight Arrow Connector 69">
+            <a:extLst>
+              <a:ext uri="{FF2B5EF4-FFF2-40B4-BE49-F238E27FC236}">
+                <a16:creationId xmlns:a16="http://schemas.microsoft.com/office/drawing/2014/main" id="{057A2C09-DEA6-0010-6F4A-38BA466EE131}"/>
+              </a:ext>
+            </a:extLst>
+          </p:cNvPr>
+          <p:cNvCxnSpPr>
+            <a:cxnSpLocks/>
+            <a:endCxn id="63" idx="5"/>
+          </p:cNvCxnSpPr>
+          <p:nvPr/>
+        </p:nvCxnSpPr>
+        <p:spPr>
+          <a:xfrm flipH="1" flipV="1">
+            <a:off x="8277642" y="3158250"/>
+            <a:ext cx="1987588" cy="1217979"/>
+          </a:xfrm>
+          <a:prstGeom prst="straightConnector1">
+            <a:avLst/>
+          </a:prstGeom>
+          <a:ln w="38100">
+            <a:solidFill>
+              <a:schemeClr val="tx1"/>
+            </a:solidFill>
+            <a:prstDash val="dash"/>
+            <a:tailEnd type="none"/>
+          </a:ln>
+        </p:spPr>
+        <p:style>
+          <a:lnRef idx="2">
+            <a:schemeClr val="accent1"/>
+          </a:lnRef>
+          <a:fillRef idx="0">
+            <a:schemeClr val="accent1"/>
+          </a:fillRef>
+          <a:effectRef idx="1">
+            <a:schemeClr val="accent1"/>
+          </a:effectRef>
+          <a:fontRef idx="minor">
+            <a:schemeClr val="tx1"/>
+          </a:fontRef>
+        </p:style>
+      </p:cxnSp>
+      <p:cxnSp>
+        <p:nvCxnSpPr>
+          <p:cNvPr id="73" name="Straight Arrow Connector 72">
+            <a:extLst>
+              <a:ext uri="{FF2B5EF4-FFF2-40B4-BE49-F238E27FC236}">
+                <a16:creationId xmlns:a16="http://schemas.microsoft.com/office/drawing/2014/main" id="{574AE1CD-877A-3333-9F4B-5AB770D75161}"/>
+              </a:ext>
+            </a:extLst>
+          </p:cNvPr>
+          <p:cNvCxnSpPr>
+            <a:cxnSpLocks/>
+          </p:cNvCxnSpPr>
+          <p:nvPr/>
+        </p:nvCxnSpPr>
+        <p:spPr>
+          <a:xfrm flipH="1">
+            <a:off x="7632706" y="3151452"/>
+            <a:ext cx="585558" cy="600339"/>
+          </a:xfrm>
+          <a:prstGeom prst="straightConnector1">
+            <a:avLst/>
+          </a:prstGeom>
+          <a:ln w="38100">
+            <a:solidFill>
+              <a:schemeClr val="tx1"/>
+            </a:solidFill>
+            <a:tailEnd type="triangle"/>
+          </a:ln>
+        </p:spPr>
+        <p:style>
+          <a:lnRef idx="2">
+            <a:schemeClr val="accent1"/>
+          </a:lnRef>
+          <a:fillRef idx="0">
+            <a:schemeClr val="accent1"/>
+          </a:fillRef>
+          <a:effectRef idx="1">
+            <a:schemeClr val="accent1"/>
+          </a:effectRef>
+          <a:fontRef idx="minor">
+            <a:schemeClr val="tx1"/>
+          </a:fontRef>
+        </p:style>
+      </p:cxnSp>
+      <p:cxnSp>
+        <p:nvCxnSpPr>
+          <p:cNvPr id="76" name="Straight Arrow Connector 75">
+            <a:extLst>
+              <a:ext uri="{FF2B5EF4-FFF2-40B4-BE49-F238E27FC236}">
+                <a16:creationId xmlns:a16="http://schemas.microsoft.com/office/drawing/2014/main" id="{5EA5187D-0BEF-3AE5-F182-07B473F575C7}"/>
+              </a:ext>
+            </a:extLst>
+          </p:cNvPr>
+          <p:cNvCxnSpPr>
+            <a:cxnSpLocks/>
+            <a:endCxn id="65" idx="7"/>
+          </p:cNvCxnSpPr>
+          <p:nvPr/>
+        </p:nvCxnSpPr>
+        <p:spPr>
+          <a:xfrm flipH="1">
+            <a:off x="7022004" y="3801830"/>
+            <a:ext cx="551549" cy="553119"/>
+          </a:xfrm>
+          <a:prstGeom prst="straightConnector1">
+            <a:avLst/>
+          </a:prstGeom>
+          <a:ln w="38100">
+            <a:solidFill>
+              <a:schemeClr val="tx1"/>
+            </a:solidFill>
+            <a:prstDash val="dash"/>
+            <a:tailEnd type="none"/>
+          </a:ln>
+        </p:spPr>
+        <p:style>
+          <a:lnRef idx="2">
+            <a:schemeClr val="accent1"/>
+          </a:lnRef>
+          <a:fillRef idx="0">
+            <a:schemeClr val="accent1"/>
+          </a:fillRef>
+          <a:effectRef idx="1">
+            <a:schemeClr val="accent1"/>
+          </a:effectRef>
+          <a:fontRef idx="minor">
+            <a:schemeClr val="tx1"/>
+          </a:fontRef>
+        </p:style>
+      </p:cxnSp>
+      <p:sp>
+        <p:nvSpPr>
+          <p:cNvPr id="88" name="TextBox 87">
+            <a:extLst>
+              <a:ext uri="{FF2B5EF4-FFF2-40B4-BE49-F238E27FC236}">
+                <a16:creationId xmlns:a16="http://schemas.microsoft.com/office/drawing/2014/main" id="{62F315E5-15F5-F32A-79B4-8EB5B351B1F7}"/>
+              </a:ext>
+            </a:extLst>
+          </p:cNvPr>
+          <p:cNvSpPr txBox="1"/>
+          <p:nvPr/>
+        </p:nvSpPr>
+        <p:spPr>
+          <a:xfrm>
+            <a:off x="6086094" y="2322249"/>
+            <a:ext cx="1804276" cy="369332"/>
+          </a:xfrm>
+          <a:prstGeom prst="rect">
+            <a:avLst/>
+          </a:prstGeom>
+          <a:noFill/>
+        </p:spPr>
+        <p:txBody>
+          <a:bodyPr wrap="none" rtlCol="0">
+            <a:spAutoFit/>
+          </a:bodyPr>
+          <a:lstStyle/>
+          <a:p>
+            <a:r>
+              <a:rPr lang="en-ES" dirty="0"/>
+              <a:t>Ez&gt;0  Ey&lt;0  Ex&lt;0</a:t>
+            </a:r>
+          </a:p>
+        </p:txBody>
+      </p:sp>
+      <p:sp>
+        <p:nvSpPr>
+          <p:cNvPr id="89" name="TextBox 88">
+            <a:extLst>
+              <a:ext uri="{FF2B5EF4-FFF2-40B4-BE49-F238E27FC236}">
+                <a16:creationId xmlns:a16="http://schemas.microsoft.com/office/drawing/2014/main" id="{6F7CE4F5-D0BA-E3E3-F65E-E299F8461623}"/>
+              </a:ext>
+            </a:extLst>
+          </p:cNvPr>
+          <p:cNvSpPr txBox="1"/>
+          <p:nvPr/>
+        </p:nvSpPr>
+        <p:spPr>
+          <a:xfrm>
+            <a:off x="6038727" y="3227768"/>
+            <a:ext cx="1804276" cy="369332"/>
+          </a:xfrm>
+          <a:prstGeom prst="rect">
+            <a:avLst/>
+          </a:prstGeom>
+          <a:noFill/>
+        </p:spPr>
+        <p:txBody>
+          <a:bodyPr wrap="none" rtlCol="0">
+            <a:spAutoFit/>
+          </a:bodyPr>
+          <a:lstStyle/>
+          <a:p>
+            <a:r>
+              <a:rPr lang="en-ES" dirty="0"/>
+              <a:t>Ez&lt;0  Ey&gt;0  Ex&lt;0</a:t>
+            </a:r>
+          </a:p>
+        </p:txBody>
+      </p:sp>
+    </p:spTree>
+    <p:extLst>
+      <p:ext uri="{BB962C8B-B14F-4D97-AF65-F5344CB8AC3E}">
+        <p14:creationId xmlns:p14="http://schemas.microsoft.com/office/powerpoint/2010/main" val="650413243"/>
+      </p:ext>
+    </p:extLst>
+  </p:cSld>
+  <p:clrMapOvr>
+    <a:masterClrMapping/>
+  </p:clrMapOvr>
+</p:sld>
+</file>
+
+<file path=ppt/slides/slide30.xml><?xml version="1.0" encoding="utf-8"?>
 <p:sld xmlns:a="http://schemas.openxmlformats.org/drawingml/2006/main" xmlns:r="http://schemas.openxmlformats.org/officeDocument/2006/relationships" xmlns:p="http://schemas.openxmlformats.org/presentationml/2006/main">
   <p:cSld>
     <p:spTree>
@@ -22621,7 +26912,7 @@
 </p:sld>
 </file>
 
-<file path=ppt/slides/slide29.xml><?xml version="1.0" encoding="utf-8"?>
+<file path=ppt/slides/slide31.xml><?xml version="1.0" encoding="utf-8"?>
 <p:sld xmlns:a="http://schemas.openxmlformats.org/drawingml/2006/main" xmlns:r="http://schemas.openxmlformats.org/officeDocument/2006/relationships" xmlns:p="http://schemas.openxmlformats.org/presentationml/2006/main">
   <p:cSld>
     <p:spTree>
@@ -23204,1160 +27495,7 @@
 </p:sld>
 </file>
 
-<file path=ppt/slides/slide3.xml><?xml version="1.0" encoding="utf-8"?>
-<p:sld xmlns:a="http://schemas.openxmlformats.org/drawingml/2006/main" xmlns:r="http://schemas.openxmlformats.org/officeDocument/2006/relationships" xmlns:p="http://schemas.openxmlformats.org/presentationml/2006/main">
-  <p:cSld>
-    <p:spTree>
-      <p:nvGrpSpPr>
-        <p:cNvPr id="1" name=""/>
-        <p:cNvGrpSpPr/>
-        <p:nvPr/>
-      </p:nvGrpSpPr>
-      <p:grpSpPr>
-        <a:xfrm>
-          <a:off x="0" y="0"/>
-          <a:ext cx="0" cy="0"/>
-          <a:chOff x="0" y="0"/>
-          <a:chExt cx="0" cy="0"/>
-        </a:xfrm>
-      </p:grpSpPr>
-      <p:sp>
-        <p:nvSpPr>
-          <p:cNvPr id="2" name="Title 1">
-            <a:extLst>
-              <a:ext uri="{FF2B5EF4-FFF2-40B4-BE49-F238E27FC236}">
-                <a16:creationId xmlns:a16="http://schemas.microsoft.com/office/drawing/2014/main" id="{D39B841F-54C7-3AE1-E545-FD824C8DAF7F}"/>
-              </a:ext>
-            </a:extLst>
-          </p:cNvPr>
-          <p:cNvSpPr>
-            <a:spLocks noGrp="1"/>
-          </p:cNvSpPr>
-          <p:nvPr>
-            <p:ph type="title"/>
-          </p:nvPr>
-        </p:nvSpPr>
-        <p:spPr/>
-        <p:txBody>
-          <a:bodyPr/>
-          <a:lstStyle/>
-          <a:p>
-            <a:r>
-              <a:rPr lang="en-ES" dirty="0"/>
-              <a:t>B1.S2.1</a:t>
-            </a:r>
-          </a:p>
-        </p:txBody>
-      </p:sp>
-      <p:sp>
-        <p:nvSpPr>
-          <p:cNvPr id="5" name="Arc 4">
-            <a:extLst>
-              <a:ext uri="{FF2B5EF4-FFF2-40B4-BE49-F238E27FC236}">
-                <a16:creationId xmlns:a16="http://schemas.microsoft.com/office/drawing/2014/main" id="{C62C6161-AC50-592A-79A8-62650346F24E}"/>
-              </a:ext>
-            </a:extLst>
-          </p:cNvPr>
-          <p:cNvSpPr/>
-          <p:nvPr/>
-        </p:nvSpPr>
-        <p:spPr>
-          <a:xfrm rot="16200000">
-            <a:off x="492552" y="2918012"/>
-            <a:ext cx="4155141" cy="4222377"/>
-          </a:xfrm>
-          <a:prstGeom prst="arc">
-            <a:avLst>
-              <a:gd name="adj1" fmla="val 16259988"/>
-              <a:gd name="adj2" fmla="val 5404610"/>
-            </a:avLst>
-          </a:prstGeom>
-          <a:ln w="38100">
-            <a:gradFill>
-              <a:gsLst>
-                <a:gs pos="51000">
-                  <a:schemeClr val="accent1">
-                    <a:lumMod val="5000"/>
-                    <a:lumOff val="95000"/>
-                  </a:schemeClr>
-                </a:gs>
-                <a:gs pos="100000">
-                  <a:schemeClr val="accent1">
-                    <a:lumMod val="45000"/>
-                    <a:lumOff val="55000"/>
-                  </a:schemeClr>
-                </a:gs>
-                <a:gs pos="0">
-                  <a:srgbClr val="FF0000"/>
-                </a:gs>
-              </a:gsLst>
-              <a:lin ang="5400000" scaled="1"/>
-            </a:gradFill>
-          </a:ln>
-        </p:spPr>
-        <p:style>
-          <a:lnRef idx="2">
-            <a:schemeClr val="accent1"/>
-          </a:lnRef>
-          <a:fillRef idx="0">
-            <a:schemeClr val="accent1"/>
-          </a:fillRef>
-          <a:effectRef idx="1">
-            <a:schemeClr val="accent1"/>
-          </a:effectRef>
-          <a:fontRef idx="minor">
-            <a:schemeClr val="tx1"/>
-          </a:fontRef>
-        </p:style>
-        <p:txBody>
-          <a:bodyPr rtlCol="0" anchor="ctr"/>
-          <a:lstStyle/>
-          <a:p>
-            <a:pPr algn="ctr"/>
-            <a:endParaRPr lang="en-ES"/>
-          </a:p>
-        </p:txBody>
-      </p:sp>
-      <p:cxnSp>
-        <p:nvCxnSpPr>
-          <p:cNvPr id="10" name="Straight Arrow Connector 9">
-            <a:extLst>
-              <a:ext uri="{FF2B5EF4-FFF2-40B4-BE49-F238E27FC236}">
-                <a16:creationId xmlns:a16="http://schemas.microsoft.com/office/drawing/2014/main" id="{8E1BDB21-2D8F-C9C2-3B07-F77D99022865}"/>
-              </a:ext>
-            </a:extLst>
-          </p:cNvPr>
-          <p:cNvCxnSpPr>
-            <a:cxnSpLocks/>
-          </p:cNvCxnSpPr>
-          <p:nvPr/>
-        </p:nvCxnSpPr>
-        <p:spPr>
-          <a:xfrm flipV="1">
-            <a:off x="2589628" y="1817132"/>
-            <a:ext cx="0" cy="3223735"/>
-          </a:xfrm>
-          <a:prstGeom prst="straightConnector1">
-            <a:avLst/>
-          </a:prstGeom>
-          <a:ln w="38100">
-            <a:solidFill>
-              <a:schemeClr val="tx1"/>
-            </a:solidFill>
-            <a:tailEnd type="triangle"/>
-          </a:ln>
-        </p:spPr>
-        <p:style>
-          <a:lnRef idx="2">
-            <a:schemeClr val="accent1"/>
-          </a:lnRef>
-          <a:fillRef idx="0">
-            <a:schemeClr val="accent1"/>
-          </a:fillRef>
-          <a:effectRef idx="1">
-            <a:schemeClr val="accent1"/>
-          </a:effectRef>
-          <a:fontRef idx="minor">
-            <a:schemeClr val="tx1"/>
-          </a:fontRef>
-        </p:style>
-      </p:cxnSp>
-      <p:sp>
-        <p:nvSpPr>
-          <p:cNvPr id="15" name="TextBox 14">
-            <a:extLst>
-              <a:ext uri="{FF2B5EF4-FFF2-40B4-BE49-F238E27FC236}">
-                <a16:creationId xmlns:a16="http://schemas.microsoft.com/office/drawing/2014/main" id="{724436C1-324F-AAF1-C132-967FFB014398}"/>
-              </a:ext>
-            </a:extLst>
-          </p:cNvPr>
-          <p:cNvSpPr txBox="1"/>
-          <p:nvPr/>
-        </p:nvSpPr>
-        <p:spPr>
-          <a:xfrm>
-            <a:off x="2054698" y="1817132"/>
-            <a:ext cx="393056" cy="646331"/>
-          </a:xfrm>
-          <a:prstGeom prst="rect">
-            <a:avLst/>
-          </a:prstGeom>
-          <a:noFill/>
-        </p:spPr>
-        <p:txBody>
-          <a:bodyPr wrap="none" rtlCol="0">
-            <a:spAutoFit/>
-          </a:bodyPr>
-          <a:lstStyle/>
-          <a:p>
-            <a:r>
-              <a:rPr lang="en-ES" sz="3600" dirty="0"/>
-              <a:t>y</a:t>
-            </a:r>
-          </a:p>
-        </p:txBody>
-      </p:sp>
-      <p:cxnSp>
-        <p:nvCxnSpPr>
-          <p:cNvPr id="17" name="Straight Arrow Connector 16">
-            <a:extLst>
-              <a:ext uri="{FF2B5EF4-FFF2-40B4-BE49-F238E27FC236}">
-                <a16:creationId xmlns:a16="http://schemas.microsoft.com/office/drawing/2014/main" id="{5B01AE06-DAE3-451D-0620-065E77F3FD38}"/>
-              </a:ext>
-            </a:extLst>
-          </p:cNvPr>
-          <p:cNvCxnSpPr>
-            <a:cxnSpLocks/>
-          </p:cNvCxnSpPr>
-          <p:nvPr/>
-        </p:nvCxnSpPr>
-        <p:spPr>
-          <a:xfrm>
-            <a:off x="2589628" y="5040867"/>
-            <a:ext cx="3225269" cy="0"/>
-          </a:xfrm>
-          <a:prstGeom prst="straightConnector1">
-            <a:avLst/>
-          </a:prstGeom>
-          <a:ln w="38100">
-            <a:solidFill>
-              <a:schemeClr val="tx1"/>
-            </a:solidFill>
-            <a:tailEnd type="triangle"/>
-          </a:ln>
-        </p:spPr>
-        <p:style>
-          <a:lnRef idx="2">
-            <a:schemeClr val="accent1"/>
-          </a:lnRef>
-          <a:fillRef idx="0">
-            <a:schemeClr val="accent1"/>
-          </a:fillRef>
-          <a:effectRef idx="1">
-            <a:schemeClr val="accent1"/>
-          </a:effectRef>
-          <a:fontRef idx="minor">
-            <a:schemeClr val="tx1"/>
-          </a:fontRef>
-        </p:style>
-      </p:cxnSp>
-      <p:sp>
-        <p:nvSpPr>
-          <p:cNvPr id="18" name="TextBox 17">
-            <a:extLst>
-              <a:ext uri="{FF2B5EF4-FFF2-40B4-BE49-F238E27FC236}">
-                <a16:creationId xmlns:a16="http://schemas.microsoft.com/office/drawing/2014/main" id="{10908EA1-8301-F8A5-2AA4-12299B055323}"/>
-              </a:ext>
-            </a:extLst>
-          </p:cNvPr>
-          <p:cNvSpPr txBox="1"/>
-          <p:nvPr/>
-        </p:nvSpPr>
-        <p:spPr>
-          <a:xfrm>
-            <a:off x="5392791" y="5040867"/>
-            <a:ext cx="567868" cy="646331"/>
-          </a:xfrm>
-          <a:prstGeom prst="rect">
-            <a:avLst/>
-          </a:prstGeom>
-          <a:noFill/>
-        </p:spPr>
-        <p:txBody>
-          <a:bodyPr wrap="square" rtlCol="0">
-            <a:spAutoFit/>
-          </a:bodyPr>
-          <a:lstStyle/>
-          <a:p>
-            <a:r>
-              <a:rPr lang="en-ES" sz="3600" dirty="0"/>
-              <a:t>x</a:t>
-            </a:r>
-          </a:p>
-        </p:txBody>
-      </p:sp>
-      <p:sp>
-        <p:nvSpPr>
-          <p:cNvPr id="24" name="TextBox 23">
-            <a:extLst>
-              <a:ext uri="{FF2B5EF4-FFF2-40B4-BE49-F238E27FC236}">
-                <a16:creationId xmlns:a16="http://schemas.microsoft.com/office/drawing/2014/main" id="{619EBB20-CB39-E643-A01C-4EDC9B94301E}"/>
-              </a:ext>
-            </a:extLst>
-          </p:cNvPr>
-          <p:cNvSpPr txBox="1"/>
-          <p:nvPr/>
-        </p:nvSpPr>
-        <p:spPr>
-          <a:xfrm>
-            <a:off x="3338760" y="2417283"/>
-            <a:ext cx="2207656" cy="646331"/>
-          </a:xfrm>
-          <a:prstGeom prst="rect">
-            <a:avLst/>
-          </a:prstGeom>
-          <a:noFill/>
-        </p:spPr>
-        <p:txBody>
-          <a:bodyPr wrap="none" rtlCol="0">
-            <a:spAutoFit/>
-          </a:bodyPr>
-          <a:lstStyle/>
-          <a:p>
-            <a:r>
-              <a:rPr lang="en-ES" sz="3600" dirty="0"/>
-              <a:t>λ= λ</a:t>
-            </a:r>
-            <a:r>
-              <a:rPr lang="en-ES" sz="3600" baseline="-25000" dirty="0"/>
-              <a:t>0</a:t>
-            </a:r>
-            <a:r>
-              <a:rPr lang="en-ES" sz="3600" dirty="0"/>
-              <a:t>cosɸ’</a:t>
-            </a:r>
-          </a:p>
-        </p:txBody>
-      </p:sp>
-      <p:sp>
-        <p:nvSpPr>
-          <p:cNvPr id="30" name="Arc 29">
-            <a:extLst>
-              <a:ext uri="{FF2B5EF4-FFF2-40B4-BE49-F238E27FC236}">
-                <a16:creationId xmlns:a16="http://schemas.microsoft.com/office/drawing/2014/main" id="{471F2308-244C-599C-E8D1-D81CA02C565C}"/>
-              </a:ext>
-            </a:extLst>
-          </p:cNvPr>
-          <p:cNvSpPr/>
-          <p:nvPr/>
-        </p:nvSpPr>
-        <p:spPr>
-          <a:xfrm>
-            <a:off x="2027258" y="4415634"/>
-            <a:ext cx="1085728" cy="1125962"/>
-          </a:xfrm>
-          <a:prstGeom prst="arc">
-            <a:avLst>
-              <a:gd name="adj1" fmla="val 19745494"/>
-              <a:gd name="adj2" fmla="val 414981"/>
-            </a:avLst>
-          </a:prstGeom>
-          <a:ln w="38100">
-            <a:solidFill>
-              <a:schemeClr val="tx1"/>
-            </a:solidFill>
-          </a:ln>
-        </p:spPr>
-        <p:style>
-          <a:lnRef idx="2">
-            <a:schemeClr val="accent1"/>
-          </a:lnRef>
-          <a:fillRef idx="0">
-            <a:schemeClr val="accent1"/>
-          </a:fillRef>
-          <a:effectRef idx="1">
-            <a:schemeClr val="accent1"/>
-          </a:effectRef>
-          <a:fontRef idx="minor">
-            <a:schemeClr val="tx1"/>
-          </a:fontRef>
-        </p:style>
-        <p:txBody>
-          <a:bodyPr rtlCol="0" anchor="ctr"/>
-          <a:lstStyle/>
-          <a:p>
-            <a:pPr algn="ctr"/>
-            <a:endParaRPr lang="en-ES"/>
-          </a:p>
-        </p:txBody>
-      </p:sp>
-      <p:cxnSp>
-        <p:nvCxnSpPr>
-          <p:cNvPr id="31" name="Straight Arrow Connector 30">
-            <a:extLst>
-              <a:ext uri="{FF2B5EF4-FFF2-40B4-BE49-F238E27FC236}">
-                <a16:creationId xmlns:a16="http://schemas.microsoft.com/office/drawing/2014/main" id="{DAB80AE4-2DA9-5C87-2446-D9AD483D5F7C}"/>
-              </a:ext>
-            </a:extLst>
-          </p:cNvPr>
-          <p:cNvCxnSpPr>
-            <a:cxnSpLocks/>
-          </p:cNvCxnSpPr>
-          <p:nvPr/>
-        </p:nvCxnSpPr>
-        <p:spPr>
-          <a:xfrm flipV="1">
-            <a:off x="2589628" y="3834198"/>
-            <a:ext cx="1708441" cy="1195002"/>
-          </a:xfrm>
-          <a:prstGeom prst="straightConnector1">
-            <a:avLst/>
-          </a:prstGeom>
-          <a:ln w="38100">
-            <a:solidFill>
-              <a:schemeClr val="tx1"/>
-            </a:solidFill>
-            <a:tailEnd type="none"/>
-          </a:ln>
-        </p:spPr>
-        <p:style>
-          <a:lnRef idx="2">
-            <a:schemeClr val="accent1"/>
-          </a:lnRef>
-          <a:fillRef idx="0">
-            <a:schemeClr val="accent1"/>
-          </a:fillRef>
-          <a:effectRef idx="1">
-            <a:schemeClr val="accent1"/>
-          </a:effectRef>
-          <a:fontRef idx="minor">
-            <a:schemeClr val="tx1"/>
-          </a:fontRef>
-        </p:style>
-      </p:cxnSp>
-      <p:sp>
-        <p:nvSpPr>
-          <p:cNvPr id="36" name="TextBox 35">
-            <a:extLst>
-              <a:ext uri="{FF2B5EF4-FFF2-40B4-BE49-F238E27FC236}">
-                <a16:creationId xmlns:a16="http://schemas.microsoft.com/office/drawing/2014/main" id="{361442C0-CDFC-75EA-BF49-A961B88188D3}"/>
-              </a:ext>
-            </a:extLst>
-          </p:cNvPr>
-          <p:cNvSpPr txBox="1"/>
-          <p:nvPr/>
-        </p:nvSpPr>
-        <p:spPr>
-          <a:xfrm>
-            <a:off x="3254860" y="4431699"/>
-            <a:ext cx="562975" cy="646331"/>
-          </a:xfrm>
-          <a:prstGeom prst="rect">
-            <a:avLst/>
-          </a:prstGeom>
-          <a:noFill/>
-        </p:spPr>
-        <p:txBody>
-          <a:bodyPr wrap="none" rtlCol="0">
-            <a:spAutoFit/>
-          </a:bodyPr>
-          <a:lstStyle/>
-          <a:p>
-            <a:r>
-              <a:rPr lang="en-ES" sz="3600" dirty="0"/>
-              <a:t>ɸ’</a:t>
-            </a:r>
-          </a:p>
-        </p:txBody>
-      </p:sp>
-      <p:sp>
-        <p:nvSpPr>
-          <p:cNvPr id="41" name="TextBox 40">
-            <a:extLst>
-              <a:ext uri="{FF2B5EF4-FFF2-40B4-BE49-F238E27FC236}">
-                <a16:creationId xmlns:a16="http://schemas.microsoft.com/office/drawing/2014/main" id="{21DF65AF-0014-9838-1F9C-FA788DF430E2}"/>
-              </a:ext>
-            </a:extLst>
-          </p:cNvPr>
-          <p:cNvSpPr txBox="1"/>
-          <p:nvPr/>
-        </p:nvSpPr>
-        <p:spPr>
-          <a:xfrm>
-            <a:off x="8895270" y="2869329"/>
-            <a:ext cx="393056" cy="646331"/>
-          </a:xfrm>
-          <a:prstGeom prst="rect">
-            <a:avLst/>
-          </a:prstGeom>
-          <a:noFill/>
-        </p:spPr>
-        <p:txBody>
-          <a:bodyPr wrap="none" rtlCol="0">
-            <a:spAutoFit/>
-          </a:bodyPr>
-          <a:lstStyle/>
-          <a:p>
-            <a:r>
-              <a:rPr lang="en-ES" sz="3600" dirty="0"/>
-              <a:t>y</a:t>
-            </a:r>
-          </a:p>
-        </p:txBody>
-      </p:sp>
-      <p:sp>
-        <p:nvSpPr>
-          <p:cNvPr id="37" name="Arc 36">
-            <a:extLst>
-              <a:ext uri="{FF2B5EF4-FFF2-40B4-BE49-F238E27FC236}">
-                <a16:creationId xmlns:a16="http://schemas.microsoft.com/office/drawing/2014/main" id="{E8940850-8C44-3553-B1C6-4AC24BCEB1E8}"/>
-              </a:ext>
-            </a:extLst>
-          </p:cNvPr>
-          <p:cNvSpPr/>
-          <p:nvPr/>
-        </p:nvSpPr>
-        <p:spPr>
-          <a:xfrm rot="15416767">
-            <a:off x="7308147" y="2797188"/>
-            <a:ext cx="1884148" cy="4222377"/>
-          </a:xfrm>
-          <a:prstGeom prst="arc">
-            <a:avLst>
-              <a:gd name="adj1" fmla="val 16931934"/>
-              <a:gd name="adj2" fmla="val 6161777"/>
-            </a:avLst>
-          </a:prstGeom>
-          <a:ln w="38100">
-            <a:gradFill>
-              <a:gsLst>
-                <a:gs pos="72000">
-                  <a:schemeClr val="accent1">
-                    <a:lumMod val="5000"/>
-                    <a:lumOff val="95000"/>
-                  </a:schemeClr>
-                </a:gs>
-                <a:gs pos="100000">
-                  <a:schemeClr val="accent1">
-                    <a:lumMod val="45000"/>
-                    <a:lumOff val="55000"/>
-                  </a:schemeClr>
-                </a:gs>
-                <a:gs pos="0">
-                  <a:srgbClr val="FF0000"/>
-                </a:gs>
-              </a:gsLst>
-              <a:lin ang="5400000" scaled="1"/>
-            </a:gradFill>
-          </a:ln>
-        </p:spPr>
-        <p:style>
-          <a:lnRef idx="2">
-            <a:schemeClr val="accent1"/>
-          </a:lnRef>
-          <a:fillRef idx="0">
-            <a:schemeClr val="accent1"/>
-          </a:fillRef>
-          <a:effectRef idx="1">
-            <a:schemeClr val="accent1"/>
-          </a:effectRef>
-          <a:fontRef idx="minor">
-            <a:schemeClr val="tx1"/>
-          </a:fontRef>
-        </p:style>
-        <p:txBody>
-          <a:bodyPr rtlCol="0" anchor="ctr"/>
-          <a:lstStyle/>
-          <a:p>
-            <a:pPr algn="ctr"/>
-            <a:endParaRPr lang="en-ES"/>
-          </a:p>
-        </p:txBody>
-      </p:sp>
-      <p:cxnSp>
-        <p:nvCxnSpPr>
-          <p:cNvPr id="38" name="Straight Arrow Connector 37">
-            <a:extLst>
-              <a:ext uri="{FF2B5EF4-FFF2-40B4-BE49-F238E27FC236}">
-                <a16:creationId xmlns:a16="http://schemas.microsoft.com/office/drawing/2014/main" id="{7F40F7C0-8F9F-5467-0AA1-54322A1B012E}"/>
-              </a:ext>
-            </a:extLst>
-          </p:cNvPr>
-          <p:cNvCxnSpPr>
-            <a:cxnSpLocks/>
-          </p:cNvCxnSpPr>
-          <p:nvPr/>
-        </p:nvCxnSpPr>
-        <p:spPr>
-          <a:xfrm flipV="1">
-            <a:off x="8226694" y="2417283"/>
-            <a:ext cx="23527" cy="2491093"/>
-          </a:xfrm>
-          <a:prstGeom prst="straightConnector1">
-            <a:avLst/>
-          </a:prstGeom>
-          <a:ln w="38100">
-            <a:solidFill>
-              <a:schemeClr val="tx1"/>
-            </a:solidFill>
-            <a:tailEnd type="triangle"/>
-          </a:ln>
-        </p:spPr>
-        <p:style>
-          <a:lnRef idx="2">
-            <a:schemeClr val="accent1"/>
-          </a:lnRef>
-          <a:fillRef idx="0">
-            <a:schemeClr val="accent1"/>
-          </a:fillRef>
-          <a:effectRef idx="1">
-            <a:schemeClr val="accent1"/>
-          </a:effectRef>
-          <a:fontRef idx="minor">
-            <a:schemeClr val="tx1"/>
-          </a:fontRef>
-        </p:style>
-      </p:cxnSp>
-      <p:cxnSp>
-        <p:nvCxnSpPr>
-          <p:cNvPr id="42" name="Straight Arrow Connector 41">
-            <a:extLst>
-              <a:ext uri="{FF2B5EF4-FFF2-40B4-BE49-F238E27FC236}">
-                <a16:creationId xmlns:a16="http://schemas.microsoft.com/office/drawing/2014/main" id="{3FF65B0D-2128-48A2-C6BF-EEFBDF5032C2}"/>
-              </a:ext>
-            </a:extLst>
-          </p:cNvPr>
-          <p:cNvCxnSpPr>
-            <a:cxnSpLocks/>
-          </p:cNvCxnSpPr>
-          <p:nvPr/>
-        </p:nvCxnSpPr>
-        <p:spPr>
-          <a:xfrm>
-            <a:off x="8226694" y="4908376"/>
-            <a:ext cx="3225269" cy="0"/>
-          </a:xfrm>
-          <a:prstGeom prst="straightConnector1">
-            <a:avLst/>
-          </a:prstGeom>
-          <a:ln w="38100">
-            <a:solidFill>
-              <a:schemeClr val="tx1"/>
-            </a:solidFill>
-            <a:tailEnd type="triangle"/>
-          </a:ln>
-        </p:spPr>
-        <p:style>
-          <a:lnRef idx="2">
-            <a:schemeClr val="accent1"/>
-          </a:lnRef>
-          <a:fillRef idx="0">
-            <a:schemeClr val="accent1"/>
-          </a:fillRef>
-          <a:effectRef idx="1">
-            <a:schemeClr val="accent1"/>
-          </a:effectRef>
-          <a:fontRef idx="minor">
-            <a:schemeClr val="tx1"/>
-          </a:fontRef>
-        </p:style>
-      </p:cxnSp>
-      <p:sp>
-        <p:nvSpPr>
-          <p:cNvPr id="43" name="TextBox 42">
-            <a:extLst>
-              <a:ext uri="{FF2B5EF4-FFF2-40B4-BE49-F238E27FC236}">
-                <a16:creationId xmlns:a16="http://schemas.microsoft.com/office/drawing/2014/main" id="{62972613-7A40-EEAD-36D6-D99B33FD04D6}"/>
-              </a:ext>
-            </a:extLst>
-          </p:cNvPr>
-          <p:cNvSpPr txBox="1"/>
-          <p:nvPr/>
-        </p:nvSpPr>
-        <p:spPr>
-          <a:xfrm>
-            <a:off x="11069866" y="4895265"/>
-            <a:ext cx="567868" cy="646331"/>
-          </a:xfrm>
-          <a:prstGeom prst="rect">
-            <a:avLst/>
-          </a:prstGeom>
-          <a:noFill/>
-        </p:spPr>
-        <p:txBody>
-          <a:bodyPr wrap="square" rtlCol="0">
-            <a:spAutoFit/>
-          </a:bodyPr>
-          <a:lstStyle/>
-          <a:p>
-            <a:r>
-              <a:rPr lang="en-ES" sz="3600" dirty="0"/>
-              <a:t>x</a:t>
-            </a:r>
-          </a:p>
-        </p:txBody>
-      </p:sp>
-      <p:cxnSp>
-        <p:nvCxnSpPr>
-          <p:cNvPr id="58" name="Straight Arrow Connector 57">
-            <a:extLst>
-              <a:ext uri="{FF2B5EF4-FFF2-40B4-BE49-F238E27FC236}">
-                <a16:creationId xmlns:a16="http://schemas.microsoft.com/office/drawing/2014/main" id="{CCA5B95B-998E-A1C6-47D1-5E353C95FAF5}"/>
-              </a:ext>
-            </a:extLst>
-          </p:cNvPr>
-          <p:cNvCxnSpPr>
-            <a:cxnSpLocks/>
-          </p:cNvCxnSpPr>
-          <p:nvPr/>
-        </p:nvCxnSpPr>
-        <p:spPr>
-          <a:xfrm flipV="1">
-            <a:off x="8231487" y="3513799"/>
-            <a:ext cx="951382" cy="1419145"/>
-          </a:xfrm>
-          <a:prstGeom prst="straightConnector1">
-            <a:avLst/>
-          </a:prstGeom>
-          <a:ln w="38100">
-            <a:solidFill>
-              <a:schemeClr val="tx1"/>
-            </a:solidFill>
-            <a:tailEnd type="triangle"/>
-          </a:ln>
-        </p:spPr>
-        <p:style>
-          <a:lnRef idx="2">
-            <a:schemeClr val="accent1"/>
-          </a:lnRef>
-          <a:fillRef idx="0">
-            <a:schemeClr val="accent1"/>
-          </a:fillRef>
-          <a:effectRef idx="1">
-            <a:schemeClr val="accent1"/>
-          </a:effectRef>
-          <a:fontRef idx="minor">
-            <a:schemeClr val="tx1"/>
-          </a:fontRef>
-        </p:style>
-      </p:cxnSp>
-      <p:sp>
-        <p:nvSpPr>
-          <p:cNvPr id="61" name="TextBox 60">
-            <a:extLst>
-              <a:ext uri="{FF2B5EF4-FFF2-40B4-BE49-F238E27FC236}">
-                <a16:creationId xmlns:a16="http://schemas.microsoft.com/office/drawing/2014/main" id="{7C0742B9-49F1-60CA-F189-435AEC7AC1F2}"/>
-              </a:ext>
-            </a:extLst>
-          </p:cNvPr>
-          <p:cNvSpPr txBox="1"/>
-          <p:nvPr/>
-        </p:nvSpPr>
-        <p:spPr>
-          <a:xfrm>
-            <a:off x="8375794" y="2033395"/>
-            <a:ext cx="386644" cy="646331"/>
-          </a:xfrm>
-          <a:prstGeom prst="rect">
-            <a:avLst/>
-          </a:prstGeom>
-          <a:noFill/>
-        </p:spPr>
-        <p:txBody>
-          <a:bodyPr wrap="none" rtlCol="0">
-            <a:spAutoFit/>
-          </a:bodyPr>
-          <a:lstStyle/>
-          <a:p>
-            <a:r>
-              <a:rPr lang="en-ES" sz="3600" dirty="0"/>
-              <a:t>z</a:t>
-            </a:r>
-          </a:p>
-        </p:txBody>
-      </p:sp>
-      <p:sp>
-        <p:nvSpPr>
-          <p:cNvPr id="63" name="Oval 62">
-            <a:extLst>
-              <a:ext uri="{FF2B5EF4-FFF2-40B4-BE49-F238E27FC236}">
-                <a16:creationId xmlns:a16="http://schemas.microsoft.com/office/drawing/2014/main" id="{4C5C545A-0A5E-81E3-07A4-D107F0ADC87A}"/>
-              </a:ext>
-            </a:extLst>
-          </p:cNvPr>
-          <p:cNvSpPr/>
-          <p:nvPr/>
-        </p:nvSpPr>
-        <p:spPr>
-          <a:xfrm>
-            <a:off x="8196111" y="3083404"/>
-            <a:ext cx="95519" cy="87688"/>
-          </a:xfrm>
-          <a:prstGeom prst="ellipse">
-            <a:avLst/>
-          </a:prstGeom>
-        </p:spPr>
-        <p:style>
-          <a:lnRef idx="2">
-            <a:schemeClr val="accent1">
-              <a:shade val="15000"/>
-            </a:schemeClr>
-          </a:lnRef>
-          <a:fillRef idx="1">
-            <a:schemeClr val="accent1"/>
-          </a:fillRef>
-          <a:effectRef idx="0">
-            <a:schemeClr val="accent1"/>
-          </a:effectRef>
-          <a:fontRef idx="minor">
-            <a:schemeClr val="lt1"/>
-          </a:fontRef>
-        </p:style>
-        <p:txBody>
-          <a:bodyPr rtlCol="0" anchor="ctr"/>
-          <a:lstStyle/>
-          <a:p>
-            <a:pPr algn="ctr"/>
-            <a:endParaRPr lang="en-ES"/>
-          </a:p>
-        </p:txBody>
-      </p:sp>
-      <p:sp>
-        <p:nvSpPr>
-          <p:cNvPr id="64" name="Oval 63">
-            <a:extLst>
-              <a:ext uri="{FF2B5EF4-FFF2-40B4-BE49-F238E27FC236}">
-                <a16:creationId xmlns:a16="http://schemas.microsoft.com/office/drawing/2014/main" id="{B9DECD15-6A90-8F2A-42EE-A001068C177B}"/>
-              </a:ext>
-            </a:extLst>
-          </p:cNvPr>
-          <p:cNvSpPr/>
-          <p:nvPr/>
-        </p:nvSpPr>
-        <p:spPr>
-          <a:xfrm>
-            <a:off x="10236623" y="4342107"/>
-            <a:ext cx="95519" cy="87688"/>
-          </a:xfrm>
-          <a:prstGeom prst="ellipse">
-            <a:avLst/>
-          </a:prstGeom>
-        </p:spPr>
-        <p:style>
-          <a:lnRef idx="2">
-            <a:schemeClr val="accent1">
-              <a:shade val="15000"/>
-            </a:schemeClr>
-          </a:lnRef>
-          <a:fillRef idx="1">
-            <a:schemeClr val="accent1"/>
-          </a:fillRef>
-          <a:effectRef idx="0">
-            <a:schemeClr val="accent1"/>
-          </a:effectRef>
-          <a:fontRef idx="minor">
-            <a:schemeClr val="lt1"/>
-          </a:fontRef>
-        </p:style>
-        <p:txBody>
-          <a:bodyPr rtlCol="0" anchor="ctr"/>
-          <a:lstStyle/>
-          <a:p>
-            <a:pPr algn="ctr"/>
-            <a:endParaRPr lang="en-ES"/>
-          </a:p>
-        </p:txBody>
-      </p:sp>
-      <p:sp>
-        <p:nvSpPr>
-          <p:cNvPr id="65" name="Oval 64">
-            <a:extLst>
-              <a:ext uri="{FF2B5EF4-FFF2-40B4-BE49-F238E27FC236}">
-                <a16:creationId xmlns:a16="http://schemas.microsoft.com/office/drawing/2014/main" id="{CBEA7EF2-4DF1-77C2-309F-A3BFC3B20BE1}"/>
-              </a:ext>
-            </a:extLst>
-          </p:cNvPr>
-          <p:cNvSpPr/>
-          <p:nvPr/>
-        </p:nvSpPr>
-        <p:spPr>
-          <a:xfrm>
-            <a:off x="6940473" y="4342107"/>
-            <a:ext cx="95519" cy="87688"/>
-          </a:xfrm>
-          <a:prstGeom prst="ellipse">
-            <a:avLst/>
-          </a:prstGeom>
-        </p:spPr>
-        <p:style>
-          <a:lnRef idx="2">
-            <a:schemeClr val="accent1">
-              <a:shade val="15000"/>
-            </a:schemeClr>
-          </a:lnRef>
-          <a:fillRef idx="1">
-            <a:schemeClr val="accent1"/>
-          </a:fillRef>
-          <a:effectRef idx="0">
-            <a:schemeClr val="accent1"/>
-          </a:effectRef>
-          <a:fontRef idx="minor">
-            <a:schemeClr val="lt1"/>
-          </a:fontRef>
-        </p:style>
-        <p:txBody>
-          <a:bodyPr rtlCol="0" anchor="ctr"/>
-          <a:lstStyle/>
-          <a:p>
-            <a:pPr algn="ctr"/>
-            <a:endParaRPr lang="en-ES"/>
-          </a:p>
-        </p:txBody>
-      </p:sp>
-      <p:cxnSp>
-        <p:nvCxnSpPr>
-          <p:cNvPr id="66" name="Straight Arrow Connector 65">
-            <a:extLst>
-              <a:ext uri="{FF2B5EF4-FFF2-40B4-BE49-F238E27FC236}">
-                <a16:creationId xmlns:a16="http://schemas.microsoft.com/office/drawing/2014/main" id="{4E6E89EA-DB65-0D6F-D0E7-B4A7A3669132}"/>
-              </a:ext>
-            </a:extLst>
-          </p:cNvPr>
-          <p:cNvCxnSpPr>
-            <a:cxnSpLocks/>
-          </p:cNvCxnSpPr>
-          <p:nvPr/>
-        </p:nvCxnSpPr>
-        <p:spPr>
-          <a:xfrm flipH="1" flipV="1">
-            <a:off x="7510690" y="2665527"/>
-            <a:ext cx="699409" cy="438811"/>
-          </a:xfrm>
-          <a:prstGeom prst="straightConnector1">
-            <a:avLst/>
-          </a:prstGeom>
-          <a:ln w="38100">
-            <a:solidFill>
-              <a:schemeClr val="tx1"/>
-            </a:solidFill>
-            <a:tailEnd type="triangle"/>
-          </a:ln>
-        </p:spPr>
-        <p:style>
-          <a:lnRef idx="2">
-            <a:schemeClr val="accent1"/>
-          </a:lnRef>
-          <a:fillRef idx="0">
-            <a:schemeClr val="accent1"/>
-          </a:fillRef>
-          <a:effectRef idx="1">
-            <a:schemeClr val="accent1"/>
-          </a:effectRef>
-          <a:fontRef idx="minor">
-            <a:schemeClr val="tx1"/>
-          </a:fontRef>
-        </p:style>
-      </p:cxnSp>
-      <p:cxnSp>
-        <p:nvCxnSpPr>
-          <p:cNvPr id="70" name="Straight Arrow Connector 69">
-            <a:extLst>
-              <a:ext uri="{FF2B5EF4-FFF2-40B4-BE49-F238E27FC236}">
-                <a16:creationId xmlns:a16="http://schemas.microsoft.com/office/drawing/2014/main" id="{057A2C09-DEA6-0010-6F4A-38BA466EE131}"/>
-              </a:ext>
-            </a:extLst>
-          </p:cNvPr>
-          <p:cNvCxnSpPr>
-            <a:cxnSpLocks/>
-            <a:endCxn id="63" idx="5"/>
-          </p:cNvCxnSpPr>
-          <p:nvPr/>
-        </p:nvCxnSpPr>
-        <p:spPr>
-          <a:xfrm flipH="1" flipV="1">
-            <a:off x="8277642" y="3158250"/>
-            <a:ext cx="1987588" cy="1217979"/>
-          </a:xfrm>
-          <a:prstGeom prst="straightConnector1">
-            <a:avLst/>
-          </a:prstGeom>
-          <a:ln w="38100">
-            <a:solidFill>
-              <a:schemeClr val="tx1"/>
-            </a:solidFill>
-            <a:prstDash val="dash"/>
-            <a:tailEnd type="none"/>
-          </a:ln>
-        </p:spPr>
-        <p:style>
-          <a:lnRef idx="2">
-            <a:schemeClr val="accent1"/>
-          </a:lnRef>
-          <a:fillRef idx="0">
-            <a:schemeClr val="accent1"/>
-          </a:fillRef>
-          <a:effectRef idx="1">
-            <a:schemeClr val="accent1"/>
-          </a:effectRef>
-          <a:fontRef idx="minor">
-            <a:schemeClr val="tx1"/>
-          </a:fontRef>
-        </p:style>
-      </p:cxnSp>
-      <p:cxnSp>
-        <p:nvCxnSpPr>
-          <p:cNvPr id="73" name="Straight Arrow Connector 72">
-            <a:extLst>
-              <a:ext uri="{FF2B5EF4-FFF2-40B4-BE49-F238E27FC236}">
-                <a16:creationId xmlns:a16="http://schemas.microsoft.com/office/drawing/2014/main" id="{574AE1CD-877A-3333-9F4B-5AB770D75161}"/>
-              </a:ext>
-            </a:extLst>
-          </p:cNvPr>
-          <p:cNvCxnSpPr>
-            <a:cxnSpLocks/>
-          </p:cNvCxnSpPr>
-          <p:nvPr/>
-        </p:nvCxnSpPr>
-        <p:spPr>
-          <a:xfrm flipH="1">
-            <a:off x="7632706" y="3151452"/>
-            <a:ext cx="585558" cy="600339"/>
-          </a:xfrm>
-          <a:prstGeom prst="straightConnector1">
-            <a:avLst/>
-          </a:prstGeom>
-          <a:ln w="38100">
-            <a:solidFill>
-              <a:schemeClr val="tx1"/>
-            </a:solidFill>
-            <a:tailEnd type="triangle"/>
-          </a:ln>
-        </p:spPr>
-        <p:style>
-          <a:lnRef idx="2">
-            <a:schemeClr val="accent1"/>
-          </a:lnRef>
-          <a:fillRef idx="0">
-            <a:schemeClr val="accent1"/>
-          </a:fillRef>
-          <a:effectRef idx="1">
-            <a:schemeClr val="accent1"/>
-          </a:effectRef>
-          <a:fontRef idx="minor">
-            <a:schemeClr val="tx1"/>
-          </a:fontRef>
-        </p:style>
-      </p:cxnSp>
-      <p:cxnSp>
-        <p:nvCxnSpPr>
-          <p:cNvPr id="76" name="Straight Arrow Connector 75">
-            <a:extLst>
-              <a:ext uri="{FF2B5EF4-FFF2-40B4-BE49-F238E27FC236}">
-                <a16:creationId xmlns:a16="http://schemas.microsoft.com/office/drawing/2014/main" id="{5EA5187D-0BEF-3AE5-F182-07B473F575C7}"/>
-              </a:ext>
-            </a:extLst>
-          </p:cNvPr>
-          <p:cNvCxnSpPr>
-            <a:cxnSpLocks/>
-            <a:endCxn id="65" idx="7"/>
-          </p:cNvCxnSpPr>
-          <p:nvPr/>
-        </p:nvCxnSpPr>
-        <p:spPr>
-          <a:xfrm flipH="1">
-            <a:off x="7022004" y="3801830"/>
-            <a:ext cx="551549" cy="553119"/>
-          </a:xfrm>
-          <a:prstGeom prst="straightConnector1">
-            <a:avLst/>
-          </a:prstGeom>
-          <a:ln w="38100">
-            <a:solidFill>
-              <a:schemeClr val="tx1"/>
-            </a:solidFill>
-            <a:prstDash val="dash"/>
-            <a:tailEnd type="none"/>
-          </a:ln>
-        </p:spPr>
-        <p:style>
-          <a:lnRef idx="2">
-            <a:schemeClr val="accent1"/>
-          </a:lnRef>
-          <a:fillRef idx="0">
-            <a:schemeClr val="accent1"/>
-          </a:fillRef>
-          <a:effectRef idx="1">
-            <a:schemeClr val="accent1"/>
-          </a:effectRef>
-          <a:fontRef idx="minor">
-            <a:schemeClr val="tx1"/>
-          </a:fontRef>
-        </p:style>
-      </p:cxnSp>
-      <p:sp>
-        <p:nvSpPr>
-          <p:cNvPr id="88" name="TextBox 87">
-            <a:extLst>
-              <a:ext uri="{FF2B5EF4-FFF2-40B4-BE49-F238E27FC236}">
-                <a16:creationId xmlns:a16="http://schemas.microsoft.com/office/drawing/2014/main" id="{62F315E5-15F5-F32A-79B4-8EB5B351B1F7}"/>
-              </a:ext>
-            </a:extLst>
-          </p:cNvPr>
-          <p:cNvSpPr txBox="1"/>
-          <p:nvPr/>
-        </p:nvSpPr>
-        <p:spPr>
-          <a:xfrm>
-            <a:off x="6086094" y="2322249"/>
-            <a:ext cx="1804276" cy="369332"/>
-          </a:xfrm>
-          <a:prstGeom prst="rect">
-            <a:avLst/>
-          </a:prstGeom>
-          <a:noFill/>
-        </p:spPr>
-        <p:txBody>
-          <a:bodyPr wrap="none" rtlCol="0">
-            <a:spAutoFit/>
-          </a:bodyPr>
-          <a:lstStyle/>
-          <a:p>
-            <a:r>
-              <a:rPr lang="en-ES" dirty="0"/>
-              <a:t>Ez&gt;0  Ey&lt;0  Ex&lt;0</a:t>
-            </a:r>
-          </a:p>
-        </p:txBody>
-      </p:sp>
-      <p:sp>
-        <p:nvSpPr>
-          <p:cNvPr id="89" name="TextBox 88">
-            <a:extLst>
-              <a:ext uri="{FF2B5EF4-FFF2-40B4-BE49-F238E27FC236}">
-                <a16:creationId xmlns:a16="http://schemas.microsoft.com/office/drawing/2014/main" id="{6F7CE4F5-D0BA-E3E3-F65E-E299F8461623}"/>
-              </a:ext>
-            </a:extLst>
-          </p:cNvPr>
-          <p:cNvSpPr txBox="1"/>
-          <p:nvPr/>
-        </p:nvSpPr>
-        <p:spPr>
-          <a:xfrm>
-            <a:off x="6038727" y="3227768"/>
-            <a:ext cx="1804276" cy="369332"/>
-          </a:xfrm>
-          <a:prstGeom prst="rect">
-            <a:avLst/>
-          </a:prstGeom>
-          <a:noFill/>
-        </p:spPr>
-        <p:txBody>
-          <a:bodyPr wrap="none" rtlCol="0">
-            <a:spAutoFit/>
-          </a:bodyPr>
-          <a:lstStyle/>
-          <a:p>
-            <a:r>
-              <a:rPr lang="en-ES" dirty="0"/>
-              <a:t>Ez&lt;0  Ey&gt;0  Ex&lt;0</a:t>
-            </a:r>
-          </a:p>
-        </p:txBody>
-      </p:sp>
-    </p:spTree>
-    <p:extLst>
-      <p:ext uri="{BB962C8B-B14F-4D97-AF65-F5344CB8AC3E}">
-        <p14:creationId xmlns:p14="http://schemas.microsoft.com/office/powerpoint/2010/main" val="650413243"/>
-      </p:ext>
-    </p:extLst>
-  </p:cSld>
-  <p:clrMapOvr>
-    <a:masterClrMapping/>
-  </p:clrMapOvr>
-</p:sld>
-</file>
-
-<file path=ppt/slides/slide30.xml><?xml version="1.0" encoding="utf-8"?>
+<file path=ppt/slides/slide32.xml><?xml version="1.0" encoding="utf-8"?>
 <p:sld xmlns:a="http://schemas.openxmlformats.org/drawingml/2006/main" xmlns:r="http://schemas.openxmlformats.org/officeDocument/2006/relationships" xmlns:p="http://schemas.openxmlformats.org/presentationml/2006/main">
   <p:cSld>
     <p:spTree>
@@ -25074,7 +28212,7 @@
 </p:sld>
 </file>
 
-<file path=ppt/slides/slide31.xml><?xml version="1.0" encoding="utf-8"?>
+<file path=ppt/slides/slide33.xml><?xml version="1.0" encoding="utf-8"?>
 <p:sld xmlns:a="http://schemas.openxmlformats.org/drawingml/2006/main" xmlns:r="http://schemas.openxmlformats.org/officeDocument/2006/relationships" xmlns:p="http://schemas.openxmlformats.org/presentationml/2006/main">
   <p:cSld>
     <p:spTree>
@@ -25688,7 +28826,7 @@
 </p:sld>
 </file>
 
-<file path=ppt/slides/slide32.xml><?xml version="1.0" encoding="utf-8"?>
+<file path=ppt/slides/slide34.xml><?xml version="1.0" encoding="utf-8"?>
 <p:sld xmlns:a="http://schemas.openxmlformats.org/drawingml/2006/main" xmlns:r="http://schemas.openxmlformats.org/officeDocument/2006/relationships" xmlns:p="http://schemas.openxmlformats.org/presentationml/2006/main">
   <p:cSld>
     <p:spTree>
@@ -26352,7 +29490,7 @@
 </p:sld>
 </file>
 
-<file path=ppt/slides/slide33.xml><?xml version="1.0" encoding="utf-8"?>
+<file path=ppt/slides/slide35.xml><?xml version="1.0" encoding="utf-8"?>
 <p:sld xmlns:a="http://schemas.openxmlformats.org/drawingml/2006/main" xmlns:r="http://schemas.openxmlformats.org/officeDocument/2006/relationships" xmlns:p="http://schemas.openxmlformats.org/presentationml/2006/main">
   <p:cSld>
     <p:spTree>
@@ -27685,7 +30823,7 @@
 </p:sld>
 </file>
 
-<file path=ppt/slides/slide34.xml><?xml version="1.0" encoding="utf-8"?>
+<file path=ppt/slides/slide36.xml><?xml version="1.0" encoding="utf-8"?>
 <p:sld xmlns:a="http://schemas.openxmlformats.org/drawingml/2006/main" xmlns:r="http://schemas.openxmlformats.org/officeDocument/2006/relationships" xmlns:p="http://schemas.openxmlformats.org/presentationml/2006/main">
   <p:cSld>
     <p:spTree>
@@ -28770,7 +31908,7 @@
 </p:sld>
 </file>
 
-<file path=ppt/slides/slide35.xml><?xml version="1.0" encoding="utf-8"?>
+<file path=ppt/slides/slide37.xml><?xml version="1.0" encoding="utf-8"?>
 <p:sld xmlns:a="http://schemas.openxmlformats.org/drawingml/2006/main" xmlns:r="http://schemas.openxmlformats.org/officeDocument/2006/relationships" xmlns:p="http://schemas.openxmlformats.org/presentationml/2006/main">
   <p:cSld>
     <p:spTree>
@@ -30191,7 +33329,7 @@
 </p:sld>
 </file>
 
-<file path=ppt/slides/slide36.xml><?xml version="1.0" encoding="utf-8"?>
+<file path=ppt/slides/slide38.xml><?xml version="1.0" encoding="utf-8"?>
 <p:sld xmlns:a="http://schemas.openxmlformats.org/drawingml/2006/main" xmlns:r="http://schemas.openxmlformats.org/officeDocument/2006/relationships" xmlns:p="http://schemas.openxmlformats.org/presentationml/2006/main">
   <p:cSld>
     <p:spTree>
@@ -30953,7 +34091,7 @@
 </p:sld>
 </file>
 
-<file path=ppt/slides/slide37.xml><?xml version="1.0" encoding="utf-8"?>
+<file path=ppt/slides/slide39.xml><?xml version="1.0" encoding="utf-8"?>
 <p:sld xmlns:a="http://schemas.openxmlformats.org/drawingml/2006/main" xmlns:r="http://schemas.openxmlformats.org/officeDocument/2006/relationships" xmlns:p="http://schemas.openxmlformats.org/presentationml/2006/main">
   <p:cSld>
     <p:spTree>
@@ -32078,7 +35216,638 @@
 </p:sld>
 </file>
 
-<file path=ppt/slides/slide38.xml><?xml version="1.0" encoding="utf-8"?>
+<file path=ppt/slides/slide4.xml><?xml version="1.0" encoding="utf-8"?>
+<p:sld xmlns:a="http://schemas.openxmlformats.org/drawingml/2006/main" xmlns:r="http://schemas.openxmlformats.org/officeDocument/2006/relationships" xmlns:p="http://schemas.openxmlformats.org/presentationml/2006/main">
+  <p:cSld>
+    <p:spTree>
+      <p:nvGrpSpPr>
+        <p:cNvPr id="1" name="">
+          <a:extLst>
+            <a:ext uri="{FF2B5EF4-FFF2-40B4-BE49-F238E27FC236}">
+              <a16:creationId xmlns:a16="http://schemas.microsoft.com/office/drawing/2014/main" id="{A4A3844B-A07C-97B4-01D9-43B845B07C1E}"/>
+            </a:ext>
+          </a:extLst>
+        </p:cNvPr>
+        <p:cNvGrpSpPr/>
+        <p:nvPr/>
+      </p:nvGrpSpPr>
+      <p:grpSpPr>
+        <a:xfrm>
+          <a:off x="0" y="0"/>
+          <a:ext cx="0" cy="0"/>
+          <a:chOff x="0" y="0"/>
+          <a:chExt cx="0" cy="0"/>
+        </a:xfrm>
+      </p:grpSpPr>
+      <p:sp>
+        <p:nvSpPr>
+          <p:cNvPr id="2" name="Title 1">
+            <a:extLst>
+              <a:ext uri="{FF2B5EF4-FFF2-40B4-BE49-F238E27FC236}">
+                <a16:creationId xmlns:a16="http://schemas.microsoft.com/office/drawing/2014/main" id="{97CC597C-95A5-FF9F-4877-9DD23A7E0F14}"/>
+              </a:ext>
+            </a:extLst>
+          </p:cNvPr>
+          <p:cNvSpPr>
+            <a:spLocks noGrp="1"/>
+          </p:cNvSpPr>
+          <p:nvPr>
+            <p:ph type="title"/>
+          </p:nvPr>
+        </p:nvSpPr>
+        <p:spPr/>
+        <p:txBody>
+          <a:bodyPr/>
+          <a:lstStyle/>
+          <a:p>
+            <a:r>
+              <a:rPr lang="en-ES" dirty="0"/>
+              <a:t>B1.S2.1</a:t>
+            </a:r>
+          </a:p>
+        </p:txBody>
+      </p:sp>
+      <p:sp>
+        <p:nvSpPr>
+          <p:cNvPr id="41" name="TextBox 40">
+            <a:extLst>
+              <a:ext uri="{FF2B5EF4-FFF2-40B4-BE49-F238E27FC236}">
+                <a16:creationId xmlns:a16="http://schemas.microsoft.com/office/drawing/2014/main" id="{4D161A3D-487D-C6D9-16BB-AFF0FE853C2A}"/>
+              </a:ext>
+            </a:extLst>
+          </p:cNvPr>
+          <p:cNvSpPr txBox="1"/>
+          <p:nvPr/>
+        </p:nvSpPr>
+        <p:spPr>
+          <a:xfrm>
+            <a:off x="3966082" y="3059250"/>
+            <a:ext cx="393056" cy="646331"/>
+          </a:xfrm>
+          <a:prstGeom prst="rect">
+            <a:avLst/>
+          </a:prstGeom>
+          <a:noFill/>
+        </p:spPr>
+        <p:txBody>
+          <a:bodyPr wrap="none" rtlCol="0">
+            <a:spAutoFit/>
+          </a:bodyPr>
+          <a:lstStyle/>
+          <a:p>
+            <a:r>
+              <a:rPr lang="en-ES" sz="3600" dirty="0"/>
+              <a:t>y</a:t>
+            </a:r>
+          </a:p>
+        </p:txBody>
+      </p:sp>
+      <p:sp>
+        <p:nvSpPr>
+          <p:cNvPr id="37" name="Arc 36">
+            <a:extLst>
+              <a:ext uri="{FF2B5EF4-FFF2-40B4-BE49-F238E27FC236}">
+                <a16:creationId xmlns:a16="http://schemas.microsoft.com/office/drawing/2014/main" id="{805A4EBF-387A-6CDB-37AA-1FDC5D684753}"/>
+              </a:ext>
+            </a:extLst>
+          </p:cNvPr>
+          <p:cNvSpPr/>
+          <p:nvPr/>
+        </p:nvSpPr>
+        <p:spPr>
+          <a:xfrm rot="15416767">
+            <a:off x="2378959" y="2987109"/>
+            <a:ext cx="1884148" cy="4222377"/>
+          </a:xfrm>
+          <a:prstGeom prst="arc">
+            <a:avLst>
+              <a:gd name="adj1" fmla="val 16931934"/>
+              <a:gd name="adj2" fmla="val 6161777"/>
+            </a:avLst>
+          </a:prstGeom>
+          <a:ln w="38100">
+            <a:gradFill>
+              <a:gsLst>
+                <a:gs pos="72000">
+                  <a:schemeClr val="accent1">
+                    <a:lumMod val="5000"/>
+                    <a:lumOff val="95000"/>
+                  </a:schemeClr>
+                </a:gs>
+                <a:gs pos="100000">
+                  <a:schemeClr val="accent1">
+                    <a:lumMod val="45000"/>
+                    <a:lumOff val="55000"/>
+                  </a:schemeClr>
+                </a:gs>
+                <a:gs pos="0">
+                  <a:srgbClr val="FF0000"/>
+                </a:gs>
+              </a:gsLst>
+              <a:lin ang="5400000" scaled="1"/>
+            </a:gradFill>
+          </a:ln>
+        </p:spPr>
+        <p:style>
+          <a:lnRef idx="2">
+            <a:schemeClr val="accent1"/>
+          </a:lnRef>
+          <a:fillRef idx="0">
+            <a:schemeClr val="accent1"/>
+          </a:fillRef>
+          <a:effectRef idx="1">
+            <a:schemeClr val="accent1"/>
+          </a:effectRef>
+          <a:fontRef idx="minor">
+            <a:schemeClr val="tx1"/>
+          </a:fontRef>
+        </p:style>
+        <p:txBody>
+          <a:bodyPr rtlCol="0" anchor="ctr"/>
+          <a:lstStyle/>
+          <a:p>
+            <a:pPr algn="ctr"/>
+            <a:endParaRPr lang="en-ES"/>
+          </a:p>
+        </p:txBody>
+      </p:sp>
+      <p:cxnSp>
+        <p:nvCxnSpPr>
+          <p:cNvPr id="38" name="Straight Arrow Connector 37">
+            <a:extLst>
+              <a:ext uri="{FF2B5EF4-FFF2-40B4-BE49-F238E27FC236}">
+                <a16:creationId xmlns:a16="http://schemas.microsoft.com/office/drawing/2014/main" id="{6EBCD8B8-0803-D012-669B-95720967D649}"/>
+              </a:ext>
+            </a:extLst>
+          </p:cNvPr>
+          <p:cNvCxnSpPr>
+            <a:cxnSpLocks/>
+          </p:cNvCxnSpPr>
+          <p:nvPr/>
+        </p:nvCxnSpPr>
+        <p:spPr>
+          <a:xfrm flipV="1">
+            <a:off x="3297506" y="2607204"/>
+            <a:ext cx="23527" cy="2491093"/>
+          </a:xfrm>
+          <a:prstGeom prst="straightConnector1">
+            <a:avLst/>
+          </a:prstGeom>
+          <a:ln w="38100">
+            <a:solidFill>
+              <a:schemeClr val="tx1"/>
+            </a:solidFill>
+            <a:tailEnd type="triangle"/>
+          </a:ln>
+        </p:spPr>
+        <p:style>
+          <a:lnRef idx="2">
+            <a:schemeClr val="accent1"/>
+          </a:lnRef>
+          <a:fillRef idx="0">
+            <a:schemeClr val="accent1"/>
+          </a:fillRef>
+          <a:effectRef idx="1">
+            <a:schemeClr val="accent1"/>
+          </a:effectRef>
+          <a:fontRef idx="minor">
+            <a:schemeClr val="tx1"/>
+          </a:fontRef>
+        </p:style>
+      </p:cxnSp>
+      <p:cxnSp>
+        <p:nvCxnSpPr>
+          <p:cNvPr id="42" name="Straight Arrow Connector 41">
+            <a:extLst>
+              <a:ext uri="{FF2B5EF4-FFF2-40B4-BE49-F238E27FC236}">
+                <a16:creationId xmlns:a16="http://schemas.microsoft.com/office/drawing/2014/main" id="{4784E586-6C6D-0ADB-1430-D4446DA07346}"/>
+              </a:ext>
+            </a:extLst>
+          </p:cNvPr>
+          <p:cNvCxnSpPr>
+            <a:cxnSpLocks/>
+          </p:cNvCxnSpPr>
+          <p:nvPr/>
+        </p:nvCxnSpPr>
+        <p:spPr>
+          <a:xfrm>
+            <a:off x="3297506" y="5098297"/>
+            <a:ext cx="3225269" cy="0"/>
+          </a:xfrm>
+          <a:prstGeom prst="straightConnector1">
+            <a:avLst/>
+          </a:prstGeom>
+          <a:ln w="38100">
+            <a:solidFill>
+              <a:schemeClr val="tx1"/>
+            </a:solidFill>
+            <a:tailEnd type="triangle"/>
+          </a:ln>
+        </p:spPr>
+        <p:style>
+          <a:lnRef idx="2">
+            <a:schemeClr val="accent1"/>
+          </a:lnRef>
+          <a:fillRef idx="0">
+            <a:schemeClr val="accent1"/>
+          </a:fillRef>
+          <a:effectRef idx="1">
+            <a:schemeClr val="accent1"/>
+          </a:effectRef>
+          <a:fontRef idx="minor">
+            <a:schemeClr val="tx1"/>
+          </a:fontRef>
+        </p:style>
+      </p:cxnSp>
+      <p:sp>
+        <p:nvSpPr>
+          <p:cNvPr id="43" name="TextBox 42">
+            <a:extLst>
+              <a:ext uri="{FF2B5EF4-FFF2-40B4-BE49-F238E27FC236}">
+                <a16:creationId xmlns:a16="http://schemas.microsoft.com/office/drawing/2014/main" id="{4CD4A1BF-732D-B284-5EB8-C5C245359D80}"/>
+              </a:ext>
+            </a:extLst>
+          </p:cNvPr>
+          <p:cNvSpPr txBox="1"/>
+          <p:nvPr/>
+        </p:nvSpPr>
+        <p:spPr>
+          <a:xfrm>
+            <a:off x="6140678" y="5085186"/>
+            <a:ext cx="567868" cy="646331"/>
+          </a:xfrm>
+          <a:prstGeom prst="rect">
+            <a:avLst/>
+          </a:prstGeom>
+          <a:noFill/>
+        </p:spPr>
+        <p:txBody>
+          <a:bodyPr wrap="square" rtlCol="0">
+            <a:spAutoFit/>
+          </a:bodyPr>
+          <a:lstStyle/>
+          <a:p>
+            <a:r>
+              <a:rPr lang="en-ES" sz="3600" dirty="0"/>
+              <a:t>x</a:t>
+            </a:r>
+          </a:p>
+        </p:txBody>
+      </p:sp>
+      <p:cxnSp>
+        <p:nvCxnSpPr>
+          <p:cNvPr id="58" name="Straight Arrow Connector 57">
+            <a:extLst>
+              <a:ext uri="{FF2B5EF4-FFF2-40B4-BE49-F238E27FC236}">
+                <a16:creationId xmlns:a16="http://schemas.microsoft.com/office/drawing/2014/main" id="{64FC814C-9FED-A9B1-F4EB-75203801A581}"/>
+              </a:ext>
+            </a:extLst>
+          </p:cNvPr>
+          <p:cNvCxnSpPr>
+            <a:cxnSpLocks/>
+          </p:cNvCxnSpPr>
+          <p:nvPr/>
+        </p:nvCxnSpPr>
+        <p:spPr>
+          <a:xfrm flipV="1">
+            <a:off x="3302299" y="3703720"/>
+            <a:ext cx="951382" cy="1419145"/>
+          </a:xfrm>
+          <a:prstGeom prst="straightConnector1">
+            <a:avLst/>
+          </a:prstGeom>
+          <a:ln w="38100">
+            <a:solidFill>
+              <a:schemeClr val="tx1"/>
+            </a:solidFill>
+            <a:tailEnd type="triangle"/>
+          </a:ln>
+        </p:spPr>
+        <p:style>
+          <a:lnRef idx="2">
+            <a:schemeClr val="accent1"/>
+          </a:lnRef>
+          <a:fillRef idx="0">
+            <a:schemeClr val="accent1"/>
+          </a:fillRef>
+          <a:effectRef idx="1">
+            <a:schemeClr val="accent1"/>
+          </a:effectRef>
+          <a:fontRef idx="minor">
+            <a:schemeClr val="tx1"/>
+          </a:fontRef>
+        </p:style>
+      </p:cxnSp>
+      <p:sp>
+        <p:nvSpPr>
+          <p:cNvPr id="61" name="TextBox 60">
+            <a:extLst>
+              <a:ext uri="{FF2B5EF4-FFF2-40B4-BE49-F238E27FC236}">
+                <a16:creationId xmlns:a16="http://schemas.microsoft.com/office/drawing/2014/main" id="{B41B146D-FBCA-1C6B-B9D6-216860548944}"/>
+              </a:ext>
+            </a:extLst>
+          </p:cNvPr>
+          <p:cNvSpPr txBox="1"/>
+          <p:nvPr/>
+        </p:nvSpPr>
+        <p:spPr>
+          <a:xfrm>
+            <a:off x="3446606" y="2223316"/>
+            <a:ext cx="386644" cy="646331"/>
+          </a:xfrm>
+          <a:prstGeom prst="rect">
+            <a:avLst/>
+          </a:prstGeom>
+          <a:noFill/>
+        </p:spPr>
+        <p:txBody>
+          <a:bodyPr wrap="none" rtlCol="0">
+            <a:spAutoFit/>
+          </a:bodyPr>
+          <a:lstStyle/>
+          <a:p>
+            <a:r>
+              <a:rPr lang="en-ES" sz="3600" dirty="0"/>
+              <a:t>z</a:t>
+            </a:r>
+          </a:p>
+        </p:txBody>
+      </p:sp>
+      <p:sp>
+        <p:nvSpPr>
+          <p:cNvPr id="63" name="Oval 62">
+            <a:extLst>
+              <a:ext uri="{FF2B5EF4-FFF2-40B4-BE49-F238E27FC236}">
+                <a16:creationId xmlns:a16="http://schemas.microsoft.com/office/drawing/2014/main" id="{35060DDF-315B-CCD2-3438-9A3980371DED}"/>
+              </a:ext>
+            </a:extLst>
+          </p:cNvPr>
+          <p:cNvSpPr/>
+          <p:nvPr/>
+        </p:nvSpPr>
+        <p:spPr>
+          <a:xfrm>
+            <a:off x="3261509" y="3659876"/>
+            <a:ext cx="95519" cy="87688"/>
+          </a:xfrm>
+          <a:prstGeom prst="ellipse">
+            <a:avLst/>
+          </a:prstGeom>
+        </p:spPr>
+        <p:style>
+          <a:lnRef idx="2">
+            <a:schemeClr val="accent1">
+              <a:shade val="15000"/>
+            </a:schemeClr>
+          </a:lnRef>
+          <a:fillRef idx="1">
+            <a:schemeClr val="accent1"/>
+          </a:fillRef>
+          <a:effectRef idx="0">
+            <a:schemeClr val="accent1"/>
+          </a:effectRef>
+          <a:fontRef idx="minor">
+            <a:schemeClr val="lt1"/>
+          </a:fontRef>
+        </p:style>
+        <p:txBody>
+          <a:bodyPr rtlCol="0" anchor="ctr"/>
+          <a:lstStyle/>
+          <a:p>
+            <a:pPr algn="ctr"/>
+            <a:endParaRPr lang="en-ES"/>
+          </a:p>
+        </p:txBody>
+      </p:sp>
+      <p:cxnSp>
+        <p:nvCxnSpPr>
+          <p:cNvPr id="4" name="Straight Arrow Connector 3">
+            <a:extLst>
+              <a:ext uri="{FF2B5EF4-FFF2-40B4-BE49-F238E27FC236}">
+                <a16:creationId xmlns:a16="http://schemas.microsoft.com/office/drawing/2014/main" id="{54190476-8C0A-0706-D0A7-279A1EEEADE1}"/>
+              </a:ext>
+            </a:extLst>
+          </p:cNvPr>
+          <p:cNvCxnSpPr>
+            <a:stCxn id="63" idx="0"/>
+          </p:cNvCxnSpPr>
+          <p:nvPr/>
+        </p:nvCxnSpPr>
+        <p:spPr>
+          <a:xfrm flipH="1" flipV="1">
+            <a:off x="3309268" y="3382415"/>
+            <a:ext cx="1" cy="277461"/>
+          </a:xfrm>
+          <a:prstGeom prst="straightConnector1">
+            <a:avLst/>
+          </a:prstGeom>
+          <a:ln w="69850">
+            <a:tailEnd type="triangle"/>
+          </a:ln>
+        </p:spPr>
+        <p:style>
+          <a:lnRef idx="2">
+            <a:schemeClr val="accent1"/>
+          </a:lnRef>
+          <a:fillRef idx="0">
+            <a:schemeClr val="accent1"/>
+          </a:fillRef>
+          <a:effectRef idx="1">
+            <a:schemeClr val="accent1"/>
+          </a:effectRef>
+          <a:fontRef idx="minor">
+            <a:schemeClr val="tx1"/>
+          </a:fontRef>
+        </p:style>
+      </p:cxnSp>
+      <p:grpSp>
+        <p:nvGrpSpPr>
+          <p:cNvPr id="6" name="Group 5">
+            <a:extLst>
+              <a:ext uri="{FF2B5EF4-FFF2-40B4-BE49-F238E27FC236}">
+                <a16:creationId xmlns:a16="http://schemas.microsoft.com/office/drawing/2014/main" id="{35CF6E6F-936B-B4B1-29BF-9922418425E1}"/>
+              </a:ext>
+            </a:extLst>
+          </p:cNvPr>
+          <p:cNvGrpSpPr/>
+          <p:nvPr/>
+        </p:nvGrpSpPr>
+        <p:grpSpPr>
+          <a:xfrm>
+            <a:off x="2648082" y="2899723"/>
+            <a:ext cx="609462" cy="714419"/>
+            <a:chOff x="6807375" y="1908879"/>
+            <a:chExt cx="609462" cy="714419"/>
+          </a:xfrm>
+        </p:grpSpPr>
+        <p:sp>
+          <p:nvSpPr>
+            <p:cNvPr id="7" name="TextBox 6">
+              <a:extLst>
+                <a:ext uri="{FF2B5EF4-FFF2-40B4-BE49-F238E27FC236}">
+                  <a16:creationId xmlns:a16="http://schemas.microsoft.com/office/drawing/2014/main" id="{7740AA47-4C02-C4E8-4462-A70F3D068CAD}"/>
+                </a:ext>
+              </a:extLst>
+            </p:cNvPr>
+            <p:cNvSpPr txBox="1"/>
+            <p:nvPr/>
+          </p:nvSpPr>
+          <p:spPr>
+            <a:xfrm>
+              <a:off x="6807375" y="1976967"/>
+              <a:ext cx="609462" cy="646331"/>
+            </a:xfrm>
+            <a:prstGeom prst="rect">
+              <a:avLst/>
+            </a:prstGeom>
+            <a:noFill/>
+          </p:spPr>
+          <p:txBody>
+            <a:bodyPr wrap="none" rtlCol="0">
+              <a:spAutoFit/>
+            </a:bodyPr>
+            <a:lstStyle/>
+            <a:p>
+              <a:r>
+                <a:rPr lang="en-ES" sz="3600" dirty="0"/>
+                <a:t>p</a:t>
+              </a:r>
+              <a:r>
+                <a:rPr lang="en-ES" sz="3600" baseline="-25000" dirty="0"/>
+                <a:t>0</a:t>
+              </a:r>
+            </a:p>
+          </p:txBody>
+        </p:sp>
+        <p:sp>
+          <p:nvSpPr>
+            <p:cNvPr id="8" name="TextBox 7">
+              <a:extLst>
+                <a:ext uri="{FF2B5EF4-FFF2-40B4-BE49-F238E27FC236}">
+                  <a16:creationId xmlns:a16="http://schemas.microsoft.com/office/drawing/2014/main" id="{108D90DD-BE42-0B65-9429-A35C11E76A74}"/>
+                </a:ext>
+              </a:extLst>
+            </p:cNvPr>
+            <p:cNvSpPr txBox="1"/>
+            <p:nvPr/>
+          </p:nvSpPr>
+          <p:spPr>
+            <a:xfrm>
+              <a:off x="6807375" y="1908879"/>
+              <a:ext cx="492443" cy="461665"/>
+            </a:xfrm>
+            <a:prstGeom prst="rect">
+              <a:avLst/>
+            </a:prstGeom>
+            <a:noFill/>
+          </p:spPr>
+          <p:txBody>
+            <a:bodyPr wrap="square" rtlCol="0">
+              <a:spAutoFit/>
+            </a:bodyPr>
+            <a:lstStyle/>
+            <a:p>
+              <a:r>
+                <a:rPr lang="en-ES" sz="2400" dirty="0"/>
+                <a:t>➝</a:t>
+              </a:r>
+            </a:p>
+          </p:txBody>
+        </p:sp>
+      </p:grpSp>
+      <p:sp>
+        <p:nvSpPr>
+          <p:cNvPr id="9" name="Left Brace 8">
+            <a:extLst>
+              <a:ext uri="{FF2B5EF4-FFF2-40B4-BE49-F238E27FC236}">
+                <a16:creationId xmlns:a16="http://schemas.microsoft.com/office/drawing/2014/main" id="{75C8AF96-E45D-F4CC-9108-20A7ACE70825}"/>
+              </a:ext>
+            </a:extLst>
+          </p:cNvPr>
+          <p:cNvSpPr/>
+          <p:nvPr/>
+        </p:nvSpPr>
+        <p:spPr>
+          <a:xfrm>
+            <a:off x="2789289" y="3696545"/>
+            <a:ext cx="304800" cy="1388641"/>
+          </a:xfrm>
+          <a:prstGeom prst="leftBrace">
+            <a:avLst/>
+          </a:prstGeom>
+        </p:spPr>
+        <p:style>
+          <a:lnRef idx="2">
+            <a:schemeClr val="accent1"/>
+          </a:lnRef>
+          <a:fillRef idx="0">
+            <a:schemeClr val="accent1"/>
+          </a:fillRef>
+          <a:effectRef idx="1">
+            <a:schemeClr val="accent1"/>
+          </a:effectRef>
+          <a:fontRef idx="minor">
+            <a:schemeClr val="tx1"/>
+          </a:fontRef>
+        </p:style>
+        <p:txBody>
+          <a:bodyPr rtlCol="0" anchor="ctr"/>
+          <a:lstStyle/>
+          <a:p>
+            <a:pPr algn="ctr"/>
+            <a:endParaRPr lang="en-ES"/>
+          </a:p>
+        </p:txBody>
+      </p:sp>
+      <p:sp>
+        <p:nvSpPr>
+          <p:cNvPr id="11" name="TextBox 10">
+            <a:extLst>
+              <a:ext uri="{FF2B5EF4-FFF2-40B4-BE49-F238E27FC236}">
+                <a16:creationId xmlns:a16="http://schemas.microsoft.com/office/drawing/2014/main" id="{EA44607E-413D-7409-D20F-00437746A19D}"/>
+              </a:ext>
+            </a:extLst>
+          </p:cNvPr>
+          <p:cNvSpPr txBox="1"/>
+          <p:nvPr/>
+        </p:nvSpPr>
+        <p:spPr>
+          <a:xfrm>
+            <a:off x="2364858" y="4025024"/>
+            <a:ext cx="442750" cy="646331"/>
+          </a:xfrm>
+          <a:prstGeom prst="rect">
+            <a:avLst/>
+          </a:prstGeom>
+          <a:noFill/>
+        </p:spPr>
+        <p:txBody>
+          <a:bodyPr wrap="none" rtlCol="0">
+            <a:spAutoFit/>
+          </a:bodyPr>
+          <a:lstStyle/>
+          <a:p>
+            <a:r>
+              <a:rPr lang="en-ES" sz="3600" dirty="0"/>
+              <a:t>d</a:t>
+            </a:r>
+          </a:p>
+        </p:txBody>
+      </p:sp>
+    </p:spTree>
+    <p:extLst>
+      <p:ext uri="{BB962C8B-B14F-4D97-AF65-F5344CB8AC3E}">
+        <p14:creationId xmlns:p14="http://schemas.microsoft.com/office/powerpoint/2010/main" val="1813146055"/>
+      </p:ext>
+    </p:extLst>
+  </p:cSld>
+  <p:clrMapOvr>
+    <a:masterClrMapping/>
+  </p:clrMapOvr>
+</p:sld>
+</file>
+
+<file path=ppt/slides/slide40.xml><?xml version="1.0" encoding="utf-8"?>
 <p:sld xmlns:a="http://schemas.openxmlformats.org/drawingml/2006/main" xmlns:r="http://schemas.openxmlformats.org/officeDocument/2006/relationships" xmlns:p="http://schemas.openxmlformats.org/presentationml/2006/main">
   <p:cSld>
     <p:spTree>
@@ -34187,7 +37956,7 @@
 </p:sld>
 </file>
 
-<file path=ppt/slides/slide39.xml><?xml version="1.0" encoding="utf-8"?>
+<file path=ppt/slides/slide41.xml><?xml version="1.0" encoding="utf-8"?>
 <p:sld xmlns:a="http://schemas.openxmlformats.org/drawingml/2006/main" xmlns:r="http://schemas.openxmlformats.org/officeDocument/2006/relationships" xmlns:p="http://schemas.openxmlformats.org/presentationml/2006/main">
   <p:cSld>
     <p:spTree>
@@ -36389,637 +40158,6 @@
     <p:extLst>
       <p:ext uri="{BB962C8B-B14F-4D97-AF65-F5344CB8AC3E}">
         <p14:creationId xmlns:p14="http://schemas.microsoft.com/office/powerpoint/2010/main" val="1142251122"/>
-      </p:ext>
-    </p:extLst>
-  </p:cSld>
-  <p:clrMapOvr>
-    <a:masterClrMapping/>
-  </p:clrMapOvr>
-</p:sld>
-</file>
-
-<file path=ppt/slides/slide4.xml><?xml version="1.0" encoding="utf-8"?>
-<p:sld xmlns:a="http://schemas.openxmlformats.org/drawingml/2006/main" xmlns:r="http://schemas.openxmlformats.org/officeDocument/2006/relationships" xmlns:p="http://schemas.openxmlformats.org/presentationml/2006/main">
-  <p:cSld>
-    <p:spTree>
-      <p:nvGrpSpPr>
-        <p:cNvPr id="1" name="">
-          <a:extLst>
-            <a:ext uri="{FF2B5EF4-FFF2-40B4-BE49-F238E27FC236}">
-              <a16:creationId xmlns:a16="http://schemas.microsoft.com/office/drawing/2014/main" id="{A4A3844B-A07C-97B4-01D9-43B845B07C1E}"/>
-            </a:ext>
-          </a:extLst>
-        </p:cNvPr>
-        <p:cNvGrpSpPr/>
-        <p:nvPr/>
-      </p:nvGrpSpPr>
-      <p:grpSpPr>
-        <a:xfrm>
-          <a:off x="0" y="0"/>
-          <a:ext cx="0" cy="0"/>
-          <a:chOff x="0" y="0"/>
-          <a:chExt cx="0" cy="0"/>
-        </a:xfrm>
-      </p:grpSpPr>
-      <p:sp>
-        <p:nvSpPr>
-          <p:cNvPr id="2" name="Title 1">
-            <a:extLst>
-              <a:ext uri="{FF2B5EF4-FFF2-40B4-BE49-F238E27FC236}">
-                <a16:creationId xmlns:a16="http://schemas.microsoft.com/office/drawing/2014/main" id="{97CC597C-95A5-FF9F-4877-9DD23A7E0F14}"/>
-              </a:ext>
-            </a:extLst>
-          </p:cNvPr>
-          <p:cNvSpPr>
-            <a:spLocks noGrp="1"/>
-          </p:cNvSpPr>
-          <p:nvPr>
-            <p:ph type="title"/>
-          </p:nvPr>
-        </p:nvSpPr>
-        <p:spPr/>
-        <p:txBody>
-          <a:bodyPr/>
-          <a:lstStyle/>
-          <a:p>
-            <a:r>
-              <a:rPr lang="en-ES" dirty="0"/>
-              <a:t>B1.S2.1</a:t>
-            </a:r>
-          </a:p>
-        </p:txBody>
-      </p:sp>
-      <p:sp>
-        <p:nvSpPr>
-          <p:cNvPr id="41" name="TextBox 40">
-            <a:extLst>
-              <a:ext uri="{FF2B5EF4-FFF2-40B4-BE49-F238E27FC236}">
-                <a16:creationId xmlns:a16="http://schemas.microsoft.com/office/drawing/2014/main" id="{4D161A3D-487D-C6D9-16BB-AFF0FE853C2A}"/>
-              </a:ext>
-            </a:extLst>
-          </p:cNvPr>
-          <p:cNvSpPr txBox="1"/>
-          <p:nvPr/>
-        </p:nvSpPr>
-        <p:spPr>
-          <a:xfrm>
-            <a:off x="3966082" y="3059250"/>
-            <a:ext cx="393056" cy="646331"/>
-          </a:xfrm>
-          <a:prstGeom prst="rect">
-            <a:avLst/>
-          </a:prstGeom>
-          <a:noFill/>
-        </p:spPr>
-        <p:txBody>
-          <a:bodyPr wrap="none" rtlCol="0">
-            <a:spAutoFit/>
-          </a:bodyPr>
-          <a:lstStyle/>
-          <a:p>
-            <a:r>
-              <a:rPr lang="en-ES" sz="3600" dirty="0"/>
-              <a:t>y</a:t>
-            </a:r>
-          </a:p>
-        </p:txBody>
-      </p:sp>
-      <p:sp>
-        <p:nvSpPr>
-          <p:cNvPr id="37" name="Arc 36">
-            <a:extLst>
-              <a:ext uri="{FF2B5EF4-FFF2-40B4-BE49-F238E27FC236}">
-                <a16:creationId xmlns:a16="http://schemas.microsoft.com/office/drawing/2014/main" id="{805A4EBF-387A-6CDB-37AA-1FDC5D684753}"/>
-              </a:ext>
-            </a:extLst>
-          </p:cNvPr>
-          <p:cNvSpPr/>
-          <p:nvPr/>
-        </p:nvSpPr>
-        <p:spPr>
-          <a:xfrm rot="15416767">
-            <a:off x="2378959" y="2987109"/>
-            <a:ext cx="1884148" cy="4222377"/>
-          </a:xfrm>
-          <a:prstGeom prst="arc">
-            <a:avLst>
-              <a:gd name="adj1" fmla="val 16931934"/>
-              <a:gd name="adj2" fmla="val 6161777"/>
-            </a:avLst>
-          </a:prstGeom>
-          <a:ln w="38100">
-            <a:gradFill>
-              <a:gsLst>
-                <a:gs pos="72000">
-                  <a:schemeClr val="accent1">
-                    <a:lumMod val="5000"/>
-                    <a:lumOff val="95000"/>
-                  </a:schemeClr>
-                </a:gs>
-                <a:gs pos="100000">
-                  <a:schemeClr val="accent1">
-                    <a:lumMod val="45000"/>
-                    <a:lumOff val="55000"/>
-                  </a:schemeClr>
-                </a:gs>
-                <a:gs pos="0">
-                  <a:srgbClr val="FF0000"/>
-                </a:gs>
-              </a:gsLst>
-              <a:lin ang="5400000" scaled="1"/>
-            </a:gradFill>
-          </a:ln>
-        </p:spPr>
-        <p:style>
-          <a:lnRef idx="2">
-            <a:schemeClr val="accent1"/>
-          </a:lnRef>
-          <a:fillRef idx="0">
-            <a:schemeClr val="accent1"/>
-          </a:fillRef>
-          <a:effectRef idx="1">
-            <a:schemeClr val="accent1"/>
-          </a:effectRef>
-          <a:fontRef idx="minor">
-            <a:schemeClr val="tx1"/>
-          </a:fontRef>
-        </p:style>
-        <p:txBody>
-          <a:bodyPr rtlCol="0" anchor="ctr"/>
-          <a:lstStyle/>
-          <a:p>
-            <a:pPr algn="ctr"/>
-            <a:endParaRPr lang="en-ES"/>
-          </a:p>
-        </p:txBody>
-      </p:sp>
-      <p:cxnSp>
-        <p:nvCxnSpPr>
-          <p:cNvPr id="38" name="Straight Arrow Connector 37">
-            <a:extLst>
-              <a:ext uri="{FF2B5EF4-FFF2-40B4-BE49-F238E27FC236}">
-                <a16:creationId xmlns:a16="http://schemas.microsoft.com/office/drawing/2014/main" id="{6EBCD8B8-0803-D012-669B-95720967D649}"/>
-              </a:ext>
-            </a:extLst>
-          </p:cNvPr>
-          <p:cNvCxnSpPr>
-            <a:cxnSpLocks/>
-          </p:cNvCxnSpPr>
-          <p:nvPr/>
-        </p:nvCxnSpPr>
-        <p:spPr>
-          <a:xfrm flipV="1">
-            <a:off x="3297506" y="2607204"/>
-            <a:ext cx="23527" cy="2491093"/>
-          </a:xfrm>
-          <a:prstGeom prst="straightConnector1">
-            <a:avLst/>
-          </a:prstGeom>
-          <a:ln w="38100">
-            <a:solidFill>
-              <a:schemeClr val="tx1"/>
-            </a:solidFill>
-            <a:tailEnd type="triangle"/>
-          </a:ln>
-        </p:spPr>
-        <p:style>
-          <a:lnRef idx="2">
-            <a:schemeClr val="accent1"/>
-          </a:lnRef>
-          <a:fillRef idx="0">
-            <a:schemeClr val="accent1"/>
-          </a:fillRef>
-          <a:effectRef idx="1">
-            <a:schemeClr val="accent1"/>
-          </a:effectRef>
-          <a:fontRef idx="minor">
-            <a:schemeClr val="tx1"/>
-          </a:fontRef>
-        </p:style>
-      </p:cxnSp>
-      <p:cxnSp>
-        <p:nvCxnSpPr>
-          <p:cNvPr id="42" name="Straight Arrow Connector 41">
-            <a:extLst>
-              <a:ext uri="{FF2B5EF4-FFF2-40B4-BE49-F238E27FC236}">
-                <a16:creationId xmlns:a16="http://schemas.microsoft.com/office/drawing/2014/main" id="{4784E586-6C6D-0ADB-1430-D4446DA07346}"/>
-              </a:ext>
-            </a:extLst>
-          </p:cNvPr>
-          <p:cNvCxnSpPr>
-            <a:cxnSpLocks/>
-          </p:cNvCxnSpPr>
-          <p:nvPr/>
-        </p:nvCxnSpPr>
-        <p:spPr>
-          <a:xfrm>
-            <a:off x="3297506" y="5098297"/>
-            <a:ext cx="3225269" cy="0"/>
-          </a:xfrm>
-          <a:prstGeom prst="straightConnector1">
-            <a:avLst/>
-          </a:prstGeom>
-          <a:ln w="38100">
-            <a:solidFill>
-              <a:schemeClr val="tx1"/>
-            </a:solidFill>
-            <a:tailEnd type="triangle"/>
-          </a:ln>
-        </p:spPr>
-        <p:style>
-          <a:lnRef idx="2">
-            <a:schemeClr val="accent1"/>
-          </a:lnRef>
-          <a:fillRef idx="0">
-            <a:schemeClr val="accent1"/>
-          </a:fillRef>
-          <a:effectRef idx="1">
-            <a:schemeClr val="accent1"/>
-          </a:effectRef>
-          <a:fontRef idx="minor">
-            <a:schemeClr val="tx1"/>
-          </a:fontRef>
-        </p:style>
-      </p:cxnSp>
-      <p:sp>
-        <p:nvSpPr>
-          <p:cNvPr id="43" name="TextBox 42">
-            <a:extLst>
-              <a:ext uri="{FF2B5EF4-FFF2-40B4-BE49-F238E27FC236}">
-                <a16:creationId xmlns:a16="http://schemas.microsoft.com/office/drawing/2014/main" id="{4CD4A1BF-732D-B284-5EB8-C5C245359D80}"/>
-              </a:ext>
-            </a:extLst>
-          </p:cNvPr>
-          <p:cNvSpPr txBox="1"/>
-          <p:nvPr/>
-        </p:nvSpPr>
-        <p:spPr>
-          <a:xfrm>
-            <a:off x="6140678" y="5085186"/>
-            <a:ext cx="567868" cy="646331"/>
-          </a:xfrm>
-          <a:prstGeom prst="rect">
-            <a:avLst/>
-          </a:prstGeom>
-          <a:noFill/>
-        </p:spPr>
-        <p:txBody>
-          <a:bodyPr wrap="square" rtlCol="0">
-            <a:spAutoFit/>
-          </a:bodyPr>
-          <a:lstStyle/>
-          <a:p>
-            <a:r>
-              <a:rPr lang="en-ES" sz="3600" dirty="0"/>
-              <a:t>x</a:t>
-            </a:r>
-          </a:p>
-        </p:txBody>
-      </p:sp>
-      <p:cxnSp>
-        <p:nvCxnSpPr>
-          <p:cNvPr id="58" name="Straight Arrow Connector 57">
-            <a:extLst>
-              <a:ext uri="{FF2B5EF4-FFF2-40B4-BE49-F238E27FC236}">
-                <a16:creationId xmlns:a16="http://schemas.microsoft.com/office/drawing/2014/main" id="{64FC814C-9FED-A9B1-F4EB-75203801A581}"/>
-              </a:ext>
-            </a:extLst>
-          </p:cNvPr>
-          <p:cNvCxnSpPr>
-            <a:cxnSpLocks/>
-          </p:cNvCxnSpPr>
-          <p:nvPr/>
-        </p:nvCxnSpPr>
-        <p:spPr>
-          <a:xfrm flipV="1">
-            <a:off x="3302299" y="3703720"/>
-            <a:ext cx="951382" cy="1419145"/>
-          </a:xfrm>
-          <a:prstGeom prst="straightConnector1">
-            <a:avLst/>
-          </a:prstGeom>
-          <a:ln w="38100">
-            <a:solidFill>
-              <a:schemeClr val="tx1"/>
-            </a:solidFill>
-            <a:tailEnd type="triangle"/>
-          </a:ln>
-        </p:spPr>
-        <p:style>
-          <a:lnRef idx="2">
-            <a:schemeClr val="accent1"/>
-          </a:lnRef>
-          <a:fillRef idx="0">
-            <a:schemeClr val="accent1"/>
-          </a:fillRef>
-          <a:effectRef idx="1">
-            <a:schemeClr val="accent1"/>
-          </a:effectRef>
-          <a:fontRef idx="minor">
-            <a:schemeClr val="tx1"/>
-          </a:fontRef>
-        </p:style>
-      </p:cxnSp>
-      <p:sp>
-        <p:nvSpPr>
-          <p:cNvPr id="61" name="TextBox 60">
-            <a:extLst>
-              <a:ext uri="{FF2B5EF4-FFF2-40B4-BE49-F238E27FC236}">
-                <a16:creationId xmlns:a16="http://schemas.microsoft.com/office/drawing/2014/main" id="{B41B146D-FBCA-1C6B-B9D6-216860548944}"/>
-              </a:ext>
-            </a:extLst>
-          </p:cNvPr>
-          <p:cNvSpPr txBox="1"/>
-          <p:nvPr/>
-        </p:nvSpPr>
-        <p:spPr>
-          <a:xfrm>
-            <a:off x="3446606" y="2223316"/>
-            <a:ext cx="386644" cy="646331"/>
-          </a:xfrm>
-          <a:prstGeom prst="rect">
-            <a:avLst/>
-          </a:prstGeom>
-          <a:noFill/>
-        </p:spPr>
-        <p:txBody>
-          <a:bodyPr wrap="none" rtlCol="0">
-            <a:spAutoFit/>
-          </a:bodyPr>
-          <a:lstStyle/>
-          <a:p>
-            <a:r>
-              <a:rPr lang="en-ES" sz="3600" dirty="0"/>
-              <a:t>z</a:t>
-            </a:r>
-          </a:p>
-        </p:txBody>
-      </p:sp>
-      <p:sp>
-        <p:nvSpPr>
-          <p:cNvPr id="63" name="Oval 62">
-            <a:extLst>
-              <a:ext uri="{FF2B5EF4-FFF2-40B4-BE49-F238E27FC236}">
-                <a16:creationId xmlns:a16="http://schemas.microsoft.com/office/drawing/2014/main" id="{35060DDF-315B-CCD2-3438-9A3980371DED}"/>
-              </a:ext>
-            </a:extLst>
-          </p:cNvPr>
-          <p:cNvSpPr/>
-          <p:nvPr/>
-        </p:nvSpPr>
-        <p:spPr>
-          <a:xfrm>
-            <a:off x="3261509" y="3659876"/>
-            <a:ext cx="95519" cy="87688"/>
-          </a:xfrm>
-          <a:prstGeom prst="ellipse">
-            <a:avLst/>
-          </a:prstGeom>
-        </p:spPr>
-        <p:style>
-          <a:lnRef idx="2">
-            <a:schemeClr val="accent1">
-              <a:shade val="15000"/>
-            </a:schemeClr>
-          </a:lnRef>
-          <a:fillRef idx="1">
-            <a:schemeClr val="accent1"/>
-          </a:fillRef>
-          <a:effectRef idx="0">
-            <a:schemeClr val="accent1"/>
-          </a:effectRef>
-          <a:fontRef idx="minor">
-            <a:schemeClr val="lt1"/>
-          </a:fontRef>
-        </p:style>
-        <p:txBody>
-          <a:bodyPr rtlCol="0" anchor="ctr"/>
-          <a:lstStyle/>
-          <a:p>
-            <a:pPr algn="ctr"/>
-            <a:endParaRPr lang="en-ES"/>
-          </a:p>
-        </p:txBody>
-      </p:sp>
-      <p:cxnSp>
-        <p:nvCxnSpPr>
-          <p:cNvPr id="4" name="Straight Arrow Connector 3">
-            <a:extLst>
-              <a:ext uri="{FF2B5EF4-FFF2-40B4-BE49-F238E27FC236}">
-                <a16:creationId xmlns:a16="http://schemas.microsoft.com/office/drawing/2014/main" id="{54190476-8C0A-0706-D0A7-279A1EEEADE1}"/>
-              </a:ext>
-            </a:extLst>
-          </p:cNvPr>
-          <p:cNvCxnSpPr>
-            <a:stCxn id="63" idx="0"/>
-          </p:cNvCxnSpPr>
-          <p:nvPr/>
-        </p:nvCxnSpPr>
-        <p:spPr>
-          <a:xfrm flipH="1" flipV="1">
-            <a:off x="3309268" y="3382415"/>
-            <a:ext cx="1" cy="277461"/>
-          </a:xfrm>
-          <a:prstGeom prst="straightConnector1">
-            <a:avLst/>
-          </a:prstGeom>
-          <a:ln w="69850">
-            <a:tailEnd type="triangle"/>
-          </a:ln>
-        </p:spPr>
-        <p:style>
-          <a:lnRef idx="2">
-            <a:schemeClr val="accent1"/>
-          </a:lnRef>
-          <a:fillRef idx="0">
-            <a:schemeClr val="accent1"/>
-          </a:fillRef>
-          <a:effectRef idx="1">
-            <a:schemeClr val="accent1"/>
-          </a:effectRef>
-          <a:fontRef idx="minor">
-            <a:schemeClr val="tx1"/>
-          </a:fontRef>
-        </p:style>
-      </p:cxnSp>
-      <p:grpSp>
-        <p:nvGrpSpPr>
-          <p:cNvPr id="6" name="Group 5">
-            <a:extLst>
-              <a:ext uri="{FF2B5EF4-FFF2-40B4-BE49-F238E27FC236}">
-                <a16:creationId xmlns:a16="http://schemas.microsoft.com/office/drawing/2014/main" id="{35CF6E6F-936B-B4B1-29BF-9922418425E1}"/>
-              </a:ext>
-            </a:extLst>
-          </p:cNvPr>
-          <p:cNvGrpSpPr/>
-          <p:nvPr/>
-        </p:nvGrpSpPr>
-        <p:grpSpPr>
-          <a:xfrm>
-            <a:off x="2648082" y="2899723"/>
-            <a:ext cx="609462" cy="714419"/>
-            <a:chOff x="6807375" y="1908879"/>
-            <a:chExt cx="609462" cy="714419"/>
-          </a:xfrm>
-        </p:grpSpPr>
-        <p:sp>
-          <p:nvSpPr>
-            <p:cNvPr id="7" name="TextBox 6">
-              <a:extLst>
-                <a:ext uri="{FF2B5EF4-FFF2-40B4-BE49-F238E27FC236}">
-                  <a16:creationId xmlns:a16="http://schemas.microsoft.com/office/drawing/2014/main" id="{7740AA47-4C02-C4E8-4462-A70F3D068CAD}"/>
-                </a:ext>
-              </a:extLst>
-            </p:cNvPr>
-            <p:cNvSpPr txBox="1"/>
-            <p:nvPr/>
-          </p:nvSpPr>
-          <p:spPr>
-            <a:xfrm>
-              <a:off x="6807375" y="1976967"/>
-              <a:ext cx="609462" cy="646331"/>
-            </a:xfrm>
-            <a:prstGeom prst="rect">
-              <a:avLst/>
-            </a:prstGeom>
-            <a:noFill/>
-          </p:spPr>
-          <p:txBody>
-            <a:bodyPr wrap="none" rtlCol="0">
-              <a:spAutoFit/>
-            </a:bodyPr>
-            <a:lstStyle/>
-            <a:p>
-              <a:r>
-                <a:rPr lang="en-ES" sz="3600" dirty="0"/>
-                <a:t>p</a:t>
-              </a:r>
-              <a:r>
-                <a:rPr lang="en-ES" sz="3600" baseline="-25000" dirty="0"/>
-                <a:t>0</a:t>
-              </a:r>
-            </a:p>
-          </p:txBody>
-        </p:sp>
-        <p:sp>
-          <p:nvSpPr>
-            <p:cNvPr id="8" name="TextBox 7">
-              <a:extLst>
-                <a:ext uri="{FF2B5EF4-FFF2-40B4-BE49-F238E27FC236}">
-                  <a16:creationId xmlns:a16="http://schemas.microsoft.com/office/drawing/2014/main" id="{108D90DD-BE42-0B65-9429-A35C11E76A74}"/>
-                </a:ext>
-              </a:extLst>
-            </p:cNvPr>
-            <p:cNvSpPr txBox="1"/>
-            <p:nvPr/>
-          </p:nvSpPr>
-          <p:spPr>
-            <a:xfrm>
-              <a:off x="6807375" y="1908879"/>
-              <a:ext cx="492443" cy="461665"/>
-            </a:xfrm>
-            <a:prstGeom prst="rect">
-              <a:avLst/>
-            </a:prstGeom>
-            <a:noFill/>
-          </p:spPr>
-          <p:txBody>
-            <a:bodyPr wrap="square" rtlCol="0">
-              <a:spAutoFit/>
-            </a:bodyPr>
-            <a:lstStyle/>
-            <a:p>
-              <a:r>
-                <a:rPr lang="en-ES" sz="2400" dirty="0"/>
-                <a:t>➝</a:t>
-              </a:r>
-            </a:p>
-          </p:txBody>
-        </p:sp>
-      </p:grpSp>
-      <p:sp>
-        <p:nvSpPr>
-          <p:cNvPr id="9" name="Left Brace 8">
-            <a:extLst>
-              <a:ext uri="{FF2B5EF4-FFF2-40B4-BE49-F238E27FC236}">
-                <a16:creationId xmlns:a16="http://schemas.microsoft.com/office/drawing/2014/main" id="{75C8AF96-E45D-F4CC-9108-20A7ACE70825}"/>
-              </a:ext>
-            </a:extLst>
-          </p:cNvPr>
-          <p:cNvSpPr/>
-          <p:nvPr/>
-        </p:nvSpPr>
-        <p:spPr>
-          <a:xfrm>
-            <a:off x="2789289" y="3696545"/>
-            <a:ext cx="304800" cy="1388641"/>
-          </a:xfrm>
-          <a:prstGeom prst="leftBrace">
-            <a:avLst/>
-          </a:prstGeom>
-        </p:spPr>
-        <p:style>
-          <a:lnRef idx="2">
-            <a:schemeClr val="accent1"/>
-          </a:lnRef>
-          <a:fillRef idx="0">
-            <a:schemeClr val="accent1"/>
-          </a:fillRef>
-          <a:effectRef idx="1">
-            <a:schemeClr val="accent1"/>
-          </a:effectRef>
-          <a:fontRef idx="minor">
-            <a:schemeClr val="tx1"/>
-          </a:fontRef>
-        </p:style>
-        <p:txBody>
-          <a:bodyPr rtlCol="0" anchor="ctr"/>
-          <a:lstStyle/>
-          <a:p>
-            <a:pPr algn="ctr"/>
-            <a:endParaRPr lang="en-ES"/>
-          </a:p>
-        </p:txBody>
-      </p:sp>
-      <p:sp>
-        <p:nvSpPr>
-          <p:cNvPr id="11" name="TextBox 10">
-            <a:extLst>
-              <a:ext uri="{FF2B5EF4-FFF2-40B4-BE49-F238E27FC236}">
-                <a16:creationId xmlns:a16="http://schemas.microsoft.com/office/drawing/2014/main" id="{EA44607E-413D-7409-D20F-00437746A19D}"/>
-              </a:ext>
-            </a:extLst>
-          </p:cNvPr>
-          <p:cNvSpPr txBox="1"/>
-          <p:nvPr/>
-        </p:nvSpPr>
-        <p:spPr>
-          <a:xfrm>
-            <a:off x="2364858" y="4025024"/>
-            <a:ext cx="442750" cy="646331"/>
-          </a:xfrm>
-          <a:prstGeom prst="rect">
-            <a:avLst/>
-          </a:prstGeom>
-          <a:noFill/>
-        </p:spPr>
-        <p:txBody>
-          <a:bodyPr wrap="none" rtlCol="0">
-            <a:spAutoFit/>
-          </a:bodyPr>
-          <a:lstStyle/>
-          <a:p>
-            <a:r>
-              <a:rPr lang="en-ES" sz="3600" dirty="0"/>
-              <a:t>d</a:t>
-            </a:r>
-          </a:p>
-        </p:txBody>
-      </p:sp>
-    </p:spTree>
-    <p:extLst>
-      <p:ext uri="{BB962C8B-B14F-4D97-AF65-F5344CB8AC3E}">
-        <p14:creationId xmlns:p14="http://schemas.microsoft.com/office/powerpoint/2010/main" val="1813146055"/>
       </p:ext>
     </p:extLst>
   </p:cSld>

--- a/images/Images.pptx
+++ b/images/Images.pptx
@@ -27,25 +27,26 @@
     <p:sldId id="296" r:id="rId21"/>
     <p:sldId id="297" r:id="rId22"/>
     <p:sldId id="263" r:id="rId23"/>
-    <p:sldId id="259" r:id="rId24"/>
-    <p:sldId id="260" r:id="rId25"/>
-    <p:sldId id="262" r:id="rId26"/>
-    <p:sldId id="261" r:id="rId27"/>
-    <p:sldId id="264" r:id="rId28"/>
-    <p:sldId id="265" r:id="rId29"/>
-    <p:sldId id="266" r:id="rId30"/>
-    <p:sldId id="268" r:id="rId31"/>
-    <p:sldId id="269" r:id="rId32"/>
-    <p:sldId id="270" r:id="rId33"/>
-    <p:sldId id="271" r:id="rId34"/>
-    <p:sldId id="272" r:id="rId35"/>
-    <p:sldId id="273" r:id="rId36"/>
-    <p:sldId id="274" r:id="rId37"/>
-    <p:sldId id="275" r:id="rId38"/>
-    <p:sldId id="276" r:id="rId39"/>
-    <p:sldId id="277" r:id="rId40"/>
-    <p:sldId id="278" r:id="rId41"/>
-    <p:sldId id="279" r:id="rId42"/>
+    <p:sldId id="271" r:id="rId24"/>
+    <p:sldId id="259" r:id="rId25"/>
+    <p:sldId id="260" r:id="rId26"/>
+    <p:sldId id="262" r:id="rId27"/>
+    <p:sldId id="261" r:id="rId28"/>
+    <p:sldId id="264" r:id="rId29"/>
+    <p:sldId id="265" r:id="rId30"/>
+    <p:sldId id="266" r:id="rId31"/>
+    <p:sldId id="268" r:id="rId32"/>
+    <p:sldId id="269" r:id="rId33"/>
+    <p:sldId id="270" r:id="rId34"/>
+    <p:sldId id="298" r:id="rId35"/>
+    <p:sldId id="272" r:id="rId36"/>
+    <p:sldId id="273" r:id="rId37"/>
+    <p:sldId id="274" r:id="rId38"/>
+    <p:sldId id="275" r:id="rId39"/>
+    <p:sldId id="276" r:id="rId40"/>
+    <p:sldId id="277" r:id="rId41"/>
+    <p:sldId id="278" r:id="rId42"/>
+    <p:sldId id="279" r:id="rId43"/>
   </p:sldIdLst>
   <p:sldSz cx="12192000" cy="6858000"/>
   <p:notesSz cx="6858000" cy="9144000"/>
@@ -301,7 +302,7 @@
           <a:p>
             <a:fld id="{BA48513D-C823-C342-87AA-C2EB607FA67A}" type="datetimeFigureOut">
               <a:rPr lang="en-ES" smtClean="0"/>
-              <a:t>24/11/25</a:t>
+              <a:t>30/11/25</a:t>
             </a:fld>
             <a:endParaRPr lang="en-ES"/>
           </a:p>
@@ -501,7 +502,7 @@
           <a:p>
             <a:fld id="{BA48513D-C823-C342-87AA-C2EB607FA67A}" type="datetimeFigureOut">
               <a:rPr lang="en-ES" smtClean="0"/>
-              <a:t>24/11/25</a:t>
+              <a:t>30/11/25</a:t>
             </a:fld>
             <a:endParaRPr lang="en-ES"/>
           </a:p>
@@ -711,7 +712,7 @@
           <a:p>
             <a:fld id="{BA48513D-C823-C342-87AA-C2EB607FA67A}" type="datetimeFigureOut">
               <a:rPr lang="en-ES" smtClean="0"/>
-              <a:t>24/11/25</a:t>
+              <a:t>30/11/25</a:t>
             </a:fld>
             <a:endParaRPr lang="en-ES"/>
           </a:p>
@@ -911,7 +912,7 @@
           <a:p>
             <a:fld id="{BA48513D-C823-C342-87AA-C2EB607FA67A}" type="datetimeFigureOut">
               <a:rPr lang="en-ES" smtClean="0"/>
-              <a:t>24/11/25</a:t>
+              <a:t>30/11/25</a:t>
             </a:fld>
             <a:endParaRPr lang="en-ES"/>
           </a:p>
@@ -1187,7 +1188,7 @@
           <a:p>
             <a:fld id="{BA48513D-C823-C342-87AA-C2EB607FA67A}" type="datetimeFigureOut">
               <a:rPr lang="en-ES" smtClean="0"/>
-              <a:t>24/11/25</a:t>
+              <a:t>30/11/25</a:t>
             </a:fld>
             <a:endParaRPr lang="en-ES"/>
           </a:p>
@@ -1455,7 +1456,7 @@
           <a:p>
             <a:fld id="{BA48513D-C823-C342-87AA-C2EB607FA67A}" type="datetimeFigureOut">
               <a:rPr lang="en-ES" smtClean="0"/>
-              <a:t>24/11/25</a:t>
+              <a:t>30/11/25</a:t>
             </a:fld>
             <a:endParaRPr lang="en-ES"/>
           </a:p>
@@ -1870,7 +1871,7 @@
           <a:p>
             <a:fld id="{BA48513D-C823-C342-87AA-C2EB607FA67A}" type="datetimeFigureOut">
               <a:rPr lang="en-ES" smtClean="0"/>
-              <a:t>24/11/25</a:t>
+              <a:t>30/11/25</a:t>
             </a:fld>
             <a:endParaRPr lang="en-ES"/>
           </a:p>
@@ -2012,7 +2013,7 @@
           <a:p>
             <a:fld id="{BA48513D-C823-C342-87AA-C2EB607FA67A}" type="datetimeFigureOut">
               <a:rPr lang="en-ES" smtClean="0"/>
-              <a:t>24/11/25</a:t>
+              <a:t>30/11/25</a:t>
             </a:fld>
             <a:endParaRPr lang="en-ES"/>
           </a:p>
@@ -2125,7 +2126,7 @@
           <a:p>
             <a:fld id="{BA48513D-C823-C342-87AA-C2EB607FA67A}" type="datetimeFigureOut">
               <a:rPr lang="en-ES" smtClean="0"/>
-              <a:t>24/11/25</a:t>
+              <a:t>30/11/25</a:t>
             </a:fld>
             <a:endParaRPr lang="en-ES"/>
           </a:p>
@@ -2438,7 +2439,7 @@
           <a:p>
             <a:fld id="{BA48513D-C823-C342-87AA-C2EB607FA67A}" type="datetimeFigureOut">
               <a:rPr lang="en-ES" smtClean="0"/>
-              <a:t>24/11/25</a:t>
+              <a:t>30/11/25</a:t>
             </a:fld>
             <a:endParaRPr lang="en-ES"/>
           </a:p>
@@ -2727,7 +2728,7 @@
           <a:p>
             <a:fld id="{BA48513D-C823-C342-87AA-C2EB607FA67A}" type="datetimeFigureOut">
               <a:rPr lang="en-ES" smtClean="0"/>
-              <a:t>24/11/25</a:t>
+              <a:t>30/11/25</a:t>
             </a:fld>
             <a:endParaRPr lang="en-ES"/>
           </a:p>
@@ -2970,7 +2971,7 @@
           <a:p>
             <a:fld id="{BA48513D-C823-C342-87AA-C2EB607FA67A}" type="datetimeFigureOut">
               <a:rPr lang="en-ES" smtClean="0"/>
-              <a:t>24/11/25</a:t>
+              <a:t>30/11/25</a:t>
             </a:fld>
             <a:endParaRPr lang="en-ES"/>
           </a:p>
@@ -19689,6 +19690,1100 @@
           <a:chExt cx="0" cy="0"/>
         </a:xfrm>
       </p:grpSpPr>
+      <p:cxnSp>
+        <p:nvCxnSpPr>
+          <p:cNvPr id="32" name="Straight Arrow Connector 31">
+            <a:extLst>
+              <a:ext uri="{FF2B5EF4-FFF2-40B4-BE49-F238E27FC236}">
+                <a16:creationId xmlns:a16="http://schemas.microsoft.com/office/drawing/2014/main" id="{51BC036B-5779-FD0F-EB28-5187FF2A6E53}"/>
+              </a:ext>
+            </a:extLst>
+          </p:cNvPr>
+          <p:cNvCxnSpPr>
+            <a:cxnSpLocks/>
+          </p:cNvCxnSpPr>
+          <p:nvPr/>
+        </p:nvCxnSpPr>
+        <p:spPr>
+          <a:xfrm flipV="1">
+            <a:off x="2897579" y="1660237"/>
+            <a:ext cx="0" cy="4524178"/>
+          </a:xfrm>
+          <a:prstGeom prst="straightConnector1">
+            <a:avLst/>
+          </a:prstGeom>
+          <a:ln w="38100">
+            <a:tailEnd type="triangle" w="lg" len="lg"/>
+          </a:ln>
+        </p:spPr>
+        <p:style>
+          <a:lnRef idx="1">
+            <a:schemeClr val="accent1"/>
+          </a:lnRef>
+          <a:fillRef idx="0">
+            <a:schemeClr val="accent1"/>
+          </a:fillRef>
+          <a:effectRef idx="0">
+            <a:schemeClr val="accent1"/>
+          </a:effectRef>
+          <a:fontRef idx="minor">
+            <a:schemeClr val="tx1"/>
+          </a:fontRef>
+        </p:style>
+      </p:cxnSp>
+      <p:cxnSp>
+        <p:nvCxnSpPr>
+          <p:cNvPr id="28" name="Straight Arrow Connector 27">
+            <a:extLst>
+              <a:ext uri="{FF2B5EF4-FFF2-40B4-BE49-F238E27FC236}">
+                <a16:creationId xmlns:a16="http://schemas.microsoft.com/office/drawing/2014/main" id="{262A5779-6A32-D7D9-4CAE-8D4C7F46D707}"/>
+              </a:ext>
+            </a:extLst>
+          </p:cNvPr>
+          <p:cNvCxnSpPr>
+            <a:cxnSpLocks/>
+          </p:cNvCxnSpPr>
+          <p:nvPr/>
+        </p:nvCxnSpPr>
+        <p:spPr>
+          <a:xfrm flipV="1">
+            <a:off x="2892433" y="4761381"/>
+            <a:ext cx="3548743" cy="43437"/>
+          </a:xfrm>
+          <a:prstGeom prst="straightConnector1">
+            <a:avLst/>
+          </a:prstGeom>
+          <a:ln w="38100">
+            <a:tailEnd type="triangle" w="lg" len="lg"/>
+          </a:ln>
+        </p:spPr>
+        <p:style>
+          <a:lnRef idx="1">
+            <a:schemeClr val="accent1"/>
+          </a:lnRef>
+          <a:fillRef idx="0">
+            <a:schemeClr val="accent1"/>
+          </a:fillRef>
+          <a:effectRef idx="0">
+            <a:schemeClr val="accent1"/>
+          </a:effectRef>
+          <a:fontRef idx="minor">
+            <a:schemeClr val="tx1"/>
+          </a:fontRef>
+        </p:style>
+      </p:cxnSp>
+      <p:cxnSp>
+        <p:nvCxnSpPr>
+          <p:cNvPr id="3" name="Straight Arrow Connector 2">
+            <a:extLst>
+              <a:ext uri="{FF2B5EF4-FFF2-40B4-BE49-F238E27FC236}">
+                <a16:creationId xmlns:a16="http://schemas.microsoft.com/office/drawing/2014/main" id="{D11E5789-9E32-3081-4F10-9CFED595C406}"/>
+              </a:ext>
+            </a:extLst>
+          </p:cNvPr>
+          <p:cNvCxnSpPr>
+            <a:cxnSpLocks/>
+          </p:cNvCxnSpPr>
+          <p:nvPr/>
+        </p:nvCxnSpPr>
+        <p:spPr>
+          <a:xfrm flipV="1">
+            <a:off x="2897579" y="2902261"/>
+            <a:ext cx="0" cy="2465647"/>
+          </a:xfrm>
+          <a:prstGeom prst="straightConnector1">
+            <a:avLst/>
+          </a:prstGeom>
+          <a:ln w="38100">
+            <a:solidFill>
+              <a:schemeClr val="tx1"/>
+            </a:solidFill>
+            <a:tailEnd type="triangle" w="lg" len="lg"/>
+          </a:ln>
+        </p:spPr>
+        <p:style>
+          <a:lnRef idx="2">
+            <a:schemeClr val="accent1"/>
+          </a:lnRef>
+          <a:fillRef idx="0">
+            <a:schemeClr val="accent1"/>
+          </a:fillRef>
+          <a:effectRef idx="1">
+            <a:schemeClr val="accent1"/>
+          </a:effectRef>
+          <a:fontRef idx="minor">
+            <a:schemeClr val="tx1"/>
+          </a:fontRef>
+        </p:style>
+      </p:cxnSp>
+      <p:sp>
+        <p:nvSpPr>
+          <p:cNvPr id="5" name="TextBox 4">
+            <a:extLst>
+              <a:ext uri="{FF2B5EF4-FFF2-40B4-BE49-F238E27FC236}">
+                <a16:creationId xmlns:a16="http://schemas.microsoft.com/office/drawing/2014/main" id="{6BF09692-9D41-FAF2-3F7C-23259D3DA324}"/>
+              </a:ext>
+            </a:extLst>
+          </p:cNvPr>
+          <p:cNvSpPr txBox="1"/>
+          <p:nvPr/>
+        </p:nvSpPr>
+        <p:spPr>
+          <a:xfrm>
+            <a:off x="4979905" y="3215175"/>
+            <a:ext cx="521010" cy="584775"/>
+          </a:xfrm>
+          <a:prstGeom prst="rect">
+            <a:avLst/>
+          </a:prstGeom>
+          <a:noFill/>
+        </p:spPr>
+        <p:txBody>
+          <a:bodyPr wrap="square" rtlCol="0">
+            <a:spAutoFit/>
+          </a:bodyPr>
+          <a:lstStyle/>
+          <a:p>
+            <a:r>
+              <a:rPr lang="en-ES" sz="3200" dirty="0"/>
+              <a:t>I</a:t>
+            </a:r>
+            <a:endParaRPr lang="en-ES" sz="3200" baseline="-25000" dirty="0"/>
+          </a:p>
+        </p:txBody>
+      </p:sp>
+      <p:sp>
+        <p:nvSpPr>
+          <p:cNvPr id="6" name="Arc 5">
+            <a:extLst>
+              <a:ext uri="{FF2B5EF4-FFF2-40B4-BE49-F238E27FC236}">
+                <a16:creationId xmlns:a16="http://schemas.microsoft.com/office/drawing/2014/main" id="{92F87FE6-C31A-3AB5-78DF-F95B84EECA63}"/>
+              </a:ext>
+            </a:extLst>
+          </p:cNvPr>
+          <p:cNvSpPr/>
+          <p:nvPr/>
+        </p:nvSpPr>
+        <p:spPr>
+          <a:xfrm>
+            <a:off x="1865086" y="3924117"/>
+            <a:ext cx="2075543" cy="391886"/>
+          </a:xfrm>
+          <a:prstGeom prst="arc">
+            <a:avLst>
+              <a:gd name="adj1" fmla="val 379781"/>
+              <a:gd name="adj2" fmla="val 15462729"/>
+            </a:avLst>
+          </a:prstGeom>
+          <a:ln w="38100">
+            <a:headEnd type="arrow" w="med" len="med"/>
+            <a:tailEnd type="none" w="med" len="med"/>
+          </a:ln>
+        </p:spPr>
+        <p:style>
+          <a:lnRef idx="2">
+            <a:schemeClr val="accent1"/>
+          </a:lnRef>
+          <a:fillRef idx="0">
+            <a:schemeClr val="accent1"/>
+          </a:fillRef>
+          <a:effectRef idx="1">
+            <a:schemeClr val="accent1"/>
+          </a:effectRef>
+          <a:fontRef idx="minor">
+            <a:schemeClr val="tx1"/>
+          </a:fontRef>
+        </p:style>
+        <p:txBody>
+          <a:bodyPr rtlCol="0" anchor="ctr"/>
+          <a:lstStyle/>
+          <a:p>
+            <a:pPr algn="ctr"/>
+            <a:endParaRPr lang="en-ES"/>
+          </a:p>
+        </p:txBody>
+      </p:sp>
+      <p:sp>
+        <p:nvSpPr>
+          <p:cNvPr id="7" name="Rectangle 6">
+            <a:extLst>
+              <a:ext uri="{FF2B5EF4-FFF2-40B4-BE49-F238E27FC236}">
+                <a16:creationId xmlns:a16="http://schemas.microsoft.com/office/drawing/2014/main" id="{FB4DD179-1289-BED5-1841-4871797C1BBE}"/>
+              </a:ext>
+            </a:extLst>
+          </p:cNvPr>
+          <p:cNvSpPr/>
+          <p:nvPr/>
+        </p:nvSpPr>
+        <p:spPr>
+          <a:xfrm>
+            <a:off x="3490686" y="3259099"/>
+            <a:ext cx="1451428" cy="1516743"/>
+          </a:xfrm>
+          <a:prstGeom prst="rect">
+            <a:avLst/>
+          </a:prstGeom>
+          <a:noFill/>
+          <a:ln w="38100">
+            <a:solidFill>
+              <a:schemeClr val="tx1"/>
+            </a:solidFill>
+          </a:ln>
+        </p:spPr>
+        <p:style>
+          <a:lnRef idx="2">
+            <a:schemeClr val="accent1">
+              <a:shade val="15000"/>
+            </a:schemeClr>
+          </a:lnRef>
+          <a:fillRef idx="1">
+            <a:schemeClr val="accent1"/>
+          </a:fillRef>
+          <a:effectRef idx="0">
+            <a:schemeClr val="accent1"/>
+          </a:effectRef>
+          <a:fontRef idx="minor">
+            <a:schemeClr val="lt1"/>
+          </a:fontRef>
+        </p:style>
+        <p:txBody>
+          <a:bodyPr rtlCol="0" anchor="ctr"/>
+          <a:lstStyle/>
+          <a:p>
+            <a:pPr algn="ctr"/>
+            <a:endParaRPr lang="en-ES"/>
+          </a:p>
+        </p:txBody>
+      </p:sp>
+      <p:cxnSp>
+        <p:nvCxnSpPr>
+          <p:cNvPr id="8" name="Straight Arrow Connector 7">
+            <a:extLst>
+              <a:ext uri="{FF2B5EF4-FFF2-40B4-BE49-F238E27FC236}">
+                <a16:creationId xmlns:a16="http://schemas.microsoft.com/office/drawing/2014/main" id="{C68A4E2D-99C5-AD21-E5FB-E0E931C92CBE}"/>
+              </a:ext>
+            </a:extLst>
+          </p:cNvPr>
+          <p:cNvCxnSpPr>
+            <a:cxnSpLocks/>
+          </p:cNvCxnSpPr>
+          <p:nvPr/>
+        </p:nvCxnSpPr>
+        <p:spPr>
+          <a:xfrm flipV="1">
+            <a:off x="4936837" y="3561920"/>
+            <a:ext cx="0" cy="176151"/>
+          </a:xfrm>
+          <a:prstGeom prst="straightConnector1">
+            <a:avLst/>
+          </a:prstGeom>
+          <a:ln w="38100">
+            <a:solidFill>
+              <a:schemeClr val="tx1"/>
+            </a:solidFill>
+            <a:tailEnd type="triangle" w="lg" len="lg"/>
+          </a:ln>
+        </p:spPr>
+        <p:style>
+          <a:lnRef idx="2">
+            <a:schemeClr val="accent1"/>
+          </a:lnRef>
+          <a:fillRef idx="0">
+            <a:schemeClr val="accent1"/>
+          </a:fillRef>
+          <a:effectRef idx="1">
+            <a:schemeClr val="accent1"/>
+          </a:effectRef>
+          <a:fontRef idx="minor">
+            <a:schemeClr val="tx1"/>
+          </a:fontRef>
+        </p:style>
+      </p:cxnSp>
+      <p:sp>
+        <p:nvSpPr>
+          <p:cNvPr id="10" name="TextBox 9">
+            <a:extLst>
+              <a:ext uri="{FF2B5EF4-FFF2-40B4-BE49-F238E27FC236}">
+                <a16:creationId xmlns:a16="http://schemas.microsoft.com/office/drawing/2014/main" id="{EE7E2C71-0DCF-D608-5DDB-F9F2D07622A0}"/>
+              </a:ext>
+            </a:extLst>
+          </p:cNvPr>
+          <p:cNvSpPr txBox="1"/>
+          <p:nvPr/>
+        </p:nvSpPr>
+        <p:spPr>
+          <a:xfrm>
+            <a:off x="2554901" y="2598057"/>
+            <a:ext cx="988178" cy="584775"/>
+          </a:xfrm>
+          <a:prstGeom prst="rect">
+            <a:avLst/>
+          </a:prstGeom>
+          <a:noFill/>
+        </p:spPr>
+        <p:txBody>
+          <a:bodyPr wrap="square" rtlCol="0">
+            <a:spAutoFit/>
+          </a:bodyPr>
+          <a:lstStyle/>
+          <a:p>
+            <a:r>
+              <a:rPr lang="en-ES" sz="3200" dirty="0"/>
+              <a:t>I</a:t>
+            </a:r>
+            <a:endParaRPr lang="en-ES" sz="3200" baseline="-25000" dirty="0"/>
+          </a:p>
+        </p:txBody>
+      </p:sp>
+      <p:sp>
+        <p:nvSpPr>
+          <p:cNvPr id="11" name="Left Bracket 10">
+            <a:extLst>
+              <a:ext uri="{FF2B5EF4-FFF2-40B4-BE49-F238E27FC236}">
+                <a16:creationId xmlns:a16="http://schemas.microsoft.com/office/drawing/2014/main" id="{D83328DE-980D-EE5A-6669-99D3AA00BF94}"/>
+              </a:ext>
+            </a:extLst>
+          </p:cNvPr>
+          <p:cNvSpPr/>
+          <p:nvPr/>
+        </p:nvSpPr>
+        <p:spPr>
+          <a:xfrm rot="16200000">
+            <a:off x="4123030" y="4306438"/>
+            <a:ext cx="199382" cy="1438788"/>
+          </a:xfrm>
+          <a:prstGeom prst="leftBracket">
+            <a:avLst/>
+          </a:prstGeom>
+          <a:ln w="38100"/>
+        </p:spPr>
+        <p:style>
+          <a:lnRef idx="2">
+            <a:schemeClr val="accent1"/>
+          </a:lnRef>
+          <a:fillRef idx="0">
+            <a:schemeClr val="accent1"/>
+          </a:fillRef>
+          <a:effectRef idx="1">
+            <a:schemeClr val="accent1"/>
+          </a:effectRef>
+          <a:fontRef idx="minor">
+            <a:schemeClr val="tx1"/>
+          </a:fontRef>
+        </p:style>
+        <p:txBody>
+          <a:bodyPr rtlCol="0" anchor="ctr"/>
+          <a:lstStyle/>
+          <a:p>
+            <a:pPr algn="ctr"/>
+            <a:endParaRPr lang="en-ES" dirty="0"/>
+          </a:p>
+        </p:txBody>
+      </p:sp>
+      <p:sp>
+        <p:nvSpPr>
+          <p:cNvPr id="12" name="TextBox 11">
+            <a:extLst>
+              <a:ext uri="{FF2B5EF4-FFF2-40B4-BE49-F238E27FC236}">
+                <a16:creationId xmlns:a16="http://schemas.microsoft.com/office/drawing/2014/main" id="{E21924D9-DD25-2730-B281-5131E6508692}"/>
+              </a:ext>
+            </a:extLst>
+          </p:cNvPr>
+          <p:cNvSpPr txBox="1"/>
+          <p:nvPr/>
+        </p:nvSpPr>
+        <p:spPr>
+          <a:xfrm>
+            <a:off x="4045148" y="4984174"/>
+            <a:ext cx="782499" cy="584775"/>
+          </a:xfrm>
+          <a:prstGeom prst="rect">
+            <a:avLst/>
+          </a:prstGeom>
+          <a:noFill/>
+        </p:spPr>
+        <p:txBody>
+          <a:bodyPr wrap="square" rtlCol="0">
+            <a:spAutoFit/>
+          </a:bodyPr>
+          <a:lstStyle/>
+          <a:p>
+            <a:r>
+              <a:rPr lang="en-ES" sz="3200" dirty="0"/>
+              <a:t>a</a:t>
+            </a:r>
+            <a:endParaRPr lang="en-ES" dirty="0"/>
+          </a:p>
+        </p:txBody>
+      </p:sp>
+      <p:sp>
+        <p:nvSpPr>
+          <p:cNvPr id="13" name="Left Bracket 12">
+            <a:extLst>
+              <a:ext uri="{FF2B5EF4-FFF2-40B4-BE49-F238E27FC236}">
+                <a16:creationId xmlns:a16="http://schemas.microsoft.com/office/drawing/2014/main" id="{65610CE0-DC35-1264-9A2C-BD98D005561D}"/>
+              </a:ext>
+            </a:extLst>
+          </p:cNvPr>
+          <p:cNvSpPr/>
+          <p:nvPr/>
+        </p:nvSpPr>
+        <p:spPr>
+          <a:xfrm rot="10800000">
+            <a:off x="5349487" y="3259098"/>
+            <a:ext cx="199382" cy="1480563"/>
+          </a:xfrm>
+          <a:prstGeom prst="leftBracket">
+            <a:avLst/>
+          </a:prstGeom>
+          <a:ln w="38100"/>
+        </p:spPr>
+        <p:style>
+          <a:lnRef idx="2">
+            <a:schemeClr val="accent1"/>
+          </a:lnRef>
+          <a:fillRef idx="0">
+            <a:schemeClr val="accent1"/>
+          </a:fillRef>
+          <a:effectRef idx="1">
+            <a:schemeClr val="accent1"/>
+          </a:effectRef>
+          <a:fontRef idx="minor">
+            <a:schemeClr val="tx1"/>
+          </a:fontRef>
+        </p:style>
+        <p:txBody>
+          <a:bodyPr rtlCol="0" anchor="ctr"/>
+          <a:lstStyle/>
+          <a:p>
+            <a:pPr algn="ctr"/>
+            <a:endParaRPr lang="en-ES" dirty="0"/>
+          </a:p>
+        </p:txBody>
+      </p:sp>
+      <p:sp>
+        <p:nvSpPr>
+          <p:cNvPr id="14" name="TextBox 13">
+            <a:extLst>
+              <a:ext uri="{FF2B5EF4-FFF2-40B4-BE49-F238E27FC236}">
+                <a16:creationId xmlns:a16="http://schemas.microsoft.com/office/drawing/2014/main" id="{D71F4A36-B4F9-3BE3-491B-C2EDD728A233}"/>
+              </a:ext>
+            </a:extLst>
+          </p:cNvPr>
+          <p:cNvSpPr txBox="1"/>
+          <p:nvPr/>
+        </p:nvSpPr>
+        <p:spPr>
+          <a:xfrm>
+            <a:off x="5561891" y="3837545"/>
+            <a:ext cx="782499" cy="584775"/>
+          </a:xfrm>
+          <a:prstGeom prst="rect">
+            <a:avLst/>
+          </a:prstGeom>
+          <a:noFill/>
+        </p:spPr>
+        <p:txBody>
+          <a:bodyPr wrap="square" rtlCol="0">
+            <a:spAutoFit/>
+          </a:bodyPr>
+          <a:lstStyle/>
+          <a:p>
+            <a:r>
+              <a:rPr lang="en-ES" sz="3200" dirty="0"/>
+              <a:t>a</a:t>
+            </a:r>
+            <a:endParaRPr lang="en-ES" dirty="0"/>
+          </a:p>
+        </p:txBody>
+      </p:sp>
+      <p:sp>
+        <p:nvSpPr>
+          <p:cNvPr id="15" name="Left Bracket 14">
+            <a:extLst>
+              <a:ext uri="{FF2B5EF4-FFF2-40B4-BE49-F238E27FC236}">
+                <a16:creationId xmlns:a16="http://schemas.microsoft.com/office/drawing/2014/main" id="{8326461D-0D4D-4D24-6E8F-1AD8FB2DEBC5}"/>
+              </a:ext>
+            </a:extLst>
+          </p:cNvPr>
+          <p:cNvSpPr/>
+          <p:nvPr/>
+        </p:nvSpPr>
+        <p:spPr>
+          <a:xfrm rot="16200000">
+            <a:off x="3097081" y="4746431"/>
+            <a:ext cx="199382" cy="558802"/>
+          </a:xfrm>
+          <a:prstGeom prst="leftBracket">
+            <a:avLst/>
+          </a:prstGeom>
+          <a:ln w="38100"/>
+        </p:spPr>
+        <p:style>
+          <a:lnRef idx="2">
+            <a:schemeClr val="accent1"/>
+          </a:lnRef>
+          <a:fillRef idx="0">
+            <a:schemeClr val="accent1"/>
+          </a:fillRef>
+          <a:effectRef idx="1">
+            <a:schemeClr val="accent1"/>
+          </a:effectRef>
+          <a:fontRef idx="minor">
+            <a:schemeClr val="tx1"/>
+          </a:fontRef>
+        </p:style>
+        <p:txBody>
+          <a:bodyPr rtlCol="0" anchor="ctr"/>
+          <a:lstStyle/>
+          <a:p>
+            <a:pPr algn="ctr"/>
+            <a:endParaRPr lang="en-ES" dirty="0"/>
+          </a:p>
+        </p:txBody>
+      </p:sp>
+      <p:sp>
+        <p:nvSpPr>
+          <p:cNvPr id="16" name="TextBox 15">
+            <a:extLst>
+              <a:ext uri="{FF2B5EF4-FFF2-40B4-BE49-F238E27FC236}">
+                <a16:creationId xmlns:a16="http://schemas.microsoft.com/office/drawing/2014/main" id="{F44BBFB4-73EF-5F65-559C-8A88B5164131}"/>
+              </a:ext>
+            </a:extLst>
+          </p:cNvPr>
+          <p:cNvSpPr txBox="1"/>
+          <p:nvPr/>
+        </p:nvSpPr>
+        <p:spPr>
+          <a:xfrm>
+            <a:off x="3000120" y="4984174"/>
+            <a:ext cx="782499" cy="584775"/>
+          </a:xfrm>
+          <a:prstGeom prst="rect">
+            <a:avLst/>
+          </a:prstGeom>
+          <a:noFill/>
+        </p:spPr>
+        <p:txBody>
+          <a:bodyPr wrap="square" rtlCol="0">
+            <a:spAutoFit/>
+          </a:bodyPr>
+          <a:lstStyle/>
+          <a:p>
+            <a:r>
+              <a:rPr lang="en-ES" sz="3200" dirty="0"/>
+              <a:t>s</a:t>
+            </a:r>
+            <a:endParaRPr lang="en-ES" dirty="0"/>
+          </a:p>
+        </p:txBody>
+      </p:sp>
+      <p:sp>
+        <p:nvSpPr>
+          <p:cNvPr id="17" name="TextBox 16">
+            <a:extLst>
+              <a:ext uri="{FF2B5EF4-FFF2-40B4-BE49-F238E27FC236}">
+                <a16:creationId xmlns:a16="http://schemas.microsoft.com/office/drawing/2014/main" id="{1D27BD20-982D-C4F4-72F8-BC0B0E78C66F}"/>
+              </a:ext>
+            </a:extLst>
+          </p:cNvPr>
+          <p:cNvSpPr txBox="1"/>
+          <p:nvPr/>
+        </p:nvSpPr>
+        <p:spPr>
+          <a:xfrm>
+            <a:off x="1669942" y="4330656"/>
+            <a:ext cx="647198" cy="584775"/>
+          </a:xfrm>
+          <a:prstGeom prst="rect">
+            <a:avLst/>
+          </a:prstGeom>
+          <a:noFill/>
+        </p:spPr>
+        <p:txBody>
+          <a:bodyPr wrap="square" rtlCol="0">
+            <a:spAutoFit/>
+          </a:bodyPr>
+          <a:lstStyle/>
+          <a:p>
+            <a:r>
+              <a:rPr lang="en-ES" sz="3200" dirty="0"/>
+              <a:t>B</a:t>
+            </a:r>
+            <a:r>
+              <a:rPr lang="en-ES" sz="3200" baseline="-25000" dirty="0"/>
+              <a:t>1</a:t>
+            </a:r>
+            <a:endParaRPr lang="en-ES" baseline="-25000" dirty="0"/>
+          </a:p>
+        </p:txBody>
+      </p:sp>
+      <p:sp>
+        <p:nvSpPr>
+          <p:cNvPr id="18" name="TextBox 17">
+            <a:extLst>
+              <a:ext uri="{FF2B5EF4-FFF2-40B4-BE49-F238E27FC236}">
+                <a16:creationId xmlns:a16="http://schemas.microsoft.com/office/drawing/2014/main" id="{F9F1200F-1468-3405-07A5-0411B99982E9}"/>
+              </a:ext>
+            </a:extLst>
+          </p:cNvPr>
+          <p:cNvSpPr txBox="1"/>
+          <p:nvPr/>
+        </p:nvSpPr>
+        <p:spPr>
+          <a:xfrm>
+            <a:off x="1708705" y="4199537"/>
+            <a:ext cx="492443" cy="461665"/>
+          </a:xfrm>
+          <a:prstGeom prst="rect">
+            <a:avLst/>
+          </a:prstGeom>
+          <a:noFill/>
+        </p:spPr>
+        <p:txBody>
+          <a:bodyPr wrap="square" rtlCol="0">
+            <a:spAutoFit/>
+          </a:bodyPr>
+          <a:lstStyle/>
+          <a:p>
+            <a:r>
+              <a:rPr lang="en-ES" sz="2400" dirty="0"/>
+              <a:t>➝</a:t>
+            </a:r>
+          </a:p>
+        </p:txBody>
+      </p:sp>
+      <p:sp>
+        <p:nvSpPr>
+          <p:cNvPr id="2" name="Title 1">
+            <a:extLst>
+              <a:ext uri="{FF2B5EF4-FFF2-40B4-BE49-F238E27FC236}">
+                <a16:creationId xmlns:a16="http://schemas.microsoft.com/office/drawing/2014/main" id="{DA4811CE-247A-8AE3-B644-94E5DDDA39AB}"/>
+              </a:ext>
+            </a:extLst>
+          </p:cNvPr>
+          <p:cNvSpPr txBox="1">
+            <a:spLocks/>
+          </p:cNvSpPr>
+          <p:nvPr/>
+        </p:nvSpPr>
+        <p:spPr>
+          <a:xfrm>
+            <a:off x="838200" y="365125"/>
+            <a:ext cx="10515600" cy="1325563"/>
+          </a:xfrm>
+          <a:prstGeom prst="rect">
+            <a:avLst/>
+          </a:prstGeom>
+        </p:spPr>
+        <p:txBody>
+          <a:bodyPr/>
+          <a:lstStyle>
+            <a:lvl1pPr algn="l" defTabSz="914400" rtl="0" eaLnBrk="1" latinLnBrk="0" hangingPunct="1">
+              <a:lnSpc>
+                <a:spcPct val="90000"/>
+              </a:lnSpc>
+              <a:spcBef>
+                <a:spcPct val="0"/>
+              </a:spcBef>
+              <a:buNone/>
+              <a:defRPr sz="4400" kern="1200">
+                <a:solidFill>
+                  <a:schemeClr val="tx1"/>
+                </a:solidFill>
+                <a:latin typeface="+mj-lt"/>
+                <a:ea typeface="+mj-ea"/>
+                <a:cs typeface="+mj-cs"/>
+              </a:defRPr>
+            </a:lvl1pPr>
+          </a:lstStyle>
+          <a:p>
+            <a:r>
+              <a:rPr lang="en-ES" dirty="0"/>
+              <a:t>B4</a:t>
+            </a:r>
+            <a:r>
+              <a:rPr lang="en-ES"/>
+              <a:t>.S8.6</a:t>
+            </a:r>
+            <a:endParaRPr lang="en-ES" dirty="0"/>
+          </a:p>
+        </p:txBody>
+      </p:sp>
+      <p:sp>
+        <p:nvSpPr>
+          <p:cNvPr id="4" name="TextBox 3">
+            <a:extLst>
+              <a:ext uri="{FF2B5EF4-FFF2-40B4-BE49-F238E27FC236}">
+                <a16:creationId xmlns:a16="http://schemas.microsoft.com/office/drawing/2014/main" id="{E961B435-3195-148D-9221-EBB52E46798D}"/>
+              </a:ext>
+            </a:extLst>
+          </p:cNvPr>
+          <p:cNvSpPr txBox="1"/>
+          <p:nvPr/>
+        </p:nvSpPr>
+        <p:spPr>
+          <a:xfrm>
+            <a:off x="3995025" y="2845843"/>
+            <a:ext cx="442750" cy="369332"/>
+          </a:xfrm>
+          <a:prstGeom prst="rect">
+            <a:avLst/>
+          </a:prstGeom>
+          <a:noFill/>
+        </p:spPr>
+        <p:txBody>
+          <a:bodyPr wrap="none" rtlCol="0">
+            <a:spAutoFit/>
+          </a:bodyPr>
+          <a:lstStyle/>
+          <a:p>
+            <a:r>
+              <a:rPr lang="en-ES" dirty="0"/>
+              <a:t>(2)</a:t>
+            </a:r>
+          </a:p>
+        </p:txBody>
+      </p:sp>
+      <p:sp>
+        <p:nvSpPr>
+          <p:cNvPr id="9" name="TextBox 8">
+            <a:extLst>
+              <a:ext uri="{FF2B5EF4-FFF2-40B4-BE49-F238E27FC236}">
+                <a16:creationId xmlns:a16="http://schemas.microsoft.com/office/drawing/2014/main" id="{F7BDA9E8-95B1-7B6D-E2DE-F1FC66C3D723}"/>
+              </a:ext>
+            </a:extLst>
+          </p:cNvPr>
+          <p:cNvSpPr txBox="1"/>
+          <p:nvPr/>
+        </p:nvSpPr>
+        <p:spPr>
+          <a:xfrm>
+            <a:off x="4045148" y="4370330"/>
+            <a:ext cx="442750" cy="369332"/>
+          </a:xfrm>
+          <a:prstGeom prst="rect">
+            <a:avLst/>
+          </a:prstGeom>
+          <a:noFill/>
+        </p:spPr>
+        <p:txBody>
+          <a:bodyPr wrap="none" rtlCol="0">
+            <a:spAutoFit/>
+          </a:bodyPr>
+          <a:lstStyle/>
+          <a:p>
+            <a:r>
+              <a:rPr lang="en-ES" dirty="0"/>
+              <a:t>(3)</a:t>
+            </a:r>
+          </a:p>
+        </p:txBody>
+      </p:sp>
+      <p:sp>
+        <p:nvSpPr>
+          <p:cNvPr id="19" name="TextBox 18">
+            <a:extLst>
+              <a:ext uri="{FF2B5EF4-FFF2-40B4-BE49-F238E27FC236}">
+                <a16:creationId xmlns:a16="http://schemas.microsoft.com/office/drawing/2014/main" id="{88E64B98-1B62-588C-C487-0125E1159664}"/>
+              </a:ext>
+            </a:extLst>
+          </p:cNvPr>
+          <p:cNvSpPr txBox="1"/>
+          <p:nvPr/>
+        </p:nvSpPr>
+        <p:spPr>
+          <a:xfrm>
+            <a:off x="3115994" y="3568233"/>
+            <a:ext cx="442750" cy="369332"/>
+          </a:xfrm>
+          <a:prstGeom prst="rect">
+            <a:avLst/>
+          </a:prstGeom>
+          <a:noFill/>
+        </p:spPr>
+        <p:txBody>
+          <a:bodyPr wrap="none" rtlCol="0">
+            <a:spAutoFit/>
+          </a:bodyPr>
+          <a:lstStyle/>
+          <a:p>
+            <a:r>
+              <a:rPr lang="en-ES" dirty="0"/>
+              <a:t>(4)</a:t>
+            </a:r>
+          </a:p>
+        </p:txBody>
+      </p:sp>
+      <p:sp>
+        <p:nvSpPr>
+          <p:cNvPr id="20" name="TextBox 19">
+            <a:extLst>
+              <a:ext uri="{FF2B5EF4-FFF2-40B4-BE49-F238E27FC236}">
+                <a16:creationId xmlns:a16="http://schemas.microsoft.com/office/drawing/2014/main" id="{0B04281B-297A-DD68-E527-ADBC5024791D}"/>
+              </a:ext>
+            </a:extLst>
+          </p:cNvPr>
+          <p:cNvSpPr txBox="1"/>
+          <p:nvPr/>
+        </p:nvSpPr>
+        <p:spPr>
+          <a:xfrm>
+            <a:off x="4931425" y="3888369"/>
+            <a:ext cx="442750" cy="369332"/>
+          </a:xfrm>
+          <a:prstGeom prst="rect">
+            <a:avLst/>
+          </a:prstGeom>
+          <a:noFill/>
+        </p:spPr>
+        <p:txBody>
+          <a:bodyPr wrap="none" rtlCol="0">
+            <a:spAutoFit/>
+          </a:bodyPr>
+          <a:lstStyle/>
+          <a:p>
+            <a:r>
+              <a:rPr lang="en-ES" dirty="0"/>
+              <a:t>(5)</a:t>
+            </a:r>
+          </a:p>
+        </p:txBody>
+      </p:sp>
+      <p:cxnSp>
+        <p:nvCxnSpPr>
+          <p:cNvPr id="21" name="Straight Arrow Connector 20">
+            <a:extLst>
+              <a:ext uri="{FF2B5EF4-FFF2-40B4-BE49-F238E27FC236}">
+                <a16:creationId xmlns:a16="http://schemas.microsoft.com/office/drawing/2014/main" id="{9C48C407-107E-E2DA-FCE2-8D17D91DCDD1}"/>
+              </a:ext>
+            </a:extLst>
+          </p:cNvPr>
+          <p:cNvCxnSpPr>
+            <a:cxnSpLocks/>
+            <a:stCxn id="7" idx="0"/>
+          </p:cNvCxnSpPr>
+          <p:nvPr/>
+        </p:nvCxnSpPr>
+        <p:spPr>
+          <a:xfrm flipH="1">
+            <a:off x="3959535" y="3259099"/>
+            <a:ext cx="256865" cy="0"/>
+          </a:xfrm>
+          <a:prstGeom prst="straightConnector1">
+            <a:avLst/>
+          </a:prstGeom>
+          <a:ln w="38100">
+            <a:solidFill>
+              <a:schemeClr val="tx1"/>
+            </a:solidFill>
+            <a:tailEnd type="triangle" w="lg" len="lg"/>
+          </a:ln>
+        </p:spPr>
+        <p:style>
+          <a:lnRef idx="2">
+            <a:schemeClr val="accent1"/>
+          </a:lnRef>
+          <a:fillRef idx="0">
+            <a:schemeClr val="accent1"/>
+          </a:fillRef>
+          <a:effectRef idx="1">
+            <a:schemeClr val="accent1"/>
+          </a:effectRef>
+          <a:fontRef idx="minor">
+            <a:schemeClr val="tx1"/>
+          </a:fontRef>
+        </p:style>
+      </p:cxnSp>
+      <p:cxnSp>
+        <p:nvCxnSpPr>
+          <p:cNvPr id="23" name="Straight Arrow Connector 22">
+            <a:extLst>
+              <a:ext uri="{FF2B5EF4-FFF2-40B4-BE49-F238E27FC236}">
+                <a16:creationId xmlns:a16="http://schemas.microsoft.com/office/drawing/2014/main" id="{766CD386-DC1E-4B49-FFE0-1AB85EE8C59A}"/>
+              </a:ext>
+            </a:extLst>
+          </p:cNvPr>
+          <p:cNvCxnSpPr>
+            <a:cxnSpLocks/>
+          </p:cNvCxnSpPr>
+          <p:nvPr/>
+        </p:nvCxnSpPr>
+        <p:spPr>
+          <a:xfrm>
+            <a:off x="3493573" y="3947368"/>
+            <a:ext cx="0" cy="182564"/>
+          </a:xfrm>
+          <a:prstGeom prst="straightConnector1">
+            <a:avLst/>
+          </a:prstGeom>
+          <a:ln w="38100">
+            <a:solidFill>
+              <a:schemeClr val="tx1"/>
+            </a:solidFill>
+            <a:tailEnd type="triangle" w="lg" len="lg"/>
+          </a:ln>
+        </p:spPr>
+        <p:style>
+          <a:lnRef idx="2">
+            <a:schemeClr val="accent1"/>
+          </a:lnRef>
+          <a:fillRef idx="0">
+            <a:schemeClr val="accent1"/>
+          </a:fillRef>
+          <a:effectRef idx="1">
+            <a:schemeClr val="accent1"/>
+          </a:effectRef>
+          <a:fontRef idx="minor">
+            <a:schemeClr val="tx1"/>
+          </a:fontRef>
+        </p:style>
+      </p:cxnSp>
+      <p:cxnSp>
+        <p:nvCxnSpPr>
+          <p:cNvPr id="26" name="Straight Arrow Connector 25">
+            <a:extLst>
+              <a:ext uri="{FF2B5EF4-FFF2-40B4-BE49-F238E27FC236}">
+                <a16:creationId xmlns:a16="http://schemas.microsoft.com/office/drawing/2014/main" id="{C54EDCB8-38E6-0BCD-07C6-782FEE5AE076}"/>
+              </a:ext>
+            </a:extLst>
+          </p:cNvPr>
+          <p:cNvCxnSpPr>
+            <a:cxnSpLocks/>
+          </p:cNvCxnSpPr>
+          <p:nvPr/>
+        </p:nvCxnSpPr>
+        <p:spPr>
+          <a:xfrm>
+            <a:off x="4002314" y="4775842"/>
+            <a:ext cx="171306" cy="0"/>
+          </a:xfrm>
+          <a:prstGeom prst="straightConnector1">
+            <a:avLst/>
+          </a:prstGeom>
+          <a:ln w="38100">
+            <a:solidFill>
+              <a:schemeClr val="tx1"/>
+            </a:solidFill>
+            <a:tailEnd type="triangle" w="lg" len="lg"/>
+          </a:ln>
+        </p:spPr>
+        <p:style>
+          <a:lnRef idx="2">
+            <a:schemeClr val="accent1"/>
+          </a:lnRef>
+          <a:fillRef idx="0">
+            <a:schemeClr val="accent1"/>
+          </a:fillRef>
+          <a:effectRef idx="1">
+            <a:schemeClr val="accent1"/>
+          </a:effectRef>
+          <a:fontRef idx="minor">
+            <a:schemeClr val="tx1"/>
+          </a:fontRef>
+        </p:style>
+      </p:cxnSp>
+      <p:sp>
+        <p:nvSpPr>
+          <p:cNvPr id="36" name="TextBox 35">
+            <a:extLst>
+              <a:ext uri="{FF2B5EF4-FFF2-40B4-BE49-F238E27FC236}">
+                <a16:creationId xmlns:a16="http://schemas.microsoft.com/office/drawing/2014/main" id="{1DBF6A0E-1445-0EA4-334B-17F276849B39}"/>
+              </a:ext>
+            </a:extLst>
+          </p:cNvPr>
+          <p:cNvSpPr txBox="1"/>
+          <p:nvPr/>
+        </p:nvSpPr>
+        <p:spPr>
+          <a:xfrm>
+            <a:off x="2360046" y="1690688"/>
+            <a:ext cx="782499" cy="584775"/>
+          </a:xfrm>
+          <a:prstGeom prst="rect">
+            <a:avLst/>
+          </a:prstGeom>
+          <a:noFill/>
+        </p:spPr>
+        <p:txBody>
+          <a:bodyPr wrap="square" rtlCol="0">
+            <a:spAutoFit/>
+          </a:bodyPr>
+          <a:lstStyle/>
+          <a:p>
+            <a:r>
+              <a:rPr lang="en-ES" sz="3200" dirty="0"/>
+              <a:t>z</a:t>
+            </a:r>
+            <a:endParaRPr lang="en-ES" dirty="0"/>
+          </a:p>
+        </p:txBody>
+      </p:sp>
+      <p:sp>
+        <p:nvSpPr>
+          <p:cNvPr id="37" name="TextBox 36">
+            <a:extLst>
+              <a:ext uri="{FF2B5EF4-FFF2-40B4-BE49-F238E27FC236}">
+                <a16:creationId xmlns:a16="http://schemas.microsoft.com/office/drawing/2014/main" id="{1F359FCB-ABBA-F8AF-40C5-895ADA3E30D7}"/>
+              </a:ext>
+            </a:extLst>
+          </p:cNvPr>
+          <p:cNvSpPr txBox="1"/>
+          <p:nvPr/>
+        </p:nvSpPr>
+        <p:spPr>
+          <a:xfrm>
+            <a:off x="5860634" y="4671518"/>
+            <a:ext cx="782499" cy="584775"/>
+          </a:xfrm>
+          <a:prstGeom prst="rect">
+            <a:avLst/>
+          </a:prstGeom>
+          <a:noFill/>
+        </p:spPr>
+        <p:txBody>
+          <a:bodyPr wrap="square" rtlCol="0">
+            <a:spAutoFit/>
+          </a:bodyPr>
+          <a:lstStyle/>
+          <a:p>
+            <a:r>
+              <a:rPr lang="en-ES" sz="3200" dirty="0"/>
+              <a:t>ρ</a:t>
+            </a:r>
+          </a:p>
+        </p:txBody>
+      </p:sp>
+    </p:spTree>
+    <p:extLst>
+      <p:ext uri="{BB962C8B-B14F-4D97-AF65-F5344CB8AC3E}">
+        <p14:creationId xmlns:p14="http://schemas.microsoft.com/office/powerpoint/2010/main" val="1802057733"/>
+      </p:ext>
+    </p:extLst>
+  </p:cSld>
+  <p:clrMapOvr>
+    <a:masterClrMapping/>
+  </p:clrMapOvr>
+</p:sld>
+</file>
+
+<file path=ppt/slides/slide24.xml><?xml version="1.0" encoding="utf-8"?>
+<p:sld xmlns:a="http://schemas.openxmlformats.org/drawingml/2006/main" xmlns:r="http://schemas.openxmlformats.org/officeDocument/2006/relationships" xmlns:p="http://schemas.openxmlformats.org/presentationml/2006/main">
+  <p:cSld>
+    <p:spTree>
+      <p:nvGrpSpPr>
+        <p:cNvPr id="1" name=""/>
+        <p:cNvGrpSpPr/>
+        <p:nvPr/>
+      </p:nvGrpSpPr>
+      <p:grpSpPr>
+        <a:xfrm>
+          <a:off x="0" y="0"/>
+          <a:ext cx="0" cy="0"/>
+          <a:chOff x="0" y="0"/>
+          <a:chExt cx="0" cy="0"/>
+        </a:xfrm>
+      </p:grpSpPr>
       <p:sp>
         <p:nvSpPr>
           <p:cNvPr id="2" name="Doughnut 1">
@@ -20785,7 +21880,7 @@
 </p:sld>
 </file>
 
-<file path=ppt/slides/slide24.xml><?xml version="1.0" encoding="utf-8"?>
+<file path=ppt/slides/slide25.xml><?xml version="1.0" encoding="utf-8"?>
 <p:sld xmlns:a="http://schemas.openxmlformats.org/drawingml/2006/main" xmlns:r="http://schemas.openxmlformats.org/officeDocument/2006/relationships" xmlns:p="http://schemas.openxmlformats.org/presentationml/2006/main">
   <p:cSld>
     <p:spTree>
@@ -21151,7 +22246,7 @@
 </p:sld>
 </file>
 
-<file path=ppt/slides/slide25.xml><?xml version="1.0" encoding="utf-8"?>
+<file path=ppt/slides/slide26.xml><?xml version="1.0" encoding="utf-8"?>
 <p:sld xmlns:a="http://schemas.openxmlformats.org/drawingml/2006/main" xmlns:r="http://schemas.openxmlformats.org/officeDocument/2006/relationships" xmlns:p="http://schemas.openxmlformats.org/presentationml/2006/main">
   <p:cSld>
     <p:spTree>
@@ -21834,7 +22929,7 @@
 </p:sld>
 </file>
 
-<file path=ppt/slides/slide26.xml><?xml version="1.0" encoding="utf-8"?>
+<file path=ppt/slides/slide27.xml><?xml version="1.0" encoding="utf-8"?>
 <p:sld xmlns:a="http://schemas.openxmlformats.org/drawingml/2006/main" xmlns:r="http://schemas.openxmlformats.org/officeDocument/2006/relationships" xmlns:p="http://schemas.openxmlformats.org/presentationml/2006/main">
   <p:cSld>
     <p:spTree>
@@ -22885,7 +23980,7 @@
 </p:sld>
 </file>
 
-<file path=ppt/slides/slide27.xml><?xml version="1.0" encoding="utf-8"?>
+<file path=ppt/slides/slide28.xml><?xml version="1.0" encoding="utf-8"?>
 <p:sld xmlns:a="http://schemas.openxmlformats.org/drawingml/2006/main" xmlns:r="http://schemas.openxmlformats.org/officeDocument/2006/relationships" xmlns:p="http://schemas.openxmlformats.org/presentationml/2006/main">
   <p:cSld>
     <p:spTree>
@@ -23648,7 +24743,7 @@
 </p:sld>
 </file>
 
-<file path=ppt/slides/slide28.xml><?xml version="1.0" encoding="utf-8"?>
+<file path=ppt/slides/slide29.xml><?xml version="1.0" encoding="utf-8"?>
 <p:sld xmlns:a="http://schemas.openxmlformats.org/drawingml/2006/main" xmlns:r="http://schemas.openxmlformats.org/officeDocument/2006/relationships" xmlns:p="http://schemas.openxmlformats.org/presentationml/2006/main">
   <p:cSld>
     <p:spTree>
@@ -24417,7 +25512,1160 @@
 </p:sld>
 </file>
 
-<file path=ppt/slides/slide29.xml><?xml version="1.0" encoding="utf-8"?>
+<file path=ppt/slides/slide3.xml><?xml version="1.0" encoding="utf-8"?>
+<p:sld xmlns:a="http://schemas.openxmlformats.org/drawingml/2006/main" xmlns:r="http://schemas.openxmlformats.org/officeDocument/2006/relationships" xmlns:p="http://schemas.openxmlformats.org/presentationml/2006/main">
+  <p:cSld>
+    <p:spTree>
+      <p:nvGrpSpPr>
+        <p:cNvPr id="1" name=""/>
+        <p:cNvGrpSpPr/>
+        <p:nvPr/>
+      </p:nvGrpSpPr>
+      <p:grpSpPr>
+        <a:xfrm>
+          <a:off x="0" y="0"/>
+          <a:ext cx="0" cy="0"/>
+          <a:chOff x="0" y="0"/>
+          <a:chExt cx="0" cy="0"/>
+        </a:xfrm>
+      </p:grpSpPr>
+      <p:sp>
+        <p:nvSpPr>
+          <p:cNvPr id="2" name="Title 1">
+            <a:extLst>
+              <a:ext uri="{FF2B5EF4-FFF2-40B4-BE49-F238E27FC236}">
+                <a16:creationId xmlns:a16="http://schemas.microsoft.com/office/drawing/2014/main" id="{D39B841F-54C7-3AE1-E545-FD824C8DAF7F}"/>
+              </a:ext>
+            </a:extLst>
+          </p:cNvPr>
+          <p:cNvSpPr>
+            <a:spLocks noGrp="1"/>
+          </p:cNvSpPr>
+          <p:nvPr>
+            <p:ph type="title"/>
+          </p:nvPr>
+        </p:nvSpPr>
+        <p:spPr/>
+        <p:txBody>
+          <a:bodyPr/>
+          <a:lstStyle/>
+          <a:p>
+            <a:r>
+              <a:rPr lang="en-ES" dirty="0"/>
+              <a:t>B1.S2.1</a:t>
+            </a:r>
+          </a:p>
+        </p:txBody>
+      </p:sp>
+      <p:sp>
+        <p:nvSpPr>
+          <p:cNvPr id="5" name="Arc 4">
+            <a:extLst>
+              <a:ext uri="{FF2B5EF4-FFF2-40B4-BE49-F238E27FC236}">
+                <a16:creationId xmlns:a16="http://schemas.microsoft.com/office/drawing/2014/main" id="{C62C6161-AC50-592A-79A8-62650346F24E}"/>
+              </a:ext>
+            </a:extLst>
+          </p:cNvPr>
+          <p:cNvSpPr/>
+          <p:nvPr/>
+        </p:nvSpPr>
+        <p:spPr>
+          <a:xfrm rot="16200000">
+            <a:off x="492552" y="2918012"/>
+            <a:ext cx="4155141" cy="4222377"/>
+          </a:xfrm>
+          <a:prstGeom prst="arc">
+            <a:avLst>
+              <a:gd name="adj1" fmla="val 16259988"/>
+              <a:gd name="adj2" fmla="val 5404610"/>
+            </a:avLst>
+          </a:prstGeom>
+          <a:ln w="38100">
+            <a:gradFill>
+              <a:gsLst>
+                <a:gs pos="51000">
+                  <a:schemeClr val="accent1">
+                    <a:lumMod val="5000"/>
+                    <a:lumOff val="95000"/>
+                  </a:schemeClr>
+                </a:gs>
+                <a:gs pos="100000">
+                  <a:schemeClr val="accent1">
+                    <a:lumMod val="45000"/>
+                    <a:lumOff val="55000"/>
+                  </a:schemeClr>
+                </a:gs>
+                <a:gs pos="0">
+                  <a:srgbClr val="FF0000"/>
+                </a:gs>
+              </a:gsLst>
+              <a:lin ang="5400000" scaled="1"/>
+            </a:gradFill>
+          </a:ln>
+        </p:spPr>
+        <p:style>
+          <a:lnRef idx="2">
+            <a:schemeClr val="accent1"/>
+          </a:lnRef>
+          <a:fillRef idx="0">
+            <a:schemeClr val="accent1"/>
+          </a:fillRef>
+          <a:effectRef idx="1">
+            <a:schemeClr val="accent1"/>
+          </a:effectRef>
+          <a:fontRef idx="minor">
+            <a:schemeClr val="tx1"/>
+          </a:fontRef>
+        </p:style>
+        <p:txBody>
+          <a:bodyPr rtlCol="0" anchor="ctr"/>
+          <a:lstStyle/>
+          <a:p>
+            <a:pPr algn="ctr"/>
+            <a:endParaRPr lang="en-ES"/>
+          </a:p>
+        </p:txBody>
+      </p:sp>
+      <p:cxnSp>
+        <p:nvCxnSpPr>
+          <p:cNvPr id="10" name="Straight Arrow Connector 9">
+            <a:extLst>
+              <a:ext uri="{FF2B5EF4-FFF2-40B4-BE49-F238E27FC236}">
+                <a16:creationId xmlns:a16="http://schemas.microsoft.com/office/drawing/2014/main" id="{8E1BDB21-2D8F-C9C2-3B07-F77D99022865}"/>
+              </a:ext>
+            </a:extLst>
+          </p:cNvPr>
+          <p:cNvCxnSpPr>
+            <a:cxnSpLocks/>
+          </p:cNvCxnSpPr>
+          <p:nvPr/>
+        </p:nvCxnSpPr>
+        <p:spPr>
+          <a:xfrm flipV="1">
+            <a:off x="2589628" y="1817132"/>
+            <a:ext cx="0" cy="3223735"/>
+          </a:xfrm>
+          <a:prstGeom prst="straightConnector1">
+            <a:avLst/>
+          </a:prstGeom>
+          <a:ln w="38100">
+            <a:solidFill>
+              <a:schemeClr val="tx1"/>
+            </a:solidFill>
+            <a:tailEnd type="triangle"/>
+          </a:ln>
+        </p:spPr>
+        <p:style>
+          <a:lnRef idx="2">
+            <a:schemeClr val="accent1"/>
+          </a:lnRef>
+          <a:fillRef idx="0">
+            <a:schemeClr val="accent1"/>
+          </a:fillRef>
+          <a:effectRef idx="1">
+            <a:schemeClr val="accent1"/>
+          </a:effectRef>
+          <a:fontRef idx="minor">
+            <a:schemeClr val="tx1"/>
+          </a:fontRef>
+        </p:style>
+      </p:cxnSp>
+      <p:sp>
+        <p:nvSpPr>
+          <p:cNvPr id="15" name="TextBox 14">
+            <a:extLst>
+              <a:ext uri="{FF2B5EF4-FFF2-40B4-BE49-F238E27FC236}">
+                <a16:creationId xmlns:a16="http://schemas.microsoft.com/office/drawing/2014/main" id="{724436C1-324F-AAF1-C132-967FFB014398}"/>
+              </a:ext>
+            </a:extLst>
+          </p:cNvPr>
+          <p:cNvSpPr txBox="1"/>
+          <p:nvPr/>
+        </p:nvSpPr>
+        <p:spPr>
+          <a:xfrm>
+            <a:off x="2054698" y="1817132"/>
+            <a:ext cx="393056" cy="646331"/>
+          </a:xfrm>
+          <a:prstGeom prst="rect">
+            <a:avLst/>
+          </a:prstGeom>
+          <a:noFill/>
+        </p:spPr>
+        <p:txBody>
+          <a:bodyPr wrap="none" rtlCol="0">
+            <a:spAutoFit/>
+          </a:bodyPr>
+          <a:lstStyle/>
+          <a:p>
+            <a:r>
+              <a:rPr lang="en-ES" sz="3600" dirty="0"/>
+              <a:t>y</a:t>
+            </a:r>
+          </a:p>
+        </p:txBody>
+      </p:sp>
+      <p:cxnSp>
+        <p:nvCxnSpPr>
+          <p:cNvPr id="17" name="Straight Arrow Connector 16">
+            <a:extLst>
+              <a:ext uri="{FF2B5EF4-FFF2-40B4-BE49-F238E27FC236}">
+                <a16:creationId xmlns:a16="http://schemas.microsoft.com/office/drawing/2014/main" id="{5B01AE06-DAE3-451D-0620-065E77F3FD38}"/>
+              </a:ext>
+            </a:extLst>
+          </p:cNvPr>
+          <p:cNvCxnSpPr>
+            <a:cxnSpLocks/>
+          </p:cNvCxnSpPr>
+          <p:nvPr/>
+        </p:nvCxnSpPr>
+        <p:spPr>
+          <a:xfrm>
+            <a:off x="2589628" y="5040867"/>
+            <a:ext cx="3225269" cy="0"/>
+          </a:xfrm>
+          <a:prstGeom prst="straightConnector1">
+            <a:avLst/>
+          </a:prstGeom>
+          <a:ln w="38100">
+            <a:solidFill>
+              <a:schemeClr val="tx1"/>
+            </a:solidFill>
+            <a:tailEnd type="triangle"/>
+          </a:ln>
+        </p:spPr>
+        <p:style>
+          <a:lnRef idx="2">
+            <a:schemeClr val="accent1"/>
+          </a:lnRef>
+          <a:fillRef idx="0">
+            <a:schemeClr val="accent1"/>
+          </a:fillRef>
+          <a:effectRef idx="1">
+            <a:schemeClr val="accent1"/>
+          </a:effectRef>
+          <a:fontRef idx="minor">
+            <a:schemeClr val="tx1"/>
+          </a:fontRef>
+        </p:style>
+      </p:cxnSp>
+      <p:sp>
+        <p:nvSpPr>
+          <p:cNvPr id="18" name="TextBox 17">
+            <a:extLst>
+              <a:ext uri="{FF2B5EF4-FFF2-40B4-BE49-F238E27FC236}">
+                <a16:creationId xmlns:a16="http://schemas.microsoft.com/office/drawing/2014/main" id="{10908EA1-8301-F8A5-2AA4-12299B055323}"/>
+              </a:ext>
+            </a:extLst>
+          </p:cNvPr>
+          <p:cNvSpPr txBox="1"/>
+          <p:nvPr/>
+        </p:nvSpPr>
+        <p:spPr>
+          <a:xfrm>
+            <a:off x="5392791" y="5040867"/>
+            <a:ext cx="567868" cy="646331"/>
+          </a:xfrm>
+          <a:prstGeom prst="rect">
+            <a:avLst/>
+          </a:prstGeom>
+          <a:noFill/>
+        </p:spPr>
+        <p:txBody>
+          <a:bodyPr wrap="square" rtlCol="0">
+            <a:spAutoFit/>
+          </a:bodyPr>
+          <a:lstStyle/>
+          <a:p>
+            <a:r>
+              <a:rPr lang="en-ES" sz="3600" dirty="0"/>
+              <a:t>x</a:t>
+            </a:r>
+          </a:p>
+        </p:txBody>
+      </p:sp>
+      <p:sp>
+        <p:nvSpPr>
+          <p:cNvPr id="24" name="TextBox 23">
+            <a:extLst>
+              <a:ext uri="{FF2B5EF4-FFF2-40B4-BE49-F238E27FC236}">
+                <a16:creationId xmlns:a16="http://schemas.microsoft.com/office/drawing/2014/main" id="{619EBB20-CB39-E643-A01C-4EDC9B94301E}"/>
+              </a:ext>
+            </a:extLst>
+          </p:cNvPr>
+          <p:cNvSpPr txBox="1"/>
+          <p:nvPr/>
+        </p:nvSpPr>
+        <p:spPr>
+          <a:xfrm>
+            <a:off x="3338760" y="2417283"/>
+            <a:ext cx="2207656" cy="646331"/>
+          </a:xfrm>
+          <a:prstGeom prst="rect">
+            <a:avLst/>
+          </a:prstGeom>
+          <a:noFill/>
+        </p:spPr>
+        <p:txBody>
+          <a:bodyPr wrap="none" rtlCol="0">
+            <a:spAutoFit/>
+          </a:bodyPr>
+          <a:lstStyle/>
+          <a:p>
+            <a:r>
+              <a:rPr lang="en-ES" sz="3600" dirty="0"/>
+              <a:t>λ= λ</a:t>
+            </a:r>
+            <a:r>
+              <a:rPr lang="en-ES" sz="3600" baseline="-25000" dirty="0"/>
+              <a:t>0</a:t>
+            </a:r>
+            <a:r>
+              <a:rPr lang="en-ES" sz="3600" dirty="0"/>
+              <a:t>cosɸ’</a:t>
+            </a:r>
+          </a:p>
+        </p:txBody>
+      </p:sp>
+      <p:sp>
+        <p:nvSpPr>
+          <p:cNvPr id="30" name="Arc 29">
+            <a:extLst>
+              <a:ext uri="{FF2B5EF4-FFF2-40B4-BE49-F238E27FC236}">
+                <a16:creationId xmlns:a16="http://schemas.microsoft.com/office/drawing/2014/main" id="{471F2308-244C-599C-E8D1-D81CA02C565C}"/>
+              </a:ext>
+            </a:extLst>
+          </p:cNvPr>
+          <p:cNvSpPr/>
+          <p:nvPr/>
+        </p:nvSpPr>
+        <p:spPr>
+          <a:xfrm>
+            <a:off x="2027258" y="4415634"/>
+            <a:ext cx="1085728" cy="1125962"/>
+          </a:xfrm>
+          <a:prstGeom prst="arc">
+            <a:avLst>
+              <a:gd name="adj1" fmla="val 19745494"/>
+              <a:gd name="adj2" fmla="val 414981"/>
+            </a:avLst>
+          </a:prstGeom>
+          <a:ln w="38100">
+            <a:solidFill>
+              <a:schemeClr val="tx1"/>
+            </a:solidFill>
+          </a:ln>
+        </p:spPr>
+        <p:style>
+          <a:lnRef idx="2">
+            <a:schemeClr val="accent1"/>
+          </a:lnRef>
+          <a:fillRef idx="0">
+            <a:schemeClr val="accent1"/>
+          </a:fillRef>
+          <a:effectRef idx="1">
+            <a:schemeClr val="accent1"/>
+          </a:effectRef>
+          <a:fontRef idx="minor">
+            <a:schemeClr val="tx1"/>
+          </a:fontRef>
+        </p:style>
+        <p:txBody>
+          <a:bodyPr rtlCol="0" anchor="ctr"/>
+          <a:lstStyle/>
+          <a:p>
+            <a:pPr algn="ctr"/>
+            <a:endParaRPr lang="en-ES"/>
+          </a:p>
+        </p:txBody>
+      </p:sp>
+      <p:cxnSp>
+        <p:nvCxnSpPr>
+          <p:cNvPr id="31" name="Straight Arrow Connector 30">
+            <a:extLst>
+              <a:ext uri="{FF2B5EF4-FFF2-40B4-BE49-F238E27FC236}">
+                <a16:creationId xmlns:a16="http://schemas.microsoft.com/office/drawing/2014/main" id="{DAB80AE4-2DA9-5C87-2446-D9AD483D5F7C}"/>
+              </a:ext>
+            </a:extLst>
+          </p:cNvPr>
+          <p:cNvCxnSpPr>
+            <a:cxnSpLocks/>
+          </p:cNvCxnSpPr>
+          <p:nvPr/>
+        </p:nvCxnSpPr>
+        <p:spPr>
+          <a:xfrm flipV="1">
+            <a:off x="2589628" y="3834198"/>
+            <a:ext cx="1708441" cy="1195002"/>
+          </a:xfrm>
+          <a:prstGeom prst="straightConnector1">
+            <a:avLst/>
+          </a:prstGeom>
+          <a:ln w="38100">
+            <a:solidFill>
+              <a:schemeClr val="tx1"/>
+            </a:solidFill>
+            <a:tailEnd type="none"/>
+          </a:ln>
+        </p:spPr>
+        <p:style>
+          <a:lnRef idx="2">
+            <a:schemeClr val="accent1"/>
+          </a:lnRef>
+          <a:fillRef idx="0">
+            <a:schemeClr val="accent1"/>
+          </a:fillRef>
+          <a:effectRef idx="1">
+            <a:schemeClr val="accent1"/>
+          </a:effectRef>
+          <a:fontRef idx="minor">
+            <a:schemeClr val="tx1"/>
+          </a:fontRef>
+        </p:style>
+      </p:cxnSp>
+      <p:sp>
+        <p:nvSpPr>
+          <p:cNvPr id="36" name="TextBox 35">
+            <a:extLst>
+              <a:ext uri="{FF2B5EF4-FFF2-40B4-BE49-F238E27FC236}">
+                <a16:creationId xmlns:a16="http://schemas.microsoft.com/office/drawing/2014/main" id="{361442C0-CDFC-75EA-BF49-A961B88188D3}"/>
+              </a:ext>
+            </a:extLst>
+          </p:cNvPr>
+          <p:cNvSpPr txBox="1"/>
+          <p:nvPr/>
+        </p:nvSpPr>
+        <p:spPr>
+          <a:xfrm>
+            <a:off x="3254860" y="4431699"/>
+            <a:ext cx="562975" cy="646331"/>
+          </a:xfrm>
+          <a:prstGeom prst="rect">
+            <a:avLst/>
+          </a:prstGeom>
+          <a:noFill/>
+        </p:spPr>
+        <p:txBody>
+          <a:bodyPr wrap="none" rtlCol="0">
+            <a:spAutoFit/>
+          </a:bodyPr>
+          <a:lstStyle/>
+          <a:p>
+            <a:r>
+              <a:rPr lang="en-ES" sz="3600" dirty="0"/>
+              <a:t>ɸ’</a:t>
+            </a:r>
+          </a:p>
+        </p:txBody>
+      </p:sp>
+      <p:sp>
+        <p:nvSpPr>
+          <p:cNvPr id="41" name="TextBox 40">
+            <a:extLst>
+              <a:ext uri="{FF2B5EF4-FFF2-40B4-BE49-F238E27FC236}">
+                <a16:creationId xmlns:a16="http://schemas.microsoft.com/office/drawing/2014/main" id="{21DF65AF-0014-9838-1F9C-FA788DF430E2}"/>
+              </a:ext>
+            </a:extLst>
+          </p:cNvPr>
+          <p:cNvSpPr txBox="1"/>
+          <p:nvPr/>
+        </p:nvSpPr>
+        <p:spPr>
+          <a:xfrm>
+            <a:off x="8895270" y="2869329"/>
+            <a:ext cx="393056" cy="646331"/>
+          </a:xfrm>
+          <a:prstGeom prst="rect">
+            <a:avLst/>
+          </a:prstGeom>
+          <a:noFill/>
+        </p:spPr>
+        <p:txBody>
+          <a:bodyPr wrap="none" rtlCol="0">
+            <a:spAutoFit/>
+          </a:bodyPr>
+          <a:lstStyle/>
+          <a:p>
+            <a:r>
+              <a:rPr lang="en-ES" sz="3600" dirty="0"/>
+              <a:t>y</a:t>
+            </a:r>
+          </a:p>
+        </p:txBody>
+      </p:sp>
+      <p:sp>
+        <p:nvSpPr>
+          <p:cNvPr id="37" name="Arc 36">
+            <a:extLst>
+              <a:ext uri="{FF2B5EF4-FFF2-40B4-BE49-F238E27FC236}">
+                <a16:creationId xmlns:a16="http://schemas.microsoft.com/office/drawing/2014/main" id="{E8940850-8C44-3553-B1C6-4AC24BCEB1E8}"/>
+              </a:ext>
+            </a:extLst>
+          </p:cNvPr>
+          <p:cNvSpPr/>
+          <p:nvPr/>
+        </p:nvSpPr>
+        <p:spPr>
+          <a:xfrm rot="15416767">
+            <a:off x="7308147" y="2797188"/>
+            <a:ext cx="1884148" cy="4222377"/>
+          </a:xfrm>
+          <a:prstGeom prst="arc">
+            <a:avLst>
+              <a:gd name="adj1" fmla="val 16931934"/>
+              <a:gd name="adj2" fmla="val 6161777"/>
+            </a:avLst>
+          </a:prstGeom>
+          <a:ln w="38100">
+            <a:gradFill>
+              <a:gsLst>
+                <a:gs pos="72000">
+                  <a:schemeClr val="accent1">
+                    <a:lumMod val="5000"/>
+                    <a:lumOff val="95000"/>
+                  </a:schemeClr>
+                </a:gs>
+                <a:gs pos="100000">
+                  <a:schemeClr val="accent1">
+                    <a:lumMod val="45000"/>
+                    <a:lumOff val="55000"/>
+                  </a:schemeClr>
+                </a:gs>
+                <a:gs pos="0">
+                  <a:srgbClr val="FF0000"/>
+                </a:gs>
+              </a:gsLst>
+              <a:lin ang="5400000" scaled="1"/>
+            </a:gradFill>
+          </a:ln>
+        </p:spPr>
+        <p:style>
+          <a:lnRef idx="2">
+            <a:schemeClr val="accent1"/>
+          </a:lnRef>
+          <a:fillRef idx="0">
+            <a:schemeClr val="accent1"/>
+          </a:fillRef>
+          <a:effectRef idx="1">
+            <a:schemeClr val="accent1"/>
+          </a:effectRef>
+          <a:fontRef idx="minor">
+            <a:schemeClr val="tx1"/>
+          </a:fontRef>
+        </p:style>
+        <p:txBody>
+          <a:bodyPr rtlCol="0" anchor="ctr"/>
+          <a:lstStyle/>
+          <a:p>
+            <a:pPr algn="ctr"/>
+            <a:endParaRPr lang="en-ES"/>
+          </a:p>
+        </p:txBody>
+      </p:sp>
+      <p:cxnSp>
+        <p:nvCxnSpPr>
+          <p:cNvPr id="38" name="Straight Arrow Connector 37">
+            <a:extLst>
+              <a:ext uri="{FF2B5EF4-FFF2-40B4-BE49-F238E27FC236}">
+                <a16:creationId xmlns:a16="http://schemas.microsoft.com/office/drawing/2014/main" id="{7F40F7C0-8F9F-5467-0AA1-54322A1B012E}"/>
+              </a:ext>
+            </a:extLst>
+          </p:cNvPr>
+          <p:cNvCxnSpPr>
+            <a:cxnSpLocks/>
+          </p:cNvCxnSpPr>
+          <p:nvPr/>
+        </p:nvCxnSpPr>
+        <p:spPr>
+          <a:xfrm flipV="1">
+            <a:off x="8226694" y="2417283"/>
+            <a:ext cx="23527" cy="2491093"/>
+          </a:xfrm>
+          <a:prstGeom prst="straightConnector1">
+            <a:avLst/>
+          </a:prstGeom>
+          <a:ln w="38100">
+            <a:solidFill>
+              <a:schemeClr val="tx1"/>
+            </a:solidFill>
+            <a:tailEnd type="triangle"/>
+          </a:ln>
+        </p:spPr>
+        <p:style>
+          <a:lnRef idx="2">
+            <a:schemeClr val="accent1"/>
+          </a:lnRef>
+          <a:fillRef idx="0">
+            <a:schemeClr val="accent1"/>
+          </a:fillRef>
+          <a:effectRef idx="1">
+            <a:schemeClr val="accent1"/>
+          </a:effectRef>
+          <a:fontRef idx="minor">
+            <a:schemeClr val="tx1"/>
+          </a:fontRef>
+        </p:style>
+      </p:cxnSp>
+      <p:cxnSp>
+        <p:nvCxnSpPr>
+          <p:cNvPr id="42" name="Straight Arrow Connector 41">
+            <a:extLst>
+              <a:ext uri="{FF2B5EF4-FFF2-40B4-BE49-F238E27FC236}">
+                <a16:creationId xmlns:a16="http://schemas.microsoft.com/office/drawing/2014/main" id="{3FF65B0D-2128-48A2-C6BF-EEFBDF5032C2}"/>
+              </a:ext>
+            </a:extLst>
+          </p:cNvPr>
+          <p:cNvCxnSpPr>
+            <a:cxnSpLocks/>
+          </p:cNvCxnSpPr>
+          <p:nvPr/>
+        </p:nvCxnSpPr>
+        <p:spPr>
+          <a:xfrm>
+            <a:off x="8226694" y="4908376"/>
+            <a:ext cx="3225269" cy="0"/>
+          </a:xfrm>
+          <a:prstGeom prst="straightConnector1">
+            <a:avLst/>
+          </a:prstGeom>
+          <a:ln w="38100">
+            <a:solidFill>
+              <a:schemeClr val="tx1"/>
+            </a:solidFill>
+            <a:tailEnd type="triangle"/>
+          </a:ln>
+        </p:spPr>
+        <p:style>
+          <a:lnRef idx="2">
+            <a:schemeClr val="accent1"/>
+          </a:lnRef>
+          <a:fillRef idx="0">
+            <a:schemeClr val="accent1"/>
+          </a:fillRef>
+          <a:effectRef idx="1">
+            <a:schemeClr val="accent1"/>
+          </a:effectRef>
+          <a:fontRef idx="minor">
+            <a:schemeClr val="tx1"/>
+          </a:fontRef>
+        </p:style>
+      </p:cxnSp>
+      <p:sp>
+        <p:nvSpPr>
+          <p:cNvPr id="43" name="TextBox 42">
+            <a:extLst>
+              <a:ext uri="{FF2B5EF4-FFF2-40B4-BE49-F238E27FC236}">
+                <a16:creationId xmlns:a16="http://schemas.microsoft.com/office/drawing/2014/main" id="{62972613-7A40-EEAD-36D6-D99B33FD04D6}"/>
+              </a:ext>
+            </a:extLst>
+          </p:cNvPr>
+          <p:cNvSpPr txBox="1"/>
+          <p:nvPr/>
+        </p:nvSpPr>
+        <p:spPr>
+          <a:xfrm>
+            <a:off x="11069866" y="4895265"/>
+            <a:ext cx="567868" cy="646331"/>
+          </a:xfrm>
+          <a:prstGeom prst="rect">
+            <a:avLst/>
+          </a:prstGeom>
+          <a:noFill/>
+        </p:spPr>
+        <p:txBody>
+          <a:bodyPr wrap="square" rtlCol="0">
+            <a:spAutoFit/>
+          </a:bodyPr>
+          <a:lstStyle/>
+          <a:p>
+            <a:r>
+              <a:rPr lang="en-ES" sz="3600" dirty="0"/>
+              <a:t>x</a:t>
+            </a:r>
+          </a:p>
+        </p:txBody>
+      </p:sp>
+      <p:cxnSp>
+        <p:nvCxnSpPr>
+          <p:cNvPr id="58" name="Straight Arrow Connector 57">
+            <a:extLst>
+              <a:ext uri="{FF2B5EF4-FFF2-40B4-BE49-F238E27FC236}">
+                <a16:creationId xmlns:a16="http://schemas.microsoft.com/office/drawing/2014/main" id="{CCA5B95B-998E-A1C6-47D1-5E353C95FAF5}"/>
+              </a:ext>
+            </a:extLst>
+          </p:cNvPr>
+          <p:cNvCxnSpPr>
+            <a:cxnSpLocks/>
+          </p:cNvCxnSpPr>
+          <p:nvPr/>
+        </p:nvCxnSpPr>
+        <p:spPr>
+          <a:xfrm flipV="1">
+            <a:off x="8231487" y="3513799"/>
+            <a:ext cx="951382" cy="1419145"/>
+          </a:xfrm>
+          <a:prstGeom prst="straightConnector1">
+            <a:avLst/>
+          </a:prstGeom>
+          <a:ln w="38100">
+            <a:solidFill>
+              <a:schemeClr val="tx1"/>
+            </a:solidFill>
+            <a:tailEnd type="triangle"/>
+          </a:ln>
+        </p:spPr>
+        <p:style>
+          <a:lnRef idx="2">
+            <a:schemeClr val="accent1"/>
+          </a:lnRef>
+          <a:fillRef idx="0">
+            <a:schemeClr val="accent1"/>
+          </a:fillRef>
+          <a:effectRef idx="1">
+            <a:schemeClr val="accent1"/>
+          </a:effectRef>
+          <a:fontRef idx="minor">
+            <a:schemeClr val="tx1"/>
+          </a:fontRef>
+        </p:style>
+      </p:cxnSp>
+      <p:sp>
+        <p:nvSpPr>
+          <p:cNvPr id="61" name="TextBox 60">
+            <a:extLst>
+              <a:ext uri="{FF2B5EF4-FFF2-40B4-BE49-F238E27FC236}">
+                <a16:creationId xmlns:a16="http://schemas.microsoft.com/office/drawing/2014/main" id="{7C0742B9-49F1-60CA-F189-435AEC7AC1F2}"/>
+              </a:ext>
+            </a:extLst>
+          </p:cNvPr>
+          <p:cNvSpPr txBox="1"/>
+          <p:nvPr/>
+        </p:nvSpPr>
+        <p:spPr>
+          <a:xfrm>
+            <a:off x="8375794" y="2033395"/>
+            <a:ext cx="386644" cy="646331"/>
+          </a:xfrm>
+          <a:prstGeom prst="rect">
+            <a:avLst/>
+          </a:prstGeom>
+          <a:noFill/>
+        </p:spPr>
+        <p:txBody>
+          <a:bodyPr wrap="none" rtlCol="0">
+            <a:spAutoFit/>
+          </a:bodyPr>
+          <a:lstStyle/>
+          <a:p>
+            <a:r>
+              <a:rPr lang="en-ES" sz="3600" dirty="0"/>
+              <a:t>z</a:t>
+            </a:r>
+          </a:p>
+        </p:txBody>
+      </p:sp>
+      <p:sp>
+        <p:nvSpPr>
+          <p:cNvPr id="63" name="Oval 62">
+            <a:extLst>
+              <a:ext uri="{FF2B5EF4-FFF2-40B4-BE49-F238E27FC236}">
+                <a16:creationId xmlns:a16="http://schemas.microsoft.com/office/drawing/2014/main" id="{4C5C545A-0A5E-81E3-07A4-D107F0ADC87A}"/>
+              </a:ext>
+            </a:extLst>
+          </p:cNvPr>
+          <p:cNvSpPr/>
+          <p:nvPr/>
+        </p:nvSpPr>
+        <p:spPr>
+          <a:xfrm>
+            <a:off x="8196111" y="3083404"/>
+            <a:ext cx="95519" cy="87688"/>
+          </a:xfrm>
+          <a:prstGeom prst="ellipse">
+            <a:avLst/>
+          </a:prstGeom>
+        </p:spPr>
+        <p:style>
+          <a:lnRef idx="2">
+            <a:schemeClr val="accent1">
+              <a:shade val="15000"/>
+            </a:schemeClr>
+          </a:lnRef>
+          <a:fillRef idx="1">
+            <a:schemeClr val="accent1"/>
+          </a:fillRef>
+          <a:effectRef idx="0">
+            <a:schemeClr val="accent1"/>
+          </a:effectRef>
+          <a:fontRef idx="minor">
+            <a:schemeClr val="lt1"/>
+          </a:fontRef>
+        </p:style>
+        <p:txBody>
+          <a:bodyPr rtlCol="0" anchor="ctr"/>
+          <a:lstStyle/>
+          <a:p>
+            <a:pPr algn="ctr"/>
+            <a:endParaRPr lang="en-ES"/>
+          </a:p>
+        </p:txBody>
+      </p:sp>
+      <p:sp>
+        <p:nvSpPr>
+          <p:cNvPr id="64" name="Oval 63">
+            <a:extLst>
+              <a:ext uri="{FF2B5EF4-FFF2-40B4-BE49-F238E27FC236}">
+                <a16:creationId xmlns:a16="http://schemas.microsoft.com/office/drawing/2014/main" id="{B9DECD15-6A90-8F2A-42EE-A001068C177B}"/>
+              </a:ext>
+            </a:extLst>
+          </p:cNvPr>
+          <p:cNvSpPr/>
+          <p:nvPr/>
+        </p:nvSpPr>
+        <p:spPr>
+          <a:xfrm>
+            <a:off x="10236623" y="4342107"/>
+            <a:ext cx="95519" cy="87688"/>
+          </a:xfrm>
+          <a:prstGeom prst="ellipse">
+            <a:avLst/>
+          </a:prstGeom>
+        </p:spPr>
+        <p:style>
+          <a:lnRef idx="2">
+            <a:schemeClr val="accent1">
+              <a:shade val="15000"/>
+            </a:schemeClr>
+          </a:lnRef>
+          <a:fillRef idx="1">
+            <a:schemeClr val="accent1"/>
+          </a:fillRef>
+          <a:effectRef idx="0">
+            <a:schemeClr val="accent1"/>
+          </a:effectRef>
+          <a:fontRef idx="minor">
+            <a:schemeClr val="lt1"/>
+          </a:fontRef>
+        </p:style>
+        <p:txBody>
+          <a:bodyPr rtlCol="0" anchor="ctr"/>
+          <a:lstStyle/>
+          <a:p>
+            <a:pPr algn="ctr"/>
+            <a:endParaRPr lang="en-ES"/>
+          </a:p>
+        </p:txBody>
+      </p:sp>
+      <p:sp>
+        <p:nvSpPr>
+          <p:cNvPr id="65" name="Oval 64">
+            <a:extLst>
+              <a:ext uri="{FF2B5EF4-FFF2-40B4-BE49-F238E27FC236}">
+                <a16:creationId xmlns:a16="http://schemas.microsoft.com/office/drawing/2014/main" id="{CBEA7EF2-4DF1-77C2-309F-A3BFC3B20BE1}"/>
+              </a:ext>
+            </a:extLst>
+          </p:cNvPr>
+          <p:cNvSpPr/>
+          <p:nvPr/>
+        </p:nvSpPr>
+        <p:spPr>
+          <a:xfrm>
+            <a:off x="6940473" y="4342107"/>
+            <a:ext cx="95519" cy="87688"/>
+          </a:xfrm>
+          <a:prstGeom prst="ellipse">
+            <a:avLst/>
+          </a:prstGeom>
+        </p:spPr>
+        <p:style>
+          <a:lnRef idx="2">
+            <a:schemeClr val="accent1">
+              <a:shade val="15000"/>
+            </a:schemeClr>
+          </a:lnRef>
+          <a:fillRef idx="1">
+            <a:schemeClr val="accent1"/>
+          </a:fillRef>
+          <a:effectRef idx="0">
+            <a:schemeClr val="accent1"/>
+          </a:effectRef>
+          <a:fontRef idx="minor">
+            <a:schemeClr val="lt1"/>
+          </a:fontRef>
+        </p:style>
+        <p:txBody>
+          <a:bodyPr rtlCol="0" anchor="ctr"/>
+          <a:lstStyle/>
+          <a:p>
+            <a:pPr algn="ctr"/>
+            <a:endParaRPr lang="en-ES"/>
+          </a:p>
+        </p:txBody>
+      </p:sp>
+      <p:cxnSp>
+        <p:nvCxnSpPr>
+          <p:cNvPr id="66" name="Straight Arrow Connector 65">
+            <a:extLst>
+              <a:ext uri="{FF2B5EF4-FFF2-40B4-BE49-F238E27FC236}">
+                <a16:creationId xmlns:a16="http://schemas.microsoft.com/office/drawing/2014/main" id="{4E6E89EA-DB65-0D6F-D0E7-B4A7A3669132}"/>
+              </a:ext>
+            </a:extLst>
+          </p:cNvPr>
+          <p:cNvCxnSpPr>
+            <a:cxnSpLocks/>
+          </p:cNvCxnSpPr>
+          <p:nvPr/>
+        </p:nvCxnSpPr>
+        <p:spPr>
+          <a:xfrm flipH="1" flipV="1">
+            <a:off x="7510690" y="2665527"/>
+            <a:ext cx="699409" cy="438811"/>
+          </a:xfrm>
+          <a:prstGeom prst="straightConnector1">
+            <a:avLst/>
+          </a:prstGeom>
+          <a:ln w="38100">
+            <a:solidFill>
+              <a:schemeClr val="tx1"/>
+            </a:solidFill>
+            <a:tailEnd type="triangle"/>
+          </a:ln>
+        </p:spPr>
+        <p:style>
+          <a:lnRef idx="2">
+            <a:schemeClr val="accent1"/>
+          </a:lnRef>
+          <a:fillRef idx="0">
+            <a:schemeClr val="accent1"/>
+          </a:fillRef>
+          <a:effectRef idx="1">
+            <a:schemeClr val="accent1"/>
+          </a:effectRef>
+          <a:fontRef idx="minor">
+            <a:schemeClr val="tx1"/>
+          </a:fontRef>
+        </p:style>
+      </p:cxnSp>
+      <p:cxnSp>
+        <p:nvCxnSpPr>
+          <p:cNvPr id="70" name="Straight Arrow Connector 69">
+            <a:extLst>
+              <a:ext uri="{FF2B5EF4-FFF2-40B4-BE49-F238E27FC236}">
+                <a16:creationId xmlns:a16="http://schemas.microsoft.com/office/drawing/2014/main" id="{057A2C09-DEA6-0010-6F4A-38BA466EE131}"/>
+              </a:ext>
+            </a:extLst>
+          </p:cNvPr>
+          <p:cNvCxnSpPr>
+            <a:cxnSpLocks/>
+            <a:endCxn id="63" idx="5"/>
+          </p:cNvCxnSpPr>
+          <p:nvPr/>
+        </p:nvCxnSpPr>
+        <p:spPr>
+          <a:xfrm flipH="1" flipV="1">
+            <a:off x="8277642" y="3158250"/>
+            <a:ext cx="1987588" cy="1217979"/>
+          </a:xfrm>
+          <a:prstGeom prst="straightConnector1">
+            <a:avLst/>
+          </a:prstGeom>
+          <a:ln w="38100">
+            <a:solidFill>
+              <a:schemeClr val="tx1"/>
+            </a:solidFill>
+            <a:prstDash val="dash"/>
+            <a:tailEnd type="none"/>
+          </a:ln>
+        </p:spPr>
+        <p:style>
+          <a:lnRef idx="2">
+            <a:schemeClr val="accent1"/>
+          </a:lnRef>
+          <a:fillRef idx="0">
+            <a:schemeClr val="accent1"/>
+          </a:fillRef>
+          <a:effectRef idx="1">
+            <a:schemeClr val="accent1"/>
+          </a:effectRef>
+          <a:fontRef idx="minor">
+            <a:schemeClr val="tx1"/>
+          </a:fontRef>
+        </p:style>
+      </p:cxnSp>
+      <p:cxnSp>
+        <p:nvCxnSpPr>
+          <p:cNvPr id="73" name="Straight Arrow Connector 72">
+            <a:extLst>
+              <a:ext uri="{FF2B5EF4-FFF2-40B4-BE49-F238E27FC236}">
+                <a16:creationId xmlns:a16="http://schemas.microsoft.com/office/drawing/2014/main" id="{574AE1CD-877A-3333-9F4B-5AB770D75161}"/>
+              </a:ext>
+            </a:extLst>
+          </p:cNvPr>
+          <p:cNvCxnSpPr>
+            <a:cxnSpLocks/>
+          </p:cNvCxnSpPr>
+          <p:nvPr/>
+        </p:nvCxnSpPr>
+        <p:spPr>
+          <a:xfrm flipH="1">
+            <a:off x="7632706" y="3151452"/>
+            <a:ext cx="585558" cy="600339"/>
+          </a:xfrm>
+          <a:prstGeom prst="straightConnector1">
+            <a:avLst/>
+          </a:prstGeom>
+          <a:ln w="38100">
+            <a:solidFill>
+              <a:schemeClr val="tx1"/>
+            </a:solidFill>
+            <a:tailEnd type="triangle"/>
+          </a:ln>
+        </p:spPr>
+        <p:style>
+          <a:lnRef idx="2">
+            <a:schemeClr val="accent1"/>
+          </a:lnRef>
+          <a:fillRef idx="0">
+            <a:schemeClr val="accent1"/>
+          </a:fillRef>
+          <a:effectRef idx="1">
+            <a:schemeClr val="accent1"/>
+          </a:effectRef>
+          <a:fontRef idx="minor">
+            <a:schemeClr val="tx1"/>
+          </a:fontRef>
+        </p:style>
+      </p:cxnSp>
+      <p:cxnSp>
+        <p:nvCxnSpPr>
+          <p:cNvPr id="76" name="Straight Arrow Connector 75">
+            <a:extLst>
+              <a:ext uri="{FF2B5EF4-FFF2-40B4-BE49-F238E27FC236}">
+                <a16:creationId xmlns:a16="http://schemas.microsoft.com/office/drawing/2014/main" id="{5EA5187D-0BEF-3AE5-F182-07B473F575C7}"/>
+              </a:ext>
+            </a:extLst>
+          </p:cNvPr>
+          <p:cNvCxnSpPr>
+            <a:cxnSpLocks/>
+            <a:endCxn id="65" idx="7"/>
+          </p:cNvCxnSpPr>
+          <p:nvPr/>
+        </p:nvCxnSpPr>
+        <p:spPr>
+          <a:xfrm flipH="1">
+            <a:off x="7022004" y="3801830"/>
+            <a:ext cx="551549" cy="553119"/>
+          </a:xfrm>
+          <a:prstGeom prst="straightConnector1">
+            <a:avLst/>
+          </a:prstGeom>
+          <a:ln w="38100">
+            <a:solidFill>
+              <a:schemeClr val="tx1"/>
+            </a:solidFill>
+            <a:prstDash val="dash"/>
+            <a:tailEnd type="none"/>
+          </a:ln>
+        </p:spPr>
+        <p:style>
+          <a:lnRef idx="2">
+            <a:schemeClr val="accent1"/>
+          </a:lnRef>
+          <a:fillRef idx="0">
+            <a:schemeClr val="accent1"/>
+          </a:fillRef>
+          <a:effectRef idx="1">
+            <a:schemeClr val="accent1"/>
+          </a:effectRef>
+          <a:fontRef idx="minor">
+            <a:schemeClr val="tx1"/>
+          </a:fontRef>
+        </p:style>
+      </p:cxnSp>
+      <p:sp>
+        <p:nvSpPr>
+          <p:cNvPr id="88" name="TextBox 87">
+            <a:extLst>
+              <a:ext uri="{FF2B5EF4-FFF2-40B4-BE49-F238E27FC236}">
+                <a16:creationId xmlns:a16="http://schemas.microsoft.com/office/drawing/2014/main" id="{62F315E5-15F5-F32A-79B4-8EB5B351B1F7}"/>
+              </a:ext>
+            </a:extLst>
+          </p:cNvPr>
+          <p:cNvSpPr txBox="1"/>
+          <p:nvPr/>
+        </p:nvSpPr>
+        <p:spPr>
+          <a:xfrm>
+            <a:off x="6086094" y="2322249"/>
+            <a:ext cx="1804276" cy="369332"/>
+          </a:xfrm>
+          <a:prstGeom prst="rect">
+            <a:avLst/>
+          </a:prstGeom>
+          <a:noFill/>
+        </p:spPr>
+        <p:txBody>
+          <a:bodyPr wrap="none" rtlCol="0">
+            <a:spAutoFit/>
+          </a:bodyPr>
+          <a:lstStyle/>
+          <a:p>
+            <a:r>
+              <a:rPr lang="en-ES" dirty="0"/>
+              <a:t>Ez&gt;0  Ey&lt;0  Ex&lt;0</a:t>
+            </a:r>
+          </a:p>
+        </p:txBody>
+      </p:sp>
+      <p:sp>
+        <p:nvSpPr>
+          <p:cNvPr id="89" name="TextBox 88">
+            <a:extLst>
+              <a:ext uri="{FF2B5EF4-FFF2-40B4-BE49-F238E27FC236}">
+                <a16:creationId xmlns:a16="http://schemas.microsoft.com/office/drawing/2014/main" id="{6F7CE4F5-D0BA-E3E3-F65E-E299F8461623}"/>
+              </a:ext>
+            </a:extLst>
+          </p:cNvPr>
+          <p:cNvSpPr txBox="1"/>
+          <p:nvPr/>
+        </p:nvSpPr>
+        <p:spPr>
+          <a:xfrm>
+            <a:off x="6038727" y="3227768"/>
+            <a:ext cx="1804276" cy="369332"/>
+          </a:xfrm>
+          <a:prstGeom prst="rect">
+            <a:avLst/>
+          </a:prstGeom>
+          <a:noFill/>
+        </p:spPr>
+        <p:txBody>
+          <a:bodyPr wrap="none" rtlCol="0">
+            <a:spAutoFit/>
+          </a:bodyPr>
+          <a:lstStyle/>
+          <a:p>
+            <a:r>
+              <a:rPr lang="en-ES" dirty="0"/>
+              <a:t>Ez&lt;0  Ey&gt;0  Ex&lt;0</a:t>
+            </a:r>
+          </a:p>
+        </p:txBody>
+      </p:sp>
+    </p:spTree>
+    <p:extLst>
+      <p:ext uri="{BB962C8B-B14F-4D97-AF65-F5344CB8AC3E}">
+        <p14:creationId xmlns:p14="http://schemas.microsoft.com/office/powerpoint/2010/main" val="650413243"/>
+      </p:ext>
+    </p:extLst>
+  </p:cSld>
+  <p:clrMapOvr>
+    <a:masterClrMapping/>
+  </p:clrMapOvr>
+</p:sld>
+</file>
+
+<file path=ppt/slides/slide30.xml><?xml version="1.0" encoding="utf-8"?>
 <p:sld xmlns:a="http://schemas.openxmlformats.org/drawingml/2006/main" xmlns:r="http://schemas.openxmlformats.org/officeDocument/2006/relationships" xmlns:p="http://schemas.openxmlformats.org/presentationml/2006/main">
   <p:cSld>
     <p:spTree>
@@ -25186,1160 +27434,7 @@
 </p:sld>
 </file>
 
-<file path=ppt/slides/slide3.xml><?xml version="1.0" encoding="utf-8"?>
-<p:sld xmlns:a="http://schemas.openxmlformats.org/drawingml/2006/main" xmlns:r="http://schemas.openxmlformats.org/officeDocument/2006/relationships" xmlns:p="http://schemas.openxmlformats.org/presentationml/2006/main">
-  <p:cSld>
-    <p:spTree>
-      <p:nvGrpSpPr>
-        <p:cNvPr id="1" name=""/>
-        <p:cNvGrpSpPr/>
-        <p:nvPr/>
-      </p:nvGrpSpPr>
-      <p:grpSpPr>
-        <a:xfrm>
-          <a:off x="0" y="0"/>
-          <a:ext cx="0" cy="0"/>
-          <a:chOff x="0" y="0"/>
-          <a:chExt cx="0" cy="0"/>
-        </a:xfrm>
-      </p:grpSpPr>
-      <p:sp>
-        <p:nvSpPr>
-          <p:cNvPr id="2" name="Title 1">
-            <a:extLst>
-              <a:ext uri="{FF2B5EF4-FFF2-40B4-BE49-F238E27FC236}">
-                <a16:creationId xmlns:a16="http://schemas.microsoft.com/office/drawing/2014/main" id="{D39B841F-54C7-3AE1-E545-FD824C8DAF7F}"/>
-              </a:ext>
-            </a:extLst>
-          </p:cNvPr>
-          <p:cNvSpPr>
-            <a:spLocks noGrp="1"/>
-          </p:cNvSpPr>
-          <p:nvPr>
-            <p:ph type="title"/>
-          </p:nvPr>
-        </p:nvSpPr>
-        <p:spPr/>
-        <p:txBody>
-          <a:bodyPr/>
-          <a:lstStyle/>
-          <a:p>
-            <a:r>
-              <a:rPr lang="en-ES" dirty="0"/>
-              <a:t>B1.S2.1</a:t>
-            </a:r>
-          </a:p>
-        </p:txBody>
-      </p:sp>
-      <p:sp>
-        <p:nvSpPr>
-          <p:cNvPr id="5" name="Arc 4">
-            <a:extLst>
-              <a:ext uri="{FF2B5EF4-FFF2-40B4-BE49-F238E27FC236}">
-                <a16:creationId xmlns:a16="http://schemas.microsoft.com/office/drawing/2014/main" id="{C62C6161-AC50-592A-79A8-62650346F24E}"/>
-              </a:ext>
-            </a:extLst>
-          </p:cNvPr>
-          <p:cNvSpPr/>
-          <p:nvPr/>
-        </p:nvSpPr>
-        <p:spPr>
-          <a:xfrm rot="16200000">
-            <a:off x="492552" y="2918012"/>
-            <a:ext cx="4155141" cy="4222377"/>
-          </a:xfrm>
-          <a:prstGeom prst="arc">
-            <a:avLst>
-              <a:gd name="adj1" fmla="val 16259988"/>
-              <a:gd name="adj2" fmla="val 5404610"/>
-            </a:avLst>
-          </a:prstGeom>
-          <a:ln w="38100">
-            <a:gradFill>
-              <a:gsLst>
-                <a:gs pos="51000">
-                  <a:schemeClr val="accent1">
-                    <a:lumMod val="5000"/>
-                    <a:lumOff val="95000"/>
-                  </a:schemeClr>
-                </a:gs>
-                <a:gs pos="100000">
-                  <a:schemeClr val="accent1">
-                    <a:lumMod val="45000"/>
-                    <a:lumOff val="55000"/>
-                  </a:schemeClr>
-                </a:gs>
-                <a:gs pos="0">
-                  <a:srgbClr val="FF0000"/>
-                </a:gs>
-              </a:gsLst>
-              <a:lin ang="5400000" scaled="1"/>
-            </a:gradFill>
-          </a:ln>
-        </p:spPr>
-        <p:style>
-          <a:lnRef idx="2">
-            <a:schemeClr val="accent1"/>
-          </a:lnRef>
-          <a:fillRef idx="0">
-            <a:schemeClr val="accent1"/>
-          </a:fillRef>
-          <a:effectRef idx="1">
-            <a:schemeClr val="accent1"/>
-          </a:effectRef>
-          <a:fontRef idx="minor">
-            <a:schemeClr val="tx1"/>
-          </a:fontRef>
-        </p:style>
-        <p:txBody>
-          <a:bodyPr rtlCol="0" anchor="ctr"/>
-          <a:lstStyle/>
-          <a:p>
-            <a:pPr algn="ctr"/>
-            <a:endParaRPr lang="en-ES"/>
-          </a:p>
-        </p:txBody>
-      </p:sp>
-      <p:cxnSp>
-        <p:nvCxnSpPr>
-          <p:cNvPr id="10" name="Straight Arrow Connector 9">
-            <a:extLst>
-              <a:ext uri="{FF2B5EF4-FFF2-40B4-BE49-F238E27FC236}">
-                <a16:creationId xmlns:a16="http://schemas.microsoft.com/office/drawing/2014/main" id="{8E1BDB21-2D8F-C9C2-3B07-F77D99022865}"/>
-              </a:ext>
-            </a:extLst>
-          </p:cNvPr>
-          <p:cNvCxnSpPr>
-            <a:cxnSpLocks/>
-          </p:cNvCxnSpPr>
-          <p:nvPr/>
-        </p:nvCxnSpPr>
-        <p:spPr>
-          <a:xfrm flipV="1">
-            <a:off x="2589628" y="1817132"/>
-            <a:ext cx="0" cy="3223735"/>
-          </a:xfrm>
-          <a:prstGeom prst="straightConnector1">
-            <a:avLst/>
-          </a:prstGeom>
-          <a:ln w="38100">
-            <a:solidFill>
-              <a:schemeClr val="tx1"/>
-            </a:solidFill>
-            <a:tailEnd type="triangle"/>
-          </a:ln>
-        </p:spPr>
-        <p:style>
-          <a:lnRef idx="2">
-            <a:schemeClr val="accent1"/>
-          </a:lnRef>
-          <a:fillRef idx="0">
-            <a:schemeClr val="accent1"/>
-          </a:fillRef>
-          <a:effectRef idx="1">
-            <a:schemeClr val="accent1"/>
-          </a:effectRef>
-          <a:fontRef idx="minor">
-            <a:schemeClr val="tx1"/>
-          </a:fontRef>
-        </p:style>
-      </p:cxnSp>
-      <p:sp>
-        <p:nvSpPr>
-          <p:cNvPr id="15" name="TextBox 14">
-            <a:extLst>
-              <a:ext uri="{FF2B5EF4-FFF2-40B4-BE49-F238E27FC236}">
-                <a16:creationId xmlns:a16="http://schemas.microsoft.com/office/drawing/2014/main" id="{724436C1-324F-AAF1-C132-967FFB014398}"/>
-              </a:ext>
-            </a:extLst>
-          </p:cNvPr>
-          <p:cNvSpPr txBox="1"/>
-          <p:nvPr/>
-        </p:nvSpPr>
-        <p:spPr>
-          <a:xfrm>
-            <a:off x="2054698" y="1817132"/>
-            <a:ext cx="393056" cy="646331"/>
-          </a:xfrm>
-          <a:prstGeom prst="rect">
-            <a:avLst/>
-          </a:prstGeom>
-          <a:noFill/>
-        </p:spPr>
-        <p:txBody>
-          <a:bodyPr wrap="none" rtlCol="0">
-            <a:spAutoFit/>
-          </a:bodyPr>
-          <a:lstStyle/>
-          <a:p>
-            <a:r>
-              <a:rPr lang="en-ES" sz="3600" dirty="0"/>
-              <a:t>y</a:t>
-            </a:r>
-          </a:p>
-        </p:txBody>
-      </p:sp>
-      <p:cxnSp>
-        <p:nvCxnSpPr>
-          <p:cNvPr id="17" name="Straight Arrow Connector 16">
-            <a:extLst>
-              <a:ext uri="{FF2B5EF4-FFF2-40B4-BE49-F238E27FC236}">
-                <a16:creationId xmlns:a16="http://schemas.microsoft.com/office/drawing/2014/main" id="{5B01AE06-DAE3-451D-0620-065E77F3FD38}"/>
-              </a:ext>
-            </a:extLst>
-          </p:cNvPr>
-          <p:cNvCxnSpPr>
-            <a:cxnSpLocks/>
-          </p:cNvCxnSpPr>
-          <p:nvPr/>
-        </p:nvCxnSpPr>
-        <p:spPr>
-          <a:xfrm>
-            <a:off x="2589628" y="5040867"/>
-            <a:ext cx="3225269" cy="0"/>
-          </a:xfrm>
-          <a:prstGeom prst="straightConnector1">
-            <a:avLst/>
-          </a:prstGeom>
-          <a:ln w="38100">
-            <a:solidFill>
-              <a:schemeClr val="tx1"/>
-            </a:solidFill>
-            <a:tailEnd type="triangle"/>
-          </a:ln>
-        </p:spPr>
-        <p:style>
-          <a:lnRef idx="2">
-            <a:schemeClr val="accent1"/>
-          </a:lnRef>
-          <a:fillRef idx="0">
-            <a:schemeClr val="accent1"/>
-          </a:fillRef>
-          <a:effectRef idx="1">
-            <a:schemeClr val="accent1"/>
-          </a:effectRef>
-          <a:fontRef idx="minor">
-            <a:schemeClr val="tx1"/>
-          </a:fontRef>
-        </p:style>
-      </p:cxnSp>
-      <p:sp>
-        <p:nvSpPr>
-          <p:cNvPr id="18" name="TextBox 17">
-            <a:extLst>
-              <a:ext uri="{FF2B5EF4-FFF2-40B4-BE49-F238E27FC236}">
-                <a16:creationId xmlns:a16="http://schemas.microsoft.com/office/drawing/2014/main" id="{10908EA1-8301-F8A5-2AA4-12299B055323}"/>
-              </a:ext>
-            </a:extLst>
-          </p:cNvPr>
-          <p:cNvSpPr txBox="1"/>
-          <p:nvPr/>
-        </p:nvSpPr>
-        <p:spPr>
-          <a:xfrm>
-            <a:off x="5392791" y="5040867"/>
-            <a:ext cx="567868" cy="646331"/>
-          </a:xfrm>
-          <a:prstGeom prst="rect">
-            <a:avLst/>
-          </a:prstGeom>
-          <a:noFill/>
-        </p:spPr>
-        <p:txBody>
-          <a:bodyPr wrap="square" rtlCol="0">
-            <a:spAutoFit/>
-          </a:bodyPr>
-          <a:lstStyle/>
-          <a:p>
-            <a:r>
-              <a:rPr lang="en-ES" sz="3600" dirty="0"/>
-              <a:t>x</a:t>
-            </a:r>
-          </a:p>
-        </p:txBody>
-      </p:sp>
-      <p:sp>
-        <p:nvSpPr>
-          <p:cNvPr id="24" name="TextBox 23">
-            <a:extLst>
-              <a:ext uri="{FF2B5EF4-FFF2-40B4-BE49-F238E27FC236}">
-                <a16:creationId xmlns:a16="http://schemas.microsoft.com/office/drawing/2014/main" id="{619EBB20-CB39-E643-A01C-4EDC9B94301E}"/>
-              </a:ext>
-            </a:extLst>
-          </p:cNvPr>
-          <p:cNvSpPr txBox="1"/>
-          <p:nvPr/>
-        </p:nvSpPr>
-        <p:spPr>
-          <a:xfrm>
-            <a:off x="3338760" y="2417283"/>
-            <a:ext cx="2207656" cy="646331"/>
-          </a:xfrm>
-          <a:prstGeom prst="rect">
-            <a:avLst/>
-          </a:prstGeom>
-          <a:noFill/>
-        </p:spPr>
-        <p:txBody>
-          <a:bodyPr wrap="none" rtlCol="0">
-            <a:spAutoFit/>
-          </a:bodyPr>
-          <a:lstStyle/>
-          <a:p>
-            <a:r>
-              <a:rPr lang="en-ES" sz="3600" dirty="0"/>
-              <a:t>λ= λ</a:t>
-            </a:r>
-            <a:r>
-              <a:rPr lang="en-ES" sz="3600" baseline="-25000" dirty="0"/>
-              <a:t>0</a:t>
-            </a:r>
-            <a:r>
-              <a:rPr lang="en-ES" sz="3600" dirty="0"/>
-              <a:t>cosɸ’</a:t>
-            </a:r>
-          </a:p>
-        </p:txBody>
-      </p:sp>
-      <p:sp>
-        <p:nvSpPr>
-          <p:cNvPr id="30" name="Arc 29">
-            <a:extLst>
-              <a:ext uri="{FF2B5EF4-FFF2-40B4-BE49-F238E27FC236}">
-                <a16:creationId xmlns:a16="http://schemas.microsoft.com/office/drawing/2014/main" id="{471F2308-244C-599C-E8D1-D81CA02C565C}"/>
-              </a:ext>
-            </a:extLst>
-          </p:cNvPr>
-          <p:cNvSpPr/>
-          <p:nvPr/>
-        </p:nvSpPr>
-        <p:spPr>
-          <a:xfrm>
-            <a:off x="2027258" y="4415634"/>
-            <a:ext cx="1085728" cy="1125962"/>
-          </a:xfrm>
-          <a:prstGeom prst="arc">
-            <a:avLst>
-              <a:gd name="adj1" fmla="val 19745494"/>
-              <a:gd name="adj2" fmla="val 414981"/>
-            </a:avLst>
-          </a:prstGeom>
-          <a:ln w="38100">
-            <a:solidFill>
-              <a:schemeClr val="tx1"/>
-            </a:solidFill>
-          </a:ln>
-        </p:spPr>
-        <p:style>
-          <a:lnRef idx="2">
-            <a:schemeClr val="accent1"/>
-          </a:lnRef>
-          <a:fillRef idx="0">
-            <a:schemeClr val="accent1"/>
-          </a:fillRef>
-          <a:effectRef idx="1">
-            <a:schemeClr val="accent1"/>
-          </a:effectRef>
-          <a:fontRef idx="minor">
-            <a:schemeClr val="tx1"/>
-          </a:fontRef>
-        </p:style>
-        <p:txBody>
-          <a:bodyPr rtlCol="0" anchor="ctr"/>
-          <a:lstStyle/>
-          <a:p>
-            <a:pPr algn="ctr"/>
-            <a:endParaRPr lang="en-ES"/>
-          </a:p>
-        </p:txBody>
-      </p:sp>
-      <p:cxnSp>
-        <p:nvCxnSpPr>
-          <p:cNvPr id="31" name="Straight Arrow Connector 30">
-            <a:extLst>
-              <a:ext uri="{FF2B5EF4-FFF2-40B4-BE49-F238E27FC236}">
-                <a16:creationId xmlns:a16="http://schemas.microsoft.com/office/drawing/2014/main" id="{DAB80AE4-2DA9-5C87-2446-D9AD483D5F7C}"/>
-              </a:ext>
-            </a:extLst>
-          </p:cNvPr>
-          <p:cNvCxnSpPr>
-            <a:cxnSpLocks/>
-          </p:cNvCxnSpPr>
-          <p:nvPr/>
-        </p:nvCxnSpPr>
-        <p:spPr>
-          <a:xfrm flipV="1">
-            <a:off x="2589628" y="3834198"/>
-            <a:ext cx="1708441" cy="1195002"/>
-          </a:xfrm>
-          <a:prstGeom prst="straightConnector1">
-            <a:avLst/>
-          </a:prstGeom>
-          <a:ln w="38100">
-            <a:solidFill>
-              <a:schemeClr val="tx1"/>
-            </a:solidFill>
-            <a:tailEnd type="none"/>
-          </a:ln>
-        </p:spPr>
-        <p:style>
-          <a:lnRef idx="2">
-            <a:schemeClr val="accent1"/>
-          </a:lnRef>
-          <a:fillRef idx="0">
-            <a:schemeClr val="accent1"/>
-          </a:fillRef>
-          <a:effectRef idx="1">
-            <a:schemeClr val="accent1"/>
-          </a:effectRef>
-          <a:fontRef idx="minor">
-            <a:schemeClr val="tx1"/>
-          </a:fontRef>
-        </p:style>
-      </p:cxnSp>
-      <p:sp>
-        <p:nvSpPr>
-          <p:cNvPr id="36" name="TextBox 35">
-            <a:extLst>
-              <a:ext uri="{FF2B5EF4-FFF2-40B4-BE49-F238E27FC236}">
-                <a16:creationId xmlns:a16="http://schemas.microsoft.com/office/drawing/2014/main" id="{361442C0-CDFC-75EA-BF49-A961B88188D3}"/>
-              </a:ext>
-            </a:extLst>
-          </p:cNvPr>
-          <p:cNvSpPr txBox="1"/>
-          <p:nvPr/>
-        </p:nvSpPr>
-        <p:spPr>
-          <a:xfrm>
-            <a:off x="3254860" y="4431699"/>
-            <a:ext cx="562975" cy="646331"/>
-          </a:xfrm>
-          <a:prstGeom prst="rect">
-            <a:avLst/>
-          </a:prstGeom>
-          <a:noFill/>
-        </p:spPr>
-        <p:txBody>
-          <a:bodyPr wrap="none" rtlCol="0">
-            <a:spAutoFit/>
-          </a:bodyPr>
-          <a:lstStyle/>
-          <a:p>
-            <a:r>
-              <a:rPr lang="en-ES" sz="3600" dirty="0"/>
-              <a:t>ɸ’</a:t>
-            </a:r>
-          </a:p>
-        </p:txBody>
-      </p:sp>
-      <p:sp>
-        <p:nvSpPr>
-          <p:cNvPr id="41" name="TextBox 40">
-            <a:extLst>
-              <a:ext uri="{FF2B5EF4-FFF2-40B4-BE49-F238E27FC236}">
-                <a16:creationId xmlns:a16="http://schemas.microsoft.com/office/drawing/2014/main" id="{21DF65AF-0014-9838-1F9C-FA788DF430E2}"/>
-              </a:ext>
-            </a:extLst>
-          </p:cNvPr>
-          <p:cNvSpPr txBox="1"/>
-          <p:nvPr/>
-        </p:nvSpPr>
-        <p:spPr>
-          <a:xfrm>
-            <a:off x="8895270" y="2869329"/>
-            <a:ext cx="393056" cy="646331"/>
-          </a:xfrm>
-          <a:prstGeom prst="rect">
-            <a:avLst/>
-          </a:prstGeom>
-          <a:noFill/>
-        </p:spPr>
-        <p:txBody>
-          <a:bodyPr wrap="none" rtlCol="0">
-            <a:spAutoFit/>
-          </a:bodyPr>
-          <a:lstStyle/>
-          <a:p>
-            <a:r>
-              <a:rPr lang="en-ES" sz="3600" dirty="0"/>
-              <a:t>y</a:t>
-            </a:r>
-          </a:p>
-        </p:txBody>
-      </p:sp>
-      <p:sp>
-        <p:nvSpPr>
-          <p:cNvPr id="37" name="Arc 36">
-            <a:extLst>
-              <a:ext uri="{FF2B5EF4-FFF2-40B4-BE49-F238E27FC236}">
-                <a16:creationId xmlns:a16="http://schemas.microsoft.com/office/drawing/2014/main" id="{E8940850-8C44-3553-B1C6-4AC24BCEB1E8}"/>
-              </a:ext>
-            </a:extLst>
-          </p:cNvPr>
-          <p:cNvSpPr/>
-          <p:nvPr/>
-        </p:nvSpPr>
-        <p:spPr>
-          <a:xfrm rot="15416767">
-            <a:off x="7308147" y="2797188"/>
-            <a:ext cx="1884148" cy="4222377"/>
-          </a:xfrm>
-          <a:prstGeom prst="arc">
-            <a:avLst>
-              <a:gd name="adj1" fmla="val 16931934"/>
-              <a:gd name="adj2" fmla="val 6161777"/>
-            </a:avLst>
-          </a:prstGeom>
-          <a:ln w="38100">
-            <a:gradFill>
-              <a:gsLst>
-                <a:gs pos="72000">
-                  <a:schemeClr val="accent1">
-                    <a:lumMod val="5000"/>
-                    <a:lumOff val="95000"/>
-                  </a:schemeClr>
-                </a:gs>
-                <a:gs pos="100000">
-                  <a:schemeClr val="accent1">
-                    <a:lumMod val="45000"/>
-                    <a:lumOff val="55000"/>
-                  </a:schemeClr>
-                </a:gs>
-                <a:gs pos="0">
-                  <a:srgbClr val="FF0000"/>
-                </a:gs>
-              </a:gsLst>
-              <a:lin ang="5400000" scaled="1"/>
-            </a:gradFill>
-          </a:ln>
-        </p:spPr>
-        <p:style>
-          <a:lnRef idx="2">
-            <a:schemeClr val="accent1"/>
-          </a:lnRef>
-          <a:fillRef idx="0">
-            <a:schemeClr val="accent1"/>
-          </a:fillRef>
-          <a:effectRef idx="1">
-            <a:schemeClr val="accent1"/>
-          </a:effectRef>
-          <a:fontRef idx="minor">
-            <a:schemeClr val="tx1"/>
-          </a:fontRef>
-        </p:style>
-        <p:txBody>
-          <a:bodyPr rtlCol="0" anchor="ctr"/>
-          <a:lstStyle/>
-          <a:p>
-            <a:pPr algn="ctr"/>
-            <a:endParaRPr lang="en-ES"/>
-          </a:p>
-        </p:txBody>
-      </p:sp>
-      <p:cxnSp>
-        <p:nvCxnSpPr>
-          <p:cNvPr id="38" name="Straight Arrow Connector 37">
-            <a:extLst>
-              <a:ext uri="{FF2B5EF4-FFF2-40B4-BE49-F238E27FC236}">
-                <a16:creationId xmlns:a16="http://schemas.microsoft.com/office/drawing/2014/main" id="{7F40F7C0-8F9F-5467-0AA1-54322A1B012E}"/>
-              </a:ext>
-            </a:extLst>
-          </p:cNvPr>
-          <p:cNvCxnSpPr>
-            <a:cxnSpLocks/>
-          </p:cNvCxnSpPr>
-          <p:nvPr/>
-        </p:nvCxnSpPr>
-        <p:spPr>
-          <a:xfrm flipV="1">
-            <a:off x="8226694" y="2417283"/>
-            <a:ext cx="23527" cy="2491093"/>
-          </a:xfrm>
-          <a:prstGeom prst="straightConnector1">
-            <a:avLst/>
-          </a:prstGeom>
-          <a:ln w="38100">
-            <a:solidFill>
-              <a:schemeClr val="tx1"/>
-            </a:solidFill>
-            <a:tailEnd type="triangle"/>
-          </a:ln>
-        </p:spPr>
-        <p:style>
-          <a:lnRef idx="2">
-            <a:schemeClr val="accent1"/>
-          </a:lnRef>
-          <a:fillRef idx="0">
-            <a:schemeClr val="accent1"/>
-          </a:fillRef>
-          <a:effectRef idx="1">
-            <a:schemeClr val="accent1"/>
-          </a:effectRef>
-          <a:fontRef idx="minor">
-            <a:schemeClr val="tx1"/>
-          </a:fontRef>
-        </p:style>
-      </p:cxnSp>
-      <p:cxnSp>
-        <p:nvCxnSpPr>
-          <p:cNvPr id="42" name="Straight Arrow Connector 41">
-            <a:extLst>
-              <a:ext uri="{FF2B5EF4-FFF2-40B4-BE49-F238E27FC236}">
-                <a16:creationId xmlns:a16="http://schemas.microsoft.com/office/drawing/2014/main" id="{3FF65B0D-2128-48A2-C6BF-EEFBDF5032C2}"/>
-              </a:ext>
-            </a:extLst>
-          </p:cNvPr>
-          <p:cNvCxnSpPr>
-            <a:cxnSpLocks/>
-          </p:cNvCxnSpPr>
-          <p:nvPr/>
-        </p:nvCxnSpPr>
-        <p:spPr>
-          <a:xfrm>
-            <a:off x="8226694" y="4908376"/>
-            <a:ext cx="3225269" cy="0"/>
-          </a:xfrm>
-          <a:prstGeom prst="straightConnector1">
-            <a:avLst/>
-          </a:prstGeom>
-          <a:ln w="38100">
-            <a:solidFill>
-              <a:schemeClr val="tx1"/>
-            </a:solidFill>
-            <a:tailEnd type="triangle"/>
-          </a:ln>
-        </p:spPr>
-        <p:style>
-          <a:lnRef idx="2">
-            <a:schemeClr val="accent1"/>
-          </a:lnRef>
-          <a:fillRef idx="0">
-            <a:schemeClr val="accent1"/>
-          </a:fillRef>
-          <a:effectRef idx="1">
-            <a:schemeClr val="accent1"/>
-          </a:effectRef>
-          <a:fontRef idx="minor">
-            <a:schemeClr val="tx1"/>
-          </a:fontRef>
-        </p:style>
-      </p:cxnSp>
-      <p:sp>
-        <p:nvSpPr>
-          <p:cNvPr id="43" name="TextBox 42">
-            <a:extLst>
-              <a:ext uri="{FF2B5EF4-FFF2-40B4-BE49-F238E27FC236}">
-                <a16:creationId xmlns:a16="http://schemas.microsoft.com/office/drawing/2014/main" id="{62972613-7A40-EEAD-36D6-D99B33FD04D6}"/>
-              </a:ext>
-            </a:extLst>
-          </p:cNvPr>
-          <p:cNvSpPr txBox="1"/>
-          <p:nvPr/>
-        </p:nvSpPr>
-        <p:spPr>
-          <a:xfrm>
-            <a:off x="11069866" y="4895265"/>
-            <a:ext cx="567868" cy="646331"/>
-          </a:xfrm>
-          <a:prstGeom prst="rect">
-            <a:avLst/>
-          </a:prstGeom>
-          <a:noFill/>
-        </p:spPr>
-        <p:txBody>
-          <a:bodyPr wrap="square" rtlCol="0">
-            <a:spAutoFit/>
-          </a:bodyPr>
-          <a:lstStyle/>
-          <a:p>
-            <a:r>
-              <a:rPr lang="en-ES" sz="3600" dirty="0"/>
-              <a:t>x</a:t>
-            </a:r>
-          </a:p>
-        </p:txBody>
-      </p:sp>
-      <p:cxnSp>
-        <p:nvCxnSpPr>
-          <p:cNvPr id="58" name="Straight Arrow Connector 57">
-            <a:extLst>
-              <a:ext uri="{FF2B5EF4-FFF2-40B4-BE49-F238E27FC236}">
-                <a16:creationId xmlns:a16="http://schemas.microsoft.com/office/drawing/2014/main" id="{CCA5B95B-998E-A1C6-47D1-5E353C95FAF5}"/>
-              </a:ext>
-            </a:extLst>
-          </p:cNvPr>
-          <p:cNvCxnSpPr>
-            <a:cxnSpLocks/>
-          </p:cNvCxnSpPr>
-          <p:nvPr/>
-        </p:nvCxnSpPr>
-        <p:spPr>
-          <a:xfrm flipV="1">
-            <a:off x="8231487" y="3513799"/>
-            <a:ext cx="951382" cy="1419145"/>
-          </a:xfrm>
-          <a:prstGeom prst="straightConnector1">
-            <a:avLst/>
-          </a:prstGeom>
-          <a:ln w="38100">
-            <a:solidFill>
-              <a:schemeClr val="tx1"/>
-            </a:solidFill>
-            <a:tailEnd type="triangle"/>
-          </a:ln>
-        </p:spPr>
-        <p:style>
-          <a:lnRef idx="2">
-            <a:schemeClr val="accent1"/>
-          </a:lnRef>
-          <a:fillRef idx="0">
-            <a:schemeClr val="accent1"/>
-          </a:fillRef>
-          <a:effectRef idx="1">
-            <a:schemeClr val="accent1"/>
-          </a:effectRef>
-          <a:fontRef idx="minor">
-            <a:schemeClr val="tx1"/>
-          </a:fontRef>
-        </p:style>
-      </p:cxnSp>
-      <p:sp>
-        <p:nvSpPr>
-          <p:cNvPr id="61" name="TextBox 60">
-            <a:extLst>
-              <a:ext uri="{FF2B5EF4-FFF2-40B4-BE49-F238E27FC236}">
-                <a16:creationId xmlns:a16="http://schemas.microsoft.com/office/drawing/2014/main" id="{7C0742B9-49F1-60CA-F189-435AEC7AC1F2}"/>
-              </a:ext>
-            </a:extLst>
-          </p:cNvPr>
-          <p:cNvSpPr txBox="1"/>
-          <p:nvPr/>
-        </p:nvSpPr>
-        <p:spPr>
-          <a:xfrm>
-            <a:off x="8375794" y="2033395"/>
-            <a:ext cx="386644" cy="646331"/>
-          </a:xfrm>
-          <a:prstGeom prst="rect">
-            <a:avLst/>
-          </a:prstGeom>
-          <a:noFill/>
-        </p:spPr>
-        <p:txBody>
-          <a:bodyPr wrap="none" rtlCol="0">
-            <a:spAutoFit/>
-          </a:bodyPr>
-          <a:lstStyle/>
-          <a:p>
-            <a:r>
-              <a:rPr lang="en-ES" sz="3600" dirty="0"/>
-              <a:t>z</a:t>
-            </a:r>
-          </a:p>
-        </p:txBody>
-      </p:sp>
-      <p:sp>
-        <p:nvSpPr>
-          <p:cNvPr id="63" name="Oval 62">
-            <a:extLst>
-              <a:ext uri="{FF2B5EF4-FFF2-40B4-BE49-F238E27FC236}">
-                <a16:creationId xmlns:a16="http://schemas.microsoft.com/office/drawing/2014/main" id="{4C5C545A-0A5E-81E3-07A4-D107F0ADC87A}"/>
-              </a:ext>
-            </a:extLst>
-          </p:cNvPr>
-          <p:cNvSpPr/>
-          <p:nvPr/>
-        </p:nvSpPr>
-        <p:spPr>
-          <a:xfrm>
-            <a:off x="8196111" y="3083404"/>
-            <a:ext cx="95519" cy="87688"/>
-          </a:xfrm>
-          <a:prstGeom prst="ellipse">
-            <a:avLst/>
-          </a:prstGeom>
-        </p:spPr>
-        <p:style>
-          <a:lnRef idx="2">
-            <a:schemeClr val="accent1">
-              <a:shade val="15000"/>
-            </a:schemeClr>
-          </a:lnRef>
-          <a:fillRef idx="1">
-            <a:schemeClr val="accent1"/>
-          </a:fillRef>
-          <a:effectRef idx="0">
-            <a:schemeClr val="accent1"/>
-          </a:effectRef>
-          <a:fontRef idx="minor">
-            <a:schemeClr val="lt1"/>
-          </a:fontRef>
-        </p:style>
-        <p:txBody>
-          <a:bodyPr rtlCol="0" anchor="ctr"/>
-          <a:lstStyle/>
-          <a:p>
-            <a:pPr algn="ctr"/>
-            <a:endParaRPr lang="en-ES"/>
-          </a:p>
-        </p:txBody>
-      </p:sp>
-      <p:sp>
-        <p:nvSpPr>
-          <p:cNvPr id="64" name="Oval 63">
-            <a:extLst>
-              <a:ext uri="{FF2B5EF4-FFF2-40B4-BE49-F238E27FC236}">
-                <a16:creationId xmlns:a16="http://schemas.microsoft.com/office/drawing/2014/main" id="{B9DECD15-6A90-8F2A-42EE-A001068C177B}"/>
-              </a:ext>
-            </a:extLst>
-          </p:cNvPr>
-          <p:cNvSpPr/>
-          <p:nvPr/>
-        </p:nvSpPr>
-        <p:spPr>
-          <a:xfrm>
-            <a:off x="10236623" y="4342107"/>
-            <a:ext cx="95519" cy="87688"/>
-          </a:xfrm>
-          <a:prstGeom prst="ellipse">
-            <a:avLst/>
-          </a:prstGeom>
-        </p:spPr>
-        <p:style>
-          <a:lnRef idx="2">
-            <a:schemeClr val="accent1">
-              <a:shade val="15000"/>
-            </a:schemeClr>
-          </a:lnRef>
-          <a:fillRef idx="1">
-            <a:schemeClr val="accent1"/>
-          </a:fillRef>
-          <a:effectRef idx="0">
-            <a:schemeClr val="accent1"/>
-          </a:effectRef>
-          <a:fontRef idx="minor">
-            <a:schemeClr val="lt1"/>
-          </a:fontRef>
-        </p:style>
-        <p:txBody>
-          <a:bodyPr rtlCol="0" anchor="ctr"/>
-          <a:lstStyle/>
-          <a:p>
-            <a:pPr algn="ctr"/>
-            <a:endParaRPr lang="en-ES"/>
-          </a:p>
-        </p:txBody>
-      </p:sp>
-      <p:sp>
-        <p:nvSpPr>
-          <p:cNvPr id="65" name="Oval 64">
-            <a:extLst>
-              <a:ext uri="{FF2B5EF4-FFF2-40B4-BE49-F238E27FC236}">
-                <a16:creationId xmlns:a16="http://schemas.microsoft.com/office/drawing/2014/main" id="{CBEA7EF2-4DF1-77C2-309F-A3BFC3B20BE1}"/>
-              </a:ext>
-            </a:extLst>
-          </p:cNvPr>
-          <p:cNvSpPr/>
-          <p:nvPr/>
-        </p:nvSpPr>
-        <p:spPr>
-          <a:xfrm>
-            <a:off x="6940473" y="4342107"/>
-            <a:ext cx="95519" cy="87688"/>
-          </a:xfrm>
-          <a:prstGeom prst="ellipse">
-            <a:avLst/>
-          </a:prstGeom>
-        </p:spPr>
-        <p:style>
-          <a:lnRef idx="2">
-            <a:schemeClr val="accent1">
-              <a:shade val="15000"/>
-            </a:schemeClr>
-          </a:lnRef>
-          <a:fillRef idx="1">
-            <a:schemeClr val="accent1"/>
-          </a:fillRef>
-          <a:effectRef idx="0">
-            <a:schemeClr val="accent1"/>
-          </a:effectRef>
-          <a:fontRef idx="minor">
-            <a:schemeClr val="lt1"/>
-          </a:fontRef>
-        </p:style>
-        <p:txBody>
-          <a:bodyPr rtlCol="0" anchor="ctr"/>
-          <a:lstStyle/>
-          <a:p>
-            <a:pPr algn="ctr"/>
-            <a:endParaRPr lang="en-ES"/>
-          </a:p>
-        </p:txBody>
-      </p:sp>
-      <p:cxnSp>
-        <p:nvCxnSpPr>
-          <p:cNvPr id="66" name="Straight Arrow Connector 65">
-            <a:extLst>
-              <a:ext uri="{FF2B5EF4-FFF2-40B4-BE49-F238E27FC236}">
-                <a16:creationId xmlns:a16="http://schemas.microsoft.com/office/drawing/2014/main" id="{4E6E89EA-DB65-0D6F-D0E7-B4A7A3669132}"/>
-              </a:ext>
-            </a:extLst>
-          </p:cNvPr>
-          <p:cNvCxnSpPr>
-            <a:cxnSpLocks/>
-          </p:cNvCxnSpPr>
-          <p:nvPr/>
-        </p:nvCxnSpPr>
-        <p:spPr>
-          <a:xfrm flipH="1" flipV="1">
-            <a:off x="7510690" y="2665527"/>
-            <a:ext cx="699409" cy="438811"/>
-          </a:xfrm>
-          <a:prstGeom prst="straightConnector1">
-            <a:avLst/>
-          </a:prstGeom>
-          <a:ln w="38100">
-            <a:solidFill>
-              <a:schemeClr val="tx1"/>
-            </a:solidFill>
-            <a:tailEnd type="triangle"/>
-          </a:ln>
-        </p:spPr>
-        <p:style>
-          <a:lnRef idx="2">
-            <a:schemeClr val="accent1"/>
-          </a:lnRef>
-          <a:fillRef idx="0">
-            <a:schemeClr val="accent1"/>
-          </a:fillRef>
-          <a:effectRef idx="1">
-            <a:schemeClr val="accent1"/>
-          </a:effectRef>
-          <a:fontRef idx="minor">
-            <a:schemeClr val="tx1"/>
-          </a:fontRef>
-        </p:style>
-      </p:cxnSp>
-      <p:cxnSp>
-        <p:nvCxnSpPr>
-          <p:cNvPr id="70" name="Straight Arrow Connector 69">
-            <a:extLst>
-              <a:ext uri="{FF2B5EF4-FFF2-40B4-BE49-F238E27FC236}">
-                <a16:creationId xmlns:a16="http://schemas.microsoft.com/office/drawing/2014/main" id="{057A2C09-DEA6-0010-6F4A-38BA466EE131}"/>
-              </a:ext>
-            </a:extLst>
-          </p:cNvPr>
-          <p:cNvCxnSpPr>
-            <a:cxnSpLocks/>
-            <a:endCxn id="63" idx="5"/>
-          </p:cNvCxnSpPr>
-          <p:nvPr/>
-        </p:nvCxnSpPr>
-        <p:spPr>
-          <a:xfrm flipH="1" flipV="1">
-            <a:off x="8277642" y="3158250"/>
-            <a:ext cx="1987588" cy="1217979"/>
-          </a:xfrm>
-          <a:prstGeom prst="straightConnector1">
-            <a:avLst/>
-          </a:prstGeom>
-          <a:ln w="38100">
-            <a:solidFill>
-              <a:schemeClr val="tx1"/>
-            </a:solidFill>
-            <a:prstDash val="dash"/>
-            <a:tailEnd type="none"/>
-          </a:ln>
-        </p:spPr>
-        <p:style>
-          <a:lnRef idx="2">
-            <a:schemeClr val="accent1"/>
-          </a:lnRef>
-          <a:fillRef idx="0">
-            <a:schemeClr val="accent1"/>
-          </a:fillRef>
-          <a:effectRef idx="1">
-            <a:schemeClr val="accent1"/>
-          </a:effectRef>
-          <a:fontRef idx="minor">
-            <a:schemeClr val="tx1"/>
-          </a:fontRef>
-        </p:style>
-      </p:cxnSp>
-      <p:cxnSp>
-        <p:nvCxnSpPr>
-          <p:cNvPr id="73" name="Straight Arrow Connector 72">
-            <a:extLst>
-              <a:ext uri="{FF2B5EF4-FFF2-40B4-BE49-F238E27FC236}">
-                <a16:creationId xmlns:a16="http://schemas.microsoft.com/office/drawing/2014/main" id="{574AE1CD-877A-3333-9F4B-5AB770D75161}"/>
-              </a:ext>
-            </a:extLst>
-          </p:cNvPr>
-          <p:cNvCxnSpPr>
-            <a:cxnSpLocks/>
-          </p:cNvCxnSpPr>
-          <p:nvPr/>
-        </p:nvCxnSpPr>
-        <p:spPr>
-          <a:xfrm flipH="1">
-            <a:off x="7632706" y="3151452"/>
-            <a:ext cx="585558" cy="600339"/>
-          </a:xfrm>
-          <a:prstGeom prst="straightConnector1">
-            <a:avLst/>
-          </a:prstGeom>
-          <a:ln w="38100">
-            <a:solidFill>
-              <a:schemeClr val="tx1"/>
-            </a:solidFill>
-            <a:tailEnd type="triangle"/>
-          </a:ln>
-        </p:spPr>
-        <p:style>
-          <a:lnRef idx="2">
-            <a:schemeClr val="accent1"/>
-          </a:lnRef>
-          <a:fillRef idx="0">
-            <a:schemeClr val="accent1"/>
-          </a:fillRef>
-          <a:effectRef idx="1">
-            <a:schemeClr val="accent1"/>
-          </a:effectRef>
-          <a:fontRef idx="minor">
-            <a:schemeClr val="tx1"/>
-          </a:fontRef>
-        </p:style>
-      </p:cxnSp>
-      <p:cxnSp>
-        <p:nvCxnSpPr>
-          <p:cNvPr id="76" name="Straight Arrow Connector 75">
-            <a:extLst>
-              <a:ext uri="{FF2B5EF4-FFF2-40B4-BE49-F238E27FC236}">
-                <a16:creationId xmlns:a16="http://schemas.microsoft.com/office/drawing/2014/main" id="{5EA5187D-0BEF-3AE5-F182-07B473F575C7}"/>
-              </a:ext>
-            </a:extLst>
-          </p:cNvPr>
-          <p:cNvCxnSpPr>
-            <a:cxnSpLocks/>
-            <a:endCxn id="65" idx="7"/>
-          </p:cNvCxnSpPr>
-          <p:nvPr/>
-        </p:nvCxnSpPr>
-        <p:spPr>
-          <a:xfrm flipH="1">
-            <a:off x="7022004" y="3801830"/>
-            <a:ext cx="551549" cy="553119"/>
-          </a:xfrm>
-          <a:prstGeom prst="straightConnector1">
-            <a:avLst/>
-          </a:prstGeom>
-          <a:ln w="38100">
-            <a:solidFill>
-              <a:schemeClr val="tx1"/>
-            </a:solidFill>
-            <a:prstDash val="dash"/>
-            <a:tailEnd type="none"/>
-          </a:ln>
-        </p:spPr>
-        <p:style>
-          <a:lnRef idx="2">
-            <a:schemeClr val="accent1"/>
-          </a:lnRef>
-          <a:fillRef idx="0">
-            <a:schemeClr val="accent1"/>
-          </a:fillRef>
-          <a:effectRef idx="1">
-            <a:schemeClr val="accent1"/>
-          </a:effectRef>
-          <a:fontRef idx="minor">
-            <a:schemeClr val="tx1"/>
-          </a:fontRef>
-        </p:style>
-      </p:cxnSp>
-      <p:sp>
-        <p:nvSpPr>
-          <p:cNvPr id="88" name="TextBox 87">
-            <a:extLst>
-              <a:ext uri="{FF2B5EF4-FFF2-40B4-BE49-F238E27FC236}">
-                <a16:creationId xmlns:a16="http://schemas.microsoft.com/office/drawing/2014/main" id="{62F315E5-15F5-F32A-79B4-8EB5B351B1F7}"/>
-              </a:ext>
-            </a:extLst>
-          </p:cNvPr>
-          <p:cNvSpPr txBox="1"/>
-          <p:nvPr/>
-        </p:nvSpPr>
-        <p:spPr>
-          <a:xfrm>
-            <a:off x="6086094" y="2322249"/>
-            <a:ext cx="1804276" cy="369332"/>
-          </a:xfrm>
-          <a:prstGeom prst="rect">
-            <a:avLst/>
-          </a:prstGeom>
-          <a:noFill/>
-        </p:spPr>
-        <p:txBody>
-          <a:bodyPr wrap="none" rtlCol="0">
-            <a:spAutoFit/>
-          </a:bodyPr>
-          <a:lstStyle/>
-          <a:p>
-            <a:r>
-              <a:rPr lang="en-ES" dirty="0"/>
-              <a:t>Ez&gt;0  Ey&lt;0  Ex&lt;0</a:t>
-            </a:r>
-          </a:p>
-        </p:txBody>
-      </p:sp>
-      <p:sp>
-        <p:nvSpPr>
-          <p:cNvPr id="89" name="TextBox 88">
-            <a:extLst>
-              <a:ext uri="{FF2B5EF4-FFF2-40B4-BE49-F238E27FC236}">
-                <a16:creationId xmlns:a16="http://schemas.microsoft.com/office/drawing/2014/main" id="{6F7CE4F5-D0BA-E3E3-F65E-E299F8461623}"/>
-              </a:ext>
-            </a:extLst>
-          </p:cNvPr>
-          <p:cNvSpPr txBox="1"/>
-          <p:nvPr/>
-        </p:nvSpPr>
-        <p:spPr>
-          <a:xfrm>
-            <a:off x="6038727" y="3227768"/>
-            <a:ext cx="1804276" cy="369332"/>
-          </a:xfrm>
-          <a:prstGeom prst="rect">
-            <a:avLst/>
-          </a:prstGeom>
-          <a:noFill/>
-        </p:spPr>
-        <p:txBody>
-          <a:bodyPr wrap="none" rtlCol="0">
-            <a:spAutoFit/>
-          </a:bodyPr>
-          <a:lstStyle/>
-          <a:p>
-            <a:r>
-              <a:rPr lang="en-ES" dirty="0"/>
-              <a:t>Ez&lt;0  Ey&gt;0  Ex&lt;0</a:t>
-            </a:r>
-          </a:p>
-        </p:txBody>
-      </p:sp>
-    </p:spTree>
-    <p:extLst>
-      <p:ext uri="{BB962C8B-B14F-4D97-AF65-F5344CB8AC3E}">
-        <p14:creationId xmlns:p14="http://schemas.microsoft.com/office/powerpoint/2010/main" val="650413243"/>
-      </p:ext>
-    </p:extLst>
-  </p:cSld>
-  <p:clrMapOvr>
-    <a:masterClrMapping/>
-  </p:clrMapOvr>
-</p:sld>
-</file>
-
-<file path=ppt/slides/slide30.xml><?xml version="1.0" encoding="utf-8"?>
+<file path=ppt/slides/slide31.xml><?xml version="1.0" encoding="utf-8"?>
 <p:sld xmlns:a="http://schemas.openxmlformats.org/drawingml/2006/main" xmlns:r="http://schemas.openxmlformats.org/officeDocument/2006/relationships" xmlns:p="http://schemas.openxmlformats.org/presentationml/2006/main">
   <p:cSld>
     <p:spTree>
@@ -26912,7 +28007,7 @@
 </p:sld>
 </file>
 
-<file path=ppt/slides/slide31.xml><?xml version="1.0" encoding="utf-8"?>
+<file path=ppt/slides/slide32.xml><?xml version="1.0" encoding="utf-8"?>
 <p:sld xmlns:a="http://schemas.openxmlformats.org/drawingml/2006/main" xmlns:r="http://schemas.openxmlformats.org/officeDocument/2006/relationships" xmlns:p="http://schemas.openxmlformats.org/presentationml/2006/main">
   <p:cSld>
     <p:spTree>
@@ -27495,7 +28590,7 @@
 </p:sld>
 </file>
 
-<file path=ppt/slides/slide32.xml><?xml version="1.0" encoding="utf-8"?>
+<file path=ppt/slides/slide33.xml><?xml version="1.0" encoding="utf-8"?>
 <p:sld xmlns:a="http://schemas.openxmlformats.org/drawingml/2006/main" xmlns:r="http://schemas.openxmlformats.org/officeDocument/2006/relationships" xmlns:p="http://schemas.openxmlformats.org/presentationml/2006/main">
   <p:cSld>
     <p:spTree>
@@ -28212,12 +29307,18 @@
 </p:sld>
 </file>
 
-<file path=ppt/slides/slide33.xml><?xml version="1.0" encoding="utf-8"?>
+<file path=ppt/slides/slide34.xml><?xml version="1.0" encoding="utf-8"?>
 <p:sld xmlns:a="http://schemas.openxmlformats.org/drawingml/2006/main" xmlns:r="http://schemas.openxmlformats.org/officeDocument/2006/relationships" xmlns:p="http://schemas.openxmlformats.org/presentationml/2006/main">
   <p:cSld>
     <p:spTree>
       <p:nvGrpSpPr>
-        <p:cNvPr id="1" name=""/>
+        <p:cNvPr id="1" name="">
+          <a:extLst>
+            <a:ext uri="{FF2B5EF4-FFF2-40B4-BE49-F238E27FC236}">
+              <a16:creationId xmlns:a16="http://schemas.microsoft.com/office/drawing/2014/main" id="{8671929A-CE87-F091-B673-FCCB3CCD822B}"/>
+            </a:ext>
+          </a:extLst>
+        </p:cNvPr>
         <p:cNvGrpSpPr/>
         <p:nvPr/>
       </p:nvGrpSpPr>
@@ -28234,7 +29335,7 @@
           <p:cNvPr id="3" name="Straight Arrow Connector 2">
             <a:extLst>
               <a:ext uri="{FF2B5EF4-FFF2-40B4-BE49-F238E27FC236}">
-                <a16:creationId xmlns:a16="http://schemas.microsoft.com/office/drawing/2014/main" id="{D11E5789-9E32-3081-4F10-9CFED595C406}"/>
+                <a16:creationId xmlns:a16="http://schemas.microsoft.com/office/drawing/2014/main" id="{68829ED3-3ABB-514F-3319-D2F206CA39B0}"/>
               </a:ext>
             </a:extLst>
           </p:cNvPr>
@@ -28278,7 +29379,7 @@
           <p:cNvPr id="5" name="TextBox 4">
             <a:extLst>
               <a:ext uri="{FF2B5EF4-FFF2-40B4-BE49-F238E27FC236}">
-                <a16:creationId xmlns:a16="http://schemas.microsoft.com/office/drawing/2014/main" id="{6BF09692-9D41-FAF2-3F7C-23259D3DA324}"/>
+                <a16:creationId xmlns:a16="http://schemas.microsoft.com/office/drawing/2014/main" id="{606097B3-1277-C4FC-15C0-42BF743400C2}"/>
               </a:ext>
             </a:extLst>
           </p:cNvPr>
@@ -28317,7 +29418,7 @@
           <p:cNvPr id="6" name="Arc 5">
             <a:extLst>
               <a:ext uri="{FF2B5EF4-FFF2-40B4-BE49-F238E27FC236}">
-                <a16:creationId xmlns:a16="http://schemas.microsoft.com/office/drawing/2014/main" id="{92F87FE6-C31A-3AB5-78DF-F95B84EECA63}"/>
+                <a16:creationId xmlns:a16="http://schemas.microsoft.com/office/drawing/2014/main" id="{69C8D67A-40EF-713E-6C94-2A062EF73E86}"/>
               </a:ext>
             </a:extLst>
           </p:cNvPr>
@@ -28368,7 +29469,7 @@
           <p:cNvPr id="7" name="Rectangle 6">
             <a:extLst>
               <a:ext uri="{FF2B5EF4-FFF2-40B4-BE49-F238E27FC236}">
-                <a16:creationId xmlns:a16="http://schemas.microsoft.com/office/drawing/2014/main" id="{FB4DD179-1289-BED5-1841-4871797C1BBE}"/>
+                <a16:creationId xmlns:a16="http://schemas.microsoft.com/office/drawing/2014/main" id="{57D1DC19-03AE-EC01-16A7-C96D04079472}"/>
               </a:ext>
             </a:extLst>
           </p:cNvPr>
@@ -28420,7 +29521,7 @@
           <p:cNvPr id="8" name="Straight Arrow Connector 7">
             <a:extLst>
               <a:ext uri="{FF2B5EF4-FFF2-40B4-BE49-F238E27FC236}">
-                <a16:creationId xmlns:a16="http://schemas.microsoft.com/office/drawing/2014/main" id="{C68A4E2D-99C5-AD21-E5FB-E0E931C92CBE}"/>
+                <a16:creationId xmlns:a16="http://schemas.microsoft.com/office/drawing/2014/main" id="{3C540B8B-0704-D1E7-53E0-E31658A9F41E}"/>
               </a:ext>
             </a:extLst>
           </p:cNvPr>
@@ -28464,7 +29565,7 @@
           <p:cNvPr id="10" name="TextBox 9">
             <a:extLst>
               <a:ext uri="{FF2B5EF4-FFF2-40B4-BE49-F238E27FC236}">
-                <a16:creationId xmlns:a16="http://schemas.microsoft.com/office/drawing/2014/main" id="{EE7E2C71-0DCF-D608-5DDB-F9F2D07622A0}"/>
+                <a16:creationId xmlns:a16="http://schemas.microsoft.com/office/drawing/2014/main" id="{8536442C-740E-BF11-5946-6ED4580F1EB3}"/>
               </a:ext>
             </a:extLst>
           </p:cNvPr>
@@ -28500,7 +29601,7 @@
           <p:cNvPr id="11" name="Left Bracket 10">
             <a:extLst>
               <a:ext uri="{FF2B5EF4-FFF2-40B4-BE49-F238E27FC236}">
-                <a16:creationId xmlns:a16="http://schemas.microsoft.com/office/drawing/2014/main" id="{D83328DE-980D-EE5A-6669-99D3AA00BF94}"/>
+                <a16:creationId xmlns:a16="http://schemas.microsoft.com/office/drawing/2014/main" id="{A9F06336-4868-4603-EF44-DD7B1E4C4972}"/>
               </a:ext>
             </a:extLst>
           </p:cNvPr>
@@ -28545,7 +29646,7 @@
           <p:cNvPr id="12" name="TextBox 11">
             <a:extLst>
               <a:ext uri="{FF2B5EF4-FFF2-40B4-BE49-F238E27FC236}">
-                <a16:creationId xmlns:a16="http://schemas.microsoft.com/office/drawing/2014/main" id="{E21924D9-DD25-2730-B281-5131E6508692}"/>
+                <a16:creationId xmlns:a16="http://schemas.microsoft.com/office/drawing/2014/main" id="{31205203-7037-FDFA-133D-23E0D7F4B95D}"/>
               </a:ext>
             </a:extLst>
           </p:cNvPr>
@@ -28581,7 +29682,7 @@
           <p:cNvPr id="13" name="Left Bracket 12">
             <a:extLst>
               <a:ext uri="{FF2B5EF4-FFF2-40B4-BE49-F238E27FC236}">
-                <a16:creationId xmlns:a16="http://schemas.microsoft.com/office/drawing/2014/main" id="{65610CE0-DC35-1264-9A2C-BD98D005561D}"/>
+                <a16:creationId xmlns:a16="http://schemas.microsoft.com/office/drawing/2014/main" id="{79D745FB-09D5-980C-0906-0F175EC09FD9}"/>
               </a:ext>
             </a:extLst>
           </p:cNvPr>
@@ -28626,7 +29727,7 @@
           <p:cNvPr id="14" name="TextBox 13">
             <a:extLst>
               <a:ext uri="{FF2B5EF4-FFF2-40B4-BE49-F238E27FC236}">
-                <a16:creationId xmlns:a16="http://schemas.microsoft.com/office/drawing/2014/main" id="{D71F4A36-B4F9-3BE3-491B-C2EDD728A233}"/>
+                <a16:creationId xmlns:a16="http://schemas.microsoft.com/office/drawing/2014/main" id="{1E1C5B5B-9A40-21A3-A436-68416F15844C}"/>
               </a:ext>
             </a:extLst>
           </p:cNvPr>
@@ -28662,7 +29763,7 @@
           <p:cNvPr id="15" name="Left Bracket 14">
             <a:extLst>
               <a:ext uri="{FF2B5EF4-FFF2-40B4-BE49-F238E27FC236}">
-                <a16:creationId xmlns:a16="http://schemas.microsoft.com/office/drawing/2014/main" id="{8326461D-0D4D-4D24-6E8F-1AD8FB2DEBC5}"/>
+                <a16:creationId xmlns:a16="http://schemas.microsoft.com/office/drawing/2014/main" id="{0E0D3558-D174-C5EC-BF1A-34ACE6AB01FC}"/>
               </a:ext>
             </a:extLst>
           </p:cNvPr>
@@ -28707,7 +29808,7 @@
           <p:cNvPr id="16" name="TextBox 15">
             <a:extLst>
               <a:ext uri="{FF2B5EF4-FFF2-40B4-BE49-F238E27FC236}">
-                <a16:creationId xmlns:a16="http://schemas.microsoft.com/office/drawing/2014/main" id="{F44BBFB4-73EF-5F65-559C-8A88B5164131}"/>
+                <a16:creationId xmlns:a16="http://schemas.microsoft.com/office/drawing/2014/main" id="{C89C33D5-98B0-2FA6-9BA6-39B44D6B93CA}"/>
               </a:ext>
             </a:extLst>
           </p:cNvPr>
@@ -28743,7 +29844,7 @@
           <p:cNvPr id="17" name="TextBox 16">
             <a:extLst>
               <a:ext uri="{FF2B5EF4-FFF2-40B4-BE49-F238E27FC236}">
-                <a16:creationId xmlns:a16="http://schemas.microsoft.com/office/drawing/2014/main" id="{1D27BD20-982D-C4F4-72F8-BC0B0E78C66F}"/>
+                <a16:creationId xmlns:a16="http://schemas.microsoft.com/office/drawing/2014/main" id="{DEDF17B5-9A99-B9AC-0A54-A9950D985D98}"/>
               </a:ext>
             </a:extLst>
           </p:cNvPr>
@@ -28783,7 +29884,7 @@
           <p:cNvPr id="18" name="TextBox 17">
             <a:extLst>
               <a:ext uri="{FF2B5EF4-FFF2-40B4-BE49-F238E27FC236}">
-                <a16:creationId xmlns:a16="http://schemas.microsoft.com/office/drawing/2014/main" id="{F9F1200F-1468-3405-07A5-0411B99982E9}"/>
+                <a16:creationId xmlns:a16="http://schemas.microsoft.com/office/drawing/2014/main" id="{ACC134E8-F969-1207-8A6C-A793E51F267B}"/>
               </a:ext>
             </a:extLst>
           </p:cNvPr>
@@ -28816,7 +29917,7 @@
     </p:spTree>
     <p:extLst>
       <p:ext uri="{BB962C8B-B14F-4D97-AF65-F5344CB8AC3E}">
-        <p14:creationId xmlns:p14="http://schemas.microsoft.com/office/powerpoint/2010/main" val="1802057733"/>
+        <p14:creationId xmlns:p14="http://schemas.microsoft.com/office/powerpoint/2010/main" val="1469624990"/>
       </p:ext>
     </p:extLst>
   </p:cSld>
@@ -28826,7 +29927,7 @@
 </p:sld>
 </file>
 
-<file path=ppt/slides/slide34.xml><?xml version="1.0" encoding="utf-8"?>
+<file path=ppt/slides/slide35.xml><?xml version="1.0" encoding="utf-8"?>
 <p:sld xmlns:a="http://schemas.openxmlformats.org/drawingml/2006/main" xmlns:r="http://schemas.openxmlformats.org/officeDocument/2006/relationships" xmlns:p="http://schemas.openxmlformats.org/presentationml/2006/main">
   <p:cSld>
     <p:spTree>
@@ -29490,7 +30591,7 @@
 </p:sld>
 </file>
 
-<file path=ppt/slides/slide35.xml><?xml version="1.0" encoding="utf-8"?>
+<file path=ppt/slides/slide36.xml><?xml version="1.0" encoding="utf-8"?>
 <p:sld xmlns:a="http://schemas.openxmlformats.org/drawingml/2006/main" xmlns:r="http://schemas.openxmlformats.org/officeDocument/2006/relationships" xmlns:p="http://schemas.openxmlformats.org/presentationml/2006/main">
   <p:cSld>
     <p:spTree>
@@ -30823,7 +31924,7 @@
 </p:sld>
 </file>
 
-<file path=ppt/slides/slide36.xml><?xml version="1.0" encoding="utf-8"?>
+<file path=ppt/slides/slide37.xml><?xml version="1.0" encoding="utf-8"?>
 <p:sld xmlns:a="http://schemas.openxmlformats.org/drawingml/2006/main" xmlns:r="http://schemas.openxmlformats.org/officeDocument/2006/relationships" xmlns:p="http://schemas.openxmlformats.org/presentationml/2006/main">
   <p:cSld>
     <p:spTree>
@@ -31908,7 +33009,7 @@
 </p:sld>
 </file>
 
-<file path=ppt/slides/slide37.xml><?xml version="1.0" encoding="utf-8"?>
+<file path=ppt/slides/slide38.xml><?xml version="1.0" encoding="utf-8"?>
 <p:sld xmlns:a="http://schemas.openxmlformats.org/drawingml/2006/main" xmlns:r="http://schemas.openxmlformats.org/officeDocument/2006/relationships" xmlns:p="http://schemas.openxmlformats.org/presentationml/2006/main">
   <p:cSld>
     <p:spTree>
@@ -33329,7 +34430,7 @@
 </p:sld>
 </file>
 
-<file path=ppt/slides/slide38.xml><?xml version="1.0" encoding="utf-8"?>
+<file path=ppt/slides/slide39.xml><?xml version="1.0" encoding="utf-8"?>
 <p:sld xmlns:a="http://schemas.openxmlformats.org/drawingml/2006/main" xmlns:r="http://schemas.openxmlformats.org/officeDocument/2006/relationships" xmlns:p="http://schemas.openxmlformats.org/presentationml/2006/main">
   <p:cSld>
     <p:spTree>
@@ -34091,7 +35192,638 @@
 </p:sld>
 </file>
 
-<file path=ppt/slides/slide39.xml><?xml version="1.0" encoding="utf-8"?>
+<file path=ppt/slides/slide4.xml><?xml version="1.0" encoding="utf-8"?>
+<p:sld xmlns:a="http://schemas.openxmlformats.org/drawingml/2006/main" xmlns:r="http://schemas.openxmlformats.org/officeDocument/2006/relationships" xmlns:p="http://schemas.openxmlformats.org/presentationml/2006/main">
+  <p:cSld>
+    <p:spTree>
+      <p:nvGrpSpPr>
+        <p:cNvPr id="1" name="">
+          <a:extLst>
+            <a:ext uri="{FF2B5EF4-FFF2-40B4-BE49-F238E27FC236}">
+              <a16:creationId xmlns:a16="http://schemas.microsoft.com/office/drawing/2014/main" id="{A4A3844B-A07C-97B4-01D9-43B845B07C1E}"/>
+            </a:ext>
+          </a:extLst>
+        </p:cNvPr>
+        <p:cNvGrpSpPr/>
+        <p:nvPr/>
+      </p:nvGrpSpPr>
+      <p:grpSpPr>
+        <a:xfrm>
+          <a:off x="0" y="0"/>
+          <a:ext cx="0" cy="0"/>
+          <a:chOff x="0" y="0"/>
+          <a:chExt cx="0" cy="0"/>
+        </a:xfrm>
+      </p:grpSpPr>
+      <p:sp>
+        <p:nvSpPr>
+          <p:cNvPr id="2" name="Title 1">
+            <a:extLst>
+              <a:ext uri="{FF2B5EF4-FFF2-40B4-BE49-F238E27FC236}">
+                <a16:creationId xmlns:a16="http://schemas.microsoft.com/office/drawing/2014/main" id="{97CC597C-95A5-FF9F-4877-9DD23A7E0F14}"/>
+              </a:ext>
+            </a:extLst>
+          </p:cNvPr>
+          <p:cNvSpPr>
+            <a:spLocks noGrp="1"/>
+          </p:cNvSpPr>
+          <p:nvPr>
+            <p:ph type="title"/>
+          </p:nvPr>
+        </p:nvSpPr>
+        <p:spPr/>
+        <p:txBody>
+          <a:bodyPr/>
+          <a:lstStyle/>
+          <a:p>
+            <a:r>
+              <a:rPr lang="en-ES" dirty="0"/>
+              <a:t>B1.S2.1</a:t>
+            </a:r>
+          </a:p>
+        </p:txBody>
+      </p:sp>
+      <p:sp>
+        <p:nvSpPr>
+          <p:cNvPr id="41" name="TextBox 40">
+            <a:extLst>
+              <a:ext uri="{FF2B5EF4-FFF2-40B4-BE49-F238E27FC236}">
+                <a16:creationId xmlns:a16="http://schemas.microsoft.com/office/drawing/2014/main" id="{4D161A3D-487D-C6D9-16BB-AFF0FE853C2A}"/>
+              </a:ext>
+            </a:extLst>
+          </p:cNvPr>
+          <p:cNvSpPr txBox="1"/>
+          <p:nvPr/>
+        </p:nvSpPr>
+        <p:spPr>
+          <a:xfrm>
+            <a:off x="3966082" y="3059250"/>
+            <a:ext cx="393056" cy="646331"/>
+          </a:xfrm>
+          <a:prstGeom prst="rect">
+            <a:avLst/>
+          </a:prstGeom>
+          <a:noFill/>
+        </p:spPr>
+        <p:txBody>
+          <a:bodyPr wrap="none" rtlCol="0">
+            <a:spAutoFit/>
+          </a:bodyPr>
+          <a:lstStyle/>
+          <a:p>
+            <a:r>
+              <a:rPr lang="en-ES" sz="3600" dirty="0"/>
+              <a:t>y</a:t>
+            </a:r>
+          </a:p>
+        </p:txBody>
+      </p:sp>
+      <p:sp>
+        <p:nvSpPr>
+          <p:cNvPr id="37" name="Arc 36">
+            <a:extLst>
+              <a:ext uri="{FF2B5EF4-FFF2-40B4-BE49-F238E27FC236}">
+                <a16:creationId xmlns:a16="http://schemas.microsoft.com/office/drawing/2014/main" id="{805A4EBF-387A-6CDB-37AA-1FDC5D684753}"/>
+              </a:ext>
+            </a:extLst>
+          </p:cNvPr>
+          <p:cNvSpPr/>
+          <p:nvPr/>
+        </p:nvSpPr>
+        <p:spPr>
+          <a:xfrm rot="15416767">
+            <a:off x="2378959" y="2987109"/>
+            <a:ext cx="1884148" cy="4222377"/>
+          </a:xfrm>
+          <a:prstGeom prst="arc">
+            <a:avLst>
+              <a:gd name="adj1" fmla="val 16931934"/>
+              <a:gd name="adj2" fmla="val 6161777"/>
+            </a:avLst>
+          </a:prstGeom>
+          <a:ln w="38100">
+            <a:gradFill>
+              <a:gsLst>
+                <a:gs pos="72000">
+                  <a:schemeClr val="accent1">
+                    <a:lumMod val="5000"/>
+                    <a:lumOff val="95000"/>
+                  </a:schemeClr>
+                </a:gs>
+                <a:gs pos="100000">
+                  <a:schemeClr val="accent1">
+                    <a:lumMod val="45000"/>
+                    <a:lumOff val="55000"/>
+                  </a:schemeClr>
+                </a:gs>
+                <a:gs pos="0">
+                  <a:srgbClr val="FF0000"/>
+                </a:gs>
+              </a:gsLst>
+              <a:lin ang="5400000" scaled="1"/>
+            </a:gradFill>
+          </a:ln>
+        </p:spPr>
+        <p:style>
+          <a:lnRef idx="2">
+            <a:schemeClr val="accent1"/>
+          </a:lnRef>
+          <a:fillRef idx="0">
+            <a:schemeClr val="accent1"/>
+          </a:fillRef>
+          <a:effectRef idx="1">
+            <a:schemeClr val="accent1"/>
+          </a:effectRef>
+          <a:fontRef idx="minor">
+            <a:schemeClr val="tx1"/>
+          </a:fontRef>
+        </p:style>
+        <p:txBody>
+          <a:bodyPr rtlCol="0" anchor="ctr"/>
+          <a:lstStyle/>
+          <a:p>
+            <a:pPr algn="ctr"/>
+            <a:endParaRPr lang="en-ES"/>
+          </a:p>
+        </p:txBody>
+      </p:sp>
+      <p:cxnSp>
+        <p:nvCxnSpPr>
+          <p:cNvPr id="38" name="Straight Arrow Connector 37">
+            <a:extLst>
+              <a:ext uri="{FF2B5EF4-FFF2-40B4-BE49-F238E27FC236}">
+                <a16:creationId xmlns:a16="http://schemas.microsoft.com/office/drawing/2014/main" id="{6EBCD8B8-0803-D012-669B-95720967D649}"/>
+              </a:ext>
+            </a:extLst>
+          </p:cNvPr>
+          <p:cNvCxnSpPr>
+            <a:cxnSpLocks/>
+          </p:cNvCxnSpPr>
+          <p:nvPr/>
+        </p:nvCxnSpPr>
+        <p:spPr>
+          <a:xfrm flipV="1">
+            <a:off x="3297506" y="2607204"/>
+            <a:ext cx="23527" cy="2491093"/>
+          </a:xfrm>
+          <a:prstGeom prst="straightConnector1">
+            <a:avLst/>
+          </a:prstGeom>
+          <a:ln w="38100">
+            <a:solidFill>
+              <a:schemeClr val="tx1"/>
+            </a:solidFill>
+            <a:tailEnd type="triangle"/>
+          </a:ln>
+        </p:spPr>
+        <p:style>
+          <a:lnRef idx="2">
+            <a:schemeClr val="accent1"/>
+          </a:lnRef>
+          <a:fillRef idx="0">
+            <a:schemeClr val="accent1"/>
+          </a:fillRef>
+          <a:effectRef idx="1">
+            <a:schemeClr val="accent1"/>
+          </a:effectRef>
+          <a:fontRef idx="minor">
+            <a:schemeClr val="tx1"/>
+          </a:fontRef>
+        </p:style>
+      </p:cxnSp>
+      <p:cxnSp>
+        <p:nvCxnSpPr>
+          <p:cNvPr id="42" name="Straight Arrow Connector 41">
+            <a:extLst>
+              <a:ext uri="{FF2B5EF4-FFF2-40B4-BE49-F238E27FC236}">
+                <a16:creationId xmlns:a16="http://schemas.microsoft.com/office/drawing/2014/main" id="{4784E586-6C6D-0ADB-1430-D4446DA07346}"/>
+              </a:ext>
+            </a:extLst>
+          </p:cNvPr>
+          <p:cNvCxnSpPr>
+            <a:cxnSpLocks/>
+          </p:cNvCxnSpPr>
+          <p:nvPr/>
+        </p:nvCxnSpPr>
+        <p:spPr>
+          <a:xfrm>
+            <a:off x="3297506" y="5098297"/>
+            <a:ext cx="3225269" cy="0"/>
+          </a:xfrm>
+          <a:prstGeom prst="straightConnector1">
+            <a:avLst/>
+          </a:prstGeom>
+          <a:ln w="38100">
+            <a:solidFill>
+              <a:schemeClr val="tx1"/>
+            </a:solidFill>
+            <a:tailEnd type="triangle"/>
+          </a:ln>
+        </p:spPr>
+        <p:style>
+          <a:lnRef idx="2">
+            <a:schemeClr val="accent1"/>
+          </a:lnRef>
+          <a:fillRef idx="0">
+            <a:schemeClr val="accent1"/>
+          </a:fillRef>
+          <a:effectRef idx="1">
+            <a:schemeClr val="accent1"/>
+          </a:effectRef>
+          <a:fontRef idx="minor">
+            <a:schemeClr val="tx1"/>
+          </a:fontRef>
+        </p:style>
+      </p:cxnSp>
+      <p:sp>
+        <p:nvSpPr>
+          <p:cNvPr id="43" name="TextBox 42">
+            <a:extLst>
+              <a:ext uri="{FF2B5EF4-FFF2-40B4-BE49-F238E27FC236}">
+                <a16:creationId xmlns:a16="http://schemas.microsoft.com/office/drawing/2014/main" id="{4CD4A1BF-732D-B284-5EB8-C5C245359D80}"/>
+              </a:ext>
+            </a:extLst>
+          </p:cNvPr>
+          <p:cNvSpPr txBox="1"/>
+          <p:nvPr/>
+        </p:nvSpPr>
+        <p:spPr>
+          <a:xfrm>
+            <a:off x="6140678" y="5085186"/>
+            <a:ext cx="567868" cy="646331"/>
+          </a:xfrm>
+          <a:prstGeom prst="rect">
+            <a:avLst/>
+          </a:prstGeom>
+          <a:noFill/>
+        </p:spPr>
+        <p:txBody>
+          <a:bodyPr wrap="square" rtlCol="0">
+            <a:spAutoFit/>
+          </a:bodyPr>
+          <a:lstStyle/>
+          <a:p>
+            <a:r>
+              <a:rPr lang="en-ES" sz="3600" dirty="0"/>
+              <a:t>x</a:t>
+            </a:r>
+          </a:p>
+        </p:txBody>
+      </p:sp>
+      <p:cxnSp>
+        <p:nvCxnSpPr>
+          <p:cNvPr id="58" name="Straight Arrow Connector 57">
+            <a:extLst>
+              <a:ext uri="{FF2B5EF4-FFF2-40B4-BE49-F238E27FC236}">
+                <a16:creationId xmlns:a16="http://schemas.microsoft.com/office/drawing/2014/main" id="{64FC814C-9FED-A9B1-F4EB-75203801A581}"/>
+              </a:ext>
+            </a:extLst>
+          </p:cNvPr>
+          <p:cNvCxnSpPr>
+            <a:cxnSpLocks/>
+          </p:cNvCxnSpPr>
+          <p:nvPr/>
+        </p:nvCxnSpPr>
+        <p:spPr>
+          <a:xfrm flipV="1">
+            <a:off x="3302299" y="3703720"/>
+            <a:ext cx="951382" cy="1419145"/>
+          </a:xfrm>
+          <a:prstGeom prst="straightConnector1">
+            <a:avLst/>
+          </a:prstGeom>
+          <a:ln w="38100">
+            <a:solidFill>
+              <a:schemeClr val="tx1"/>
+            </a:solidFill>
+            <a:tailEnd type="triangle"/>
+          </a:ln>
+        </p:spPr>
+        <p:style>
+          <a:lnRef idx="2">
+            <a:schemeClr val="accent1"/>
+          </a:lnRef>
+          <a:fillRef idx="0">
+            <a:schemeClr val="accent1"/>
+          </a:fillRef>
+          <a:effectRef idx="1">
+            <a:schemeClr val="accent1"/>
+          </a:effectRef>
+          <a:fontRef idx="minor">
+            <a:schemeClr val="tx1"/>
+          </a:fontRef>
+        </p:style>
+      </p:cxnSp>
+      <p:sp>
+        <p:nvSpPr>
+          <p:cNvPr id="61" name="TextBox 60">
+            <a:extLst>
+              <a:ext uri="{FF2B5EF4-FFF2-40B4-BE49-F238E27FC236}">
+                <a16:creationId xmlns:a16="http://schemas.microsoft.com/office/drawing/2014/main" id="{B41B146D-FBCA-1C6B-B9D6-216860548944}"/>
+              </a:ext>
+            </a:extLst>
+          </p:cNvPr>
+          <p:cNvSpPr txBox="1"/>
+          <p:nvPr/>
+        </p:nvSpPr>
+        <p:spPr>
+          <a:xfrm>
+            <a:off x="3446606" y="2223316"/>
+            <a:ext cx="386644" cy="646331"/>
+          </a:xfrm>
+          <a:prstGeom prst="rect">
+            <a:avLst/>
+          </a:prstGeom>
+          <a:noFill/>
+        </p:spPr>
+        <p:txBody>
+          <a:bodyPr wrap="none" rtlCol="0">
+            <a:spAutoFit/>
+          </a:bodyPr>
+          <a:lstStyle/>
+          <a:p>
+            <a:r>
+              <a:rPr lang="en-ES" sz="3600" dirty="0"/>
+              <a:t>z</a:t>
+            </a:r>
+          </a:p>
+        </p:txBody>
+      </p:sp>
+      <p:sp>
+        <p:nvSpPr>
+          <p:cNvPr id="63" name="Oval 62">
+            <a:extLst>
+              <a:ext uri="{FF2B5EF4-FFF2-40B4-BE49-F238E27FC236}">
+                <a16:creationId xmlns:a16="http://schemas.microsoft.com/office/drawing/2014/main" id="{35060DDF-315B-CCD2-3438-9A3980371DED}"/>
+              </a:ext>
+            </a:extLst>
+          </p:cNvPr>
+          <p:cNvSpPr/>
+          <p:nvPr/>
+        </p:nvSpPr>
+        <p:spPr>
+          <a:xfrm>
+            <a:off x="3261509" y="3659876"/>
+            <a:ext cx="95519" cy="87688"/>
+          </a:xfrm>
+          <a:prstGeom prst="ellipse">
+            <a:avLst/>
+          </a:prstGeom>
+        </p:spPr>
+        <p:style>
+          <a:lnRef idx="2">
+            <a:schemeClr val="accent1">
+              <a:shade val="15000"/>
+            </a:schemeClr>
+          </a:lnRef>
+          <a:fillRef idx="1">
+            <a:schemeClr val="accent1"/>
+          </a:fillRef>
+          <a:effectRef idx="0">
+            <a:schemeClr val="accent1"/>
+          </a:effectRef>
+          <a:fontRef idx="minor">
+            <a:schemeClr val="lt1"/>
+          </a:fontRef>
+        </p:style>
+        <p:txBody>
+          <a:bodyPr rtlCol="0" anchor="ctr"/>
+          <a:lstStyle/>
+          <a:p>
+            <a:pPr algn="ctr"/>
+            <a:endParaRPr lang="en-ES"/>
+          </a:p>
+        </p:txBody>
+      </p:sp>
+      <p:cxnSp>
+        <p:nvCxnSpPr>
+          <p:cNvPr id="4" name="Straight Arrow Connector 3">
+            <a:extLst>
+              <a:ext uri="{FF2B5EF4-FFF2-40B4-BE49-F238E27FC236}">
+                <a16:creationId xmlns:a16="http://schemas.microsoft.com/office/drawing/2014/main" id="{54190476-8C0A-0706-D0A7-279A1EEEADE1}"/>
+              </a:ext>
+            </a:extLst>
+          </p:cNvPr>
+          <p:cNvCxnSpPr>
+            <a:stCxn id="63" idx="0"/>
+          </p:cNvCxnSpPr>
+          <p:nvPr/>
+        </p:nvCxnSpPr>
+        <p:spPr>
+          <a:xfrm flipH="1" flipV="1">
+            <a:off x="3309268" y="3382415"/>
+            <a:ext cx="1" cy="277461"/>
+          </a:xfrm>
+          <a:prstGeom prst="straightConnector1">
+            <a:avLst/>
+          </a:prstGeom>
+          <a:ln w="69850">
+            <a:tailEnd type="triangle"/>
+          </a:ln>
+        </p:spPr>
+        <p:style>
+          <a:lnRef idx="2">
+            <a:schemeClr val="accent1"/>
+          </a:lnRef>
+          <a:fillRef idx="0">
+            <a:schemeClr val="accent1"/>
+          </a:fillRef>
+          <a:effectRef idx="1">
+            <a:schemeClr val="accent1"/>
+          </a:effectRef>
+          <a:fontRef idx="minor">
+            <a:schemeClr val="tx1"/>
+          </a:fontRef>
+        </p:style>
+      </p:cxnSp>
+      <p:grpSp>
+        <p:nvGrpSpPr>
+          <p:cNvPr id="6" name="Group 5">
+            <a:extLst>
+              <a:ext uri="{FF2B5EF4-FFF2-40B4-BE49-F238E27FC236}">
+                <a16:creationId xmlns:a16="http://schemas.microsoft.com/office/drawing/2014/main" id="{35CF6E6F-936B-B4B1-29BF-9922418425E1}"/>
+              </a:ext>
+            </a:extLst>
+          </p:cNvPr>
+          <p:cNvGrpSpPr/>
+          <p:nvPr/>
+        </p:nvGrpSpPr>
+        <p:grpSpPr>
+          <a:xfrm>
+            <a:off x="2648082" y="2899723"/>
+            <a:ext cx="609462" cy="714419"/>
+            <a:chOff x="6807375" y="1908879"/>
+            <a:chExt cx="609462" cy="714419"/>
+          </a:xfrm>
+        </p:grpSpPr>
+        <p:sp>
+          <p:nvSpPr>
+            <p:cNvPr id="7" name="TextBox 6">
+              <a:extLst>
+                <a:ext uri="{FF2B5EF4-FFF2-40B4-BE49-F238E27FC236}">
+                  <a16:creationId xmlns:a16="http://schemas.microsoft.com/office/drawing/2014/main" id="{7740AA47-4C02-C4E8-4462-A70F3D068CAD}"/>
+                </a:ext>
+              </a:extLst>
+            </p:cNvPr>
+            <p:cNvSpPr txBox="1"/>
+            <p:nvPr/>
+          </p:nvSpPr>
+          <p:spPr>
+            <a:xfrm>
+              <a:off x="6807375" y="1976967"/>
+              <a:ext cx="609462" cy="646331"/>
+            </a:xfrm>
+            <a:prstGeom prst="rect">
+              <a:avLst/>
+            </a:prstGeom>
+            <a:noFill/>
+          </p:spPr>
+          <p:txBody>
+            <a:bodyPr wrap="none" rtlCol="0">
+              <a:spAutoFit/>
+            </a:bodyPr>
+            <a:lstStyle/>
+            <a:p>
+              <a:r>
+                <a:rPr lang="en-ES" sz="3600" dirty="0"/>
+                <a:t>p</a:t>
+              </a:r>
+              <a:r>
+                <a:rPr lang="en-ES" sz="3600" baseline="-25000" dirty="0"/>
+                <a:t>0</a:t>
+              </a:r>
+            </a:p>
+          </p:txBody>
+        </p:sp>
+        <p:sp>
+          <p:nvSpPr>
+            <p:cNvPr id="8" name="TextBox 7">
+              <a:extLst>
+                <a:ext uri="{FF2B5EF4-FFF2-40B4-BE49-F238E27FC236}">
+                  <a16:creationId xmlns:a16="http://schemas.microsoft.com/office/drawing/2014/main" id="{108D90DD-BE42-0B65-9429-A35C11E76A74}"/>
+                </a:ext>
+              </a:extLst>
+            </p:cNvPr>
+            <p:cNvSpPr txBox="1"/>
+            <p:nvPr/>
+          </p:nvSpPr>
+          <p:spPr>
+            <a:xfrm>
+              <a:off x="6807375" y="1908879"/>
+              <a:ext cx="492443" cy="461665"/>
+            </a:xfrm>
+            <a:prstGeom prst="rect">
+              <a:avLst/>
+            </a:prstGeom>
+            <a:noFill/>
+          </p:spPr>
+          <p:txBody>
+            <a:bodyPr wrap="square" rtlCol="0">
+              <a:spAutoFit/>
+            </a:bodyPr>
+            <a:lstStyle/>
+            <a:p>
+              <a:r>
+                <a:rPr lang="en-ES" sz="2400" dirty="0"/>
+                <a:t>➝</a:t>
+              </a:r>
+            </a:p>
+          </p:txBody>
+        </p:sp>
+      </p:grpSp>
+      <p:sp>
+        <p:nvSpPr>
+          <p:cNvPr id="9" name="Left Brace 8">
+            <a:extLst>
+              <a:ext uri="{FF2B5EF4-FFF2-40B4-BE49-F238E27FC236}">
+                <a16:creationId xmlns:a16="http://schemas.microsoft.com/office/drawing/2014/main" id="{75C8AF96-E45D-F4CC-9108-20A7ACE70825}"/>
+              </a:ext>
+            </a:extLst>
+          </p:cNvPr>
+          <p:cNvSpPr/>
+          <p:nvPr/>
+        </p:nvSpPr>
+        <p:spPr>
+          <a:xfrm>
+            <a:off x="2789289" y="3696545"/>
+            <a:ext cx="304800" cy="1388641"/>
+          </a:xfrm>
+          <a:prstGeom prst="leftBrace">
+            <a:avLst/>
+          </a:prstGeom>
+        </p:spPr>
+        <p:style>
+          <a:lnRef idx="2">
+            <a:schemeClr val="accent1"/>
+          </a:lnRef>
+          <a:fillRef idx="0">
+            <a:schemeClr val="accent1"/>
+          </a:fillRef>
+          <a:effectRef idx="1">
+            <a:schemeClr val="accent1"/>
+          </a:effectRef>
+          <a:fontRef idx="minor">
+            <a:schemeClr val="tx1"/>
+          </a:fontRef>
+        </p:style>
+        <p:txBody>
+          <a:bodyPr rtlCol="0" anchor="ctr"/>
+          <a:lstStyle/>
+          <a:p>
+            <a:pPr algn="ctr"/>
+            <a:endParaRPr lang="en-ES"/>
+          </a:p>
+        </p:txBody>
+      </p:sp>
+      <p:sp>
+        <p:nvSpPr>
+          <p:cNvPr id="11" name="TextBox 10">
+            <a:extLst>
+              <a:ext uri="{FF2B5EF4-FFF2-40B4-BE49-F238E27FC236}">
+                <a16:creationId xmlns:a16="http://schemas.microsoft.com/office/drawing/2014/main" id="{EA44607E-413D-7409-D20F-00437746A19D}"/>
+              </a:ext>
+            </a:extLst>
+          </p:cNvPr>
+          <p:cNvSpPr txBox="1"/>
+          <p:nvPr/>
+        </p:nvSpPr>
+        <p:spPr>
+          <a:xfrm>
+            <a:off x="2364858" y="4025024"/>
+            <a:ext cx="442750" cy="646331"/>
+          </a:xfrm>
+          <a:prstGeom prst="rect">
+            <a:avLst/>
+          </a:prstGeom>
+          <a:noFill/>
+        </p:spPr>
+        <p:txBody>
+          <a:bodyPr wrap="none" rtlCol="0">
+            <a:spAutoFit/>
+          </a:bodyPr>
+          <a:lstStyle/>
+          <a:p>
+            <a:r>
+              <a:rPr lang="en-ES" sz="3600" dirty="0"/>
+              <a:t>d</a:t>
+            </a:r>
+          </a:p>
+        </p:txBody>
+      </p:sp>
+    </p:spTree>
+    <p:extLst>
+      <p:ext uri="{BB962C8B-B14F-4D97-AF65-F5344CB8AC3E}">
+        <p14:creationId xmlns:p14="http://schemas.microsoft.com/office/powerpoint/2010/main" val="1813146055"/>
+      </p:ext>
+    </p:extLst>
+  </p:cSld>
+  <p:clrMapOvr>
+    <a:masterClrMapping/>
+  </p:clrMapOvr>
+</p:sld>
+</file>
+
+<file path=ppt/slides/slide40.xml><?xml version="1.0" encoding="utf-8"?>
 <p:sld xmlns:a="http://schemas.openxmlformats.org/drawingml/2006/main" xmlns:r="http://schemas.openxmlformats.org/officeDocument/2006/relationships" xmlns:p="http://schemas.openxmlformats.org/presentationml/2006/main">
   <p:cSld>
     <p:spTree>
@@ -35216,638 +36948,7 @@
 </p:sld>
 </file>
 
-<file path=ppt/slides/slide4.xml><?xml version="1.0" encoding="utf-8"?>
-<p:sld xmlns:a="http://schemas.openxmlformats.org/drawingml/2006/main" xmlns:r="http://schemas.openxmlformats.org/officeDocument/2006/relationships" xmlns:p="http://schemas.openxmlformats.org/presentationml/2006/main">
-  <p:cSld>
-    <p:spTree>
-      <p:nvGrpSpPr>
-        <p:cNvPr id="1" name="">
-          <a:extLst>
-            <a:ext uri="{FF2B5EF4-FFF2-40B4-BE49-F238E27FC236}">
-              <a16:creationId xmlns:a16="http://schemas.microsoft.com/office/drawing/2014/main" id="{A4A3844B-A07C-97B4-01D9-43B845B07C1E}"/>
-            </a:ext>
-          </a:extLst>
-        </p:cNvPr>
-        <p:cNvGrpSpPr/>
-        <p:nvPr/>
-      </p:nvGrpSpPr>
-      <p:grpSpPr>
-        <a:xfrm>
-          <a:off x="0" y="0"/>
-          <a:ext cx="0" cy="0"/>
-          <a:chOff x="0" y="0"/>
-          <a:chExt cx="0" cy="0"/>
-        </a:xfrm>
-      </p:grpSpPr>
-      <p:sp>
-        <p:nvSpPr>
-          <p:cNvPr id="2" name="Title 1">
-            <a:extLst>
-              <a:ext uri="{FF2B5EF4-FFF2-40B4-BE49-F238E27FC236}">
-                <a16:creationId xmlns:a16="http://schemas.microsoft.com/office/drawing/2014/main" id="{97CC597C-95A5-FF9F-4877-9DD23A7E0F14}"/>
-              </a:ext>
-            </a:extLst>
-          </p:cNvPr>
-          <p:cNvSpPr>
-            <a:spLocks noGrp="1"/>
-          </p:cNvSpPr>
-          <p:nvPr>
-            <p:ph type="title"/>
-          </p:nvPr>
-        </p:nvSpPr>
-        <p:spPr/>
-        <p:txBody>
-          <a:bodyPr/>
-          <a:lstStyle/>
-          <a:p>
-            <a:r>
-              <a:rPr lang="en-ES" dirty="0"/>
-              <a:t>B1.S2.1</a:t>
-            </a:r>
-          </a:p>
-        </p:txBody>
-      </p:sp>
-      <p:sp>
-        <p:nvSpPr>
-          <p:cNvPr id="41" name="TextBox 40">
-            <a:extLst>
-              <a:ext uri="{FF2B5EF4-FFF2-40B4-BE49-F238E27FC236}">
-                <a16:creationId xmlns:a16="http://schemas.microsoft.com/office/drawing/2014/main" id="{4D161A3D-487D-C6D9-16BB-AFF0FE853C2A}"/>
-              </a:ext>
-            </a:extLst>
-          </p:cNvPr>
-          <p:cNvSpPr txBox="1"/>
-          <p:nvPr/>
-        </p:nvSpPr>
-        <p:spPr>
-          <a:xfrm>
-            <a:off x="3966082" y="3059250"/>
-            <a:ext cx="393056" cy="646331"/>
-          </a:xfrm>
-          <a:prstGeom prst="rect">
-            <a:avLst/>
-          </a:prstGeom>
-          <a:noFill/>
-        </p:spPr>
-        <p:txBody>
-          <a:bodyPr wrap="none" rtlCol="0">
-            <a:spAutoFit/>
-          </a:bodyPr>
-          <a:lstStyle/>
-          <a:p>
-            <a:r>
-              <a:rPr lang="en-ES" sz="3600" dirty="0"/>
-              <a:t>y</a:t>
-            </a:r>
-          </a:p>
-        </p:txBody>
-      </p:sp>
-      <p:sp>
-        <p:nvSpPr>
-          <p:cNvPr id="37" name="Arc 36">
-            <a:extLst>
-              <a:ext uri="{FF2B5EF4-FFF2-40B4-BE49-F238E27FC236}">
-                <a16:creationId xmlns:a16="http://schemas.microsoft.com/office/drawing/2014/main" id="{805A4EBF-387A-6CDB-37AA-1FDC5D684753}"/>
-              </a:ext>
-            </a:extLst>
-          </p:cNvPr>
-          <p:cNvSpPr/>
-          <p:nvPr/>
-        </p:nvSpPr>
-        <p:spPr>
-          <a:xfrm rot="15416767">
-            <a:off x="2378959" y="2987109"/>
-            <a:ext cx="1884148" cy="4222377"/>
-          </a:xfrm>
-          <a:prstGeom prst="arc">
-            <a:avLst>
-              <a:gd name="adj1" fmla="val 16931934"/>
-              <a:gd name="adj2" fmla="val 6161777"/>
-            </a:avLst>
-          </a:prstGeom>
-          <a:ln w="38100">
-            <a:gradFill>
-              <a:gsLst>
-                <a:gs pos="72000">
-                  <a:schemeClr val="accent1">
-                    <a:lumMod val="5000"/>
-                    <a:lumOff val="95000"/>
-                  </a:schemeClr>
-                </a:gs>
-                <a:gs pos="100000">
-                  <a:schemeClr val="accent1">
-                    <a:lumMod val="45000"/>
-                    <a:lumOff val="55000"/>
-                  </a:schemeClr>
-                </a:gs>
-                <a:gs pos="0">
-                  <a:srgbClr val="FF0000"/>
-                </a:gs>
-              </a:gsLst>
-              <a:lin ang="5400000" scaled="1"/>
-            </a:gradFill>
-          </a:ln>
-        </p:spPr>
-        <p:style>
-          <a:lnRef idx="2">
-            <a:schemeClr val="accent1"/>
-          </a:lnRef>
-          <a:fillRef idx="0">
-            <a:schemeClr val="accent1"/>
-          </a:fillRef>
-          <a:effectRef idx="1">
-            <a:schemeClr val="accent1"/>
-          </a:effectRef>
-          <a:fontRef idx="minor">
-            <a:schemeClr val="tx1"/>
-          </a:fontRef>
-        </p:style>
-        <p:txBody>
-          <a:bodyPr rtlCol="0" anchor="ctr"/>
-          <a:lstStyle/>
-          <a:p>
-            <a:pPr algn="ctr"/>
-            <a:endParaRPr lang="en-ES"/>
-          </a:p>
-        </p:txBody>
-      </p:sp>
-      <p:cxnSp>
-        <p:nvCxnSpPr>
-          <p:cNvPr id="38" name="Straight Arrow Connector 37">
-            <a:extLst>
-              <a:ext uri="{FF2B5EF4-FFF2-40B4-BE49-F238E27FC236}">
-                <a16:creationId xmlns:a16="http://schemas.microsoft.com/office/drawing/2014/main" id="{6EBCD8B8-0803-D012-669B-95720967D649}"/>
-              </a:ext>
-            </a:extLst>
-          </p:cNvPr>
-          <p:cNvCxnSpPr>
-            <a:cxnSpLocks/>
-          </p:cNvCxnSpPr>
-          <p:nvPr/>
-        </p:nvCxnSpPr>
-        <p:spPr>
-          <a:xfrm flipV="1">
-            <a:off x="3297506" y="2607204"/>
-            <a:ext cx="23527" cy="2491093"/>
-          </a:xfrm>
-          <a:prstGeom prst="straightConnector1">
-            <a:avLst/>
-          </a:prstGeom>
-          <a:ln w="38100">
-            <a:solidFill>
-              <a:schemeClr val="tx1"/>
-            </a:solidFill>
-            <a:tailEnd type="triangle"/>
-          </a:ln>
-        </p:spPr>
-        <p:style>
-          <a:lnRef idx="2">
-            <a:schemeClr val="accent1"/>
-          </a:lnRef>
-          <a:fillRef idx="0">
-            <a:schemeClr val="accent1"/>
-          </a:fillRef>
-          <a:effectRef idx="1">
-            <a:schemeClr val="accent1"/>
-          </a:effectRef>
-          <a:fontRef idx="minor">
-            <a:schemeClr val="tx1"/>
-          </a:fontRef>
-        </p:style>
-      </p:cxnSp>
-      <p:cxnSp>
-        <p:nvCxnSpPr>
-          <p:cNvPr id="42" name="Straight Arrow Connector 41">
-            <a:extLst>
-              <a:ext uri="{FF2B5EF4-FFF2-40B4-BE49-F238E27FC236}">
-                <a16:creationId xmlns:a16="http://schemas.microsoft.com/office/drawing/2014/main" id="{4784E586-6C6D-0ADB-1430-D4446DA07346}"/>
-              </a:ext>
-            </a:extLst>
-          </p:cNvPr>
-          <p:cNvCxnSpPr>
-            <a:cxnSpLocks/>
-          </p:cNvCxnSpPr>
-          <p:nvPr/>
-        </p:nvCxnSpPr>
-        <p:spPr>
-          <a:xfrm>
-            <a:off x="3297506" y="5098297"/>
-            <a:ext cx="3225269" cy="0"/>
-          </a:xfrm>
-          <a:prstGeom prst="straightConnector1">
-            <a:avLst/>
-          </a:prstGeom>
-          <a:ln w="38100">
-            <a:solidFill>
-              <a:schemeClr val="tx1"/>
-            </a:solidFill>
-            <a:tailEnd type="triangle"/>
-          </a:ln>
-        </p:spPr>
-        <p:style>
-          <a:lnRef idx="2">
-            <a:schemeClr val="accent1"/>
-          </a:lnRef>
-          <a:fillRef idx="0">
-            <a:schemeClr val="accent1"/>
-          </a:fillRef>
-          <a:effectRef idx="1">
-            <a:schemeClr val="accent1"/>
-          </a:effectRef>
-          <a:fontRef idx="minor">
-            <a:schemeClr val="tx1"/>
-          </a:fontRef>
-        </p:style>
-      </p:cxnSp>
-      <p:sp>
-        <p:nvSpPr>
-          <p:cNvPr id="43" name="TextBox 42">
-            <a:extLst>
-              <a:ext uri="{FF2B5EF4-FFF2-40B4-BE49-F238E27FC236}">
-                <a16:creationId xmlns:a16="http://schemas.microsoft.com/office/drawing/2014/main" id="{4CD4A1BF-732D-B284-5EB8-C5C245359D80}"/>
-              </a:ext>
-            </a:extLst>
-          </p:cNvPr>
-          <p:cNvSpPr txBox="1"/>
-          <p:nvPr/>
-        </p:nvSpPr>
-        <p:spPr>
-          <a:xfrm>
-            <a:off x="6140678" y="5085186"/>
-            <a:ext cx="567868" cy="646331"/>
-          </a:xfrm>
-          <a:prstGeom prst="rect">
-            <a:avLst/>
-          </a:prstGeom>
-          <a:noFill/>
-        </p:spPr>
-        <p:txBody>
-          <a:bodyPr wrap="square" rtlCol="0">
-            <a:spAutoFit/>
-          </a:bodyPr>
-          <a:lstStyle/>
-          <a:p>
-            <a:r>
-              <a:rPr lang="en-ES" sz="3600" dirty="0"/>
-              <a:t>x</a:t>
-            </a:r>
-          </a:p>
-        </p:txBody>
-      </p:sp>
-      <p:cxnSp>
-        <p:nvCxnSpPr>
-          <p:cNvPr id="58" name="Straight Arrow Connector 57">
-            <a:extLst>
-              <a:ext uri="{FF2B5EF4-FFF2-40B4-BE49-F238E27FC236}">
-                <a16:creationId xmlns:a16="http://schemas.microsoft.com/office/drawing/2014/main" id="{64FC814C-9FED-A9B1-F4EB-75203801A581}"/>
-              </a:ext>
-            </a:extLst>
-          </p:cNvPr>
-          <p:cNvCxnSpPr>
-            <a:cxnSpLocks/>
-          </p:cNvCxnSpPr>
-          <p:nvPr/>
-        </p:nvCxnSpPr>
-        <p:spPr>
-          <a:xfrm flipV="1">
-            <a:off x="3302299" y="3703720"/>
-            <a:ext cx="951382" cy="1419145"/>
-          </a:xfrm>
-          <a:prstGeom prst="straightConnector1">
-            <a:avLst/>
-          </a:prstGeom>
-          <a:ln w="38100">
-            <a:solidFill>
-              <a:schemeClr val="tx1"/>
-            </a:solidFill>
-            <a:tailEnd type="triangle"/>
-          </a:ln>
-        </p:spPr>
-        <p:style>
-          <a:lnRef idx="2">
-            <a:schemeClr val="accent1"/>
-          </a:lnRef>
-          <a:fillRef idx="0">
-            <a:schemeClr val="accent1"/>
-          </a:fillRef>
-          <a:effectRef idx="1">
-            <a:schemeClr val="accent1"/>
-          </a:effectRef>
-          <a:fontRef idx="minor">
-            <a:schemeClr val="tx1"/>
-          </a:fontRef>
-        </p:style>
-      </p:cxnSp>
-      <p:sp>
-        <p:nvSpPr>
-          <p:cNvPr id="61" name="TextBox 60">
-            <a:extLst>
-              <a:ext uri="{FF2B5EF4-FFF2-40B4-BE49-F238E27FC236}">
-                <a16:creationId xmlns:a16="http://schemas.microsoft.com/office/drawing/2014/main" id="{B41B146D-FBCA-1C6B-B9D6-216860548944}"/>
-              </a:ext>
-            </a:extLst>
-          </p:cNvPr>
-          <p:cNvSpPr txBox="1"/>
-          <p:nvPr/>
-        </p:nvSpPr>
-        <p:spPr>
-          <a:xfrm>
-            <a:off x="3446606" y="2223316"/>
-            <a:ext cx="386644" cy="646331"/>
-          </a:xfrm>
-          <a:prstGeom prst="rect">
-            <a:avLst/>
-          </a:prstGeom>
-          <a:noFill/>
-        </p:spPr>
-        <p:txBody>
-          <a:bodyPr wrap="none" rtlCol="0">
-            <a:spAutoFit/>
-          </a:bodyPr>
-          <a:lstStyle/>
-          <a:p>
-            <a:r>
-              <a:rPr lang="en-ES" sz="3600" dirty="0"/>
-              <a:t>z</a:t>
-            </a:r>
-          </a:p>
-        </p:txBody>
-      </p:sp>
-      <p:sp>
-        <p:nvSpPr>
-          <p:cNvPr id="63" name="Oval 62">
-            <a:extLst>
-              <a:ext uri="{FF2B5EF4-FFF2-40B4-BE49-F238E27FC236}">
-                <a16:creationId xmlns:a16="http://schemas.microsoft.com/office/drawing/2014/main" id="{35060DDF-315B-CCD2-3438-9A3980371DED}"/>
-              </a:ext>
-            </a:extLst>
-          </p:cNvPr>
-          <p:cNvSpPr/>
-          <p:nvPr/>
-        </p:nvSpPr>
-        <p:spPr>
-          <a:xfrm>
-            <a:off x="3261509" y="3659876"/>
-            <a:ext cx="95519" cy="87688"/>
-          </a:xfrm>
-          <a:prstGeom prst="ellipse">
-            <a:avLst/>
-          </a:prstGeom>
-        </p:spPr>
-        <p:style>
-          <a:lnRef idx="2">
-            <a:schemeClr val="accent1">
-              <a:shade val="15000"/>
-            </a:schemeClr>
-          </a:lnRef>
-          <a:fillRef idx="1">
-            <a:schemeClr val="accent1"/>
-          </a:fillRef>
-          <a:effectRef idx="0">
-            <a:schemeClr val="accent1"/>
-          </a:effectRef>
-          <a:fontRef idx="minor">
-            <a:schemeClr val="lt1"/>
-          </a:fontRef>
-        </p:style>
-        <p:txBody>
-          <a:bodyPr rtlCol="0" anchor="ctr"/>
-          <a:lstStyle/>
-          <a:p>
-            <a:pPr algn="ctr"/>
-            <a:endParaRPr lang="en-ES"/>
-          </a:p>
-        </p:txBody>
-      </p:sp>
-      <p:cxnSp>
-        <p:nvCxnSpPr>
-          <p:cNvPr id="4" name="Straight Arrow Connector 3">
-            <a:extLst>
-              <a:ext uri="{FF2B5EF4-FFF2-40B4-BE49-F238E27FC236}">
-                <a16:creationId xmlns:a16="http://schemas.microsoft.com/office/drawing/2014/main" id="{54190476-8C0A-0706-D0A7-279A1EEEADE1}"/>
-              </a:ext>
-            </a:extLst>
-          </p:cNvPr>
-          <p:cNvCxnSpPr>
-            <a:stCxn id="63" idx="0"/>
-          </p:cNvCxnSpPr>
-          <p:nvPr/>
-        </p:nvCxnSpPr>
-        <p:spPr>
-          <a:xfrm flipH="1" flipV="1">
-            <a:off x="3309268" y="3382415"/>
-            <a:ext cx="1" cy="277461"/>
-          </a:xfrm>
-          <a:prstGeom prst="straightConnector1">
-            <a:avLst/>
-          </a:prstGeom>
-          <a:ln w="69850">
-            <a:tailEnd type="triangle"/>
-          </a:ln>
-        </p:spPr>
-        <p:style>
-          <a:lnRef idx="2">
-            <a:schemeClr val="accent1"/>
-          </a:lnRef>
-          <a:fillRef idx="0">
-            <a:schemeClr val="accent1"/>
-          </a:fillRef>
-          <a:effectRef idx="1">
-            <a:schemeClr val="accent1"/>
-          </a:effectRef>
-          <a:fontRef idx="minor">
-            <a:schemeClr val="tx1"/>
-          </a:fontRef>
-        </p:style>
-      </p:cxnSp>
-      <p:grpSp>
-        <p:nvGrpSpPr>
-          <p:cNvPr id="6" name="Group 5">
-            <a:extLst>
-              <a:ext uri="{FF2B5EF4-FFF2-40B4-BE49-F238E27FC236}">
-                <a16:creationId xmlns:a16="http://schemas.microsoft.com/office/drawing/2014/main" id="{35CF6E6F-936B-B4B1-29BF-9922418425E1}"/>
-              </a:ext>
-            </a:extLst>
-          </p:cNvPr>
-          <p:cNvGrpSpPr/>
-          <p:nvPr/>
-        </p:nvGrpSpPr>
-        <p:grpSpPr>
-          <a:xfrm>
-            <a:off x="2648082" y="2899723"/>
-            <a:ext cx="609462" cy="714419"/>
-            <a:chOff x="6807375" y="1908879"/>
-            <a:chExt cx="609462" cy="714419"/>
-          </a:xfrm>
-        </p:grpSpPr>
-        <p:sp>
-          <p:nvSpPr>
-            <p:cNvPr id="7" name="TextBox 6">
-              <a:extLst>
-                <a:ext uri="{FF2B5EF4-FFF2-40B4-BE49-F238E27FC236}">
-                  <a16:creationId xmlns:a16="http://schemas.microsoft.com/office/drawing/2014/main" id="{7740AA47-4C02-C4E8-4462-A70F3D068CAD}"/>
-                </a:ext>
-              </a:extLst>
-            </p:cNvPr>
-            <p:cNvSpPr txBox="1"/>
-            <p:nvPr/>
-          </p:nvSpPr>
-          <p:spPr>
-            <a:xfrm>
-              <a:off x="6807375" y="1976967"/>
-              <a:ext cx="609462" cy="646331"/>
-            </a:xfrm>
-            <a:prstGeom prst="rect">
-              <a:avLst/>
-            </a:prstGeom>
-            <a:noFill/>
-          </p:spPr>
-          <p:txBody>
-            <a:bodyPr wrap="none" rtlCol="0">
-              <a:spAutoFit/>
-            </a:bodyPr>
-            <a:lstStyle/>
-            <a:p>
-              <a:r>
-                <a:rPr lang="en-ES" sz="3600" dirty="0"/>
-                <a:t>p</a:t>
-              </a:r>
-              <a:r>
-                <a:rPr lang="en-ES" sz="3600" baseline="-25000" dirty="0"/>
-                <a:t>0</a:t>
-              </a:r>
-            </a:p>
-          </p:txBody>
-        </p:sp>
-        <p:sp>
-          <p:nvSpPr>
-            <p:cNvPr id="8" name="TextBox 7">
-              <a:extLst>
-                <a:ext uri="{FF2B5EF4-FFF2-40B4-BE49-F238E27FC236}">
-                  <a16:creationId xmlns:a16="http://schemas.microsoft.com/office/drawing/2014/main" id="{108D90DD-BE42-0B65-9429-A35C11E76A74}"/>
-                </a:ext>
-              </a:extLst>
-            </p:cNvPr>
-            <p:cNvSpPr txBox="1"/>
-            <p:nvPr/>
-          </p:nvSpPr>
-          <p:spPr>
-            <a:xfrm>
-              <a:off x="6807375" y="1908879"/>
-              <a:ext cx="492443" cy="461665"/>
-            </a:xfrm>
-            <a:prstGeom prst="rect">
-              <a:avLst/>
-            </a:prstGeom>
-            <a:noFill/>
-          </p:spPr>
-          <p:txBody>
-            <a:bodyPr wrap="square" rtlCol="0">
-              <a:spAutoFit/>
-            </a:bodyPr>
-            <a:lstStyle/>
-            <a:p>
-              <a:r>
-                <a:rPr lang="en-ES" sz="2400" dirty="0"/>
-                <a:t>➝</a:t>
-              </a:r>
-            </a:p>
-          </p:txBody>
-        </p:sp>
-      </p:grpSp>
-      <p:sp>
-        <p:nvSpPr>
-          <p:cNvPr id="9" name="Left Brace 8">
-            <a:extLst>
-              <a:ext uri="{FF2B5EF4-FFF2-40B4-BE49-F238E27FC236}">
-                <a16:creationId xmlns:a16="http://schemas.microsoft.com/office/drawing/2014/main" id="{75C8AF96-E45D-F4CC-9108-20A7ACE70825}"/>
-              </a:ext>
-            </a:extLst>
-          </p:cNvPr>
-          <p:cNvSpPr/>
-          <p:nvPr/>
-        </p:nvSpPr>
-        <p:spPr>
-          <a:xfrm>
-            <a:off x="2789289" y="3696545"/>
-            <a:ext cx="304800" cy="1388641"/>
-          </a:xfrm>
-          <a:prstGeom prst="leftBrace">
-            <a:avLst/>
-          </a:prstGeom>
-        </p:spPr>
-        <p:style>
-          <a:lnRef idx="2">
-            <a:schemeClr val="accent1"/>
-          </a:lnRef>
-          <a:fillRef idx="0">
-            <a:schemeClr val="accent1"/>
-          </a:fillRef>
-          <a:effectRef idx="1">
-            <a:schemeClr val="accent1"/>
-          </a:effectRef>
-          <a:fontRef idx="minor">
-            <a:schemeClr val="tx1"/>
-          </a:fontRef>
-        </p:style>
-        <p:txBody>
-          <a:bodyPr rtlCol="0" anchor="ctr"/>
-          <a:lstStyle/>
-          <a:p>
-            <a:pPr algn="ctr"/>
-            <a:endParaRPr lang="en-ES"/>
-          </a:p>
-        </p:txBody>
-      </p:sp>
-      <p:sp>
-        <p:nvSpPr>
-          <p:cNvPr id="11" name="TextBox 10">
-            <a:extLst>
-              <a:ext uri="{FF2B5EF4-FFF2-40B4-BE49-F238E27FC236}">
-                <a16:creationId xmlns:a16="http://schemas.microsoft.com/office/drawing/2014/main" id="{EA44607E-413D-7409-D20F-00437746A19D}"/>
-              </a:ext>
-            </a:extLst>
-          </p:cNvPr>
-          <p:cNvSpPr txBox="1"/>
-          <p:nvPr/>
-        </p:nvSpPr>
-        <p:spPr>
-          <a:xfrm>
-            <a:off x="2364858" y="4025024"/>
-            <a:ext cx="442750" cy="646331"/>
-          </a:xfrm>
-          <a:prstGeom prst="rect">
-            <a:avLst/>
-          </a:prstGeom>
-          <a:noFill/>
-        </p:spPr>
-        <p:txBody>
-          <a:bodyPr wrap="none" rtlCol="0">
-            <a:spAutoFit/>
-          </a:bodyPr>
-          <a:lstStyle/>
-          <a:p>
-            <a:r>
-              <a:rPr lang="en-ES" sz="3600" dirty="0"/>
-              <a:t>d</a:t>
-            </a:r>
-          </a:p>
-        </p:txBody>
-      </p:sp>
-    </p:spTree>
-    <p:extLst>
-      <p:ext uri="{BB962C8B-B14F-4D97-AF65-F5344CB8AC3E}">
-        <p14:creationId xmlns:p14="http://schemas.microsoft.com/office/powerpoint/2010/main" val="1813146055"/>
-      </p:ext>
-    </p:extLst>
-  </p:cSld>
-  <p:clrMapOvr>
-    <a:masterClrMapping/>
-  </p:clrMapOvr>
-</p:sld>
-</file>
-
-<file path=ppt/slides/slide40.xml><?xml version="1.0" encoding="utf-8"?>
+<file path=ppt/slides/slide41.xml><?xml version="1.0" encoding="utf-8"?>
 <p:sld xmlns:a="http://schemas.openxmlformats.org/drawingml/2006/main" xmlns:r="http://schemas.openxmlformats.org/officeDocument/2006/relationships" xmlns:p="http://schemas.openxmlformats.org/presentationml/2006/main">
   <p:cSld>
     <p:spTree>
@@ -37956,7 +39057,7 @@
 </p:sld>
 </file>
 
-<file path=ppt/slides/slide41.xml><?xml version="1.0" encoding="utf-8"?>
+<file path=ppt/slides/slide42.xml><?xml version="1.0" encoding="utf-8"?>
 <p:sld xmlns:a="http://schemas.openxmlformats.org/drawingml/2006/main" xmlns:r="http://schemas.openxmlformats.org/officeDocument/2006/relationships" xmlns:p="http://schemas.openxmlformats.org/presentationml/2006/main">
   <p:cSld>
     <p:spTree>

--- a/images/Images.pptx
+++ b/images/Images.pptx
@@ -28,25 +28,26 @@
     <p:sldId id="297" r:id="rId22"/>
     <p:sldId id="263" r:id="rId23"/>
     <p:sldId id="271" r:id="rId24"/>
-    <p:sldId id="259" r:id="rId25"/>
-    <p:sldId id="260" r:id="rId26"/>
-    <p:sldId id="262" r:id="rId27"/>
-    <p:sldId id="261" r:id="rId28"/>
-    <p:sldId id="264" r:id="rId29"/>
-    <p:sldId id="265" r:id="rId30"/>
-    <p:sldId id="266" r:id="rId31"/>
-    <p:sldId id="268" r:id="rId32"/>
-    <p:sldId id="269" r:id="rId33"/>
-    <p:sldId id="270" r:id="rId34"/>
-    <p:sldId id="298" r:id="rId35"/>
-    <p:sldId id="272" r:id="rId36"/>
-    <p:sldId id="273" r:id="rId37"/>
-    <p:sldId id="274" r:id="rId38"/>
-    <p:sldId id="275" r:id="rId39"/>
-    <p:sldId id="276" r:id="rId40"/>
-    <p:sldId id="277" r:id="rId41"/>
-    <p:sldId id="278" r:id="rId42"/>
-    <p:sldId id="279" r:id="rId43"/>
+    <p:sldId id="299" r:id="rId25"/>
+    <p:sldId id="259" r:id="rId26"/>
+    <p:sldId id="260" r:id="rId27"/>
+    <p:sldId id="262" r:id="rId28"/>
+    <p:sldId id="261" r:id="rId29"/>
+    <p:sldId id="264" r:id="rId30"/>
+    <p:sldId id="265" r:id="rId31"/>
+    <p:sldId id="266" r:id="rId32"/>
+    <p:sldId id="268" r:id="rId33"/>
+    <p:sldId id="269" r:id="rId34"/>
+    <p:sldId id="270" r:id="rId35"/>
+    <p:sldId id="298" r:id="rId36"/>
+    <p:sldId id="272" r:id="rId37"/>
+    <p:sldId id="273" r:id="rId38"/>
+    <p:sldId id="274" r:id="rId39"/>
+    <p:sldId id="275" r:id="rId40"/>
+    <p:sldId id="276" r:id="rId41"/>
+    <p:sldId id="277" r:id="rId42"/>
+    <p:sldId id="278" r:id="rId43"/>
+    <p:sldId id="279" r:id="rId44"/>
   </p:sldIdLst>
   <p:sldSz cx="12192000" cy="6858000"/>
   <p:notesSz cx="6858000" cy="9144000"/>
@@ -20772,6 +20773,2079 @@
   <p:cSld>
     <p:spTree>
       <p:nvGrpSpPr>
+        <p:cNvPr id="1" name="">
+          <a:extLst>
+            <a:ext uri="{FF2B5EF4-FFF2-40B4-BE49-F238E27FC236}">
+              <a16:creationId xmlns:a16="http://schemas.microsoft.com/office/drawing/2014/main" id="{AD476789-CA4C-F6DD-14CB-72BF4BFCBA00}"/>
+            </a:ext>
+          </a:extLst>
+        </p:cNvPr>
+        <p:cNvGrpSpPr/>
+        <p:nvPr/>
+      </p:nvGrpSpPr>
+      <p:grpSpPr>
+        <a:xfrm>
+          <a:off x="0" y="0"/>
+          <a:ext cx="0" cy="0"/>
+          <a:chOff x="0" y="0"/>
+          <a:chExt cx="0" cy="0"/>
+        </a:xfrm>
+      </p:grpSpPr>
+      <p:sp>
+        <p:nvSpPr>
+          <p:cNvPr id="22" name="Can 21">
+            <a:extLst>
+              <a:ext uri="{FF2B5EF4-FFF2-40B4-BE49-F238E27FC236}">
+                <a16:creationId xmlns:a16="http://schemas.microsoft.com/office/drawing/2014/main" id="{F0CC18AF-1A9F-1524-5D65-07BFFEBCD2B2}"/>
+              </a:ext>
+            </a:extLst>
+          </p:cNvPr>
+          <p:cNvSpPr/>
+          <p:nvPr/>
+        </p:nvSpPr>
+        <p:spPr>
+          <a:xfrm>
+            <a:off x="5675334" y="2015413"/>
+            <a:ext cx="1816924" cy="3666321"/>
+          </a:xfrm>
+          <a:prstGeom prst="can">
+            <a:avLst/>
+          </a:prstGeom>
+          <a:gradFill flip="none" rotWithShape="1">
+            <a:gsLst>
+              <a:gs pos="0">
+                <a:schemeClr val="accent1">
+                  <a:lumMod val="5000"/>
+                  <a:lumOff val="95000"/>
+                </a:schemeClr>
+              </a:gs>
+              <a:gs pos="74000">
+                <a:schemeClr val="accent1">
+                  <a:lumMod val="45000"/>
+                  <a:lumOff val="55000"/>
+                </a:schemeClr>
+              </a:gs>
+              <a:gs pos="83000">
+                <a:schemeClr val="accent1">
+                  <a:lumMod val="45000"/>
+                  <a:lumOff val="55000"/>
+                </a:schemeClr>
+              </a:gs>
+              <a:gs pos="100000">
+                <a:schemeClr val="accent1">
+                  <a:lumMod val="30000"/>
+                  <a:lumOff val="70000"/>
+                </a:schemeClr>
+              </a:gs>
+            </a:gsLst>
+            <a:lin ang="10800000" scaled="1"/>
+            <a:tileRect/>
+          </a:gradFill>
+        </p:spPr>
+        <p:style>
+          <a:lnRef idx="2">
+            <a:schemeClr val="accent1">
+              <a:shade val="15000"/>
+            </a:schemeClr>
+          </a:lnRef>
+          <a:fillRef idx="1">
+            <a:schemeClr val="accent1"/>
+          </a:fillRef>
+          <a:effectRef idx="0">
+            <a:schemeClr val="accent1"/>
+          </a:effectRef>
+          <a:fontRef idx="minor">
+            <a:schemeClr val="lt1"/>
+          </a:fontRef>
+        </p:style>
+        <p:txBody>
+          <a:bodyPr rtlCol="0" anchor="ctr"/>
+          <a:lstStyle/>
+          <a:p>
+            <a:pPr algn="ctr"/>
+            <a:endParaRPr lang="en-ES"/>
+          </a:p>
+        </p:txBody>
+      </p:sp>
+      <p:cxnSp>
+        <p:nvCxnSpPr>
+          <p:cNvPr id="8" name="Straight Arrow Connector 7">
+            <a:extLst>
+              <a:ext uri="{FF2B5EF4-FFF2-40B4-BE49-F238E27FC236}">
+                <a16:creationId xmlns:a16="http://schemas.microsoft.com/office/drawing/2014/main" id="{CD801655-71E3-EB13-8B9A-0A6BF65FAD6B}"/>
+              </a:ext>
+            </a:extLst>
+          </p:cNvPr>
+          <p:cNvCxnSpPr>
+            <a:cxnSpLocks/>
+          </p:cNvCxnSpPr>
+          <p:nvPr/>
+        </p:nvCxnSpPr>
+        <p:spPr>
+          <a:xfrm flipV="1">
+            <a:off x="6575916" y="1126297"/>
+            <a:ext cx="21537" cy="2826061"/>
+          </a:xfrm>
+          <a:prstGeom prst="straightConnector1">
+            <a:avLst/>
+          </a:prstGeom>
+          <a:ln w="38100">
+            <a:tailEnd type="triangle"/>
+          </a:ln>
+        </p:spPr>
+        <p:style>
+          <a:lnRef idx="2">
+            <a:schemeClr val="accent1"/>
+          </a:lnRef>
+          <a:fillRef idx="0">
+            <a:schemeClr val="accent1"/>
+          </a:fillRef>
+          <a:effectRef idx="1">
+            <a:schemeClr val="accent1"/>
+          </a:effectRef>
+          <a:fontRef idx="minor">
+            <a:schemeClr val="tx1"/>
+          </a:fontRef>
+        </p:style>
+      </p:cxnSp>
+      <p:cxnSp>
+        <p:nvCxnSpPr>
+          <p:cNvPr id="9" name="Straight Arrow Connector 8">
+            <a:extLst>
+              <a:ext uri="{FF2B5EF4-FFF2-40B4-BE49-F238E27FC236}">
+                <a16:creationId xmlns:a16="http://schemas.microsoft.com/office/drawing/2014/main" id="{B1066019-1308-E3C3-F3E0-C042816636D9}"/>
+              </a:ext>
+            </a:extLst>
+          </p:cNvPr>
+          <p:cNvCxnSpPr>
+            <a:cxnSpLocks/>
+          </p:cNvCxnSpPr>
+          <p:nvPr/>
+        </p:nvCxnSpPr>
+        <p:spPr>
+          <a:xfrm flipH="1">
+            <a:off x="4980093" y="3938504"/>
+            <a:ext cx="1605720" cy="1260762"/>
+          </a:xfrm>
+          <a:prstGeom prst="straightConnector1">
+            <a:avLst/>
+          </a:prstGeom>
+          <a:ln w="38100">
+            <a:tailEnd type="triangle"/>
+          </a:ln>
+        </p:spPr>
+        <p:style>
+          <a:lnRef idx="2">
+            <a:schemeClr val="accent1"/>
+          </a:lnRef>
+          <a:fillRef idx="0">
+            <a:schemeClr val="accent1"/>
+          </a:fillRef>
+          <a:effectRef idx="1">
+            <a:schemeClr val="accent1"/>
+          </a:effectRef>
+          <a:fontRef idx="minor">
+            <a:schemeClr val="tx1"/>
+          </a:fontRef>
+        </p:style>
+      </p:cxnSp>
+      <p:cxnSp>
+        <p:nvCxnSpPr>
+          <p:cNvPr id="10" name="Straight Arrow Connector 9">
+            <a:extLst>
+              <a:ext uri="{FF2B5EF4-FFF2-40B4-BE49-F238E27FC236}">
+                <a16:creationId xmlns:a16="http://schemas.microsoft.com/office/drawing/2014/main" id="{3936942A-D967-5E87-56C1-302CB1DD35F3}"/>
+              </a:ext>
+            </a:extLst>
+          </p:cNvPr>
+          <p:cNvCxnSpPr>
+            <a:cxnSpLocks/>
+          </p:cNvCxnSpPr>
+          <p:nvPr/>
+        </p:nvCxnSpPr>
+        <p:spPr>
+          <a:xfrm>
+            <a:off x="6557534" y="3960277"/>
+            <a:ext cx="1783276" cy="0"/>
+          </a:xfrm>
+          <a:prstGeom prst="straightConnector1">
+            <a:avLst/>
+          </a:prstGeom>
+          <a:ln w="38100">
+            <a:tailEnd type="triangle"/>
+          </a:ln>
+        </p:spPr>
+        <p:style>
+          <a:lnRef idx="2">
+            <a:schemeClr val="accent1"/>
+          </a:lnRef>
+          <a:fillRef idx="0">
+            <a:schemeClr val="accent1"/>
+          </a:fillRef>
+          <a:effectRef idx="1">
+            <a:schemeClr val="accent1"/>
+          </a:effectRef>
+          <a:fontRef idx="minor">
+            <a:schemeClr val="tx1"/>
+          </a:fontRef>
+        </p:style>
+      </p:cxnSp>
+      <p:sp>
+        <p:nvSpPr>
+          <p:cNvPr id="13" name="TextBox 12">
+            <a:extLst>
+              <a:ext uri="{FF2B5EF4-FFF2-40B4-BE49-F238E27FC236}">
+                <a16:creationId xmlns:a16="http://schemas.microsoft.com/office/drawing/2014/main" id="{7EC009B2-31A7-9C4A-8204-A7D9B58373AD}"/>
+              </a:ext>
+            </a:extLst>
+          </p:cNvPr>
+          <p:cNvSpPr txBox="1"/>
+          <p:nvPr/>
+        </p:nvSpPr>
+        <p:spPr>
+          <a:xfrm>
+            <a:off x="4856750" y="4515993"/>
+            <a:ext cx="365806" cy="584775"/>
+          </a:xfrm>
+          <a:prstGeom prst="rect">
+            <a:avLst/>
+          </a:prstGeom>
+          <a:noFill/>
+        </p:spPr>
+        <p:txBody>
+          <a:bodyPr wrap="square" rtlCol="0">
+            <a:spAutoFit/>
+          </a:bodyPr>
+          <a:lstStyle/>
+          <a:p>
+            <a:r>
+              <a:rPr lang="en-ES" sz="3200" dirty="0"/>
+              <a:t>x</a:t>
+            </a:r>
+            <a:endParaRPr lang="en-ES" dirty="0"/>
+          </a:p>
+        </p:txBody>
+      </p:sp>
+      <p:sp>
+        <p:nvSpPr>
+          <p:cNvPr id="14" name="TextBox 13">
+            <a:extLst>
+              <a:ext uri="{FF2B5EF4-FFF2-40B4-BE49-F238E27FC236}">
+                <a1